--- a/architecture.pptx
+++ b/architecture.pptx
@@ -6,6 +6,7 @@
   </p:sldMasterIdLst>
   <p:sldIdLst>
     <p:sldId id="256" r:id="rId2"/>
+    <p:sldId id="257" r:id="rId3"/>
   </p:sldIdLst>
   <p:sldSz cx="12192000" cy="6858000"/>
   <p:notesSz cx="6858000" cy="9144000"/>
@@ -105,10 +106,6 @@
     </a:lvl9pPr>
   </p:defaultTextStyle>
 </p:presentation>
-</file>
-
-<file path=ppt/revisionInfo.xml><?xml version="1.0" encoding="utf-8"?>
-<p1510:revInfo xmlns:a="http://schemas.openxmlformats.org/drawingml/2006/main" xmlns:r="http://schemas.openxmlformats.org/officeDocument/2006/relationships" xmlns:p1510="http://schemas.microsoft.com/office/powerpoint/2015/10/main"/>
 </file>
 
 <file path=ppt/slideLayouts/slideLayout1.xml><?xml version="1.0" encoding="utf-8"?>
@@ -3343,10 +3340,27 @@
         </p:nvSpPr>
         <p:spPr/>
         <p:txBody>
-          <a:bodyPr/>
+          <a:bodyPr>
+            <a:normAutofit fontScale="90000"/>
+          </a:bodyPr>
           <a:lstStyle/>
           <a:p>
-            <a:endParaRPr lang="ko-KR" altLang="en-US"/>
+            <a:r>
+              <a:rPr lang="en-US" altLang="ko-KR" dirty="0"/>
+              <a:t>Natural Language Processing with </a:t>
+            </a:r>
+            <a:r>
+              <a:rPr lang="en-US" altLang="ko-KR" dirty="0" err="1"/>
+              <a:t>PyTorch</a:t>
+            </a:r>
+            <a:br>
+              <a:rPr lang="en-US" altLang="ko-KR" dirty="0"/>
+            </a:br>
+            <a:r>
+              <a:rPr lang="en-US" altLang="ko-KR" dirty="0"/>
+              <a:t>Architecture</a:t>
+            </a:r>
+            <a:endParaRPr lang="ko-KR" altLang="en-US" dirty="0"/>
           </a:p>
         </p:txBody>
       </p:sp>
@@ -3371,7 +3385,11 @@
           <a:bodyPr/>
           <a:lstStyle/>
           <a:p>
-            <a:endParaRPr lang="ko-KR" altLang="en-US"/>
+            <a:r>
+              <a:rPr lang="en-US" altLang="ko-KR" dirty="0"/>
+              <a:t>Ki Hyun Kim</a:t>
+            </a:r>
+            <a:endParaRPr lang="ko-KR" altLang="en-US" dirty="0"/>
           </a:p>
         </p:txBody>
       </p:sp>
@@ -3379,6 +3397,3477 @@
     <p:extLst>
       <p:ext uri="{BB962C8B-B14F-4D97-AF65-F5344CB8AC3E}">
         <p14:creationId xmlns:p14="http://schemas.microsoft.com/office/powerpoint/2010/main" val="3313117483"/>
+      </p:ext>
+    </p:extLst>
+  </p:cSld>
+  <p:clrMapOvr>
+    <a:masterClrMapping/>
+  </p:clrMapOvr>
+</p:sld>
+</file>
+
+<file path=ppt/slides/slide2.xml><?xml version="1.0" encoding="utf-8"?>
+<p:sld xmlns:a="http://schemas.openxmlformats.org/drawingml/2006/main" xmlns:r="http://schemas.openxmlformats.org/officeDocument/2006/relationships" xmlns:p="http://schemas.openxmlformats.org/presentationml/2006/main">
+  <p:cSld>
+    <p:spTree>
+      <p:nvGrpSpPr>
+        <p:cNvPr id="1" name=""/>
+        <p:cNvGrpSpPr/>
+        <p:nvPr/>
+      </p:nvGrpSpPr>
+      <p:grpSpPr>
+        <a:xfrm>
+          <a:off x="0" y="0"/>
+          <a:ext cx="0" cy="0"/>
+          <a:chOff x="0" y="0"/>
+          <a:chExt cx="0" cy="0"/>
+        </a:xfrm>
+      </p:grpSpPr>
+      <p:sp>
+        <p:nvSpPr>
+          <p:cNvPr id="4" name="직사각형 3">
+            <a:extLst>
+              <a:ext uri="{FF2B5EF4-FFF2-40B4-BE49-F238E27FC236}">
+                <a16:creationId xmlns:a16="http://schemas.microsoft.com/office/drawing/2014/main" id="{0E06A838-FED4-4913-B61A-5FE1D6941F48}"/>
+              </a:ext>
+            </a:extLst>
+          </p:cNvPr>
+          <p:cNvSpPr/>
+          <p:nvPr/>
+        </p:nvSpPr>
+        <p:spPr>
+          <a:xfrm>
+            <a:off x="1849395" y="1931773"/>
+            <a:ext cx="1025610" cy="518984"/>
+          </a:xfrm>
+          <a:prstGeom prst="rect">
+            <a:avLst/>
+          </a:prstGeom>
+        </p:spPr>
+        <p:style>
+          <a:lnRef idx="2">
+            <a:schemeClr val="dk1"/>
+          </a:lnRef>
+          <a:fillRef idx="1">
+            <a:schemeClr val="lt1"/>
+          </a:fillRef>
+          <a:effectRef idx="0">
+            <a:schemeClr val="dk1"/>
+          </a:effectRef>
+          <a:fontRef idx="minor">
+            <a:schemeClr val="dk1"/>
+          </a:fontRef>
+        </p:style>
+        <p:txBody>
+          <a:bodyPr rtlCol="0" anchor="ctr"/>
+          <a:lstStyle/>
+          <a:p>
+            <a:pPr algn="ctr"/>
+            <a:r>
+              <a:rPr lang="en-US" altLang="ko-KR" sz="1200" dirty="0" err="1"/>
+              <a:t>softmax</a:t>
+            </a:r>
+            <a:endParaRPr lang="ko-KR" altLang="en-US" sz="1200" dirty="0"/>
+          </a:p>
+        </p:txBody>
+      </p:sp>
+      <p:sp>
+        <p:nvSpPr>
+          <p:cNvPr id="5" name="직사각형 4">
+            <a:extLst>
+              <a:ext uri="{FF2B5EF4-FFF2-40B4-BE49-F238E27FC236}">
+                <a16:creationId xmlns:a16="http://schemas.microsoft.com/office/drawing/2014/main" id="{4B17B335-4D1A-446D-9E29-B51388F1B92B}"/>
+              </a:ext>
+            </a:extLst>
+          </p:cNvPr>
+          <p:cNvSpPr/>
+          <p:nvPr/>
+        </p:nvSpPr>
+        <p:spPr>
+          <a:xfrm>
+            <a:off x="1849395" y="2833816"/>
+            <a:ext cx="1025610" cy="518984"/>
+          </a:xfrm>
+          <a:prstGeom prst="rect">
+            <a:avLst/>
+          </a:prstGeom>
+        </p:spPr>
+        <p:style>
+          <a:lnRef idx="2">
+            <a:schemeClr val="dk1"/>
+          </a:lnRef>
+          <a:fillRef idx="1">
+            <a:schemeClr val="lt1"/>
+          </a:fillRef>
+          <a:effectRef idx="0">
+            <a:schemeClr val="dk1"/>
+          </a:effectRef>
+          <a:fontRef idx="minor">
+            <a:schemeClr val="dk1"/>
+          </a:fontRef>
+        </p:style>
+        <p:txBody>
+          <a:bodyPr rtlCol="0" anchor="ctr"/>
+          <a:lstStyle/>
+          <a:p>
+            <a:pPr algn="ctr"/>
+            <a:r>
+              <a:rPr lang="en-US" altLang="ko-KR" sz="1200" dirty="0" err="1"/>
+              <a:t>rnn</a:t>
+            </a:r>
+            <a:r>
+              <a:rPr lang="en-US" altLang="ko-KR" sz="1200" dirty="0"/>
+              <a:t> cell</a:t>
+            </a:r>
+            <a:endParaRPr lang="ko-KR" altLang="en-US" sz="1200" dirty="0"/>
+          </a:p>
+        </p:txBody>
+      </p:sp>
+      <p:sp>
+        <p:nvSpPr>
+          <p:cNvPr id="6" name="직사각형 5">
+            <a:extLst>
+              <a:ext uri="{FF2B5EF4-FFF2-40B4-BE49-F238E27FC236}">
+                <a16:creationId xmlns:a16="http://schemas.microsoft.com/office/drawing/2014/main" id="{8E7904AF-3116-4A57-887D-1131464010D8}"/>
+              </a:ext>
+            </a:extLst>
+          </p:cNvPr>
+          <p:cNvSpPr/>
+          <p:nvPr/>
+        </p:nvSpPr>
+        <p:spPr>
+          <a:xfrm>
+            <a:off x="1849395" y="3735859"/>
+            <a:ext cx="1025610" cy="518984"/>
+          </a:xfrm>
+          <a:prstGeom prst="rect">
+            <a:avLst/>
+          </a:prstGeom>
+        </p:spPr>
+        <p:style>
+          <a:lnRef idx="2">
+            <a:schemeClr val="dk1"/>
+          </a:lnRef>
+          <a:fillRef idx="1">
+            <a:schemeClr val="lt1"/>
+          </a:fillRef>
+          <a:effectRef idx="0">
+            <a:schemeClr val="dk1"/>
+          </a:effectRef>
+          <a:fontRef idx="minor">
+            <a:schemeClr val="dk1"/>
+          </a:fontRef>
+        </p:style>
+        <p:txBody>
+          <a:bodyPr rtlCol="0" anchor="ctr"/>
+          <a:lstStyle/>
+          <a:p>
+            <a:pPr algn="ctr"/>
+            <a:r>
+              <a:rPr lang="en-US" altLang="ko-KR" sz="1200"/>
+              <a:t>rnn cell</a:t>
+            </a:r>
+            <a:endParaRPr lang="ko-KR" altLang="en-US" sz="1200" dirty="0"/>
+          </a:p>
+        </p:txBody>
+      </p:sp>
+      <p:sp>
+        <p:nvSpPr>
+          <p:cNvPr id="7" name="직사각형 6">
+            <a:extLst>
+              <a:ext uri="{FF2B5EF4-FFF2-40B4-BE49-F238E27FC236}">
+                <a16:creationId xmlns:a16="http://schemas.microsoft.com/office/drawing/2014/main" id="{603421FD-DC8C-4906-932D-3DF702A0C3AC}"/>
+              </a:ext>
+            </a:extLst>
+          </p:cNvPr>
+          <p:cNvSpPr/>
+          <p:nvPr/>
+        </p:nvSpPr>
+        <p:spPr>
+          <a:xfrm>
+            <a:off x="1849395" y="4637902"/>
+            <a:ext cx="1025610" cy="518984"/>
+          </a:xfrm>
+          <a:prstGeom prst="rect">
+            <a:avLst/>
+          </a:prstGeom>
+        </p:spPr>
+        <p:style>
+          <a:lnRef idx="2">
+            <a:schemeClr val="dk1"/>
+          </a:lnRef>
+          <a:fillRef idx="1">
+            <a:schemeClr val="lt1"/>
+          </a:fillRef>
+          <a:effectRef idx="0">
+            <a:schemeClr val="dk1"/>
+          </a:effectRef>
+          <a:fontRef idx="minor">
+            <a:schemeClr val="dk1"/>
+          </a:fontRef>
+        </p:style>
+        <p:txBody>
+          <a:bodyPr rtlCol="0" anchor="ctr"/>
+          <a:lstStyle/>
+          <a:p>
+            <a:pPr algn="ctr"/>
+            <a:r>
+              <a:rPr lang="en-US" altLang="ko-KR" sz="1200" dirty="0"/>
+              <a:t>embedding</a:t>
+            </a:r>
+            <a:endParaRPr lang="ko-KR" altLang="en-US" sz="1200" dirty="0"/>
+          </a:p>
+        </p:txBody>
+      </p:sp>
+      <p:cxnSp>
+        <p:nvCxnSpPr>
+          <p:cNvPr id="25" name="직선 화살표 연결선 24">
+            <a:extLst>
+              <a:ext uri="{FF2B5EF4-FFF2-40B4-BE49-F238E27FC236}">
+                <a16:creationId xmlns:a16="http://schemas.microsoft.com/office/drawing/2014/main" id="{D4B10239-C0C4-4D3D-8DBF-EB3D693F3AFF}"/>
+              </a:ext>
+            </a:extLst>
+          </p:cNvPr>
+          <p:cNvCxnSpPr>
+            <a:stCxn id="7" idx="0"/>
+            <a:endCxn id="6" idx="2"/>
+          </p:cNvCxnSpPr>
+          <p:nvPr/>
+        </p:nvCxnSpPr>
+        <p:spPr>
+          <a:xfrm flipV="1">
+            <a:off x="2362200" y="4254843"/>
+            <a:ext cx="0" cy="383059"/>
+          </a:xfrm>
+          <a:prstGeom prst="straightConnector1">
+            <a:avLst/>
+          </a:prstGeom>
+          <a:ln>
+            <a:tailEnd type="triangle"/>
+          </a:ln>
+        </p:spPr>
+        <p:style>
+          <a:lnRef idx="2">
+            <a:schemeClr val="dk1"/>
+          </a:lnRef>
+          <a:fillRef idx="1">
+            <a:schemeClr val="lt1"/>
+          </a:fillRef>
+          <a:effectRef idx="0">
+            <a:schemeClr val="dk1"/>
+          </a:effectRef>
+          <a:fontRef idx="minor">
+            <a:schemeClr val="dk1"/>
+          </a:fontRef>
+        </p:style>
+      </p:cxnSp>
+      <p:cxnSp>
+        <p:nvCxnSpPr>
+          <p:cNvPr id="26" name="직선 화살표 연결선 25">
+            <a:extLst>
+              <a:ext uri="{FF2B5EF4-FFF2-40B4-BE49-F238E27FC236}">
+                <a16:creationId xmlns:a16="http://schemas.microsoft.com/office/drawing/2014/main" id="{190F1A5A-B419-4ACA-BE07-7FF89366A406}"/>
+              </a:ext>
+            </a:extLst>
+          </p:cNvPr>
+          <p:cNvCxnSpPr>
+            <a:cxnSpLocks/>
+            <a:stCxn id="6" idx="0"/>
+            <a:endCxn id="5" idx="2"/>
+          </p:cNvCxnSpPr>
+          <p:nvPr/>
+        </p:nvCxnSpPr>
+        <p:spPr>
+          <a:xfrm flipV="1">
+            <a:off x="2362200" y="3352800"/>
+            <a:ext cx="0" cy="383059"/>
+          </a:xfrm>
+          <a:prstGeom prst="straightConnector1">
+            <a:avLst/>
+          </a:prstGeom>
+          <a:ln>
+            <a:tailEnd type="triangle"/>
+          </a:ln>
+        </p:spPr>
+        <p:style>
+          <a:lnRef idx="2">
+            <a:schemeClr val="dk1"/>
+          </a:lnRef>
+          <a:fillRef idx="1">
+            <a:schemeClr val="lt1"/>
+          </a:fillRef>
+          <a:effectRef idx="0">
+            <a:schemeClr val="dk1"/>
+          </a:effectRef>
+          <a:fontRef idx="minor">
+            <a:schemeClr val="dk1"/>
+          </a:fontRef>
+        </p:style>
+      </p:cxnSp>
+      <p:cxnSp>
+        <p:nvCxnSpPr>
+          <p:cNvPr id="29" name="직선 화살표 연결선 28">
+            <a:extLst>
+              <a:ext uri="{FF2B5EF4-FFF2-40B4-BE49-F238E27FC236}">
+                <a16:creationId xmlns:a16="http://schemas.microsoft.com/office/drawing/2014/main" id="{45347D3D-F2C9-4686-8148-99A489FCCD1A}"/>
+              </a:ext>
+            </a:extLst>
+          </p:cNvPr>
+          <p:cNvCxnSpPr>
+            <a:cxnSpLocks/>
+            <a:stCxn id="5" idx="0"/>
+            <a:endCxn id="4" idx="2"/>
+          </p:cNvCxnSpPr>
+          <p:nvPr/>
+        </p:nvCxnSpPr>
+        <p:spPr>
+          <a:xfrm flipV="1">
+            <a:off x="2362200" y="2450757"/>
+            <a:ext cx="0" cy="383059"/>
+          </a:xfrm>
+          <a:prstGeom prst="straightConnector1">
+            <a:avLst/>
+          </a:prstGeom>
+          <a:ln>
+            <a:tailEnd type="triangle"/>
+          </a:ln>
+        </p:spPr>
+        <p:style>
+          <a:lnRef idx="2">
+            <a:schemeClr val="dk1"/>
+          </a:lnRef>
+          <a:fillRef idx="1">
+            <a:schemeClr val="lt1"/>
+          </a:fillRef>
+          <a:effectRef idx="0">
+            <a:schemeClr val="dk1"/>
+          </a:effectRef>
+          <a:fontRef idx="minor">
+            <a:schemeClr val="dk1"/>
+          </a:fontRef>
+        </p:style>
+      </p:cxnSp>
+      <p:cxnSp>
+        <p:nvCxnSpPr>
+          <p:cNvPr id="32" name="직선 화살표 연결선 31">
+            <a:extLst>
+              <a:ext uri="{FF2B5EF4-FFF2-40B4-BE49-F238E27FC236}">
+                <a16:creationId xmlns:a16="http://schemas.microsoft.com/office/drawing/2014/main" id="{357B943C-D597-4C4A-9B0F-DE53BAF4DBC7}"/>
+              </a:ext>
+            </a:extLst>
+          </p:cNvPr>
+          <p:cNvCxnSpPr>
+            <a:cxnSpLocks/>
+            <a:stCxn id="35" idx="0"/>
+            <a:endCxn id="7" idx="2"/>
+          </p:cNvCxnSpPr>
+          <p:nvPr/>
+        </p:nvCxnSpPr>
+        <p:spPr>
+          <a:xfrm flipV="1">
+            <a:off x="2362200" y="5156886"/>
+            <a:ext cx="0" cy="333634"/>
+          </a:xfrm>
+          <a:prstGeom prst="straightConnector1">
+            <a:avLst/>
+          </a:prstGeom>
+          <a:ln>
+            <a:tailEnd type="triangle"/>
+          </a:ln>
+        </p:spPr>
+        <p:style>
+          <a:lnRef idx="2">
+            <a:schemeClr val="dk1"/>
+          </a:lnRef>
+          <a:fillRef idx="1">
+            <a:schemeClr val="lt1"/>
+          </a:fillRef>
+          <a:effectRef idx="0">
+            <a:schemeClr val="dk1"/>
+          </a:effectRef>
+          <a:fontRef idx="minor">
+            <a:schemeClr val="dk1"/>
+          </a:fontRef>
+        </p:style>
+      </p:cxnSp>
+      <mc:AlternateContent xmlns:mc="http://schemas.openxmlformats.org/markup-compatibility/2006">
+        <mc:Choice xmlns:a14="http://schemas.microsoft.com/office/drawing/2010/main" Requires="a14">
+          <p:sp>
+            <p:nvSpPr>
+              <p:cNvPr id="35" name="TextBox 34">
+                <a:extLst>
+                  <a:ext uri="{FF2B5EF4-FFF2-40B4-BE49-F238E27FC236}">
+                    <a16:creationId xmlns:a16="http://schemas.microsoft.com/office/drawing/2014/main" id="{E630FDCB-2C47-4F81-A03C-9CE4993D1547}"/>
+                  </a:ext>
+                </a:extLst>
+              </p:cNvPr>
+              <p:cNvSpPr txBox="1"/>
+              <p:nvPr/>
+            </p:nvSpPr>
+            <p:spPr>
+              <a:xfrm>
+                <a:off x="2114728" y="5490520"/>
+                <a:ext cx="494943" cy="369332"/>
+              </a:xfrm>
+              <a:prstGeom prst="rect">
+                <a:avLst/>
+              </a:prstGeom>
+              <a:noFill/>
+            </p:spPr>
+            <p:txBody>
+              <a:bodyPr wrap="none" rtlCol="0">
+                <a:spAutoFit/>
+              </a:bodyPr>
+              <a:lstStyle/>
+              <a:p>
+                <a14:m>
+                  <m:oMathPara xmlns:m="http://schemas.openxmlformats.org/officeDocument/2006/math">
+                    <m:oMathParaPr>
+                      <m:jc m:val="centerGroup"/>
+                    </m:oMathParaPr>
+                    <m:oMath xmlns:m="http://schemas.openxmlformats.org/officeDocument/2006/math">
+                      <m:sSub>
+                        <m:sSubPr>
+                          <m:ctrlPr>
+                            <a:rPr lang="en-US" altLang="ko-KR" i="1" smtClean="0">
+                              <a:latin typeface="Cambria Math" panose="02040503050406030204" pitchFamily="18" charset="0"/>
+                            </a:rPr>
+                          </m:ctrlPr>
+                        </m:sSubPr>
+                        <m:e>
+                          <m:r>
+                            <a:rPr lang="en-US" altLang="ko-KR" b="0" i="1" smtClean="0">
+                              <a:latin typeface="Cambria Math" panose="02040503050406030204" pitchFamily="18" charset="0"/>
+                            </a:rPr>
+                            <m:t>𝑥</m:t>
+                          </m:r>
+                        </m:e>
+                        <m:sub>
+                          <m:r>
+                            <a:rPr lang="en-US" altLang="ko-KR" b="0" i="1" smtClean="0">
+                              <a:latin typeface="Cambria Math" panose="02040503050406030204" pitchFamily="18" charset="0"/>
+                            </a:rPr>
+                            <m:t>0</m:t>
+                          </m:r>
+                        </m:sub>
+                      </m:sSub>
+                    </m:oMath>
+                  </m:oMathPara>
+                </a14:m>
+                <a:endParaRPr lang="ko-KR" altLang="en-US" dirty="0"/>
+              </a:p>
+            </p:txBody>
+          </p:sp>
+        </mc:Choice>
+        <mc:Fallback>
+          <p:sp>
+            <p:nvSpPr>
+              <p:cNvPr id="35" name="TextBox 34">
+                <a:extLst>
+                  <a:ext uri="{FF2B5EF4-FFF2-40B4-BE49-F238E27FC236}">
+                    <a16:creationId xmlns:a16="http://schemas.microsoft.com/office/drawing/2014/main" id="{E630FDCB-2C47-4F81-A03C-9CE4993D1547}"/>
+                  </a:ext>
+                </a:extLst>
+              </p:cNvPr>
+              <p:cNvSpPr txBox="1">
+                <a:spLocks noRot="1" noChangeAspect="1" noMove="1" noResize="1" noEditPoints="1" noAdjustHandles="1" noChangeArrowheads="1" noChangeShapeType="1" noTextEdit="1"/>
+              </p:cNvSpPr>
+              <p:nvPr/>
+            </p:nvSpPr>
+            <p:spPr>
+              <a:xfrm>
+                <a:off x="2114728" y="5490520"/>
+                <a:ext cx="494943" cy="369332"/>
+              </a:xfrm>
+              <a:prstGeom prst="rect">
+                <a:avLst/>
+              </a:prstGeom>
+              <a:blipFill>
+                <a:blip r:embed="rId2"/>
+                <a:stretch>
+                  <a:fillRect b="-3333"/>
+                </a:stretch>
+              </a:blipFill>
+            </p:spPr>
+            <p:txBody>
+              <a:bodyPr/>
+              <a:lstStyle/>
+              <a:p>
+                <a:r>
+                  <a:rPr lang="ko-KR" altLang="en-US">
+                    <a:noFill/>
+                  </a:rPr>
+                  <a:t> </a:t>
+                </a:r>
+              </a:p>
+            </p:txBody>
+          </p:sp>
+        </mc:Fallback>
+      </mc:AlternateContent>
+      <mc:AlternateContent xmlns:mc="http://schemas.openxmlformats.org/markup-compatibility/2006">
+        <mc:Choice xmlns:a14="http://schemas.microsoft.com/office/drawing/2010/main" Requires="a14">
+          <p:sp>
+            <p:nvSpPr>
+              <p:cNvPr id="37" name="TextBox 36">
+                <a:extLst>
+                  <a:ext uri="{FF2B5EF4-FFF2-40B4-BE49-F238E27FC236}">
+                    <a16:creationId xmlns:a16="http://schemas.microsoft.com/office/drawing/2014/main" id="{D50DEA0E-AC37-4740-9570-DABDAE8CD3A2}"/>
+                  </a:ext>
+                </a:extLst>
+              </p:cNvPr>
+              <p:cNvSpPr txBox="1"/>
+              <p:nvPr/>
+            </p:nvSpPr>
+            <p:spPr>
+              <a:xfrm>
+                <a:off x="2120050" y="1228123"/>
+                <a:ext cx="489621" cy="369332"/>
+              </a:xfrm>
+              <a:prstGeom prst="rect">
+                <a:avLst/>
+              </a:prstGeom>
+              <a:noFill/>
+            </p:spPr>
+            <p:txBody>
+              <a:bodyPr wrap="none" rtlCol="0">
+                <a:spAutoFit/>
+              </a:bodyPr>
+              <a:lstStyle/>
+              <a:p>
+                <a14:m>
+                  <m:oMathPara xmlns:m="http://schemas.openxmlformats.org/officeDocument/2006/math">
+                    <m:oMathParaPr>
+                      <m:jc m:val="centerGroup"/>
+                    </m:oMathParaPr>
+                    <m:oMath xmlns:m="http://schemas.openxmlformats.org/officeDocument/2006/math">
+                      <m:sSub>
+                        <m:sSubPr>
+                          <m:ctrlPr>
+                            <a:rPr lang="en-US" altLang="ko-KR" i="1" smtClean="0">
+                              <a:latin typeface="Cambria Math" panose="02040503050406030204" pitchFamily="18" charset="0"/>
+                            </a:rPr>
+                          </m:ctrlPr>
+                        </m:sSubPr>
+                        <m:e>
+                          <m:acc>
+                            <m:accPr>
+                              <m:chr m:val="̂"/>
+                              <m:ctrlPr>
+                                <a:rPr lang="en-US" altLang="ko-KR" i="1" smtClean="0">
+                                  <a:latin typeface="Cambria Math" panose="02040503050406030204" pitchFamily="18" charset="0"/>
+                                </a:rPr>
+                              </m:ctrlPr>
+                            </m:accPr>
+                            <m:e>
+                              <m:r>
+                                <a:rPr lang="en-US" altLang="ko-KR" b="0" i="1" smtClean="0">
+                                  <a:latin typeface="Cambria Math" panose="02040503050406030204" pitchFamily="18" charset="0"/>
+                                </a:rPr>
+                                <m:t>𝑥</m:t>
+                              </m:r>
+                            </m:e>
+                          </m:acc>
+                        </m:e>
+                        <m:sub>
+                          <m:r>
+                            <a:rPr lang="en-US" altLang="ko-KR" b="0" i="1" smtClean="0">
+                              <a:latin typeface="Cambria Math" panose="02040503050406030204" pitchFamily="18" charset="0"/>
+                            </a:rPr>
+                            <m:t>1</m:t>
+                          </m:r>
+                        </m:sub>
+                      </m:sSub>
+                    </m:oMath>
+                  </m:oMathPara>
+                </a14:m>
+                <a:endParaRPr lang="ko-KR" altLang="en-US" dirty="0"/>
+              </a:p>
+            </p:txBody>
+          </p:sp>
+        </mc:Choice>
+        <mc:Fallback>
+          <p:sp>
+            <p:nvSpPr>
+              <p:cNvPr id="37" name="TextBox 36">
+                <a:extLst>
+                  <a:ext uri="{FF2B5EF4-FFF2-40B4-BE49-F238E27FC236}">
+                    <a16:creationId xmlns:a16="http://schemas.microsoft.com/office/drawing/2014/main" id="{D50DEA0E-AC37-4740-9570-DABDAE8CD3A2}"/>
+                  </a:ext>
+                </a:extLst>
+              </p:cNvPr>
+              <p:cNvSpPr txBox="1">
+                <a:spLocks noRot="1" noChangeAspect="1" noMove="1" noResize="1" noEditPoints="1" noAdjustHandles="1" noChangeArrowheads="1" noChangeShapeType="1" noTextEdit="1"/>
+              </p:cNvSpPr>
+              <p:nvPr/>
+            </p:nvSpPr>
+            <p:spPr>
+              <a:xfrm>
+                <a:off x="2120050" y="1228123"/>
+                <a:ext cx="489621" cy="369332"/>
+              </a:xfrm>
+              <a:prstGeom prst="rect">
+                <a:avLst/>
+              </a:prstGeom>
+              <a:blipFill>
+                <a:blip r:embed="rId3"/>
+                <a:stretch>
+                  <a:fillRect t="-3279" r="-13750" b="-1639"/>
+                </a:stretch>
+              </a:blipFill>
+            </p:spPr>
+            <p:txBody>
+              <a:bodyPr/>
+              <a:lstStyle/>
+              <a:p>
+                <a:r>
+                  <a:rPr lang="ko-KR" altLang="en-US">
+                    <a:noFill/>
+                  </a:rPr>
+                  <a:t> </a:t>
+                </a:r>
+              </a:p>
+            </p:txBody>
+          </p:sp>
+        </mc:Fallback>
+      </mc:AlternateContent>
+      <p:cxnSp>
+        <p:nvCxnSpPr>
+          <p:cNvPr id="38" name="직선 화살표 연결선 37">
+            <a:extLst>
+              <a:ext uri="{FF2B5EF4-FFF2-40B4-BE49-F238E27FC236}">
+                <a16:creationId xmlns:a16="http://schemas.microsoft.com/office/drawing/2014/main" id="{D1F03281-25AB-4AF2-8FCE-57AB26AFF181}"/>
+              </a:ext>
+            </a:extLst>
+          </p:cNvPr>
+          <p:cNvCxnSpPr>
+            <a:cxnSpLocks/>
+            <a:stCxn id="4" idx="0"/>
+            <a:endCxn id="37" idx="2"/>
+          </p:cNvCxnSpPr>
+          <p:nvPr/>
+        </p:nvCxnSpPr>
+        <p:spPr>
+          <a:xfrm flipV="1">
+            <a:off x="2362200" y="1597455"/>
+            <a:ext cx="2661" cy="334318"/>
+          </a:xfrm>
+          <a:prstGeom prst="straightConnector1">
+            <a:avLst/>
+          </a:prstGeom>
+          <a:ln>
+            <a:tailEnd type="triangle"/>
+          </a:ln>
+        </p:spPr>
+        <p:style>
+          <a:lnRef idx="2">
+            <a:schemeClr val="dk1"/>
+          </a:lnRef>
+          <a:fillRef idx="1">
+            <a:schemeClr val="lt1"/>
+          </a:fillRef>
+          <a:effectRef idx="0">
+            <a:schemeClr val="dk1"/>
+          </a:effectRef>
+          <a:fontRef idx="minor">
+            <a:schemeClr val="dk1"/>
+          </a:fontRef>
+        </p:style>
+      </p:cxnSp>
+      <p:sp>
+        <p:nvSpPr>
+          <p:cNvPr id="41" name="직사각형 40">
+            <a:extLst>
+              <a:ext uri="{FF2B5EF4-FFF2-40B4-BE49-F238E27FC236}">
+                <a16:creationId xmlns:a16="http://schemas.microsoft.com/office/drawing/2014/main" id="{0BC60C19-494F-4C1C-8B37-CF15C1916AF5}"/>
+              </a:ext>
+            </a:extLst>
+          </p:cNvPr>
+          <p:cNvSpPr/>
+          <p:nvPr/>
+        </p:nvSpPr>
+        <p:spPr>
+          <a:xfrm>
+            <a:off x="3387810" y="1931773"/>
+            <a:ext cx="1025610" cy="518984"/>
+          </a:xfrm>
+          <a:prstGeom prst="rect">
+            <a:avLst/>
+          </a:prstGeom>
+        </p:spPr>
+        <p:style>
+          <a:lnRef idx="2">
+            <a:schemeClr val="dk1"/>
+          </a:lnRef>
+          <a:fillRef idx="1">
+            <a:schemeClr val="lt1"/>
+          </a:fillRef>
+          <a:effectRef idx="0">
+            <a:schemeClr val="dk1"/>
+          </a:effectRef>
+          <a:fontRef idx="minor">
+            <a:schemeClr val="dk1"/>
+          </a:fontRef>
+        </p:style>
+        <p:txBody>
+          <a:bodyPr rtlCol="0" anchor="ctr"/>
+          <a:lstStyle/>
+          <a:p>
+            <a:pPr algn="ctr"/>
+            <a:r>
+              <a:rPr lang="en-US" altLang="ko-KR" sz="1200" dirty="0" err="1"/>
+              <a:t>softmax</a:t>
+            </a:r>
+            <a:endParaRPr lang="ko-KR" altLang="en-US" sz="1200" dirty="0"/>
+          </a:p>
+        </p:txBody>
+      </p:sp>
+      <p:sp>
+        <p:nvSpPr>
+          <p:cNvPr id="42" name="직사각형 41">
+            <a:extLst>
+              <a:ext uri="{FF2B5EF4-FFF2-40B4-BE49-F238E27FC236}">
+                <a16:creationId xmlns:a16="http://schemas.microsoft.com/office/drawing/2014/main" id="{2A58C1EC-C73F-4EA4-8F9E-AB728843443D}"/>
+              </a:ext>
+            </a:extLst>
+          </p:cNvPr>
+          <p:cNvSpPr/>
+          <p:nvPr/>
+        </p:nvSpPr>
+        <p:spPr>
+          <a:xfrm>
+            <a:off x="3387810" y="2833816"/>
+            <a:ext cx="1025610" cy="518984"/>
+          </a:xfrm>
+          <a:prstGeom prst="rect">
+            <a:avLst/>
+          </a:prstGeom>
+        </p:spPr>
+        <p:style>
+          <a:lnRef idx="2">
+            <a:schemeClr val="dk1"/>
+          </a:lnRef>
+          <a:fillRef idx="1">
+            <a:schemeClr val="lt1"/>
+          </a:fillRef>
+          <a:effectRef idx="0">
+            <a:schemeClr val="dk1"/>
+          </a:effectRef>
+          <a:fontRef idx="minor">
+            <a:schemeClr val="dk1"/>
+          </a:fontRef>
+        </p:style>
+        <p:txBody>
+          <a:bodyPr rtlCol="0" anchor="ctr"/>
+          <a:lstStyle/>
+          <a:p>
+            <a:pPr algn="ctr"/>
+            <a:r>
+              <a:rPr lang="en-US" altLang="ko-KR" sz="1200" dirty="0" err="1"/>
+              <a:t>rnn</a:t>
+            </a:r>
+            <a:r>
+              <a:rPr lang="en-US" altLang="ko-KR" sz="1200" dirty="0"/>
+              <a:t> cell</a:t>
+            </a:r>
+            <a:endParaRPr lang="ko-KR" altLang="en-US" sz="1200" dirty="0"/>
+          </a:p>
+        </p:txBody>
+      </p:sp>
+      <p:sp>
+        <p:nvSpPr>
+          <p:cNvPr id="43" name="직사각형 42">
+            <a:extLst>
+              <a:ext uri="{FF2B5EF4-FFF2-40B4-BE49-F238E27FC236}">
+                <a16:creationId xmlns:a16="http://schemas.microsoft.com/office/drawing/2014/main" id="{2819E65A-4EA9-478B-96EC-06886016E82F}"/>
+              </a:ext>
+            </a:extLst>
+          </p:cNvPr>
+          <p:cNvSpPr/>
+          <p:nvPr/>
+        </p:nvSpPr>
+        <p:spPr>
+          <a:xfrm>
+            <a:off x="3387810" y="3735859"/>
+            <a:ext cx="1025610" cy="518984"/>
+          </a:xfrm>
+          <a:prstGeom prst="rect">
+            <a:avLst/>
+          </a:prstGeom>
+        </p:spPr>
+        <p:style>
+          <a:lnRef idx="2">
+            <a:schemeClr val="dk1"/>
+          </a:lnRef>
+          <a:fillRef idx="1">
+            <a:schemeClr val="lt1"/>
+          </a:fillRef>
+          <a:effectRef idx="0">
+            <a:schemeClr val="dk1"/>
+          </a:effectRef>
+          <a:fontRef idx="minor">
+            <a:schemeClr val="dk1"/>
+          </a:fontRef>
+        </p:style>
+        <p:txBody>
+          <a:bodyPr rtlCol="0" anchor="ctr"/>
+          <a:lstStyle/>
+          <a:p>
+            <a:pPr algn="ctr"/>
+            <a:r>
+              <a:rPr lang="en-US" altLang="ko-KR" sz="1200"/>
+              <a:t>rnn cell</a:t>
+            </a:r>
+            <a:endParaRPr lang="ko-KR" altLang="en-US" sz="1200" dirty="0"/>
+          </a:p>
+        </p:txBody>
+      </p:sp>
+      <p:sp>
+        <p:nvSpPr>
+          <p:cNvPr id="44" name="직사각형 43">
+            <a:extLst>
+              <a:ext uri="{FF2B5EF4-FFF2-40B4-BE49-F238E27FC236}">
+                <a16:creationId xmlns:a16="http://schemas.microsoft.com/office/drawing/2014/main" id="{55E8DD3F-6CCD-45AF-9AFE-4005CB93ACD1}"/>
+              </a:ext>
+            </a:extLst>
+          </p:cNvPr>
+          <p:cNvSpPr/>
+          <p:nvPr/>
+        </p:nvSpPr>
+        <p:spPr>
+          <a:xfrm>
+            <a:off x="3387810" y="4637902"/>
+            <a:ext cx="1025610" cy="518984"/>
+          </a:xfrm>
+          <a:prstGeom prst="rect">
+            <a:avLst/>
+          </a:prstGeom>
+        </p:spPr>
+        <p:style>
+          <a:lnRef idx="2">
+            <a:schemeClr val="dk1"/>
+          </a:lnRef>
+          <a:fillRef idx="1">
+            <a:schemeClr val="lt1"/>
+          </a:fillRef>
+          <a:effectRef idx="0">
+            <a:schemeClr val="dk1"/>
+          </a:effectRef>
+          <a:fontRef idx="minor">
+            <a:schemeClr val="dk1"/>
+          </a:fontRef>
+        </p:style>
+        <p:txBody>
+          <a:bodyPr rtlCol="0" anchor="ctr"/>
+          <a:lstStyle/>
+          <a:p>
+            <a:pPr algn="ctr"/>
+            <a:r>
+              <a:rPr lang="en-US" altLang="ko-KR" sz="1200" dirty="0"/>
+              <a:t>embedding</a:t>
+            </a:r>
+            <a:endParaRPr lang="ko-KR" altLang="en-US" sz="1200" dirty="0"/>
+          </a:p>
+        </p:txBody>
+      </p:sp>
+      <p:cxnSp>
+        <p:nvCxnSpPr>
+          <p:cNvPr id="45" name="직선 화살표 연결선 44">
+            <a:extLst>
+              <a:ext uri="{FF2B5EF4-FFF2-40B4-BE49-F238E27FC236}">
+                <a16:creationId xmlns:a16="http://schemas.microsoft.com/office/drawing/2014/main" id="{0C853062-BECE-49D2-975E-204DA9EC4CE6}"/>
+              </a:ext>
+            </a:extLst>
+          </p:cNvPr>
+          <p:cNvCxnSpPr>
+            <a:stCxn id="44" idx="0"/>
+            <a:endCxn id="43" idx="2"/>
+          </p:cNvCxnSpPr>
+          <p:nvPr/>
+        </p:nvCxnSpPr>
+        <p:spPr>
+          <a:xfrm flipV="1">
+            <a:off x="3900615" y="4254843"/>
+            <a:ext cx="0" cy="383059"/>
+          </a:xfrm>
+          <a:prstGeom prst="straightConnector1">
+            <a:avLst/>
+          </a:prstGeom>
+          <a:ln>
+            <a:tailEnd type="triangle"/>
+          </a:ln>
+        </p:spPr>
+        <p:style>
+          <a:lnRef idx="2">
+            <a:schemeClr val="dk1"/>
+          </a:lnRef>
+          <a:fillRef idx="1">
+            <a:schemeClr val="lt1"/>
+          </a:fillRef>
+          <a:effectRef idx="0">
+            <a:schemeClr val="dk1"/>
+          </a:effectRef>
+          <a:fontRef idx="minor">
+            <a:schemeClr val="dk1"/>
+          </a:fontRef>
+        </p:style>
+      </p:cxnSp>
+      <p:cxnSp>
+        <p:nvCxnSpPr>
+          <p:cNvPr id="46" name="직선 화살표 연결선 45">
+            <a:extLst>
+              <a:ext uri="{FF2B5EF4-FFF2-40B4-BE49-F238E27FC236}">
+                <a16:creationId xmlns:a16="http://schemas.microsoft.com/office/drawing/2014/main" id="{5B958F5D-DD71-4D75-A0F9-1006CFD6B533}"/>
+              </a:ext>
+            </a:extLst>
+          </p:cNvPr>
+          <p:cNvCxnSpPr>
+            <a:cxnSpLocks/>
+            <a:stCxn id="43" idx="0"/>
+            <a:endCxn id="42" idx="2"/>
+          </p:cNvCxnSpPr>
+          <p:nvPr/>
+        </p:nvCxnSpPr>
+        <p:spPr>
+          <a:xfrm flipV="1">
+            <a:off x="3900615" y="3352800"/>
+            <a:ext cx="0" cy="383059"/>
+          </a:xfrm>
+          <a:prstGeom prst="straightConnector1">
+            <a:avLst/>
+          </a:prstGeom>
+          <a:ln>
+            <a:tailEnd type="triangle"/>
+          </a:ln>
+        </p:spPr>
+        <p:style>
+          <a:lnRef idx="2">
+            <a:schemeClr val="dk1"/>
+          </a:lnRef>
+          <a:fillRef idx="1">
+            <a:schemeClr val="lt1"/>
+          </a:fillRef>
+          <a:effectRef idx="0">
+            <a:schemeClr val="dk1"/>
+          </a:effectRef>
+          <a:fontRef idx="minor">
+            <a:schemeClr val="dk1"/>
+          </a:fontRef>
+        </p:style>
+      </p:cxnSp>
+      <p:cxnSp>
+        <p:nvCxnSpPr>
+          <p:cNvPr id="47" name="직선 화살표 연결선 46">
+            <a:extLst>
+              <a:ext uri="{FF2B5EF4-FFF2-40B4-BE49-F238E27FC236}">
+                <a16:creationId xmlns:a16="http://schemas.microsoft.com/office/drawing/2014/main" id="{D1B160E3-26AA-4F15-B05C-5BE923A1BC03}"/>
+              </a:ext>
+            </a:extLst>
+          </p:cNvPr>
+          <p:cNvCxnSpPr>
+            <a:cxnSpLocks/>
+            <a:stCxn id="42" idx="0"/>
+            <a:endCxn id="41" idx="2"/>
+          </p:cNvCxnSpPr>
+          <p:nvPr/>
+        </p:nvCxnSpPr>
+        <p:spPr>
+          <a:xfrm flipV="1">
+            <a:off x="3900615" y="2450757"/>
+            <a:ext cx="0" cy="383059"/>
+          </a:xfrm>
+          <a:prstGeom prst="straightConnector1">
+            <a:avLst/>
+          </a:prstGeom>
+          <a:ln>
+            <a:tailEnd type="triangle"/>
+          </a:ln>
+        </p:spPr>
+        <p:style>
+          <a:lnRef idx="2">
+            <a:schemeClr val="dk1"/>
+          </a:lnRef>
+          <a:fillRef idx="1">
+            <a:schemeClr val="lt1"/>
+          </a:fillRef>
+          <a:effectRef idx="0">
+            <a:schemeClr val="dk1"/>
+          </a:effectRef>
+          <a:fontRef idx="minor">
+            <a:schemeClr val="dk1"/>
+          </a:fontRef>
+        </p:style>
+      </p:cxnSp>
+      <p:cxnSp>
+        <p:nvCxnSpPr>
+          <p:cNvPr id="48" name="직선 화살표 연결선 47">
+            <a:extLst>
+              <a:ext uri="{FF2B5EF4-FFF2-40B4-BE49-F238E27FC236}">
+                <a16:creationId xmlns:a16="http://schemas.microsoft.com/office/drawing/2014/main" id="{F912C9A2-1DA6-4125-8858-05EA12FB73C1}"/>
+              </a:ext>
+            </a:extLst>
+          </p:cNvPr>
+          <p:cNvCxnSpPr>
+            <a:cxnSpLocks/>
+            <a:stCxn id="49" idx="0"/>
+            <a:endCxn id="44" idx="2"/>
+          </p:cNvCxnSpPr>
+          <p:nvPr/>
+        </p:nvCxnSpPr>
+        <p:spPr>
+          <a:xfrm flipV="1">
+            <a:off x="3897954" y="5156886"/>
+            <a:ext cx="2661" cy="333634"/>
+          </a:xfrm>
+          <a:prstGeom prst="straightConnector1">
+            <a:avLst/>
+          </a:prstGeom>
+          <a:ln>
+            <a:tailEnd type="triangle"/>
+          </a:ln>
+        </p:spPr>
+        <p:style>
+          <a:lnRef idx="2">
+            <a:schemeClr val="dk1"/>
+          </a:lnRef>
+          <a:fillRef idx="1">
+            <a:schemeClr val="lt1"/>
+          </a:fillRef>
+          <a:effectRef idx="0">
+            <a:schemeClr val="dk1"/>
+          </a:effectRef>
+          <a:fontRef idx="minor">
+            <a:schemeClr val="dk1"/>
+          </a:fontRef>
+        </p:style>
+      </p:cxnSp>
+      <mc:AlternateContent xmlns:mc="http://schemas.openxmlformats.org/markup-compatibility/2006">
+        <mc:Choice xmlns:a14="http://schemas.microsoft.com/office/drawing/2010/main" Requires="a14">
+          <p:sp>
+            <p:nvSpPr>
+              <p:cNvPr id="49" name="TextBox 48">
+                <a:extLst>
+                  <a:ext uri="{FF2B5EF4-FFF2-40B4-BE49-F238E27FC236}">
+                    <a16:creationId xmlns:a16="http://schemas.microsoft.com/office/drawing/2014/main" id="{0B3C9687-0FDD-4D92-BE4F-47D281BC71F9}"/>
+                  </a:ext>
+                </a:extLst>
+              </p:cNvPr>
+              <p:cNvSpPr txBox="1"/>
+              <p:nvPr/>
+            </p:nvSpPr>
+            <p:spPr>
+              <a:xfrm>
+                <a:off x="3653143" y="5490520"/>
+                <a:ext cx="489621" cy="369332"/>
+              </a:xfrm>
+              <a:prstGeom prst="rect">
+                <a:avLst/>
+              </a:prstGeom>
+              <a:noFill/>
+            </p:spPr>
+            <p:txBody>
+              <a:bodyPr wrap="none" rtlCol="0">
+                <a:spAutoFit/>
+              </a:bodyPr>
+              <a:lstStyle/>
+              <a:p>
+                <a14:m>
+                  <m:oMathPara xmlns:m="http://schemas.openxmlformats.org/officeDocument/2006/math">
+                    <m:oMathParaPr>
+                      <m:jc m:val="centerGroup"/>
+                    </m:oMathParaPr>
+                    <m:oMath xmlns:m="http://schemas.openxmlformats.org/officeDocument/2006/math">
+                      <m:sSub>
+                        <m:sSubPr>
+                          <m:ctrlPr>
+                            <a:rPr lang="en-US" altLang="ko-KR" i="1" smtClean="0">
+                              <a:latin typeface="Cambria Math" panose="02040503050406030204" pitchFamily="18" charset="0"/>
+                            </a:rPr>
+                          </m:ctrlPr>
+                        </m:sSubPr>
+                        <m:e>
+                          <m:r>
+                            <a:rPr lang="en-US" altLang="ko-KR" b="0" i="1" smtClean="0">
+                              <a:latin typeface="Cambria Math" panose="02040503050406030204" pitchFamily="18" charset="0"/>
+                            </a:rPr>
+                            <m:t>𝑥</m:t>
+                          </m:r>
+                        </m:e>
+                        <m:sub>
+                          <m:r>
+                            <a:rPr lang="en-US" altLang="ko-KR" b="0" i="1" smtClean="0">
+                              <a:latin typeface="Cambria Math" panose="02040503050406030204" pitchFamily="18" charset="0"/>
+                            </a:rPr>
+                            <m:t>1</m:t>
+                          </m:r>
+                        </m:sub>
+                      </m:sSub>
+                    </m:oMath>
+                  </m:oMathPara>
+                </a14:m>
+                <a:endParaRPr lang="ko-KR" altLang="en-US" dirty="0"/>
+              </a:p>
+            </p:txBody>
+          </p:sp>
+        </mc:Choice>
+        <mc:Fallback>
+          <p:sp>
+            <p:nvSpPr>
+              <p:cNvPr id="49" name="TextBox 48">
+                <a:extLst>
+                  <a:ext uri="{FF2B5EF4-FFF2-40B4-BE49-F238E27FC236}">
+                    <a16:creationId xmlns:a16="http://schemas.microsoft.com/office/drawing/2014/main" id="{0B3C9687-0FDD-4D92-BE4F-47D281BC71F9}"/>
+                  </a:ext>
+                </a:extLst>
+              </p:cNvPr>
+              <p:cNvSpPr txBox="1">
+                <a:spLocks noRot="1" noChangeAspect="1" noMove="1" noResize="1" noEditPoints="1" noAdjustHandles="1" noChangeArrowheads="1" noChangeShapeType="1" noTextEdit="1"/>
+              </p:cNvSpPr>
+              <p:nvPr/>
+            </p:nvSpPr>
+            <p:spPr>
+              <a:xfrm>
+                <a:off x="3653143" y="5490520"/>
+                <a:ext cx="489621" cy="369332"/>
+              </a:xfrm>
+              <a:prstGeom prst="rect">
+                <a:avLst/>
+              </a:prstGeom>
+              <a:blipFill>
+                <a:blip r:embed="rId4"/>
+                <a:stretch>
+                  <a:fillRect b="-3333"/>
+                </a:stretch>
+              </a:blipFill>
+            </p:spPr>
+            <p:txBody>
+              <a:bodyPr/>
+              <a:lstStyle/>
+              <a:p>
+                <a:r>
+                  <a:rPr lang="ko-KR" altLang="en-US">
+                    <a:noFill/>
+                  </a:rPr>
+                  <a:t> </a:t>
+                </a:r>
+              </a:p>
+            </p:txBody>
+          </p:sp>
+        </mc:Fallback>
+      </mc:AlternateContent>
+      <mc:AlternateContent xmlns:mc="http://schemas.openxmlformats.org/markup-compatibility/2006">
+        <mc:Choice xmlns:a14="http://schemas.microsoft.com/office/drawing/2010/main" Requires="a14">
+          <p:sp>
+            <p:nvSpPr>
+              <p:cNvPr id="50" name="TextBox 49">
+                <a:extLst>
+                  <a:ext uri="{FF2B5EF4-FFF2-40B4-BE49-F238E27FC236}">
+                    <a16:creationId xmlns:a16="http://schemas.microsoft.com/office/drawing/2014/main" id="{D58B2475-B731-440C-AEBF-D6D02668C86B}"/>
+                  </a:ext>
+                </a:extLst>
+              </p:cNvPr>
+              <p:cNvSpPr txBox="1"/>
+              <p:nvPr/>
+            </p:nvSpPr>
+            <p:spPr>
+              <a:xfrm>
+                <a:off x="3658465" y="1228123"/>
+                <a:ext cx="494943" cy="369332"/>
+              </a:xfrm>
+              <a:prstGeom prst="rect">
+                <a:avLst/>
+              </a:prstGeom>
+              <a:noFill/>
+            </p:spPr>
+            <p:txBody>
+              <a:bodyPr wrap="none" rtlCol="0">
+                <a:spAutoFit/>
+              </a:bodyPr>
+              <a:lstStyle/>
+              <a:p>
+                <a14:m>
+                  <m:oMathPara xmlns:m="http://schemas.openxmlformats.org/officeDocument/2006/math">
+                    <m:oMathParaPr>
+                      <m:jc m:val="centerGroup"/>
+                    </m:oMathParaPr>
+                    <m:oMath xmlns:m="http://schemas.openxmlformats.org/officeDocument/2006/math">
+                      <m:sSub>
+                        <m:sSubPr>
+                          <m:ctrlPr>
+                            <a:rPr lang="en-US" altLang="ko-KR" i="1" smtClean="0">
+                              <a:latin typeface="Cambria Math" panose="02040503050406030204" pitchFamily="18" charset="0"/>
+                            </a:rPr>
+                          </m:ctrlPr>
+                        </m:sSubPr>
+                        <m:e>
+                          <m:acc>
+                            <m:accPr>
+                              <m:chr m:val="̂"/>
+                              <m:ctrlPr>
+                                <a:rPr lang="en-US" altLang="ko-KR" i="1" smtClean="0">
+                                  <a:latin typeface="Cambria Math" panose="02040503050406030204" pitchFamily="18" charset="0"/>
+                                </a:rPr>
+                              </m:ctrlPr>
+                            </m:accPr>
+                            <m:e>
+                              <m:r>
+                                <a:rPr lang="en-US" altLang="ko-KR" b="0" i="1" smtClean="0">
+                                  <a:latin typeface="Cambria Math" panose="02040503050406030204" pitchFamily="18" charset="0"/>
+                                </a:rPr>
+                                <m:t>𝑥</m:t>
+                              </m:r>
+                            </m:e>
+                          </m:acc>
+                        </m:e>
+                        <m:sub>
+                          <m:r>
+                            <a:rPr lang="en-US" altLang="ko-KR" b="0" i="1" smtClean="0">
+                              <a:latin typeface="Cambria Math" panose="02040503050406030204" pitchFamily="18" charset="0"/>
+                            </a:rPr>
+                            <m:t>2</m:t>
+                          </m:r>
+                        </m:sub>
+                      </m:sSub>
+                    </m:oMath>
+                  </m:oMathPara>
+                </a14:m>
+                <a:endParaRPr lang="ko-KR" altLang="en-US" dirty="0"/>
+              </a:p>
+            </p:txBody>
+          </p:sp>
+        </mc:Choice>
+        <mc:Fallback>
+          <p:sp>
+            <p:nvSpPr>
+              <p:cNvPr id="50" name="TextBox 49">
+                <a:extLst>
+                  <a:ext uri="{FF2B5EF4-FFF2-40B4-BE49-F238E27FC236}">
+                    <a16:creationId xmlns:a16="http://schemas.microsoft.com/office/drawing/2014/main" id="{D58B2475-B731-440C-AEBF-D6D02668C86B}"/>
+                  </a:ext>
+                </a:extLst>
+              </p:cNvPr>
+              <p:cNvSpPr txBox="1">
+                <a:spLocks noRot="1" noChangeAspect="1" noMove="1" noResize="1" noEditPoints="1" noAdjustHandles="1" noChangeArrowheads="1" noChangeShapeType="1" noTextEdit="1"/>
+              </p:cNvSpPr>
+              <p:nvPr/>
+            </p:nvSpPr>
+            <p:spPr>
+              <a:xfrm>
+                <a:off x="3658465" y="1228123"/>
+                <a:ext cx="494943" cy="369332"/>
+              </a:xfrm>
+              <a:prstGeom prst="rect">
+                <a:avLst/>
+              </a:prstGeom>
+              <a:blipFill>
+                <a:blip r:embed="rId5"/>
+                <a:stretch>
+                  <a:fillRect t="-3279" r="-14815" b="-1639"/>
+                </a:stretch>
+              </a:blipFill>
+            </p:spPr>
+            <p:txBody>
+              <a:bodyPr/>
+              <a:lstStyle/>
+              <a:p>
+                <a:r>
+                  <a:rPr lang="ko-KR" altLang="en-US">
+                    <a:noFill/>
+                  </a:rPr>
+                  <a:t> </a:t>
+                </a:r>
+              </a:p>
+            </p:txBody>
+          </p:sp>
+        </mc:Fallback>
+      </mc:AlternateContent>
+      <p:cxnSp>
+        <p:nvCxnSpPr>
+          <p:cNvPr id="51" name="직선 화살표 연결선 50">
+            <a:extLst>
+              <a:ext uri="{FF2B5EF4-FFF2-40B4-BE49-F238E27FC236}">
+                <a16:creationId xmlns:a16="http://schemas.microsoft.com/office/drawing/2014/main" id="{9F0FCDFB-1F78-4A73-9BA1-385BB2F3CA64}"/>
+              </a:ext>
+            </a:extLst>
+          </p:cNvPr>
+          <p:cNvCxnSpPr>
+            <a:cxnSpLocks/>
+            <a:stCxn id="41" idx="0"/>
+            <a:endCxn id="50" idx="2"/>
+          </p:cNvCxnSpPr>
+          <p:nvPr/>
+        </p:nvCxnSpPr>
+        <p:spPr>
+          <a:xfrm flipV="1">
+            <a:off x="3900615" y="1597455"/>
+            <a:ext cx="5322" cy="334318"/>
+          </a:xfrm>
+          <a:prstGeom prst="straightConnector1">
+            <a:avLst/>
+          </a:prstGeom>
+          <a:ln>
+            <a:tailEnd type="triangle"/>
+          </a:ln>
+        </p:spPr>
+        <p:style>
+          <a:lnRef idx="2">
+            <a:schemeClr val="dk1"/>
+          </a:lnRef>
+          <a:fillRef idx="1">
+            <a:schemeClr val="lt1"/>
+          </a:fillRef>
+          <a:effectRef idx="0">
+            <a:schemeClr val="dk1"/>
+          </a:effectRef>
+          <a:fontRef idx="minor">
+            <a:schemeClr val="dk1"/>
+          </a:fontRef>
+        </p:style>
+      </p:cxnSp>
+      <p:sp>
+        <p:nvSpPr>
+          <p:cNvPr id="52" name="직사각형 51">
+            <a:extLst>
+              <a:ext uri="{FF2B5EF4-FFF2-40B4-BE49-F238E27FC236}">
+                <a16:creationId xmlns:a16="http://schemas.microsoft.com/office/drawing/2014/main" id="{521345B2-00EA-4FD4-A331-8EB17A28DE0C}"/>
+              </a:ext>
+            </a:extLst>
+          </p:cNvPr>
+          <p:cNvSpPr/>
+          <p:nvPr/>
+        </p:nvSpPr>
+        <p:spPr>
+          <a:xfrm>
+            <a:off x="4923564" y="1931773"/>
+            <a:ext cx="1025610" cy="518984"/>
+          </a:xfrm>
+          <a:prstGeom prst="rect">
+            <a:avLst/>
+          </a:prstGeom>
+        </p:spPr>
+        <p:style>
+          <a:lnRef idx="2">
+            <a:schemeClr val="dk1"/>
+          </a:lnRef>
+          <a:fillRef idx="1">
+            <a:schemeClr val="lt1"/>
+          </a:fillRef>
+          <a:effectRef idx="0">
+            <a:schemeClr val="dk1"/>
+          </a:effectRef>
+          <a:fontRef idx="minor">
+            <a:schemeClr val="dk1"/>
+          </a:fontRef>
+        </p:style>
+        <p:txBody>
+          <a:bodyPr rtlCol="0" anchor="ctr"/>
+          <a:lstStyle/>
+          <a:p>
+            <a:pPr algn="ctr"/>
+            <a:r>
+              <a:rPr lang="en-US" altLang="ko-KR" sz="1200" dirty="0" err="1"/>
+              <a:t>softmax</a:t>
+            </a:r>
+            <a:endParaRPr lang="ko-KR" altLang="en-US" sz="1200" dirty="0"/>
+          </a:p>
+        </p:txBody>
+      </p:sp>
+      <p:sp>
+        <p:nvSpPr>
+          <p:cNvPr id="53" name="직사각형 52">
+            <a:extLst>
+              <a:ext uri="{FF2B5EF4-FFF2-40B4-BE49-F238E27FC236}">
+                <a16:creationId xmlns:a16="http://schemas.microsoft.com/office/drawing/2014/main" id="{93E71527-60A0-41BC-A00D-9C4D90F42BEC}"/>
+              </a:ext>
+            </a:extLst>
+          </p:cNvPr>
+          <p:cNvSpPr/>
+          <p:nvPr/>
+        </p:nvSpPr>
+        <p:spPr>
+          <a:xfrm>
+            <a:off x="4923564" y="2833816"/>
+            <a:ext cx="1025610" cy="518984"/>
+          </a:xfrm>
+          <a:prstGeom prst="rect">
+            <a:avLst/>
+          </a:prstGeom>
+        </p:spPr>
+        <p:style>
+          <a:lnRef idx="2">
+            <a:schemeClr val="dk1"/>
+          </a:lnRef>
+          <a:fillRef idx="1">
+            <a:schemeClr val="lt1"/>
+          </a:fillRef>
+          <a:effectRef idx="0">
+            <a:schemeClr val="dk1"/>
+          </a:effectRef>
+          <a:fontRef idx="minor">
+            <a:schemeClr val="dk1"/>
+          </a:fontRef>
+        </p:style>
+        <p:txBody>
+          <a:bodyPr rtlCol="0" anchor="ctr"/>
+          <a:lstStyle/>
+          <a:p>
+            <a:pPr algn="ctr"/>
+            <a:r>
+              <a:rPr lang="en-US" altLang="ko-KR" sz="1200" dirty="0" err="1"/>
+              <a:t>rnn</a:t>
+            </a:r>
+            <a:r>
+              <a:rPr lang="en-US" altLang="ko-KR" sz="1200" dirty="0"/>
+              <a:t> cell</a:t>
+            </a:r>
+            <a:endParaRPr lang="ko-KR" altLang="en-US" sz="1200" dirty="0"/>
+          </a:p>
+        </p:txBody>
+      </p:sp>
+      <p:sp>
+        <p:nvSpPr>
+          <p:cNvPr id="54" name="직사각형 53">
+            <a:extLst>
+              <a:ext uri="{FF2B5EF4-FFF2-40B4-BE49-F238E27FC236}">
+                <a16:creationId xmlns:a16="http://schemas.microsoft.com/office/drawing/2014/main" id="{9B1AE270-7D44-4AF1-8646-AA2F6F0CF3A3}"/>
+              </a:ext>
+            </a:extLst>
+          </p:cNvPr>
+          <p:cNvSpPr/>
+          <p:nvPr/>
+        </p:nvSpPr>
+        <p:spPr>
+          <a:xfrm>
+            <a:off x="4923564" y="3735859"/>
+            <a:ext cx="1025610" cy="518984"/>
+          </a:xfrm>
+          <a:prstGeom prst="rect">
+            <a:avLst/>
+          </a:prstGeom>
+        </p:spPr>
+        <p:style>
+          <a:lnRef idx="2">
+            <a:schemeClr val="dk1"/>
+          </a:lnRef>
+          <a:fillRef idx="1">
+            <a:schemeClr val="lt1"/>
+          </a:fillRef>
+          <a:effectRef idx="0">
+            <a:schemeClr val="dk1"/>
+          </a:effectRef>
+          <a:fontRef idx="minor">
+            <a:schemeClr val="dk1"/>
+          </a:fontRef>
+        </p:style>
+        <p:txBody>
+          <a:bodyPr rtlCol="0" anchor="ctr"/>
+          <a:lstStyle/>
+          <a:p>
+            <a:pPr algn="ctr"/>
+            <a:r>
+              <a:rPr lang="en-US" altLang="ko-KR" sz="1200"/>
+              <a:t>rnn cell</a:t>
+            </a:r>
+            <a:endParaRPr lang="ko-KR" altLang="en-US" sz="1200" dirty="0"/>
+          </a:p>
+        </p:txBody>
+      </p:sp>
+      <p:sp>
+        <p:nvSpPr>
+          <p:cNvPr id="55" name="직사각형 54">
+            <a:extLst>
+              <a:ext uri="{FF2B5EF4-FFF2-40B4-BE49-F238E27FC236}">
+                <a16:creationId xmlns:a16="http://schemas.microsoft.com/office/drawing/2014/main" id="{45734B14-436C-47C7-9687-58304E8617D1}"/>
+              </a:ext>
+            </a:extLst>
+          </p:cNvPr>
+          <p:cNvSpPr/>
+          <p:nvPr/>
+        </p:nvSpPr>
+        <p:spPr>
+          <a:xfrm>
+            <a:off x="4923564" y="4637902"/>
+            <a:ext cx="1025610" cy="518984"/>
+          </a:xfrm>
+          <a:prstGeom prst="rect">
+            <a:avLst/>
+          </a:prstGeom>
+        </p:spPr>
+        <p:style>
+          <a:lnRef idx="2">
+            <a:schemeClr val="dk1"/>
+          </a:lnRef>
+          <a:fillRef idx="1">
+            <a:schemeClr val="lt1"/>
+          </a:fillRef>
+          <a:effectRef idx="0">
+            <a:schemeClr val="dk1"/>
+          </a:effectRef>
+          <a:fontRef idx="minor">
+            <a:schemeClr val="dk1"/>
+          </a:fontRef>
+        </p:style>
+        <p:txBody>
+          <a:bodyPr rtlCol="0" anchor="ctr"/>
+          <a:lstStyle/>
+          <a:p>
+            <a:pPr algn="ctr"/>
+            <a:r>
+              <a:rPr lang="en-US" altLang="ko-KR" sz="1200" dirty="0"/>
+              <a:t>embedding</a:t>
+            </a:r>
+            <a:endParaRPr lang="ko-KR" altLang="en-US" sz="1200" dirty="0"/>
+          </a:p>
+        </p:txBody>
+      </p:sp>
+      <p:cxnSp>
+        <p:nvCxnSpPr>
+          <p:cNvPr id="56" name="직선 화살표 연결선 55">
+            <a:extLst>
+              <a:ext uri="{FF2B5EF4-FFF2-40B4-BE49-F238E27FC236}">
+                <a16:creationId xmlns:a16="http://schemas.microsoft.com/office/drawing/2014/main" id="{F145FA49-CD39-4A97-87A1-74A33C4F30BF}"/>
+              </a:ext>
+            </a:extLst>
+          </p:cNvPr>
+          <p:cNvCxnSpPr>
+            <a:stCxn id="55" idx="0"/>
+            <a:endCxn id="54" idx="2"/>
+          </p:cNvCxnSpPr>
+          <p:nvPr/>
+        </p:nvCxnSpPr>
+        <p:spPr>
+          <a:xfrm flipV="1">
+            <a:off x="5436369" y="4254843"/>
+            <a:ext cx="0" cy="383059"/>
+          </a:xfrm>
+          <a:prstGeom prst="straightConnector1">
+            <a:avLst/>
+          </a:prstGeom>
+          <a:ln>
+            <a:tailEnd type="triangle"/>
+          </a:ln>
+        </p:spPr>
+        <p:style>
+          <a:lnRef idx="2">
+            <a:schemeClr val="dk1"/>
+          </a:lnRef>
+          <a:fillRef idx="1">
+            <a:schemeClr val="lt1"/>
+          </a:fillRef>
+          <a:effectRef idx="0">
+            <a:schemeClr val="dk1"/>
+          </a:effectRef>
+          <a:fontRef idx="minor">
+            <a:schemeClr val="dk1"/>
+          </a:fontRef>
+        </p:style>
+      </p:cxnSp>
+      <p:cxnSp>
+        <p:nvCxnSpPr>
+          <p:cNvPr id="57" name="직선 화살표 연결선 56">
+            <a:extLst>
+              <a:ext uri="{FF2B5EF4-FFF2-40B4-BE49-F238E27FC236}">
+                <a16:creationId xmlns:a16="http://schemas.microsoft.com/office/drawing/2014/main" id="{DAE01F3F-CF81-4CE4-BC13-D6B43E5BFF5B}"/>
+              </a:ext>
+            </a:extLst>
+          </p:cNvPr>
+          <p:cNvCxnSpPr>
+            <a:cxnSpLocks/>
+            <a:stCxn id="54" idx="0"/>
+            <a:endCxn id="53" idx="2"/>
+          </p:cNvCxnSpPr>
+          <p:nvPr/>
+        </p:nvCxnSpPr>
+        <p:spPr>
+          <a:xfrm flipV="1">
+            <a:off x="5436369" y="3352800"/>
+            <a:ext cx="0" cy="383059"/>
+          </a:xfrm>
+          <a:prstGeom prst="straightConnector1">
+            <a:avLst/>
+          </a:prstGeom>
+          <a:ln>
+            <a:tailEnd type="triangle"/>
+          </a:ln>
+        </p:spPr>
+        <p:style>
+          <a:lnRef idx="2">
+            <a:schemeClr val="dk1"/>
+          </a:lnRef>
+          <a:fillRef idx="1">
+            <a:schemeClr val="lt1"/>
+          </a:fillRef>
+          <a:effectRef idx="0">
+            <a:schemeClr val="dk1"/>
+          </a:effectRef>
+          <a:fontRef idx="minor">
+            <a:schemeClr val="dk1"/>
+          </a:fontRef>
+        </p:style>
+      </p:cxnSp>
+      <p:cxnSp>
+        <p:nvCxnSpPr>
+          <p:cNvPr id="58" name="직선 화살표 연결선 57">
+            <a:extLst>
+              <a:ext uri="{FF2B5EF4-FFF2-40B4-BE49-F238E27FC236}">
+                <a16:creationId xmlns:a16="http://schemas.microsoft.com/office/drawing/2014/main" id="{375B0486-21D7-43C4-AF75-91F328A98605}"/>
+              </a:ext>
+            </a:extLst>
+          </p:cNvPr>
+          <p:cNvCxnSpPr>
+            <a:cxnSpLocks/>
+            <a:stCxn id="53" idx="0"/>
+            <a:endCxn id="52" idx="2"/>
+          </p:cNvCxnSpPr>
+          <p:nvPr/>
+        </p:nvCxnSpPr>
+        <p:spPr>
+          <a:xfrm flipV="1">
+            <a:off x="5436369" y="2450757"/>
+            <a:ext cx="0" cy="383059"/>
+          </a:xfrm>
+          <a:prstGeom prst="straightConnector1">
+            <a:avLst/>
+          </a:prstGeom>
+          <a:ln>
+            <a:tailEnd type="triangle"/>
+          </a:ln>
+        </p:spPr>
+        <p:style>
+          <a:lnRef idx="2">
+            <a:schemeClr val="dk1"/>
+          </a:lnRef>
+          <a:fillRef idx="1">
+            <a:schemeClr val="lt1"/>
+          </a:fillRef>
+          <a:effectRef idx="0">
+            <a:schemeClr val="dk1"/>
+          </a:effectRef>
+          <a:fontRef idx="minor">
+            <a:schemeClr val="dk1"/>
+          </a:fontRef>
+        </p:style>
+      </p:cxnSp>
+      <p:cxnSp>
+        <p:nvCxnSpPr>
+          <p:cNvPr id="59" name="직선 화살표 연결선 58">
+            <a:extLst>
+              <a:ext uri="{FF2B5EF4-FFF2-40B4-BE49-F238E27FC236}">
+                <a16:creationId xmlns:a16="http://schemas.microsoft.com/office/drawing/2014/main" id="{2BC46B70-F32F-4346-831E-1F87C0F860EB}"/>
+              </a:ext>
+            </a:extLst>
+          </p:cNvPr>
+          <p:cNvCxnSpPr>
+            <a:cxnSpLocks/>
+            <a:stCxn id="60" idx="0"/>
+            <a:endCxn id="55" idx="2"/>
+          </p:cNvCxnSpPr>
+          <p:nvPr/>
+        </p:nvCxnSpPr>
+        <p:spPr>
+          <a:xfrm flipV="1">
+            <a:off x="5436369" y="5156886"/>
+            <a:ext cx="0" cy="333634"/>
+          </a:xfrm>
+          <a:prstGeom prst="straightConnector1">
+            <a:avLst/>
+          </a:prstGeom>
+          <a:ln>
+            <a:tailEnd type="triangle"/>
+          </a:ln>
+        </p:spPr>
+        <p:style>
+          <a:lnRef idx="2">
+            <a:schemeClr val="dk1"/>
+          </a:lnRef>
+          <a:fillRef idx="1">
+            <a:schemeClr val="lt1"/>
+          </a:fillRef>
+          <a:effectRef idx="0">
+            <a:schemeClr val="dk1"/>
+          </a:effectRef>
+          <a:fontRef idx="minor">
+            <a:schemeClr val="dk1"/>
+          </a:fontRef>
+        </p:style>
+      </p:cxnSp>
+      <mc:AlternateContent xmlns:mc="http://schemas.openxmlformats.org/markup-compatibility/2006">
+        <mc:Choice xmlns:a14="http://schemas.microsoft.com/office/drawing/2010/main" Requires="a14">
+          <p:sp>
+            <p:nvSpPr>
+              <p:cNvPr id="60" name="TextBox 59">
+                <a:extLst>
+                  <a:ext uri="{FF2B5EF4-FFF2-40B4-BE49-F238E27FC236}">
+                    <a16:creationId xmlns:a16="http://schemas.microsoft.com/office/drawing/2014/main" id="{EA9AC0B1-A97C-4E8C-828A-86E4E70B2543}"/>
+                  </a:ext>
+                </a:extLst>
+              </p:cNvPr>
+              <p:cNvSpPr txBox="1"/>
+              <p:nvPr/>
+            </p:nvSpPr>
+            <p:spPr>
+              <a:xfrm>
+                <a:off x="5188897" y="5490520"/>
+                <a:ext cx="494943" cy="369332"/>
+              </a:xfrm>
+              <a:prstGeom prst="rect">
+                <a:avLst/>
+              </a:prstGeom>
+              <a:noFill/>
+            </p:spPr>
+            <p:txBody>
+              <a:bodyPr wrap="none" rtlCol="0">
+                <a:spAutoFit/>
+              </a:bodyPr>
+              <a:lstStyle/>
+              <a:p>
+                <a14:m>
+                  <m:oMathPara xmlns:m="http://schemas.openxmlformats.org/officeDocument/2006/math">
+                    <m:oMathParaPr>
+                      <m:jc m:val="centerGroup"/>
+                    </m:oMathParaPr>
+                    <m:oMath xmlns:m="http://schemas.openxmlformats.org/officeDocument/2006/math">
+                      <m:sSub>
+                        <m:sSubPr>
+                          <m:ctrlPr>
+                            <a:rPr lang="en-US" altLang="ko-KR" i="1" smtClean="0">
+                              <a:latin typeface="Cambria Math" panose="02040503050406030204" pitchFamily="18" charset="0"/>
+                            </a:rPr>
+                          </m:ctrlPr>
+                        </m:sSubPr>
+                        <m:e>
+                          <m:r>
+                            <a:rPr lang="en-US" altLang="ko-KR" b="0" i="1" smtClean="0">
+                              <a:latin typeface="Cambria Math" panose="02040503050406030204" pitchFamily="18" charset="0"/>
+                            </a:rPr>
+                            <m:t>𝑥</m:t>
+                          </m:r>
+                        </m:e>
+                        <m:sub>
+                          <m:r>
+                            <a:rPr lang="en-US" altLang="ko-KR" b="0" i="1" smtClean="0">
+                              <a:latin typeface="Cambria Math" panose="02040503050406030204" pitchFamily="18" charset="0"/>
+                            </a:rPr>
+                            <m:t>2</m:t>
+                          </m:r>
+                        </m:sub>
+                      </m:sSub>
+                    </m:oMath>
+                  </m:oMathPara>
+                </a14:m>
+                <a:endParaRPr lang="ko-KR" altLang="en-US" dirty="0"/>
+              </a:p>
+            </p:txBody>
+          </p:sp>
+        </mc:Choice>
+        <mc:Fallback>
+          <p:sp>
+            <p:nvSpPr>
+              <p:cNvPr id="60" name="TextBox 59">
+                <a:extLst>
+                  <a:ext uri="{FF2B5EF4-FFF2-40B4-BE49-F238E27FC236}">
+                    <a16:creationId xmlns:a16="http://schemas.microsoft.com/office/drawing/2014/main" id="{EA9AC0B1-A97C-4E8C-828A-86E4E70B2543}"/>
+                  </a:ext>
+                </a:extLst>
+              </p:cNvPr>
+              <p:cNvSpPr txBox="1">
+                <a:spLocks noRot="1" noChangeAspect="1" noMove="1" noResize="1" noEditPoints="1" noAdjustHandles="1" noChangeArrowheads="1" noChangeShapeType="1" noTextEdit="1"/>
+              </p:cNvSpPr>
+              <p:nvPr/>
+            </p:nvSpPr>
+            <p:spPr>
+              <a:xfrm>
+                <a:off x="5188897" y="5490520"/>
+                <a:ext cx="494943" cy="369332"/>
+              </a:xfrm>
+              <a:prstGeom prst="rect">
+                <a:avLst/>
+              </a:prstGeom>
+              <a:blipFill>
+                <a:blip r:embed="rId6"/>
+                <a:stretch>
+                  <a:fillRect b="-3333"/>
+                </a:stretch>
+              </a:blipFill>
+            </p:spPr>
+            <p:txBody>
+              <a:bodyPr/>
+              <a:lstStyle/>
+              <a:p>
+                <a:r>
+                  <a:rPr lang="ko-KR" altLang="en-US">
+                    <a:noFill/>
+                  </a:rPr>
+                  <a:t> </a:t>
+                </a:r>
+              </a:p>
+            </p:txBody>
+          </p:sp>
+        </mc:Fallback>
+      </mc:AlternateContent>
+      <mc:AlternateContent xmlns:mc="http://schemas.openxmlformats.org/markup-compatibility/2006">
+        <mc:Choice xmlns:a14="http://schemas.microsoft.com/office/drawing/2010/main" Requires="a14">
+          <p:sp>
+            <p:nvSpPr>
+              <p:cNvPr id="61" name="TextBox 60">
+                <a:extLst>
+                  <a:ext uri="{FF2B5EF4-FFF2-40B4-BE49-F238E27FC236}">
+                    <a16:creationId xmlns:a16="http://schemas.microsoft.com/office/drawing/2014/main" id="{D9396E0A-ECCE-4220-B28F-030A8191D168}"/>
+                  </a:ext>
+                </a:extLst>
+              </p:cNvPr>
+              <p:cNvSpPr txBox="1"/>
+              <p:nvPr/>
+            </p:nvSpPr>
+            <p:spPr>
+              <a:xfrm>
+                <a:off x="5194219" y="1228123"/>
+                <a:ext cx="494943" cy="369332"/>
+              </a:xfrm>
+              <a:prstGeom prst="rect">
+                <a:avLst/>
+              </a:prstGeom>
+              <a:noFill/>
+            </p:spPr>
+            <p:txBody>
+              <a:bodyPr wrap="none" rtlCol="0">
+                <a:spAutoFit/>
+              </a:bodyPr>
+              <a:lstStyle/>
+              <a:p>
+                <a14:m>
+                  <m:oMathPara xmlns:m="http://schemas.openxmlformats.org/officeDocument/2006/math">
+                    <m:oMathParaPr>
+                      <m:jc m:val="centerGroup"/>
+                    </m:oMathParaPr>
+                    <m:oMath xmlns:m="http://schemas.openxmlformats.org/officeDocument/2006/math">
+                      <m:sSub>
+                        <m:sSubPr>
+                          <m:ctrlPr>
+                            <a:rPr lang="en-US" altLang="ko-KR" i="1" smtClean="0">
+                              <a:latin typeface="Cambria Math" panose="02040503050406030204" pitchFamily="18" charset="0"/>
+                            </a:rPr>
+                          </m:ctrlPr>
+                        </m:sSubPr>
+                        <m:e>
+                          <m:acc>
+                            <m:accPr>
+                              <m:chr m:val="̂"/>
+                              <m:ctrlPr>
+                                <a:rPr lang="en-US" altLang="ko-KR" i="1" smtClean="0">
+                                  <a:latin typeface="Cambria Math" panose="02040503050406030204" pitchFamily="18" charset="0"/>
+                                </a:rPr>
+                              </m:ctrlPr>
+                            </m:accPr>
+                            <m:e>
+                              <m:r>
+                                <a:rPr lang="en-US" altLang="ko-KR" b="0" i="1" smtClean="0">
+                                  <a:latin typeface="Cambria Math" panose="02040503050406030204" pitchFamily="18" charset="0"/>
+                                </a:rPr>
+                                <m:t>𝑥</m:t>
+                              </m:r>
+                            </m:e>
+                          </m:acc>
+                        </m:e>
+                        <m:sub>
+                          <m:r>
+                            <a:rPr lang="en-US" altLang="ko-KR" b="0" i="1" smtClean="0">
+                              <a:latin typeface="Cambria Math" panose="02040503050406030204" pitchFamily="18" charset="0"/>
+                            </a:rPr>
+                            <m:t>3</m:t>
+                          </m:r>
+                        </m:sub>
+                      </m:sSub>
+                    </m:oMath>
+                  </m:oMathPara>
+                </a14:m>
+                <a:endParaRPr lang="ko-KR" altLang="en-US" dirty="0"/>
+              </a:p>
+            </p:txBody>
+          </p:sp>
+        </mc:Choice>
+        <mc:Fallback>
+          <p:sp>
+            <p:nvSpPr>
+              <p:cNvPr id="61" name="TextBox 60">
+                <a:extLst>
+                  <a:ext uri="{FF2B5EF4-FFF2-40B4-BE49-F238E27FC236}">
+                    <a16:creationId xmlns:a16="http://schemas.microsoft.com/office/drawing/2014/main" id="{D9396E0A-ECCE-4220-B28F-030A8191D168}"/>
+                  </a:ext>
+                </a:extLst>
+              </p:cNvPr>
+              <p:cNvSpPr txBox="1">
+                <a:spLocks noRot="1" noChangeAspect="1" noMove="1" noResize="1" noEditPoints="1" noAdjustHandles="1" noChangeArrowheads="1" noChangeShapeType="1" noTextEdit="1"/>
+              </p:cNvSpPr>
+              <p:nvPr/>
+            </p:nvSpPr>
+            <p:spPr>
+              <a:xfrm>
+                <a:off x="5194219" y="1228123"/>
+                <a:ext cx="494943" cy="369332"/>
+              </a:xfrm>
+              <a:prstGeom prst="rect">
+                <a:avLst/>
+              </a:prstGeom>
+              <a:blipFill>
+                <a:blip r:embed="rId7"/>
+                <a:stretch>
+                  <a:fillRect t="-3279" r="-14815" b="-1639"/>
+                </a:stretch>
+              </a:blipFill>
+            </p:spPr>
+            <p:txBody>
+              <a:bodyPr/>
+              <a:lstStyle/>
+              <a:p>
+                <a:r>
+                  <a:rPr lang="ko-KR" altLang="en-US">
+                    <a:noFill/>
+                  </a:rPr>
+                  <a:t> </a:t>
+                </a:r>
+              </a:p>
+            </p:txBody>
+          </p:sp>
+        </mc:Fallback>
+      </mc:AlternateContent>
+      <p:cxnSp>
+        <p:nvCxnSpPr>
+          <p:cNvPr id="62" name="직선 화살표 연결선 61">
+            <a:extLst>
+              <a:ext uri="{FF2B5EF4-FFF2-40B4-BE49-F238E27FC236}">
+                <a16:creationId xmlns:a16="http://schemas.microsoft.com/office/drawing/2014/main" id="{68762E48-EEF4-45E1-8BAA-FE017CC90266}"/>
+              </a:ext>
+            </a:extLst>
+          </p:cNvPr>
+          <p:cNvCxnSpPr>
+            <a:cxnSpLocks/>
+            <a:stCxn id="52" idx="0"/>
+            <a:endCxn id="61" idx="2"/>
+          </p:cNvCxnSpPr>
+          <p:nvPr/>
+        </p:nvCxnSpPr>
+        <p:spPr>
+          <a:xfrm flipV="1">
+            <a:off x="5436369" y="1597455"/>
+            <a:ext cx="5322" cy="334318"/>
+          </a:xfrm>
+          <a:prstGeom prst="straightConnector1">
+            <a:avLst/>
+          </a:prstGeom>
+          <a:ln>
+            <a:tailEnd type="triangle"/>
+          </a:ln>
+        </p:spPr>
+        <p:style>
+          <a:lnRef idx="2">
+            <a:schemeClr val="dk1"/>
+          </a:lnRef>
+          <a:fillRef idx="1">
+            <a:schemeClr val="lt1"/>
+          </a:fillRef>
+          <a:effectRef idx="0">
+            <a:schemeClr val="dk1"/>
+          </a:effectRef>
+          <a:fontRef idx="minor">
+            <a:schemeClr val="dk1"/>
+          </a:fontRef>
+        </p:style>
+      </p:cxnSp>
+      <p:sp>
+        <p:nvSpPr>
+          <p:cNvPr id="63" name="직사각형 62">
+            <a:extLst>
+              <a:ext uri="{FF2B5EF4-FFF2-40B4-BE49-F238E27FC236}">
+                <a16:creationId xmlns:a16="http://schemas.microsoft.com/office/drawing/2014/main" id="{0BE1403E-130A-46E4-ADB4-CAE5BD3B675A}"/>
+              </a:ext>
+            </a:extLst>
+          </p:cNvPr>
+          <p:cNvSpPr/>
+          <p:nvPr/>
+        </p:nvSpPr>
+        <p:spPr>
+          <a:xfrm>
+            <a:off x="6456657" y="1931773"/>
+            <a:ext cx="1025610" cy="518984"/>
+          </a:xfrm>
+          <a:prstGeom prst="rect">
+            <a:avLst/>
+          </a:prstGeom>
+        </p:spPr>
+        <p:style>
+          <a:lnRef idx="2">
+            <a:schemeClr val="dk1"/>
+          </a:lnRef>
+          <a:fillRef idx="1">
+            <a:schemeClr val="lt1"/>
+          </a:fillRef>
+          <a:effectRef idx="0">
+            <a:schemeClr val="dk1"/>
+          </a:effectRef>
+          <a:fontRef idx="minor">
+            <a:schemeClr val="dk1"/>
+          </a:fontRef>
+        </p:style>
+        <p:txBody>
+          <a:bodyPr rtlCol="0" anchor="ctr"/>
+          <a:lstStyle/>
+          <a:p>
+            <a:pPr algn="ctr"/>
+            <a:r>
+              <a:rPr lang="en-US" altLang="ko-KR" sz="1200" dirty="0" err="1"/>
+              <a:t>softmax</a:t>
+            </a:r>
+            <a:endParaRPr lang="ko-KR" altLang="en-US" sz="1200" dirty="0"/>
+          </a:p>
+        </p:txBody>
+      </p:sp>
+      <p:sp>
+        <p:nvSpPr>
+          <p:cNvPr id="64" name="직사각형 63">
+            <a:extLst>
+              <a:ext uri="{FF2B5EF4-FFF2-40B4-BE49-F238E27FC236}">
+                <a16:creationId xmlns:a16="http://schemas.microsoft.com/office/drawing/2014/main" id="{C759F013-57C3-4BE7-A358-BE89DB95B12F}"/>
+              </a:ext>
+            </a:extLst>
+          </p:cNvPr>
+          <p:cNvSpPr/>
+          <p:nvPr/>
+        </p:nvSpPr>
+        <p:spPr>
+          <a:xfrm>
+            <a:off x="6456657" y="2833816"/>
+            <a:ext cx="1025610" cy="518984"/>
+          </a:xfrm>
+          <a:prstGeom prst="rect">
+            <a:avLst/>
+          </a:prstGeom>
+        </p:spPr>
+        <p:style>
+          <a:lnRef idx="2">
+            <a:schemeClr val="dk1"/>
+          </a:lnRef>
+          <a:fillRef idx="1">
+            <a:schemeClr val="lt1"/>
+          </a:fillRef>
+          <a:effectRef idx="0">
+            <a:schemeClr val="dk1"/>
+          </a:effectRef>
+          <a:fontRef idx="minor">
+            <a:schemeClr val="dk1"/>
+          </a:fontRef>
+        </p:style>
+        <p:txBody>
+          <a:bodyPr rtlCol="0" anchor="ctr"/>
+          <a:lstStyle/>
+          <a:p>
+            <a:pPr algn="ctr"/>
+            <a:r>
+              <a:rPr lang="en-US" altLang="ko-KR" sz="1200" dirty="0" err="1"/>
+              <a:t>rnn</a:t>
+            </a:r>
+            <a:r>
+              <a:rPr lang="en-US" altLang="ko-KR" sz="1200" dirty="0"/>
+              <a:t> cell</a:t>
+            </a:r>
+            <a:endParaRPr lang="ko-KR" altLang="en-US" sz="1200" dirty="0"/>
+          </a:p>
+        </p:txBody>
+      </p:sp>
+      <p:sp>
+        <p:nvSpPr>
+          <p:cNvPr id="65" name="직사각형 64">
+            <a:extLst>
+              <a:ext uri="{FF2B5EF4-FFF2-40B4-BE49-F238E27FC236}">
+                <a16:creationId xmlns:a16="http://schemas.microsoft.com/office/drawing/2014/main" id="{1A6635F9-7041-4CFB-9DC3-50506B3D4C47}"/>
+              </a:ext>
+            </a:extLst>
+          </p:cNvPr>
+          <p:cNvSpPr/>
+          <p:nvPr/>
+        </p:nvSpPr>
+        <p:spPr>
+          <a:xfrm>
+            <a:off x="6456657" y="3735859"/>
+            <a:ext cx="1025610" cy="518984"/>
+          </a:xfrm>
+          <a:prstGeom prst="rect">
+            <a:avLst/>
+          </a:prstGeom>
+        </p:spPr>
+        <p:style>
+          <a:lnRef idx="2">
+            <a:schemeClr val="dk1"/>
+          </a:lnRef>
+          <a:fillRef idx="1">
+            <a:schemeClr val="lt1"/>
+          </a:fillRef>
+          <a:effectRef idx="0">
+            <a:schemeClr val="dk1"/>
+          </a:effectRef>
+          <a:fontRef idx="minor">
+            <a:schemeClr val="dk1"/>
+          </a:fontRef>
+        </p:style>
+        <p:txBody>
+          <a:bodyPr rtlCol="0" anchor="ctr"/>
+          <a:lstStyle/>
+          <a:p>
+            <a:pPr algn="ctr"/>
+            <a:r>
+              <a:rPr lang="en-US" altLang="ko-KR" sz="1200"/>
+              <a:t>rnn cell</a:t>
+            </a:r>
+            <a:endParaRPr lang="ko-KR" altLang="en-US" sz="1200" dirty="0"/>
+          </a:p>
+        </p:txBody>
+      </p:sp>
+      <p:sp>
+        <p:nvSpPr>
+          <p:cNvPr id="66" name="직사각형 65">
+            <a:extLst>
+              <a:ext uri="{FF2B5EF4-FFF2-40B4-BE49-F238E27FC236}">
+                <a16:creationId xmlns:a16="http://schemas.microsoft.com/office/drawing/2014/main" id="{A31DED44-B728-4C24-8199-2AC9E40EF17A}"/>
+              </a:ext>
+            </a:extLst>
+          </p:cNvPr>
+          <p:cNvSpPr/>
+          <p:nvPr/>
+        </p:nvSpPr>
+        <p:spPr>
+          <a:xfrm>
+            <a:off x="6456657" y="4637902"/>
+            <a:ext cx="1025610" cy="518984"/>
+          </a:xfrm>
+          <a:prstGeom prst="rect">
+            <a:avLst/>
+          </a:prstGeom>
+        </p:spPr>
+        <p:style>
+          <a:lnRef idx="2">
+            <a:schemeClr val="dk1"/>
+          </a:lnRef>
+          <a:fillRef idx="1">
+            <a:schemeClr val="lt1"/>
+          </a:fillRef>
+          <a:effectRef idx="0">
+            <a:schemeClr val="dk1"/>
+          </a:effectRef>
+          <a:fontRef idx="minor">
+            <a:schemeClr val="dk1"/>
+          </a:fontRef>
+        </p:style>
+        <p:txBody>
+          <a:bodyPr rtlCol="0" anchor="ctr"/>
+          <a:lstStyle/>
+          <a:p>
+            <a:pPr algn="ctr"/>
+            <a:r>
+              <a:rPr lang="en-US" altLang="ko-KR" sz="1200" dirty="0"/>
+              <a:t>embedding</a:t>
+            </a:r>
+            <a:endParaRPr lang="ko-KR" altLang="en-US" sz="1200" dirty="0"/>
+          </a:p>
+        </p:txBody>
+      </p:sp>
+      <p:cxnSp>
+        <p:nvCxnSpPr>
+          <p:cNvPr id="67" name="직선 화살표 연결선 66">
+            <a:extLst>
+              <a:ext uri="{FF2B5EF4-FFF2-40B4-BE49-F238E27FC236}">
+                <a16:creationId xmlns:a16="http://schemas.microsoft.com/office/drawing/2014/main" id="{891AADFE-0883-4089-8AB9-267149A7E3D8}"/>
+              </a:ext>
+            </a:extLst>
+          </p:cNvPr>
+          <p:cNvCxnSpPr>
+            <a:stCxn id="66" idx="0"/>
+            <a:endCxn id="65" idx="2"/>
+          </p:cNvCxnSpPr>
+          <p:nvPr/>
+        </p:nvCxnSpPr>
+        <p:spPr>
+          <a:xfrm flipV="1">
+            <a:off x="6969462" y="4254843"/>
+            <a:ext cx="0" cy="383059"/>
+          </a:xfrm>
+          <a:prstGeom prst="straightConnector1">
+            <a:avLst/>
+          </a:prstGeom>
+          <a:ln>
+            <a:tailEnd type="triangle"/>
+          </a:ln>
+        </p:spPr>
+        <p:style>
+          <a:lnRef idx="2">
+            <a:schemeClr val="dk1"/>
+          </a:lnRef>
+          <a:fillRef idx="1">
+            <a:schemeClr val="lt1"/>
+          </a:fillRef>
+          <a:effectRef idx="0">
+            <a:schemeClr val="dk1"/>
+          </a:effectRef>
+          <a:fontRef idx="minor">
+            <a:schemeClr val="dk1"/>
+          </a:fontRef>
+        </p:style>
+      </p:cxnSp>
+      <p:cxnSp>
+        <p:nvCxnSpPr>
+          <p:cNvPr id="68" name="직선 화살표 연결선 67">
+            <a:extLst>
+              <a:ext uri="{FF2B5EF4-FFF2-40B4-BE49-F238E27FC236}">
+                <a16:creationId xmlns:a16="http://schemas.microsoft.com/office/drawing/2014/main" id="{69E3E16B-3F0F-471F-A8DB-0FEF2FE2419A}"/>
+              </a:ext>
+            </a:extLst>
+          </p:cNvPr>
+          <p:cNvCxnSpPr>
+            <a:cxnSpLocks/>
+            <a:stCxn id="65" idx="0"/>
+            <a:endCxn id="64" idx="2"/>
+          </p:cNvCxnSpPr>
+          <p:nvPr/>
+        </p:nvCxnSpPr>
+        <p:spPr>
+          <a:xfrm flipV="1">
+            <a:off x="6969462" y="3352800"/>
+            <a:ext cx="0" cy="383059"/>
+          </a:xfrm>
+          <a:prstGeom prst="straightConnector1">
+            <a:avLst/>
+          </a:prstGeom>
+          <a:ln>
+            <a:tailEnd type="triangle"/>
+          </a:ln>
+        </p:spPr>
+        <p:style>
+          <a:lnRef idx="2">
+            <a:schemeClr val="dk1"/>
+          </a:lnRef>
+          <a:fillRef idx="1">
+            <a:schemeClr val="lt1"/>
+          </a:fillRef>
+          <a:effectRef idx="0">
+            <a:schemeClr val="dk1"/>
+          </a:effectRef>
+          <a:fontRef idx="minor">
+            <a:schemeClr val="dk1"/>
+          </a:fontRef>
+        </p:style>
+      </p:cxnSp>
+      <p:cxnSp>
+        <p:nvCxnSpPr>
+          <p:cNvPr id="69" name="직선 화살표 연결선 68">
+            <a:extLst>
+              <a:ext uri="{FF2B5EF4-FFF2-40B4-BE49-F238E27FC236}">
+                <a16:creationId xmlns:a16="http://schemas.microsoft.com/office/drawing/2014/main" id="{B6EC31CE-6194-47F2-BA5A-4BFC5CBD7C4A}"/>
+              </a:ext>
+            </a:extLst>
+          </p:cNvPr>
+          <p:cNvCxnSpPr>
+            <a:cxnSpLocks/>
+            <a:stCxn id="64" idx="0"/>
+            <a:endCxn id="63" idx="2"/>
+          </p:cNvCxnSpPr>
+          <p:nvPr/>
+        </p:nvCxnSpPr>
+        <p:spPr>
+          <a:xfrm flipV="1">
+            <a:off x="6969462" y="2450757"/>
+            <a:ext cx="0" cy="383059"/>
+          </a:xfrm>
+          <a:prstGeom prst="straightConnector1">
+            <a:avLst/>
+          </a:prstGeom>
+          <a:ln>
+            <a:tailEnd type="triangle"/>
+          </a:ln>
+        </p:spPr>
+        <p:style>
+          <a:lnRef idx="2">
+            <a:schemeClr val="dk1"/>
+          </a:lnRef>
+          <a:fillRef idx="1">
+            <a:schemeClr val="lt1"/>
+          </a:fillRef>
+          <a:effectRef idx="0">
+            <a:schemeClr val="dk1"/>
+          </a:effectRef>
+          <a:fontRef idx="minor">
+            <a:schemeClr val="dk1"/>
+          </a:fontRef>
+        </p:style>
+      </p:cxnSp>
+      <p:cxnSp>
+        <p:nvCxnSpPr>
+          <p:cNvPr id="70" name="직선 화살표 연결선 69">
+            <a:extLst>
+              <a:ext uri="{FF2B5EF4-FFF2-40B4-BE49-F238E27FC236}">
+                <a16:creationId xmlns:a16="http://schemas.microsoft.com/office/drawing/2014/main" id="{5C9CF6E8-BC52-4246-96EA-204ADC083BB0}"/>
+              </a:ext>
+            </a:extLst>
+          </p:cNvPr>
+          <p:cNvCxnSpPr>
+            <a:cxnSpLocks/>
+            <a:stCxn id="71" idx="0"/>
+            <a:endCxn id="66" idx="2"/>
+          </p:cNvCxnSpPr>
+          <p:nvPr/>
+        </p:nvCxnSpPr>
+        <p:spPr>
+          <a:xfrm flipV="1">
+            <a:off x="6969462" y="5156886"/>
+            <a:ext cx="0" cy="333634"/>
+          </a:xfrm>
+          <a:prstGeom prst="straightConnector1">
+            <a:avLst/>
+          </a:prstGeom>
+          <a:ln>
+            <a:tailEnd type="triangle"/>
+          </a:ln>
+        </p:spPr>
+        <p:style>
+          <a:lnRef idx="2">
+            <a:schemeClr val="dk1"/>
+          </a:lnRef>
+          <a:fillRef idx="1">
+            <a:schemeClr val="lt1"/>
+          </a:fillRef>
+          <a:effectRef idx="0">
+            <a:schemeClr val="dk1"/>
+          </a:effectRef>
+          <a:fontRef idx="minor">
+            <a:schemeClr val="dk1"/>
+          </a:fontRef>
+        </p:style>
+      </p:cxnSp>
+      <mc:AlternateContent xmlns:mc="http://schemas.openxmlformats.org/markup-compatibility/2006">
+        <mc:Choice xmlns:a14="http://schemas.microsoft.com/office/drawing/2010/main" Requires="a14">
+          <p:sp>
+            <p:nvSpPr>
+              <p:cNvPr id="71" name="TextBox 70">
+                <a:extLst>
+                  <a:ext uri="{FF2B5EF4-FFF2-40B4-BE49-F238E27FC236}">
+                    <a16:creationId xmlns:a16="http://schemas.microsoft.com/office/drawing/2014/main" id="{2484552F-1BD5-4D19-9F40-9E273BB6EC49}"/>
+                  </a:ext>
+                </a:extLst>
+              </p:cNvPr>
+              <p:cNvSpPr txBox="1"/>
+              <p:nvPr/>
+            </p:nvSpPr>
+            <p:spPr>
+              <a:xfrm>
+                <a:off x="6721990" y="5490520"/>
+                <a:ext cx="494943" cy="369332"/>
+              </a:xfrm>
+              <a:prstGeom prst="rect">
+                <a:avLst/>
+              </a:prstGeom>
+              <a:noFill/>
+            </p:spPr>
+            <p:txBody>
+              <a:bodyPr wrap="none" rtlCol="0">
+                <a:spAutoFit/>
+              </a:bodyPr>
+              <a:lstStyle/>
+              <a:p>
+                <a14:m>
+                  <m:oMathPara xmlns:m="http://schemas.openxmlformats.org/officeDocument/2006/math">
+                    <m:oMathParaPr>
+                      <m:jc m:val="centerGroup"/>
+                    </m:oMathParaPr>
+                    <m:oMath xmlns:m="http://schemas.openxmlformats.org/officeDocument/2006/math">
+                      <m:sSub>
+                        <m:sSubPr>
+                          <m:ctrlPr>
+                            <a:rPr lang="en-US" altLang="ko-KR" i="1" smtClean="0">
+                              <a:latin typeface="Cambria Math" panose="02040503050406030204" pitchFamily="18" charset="0"/>
+                            </a:rPr>
+                          </m:ctrlPr>
+                        </m:sSubPr>
+                        <m:e>
+                          <m:r>
+                            <a:rPr lang="en-US" altLang="ko-KR" b="0" i="1" smtClean="0">
+                              <a:latin typeface="Cambria Math" panose="02040503050406030204" pitchFamily="18" charset="0"/>
+                            </a:rPr>
+                            <m:t>𝑥</m:t>
+                          </m:r>
+                        </m:e>
+                        <m:sub>
+                          <m:r>
+                            <a:rPr lang="en-US" altLang="ko-KR" b="0" i="1" smtClean="0">
+                              <a:latin typeface="Cambria Math" panose="02040503050406030204" pitchFamily="18" charset="0"/>
+                            </a:rPr>
+                            <m:t>3</m:t>
+                          </m:r>
+                        </m:sub>
+                      </m:sSub>
+                    </m:oMath>
+                  </m:oMathPara>
+                </a14:m>
+                <a:endParaRPr lang="ko-KR" altLang="en-US" dirty="0"/>
+              </a:p>
+            </p:txBody>
+          </p:sp>
+        </mc:Choice>
+        <mc:Fallback>
+          <p:sp>
+            <p:nvSpPr>
+              <p:cNvPr id="71" name="TextBox 70">
+                <a:extLst>
+                  <a:ext uri="{FF2B5EF4-FFF2-40B4-BE49-F238E27FC236}">
+                    <a16:creationId xmlns:a16="http://schemas.microsoft.com/office/drawing/2014/main" id="{2484552F-1BD5-4D19-9F40-9E273BB6EC49}"/>
+                  </a:ext>
+                </a:extLst>
+              </p:cNvPr>
+              <p:cNvSpPr txBox="1">
+                <a:spLocks noRot="1" noChangeAspect="1" noMove="1" noResize="1" noEditPoints="1" noAdjustHandles="1" noChangeArrowheads="1" noChangeShapeType="1" noTextEdit="1"/>
+              </p:cNvSpPr>
+              <p:nvPr/>
+            </p:nvSpPr>
+            <p:spPr>
+              <a:xfrm>
+                <a:off x="6721990" y="5490520"/>
+                <a:ext cx="494943" cy="369332"/>
+              </a:xfrm>
+              <a:prstGeom prst="rect">
+                <a:avLst/>
+              </a:prstGeom>
+              <a:blipFill>
+                <a:blip r:embed="rId8"/>
+                <a:stretch>
+                  <a:fillRect b="-3333"/>
+                </a:stretch>
+              </a:blipFill>
+            </p:spPr>
+            <p:txBody>
+              <a:bodyPr/>
+              <a:lstStyle/>
+              <a:p>
+                <a:r>
+                  <a:rPr lang="ko-KR" altLang="en-US">
+                    <a:noFill/>
+                  </a:rPr>
+                  <a:t> </a:t>
+                </a:r>
+              </a:p>
+            </p:txBody>
+          </p:sp>
+        </mc:Fallback>
+      </mc:AlternateContent>
+      <mc:AlternateContent xmlns:mc="http://schemas.openxmlformats.org/markup-compatibility/2006">
+        <mc:Choice xmlns:a14="http://schemas.microsoft.com/office/drawing/2010/main" Requires="a14">
+          <p:sp>
+            <p:nvSpPr>
+              <p:cNvPr id="72" name="TextBox 71">
+                <a:extLst>
+                  <a:ext uri="{FF2B5EF4-FFF2-40B4-BE49-F238E27FC236}">
+                    <a16:creationId xmlns:a16="http://schemas.microsoft.com/office/drawing/2014/main" id="{3AEED8C7-9C0F-43FB-B869-3B3F190169C4}"/>
+                  </a:ext>
+                </a:extLst>
+              </p:cNvPr>
+              <p:cNvSpPr txBox="1"/>
+              <p:nvPr/>
+            </p:nvSpPr>
+            <p:spPr>
+              <a:xfrm>
+                <a:off x="6727312" y="1228123"/>
+                <a:ext cx="494943" cy="369332"/>
+              </a:xfrm>
+              <a:prstGeom prst="rect">
+                <a:avLst/>
+              </a:prstGeom>
+              <a:noFill/>
+            </p:spPr>
+            <p:txBody>
+              <a:bodyPr wrap="none" rtlCol="0">
+                <a:spAutoFit/>
+              </a:bodyPr>
+              <a:lstStyle/>
+              <a:p>
+                <a14:m>
+                  <m:oMathPara xmlns:m="http://schemas.openxmlformats.org/officeDocument/2006/math">
+                    <m:oMathParaPr>
+                      <m:jc m:val="centerGroup"/>
+                    </m:oMathParaPr>
+                    <m:oMath xmlns:m="http://schemas.openxmlformats.org/officeDocument/2006/math">
+                      <m:sSub>
+                        <m:sSubPr>
+                          <m:ctrlPr>
+                            <a:rPr lang="en-US" altLang="ko-KR" i="1" smtClean="0">
+                              <a:latin typeface="Cambria Math" panose="02040503050406030204" pitchFamily="18" charset="0"/>
+                            </a:rPr>
+                          </m:ctrlPr>
+                        </m:sSubPr>
+                        <m:e>
+                          <m:acc>
+                            <m:accPr>
+                              <m:chr m:val="̂"/>
+                              <m:ctrlPr>
+                                <a:rPr lang="en-US" altLang="ko-KR" i="1" smtClean="0">
+                                  <a:latin typeface="Cambria Math" panose="02040503050406030204" pitchFamily="18" charset="0"/>
+                                </a:rPr>
+                              </m:ctrlPr>
+                            </m:accPr>
+                            <m:e>
+                              <m:r>
+                                <a:rPr lang="en-US" altLang="ko-KR" b="0" i="1" smtClean="0">
+                                  <a:latin typeface="Cambria Math" panose="02040503050406030204" pitchFamily="18" charset="0"/>
+                                </a:rPr>
+                                <m:t>𝑥</m:t>
+                              </m:r>
+                            </m:e>
+                          </m:acc>
+                        </m:e>
+                        <m:sub>
+                          <m:r>
+                            <a:rPr lang="en-US" altLang="ko-KR" b="0" i="1" smtClean="0">
+                              <a:latin typeface="Cambria Math" panose="02040503050406030204" pitchFamily="18" charset="0"/>
+                            </a:rPr>
+                            <m:t>4</m:t>
+                          </m:r>
+                        </m:sub>
+                      </m:sSub>
+                    </m:oMath>
+                  </m:oMathPara>
+                </a14:m>
+                <a:endParaRPr lang="ko-KR" altLang="en-US" dirty="0"/>
+              </a:p>
+            </p:txBody>
+          </p:sp>
+        </mc:Choice>
+        <mc:Fallback>
+          <p:sp>
+            <p:nvSpPr>
+              <p:cNvPr id="72" name="TextBox 71">
+                <a:extLst>
+                  <a:ext uri="{FF2B5EF4-FFF2-40B4-BE49-F238E27FC236}">
+                    <a16:creationId xmlns:a16="http://schemas.microsoft.com/office/drawing/2014/main" id="{3AEED8C7-9C0F-43FB-B869-3B3F190169C4}"/>
+                  </a:ext>
+                </a:extLst>
+              </p:cNvPr>
+              <p:cNvSpPr txBox="1">
+                <a:spLocks noRot="1" noChangeAspect="1" noMove="1" noResize="1" noEditPoints="1" noAdjustHandles="1" noChangeArrowheads="1" noChangeShapeType="1" noTextEdit="1"/>
+              </p:cNvSpPr>
+              <p:nvPr/>
+            </p:nvSpPr>
+            <p:spPr>
+              <a:xfrm>
+                <a:off x="6727312" y="1228123"/>
+                <a:ext cx="494943" cy="369332"/>
+              </a:xfrm>
+              <a:prstGeom prst="rect">
+                <a:avLst/>
+              </a:prstGeom>
+              <a:blipFill>
+                <a:blip r:embed="rId9"/>
+                <a:stretch>
+                  <a:fillRect t="-3279" r="-13580" b="-1639"/>
+                </a:stretch>
+              </a:blipFill>
+            </p:spPr>
+            <p:txBody>
+              <a:bodyPr/>
+              <a:lstStyle/>
+              <a:p>
+                <a:r>
+                  <a:rPr lang="ko-KR" altLang="en-US">
+                    <a:noFill/>
+                  </a:rPr>
+                  <a:t> </a:t>
+                </a:r>
+              </a:p>
+            </p:txBody>
+          </p:sp>
+        </mc:Fallback>
+      </mc:AlternateContent>
+      <p:cxnSp>
+        <p:nvCxnSpPr>
+          <p:cNvPr id="73" name="직선 화살표 연결선 72">
+            <a:extLst>
+              <a:ext uri="{FF2B5EF4-FFF2-40B4-BE49-F238E27FC236}">
+                <a16:creationId xmlns:a16="http://schemas.microsoft.com/office/drawing/2014/main" id="{1D07BEB5-CC12-4374-B141-2883C46F0D31}"/>
+              </a:ext>
+            </a:extLst>
+          </p:cNvPr>
+          <p:cNvCxnSpPr>
+            <a:cxnSpLocks/>
+            <a:stCxn id="63" idx="0"/>
+            <a:endCxn id="72" idx="2"/>
+          </p:cNvCxnSpPr>
+          <p:nvPr/>
+        </p:nvCxnSpPr>
+        <p:spPr>
+          <a:xfrm flipV="1">
+            <a:off x="6969462" y="1597455"/>
+            <a:ext cx="5322" cy="334318"/>
+          </a:xfrm>
+          <a:prstGeom prst="straightConnector1">
+            <a:avLst/>
+          </a:prstGeom>
+          <a:ln>
+            <a:tailEnd type="triangle"/>
+          </a:ln>
+        </p:spPr>
+        <p:style>
+          <a:lnRef idx="2">
+            <a:schemeClr val="dk1"/>
+          </a:lnRef>
+          <a:fillRef idx="1">
+            <a:schemeClr val="lt1"/>
+          </a:fillRef>
+          <a:effectRef idx="0">
+            <a:schemeClr val="dk1"/>
+          </a:effectRef>
+          <a:fontRef idx="minor">
+            <a:schemeClr val="dk1"/>
+          </a:fontRef>
+        </p:style>
+      </p:cxnSp>
+      <p:sp>
+        <p:nvSpPr>
+          <p:cNvPr id="74" name="직사각형 73">
+            <a:extLst>
+              <a:ext uri="{FF2B5EF4-FFF2-40B4-BE49-F238E27FC236}">
+                <a16:creationId xmlns:a16="http://schemas.microsoft.com/office/drawing/2014/main" id="{1FFADF56-EE84-46B8-BBE0-94A19DDF6E46}"/>
+              </a:ext>
+            </a:extLst>
+          </p:cNvPr>
+          <p:cNvSpPr/>
+          <p:nvPr/>
+        </p:nvSpPr>
+        <p:spPr>
+          <a:xfrm>
+            <a:off x="7985932" y="1931773"/>
+            <a:ext cx="1025610" cy="518984"/>
+          </a:xfrm>
+          <a:prstGeom prst="rect">
+            <a:avLst/>
+          </a:prstGeom>
+        </p:spPr>
+        <p:style>
+          <a:lnRef idx="2">
+            <a:schemeClr val="dk1"/>
+          </a:lnRef>
+          <a:fillRef idx="1">
+            <a:schemeClr val="lt1"/>
+          </a:fillRef>
+          <a:effectRef idx="0">
+            <a:schemeClr val="dk1"/>
+          </a:effectRef>
+          <a:fontRef idx="minor">
+            <a:schemeClr val="dk1"/>
+          </a:fontRef>
+        </p:style>
+        <p:txBody>
+          <a:bodyPr rtlCol="0" anchor="ctr"/>
+          <a:lstStyle/>
+          <a:p>
+            <a:pPr algn="ctr"/>
+            <a:r>
+              <a:rPr lang="en-US" altLang="ko-KR" sz="1200" dirty="0" err="1"/>
+              <a:t>softmax</a:t>
+            </a:r>
+            <a:endParaRPr lang="ko-KR" altLang="en-US" sz="1200" dirty="0"/>
+          </a:p>
+        </p:txBody>
+      </p:sp>
+      <p:sp>
+        <p:nvSpPr>
+          <p:cNvPr id="75" name="직사각형 74">
+            <a:extLst>
+              <a:ext uri="{FF2B5EF4-FFF2-40B4-BE49-F238E27FC236}">
+                <a16:creationId xmlns:a16="http://schemas.microsoft.com/office/drawing/2014/main" id="{552D2A52-F3FF-41F3-A62E-C512BACEEF86}"/>
+              </a:ext>
+            </a:extLst>
+          </p:cNvPr>
+          <p:cNvSpPr/>
+          <p:nvPr/>
+        </p:nvSpPr>
+        <p:spPr>
+          <a:xfrm>
+            <a:off x="7985932" y="2833816"/>
+            <a:ext cx="1025610" cy="518984"/>
+          </a:xfrm>
+          <a:prstGeom prst="rect">
+            <a:avLst/>
+          </a:prstGeom>
+        </p:spPr>
+        <p:style>
+          <a:lnRef idx="2">
+            <a:schemeClr val="dk1"/>
+          </a:lnRef>
+          <a:fillRef idx="1">
+            <a:schemeClr val="lt1"/>
+          </a:fillRef>
+          <a:effectRef idx="0">
+            <a:schemeClr val="dk1"/>
+          </a:effectRef>
+          <a:fontRef idx="minor">
+            <a:schemeClr val="dk1"/>
+          </a:fontRef>
+        </p:style>
+        <p:txBody>
+          <a:bodyPr rtlCol="0" anchor="ctr"/>
+          <a:lstStyle/>
+          <a:p>
+            <a:pPr algn="ctr"/>
+            <a:r>
+              <a:rPr lang="en-US" altLang="ko-KR" sz="1200" dirty="0" err="1"/>
+              <a:t>rnn</a:t>
+            </a:r>
+            <a:r>
+              <a:rPr lang="en-US" altLang="ko-KR" sz="1200" dirty="0"/>
+              <a:t> cell</a:t>
+            </a:r>
+            <a:endParaRPr lang="ko-KR" altLang="en-US" sz="1200" dirty="0"/>
+          </a:p>
+        </p:txBody>
+      </p:sp>
+      <p:sp>
+        <p:nvSpPr>
+          <p:cNvPr id="76" name="직사각형 75">
+            <a:extLst>
+              <a:ext uri="{FF2B5EF4-FFF2-40B4-BE49-F238E27FC236}">
+                <a16:creationId xmlns:a16="http://schemas.microsoft.com/office/drawing/2014/main" id="{68DCAE8C-C0CC-4FF6-840E-5137C7726B0F}"/>
+              </a:ext>
+            </a:extLst>
+          </p:cNvPr>
+          <p:cNvSpPr/>
+          <p:nvPr/>
+        </p:nvSpPr>
+        <p:spPr>
+          <a:xfrm>
+            <a:off x="7985932" y="3735859"/>
+            <a:ext cx="1025610" cy="518984"/>
+          </a:xfrm>
+          <a:prstGeom prst="rect">
+            <a:avLst/>
+          </a:prstGeom>
+        </p:spPr>
+        <p:style>
+          <a:lnRef idx="2">
+            <a:schemeClr val="dk1"/>
+          </a:lnRef>
+          <a:fillRef idx="1">
+            <a:schemeClr val="lt1"/>
+          </a:fillRef>
+          <a:effectRef idx="0">
+            <a:schemeClr val="dk1"/>
+          </a:effectRef>
+          <a:fontRef idx="minor">
+            <a:schemeClr val="dk1"/>
+          </a:fontRef>
+        </p:style>
+        <p:txBody>
+          <a:bodyPr rtlCol="0" anchor="ctr"/>
+          <a:lstStyle/>
+          <a:p>
+            <a:pPr algn="ctr"/>
+            <a:r>
+              <a:rPr lang="en-US" altLang="ko-KR" sz="1200" dirty="0" err="1"/>
+              <a:t>rnn</a:t>
+            </a:r>
+            <a:r>
+              <a:rPr lang="en-US" altLang="ko-KR" sz="1200" dirty="0"/>
+              <a:t> cell</a:t>
+            </a:r>
+            <a:endParaRPr lang="ko-KR" altLang="en-US" sz="1200" dirty="0"/>
+          </a:p>
+        </p:txBody>
+      </p:sp>
+      <p:sp>
+        <p:nvSpPr>
+          <p:cNvPr id="77" name="직사각형 76">
+            <a:extLst>
+              <a:ext uri="{FF2B5EF4-FFF2-40B4-BE49-F238E27FC236}">
+                <a16:creationId xmlns:a16="http://schemas.microsoft.com/office/drawing/2014/main" id="{39D48891-5979-462A-9E6F-DF436D67435B}"/>
+              </a:ext>
+            </a:extLst>
+          </p:cNvPr>
+          <p:cNvSpPr/>
+          <p:nvPr/>
+        </p:nvSpPr>
+        <p:spPr>
+          <a:xfrm>
+            <a:off x="7985932" y="4637902"/>
+            <a:ext cx="1025610" cy="518984"/>
+          </a:xfrm>
+          <a:prstGeom prst="rect">
+            <a:avLst/>
+          </a:prstGeom>
+        </p:spPr>
+        <p:style>
+          <a:lnRef idx="2">
+            <a:schemeClr val="dk1"/>
+          </a:lnRef>
+          <a:fillRef idx="1">
+            <a:schemeClr val="lt1"/>
+          </a:fillRef>
+          <a:effectRef idx="0">
+            <a:schemeClr val="dk1"/>
+          </a:effectRef>
+          <a:fontRef idx="minor">
+            <a:schemeClr val="dk1"/>
+          </a:fontRef>
+        </p:style>
+        <p:txBody>
+          <a:bodyPr rtlCol="0" anchor="ctr"/>
+          <a:lstStyle/>
+          <a:p>
+            <a:pPr algn="ctr"/>
+            <a:r>
+              <a:rPr lang="en-US" altLang="ko-KR" sz="1200" dirty="0"/>
+              <a:t>embedding</a:t>
+            </a:r>
+            <a:endParaRPr lang="ko-KR" altLang="en-US" sz="1200" dirty="0"/>
+          </a:p>
+        </p:txBody>
+      </p:sp>
+      <p:cxnSp>
+        <p:nvCxnSpPr>
+          <p:cNvPr id="78" name="직선 화살표 연결선 77">
+            <a:extLst>
+              <a:ext uri="{FF2B5EF4-FFF2-40B4-BE49-F238E27FC236}">
+                <a16:creationId xmlns:a16="http://schemas.microsoft.com/office/drawing/2014/main" id="{44259613-4666-4808-81BE-AF79241707FD}"/>
+              </a:ext>
+            </a:extLst>
+          </p:cNvPr>
+          <p:cNvCxnSpPr>
+            <a:stCxn id="77" idx="0"/>
+            <a:endCxn id="76" idx="2"/>
+          </p:cNvCxnSpPr>
+          <p:nvPr/>
+        </p:nvCxnSpPr>
+        <p:spPr>
+          <a:xfrm flipV="1">
+            <a:off x="8498737" y="4254843"/>
+            <a:ext cx="0" cy="383059"/>
+          </a:xfrm>
+          <a:prstGeom prst="straightConnector1">
+            <a:avLst/>
+          </a:prstGeom>
+          <a:ln>
+            <a:tailEnd type="triangle"/>
+          </a:ln>
+        </p:spPr>
+        <p:style>
+          <a:lnRef idx="2">
+            <a:schemeClr val="dk1"/>
+          </a:lnRef>
+          <a:fillRef idx="1">
+            <a:schemeClr val="lt1"/>
+          </a:fillRef>
+          <a:effectRef idx="0">
+            <a:schemeClr val="dk1"/>
+          </a:effectRef>
+          <a:fontRef idx="minor">
+            <a:schemeClr val="dk1"/>
+          </a:fontRef>
+        </p:style>
+      </p:cxnSp>
+      <p:cxnSp>
+        <p:nvCxnSpPr>
+          <p:cNvPr id="79" name="직선 화살표 연결선 78">
+            <a:extLst>
+              <a:ext uri="{FF2B5EF4-FFF2-40B4-BE49-F238E27FC236}">
+                <a16:creationId xmlns:a16="http://schemas.microsoft.com/office/drawing/2014/main" id="{48E5987F-0185-4602-8583-E14C15AE7D5F}"/>
+              </a:ext>
+            </a:extLst>
+          </p:cNvPr>
+          <p:cNvCxnSpPr>
+            <a:cxnSpLocks/>
+            <a:stCxn id="76" idx="0"/>
+            <a:endCxn id="75" idx="2"/>
+          </p:cNvCxnSpPr>
+          <p:nvPr/>
+        </p:nvCxnSpPr>
+        <p:spPr>
+          <a:xfrm flipV="1">
+            <a:off x="8498737" y="3352800"/>
+            <a:ext cx="0" cy="383059"/>
+          </a:xfrm>
+          <a:prstGeom prst="straightConnector1">
+            <a:avLst/>
+          </a:prstGeom>
+          <a:ln>
+            <a:tailEnd type="triangle"/>
+          </a:ln>
+        </p:spPr>
+        <p:style>
+          <a:lnRef idx="2">
+            <a:schemeClr val="dk1"/>
+          </a:lnRef>
+          <a:fillRef idx="1">
+            <a:schemeClr val="lt1"/>
+          </a:fillRef>
+          <a:effectRef idx="0">
+            <a:schemeClr val="dk1"/>
+          </a:effectRef>
+          <a:fontRef idx="minor">
+            <a:schemeClr val="dk1"/>
+          </a:fontRef>
+        </p:style>
+      </p:cxnSp>
+      <p:cxnSp>
+        <p:nvCxnSpPr>
+          <p:cNvPr id="80" name="직선 화살표 연결선 79">
+            <a:extLst>
+              <a:ext uri="{FF2B5EF4-FFF2-40B4-BE49-F238E27FC236}">
+                <a16:creationId xmlns:a16="http://schemas.microsoft.com/office/drawing/2014/main" id="{5EB52318-A9BD-4B62-9C9C-569115EF1E85}"/>
+              </a:ext>
+            </a:extLst>
+          </p:cNvPr>
+          <p:cNvCxnSpPr>
+            <a:cxnSpLocks/>
+            <a:stCxn id="75" idx="0"/>
+            <a:endCxn id="74" idx="2"/>
+          </p:cNvCxnSpPr>
+          <p:nvPr/>
+        </p:nvCxnSpPr>
+        <p:spPr>
+          <a:xfrm flipV="1">
+            <a:off x="8498737" y="2450757"/>
+            <a:ext cx="0" cy="383059"/>
+          </a:xfrm>
+          <a:prstGeom prst="straightConnector1">
+            <a:avLst/>
+          </a:prstGeom>
+          <a:ln>
+            <a:tailEnd type="triangle"/>
+          </a:ln>
+        </p:spPr>
+        <p:style>
+          <a:lnRef idx="2">
+            <a:schemeClr val="dk1"/>
+          </a:lnRef>
+          <a:fillRef idx="1">
+            <a:schemeClr val="lt1"/>
+          </a:fillRef>
+          <a:effectRef idx="0">
+            <a:schemeClr val="dk1"/>
+          </a:effectRef>
+          <a:fontRef idx="minor">
+            <a:schemeClr val="dk1"/>
+          </a:fontRef>
+        </p:style>
+      </p:cxnSp>
+      <p:cxnSp>
+        <p:nvCxnSpPr>
+          <p:cNvPr id="81" name="직선 화살표 연결선 80">
+            <a:extLst>
+              <a:ext uri="{FF2B5EF4-FFF2-40B4-BE49-F238E27FC236}">
+                <a16:creationId xmlns:a16="http://schemas.microsoft.com/office/drawing/2014/main" id="{0B24DE26-CFF1-4C8E-9F17-76D65E18FE9E}"/>
+              </a:ext>
+            </a:extLst>
+          </p:cNvPr>
+          <p:cNvCxnSpPr>
+            <a:cxnSpLocks/>
+            <a:stCxn id="82" idx="0"/>
+            <a:endCxn id="77" idx="2"/>
+          </p:cNvCxnSpPr>
+          <p:nvPr/>
+        </p:nvCxnSpPr>
+        <p:spPr>
+          <a:xfrm flipV="1">
+            <a:off x="8498737" y="5156886"/>
+            <a:ext cx="0" cy="333634"/>
+          </a:xfrm>
+          <a:prstGeom prst="straightConnector1">
+            <a:avLst/>
+          </a:prstGeom>
+          <a:ln>
+            <a:tailEnd type="triangle"/>
+          </a:ln>
+        </p:spPr>
+        <p:style>
+          <a:lnRef idx="2">
+            <a:schemeClr val="dk1"/>
+          </a:lnRef>
+          <a:fillRef idx="1">
+            <a:schemeClr val="lt1"/>
+          </a:fillRef>
+          <a:effectRef idx="0">
+            <a:schemeClr val="dk1"/>
+          </a:effectRef>
+          <a:fontRef idx="minor">
+            <a:schemeClr val="dk1"/>
+          </a:fontRef>
+        </p:style>
+      </p:cxnSp>
+      <mc:AlternateContent xmlns:mc="http://schemas.openxmlformats.org/markup-compatibility/2006">
+        <mc:Choice xmlns:a14="http://schemas.microsoft.com/office/drawing/2010/main" Requires="a14">
+          <p:sp>
+            <p:nvSpPr>
+              <p:cNvPr id="82" name="TextBox 81">
+                <a:extLst>
+                  <a:ext uri="{FF2B5EF4-FFF2-40B4-BE49-F238E27FC236}">
+                    <a16:creationId xmlns:a16="http://schemas.microsoft.com/office/drawing/2014/main" id="{E799825B-3727-4F39-BEAD-2E2ACE9A90BE}"/>
+                  </a:ext>
+                </a:extLst>
+              </p:cNvPr>
+              <p:cNvSpPr txBox="1"/>
+              <p:nvPr/>
+            </p:nvSpPr>
+            <p:spPr>
+              <a:xfrm>
+                <a:off x="8251265" y="5490520"/>
+                <a:ext cx="494943" cy="369332"/>
+              </a:xfrm>
+              <a:prstGeom prst="rect">
+                <a:avLst/>
+              </a:prstGeom>
+              <a:noFill/>
+            </p:spPr>
+            <p:txBody>
+              <a:bodyPr wrap="none" rtlCol="0">
+                <a:spAutoFit/>
+              </a:bodyPr>
+              <a:lstStyle/>
+              <a:p>
+                <a14:m>
+                  <m:oMathPara xmlns:m="http://schemas.openxmlformats.org/officeDocument/2006/math">
+                    <m:oMathParaPr>
+                      <m:jc m:val="centerGroup"/>
+                    </m:oMathParaPr>
+                    <m:oMath xmlns:m="http://schemas.openxmlformats.org/officeDocument/2006/math">
+                      <m:sSub>
+                        <m:sSubPr>
+                          <m:ctrlPr>
+                            <a:rPr lang="en-US" altLang="ko-KR" i="1" smtClean="0">
+                              <a:latin typeface="Cambria Math" panose="02040503050406030204" pitchFamily="18" charset="0"/>
+                            </a:rPr>
+                          </m:ctrlPr>
+                        </m:sSubPr>
+                        <m:e>
+                          <m:r>
+                            <a:rPr lang="en-US" altLang="ko-KR" b="0" i="1" smtClean="0">
+                              <a:latin typeface="Cambria Math" panose="02040503050406030204" pitchFamily="18" charset="0"/>
+                            </a:rPr>
+                            <m:t>𝑥</m:t>
+                          </m:r>
+                        </m:e>
+                        <m:sub>
+                          <m:r>
+                            <a:rPr lang="en-US" altLang="ko-KR" b="0" i="1" smtClean="0">
+                              <a:latin typeface="Cambria Math" panose="02040503050406030204" pitchFamily="18" charset="0"/>
+                            </a:rPr>
+                            <m:t>4</m:t>
+                          </m:r>
+                        </m:sub>
+                      </m:sSub>
+                    </m:oMath>
+                  </m:oMathPara>
+                </a14:m>
+                <a:endParaRPr lang="ko-KR" altLang="en-US" dirty="0"/>
+              </a:p>
+            </p:txBody>
+          </p:sp>
+        </mc:Choice>
+        <mc:Fallback>
+          <p:sp>
+            <p:nvSpPr>
+              <p:cNvPr id="82" name="TextBox 81">
+                <a:extLst>
+                  <a:ext uri="{FF2B5EF4-FFF2-40B4-BE49-F238E27FC236}">
+                    <a16:creationId xmlns:a16="http://schemas.microsoft.com/office/drawing/2014/main" id="{E799825B-3727-4F39-BEAD-2E2ACE9A90BE}"/>
+                  </a:ext>
+                </a:extLst>
+              </p:cNvPr>
+              <p:cNvSpPr txBox="1">
+                <a:spLocks noRot="1" noChangeAspect="1" noMove="1" noResize="1" noEditPoints="1" noAdjustHandles="1" noChangeArrowheads="1" noChangeShapeType="1" noTextEdit="1"/>
+              </p:cNvSpPr>
+              <p:nvPr/>
+            </p:nvSpPr>
+            <p:spPr>
+              <a:xfrm>
+                <a:off x="8251265" y="5490520"/>
+                <a:ext cx="494943" cy="369332"/>
+              </a:xfrm>
+              <a:prstGeom prst="rect">
+                <a:avLst/>
+              </a:prstGeom>
+              <a:blipFill>
+                <a:blip r:embed="rId10"/>
+                <a:stretch>
+                  <a:fillRect b="-3333"/>
+                </a:stretch>
+              </a:blipFill>
+            </p:spPr>
+            <p:txBody>
+              <a:bodyPr/>
+              <a:lstStyle/>
+              <a:p>
+                <a:r>
+                  <a:rPr lang="ko-KR" altLang="en-US">
+                    <a:noFill/>
+                  </a:rPr>
+                  <a:t> </a:t>
+                </a:r>
+              </a:p>
+            </p:txBody>
+          </p:sp>
+        </mc:Fallback>
+      </mc:AlternateContent>
+      <mc:AlternateContent xmlns:mc="http://schemas.openxmlformats.org/markup-compatibility/2006">
+        <mc:Choice xmlns:a14="http://schemas.microsoft.com/office/drawing/2010/main" Requires="a14">
+          <p:sp>
+            <p:nvSpPr>
+              <p:cNvPr id="83" name="TextBox 82">
+                <a:extLst>
+                  <a:ext uri="{FF2B5EF4-FFF2-40B4-BE49-F238E27FC236}">
+                    <a16:creationId xmlns:a16="http://schemas.microsoft.com/office/drawing/2014/main" id="{DBF48FFA-1D5D-4577-9AE3-29EAE247472C}"/>
+                  </a:ext>
+                </a:extLst>
+              </p:cNvPr>
+              <p:cNvSpPr txBox="1"/>
+              <p:nvPr/>
+            </p:nvSpPr>
+            <p:spPr>
+              <a:xfrm>
+                <a:off x="8256587" y="1228123"/>
+                <a:ext cx="494943" cy="369332"/>
+              </a:xfrm>
+              <a:prstGeom prst="rect">
+                <a:avLst/>
+              </a:prstGeom>
+              <a:noFill/>
+            </p:spPr>
+            <p:txBody>
+              <a:bodyPr wrap="none" rtlCol="0">
+                <a:spAutoFit/>
+              </a:bodyPr>
+              <a:lstStyle/>
+              <a:p>
+                <a14:m>
+                  <m:oMathPara xmlns:m="http://schemas.openxmlformats.org/officeDocument/2006/math">
+                    <m:oMathParaPr>
+                      <m:jc m:val="centerGroup"/>
+                    </m:oMathParaPr>
+                    <m:oMath xmlns:m="http://schemas.openxmlformats.org/officeDocument/2006/math">
+                      <m:sSub>
+                        <m:sSubPr>
+                          <m:ctrlPr>
+                            <a:rPr lang="en-US" altLang="ko-KR" i="1" smtClean="0">
+                              <a:latin typeface="Cambria Math" panose="02040503050406030204" pitchFamily="18" charset="0"/>
+                            </a:rPr>
+                          </m:ctrlPr>
+                        </m:sSubPr>
+                        <m:e>
+                          <m:acc>
+                            <m:accPr>
+                              <m:chr m:val="̂"/>
+                              <m:ctrlPr>
+                                <a:rPr lang="en-US" altLang="ko-KR" i="1" smtClean="0">
+                                  <a:latin typeface="Cambria Math" panose="02040503050406030204" pitchFamily="18" charset="0"/>
+                                </a:rPr>
+                              </m:ctrlPr>
+                            </m:accPr>
+                            <m:e>
+                              <m:r>
+                                <a:rPr lang="en-US" altLang="ko-KR" b="0" i="1" smtClean="0">
+                                  <a:latin typeface="Cambria Math" panose="02040503050406030204" pitchFamily="18" charset="0"/>
+                                </a:rPr>
+                                <m:t>𝑥</m:t>
+                              </m:r>
+                            </m:e>
+                          </m:acc>
+                        </m:e>
+                        <m:sub>
+                          <m:r>
+                            <a:rPr lang="en-US" altLang="ko-KR" b="0" i="1" smtClean="0">
+                              <a:latin typeface="Cambria Math" panose="02040503050406030204" pitchFamily="18" charset="0"/>
+                            </a:rPr>
+                            <m:t>5</m:t>
+                          </m:r>
+                        </m:sub>
+                      </m:sSub>
+                    </m:oMath>
+                  </m:oMathPara>
+                </a14:m>
+                <a:endParaRPr lang="ko-KR" altLang="en-US" dirty="0"/>
+              </a:p>
+            </p:txBody>
+          </p:sp>
+        </mc:Choice>
+        <mc:Fallback>
+          <p:sp>
+            <p:nvSpPr>
+              <p:cNvPr id="83" name="TextBox 82">
+                <a:extLst>
+                  <a:ext uri="{FF2B5EF4-FFF2-40B4-BE49-F238E27FC236}">
+                    <a16:creationId xmlns:a16="http://schemas.microsoft.com/office/drawing/2014/main" id="{DBF48FFA-1D5D-4577-9AE3-29EAE247472C}"/>
+                  </a:ext>
+                </a:extLst>
+              </p:cNvPr>
+              <p:cNvSpPr txBox="1">
+                <a:spLocks noRot="1" noChangeAspect="1" noMove="1" noResize="1" noEditPoints="1" noAdjustHandles="1" noChangeArrowheads="1" noChangeShapeType="1" noTextEdit="1"/>
+              </p:cNvSpPr>
+              <p:nvPr/>
+            </p:nvSpPr>
+            <p:spPr>
+              <a:xfrm>
+                <a:off x="8256587" y="1228123"/>
+                <a:ext cx="494943" cy="369332"/>
+              </a:xfrm>
+              <a:prstGeom prst="rect">
+                <a:avLst/>
+              </a:prstGeom>
+              <a:blipFill>
+                <a:blip r:embed="rId11"/>
+                <a:stretch>
+                  <a:fillRect t="-3279" r="-13415" b="-3279"/>
+                </a:stretch>
+              </a:blipFill>
+            </p:spPr>
+            <p:txBody>
+              <a:bodyPr/>
+              <a:lstStyle/>
+              <a:p>
+                <a:r>
+                  <a:rPr lang="ko-KR" altLang="en-US">
+                    <a:noFill/>
+                  </a:rPr>
+                  <a:t> </a:t>
+                </a:r>
+              </a:p>
+            </p:txBody>
+          </p:sp>
+        </mc:Fallback>
+      </mc:AlternateContent>
+      <p:cxnSp>
+        <p:nvCxnSpPr>
+          <p:cNvPr id="84" name="직선 화살표 연결선 83">
+            <a:extLst>
+              <a:ext uri="{FF2B5EF4-FFF2-40B4-BE49-F238E27FC236}">
+                <a16:creationId xmlns:a16="http://schemas.microsoft.com/office/drawing/2014/main" id="{A629E2DD-AF5D-4C9D-A4F6-09DB868A4783}"/>
+              </a:ext>
+            </a:extLst>
+          </p:cNvPr>
+          <p:cNvCxnSpPr>
+            <a:cxnSpLocks/>
+            <a:stCxn id="74" idx="0"/>
+            <a:endCxn id="83" idx="2"/>
+          </p:cNvCxnSpPr>
+          <p:nvPr/>
+        </p:nvCxnSpPr>
+        <p:spPr>
+          <a:xfrm flipV="1">
+            <a:off x="8498737" y="1597455"/>
+            <a:ext cx="5322" cy="334318"/>
+          </a:xfrm>
+          <a:prstGeom prst="straightConnector1">
+            <a:avLst/>
+          </a:prstGeom>
+          <a:ln>
+            <a:tailEnd type="triangle"/>
+          </a:ln>
+        </p:spPr>
+        <p:style>
+          <a:lnRef idx="2">
+            <a:schemeClr val="dk1"/>
+          </a:lnRef>
+          <a:fillRef idx="1">
+            <a:schemeClr val="lt1"/>
+          </a:fillRef>
+          <a:effectRef idx="0">
+            <a:schemeClr val="dk1"/>
+          </a:effectRef>
+          <a:fontRef idx="minor">
+            <a:schemeClr val="dk1"/>
+          </a:fontRef>
+        </p:style>
+      </p:cxnSp>
+      <p:cxnSp>
+        <p:nvCxnSpPr>
+          <p:cNvPr id="86" name="연결선: 구부러짐 85">
+            <a:extLst>
+              <a:ext uri="{FF2B5EF4-FFF2-40B4-BE49-F238E27FC236}">
+                <a16:creationId xmlns:a16="http://schemas.microsoft.com/office/drawing/2014/main" id="{4815E4C6-6DA5-4D42-91ED-3F66369B1AD1}"/>
+              </a:ext>
+            </a:extLst>
+          </p:cNvPr>
+          <p:cNvCxnSpPr>
+            <a:stCxn id="4" idx="0"/>
+            <a:endCxn id="44" idx="2"/>
+          </p:cNvCxnSpPr>
+          <p:nvPr/>
+        </p:nvCxnSpPr>
+        <p:spPr>
+          <a:xfrm rot="16200000" flipH="1">
+            <a:off x="1518850" y="2775122"/>
+            <a:ext cx="3225113" cy="1538415"/>
+          </a:xfrm>
+          <a:prstGeom prst="curvedConnector5">
+            <a:avLst>
+              <a:gd name="adj1" fmla="val -7088"/>
+              <a:gd name="adj2" fmla="val 50000"/>
+              <a:gd name="adj3" fmla="val 107088"/>
+            </a:avLst>
+          </a:prstGeom>
+          <a:ln>
+            <a:tailEnd type="triangle"/>
+          </a:ln>
+        </p:spPr>
+        <p:style>
+          <a:lnRef idx="2">
+            <a:schemeClr val="dk1"/>
+          </a:lnRef>
+          <a:fillRef idx="1">
+            <a:schemeClr val="lt1"/>
+          </a:fillRef>
+          <a:effectRef idx="0">
+            <a:schemeClr val="dk1"/>
+          </a:effectRef>
+          <a:fontRef idx="minor">
+            <a:schemeClr val="dk1"/>
+          </a:fontRef>
+        </p:style>
+      </p:cxnSp>
+      <p:cxnSp>
+        <p:nvCxnSpPr>
+          <p:cNvPr id="87" name="연결선: 구부러짐 86">
+            <a:extLst>
+              <a:ext uri="{FF2B5EF4-FFF2-40B4-BE49-F238E27FC236}">
+                <a16:creationId xmlns:a16="http://schemas.microsoft.com/office/drawing/2014/main" id="{CE3D1875-2CB4-436C-AE05-90119209B77C}"/>
+              </a:ext>
+            </a:extLst>
+          </p:cNvPr>
+          <p:cNvCxnSpPr>
+            <a:cxnSpLocks/>
+            <a:stCxn id="41" idx="0"/>
+            <a:endCxn id="55" idx="2"/>
+          </p:cNvCxnSpPr>
+          <p:nvPr/>
+        </p:nvCxnSpPr>
+        <p:spPr>
+          <a:xfrm rot="16200000" flipH="1">
+            <a:off x="3055935" y="2776452"/>
+            <a:ext cx="3225113" cy="1535754"/>
+          </a:xfrm>
+          <a:prstGeom prst="curvedConnector5">
+            <a:avLst>
+              <a:gd name="adj1" fmla="val -7088"/>
+              <a:gd name="adj2" fmla="val 50000"/>
+              <a:gd name="adj3" fmla="val 107088"/>
+            </a:avLst>
+          </a:prstGeom>
+          <a:ln>
+            <a:tailEnd type="triangle"/>
+          </a:ln>
+        </p:spPr>
+        <p:style>
+          <a:lnRef idx="2">
+            <a:schemeClr val="dk1"/>
+          </a:lnRef>
+          <a:fillRef idx="1">
+            <a:schemeClr val="lt1"/>
+          </a:fillRef>
+          <a:effectRef idx="0">
+            <a:schemeClr val="dk1"/>
+          </a:effectRef>
+          <a:fontRef idx="minor">
+            <a:schemeClr val="dk1"/>
+          </a:fontRef>
+        </p:style>
+      </p:cxnSp>
+      <p:cxnSp>
+        <p:nvCxnSpPr>
+          <p:cNvPr id="90" name="연결선: 구부러짐 89">
+            <a:extLst>
+              <a:ext uri="{FF2B5EF4-FFF2-40B4-BE49-F238E27FC236}">
+                <a16:creationId xmlns:a16="http://schemas.microsoft.com/office/drawing/2014/main" id="{F6B08CAB-8D3D-465C-8842-62587DF50E0F}"/>
+              </a:ext>
+            </a:extLst>
+          </p:cNvPr>
+          <p:cNvCxnSpPr>
+            <a:cxnSpLocks/>
+            <a:stCxn id="52" idx="0"/>
+            <a:endCxn id="66" idx="2"/>
+          </p:cNvCxnSpPr>
+          <p:nvPr/>
+        </p:nvCxnSpPr>
+        <p:spPr>
+          <a:xfrm rot="16200000" flipH="1">
+            <a:off x="4590358" y="2777783"/>
+            <a:ext cx="3225113" cy="1533093"/>
+          </a:xfrm>
+          <a:prstGeom prst="curvedConnector5">
+            <a:avLst>
+              <a:gd name="adj1" fmla="val -7088"/>
+              <a:gd name="adj2" fmla="val 50000"/>
+              <a:gd name="adj3" fmla="val 107088"/>
+            </a:avLst>
+          </a:prstGeom>
+          <a:ln>
+            <a:tailEnd type="triangle"/>
+          </a:ln>
+        </p:spPr>
+        <p:style>
+          <a:lnRef idx="2">
+            <a:schemeClr val="dk1"/>
+          </a:lnRef>
+          <a:fillRef idx="1">
+            <a:schemeClr val="lt1"/>
+          </a:fillRef>
+          <a:effectRef idx="0">
+            <a:schemeClr val="dk1"/>
+          </a:effectRef>
+          <a:fontRef idx="minor">
+            <a:schemeClr val="dk1"/>
+          </a:fontRef>
+        </p:style>
+      </p:cxnSp>
+      <p:cxnSp>
+        <p:nvCxnSpPr>
+          <p:cNvPr id="93" name="연결선: 구부러짐 92">
+            <a:extLst>
+              <a:ext uri="{FF2B5EF4-FFF2-40B4-BE49-F238E27FC236}">
+                <a16:creationId xmlns:a16="http://schemas.microsoft.com/office/drawing/2014/main" id="{38E42217-28B5-48AF-BBDD-02F0226A727A}"/>
+              </a:ext>
+            </a:extLst>
+          </p:cNvPr>
+          <p:cNvCxnSpPr>
+            <a:cxnSpLocks/>
+            <a:stCxn id="63" idx="0"/>
+            <a:endCxn id="77" idx="2"/>
+          </p:cNvCxnSpPr>
+          <p:nvPr/>
+        </p:nvCxnSpPr>
+        <p:spPr>
+          <a:xfrm rot="16200000" flipH="1">
+            <a:off x="6121542" y="2779692"/>
+            <a:ext cx="3225113" cy="1529275"/>
+          </a:xfrm>
+          <a:prstGeom prst="curvedConnector5">
+            <a:avLst>
+              <a:gd name="adj1" fmla="val -7088"/>
+              <a:gd name="adj2" fmla="val 50000"/>
+              <a:gd name="adj3" fmla="val 107088"/>
+            </a:avLst>
+          </a:prstGeom>
+          <a:ln>
+            <a:tailEnd type="triangle"/>
+          </a:ln>
+        </p:spPr>
+        <p:style>
+          <a:lnRef idx="2">
+            <a:schemeClr val="dk1"/>
+          </a:lnRef>
+          <a:fillRef idx="1">
+            <a:schemeClr val="lt1"/>
+          </a:fillRef>
+          <a:effectRef idx="0">
+            <a:schemeClr val="dk1"/>
+          </a:effectRef>
+          <a:fontRef idx="minor">
+            <a:schemeClr val="dk1"/>
+          </a:fontRef>
+        </p:style>
+      </p:cxnSp>
+    </p:spTree>
+    <p:extLst>
+      <p:ext uri="{BB962C8B-B14F-4D97-AF65-F5344CB8AC3E}">
+        <p14:creationId xmlns:p14="http://schemas.microsoft.com/office/powerpoint/2010/main" val="1393250788"/>
       </p:ext>
     </p:extLst>
   </p:cSld>

--- a/architecture.pptx
+++ b/architecture.pptx
@@ -7,6 +7,7 @@
   <p:sldIdLst>
     <p:sldId id="256" r:id="rId2"/>
     <p:sldId id="257" r:id="rId3"/>
+    <p:sldId id="258" r:id="rId4"/>
   </p:sldIdLst>
   <p:sldSz cx="12192000" cy="6858000"/>
   <p:notesSz cx="6858000" cy="9144000"/>
@@ -6864,10 +6865,4138 @@
           </a:fontRef>
         </p:style>
       </p:cxnSp>
+      <p:cxnSp>
+        <p:nvCxnSpPr>
+          <p:cNvPr id="96" name="직선 화살표 연결선 95">
+            <a:extLst>
+              <a:ext uri="{FF2B5EF4-FFF2-40B4-BE49-F238E27FC236}">
+                <a16:creationId xmlns:a16="http://schemas.microsoft.com/office/drawing/2014/main" id="{7BCDDC87-6FC0-465C-A987-8E00153B2E47}"/>
+              </a:ext>
+            </a:extLst>
+          </p:cNvPr>
+          <p:cNvCxnSpPr>
+            <a:cxnSpLocks/>
+            <a:stCxn id="5" idx="3"/>
+            <a:endCxn id="42" idx="1"/>
+          </p:cNvCxnSpPr>
+          <p:nvPr/>
+        </p:nvCxnSpPr>
+        <p:spPr>
+          <a:xfrm>
+            <a:off x="2875005" y="3093308"/>
+            <a:ext cx="512805" cy="0"/>
+          </a:xfrm>
+          <a:prstGeom prst="straightConnector1">
+            <a:avLst/>
+          </a:prstGeom>
+          <a:ln>
+            <a:tailEnd type="triangle"/>
+          </a:ln>
+        </p:spPr>
+        <p:style>
+          <a:lnRef idx="2">
+            <a:schemeClr val="dk1"/>
+          </a:lnRef>
+          <a:fillRef idx="1">
+            <a:schemeClr val="lt1"/>
+          </a:fillRef>
+          <a:effectRef idx="0">
+            <a:schemeClr val="dk1"/>
+          </a:effectRef>
+          <a:fontRef idx="minor">
+            <a:schemeClr val="dk1"/>
+          </a:fontRef>
+        </p:style>
+      </p:cxnSp>
+      <p:cxnSp>
+        <p:nvCxnSpPr>
+          <p:cNvPr id="99" name="직선 화살표 연결선 98">
+            <a:extLst>
+              <a:ext uri="{FF2B5EF4-FFF2-40B4-BE49-F238E27FC236}">
+                <a16:creationId xmlns:a16="http://schemas.microsoft.com/office/drawing/2014/main" id="{1F81F101-A183-46A3-88B6-42493D690A2B}"/>
+              </a:ext>
+            </a:extLst>
+          </p:cNvPr>
+          <p:cNvCxnSpPr>
+            <a:cxnSpLocks/>
+            <a:stCxn id="6" idx="3"/>
+            <a:endCxn id="43" idx="1"/>
+          </p:cNvCxnSpPr>
+          <p:nvPr/>
+        </p:nvCxnSpPr>
+        <p:spPr>
+          <a:xfrm>
+            <a:off x="2875005" y="3995351"/>
+            <a:ext cx="512805" cy="0"/>
+          </a:xfrm>
+          <a:prstGeom prst="straightConnector1">
+            <a:avLst/>
+          </a:prstGeom>
+          <a:ln>
+            <a:tailEnd type="triangle"/>
+          </a:ln>
+        </p:spPr>
+        <p:style>
+          <a:lnRef idx="2">
+            <a:schemeClr val="dk1"/>
+          </a:lnRef>
+          <a:fillRef idx="1">
+            <a:schemeClr val="lt1"/>
+          </a:fillRef>
+          <a:effectRef idx="0">
+            <a:schemeClr val="dk1"/>
+          </a:effectRef>
+          <a:fontRef idx="minor">
+            <a:schemeClr val="dk1"/>
+          </a:fontRef>
+        </p:style>
+      </p:cxnSp>
+      <p:cxnSp>
+        <p:nvCxnSpPr>
+          <p:cNvPr id="102" name="직선 화살표 연결선 101">
+            <a:extLst>
+              <a:ext uri="{FF2B5EF4-FFF2-40B4-BE49-F238E27FC236}">
+                <a16:creationId xmlns:a16="http://schemas.microsoft.com/office/drawing/2014/main" id="{8A36012A-E62C-46EE-971E-6FB0724552F0}"/>
+              </a:ext>
+            </a:extLst>
+          </p:cNvPr>
+          <p:cNvCxnSpPr>
+            <a:cxnSpLocks/>
+            <a:stCxn id="42" idx="3"/>
+            <a:endCxn id="53" idx="1"/>
+          </p:cNvCxnSpPr>
+          <p:nvPr/>
+        </p:nvCxnSpPr>
+        <p:spPr>
+          <a:xfrm>
+            <a:off x="4413420" y="3093308"/>
+            <a:ext cx="510144" cy="0"/>
+          </a:xfrm>
+          <a:prstGeom prst="straightConnector1">
+            <a:avLst/>
+          </a:prstGeom>
+          <a:ln>
+            <a:tailEnd type="triangle"/>
+          </a:ln>
+        </p:spPr>
+        <p:style>
+          <a:lnRef idx="2">
+            <a:schemeClr val="dk1"/>
+          </a:lnRef>
+          <a:fillRef idx="1">
+            <a:schemeClr val="lt1"/>
+          </a:fillRef>
+          <a:effectRef idx="0">
+            <a:schemeClr val="dk1"/>
+          </a:effectRef>
+          <a:fontRef idx="minor">
+            <a:schemeClr val="dk1"/>
+          </a:fontRef>
+        </p:style>
+      </p:cxnSp>
+      <p:cxnSp>
+        <p:nvCxnSpPr>
+          <p:cNvPr id="105" name="직선 화살표 연결선 104">
+            <a:extLst>
+              <a:ext uri="{FF2B5EF4-FFF2-40B4-BE49-F238E27FC236}">
+                <a16:creationId xmlns:a16="http://schemas.microsoft.com/office/drawing/2014/main" id="{1BABE5DD-8F79-4747-B2F0-F5519D8CDC3E}"/>
+              </a:ext>
+            </a:extLst>
+          </p:cNvPr>
+          <p:cNvCxnSpPr>
+            <a:cxnSpLocks/>
+            <a:stCxn id="43" idx="3"/>
+            <a:endCxn id="54" idx="1"/>
+          </p:cNvCxnSpPr>
+          <p:nvPr/>
+        </p:nvCxnSpPr>
+        <p:spPr>
+          <a:xfrm>
+            <a:off x="4413420" y="3995351"/>
+            <a:ext cx="510144" cy="0"/>
+          </a:xfrm>
+          <a:prstGeom prst="straightConnector1">
+            <a:avLst/>
+          </a:prstGeom>
+          <a:ln>
+            <a:tailEnd type="triangle"/>
+          </a:ln>
+        </p:spPr>
+        <p:style>
+          <a:lnRef idx="2">
+            <a:schemeClr val="dk1"/>
+          </a:lnRef>
+          <a:fillRef idx="1">
+            <a:schemeClr val="lt1"/>
+          </a:fillRef>
+          <a:effectRef idx="0">
+            <a:schemeClr val="dk1"/>
+          </a:effectRef>
+          <a:fontRef idx="minor">
+            <a:schemeClr val="dk1"/>
+          </a:fontRef>
+        </p:style>
+      </p:cxnSp>
+      <p:cxnSp>
+        <p:nvCxnSpPr>
+          <p:cNvPr id="108" name="직선 화살표 연결선 107">
+            <a:extLst>
+              <a:ext uri="{FF2B5EF4-FFF2-40B4-BE49-F238E27FC236}">
+                <a16:creationId xmlns:a16="http://schemas.microsoft.com/office/drawing/2014/main" id="{0269C3CE-52C8-4A5E-AF46-56124F7DD475}"/>
+              </a:ext>
+            </a:extLst>
+          </p:cNvPr>
+          <p:cNvCxnSpPr>
+            <a:cxnSpLocks/>
+            <a:stCxn id="53" idx="3"/>
+            <a:endCxn id="64" idx="1"/>
+          </p:cNvCxnSpPr>
+          <p:nvPr/>
+        </p:nvCxnSpPr>
+        <p:spPr>
+          <a:xfrm>
+            <a:off x="5949174" y="3093308"/>
+            <a:ext cx="507483" cy="0"/>
+          </a:xfrm>
+          <a:prstGeom prst="straightConnector1">
+            <a:avLst/>
+          </a:prstGeom>
+          <a:ln>
+            <a:tailEnd type="triangle"/>
+          </a:ln>
+        </p:spPr>
+        <p:style>
+          <a:lnRef idx="2">
+            <a:schemeClr val="dk1"/>
+          </a:lnRef>
+          <a:fillRef idx="1">
+            <a:schemeClr val="lt1"/>
+          </a:fillRef>
+          <a:effectRef idx="0">
+            <a:schemeClr val="dk1"/>
+          </a:effectRef>
+          <a:fontRef idx="minor">
+            <a:schemeClr val="dk1"/>
+          </a:fontRef>
+        </p:style>
+      </p:cxnSp>
+      <p:cxnSp>
+        <p:nvCxnSpPr>
+          <p:cNvPr id="111" name="직선 화살표 연결선 110">
+            <a:extLst>
+              <a:ext uri="{FF2B5EF4-FFF2-40B4-BE49-F238E27FC236}">
+                <a16:creationId xmlns:a16="http://schemas.microsoft.com/office/drawing/2014/main" id="{60AB85E1-F5BB-4558-8E22-AD271FFAC678}"/>
+              </a:ext>
+            </a:extLst>
+          </p:cNvPr>
+          <p:cNvCxnSpPr>
+            <a:cxnSpLocks/>
+            <a:stCxn id="54" idx="3"/>
+            <a:endCxn id="65" idx="1"/>
+          </p:cNvCxnSpPr>
+          <p:nvPr/>
+        </p:nvCxnSpPr>
+        <p:spPr>
+          <a:xfrm>
+            <a:off x="5949174" y="3995351"/>
+            <a:ext cx="507483" cy="0"/>
+          </a:xfrm>
+          <a:prstGeom prst="straightConnector1">
+            <a:avLst/>
+          </a:prstGeom>
+          <a:ln>
+            <a:tailEnd type="triangle"/>
+          </a:ln>
+        </p:spPr>
+        <p:style>
+          <a:lnRef idx="2">
+            <a:schemeClr val="dk1"/>
+          </a:lnRef>
+          <a:fillRef idx="1">
+            <a:schemeClr val="lt1"/>
+          </a:fillRef>
+          <a:effectRef idx="0">
+            <a:schemeClr val="dk1"/>
+          </a:effectRef>
+          <a:fontRef idx="minor">
+            <a:schemeClr val="dk1"/>
+          </a:fontRef>
+        </p:style>
+      </p:cxnSp>
+      <p:cxnSp>
+        <p:nvCxnSpPr>
+          <p:cNvPr id="114" name="직선 화살표 연결선 113">
+            <a:extLst>
+              <a:ext uri="{FF2B5EF4-FFF2-40B4-BE49-F238E27FC236}">
+                <a16:creationId xmlns:a16="http://schemas.microsoft.com/office/drawing/2014/main" id="{2E3DEDAC-A642-4C80-8333-346C55212DB7}"/>
+              </a:ext>
+            </a:extLst>
+          </p:cNvPr>
+          <p:cNvCxnSpPr>
+            <a:cxnSpLocks/>
+            <a:stCxn id="64" idx="3"/>
+            <a:endCxn id="75" idx="1"/>
+          </p:cNvCxnSpPr>
+          <p:nvPr/>
+        </p:nvCxnSpPr>
+        <p:spPr>
+          <a:xfrm>
+            <a:off x="7482267" y="3093308"/>
+            <a:ext cx="503665" cy="0"/>
+          </a:xfrm>
+          <a:prstGeom prst="straightConnector1">
+            <a:avLst/>
+          </a:prstGeom>
+          <a:ln>
+            <a:tailEnd type="triangle"/>
+          </a:ln>
+        </p:spPr>
+        <p:style>
+          <a:lnRef idx="2">
+            <a:schemeClr val="dk1"/>
+          </a:lnRef>
+          <a:fillRef idx="1">
+            <a:schemeClr val="lt1"/>
+          </a:fillRef>
+          <a:effectRef idx="0">
+            <a:schemeClr val="dk1"/>
+          </a:effectRef>
+          <a:fontRef idx="minor">
+            <a:schemeClr val="dk1"/>
+          </a:fontRef>
+        </p:style>
+      </p:cxnSp>
+      <p:cxnSp>
+        <p:nvCxnSpPr>
+          <p:cNvPr id="117" name="직선 화살표 연결선 116">
+            <a:extLst>
+              <a:ext uri="{FF2B5EF4-FFF2-40B4-BE49-F238E27FC236}">
+                <a16:creationId xmlns:a16="http://schemas.microsoft.com/office/drawing/2014/main" id="{F624C6F9-A976-4D50-A3BB-57F332891908}"/>
+              </a:ext>
+            </a:extLst>
+          </p:cNvPr>
+          <p:cNvCxnSpPr>
+            <a:cxnSpLocks/>
+            <a:stCxn id="65" idx="3"/>
+            <a:endCxn id="76" idx="1"/>
+          </p:cNvCxnSpPr>
+          <p:nvPr/>
+        </p:nvCxnSpPr>
+        <p:spPr>
+          <a:xfrm>
+            <a:off x="7482267" y="3995351"/>
+            <a:ext cx="503665" cy="0"/>
+          </a:xfrm>
+          <a:prstGeom prst="straightConnector1">
+            <a:avLst/>
+          </a:prstGeom>
+          <a:ln>
+            <a:tailEnd type="triangle"/>
+          </a:ln>
+        </p:spPr>
+        <p:style>
+          <a:lnRef idx="2">
+            <a:schemeClr val="dk1"/>
+          </a:lnRef>
+          <a:fillRef idx="1">
+            <a:schemeClr val="lt1"/>
+          </a:fillRef>
+          <a:effectRef idx="0">
+            <a:schemeClr val="dk1"/>
+          </a:effectRef>
+          <a:fontRef idx="minor">
+            <a:schemeClr val="dk1"/>
+          </a:fontRef>
+        </p:style>
+      </p:cxnSp>
     </p:spTree>
     <p:extLst>
       <p:ext uri="{BB962C8B-B14F-4D97-AF65-F5344CB8AC3E}">
         <p14:creationId xmlns:p14="http://schemas.microsoft.com/office/powerpoint/2010/main" val="1393250788"/>
+      </p:ext>
+    </p:extLst>
+  </p:cSld>
+  <p:clrMapOvr>
+    <a:masterClrMapping/>
+  </p:clrMapOvr>
+</p:sld>
+</file>
+
+<file path=ppt/slides/slide3.xml><?xml version="1.0" encoding="utf-8"?>
+<p:sld xmlns:a="http://schemas.openxmlformats.org/drawingml/2006/main" xmlns:r="http://schemas.openxmlformats.org/officeDocument/2006/relationships" xmlns:p="http://schemas.openxmlformats.org/presentationml/2006/main">
+  <p:cSld>
+    <p:spTree>
+      <p:nvGrpSpPr>
+        <p:cNvPr id="1" name=""/>
+        <p:cNvGrpSpPr/>
+        <p:nvPr/>
+      </p:nvGrpSpPr>
+      <p:grpSpPr>
+        <a:xfrm>
+          <a:off x="0" y="0"/>
+          <a:ext cx="0" cy="0"/>
+          <a:chOff x="0" y="0"/>
+          <a:chExt cx="0" cy="0"/>
+        </a:xfrm>
+      </p:grpSpPr>
+      <p:sp>
+        <p:nvSpPr>
+          <p:cNvPr id="4" name="직사각형 3">
+            <a:extLst>
+              <a:ext uri="{FF2B5EF4-FFF2-40B4-BE49-F238E27FC236}">
+                <a16:creationId xmlns:a16="http://schemas.microsoft.com/office/drawing/2014/main" id="{E4469EA3-BD2F-4388-B225-972DBD285F7E}"/>
+              </a:ext>
+            </a:extLst>
+          </p:cNvPr>
+          <p:cNvSpPr/>
+          <p:nvPr/>
+        </p:nvSpPr>
+        <p:spPr>
+          <a:xfrm>
+            <a:off x="1105593" y="2335875"/>
+            <a:ext cx="777240" cy="2651759"/>
+          </a:xfrm>
+          <a:prstGeom prst="rect">
+            <a:avLst/>
+          </a:prstGeom>
+          <a:ln>
+            <a:solidFill>
+              <a:srgbClr val="C00000"/>
+            </a:solidFill>
+          </a:ln>
+        </p:spPr>
+        <p:style>
+          <a:lnRef idx="2">
+            <a:schemeClr val="dk1"/>
+          </a:lnRef>
+          <a:fillRef idx="1">
+            <a:schemeClr val="lt1"/>
+          </a:fillRef>
+          <a:effectRef idx="0">
+            <a:schemeClr val="dk1"/>
+          </a:effectRef>
+          <a:fontRef idx="minor">
+            <a:schemeClr val="dk1"/>
+          </a:fontRef>
+        </p:style>
+        <p:txBody>
+          <a:bodyPr rtlCol="0" anchor="ctr"/>
+          <a:lstStyle/>
+          <a:p>
+            <a:pPr algn="ctr"/>
+            <a:r>
+              <a:rPr lang="en-US" altLang="ko-KR" sz="1200" dirty="0"/>
+              <a:t>Stacked RNN</a:t>
+            </a:r>
+            <a:br>
+              <a:rPr lang="en-US" altLang="ko-KR" sz="1200" dirty="0"/>
+            </a:br>
+            <a:r>
+              <a:rPr lang="en-US" altLang="ko-KR" sz="1200" dirty="0"/>
+              <a:t>Cells</a:t>
+            </a:r>
+            <a:endParaRPr lang="ko-KR" altLang="en-US" sz="1200" dirty="0"/>
+          </a:p>
+        </p:txBody>
+      </p:sp>
+      <p:sp>
+        <p:nvSpPr>
+          <p:cNvPr id="5" name="직사각형 4">
+            <a:extLst>
+              <a:ext uri="{FF2B5EF4-FFF2-40B4-BE49-F238E27FC236}">
+                <a16:creationId xmlns:a16="http://schemas.microsoft.com/office/drawing/2014/main" id="{4CA84653-010D-4065-B853-79CB25E1864C}"/>
+              </a:ext>
+            </a:extLst>
+          </p:cNvPr>
+          <p:cNvSpPr/>
+          <p:nvPr/>
+        </p:nvSpPr>
+        <p:spPr>
+          <a:xfrm>
+            <a:off x="2364278" y="2335874"/>
+            <a:ext cx="777240" cy="2651759"/>
+          </a:xfrm>
+          <a:prstGeom prst="rect">
+            <a:avLst/>
+          </a:prstGeom>
+          <a:ln>
+            <a:solidFill>
+              <a:srgbClr val="C00000"/>
+            </a:solidFill>
+          </a:ln>
+        </p:spPr>
+        <p:style>
+          <a:lnRef idx="2">
+            <a:schemeClr val="dk1"/>
+          </a:lnRef>
+          <a:fillRef idx="1">
+            <a:schemeClr val="lt1"/>
+          </a:fillRef>
+          <a:effectRef idx="0">
+            <a:schemeClr val="dk1"/>
+          </a:effectRef>
+          <a:fontRef idx="minor">
+            <a:schemeClr val="dk1"/>
+          </a:fontRef>
+        </p:style>
+        <p:txBody>
+          <a:bodyPr rtlCol="0" anchor="ctr"/>
+          <a:lstStyle/>
+          <a:p>
+            <a:pPr algn="ctr"/>
+            <a:r>
+              <a:rPr lang="en-US" altLang="ko-KR" sz="1200" dirty="0"/>
+              <a:t>Stacked RNN</a:t>
+            </a:r>
+            <a:br>
+              <a:rPr lang="en-US" altLang="ko-KR" sz="1200" dirty="0"/>
+            </a:br>
+            <a:r>
+              <a:rPr lang="en-US" altLang="ko-KR" sz="1200" dirty="0"/>
+              <a:t>Cells</a:t>
+            </a:r>
+            <a:endParaRPr lang="ko-KR" altLang="en-US" sz="1200" dirty="0"/>
+          </a:p>
+        </p:txBody>
+      </p:sp>
+      <p:sp>
+        <p:nvSpPr>
+          <p:cNvPr id="6" name="직사각형 5">
+            <a:extLst>
+              <a:ext uri="{FF2B5EF4-FFF2-40B4-BE49-F238E27FC236}">
+                <a16:creationId xmlns:a16="http://schemas.microsoft.com/office/drawing/2014/main" id="{E1E73367-4DDC-4825-B313-715B65F5DD9C}"/>
+              </a:ext>
+            </a:extLst>
+          </p:cNvPr>
+          <p:cNvSpPr/>
+          <p:nvPr/>
+        </p:nvSpPr>
+        <p:spPr>
+          <a:xfrm>
+            <a:off x="3622964" y="2335874"/>
+            <a:ext cx="777240" cy="2651759"/>
+          </a:xfrm>
+          <a:prstGeom prst="rect">
+            <a:avLst/>
+          </a:prstGeom>
+          <a:ln>
+            <a:solidFill>
+              <a:srgbClr val="C00000"/>
+            </a:solidFill>
+          </a:ln>
+        </p:spPr>
+        <p:style>
+          <a:lnRef idx="2">
+            <a:schemeClr val="dk1"/>
+          </a:lnRef>
+          <a:fillRef idx="1">
+            <a:schemeClr val="lt1"/>
+          </a:fillRef>
+          <a:effectRef idx="0">
+            <a:schemeClr val="dk1"/>
+          </a:effectRef>
+          <a:fontRef idx="minor">
+            <a:schemeClr val="dk1"/>
+          </a:fontRef>
+        </p:style>
+        <p:txBody>
+          <a:bodyPr rtlCol="0" anchor="ctr"/>
+          <a:lstStyle/>
+          <a:p>
+            <a:pPr algn="ctr"/>
+            <a:r>
+              <a:rPr lang="en-US" altLang="ko-KR" sz="1200" dirty="0"/>
+              <a:t>Stacked RNN</a:t>
+            </a:r>
+            <a:br>
+              <a:rPr lang="en-US" altLang="ko-KR" sz="1200" dirty="0"/>
+            </a:br>
+            <a:r>
+              <a:rPr lang="en-US" altLang="ko-KR" sz="1200" dirty="0"/>
+              <a:t>Cells</a:t>
+            </a:r>
+            <a:endParaRPr lang="ko-KR" altLang="en-US" sz="1200" dirty="0"/>
+          </a:p>
+        </p:txBody>
+      </p:sp>
+      <p:sp>
+        <p:nvSpPr>
+          <p:cNvPr id="7" name="직사각형 6">
+            <a:extLst>
+              <a:ext uri="{FF2B5EF4-FFF2-40B4-BE49-F238E27FC236}">
+                <a16:creationId xmlns:a16="http://schemas.microsoft.com/office/drawing/2014/main" id="{A2951B4C-0F6E-4678-A4C8-8FB7EEAA5CE6}"/>
+              </a:ext>
+            </a:extLst>
+          </p:cNvPr>
+          <p:cNvSpPr/>
+          <p:nvPr/>
+        </p:nvSpPr>
+        <p:spPr>
+          <a:xfrm>
+            <a:off x="4881650" y="2335874"/>
+            <a:ext cx="777240" cy="2651759"/>
+          </a:xfrm>
+          <a:prstGeom prst="rect">
+            <a:avLst/>
+          </a:prstGeom>
+          <a:ln>
+            <a:solidFill>
+              <a:srgbClr val="C00000"/>
+            </a:solidFill>
+          </a:ln>
+        </p:spPr>
+        <p:style>
+          <a:lnRef idx="2">
+            <a:schemeClr val="dk1"/>
+          </a:lnRef>
+          <a:fillRef idx="1">
+            <a:schemeClr val="lt1"/>
+          </a:fillRef>
+          <a:effectRef idx="0">
+            <a:schemeClr val="dk1"/>
+          </a:effectRef>
+          <a:fontRef idx="minor">
+            <a:schemeClr val="dk1"/>
+          </a:fontRef>
+        </p:style>
+        <p:txBody>
+          <a:bodyPr rtlCol="0" anchor="ctr"/>
+          <a:lstStyle/>
+          <a:p>
+            <a:pPr algn="ctr"/>
+            <a:r>
+              <a:rPr lang="en-US" altLang="ko-KR" sz="1200" dirty="0"/>
+              <a:t>Stacked RNN</a:t>
+            </a:r>
+            <a:br>
+              <a:rPr lang="en-US" altLang="ko-KR" sz="1200" dirty="0"/>
+            </a:br>
+            <a:r>
+              <a:rPr lang="en-US" altLang="ko-KR" sz="1200" dirty="0"/>
+              <a:t>Cells</a:t>
+            </a:r>
+            <a:endParaRPr lang="ko-KR" altLang="en-US" sz="1200" dirty="0"/>
+          </a:p>
+        </p:txBody>
+      </p:sp>
+      <p:sp>
+        <p:nvSpPr>
+          <p:cNvPr id="8" name="직사각형 7">
+            <a:extLst>
+              <a:ext uri="{FF2B5EF4-FFF2-40B4-BE49-F238E27FC236}">
+                <a16:creationId xmlns:a16="http://schemas.microsoft.com/office/drawing/2014/main" id="{BAE89BCE-919E-44F2-8819-A305D3A70CDA}"/>
+              </a:ext>
+            </a:extLst>
+          </p:cNvPr>
+          <p:cNvSpPr/>
+          <p:nvPr/>
+        </p:nvSpPr>
+        <p:spPr>
+          <a:xfrm>
+            <a:off x="6590608" y="2335874"/>
+            <a:ext cx="777240" cy="2651759"/>
+          </a:xfrm>
+          <a:prstGeom prst="rect">
+            <a:avLst/>
+          </a:prstGeom>
+        </p:spPr>
+        <p:style>
+          <a:lnRef idx="2">
+            <a:schemeClr val="accent1"/>
+          </a:lnRef>
+          <a:fillRef idx="1">
+            <a:schemeClr val="lt1"/>
+          </a:fillRef>
+          <a:effectRef idx="0">
+            <a:schemeClr val="accent1"/>
+          </a:effectRef>
+          <a:fontRef idx="minor">
+            <a:schemeClr val="dk1"/>
+          </a:fontRef>
+        </p:style>
+        <p:txBody>
+          <a:bodyPr rtlCol="0" anchor="ctr"/>
+          <a:lstStyle/>
+          <a:p>
+            <a:pPr algn="ctr"/>
+            <a:r>
+              <a:rPr lang="en-US" altLang="ko-KR" sz="1200" dirty="0"/>
+              <a:t>Stacked RNN</a:t>
+            </a:r>
+            <a:br>
+              <a:rPr lang="en-US" altLang="ko-KR" sz="1200" dirty="0"/>
+            </a:br>
+            <a:r>
+              <a:rPr lang="en-US" altLang="ko-KR" sz="1200" dirty="0"/>
+              <a:t>Cells</a:t>
+            </a:r>
+            <a:endParaRPr lang="ko-KR" altLang="en-US" sz="1200" dirty="0"/>
+          </a:p>
+        </p:txBody>
+      </p:sp>
+      <p:sp>
+        <p:nvSpPr>
+          <p:cNvPr id="9" name="직사각형 8">
+            <a:extLst>
+              <a:ext uri="{FF2B5EF4-FFF2-40B4-BE49-F238E27FC236}">
+                <a16:creationId xmlns:a16="http://schemas.microsoft.com/office/drawing/2014/main" id="{349238DB-B9E3-48FA-BACD-382CC9E85FC1}"/>
+              </a:ext>
+            </a:extLst>
+          </p:cNvPr>
+          <p:cNvSpPr/>
+          <p:nvPr/>
+        </p:nvSpPr>
+        <p:spPr>
+          <a:xfrm>
+            <a:off x="7849293" y="2335873"/>
+            <a:ext cx="777240" cy="2651759"/>
+          </a:xfrm>
+          <a:prstGeom prst="rect">
+            <a:avLst/>
+          </a:prstGeom>
+        </p:spPr>
+        <p:style>
+          <a:lnRef idx="2">
+            <a:schemeClr val="accent1"/>
+          </a:lnRef>
+          <a:fillRef idx="1">
+            <a:schemeClr val="lt1"/>
+          </a:fillRef>
+          <a:effectRef idx="0">
+            <a:schemeClr val="accent1"/>
+          </a:effectRef>
+          <a:fontRef idx="minor">
+            <a:schemeClr val="dk1"/>
+          </a:fontRef>
+        </p:style>
+        <p:txBody>
+          <a:bodyPr rtlCol="0" anchor="ctr"/>
+          <a:lstStyle/>
+          <a:p>
+            <a:pPr algn="ctr"/>
+            <a:r>
+              <a:rPr lang="en-US" altLang="ko-KR" sz="1200" dirty="0"/>
+              <a:t>Stacked RNN</a:t>
+            </a:r>
+            <a:br>
+              <a:rPr lang="en-US" altLang="ko-KR" sz="1200" dirty="0"/>
+            </a:br>
+            <a:r>
+              <a:rPr lang="en-US" altLang="ko-KR" sz="1200" dirty="0"/>
+              <a:t>Cells</a:t>
+            </a:r>
+            <a:endParaRPr lang="ko-KR" altLang="en-US" sz="1200" dirty="0"/>
+          </a:p>
+        </p:txBody>
+      </p:sp>
+      <p:sp>
+        <p:nvSpPr>
+          <p:cNvPr id="10" name="직사각형 9">
+            <a:extLst>
+              <a:ext uri="{FF2B5EF4-FFF2-40B4-BE49-F238E27FC236}">
+                <a16:creationId xmlns:a16="http://schemas.microsoft.com/office/drawing/2014/main" id="{85397621-465B-4ADE-A227-3701C385464F}"/>
+              </a:ext>
+            </a:extLst>
+          </p:cNvPr>
+          <p:cNvSpPr/>
+          <p:nvPr/>
+        </p:nvSpPr>
+        <p:spPr>
+          <a:xfrm>
+            <a:off x="9107979" y="2335873"/>
+            <a:ext cx="777240" cy="2651759"/>
+          </a:xfrm>
+          <a:prstGeom prst="rect">
+            <a:avLst/>
+          </a:prstGeom>
+        </p:spPr>
+        <p:style>
+          <a:lnRef idx="2">
+            <a:schemeClr val="accent1"/>
+          </a:lnRef>
+          <a:fillRef idx="1">
+            <a:schemeClr val="lt1"/>
+          </a:fillRef>
+          <a:effectRef idx="0">
+            <a:schemeClr val="accent1"/>
+          </a:effectRef>
+          <a:fontRef idx="minor">
+            <a:schemeClr val="dk1"/>
+          </a:fontRef>
+        </p:style>
+        <p:txBody>
+          <a:bodyPr rtlCol="0" anchor="ctr"/>
+          <a:lstStyle/>
+          <a:p>
+            <a:pPr algn="ctr"/>
+            <a:r>
+              <a:rPr lang="en-US" altLang="ko-KR" sz="1200" dirty="0"/>
+              <a:t>Stacked RNN</a:t>
+            </a:r>
+            <a:br>
+              <a:rPr lang="en-US" altLang="ko-KR" sz="1200" dirty="0"/>
+            </a:br>
+            <a:r>
+              <a:rPr lang="en-US" altLang="ko-KR" sz="1200" dirty="0"/>
+              <a:t>Cells</a:t>
+            </a:r>
+            <a:endParaRPr lang="ko-KR" altLang="en-US" sz="1200" dirty="0"/>
+          </a:p>
+        </p:txBody>
+      </p:sp>
+      <p:sp>
+        <p:nvSpPr>
+          <p:cNvPr id="11" name="직사각형 10">
+            <a:extLst>
+              <a:ext uri="{FF2B5EF4-FFF2-40B4-BE49-F238E27FC236}">
+                <a16:creationId xmlns:a16="http://schemas.microsoft.com/office/drawing/2014/main" id="{99196F47-6546-4414-8692-8B1D6EB7861E}"/>
+              </a:ext>
+            </a:extLst>
+          </p:cNvPr>
+          <p:cNvSpPr/>
+          <p:nvPr/>
+        </p:nvSpPr>
+        <p:spPr>
+          <a:xfrm>
+            <a:off x="10366665" y="2335873"/>
+            <a:ext cx="777240" cy="2651759"/>
+          </a:xfrm>
+          <a:prstGeom prst="rect">
+            <a:avLst/>
+          </a:prstGeom>
+        </p:spPr>
+        <p:style>
+          <a:lnRef idx="2">
+            <a:schemeClr val="accent1"/>
+          </a:lnRef>
+          <a:fillRef idx="1">
+            <a:schemeClr val="lt1"/>
+          </a:fillRef>
+          <a:effectRef idx="0">
+            <a:schemeClr val="accent1"/>
+          </a:effectRef>
+          <a:fontRef idx="minor">
+            <a:schemeClr val="dk1"/>
+          </a:fontRef>
+        </p:style>
+        <p:txBody>
+          <a:bodyPr rtlCol="0" anchor="ctr"/>
+          <a:lstStyle/>
+          <a:p>
+            <a:pPr algn="ctr"/>
+            <a:r>
+              <a:rPr lang="en-US" altLang="ko-KR" sz="1200" dirty="0"/>
+              <a:t>Stacked RNN</a:t>
+            </a:r>
+            <a:br>
+              <a:rPr lang="en-US" altLang="ko-KR" sz="1200" dirty="0"/>
+            </a:br>
+            <a:r>
+              <a:rPr lang="en-US" altLang="ko-KR" sz="1200" dirty="0"/>
+              <a:t>Cells</a:t>
+            </a:r>
+            <a:endParaRPr lang="ko-KR" altLang="en-US" sz="1200" dirty="0"/>
+          </a:p>
+        </p:txBody>
+      </p:sp>
+      <p:cxnSp>
+        <p:nvCxnSpPr>
+          <p:cNvPr id="13" name="직선 화살표 연결선 12">
+            <a:extLst>
+              <a:ext uri="{FF2B5EF4-FFF2-40B4-BE49-F238E27FC236}">
+                <a16:creationId xmlns:a16="http://schemas.microsoft.com/office/drawing/2014/main" id="{147C09B1-E5F5-4D82-94F1-78DDF76CEDA4}"/>
+              </a:ext>
+            </a:extLst>
+          </p:cNvPr>
+          <p:cNvCxnSpPr>
+            <a:stCxn id="4" idx="3"/>
+            <a:endCxn id="5" idx="1"/>
+          </p:cNvCxnSpPr>
+          <p:nvPr/>
+        </p:nvCxnSpPr>
+        <p:spPr>
+          <a:xfrm flipV="1">
+            <a:off x="1882833" y="3661754"/>
+            <a:ext cx="481445" cy="1"/>
+          </a:xfrm>
+          <a:prstGeom prst="straightConnector1">
+            <a:avLst/>
+          </a:prstGeom>
+          <a:ln>
+            <a:tailEnd type="triangle"/>
+          </a:ln>
+        </p:spPr>
+        <p:style>
+          <a:lnRef idx="2">
+            <a:schemeClr val="dk1"/>
+          </a:lnRef>
+          <a:fillRef idx="1">
+            <a:schemeClr val="lt1"/>
+          </a:fillRef>
+          <a:effectRef idx="0">
+            <a:schemeClr val="dk1"/>
+          </a:effectRef>
+          <a:fontRef idx="minor">
+            <a:schemeClr val="dk1"/>
+          </a:fontRef>
+        </p:style>
+      </p:cxnSp>
+      <p:cxnSp>
+        <p:nvCxnSpPr>
+          <p:cNvPr id="14" name="직선 화살표 연결선 13">
+            <a:extLst>
+              <a:ext uri="{FF2B5EF4-FFF2-40B4-BE49-F238E27FC236}">
+                <a16:creationId xmlns:a16="http://schemas.microsoft.com/office/drawing/2014/main" id="{8C04CFDC-9131-4F45-9FE4-55EF3F4FEBBF}"/>
+              </a:ext>
+            </a:extLst>
+          </p:cNvPr>
+          <p:cNvCxnSpPr>
+            <a:cxnSpLocks/>
+            <a:stCxn id="5" idx="3"/>
+            <a:endCxn id="6" idx="1"/>
+          </p:cNvCxnSpPr>
+          <p:nvPr/>
+        </p:nvCxnSpPr>
+        <p:spPr>
+          <a:xfrm>
+            <a:off x="3141518" y="3661754"/>
+            <a:ext cx="481446" cy="0"/>
+          </a:xfrm>
+          <a:prstGeom prst="straightConnector1">
+            <a:avLst/>
+          </a:prstGeom>
+          <a:ln>
+            <a:tailEnd type="triangle"/>
+          </a:ln>
+        </p:spPr>
+        <p:style>
+          <a:lnRef idx="2">
+            <a:schemeClr val="dk1"/>
+          </a:lnRef>
+          <a:fillRef idx="1">
+            <a:schemeClr val="lt1"/>
+          </a:fillRef>
+          <a:effectRef idx="0">
+            <a:schemeClr val="dk1"/>
+          </a:effectRef>
+          <a:fontRef idx="minor">
+            <a:schemeClr val="dk1"/>
+          </a:fontRef>
+        </p:style>
+      </p:cxnSp>
+      <p:cxnSp>
+        <p:nvCxnSpPr>
+          <p:cNvPr id="17" name="직선 화살표 연결선 16">
+            <a:extLst>
+              <a:ext uri="{FF2B5EF4-FFF2-40B4-BE49-F238E27FC236}">
+                <a16:creationId xmlns:a16="http://schemas.microsoft.com/office/drawing/2014/main" id="{49D920B6-9F30-4FE3-98BD-24435542E509}"/>
+              </a:ext>
+            </a:extLst>
+          </p:cNvPr>
+          <p:cNvCxnSpPr>
+            <a:cxnSpLocks/>
+            <a:stCxn id="6" idx="3"/>
+            <a:endCxn id="7" idx="1"/>
+          </p:cNvCxnSpPr>
+          <p:nvPr/>
+        </p:nvCxnSpPr>
+        <p:spPr>
+          <a:xfrm>
+            <a:off x="4400204" y="3661754"/>
+            <a:ext cx="481446" cy="0"/>
+          </a:xfrm>
+          <a:prstGeom prst="straightConnector1">
+            <a:avLst/>
+          </a:prstGeom>
+          <a:ln>
+            <a:tailEnd type="triangle"/>
+          </a:ln>
+        </p:spPr>
+        <p:style>
+          <a:lnRef idx="2">
+            <a:schemeClr val="dk1"/>
+          </a:lnRef>
+          <a:fillRef idx="1">
+            <a:schemeClr val="lt1"/>
+          </a:fillRef>
+          <a:effectRef idx="0">
+            <a:schemeClr val="dk1"/>
+          </a:effectRef>
+          <a:fontRef idx="minor">
+            <a:schemeClr val="dk1"/>
+          </a:fontRef>
+        </p:style>
+      </p:cxnSp>
+      <p:cxnSp>
+        <p:nvCxnSpPr>
+          <p:cNvPr id="20" name="직선 화살표 연결선 19">
+            <a:extLst>
+              <a:ext uri="{FF2B5EF4-FFF2-40B4-BE49-F238E27FC236}">
+                <a16:creationId xmlns:a16="http://schemas.microsoft.com/office/drawing/2014/main" id="{9C78436C-633A-4ED7-9243-B162D8131872}"/>
+              </a:ext>
+            </a:extLst>
+          </p:cNvPr>
+          <p:cNvCxnSpPr>
+            <a:cxnSpLocks/>
+            <a:stCxn id="7" idx="3"/>
+            <a:endCxn id="8" idx="1"/>
+          </p:cNvCxnSpPr>
+          <p:nvPr/>
+        </p:nvCxnSpPr>
+        <p:spPr>
+          <a:xfrm>
+            <a:off x="5658890" y="3661754"/>
+            <a:ext cx="931718" cy="0"/>
+          </a:xfrm>
+          <a:prstGeom prst="straightConnector1">
+            <a:avLst/>
+          </a:prstGeom>
+          <a:ln>
+            <a:tailEnd type="triangle"/>
+          </a:ln>
+        </p:spPr>
+        <p:style>
+          <a:lnRef idx="2">
+            <a:schemeClr val="dk1"/>
+          </a:lnRef>
+          <a:fillRef idx="1">
+            <a:schemeClr val="lt1"/>
+          </a:fillRef>
+          <a:effectRef idx="0">
+            <a:schemeClr val="dk1"/>
+          </a:effectRef>
+          <a:fontRef idx="minor">
+            <a:schemeClr val="dk1"/>
+          </a:fontRef>
+        </p:style>
+      </p:cxnSp>
+      <p:cxnSp>
+        <p:nvCxnSpPr>
+          <p:cNvPr id="23" name="직선 화살표 연결선 22">
+            <a:extLst>
+              <a:ext uri="{FF2B5EF4-FFF2-40B4-BE49-F238E27FC236}">
+                <a16:creationId xmlns:a16="http://schemas.microsoft.com/office/drawing/2014/main" id="{A2C36C91-CB11-4877-A9AB-7077C45F91B3}"/>
+              </a:ext>
+            </a:extLst>
+          </p:cNvPr>
+          <p:cNvCxnSpPr>
+            <a:cxnSpLocks/>
+            <a:stCxn id="8" idx="3"/>
+            <a:endCxn id="9" idx="1"/>
+          </p:cNvCxnSpPr>
+          <p:nvPr/>
+        </p:nvCxnSpPr>
+        <p:spPr>
+          <a:xfrm flipV="1">
+            <a:off x="7367848" y="3661753"/>
+            <a:ext cx="481445" cy="1"/>
+          </a:xfrm>
+          <a:prstGeom prst="straightConnector1">
+            <a:avLst/>
+          </a:prstGeom>
+          <a:ln>
+            <a:tailEnd type="triangle"/>
+          </a:ln>
+        </p:spPr>
+        <p:style>
+          <a:lnRef idx="2">
+            <a:schemeClr val="dk1"/>
+          </a:lnRef>
+          <a:fillRef idx="1">
+            <a:schemeClr val="lt1"/>
+          </a:fillRef>
+          <a:effectRef idx="0">
+            <a:schemeClr val="dk1"/>
+          </a:effectRef>
+          <a:fontRef idx="minor">
+            <a:schemeClr val="dk1"/>
+          </a:fontRef>
+        </p:style>
+      </p:cxnSp>
+      <p:cxnSp>
+        <p:nvCxnSpPr>
+          <p:cNvPr id="26" name="직선 화살표 연결선 25">
+            <a:extLst>
+              <a:ext uri="{FF2B5EF4-FFF2-40B4-BE49-F238E27FC236}">
+                <a16:creationId xmlns:a16="http://schemas.microsoft.com/office/drawing/2014/main" id="{4EBBCF9C-83D0-464C-96CC-25511ECF7979}"/>
+              </a:ext>
+            </a:extLst>
+          </p:cNvPr>
+          <p:cNvCxnSpPr>
+            <a:cxnSpLocks/>
+            <a:stCxn id="9" idx="3"/>
+            <a:endCxn id="10" idx="1"/>
+          </p:cNvCxnSpPr>
+          <p:nvPr/>
+        </p:nvCxnSpPr>
+        <p:spPr>
+          <a:xfrm>
+            <a:off x="8626533" y="3661753"/>
+            <a:ext cx="481446" cy="0"/>
+          </a:xfrm>
+          <a:prstGeom prst="straightConnector1">
+            <a:avLst/>
+          </a:prstGeom>
+          <a:ln>
+            <a:tailEnd type="triangle"/>
+          </a:ln>
+        </p:spPr>
+        <p:style>
+          <a:lnRef idx="2">
+            <a:schemeClr val="dk1"/>
+          </a:lnRef>
+          <a:fillRef idx="1">
+            <a:schemeClr val="lt1"/>
+          </a:fillRef>
+          <a:effectRef idx="0">
+            <a:schemeClr val="dk1"/>
+          </a:effectRef>
+          <a:fontRef idx="minor">
+            <a:schemeClr val="dk1"/>
+          </a:fontRef>
+        </p:style>
+      </p:cxnSp>
+      <p:cxnSp>
+        <p:nvCxnSpPr>
+          <p:cNvPr id="29" name="직선 화살표 연결선 28">
+            <a:extLst>
+              <a:ext uri="{FF2B5EF4-FFF2-40B4-BE49-F238E27FC236}">
+                <a16:creationId xmlns:a16="http://schemas.microsoft.com/office/drawing/2014/main" id="{9BEA08D9-5003-4EBA-B771-84E318E77859}"/>
+              </a:ext>
+            </a:extLst>
+          </p:cNvPr>
+          <p:cNvCxnSpPr>
+            <a:cxnSpLocks/>
+            <a:stCxn id="10" idx="3"/>
+            <a:endCxn id="11" idx="1"/>
+          </p:cNvCxnSpPr>
+          <p:nvPr/>
+        </p:nvCxnSpPr>
+        <p:spPr>
+          <a:xfrm>
+            <a:off x="9885219" y="3661753"/>
+            <a:ext cx="481446" cy="0"/>
+          </a:xfrm>
+          <a:prstGeom prst="straightConnector1">
+            <a:avLst/>
+          </a:prstGeom>
+          <a:ln>
+            <a:tailEnd type="triangle"/>
+          </a:ln>
+        </p:spPr>
+        <p:style>
+          <a:lnRef idx="2">
+            <a:schemeClr val="dk1"/>
+          </a:lnRef>
+          <a:fillRef idx="1">
+            <a:schemeClr val="lt1"/>
+          </a:fillRef>
+          <a:effectRef idx="0">
+            <a:schemeClr val="dk1"/>
+          </a:effectRef>
+          <a:fontRef idx="minor">
+            <a:schemeClr val="dk1"/>
+          </a:fontRef>
+        </p:style>
+      </p:cxnSp>
+      <mc:AlternateContent xmlns:mc="http://schemas.openxmlformats.org/markup-compatibility/2006">
+        <mc:Choice xmlns:a14="http://schemas.microsoft.com/office/drawing/2010/main" Requires="a14">
+          <p:sp>
+            <p:nvSpPr>
+              <p:cNvPr id="32" name="TextBox 31">
+                <a:extLst>
+                  <a:ext uri="{FF2B5EF4-FFF2-40B4-BE49-F238E27FC236}">
+                    <a16:creationId xmlns:a16="http://schemas.microsoft.com/office/drawing/2014/main" id="{B762AC4C-43D2-4F68-9F3B-5B6960C79FD5}"/>
+                  </a:ext>
+                </a:extLst>
+              </p:cNvPr>
+              <p:cNvSpPr txBox="1"/>
+              <p:nvPr/>
+            </p:nvSpPr>
+            <p:spPr>
+              <a:xfrm>
+                <a:off x="1246741" y="5860442"/>
+                <a:ext cx="494943" cy="369332"/>
+              </a:xfrm>
+              <a:prstGeom prst="rect">
+                <a:avLst/>
+              </a:prstGeom>
+              <a:noFill/>
+            </p:spPr>
+            <p:txBody>
+              <a:bodyPr wrap="none" rtlCol="0">
+                <a:spAutoFit/>
+              </a:bodyPr>
+              <a:lstStyle/>
+              <a:p>
+                <a14:m>
+                  <m:oMathPara xmlns:m="http://schemas.openxmlformats.org/officeDocument/2006/math">
+                    <m:oMathParaPr>
+                      <m:jc m:val="centerGroup"/>
+                    </m:oMathParaPr>
+                    <m:oMath xmlns:m="http://schemas.openxmlformats.org/officeDocument/2006/math">
+                      <m:sSub>
+                        <m:sSubPr>
+                          <m:ctrlPr>
+                            <a:rPr lang="en-US" altLang="ko-KR" i="1" smtClean="0">
+                              <a:latin typeface="Cambria Math" panose="02040503050406030204" pitchFamily="18" charset="0"/>
+                            </a:rPr>
+                          </m:ctrlPr>
+                        </m:sSubPr>
+                        <m:e>
+                          <m:r>
+                            <a:rPr lang="en-US" altLang="ko-KR" b="0" i="1" smtClean="0">
+                              <a:latin typeface="Cambria Math" panose="02040503050406030204" pitchFamily="18" charset="0"/>
+                            </a:rPr>
+                            <m:t>𝑥</m:t>
+                          </m:r>
+                        </m:e>
+                        <m:sub>
+                          <m:r>
+                            <a:rPr lang="en-US" altLang="ko-KR" b="0" i="1" smtClean="0">
+                              <a:latin typeface="Cambria Math" panose="02040503050406030204" pitchFamily="18" charset="0"/>
+                            </a:rPr>
+                            <m:t>0</m:t>
+                          </m:r>
+                        </m:sub>
+                      </m:sSub>
+                    </m:oMath>
+                  </m:oMathPara>
+                </a14:m>
+                <a:endParaRPr lang="ko-KR" altLang="en-US" dirty="0"/>
+              </a:p>
+            </p:txBody>
+          </p:sp>
+        </mc:Choice>
+        <mc:Fallback>
+          <p:sp>
+            <p:nvSpPr>
+              <p:cNvPr id="32" name="TextBox 31">
+                <a:extLst>
+                  <a:ext uri="{FF2B5EF4-FFF2-40B4-BE49-F238E27FC236}">
+                    <a16:creationId xmlns:a16="http://schemas.microsoft.com/office/drawing/2014/main" id="{B762AC4C-43D2-4F68-9F3B-5B6960C79FD5}"/>
+                  </a:ext>
+                </a:extLst>
+              </p:cNvPr>
+              <p:cNvSpPr txBox="1">
+                <a:spLocks noRot="1" noChangeAspect="1" noMove="1" noResize="1" noEditPoints="1" noAdjustHandles="1" noChangeArrowheads="1" noChangeShapeType="1" noTextEdit="1"/>
+              </p:cNvSpPr>
+              <p:nvPr/>
+            </p:nvSpPr>
+            <p:spPr>
+              <a:xfrm>
+                <a:off x="1246741" y="5860442"/>
+                <a:ext cx="494943" cy="369332"/>
+              </a:xfrm>
+              <a:prstGeom prst="rect">
+                <a:avLst/>
+              </a:prstGeom>
+              <a:blipFill>
+                <a:blip r:embed="rId2"/>
+                <a:stretch>
+                  <a:fillRect b="-1639"/>
+                </a:stretch>
+              </a:blipFill>
+            </p:spPr>
+            <p:txBody>
+              <a:bodyPr/>
+              <a:lstStyle/>
+              <a:p>
+                <a:r>
+                  <a:rPr lang="ko-KR" altLang="en-US">
+                    <a:noFill/>
+                  </a:rPr>
+                  <a:t> </a:t>
+                </a:r>
+              </a:p>
+            </p:txBody>
+          </p:sp>
+        </mc:Fallback>
+      </mc:AlternateContent>
+      <mc:AlternateContent xmlns:mc="http://schemas.openxmlformats.org/markup-compatibility/2006">
+        <mc:Choice xmlns:a14="http://schemas.microsoft.com/office/drawing/2010/main" Requires="a14">
+          <p:sp>
+            <p:nvSpPr>
+              <p:cNvPr id="33" name="TextBox 32">
+                <a:extLst>
+                  <a:ext uri="{FF2B5EF4-FFF2-40B4-BE49-F238E27FC236}">
+                    <a16:creationId xmlns:a16="http://schemas.microsoft.com/office/drawing/2014/main" id="{17AFDE06-C487-486D-B7B1-76971B04CC45}"/>
+                  </a:ext>
+                </a:extLst>
+              </p:cNvPr>
+              <p:cNvSpPr txBox="1"/>
+              <p:nvPr/>
+            </p:nvSpPr>
+            <p:spPr>
+              <a:xfrm>
+                <a:off x="2505426" y="5860730"/>
+                <a:ext cx="489621" cy="369332"/>
+              </a:xfrm>
+              <a:prstGeom prst="rect">
+                <a:avLst/>
+              </a:prstGeom>
+              <a:noFill/>
+            </p:spPr>
+            <p:txBody>
+              <a:bodyPr wrap="none" rtlCol="0">
+                <a:spAutoFit/>
+              </a:bodyPr>
+              <a:lstStyle/>
+              <a:p>
+                <a14:m>
+                  <m:oMathPara xmlns:m="http://schemas.openxmlformats.org/officeDocument/2006/math">
+                    <m:oMathParaPr>
+                      <m:jc m:val="centerGroup"/>
+                    </m:oMathParaPr>
+                    <m:oMath xmlns:m="http://schemas.openxmlformats.org/officeDocument/2006/math">
+                      <m:sSub>
+                        <m:sSubPr>
+                          <m:ctrlPr>
+                            <a:rPr lang="en-US" altLang="ko-KR" i="1" smtClean="0">
+                              <a:latin typeface="Cambria Math" panose="02040503050406030204" pitchFamily="18" charset="0"/>
+                            </a:rPr>
+                          </m:ctrlPr>
+                        </m:sSubPr>
+                        <m:e>
+                          <m:r>
+                            <a:rPr lang="en-US" altLang="ko-KR" b="0" i="1" smtClean="0">
+                              <a:latin typeface="Cambria Math" panose="02040503050406030204" pitchFamily="18" charset="0"/>
+                            </a:rPr>
+                            <m:t>𝑥</m:t>
+                          </m:r>
+                        </m:e>
+                        <m:sub>
+                          <m:r>
+                            <a:rPr lang="en-US" altLang="ko-KR" b="0" i="1" smtClean="0">
+                              <a:latin typeface="Cambria Math" panose="02040503050406030204" pitchFamily="18" charset="0"/>
+                            </a:rPr>
+                            <m:t>1</m:t>
+                          </m:r>
+                        </m:sub>
+                      </m:sSub>
+                    </m:oMath>
+                  </m:oMathPara>
+                </a14:m>
+                <a:endParaRPr lang="ko-KR" altLang="en-US" dirty="0"/>
+              </a:p>
+            </p:txBody>
+          </p:sp>
+        </mc:Choice>
+        <mc:Fallback>
+          <p:sp>
+            <p:nvSpPr>
+              <p:cNvPr id="33" name="TextBox 32">
+                <a:extLst>
+                  <a:ext uri="{FF2B5EF4-FFF2-40B4-BE49-F238E27FC236}">
+                    <a16:creationId xmlns:a16="http://schemas.microsoft.com/office/drawing/2014/main" id="{17AFDE06-C487-486D-B7B1-76971B04CC45}"/>
+                  </a:ext>
+                </a:extLst>
+              </p:cNvPr>
+              <p:cNvSpPr txBox="1">
+                <a:spLocks noRot="1" noChangeAspect="1" noMove="1" noResize="1" noEditPoints="1" noAdjustHandles="1" noChangeArrowheads="1" noChangeShapeType="1" noTextEdit="1"/>
+              </p:cNvSpPr>
+              <p:nvPr/>
+            </p:nvSpPr>
+            <p:spPr>
+              <a:xfrm>
+                <a:off x="2505426" y="5860730"/>
+                <a:ext cx="489621" cy="369332"/>
+              </a:xfrm>
+              <a:prstGeom prst="rect">
+                <a:avLst/>
+              </a:prstGeom>
+              <a:blipFill>
+                <a:blip r:embed="rId3"/>
+                <a:stretch>
+                  <a:fillRect b="-1639"/>
+                </a:stretch>
+              </a:blipFill>
+            </p:spPr>
+            <p:txBody>
+              <a:bodyPr/>
+              <a:lstStyle/>
+              <a:p>
+                <a:r>
+                  <a:rPr lang="ko-KR" altLang="en-US">
+                    <a:noFill/>
+                  </a:rPr>
+                  <a:t> </a:t>
+                </a:r>
+              </a:p>
+            </p:txBody>
+          </p:sp>
+        </mc:Fallback>
+      </mc:AlternateContent>
+      <mc:AlternateContent xmlns:mc="http://schemas.openxmlformats.org/markup-compatibility/2006">
+        <mc:Choice xmlns:a14="http://schemas.microsoft.com/office/drawing/2010/main" Requires="a14">
+          <p:sp>
+            <p:nvSpPr>
+              <p:cNvPr id="34" name="TextBox 33">
+                <a:extLst>
+                  <a:ext uri="{FF2B5EF4-FFF2-40B4-BE49-F238E27FC236}">
+                    <a16:creationId xmlns:a16="http://schemas.microsoft.com/office/drawing/2014/main" id="{3176E3DE-1A33-48CE-8889-27F07BED33E0}"/>
+                  </a:ext>
+                </a:extLst>
+              </p:cNvPr>
+              <p:cNvSpPr txBox="1"/>
+              <p:nvPr/>
+            </p:nvSpPr>
+            <p:spPr>
+              <a:xfrm>
+                <a:off x="3764111" y="5860442"/>
+                <a:ext cx="494943" cy="369332"/>
+              </a:xfrm>
+              <a:prstGeom prst="rect">
+                <a:avLst/>
+              </a:prstGeom>
+              <a:noFill/>
+            </p:spPr>
+            <p:txBody>
+              <a:bodyPr wrap="none" rtlCol="0">
+                <a:spAutoFit/>
+              </a:bodyPr>
+              <a:lstStyle/>
+              <a:p>
+                <a14:m>
+                  <m:oMathPara xmlns:m="http://schemas.openxmlformats.org/officeDocument/2006/math">
+                    <m:oMathParaPr>
+                      <m:jc m:val="centerGroup"/>
+                    </m:oMathParaPr>
+                    <m:oMath xmlns:m="http://schemas.openxmlformats.org/officeDocument/2006/math">
+                      <m:sSub>
+                        <m:sSubPr>
+                          <m:ctrlPr>
+                            <a:rPr lang="en-US" altLang="ko-KR" i="1" smtClean="0">
+                              <a:latin typeface="Cambria Math" panose="02040503050406030204" pitchFamily="18" charset="0"/>
+                            </a:rPr>
+                          </m:ctrlPr>
+                        </m:sSubPr>
+                        <m:e>
+                          <m:r>
+                            <a:rPr lang="en-US" altLang="ko-KR" b="0" i="1" smtClean="0">
+                              <a:latin typeface="Cambria Math" panose="02040503050406030204" pitchFamily="18" charset="0"/>
+                            </a:rPr>
+                            <m:t>𝑥</m:t>
+                          </m:r>
+                        </m:e>
+                        <m:sub>
+                          <m:r>
+                            <a:rPr lang="en-US" altLang="ko-KR" b="0" i="1" smtClean="0">
+                              <a:latin typeface="Cambria Math" panose="02040503050406030204" pitchFamily="18" charset="0"/>
+                            </a:rPr>
+                            <m:t>2</m:t>
+                          </m:r>
+                        </m:sub>
+                      </m:sSub>
+                    </m:oMath>
+                  </m:oMathPara>
+                </a14:m>
+                <a:endParaRPr lang="ko-KR" altLang="en-US" dirty="0"/>
+              </a:p>
+            </p:txBody>
+          </p:sp>
+        </mc:Choice>
+        <mc:Fallback>
+          <p:sp>
+            <p:nvSpPr>
+              <p:cNvPr id="34" name="TextBox 33">
+                <a:extLst>
+                  <a:ext uri="{FF2B5EF4-FFF2-40B4-BE49-F238E27FC236}">
+                    <a16:creationId xmlns:a16="http://schemas.microsoft.com/office/drawing/2014/main" id="{3176E3DE-1A33-48CE-8889-27F07BED33E0}"/>
+                  </a:ext>
+                </a:extLst>
+              </p:cNvPr>
+              <p:cNvSpPr txBox="1">
+                <a:spLocks noRot="1" noChangeAspect="1" noMove="1" noResize="1" noEditPoints="1" noAdjustHandles="1" noChangeArrowheads="1" noChangeShapeType="1" noTextEdit="1"/>
+              </p:cNvSpPr>
+              <p:nvPr/>
+            </p:nvSpPr>
+            <p:spPr>
+              <a:xfrm>
+                <a:off x="3764111" y="5860442"/>
+                <a:ext cx="494943" cy="369332"/>
+              </a:xfrm>
+              <a:prstGeom prst="rect">
+                <a:avLst/>
+              </a:prstGeom>
+              <a:blipFill>
+                <a:blip r:embed="rId4"/>
+                <a:stretch>
+                  <a:fillRect b="-1639"/>
+                </a:stretch>
+              </a:blipFill>
+            </p:spPr>
+            <p:txBody>
+              <a:bodyPr/>
+              <a:lstStyle/>
+              <a:p>
+                <a:r>
+                  <a:rPr lang="ko-KR" altLang="en-US">
+                    <a:noFill/>
+                  </a:rPr>
+                  <a:t> </a:t>
+                </a:r>
+              </a:p>
+            </p:txBody>
+          </p:sp>
+        </mc:Fallback>
+      </mc:AlternateContent>
+      <mc:AlternateContent xmlns:mc="http://schemas.openxmlformats.org/markup-compatibility/2006">
+        <mc:Choice xmlns:a14="http://schemas.microsoft.com/office/drawing/2010/main" Requires="a14">
+          <p:sp>
+            <p:nvSpPr>
+              <p:cNvPr id="35" name="TextBox 34">
+                <a:extLst>
+                  <a:ext uri="{FF2B5EF4-FFF2-40B4-BE49-F238E27FC236}">
+                    <a16:creationId xmlns:a16="http://schemas.microsoft.com/office/drawing/2014/main" id="{3E6BEBE2-E434-4579-9BEF-7F057088C6A4}"/>
+                  </a:ext>
+                </a:extLst>
+              </p:cNvPr>
+              <p:cNvSpPr txBox="1"/>
+              <p:nvPr/>
+            </p:nvSpPr>
+            <p:spPr>
+              <a:xfrm>
+                <a:off x="5022796" y="5860442"/>
+                <a:ext cx="494943" cy="369332"/>
+              </a:xfrm>
+              <a:prstGeom prst="rect">
+                <a:avLst/>
+              </a:prstGeom>
+              <a:noFill/>
+            </p:spPr>
+            <p:txBody>
+              <a:bodyPr wrap="none" rtlCol="0">
+                <a:spAutoFit/>
+              </a:bodyPr>
+              <a:lstStyle/>
+              <a:p>
+                <a14:m>
+                  <m:oMathPara xmlns:m="http://schemas.openxmlformats.org/officeDocument/2006/math">
+                    <m:oMathParaPr>
+                      <m:jc m:val="centerGroup"/>
+                    </m:oMathParaPr>
+                    <m:oMath xmlns:m="http://schemas.openxmlformats.org/officeDocument/2006/math">
+                      <m:sSub>
+                        <m:sSubPr>
+                          <m:ctrlPr>
+                            <a:rPr lang="en-US" altLang="ko-KR" i="1" smtClean="0">
+                              <a:latin typeface="Cambria Math" panose="02040503050406030204" pitchFamily="18" charset="0"/>
+                            </a:rPr>
+                          </m:ctrlPr>
+                        </m:sSubPr>
+                        <m:e>
+                          <m:r>
+                            <a:rPr lang="en-US" altLang="ko-KR" b="0" i="1" smtClean="0">
+                              <a:latin typeface="Cambria Math" panose="02040503050406030204" pitchFamily="18" charset="0"/>
+                            </a:rPr>
+                            <m:t>𝑥</m:t>
+                          </m:r>
+                        </m:e>
+                        <m:sub>
+                          <m:r>
+                            <a:rPr lang="en-US" altLang="ko-KR" b="0" i="1" smtClean="0">
+                              <a:latin typeface="Cambria Math" panose="02040503050406030204" pitchFamily="18" charset="0"/>
+                            </a:rPr>
+                            <m:t>3</m:t>
+                          </m:r>
+                        </m:sub>
+                      </m:sSub>
+                    </m:oMath>
+                  </m:oMathPara>
+                </a14:m>
+                <a:endParaRPr lang="ko-KR" altLang="en-US" dirty="0"/>
+              </a:p>
+            </p:txBody>
+          </p:sp>
+        </mc:Choice>
+        <mc:Fallback>
+          <p:sp>
+            <p:nvSpPr>
+              <p:cNvPr id="35" name="TextBox 34">
+                <a:extLst>
+                  <a:ext uri="{FF2B5EF4-FFF2-40B4-BE49-F238E27FC236}">
+                    <a16:creationId xmlns:a16="http://schemas.microsoft.com/office/drawing/2014/main" id="{3E6BEBE2-E434-4579-9BEF-7F057088C6A4}"/>
+                  </a:ext>
+                </a:extLst>
+              </p:cNvPr>
+              <p:cNvSpPr txBox="1">
+                <a:spLocks noRot="1" noChangeAspect="1" noMove="1" noResize="1" noEditPoints="1" noAdjustHandles="1" noChangeArrowheads="1" noChangeShapeType="1" noTextEdit="1"/>
+              </p:cNvSpPr>
+              <p:nvPr/>
+            </p:nvSpPr>
+            <p:spPr>
+              <a:xfrm>
+                <a:off x="5022796" y="5860442"/>
+                <a:ext cx="494943" cy="369332"/>
+              </a:xfrm>
+              <a:prstGeom prst="rect">
+                <a:avLst/>
+              </a:prstGeom>
+              <a:blipFill>
+                <a:blip r:embed="rId5"/>
+                <a:stretch>
+                  <a:fillRect b="-1639"/>
+                </a:stretch>
+              </a:blipFill>
+            </p:spPr>
+            <p:txBody>
+              <a:bodyPr/>
+              <a:lstStyle/>
+              <a:p>
+                <a:r>
+                  <a:rPr lang="ko-KR" altLang="en-US">
+                    <a:noFill/>
+                  </a:rPr>
+                  <a:t> </a:t>
+                </a:r>
+              </a:p>
+            </p:txBody>
+          </p:sp>
+        </mc:Fallback>
+      </mc:AlternateContent>
+      <mc:AlternateContent xmlns:mc="http://schemas.openxmlformats.org/markup-compatibility/2006">
+        <mc:Choice xmlns:a14="http://schemas.microsoft.com/office/drawing/2010/main" Requires="a14">
+          <p:sp>
+            <p:nvSpPr>
+              <p:cNvPr id="36" name="TextBox 35">
+                <a:extLst>
+                  <a:ext uri="{FF2B5EF4-FFF2-40B4-BE49-F238E27FC236}">
+                    <a16:creationId xmlns:a16="http://schemas.microsoft.com/office/drawing/2014/main" id="{14E0069C-C3BE-41C2-B653-A18BA212F52D}"/>
+                  </a:ext>
+                </a:extLst>
+              </p:cNvPr>
+              <p:cNvSpPr txBox="1"/>
+              <p:nvPr/>
+            </p:nvSpPr>
+            <p:spPr>
+              <a:xfrm>
+                <a:off x="7989608" y="5860442"/>
+                <a:ext cx="496610" cy="369332"/>
+              </a:xfrm>
+              <a:prstGeom prst="rect">
+                <a:avLst/>
+              </a:prstGeom>
+              <a:noFill/>
+            </p:spPr>
+            <p:txBody>
+              <a:bodyPr wrap="none" rtlCol="0">
+                <a:spAutoFit/>
+              </a:bodyPr>
+              <a:lstStyle/>
+              <a:p>
+                <a14:m>
+                  <m:oMathPara xmlns:m="http://schemas.openxmlformats.org/officeDocument/2006/math">
+                    <m:oMathParaPr>
+                      <m:jc m:val="centerGroup"/>
+                    </m:oMathParaPr>
+                    <m:oMath xmlns:m="http://schemas.openxmlformats.org/officeDocument/2006/math">
+                      <m:sSub>
+                        <m:sSubPr>
+                          <m:ctrlPr>
+                            <a:rPr lang="en-US" altLang="ko-KR" i="1" smtClean="0">
+                              <a:latin typeface="Cambria Math" panose="02040503050406030204" pitchFamily="18" charset="0"/>
+                            </a:rPr>
+                          </m:ctrlPr>
+                        </m:sSubPr>
+                        <m:e>
+                          <m:r>
+                            <a:rPr lang="en-US" altLang="ko-KR" b="0" i="1" smtClean="0">
+                              <a:latin typeface="Cambria Math" panose="02040503050406030204" pitchFamily="18" charset="0"/>
+                            </a:rPr>
+                            <m:t>𝑦</m:t>
+                          </m:r>
+                        </m:e>
+                        <m:sub>
+                          <m:r>
+                            <a:rPr lang="en-US" altLang="ko-KR" b="0" i="1" smtClean="0">
+                              <a:latin typeface="Cambria Math" panose="02040503050406030204" pitchFamily="18" charset="0"/>
+                            </a:rPr>
+                            <m:t>0</m:t>
+                          </m:r>
+                        </m:sub>
+                      </m:sSub>
+                    </m:oMath>
+                  </m:oMathPara>
+                </a14:m>
+                <a:endParaRPr lang="ko-KR" altLang="en-US" dirty="0"/>
+              </a:p>
+            </p:txBody>
+          </p:sp>
+        </mc:Choice>
+        <mc:Fallback>
+          <p:sp>
+            <p:nvSpPr>
+              <p:cNvPr id="36" name="TextBox 35">
+                <a:extLst>
+                  <a:ext uri="{FF2B5EF4-FFF2-40B4-BE49-F238E27FC236}">
+                    <a16:creationId xmlns:a16="http://schemas.microsoft.com/office/drawing/2014/main" id="{14E0069C-C3BE-41C2-B653-A18BA212F52D}"/>
+                  </a:ext>
+                </a:extLst>
+              </p:cNvPr>
+              <p:cNvSpPr txBox="1">
+                <a:spLocks noRot="1" noChangeAspect="1" noMove="1" noResize="1" noEditPoints="1" noAdjustHandles="1" noChangeArrowheads="1" noChangeShapeType="1" noTextEdit="1"/>
+              </p:cNvSpPr>
+              <p:nvPr/>
+            </p:nvSpPr>
+            <p:spPr>
+              <a:xfrm>
+                <a:off x="7989608" y="5860442"/>
+                <a:ext cx="496610" cy="369332"/>
+              </a:xfrm>
+              <a:prstGeom prst="rect">
+                <a:avLst/>
+              </a:prstGeom>
+              <a:blipFill>
+                <a:blip r:embed="rId6"/>
+                <a:stretch>
+                  <a:fillRect b="-9836"/>
+                </a:stretch>
+              </a:blipFill>
+            </p:spPr>
+            <p:txBody>
+              <a:bodyPr/>
+              <a:lstStyle/>
+              <a:p>
+                <a:r>
+                  <a:rPr lang="ko-KR" altLang="en-US">
+                    <a:noFill/>
+                  </a:rPr>
+                  <a:t> </a:t>
+                </a:r>
+              </a:p>
+            </p:txBody>
+          </p:sp>
+        </mc:Fallback>
+      </mc:AlternateContent>
+      <mc:AlternateContent xmlns:mc="http://schemas.openxmlformats.org/markup-compatibility/2006">
+        <mc:Choice xmlns:a14="http://schemas.microsoft.com/office/drawing/2010/main" Requires="a14">
+          <p:sp>
+            <p:nvSpPr>
+              <p:cNvPr id="37" name="TextBox 36">
+                <a:extLst>
+                  <a:ext uri="{FF2B5EF4-FFF2-40B4-BE49-F238E27FC236}">
+                    <a16:creationId xmlns:a16="http://schemas.microsoft.com/office/drawing/2014/main" id="{6448FB8C-D9A1-4602-BD58-DE946A793132}"/>
+                  </a:ext>
+                </a:extLst>
+              </p:cNvPr>
+              <p:cNvSpPr txBox="1"/>
+              <p:nvPr/>
+            </p:nvSpPr>
+            <p:spPr>
+              <a:xfrm>
+                <a:off x="9248294" y="5860442"/>
+                <a:ext cx="491288" cy="369332"/>
+              </a:xfrm>
+              <a:prstGeom prst="rect">
+                <a:avLst/>
+              </a:prstGeom>
+              <a:noFill/>
+            </p:spPr>
+            <p:txBody>
+              <a:bodyPr wrap="none" rtlCol="0">
+                <a:spAutoFit/>
+              </a:bodyPr>
+              <a:lstStyle/>
+              <a:p>
+                <a14:m>
+                  <m:oMathPara xmlns:m="http://schemas.openxmlformats.org/officeDocument/2006/math">
+                    <m:oMathParaPr>
+                      <m:jc m:val="centerGroup"/>
+                    </m:oMathParaPr>
+                    <m:oMath xmlns:m="http://schemas.openxmlformats.org/officeDocument/2006/math">
+                      <m:sSub>
+                        <m:sSubPr>
+                          <m:ctrlPr>
+                            <a:rPr lang="en-US" altLang="ko-KR" i="1" smtClean="0">
+                              <a:latin typeface="Cambria Math" panose="02040503050406030204" pitchFamily="18" charset="0"/>
+                            </a:rPr>
+                          </m:ctrlPr>
+                        </m:sSubPr>
+                        <m:e>
+                          <m:r>
+                            <a:rPr lang="en-US" altLang="ko-KR" b="0" i="1" smtClean="0">
+                              <a:latin typeface="Cambria Math" panose="02040503050406030204" pitchFamily="18" charset="0"/>
+                            </a:rPr>
+                            <m:t>𝑦</m:t>
+                          </m:r>
+                        </m:e>
+                        <m:sub>
+                          <m:r>
+                            <a:rPr lang="en-US" altLang="ko-KR" b="0" i="1" smtClean="0">
+                              <a:latin typeface="Cambria Math" panose="02040503050406030204" pitchFamily="18" charset="0"/>
+                            </a:rPr>
+                            <m:t>1</m:t>
+                          </m:r>
+                        </m:sub>
+                      </m:sSub>
+                    </m:oMath>
+                  </m:oMathPara>
+                </a14:m>
+                <a:endParaRPr lang="ko-KR" altLang="en-US" dirty="0"/>
+              </a:p>
+            </p:txBody>
+          </p:sp>
+        </mc:Choice>
+        <mc:Fallback>
+          <p:sp>
+            <p:nvSpPr>
+              <p:cNvPr id="37" name="TextBox 36">
+                <a:extLst>
+                  <a:ext uri="{FF2B5EF4-FFF2-40B4-BE49-F238E27FC236}">
+                    <a16:creationId xmlns:a16="http://schemas.microsoft.com/office/drawing/2014/main" id="{6448FB8C-D9A1-4602-BD58-DE946A793132}"/>
+                  </a:ext>
+                </a:extLst>
+              </p:cNvPr>
+              <p:cNvSpPr txBox="1">
+                <a:spLocks noRot="1" noChangeAspect="1" noMove="1" noResize="1" noEditPoints="1" noAdjustHandles="1" noChangeArrowheads="1" noChangeShapeType="1" noTextEdit="1"/>
+              </p:cNvSpPr>
+              <p:nvPr/>
+            </p:nvSpPr>
+            <p:spPr>
+              <a:xfrm>
+                <a:off x="9248294" y="5860442"/>
+                <a:ext cx="491288" cy="369332"/>
+              </a:xfrm>
+              <a:prstGeom prst="rect">
+                <a:avLst/>
+              </a:prstGeom>
+              <a:blipFill>
+                <a:blip r:embed="rId7"/>
+                <a:stretch>
+                  <a:fillRect b="-9836"/>
+                </a:stretch>
+              </a:blipFill>
+            </p:spPr>
+            <p:txBody>
+              <a:bodyPr/>
+              <a:lstStyle/>
+              <a:p>
+                <a:r>
+                  <a:rPr lang="ko-KR" altLang="en-US">
+                    <a:noFill/>
+                  </a:rPr>
+                  <a:t> </a:t>
+                </a:r>
+              </a:p>
+            </p:txBody>
+          </p:sp>
+        </mc:Fallback>
+      </mc:AlternateContent>
+      <mc:AlternateContent xmlns:mc="http://schemas.openxmlformats.org/markup-compatibility/2006">
+        <mc:Choice xmlns:a14="http://schemas.microsoft.com/office/drawing/2010/main" Requires="a14">
+          <p:sp>
+            <p:nvSpPr>
+              <p:cNvPr id="38" name="TextBox 37">
+                <a:extLst>
+                  <a:ext uri="{FF2B5EF4-FFF2-40B4-BE49-F238E27FC236}">
+                    <a16:creationId xmlns:a16="http://schemas.microsoft.com/office/drawing/2014/main" id="{7027025A-1A40-43C7-B377-B6E5B83B42C9}"/>
+                  </a:ext>
+                </a:extLst>
+              </p:cNvPr>
+              <p:cNvSpPr txBox="1"/>
+              <p:nvPr/>
+            </p:nvSpPr>
+            <p:spPr>
+              <a:xfrm>
+                <a:off x="10506980" y="5860442"/>
+                <a:ext cx="496611" cy="369332"/>
+              </a:xfrm>
+              <a:prstGeom prst="rect">
+                <a:avLst/>
+              </a:prstGeom>
+              <a:noFill/>
+            </p:spPr>
+            <p:txBody>
+              <a:bodyPr wrap="none" rtlCol="0">
+                <a:spAutoFit/>
+              </a:bodyPr>
+              <a:lstStyle/>
+              <a:p>
+                <a14:m>
+                  <m:oMathPara xmlns:m="http://schemas.openxmlformats.org/officeDocument/2006/math">
+                    <m:oMathParaPr>
+                      <m:jc m:val="centerGroup"/>
+                    </m:oMathParaPr>
+                    <m:oMath xmlns:m="http://schemas.openxmlformats.org/officeDocument/2006/math">
+                      <m:sSub>
+                        <m:sSubPr>
+                          <m:ctrlPr>
+                            <a:rPr lang="en-US" altLang="ko-KR" i="1" smtClean="0">
+                              <a:latin typeface="Cambria Math" panose="02040503050406030204" pitchFamily="18" charset="0"/>
+                            </a:rPr>
+                          </m:ctrlPr>
+                        </m:sSubPr>
+                        <m:e>
+                          <m:r>
+                            <a:rPr lang="en-US" altLang="ko-KR" b="0" i="1" smtClean="0">
+                              <a:latin typeface="Cambria Math" panose="02040503050406030204" pitchFamily="18" charset="0"/>
+                            </a:rPr>
+                            <m:t>𝑦</m:t>
+                          </m:r>
+                        </m:e>
+                        <m:sub>
+                          <m:r>
+                            <a:rPr lang="en-US" altLang="ko-KR" b="0" i="1" smtClean="0">
+                              <a:latin typeface="Cambria Math" panose="02040503050406030204" pitchFamily="18" charset="0"/>
+                            </a:rPr>
+                            <m:t>2</m:t>
+                          </m:r>
+                        </m:sub>
+                      </m:sSub>
+                    </m:oMath>
+                  </m:oMathPara>
+                </a14:m>
+                <a:endParaRPr lang="ko-KR" altLang="en-US" dirty="0"/>
+              </a:p>
+            </p:txBody>
+          </p:sp>
+        </mc:Choice>
+        <mc:Fallback>
+          <p:sp>
+            <p:nvSpPr>
+              <p:cNvPr id="38" name="TextBox 37">
+                <a:extLst>
+                  <a:ext uri="{FF2B5EF4-FFF2-40B4-BE49-F238E27FC236}">
+                    <a16:creationId xmlns:a16="http://schemas.microsoft.com/office/drawing/2014/main" id="{7027025A-1A40-43C7-B377-B6E5B83B42C9}"/>
+                  </a:ext>
+                </a:extLst>
+              </p:cNvPr>
+              <p:cNvSpPr txBox="1">
+                <a:spLocks noRot="1" noChangeAspect="1" noMove="1" noResize="1" noEditPoints="1" noAdjustHandles="1" noChangeArrowheads="1" noChangeShapeType="1" noTextEdit="1"/>
+              </p:cNvSpPr>
+              <p:nvPr/>
+            </p:nvSpPr>
+            <p:spPr>
+              <a:xfrm>
+                <a:off x="10506980" y="5860442"/>
+                <a:ext cx="496611" cy="369332"/>
+              </a:xfrm>
+              <a:prstGeom prst="rect">
+                <a:avLst/>
+              </a:prstGeom>
+              <a:blipFill>
+                <a:blip r:embed="rId8"/>
+                <a:stretch>
+                  <a:fillRect b="-9836"/>
+                </a:stretch>
+              </a:blipFill>
+            </p:spPr>
+            <p:txBody>
+              <a:bodyPr/>
+              <a:lstStyle/>
+              <a:p>
+                <a:r>
+                  <a:rPr lang="ko-KR" altLang="en-US">
+                    <a:noFill/>
+                  </a:rPr>
+                  <a:t> </a:t>
+                </a:r>
+              </a:p>
+            </p:txBody>
+          </p:sp>
+        </mc:Fallback>
+      </mc:AlternateContent>
+      <mc:AlternateContent xmlns:mc="http://schemas.openxmlformats.org/markup-compatibility/2006">
+        <mc:Choice xmlns:a14="http://schemas.microsoft.com/office/drawing/2010/main" Requires="a14">
+          <p:sp>
+            <p:nvSpPr>
+              <p:cNvPr id="39" name="TextBox 38">
+                <a:extLst>
+                  <a:ext uri="{FF2B5EF4-FFF2-40B4-BE49-F238E27FC236}">
+                    <a16:creationId xmlns:a16="http://schemas.microsoft.com/office/drawing/2014/main" id="{34ED70D7-EC33-49DC-96FA-7BE986853032}"/>
+                  </a:ext>
+                </a:extLst>
+              </p:cNvPr>
+              <p:cNvSpPr txBox="1"/>
+              <p:nvPr/>
+            </p:nvSpPr>
+            <p:spPr>
+              <a:xfrm>
+                <a:off x="6628971" y="5885344"/>
+                <a:ext cx="700513" cy="369332"/>
+              </a:xfrm>
+              <a:prstGeom prst="rect">
+                <a:avLst/>
+              </a:prstGeom>
+              <a:noFill/>
+            </p:spPr>
+            <p:txBody>
+              <a:bodyPr wrap="none" rtlCol="0">
+                <a:spAutoFit/>
+              </a:bodyPr>
+              <a:lstStyle/>
+              <a:p>
+                <a14:m>
+                  <m:oMathPara xmlns:m="http://schemas.openxmlformats.org/officeDocument/2006/math">
+                    <m:oMathParaPr>
+                      <m:jc m:val="centerGroup"/>
+                    </m:oMathParaPr>
+                    <m:oMath xmlns:m="http://schemas.openxmlformats.org/officeDocument/2006/math">
+                      <m:r>
+                        <a:rPr lang="en-US" altLang="ko-KR" b="0" i="1" smtClean="0">
+                          <a:latin typeface="Cambria Math" panose="02040503050406030204" pitchFamily="18" charset="0"/>
+                        </a:rPr>
+                        <m:t>𝐵𝑂𝑆</m:t>
+                      </m:r>
+                    </m:oMath>
+                  </m:oMathPara>
+                </a14:m>
+                <a:endParaRPr lang="ko-KR" altLang="en-US" dirty="0"/>
+              </a:p>
+            </p:txBody>
+          </p:sp>
+        </mc:Choice>
+        <mc:Fallback>
+          <p:sp>
+            <p:nvSpPr>
+              <p:cNvPr id="39" name="TextBox 38">
+                <a:extLst>
+                  <a:ext uri="{FF2B5EF4-FFF2-40B4-BE49-F238E27FC236}">
+                    <a16:creationId xmlns:a16="http://schemas.microsoft.com/office/drawing/2014/main" id="{34ED70D7-EC33-49DC-96FA-7BE986853032}"/>
+                  </a:ext>
+                </a:extLst>
+              </p:cNvPr>
+              <p:cNvSpPr txBox="1">
+                <a:spLocks noRot="1" noChangeAspect="1" noMove="1" noResize="1" noEditPoints="1" noAdjustHandles="1" noChangeArrowheads="1" noChangeShapeType="1" noTextEdit="1"/>
+              </p:cNvSpPr>
+              <p:nvPr/>
+            </p:nvSpPr>
+            <p:spPr>
+              <a:xfrm>
+                <a:off x="6628971" y="5885344"/>
+                <a:ext cx="700513" cy="369332"/>
+              </a:xfrm>
+              <a:prstGeom prst="rect">
+                <a:avLst/>
+              </a:prstGeom>
+              <a:blipFill>
+                <a:blip r:embed="rId9"/>
+                <a:stretch>
+                  <a:fillRect/>
+                </a:stretch>
+              </a:blipFill>
+            </p:spPr>
+            <p:txBody>
+              <a:bodyPr/>
+              <a:lstStyle/>
+              <a:p>
+                <a:r>
+                  <a:rPr lang="ko-KR" altLang="en-US">
+                    <a:noFill/>
+                  </a:rPr>
+                  <a:t> </a:t>
+                </a:r>
+              </a:p>
+            </p:txBody>
+          </p:sp>
+        </mc:Fallback>
+      </mc:AlternateContent>
+      <mc:AlternateContent xmlns:mc="http://schemas.openxmlformats.org/markup-compatibility/2006">
+        <mc:Choice xmlns:a14="http://schemas.microsoft.com/office/drawing/2010/main" Requires="a14">
+          <p:sp>
+            <p:nvSpPr>
+              <p:cNvPr id="40" name="TextBox 39">
+                <a:extLst>
+                  <a:ext uri="{FF2B5EF4-FFF2-40B4-BE49-F238E27FC236}">
+                    <a16:creationId xmlns:a16="http://schemas.microsoft.com/office/drawing/2014/main" id="{3C190F04-1C31-4664-AD00-75B456B22FFA}"/>
+                  </a:ext>
+                </a:extLst>
+              </p:cNvPr>
+              <p:cNvSpPr txBox="1"/>
+              <p:nvPr/>
+            </p:nvSpPr>
+            <p:spPr>
+              <a:xfrm>
+                <a:off x="10405027" y="1158172"/>
+                <a:ext cx="700513" cy="369332"/>
+              </a:xfrm>
+              <a:prstGeom prst="rect">
+                <a:avLst/>
+              </a:prstGeom>
+              <a:noFill/>
+            </p:spPr>
+            <p:txBody>
+              <a:bodyPr wrap="none" rtlCol="0">
+                <a:spAutoFit/>
+              </a:bodyPr>
+              <a:lstStyle/>
+              <a:p>
+                <a14:m>
+                  <m:oMathPara xmlns:m="http://schemas.openxmlformats.org/officeDocument/2006/math">
+                    <m:oMathParaPr>
+                      <m:jc m:val="centerGroup"/>
+                    </m:oMathParaPr>
+                    <m:oMath xmlns:m="http://schemas.openxmlformats.org/officeDocument/2006/math">
+                      <m:r>
+                        <a:rPr lang="en-US" altLang="ko-KR" b="0" i="1" smtClean="0">
+                          <a:latin typeface="Cambria Math" panose="02040503050406030204" pitchFamily="18" charset="0"/>
+                        </a:rPr>
+                        <m:t>𝐵𝑂𝑆</m:t>
+                      </m:r>
+                    </m:oMath>
+                  </m:oMathPara>
+                </a14:m>
+                <a:endParaRPr lang="ko-KR" altLang="en-US" dirty="0"/>
+              </a:p>
+            </p:txBody>
+          </p:sp>
+        </mc:Choice>
+        <mc:Fallback>
+          <p:sp>
+            <p:nvSpPr>
+              <p:cNvPr id="40" name="TextBox 39">
+                <a:extLst>
+                  <a:ext uri="{FF2B5EF4-FFF2-40B4-BE49-F238E27FC236}">
+                    <a16:creationId xmlns:a16="http://schemas.microsoft.com/office/drawing/2014/main" id="{3C190F04-1C31-4664-AD00-75B456B22FFA}"/>
+                  </a:ext>
+                </a:extLst>
+              </p:cNvPr>
+              <p:cNvSpPr txBox="1">
+                <a:spLocks noRot="1" noChangeAspect="1" noMove="1" noResize="1" noEditPoints="1" noAdjustHandles="1" noChangeArrowheads="1" noChangeShapeType="1" noTextEdit="1"/>
+              </p:cNvSpPr>
+              <p:nvPr/>
+            </p:nvSpPr>
+            <p:spPr>
+              <a:xfrm>
+                <a:off x="10405027" y="1158172"/>
+                <a:ext cx="700513" cy="369332"/>
+              </a:xfrm>
+              <a:prstGeom prst="rect">
+                <a:avLst/>
+              </a:prstGeom>
+              <a:blipFill>
+                <a:blip r:embed="rId10"/>
+                <a:stretch>
+                  <a:fillRect/>
+                </a:stretch>
+              </a:blipFill>
+            </p:spPr>
+            <p:txBody>
+              <a:bodyPr/>
+              <a:lstStyle/>
+              <a:p>
+                <a:r>
+                  <a:rPr lang="ko-KR" altLang="en-US">
+                    <a:noFill/>
+                  </a:rPr>
+                  <a:t> </a:t>
+                </a:r>
+              </a:p>
+            </p:txBody>
+          </p:sp>
+        </mc:Fallback>
+      </mc:AlternateContent>
+      <p:sp>
+        <p:nvSpPr>
+          <p:cNvPr id="41" name="직사각형 40">
+            <a:extLst>
+              <a:ext uri="{FF2B5EF4-FFF2-40B4-BE49-F238E27FC236}">
+                <a16:creationId xmlns:a16="http://schemas.microsoft.com/office/drawing/2014/main" id="{2408790D-3D66-431C-849B-99668B932886}"/>
+              </a:ext>
+            </a:extLst>
+          </p:cNvPr>
+          <p:cNvSpPr/>
+          <p:nvPr/>
+        </p:nvSpPr>
+        <p:spPr>
+          <a:xfrm>
+            <a:off x="1105593" y="5261883"/>
+            <a:ext cx="777240" cy="282706"/>
+          </a:xfrm>
+          <a:prstGeom prst="rect">
+            <a:avLst/>
+          </a:prstGeom>
+          <a:ln>
+            <a:solidFill>
+              <a:srgbClr val="C00000"/>
+            </a:solidFill>
+          </a:ln>
+        </p:spPr>
+        <p:style>
+          <a:lnRef idx="2">
+            <a:schemeClr val="dk1"/>
+          </a:lnRef>
+          <a:fillRef idx="1">
+            <a:schemeClr val="lt1"/>
+          </a:fillRef>
+          <a:effectRef idx="0">
+            <a:schemeClr val="dk1"/>
+          </a:effectRef>
+          <a:fontRef idx="minor">
+            <a:schemeClr val="dk1"/>
+          </a:fontRef>
+        </p:style>
+        <p:txBody>
+          <a:bodyPr rtlCol="0" anchor="ctr"/>
+          <a:lstStyle/>
+          <a:p>
+            <a:pPr algn="ctr"/>
+            <a:r>
+              <a:rPr lang="en-US" altLang="ko-KR" sz="900" dirty="0"/>
+              <a:t>Embedding</a:t>
+            </a:r>
+            <a:endParaRPr lang="ko-KR" altLang="en-US" sz="900" dirty="0"/>
+          </a:p>
+        </p:txBody>
+      </p:sp>
+      <p:sp>
+        <p:nvSpPr>
+          <p:cNvPr id="42" name="직사각형 41">
+            <a:extLst>
+              <a:ext uri="{FF2B5EF4-FFF2-40B4-BE49-F238E27FC236}">
+                <a16:creationId xmlns:a16="http://schemas.microsoft.com/office/drawing/2014/main" id="{D3CFBC4C-F45D-48C0-A8AA-F68207C535F1}"/>
+              </a:ext>
+            </a:extLst>
+          </p:cNvPr>
+          <p:cNvSpPr/>
+          <p:nvPr/>
+        </p:nvSpPr>
+        <p:spPr>
+          <a:xfrm>
+            <a:off x="2364278" y="5261883"/>
+            <a:ext cx="777240" cy="282706"/>
+          </a:xfrm>
+          <a:prstGeom prst="rect">
+            <a:avLst/>
+          </a:prstGeom>
+          <a:ln>
+            <a:solidFill>
+              <a:srgbClr val="C00000"/>
+            </a:solidFill>
+          </a:ln>
+        </p:spPr>
+        <p:style>
+          <a:lnRef idx="2">
+            <a:schemeClr val="dk1"/>
+          </a:lnRef>
+          <a:fillRef idx="1">
+            <a:schemeClr val="lt1"/>
+          </a:fillRef>
+          <a:effectRef idx="0">
+            <a:schemeClr val="dk1"/>
+          </a:effectRef>
+          <a:fontRef idx="minor">
+            <a:schemeClr val="dk1"/>
+          </a:fontRef>
+        </p:style>
+        <p:txBody>
+          <a:bodyPr rtlCol="0" anchor="ctr"/>
+          <a:lstStyle/>
+          <a:p>
+            <a:pPr algn="ctr"/>
+            <a:r>
+              <a:rPr lang="en-US" altLang="ko-KR" sz="900" dirty="0"/>
+              <a:t>Embedding</a:t>
+            </a:r>
+            <a:endParaRPr lang="ko-KR" altLang="en-US" sz="900" dirty="0"/>
+          </a:p>
+        </p:txBody>
+      </p:sp>
+      <p:sp>
+        <p:nvSpPr>
+          <p:cNvPr id="43" name="직사각형 42">
+            <a:extLst>
+              <a:ext uri="{FF2B5EF4-FFF2-40B4-BE49-F238E27FC236}">
+                <a16:creationId xmlns:a16="http://schemas.microsoft.com/office/drawing/2014/main" id="{1CCBC64F-3065-4A07-BBD2-C6D6AFF1B01A}"/>
+              </a:ext>
+            </a:extLst>
+          </p:cNvPr>
+          <p:cNvSpPr/>
+          <p:nvPr/>
+        </p:nvSpPr>
+        <p:spPr>
+          <a:xfrm>
+            <a:off x="3622964" y="5261883"/>
+            <a:ext cx="777240" cy="282706"/>
+          </a:xfrm>
+          <a:prstGeom prst="rect">
+            <a:avLst/>
+          </a:prstGeom>
+          <a:ln>
+            <a:solidFill>
+              <a:srgbClr val="C00000"/>
+            </a:solidFill>
+          </a:ln>
+        </p:spPr>
+        <p:style>
+          <a:lnRef idx="2">
+            <a:schemeClr val="dk1"/>
+          </a:lnRef>
+          <a:fillRef idx="1">
+            <a:schemeClr val="lt1"/>
+          </a:fillRef>
+          <a:effectRef idx="0">
+            <a:schemeClr val="dk1"/>
+          </a:effectRef>
+          <a:fontRef idx="minor">
+            <a:schemeClr val="dk1"/>
+          </a:fontRef>
+        </p:style>
+        <p:txBody>
+          <a:bodyPr rtlCol="0" anchor="ctr"/>
+          <a:lstStyle/>
+          <a:p>
+            <a:pPr algn="ctr"/>
+            <a:r>
+              <a:rPr lang="en-US" altLang="ko-KR" sz="900" dirty="0"/>
+              <a:t>Embedding</a:t>
+            </a:r>
+            <a:endParaRPr lang="ko-KR" altLang="en-US" sz="900" dirty="0"/>
+          </a:p>
+        </p:txBody>
+      </p:sp>
+      <p:sp>
+        <p:nvSpPr>
+          <p:cNvPr id="44" name="직사각형 43">
+            <a:extLst>
+              <a:ext uri="{FF2B5EF4-FFF2-40B4-BE49-F238E27FC236}">
+                <a16:creationId xmlns:a16="http://schemas.microsoft.com/office/drawing/2014/main" id="{8335E1E8-EE72-4026-805B-961A5AA502D5}"/>
+              </a:ext>
+            </a:extLst>
+          </p:cNvPr>
+          <p:cNvSpPr/>
+          <p:nvPr/>
+        </p:nvSpPr>
+        <p:spPr>
+          <a:xfrm>
+            <a:off x="4881647" y="5261883"/>
+            <a:ext cx="777240" cy="282706"/>
+          </a:xfrm>
+          <a:prstGeom prst="rect">
+            <a:avLst/>
+          </a:prstGeom>
+          <a:ln>
+            <a:solidFill>
+              <a:srgbClr val="C00000"/>
+            </a:solidFill>
+          </a:ln>
+        </p:spPr>
+        <p:style>
+          <a:lnRef idx="2">
+            <a:schemeClr val="dk1"/>
+          </a:lnRef>
+          <a:fillRef idx="1">
+            <a:schemeClr val="lt1"/>
+          </a:fillRef>
+          <a:effectRef idx="0">
+            <a:schemeClr val="dk1"/>
+          </a:effectRef>
+          <a:fontRef idx="minor">
+            <a:schemeClr val="dk1"/>
+          </a:fontRef>
+        </p:style>
+        <p:txBody>
+          <a:bodyPr rtlCol="0" anchor="ctr"/>
+          <a:lstStyle/>
+          <a:p>
+            <a:pPr algn="ctr"/>
+            <a:r>
+              <a:rPr lang="en-US" altLang="ko-KR" sz="900" dirty="0"/>
+              <a:t>Embedding</a:t>
+            </a:r>
+            <a:endParaRPr lang="ko-KR" altLang="en-US" sz="900" dirty="0"/>
+          </a:p>
+        </p:txBody>
+      </p:sp>
+      <p:sp>
+        <p:nvSpPr>
+          <p:cNvPr id="45" name="직사각형 44">
+            <a:extLst>
+              <a:ext uri="{FF2B5EF4-FFF2-40B4-BE49-F238E27FC236}">
+                <a16:creationId xmlns:a16="http://schemas.microsoft.com/office/drawing/2014/main" id="{111AA82D-9B7D-4823-98CA-1E4E96C1FA21}"/>
+              </a:ext>
+            </a:extLst>
+          </p:cNvPr>
+          <p:cNvSpPr/>
+          <p:nvPr/>
+        </p:nvSpPr>
+        <p:spPr>
+          <a:xfrm>
+            <a:off x="6590607" y="1778919"/>
+            <a:ext cx="777240" cy="282706"/>
+          </a:xfrm>
+          <a:prstGeom prst="rect">
+            <a:avLst/>
+          </a:prstGeom>
+        </p:spPr>
+        <p:style>
+          <a:lnRef idx="2">
+            <a:schemeClr val="dk1"/>
+          </a:lnRef>
+          <a:fillRef idx="1">
+            <a:schemeClr val="lt1"/>
+          </a:fillRef>
+          <a:effectRef idx="0">
+            <a:schemeClr val="dk1"/>
+          </a:effectRef>
+          <a:fontRef idx="minor">
+            <a:schemeClr val="dk1"/>
+          </a:fontRef>
+        </p:style>
+        <p:txBody>
+          <a:bodyPr rtlCol="0" anchor="ctr"/>
+          <a:lstStyle/>
+          <a:p>
+            <a:pPr algn="ctr"/>
+            <a:r>
+              <a:rPr lang="en-US" altLang="ko-KR" sz="1050" dirty="0" err="1"/>
+              <a:t>softmax</a:t>
+            </a:r>
+            <a:endParaRPr lang="ko-KR" altLang="en-US" sz="1050" dirty="0"/>
+          </a:p>
+        </p:txBody>
+      </p:sp>
+      <p:sp>
+        <p:nvSpPr>
+          <p:cNvPr id="46" name="직사각형 45">
+            <a:extLst>
+              <a:ext uri="{FF2B5EF4-FFF2-40B4-BE49-F238E27FC236}">
+                <a16:creationId xmlns:a16="http://schemas.microsoft.com/office/drawing/2014/main" id="{314F8EF3-3359-49FA-87AB-213C9D682DB7}"/>
+              </a:ext>
+            </a:extLst>
+          </p:cNvPr>
+          <p:cNvSpPr/>
+          <p:nvPr/>
+        </p:nvSpPr>
+        <p:spPr>
+          <a:xfrm>
+            <a:off x="7849293" y="1778919"/>
+            <a:ext cx="777240" cy="282706"/>
+          </a:xfrm>
+          <a:prstGeom prst="rect">
+            <a:avLst/>
+          </a:prstGeom>
+        </p:spPr>
+        <p:style>
+          <a:lnRef idx="2">
+            <a:schemeClr val="dk1"/>
+          </a:lnRef>
+          <a:fillRef idx="1">
+            <a:schemeClr val="lt1"/>
+          </a:fillRef>
+          <a:effectRef idx="0">
+            <a:schemeClr val="dk1"/>
+          </a:effectRef>
+          <a:fontRef idx="minor">
+            <a:schemeClr val="dk1"/>
+          </a:fontRef>
+        </p:style>
+        <p:txBody>
+          <a:bodyPr rtlCol="0" anchor="ctr"/>
+          <a:lstStyle/>
+          <a:p>
+            <a:pPr algn="ctr"/>
+            <a:r>
+              <a:rPr lang="en-US" altLang="ko-KR" sz="1050" dirty="0" err="1"/>
+              <a:t>softmax</a:t>
+            </a:r>
+            <a:endParaRPr lang="ko-KR" altLang="en-US" sz="1050" dirty="0"/>
+          </a:p>
+        </p:txBody>
+      </p:sp>
+      <p:sp>
+        <p:nvSpPr>
+          <p:cNvPr id="47" name="직사각형 46">
+            <a:extLst>
+              <a:ext uri="{FF2B5EF4-FFF2-40B4-BE49-F238E27FC236}">
+                <a16:creationId xmlns:a16="http://schemas.microsoft.com/office/drawing/2014/main" id="{69994DCF-107E-4F14-840B-FCA36463D13F}"/>
+              </a:ext>
+            </a:extLst>
+          </p:cNvPr>
+          <p:cNvSpPr/>
+          <p:nvPr/>
+        </p:nvSpPr>
+        <p:spPr>
+          <a:xfrm>
+            <a:off x="9107979" y="1778919"/>
+            <a:ext cx="777240" cy="282706"/>
+          </a:xfrm>
+          <a:prstGeom prst="rect">
+            <a:avLst/>
+          </a:prstGeom>
+        </p:spPr>
+        <p:style>
+          <a:lnRef idx="2">
+            <a:schemeClr val="dk1"/>
+          </a:lnRef>
+          <a:fillRef idx="1">
+            <a:schemeClr val="lt1"/>
+          </a:fillRef>
+          <a:effectRef idx="0">
+            <a:schemeClr val="dk1"/>
+          </a:effectRef>
+          <a:fontRef idx="minor">
+            <a:schemeClr val="dk1"/>
+          </a:fontRef>
+        </p:style>
+        <p:txBody>
+          <a:bodyPr rtlCol="0" anchor="ctr"/>
+          <a:lstStyle/>
+          <a:p>
+            <a:pPr algn="ctr"/>
+            <a:r>
+              <a:rPr lang="en-US" altLang="ko-KR" sz="1050" dirty="0" err="1"/>
+              <a:t>softmax</a:t>
+            </a:r>
+            <a:endParaRPr lang="ko-KR" altLang="en-US" sz="1050" dirty="0"/>
+          </a:p>
+        </p:txBody>
+      </p:sp>
+      <p:sp>
+        <p:nvSpPr>
+          <p:cNvPr id="48" name="직사각형 47">
+            <a:extLst>
+              <a:ext uri="{FF2B5EF4-FFF2-40B4-BE49-F238E27FC236}">
+                <a16:creationId xmlns:a16="http://schemas.microsoft.com/office/drawing/2014/main" id="{D9A3B689-E809-4687-A3A1-60131B70068B}"/>
+              </a:ext>
+            </a:extLst>
+          </p:cNvPr>
+          <p:cNvSpPr/>
+          <p:nvPr/>
+        </p:nvSpPr>
+        <p:spPr>
+          <a:xfrm>
+            <a:off x="10366664" y="1778919"/>
+            <a:ext cx="777240" cy="282706"/>
+          </a:xfrm>
+          <a:prstGeom prst="rect">
+            <a:avLst/>
+          </a:prstGeom>
+        </p:spPr>
+        <p:style>
+          <a:lnRef idx="2">
+            <a:schemeClr val="dk1"/>
+          </a:lnRef>
+          <a:fillRef idx="1">
+            <a:schemeClr val="lt1"/>
+          </a:fillRef>
+          <a:effectRef idx="0">
+            <a:schemeClr val="dk1"/>
+          </a:effectRef>
+          <a:fontRef idx="minor">
+            <a:schemeClr val="dk1"/>
+          </a:fontRef>
+        </p:style>
+        <p:txBody>
+          <a:bodyPr rtlCol="0" anchor="ctr"/>
+          <a:lstStyle/>
+          <a:p>
+            <a:pPr algn="ctr"/>
+            <a:r>
+              <a:rPr lang="en-US" altLang="ko-KR" sz="1050" dirty="0" err="1"/>
+              <a:t>softmax</a:t>
+            </a:r>
+            <a:endParaRPr lang="ko-KR" altLang="en-US" sz="1050" dirty="0"/>
+          </a:p>
+        </p:txBody>
+      </p:sp>
+      <p:sp>
+        <p:nvSpPr>
+          <p:cNvPr id="49" name="직사각형 48">
+            <a:extLst>
+              <a:ext uri="{FF2B5EF4-FFF2-40B4-BE49-F238E27FC236}">
+                <a16:creationId xmlns:a16="http://schemas.microsoft.com/office/drawing/2014/main" id="{D24437A5-5A5B-42EA-AA28-A1F819EFE17B}"/>
+              </a:ext>
+            </a:extLst>
+          </p:cNvPr>
+          <p:cNvSpPr/>
+          <p:nvPr/>
+        </p:nvSpPr>
+        <p:spPr>
+          <a:xfrm>
+            <a:off x="6590607" y="5261883"/>
+            <a:ext cx="777240" cy="282706"/>
+          </a:xfrm>
+          <a:prstGeom prst="rect">
+            <a:avLst/>
+          </a:prstGeom>
+        </p:spPr>
+        <p:style>
+          <a:lnRef idx="2">
+            <a:schemeClr val="accent1"/>
+          </a:lnRef>
+          <a:fillRef idx="1">
+            <a:schemeClr val="lt1"/>
+          </a:fillRef>
+          <a:effectRef idx="0">
+            <a:schemeClr val="accent1"/>
+          </a:effectRef>
+          <a:fontRef idx="minor">
+            <a:schemeClr val="dk1"/>
+          </a:fontRef>
+        </p:style>
+        <p:txBody>
+          <a:bodyPr rtlCol="0" anchor="ctr"/>
+          <a:lstStyle/>
+          <a:p>
+            <a:pPr algn="ctr"/>
+            <a:r>
+              <a:rPr lang="en-US" altLang="ko-KR" sz="900" dirty="0"/>
+              <a:t>Embedding</a:t>
+            </a:r>
+            <a:endParaRPr lang="ko-KR" altLang="en-US" sz="900" dirty="0"/>
+          </a:p>
+        </p:txBody>
+      </p:sp>
+      <p:sp>
+        <p:nvSpPr>
+          <p:cNvPr id="50" name="직사각형 49">
+            <a:extLst>
+              <a:ext uri="{FF2B5EF4-FFF2-40B4-BE49-F238E27FC236}">
+                <a16:creationId xmlns:a16="http://schemas.microsoft.com/office/drawing/2014/main" id="{454F7536-28CC-4E35-8830-958C9CA919D0}"/>
+              </a:ext>
+            </a:extLst>
+          </p:cNvPr>
+          <p:cNvSpPr/>
+          <p:nvPr/>
+        </p:nvSpPr>
+        <p:spPr>
+          <a:xfrm>
+            <a:off x="7849293" y="5261880"/>
+            <a:ext cx="777240" cy="282706"/>
+          </a:xfrm>
+          <a:prstGeom prst="rect">
+            <a:avLst/>
+          </a:prstGeom>
+        </p:spPr>
+        <p:style>
+          <a:lnRef idx="2">
+            <a:schemeClr val="accent1"/>
+          </a:lnRef>
+          <a:fillRef idx="1">
+            <a:schemeClr val="lt1"/>
+          </a:fillRef>
+          <a:effectRef idx="0">
+            <a:schemeClr val="accent1"/>
+          </a:effectRef>
+          <a:fontRef idx="minor">
+            <a:schemeClr val="dk1"/>
+          </a:fontRef>
+        </p:style>
+        <p:txBody>
+          <a:bodyPr rtlCol="0" anchor="ctr"/>
+          <a:lstStyle/>
+          <a:p>
+            <a:pPr algn="ctr"/>
+            <a:r>
+              <a:rPr lang="en-US" altLang="ko-KR" sz="900" dirty="0"/>
+              <a:t>Embedding</a:t>
+            </a:r>
+            <a:endParaRPr lang="ko-KR" altLang="en-US" sz="900" dirty="0"/>
+          </a:p>
+        </p:txBody>
+      </p:sp>
+      <p:sp>
+        <p:nvSpPr>
+          <p:cNvPr id="51" name="직사각형 50">
+            <a:extLst>
+              <a:ext uri="{FF2B5EF4-FFF2-40B4-BE49-F238E27FC236}">
+                <a16:creationId xmlns:a16="http://schemas.microsoft.com/office/drawing/2014/main" id="{4350E3CD-9519-4828-A563-8BDC2F1EBAB9}"/>
+              </a:ext>
+            </a:extLst>
+          </p:cNvPr>
+          <p:cNvSpPr/>
+          <p:nvPr/>
+        </p:nvSpPr>
+        <p:spPr>
+          <a:xfrm>
+            <a:off x="9107979" y="5261880"/>
+            <a:ext cx="777240" cy="282706"/>
+          </a:xfrm>
+          <a:prstGeom prst="rect">
+            <a:avLst/>
+          </a:prstGeom>
+        </p:spPr>
+        <p:style>
+          <a:lnRef idx="2">
+            <a:schemeClr val="accent1"/>
+          </a:lnRef>
+          <a:fillRef idx="1">
+            <a:schemeClr val="lt1"/>
+          </a:fillRef>
+          <a:effectRef idx="0">
+            <a:schemeClr val="accent1"/>
+          </a:effectRef>
+          <a:fontRef idx="minor">
+            <a:schemeClr val="dk1"/>
+          </a:fontRef>
+        </p:style>
+        <p:txBody>
+          <a:bodyPr rtlCol="0" anchor="ctr"/>
+          <a:lstStyle/>
+          <a:p>
+            <a:pPr algn="ctr"/>
+            <a:r>
+              <a:rPr lang="en-US" altLang="ko-KR" sz="900" dirty="0"/>
+              <a:t>Embedding</a:t>
+            </a:r>
+            <a:endParaRPr lang="ko-KR" altLang="en-US" sz="900" dirty="0"/>
+          </a:p>
+        </p:txBody>
+      </p:sp>
+      <p:sp>
+        <p:nvSpPr>
+          <p:cNvPr id="52" name="직사각형 51">
+            <a:extLst>
+              <a:ext uri="{FF2B5EF4-FFF2-40B4-BE49-F238E27FC236}">
+                <a16:creationId xmlns:a16="http://schemas.microsoft.com/office/drawing/2014/main" id="{0F8602AC-A3B9-4C77-AFBD-26C68C5C4470}"/>
+              </a:ext>
+            </a:extLst>
+          </p:cNvPr>
+          <p:cNvSpPr/>
+          <p:nvPr/>
+        </p:nvSpPr>
+        <p:spPr>
+          <a:xfrm>
+            <a:off x="10366664" y="5261880"/>
+            <a:ext cx="777240" cy="282706"/>
+          </a:xfrm>
+          <a:prstGeom prst="rect">
+            <a:avLst/>
+          </a:prstGeom>
+        </p:spPr>
+        <p:style>
+          <a:lnRef idx="2">
+            <a:schemeClr val="accent1"/>
+          </a:lnRef>
+          <a:fillRef idx="1">
+            <a:schemeClr val="lt1"/>
+          </a:fillRef>
+          <a:effectRef idx="0">
+            <a:schemeClr val="accent1"/>
+          </a:effectRef>
+          <a:fontRef idx="minor">
+            <a:schemeClr val="dk1"/>
+          </a:fontRef>
+        </p:style>
+        <p:txBody>
+          <a:bodyPr rtlCol="0" anchor="ctr"/>
+          <a:lstStyle/>
+          <a:p>
+            <a:pPr algn="ctr"/>
+            <a:r>
+              <a:rPr lang="en-US" altLang="ko-KR" sz="900" dirty="0"/>
+              <a:t>Embedding</a:t>
+            </a:r>
+            <a:endParaRPr lang="ko-KR" altLang="en-US" sz="900" dirty="0"/>
+          </a:p>
+        </p:txBody>
+      </p:sp>
+      <mc:AlternateContent xmlns:mc="http://schemas.openxmlformats.org/markup-compatibility/2006">
+        <mc:Choice xmlns:a14="http://schemas.microsoft.com/office/drawing/2010/main" Requires="a14">
+          <p:sp>
+            <p:nvSpPr>
+              <p:cNvPr id="55" name="TextBox 54">
+                <a:extLst>
+                  <a:ext uri="{FF2B5EF4-FFF2-40B4-BE49-F238E27FC236}">
+                    <a16:creationId xmlns:a16="http://schemas.microsoft.com/office/drawing/2014/main" id="{72B80003-A461-40D8-85C7-6F6665F27485}"/>
+                  </a:ext>
+                </a:extLst>
+              </p:cNvPr>
+              <p:cNvSpPr txBox="1"/>
+              <p:nvPr/>
+            </p:nvSpPr>
+            <p:spPr>
+              <a:xfrm>
+                <a:off x="6730921" y="1158172"/>
+                <a:ext cx="496611" cy="369332"/>
+              </a:xfrm>
+              <a:prstGeom prst="rect">
+                <a:avLst/>
+              </a:prstGeom>
+              <a:noFill/>
+            </p:spPr>
+            <p:txBody>
+              <a:bodyPr wrap="none" rtlCol="0">
+                <a:spAutoFit/>
+              </a:bodyPr>
+              <a:lstStyle/>
+              <a:p>
+                <a14:m>
+                  <m:oMathPara xmlns:m="http://schemas.openxmlformats.org/officeDocument/2006/math">
+                    <m:oMathParaPr>
+                      <m:jc m:val="centerGroup"/>
+                    </m:oMathParaPr>
+                    <m:oMath xmlns:m="http://schemas.openxmlformats.org/officeDocument/2006/math">
+                      <m:sSub>
+                        <m:sSubPr>
+                          <m:ctrlPr>
+                            <a:rPr lang="en-US" altLang="ko-KR" i="1" smtClean="0">
+                              <a:latin typeface="Cambria Math" panose="02040503050406030204" pitchFamily="18" charset="0"/>
+                            </a:rPr>
+                          </m:ctrlPr>
+                        </m:sSubPr>
+                        <m:e>
+                          <m:acc>
+                            <m:accPr>
+                              <m:chr m:val="̂"/>
+                              <m:ctrlPr>
+                                <a:rPr lang="en-US" altLang="ko-KR" i="1" smtClean="0">
+                                  <a:latin typeface="Cambria Math" panose="02040503050406030204" pitchFamily="18" charset="0"/>
+                                </a:rPr>
+                              </m:ctrlPr>
+                            </m:accPr>
+                            <m:e>
+                              <m:r>
+                                <a:rPr lang="en-US" altLang="ko-KR" b="0" i="1" smtClean="0">
+                                  <a:latin typeface="Cambria Math" panose="02040503050406030204" pitchFamily="18" charset="0"/>
+                                </a:rPr>
+                                <m:t>𝑦</m:t>
+                              </m:r>
+                            </m:e>
+                          </m:acc>
+                        </m:e>
+                        <m:sub>
+                          <m:r>
+                            <a:rPr lang="en-US" altLang="ko-KR" b="0" i="1" smtClean="0">
+                              <a:latin typeface="Cambria Math" panose="02040503050406030204" pitchFamily="18" charset="0"/>
+                            </a:rPr>
+                            <m:t>0</m:t>
+                          </m:r>
+                        </m:sub>
+                      </m:sSub>
+                    </m:oMath>
+                  </m:oMathPara>
+                </a14:m>
+                <a:endParaRPr lang="ko-KR" altLang="en-US" dirty="0"/>
+              </a:p>
+            </p:txBody>
+          </p:sp>
+        </mc:Choice>
+        <mc:Fallback>
+          <p:sp>
+            <p:nvSpPr>
+              <p:cNvPr id="55" name="TextBox 54">
+                <a:extLst>
+                  <a:ext uri="{FF2B5EF4-FFF2-40B4-BE49-F238E27FC236}">
+                    <a16:creationId xmlns:a16="http://schemas.microsoft.com/office/drawing/2014/main" id="{72B80003-A461-40D8-85C7-6F6665F27485}"/>
+                  </a:ext>
+                </a:extLst>
+              </p:cNvPr>
+              <p:cNvSpPr txBox="1">
+                <a:spLocks noRot="1" noChangeAspect="1" noMove="1" noResize="1" noEditPoints="1" noAdjustHandles="1" noChangeArrowheads="1" noChangeShapeType="1" noTextEdit="1"/>
+              </p:cNvSpPr>
+              <p:nvPr/>
+            </p:nvSpPr>
+            <p:spPr>
+              <a:xfrm>
+                <a:off x="6730921" y="1158172"/>
+                <a:ext cx="496611" cy="369332"/>
+              </a:xfrm>
+              <a:prstGeom prst="rect">
+                <a:avLst/>
+              </a:prstGeom>
+              <a:blipFill>
+                <a:blip r:embed="rId11"/>
+                <a:stretch>
+                  <a:fillRect t="-3279" r="-14634" b="-8197"/>
+                </a:stretch>
+              </a:blipFill>
+            </p:spPr>
+            <p:txBody>
+              <a:bodyPr/>
+              <a:lstStyle/>
+              <a:p>
+                <a:r>
+                  <a:rPr lang="ko-KR" altLang="en-US">
+                    <a:noFill/>
+                  </a:rPr>
+                  <a:t> </a:t>
+                </a:r>
+              </a:p>
+            </p:txBody>
+          </p:sp>
+        </mc:Fallback>
+      </mc:AlternateContent>
+      <mc:AlternateContent xmlns:mc="http://schemas.openxmlformats.org/markup-compatibility/2006">
+        <mc:Choice xmlns:a14="http://schemas.microsoft.com/office/drawing/2010/main" Requires="a14">
+          <p:sp>
+            <p:nvSpPr>
+              <p:cNvPr id="57" name="TextBox 56">
+                <a:extLst>
+                  <a:ext uri="{FF2B5EF4-FFF2-40B4-BE49-F238E27FC236}">
+                    <a16:creationId xmlns:a16="http://schemas.microsoft.com/office/drawing/2014/main" id="{20E0532F-A1CA-4D11-85ED-98569F22BC6C}"/>
+                  </a:ext>
+                </a:extLst>
+              </p:cNvPr>
+              <p:cNvSpPr txBox="1"/>
+              <p:nvPr/>
+            </p:nvSpPr>
+            <p:spPr>
+              <a:xfrm>
+                <a:off x="7989607" y="1162654"/>
+                <a:ext cx="491288" cy="369332"/>
+              </a:xfrm>
+              <a:prstGeom prst="rect">
+                <a:avLst/>
+              </a:prstGeom>
+              <a:noFill/>
+            </p:spPr>
+            <p:txBody>
+              <a:bodyPr wrap="none" rtlCol="0">
+                <a:spAutoFit/>
+              </a:bodyPr>
+              <a:lstStyle/>
+              <a:p>
+                <a14:m>
+                  <m:oMathPara xmlns:m="http://schemas.openxmlformats.org/officeDocument/2006/math">
+                    <m:oMathParaPr>
+                      <m:jc m:val="centerGroup"/>
+                    </m:oMathParaPr>
+                    <m:oMath xmlns:m="http://schemas.openxmlformats.org/officeDocument/2006/math">
+                      <m:sSub>
+                        <m:sSubPr>
+                          <m:ctrlPr>
+                            <a:rPr lang="en-US" altLang="ko-KR" i="1" smtClean="0">
+                              <a:latin typeface="Cambria Math" panose="02040503050406030204" pitchFamily="18" charset="0"/>
+                            </a:rPr>
+                          </m:ctrlPr>
+                        </m:sSubPr>
+                        <m:e>
+                          <m:acc>
+                            <m:accPr>
+                              <m:chr m:val="̂"/>
+                              <m:ctrlPr>
+                                <a:rPr lang="en-US" altLang="ko-KR" i="1" smtClean="0">
+                                  <a:latin typeface="Cambria Math" panose="02040503050406030204" pitchFamily="18" charset="0"/>
+                                </a:rPr>
+                              </m:ctrlPr>
+                            </m:accPr>
+                            <m:e>
+                              <m:r>
+                                <a:rPr lang="en-US" altLang="ko-KR" b="0" i="1" smtClean="0">
+                                  <a:latin typeface="Cambria Math" panose="02040503050406030204" pitchFamily="18" charset="0"/>
+                                </a:rPr>
+                                <m:t>𝑦</m:t>
+                              </m:r>
+                            </m:e>
+                          </m:acc>
+                        </m:e>
+                        <m:sub>
+                          <m:r>
+                            <a:rPr lang="en-US" altLang="ko-KR" b="0" i="1" smtClean="0">
+                              <a:latin typeface="Cambria Math" panose="02040503050406030204" pitchFamily="18" charset="0"/>
+                            </a:rPr>
+                            <m:t>1</m:t>
+                          </m:r>
+                        </m:sub>
+                      </m:sSub>
+                    </m:oMath>
+                  </m:oMathPara>
+                </a14:m>
+                <a:endParaRPr lang="ko-KR" altLang="en-US" dirty="0"/>
+              </a:p>
+            </p:txBody>
+          </p:sp>
+        </mc:Choice>
+        <mc:Fallback>
+          <p:sp>
+            <p:nvSpPr>
+              <p:cNvPr id="57" name="TextBox 56">
+                <a:extLst>
+                  <a:ext uri="{FF2B5EF4-FFF2-40B4-BE49-F238E27FC236}">
+                    <a16:creationId xmlns:a16="http://schemas.microsoft.com/office/drawing/2014/main" id="{20E0532F-A1CA-4D11-85ED-98569F22BC6C}"/>
+                  </a:ext>
+                </a:extLst>
+              </p:cNvPr>
+              <p:cNvSpPr txBox="1">
+                <a:spLocks noRot="1" noChangeAspect="1" noMove="1" noResize="1" noEditPoints="1" noAdjustHandles="1" noChangeArrowheads="1" noChangeShapeType="1" noTextEdit="1"/>
+              </p:cNvSpPr>
+              <p:nvPr/>
+            </p:nvSpPr>
+            <p:spPr>
+              <a:xfrm>
+                <a:off x="7989607" y="1162654"/>
+                <a:ext cx="491288" cy="369332"/>
+              </a:xfrm>
+              <a:prstGeom prst="rect">
+                <a:avLst/>
+              </a:prstGeom>
+              <a:blipFill>
+                <a:blip r:embed="rId12"/>
+                <a:stretch>
+                  <a:fillRect t="-3333" r="-16250" b="-10000"/>
+                </a:stretch>
+              </a:blipFill>
+            </p:spPr>
+            <p:txBody>
+              <a:bodyPr/>
+              <a:lstStyle/>
+              <a:p>
+                <a:r>
+                  <a:rPr lang="ko-KR" altLang="en-US">
+                    <a:noFill/>
+                  </a:rPr>
+                  <a:t> </a:t>
+                </a:r>
+              </a:p>
+            </p:txBody>
+          </p:sp>
+        </mc:Fallback>
+      </mc:AlternateContent>
+      <mc:AlternateContent xmlns:mc="http://schemas.openxmlformats.org/markup-compatibility/2006">
+        <mc:Choice xmlns:a14="http://schemas.microsoft.com/office/drawing/2010/main" Requires="a14">
+          <p:sp>
+            <p:nvSpPr>
+              <p:cNvPr id="58" name="TextBox 57">
+                <a:extLst>
+                  <a:ext uri="{FF2B5EF4-FFF2-40B4-BE49-F238E27FC236}">
+                    <a16:creationId xmlns:a16="http://schemas.microsoft.com/office/drawing/2014/main" id="{BB4072BD-4BD0-4145-A29C-DBC0590749EA}"/>
+                  </a:ext>
+                </a:extLst>
+              </p:cNvPr>
+              <p:cNvSpPr txBox="1"/>
+              <p:nvPr/>
+            </p:nvSpPr>
+            <p:spPr>
+              <a:xfrm>
+                <a:off x="9242971" y="1158172"/>
+                <a:ext cx="496611" cy="369332"/>
+              </a:xfrm>
+              <a:prstGeom prst="rect">
+                <a:avLst/>
+              </a:prstGeom>
+              <a:noFill/>
+            </p:spPr>
+            <p:txBody>
+              <a:bodyPr wrap="none" rtlCol="0">
+                <a:spAutoFit/>
+              </a:bodyPr>
+              <a:lstStyle/>
+              <a:p>
+                <a14:m>
+                  <m:oMathPara xmlns:m="http://schemas.openxmlformats.org/officeDocument/2006/math">
+                    <m:oMathParaPr>
+                      <m:jc m:val="centerGroup"/>
+                    </m:oMathParaPr>
+                    <m:oMath xmlns:m="http://schemas.openxmlformats.org/officeDocument/2006/math">
+                      <m:sSub>
+                        <m:sSubPr>
+                          <m:ctrlPr>
+                            <a:rPr lang="en-US" altLang="ko-KR" i="1" smtClean="0">
+                              <a:latin typeface="Cambria Math" panose="02040503050406030204" pitchFamily="18" charset="0"/>
+                            </a:rPr>
+                          </m:ctrlPr>
+                        </m:sSubPr>
+                        <m:e>
+                          <m:acc>
+                            <m:accPr>
+                              <m:chr m:val="̂"/>
+                              <m:ctrlPr>
+                                <a:rPr lang="en-US" altLang="ko-KR" i="1" smtClean="0">
+                                  <a:latin typeface="Cambria Math" panose="02040503050406030204" pitchFamily="18" charset="0"/>
+                                </a:rPr>
+                              </m:ctrlPr>
+                            </m:accPr>
+                            <m:e>
+                              <m:r>
+                                <a:rPr lang="en-US" altLang="ko-KR" b="0" i="1" smtClean="0">
+                                  <a:latin typeface="Cambria Math" panose="02040503050406030204" pitchFamily="18" charset="0"/>
+                                </a:rPr>
+                                <m:t>𝑦</m:t>
+                              </m:r>
+                            </m:e>
+                          </m:acc>
+                        </m:e>
+                        <m:sub>
+                          <m:r>
+                            <a:rPr lang="en-US" altLang="ko-KR" b="0" i="1" smtClean="0">
+                              <a:latin typeface="Cambria Math" panose="02040503050406030204" pitchFamily="18" charset="0"/>
+                            </a:rPr>
+                            <m:t>2</m:t>
+                          </m:r>
+                        </m:sub>
+                      </m:sSub>
+                    </m:oMath>
+                  </m:oMathPara>
+                </a14:m>
+                <a:endParaRPr lang="ko-KR" altLang="en-US" dirty="0"/>
+              </a:p>
+            </p:txBody>
+          </p:sp>
+        </mc:Choice>
+        <mc:Fallback>
+          <p:sp>
+            <p:nvSpPr>
+              <p:cNvPr id="58" name="TextBox 57">
+                <a:extLst>
+                  <a:ext uri="{FF2B5EF4-FFF2-40B4-BE49-F238E27FC236}">
+                    <a16:creationId xmlns:a16="http://schemas.microsoft.com/office/drawing/2014/main" id="{BB4072BD-4BD0-4145-A29C-DBC0590749EA}"/>
+                  </a:ext>
+                </a:extLst>
+              </p:cNvPr>
+              <p:cNvSpPr txBox="1">
+                <a:spLocks noRot="1" noChangeAspect="1" noMove="1" noResize="1" noEditPoints="1" noAdjustHandles="1" noChangeArrowheads="1" noChangeShapeType="1" noTextEdit="1"/>
+              </p:cNvSpPr>
+              <p:nvPr/>
+            </p:nvSpPr>
+            <p:spPr>
+              <a:xfrm>
+                <a:off x="9242971" y="1158172"/>
+                <a:ext cx="496611" cy="369332"/>
+              </a:xfrm>
+              <a:prstGeom prst="rect">
+                <a:avLst/>
+              </a:prstGeom>
+              <a:blipFill>
+                <a:blip r:embed="rId13"/>
+                <a:stretch>
+                  <a:fillRect t="-3279" r="-14634" b="-8197"/>
+                </a:stretch>
+              </a:blipFill>
+            </p:spPr>
+            <p:txBody>
+              <a:bodyPr/>
+              <a:lstStyle/>
+              <a:p>
+                <a:r>
+                  <a:rPr lang="ko-KR" altLang="en-US">
+                    <a:noFill/>
+                  </a:rPr>
+                  <a:t> </a:t>
+                </a:r>
+              </a:p>
+            </p:txBody>
+          </p:sp>
+        </mc:Fallback>
+      </mc:AlternateContent>
+      <p:cxnSp>
+        <p:nvCxnSpPr>
+          <p:cNvPr id="59" name="직선 화살표 연결선 58">
+            <a:extLst>
+              <a:ext uri="{FF2B5EF4-FFF2-40B4-BE49-F238E27FC236}">
+                <a16:creationId xmlns:a16="http://schemas.microsoft.com/office/drawing/2014/main" id="{8FD6C182-3273-43AE-AF9B-88D62A891900}"/>
+              </a:ext>
+            </a:extLst>
+          </p:cNvPr>
+          <p:cNvCxnSpPr>
+            <a:cxnSpLocks/>
+            <a:stCxn id="41" idx="0"/>
+            <a:endCxn id="4" idx="2"/>
+          </p:cNvCxnSpPr>
+          <p:nvPr/>
+        </p:nvCxnSpPr>
+        <p:spPr>
+          <a:xfrm flipV="1">
+            <a:off x="1494213" y="4987634"/>
+            <a:ext cx="0" cy="274249"/>
+          </a:xfrm>
+          <a:prstGeom prst="straightConnector1">
+            <a:avLst/>
+          </a:prstGeom>
+          <a:ln>
+            <a:tailEnd type="triangle"/>
+          </a:ln>
+        </p:spPr>
+        <p:style>
+          <a:lnRef idx="2">
+            <a:schemeClr val="dk1"/>
+          </a:lnRef>
+          <a:fillRef idx="1">
+            <a:schemeClr val="lt1"/>
+          </a:fillRef>
+          <a:effectRef idx="0">
+            <a:schemeClr val="dk1"/>
+          </a:effectRef>
+          <a:fontRef idx="minor">
+            <a:schemeClr val="dk1"/>
+          </a:fontRef>
+        </p:style>
+      </p:cxnSp>
+      <p:cxnSp>
+        <p:nvCxnSpPr>
+          <p:cNvPr id="62" name="직선 화살표 연결선 61">
+            <a:extLst>
+              <a:ext uri="{FF2B5EF4-FFF2-40B4-BE49-F238E27FC236}">
+                <a16:creationId xmlns:a16="http://schemas.microsoft.com/office/drawing/2014/main" id="{84687B28-D3CF-4CC4-BB5A-CC64A664AE74}"/>
+              </a:ext>
+            </a:extLst>
+          </p:cNvPr>
+          <p:cNvCxnSpPr>
+            <a:cxnSpLocks/>
+            <a:stCxn id="32" idx="0"/>
+            <a:endCxn id="41" idx="2"/>
+          </p:cNvCxnSpPr>
+          <p:nvPr/>
+        </p:nvCxnSpPr>
+        <p:spPr>
+          <a:xfrm flipV="1">
+            <a:off x="1494213" y="5544589"/>
+            <a:ext cx="0" cy="315853"/>
+          </a:xfrm>
+          <a:prstGeom prst="straightConnector1">
+            <a:avLst/>
+          </a:prstGeom>
+          <a:ln>
+            <a:tailEnd type="triangle"/>
+          </a:ln>
+        </p:spPr>
+        <p:style>
+          <a:lnRef idx="2">
+            <a:schemeClr val="dk1"/>
+          </a:lnRef>
+          <a:fillRef idx="1">
+            <a:schemeClr val="lt1"/>
+          </a:fillRef>
+          <a:effectRef idx="0">
+            <a:schemeClr val="dk1"/>
+          </a:effectRef>
+          <a:fontRef idx="minor">
+            <a:schemeClr val="dk1"/>
+          </a:fontRef>
+        </p:style>
+      </p:cxnSp>
+      <p:cxnSp>
+        <p:nvCxnSpPr>
+          <p:cNvPr id="65" name="직선 화살표 연결선 64">
+            <a:extLst>
+              <a:ext uri="{FF2B5EF4-FFF2-40B4-BE49-F238E27FC236}">
+                <a16:creationId xmlns:a16="http://schemas.microsoft.com/office/drawing/2014/main" id="{5B0C86E3-E2D2-4A73-8DA8-9D61E38B3683}"/>
+              </a:ext>
+            </a:extLst>
+          </p:cNvPr>
+          <p:cNvCxnSpPr>
+            <a:cxnSpLocks/>
+            <a:stCxn id="33" idx="0"/>
+            <a:endCxn id="42" idx="2"/>
+          </p:cNvCxnSpPr>
+          <p:nvPr/>
+        </p:nvCxnSpPr>
+        <p:spPr>
+          <a:xfrm flipV="1">
+            <a:off x="2750237" y="5544589"/>
+            <a:ext cx="2661" cy="316141"/>
+          </a:xfrm>
+          <a:prstGeom prst="straightConnector1">
+            <a:avLst/>
+          </a:prstGeom>
+          <a:ln>
+            <a:tailEnd type="triangle"/>
+          </a:ln>
+        </p:spPr>
+        <p:style>
+          <a:lnRef idx="2">
+            <a:schemeClr val="dk1"/>
+          </a:lnRef>
+          <a:fillRef idx="1">
+            <a:schemeClr val="lt1"/>
+          </a:fillRef>
+          <a:effectRef idx="0">
+            <a:schemeClr val="dk1"/>
+          </a:effectRef>
+          <a:fontRef idx="minor">
+            <a:schemeClr val="dk1"/>
+          </a:fontRef>
+        </p:style>
+      </p:cxnSp>
+      <p:cxnSp>
+        <p:nvCxnSpPr>
+          <p:cNvPr id="69" name="직선 화살표 연결선 68">
+            <a:extLst>
+              <a:ext uri="{FF2B5EF4-FFF2-40B4-BE49-F238E27FC236}">
+                <a16:creationId xmlns:a16="http://schemas.microsoft.com/office/drawing/2014/main" id="{E9DDA7B8-E402-4260-BD91-6BF2C76E596D}"/>
+              </a:ext>
+            </a:extLst>
+          </p:cNvPr>
+          <p:cNvCxnSpPr>
+            <a:cxnSpLocks/>
+            <a:stCxn id="34" idx="0"/>
+            <a:endCxn id="43" idx="2"/>
+          </p:cNvCxnSpPr>
+          <p:nvPr/>
+        </p:nvCxnSpPr>
+        <p:spPr>
+          <a:xfrm flipV="1">
+            <a:off x="4011583" y="5544589"/>
+            <a:ext cx="1" cy="315853"/>
+          </a:xfrm>
+          <a:prstGeom prst="straightConnector1">
+            <a:avLst/>
+          </a:prstGeom>
+          <a:ln>
+            <a:tailEnd type="triangle"/>
+          </a:ln>
+        </p:spPr>
+        <p:style>
+          <a:lnRef idx="2">
+            <a:schemeClr val="dk1"/>
+          </a:lnRef>
+          <a:fillRef idx="1">
+            <a:schemeClr val="lt1"/>
+          </a:fillRef>
+          <a:effectRef idx="0">
+            <a:schemeClr val="dk1"/>
+          </a:effectRef>
+          <a:fontRef idx="minor">
+            <a:schemeClr val="dk1"/>
+          </a:fontRef>
+        </p:style>
+      </p:cxnSp>
+      <p:cxnSp>
+        <p:nvCxnSpPr>
+          <p:cNvPr id="72" name="직선 화살표 연결선 71">
+            <a:extLst>
+              <a:ext uri="{FF2B5EF4-FFF2-40B4-BE49-F238E27FC236}">
+                <a16:creationId xmlns:a16="http://schemas.microsoft.com/office/drawing/2014/main" id="{3A38D4EC-BFCE-47EF-9CC9-5F3059C57B9A}"/>
+              </a:ext>
+            </a:extLst>
+          </p:cNvPr>
+          <p:cNvCxnSpPr>
+            <a:cxnSpLocks/>
+            <a:stCxn id="35" idx="0"/>
+            <a:endCxn id="44" idx="2"/>
+          </p:cNvCxnSpPr>
+          <p:nvPr/>
+        </p:nvCxnSpPr>
+        <p:spPr>
+          <a:xfrm flipH="1" flipV="1">
+            <a:off x="5270267" y="5544589"/>
+            <a:ext cx="1" cy="315853"/>
+          </a:xfrm>
+          <a:prstGeom prst="straightConnector1">
+            <a:avLst/>
+          </a:prstGeom>
+          <a:ln>
+            <a:tailEnd type="triangle"/>
+          </a:ln>
+        </p:spPr>
+        <p:style>
+          <a:lnRef idx="2">
+            <a:schemeClr val="dk1"/>
+          </a:lnRef>
+          <a:fillRef idx="1">
+            <a:schemeClr val="lt1"/>
+          </a:fillRef>
+          <a:effectRef idx="0">
+            <a:schemeClr val="dk1"/>
+          </a:effectRef>
+          <a:fontRef idx="minor">
+            <a:schemeClr val="dk1"/>
+          </a:fontRef>
+        </p:style>
+      </p:cxnSp>
+      <p:cxnSp>
+        <p:nvCxnSpPr>
+          <p:cNvPr id="75" name="직선 화살표 연결선 74">
+            <a:extLst>
+              <a:ext uri="{FF2B5EF4-FFF2-40B4-BE49-F238E27FC236}">
+                <a16:creationId xmlns:a16="http://schemas.microsoft.com/office/drawing/2014/main" id="{F0A56918-BB78-4512-9AE4-4595F71A0374}"/>
+              </a:ext>
+            </a:extLst>
+          </p:cNvPr>
+          <p:cNvCxnSpPr>
+            <a:cxnSpLocks/>
+            <a:stCxn id="39" idx="0"/>
+            <a:endCxn id="49" idx="2"/>
+          </p:cNvCxnSpPr>
+          <p:nvPr/>
+        </p:nvCxnSpPr>
+        <p:spPr>
+          <a:xfrm flipH="1" flipV="1">
+            <a:off x="6979227" y="5544589"/>
+            <a:ext cx="1" cy="340755"/>
+          </a:xfrm>
+          <a:prstGeom prst="straightConnector1">
+            <a:avLst/>
+          </a:prstGeom>
+          <a:ln>
+            <a:tailEnd type="triangle"/>
+          </a:ln>
+        </p:spPr>
+        <p:style>
+          <a:lnRef idx="2">
+            <a:schemeClr val="dk1"/>
+          </a:lnRef>
+          <a:fillRef idx="1">
+            <a:schemeClr val="lt1"/>
+          </a:fillRef>
+          <a:effectRef idx="0">
+            <a:schemeClr val="dk1"/>
+          </a:effectRef>
+          <a:fontRef idx="minor">
+            <a:schemeClr val="dk1"/>
+          </a:fontRef>
+        </p:style>
+      </p:cxnSp>
+      <p:cxnSp>
+        <p:nvCxnSpPr>
+          <p:cNvPr id="78" name="직선 화살표 연결선 77">
+            <a:extLst>
+              <a:ext uri="{FF2B5EF4-FFF2-40B4-BE49-F238E27FC236}">
+                <a16:creationId xmlns:a16="http://schemas.microsoft.com/office/drawing/2014/main" id="{6BE0089D-C53D-4CB5-81DB-317FD6773065}"/>
+              </a:ext>
+            </a:extLst>
+          </p:cNvPr>
+          <p:cNvCxnSpPr>
+            <a:cxnSpLocks/>
+            <a:stCxn id="36" idx="0"/>
+            <a:endCxn id="50" idx="2"/>
+          </p:cNvCxnSpPr>
+          <p:nvPr/>
+        </p:nvCxnSpPr>
+        <p:spPr>
+          <a:xfrm flipV="1">
+            <a:off x="8237913" y="5544586"/>
+            <a:ext cx="0" cy="315856"/>
+          </a:xfrm>
+          <a:prstGeom prst="straightConnector1">
+            <a:avLst/>
+          </a:prstGeom>
+          <a:ln>
+            <a:tailEnd type="triangle"/>
+          </a:ln>
+        </p:spPr>
+        <p:style>
+          <a:lnRef idx="2">
+            <a:schemeClr val="dk1"/>
+          </a:lnRef>
+          <a:fillRef idx="1">
+            <a:schemeClr val="lt1"/>
+          </a:fillRef>
+          <a:effectRef idx="0">
+            <a:schemeClr val="dk1"/>
+          </a:effectRef>
+          <a:fontRef idx="minor">
+            <a:schemeClr val="dk1"/>
+          </a:fontRef>
+        </p:style>
+      </p:cxnSp>
+      <p:cxnSp>
+        <p:nvCxnSpPr>
+          <p:cNvPr id="81" name="직선 화살표 연결선 80">
+            <a:extLst>
+              <a:ext uri="{FF2B5EF4-FFF2-40B4-BE49-F238E27FC236}">
+                <a16:creationId xmlns:a16="http://schemas.microsoft.com/office/drawing/2014/main" id="{1FE67D45-F341-48D8-A5DA-5CABD0220D40}"/>
+              </a:ext>
+            </a:extLst>
+          </p:cNvPr>
+          <p:cNvCxnSpPr>
+            <a:cxnSpLocks/>
+            <a:stCxn id="37" idx="0"/>
+            <a:endCxn id="51" idx="2"/>
+          </p:cNvCxnSpPr>
+          <p:nvPr/>
+        </p:nvCxnSpPr>
+        <p:spPr>
+          <a:xfrm flipV="1">
+            <a:off x="9493938" y="5544586"/>
+            <a:ext cx="2661" cy="315856"/>
+          </a:xfrm>
+          <a:prstGeom prst="straightConnector1">
+            <a:avLst/>
+          </a:prstGeom>
+          <a:ln>
+            <a:tailEnd type="triangle"/>
+          </a:ln>
+        </p:spPr>
+        <p:style>
+          <a:lnRef idx="2">
+            <a:schemeClr val="dk1"/>
+          </a:lnRef>
+          <a:fillRef idx="1">
+            <a:schemeClr val="lt1"/>
+          </a:fillRef>
+          <a:effectRef idx="0">
+            <a:schemeClr val="dk1"/>
+          </a:effectRef>
+          <a:fontRef idx="minor">
+            <a:schemeClr val="dk1"/>
+          </a:fontRef>
+        </p:style>
+      </p:cxnSp>
+      <p:cxnSp>
+        <p:nvCxnSpPr>
+          <p:cNvPr id="84" name="직선 화살표 연결선 83">
+            <a:extLst>
+              <a:ext uri="{FF2B5EF4-FFF2-40B4-BE49-F238E27FC236}">
+                <a16:creationId xmlns:a16="http://schemas.microsoft.com/office/drawing/2014/main" id="{EA268775-CEB7-4436-8C2C-742779150F3A}"/>
+              </a:ext>
+            </a:extLst>
+          </p:cNvPr>
+          <p:cNvCxnSpPr>
+            <a:cxnSpLocks/>
+            <a:stCxn id="38" idx="0"/>
+            <a:endCxn id="52" idx="2"/>
+          </p:cNvCxnSpPr>
+          <p:nvPr/>
+        </p:nvCxnSpPr>
+        <p:spPr>
+          <a:xfrm flipH="1" flipV="1">
+            <a:off x="10755284" y="5544586"/>
+            <a:ext cx="2" cy="315856"/>
+          </a:xfrm>
+          <a:prstGeom prst="straightConnector1">
+            <a:avLst/>
+          </a:prstGeom>
+          <a:ln>
+            <a:tailEnd type="triangle"/>
+          </a:ln>
+        </p:spPr>
+        <p:style>
+          <a:lnRef idx="2">
+            <a:schemeClr val="dk1"/>
+          </a:lnRef>
+          <a:fillRef idx="1">
+            <a:schemeClr val="lt1"/>
+          </a:fillRef>
+          <a:effectRef idx="0">
+            <a:schemeClr val="dk1"/>
+          </a:effectRef>
+          <a:fontRef idx="minor">
+            <a:schemeClr val="dk1"/>
+          </a:fontRef>
+        </p:style>
+      </p:cxnSp>
+      <p:cxnSp>
+        <p:nvCxnSpPr>
+          <p:cNvPr id="87" name="직선 화살표 연결선 86">
+            <a:extLst>
+              <a:ext uri="{FF2B5EF4-FFF2-40B4-BE49-F238E27FC236}">
+                <a16:creationId xmlns:a16="http://schemas.microsoft.com/office/drawing/2014/main" id="{2F9DA316-AF50-4F26-873D-18769FF362BC}"/>
+              </a:ext>
+            </a:extLst>
+          </p:cNvPr>
+          <p:cNvCxnSpPr>
+            <a:cxnSpLocks/>
+            <a:stCxn id="42" idx="0"/>
+            <a:endCxn id="5" idx="2"/>
+          </p:cNvCxnSpPr>
+          <p:nvPr/>
+        </p:nvCxnSpPr>
+        <p:spPr>
+          <a:xfrm flipV="1">
+            <a:off x="2752898" y="4987633"/>
+            <a:ext cx="0" cy="274250"/>
+          </a:xfrm>
+          <a:prstGeom prst="straightConnector1">
+            <a:avLst/>
+          </a:prstGeom>
+          <a:ln>
+            <a:tailEnd type="triangle"/>
+          </a:ln>
+        </p:spPr>
+        <p:style>
+          <a:lnRef idx="2">
+            <a:schemeClr val="dk1"/>
+          </a:lnRef>
+          <a:fillRef idx="1">
+            <a:schemeClr val="lt1"/>
+          </a:fillRef>
+          <a:effectRef idx="0">
+            <a:schemeClr val="dk1"/>
+          </a:effectRef>
+          <a:fontRef idx="minor">
+            <a:schemeClr val="dk1"/>
+          </a:fontRef>
+        </p:style>
+      </p:cxnSp>
+      <p:cxnSp>
+        <p:nvCxnSpPr>
+          <p:cNvPr id="90" name="직선 화살표 연결선 89">
+            <a:extLst>
+              <a:ext uri="{FF2B5EF4-FFF2-40B4-BE49-F238E27FC236}">
+                <a16:creationId xmlns:a16="http://schemas.microsoft.com/office/drawing/2014/main" id="{20099984-F671-4110-A508-825AF03AF97E}"/>
+              </a:ext>
+            </a:extLst>
+          </p:cNvPr>
+          <p:cNvCxnSpPr>
+            <a:cxnSpLocks/>
+            <a:stCxn id="43" idx="0"/>
+            <a:endCxn id="6" idx="2"/>
+          </p:cNvCxnSpPr>
+          <p:nvPr/>
+        </p:nvCxnSpPr>
+        <p:spPr>
+          <a:xfrm flipV="1">
+            <a:off x="4011584" y="4987633"/>
+            <a:ext cx="0" cy="274250"/>
+          </a:xfrm>
+          <a:prstGeom prst="straightConnector1">
+            <a:avLst/>
+          </a:prstGeom>
+          <a:ln>
+            <a:tailEnd type="triangle"/>
+          </a:ln>
+        </p:spPr>
+        <p:style>
+          <a:lnRef idx="2">
+            <a:schemeClr val="dk1"/>
+          </a:lnRef>
+          <a:fillRef idx="1">
+            <a:schemeClr val="lt1"/>
+          </a:fillRef>
+          <a:effectRef idx="0">
+            <a:schemeClr val="dk1"/>
+          </a:effectRef>
+          <a:fontRef idx="minor">
+            <a:schemeClr val="dk1"/>
+          </a:fontRef>
+        </p:style>
+      </p:cxnSp>
+      <p:cxnSp>
+        <p:nvCxnSpPr>
+          <p:cNvPr id="93" name="직선 화살표 연결선 92">
+            <a:extLst>
+              <a:ext uri="{FF2B5EF4-FFF2-40B4-BE49-F238E27FC236}">
+                <a16:creationId xmlns:a16="http://schemas.microsoft.com/office/drawing/2014/main" id="{3FD2772A-63B2-432A-874D-81B5EAE253B6}"/>
+              </a:ext>
+            </a:extLst>
+          </p:cNvPr>
+          <p:cNvCxnSpPr>
+            <a:cxnSpLocks/>
+            <a:stCxn id="44" idx="0"/>
+            <a:endCxn id="7" idx="2"/>
+          </p:cNvCxnSpPr>
+          <p:nvPr/>
+        </p:nvCxnSpPr>
+        <p:spPr>
+          <a:xfrm flipV="1">
+            <a:off x="5270267" y="4987633"/>
+            <a:ext cx="3" cy="274250"/>
+          </a:xfrm>
+          <a:prstGeom prst="straightConnector1">
+            <a:avLst/>
+          </a:prstGeom>
+          <a:ln>
+            <a:tailEnd type="triangle"/>
+          </a:ln>
+        </p:spPr>
+        <p:style>
+          <a:lnRef idx="2">
+            <a:schemeClr val="dk1"/>
+          </a:lnRef>
+          <a:fillRef idx="1">
+            <a:schemeClr val="lt1"/>
+          </a:fillRef>
+          <a:effectRef idx="0">
+            <a:schemeClr val="dk1"/>
+          </a:effectRef>
+          <a:fontRef idx="minor">
+            <a:schemeClr val="dk1"/>
+          </a:fontRef>
+        </p:style>
+      </p:cxnSp>
+      <p:cxnSp>
+        <p:nvCxnSpPr>
+          <p:cNvPr id="96" name="직선 화살표 연결선 95">
+            <a:extLst>
+              <a:ext uri="{FF2B5EF4-FFF2-40B4-BE49-F238E27FC236}">
+                <a16:creationId xmlns:a16="http://schemas.microsoft.com/office/drawing/2014/main" id="{0950EDDA-92F2-40B3-8E33-04EEEE15DEBD}"/>
+              </a:ext>
+            </a:extLst>
+          </p:cNvPr>
+          <p:cNvCxnSpPr>
+            <a:cxnSpLocks/>
+            <a:stCxn id="49" idx="0"/>
+            <a:endCxn id="8" idx="2"/>
+          </p:cNvCxnSpPr>
+          <p:nvPr/>
+        </p:nvCxnSpPr>
+        <p:spPr>
+          <a:xfrm flipV="1">
+            <a:off x="6979227" y="4987633"/>
+            <a:ext cx="1" cy="274250"/>
+          </a:xfrm>
+          <a:prstGeom prst="straightConnector1">
+            <a:avLst/>
+          </a:prstGeom>
+          <a:ln>
+            <a:tailEnd type="triangle"/>
+          </a:ln>
+        </p:spPr>
+        <p:style>
+          <a:lnRef idx="2">
+            <a:schemeClr val="dk1"/>
+          </a:lnRef>
+          <a:fillRef idx="1">
+            <a:schemeClr val="lt1"/>
+          </a:fillRef>
+          <a:effectRef idx="0">
+            <a:schemeClr val="dk1"/>
+          </a:effectRef>
+          <a:fontRef idx="minor">
+            <a:schemeClr val="dk1"/>
+          </a:fontRef>
+        </p:style>
+      </p:cxnSp>
+      <p:cxnSp>
+        <p:nvCxnSpPr>
+          <p:cNvPr id="99" name="직선 화살표 연결선 98">
+            <a:extLst>
+              <a:ext uri="{FF2B5EF4-FFF2-40B4-BE49-F238E27FC236}">
+                <a16:creationId xmlns:a16="http://schemas.microsoft.com/office/drawing/2014/main" id="{3CDFBDFE-CBAD-41E3-ACEA-06CCB2C6FDBD}"/>
+              </a:ext>
+            </a:extLst>
+          </p:cNvPr>
+          <p:cNvCxnSpPr>
+            <a:cxnSpLocks/>
+            <a:stCxn id="50" idx="0"/>
+            <a:endCxn id="9" idx="2"/>
+          </p:cNvCxnSpPr>
+          <p:nvPr/>
+        </p:nvCxnSpPr>
+        <p:spPr>
+          <a:xfrm flipV="1">
+            <a:off x="8237913" y="4987632"/>
+            <a:ext cx="0" cy="274248"/>
+          </a:xfrm>
+          <a:prstGeom prst="straightConnector1">
+            <a:avLst/>
+          </a:prstGeom>
+          <a:ln>
+            <a:tailEnd type="triangle"/>
+          </a:ln>
+        </p:spPr>
+        <p:style>
+          <a:lnRef idx="2">
+            <a:schemeClr val="dk1"/>
+          </a:lnRef>
+          <a:fillRef idx="1">
+            <a:schemeClr val="lt1"/>
+          </a:fillRef>
+          <a:effectRef idx="0">
+            <a:schemeClr val="dk1"/>
+          </a:effectRef>
+          <a:fontRef idx="minor">
+            <a:schemeClr val="dk1"/>
+          </a:fontRef>
+        </p:style>
+      </p:cxnSp>
+      <p:cxnSp>
+        <p:nvCxnSpPr>
+          <p:cNvPr id="102" name="직선 화살표 연결선 101">
+            <a:extLst>
+              <a:ext uri="{FF2B5EF4-FFF2-40B4-BE49-F238E27FC236}">
+                <a16:creationId xmlns:a16="http://schemas.microsoft.com/office/drawing/2014/main" id="{77648F5A-E6F6-4F01-90F1-AAEF9A30738A}"/>
+              </a:ext>
+            </a:extLst>
+          </p:cNvPr>
+          <p:cNvCxnSpPr>
+            <a:cxnSpLocks/>
+            <a:stCxn id="51" idx="0"/>
+            <a:endCxn id="10" idx="2"/>
+          </p:cNvCxnSpPr>
+          <p:nvPr/>
+        </p:nvCxnSpPr>
+        <p:spPr>
+          <a:xfrm flipV="1">
+            <a:off x="9496599" y="4987632"/>
+            <a:ext cx="0" cy="274248"/>
+          </a:xfrm>
+          <a:prstGeom prst="straightConnector1">
+            <a:avLst/>
+          </a:prstGeom>
+          <a:ln>
+            <a:tailEnd type="triangle"/>
+          </a:ln>
+        </p:spPr>
+        <p:style>
+          <a:lnRef idx="2">
+            <a:schemeClr val="dk1"/>
+          </a:lnRef>
+          <a:fillRef idx="1">
+            <a:schemeClr val="lt1"/>
+          </a:fillRef>
+          <a:effectRef idx="0">
+            <a:schemeClr val="dk1"/>
+          </a:effectRef>
+          <a:fontRef idx="minor">
+            <a:schemeClr val="dk1"/>
+          </a:fontRef>
+        </p:style>
+      </p:cxnSp>
+      <p:cxnSp>
+        <p:nvCxnSpPr>
+          <p:cNvPr id="105" name="직선 화살표 연결선 104">
+            <a:extLst>
+              <a:ext uri="{FF2B5EF4-FFF2-40B4-BE49-F238E27FC236}">
+                <a16:creationId xmlns:a16="http://schemas.microsoft.com/office/drawing/2014/main" id="{512F180C-E62B-4C3D-8DEE-7BE74F91E5AF}"/>
+              </a:ext>
+            </a:extLst>
+          </p:cNvPr>
+          <p:cNvCxnSpPr>
+            <a:cxnSpLocks/>
+            <a:stCxn id="52" idx="0"/>
+            <a:endCxn id="11" idx="2"/>
+          </p:cNvCxnSpPr>
+          <p:nvPr/>
+        </p:nvCxnSpPr>
+        <p:spPr>
+          <a:xfrm flipV="1">
+            <a:off x="10755284" y="4987632"/>
+            <a:ext cx="1" cy="274248"/>
+          </a:xfrm>
+          <a:prstGeom prst="straightConnector1">
+            <a:avLst/>
+          </a:prstGeom>
+          <a:ln>
+            <a:tailEnd type="triangle"/>
+          </a:ln>
+        </p:spPr>
+        <p:style>
+          <a:lnRef idx="2">
+            <a:schemeClr val="dk1"/>
+          </a:lnRef>
+          <a:fillRef idx="1">
+            <a:schemeClr val="lt1"/>
+          </a:fillRef>
+          <a:effectRef idx="0">
+            <a:schemeClr val="dk1"/>
+          </a:effectRef>
+          <a:fontRef idx="minor">
+            <a:schemeClr val="dk1"/>
+          </a:fontRef>
+        </p:style>
+      </p:cxnSp>
+      <p:cxnSp>
+        <p:nvCxnSpPr>
+          <p:cNvPr id="108" name="직선 화살표 연결선 107">
+            <a:extLst>
+              <a:ext uri="{FF2B5EF4-FFF2-40B4-BE49-F238E27FC236}">
+                <a16:creationId xmlns:a16="http://schemas.microsoft.com/office/drawing/2014/main" id="{F0620903-B98B-482B-BCE6-DBFF005A7721}"/>
+              </a:ext>
+            </a:extLst>
+          </p:cNvPr>
+          <p:cNvCxnSpPr>
+            <a:cxnSpLocks/>
+            <a:stCxn id="45" idx="0"/>
+            <a:endCxn id="55" idx="2"/>
+          </p:cNvCxnSpPr>
+          <p:nvPr/>
+        </p:nvCxnSpPr>
+        <p:spPr>
+          <a:xfrm flipV="1">
+            <a:off x="6979227" y="1527504"/>
+            <a:ext cx="0" cy="251415"/>
+          </a:xfrm>
+          <a:prstGeom prst="straightConnector1">
+            <a:avLst/>
+          </a:prstGeom>
+          <a:ln>
+            <a:tailEnd type="triangle"/>
+          </a:ln>
+        </p:spPr>
+        <p:style>
+          <a:lnRef idx="2">
+            <a:schemeClr val="dk1"/>
+          </a:lnRef>
+          <a:fillRef idx="1">
+            <a:schemeClr val="lt1"/>
+          </a:fillRef>
+          <a:effectRef idx="0">
+            <a:schemeClr val="dk1"/>
+          </a:effectRef>
+          <a:fontRef idx="minor">
+            <a:schemeClr val="dk1"/>
+          </a:fontRef>
+        </p:style>
+      </p:cxnSp>
+      <p:cxnSp>
+        <p:nvCxnSpPr>
+          <p:cNvPr id="111" name="직선 화살표 연결선 110">
+            <a:extLst>
+              <a:ext uri="{FF2B5EF4-FFF2-40B4-BE49-F238E27FC236}">
+                <a16:creationId xmlns:a16="http://schemas.microsoft.com/office/drawing/2014/main" id="{12217889-4726-4C88-9325-F533E0E9F9D0}"/>
+              </a:ext>
+            </a:extLst>
+          </p:cNvPr>
+          <p:cNvCxnSpPr>
+            <a:cxnSpLocks/>
+            <a:stCxn id="46" idx="0"/>
+            <a:endCxn id="57" idx="2"/>
+          </p:cNvCxnSpPr>
+          <p:nvPr/>
+        </p:nvCxnSpPr>
+        <p:spPr>
+          <a:xfrm flipH="1" flipV="1">
+            <a:off x="8235251" y="1531986"/>
+            <a:ext cx="2662" cy="246933"/>
+          </a:xfrm>
+          <a:prstGeom prst="straightConnector1">
+            <a:avLst/>
+          </a:prstGeom>
+          <a:ln>
+            <a:tailEnd type="triangle"/>
+          </a:ln>
+        </p:spPr>
+        <p:style>
+          <a:lnRef idx="2">
+            <a:schemeClr val="dk1"/>
+          </a:lnRef>
+          <a:fillRef idx="1">
+            <a:schemeClr val="lt1"/>
+          </a:fillRef>
+          <a:effectRef idx="0">
+            <a:schemeClr val="dk1"/>
+          </a:effectRef>
+          <a:fontRef idx="minor">
+            <a:schemeClr val="dk1"/>
+          </a:fontRef>
+        </p:style>
+      </p:cxnSp>
+      <p:cxnSp>
+        <p:nvCxnSpPr>
+          <p:cNvPr id="114" name="직선 화살표 연결선 113">
+            <a:extLst>
+              <a:ext uri="{FF2B5EF4-FFF2-40B4-BE49-F238E27FC236}">
+                <a16:creationId xmlns:a16="http://schemas.microsoft.com/office/drawing/2014/main" id="{A3466522-BCD2-4C8B-BB34-E826DC8BF883}"/>
+              </a:ext>
+            </a:extLst>
+          </p:cNvPr>
+          <p:cNvCxnSpPr>
+            <a:cxnSpLocks/>
+            <a:stCxn id="47" idx="0"/>
+            <a:endCxn id="58" idx="2"/>
+          </p:cNvCxnSpPr>
+          <p:nvPr/>
+        </p:nvCxnSpPr>
+        <p:spPr>
+          <a:xfrm flipH="1" flipV="1">
+            <a:off x="9491277" y="1527504"/>
+            <a:ext cx="5322" cy="251415"/>
+          </a:xfrm>
+          <a:prstGeom prst="straightConnector1">
+            <a:avLst/>
+          </a:prstGeom>
+          <a:ln>
+            <a:tailEnd type="triangle"/>
+          </a:ln>
+        </p:spPr>
+        <p:style>
+          <a:lnRef idx="2">
+            <a:schemeClr val="dk1"/>
+          </a:lnRef>
+          <a:fillRef idx="1">
+            <a:schemeClr val="lt1"/>
+          </a:fillRef>
+          <a:effectRef idx="0">
+            <a:schemeClr val="dk1"/>
+          </a:effectRef>
+          <a:fontRef idx="minor">
+            <a:schemeClr val="dk1"/>
+          </a:fontRef>
+        </p:style>
+      </p:cxnSp>
+      <p:cxnSp>
+        <p:nvCxnSpPr>
+          <p:cNvPr id="117" name="직선 화살표 연결선 116">
+            <a:extLst>
+              <a:ext uri="{FF2B5EF4-FFF2-40B4-BE49-F238E27FC236}">
+                <a16:creationId xmlns:a16="http://schemas.microsoft.com/office/drawing/2014/main" id="{284E8DD9-CAEE-4148-AE3B-F554719E5F25}"/>
+              </a:ext>
+            </a:extLst>
+          </p:cNvPr>
+          <p:cNvCxnSpPr>
+            <a:cxnSpLocks/>
+            <a:stCxn id="48" idx="0"/>
+            <a:endCxn id="40" idx="2"/>
+          </p:cNvCxnSpPr>
+          <p:nvPr/>
+        </p:nvCxnSpPr>
+        <p:spPr>
+          <a:xfrm flipV="1">
+            <a:off x="10755284" y="1527504"/>
+            <a:ext cx="0" cy="251415"/>
+          </a:xfrm>
+          <a:prstGeom prst="straightConnector1">
+            <a:avLst/>
+          </a:prstGeom>
+          <a:ln>
+            <a:tailEnd type="triangle"/>
+          </a:ln>
+        </p:spPr>
+        <p:style>
+          <a:lnRef idx="2">
+            <a:schemeClr val="dk1"/>
+          </a:lnRef>
+          <a:fillRef idx="1">
+            <a:schemeClr val="lt1"/>
+          </a:fillRef>
+          <a:effectRef idx="0">
+            <a:schemeClr val="dk1"/>
+          </a:effectRef>
+          <a:fontRef idx="minor">
+            <a:schemeClr val="dk1"/>
+          </a:fontRef>
+        </p:style>
+      </p:cxnSp>
+      <p:cxnSp>
+        <p:nvCxnSpPr>
+          <p:cNvPr id="120" name="직선 화살표 연결선 119">
+            <a:extLst>
+              <a:ext uri="{FF2B5EF4-FFF2-40B4-BE49-F238E27FC236}">
+                <a16:creationId xmlns:a16="http://schemas.microsoft.com/office/drawing/2014/main" id="{0AD7DF6E-BA1D-4779-88C3-09DD71D6E2FF}"/>
+              </a:ext>
+            </a:extLst>
+          </p:cNvPr>
+          <p:cNvCxnSpPr>
+            <a:cxnSpLocks/>
+            <a:stCxn id="11" idx="0"/>
+            <a:endCxn id="48" idx="2"/>
+          </p:cNvCxnSpPr>
+          <p:nvPr/>
+        </p:nvCxnSpPr>
+        <p:spPr>
+          <a:xfrm flipH="1" flipV="1">
+            <a:off x="10755284" y="2061625"/>
+            <a:ext cx="1" cy="274248"/>
+          </a:xfrm>
+          <a:prstGeom prst="straightConnector1">
+            <a:avLst/>
+          </a:prstGeom>
+          <a:ln>
+            <a:tailEnd type="triangle"/>
+          </a:ln>
+        </p:spPr>
+        <p:style>
+          <a:lnRef idx="2">
+            <a:schemeClr val="dk1"/>
+          </a:lnRef>
+          <a:fillRef idx="1">
+            <a:schemeClr val="lt1"/>
+          </a:fillRef>
+          <a:effectRef idx="0">
+            <a:schemeClr val="dk1"/>
+          </a:effectRef>
+          <a:fontRef idx="minor">
+            <a:schemeClr val="dk1"/>
+          </a:fontRef>
+        </p:style>
+      </p:cxnSp>
+      <p:cxnSp>
+        <p:nvCxnSpPr>
+          <p:cNvPr id="123" name="직선 화살표 연결선 122">
+            <a:extLst>
+              <a:ext uri="{FF2B5EF4-FFF2-40B4-BE49-F238E27FC236}">
+                <a16:creationId xmlns:a16="http://schemas.microsoft.com/office/drawing/2014/main" id="{5216A147-C924-4C72-8D6E-7331E2D22CFB}"/>
+              </a:ext>
+            </a:extLst>
+          </p:cNvPr>
+          <p:cNvCxnSpPr>
+            <a:cxnSpLocks/>
+            <a:stCxn id="10" idx="0"/>
+            <a:endCxn id="47" idx="2"/>
+          </p:cNvCxnSpPr>
+          <p:nvPr/>
+        </p:nvCxnSpPr>
+        <p:spPr>
+          <a:xfrm flipV="1">
+            <a:off x="9496599" y="2061625"/>
+            <a:ext cx="0" cy="274248"/>
+          </a:xfrm>
+          <a:prstGeom prst="straightConnector1">
+            <a:avLst/>
+          </a:prstGeom>
+          <a:ln>
+            <a:tailEnd type="triangle"/>
+          </a:ln>
+        </p:spPr>
+        <p:style>
+          <a:lnRef idx="2">
+            <a:schemeClr val="dk1"/>
+          </a:lnRef>
+          <a:fillRef idx="1">
+            <a:schemeClr val="lt1"/>
+          </a:fillRef>
+          <a:effectRef idx="0">
+            <a:schemeClr val="dk1"/>
+          </a:effectRef>
+          <a:fontRef idx="minor">
+            <a:schemeClr val="dk1"/>
+          </a:fontRef>
+        </p:style>
+      </p:cxnSp>
+      <p:cxnSp>
+        <p:nvCxnSpPr>
+          <p:cNvPr id="126" name="직선 화살표 연결선 125">
+            <a:extLst>
+              <a:ext uri="{FF2B5EF4-FFF2-40B4-BE49-F238E27FC236}">
+                <a16:creationId xmlns:a16="http://schemas.microsoft.com/office/drawing/2014/main" id="{45637B03-E8B6-4719-B049-0FDE04904AE4}"/>
+              </a:ext>
+            </a:extLst>
+          </p:cNvPr>
+          <p:cNvCxnSpPr>
+            <a:cxnSpLocks/>
+            <a:stCxn id="9" idx="0"/>
+            <a:endCxn id="46" idx="2"/>
+          </p:cNvCxnSpPr>
+          <p:nvPr/>
+        </p:nvCxnSpPr>
+        <p:spPr>
+          <a:xfrm flipV="1">
+            <a:off x="8237913" y="2061625"/>
+            <a:ext cx="0" cy="274248"/>
+          </a:xfrm>
+          <a:prstGeom prst="straightConnector1">
+            <a:avLst/>
+          </a:prstGeom>
+          <a:ln>
+            <a:tailEnd type="triangle"/>
+          </a:ln>
+        </p:spPr>
+        <p:style>
+          <a:lnRef idx="2">
+            <a:schemeClr val="dk1"/>
+          </a:lnRef>
+          <a:fillRef idx="1">
+            <a:schemeClr val="lt1"/>
+          </a:fillRef>
+          <a:effectRef idx="0">
+            <a:schemeClr val="dk1"/>
+          </a:effectRef>
+          <a:fontRef idx="minor">
+            <a:schemeClr val="dk1"/>
+          </a:fontRef>
+        </p:style>
+      </p:cxnSp>
+      <p:cxnSp>
+        <p:nvCxnSpPr>
+          <p:cNvPr id="129" name="직선 화살표 연결선 128">
+            <a:extLst>
+              <a:ext uri="{FF2B5EF4-FFF2-40B4-BE49-F238E27FC236}">
+                <a16:creationId xmlns:a16="http://schemas.microsoft.com/office/drawing/2014/main" id="{1CA74644-B225-4181-9249-93F1981D9149}"/>
+              </a:ext>
+            </a:extLst>
+          </p:cNvPr>
+          <p:cNvCxnSpPr>
+            <a:cxnSpLocks/>
+            <a:stCxn id="8" idx="0"/>
+            <a:endCxn id="45" idx="2"/>
+          </p:cNvCxnSpPr>
+          <p:nvPr/>
+        </p:nvCxnSpPr>
+        <p:spPr>
+          <a:xfrm flipH="1" flipV="1">
+            <a:off x="6979227" y="2061625"/>
+            <a:ext cx="1" cy="274249"/>
+          </a:xfrm>
+          <a:prstGeom prst="straightConnector1">
+            <a:avLst/>
+          </a:prstGeom>
+          <a:ln>
+            <a:tailEnd type="triangle"/>
+          </a:ln>
+        </p:spPr>
+        <p:style>
+          <a:lnRef idx="2">
+            <a:schemeClr val="dk1"/>
+          </a:lnRef>
+          <a:fillRef idx="1">
+            <a:schemeClr val="lt1"/>
+          </a:fillRef>
+          <a:effectRef idx="0">
+            <a:schemeClr val="dk1"/>
+          </a:effectRef>
+          <a:fontRef idx="minor">
+            <a:schemeClr val="dk1"/>
+          </a:fontRef>
+        </p:style>
+      </p:cxnSp>
+    </p:spTree>
+    <p:extLst>
+      <p:ext uri="{BB962C8B-B14F-4D97-AF65-F5344CB8AC3E}">
+        <p14:creationId xmlns:p14="http://schemas.microsoft.com/office/powerpoint/2010/main" val="571939443"/>
       </p:ext>
     </p:extLst>
   </p:cSld>

--- a/architecture.pptx
+++ b/architecture.pptx
@@ -8909,7 +8909,7 @@
             <p:spPr>
               <a:xfrm>
                 <a:off x="10405027" y="1158172"/>
-                <a:ext cx="700513" cy="369332"/>
+                <a:ext cx="692497" cy="369332"/>
               </a:xfrm>
               <a:prstGeom prst="rect">
                 <a:avLst/>
@@ -8932,7 +8932,7 @@
                         <a:rPr lang="en-US" altLang="ko-KR" b="0" i="1" smtClean="0">
                           <a:latin typeface="Cambria Math" panose="02040503050406030204" pitchFamily="18" charset="0"/>
                         </a:rPr>
-                        <m:t>𝐵𝑂𝑆</m:t>
+                        <m:t>𝐸𝑂𝑆</m:t>
                       </m:r>
                     </m:oMath>
                   </m:oMathPara>
@@ -8960,7 +8960,7 @@
             <p:spPr>
               <a:xfrm>
                 <a:off x="10405027" y="1158172"/>
-                <a:ext cx="700513" cy="369332"/>
+                <a:ext cx="692497" cy="369332"/>
               </a:xfrm>
               <a:prstGeom prst="rect">
                 <a:avLst/>
@@ -10795,9 +10795,9 @@
           <p:nvPr/>
         </p:nvCxnSpPr>
         <p:spPr>
-          <a:xfrm flipV="1">
-            <a:off x="10755284" y="1527504"/>
-            <a:ext cx="0" cy="251415"/>
+          <a:xfrm flipH="1" flipV="1">
+            <a:off x="10751276" y="1527504"/>
+            <a:ext cx="4008" cy="251415"/>
           </a:xfrm>
           <a:prstGeom prst="straightConnector1">
             <a:avLst/>

--- a/architecture.pptx
+++ b/architecture.pptx
@@ -10993,6 +10993,146 @@
           </a:fontRef>
         </p:style>
       </p:cxnSp>
+      <p:cxnSp>
+        <p:nvCxnSpPr>
+          <p:cNvPr id="133" name="연결선: 구부러짐 132">
+            <a:extLst>
+              <a:ext uri="{FF2B5EF4-FFF2-40B4-BE49-F238E27FC236}">
+                <a16:creationId xmlns:a16="http://schemas.microsoft.com/office/drawing/2014/main" id="{B0692204-9491-4446-8992-669D8CADF515}"/>
+              </a:ext>
+            </a:extLst>
+          </p:cNvPr>
+          <p:cNvCxnSpPr>
+            <a:stCxn id="45" idx="0"/>
+            <a:endCxn id="50" idx="2"/>
+          </p:cNvCxnSpPr>
+          <p:nvPr/>
+        </p:nvCxnSpPr>
+        <p:spPr>
+          <a:xfrm rot="16200000" flipH="1">
+            <a:off x="5725736" y="3032409"/>
+            <a:ext cx="3765667" cy="1258686"/>
+          </a:xfrm>
+          <a:prstGeom prst="curvedConnector5">
+            <a:avLst>
+              <a:gd name="adj1" fmla="val -6071"/>
+              <a:gd name="adj2" fmla="val 50000"/>
+              <a:gd name="adj3" fmla="val 106071"/>
+            </a:avLst>
+          </a:prstGeom>
+          <a:ln>
+            <a:tailEnd type="triangle"/>
+          </a:ln>
+        </p:spPr>
+        <p:style>
+          <a:lnRef idx="2">
+            <a:schemeClr val="dk1"/>
+          </a:lnRef>
+          <a:fillRef idx="1">
+            <a:schemeClr val="lt1"/>
+          </a:fillRef>
+          <a:effectRef idx="0">
+            <a:schemeClr val="dk1"/>
+          </a:effectRef>
+          <a:fontRef idx="minor">
+            <a:schemeClr val="dk1"/>
+          </a:fontRef>
+        </p:style>
+      </p:cxnSp>
+      <p:cxnSp>
+        <p:nvCxnSpPr>
+          <p:cNvPr id="134" name="연결선: 구부러짐 133">
+            <a:extLst>
+              <a:ext uri="{FF2B5EF4-FFF2-40B4-BE49-F238E27FC236}">
+                <a16:creationId xmlns:a16="http://schemas.microsoft.com/office/drawing/2014/main" id="{FC427459-E021-48A1-B314-49541E7D501D}"/>
+              </a:ext>
+            </a:extLst>
+          </p:cNvPr>
+          <p:cNvCxnSpPr>
+            <a:cxnSpLocks/>
+            <a:stCxn id="46" idx="0"/>
+            <a:endCxn id="51" idx="2"/>
+          </p:cNvCxnSpPr>
+          <p:nvPr/>
+        </p:nvCxnSpPr>
+        <p:spPr>
+          <a:xfrm rot="16200000" flipH="1">
+            <a:off x="6984422" y="3032409"/>
+            <a:ext cx="3765667" cy="1258686"/>
+          </a:xfrm>
+          <a:prstGeom prst="curvedConnector5">
+            <a:avLst>
+              <a:gd name="adj1" fmla="val -6071"/>
+              <a:gd name="adj2" fmla="val 50000"/>
+              <a:gd name="adj3" fmla="val 106071"/>
+            </a:avLst>
+          </a:prstGeom>
+          <a:ln>
+            <a:tailEnd type="triangle"/>
+          </a:ln>
+        </p:spPr>
+        <p:style>
+          <a:lnRef idx="2">
+            <a:schemeClr val="dk1"/>
+          </a:lnRef>
+          <a:fillRef idx="1">
+            <a:schemeClr val="lt1"/>
+          </a:fillRef>
+          <a:effectRef idx="0">
+            <a:schemeClr val="dk1"/>
+          </a:effectRef>
+          <a:fontRef idx="minor">
+            <a:schemeClr val="dk1"/>
+          </a:fontRef>
+        </p:style>
+      </p:cxnSp>
+      <p:cxnSp>
+        <p:nvCxnSpPr>
+          <p:cNvPr id="137" name="연결선: 구부러짐 136">
+            <a:extLst>
+              <a:ext uri="{FF2B5EF4-FFF2-40B4-BE49-F238E27FC236}">
+                <a16:creationId xmlns:a16="http://schemas.microsoft.com/office/drawing/2014/main" id="{9164BF98-76B5-402C-970C-7B7B851DD7BB}"/>
+              </a:ext>
+            </a:extLst>
+          </p:cNvPr>
+          <p:cNvCxnSpPr>
+            <a:cxnSpLocks/>
+            <a:stCxn id="47" idx="0"/>
+            <a:endCxn id="52" idx="2"/>
+          </p:cNvCxnSpPr>
+          <p:nvPr/>
+        </p:nvCxnSpPr>
+        <p:spPr>
+          <a:xfrm rot="16200000" flipH="1">
+            <a:off x="8243107" y="3032410"/>
+            <a:ext cx="3765667" cy="1258685"/>
+          </a:xfrm>
+          <a:prstGeom prst="curvedConnector5">
+            <a:avLst>
+              <a:gd name="adj1" fmla="val -6071"/>
+              <a:gd name="adj2" fmla="val 50000"/>
+              <a:gd name="adj3" fmla="val 106071"/>
+            </a:avLst>
+          </a:prstGeom>
+          <a:ln>
+            <a:tailEnd type="triangle"/>
+          </a:ln>
+        </p:spPr>
+        <p:style>
+          <a:lnRef idx="2">
+            <a:schemeClr val="dk1"/>
+          </a:lnRef>
+          <a:fillRef idx="1">
+            <a:schemeClr val="lt1"/>
+          </a:fillRef>
+          <a:effectRef idx="0">
+            <a:schemeClr val="dk1"/>
+          </a:effectRef>
+          <a:fontRef idx="minor">
+            <a:schemeClr val="dk1"/>
+          </a:fontRef>
+        </p:style>
+      </p:cxnSp>
     </p:spTree>
     <p:extLst>
       <p:ext uri="{BB962C8B-B14F-4D97-AF65-F5344CB8AC3E}">

--- a/architecture.pptx
+++ b/architecture.pptx
@@ -8,6 +8,7 @@
     <p:sldId id="256" r:id="rId2"/>
     <p:sldId id="257" r:id="rId3"/>
     <p:sldId id="258" r:id="rId4"/>
+    <p:sldId id="259" r:id="rId5"/>
   </p:sldIdLst>
   <p:sldSz cx="12192000" cy="6858000"/>
   <p:notesSz cx="6858000" cy="9144000"/>
@@ -11146,6 +11147,4341 @@
 </p:sld>
 </file>
 
+<file path=ppt/slides/slide4.xml><?xml version="1.0" encoding="utf-8"?>
+<p:sld xmlns:a="http://schemas.openxmlformats.org/drawingml/2006/main" xmlns:r="http://schemas.openxmlformats.org/officeDocument/2006/relationships" xmlns:p="http://schemas.openxmlformats.org/presentationml/2006/main">
+  <p:cSld>
+    <p:spTree>
+      <p:nvGrpSpPr>
+        <p:cNvPr id="1" name=""/>
+        <p:cNvGrpSpPr/>
+        <p:nvPr/>
+      </p:nvGrpSpPr>
+      <p:grpSpPr>
+        <a:xfrm>
+          <a:off x="0" y="0"/>
+          <a:ext cx="0" cy="0"/>
+          <a:chOff x="0" y="0"/>
+          <a:chExt cx="0" cy="0"/>
+        </a:xfrm>
+      </p:grpSpPr>
+      <p:sp>
+        <p:nvSpPr>
+          <p:cNvPr id="4" name="직사각형 3">
+            <a:extLst>
+              <a:ext uri="{FF2B5EF4-FFF2-40B4-BE49-F238E27FC236}">
+                <a16:creationId xmlns:a16="http://schemas.microsoft.com/office/drawing/2014/main" id="{E4469EA3-BD2F-4388-B225-972DBD285F7E}"/>
+              </a:ext>
+            </a:extLst>
+          </p:cNvPr>
+          <p:cNvSpPr/>
+          <p:nvPr/>
+        </p:nvSpPr>
+        <p:spPr>
+          <a:xfrm>
+            <a:off x="390700" y="1675013"/>
+            <a:ext cx="777240" cy="2651759"/>
+          </a:xfrm>
+          <a:prstGeom prst="rect">
+            <a:avLst/>
+          </a:prstGeom>
+          <a:ln>
+            <a:solidFill>
+              <a:srgbClr val="C00000"/>
+            </a:solidFill>
+          </a:ln>
+        </p:spPr>
+        <p:style>
+          <a:lnRef idx="2">
+            <a:schemeClr val="dk1"/>
+          </a:lnRef>
+          <a:fillRef idx="1">
+            <a:schemeClr val="lt1"/>
+          </a:fillRef>
+          <a:effectRef idx="0">
+            <a:schemeClr val="dk1"/>
+          </a:effectRef>
+          <a:fontRef idx="minor">
+            <a:schemeClr val="dk1"/>
+          </a:fontRef>
+        </p:style>
+        <p:txBody>
+          <a:bodyPr rtlCol="0" anchor="ctr"/>
+          <a:lstStyle/>
+          <a:p>
+            <a:pPr algn="ctr"/>
+            <a:r>
+              <a:rPr lang="en-US" altLang="ko-KR" sz="1200" dirty="0"/>
+              <a:t>Stacked RNN</a:t>
+            </a:r>
+            <a:br>
+              <a:rPr lang="en-US" altLang="ko-KR" sz="1200" dirty="0"/>
+            </a:br>
+            <a:r>
+              <a:rPr lang="en-US" altLang="ko-KR" sz="1200" dirty="0"/>
+              <a:t>Cells</a:t>
+            </a:r>
+            <a:endParaRPr lang="ko-KR" altLang="en-US" sz="1200" dirty="0"/>
+          </a:p>
+        </p:txBody>
+      </p:sp>
+      <p:sp>
+        <p:nvSpPr>
+          <p:cNvPr id="5" name="직사각형 4">
+            <a:extLst>
+              <a:ext uri="{FF2B5EF4-FFF2-40B4-BE49-F238E27FC236}">
+                <a16:creationId xmlns:a16="http://schemas.microsoft.com/office/drawing/2014/main" id="{4CA84653-010D-4065-B853-79CB25E1864C}"/>
+              </a:ext>
+            </a:extLst>
+          </p:cNvPr>
+          <p:cNvSpPr/>
+          <p:nvPr/>
+        </p:nvSpPr>
+        <p:spPr>
+          <a:xfrm>
+            <a:off x="1649385" y="1675012"/>
+            <a:ext cx="777240" cy="2651759"/>
+          </a:xfrm>
+          <a:prstGeom prst="rect">
+            <a:avLst/>
+          </a:prstGeom>
+          <a:ln>
+            <a:solidFill>
+              <a:srgbClr val="C00000"/>
+            </a:solidFill>
+          </a:ln>
+        </p:spPr>
+        <p:style>
+          <a:lnRef idx="2">
+            <a:schemeClr val="dk1"/>
+          </a:lnRef>
+          <a:fillRef idx="1">
+            <a:schemeClr val="lt1"/>
+          </a:fillRef>
+          <a:effectRef idx="0">
+            <a:schemeClr val="dk1"/>
+          </a:effectRef>
+          <a:fontRef idx="minor">
+            <a:schemeClr val="dk1"/>
+          </a:fontRef>
+        </p:style>
+        <p:txBody>
+          <a:bodyPr rtlCol="0" anchor="ctr"/>
+          <a:lstStyle/>
+          <a:p>
+            <a:pPr algn="ctr"/>
+            <a:r>
+              <a:rPr lang="en-US" altLang="ko-KR" sz="1200" dirty="0"/>
+              <a:t>Stacked RNN</a:t>
+            </a:r>
+            <a:br>
+              <a:rPr lang="en-US" altLang="ko-KR" sz="1200" dirty="0"/>
+            </a:br>
+            <a:r>
+              <a:rPr lang="en-US" altLang="ko-KR" sz="1200" dirty="0"/>
+              <a:t>Cells</a:t>
+            </a:r>
+            <a:endParaRPr lang="ko-KR" altLang="en-US" sz="1200" dirty="0"/>
+          </a:p>
+        </p:txBody>
+      </p:sp>
+      <p:sp>
+        <p:nvSpPr>
+          <p:cNvPr id="6" name="직사각형 5">
+            <a:extLst>
+              <a:ext uri="{FF2B5EF4-FFF2-40B4-BE49-F238E27FC236}">
+                <a16:creationId xmlns:a16="http://schemas.microsoft.com/office/drawing/2014/main" id="{E1E73367-4DDC-4825-B313-715B65F5DD9C}"/>
+              </a:ext>
+            </a:extLst>
+          </p:cNvPr>
+          <p:cNvSpPr/>
+          <p:nvPr/>
+        </p:nvSpPr>
+        <p:spPr>
+          <a:xfrm>
+            <a:off x="2908071" y="1675012"/>
+            <a:ext cx="777240" cy="2651759"/>
+          </a:xfrm>
+          <a:prstGeom prst="rect">
+            <a:avLst/>
+          </a:prstGeom>
+          <a:ln>
+            <a:solidFill>
+              <a:srgbClr val="C00000"/>
+            </a:solidFill>
+          </a:ln>
+        </p:spPr>
+        <p:style>
+          <a:lnRef idx="2">
+            <a:schemeClr val="dk1"/>
+          </a:lnRef>
+          <a:fillRef idx="1">
+            <a:schemeClr val="lt1"/>
+          </a:fillRef>
+          <a:effectRef idx="0">
+            <a:schemeClr val="dk1"/>
+          </a:effectRef>
+          <a:fontRef idx="minor">
+            <a:schemeClr val="dk1"/>
+          </a:fontRef>
+        </p:style>
+        <p:txBody>
+          <a:bodyPr rtlCol="0" anchor="ctr"/>
+          <a:lstStyle/>
+          <a:p>
+            <a:pPr algn="ctr"/>
+            <a:r>
+              <a:rPr lang="en-US" altLang="ko-KR" sz="1200" dirty="0"/>
+              <a:t>Stacked RNN</a:t>
+            </a:r>
+            <a:br>
+              <a:rPr lang="en-US" altLang="ko-KR" sz="1200" dirty="0"/>
+            </a:br>
+            <a:r>
+              <a:rPr lang="en-US" altLang="ko-KR" sz="1200" dirty="0"/>
+              <a:t>Cells</a:t>
+            </a:r>
+            <a:endParaRPr lang="ko-KR" altLang="en-US" sz="1200" dirty="0"/>
+          </a:p>
+        </p:txBody>
+      </p:sp>
+      <p:sp>
+        <p:nvSpPr>
+          <p:cNvPr id="7" name="직사각형 6">
+            <a:extLst>
+              <a:ext uri="{FF2B5EF4-FFF2-40B4-BE49-F238E27FC236}">
+                <a16:creationId xmlns:a16="http://schemas.microsoft.com/office/drawing/2014/main" id="{A2951B4C-0F6E-4678-A4C8-8FB7EEAA5CE6}"/>
+              </a:ext>
+            </a:extLst>
+          </p:cNvPr>
+          <p:cNvSpPr/>
+          <p:nvPr/>
+        </p:nvSpPr>
+        <p:spPr>
+          <a:xfrm>
+            <a:off x="4166757" y="1675012"/>
+            <a:ext cx="777240" cy="2651759"/>
+          </a:xfrm>
+          <a:prstGeom prst="rect">
+            <a:avLst/>
+          </a:prstGeom>
+          <a:ln>
+            <a:solidFill>
+              <a:srgbClr val="C00000"/>
+            </a:solidFill>
+          </a:ln>
+        </p:spPr>
+        <p:style>
+          <a:lnRef idx="2">
+            <a:schemeClr val="dk1"/>
+          </a:lnRef>
+          <a:fillRef idx="1">
+            <a:schemeClr val="lt1"/>
+          </a:fillRef>
+          <a:effectRef idx="0">
+            <a:schemeClr val="dk1"/>
+          </a:effectRef>
+          <a:fontRef idx="minor">
+            <a:schemeClr val="dk1"/>
+          </a:fontRef>
+        </p:style>
+        <p:txBody>
+          <a:bodyPr rtlCol="0" anchor="ctr"/>
+          <a:lstStyle/>
+          <a:p>
+            <a:pPr algn="ctr"/>
+            <a:r>
+              <a:rPr lang="en-US" altLang="ko-KR" sz="1200" dirty="0"/>
+              <a:t>Stacked RNN</a:t>
+            </a:r>
+            <a:br>
+              <a:rPr lang="en-US" altLang="ko-KR" sz="1200" dirty="0"/>
+            </a:br>
+            <a:r>
+              <a:rPr lang="en-US" altLang="ko-KR" sz="1200" dirty="0"/>
+              <a:t>Cells</a:t>
+            </a:r>
+            <a:endParaRPr lang="ko-KR" altLang="en-US" sz="1200" dirty="0"/>
+          </a:p>
+        </p:txBody>
+      </p:sp>
+      <p:sp>
+        <p:nvSpPr>
+          <p:cNvPr id="8" name="직사각형 7">
+            <a:extLst>
+              <a:ext uri="{FF2B5EF4-FFF2-40B4-BE49-F238E27FC236}">
+                <a16:creationId xmlns:a16="http://schemas.microsoft.com/office/drawing/2014/main" id="{BAE89BCE-919E-44F2-8819-A305D3A70CDA}"/>
+              </a:ext>
+            </a:extLst>
+          </p:cNvPr>
+          <p:cNvSpPr/>
+          <p:nvPr/>
+        </p:nvSpPr>
+        <p:spPr>
+          <a:xfrm>
+            <a:off x="5875715" y="1675012"/>
+            <a:ext cx="777240" cy="2651759"/>
+          </a:xfrm>
+          <a:prstGeom prst="rect">
+            <a:avLst/>
+          </a:prstGeom>
+        </p:spPr>
+        <p:style>
+          <a:lnRef idx="2">
+            <a:schemeClr val="accent1"/>
+          </a:lnRef>
+          <a:fillRef idx="1">
+            <a:schemeClr val="lt1"/>
+          </a:fillRef>
+          <a:effectRef idx="0">
+            <a:schemeClr val="accent1"/>
+          </a:effectRef>
+          <a:fontRef idx="minor">
+            <a:schemeClr val="dk1"/>
+          </a:fontRef>
+        </p:style>
+        <p:txBody>
+          <a:bodyPr rtlCol="0" anchor="ctr"/>
+          <a:lstStyle/>
+          <a:p>
+            <a:pPr algn="ctr"/>
+            <a:r>
+              <a:rPr lang="en-US" altLang="ko-KR" sz="1200" dirty="0"/>
+              <a:t>Stacked RNN</a:t>
+            </a:r>
+            <a:br>
+              <a:rPr lang="en-US" altLang="ko-KR" sz="1200" dirty="0"/>
+            </a:br>
+            <a:r>
+              <a:rPr lang="en-US" altLang="ko-KR" sz="1200" dirty="0"/>
+              <a:t>Cells</a:t>
+            </a:r>
+            <a:endParaRPr lang="ko-KR" altLang="en-US" sz="1200" dirty="0"/>
+          </a:p>
+        </p:txBody>
+      </p:sp>
+      <p:sp>
+        <p:nvSpPr>
+          <p:cNvPr id="9" name="직사각형 8">
+            <a:extLst>
+              <a:ext uri="{FF2B5EF4-FFF2-40B4-BE49-F238E27FC236}">
+                <a16:creationId xmlns:a16="http://schemas.microsoft.com/office/drawing/2014/main" id="{349238DB-B9E3-48FA-BACD-382CC9E85FC1}"/>
+              </a:ext>
+            </a:extLst>
+          </p:cNvPr>
+          <p:cNvSpPr/>
+          <p:nvPr/>
+        </p:nvSpPr>
+        <p:spPr>
+          <a:xfrm>
+            <a:off x="7134400" y="1675011"/>
+            <a:ext cx="777240" cy="2651759"/>
+          </a:xfrm>
+          <a:prstGeom prst="rect">
+            <a:avLst/>
+          </a:prstGeom>
+        </p:spPr>
+        <p:style>
+          <a:lnRef idx="2">
+            <a:schemeClr val="accent1"/>
+          </a:lnRef>
+          <a:fillRef idx="1">
+            <a:schemeClr val="lt1"/>
+          </a:fillRef>
+          <a:effectRef idx="0">
+            <a:schemeClr val="accent1"/>
+          </a:effectRef>
+          <a:fontRef idx="minor">
+            <a:schemeClr val="dk1"/>
+          </a:fontRef>
+        </p:style>
+        <p:txBody>
+          <a:bodyPr rtlCol="0" anchor="ctr"/>
+          <a:lstStyle/>
+          <a:p>
+            <a:pPr algn="ctr"/>
+            <a:r>
+              <a:rPr lang="en-US" altLang="ko-KR" sz="1200" dirty="0"/>
+              <a:t>Stacked RNN</a:t>
+            </a:r>
+            <a:br>
+              <a:rPr lang="en-US" altLang="ko-KR" sz="1200" dirty="0"/>
+            </a:br>
+            <a:r>
+              <a:rPr lang="en-US" altLang="ko-KR" sz="1200" dirty="0"/>
+              <a:t>Cells</a:t>
+            </a:r>
+            <a:endParaRPr lang="ko-KR" altLang="en-US" sz="1200" dirty="0"/>
+          </a:p>
+        </p:txBody>
+      </p:sp>
+      <p:sp>
+        <p:nvSpPr>
+          <p:cNvPr id="10" name="직사각형 9">
+            <a:extLst>
+              <a:ext uri="{FF2B5EF4-FFF2-40B4-BE49-F238E27FC236}">
+                <a16:creationId xmlns:a16="http://schemas.microsoft.com/office/drawing/2014/main" id="{85397621-465B-4ADE-A227-3701C385464F}"/>
+              </a:ext>
+            </a:extLst>
+          </p:cNvPr>
+          <p:cNvSpPr/>
+          <p:nvPr/>
+        </p:nvSpPr>
+        <p:spPr>
+          <a:xfrm>
+            <a:off x="8393086" y="1675011"/>
+            <a:ext cx="777240" cy="2651759"/>
+          </a:xfrm>
+          <a:prstGeom prst="rect">
+            <a:avLst/>
+          </a:prstGeom>
+        </p:spPr>
+        <p:style>
+          <a:lnRef idx="2">
+            <a:schemeClr val="accent1"/>
+          </a:lnRef>
+          <a:fillRef idx="1">
+            <a:schemeClr val="lt1"/>
+          </a:fillRef>
+          <a:effectRef idx="0">
+            <a:schemeClr val="accent1"/>
+          </a:effectRef>
+          <a:fontRef idx="minor">
+            <a:schemeClr val="dk1"/>
+          </a:fontRef>
+        </p:style>
+        <p:txBody>
+          <a:bodyPr rtlCol="0" anchor="ctr"/>
+          <a:lstStyle/>
+          <a:p>
+            <a:pPr algn="ctr"/>
+            <a:r>
+              <a:rPr lang="en-US" altLang="ko-KR" sz="1200" dirty="0"/>
+              <a:t>Stacked RNN</a:t>
+            </a:r>
+            <a:br>
+              <a:rPr lang="en-US" altLang="ko-KR" sz="1200" dirty="0"/>
+            </a:br>
+            <a:r>
+              <a:rPr lang="en-US" altLang="ko-KR" sz="1200" dirty="0"/>
+              <a:t>Cells</a:t>
+            </a:r>
+            <a:endParaRPr lang="ko-KR" altLang="en-US" sz="1200" dirty="0"/>
+          </a:p>
+        </p:txBody>
+      </p:sp>
+      <p:sp>
+        <p:nvSpPr>
+          <p:cNvPr id="11" name="직사각형 10">
+            <a:extLst>
+              <a:ext uri="{FF2B5EF4-FFF2-40B4-BE49-F238E27FC236}">
+                <a16:creationId xmlns:a16="http://schemas.microsoft.com/office/drawing/2014/main" id="{99196F47-6546-4414-8692-8B1D6EB7861E}"/>
+              </a:ext>
+            </a:extLst>
+          </p:cNvPr>
+          <p:cNvSpPr/>
+          <p:nvPr/>
+        </p:nvSpPr>
+        <p:spPr>
+          <a:xfrm>
+            <a:off x="9651772" y="1675011"/>
+            <a:ext cx="777240" cy="2651759"/>
+          </a:xfrm>
+          <a:prstGeom prst="rect">
+            <a:avLst/>
+          </a:prstGeom>
+        </p:spPr>
+        <p:style>
+          <a:lnRef idx="2">
+            <a:schemeClr val="accent1"/>
+          </a:lnRef>
+          <a:fillRef idx="1">
+            <a:schemeClr val="lt1"/>
+          </a:fillRef>
+          <a:effectRef idx="0">
+            <a:schemeClr val="accent1"/>
+          </a:effectRef>
+          <a:fontRef idx="minor">
+            <a:schemeClr val="dk1"/>
+          </a:fontRef>
+        </p:style>
+        <p:txBody>
+          <a:bodyPr rtlCol="0" anchor="ctr"/>
+          <a:lstStyle/>
+          <a:p>
+            <a:pPr algn="ctr"/>
+            <a:r>
+              <a:rPr lang="en-US" altLang="ko-KR" sz="1200" dirty="0"/>
+              <a:t>Stacked RNN</a:t>
+            </a:r>
+            <a:br>
+              <a:rPr lang="en-US" altLang="ko-KR" sz="1200" dirty="0"/>
+            </a:br>
+            <a:r>
+              <a:rPr lang="en-US" altLang="ko-KR" sz="1200" dirty="0"/>
+              <a:t>Cells</a:t>
+            </a:r>
+            <a:endParaRPr lang="ko-KR" altLang="en-US" sz="1200" dirty="0"/>
+          </a:p>
+        </p:txBody>
+      </p:sp>
+      <p:cxnSp>
+        <p:nvCxnSpPr>
+          <p:cNvPr id="13" name="직선 화살표 연결선 12">
+            <a:extLst>
+              <a:ext uri="{FF2B5EF4-FFF2-40B4-BE49-F238E27FC236}">
+                <a16:creationId xmlns:a16="http://schemas.microsoft.com/office/drawing/2014/main" id="{147C09B1-E5F5-4D82-94F1-78DDF76CEDA4}"/>
+              </a:ext>
+            </a:extLst>
+          </p:cNvPr>
+          <p:cNvCxnSpPr>
+            <a:stCxn id="4" idx="3"/>
+            <a:endCxn id="5" idx="1"/>
+          </p:cNvCxnSpPr>
+          <p:nvPr/>
+        </p:nvCxnSpPr>
+        <p:spPr>
+          <a:xfrm flipV="1">
+            <a:off x="1167940" y="3000892"/>
+            <a:ext cx="481445" cy="1"/>
+          </a:xfrm>
+          <a:prstGeom prst="straightConnector1">
+            <a:avLst/>
+          </a:prstGeom>
+          <a:ln>
+            <a:tailEnd type="triangle"/>
+          </a:ln>
+        </p:spPr>
+        <p:style>
+          <a:lnRef idx="2">
+            <a:schemeClr val="dk1"/>
+          </a:lnRef>
+          <a:fillRef idx="1">
+            <a:schemeClr val="lt1"/>
+          </a:fillRef>
+          <a:effectRef idx="0">
+            <a:schemeClr val="dk1"/>
+          </a:effectRef>
+          <a:fontRef idx="minor">
+            <a:schemeClr val="dk1"/>
+          </a:fontRef>
+        </p:style>
+      </p:cxnSp>
+      <p:cxnSp>
+        <p:nvCxnSpPr>
+          <p:cNvPr id="14" name="직선 화살표 연결선 13">
+            <a:extLst>
+              <a:ext uri="{FF2B5EF4-FFF2-40B4-BE49-F238E27FC236}">
+                <a16:creationId xmlns:a16="http://schemas.microsoft.com/office/drawing/2014/main" id="{8C04CFDC-9131-4F45-9FE4-55EF3F4FEBBF}"/>
+              </a:ext>
+            </a:extLst>
+          </p:cNvPr>
+          <p:cNvCxnSpPr>
+            <a:cxnSpLocks/>
+            <a:stCxn id="5" idx="3"/>
+            <a:endCxn id="6" idx="1"/>
+          </p:cNvCxnSpPr>
+          <p:nvPr/>
+        </p:nvCxnSpPr>
+        <p:spPr>
+          <a:xfrm>
+            <a:off x="2426625" y="3000892"/>
+            <a:ext cx="481446" cy="0"/>
+          </a:xfrm>
+          <a:prstGeom prst="straightConnector1">
+            <a:avLst/>
+          </a:prstGeom>
+          <a:ln>
+            <a:tailEnd type="triangle"/>
+          </a:ln>
+        </p:spPr>
+        <p:style>
+          <a:lnRef idx="2">
+            <a:schemeClr val="dk1"/>
+          </a:lnRef>
+          <a:fillRef idx="1">
+            <a:schemeClr val="lt1"/>
+          </a:fillRef>
+          <a:effectRef idx="0">
+            <a:schemeClr val="dk1"/>
+          </a:effectRef>
+          <a:fontRef idx="minor">
+            <a:schemeClr val="dk1"/>
+          </a:fontRef>
+        </p:style>
+      </p:cxnSp>
+      <p:cxnSp>
+        <p:nvCxnSpPr>
+          <p:cNvPr id="17" name="직선 화살표 연결선 16">
+            <a:extLst>
+              <a:ext uri="{FF2B5EF4-FFF2-40B4-BE49-F238E27FC236}">
+                <a16:creationId xmlns:a16="http://schemas.microsoft.com/office/drawing/2014/main" id="{49D920B6-9F30-4FE3-98BD-24435542E509}"/>
+              </a:ext>
+            </a:extLst>
+          </p:cNvPr>
+          <p:cNvCxnSpPr>
+            <a:cxnSpLocks/>
+            <a:stCxn id="6" idx="3"/>
+            <a:endCxn id="7" idx="1"/>
+          </p:cNvCxnSpPr>
+          <p:nvPr/>
+        </p:nvCxnSpPr>
+        <p:spPr>
+          <a:xfrm>
+            <a:off x="3685311" y="3000892"/>
+            <a:ext cx="481446" cy="0"/>
+          </a:xfrm>
+          <a:prstGeom prst="straightConnector1">
+            <a:avLst/>
+          </a:prstGeom>
+          <a:ln>
+            <a:tailEnd type="triangle"/>
+          </a:ln>
+        </p:spPr>
+        <p:style>
+          <a:lnRef idx="2">
+            <a:schemeClr val="dk1"/>
+          </a:lnRef>
+          <a:fillRef idx="1">
+            <a:schemeClr val="lt1"/>
+          </a:fillRef>
+          <a:effectRef idx="0">
+            <a:schemeClr val="dk1"/>
+          </a:effectRef>
+          <a:fontRef idx="minor">
+            <a:schemeClr val="dk1"/>
+          </a:fontRef>
+        </p:style>
+      </p:cxnSp>
+      <p:cxnSp>
+        <p:nvCxnSpPr>
+          <p:cNvPr id="20" name="직선 화살표 연결선 19">
+            <a:extLst>
+              <a:ext uri="{FF2B5EF4-FFF2-40B4-BE49-F238E27FC236}">
+                <a16:creationId xmlns:a16="http://schemas.microsoft.com/office/drawing/2014/main" id="{9C78436C-633A-4ED7-9243-B162D8131872}"/>
+              </a:ext>
+            </a:extLst>
+          </p:cNvPr>
+          <p:cNvCxnSpPr>
+            <a:cxnSpLocks/>
+            <a:stCxn id="7" idx="3"/>
+            <a:endCxn id="8" idx="1"/>
+          </p:cNvCxnSpPr>
+          <p:nvPr/>
+        </p:nvCxnSpPr>
+        <p:spPr>
+          <a:xfrm>
+            <a:off x="4943997" y="3000892"/>
+            <a:ext cx="931718" cy="0"/>
+          </a:xfrm>
+          <a:prstGeom prst="straightConnector1">
+            <a:avLst/>
+          </a:prstGeom>
+          <a:ln>
+            <a:tailEnd type="triangle"/>
+          </a:ln>
+        </p:spPr>
+        <p:style>
+          <a:lnRef idx="2">
+            <a:schemeClr val="dk1"/>
+          </a:lnRef>
+          <a:fillRef idx="1">
+            <a:schemeClr val="lt1"/>
+          </a:fillRef>
+          <a:effectRef idx="0">
+            <a:schemeClr val="dk1"/>
+          </a:effectRef>
+          <a:fontRef idx="minor">
+            <a:schemeClr val="dk1"/>
+          </a:fontRef>
+        </p:style>
+      </p:cxnSp>
+      <p:cxnSp>
+        <p:nvCxnSpPr>
+          <p:cNvPr id="23" name="직선 화살표 연결선 22">
+            <a:extLst>
+              <a:ext uri="{FF2B5EF4-FFF2-40B4-BE49-F238E27FC236}">
+                <a16:creationId xmlns:a16="http://schemas.microsoft.com/office/drawing/2014/main" id="{A2C36C91-CB11-4877-A9AB-7077C45F91B3}"/>
+              </a:ext>
+            </a:extLst>
+          </p:cNvPr>
+          <p:cNvCxnSpPr>
+            <a:cxnSpLocks/>
+            <a:stCxn id="8" idx="3"/>
+            <a:endCxn id="9" idx="1"/>
+          </p:cNvCxnSpPr>
+          <p:nvPr/>
+        </p:nvCxnSpPr>
+        <p:spPr>
+          <a:xfrm flipV="1">
+            <a:off x="6652955" y="3000891"/>
+            <a:ext cx="481445" cy="1"/>
+          </a:xfrm>
+          <a:prstGeom prst="straightConnector1">
+            <a:avLst/>
+          </a:prstGeom>
+          <a:ln>
+            <a:tailEnd type="triangle"/>
+          </a:ln>
+        </p:spPr>
+        <p:style>
+          <a:lnRef idx="2">
+            <a:schemeClr val="dk1"/>
+          </a:lnRef>
+          <a:fillRef idx="1">
+            <a:schemeClr val="lt1"/>
+          </a:fillRef>
+          <a:effectRef idx="0">
+            <a:schemeClr val="dk1"/>
+          </a:effectRef>
+          <a:fontRef idx="minor">
+            <a:schemeClr val="dk1"/>
+          </a:fontRef>
+        </p:style>
+      </p:cxnSp>
+      <p:cxnSp>
+        <p:nvCxnSpPr>
+          <p:cNvPr id="26" name="직선 화살표 연결선 25">
+            <a:extLst>
+              <a:ext uri="{FF2B5EF4-FFF2-40B4-BE49-F238E27FC236}">
+                <a16:creationId xmlns:a16="http://schemas.microsoft.com/office/drawing/2014/main" id="{4EBBCF9C-83D0-464C-96CC-25511ECF7979}"/>
+              </a:ext>
+            </a:extLst>
+          </p:cNvPr>
+          <p:cNvCxnSpPr>
+            <a:cxnSpLocks/>
+            <a:stCxn id="9" idx="3"/>
+            <a:endCxn id="10" idx="1"/>
+          </p:cNvCxnSpPr>
+          <p:nvPr/>
+        </p:nvCxnSpPr>
+        <p:spPr>
+          <a:xfrm>
+            <a:off x="7911640" y="3000891"/>
+            <a:ext cx="481446" cy="0"/>
+          </a:xfrm>
+          <a:prstGeom prst="straightConnector1">
+            <a:avLst/>
+          </a:prstGeom>
+          <a:ln>
+            <a:tailEnd type="triangle"/>
+          </a:ln>
+        </p:spPr>
+        <p:style>
+          <a:lnRef idx="2">
+            <a:schemeClr val="dk1"/>
+          </a:lnRef>
+          <a:fillRef idx="1">
+            <a:schemeClr val="lt1"/>
+          </a:fillRef>
+          <a:effectRef idx="0">
+            <a:schemeClr val="dk1"/>
+          </a:effectRef>
+          <a:fontRef idx="minor">
+            <a:schemeClr val="dk1"/>
+          </a:fontRef>
+        </p:style>
+      </p:cxnSp>
+      <p:cxnSp>
+        <p:nvCxnSpPr>
+          <p:cNvPr id="29" name="직선 화살표 연결선 28">
+            <a:extLst>
+              <a:ext uri="{FF2B5EF4-FFF2-40B4-BE49-F238E27FC236}">
+                <a16:creationId xmlns:a16="http://schemas.microsoft.com/office/drawing/2014/main" id="{9BEA08D9-5003-4EBA-B771-84E318E77859}"/>
+              </a:ext>
+            </a:extLst>
+          </p:cNvPr>
+          <p:cNvCxnSpPr>
+            <a:cxnSpLocks/>
+            <a:stCxn id="10" idx="3"/>
+            <a:endCxn id="11" idx="1"/>
+          </p:cNvCxnSpPr>
+          <p:nvPr/>
+        </p:nvCxnSpPr>
+        <p:spPr>
+          <a:xfrm>
+            <a:off x="9170326" y="3000891"/>
+            <a:ext cx="481446" cy="0"/>
+          </a:xfrm>
+          <a:prstGeom prst="straightConnector1">
+            <a:avLst/>
+          </a:prstGeom>
+          <a:ln>
+            <a:tailEnd type="triangle"/>
+          </a:ln>
+        </p:spPr>
+        <p:style>
+          <a:lnRef idx="2">
+            <a:schemeClr val="dk1"/>
+          </a:lnRef>
+          <a:fillRef idx="1">
+            <a:schemeClr val="lt1"/>
+          </a:fillRef>
+          <a:effectRef idx="0">
+            <a:schemeClr val="dk1"/>
+          </a:effectRef>
+          <a:fontRef idx="minor">
+            <a:schemeClr val="dk1"/>
+          </a:fontRef>
+        </p:style>
+      </p:cxnSp>
+      <mc:AlternateContent xmlns:mc="http://schemas.openxmlformats.org/markup-compatibility/2006">
+        <mc:Choice xmlns:a14="http://schemas.microsoft.com/office/drawing/2010/main" Requires="a14">
+          <p:sp>
+            <p:nvSpPr>
+              <p:cNvPr id="32" name="TextBox 31">
+                <a:extLst>
+                  <a:ext uri="{FF2B5EF4-FFF2-40B4-BE49-F238E27FC236}">
+                    <a16:creationId xmlns:a16="http://schemas.microsoft.com/office/drawing/2014/main" id="{B762AC4C-43D2-4F68-9F3B-5B6960C79FD5}"/>
+                  </a:ext>
+                </a:extLst>
+              </p:cNvPr>
+              <p:cNvSpPr txBox="1"/>
+              <p:nvPr/>
+            </p:nvSpPr>
+            <p:spPr>
+              <a:xfrm>
+                <a:off x="531851" y="5623522"/>
+                <a:ext cx="494943" cy="369332"/>
+              </a:xfrm>
+              <a:prstGeom prst="rect">
+                <a:avLst/>
+              </a:prstGeom>
+              <a:noFill/>
+            </p:spPr>
+            <p:txBody>
+              <a:bodyPr wrap="none" rtlCol="0">
+                <a:spAutoFit/>
+              </a:bodyPr>
+              <a:lstStyle/>
+              <a:p>
+                <a14:m>
+                  <m:oMathPara xmlns:m="http://schemas.openxmlformats.org/officeDocument/2006/math">
+                    <m:oMathParaPr>
+                      <m:jc m:val="centerGroup"/>
+                    </m:oMathParaPr>
+                    <m:oMath xmlns:m="http://schemas.openxmlformats.org/officeDocument/2006/math">
+                      <m:sSub>
+                        <m:sSubPr>
+                          <m:ctrlPr>
+                            <a:rPr lang="en-US" altLang="ko-KR" i="1" smtClean="0">
+                              <a:latin typeface="Cambria Math" panose="02040503050406030204" pitchFamily="18" charset="0"/>
+                            </a:rPr>
+                          </m:ctrlPr>
+                        </m:sSubPr>
+                        <m:e>
+                          <m:r>
+                            <a:rPr lang="en-US" altLang="ko-KR" b="0" i="1" smtClean="0">
+                              <a:latin typeface="Cambria Math" panose="02040503050406030204" pitchFamily="18" charset="0"/>
+                            </a:rPr>
+                            <m:t>𝑥</m:t>
+                          </m:r>
+                        </m:e>
+                        <m:sub>
+                          <m:r>
+                            <a:rPr lang="en-US" altLang="ko-KR" b="0" i="1" smtClean="0">
+                              <a:latin typeface="Cambria Math" panose="02040503050406030204" pitchFamily="18" charset="0"/>
+                            </a:rPr>
+                            <m:t>0</m:t>
+                          </m:r>
+                        </m:sub>
+                      </m:sSub>
+                    </m:oMath>
+                  </m:oMathPara>
+                </a14:m>
+                <a:endParaRPr lang="ko-KR" altLang="en-US" dirty="0"/>
+              </a:p>
+            </p:txBody>
+          </p:sp>
+        </mc:Choice>
+        <mc:Fallback>
+          <p:sp>
+            <p:nvSpPr>
+              <p:cNvPr id="32" name="TextBox 31">
+                <a:extLst>
+                  <a:ext uri="{FF2B5EF4-FFF2-40B4-BE49-F238E27FC236}">
+                    <a16:creationId xmlns:a16="http://schemas.microsoft.com/office/drawing/2014/main" id="{B762AC4C-43D2-4F68-9F3B-5B6960C79FD5}"/>
+                  </a:ext>
+                </a:extLst>
+              </p:cNvPr>
+              <p:cNvSpPr txBox="1">
+                <a:spLocks noRot="1" noChangeAspect="1" noMove="1" noResize="1" noEditPoints="1" noAdjustHandles="1" noChangeArrowheads="1" noChangeShapeType="1" noTextEdit="1"/>
+              </p:cNvSpPr>
+              <p:nvPr/>
+            </p:nvSpPr>
+            <p:spPr>
+              <a:xfrm>
+                <a:off x="531851" y="5623522"/>
+                <a:ext cx="494943" cy="369332"/>
+              </a:xfrm>
+              <a:prstGeom prst="rect">
+                <a:avLst/>
+              </a:prstGeom>
+              <a:blipFill>
+                <a:blip r:embed="rId2"/>
+                <a:stretch>
+                  <a:fillRect b="-1639"/>
+                </a:stretch>
+              </a:blipFill>
+            </p:spPr>
+            <p:txBody>
+              <a:bodyPr/>
+              <a:lstStyle/>
+              <a:p>
+                <a:r>
+                  <a:rPr lang="ko-KR" altLang="en-US">
+                    <a:noFill/>
+                  </a:rPr>
+                  <a:t> </a:t>
+                </a:r>
+              </a:p>
+            </p:txBody>
+          </p:sp>
+        </mc:Fallback>
+      </mc:AlternateContent>
+      <mc:AlternateContent xmlns:mc="http://schemas.openxmlformats.org/markup-compatibility/2006">
+        <mc:Choice xmlns:a14="http://schemas.microsoft.com/office/drawing/2010/main" Requires="a14">
+          <p:sp>
+            <p:nvSpPr>
+              <p:cNvPr id="33" name="TextBox 32">
+                <a:extLst>
+                  <a:ext uri="{FF2B5EF4-FFF2-40B4-BE49-F238E27FC236}">
+                    <a16:creationId xmlns:a16="http://schemas.microsoft.com/office/drawing/2014/main" id="{17AFDE06-C487-486D-B7B1-76971B04CC45}"/>
+                  </a:ext>
+                </a:extLst>
+              </p:cNvPr>
+              <p:cNvSpPr txBox="1"/>
+              <p:nvPr/>
+            </p:nvSpPr>
+            <p:spPr>
+              <a:xfrm>
+                <a:off x="1790536" y="5623810"/>
+                <a:ext cx="489621" cy="369332"/>
+              </a:xfrm>
+              <a:prstGeom prst="rect">
+                <a:avLst/>
+              </a:prstGeom>
+              <a:noFill/>
+            </p:spPr>
+            <p:txBody>
+              <a:bodyPr wrap="none" rtlCol="0">
+                <a:spAutoFit/>
+              </a:bodyPr>
+              <a:lstStyle/>
+              <a:p>
+                <a14:m>
+                  <m:oMathPara xmlns:m="http://schemas.openxmlformats.org/officeDocument/2006/math">
+                    <m:oMathParaPr>
+                      <m:jc m:val="centerGroup"/>
+                    </m:oMathParaPr>
+                    <m:oMath xmlns:m="http://schemas.openxmlformats.org/officeDocument/2006/math">
+                      <m:sSub>
+                        <m:sSubPr>
+                          <m:ctrlPr>
+                            <a:rPr lang="en-US" altLang="ko-KR" i="1" smtClean="0">
+                              <a:latin typeface="Cambria Math" panose="02040503050406030204" pitchFamily="18" charset="0"/>
+                            </a:rPr>
+                          </m:ctrlPr>
+                        </m:sSubPr>
+                        <m:e>
+                          <m:r>
+                            <a:rPr lang="en-US" altLang="ko-KR" b="0" i="1" smtClean="0">
+                              <a:latin typeface="Cambria Math" panose="02040503050406030204" pitchFamily="18" charset="0"/>
+                            </a:rPr>
+                            <m:t>𝑥</m:t>
+                          </m:r>
+                        </m:e>
+                        <m:sub>
+                          <m:r>
+                            <a:rPr lang="en-US" altLang="ko-KR" b="0" i="1" smtClean="0">
+                              <a:latin typeface="Cambria Math" panose="02040503050406030204" pitchFamily="18" charset="0"/>
+                            </a:rPr>
+                            <m:t>1</m:t>
+                          </m:r>
+                        </m:sub>
+                      </m:sSub>
+                    </m:oMath>
+                  </m:oMathPara>
+                </a14:m>
+                <a:endParaRPr lang="ko-KR" altLang="en-US" dirty="0"/>
+              </a:p>
+            </p:txBody>
+          </p:sp>
+        </mc:Choice>
+        <mc:Fallback>
+          <p:sp>
+            <p:nvSpPr>
+              <p:cNvPr id="33" name="TextBox 32">
+                <a:extLst>
+                  <a:ext uri="{FF2B5EF4-FFF2-40B4-BE49-F238E27FC236}">
+                    <a16:creationId xmlns:a16="http://schemas.microsoft.com/office/drawing/2014/main" id="{17AFDE06-C487-486D-B7B1-76971B04CC45}"/>
+                  </a:ext>
+                </a:extLst>
+              </p:cNvPr>
+              <p:cNvSpPr txBox="1">
+                <a:spLocks noRot="1" noChangeAspect="1" noMove="1" noResize="1" noEditPoints="1" noAdjustHandles="1" noChangeArrowheads="1" noChangeShapeType="1" noTextEdit="1"/>
+              </p:cNvSpPr>
+              <p:nvPr/>
+            </p:nvSpPr>
+            <p:spPr>
+              <a:xfrm>
+                <a:off x="1790536" y="5623810"/>
+                <a:ext cx="489621" cy="369332"/>
+              </a:xfrm>
+              <a:prstGeom prst="rect">
+                <a:avLst/>
+              </a:prstGeom>
+              <a:blipFill>
+                <a:blip r:embed="rId3"/>
+                <a:stretch>
+                  <a:fillRect b="-3333"/>
+                </a:stretch>
+              </a:blipFill>
+            </p:spPr>
+            <p:txBody>
+              <a:bodyPr/>
+              <a:lstStyle/>
+              <a:p>
+                <a:r>
+                  <a:rPr lang="ko-KR" altLang="en-US">
+                    <a:noFill/>
+                  </a:rPr>
+                  <a:t> </a:t>
+                </a:r>
+              </a:p>
+            </p:txBody>
+          </p:sp>
+        </mc:Fallback>
+      </mc:AlternateContent>
+      <mc:AlternateContent xmlns:mc="http://schemas.openxmlformats.org/markup-compatibility/2006">
+        <mc:Choice xmlns:a14="http://schemas.microsoft.com/office/drawing/2010/main" Requires="a14">
+          <p:sp>
+            <p:nvSpPr>
+              <p:cNvPr id="34" name="TextBox 33">
+                <a:extLst>
+                  <a:ext uri="{FF2B5EF4-FFF2-40B4-BE49-F238E27FC236}">
+                    <a16:creationId xmlns:a16="http://schemas.microsoft.com/office/drawing/2014/main" id="{3176E3DE-1A33-48CE-8889-27F07BED33E0}"/>
+                  </a:ext>
+                </a:extLst>
+              </p:cNvPr>
+              <p:cNvSpPr txBox="1"/>
+              <p:nvPr/>
+            </p:nvSpPr>
+            <p:spPr>
+              <a:xfrm>
+                <a:off x="3049221" y="5623522"/>
+                <a:ext cx="494943" cy="369332"/>
+              </a:xfrm>
+              <a:prstGeom prst="rect">
+                <a:avLst/>
+              </a:prstGeom>
+              <a:noFill/>
+            </p:spPr>
+            <p:txBody>
+              <a:bodyPr wrap="none" rtlCol="0">
+                <a:spAutoFit/>
+              </a:bodyPr>
+              <a:lstStyle/>
+              <a:p>
+                <a14:m>
+                  <m:oMathPara xmlns:m="http://schemas.openxmlformats.org/officeDocument/2006/math">
+                    <m:oMathParaPr>
+                      <m:jc m:val="centerGroup"/>
+                    </m:oMathParaPr>
+                    <m:oMath xmlns:m="http://schemas.openxmlformats.org/officeDocument/2006/math">
+                      <m:sSub>
+                        <m:sSubPr>
+                          <m:ctrlPr>
+                            <a:rPr lang="en-US" altLang="ko-KR" i="1" smtClean="0">
+                              <a:latin typeface="Cambria Math" panose="02040503050406030204" pitchFamily="18" charset="0"/>
+                            </a:rPr>
+                          </m:ctrlPr>
+                        </m:sSubPr>
+                        <m:e>
+                          <m:r>
+                            <a:rPr lang="en-US" altLang="ko-KR" b="0" i="1" smtClean="0">
+                              <a:latin typeface="Cambria Math" panose="02040503050406030204" pitchFamily="18" charset="0"/>
+                            </a:rPr>
+                            <m:t>𝑥</m:t>
+                          </m:r>
+                        </m:e>
+                        <m:sub>
+                          <m:r>
+                            <a:rPr lang="en-US" altLang="ko-KR" b="0" i="1" smtClean="0">
+                              <a:latin typeface="Cambria Math" panose="02040503050406030204" pitchFamily="18" charset="0"/>
+                            </a:rPr>
+                            <m:t>2</m:t>
+                          </m:r>
+                        </m:sub>
+                      </m:sSub>
+                    </m:oMath>
+                  </m:oMathPara>
+                </a14:m>
+                <a:endParaRPr lang="ko-KR" altLang="en-US" dirty="0"/>
+              </a:p>
+            </p:txBody>
+          </p:sp>
+        </mc:Choice>
+        <mc:Fallback>
+          <p:sp>
+            <p:nvSpPr>
+              <p:cNvPr id="34" name="TextBox 33">
+                <a:extLst>
+                  <a:ext uri="{FF2B5EF4-FFF2-40B4-BE49-F238E27FC236}">
+                    <a16:creationId xmlns:a16="http://schemas.microsoft.com/office/drawing/2014/main" id="{3176E3DE-1A33-48CE-8889-27F07BED33E0}"/>
+                  </a:ext>
+                </a:extLst>
+              </p:cNvPr>
+              <p:cNvSpPr txBox="1">
+                <a:spLocks noRot="1" noChangeAspect="1" noMove="1" noResize="1" noEditPoints="1" noAdjustHandles="1" noChangeArrowheads="1" noChangeShapeType="1" noTextEdit="1"/>
+              </p:cNvSpPr>
+              <p:nvPr/>
+            </p:nvSpPr>
+            <p:spPr>
+              <a:xfrm>
+                <a:off x="3049221" y="5623522"/>
+                <a:ext cx="494943" cy="369332"/>
+              </a:xfrm>
+              <a:prstGeom prst="rect">
+                <a:avLst/>
+              </a:prstGeom>
+              <a:blipFill>
+                <a:blip r:embed="rId4"/>
+                <a:stretch>
+                  <a:fillRect b="-1639"/>
+                </a:stretch>
+              </a:blipFill>
+            </p:spPr>
+            <p:txBody>
+              <a:bodyPr/>
+              <a:lstStyle/>
+              <a:p>
+                <a:r>
+                  <a:rPr lang="ko-KR" altLang="en-US">
+                    <a:noFill/>
+                  </a:rPr>
+                  <a:t> </a:t>
+                </a:r>
+              </a:p>
+            </p:txBody>
+          </p:sp>
+        </mc:Fallback>
+      </mc:AlternateContent>
+      <mc:AlternateContent xmlns:mc="http://schemas.openxmlformats.org/markup-compatibility/2006">
+        <mc:Choice xmlns:a14="http://schemas.microsoft.com/office/drawing/2010/main" Requires="a14">
+          <p:sp>
+            <p:nvSpPr>
+              <p:cNvPr id="35" name="TextBox 34">
+                <a:extLst>
+                  <a:ext uri="{FF2B5EF4-FFF2-40B4-BE49-F238E27FC236}">
+                    <a16:creationId xmlns:a16="http://schemas.microsoft.com/office/drawing/2014/main" id="{3E6BEBE2-E434-4579-9BEF-7F057088C6A4}"/>
+                  </a:ext>
+                </a:extLst>
+              </p:cNvPr>
+              <p:cNvSpPr txBox="1"/>
+              <p:nvPr/>
+            </p:nvSpPr>
+            <p:spPr>
+              <a:xfrm>
+                <a:off x="4307906" y="5623522"/>
+                <a:ext cx="494943" cy="369332"/>
+              </a:xfrm>
+              <a:prstGeom prst="rect">
+                <a:avLst/>
+              </a:prstGeom>
+              <a:noFill/>
+            </p:spPr>
+            <p:txBody>
+              <a:bodyPr wrap="none" rtlCol="0">
+                <a:spAutoFit/>
+              </a:bodyPr>
+              <a:lstStyle/>
+              <a:p>
+                <a14:m>
+                  <m:oMathPara xmlns:m="http://schemas.openxmlformats.org/officeDocument/2006/math">
+                    <m:oMathParaPr>
+                      <m:jc m:val="centerGroup"/>
+                    </m:oMathParaPr>
+                    <m:oMath xmlns:m="http://schemas.openxmlformats.org/officeDocument/2006/math">
+                      <m:sSub>
+                        <m:sSubPr>
+                          <m:ctrlPr>
+                            <a:rPr lang="en-US" altLang="ko-KR" i="1" smtClean="0">
+                              <a:latin typeface="Cambria Math" panose="02040503050406030204" pitchFamily="18" charset="0"/>
+                            </a:rPr>
+                          </m:ctrlPr>
+                        </m:sSubPr>
+                        <m:e>
+                          <m:r>
+                            <a:rPr lang="en-US" altLang="ko-KR" b="0" i="1" smtClean="0">
+                              <a:latin typeface="Cambria Math" panose="02040503050406030204" pitchFamily="18" charset="0"/>
+                            </a:rPr>
+                            <m:t>𝑥</m:t>
+                          </m:r>
+                        </m:e>
+                        <m:sub>
+                          <m:r>
+                            <a:rPr lang="en-US" altLang="ko-KR" b="0" i="1" smtClean="0">
+                              <a:latin typeface="Cambria Math" panose="02040503050406030204" pitchFamily="18" charset="0"/>
+                            </a:rPr>
+                            <m:t>3</m:t>
+                          </m:r>
+                        </m:sub>
+                      </m:sSub>
+                    </m:oMath>
+                  </m:oMathPara>
+                </a14:m>
+                <a:endParaRPr lang="ko-KR" altLang="en-US" dirty="0"/>
+              </a:p>
+            </p:txBody>
+          </p:sp>
+        </mc:Choice>
+        <mc:Fallback>
+          <p:sp>
+            <p:nvSpPr>
+              <p:cNvPr id="35" name="TextBox 34">
+                <a:extLst>
+                  <a:ext uri="{FF2B5EF4-FFF2-40B4-BE49-F238E27FC236}">
+                    <a16:creationId xmlns:a16="http://schemas.microsoft.com/office/drawing/2014/main" id="{3E6BEBE2-E434-4579-9BEF-7F057088C6A4}"/>
+                  </a:ext>
+                </a:extLst>
+              </p:cNvPr>
+              <p:cNvSpPr txBox="1">
+                <a:spLocks noRot="1" noChangeAspect="1" noMove="1" noResize="1" noEditPoints="1" noAdjustHandles="1" noChangeArrowheads="1" noChangeShapeType="1" noTextEdit="1"/>
+              </p:cNvSpPr>
+              <p:nvPr/>
+            </p:nvSpPr>
+            <p:spPr>
+              <a:xfrm>
+                <a:off x="4307906" y="5623522"/>
+                <a:ext cx="494943" cy="369332"/>
+              </a:xfrm>
+              <a:prstGeom prst="rect">
+                <a:avLst/>
+              </a:prstGeom>
+              <a:blipFill>
+                <a:blip r:embed="rId5"/>
+                <a:stretch>
+                  <a:fillRect b="-1639"/>
+                </a:stretch>
+              </a:blipFill>
+            </p:spPr>
+            <p:txBody>
+              <a:bodyPr/>
+              <a:lstStyle/>
+              <a:p>
+                <a:r>
+                  <a:rPr lang="ko-KR" altLang="en-US">
+                    <a:noFill/>
+                  </a:rPr>
+                  <a:t> </a:t>
+                </a:r>
+              </a:p>
+            </p:txBody>
+          </p:sp>
+        </mc:Fallback>
+      </mc:AlternateContent>
+      <mc:AlternateContent xmlns:mc="http://schemas.openxmlformats.org/markup-compatibility/2006">
+        <mc:Choice xmlns:a14="http://schemas.microsoft.com/office/drawing/2010/main" Requires="a14">
+          <p:sp>
+            <p:nvSpPr>
+              <p:cNvPr id="36" name="TextBox 35">
+                <a:extLst>
+                  <a:ext uri="{FF2B5EF4-FFF2-40B4-BE49-F238E27FC236}">
+                    <a16:creationId xmlns:a16="http://schemas.microsoft.com/office/drawing/2014/main" id="{14E0069C-C3BE-41C2-B653-A18BA212F52D}"/>
+                  </a:ext>
+                </a:extLst>
+              </p:cNvPr>
+              <p:cNvSpPr txBox="1"/>
+              <p:nvPr/>
+            </p:nvSpPr>
+            <p:spPr>
+              <a:xfrm>
+                <a:off x="7274715" y="5623525"/>
+                <a:ext cx="496610" cy="369332"/>
+              </a:xfrm>
+              <a:prstGeom prst="rect">
+                <a:avLst/>
+              </a:prstGeom>
+              <a:noFill/>
+            </p:spPr>
+            <p:txBody>
+              <a:bodyPr wrap="none" rtlCol="0">
+                <a:spAutoFit/>
+              </a:bodyPr>
+              <a:lstStyle/>
+              <a:p>
+                <a14:m>
+                  <m:oMathPara xmlns:m="http://schemas.openxmlformats.org/officeDocument/2006/math">
+                    <m:oMathParaPr>
+                      <m:jc m:val="centerGroup"/>
+                    </m:oMathParaPr>
+                    <m:oMath xmlns:m="http://schemas.openxmlformats.org/officeDocument/2006/math">
+                      <m:sSub>
+                        <m:sSubPr>
+                          <m:ctrlPr>
+                            <a:rPr lang="en-US" altLang="ko-KR" i="1" smtClean="0">
+                              <a:latin typeface="Cambria Math" panose="02040503050406030204" pitchFamily="18" charset="0"/>
+                            </a:rPr>
+                          </m:ctrlPr>
+                        </m:sSubPr>
+                        <m:e>
+                          <m:r>
+                            <a:rPr lang="en-US" altLang="ko-KR" b="0" i="1" smtClean="0">
+                              <a:latin typeface="Cambria Math" panose="02040503050406030204" pitchFamily="18" charset="0"/>
+                            </a:rPr>
+                            <m:t>𝑦</m:t>
+                          </m:r>
+                        </m:e>
+                        <m:sub>
+                          <m:r>
+                            <a:rPr lang="en-US" altLang="ko-KR" b="0" i="1" smtClean="0">
+                              <a:latin typeface="Cambria Math" panose="02040503050406030204" pitchFamily="18" charset="0"/>
+                            </a:rPr>
+                            <m:t>0</m:t>
+                          </m:r>
+                        </m:sub>
+                      </m:sSub>
+                    </m:oMath>
+                  </m:oMathPara>
+                </a14:m>
+                <a:endParaRPr lang="ko-KR" altLang="en-US" dirty="0"/>
+              </a:p>
+            </p:txBody>
+          </p:sp>
+        </mc:Choice>
+        <mc:Fallback>
+          <p:sp>
+            <p:nvSpPr>
+              <p:cNvPr id="36" name="TextBox 35">
+                <a:extLst>
+                  <a:ext uri="{FF2B5EF4-FFF2-40B4-BE49-F238E27FC236}">
+                    <a16:creationId xmlns:a16="http://schemas.microsoft.com/office/drawing/2014/main" id="{14E0069C-C3BE-41C2-B653-A18BA212F52D}"/>
+                  </a:ext>
+                </a:extLst>
+              </p:cNvPr>
+              <p:cNvSpPr txBox="1">
+                <a:spLocks noRot="1" noChangeAspect="1" noMove="1" noResize="1" noEditPoints="1" noAdjustHandles="1" noChangeArrowheads="1" noChangeShapeType="1" noTextEdit="1"/>
+              </p:cNvSpPr>
+              <p:nvPr/>
+            </p:nvSpPr>
+            <p:spPr>
+              <a:xfrm>
+                <a:off x="7274715" y="5623525"/>
+                <a:ext cx="496610" cy="369332"/>
+              </a:xfrm>
+              <a:prstGeom prst="rect">
+                <a:avLst/>
+              </a:prstGeom>
+              <a:blipFill>
+                <a:blip r:embed="rId6"/>
+                <a:stretch>
+                  <a:fillRect b="-9836"/>
+                </a:stretch>
+              </a:blipFill>
+            </p:spPr>
+            <p:txBody>
+              <a:bodyPr/>
+              <a:lstStyle/>
+              <a:p>
+                <a:r>
+                  <a:rPr lang="ko-KR" altLang="en-US">
+                    <a:noFill/>
+                  </a:rPr>
+                  <a:t> </a:t>
+                </a:r>
+              </a:p>
+            </p:txBody>
+          </p:sp>
+        </mc:Fallback>
+      </mc:AlternateContent>
+      <mc:AlternateContent xmlns:mc="http://schemas.openxmlformats.org/markup-compatibility/2006">
+        <mc:Choice xmlns:a14="http://schemas.microsoft.com/office/drawing/2010/main" Requires="a14">
+          <p:sp>
+            <p:nvSpPr>
+              <p:cNvPr id="37" name="TextBox 36">
+                <a:extLst>
+                  <a:ext uri="{FF2B5EF4-FFF2-40B4-BE49-F238E27FC236}">
+                    <a16:creationId xmlns:a16="http://schemas.microsoft.com/office/drawing/2014/main" id="{6448FB8C-D9A1-4602-BD58-DE946A793132}"/>
+                  </a:ext>
+                </a:extLst>
+              </p:cNvPr>
+              <p:cNvSpPr txBox="1"/>
+              <p:nvPr/>
+            </p:nvSpPr>
+            <p:spPr>
+              <a:xfrm>
+                <a:off x="8533401" y="5623525"/>
+                <a:ext cx="491288" cy="369332"/>
+              </a:xfrm>
+              <a:prstGeom prst="rect">
+                <a:avLst/>
+              </a:prstGeom>
+              <a:noFill/>
+            </p:spPr>
+            <p:txBody>
+              <a:bodyPr wrap="none" rtlCol="0">
+                <a:spAutoFit/>
+              </a:bodyPr>
+              <a:lstStyle/>
+              <a:p>
+                <a14:m>
+                  <m:oMathPara xmlns:m="http://schemas.openxmlformats.org/officeDocument/2006/math">
+                    <m:oMathParaPr>
+                      <m:jc m:val="centerGroup"/>
+                    </m:oMathParaPr>
+                    <m:oMath xmlns:m="http://schemas.openxmlformats.org/officeDocument/2006/math">
+                      <m:sSub>
+                        <m:sSubPr>
+                          <m:ctrlPr>
+                            <a:rPr lang="en-US" altLang="ko-KR" i="1" smtClean="0">
+                              <a:latin typeface="Cambria Math" panose="02040503050406030204" pitchFamily="18" charset="0"/>
+                            </a:rPr>
+                          </m:ctrlPr>
+                        </m:sSubPr>
+                        <m:e>
+                          <m:r>
+                            <a:rPr lang="en-US" altLang="ko-KR" b="0" i="1" smtClean="0">
+                              <a:latin typeface="Cambria Math" panose="02040503050406030204" pitchFamily="18" charset="0"/>
+                            </a:rPr>
+                            <m:t>𝑦</m:t>
+                          </m:r>
+                        </m:e>
+                        <m:sub>
+                          <m:r>
+                            <a:rPr lang="en-US" altLang="ko-KR" b="0" i="1" smtClean="0">
+                              <a:latin typeface="Cambria Math" panose="02040503050406030204" pitchFamily="18" charset="0"/>
+                            </a:rPr>
+                            <m:t>1</m:t>
+                          </m:r>
+                        </m:sub>
+                      </m:sSub>
+                    </m:oMath>
+                  </m:oMathPara>
+                </a14:m>
+                <a:endParaRPr lang="ko-KR" altLang="en-US" dirty="0"/>
+              </a:p>
+            </p:txBody>
+          </p:sp>
+        </mc:Choice>
+        <mc:Fallback>
+          <p:sp>
+            <p:nvSpPr>
+              <p:cNvPr id="37" name="TextBox 36">
+                <a:extLst>
+                  <a:ext uri="{FF2B5EF4-FFF2-40B4-BE49-F238E27FC236}">
+                    <a16:creationId xmlns:a16="http://schemas.microsoft.com/office/drawing/2014/main" id="{6448FB8C-D9A1-4602-BD58-DE946A793132}"/>
+                  </a:ext>
+                </a:extLst>
+              </p:cNvPr>
+              <p:cNvSpPr txBox="1">
+                <a:spLocks noRot="1" noChangeAspect="1" noMove="1" noResize="1" noEditPoints="1" noAdjustHandles="1" noChangeArrowheads="1" noChangeShapeType="1" noTextEdit="1"/>
+              </p:cNvSpPr>
+              <p:nvPr/>
+            </p:nvSpPr>
+            <p:spPr>
+              <a:xfrm>
+                <a:off x="8533401" y="5623525"/>
+                <a:ext cx="491288" cy="369332"/>
+              </a:xfrm>
+              <a:prstGeom prst="rect">
+                <a:avLst/>
+              </a:prstGeom>
+              <a:blipFill>
+                <a:blip r:embed="rId7"/>
+                <a:stretch>
+                  <a:fillRect b="-9836"/>
+                </a:stretch>
+              </a:blipFill>
+            </p:spPr>
+            <p:txBody>
+              <a:bodyPr/>
+              <a:lstStyle/>
+              <a:p>
+                <a:r>
+                  <a:rPr lang="ko-KR" altLang="en-US">
+                    <a:noFill/>
+                  </a:rPr>
+                  <a:t> </a:t>
+                </a:r>
+              </a:p>
+            </p:txBody>
+          </p:sp>
+        </mc:Fallback>
+      </mc:AlternateContent>
+      <mc:AlternateContent xmlns:mc="http://schemas.openxmlformats.org/markup-compatibility/2006">
+        <mc:Choice xmlns:a14="http://schemas.microsoft.com/office/drawing/2010/main" Requires="a14">
+          <p:sp>
+            <p:nvSpPr>
+              <p:cNvPr id="38" name="TextBox 37">
+                <a:extLst>
+                  <a:ext uri="{FF2B5EF4-FFF2-40B4-BE49-F238E27FC236}">
+                    <a16:creationId xmlns:a16="http://schemas.microsoft.com/office/drawing/2014/main" id="{7027025A-1A40-43C7-B377-B6E5B83B42C9}"/>
+                  </a:ext>
+                </a:extLst>
+              </p:cNvPr>
+              <p:cNvSpPr txBox="1"/>
+              <p:nvPr/>
+            </p:nvSpPr>
+            <p:spPr>
+              <a:xfrm>
+                <a:off x="9792087" y="5623525"/>
+                <a:ext cx="496611" cy="369332"/>
+              </a:xfrm>
+              <a:prstGeom prst="rect">
+                <a:avLst/>
+              </a:prstGeom>
+              <a:noFill/>
+            </p:spPr>
+            <p:txBody>
+              <a:bodyPr wrap="none" rtlCol="0">
+                <a:spAutoFit/>
+              </a:bodyPr>
+              <a:lstStyle/>
+              <a:p>
+                <a14:m>
+                  <m:oMathPara xmlns:m="http://schemas.openxmlformats.org/officeDocument/2006/math">
+                    <m:oMathParaPr>
+                      <m:jc m:val="centerGroup"/>
+                    </m:oMathParaPr>
+                    <m:oMath xmlns:m="http://schemas.openxmlformats.org/officeDocument/2006/math">
+                      <m:sSub>
+                        <m:sSubPr>
+                          <m:ctrlPr>
+                            <a:rPr lang="en-US" altLang="ko-KR" i="1" smtClean="0">
+                              <a:latin typeface="Cambria Math" panose="02040503050406030204" pitchFamily="18" charset="0"/>
+                            </a:rPr>
+                          </m:ctrlPr>
+                        </m:sSubPr>
+                        <m:e>
+                          <m:r>
+                            <a:rPr lang="en-US" altLang="ko-KR" b="0" i="1" smtClean="0">
+                              <a:latin typeface="Cambria Math" panose="02040503050406030204" pitchFamily="18" charset="0"/>
+                            </a:rPr>
+                            <m:t>𝑦</m:t>
+                          </m:r>
+                        </m:e>
+                        <m:sub>
+                          <m:r>
+                            <a:rPr lang="en-US" altLang="ko-KR" b="0" i="1" smtClean="0">
+                              <a:latin typeface="Cambria Math" panose="02040503050406030204" pitchFamily="18" charset="0"/>
+                            </a:rPr>
+                            <m:t>2</m:t>
+                          </m:r>
+                        </m:sub>
+                      </m:sSub>
+                    </m:oMath>
+                  </m:oMathPara>
+                </a14:m>
+                <a:endParaRPr lang="ko-KR" altLang="en-US" dirty="0"/>
+              </a:p>
+            </p:txBody>
+          </p:sp>
+        </mc:Choice>
+        <mc:Fallback>
+          <p:sp>
+            <p:nvSpPr>
+              <p:cNvPr id="38" name="TextBox 37">
+                <a:extLst>
+                  <a:ext uri="{FF2B5EF4-FFF2-40B4-BE49-F238E27FC236}">
+                    <a16:creationId xmlns:a16="http://schemas.microsoft.com/office/drawing/2014/main" id="{7027025A-1A40-43C7-B377-B6E5B83B42C9}"/>
+                  </a:ext>
+                </a:extLst>
+              </p:cNvPr>
+              <p:cNvSpPr txBox="1">
+                <a:spLocks noRot="1" noChangeAspect="1" noMove="1" noResize="1" noEditPoints="1" noAdjustHandles="1" noChangeArrowheads="1" noChangeShapeType="1" noTextEdit="1"/>
+              </p:cNvSpPr>
+              <p:nvPr/>
+            </p:nvSpPr>
+            <p:spPr>
+              <a:xfrm>
+                <a:off x="9792087" y="5623525"/>
+                <a:ext cx="496611" cy="369332"/>
+              </a:xfrm>
+              <a:prstGeom prst="rect">
+                <a:avLst/>
+              </a:prstGeom>
+              <a:blipFill>
+                <a:blip r:embed="rId8"/>
+                <a:stretch>
+                  <a:fillRect b="-9836"/>
+                </a:stretch>
+              </a:blipFill>
+            </p:spPr>
+            <p:txBody>
+              <a:bodyPr/>
+              <a:lstStyle/>
+              <a:p>
+                <a:r>
+                  <a:rPr lang="ko-KR" altLang="en-US">
+                    <a:noFill/>
+                  </a:rPr>
+                  <a:t> </a:t>
+                </a:r>
+              </a:p>
+            </p:txBody>
+          </p:sp>
+        </mc:Fallback>
+      </mc:AlternateContent>
+      <mc:AlternateContent xmlns:mc="http://schemas.openxmlformats.org/markup-compatibility/2006">
+        <mc:Choice xmlns:a14="http://schemas.microsoft.com/office/drawing/2010/main" Requires="a14">
+          <p:sp>
+            <p:nvSpPr>
+              <p:cNvPr id="39" name="TextBox 38">
+                <a:extLst>
+                  <a:ext uri="{FF2B5EF4-FFF2-40B4-BE49-F238E27FC236}">
+                    <a16:creationId xmlns:a16="http://schemas.microsoft.com/office/drawing/2014/main" id="{34ED70D7-EC33-49DC-96FA-7BE986853032}"/>
+                  </a:ext>
+                </a:extLst>
+              </p:cNvPr>
+              <p:cNvSpPr txBox="1"/>
+              <p:nvPr/>
+            </p:nvSpPr>
+            <p:spPr>
+              <a:xfrm>
+                <a:off x="5914078" y="5648427"/>
+                <a:ext cx="700513" cy="369332"/>
+              </a:xfrm>
+              <a:prstGeom prst="rect">
+                <a:avLst/>
+              </a:prstGeom>
+              <a:noFill/>
+            </p:spPr>
+            <p:txBody>
+              <a:bodyPr wrap="none" rtlCol="0">
+                <a:spAutoFit/>
+              </a:bodyPr>
+              <a:lstStyle/>
+              <a:p>
+                <a14:m>
+                  <m:oMathPara xmlns:m="http://schemas.openxmlformats.org/officeDocument/2006/math">
+                    <m:oMathParaPr>
+                      <m:jc m:val="centerGroup"/>
+                    </m:oMathParaPr>
+                    <m:oMath xmlns:m="http://schemas.openxmlformats.org/officeDocument/2006/math">
+                      <m:r>
+                        <a:rPr lang="en-US" altLang="ko-KR" b="0" i="1" smtClean="0">
+                          <a:latin typeface="Cambria Math" panose="02040503050406030204" pitchFamily="18" charset="0"/>
+                        </a:rPr>
+                        <m:t>𝐵𝑂𝑆</m:t>
+                      </m:r>
+                    </m:oMath>
+                  </m:oMathPara>
+                </a14:m>
+                <a:endParaRPr lang="ko-KR" altLang="en-US" dirty="0"/>
+              </a:p>
+            </p:txBody>
+          </p:sp>
+        </mc:Choice>
+        <mc:Fallback>
+          <p:sp>
+            <p:nvSpPr>
+              <p:cNvPr id="39" name="TextBox 38">
+                <a:extLst>
+                  <a:ext uri="{FF2B5EF4-FFF2-40B4-BE49-F238E27FC236}">
+                    <a16:creationId xmlns:a16="http://schemas.microsoft.com/office/drawing/2014/main" id="{34ED70D7-EC33-49DC-96FA-7BE986853032}"/>
+                  </a:ext>
+                </a:extLst>
+              </p:cNvPr>
+              <p:cNvSpPr txBox="1">
+                <a:spLocks noRot="1" noChangeAspect="1" noMove="1" noResize="1" noEditPoints="1" noAdjustHandles="1" noChangeArrowheads="1" noChangeShapeType="1" noTextEdit="1"/>
+              </p:cNvSpPr>
+              <p:nvPr/>
+            </p:nvSpPr>
+            <p:spPr>
+              <a:xfrm>
+                <a:off x="5914078" y="5648427"/>
+                <a:ext cx="700513" cy="369332"/>
+              </a:xfrm>
+              <a:prstGeom prst="rect">
+                <a:avLst/>
+              </a:prstGeom>
+              <a:blipFill>
+                <a:blip r:embed="rId9"/>
+                <a:stretch>
+                  <a:fillRect/>
+                </a:stretch>
+              </a:blipFill>
+            </p:spPr>
+            <p:txBody>
+              <a:bodyPr/>
+              <a:lstStyle/>
+              <a:p>
+                <a:r>
+                  <a:rPr lang="ko-KR" altLang="en-US">
+                    <a:noFill/>
+                  </a:rPr>
+                  <a:t> </a:t>
+                </a:r>
+              </a:p>
+            </p:txBody>
+          </p:sp>
+        </mc:Fallback>
+      </mc:AlternateContent>
+      <mc:AlternateContent xmlns:mc="http://schemas.openxmlformats.org/markup-compatibility/2006">
+        <mc:Choice xmlns:a14="http://schemas.microsoft.com/office/drawing/2010/main" Requires="a14">
+          <p:sp>
+            <p:nvSpPr>
+              <p:cNvPr id="40" name="TextBox 39">
+                <a:extLst>
+                  <a:ext uri="{FF2B5EF4-FFF2-40B4-BE49-F238E27FC236}">
+                    <a16:creationId xmlns:a16="http://schemas.microsoft.com/office/drawing/2014/main" id="{3C190F04-1C31-4664-AD00-75B456B22FFA}"/>
+                  </a:ext>
+                </a:extLst>
+              </p:cNvPr>
+              <p:cNvSpPr txBox="1"/>
+              <p:nvPr/>
+            </p:nvSpPr>
+            <p:spPr>
+              <a:xfrm>
+                <a:off x="9690134" y="497310"/>
+                <a:ext cx="692497" cy="369332"/>
+              </a:xfrm>
+              <a:prstGeom prst="rect">
+                <a:avLst/>
+              </a:prstGeom>
+              <a:noFill/>
+            </p:spPr>
+            <p:txBody>
+              <a:bodyPr wrap="none" rtlCol="0">
+                <a:spAutoFit/>
+              </a:bodyPr>
+              <a:lstStyle/>
+              <a:p>
+                <a14:m>
+                  <m:oMathPara xmlns:m="http://schemas.openxmlformats.org/officeDocument/2006/math">
+                    <m:oMathParaPr>
+                      <m:jc m:val="centerGroup"/>
+                    </m:oMathParaPr>
+                    <m:oMath xmlns:m="http://schemas.openxmlformats.org/officeDocument/2006/math">
+                      <m:r>
+                        <a:rPr lang="en-US" altLang="ko-KR" b="0" i="1" smtClean="0">
+                          <a:latin typeface="Cambria Math" panose="02040503050406030204" pitchFamily="18" charset="0"/>
+                        </a:rPr>
+                        <m:t>𝐸𝑂𝑆</m:t>
+                      </m:r>
+                    </m:oMath>
+                  </m:oMathPara>
+                </a14:m>
+                <a:endParaRPr lang="ko-KR" altLang="en-US" dirty="0"/>
+              </a:p>
+            </p:txBody>
+          </p:sp>
+        </mc:Choice>
+        <mc:Fallback>
+          <p:sp>
+            <p:nvSpPr>
+              <p:cNvPr id="40" name="TextBox 39">
+                <a:extLst>
+                  <a:ext uri="{FF2B5EF4-FFF2-40B4-BE49-F238E27FC236}">
+                    <a16:creationId xmlns:a16="http://schemas.microsoft.com/office/drawing/2014/main" id="{3C190F04-1C31-4664-AD00-75B456B22FFA}"/>
+                  </a:ext>
+                </a:extLst>
+              </p:cNvPr>
+              <p:cNvSpPr txBox="1">
+                <a:spLocks noRot="1" noChangeAspect="1" noMove="1" noResize="1" noEditPoints="1" noAdjustHandles="1" noChangeArrowheads="1" noChangeShapeType="1" noTextEdit="1"/>
+              </p:cNvSpPr>
+              <p:nvPr/>
+            </p:nvSpPr>
+            <p:spPr>
+              <a:xfrm>
+                <a:off x="9690134" y="497310"/>
+                <a:ext cx="692497" cy="369332"/>
+              </a:xfrm>
+              <a:prstGeom prst="rect">
+                <a:avLst/>
+              </a:prstGeom>
+              <a:blipFill>
+                <a:blip r:embed="rId10"/>
+                <a:stretch>
+                  <a:fillRect/>
+                </a:stretch>
+              </a:blipFill>
+            </p:spPr>
+            <p:txBody>
+              <a:bodyPr/>
+              <a:lstStyle/>
+              <a:p>
+                <a:r>
+                  <a:rPr lang="ko-KR" altLang="en-US">
+                    <a:noFill/>
+                  </a:rPr>
+                  <a:t> </a:t>
+                </a:r>
+              </a:p>
+            </p:txBody>
+          </p:sp>
+        </mc:Fallback>
+      </mc:AlternateContent>
+      <p:sp>
+        <p:nvSpPr>
+          <p:cNvPr id="41" name="직사각형 40">
+            <a:extLst>
+              <a:ext uri="{FF2B5EF4-FFF2-40B4-BE49-F238E27FC236}">
+                <a16:creationId xmlns:a16="http://schemas.microsoft.com/office/drawing/2014/main" id="{2408790D-3D66-431C-849B-99668B932886}"/>
+              </a:ext>
+            </a:extLst>
+          </p:cNvPr>
+          <p:cNvSpPr/>
+          <p:nvPr/>
+        </p:nvSpPr>
+        <p:spPr>
+          <a:xfrm>
+            <a:off x="390703" y="5024963"/>
+            <a:ext cx="777240" cy="282706"/>
+          </a:xfrm>
+          <a:prstGeom prst="rect">
+            <a:avLst/>
+          </a:prstGeom>
+          <a:ln>
+            <a:solidFill>
+              <a:srgbClr val="C00000"/>
+            </a:solidFill>
+          </a:ln>
+        </p:spPr>
+        <p:style>
+          <a:lnRef idx="2">
+            <a:schemeClr val="dk1"/>
+          </a:lnRef>
+          <a:fillRef idx="1">
+            <a:schemeClr val="lt1"/>
+          </a:fillRef>
+          <a:effectRef idx="0">
+            <a:schemeClr val="dk1"/>
+          </a:effectRef>
+          <a:fontRef idx="minor">
+            <a:schemeClr val="dk1"/>
+          </a:fontRef>
+        </p:style>
+        <p:txBody>
+          <a:bodyPr rtlCol="0" anchor="ctr"/>
+          <a:lstStyle/>
+          <a:p>
+            <a:pPr algn="ctr"/>
+            <a:r>
+              <a:rPr lang="en-US" altLang="ko-KR" sz="900" dirty="0"/>
+              <a:t>Embedding</a:t>
+            </a:r>
+            <a:endParaRPr lang="ko-KR" altLang="en-US" sz="900" dirty="0"/>
+          </a:p>
+        </p:txBody>
+      </p:sp>
+      <p:sp>
+        <p:nvSpPr>
+          <p:cNvPr id="42" name="직사각형 41">
+            <a:extLst>
+              <a:ext uri="{FF2B5EF4-FFF2-40B4-BE49-F238E27FC236}">
+                <a16:creationId xmlns:a16="http://schemas.microsoft.com/office/drawing/2014/main" id="{D3CFBC4C-F45D-48C0-A8AA-F68207C535F1}"/>
+              </a:ext>
+            </a:extLst>
+          </p:cNvPr>
+          <p:cNvSpPr/>
+          <p:nvPr/>
+        </p:nvSpPr>
+        <p:spPr>
+          <a:xfrm>
+            <a:off x="1649388" y="5024963"/>
+            <a:ext cx="777240" cy="282706"/>
+          </a:xfrm>
+          <a:prstGeom prst="rect">
+            <a:avLst/>
+          </a:prstGeom>
+          <a:ln>
+            <a:solidFill>
+              <a:srgbClr val="C00000"/>
+            </a:solidFill>
+          </a:ln>
+        </p:spPr>
+        <p:style>
+          <a:lnRef idx="2">
+            <a:schemeClr val="dk1"/>
+          </a:lnRef>
+          <a:fillRef idx="1">
+            <a:schemeClr val="lt1"/>
+          </a:fillRef>
+          <a:effectRef idx="0">
+            <a:schemeClr val="dk1"/>
+          </a:effectRef>
+          <a:fontRef idx="minor">
+            <a:schemeClr val="dk1"/>
+          </a:fontRef>
+        </p:style>
+        <p:txBody>
+          <a:bodyPr rtlCol="0" anchor="ctr"/>
+          <a:lstStyle/>
+          <a:p>
+            <a:pPr algn="ctr"/>
+            <a:r>
+              <a:rPr lang="en-US" altLang="ko-KR" sz="900" dirty="0"/>
+              <a:t>Embedding</a:t>
+            </a:r>
+            <a:endParaRPr lang="ko-KR" altLang="en-US" sz="900" dirty="0"/>
+          </a:p>
+        </p:txBody>
+      </p:sp>
+      <p:sp>
+        <p:nvSpPr>
+          <p:cNvPr id="43" name="직사각형 42">
+            <a:extLst>
+              <a:ext uri="{FF2B5EF4-FFF2-40B4-BE49-F238E27FC236}">
+                <a16:creationId xmlns:a16="http://schemas.microsoft.com/office/drawing/2014/main" id="{1CCBC64F-3065-4A07-BBD2-C6D6AFF1B01A}"/>
+              </a:ext>
+            </a:extLst>
+          </p:cNvPr>
+          <p:cNvSpPr/>
+          <p:nvPr/>
+        </p:nvSpPr>
+        <p:spPr>
+          <a:xfrm>
+            <a:off x="2908074" y="5024963"/>
+            <a:ext cx="777240" cy="282706"/>
+          </a:xfrm>
+          <a:prstGeom prst="rect">
+            <a:avLst/>
+          </a:prstGeom>
+          <a:ln>
+            <a:solidFill>
+              <a:srgbClr val="C00000"/>
+            </a:solidFill>
+          </a:ln>
+        </p:spPr>
+        <p:style>
+          <a:lnRef idx="2">
+            <a:schemeClr val="dk1"/>
+          </a:lnRef>
+          <a:fillRef idx="1">
+            <a:schemeClr val="lt1"/>
+          </a:fillRef>
+          <a:effectRef idx="0">
+            <a:schemeClr val="dk1"/>
+          </a:effectRef>
+          <a:fontRef idx="minor">
+            <a:schemeClr val="dk1"/>
+          </a:fontRef>
+        </p:style>
+        <p:txBody>
+          <a:bodyPr rtlCol="0" anchor="ctr"/>
+          <a:lstStyle/>
+          <a:p>
+            <a:pPr algn="ctr"/>
+            <a:r>
+              <a:rPr lang="en-US" altLang="ko-KR" sz="900" dirty="0"/>
+              <a:t>Embedding</a:t>
+            </a:r>
+            <a:endParaRPr lang="ko-KR" altLang="en-US" sz="900" dirty="0"/>
+          </a:p>
+        </p:txBody>
+      </p:sp>
+      <p:sp>
+        <p:nvSpPr>
+          <p:cNvPr id="44" name="직사각형 43">
+            <a:extLst>
+              <a:ext uri="{FF2B5EF4-FFF2-40B4-BE49-F238E27FC236}">
+                <a16:creationId xmlns:a16="http://schemas.microsoft.com/office/drawing/2014/main" id="{8335E1E8-EE72-4026-805B-961A5AA502D5}"/>
+              </a:ext>
+            </a:extLst>
+          </p:cNvPr>
+          <p:cNvSpPr/>
+          <p:nvPr/>
+        </p:nvSpPr>
+        <p:spPr>
+          <a:xfrm>
+            <a:off x="4166757" y="5024963"/>
+            <a:ext cx="777240" cy="282706"/>
+          </a:xfrm>
+          <a:prstGeom prst="rect">
+            <a:avLst/>
+          </a:prstGeom>
+          <a:ln>
+            <a:solidFill>
+              <a:srgbClr val="C00000"/>
+            </a:solidFill>
+          </a:ln>
+        </p:spPr>
+        <p:style>
+          <a:lnRef idx="2">
+            <a:schemeClr val="dk1"/>
+          </a:lnRef>
+          <a:fillRef idx="1">
+            <a:schemeClr val="lt1"/>
+          </a:fillRef>
+          <a:effectRef idx="0">
+            <a:schemeClr val="dk1"/>
+          </a:effectRef>
+          <a:fontRef idx="minor">
+            <a:schemeClr val="dk1"/>
+          </a:fontRef>
+        </p:style>
+        <p:txBody>
+          <a:bodyPr rtlCol="0" anchor="ctr"/>
+          <a:lstStyle/>
+          <a:p>
+            <a:pPr algn="ctr"/>
+            <a:r>
+              <a:rPr lang="en-US" altLang="ko-KR" sz="900" dirty="0"/>
+              <a:t>Embedding</a:t>
+            </a:r>
+            <a:endParaRPr lang="ko-KR" altLang="en-US" sz="900" dirty="0"/>
+          </a:p>
+        </p:txBody>
+      </p:sp>
+      <p:sp>
+        <p:nvSpPr>
+          <p:cNvPr id="45" name="직사각형 44">
+            <a:extLst>
+              <a:ext uri="{FF2B5EF4-FFF2-40B4-BE49-F238E27FC236}">
+                <a16:creationId xmlns:a16="http://schemas.microsoft.com/office/drawing/2014/main" id="{111AA82D-9B7D-4823-98CA-1E4E96C1FA21}"/>
+              </a:ext>
+            </a:extLst>
+          </p:cNvPr>
+          <p:cNvSpPr/>
+          <p:nvPr/>
+        </p:nvSpPr>
+        <p:spPr>
+          <a:xfrm>
+            <a:off x="5875714" y="1118057"/>
+            <a:ext cx="777240" cy="282706"/>
+          </a:xfrm>
+          <a:prstGeom prst="rect">
+            <a:avLst/>
+          </a:prstGeom>
+        </p:spPr>
+        <p:style>
+          <a:lnRef idx="2">
+            <a:schemeClr val="dk1"/>
+          </a:lnRef>
+          <a:fillRef idx="1">
+            <a:schemeClr val="lt1"/>
+          </a:fillRef>
+          <a:effectRef idx="0">
+            <a:schemeClr val="dk1"/>
+          </a:effectRef>
+          <a:fontRef idx="minor">
+            <a:schemeClr val="dk1"/>
+          </a:fontRef>
+        </p:style>
+        <p:txBody>
+          <a:bodyPr rtlCol="0" anchor="ctr"/>
+          <a:lstStyle/>
+          <a:p>
+            <a:pPr algn="ctr"/>
+            <a:r>
+              <a:rPr lang="en-US" altLang="ko-KR" sz="1050" dirty="0" err="1"/>
+              <a:t>softmax</a:t>
+            </a:r>
+            <a:endParaRPr lang="ko-KR" altLang="en-US" sz="1050" dirty="0"/>
+          </a:p>
+        </p:txBody>
+      </p:sp>
+      <p:sp>
+        <p:nvSpPr>
+          <p:cNvPr id="46" name="직사각형 45">
+            <a:extLst>
+              <a:ext uri="{FF2B5EF4-FFF2-40B4-BE49-F238E27FC236}">
+                <a16:creationId xmlns:a16="http://schemas.microsoft.com/office/drawing/2014/main" id="{314F8EF3-3359-49FA-87AB-213C9D682DB7}"/>
+              </a:ext>
+            </a:extLst>
+          </p:cNvPr>
+          <p:cNvSpPr/>
+          <p:nvPr/>
+        </p:nvSpPr>
+        <p:spPr>
+          <a:xfrm>
+            <a:off x="7134400" y="1118057"/>
+            <a:ext cx="777240" cy="282706"/>
+          </a:xfrm>
+          <a:prstGeom prst="rect">
+            <a:avLst/>
+          </a:prstGeom>
+        </p:spPr>
+        <p:style>
+          <a:lnRef idx="2">
+            <a:schemeClr val="dk1"/>
+          </a:lnRef>
+          <a:fillRef idx="1">
+            <a:schemeClr val="lt1"/>
+          </a:fillRef>
+          <a:effectRef idx="0">
+            <a:schemeClr val="dk1"/>
+          </a:effectRef>
+          <a:fontRef idx="minor">
+            <a:schemeClr val="dk1"/>
+          </a:fontRef>
+        </p:style>
+        <p:txBody>
+          <a:bodyPr rtlCol="0" anchor="ctr"/>
+          <a:lstStyle/>
+          <a:p>
+            <a:pPr algn="ctr"/>
+            <a:r>
+              <a:rPr lang="en-US" altLang="ko-KR" sz="1050" dirty="0" err="1"/>
+              <a:t>softmax</a:t>
+            </a:r>
+            <a:endParaRPr lang="ko-KR" altLang="en-US" sz="1050" dirty="0"/>
+          </a:p>
+        </p:txBody>
+      </p:sp>
+      <p:sp>
+        <p:nvSpPr>
+          <p:cNvPr id="47" name="직사각형 46">
+            <a:extLst>
+              <a:ext uri="{FF2B5EF4-FFF2-40B4-BE49-F238E27FC236}">
+                <a16:creationId xmlns:a16="http://schemas.microsoft.com/office/drawing/2014/main" id="{69994DCF-107E-4F14-840B-FCA36463D13F}"/>
+              </a:ext>
+            </a:extLst>
+          </p:cNvPr>
+          <p:cNvSpPr/>
+          <p:nvPr/>
+        </p:nvSpPr>
+        <p:spPr>
+          <a:xfrm>
+            <a:off x="8393086" y="1118057"/>
+            <a:ext cx="777240" cy="282706"/>
+          </a:xfrm>
+          <a:prstGeom prst="rect">
+            <a:avLst/>
+          </a:prstGeom>
+        </p:spPr>
+        <p:style>
+          <a:lnRef idx="2">
+            <a:schemeClr val="dk1"/>
+          </a:lnRef>
+          <a:fillRef idx="1">
+            <a:schemeClr val="lt1"/>
+          </a:fillRef>
+          <a:effectRef idx="0">
+            <a:schemeClr val="dk1"/>
+          </a:effectRef>
+          <a:fontRef idx="minor">
+            <a:schemeClr val="dk1"/>
+          </a:fontRef>
+        </p:style>
+        <p:txBody>
+          <a:bodyPr rtlCol="0" anchor="ctr"/>
+          <a:lstStyle/>
+          <a:p>
+            <a:pPr algn="ctr"/>
+            <a:r>
+              <a:rPr lang="en-US" altLang="ko-KR" sz="1050" dirty="0" err="1"/>
+              <a:t>softmax</a:t>
+            </a:r>
+            <a:endParaRPr lang="ko-KR" altLang="en-US" sz="1050" dirty="0"/>
+          </a:p>
+        </p:txBody>
+      </p:sp>
+      <p:sp>
+        <p:nvSpPr>
+          <p:cNvPr id="48" name="직사각형 47">
+            <a:extLst>
+              <a:ext uri="{FF2B5EF4-FFF2-40B4-BE49-F238E27FC236}">
+                <a16:creationId xmlns:a16="http://schemas.microsoft.com/office/drawing/2014/main" id="{D9A3B689-E809-4687-A3A1-60131B70068B}"/>
+              </a:ext>
+            </a:extLst>
+          </p:cNvPr>
+          <p:cNvSpPr/>
+          <p:nvPr/>
+        </p:nvSpPr>
+        <p:spPr>
+          <a:xfrm>
+            <a:off x="9651771" y="1118057"/>
+            <a:ext cx="777240" cy="282706"/>
+          </a:xfrm>
+          <a:prstGeom prst="rect">
+            <a:avLst/>
+          </a:prstGeom>
+        </p:spPr>
+        <p:style>
+          <a:lnRef idx="2">
+            <a:schemeClr val="dk1"/>
+          </a:lnRef>
+          <a:fillRef idx="1">
+            <a:schemeClr val="lt1"/>
+          </a:fillRef>
+          <a:effectRef idx="0">
+            <a:schemeClr val="dk1"/>
+          </a:effectRef>
+          <a:fontRef idx="minor">
+            <a:schemeClr val="dk1"/>
+          </a:fontRef>
+        </p:style>
+        <p:txBody>
+          <a:bodyPr rtlCol="0" anchor="ctr"/>
+          <a:lstStyle/>
+          <a:p>
+            <a:pPr algn="ctr"/>
+            <a:r>
+              <a:rPr lang="en-US" altLang="ko-KR" sz="1050" dirty="0" err="1"/>
+              <a:t>softmax</a:t>
+            </a:r>
+            <a:endParaRPr lang="ko-KR" altLang="en-US" sz="1050" dirty="0"/>
+          </a:p>
+        </p:txBody>
+      </p:sp>
+      <p:sp>
+        <p:nvSpPr>
+          <p:cNvPr id="49" name="직사각형 48">
+            <a:extLst>
+              <a:ext uri="{FF2B5EF4-FFF2-40B4-BE49-F238E27FC236}">
+                <a16:creationId xmlns:a16="http://schemas.microsoft.com/office/drawing/2014/main" id="{D24437A5-5A5B-42EA-AA28-A1F819EFE17B}"/>
+              </a:ext>
+            </a:extLst>
+          </p:cNvPr>
+          <p:cNvSpPr/>
+          <p:nvPr/>
+        </p:nvSpPr>
+        <p:spPr>
+          <a:xfrm>
+            <a:off x="5875714" y="5024966"/>
+            <a:ext cx="777240" cy="282706"/>
+          </a:xfrm>
+          <a:prstGeom prst="rect">
+            <a:avLst/>
+          </a:prstGeom>
+        </p:spPr>
+        <p:style>
+          <a:lnRef idx="2">
+            <a:schemeClr val="accent1"/>
+          </a:lnRef>
+          <a:fillRef idx="1">
+            <a:schemeClr val="lt1"/>
+          </a:fillRef>
+          <a:effectRef idx="0">
+            <a:schemeClr val="accent1"/>
+          </a:effectRef>
+          <a:fontRef idx="minor">
+            <a:schemeClr val="dk1"/>
+          </a:fontRef>
+        </p:style>
+        <p:txBody>
+          <a:bodyPr rtlCol="0" anchor="ctr"/>
+          <a:lstStyle/>
+          <a:p>
+            <a:pPr algn="ctr"/>
+            <a:r>
+              <a:rPr lang="en-US" altLang="ko-KR" sz="900" dirty="0"/>
+              <a:t>Embedding</a:t>
+            </a:r>
+            <a:endParaRPr lang="ko-KR" altLang="en-US" sz="900" dirty="0"/>
+          </a:p>
+        </p:txBody>
+      </p:sp>
+      <p:sp>
+        <p:nvSpPr>
+          <p:cNvPr id="50" name="직사각형 49">
+            <a:extLst>
+              <a:ext uri="{FF2B5EF4-FFF2-40B4-BE49-F238E27FC236}">
+                <a16:creationId xmlns:a16="http://schemas.microsoft.com/office/drawing/2014/main" id="{454F7536-28CC-4E35-8830-958C9CA919D0}"/>
+              </a:ext>
+            </a:extLst>
+          </p:cNvPr>
+          <p:cNvSpPr/>
+          <p:nvPr/>
+        </p:nvSpPr>
+        <p:spPr>
+          <a:xfrm>
+            <a:off x="7134400" y="5024963"/>
+            <a:ext cx="777240" cy="282706"/>
+          </a:xfrm>
+          <a:prstGeom prst="rect">
+            <a:avLst/>
+          </a:prstGeom>
+        </p:spPr>
+        <p:style>
+          <a:lnRef idx="2">
+            <a:schemeClr val="accent1"/>
+          </a:lnRef>
+          <a:fillRef idx="1">
+            <a:schemeClr val="lt1"/>
+          </a:fillRef>
+          <a:effectRef idx="0">
+            <a:schemeClr val="accent1"/>
+          </a:effectRef>
+          <a:fontRef idx="minor">
+            <a:schemeClr val="dk1"/>
+          </a:fontRef>
+        </p:style>
+        <p:txBody>
+          <a:bodyPr rtlCol="0" anchor="ctr"/>
+          <a:lstStyle/>
+          <a:p>
+            <a:pPr algn="ctr"/>
+            <a:r>
+              <a:rPr lang="en-US" altLang="ko-KR" sz="900" dirty="0"/>
+              <a:t>Embedding</a:t>
+            </a:r>
+            <a:endParaRPr lang="ko-KR" altLang="en-US" sz="900" dirty="0"/>
+          </a:p>
+        </p:txBody>
+      </p:sp>
+      <p:sp>
+        <p:nvSpPr>
+          <p:cNvPr id="51" name="직사각형 50">
+            <a:extLst>
+              <a:ext uri="{FF2B5EF4-FFF2-40B4-BE49-F238E27FC236}">
+                <a16:creationId xmlns:a16="http://schemas.microsoft.com/office/drawing/2014/main" id="{4350E3CD-9519-4828-A563-8BDC2F1EBAB9}"/>
+              </a:ext>
+            </a:extLst>
+          </p:cNvPr>
+          <p:cNvSpPr/>
+          <p:nvPr/>
+        </p:nvSpPr>
+        <p:spPr>
+          <a:xfrm>
+            <a:off x="8393086" y="5024963"/>
+            <a:ext cx="777240" cy="282706"/>
+          </a:xfrm>
+          <a:prstGeom prst="rect">
+            <a:avLst/>
+          </a:prstGeom>
+        </p:spPr>
+        <p:style>
+          <a:lnRef idx="2">
+            <a:schemeClr val="accent1"/>
+          </a:lnRef>
+          <a:fillRef idx="1">
+            <a:schemeClr val="lt1"/>
+          </a:fillRef>
+          <a:effectRef idx="0">
+            <a:schemeClr val="accent1"/>
+          </a:effectRef>
+          <a:fontRef idx="minor">
+            <a:schemeClr val="dk1"/>
+          </a:fontRef>
+        </p:style>
+        <p:txBody>
+          <a:bodyPr rtlCol="0" anchor="ctr"/>
+          <a:lstStyle/>
+          <a:p>
+            <a:pPr algn="ctr"/>
+            <a:r>
+              <a:rPr lang="en-US" altLang="ko-KR" sz="900" dirty="0"/>
+              <a:t>Embedding</a:t>
+            </a:r>
+            <a:endParaRPr lang="ko-KR" altLang="en-US" sz="900" dirty="0"/>
+          </a:p>
+        </p:txBody>
+      </p:sp>
+      <p:sp>
+        <p:nvSpPr>
+          <p:cNvPr id="52" name="직사각형 51">
+            <a:extLst>
+              <a:ext uri="{FF2B5EF4-FFF2-40B4-BE49-F238E27FC236}">
+                <a16:creationId xmlns:a16="http://schemas.microsoft.com/office/drawing/2014/main" id="{0F8602AC-A3B9-4C77-AFBD-26C68C5C4470}"/>
+              </a:ext>
+            </a:extLst>
+          </p:cNvPr>
+          <p:cNvSpPr/>
+          <p:nvPr/>
+        </p:nvSpPr>
+        <p:spPr>
+          <a:xfrm>
+            <a:off x="9651771" y="5024963"/>
+            <a:ext cx="777240" cy="282706"/>
+          </a:xfrm>
+          <a:prstGeom prst="rect">
+            <a:avLst/>
+          </a:prstGeom>
+        </p:spPr>
+        <p:style>
+          <a:lnRef idx="2">
+            <a:schemeClr val="accent1"/>
+          </a:lnRef>
+          <a:fillRef idx="1">
+            <a:schemeClr val="lt1"/>
+          </a:fillRef>
+          <a:effectRef idx="0">
+            <a:schemeClr val="accent1"/>
+          </a:effectRef>
+          <a:fontRef idx="minor">
+            <a:schemeClr val="dk1"/>
+          </a:fontRef>
+        </p:style>
+        <p:txBody>
+          <a:bodyPr rtlCol="0" anchor="ctr"/>
+          <a:lstStyle/>
+          <a:p>
+            <a:pPr algn="ctr"/>
+            <a:r>
+              <a:rPr lang="en-US" altLang="ko-KR" sz="900" dirty="0"/>
+              <a:t>Embedding</a:t>
+            </a:r>
+            <a:endParaRPr lang="ko-KR" altLang="en-US" sz="900" dirty="0"/>
+          </a:p>
+        </p:txBody>
+      </p:sp>
+      <mc:AlternateContent xmlns:mc="http://schemas.openxmlformats.org/markup-compatibility/2006">
+        <mc:Choice xmlns:a14="http://schemas.microsoft.com/office/drawing/2010/main" Requires="a14">
+          <p:sp>
+            <p:nvSpPr>
+              <p:cNvPr id="55" name="TextBox 54">
+                <a:extLst>
+                  <a:ext uri="{FF2B5EF4-FFF2-40B4-BE49-F238E27FC236}">
+                    <a16:creationId xmlns:a16="http://schemas.microsoft.com/office/drawing/2014/main" id="{72B80003-A461-40D8-85C7-6F6665F27485}"/>
+                  </a:ext>
+                </a:extLst>
+              </p:cNvPr>
+              <p:cNvSpPr txBox="1"/>
+              <p:nvPr/>
+            </p:nvSpPr>
+            <p:spPr>
+              <a:xfrm>
+                <a:off x="6016028" y="497310"/>
+                <a:ext cx="496611" cy="369332"/>
+              </a:xfrm>
+              <a:prstGeom prst="rect">
+                <a:avLst/>
+              </a:prstGeom>
+              <a:noFill/>
+            </p:spPr>
+            <p:txBody>
+              <a:bodyPr wrap="none" rtlCol="0">
+                <a:spAutoFit/>
+              </a:bodyPr>
+              <a:lstStyle/>
+              <a:p>
+                <a14:m>
+                  <m:oMathPara xmlns:m="http://schemas.openxmlformats.org/officeDocument/2006/math">
+                    <m:oMathParaPr>
+                      <m:jc m:val="centerGroup"/>
+                    </m:oMathParaPr>
+                    <m:oMath xmlns:m="http://schemas.openxmlformats.org/officeDocument/2006/math">
+                      <m:sSub>
+                        <m:sSubPr>
+                          <m:ctrlPr>
+                            <a:rPr lang="en-US" altLang="ko-KR" i="1" smtClean="0">
+                              <a:latin typeface="Cambria Math" panose="02040503050406030204" pitchFamily="18" charset="0"/>
+                            </a:rPr>
+                          </m:ctrlPr>
+                        </m:sSubPr>
+                        <m:e>
+                          <m:acc>
+                            <m:accPr>
+                              <m:chr m:val="̂"/>
+                              <m:ctrlPr>
+                                <a:rPr lang="en-US" altLang="ko-KR" i="1" smtClean="0">
+                                  <a:latin typeface="Cambria Math" panose="02040503050406030204" pitchFamily="18" charset="0"/>
+                                </a:rPr>
+                              </m:ctrlPr>
+                            </m:accPr>
+                            <m:e>
+                              <m:r>
+                                <a:rPr lang="en-US" altLang="ko-KR" b="0" i="1" smtClean="0">
+                                  <a:latin typeface="Cambria Math" panose="02040503050406030204" pitchFamily="18" charset="0"/>
+                                </a:rPr>
+                                <m:t>𝑦</m:t>
+                              </m:r>
+                            </m:e>
+                          </m:acc>
+                        </m:e>
+                        <m:sub>
+                          <m:r>
+                            <a:rPr lang="en-US" altLang="ko-KR" b="0" i="1" smtClean="0">
+                              <a:latin typeface="Cambria Math" panose="02040503050406030204" pitchFamily="18" charset="0"/>
+                            </a:rPr>
+                            <m:t>0</m:t>
+                          </m:r>
+                        </m:sub>
+                      </m:sSub>
+                    </m:oMath>
+                  </m:oMathPara>
+                </a14:m>
+                <a:endParaRPr lang="ko-KR" altLang="en-US" dirty="0"/>
+              </a:p>
+            </p:txBody>
+          </p:sp>
+        </mc:Choice>
+        <mc:Fallback>
+          <p:sp>
+            <p:nvSpPr>
+              <p:cNvPr id="55" name="TextBox 54">
+                <a:extLst>
+                  <a:ext uri="{FF2B5EF4-FFF2-40B4-BE49-F238E27FC236}">
+                    <a16:creationId xmlns:a16="http://schemas.microsoft.com/office/drawing/2014/main" id="{72B80003-A461-40D8-85C7-6F6665F27485}"/>
+                  </a:ext>
+                </a:extLst>
+              </p:cNvPr>
+              <p:cNvSpPr txBox="1">
+                <a:spLocks noRot="1" noChangeAspect="1" noMove="1" noResize="1" noEditPoints="1" noAdjustHandles="1" noChangeArrowheads="1" noChangeShapeType="1" noTextEdit="1"/>
+              </p:cNvSpPr>
+              <p:nvPr/>
+            </p:nvSpPr>
+            <p:spPr>
+              <a:xfrm>
+                <a:off x="6016028" y="497310"/>
+                <a:ext cx="496611" cy="369332"/>
+              </a:xfrm>
+              <a:prstGeom prst="rect">
+                <a:avLst/>
+              </a:prstGeom>
+              <a:blipFill>
+                <a:blip r:embed="rId11"/>
+                <a:stretch>
+                  <a:fillRect t="-3333" r="-14815" b="-10000"/>
+                </a:stretch>
+              </a:blipFill>
+            </p:spPr>
+            <p:txBody>
+              <a:bodyPr/>
+              <a:lstStyle/>
+              <a:p>
+                <a:r>
+                  <a:rPr lang="ko-KR" altLang="en-US">
+                    <a:noFill/>
+                  </a:rPr>
+                  <a:t> </a:t>
+                </a:r>
+              </a:p>
+            </p:txBody>
+          </p:sp>
+        </mc:Fallback>
+      </mc:AlternateContent>
+      <mc:AlternateContent xmlns:mc="http://schemas.openxmlformats.org/markup-compatibility/2006">
+        <mc:Choice xmlns:a14="http://schemas.microsoft.com/office/drawing/2010/main" Requires="a14">
+          <p:sp>
+            <p:nvSpPr>
+              <p:cNvPr id="57" name="TextBox 56">
+                <a:extLst>
+                  <a:ext uri="{FF2B5EF4-FFF2-40B4-BE49-F238E27FC236}">
+                    <a16:creationId xmlns:a16="http://schemas.microsoft.com/office/drawing/2014/main" id="{20E0532F-A1CA-4D11-85ED-98569F22BC6C}"/>
+                  </a:ext>
+                </a:extLst>
+              </p:cNvPr>
+              <p:cNvSpPr txBox="1"/>
+              <p:nvPr/>
+            </p:nvSpPr>
+            <p:spPr>
+              <a:xfrm>
+                <a:off x="7274714" y="501792"/>
+                <a:ext cx="491288" cy="369332"/>
+              </a:xfrm>
+              <a:prstGeom prst="rect">
+                <a:avLst/>
+              </a:prstGeom>
+              <a:noFill/>
+            </p:spPr>
+            <p:txBody>
+              <a:bodyPr wrap="none" rtlCol="0">
+                <a:spAutoFit/>
+              </a:bodyPr>
+              <a:lstStyle/>
+              <a:p>
+                <a14:m>
+                  <m:oMathPara xmlns:m="http://schemas.openxmlformats.org/officeDocument/2006/math">
+                    <m:oMathParaPr>
+                      <m:jc m:val="centerGroup"/>
+                    </m:oMathParaPr>
+                    <m:oMath xmlns:m="http://schemas.openxmlformats.org/officeDocument/2006/math">
+                      <m:sSub>
+                        <m:sSubPr>
+                          <m:ctrlPr>
+                            <a:rPr lang="en-US" altLang="ko-KR" i="1" smtClean="0">
+                              <a:latin typeface="Cambria Math" panose="02040503050406030204" pitchFamily="18" charset="0"/>
+                            </a:rPr>
+                          </m:ctrlPr>
+                        </m:sSubPr>
+                        <m:e>
+                          <m:acc>
+                            <m:accPr>
+                              <m:chr m:val="̂"/>
+                              <m:ctrlPr>
+                                <a:rPr lang="en-US" altLang="ko-KR" i="1" smtClean="0">
+                                  <a:latin typeface="Cambria Math" panose="02040503050406030204" pitchFamily="18" charset="0"/>
+                                </a:rPr>
+                              </m:ctrlPr>
+                            </m:accPr>
+                            <m:e>
+                              <m:r>
+                                <a:rPr lang="en-US" altLang="ko-KR" b="0" i="1" smtClean="0">
+                                  <a:latin typeface="Cambria Math" panose="02040503050406030204" pitchFamily="18" charset="0"/>
+                                </a:rPr>
+                                <m:t>𝑦</m:t>
+                              </m:r>
+                            </m:e>
+                          </m:acc>
+                        </m:e>
+                        <m:sub>
+                          <m:r>
+                            <a:rPr lang="en-US" altLang="ko-KR" b="0" i="1" smtClean="0">
+                              <a:latin typeface="Cambria Math" panose="02040503050406030204" pitchFamily="18" charset="0"/>
+                            </a:rPr>
+                            <m:t>1</m:t>
+                          </m:r>
+                        </m:sub>
+                      </m:sSub>
+                    </m:oMath>
+                  </m:oMathPara>
+                </a14:m>
+                <a:endParaRPr lang="ko-KR" altLang="en-US" dirty="0"/>
+              </a:p>
+            </p:txBody>
+          </p:sp>
+        </mc:Choice>
+        <mc:Fallback>
+          <p:sp>
+            <p:nvSpPr>
+              <p:cNvPr id="57" name="TextBox 56">
+                <a:extLst>
+                  <a:ext uri="{FF2B5EF4-FFF2-40B4-BE49-F238E27FC236}">
+                    <a16:creationId xmlns:a16="http://schemas.microsoft.com/office/drawing/2014/main" id="{20E0532F-A1CA-4D11-85ED-98569F22BC6C}"/>
+                  </a:ext>
+                </a:extLst>
+              </p:cNvPr>
+              <p:cNvSpPr txBox="1">
+                <a:spLocks noRot="1" noChangeAspect="1" noMove="1" noResize="1" noEditPoints="1" noAdjustHandles="1" noChangeArrowheads="1" noChangeShapeType="1" noTextEdit="1"/>
+              </p:cNvSpPr>
+              <p:nvPr/>
+            </p:nvSpPr>
+            <p:spPr>
+              <a:xfrm>
+                <a:off x="7274714" y="501792"/>
+                <a:ext cx="491288" cy="369332"/>
+              </a:xfrm>
+              <a:prstGeom prst="rect">
+                <a:avLst/>
+              </a:prstGeom>
+              <a:blipFill>
+                <a:blip r:embed="rId12"/>
+                <a:stretch>
+                  <a:fillRect t="-3279" r="-16049" b="-9836"/>
+                </a:stretch>
+              </a:blipFill>
+            </p:spPr>
+            <p:txBody>
+              <a:bodyPr/>
+              <a:lstStyle/>
+              <a:p>
+                <a:r>
+                  <a:rPr lang="ko-KR" altLang="en-US">
+                    <a:noFill/>
+                  </a:rPr>
+                  <a:t> </a:t>
+                </a:r>
+              </a:p>
+            </p:txBody>
+          </p:sp>
+        </mc:Fallback>
+      </mc:AlternateContent>
+      <mc:AlternateContent xmlns:mc="http://schemas.openxmlformats.org/markup-compatibility/2006">
+        <mc:Choice xmlns:a14="http://schemas.microsoft.com/office/drawing/2010/main" Requires="a14">
+          <p:sp>
+            <p:nvSpPr>
+              <p:cNvPr id="58" name="TextBox 57">
+                <a:extLst>
+                  <a:ext uri="{FF2B5EF4-FFF2-40B4-BE49-F238E27FC236}">
+                    <a16:creationId xmlns:a16="http://schemas.microsoft.com/office/drawing/2014/main" id="{BB4072BD-4BD0-4145-A29C-DBC0590749EA}"/>
+                  </a:ext>
+                </a:extLst>
+              </p:cNvPr>
+              <p:cNvSpPr txBox="1"/>
+              <p:nvPr/>
+            </p:nvSpPr>
+            <p:spPr>
+              <a:xfrm>
+                <a:off x="8528078" y="497310"/>
+                <a:ext cx="496611" cy="369332"/>
+              </a:xfrm>
+              <a:prstGeom prst="rect">
+                <a:avLst/>
+              </a:prstGeom>
+              <a:noFill/>
+            </p:spPr>
+            <p:txBody>
+              <a:bodyPr wrap="none" rtlCol="0">
+                <a:spAutoFit/>
+              </a:bodyPr>
+              <a:lstStyle/>
+              <a:p>
+                <a14:m>
+                  <m:oMathPara xmlns:m="http://schemas.openxmlformats.org/officeDocument/2006/math">
+                    <m:oMathParaPr>
+                      <m:jc m:val="centerGroup"/>
+                    </m:oMathParaPr>
+                    <m:oMath xmlns:m="http://schemas.openxmlformats.org/officeDocument/2006/math">
+                      <m:sSub>
+                        <m:sSubPr>
+                          <m:ctrlPr>
+                            <a:rPr lang="en-US" altLang="ko-KR" i="1" smtClean="0">
+                              <a:latin typeface="Cambria Math" panose="02040503050406030204" pitchFamily="18" charset="0"/>
+                            </a:rPr>
+                          </m:ctrlPr>
+                        </m:sSubPr>
+                        <m:e>
+                          <m:acc>
+                            <m:accPr>
+                              <m:chr m:val="̂"/>
+                              <m:ctrlPr>
+                                <a:rPr lang="en-US" altLang="ko-KR" i="1" smtClean="0">
+                                  <a:latin typeface="Cambria Math" panose="02040503050406030204" pitchFamily="18" charset="0"/>
+                                </a:rPr>
+                              </m:ctrlPr>
+                            </m:accPr>
+                            <m:e>
+                              <m:r>
+                                <a:rPr lang="en-US" altLang="ko-KR" b="0" i="1" smtClean="0">
+                                  <a:latin typeface="Cambria Math" panose="02040503050406030204" pitchFamily="18" charset="0"/>
+                                </a:rPr>
+                                <m:t>𝑦</m:t>
+                              </m:r>
+                            </m:e>
+                          </m:acc>
+                        </m:e>
+                        <m:sub>
+                          <m:r>
+                            <a:rPr lang="en-US" altLang="ko-KR" b="0" i="1" smtClean="0">
+                              <a:latin typeface="Cambria Math" panose="02040503050406030204" pitchFamily="18" charset="0"/>
+                            </a:rPr>
+                            <m:t>2</m:t>
+                          </m:r>
+                        </m:sub>
+                      </m:sSub>
+                    </m:oMath>
+                  </m:oMathPara>
+                </a14:m>
+                <a:endParaRPr lang="ko-KR" altLang="en-US" dirty="0"/>
+              </a:p>
+            </p:txBody>
+          </p:sp>
+        </mc:Choice>
+        <mc:Fallback>
+          <p:sp>
+            <p:nvSpPr>
+              <p:cNvPr id="58" name="TextBox 57">
+                <a:extLst>
+                  <a:ext uri="{FF2B5EF4-FFF2-40B4-BE49-F238E27FC236}">
+                    <a16:creationId xmlns:a16="http://schemas.microsoft.com/office/drawing/2014/main" id="{BB4072BD-4BD0-4145-A29C-DBC0590749EA}"/>
+                  </a:ext>
+                </a:extLst>
+              </p:cNvPr>
+              <p:cNvSpPr txBox="1">
+                <a:spLocks noRot="1" noChangeAspect="1" noMove="1" noResize="1" noEditPoints="1" noAdjustHandles="1" noChangeArrowheads="1" noChangeShapeType="1" noTextEdit="1"/>
+              </p:cNvSpPr>
+              <p:nvPr/>
+            </p:nvSpPr>
+            <p:spPr>
+              <a:xfrm>
+                <a:off x="8528078" y="497310"/>
+                <a:ext cx="496611" cy="369332"/>
+              </a:xfrm>
+              <a:prstGeom prst="rect">
+                <a:avLst/>
+              </a:prstGeom>
+              <a:blipFill>
+                <a:blip r:embed="rId13"/>
+                <a:stretch>
+                  <a:fillRect t="-3333" r="-14815" b="-10000"/>
+                </a:stretch>
+              </a:blipFill>
+            </p:spPr>
+            <p:txBody>
+              <a:bodyPr/>
+              <a:lstStyle/>
+              <a:p>
+                <a:r>
+                  <a:rPr lang="ko-KR" altLang="en-US">
+                    <a:noFill/>
+                  </a:rPr>
+                  <a:t> </a:t>
+                </a:r>
+              </a:p>
+            </p:txBody>
+          </p:sp>
+        </mc:Fallback>
+      </mc:AlternateContent>
+      <p:cxnSp>
+        <p:nvCxnSpPr>
+          <p:cNvPr id="59" name="직선 화살표 연결선 58">
+            <a:extLst>
+              <a:ext uri="{FF2B5EF4-FFF2-40B4-BE49-F238E27FC236}">
+                <a16:creationId xmlns:a16="http://schemas.microsoft.com/office/drawing/2014/main" id="{8FD6C182-3273-43AE-AF9B-88D62A891900}"/>
+              </a:ext>
+            </a:extLst>
+          </p:cNvPr>
+          <p:cNvCxnSpPr>
+            <a:cxnSpLocks/>
+            <a:stCxn id="41" idx="0"/>
+            <a:endCxn id="4" idx="2"/>
+          </p:cNvCxnSpPr>
+          <p:nvPr/>
+        </p:nvCxnSpPr>
+        <p:spPr>
+          <a:xfrm flipH="1" flipV="1">
+            <a:off x="779320" y="4326772"/>
+            <a:ext cx="3" cy="698191"/>
+          </a:xfrm>
+          <a:prstGeom prst="straightConnector1">
+            <a:avLst/>
+          </a:prstGeom>
+          <a:ln>
+            <a:tailEnd type="triangle"/>
+          </a:ln>
+        </p:spPr>
+        <p:style>
+          <a:lnRef idx="2">
+            <a:schemeClr val="dk1"/>
+          </a:lnRef>
+          <a:fillRef idx="1">
+            <a:schemeClr val="lt1"/>
+          </a:fillRef>
+          <a:effectRef idx="0">
+            <a:schemeClr val="dk1"/>
+          </a:effectRef>
+          <a:fontRef idx="minor">
+            <a:schemeClr val="dk1"/>
+          </a:fontRef>
+        </p:style>
+      </p:cxnSp>
+      <p:cxnSp>
+        <p:nvCxnSpPr>
+          <p:cNvPr id="62" name="직선 화살표 연결선 61">
+            <a:extLst>
+              <a:ext uri="{FF2B5EF4-FFF2-40B4-BE49-F238E27FC236}">
+                <a16:creationId xmlns:a16="http://schemas.microsoft.com/office/drawing/2014/main" id="{84687B28-D3CF-4CC4-BB5A-CC64A664AE74}"/>
+              </a:ext>
+            </a:extLst>
+          </p:cNvPr>
+          <p:cNvCxnSpPr>
+            <a:cxnSpLocks/>
+            <a:stCxn id="32" idx="0"/>
+            <a:endCxn id="41" idx="2"/>
+          </p:cNvCxnSpPr>
+          <p:nvPr/>
+        </p:nvCxnSpPr>
+        <p:spPr>
+          <a:xfrm flipV="1">
+            <a:off x="779323" y="5307669"/>
+            <a:ext cx="0" cy="315853"/>
+          </a:xfrm>
+          <a:prstGeom prst="straightConnector1">
+            <a:avLst/>
+          </a:prstGeom>
+          <a:ln>
+            <a:tailEnd type="triangle"/>
+          </a:ln>
+        </p:spPr>
+        <p:style>
+          <a:lnRef idx="2">
+            <a:schemeClr val="dk1"/>
+          </a:lnRef>
+          <a:fillRef idx="1">
+            <a:schemeClr val="lt1"/>
+          </a:fillRef>
+          <a:effectRef idx="0">
+            <a:schemeClr val="dk1"/>
+          </a:effectRef>
+          <a:fontRef idx="minor">
+            <a:schemeClr val="dk1"/>
+          </a:fontRef>
+        </p:style>
+      </p:cxnSp>
+      <p:cxnSp>
+        <p:nvCxnSpPr>
+          <p:cNvPr id="65" name="직선 화살표 연결선 64">
+            <a:extLst>
+              <a:ext uri="{FF2B5EF4-FFF2-40B4-BE49-F238E27FC236}">
+                <a16:creationId xmlns:a16="http://schemas.microsoft.com/office/drawing/2014/main" id="{5B0C86E3-E2D2-4A73-8DA8-9D61E38B3683}"/>
+              </a:ext>
+            </a:extLst>
+          </p:cNvPr>
+          <p:cNvCxnSpPr>
+            <a:cxnSpLocks/>
+            <a:stCxn id="33" idx="0"/>
+            <a:endCxn id="42" idx="2"/>
+          </p:cNvCxnSpPr>
+          <p:nvPr/>
+        </p:nvCxnSpPr>
+        <p:spPr>
+          <a:xfrm flipV="1">
+            <a:off x="2035347" y="5307669"/>
+            <a:ext cx="2661" cy="316141"/>
+          </a:xfrm>
+          <a:prstGeom prst="straightConnector1">
+            <a:avLst/>
+          </a:prstGeom>
+          <a:ln>
+            <a:tailEnd type="triangle"/>
+          </a:ln>
+        </p:spPr>
+        <p:style>
+          <a:lnRef idx="2">
+            <a:schemeClr val="dk1"/>
+          </a:lnRef>
+          <a:fillRef idx="1">
+            <a:schemeClr val="lt1"/>
+          </a:fillRef>
+          <a:effectRef idx="0">
+            <a:schemeClr val="dk1"/>
+          </a:effectRef>
+          <a:fontRef idx="minor">
+            <a:schemeClr val="dk1"/>
+          </a:fontRef>
+        </p:style>
+      </p:cxnSp>
+      <p:cxnSp>
+        <p:nvCxnSpPr>
+          <p:cNvPr id="69" name="직선 화살표 연결선 68">
+            <a:extLst>
+              <a:ext uri="{FF2B5EF4-FFF2-40B4-BE49-F238E27FC236}">
+                <a16:creationId xmlns:a16="http://schemas.microsoft.com/office/drawing/2014/main" id="{E9DDA7B8-E402-4260-BD91-6BF2C76E596D}"/>
+              </a:ext>
+            </a:extLst>
+          </p:cNvPr>
+          <p:cNvCxnSpPr>
+            <a:cxnSpLocks/>
+            <a:stCxn id="34" idx="0"/>
+            <a:endCxn id="43" idx="2"/>
+          </p:cNvCxnSpPr>
+          <p:nvPr/>
+        </p:nvCxnSpPr>
+        <p:spPr>
+          <a:xfrm flipV="1">
+            <a:off x="3296693" y="5307669"/>
+            <a:ext cx="1" cy="315853"/>
+          </a:xfrm>
+          <a:prstGeom prst="straightConnector1">
+            <a:avLst/>
+          </a:prstGeom>
+          <a:ln>
+            <a:tailEnd type="triangle"/>
+          </a:ln>
+        </p:spPr>
+        <p:style>
+          <a:lnRef idx="2">
+            <a:schemeClr val="dk1"/>
+          </a:lnRef>
+          <a:fillRef idx="1">
+            <a:schemeClr val="lt1"/>
+          </a:fillRef>
+          <a:effectRef idx="0">
+            <a:schemeClr val="dk1"/>
+          </a:effectRef>
+          <a:fontRef idx="minor">
+            <a:schemeClr val="dk1"/>
+          </a:fontRef>
+        </p:style>
+      </p:cxnSp>
+      <p:cxnSp>
+        <p:nvCxnSpPr>
+          <p:cNvPr id="72" name="직선 화살표 연결선 71">
+            <a:extLst>
+              <a:ext uri="{FF2B5EF4-FFF2-40B4-BE49-F238E27FC236}">
+                <a16:creationId xmlns:a16="http://schemas.microsoft.com/office/drawing/2014/main" id="{3A38D4EC-BFCE-47EF-9CC9-5F3059C57B9A}"/>
+              </a:ext>
+            </a:extLst>
+          </p:cNvPr>
+          <p:cNvCxnSpPr>
+            <a:cxnSpLocks/>
+            <a:stCxn id="35" idx="0"/>
+            <a:endCxn id="44" idx="2"/>
+          </p:cNvCxnSpPr>
+          <p:nvPr/>
+        </p:nvCxnSpPr>
+        <p:spPr>
+          <a:xfrm flipH="1" flipV="1">
+            <a:off x="4555377" y="5307669"/>
+            <a:ext cx="1" cy="315853"/>
+          </a:xfrm>
+          <a:prstGeom prst="straightConnector1">
+            <a:avLst/>
+          </a:prstGeom>
+          <a:ln>
+            <a:tailEnd type="triangle"/>
+          </a:ln>
+        </p:spPr>
+        <p:style>
+          <a:lnRef idx="2">
+            <a:schemeClr val="dk1"/>
+          </a:lnRef>
+          <a:fillRef idx="1">
+            <a:schemeClr val="lt1"/>
+          </a:fillRef>
+          <a:effectRef idx="0">
+            <a:schemeClr val="dk1"/>
+          </a:effectRef>
+          <a:fontRef idx="minor">
+            <a:schemeClr val="dk1"/>
+          </a:fontRef>
+        </p:style>
+      </p:cxnSp>
+      <p:cxnSp>
+        <p:nvCxnSpPr>
+          <p:cNvPr id="75" name="직선 화살표 연결선 74">
+            <a:extLst>
+              <a:ext uri="{FF2B5EF4-FFF2-40B4-BE49-F238E27FC236}">
+                <a16:creationId xmlns:a16="http://schemas.microsoft.com/office/drawing/2014/main" id="{F0A56918-BB78-4512-9AE4-4595F71A0374}"/>
+              </a:ext>
+            </a:extLst>
+          </p:cNvPr>
+          <p:cNvCxnSpPr>
+            <a:cxnSpLocks/>
+            <a:stCxn id="39" idx="0"/>
+            <a:endCxn id="49" idx="2"/>
+          </p:cNvCxnSpPr>
+          <p:nvPr/>
+        </p:nvCxnSpPr>
+        <p:spPr>
+          <a:xfrm flipH="1" flipV="1">
+            <a:off x="6264334" y="5307672"/>
+            <a:ext cx="1" cy="340755"/>
+          </a:xfrm>
+          <a:prstGeom prst="straightConnector1">
+            <a:avLst/>
+          </a:prstGeom>
+          <a:ln>
+            <a:tailEnd type="triangle"/>
+          </a:ln>
+        </p:spPr>
+        <p:style>
+          <a:lnRef idx="2">
+            <a:schemeClr val="dk1"/>
+          </a:lnRef>
+          <a:fillRef idx="1">
+            <a:schemeClr val="lt1"/>
+          </a:fillRef>
+          <a:effectRef idx="0">
+            <a:schemeClr val="dk1"/>
+          </a:effectRef>
+          <a:fontRef idx="minor">
+            <a:schemeClr val="dk1"/>
+          </a:fontRef>
+        </p:style>
+      </p:cxnSp>
+      <p:cxnSp>
+        <p:nvCxnSpPr>
+          <p:cNvPr id="78" name="직선 화살표 연결선 77">
+            <a:extLst>
+              <a:ext uri="{FF2B5EF4-FFF2-40B4-BE49-F238E27FC236}">
+                <a16:creationId xmlns:a16="http://schemas.microsoft.com/office/drawing/2014/main" id="{6BE0089D-C53D-4CB5-81DB-317FD6773065}"/>
+              </a:ext>
+            </a:extLst>
+          </p:cNvPr>
+          <p:cNvCxnSpPr>
+            <a:cxnSpLocks/>
+            <a:stCxn id="36" idx="0"/>
+            <a:endCxn id="50" idx="2"/>
+          </p:cNvCxnSpPr>
+          <p:nvPr/>
+        </p:nvCxnSpPr>
+        <p:spPr>
+          <a:xfrm flipV="1">
+            <a:off x="7523020" y="5307669"/>
+            <a:ext cx="0" cy="315856"/>
+          </a:xfrm>
+          <a:prstGeom prst="straightConnector1">
+            <a:avLst/>
+          </a:prstGeom>
+          <a:ln>
+            <a:tailEnd type="triangle"/>
+          </a:ln>
+        </p:spPr>
+        <p:style>
+          <a:lnRef idx="2">
+            <a:schemeClr val="dk1"/>
+          </a:lnRef>
+          <a:fillRef idx="1">
+            <a:schemeClr val="lt1"/>
+          </a:fillRef>
+          <a:effectRef idx="0">
+            <a:schemeClr val="dk1"/>
+          </a:effectRef>
+          <a:fontRef idx="minor">
+            <a:schemeClr val="dk1"/>
+          </a:fontRef>
+        </p:style>
+      </p:cxnSp>
+      <p:cxnSp>
+        <p:nvCxnSpPr>
+          <p:cNvPr id="81" name="직선 화살표 연결선 80">
+            <a:extLst>
+              <a:ext uri="{FF2B5EF4-FFF2-40B4-BE49-F238E27FC236}">
+                <a16:creationId xmlns:a16="http://schemas.microsoft.com/office/drawing/2014/main" id="{1FE67D45-F341-48D8-A5DA-5CABD0220D40}"/>
+              </a:ext>
+            </a:extLst>
+          </p:cNvPr>
+          <p:cNvCxnSpPr>
+            <a:cxnSpLocks/>
+            <a:stCxn id="37" idx="0"/>
+            <a:endCxn id="51" idx="2"/>
+          </p:cNvCxnSpPr>
+          <p:nvPr/>
+        </p:nvCxnSpPr>
+        <p:spPr>
+          <a:xfrm flipV="1">
+            <a:off x="8779045" y="5307669"/>
+            <a:ext cx="2661" cy="315856"/>
+          </a:xfrm>
+          <a:prstGeom prst="straightConnector1">
+            <a:avLst/>
+          </a:prstGeom>
+          <a:ln>
+            <a:tailEnd type="triangle"/>
+          </a:ln>
+        </p:spPr>
+        <p:style>
+          <a:lnRef idx="2">
+            <a:schemeClr val="dk1"/>
+          </a:lnRef>
+          <a:fillRef idx="1">
+            <a:schemeClr val="lt1"/>
+          </a:fillRef>
+          <a:effectRef idx="0">
+            <a:schemeClr val="dk1"/>
+          </a:effectRef>
+          <a:fontRef idx="minor">
+            <a:schemeClr val="dk1"/>
+          </a:fontRef>
+        </p:style>
+      </p:cxnSp>
+      <p:cxnSp>
+        <p:nvCxnSpPr>
+          <p:cNvPr id="84" name="직선 화살표 연결선 83">
+            <a:extLst>
+              <a:ext uri="{FF2B5EF4-FFF2-40B4-BE49-F238E27FC236}">
+                <a16:creationId xmlns:a16="http://schemas.microsoft.com/office/drawing/2014/main" id="{EA268775-CEB7-4436-8C2C-742779150F3A}"/>
+              </a:ext>
+            </a:extLst>
+          </p:cNvPr>
+          <p:cNvCxnSpPr>
+            <a:cxnSpLocks/>
+            <a:stCxn id="38" idx="0"/>
+            <a:endCxn id="52" idx="2"/>
+          </p:cNvCxnSpPr>
+          <p:nvPr/>
+        </p:nvCxnSpPr>
+        <p:spPr>
+          <a:xfrm flipH="1" flipV="1">
+            <a:off x="10040391" y="5307669"/>
+            <a:ext cx="2" cy="315856"/>
+          </a:xfrm>
+          <a:prstGeom prst="straightConnector1">
+            <a:avLst/>
+          </a:prstGeom>
+          <a:ln>
+            <a:tailEnd type="triangle"/>
+          </a:ln>
+        </p:spPr>
+        <p:style>
+          <a:lnRef idx="2">
+            <a:schemeClr val="dk1"/>
+          </a:lnRef>
+          <a:fillRef idx="1">
+            <a:schemeClr val="lt1"/>
+          </a:fillRef>
+          <a:effectRef idx="0">
+            <a:schemeClr val="dk1"/>
+          </a:effectRef>
+          <a:fontRef idx="minor">
+            <a:schemeClr val="dk1"/>
+          </a:fontRef>
+        </p:style>
+      </p:cxnSp>
+      <p:cxnSp>
+        <p:nvCxnSpPr>
+          <p:cNvPr id="87" name="직선 화살표 연결선 86">
+            <a:extLst>
+              <a:ext uri="{FF2B5EF4-FFF2-40B4-BE49-F238E27FC236}">
+                <a16:creationId xmlns:a16="http://schemas.microsoft.com/office/drawing/2014/main" id="{2F9DA316-AF50-4F26-873D-18769FF362BC}"/>
+              </a:ext>
+            </a:extLst>
+          </p:cNvPr>
+          <p:cNvCxnSpPr>
+            <a:cxnSpLocks/>
+            <a:stCxn id="42" idx="0"/>
+            <a:endCxn id="5" idx="2"/>
+          </p:cNvCxnSpPr>
+          <p:nvPr/>
+        </p:nvCxnSpPr>
+        <p:spPr>
+          <a:xfrm flipH="1" flipV="1">
+            <a:off x="2038005" y="4326771"/>
+            <a:ext cx="3" cy="698192"/>
+          </a:xfrm>
+          <a:prstGeom prst="straightConnector1">
+            <a:avLst/>
+          </a:prstGeom>
+          <a:ln>
+            <a:tailEnd type="triangle"/>
+          </a:ln>
+        </p:spPr>
+        <p:style>
+          <a:lnRef idx="2">
+            <a:schemeClr val="dk1"/>
+          </a:lnRef>
+          <a:fillRef idx="1">
+            <a:schemeClr val="lt1"/>
+          </a:fillRef>
+          <a:effectRef idx="0">
+            <a:schemeClr val="dk1"/>
+          </a:effectRef>
+          <a:fontRef idx="minor">
+            <a:schemeClr val="dk1"/>
+          </a:fontRef>
+        </p:style>
+      </p:cxnSp>
+      <p:cxnSp>
+        <p:nvCxnSpPr>
+          <p:cNvPr id="90" name="직선 화살표 연결선 89">
+            <a:extLst>
+              <a:ext uri="{FF2B5EF4-FFF2-40B4-BE49-F238E27FC236}">
+                <a16:creationId xmlns:a16="http://schemas.microsoft.com/office/drawing/2014/main" id="{20099984-F671-4110-A508-825AF03AF97E}"/>
+              </a:ext>
+            </a:extLst>
+          </p:cNvPr>
+          <p:cNvCxnSpPr>
+            <a:cxnSpLocks/>
+            <a:stCxn id="43" idx="0"/>
+            <a:endCxn id="6" idx="2"/>
+          </p:cNvCxnSpPr>
+          <p:nvPr/>
+        </p:nvCxnSpPr>
+        <p:spPr>
+          <a:xfrm flipH="1" flipV="1">
+            <a:off x="3296691" y="4326771"/>
+            <a:ext cx="3" cy="698192"/>
+          </a:xfrm>
+          <a:prstGeom prst="straightConnector1">
+            <a:avLst/>
+          </a:prstGeom>
+          <a:ln>
+            <a:tailEnd type="triangle"/>
+          </a:ln>
+        </p:spPr>
+        <p:style>
+          <a:lnRef idx="2">
+            <a:schemeClr val="dk1"/>
+          </a:lnRef>
+          <a:fillRef idx="1">
+            <a:schemeClr val="lt1"/>
+          </a:fillRef>
+          <a:effectRef idx="0">
+            <a:schemeClr val="dk1"/>
+          </a:effectRef>
+          <a:fontRef idx="minor">
+            <a:schemeClr val="dk1"/>
+          </a:fontRef>
+        </p:style>
+      </p:cxnSp>
+      <p:cxnSp>
+        <p:nvCxnSpPr>
+          <p:cNvPr id="93" name="직선 화살표 연결선 92">
+            <a:extLst>
+              <a:ext uri="{FF2B5EF4-FFF2-40B4-BE49-F238E27FC236}">
+                <a16:creationId xmlns:a16="http://schemas.microsoft.com/office/drawing/2014/main" id="{3FD2772A-63B2-432A-874D-81B5EAE253B6}"/>
+              </a:ext>
+            </a:extLst>
+          </p:cNvPr>
+          <p:cNvCxnSpPr>
+            <a:cxnSpLocks/>
+            <a:stCxn id="44" idx="0"/>
+            <a:endCxn id="7" idx="2"/>
+          </p:cNvCxnSpPr>
+          <p:nvPr/>
+        </p:nvCxnSpPr>
+        <p:spPr>
+          <a:xfrm flipV="1">
+            <a:off x="4555377" y="4326771"/>
+            <a:ext cx="0" cy="698192"/>
+          </a:xfrm>
+          <a:prstGeom prst="straightConnector1">
+            <a:avLst/>
+          </a:prstGeom>
+          <a:ln>
+            <a:tailEnd type="triangle"/>
+          </a:ln>
+        </p:spPr>
+        <p:style>
+          <a:lnRef idx="2">
+            <a:schemeClr val="dk1"/>
+          </a:lnRef>
+          <a:fillRef idx="1">
+            <a:schemeClr val="lt1"/>
+          </a:fillRef>
+          <a:effectRef idx="0">
+            <a:schemeClr val="dk1"/>
+          </a:effectRef>
+          <a:fontRef idx="minor">
+            <a:schemeClr val="dk1"/>
+          </a:fontRef>
+        </p:style>
+      </p:cxnSp>
+      <p:cxnSp>
+        <p:nvCxnSpPr>
+          <p:cNvPr id="96" name="직선 화살표 연결선 95">
+            <a:extLst>
+              <a:ext uri="{FF2B5EF4-FFF2-40B4-BE49-F238E27FC236}">
+                <a16:creationId xmlns:a16="http://schemas.microsoft.com/office/drawing/2014/main" id="{0950EDDA-92F2-40B3-8E33-04EEEE15DEBD}"/>
+              </a:ext>
+            </a:extLst>
+          </p:cNvPr>
+          <p:cNvCxnSpPr>
+            <a:cxnSpLocks/>
+            <a:stCxn id="49" idx="0"/>
+            <a:endCxn id="8" idx="2"/>
+          </p:cNvCxnSpPr>
+          <p:nvPr/>
+        </p:nvCxnSpPr>
+        <p:spPr>
+          <a:xfrm flipV="1">
+            <a:off x="6264334" y="4326771"/>
+            <a:ext cx="1" cy="698195"/>
+          </a:xfrm>
+          <a:prstGeom prst="straightConnector1">
+            <a:avLst/>
+          </a:prstGeom>
+          <a:ln>
+            <a:tailEnd type="triangle"/>
+          </a:ln>
+        </p:spPr>
+        <p:style>
+          <a:lnRef idx="2">
+            <a:schemeClr val="dk1"/>
+          </a:lnRef>
+          <a:fillRef idx="1">
+            <a:schemeClr val="lt1"/>
+          </a:fillRef>
+          <a:effectRef idx="0">
+            <a:schemeClr val="dk1"/>
+          </a:effectRef>
+          <a:fontRef idx="minor">
+            <a:schemeClr val="dk1"/>
+          </a:fontRef>
+        </p:style>
+      </p:cxnSp>
+      <p:cxnSp>
+        <p:nvCxnSpPr>
+          <p:cNvPr id="99" name="직선 화살표 연결선 98">
+            <a:extLst>
+              <a:ext uri="{FF2B5EF4-FFF2-40B4-BE49-F238E27FC236}">
+                <a16:creationId xmlns:a16="http://schemas.microsoft.com/office/drawing/2014/main" id="{3CDFBDFE-CBAD-41E3-ACEA-06CCB2C6FDBD}"/>
+              </a:ext>
+            </a:extLst>
+          </p:cNvPr>
+          <p:cNvCxnSpPr>
+            <a:cxnSpLocks/>
+            <a:stCxn id="3" idx="0"/>
+            <a:endCxn id="9" idx="2"/>
+          </p:cNvCxnSpPr>
+          <p:nvPr/>
+        </p:nvCxnSpPr>
+        <p:spPr>
+          <a:xfrm flipV="1">
+            <a:off x="7521983" y="4326770"/>
+            <a:ext cx="1037" cy="216104"/>
+          </a:xfrm>
+          <a:prstGeom prst="straightConnector1">
+            <a:avLst/>
+          </a:prstGeom>
+          <a:ln>
+            <a:tailEnd type="triangle"/>
+          </a:ln>
+        </p:spPr>
+        <p:style>
+          <a:lnRef idx="2">
+            <a:schemeClr val="dk1"/>
+          </a:lnRef>
+          <a:fillRef idx="1">
+            <a:schemeClr val="lt1"/>
+          </a:fillRef>
+          <a:effectRef idx="0">
+            <a:schemeClr val="dk1"/>
+          </a:effectRef>
+          <a:fontRef idx="minor">
+            <a:schemeClr val="dk1"/>
+          </a:fontRef>
+        </p:style>
+      </p:cxnSp>
+      <p:cxnSp>
+        <p:nvCxnSpPr>
+          <p:cNvPr id="102" name="직선 화살표 연결선 101">
+            <a:extLst>
+              <a:ext uri="{FF2B5EF4-FFF2-40B4-BE49-F238E27FC236}">
+                <a16:creationId xmlns:a16="http://schemas.microsoft.com/office/drawing/2014/main" id="{77648F5A-E6F6-4F01-90F1-AAEF9A30738A}"/>
+              </a:ext>
+            </a:extLst>
+          </p:cNvPr>
+          <p:cNvCxnSpPr>
+            <a:cxnSpLocks/>
+            <a:stCxn id="79" idx="0"/>
+            <a:endCxn id="10" idx="2"/>
+          </p:cNvCxnSpPr>
+          <p:nvPr/>
+        </p:nvCxnSpPr>
+        <p:spPr>
+          <a:xfrm flipV="1">
+            <a:off x="8776383" y="4326770"/>
+            <a:ext cx="5323" cy="216104"/>
+          </a:xfrm>
+          <a:prstGeom prst="straightConnector1">
+            <a:avLst/>
+          </a:prstGeom>
+          <a:ln>
+            <a:tailEnd type="triangle"/>
+          </a:ln>
+        </p:spPr>
+        <p:style>
+          <a:lnRef idx="2">
+            <a:schemeClr val="dk1"/>
+          </a:lnRef>
+          <a:fillRef idx="1">
+            <a:schemeClr val="lt1"/>
+          </a:fillRef>
+          <a:effectRef idx="0">
+            <a:schemeClr val="dk1"/>
+          </a:effectRef>
+          <a:fontRef idx="minor">
+            <a:schemeClr val="dk1"/>
+          </a:fontRef>
+        </p:style>
+      </p:cxnSp>
+      <p:cxnSp>
+        <p:nvCxnSpPr>
+          <p:cNvPr id="105" name="직선 화살표 연결선 104">
+            <a:extLst>
+              <a:ext uri="{FF2B5EF4-FFF2-40B4-BE49-F238E27FC236}">
+                <a16:creationId xmlns:a16="http://schemas.microsoft.com/office/drawing/2014/main" id="{512F180C-E62B-4C3D-8DEE-7BE74F91E5AF}"/>
+              </a:ext>
+            </a:extLst>
+          </p:cNvPr>
+          <p:cNvCxnSpPr>
+            <a:cxnSpLocks/>
+            <a:stCxn id="80" idx="0"/>
+            <a:endCxn id="11" idx="2"/>
+          </p:cNvCxnSpPr>
+          <p:nvPr/>
+        </p:nvCxnSpPr>
+        <p:spPr>
+          <a:xfrm flipV="1">
+            <a:off x="10040392" y="4326770"/>
+            <a:ext cx="0" cy="216104"/>
+          </a:xfrm>
+          <a:prstGeom prst="straightConnector1">
+            <a:avLst/>
+          </a:prstGeom>
+          <a:ln>
+            <a:tailEnd type="triangle"/>
+          </a:ln>
+        </p:spPr>
+        <p:style>
+          <a:lnRef idx="2">
+            <a:schemeClr val="dk1"/>
+          </a:lnRef>
+          <a:fillRef idx="1">
+            <a:schemeClr val="lt1"/>
+          </a:fillRef>
+          <a:effectRef idx="0">
+            <a:schemeClr val="dk1"/>
+          </a:effectRef>
+          <a:fontRef idx="minor">
+            <a:schemeClr val="dk1"/>
+          </a:fontRef>
+        </p:style>
+      </p:cxnSp>
+      <p:cxnSp>
+        <p:nvCxnSpPr>
+          <p:cNvPr id="108" name="직선 화살표 연결선 107">
+            <a:extLst>
+              <a:ext uri="{FF2B5EF4-FFF2-40B4-BE49-F238E27FC236}">
+                <a16:creationId xmlns:a16="http://schemas.microsoft.com/office/drawing/2014/main" id="{F0620903-B98B-482B-BCE6-DBFF005A7721}"/>
+              </a:ext>
+            </a:extLst>
+          </p:cNvPr>
+          <p:cNvCxnSpPr>
+            <a:cxnSpLocks/>
+            <a:stCxn id="45" idx="0"/>
+            <a:endCxn id="55" idx="2"/>
+          </p:cNvCxnSpPr>
+          <p:nvPr/>
+        </p:nvCxnSpPr>
+        <p:spPr>
+          <a:xfrm flipV="1">
+            <a:off x="6264334" y="866642"/>
+            <a:ext cx="0" cy="251415"/>
+          </a:xfrm>
+          <a:prstGeom prst="straightConnector1">
+            <a:avLst/>
+          </a:prstGeom>
+          <a:ln>
+            <a:tailEnd type="triangle"/>
+          </a:ln>
+        </p:spPr>
+        <p:style>
+          <a:lnRef idx="2">
+            <a:schemeClr val="dk1"/>
+          </a:lnRef>
+          <a:fillRef idx="1">
+            <a:schemeClr val="lt1"/>
+          </a:fillRef>
+          <a:effectRef idx="0">
+            <a:schemeClr val="dk1"/>
+          </a:effectRef>
+          <a:fontRef idx="minor">
+            <a:schemeClr val="dk1"/>
+          </a:fontRef>
+        </p:style>
+      </p:cxnSp>
+      <p:cxnSp>
+        <p:nvCxnSpPr>
+          <p:cNvPr id="111" name="직선 화살표 연결선 110">
+            <a:extLst>
+              <a:ext uri="{FF2B5EF4-FFF2-40B4-BE49-F238E27FC236}">
+                <a16:creationId xmlns:a16="http://schemas.microsoft.com/office/drawing/2014/main" id="{12217889-4726-4C88-9325-F533E0E9F9D0}"/>
+              </a:ext>
+            </a:extLst>
+          </p:cNvPr>
+          <p:cNvCxnSpPr>
+            <a:cxnSpLocks/>
+            <a:stCxn id="46" idx="0"/>
+            <a:endCxn id="57" idx="2"/>
+          </p:cNvCxnSpPr>
+          <p:nvPr/>
+        </p:nvCxnSpPr>
+        <p:spPr>
+          <a:xfrm flipH="1" flipV="1">
+            <a:off x="7520358" y="871124"/>
+            <a:ext cx="2662" cy="246933"/>
+          </a:xfrm>
+          <a:prstGeom prst="straightConnector1">
+            <a:avLst/>
+          </a:prstGeom>
+          <a:ln>
+            <a:tailEnd type="triangle"/>
+          </a:ln>
+        </p:spPr>
+        <p:style>
+          <a:lnRef idx="2">
+            <a:schemeClr val="dk1"/>
+          </a:lnRef>
+          <a:fillRef idx="1">
+            <a:schemeClr val="lt1"/>
+          </a:fillRef>
+          <a:effectRef idx="0">
+            <a:schemeClr val="dk1"/>
+          </a:effectRef>
+          <a:fontRef idx="minor">
+            <a:schemeClr val="dk1"/>
+          </a:fontRef>
+        </p:style>
+      </p:cxnSp>
+      <p:cxnSp>
+        <p:nvCxnSpPr>
+          <p:cNvPr id="114" name="직선 화살표 연결선 113">
+            <a:extLst>
+              <a:ext uri="{FF2B5EF4-FFF2-40B4-BE49-F238E27FC236}">
+                <a16:creationId xmlns:a16="http://schemas.microsoft.com/office/drawing/2014/main" id="{A3466522-BCD2-4C8B-BB34-E826DC8BF883}"/>
+              </a:ext>
+            </a:extLst>
+          </p:cNvPr>
+          <p:cNvCxnSpPr>
+            <a:cxnSpLocks/>
+            <a:stCxn id="47" idx="0"/>
+            <a:endCxn id="58" idx="2"/>
+          </p:cNvCxnSpPr>
+          <p:nvPr/>
+        </p:nvCxnSpPr>
+        <p:spPr>
+          <a:xfrm flipH="1" flipV="1">
+            <a:off x="8776384" y="866642"/>
+            <a:ext cx="5322" cy="251415"/>
+          </a:xfrm>
+          <a:prstGeom prst="straightConnector1">
+            <a:avLst/>
+          </a:prstGeom>
+          <a:ln>
+            <a:tailEnd type="triangle"/>
+          </a:ln>
+        </p:spPr>
+        <p:style>
+          <a:lnRef idx="2">
+            <a:schemeClr val="dk1"/>
+          </a:lnRef>
+          <a:fillRef idx="1">
+            <a:schemeClr val="lt1"/>
+          </a:fillRef>
+          <a:effectRef idx="0">
+            <a:schemeClr val="dk1"/>
+          </a:effectRef>
+          <a:fontRef idx="minor">
+            <a:schemeClr val="dk1"/>
+          </a:fontRef>
+        </p:style>
+      </p:cxnSp>
+      <p:cxnSp>
+        <p:nvCxnSpPr>
+          <p:cNvPr id="117" name="직선 화살표 연결선 116">
+            <a:extLst>
+              <a:ext uri="{FF2B5EF4-FFF2-40B4-BE49-F238E27FC236}">
+                <a16:creationId xmlns:a16="http://schemas.microsoft.com/office/drawing/2014/main" id="{284E8DD9-CAEE-4148-AE3B-F554719E5F25}"/>
+              </a:ext>
+            </a:extLst>
+          </p:cNvPr>
+          <p:cNvCxnSpPr>
+            <a:cxnSpLocks/>
+            <a:stCxn id="48" idx="0"/>
+            <a:endCxn id="40" idx="2"/>
+          </p:cNvCxnSpPr>
+          <p:nvPr/>
+        </p:nvCxnSpPr>
+        <p:spPr>
+          <a:xfrm flipH="1" flipV="1">
+            <a:off x="10036383" y="866642"/>
+            <a:ext cx="4008" cy="251415"/>
+          </a:xfrm>
+          <a:prstGeom prst="straightConnector1">
+            <a:avLst/>
+          </a:prstGeom>
+          <a:ln>
+            <a:tailEnd type="triangle"/>
+          </a:ln>
+        </p:spPr>
+        <p:style>
+          <a:lnRef idx="2">
+            <a:schemeClr val="dk1"/>
+          </a:lnRef>
+          <a:fillRef idx="1">
+            <a:schemeClr val="lt1"/>
+          </a:fillRef>
+          <a:effectRef idx="0">
+            <a:schemeClr val="dk1"/>
+          </a:effectRef>
+          <a:fontRef idx="minor">
+            <a:schemeClr val="dk1"/>
+          </a:fontRef>
+        </p:style>
+      </p:cxnSp>
+      <p:cxnSp>
+        <p:nvCxnSpPr>
+          <p:cNvPr id="120" name="직선 화살표 연결선 119">
+            <a:extLst>
+              <a:ext uri="{FF2B5EF4-FFF2-40B4-BE49-F238E27FC236}">
+                <a16:creationId xmlns:a16="http://schemas.microsoft.com/office/drawing/2014/main" id="{0AD7DF6E-BA1D-4779-88C3-09DD71D6E2FF}"/>
+              </a:ext>
+            </a:extLst>
+          </p:cNvPr>
+          <p:cNvCxnSpPr>
+            <a:cxnSpLocks/>
+            <a:stCxn id="11" idx="0"/>
+            <a:endCxn id="48" idx="2"/>
+          </p:cNvCxnSpPr>
+          <p:nvPr/>
+        </p:nvCxnSpPr>
+        <p:spPr>
+          <a:xfrm flipH="1" flipV="1">
+            <a:off x="10040391" y="1400763"/>
+            <a:ext cx="1" cy="274248"/>
+          </a:xfrm>
+          <a:prstGeom prst="straightConnector1">
+            <a:avLst/>
+          </a:prstGeom>
+          <a:ln>
+            <a:tailEnd type="triangle"/>
+          </a:ln>
+        </p:spPr>
+        <p:style>
+          <a:lnRef idx="2">
+            <a:schemeClr val="dk1"/>
+          </a:lnRef>
+          <a:fillRef idx="1">
+            <a:schemeClr val="lt1"/>
+          </a:fillRef>
+          <a:effectRef idx="0">
+            <a:schemeClr val="dk1"/>
+          </a:effectRef>
+          <a:fontRef idx="minor">
+            <a:schemeClr val="dk1"/>
+          </a:fontRef>
+        </p:style>
+      </p:cxnSp>
+      <p:cxnSp>
+        <p:nvCxnSpPr>
+          <p:cNvPr id="123" name="직선 화살표 연결선 122">
+            <a:extLst>
+              <a:ext uri="{FF2B5EF4-FFF2-40B4-BE49-F238E27FC236}">
+                <a16:creationId xmlns:a16="http://schemas.microsoft.com/office/drawing/2014/main" id="{5216A147-C924-4C72-8D6E-7331E2D22CFB}"/>
+              </a:ext>
+            </a:extLst>
+          </p:cNvPr>
+          <p:cNvCxnSpPr>
+            <a:cxnSpLocks/>
+            <a:stCxn id="10" idx="0"/>
+            <a:endCxn id="47" idx="2"/>
+          </p:cNvCxnSpPr>
+          <p:nvPr/>
+        </p:nvCxnSpPr>
+        <p:spPr>
+          <a:xfrm flipV="1">
+            <a:off x="8781706" y="1400763"/>
+            <a:ext cx="0" cy="274248"/>
+          </a:xfrm>
+          <a:prstGeom prst="straightConnector1">
+            <a:avLst/>
+          </a:prstGeom>
+          <a:ln>
+            <a:tailEnd type="triangle"/>
+          </a:ln>
+        </p:spPr>
+        <p:style>
+          <a:lnRef idx="2">
+            <a:schemeClr val="dk1"/>
+          </a:lnRef>
+          <a:fillRef idx="1">
+            <a:schemeClr val="lt1"/>
+          </a:fillRef>
+          <a:effectRef idx="0">
+            <a:schemeClr val="dk1"/>
+          </a:effectRef>
+          <a:fontRef idx="minor">
+            <a:schemeClr val="dk1"/>
+          </a:fontRef>
+        </p:style>
+      </p:cxnSp>
+      <p:cxnSp>
+        <p:nvCxnSpPr>
+          <p:cNvPr id="126" name="직선 화살표 연결선 125">
+            <a:extLst>
+              <a:ext uri="{FF2B5EF4-FFF2-40B4-BE49-F238E27FC236}">
+                <a16:creationId xmlns:a16="http://schemas.microsoft.com/office/drawing/2014/main" id="{45637B03-E8B6-4719-B049-0FDE04904AE4}"/>
+              </a:ext>
+            </a:extLst>
+          </p:cNvPr>
+          <p:cNvCxnSpPr>
+            <a:cxnSpLocks/>
+            <a:stCxn id="9" idx="0"/>
+            <a:endCxn id="46" idx="2"/>
+          </p:cNvCxnSpPr>
+          <p:nvPr/>
+        </p:nvCxnSpPr>
+        <p:spPr>
+          <a:xfrm flipV="1">
+            <a:off x="7523020" y="1400763"/>
+            <a:ext cx="0" cy="274248"/>
+          </a:xfrm>
+          <a:prstGeom prst="straightConnector1">
+            <a:avLst/>
+          </a:prstGeom>
+          <a:ln>
+            <a:tailEnd type="triangle"/>
+          </a:ln>
+        </p:spPr>
+        <p:style>
+          <a:lnRef idx="2">
+            <a:schemeClr val="dk1"/>
+          </a:lnRef>
+          <a:fillRef idx="1">
+            <a:schemeClr val="lt1"/>
+          </a:fillRef>
+          <a:effectRef idx="0">
+            <a:schemeClr val="dk1"/>
+          </a:effectRef>
+          <a:fontRef idx="minor">
+            <a:schemeClr val="dk1"/>
+          </a:fontRef>
+        </p:style>
+      </p:cxnSp>
+      <p:cxnSp>
+        <p:nvCxnSpPr>
+          <p:cNvPr id="129" name="직선 화살표 연결선 128">
+            <a:extLst>
+              <a:ext uri="{FF2B5EF4-FFF2-40B4-BE49-F238E27FC236}">
+                <a16:creationId xmlns:a16="http://schemas.microsoft.com/office/drawing/2014/main" id="{1CA74644-B225-4181-9249-93F1981D9149}"/>
+              </a:ext>
+            </a:extLst>
+          </p:cNvPr>
+          <p:cNvCxnSpPr>
+            <a:cxnSpLocks/>
+            <a:stCxn id="8" idx="0"/>
+            <a:endCxn id="45" idx="2"/>
+          </p:cNvCxnSpPr>
+          <p:nvPr/>
+        </p:nvCxnSpPr>
+        <p:spPr>
+          <a:xfrm flipH="1" flipV="1">
+            <a:off x="6264334" y="1400763"/>
+            <a:ext cx="1" cy="274249"/>
+          </a:xfrm>
+          <a:prstGeom prst="straightConnector1">
+            <a:avLst/>
+          </a:prstGeom>
+          <a:ln>
+            <a:tailEnd type="triangle"/>
+          </a:ln>
+        </p:spPr>
+        <p:style>
+          <a:lnRef idx="2">
+            <a:schemeClr val="dk1"/>
+          </a:lnRef>
+          <a:fillRef idx="1">
+            <a:schemeClr val="lt1"/>
+          </a:fillRef>
+          <a:effectRef idx="0">
+            <a:schemeClr val="dk1"/>
+          </a:effectRef>
+          <a:fontRef idx="minor">
+            <a:schemeClr val="dk1"/>
+          </a:fontRef>
+        </p:style>
+      </p:cxnSp>
+      <p:cxnSp>
+        <p:nvCxnSpPr>
+          <p:cNvPr id="133" name="연결선: 구부러짐 132">
+            <a:extLst>
+              <a:ext uri="{FF2B5EF4-FFF2-40B4-BE49-F238E27FC236}">
+                <a16:creationId xmlns:a16="http://schemas.microsoft.com/office/drawing/2014/main" id="{B0692204-9491-4446-8992-669D8CADF515}"/>
+              </a:ext>
+            </a:extLst>
+          </p:cNvPr>
+          <p:cNvCxnSpPr>
+            <a:stCxn id="45" idx="0"/>
+            <a:endCxn id="50" idx="2"/>
+          </p:cNvCxnSpPr>
+          <p:nvPr/>
+        </p:nvCxnSpPr>
+        <p:spPr>
+          <a:xfrm rot="16200000" flipH="1">
+            <a:off x="4798871" y="2583520"/>
+            <a:ext cx="4189612" cy="1258686"/>
+          </a:xfrm>
+          <a:prstGeom prst="curvedConnector5">
+            <a:avLst>
+              <a:gd name="adj1" fmla="val -5456"/>
+              <a:gd name="adj2" fmla="val 50000"/>
+              <a:gd name="adj3" fmla="val 105456"/>
+            </a:avLst>
+          </a:prstGeom>
+          <a:ln>
+            <a:tailEnd type="triangle"/>
+          </a:ln>
+        </p:spPr>
+        <p:style>
+          <a:lnRef idx="2">
+            <a:schemeClr val="dk1"/>
+          </a:lnRef>
+          <a:fillRef idx="1">
+            <a:schemeClr val="lt1"/>
+          </a:fillRef>
+          <a:effectRef idx="0">
+            <a:schemeClr val="dk1"/>
+          </a:effectRef>
+          <a:fontRef idx="minor">
+            <a:schemeClr val="dk1"/>
+          </a:fontRef>
+        </p:style>
+      </p:cxnSp>
+      <p:cxnSp>
+        <p:nvCxnSpPr>
+          <p:cNvPr id="134" name="연결선: 구부러짐 133">
+            <a:extLst>
+              <a:ext uri="{FF2B5EF4-FFF2-40B4-BE49-F238E27FC236}">
+                <a16:creationId xmlns:a16="http://schemas.microsoft.com/office/drawing/2014/main" id="{FC427459-E021-48A1-B314-49541E7D501D}"/>
+              </a:ext>
+            </a:extLst>
+          </p:cNvPr>
+          <p:cNvCxnSpPr>
+            <a:cxnSpLocks/>
+            <a:stCxn id="46" idx="0"/>
+            <a:endCxn id="51" idx="2"/>
+          </p:cNvCxnSpPr>
+          <p:nvPr/>
+        </p:nvCxnSpPr>
+        <p:spPr>
+          <a:xfrm rot="16200000" flipH="1">
+            <a:off x="6057557" y="2583520"/>
+            <a:ext cx="4189612" cy="1258686"/>
+          </a:xfrm>
+          <a:prstGeom prst="curvedConnector5">
+            <a:avLst>
+              <a:gd name="adj1" fmla="val -5456"/>
+              <a:gd name="adj2" fmla="val 50000"/>
+              <a:gd name="adj3" fmla="val 105456"/>
+            </a:avLst>
+          </a:prstGeom>
+          <a:ln>
+            <a:tailEnd type="triangle"/>
+          </a:ln>
+        </p:spPr>
+        <p:style>
+          <a:lnRef idx="2">
+            <a:schemeClr val="dk1"/>
+          </a:lnRef>
+          <a:fillRef idx="1">
+            <a:schemeClr val="lt1"/>
+          </a:fillRef>
+          <a:effectRef idx="0">
+            <a:schemeClr val="dk1"/>
+          </a:effectRef>
+          <a:fontRef idx="minor">
+            <a:schemeClr val="dk1"/>
+          </a:fontRef>
+        </p:style>
+      </p:cxnSp>
+      <p:cxnSp>
+        <p:nvCxnSpPr>
+          <p:cNvPr id="137" name="연결선: 구부러짐 136">
+            <a:extLst>
+              <a:ext uri="{FF2B5EF4-FFF2-40B4-BE49-F238E27FC236}">
+                <a16:creationId xmlns:a16="http://schemas.microsoft.com/office/drawing/2014/main" id="{9164BF98-76B5-402C-970C-7B7B851DD7BB}"/>
+              </a:ext>
+            </a:extLst>
+          </p:cNvPr>
+          <p:cNvCxnSpPr>
+            <a:cxnSpLocks/>
+            <a:stCxn id="47" idx="0"/>
+            <a:endCxn id="52" idx="2"/>
+          </p:cNvCxnSpPr>
+          <p:nvPr/>
+        </p:nvCxnSpPr>
+        <p:spPr>
+          <a:xfrm rot="16200000" flipH="1">
+            <a:off x="7316242" y="2583521"/>
+            <a:ext cx="4189612" cy="1258685"/>
+          </a:xfrm>
+          <a:prstGeom prst="curvedConnector5">
+            <a:avLst>
+              <a:gd name="adj1" fmla="val -5456"/>
+              <a:gd name="adj2" fmla="val 50000"/>
+              <a:gd name="adj3" fmla="val 105456"/>
+            </a:avLst>
+          </a:prstGeom>
+          <a:ln>
+            <a:tailEnd type="triangle"/>
+          </a:ln>
+        </p:spPr>
+        <p:style>
+          <a:lnRef idx="2">
+            <a:schemeClr val="dk1"/>
+          </a:lnRef>
+          <a:fillRef idx="1">
+            <a:schemeClr val="lt1"/>
+          </a:fillRef>
+          <a:effectRef idx="0">
+            <a:schemeClr val="dk1"/>
+          </a:effectRef>
+          <a:fontRef idx="minor">
+            <a:schemeClr val="dk1"/>
+          </a:fontRef>
+        </p:style>
+      </p:cxnSp>
+      <p:sp>
+        <p:nvSpPr>
+          <p:cNvPr id="3" name="타원 2">
+            <a:extLst>
+              <a:ext uri="{FF2B5EF4-FFF2-40B4-BE49-F238E27FC236}">
+                <a16:creationId xmlns:a16="http://schemas.microsoft.com/office/drawing/2014/main" id="{AF6E7165-BEC3-46A1-B5E9-3E1C10B5D465}"/>
+              </a:ext>
+            </a:extLst>
+          </p:cNvPr>
+          <p:cNvSpPr/>
+          <p:nvPr/>
+        </p:nvSpPr>
+        <p:spPr>
+          <a:xfrm>
+            <a:off x="7422233" y="4542874"/>
+            <a:ext cx="199500" cy="199500"/>
+          </a:xfrm>
+          <a:prstGeom prst="ellipse">
+            <a:avLst/>
+          </a:prstGeom>
+        </p:spPr>
+        <p:style>
+          <a:lnRef idx="2">
+            <a:schemeClr val="dk1"/>
+          </a:lnRef>
+          <a:fillRef idx="1">
+            <a:schemeClr val="lt1"/>
+          </a:fillRef>
+          <a:effectRef idx="0">
+            <a:schemeClr val="dk1"/>
+          </a:effectRef>
+          <a:fontRef idx="minor">
+            <a:schemeClr val="dk1"/>
+          </a:fontRef>
+        </p:style>
+        <p:txBody>
+          <a:bodyPr rtlCol="0" anchor="ctr"/>
+          <a:lstStyle/>
+          <a:p>
+            <a:pPr algn="ctr"/>
+            <a:r>
+              <a:rPr lang="en-US" altLang="ko-KR" sz="1100" b="1" dirty="0"/>
+              <a:t>;</a:t>
+            </a:r>
+            <a:endParaRPr lang="ko-KR" altLang="en-US" sz="1100" b="1" dirty="0"/>
+          </a:p>
+        </p:txBody>
+      </p:sp>
+      <p:cxnSp>
+        <p:nvCxnSpPr>
+          <p:cNvPr id="73" name="직선 화살표 연결선 72">
+            <a:extLst>
+              <a:ext uri="{FF2B5EF4-FFF2-40B4-BE49-F238E27FC236}">
+                <a16:creationId xmlns:a16="http://schemas.microsoft.com/office/drawing/2014/main" id="{EA947EBF-81B0-450D-BAB0-52AEB123A9B8}"/>
+              </a:ext>
+            </a:extLst>
+          </p:cNvPr>
+          <p:cNvCxnSpPr>
+            <a:cxnSpLocks/>
+            <a:stCxn id="50" idx="0"/>
+            <a:endCxn id="3" idx="4"/>
+          </p:cNvCxnSpPr>
+          <p:nvPr/>
+        </p:nvCxnSpPr>
+        <p:spPr>
+          <a:xfrm flipH="1" flipV="1">
+            <a:off x="7521983" y="4742374"/>
+            <a:ext cx="1037" cy="282589"/>
+          </a:xfrm>
+          <a:prstGeom prst="straightConnector1">
+            <a:avLst/>
+          </a:prstGeom>
+          <a:ln>
+            <a:tailEnd type="triangle"/>
+          </a:ln>
+        </p:spPr>
+        <p:style>
+          <a:lnRef idx="2">
+            <a:schemeClr val="dk1"/>
+          </a:lnRef>
+          <a:fillRef idx="1">
+            <a:schemeClr val="lt1"/>
+          </a:fillRef>
+          <a:effectRef idx="0">
+            <a:schemeClr val="dk1"/>
+          </a:effectRef>
+          <a:fontRef idx="minor">
+            <a:schemeClr val="dk1"/>
+          </a:fontRef>
+        </p:style>
+      </p:cxnSp>
+      <p:sp>
+        <p:nvSpPr>
+          <p:cNvPr id="79" name="타원 78">
+            <a:extLst>
+              <a:ext uri="{FF2B5EF4-FFF2-40B4-BE49-F238E27FC236}">
+                <a16:creationId xmlns:a16="http://schemas.microsoft.com/office/drawing/2014/main" id="{4B164CE0-4FB7-49A8-816E-F04A2549B43A}"/>
+              </a:ext>
+            </a:extLst>
+          </p:cNvPr>
+          <p:cNvSpPr/>
+          <p:nvPr/>
+        </p:nvSpPr>
+        <p:spPr>
+          <a:xfrm>
+            <a:off x="8676633" y="4542874"/>
+            <a:ext cx="199500" cy="199500"/>
+          </a:xfrm>
+          <a:prstGeom prst="ellipse">
+            <a:avLst/>
+          </a:prstGeom>
+        </p:spPr>
+        <p:style>
+          <a:lnRef idx="2">
+            <a:schemeClr val="dk1"/>
+          </a:lnRef>
+          <a:fillRef idx="1">
+            <a:schemeClr val="lt1"/>
+          </a:fillRef>
+          <a:effectRef idx="0">
+            <a:schemeClr val="dk1"/>
+          </a:effectRef>
+          <a:fontRef idx="minor">
+            <a:schemeClr val="dk1"/>
+          </a:fontRef>
+        </p:style>
+        <p:txBody>
+          <a:bodyPr rtlCol="0" anchor="ctr"/>
+          <a:lstStyle/>
+          <a:p>
+            <a:pPr algn="ctr"/>
+            <a:r>
+              <a:rPr lang="en-US" altLang="ko-KR" sz="1100" b="1" dirty="0"/>
+              <a:t>;</a:t>
+            </a:r>
+            <a:endParaRPr lang="ko-KR" altLang="en-US" sz="1100" b="1" dirty="0"/>
+          </a:p>
+        </p:txBody>
+      </p:sp>
+      <p:sp>
+        <p:nvSpPr>
+          <p:cNvPr id="80" name="타원 79">
+            <a:extLst>
+              <a:ext uri="{FF2B5EF4-FFF2-40B4-BE49-F238E27FC236}">
+                <a16:creationId xmlns:a16="http://schemas.microsoft.com/office/drawing/2014/main" id="{F4291A23-E10B-46A8-B78E-E3FD4A40E9E5}"/>
+              </a:ext>
+            </a:extLst>
+          </p:cNvPr>
+          <p:cNvSpPr/>
+          <p:nvPr/>
+        </p:nvSpPr>
+        <p:spPr>
+          <a:xfrm>
+            <a:off x="9940642" y="4542874"/>
+            <a:ext cx="199500" cy="199500"/>
+          </a:xfrm>
+          <a:prstGeom prst="ellipse">
+            <a:avLst/>
+          </a:prstGeom>
+        </p:spPr>
+        <p:style>
+          <a:lnRef idx="2">
+            <a:schemeClr val="dk1"/>
+          </a:lnRef>
+          <a:fillRef idx="1">
+            <a:schemeClr val="lt1"/>
+          </a:fillRef>
+          <a:effectRef idx="0">
+            <a:schemeClr val="dk1"/>
+          </a:effectRef>
+          <a:fontRef idx="minor">
+            <a:schemeClr val="dk1"/>
+          </a:fontRef>
+        </p:style>
+        <p:txBody>
+          <a:bodyPr rtlCol="0" anchor="ctr"/>
+          <a:lstStyle/>
+          <a:p>
+            <a:pPr algn="ctr"/>
+            <a:r>
+              <a:rPr lang="en-US" altLang="ko-KR" sz="1100" b="1" dirty="0"/>
+              <a:t>;</a:t>
+            </a:r>
+            <a:endParaRPr lang="ko-KR" altLang="en-US" sz="1100" b="1" dirty="0"/>
+          </a:p>
+        </p:txBody>
+      </p:sp>
+      <p:cxnSp>
+        <p:nvCxnSpPr>
+          <p:cNvPr id="82" name="직선 화살표 연결선 81">
+            <a:extLst>
+              <a:ext uri="{FF2B5EF4-FFF2-40B4-BE49-F238E27FC236}">
+                <a16:creationId xmlns:a16="http://schemas.microsoft.com/office/drawing/2014/main" id="{EB8DBC75-AF38-4296-AC89-9C611C0A13A9}"/>
+              </a:ext>
+            </a:extLst>
+          </p:cNvPr>
+          <p:cNvCxnSpPr>
+            <a:cxnSpLocks/>
+            <a:stCxn id="51" idx="0"/>
+            <a:endCxn id="79" idx="4"/>
+          </p:cNvCxnSpPr>
+          <p:nvPr/>
+        </p:nvCxnSpPr>
+        <p:spPr>
+          <a:xfrm flipH="1" flipV="1">
+            <a:off x="8776383" y="4742374"/>
+            <a:ext cx="5323" cy="282589"/>
+          </a:xfrm>
+          <a:prstGeom prst="straightConnector1">
+            <a:avLst/>
+          </a:prstGeom>
+          <a:ln>
+            <a:tailEnd type="triangle"/>
+          </a:ln>
+        </p:spPr>
+        <p:style>
+          <a:lnRef idx="2">
+            <a:schemeClr val="dk1"/>
+          </a:lnRef>
+          <a:fillRef idx="1">
+            <a:schemeClr val="lt1"/>
+          </a:fillRef>
+          <a:effectRef idx="0">
+            <a:schemeClr val="dk1"/>
+          </a:effectRef>
+          <a:fontRef idx="minor">
+            <a:schemeClr val="dk1"/>
+          </a:fontRef>
+        </p:style>
+      </p:cxnSp>
+      <p:cxnSp>
+        <p:nvCxnSpPr>
+          <p:cNvPr id="86" name="직선 화살표 연결선 85">
+            <a:extLst>
+              <a:ext uri="{FF2B5EF4-FFF2-40B4-BE49-F238E27FC236}">
+                <a16:creationId xmlns:a16="http://schemas.microsoft.com/office/drawing/2014/main" id="{9B4393D4-E6FB-415F-AD48-147F50C8F854}"/>
+              </a:ext>
+            </a:extLst>
+          </p:cNvPr>
+          <p:cNvCxnSpPr>
+            <a:cxnSpLocks/>
+            <a:stCxn id="52" idx="0"/>
+            <a:endCxn id="80" idx="4"/>
+          </p:cNvCxnSpPr>
+          <p:nvPr/>
+        </p:nvCxnSpPr>
+        <p:spPr>
+          <a:xfrm flipV="1">
+            <a:off x="10040391" y="4742374"/>
+            <a:ext cx="1" cy="282589"/>
+          </a:xfrm>
+          <a:prstGeom prst="straightConnector1">
+            <a:avLst/>
+          </a:prstGeom>
+          <a:ln>
+            <a:tailEnd type="triangle"/>
+          </a:ln>
+        </p:spPr>
+        <p:style>
+          <a:lnRef idx="2">
+            <a:schemeClr val="dk1"/>
+          </a:lnRef>
+          <a:fillRef idx="1">
+            <a:schemeClr val="lt1"/>
+          </a:fillRef>
+          <a:effectRef idx="0">
+            <a:schemeClr val="dk1"/>
+          </a:effectRef>
+          <a:fontRef idx="minor">
+            <a:schemeClr val="dk1"/>
+          </a:fontRef>
+        </p:style>
+      </p:cxnSp>
+      <p:cxnSp>
+        <p:nvCxnSpPr>
+          <p:cNvPr id="56" name="연결선: 꺾임 55">
+            <a:extLst>
+              <a:ext uri="{FF2B5EF4-FFF2-40B4-BE49-F238E27FC236}">
+                <a16:creationId xmlns:a16="http://schemas.microsoft.com/office/drawing/2014/main" id="{F7FC8E41-21B9-460D-91D4-F783E770627D}"/>
+              </a:ext>
+            </a:extLst>
+          </p:cNvPr>
+          <p:cNvCxnSpPr>
+            <a:cxnSpLocks/>
+            <a:stCxn id="8" idx="0"/>
+            <a:endCxn id="3" idx="2"/>
+          </p:cNvCxnSpPr>
+          <p:nvPr/>
+        </p:nvCxnSpPr>
+        <p:spPr>
+          <a:xfrm rot="16200000" flipH="1">
+            <a:off x="5359478" y="2579869"/>
+            <a:ext cx="2967612" cy="1157898"/>
+          </a:xfrm>
+          <a:prstGeom prst="bentConnector4">
+            <a:avLst>
+              <a:gd name="adj1" fmla="val -3781"/>
+              <a:gd name="adj2" fmla="val 66781"/>
+            </a:avLst>
+          </a:prstGeom>
+          <a:ln>
+            <a:tailEnd type="triangle"/>
+          </a:ln>
+        </p:spPr>
+        <p:style>
+          <a:lnRef idx="2">
+            <a:schemeClr val="dk1"/>
+          </a:lnRef>
+          <a:fillRef idx="1">
+            <a:schemeClr val="lt1"/>
+          </a:fillRef>
+          <a:effectRef idx="0">
+            <a:schemeClr val="dk1"/>
+          </a:effectRef>
+          <a:fontRef idx="minor">
+            <a:schemeClr val="dk1"/>
+          </a:fontRef>
+        </p:style>
+      </p:cxnSp>
+      <p:cxnSp>
+        <p:nvCxnSpPr>
+          <p:cNvPr id="94" name="연결선: 꺾임 93">
+            <a:extLst>
+              <a:ext uri="{FF2B5EF4-FFF2-40B4-BE49-F238E27FC236}">
+                <a16:creationId xmlns:a16="http://schemas.microsoft.com/office/drawing/2014/main" id="{946599C8-EB79-4223-9881-7B569270A918}"/>
+              </a:ext>
+            </a:extLst>
+          </p:cNvPr>
+          <p:cNvCxnSpPr>
+            <a:cxnSpLocks/>
+            <a:stCxn id="9" idx="0"/>
+            <a:endCxn id="79" idx="2"/>
+          </p:cNvCxnSpPr>
+          <p:nvPr/>
+        </p:nvCxnSpPr>
+        <p:spPr>
+          <a:xfrm rot="16200000" flipH="1">
+            <a:off x="6616019" y="2582011"/>
+            <a:ext cx="2967613" cy="1153613"/>
+          </a:xfrm>
+          <a:prstGeom prst="bentConnector4">
+            <a:avLst>
+              <a:gd name="adj1" fmla="val -3921"/>
+              <a:gd name="adj2" fmla="val 66844"/>
+            </a:avLst>
+          </a:prstGeom>
+          <a:ln>
+            <a:tailEnd type="triangle"/>
+          </a:ln>
+        </p:spPr>
+        <p:style>
+          <a:lnRef idx="2">
+            <a:schemeClr val="dk1"/>
+          </a:lnRef>
+          <a:fillRef idx="1">
+            <a:schemeClr val="lt1"/>
+          </a:fillRef>
+          <a:effectRef idx="0">
+            <a:schemeClr val="dk1"/>
+          </a:effectRef>
+          <a:fontRef idx="minor">
+            <a:schemeClr val="dk1"/>
+          </a:fontRef>
+        </p:style>
+      </p:cxnSp>
+      <p:cxnSp>
+        <p:nvCxnSpPr>
+          <p:cNvPr id="97" name="연결선: 꺾임 96">
+            <a:extLst>
+              <a:ext uri="{FF2B5EF4-FFF2-40B4-BE49-F238E27FC236}">
+                <a16:creationId xmlns:a16="http://schemas.microsoft.com/office/drawing/2014/main" id="{9726D98B-2AC5-4799-BF74-076BA2B0C7E6}"/>
+              </a:ext>
+            </a:extLst>
+          </p:cNvPr>
+          <p:cNvCxnSpPr>
+            <a:cxnSpLocks/>
+            <a:stCxn id="10" idx="0"/>
+            <a:endCxn id="80" idx="2"/>
+          </p:cNvCxnSpPr>
+          <p:nvPr/>
+        </p:nvCxnSpPr>
+        <p:spPr>
+          <a:xfrm rot="16200000" flipH="1">
+            <a:off x="7877367" y="2579349"/>
+            <a:ext cx="2967613" cy="1158936"/>
+          </a:xfrm>
+          <a:prstGeom prst="bentConnector4">
+            <a:avLst>
+              <a:gd name="adj1" fmla="val -3921"/>
+              <a:gd name="adj2" fmla="val 66766"/>
+            </a:avLst>
+          </a:prstGeom>
+          <a:ln>
+            <a:tailEnd type="triangle"/>
+          </a:ln>
+        </p:spPr>
+        <p:style>
+          <a:lnRef idx="2">
+            <a:schemeClr val="dk1"/>
+          </a:lnRef>
+          <a:fillRef idx="1">
+            <a:schemeClr val="lt1"/>
+          </a:fillRef>
+          <a:effectRef idx="0">
+            <a:schemeClr val="dk1"/>
+          </a:effectRef>
+          <a:fontRef idx="minor">
+            <a:schemeClr val="dk1"/>
+          </a:fontRef>
+        </p:style>
+      </p:cxnSp>
+    </p:spTree>
+    <p:extLst>
+      <p:ext uri="{BB962C8B-B14F-4D97-AF65-F5344CB8AC3E}">
+        <p14:creationId xmlns:p14="http://schemas.microsoft.com/office/powerpoint/2010/main" val="3013767952"/>
+      </p:ext>
+    </p:extLst>
+  </p:cSld>
+  <p:clrMapOvr>
+    <a:masterClrMapping/>
+  </p:clrMapOvr>
+</p:sld>
+</file>
+
 <file path=ppt/theme/theme1.xml><?xml version="1.0" encoding="utf-8"?>
 <a:theme xmlns:a="http://schemas.openxmlformats.org/drawingml/2006/main" name="Office 테마">
   <a:themeElements>

--- a/architecture.pptx
+++ b/architecture.pptx
@@ -9,6 +9,7 @@
     <p:sldId id="257" r:id="rId3"/>
     <p:sldId id="258" r:id="rId4"/>
     <p:sldId id="259" r:id="rId5"/>
+    <p:sldId id="260" r:id="rId6"/>
   </p:sldIdLst>
   <p:sldSz cx="12192000" cy="6858000"/>
   <p:notesSz cx="6858000" cy="9144000"/>
@@ -15482,6 +15483,4341 @@
 </p:sld>
 </file>
 
+<file path=ppt/slides/slide5.xml><?xml version="1.0" encoding="utf-8"?>
+<p:sld xmlns:a="http://schemas.openxmlformats.org/drawingml/2006/main" xmlns:r="http://schemas.openxmlformats.org/officeDocument/2006/relationships" xmlns:p="http://schemas.openxmlformats.org/presentationml/2006/main">
+  <p:cSld>
+    <p:spTree>
+      <p:nvGrpSpPr>
+        <p:cNvPr id="1" name=""/>
+        <p:cNvGrpSpPr/>
+        <p:nvPr/>
+      </p:nvGrpSpPr>
+      <p:grpSpPr>
+        <a:xfrm>
+          <a:off x="0" y="0"/>
+          <a:ext cx="0" cy="0"/>
+          <a:chOff x="0" y="0"/>
+          <a:chExt cx="0" cy="0"/>
+        </a:xfrm>
+      </p:grpSpPr>
+      <p:sp>
+        <p:nvSpPr>
+          <p:cNvPr id="4" name="직사각형 3">
+            <a:extLst>
+              <a:ext uri="{FF2B5EF4-FFF2-40B4-BE49-F238E27FC236}">
+                <a16:creationId xmlns:a16="http://schemas.microsoft.com/office/drawing/2014/main" id="{E4469EA3-BD2F-4388-B225-972DBD285F7E}"/>
+              </a:ext>
+            </a:extLst>
+          </p:cNvPr>
+          <p:cNvSpPr/>
+          <p:nvPr/>
+        </p:nvSpPr>
+        <p:spPr>
+          <a:xfrm>
+            <a:off x="390700" y="2389897"/>
+            <a:ext cx="777240" cy="2651759"/>
+          </a:xfrm>
+          <a:prstGeom prst="rect">
+            <a:avLst/>
+          </a:prstGeom>
+          <a:ln>
+            <a:solidFill>
+              <a:srgbClr val="C00000"/>
+            </a:solidFill>
+          </a:ln>
+        </p:spPr>
+        <p:style>
+          <a:lnRef idx="2">
+            <a:schemeClr val="dk1"/>
+          </a:lnRef>
+          <a:fillRef idx="1">
+            <a:schemeClr val="lt1"/>
+          </a:fillRef>
+          <a:effectRef idx="0">
+            <a:schemeClr val="dk1"/>
+          </a:effectRef>
+          <a:fontRef idx="minor">
+            <a:schemeClr val="dk1"/>
+          </a:fontRef>
+        </p:style>
+        <p:txBody>
+          <a:bodyPr rtlCol="0" anchor="ctr"/>
+          <a:lstStyle/>
+          <a:p>
+            <a:pPr algn="ctr"/>
+            <a:r>
+              <a:rPr lang="en-US" altLang="ko-KR" sz="1200" dirty="0"/>
+              <a:t>Stacked RNN</a:t>
+            </a:r>
+            <a:br>
+              <a:rPr lang="en-US" altLang="ko-KR" sz="1200" dirty="0"/>
+            </a:br>
+            <a:r>
+              <a:rPr lang="en-US" altLang="ko-KR" sz="1200" dirty="0"/>
+              <a:t>Cells</a:t>
+            </a:r>
+            <a:endParaRPr lang="ko-KR" altLang="en-US" sz="1200" dirty="0"/>
+          </a:p>
+        </p:txBody>
+      </p:sp>
+      <p:sp>
+        <p:nvSpPr>
+          <p:cNvPr id="5" name="직사각형 4">
+            <a:extLst>
+              <a:ext uri="{FF2B5EF4-FFF2-40B4-BE49-F238E27FC236}">
+                <a16:creationId xmlns:a16="http://schemas.microsoft.com/office/drawing/2014/main" id="{4CA84653-010D-4065-B853-79CB25E1864C}"/>
+              </a:ext>
+            </a:extLst>
+          </p:cNvPr>
+          <p:cNvSpPr/>
+          <p:nvPr/>
+        </p:nvSpPr>
+        <p:spPr>
+          <a:xfrm>
+            <a:off x="1649385" y="2389896"/>
+            <a:ext cx="777240" cy="2651759"/>
+          </a:xfrm>
+          <a:prstGeom prst="rect">
+            <a:avLst/>
+          </a:prstGeom>
+          <a:ln>
+            <a:solidFill>
+              <a:srgbClr val="C00000"/>
+            </a:solidFill>
+          </a:ln>
+        </p:spPr>
+        <p:style>
+          <a:lnRef idx="2">
+            <a:schemeClr val="dk1"/>
+          </a:lnRef>
+          <a:fillRef idx="1">
+            <a:schemeClr val="lt1"/>
+          </a:fillRef>
+          <a:effectRef idx="0">
+            <a:schemeClr val="dk1"/>
+          </a:effectRef>
+          <a:fontRef idx="minor">
+            <a:schemeClr val="dk1"/>
+          </a:fontRef>
+        </p:style>
+        <p:txBody>
+          <a:bodyPr rtlCol="0" anchor="ctr"/>
+          <a:lstStyle/>
+          <a:p>
+            <a:pPr algn="ctr"/>
+            <a:r>
+              <a:rPr lang="en-US" altLang="ko-KR" sz="1200" dirty="0"/>
+              <a:t>Stacked RNN</a:t>
+            </a:r>
+            <a:br>
+              <a:rPr lang="en-US" altLang="ko-KR" sz="1200" dirty="0"/>
+            </a:br>
+            <a:r>
+              <a:rPr lang="en-US" altLang="ko-KR" sz="1200" dirty="0"/>
+              <a:t>Cells</a:t>
+            </a:r>
+            <a:endParaRPr lang="ko-KR" altLang="en-US" sz="1200" dirty="0"/>
+          </a:p>
+        </p:txBody>
+      </p:sp>
+      <p:sp>
+        <p:nvSpPr>
+          <p:cNvPr id="6" name="직사각형 5">
+            <a:extLst>
+              <a:ext uri="{FF2B5EF4-FFF2-40B4-BE49-F238E27FC236}">
+                <a16:creationId xmlns:a16="http://schemas.microsoft.com/office/drawing/2014/main" id="{E1E73367-4DDC-4825-B313-715B65F5DD9C}"/>
+              </a:ext>
+            </a:extLst>
+          </p:cNvPr>
+          <p:cNvSpPr/>
+          <p:nvPr/>
+        </p:nvSpPr>
+        <p:spPr>
+          <a:xfrm>
+            <a:off x="2908071" y="2389896"/>
+            <a:ext cx="777240" cy="2651759"/>
+          </a:xfrm>
+          <a:prstGeom prst="rect">
+            <a:avLst/>
+          </a:prstGeom>
+          <a:ln>
+            <a:solidFill>
+              <a:srgbClr val="C00000"/>
+            </a:solidFill>
+          </a:ln>
+        </p:spPr>
+        <p:style>
+          <a:lnRef idx="2">
+            <a:schemeClr val="dk1"/>
+          </a:lnRef>
+          <a:fillRef idx="1">
+            <a:schemeClr val="lt1"/>
+          </a:fillRef>
+          <a:effectRef idx="0">
+            <a:schemeClr val="dk1"/>
+          </a:effectRef>
+          <a:fontRef idx="minor">
+            <a:schemeClr val="dk1"/>
+          </a:fontRef>
+        </p:style>
+        <p:txBody>
+          <a:bodyPr rtlCol="0" anchor="ctr"/>
+          <a:lstStyle/>
+          <a:p>
+            <a:pPr algn="ctr"/>
+            <a:r>
+              <a:rPr lang="en-US" altLang="ko-KR" sz="1200" dirty="0"/>
+              <a:t>Stacked RNN</a:t>
+            </a:r>
+            <a:br>
+              <a:rPr lang="en-US" altLang="ko-KR" sz="1200" dirty="0"/>
+            </a:br>
+            <a:r>
+              <a:rPr lang="en-US" altLang="ko-KR" sz="1200" dirty="0"/>
+              <a:t>Cells</a:t>
+            </a:r>
+            <a:endParaRPr lang="ko-KR" altLang="en-US" sz="1200" dirty="0"/>
+          </a:p>
+        </p:txBody>
+      </p:sp>
+      <p:sp>
+        <p:nvSpPr>
+          <p:cNvPr id="7" name="직사각형 6">
+            <a:extLst>
+              <a:ext uri="{FF2B5EF4-FFF2-40B4-BE49-F238E27FC236}">
+                <a16:creationId xmlns:a16="http://schemas.microsoft.com/office/drawing/2014/main" id="{A2951B4C-0F6E-4678-A4C8-8FB7EEAA5CE6}"/>
+              </a:ext>
+            </a:extLst>
+          </p:cNvPr>
+          <p:cNvSpPr/>
+          <p:nvPr/>
+        </p:nvSpPr>
+        <p:spPr>
+          <a:xfrm>
+            <a:off x="4166757" y="2389896"/>
+            <a:ext cx="777240" cy="2651759"/>
+          </a:xfrm>
+          <a:prstGeom prst="rect">
+            <a:avLst/>
+          </a:prstGeom>
+          <a:ln>
+            <a:solidFill>
+              <a:srgbClr val="C00000"/>
+            </a:solidFill>
+          </a:ln>
+        </p:spPr>
+        <p:style>
+          <a:lnRef idx="2">
+            <a:schemeClr val="dk1"/>
+          </a:lnRef>
+          <a:fillRef idx="1">
+            <a:schemeClr val="lt1"/>
+          </a:fillRef>
+          <a:effectRef idx="0">
+            <a:schemeClr val="dk1"/>
+          </a:effectRef>
+          <a:fontRef idx="minor">
+            <a:schemeClr val="dk1"/>
+          </a:fontRef>
+        </p:style>
+        <p:txBody>
+          <a:bodyPr rtlCol="0" anchor="ctr"/>
+          <a:lstStyle/>
+          <a:p>
+            <a:pPr algn="ctr"/>
+            <a:r>
+              <a:rPr lang="en-US" altLang="ko-KR" sz="1200" dirty="0"/>
+              <a:t>Stacked RNN</a:t>
+            </a:r>
+            <a:br>
+              <a:rPr lang="en-US" altLang="ko-KR" sz="1200" dirty="0"/>
+            </a:br>
+            <a:r>
+              <a:rPr lang="en-US" altLang="ko-KR" sz="1200" dirty="0"/>
+              <a:t>Cells</a:t>
+            </a:r>
+            <a:endParaRPr lang="ko-KR" altLang="en-US" sz="1200" dirty="0"/>
+          </a:p>
+        </p:txBody>
+      </p:sp>
+      <p:sp>
+        <p:nvSpPr>
+          <p:cNvPr id="8" name="직사각형 7">
+            <a:extLst>
+              <a:ext uri="{FF2B5EF4-FFF2-40B4-BE49-F238E27FC236}">
+                <a16:creationId xmlns:a16="http://schemas.microsoft.com/office/drawing/2014/main" id="{BAE89BCE-919E-44F2-8819-A305D3A70CDA}"/>
+              </a:ext>
+            </a:extLst>
+          </p:cNvPr>
+          <p:cNvSpPr/>
+          <p:nvPr/>
+        </p:nvSpPr>
+        <p:spPr>
+          <a:xfrm>
+            <a:off x="5875715" y="2389896"/>
+            <a:ext cx="777240" cy="2651759"/>
+          </a:xfrm>
+          <a:prstGeom prst="rect">
+            <a:avLst/>
+          </a:prstGeom>
+        </p:spPr>
+        <p:style>
+          <a:lnRef idx="2">
+            <a:schemeClr val="accent1"/>
+          </a:lnRef>
+          <a:fillRef idx="1">
+            <a:schemeClr val="lt1"/>
+          </a:fillRef>
+          <a:effectRef idx="0">
+            <a:schemeClr val="accent1"/>
+          </a:effectRef>
+          <a:fontRef idx="minor">
+            <a:schemeClr val="dk1"/>
+          </a:fontRef>
+        </p:style>
+        <p:txBody>
+          <a:bodyPr rtlCol="0" anchor="ctr"/>
+          <a:lstStyle/>
+          <a:p>
+            <a:pPr algn="ctr"/>
+            <a:r>
+              <a:rPr lang="en-US" altLang="ko-KR" sz="1200" dirty="0"/>
+              <a:t>Stacked RNN</a:t>
+            </a:r>
+            <a:br>
+              <a:rPr lang="en-US" altLang="ko-KR" sz="1200" dirty="0"/>
+            </a:br>
+            <a:r>
+              <a:rPr lang="en-US" altLang="ko-KR" sz="1200" dirty="0"/>
+              <a:t>Cells</a:t>
+            </a:r>
+            <a:endParaRPr lang="ko-KR" altLang="en-US" sz="1200" dirty="0"/>
+          </a:p>
+        </p:txBody>
+      </p:sp>
+      <p:sp>
+        <p:nvSpPr>
+          <p:cNvPr id="9" name="직사각형 8">
+            <a:extLst>
+              <a:ext uri="{FF2B5EF4-FFF2-40B4-BE49-F238E27FC236}">
+                <a16:creationId xmlns:a16="http://schemas.microsoft.com/office/drawing/2014/main" id="{349238DB-B9E3-48FA-BACD-382CC9E85FC1}"/>
+              </a:ext>
+            </a:extLst>
+          </p:cNvPr>
+          <p:cNvSpPr/>
+          <p:nvPr/>
+        </p:nvSpPr>
+        <p:spPr>
+          <a:xfrm>
+            <a:off x="7134400" y="2389895"/>
+            <a:ext cx="777240" cy="2651759"/>
+          </a:xfrm>
+          <a:prstGeom prst="rect">
+            <a:avLst/>
+          </a:prstGeom>
+        </p:spPr>
+        <p:style>
+          <a:lnRef idx="2">
+            <a:schemeClr val="accent1"/>
+          </a:lnRef>
+          <a:fillRef idx="1">
+            <a:schemeClr val="lt1"/>
+          </a:fillRef>
+          <a:effectRef idx="0">
+            <a:schemeClr val="accent1"/>
+          </a:effectRef>
+          <a:fontRef idx="minor">
+            <a:schemeClr val="dk1"/>
+          </a:fontRef>
+        </p:style>
+        <p:txBody>
+          <a:bodyPr rtlCol="0" anchor="ctr"/>
+          <a:lstStyle/>
+          <a:p>
+            <a:pPr algn="ctr"/>
+            <a:r>
+              <a:rPr lang="en-US" altLang="ko-KR" sz="1200" dirty="0"/>
+              <a:t>Stacked RNN</a:t>
+            </a:r>
+            <a:br>
+              <a:rPr lang="en-US" altLang="ko-KR" sz="1200" dirty="0"/>
+            </a:br>
+            <a:r>
+              <a:rPr lang="en-US" altLang="ko-KR" sz="1200" dirty="0"/>
+              <a:t>Cells</a:t>
+            </a:r>
+            <a:endParaRPr lang="ko-KR" altLang="en-US" sz="1200" dirty="0"/>
+          </a:p>
+        </p:txBody>
+      </p:sp>
+      <p:sp>
+        <p:nvSpPr>
+          <p:cNvPr id="10" name="직사각형 9">
+            <a:extLst>
+              <a:ext uri="{FF2B5EF4-FFF2-40B4-BE49-F238E27FC236}">
+                <a16:creationId xmlns:a16="http://schemas.microsoft.com/office/drawing/2014/main" id="{85397621-465B-4ADE-A227-3701C385464F}"/>
+              </a:ext>
+            </a:extLst>
+          </p:cNvPr>
+          <p:cNvSpPr/>
+          <p:nvPr/>
+        </p:nvSpPr>
+        <p:spPr>
+          <a:xfrm>
+            <a:off x="8393086" y="2389895"/>
+            <a:ext cx="777240" cy="2651759"/>
+          </a:xfrm>
+          <a:prstGeom prst="rect">
+            <a:avLst/>
+          </a:prstGeom>
+        </p:spPr>
+        <p:style>
+          <a:lnRef idx="2">
+            <a:schemeClr val="accent1"/>
+          </a:lnRef>
+          <a:fillRef idx="1">
+            <a:schemeClr val="lt1"/>
+          </a:fillRef>
+          <a:effectRef idx="0">
+            <a:schemeClr val="accent1"/>
+          </a:effectRef>
+          <a:fontRef idx="minor">
+            <a:schemeClr val="dk1"/>
+          </a:fontRef>
+        </p:style>
+        <p:txBody>
+          <a:bodyPr rtlCol="0" anchor="ctr"/>
+          <a:lstStyle/>
+          <a:p>
+            <a:pPr algn="ctr"/>
+            <a:r>
+              <a:rPr lang="en-US" altLang="ko-KR" sz="1200" dirty="0"/>
+              <a:t>Stacked RNN</a:t>
+            </a:r>
+            <a:br>
+              <a:rPr lang="en-US" altLang="ko-KR" sz="1200" dirty="0"/>
+            </a:br>
+            <a:r>
+              <a:rPr lang="en-US" altLang="ko-KR" sz="1200" dirty="0"/>
+              <a:t>Cells</a:t>
+            </a:r>
+            <a:endParaRPr lang="ko-KR" altLang="en-US" sz="1200" dirty="0"/>
+          </a:p>
+        </p:txBody>
+      </p:sp>
+      <p:sp>
+        <p:nvSpPr>
+          <p:cNvPr id="11" name="직사각형 10">
+            <a:extLst>
+              <a:ext uri="{FF2B5EF4-FFF2-40B4-BE49-F238E27FC236}">
+                <a16:creationId xmlns:a16="http://schemas.microsoft.com/office/drawing/2014/main" id="{99196F47-6546-4414-8692-8B1D6EB7861E}"/>
+              </a:ext>
+            </a:extLst>
+          </p:cNvPr>
+          <p:cNvSpPr/>
+          <p:nvPr/>
+        </p:nvSpPr>
+        <p:spPr>
+          <a:xfrm>
+            <a:off x="9651772" y="2389895"/>
+            <a:ext cx="777240" cy="2651759"/>
+          </a:xfrm>
+          <a:prstGeom prst="rect">
+            <a:avLst/>
+          </a:prstGeom>
+        </p:spPr>
+        <p:style>
+          <a:lnRef idx="2">
+            <a:schemeClr val="accent1"/>
+          </a:lnRef>
+          <a:fillRef idx="1">
+            <a:schemeClr val="lt1"/>
+          </a:fillRef>
+          <a:effectRef idx="0">
+            <a:schemeClr val="accent1"/>
+          </a:effectRef>
+          <a:fontRef idx="minor">
+            <a:schemeClr val="dk1"/>
+          </a:fontRef>
+        </p:style>
+        <p:txBody>
+          <a:bodyPr rtlCol="0" anchor="ctr"/>
+          <a:lstStyle/>
+          <a:p>
+            <a:pPr algn="ctr"/>
+            <a:r>
+              <a:rPr lang="en-US" altLang="ko-KR" sz="1200" dirty="0"/>
+              <a:t>Stacked RNN</a:t>
+            </a:r>
+            <a:br>
+              <a:rPr lang="en-US" altLang="ko-KR" sz="1200" dirty="0"/>
+            </a:br>
+            <a:r>
+              <a:rPr lang="en-US" altLang="ko-KR" sz="1200" dirty="0"/>
+              <a:t>Cells</a:t>
+            </a:r>
+            <a:endParaRPr lang="ko-KR" altLang="en-US" sz="1200" dirty="0"/>
+          </a:p>
+        </p:txBody>
+      </p:sp>
+      <p:cxnSp>
+        <p:nvCxnSpPr>
+          <p:cNvPr id="13" name="직선 화살표 연결선 12">
+            <a:extLst>
+              <a:ext uri="{FF2B5EF4-FFF2-40B4-BE49-F238E27FC236}">
+                <a16:creationId xmlns:a16="http://schemas.microsoft.com/office/drawing/2014/main" id="{147C09B1-E5F5-4D82-94F1-78DDF76CEDA4}"/>
+              </a:ext>
+            </a:extLst>
+          </p:cNvPr>
+          <p:cNvCxnSpPr>
+            <a:stCxn id="4" idx="3"/>
+            <a:endCxn id="5" idx="1"/>
+          </p:cNvCxnSpPr>
+          <p:nvPr/>
+        </p:nvCxnSpPr>
+        <p:spPr>
+          <a:xfrm flipV="1">
+            <a:off x="1167940" y="3715776"/>
+            <a:ext cx="481445" cy="1"/>
+          </a:xfrm>
+          <a:prstGeom prst="straightConnector1">
+            <a:avLst/>
+          </a:prstGeom>
+          <a:ln>
+            <a:tailEnd type="triangle"/>
+          </a:ln>
+        </p:spPr>
+        <p:style>
+          <a:lnRef idx="2">
+            <a:schemeClr val="dk1"/>
+          </a:lnRef>
+          <a:fillRef idx="1">
+            <a:schemeClr val="lt1"/>
+          </a:fillRef>
+          <a:effectRef idx="0">
+            <a:schemeClr val="dk1"/>
+          </a:effectRef>
+          <a:fontRef idx="minor">
+            <a:schemeClr val="dk1"/>
+          </a:fontRef>
+        </p:style>
+      </p:cxnSp>
+      <p:cxnSp>
+        <p:nvCxnSpPr>
+          <p:cNvPr id="14" name="직선 화살표 연결선 13">
+            <a:extLst>
+              <a:ext uri="{FF2B5EF4-FFF2-40B4-BE49-F238E27FC236}">
+                <a16:creationId xmlns:a16="http://schemas.microsoft.com/office/drawing/2014/main" id="{8C04CFDC-9131-4F45-9FE4-55EF3F4FEBBF}"/>
+              </a:ext>
+            </a:extLst>
+          </p:cNvPr>
+          <p:cNvCxnSpPr>
+            <a:cxnSpLocks/>
+            <a:stCxn id="5" idx="3"/>
+            <a:endCxn id="6" idx="1"/>
+          </p:cNvCxnSpPr>
+          <p:nvPr/>
+        </p:nvCxnSpPr>
+        <p:spPr>
+          <a:xfrm>
+            <a:off x="2426625" y="3715776"/>
+            <a:ext cx="481446" cy="0"/>
+          </a:xfrm>
+          <a:prstGeom prst="straightConnector1">
+            <a:avLst/>
+          </a:prstGeom>
+          <a:ln>
+            <a:tailEnd type="triangle"/>
+          </a:ln>
+        </p:spPr>
+        <p:style>
+          <a:lnRef idx="2">
+            <a:schemeClr val="dk1"/>
+          </a:lnRef>
+          <a:fillRef idx="1">
+            <a:schemeClr val="lt1"/>
+          </a:fillRef>
+          <a:effectRef idx="0">
+            <a:schemeClr val="dk1"/>
+          </a:effectRef>
+          <a:fontRef idx="minor">
+            <a:schemeClr val="dk1"/>
+          </a:fontRef>
+        </p:style>
+      </p:cxnSp>
+      <p:cxnSp>
+        <p:nvCxnSpPr>
+          <p:cNvPr id="17" name="직선 화살표 연결선 16">
+            <a:extLst>
+              <a:ext uri="{FF2B5EF4-FFF2-40B4-BE49-F238E27FC236}">
+                <a16:creationId xmlns:a16="http://schemas.microsoft.com/office/drawing/2014/main" id="{49D920B6-9F30-4FE3-98BD-24435542E509}"/>
+              </a:ext>
+            </a:extLst>
+          </p:cNvPr>
+          <p:cNvCxnSpPr>
+            <a:cxnSpLocks/>
+            <a:stCxn id="6" idx="3"/>
+            <a:endCxn id="7" idx="1"/>
+          </p:cNvCxnSpPr>
+          <p:nvPr/>
+        </p:nvCxnSpPr>
+        <p:spPr>
+          <a:xfrm>
+            <a:off x="3685311" y="3715776"/>
+            <a:ext cx="481446" cy="0"/>
+          </a:xfrm>
+          <a:prstGeom prst="straightConnector1">
+            <a:avLst/>
+          </a:prstGeom>
+          <a:ln>
+            <a:tailEnd type="triangle"/>
+          </a:ln>
+        </p:spPr>
+        <p:style>
+          <a:lnRef idx="2">
+            <a:schemeClr val="dk1"/>
+          </a:lnRef>
+          <a:fillRef idx="1">
+            <a:schemeClr val="lt1"/>
+          </a:fillRef>
+          <a:effectRef idx="0">
+            <a:schemeClr val="dk1"/>
+          </a:effectRef>
+          <a:fontRef idx="minor">
+            <a:schemeClr val="dk1"/>
+          </a:fontRef>
+        </p:style>
+      </p:cxnSp>
+      <p:cxnSp>
+        <p:nvCxnSpPr>
+          <p:cNvPr id="20" name="직선 화살표 연결선 19">
+            <a:extLst>
+              <a:ext uri="{FF2B5EF4-FFF2-40B4-BE49-F238E27FC236}">
+                <a16:creationId xmlns:a16="http://schemas.microsoft.com/office/drawing/2014/main" id="{9C78436C-633A-4ED7-9243-B162D8131872}"/>
+              </a:ext>
+            </a:extLst>
+          </p:cNvPr>
+          <p:cNvCxnSpPr>
+            <a:cxnSpLocks/>
+            <a:stCxn id="7" idx="3"/>
+            <a:endCxn id="8" idx="1"/>
+          </p:cNvCxnSpPr>
+          <p:nvPr/>
+        </p:nvCxnSpPr>
+        <p:spPr>
+          <a:xfrm>
+            <a:off x="4943997" y="3715776"/>
+            <a:ext cx="931718" cy="0"/>
+          </a:xfrm>
+          <a:prstGeom prst="straightConnector1">
+            <a:avLst/>
+          </a:prstGeom>
+          <a:ln>
+            <a:tailEnd type="triangle"/>
+          </a:ln>
+        </p:spPr>
+        <p:style>
+          <a:lnRef idx="2">
+            <a:schemeClr val="dk1"/>
+          </a:lnRef>
+          <a:fillRef idx="1">
+            <a:schemeClr val="lt1"/>
+          </a:fillRef>
+          <a:effectRef idx="0">
+            <a:schemeClr val="dk1"/>
+          </a:effectRef>
+          <a:fontRef idx="minor">
+            <a:schemeClr val="dk1"/>
+          </a:fontRef>
+        </p:style>
+      </p:cxnSp>
+      <p:cxnSp>
+        <p:nvCxnSpPr>
+          <p:cNvPr id="23" name="직선 화살표 연결선 22">
+            <a:extLst>
+              <a:ext uri="{FF2B5EF4-FFF2-40B4-BE49-F238E27FC236}">
+                <a16:creationId xmlns:a16="http://schemas.microsoft.com/office/drawing/2014/main" id="{A2C36C91-CB11-4877-A9AB-7077C45F91B3}"/>
+              </a:ext>
+            </a:extLst>
+          </p:cNvPr>
+          <p:cNvCxnSpPr>
+            <a:cxnSpLocks/>
+            <a:stCxn id="8" idx="3"/>
+            <a:endCxn id="9" idx="1"/>
+          </p:cNvCxnSpPr>
+          <p:nvPr/>
+        </p:nvCxnSpPr>
+        <p:spPr>
+          <a:xfrm flipV="1">
+            <a:off x="6652955" y="3715775"/>
+            <a:ext cx="481445" cy="1"/>
+          </a:xfrm>
+          <a:prstGeom prst="straightConnector1">
+            <a:avLst/>
+          </a:prstGeom>
+          <a:ln>
+            <a:tailEnd type="triangle"/>
+          </a:ln>
+        </p:spPr>
+        <p:style>
+          <a:lnRef idx="2">
+            <a:schemeClr val="dk1"/>
+          </a:lnRef>
+          <a:fillRef idx="1">
+            <a:schemeClr val="lt1"/>
+          </a:fillRef>
+          <a:effectRef idx="0">
+            <a:schemeClr val="dk1"/>
+          </a:effectRef>
+          <a:fontRef idx="minor">
+            <a:schemeClr val="dk1"/>
+          </a:fontRef>
+        </p:style>
+      </p:cxnSp>
+      <p:cxnSp>
+        <p:nvCxnSpPr>
+          <p:cNvPr id="26" name="직선 화살표 연결선 25">
+            <a:extLst>
+              <a:ext uri="{FF2B5EF4-FFF2-40B4-BE49-F238E27FC236}">
+                <a16:creationId xmlns:a16="http://schemas.microsoft.com/office/drawing/2014/main" id="{4EBBCF9C-83D0-464C-96CC-25511ECF7979}"/>
+              </a:ext>
+            </a:extLst>
+          </p:cNvPr>
+          <p:cNvCxnSpPr>
+            <a:cxnSpLocks/>
+            <a:stCxn id="9" idx="3"/>
+            <a:endCxn id="10" idx="1"/>
+          </p:cNvCxnSpPr>
+          <p:nvPr/>
+        </p:nvCxnSpPr>
+        <p:spPr>
+          <a:xfrm>
+            <a:off x="7911640" y="3715775"/>
+            <a:ext cx="481446" cy="0"/>
+          </a:xfrm>
+          <a:prstGeom prst="straightConnector1">
+            <a:avLst/>
+          </a:prstGeom>
+          <a:ln>
+            <a:tailEnd type="triangle"/>
+          </a:ln>
+        </p:spPr>
+        <p:style>
+          <a:lnRef idx="2">
+            <a:schemeClr val="dk1"/>
+          </a:lnRef>
+          <a:fillRef idx="1">
+            <a:schemeClr val="lt1"/>
+          </a:fillRef>
+          <a:effectRef idx="0">
+            <a:schemeClr val="dk1"/>
+          </a:effectRef>
+          <a:fontRef idx="minor">
+            <a:schemeClr val="dk1"/>
+          </a:fontRef>
+        </p:style>
+      </p:cxnSp>
+      <p:cxnSp>
+        <p:nvCxnSpPr>
+          <p:cNvPr id="29" name="직선 화살표 연결선 28">
+            <a:extLst>
+              <a:ext uri="{FF2B5EF4-FFF2-40B4-BE49-F238E27FC236}">
+                <a16:creationId xmlns:a16="http://schemas.microsoft.com/office/drawing/2014/main" id="{9BEA08D9-5003-4EBA-B771-84E318E77859}"/>
+              </a:ext>
+            </a:extLst>
+          </p:cNvPr>
+          <p:cNvCxnSpPr>
+            <a:cxnSpLocks/>
+            <a:stCxn id="10" idx="3"/>
+            <a:endCxn id="11" idx="1"/>
+          </p:cNvCxnSpPr>
+          <p:nvPr/>
+        </p:nvCxnSpPr>
+        <p:spPr>
+          <a:xfrm>
+            <a:off x="9170326" y="3715775"/>
+            <a:ext cx="481446" cy="0"/>
+          </a:xfrm>
+          <a:prstGeom prst="straightConnector1">
+            <a:avLst/>
+          </a:prstGeom>
+          <a:ln>
+            <a:tailEnd type="triangle"/>
+          </a:ln>
+        </p:spPr>
+        <p:style>
+          <a:lnRef idx="2">
+            <a:schemeClr val="dk1"/>
+          </a:lnRef>
+          <a:fillRef idx="1">
+            <a:schemeClr val="lt1"/>
+          </a:fillRef>
+          <a:effectRef idx="0">
+            <a:schemeClr val="dk1"/>
+          </a:effectRef>
+          <a:fontRef idx="minor">
+            <a:schemeClr val="dk1"/>
+          </a:fontRef>
+        </p:style>
+      </p:cxnSp>
+      <mc:AlternateContent xmlns:mc="http://schemas.openxmlformats.org/markup-compatibility/2006">
+        <mc:Choice xmlns:a14="http://schemas.microsoft.com/office/drawing/2010/main" Requires="a14">
+          <p:sp>
+            <p:nvSpPr>
+              <p:cNvPr id="32" name="TextBox 31">
+                <a:extLst>
+                  <a:ext uri="{FF2B5EF4-FFF2-40B4-BE49-F238E27FC236}">
+                    <a16:creationId xmlns:a16="http://schemas.microsoft.com/office/drawing/2014/main" id="{B762AC4C-43D2-4F68-9F3B-5B6960C79FD5}"/>
+                  </a:ext>
+                </a:extLst>
+              </p:cNvPr>
+              <p:cNvSpPr txBox="1"/>
+              <p:nvPr/>
+            </p:nvSpPr>
+            <p:spPr>
+              <a:xfrm>
+                <a:off x="531851" y="6338406"/>
+                <a:ext cx="494943" cy="369332"/>
+              </a:xfrm>
+              <a:prstGeom prst="rect">
+                <a:avLst/>
+              </a:prstGeom>
+              <a:noFill/>
+            </p:spPr>
+            <p:txBody>
+              <a:bodyPr wrap="none" rtlCol="0">
+                <a:spAutoFit/>
+              </a:bodyPr>
+              <a:lstStyle/>
+              <a:p>
+                <a14:m>
+                  <m:oMathPara xmlns:m="http://schemas.openxmlformats.org/officeDocument/2006/math">
+                    <m:oMathParaPr>
+                      <m:jc m:val="centerGroup"/>
+                    </m:oMathParaPr>
+                    <m:oMath xmlns:m="http://schemas.openxmlformats.org/officeDocument/2006/math">
+                      <m:sSub>
+                        <m:sSubPr>
+                          <m:ctrlPr>
+                            <a:rPr lang="en-US" altLang="ko-KR" i="1" smtClean="0">
+                              <a:latin typeface="Cambria Math" panose="02040503050406030204" pitchFamily="18" charset="0"/>
+                            </a:rPr>
+                          </m:ctrlPr>
+                        </m:sSubPr>
+                        <m:e>
+                          <m:r>
+                            <a:rPr lang="en-US" altLang="ko-KR" b="0" i="1" smtClean="0">
+                              <a:latin typeface="Cambria Math" panose="02040503050406030204" pitchFamily="18" charset="0"/>
+                            </a:rPr>
+                            <m:t>𝑥</m:t>
+                          </m:r>
+                        </m:e>
+                        <m:sub>
+                          <m:r>
+                            <a:rPr lang="en-US" altLang="ko-KR" b="0" i="1" smtClean="0">
+                              <a:latin typeface="Cambria Math" panose="02040503050406030204" pitchFamily="18" charset="0"/>
+                            </a:rPr>
+                            <m:t>0</m:t>
+                          </m:r>
+                        </m:sub>
+                      </m:sSub>
+                    </m:oMath>
+                  </m:oMathPara>
+                </a14:m>
+                <a:endParaRPr lang="ko-KR" altLang="en-US" dirty="0"/>
+              </a:p>
+            </p:txBody>
+          </p:sp>
+        </mc:Choice>
+        <mc:Fallback>
+          <p:sp>
+            <p:nvSpPr>
+              <p:cNvPr id="32" name="TextBox 31">
+                <a:extLst>
+                  <a:ext uri="{FF2B5EF4-FFF2-40B4-BE49-F238E27FC236}">
+                    <a16:creationId xmlns:a16="http://schemas.microsoft.com/office/drawing/2014/main" id="{B762AC4C-43D2-4F68-9F3B-5B6960C79FD5}"/>
+                  </a:ext>
+                </a:extLst>
+              </p:cNvPr>
+              <p:cNvSpPr txBox="1">
+                <a:spLocks noRot="1" noChangeAspect="1" noMove="1" noResize="1" noEditPoints="1" noAdjustHandles="1" noChangeArrowheads="1" noChangeShapeType="1" noTextEdit="1"/>
+              </p:cNvSpPr>
+              <p:nvPr/>
+            </p:nvSpPr>
+            <p:spPr>
+              <a:xfrm>
+                <a:off x="531851" y="6338406"/>
+                <a:ext cx="494943" cy="369332"/>
+              </a:xfrm>
+              <a:prstGeom prst="rect">
+                <a:avLst/>
+              </a:prstGeom>
+              <a:blipFill>
+                <a:blip r:embed="rId2"/>
+                <a:stretch>
+                  <a:fillRect b="-3333"/>
+                </a:stretch>
+              </a:blipFill>
+            </p:spPr>
+            <p:txBody>
+              <a:bodyPr/>
+              <a:lstStyle/>
+              <a:p>
+                <a:r>
+                  <a:rPr lang="ko-KR" altLang="en-US">
+                    <a:noFill/>
+                  </a:rPr>
+                  <a:t> </a:t>
+                </a:r>
+              </a:p>
+            </p:txBody>
+          </p:sp>
+        </mc:Fallback>
+      </mc:AlternateContent>
+      <mc:AlternateContent xmlns:mc="http://schemas.openxmlformats.org/markup-compatibility/2006">
+        <mc:Choice xmlns:a14="http://schemas.microsoft.com/office/drawing/2010/main" Requires="a14">
+          <p:sp>
+            <p:nvSpPr>
+              <p:cNvPr id="33" name="TextBox 32">
+                <a:extLst>
+                  <a:ext uri="{FF2B5EF4-FFF2-40B4-BE49-F238E27FC236}">
+                    <a16:creationId xmlns:a16="http://schemas.microsoft.com/office/drawing/2014/main" id="{17AFDE06-C487-486D-B7B1-76971B04CC45}"/>
+                  </a:ext>
+                </a:extLst>
+              </p:cNvPr>
+              <p:cNvSpPr txBox="1"/>
+              <p:nvPr/>
+            </p:nvSpPr>
+            <p:spPr>
+              <a:xfrm>
+                <a:off x="1790536" y="6338694"/>
+                <a:ext cx="489621" cy="369332"/>
+              </a:xfrm>
+              <a:prstGeom prst="rect">
+                <a:avLst/>
+              </a:prstGeom>
+              <a:noFill/>
+            </p:spPr>
+            <p:txBody>
+              <a:bodyPr wrap="none" rtlCol="0">
+                <a:spAutoFit/>
+              </a:bodyPr>
+              <a:lstStyle/>
+              <a:p>
+                <a14:m>
+                  <m:oMathPara xmlns:m="http://schemas.openxmlformats.org/officeDocument/2006/math">
+                    <m:oMathParaPr>
+                      <m:jc m:val="centerGroup"/>
+                    </m:oMathParaPr>
+                    <m:oMath xmlns:m="http://schemas.openxmlformats.org/officeDocument/2006/math">
+                      <m:sSub>
+                        <m:sSubPr>
+                          <m:ctrlPr>
+                            <a:rPr lang="en-US" altLang="ko-KR" i="1" smtClean="0">
+                              <a:latin typeface="Cambria Math" panose="02040503050406030204" pitchFamily="18" charset="0"/>
+                            </a:rPr>
+                          </m:ctrlPr>
+                        </m:sSubPr>
+                        <m:e>
+                          <m:r>
+                            <a:rPr lang="en-US" altLang="ko-KR" b="0" i="1" smtClean="0">
+                              <a:latin typeface="Cambria Math" panose="02040503050406030204" pitchFamily="18" charset="0"/>
+                            </a:rPr>
+                            <m:t>𝑥</m:t>
+                          </m:r>
+                        </m:e>
+                        <m:sub>
+                          <m:r>
+                            <a:rPr lang="en-US" altLang="ko-KR" b="0" i="1" smtClean="0">
+                              <a:latin typeface="Cambria Math" panose="02040503050406030204" pitchFamily="18" charset="0"/>
+                            </a:rPr>
+                            <m:t>1</m:t>
+                          </m:r>
+                        </m:sub>
+                      </m:sSub>
+                    </m:oMath>
+                  </m:oMathPara>
+                </a14:m>
+                <a:endParaRPr lang="ko-KR" altLang="en-US" dirty="0"/>
+              </a:p>
+            </p:txBody>
+          </p:sp>
+        </mc:Choice>
+        <mc:Fallback>
+          <p:sp>
+            <p:nvSpPr>
+              <p:cNvPr id="33" name="TextBox 32">
+                <a:extLst>
+                  <a:ext uri="{FF2B5EF4-FFF2-40B4-BE49-F238E27FC236}">
+                    <a16:creationId xmlns:a16="http://schemas.microsoft.com/office/drawing/2014/main" id="{17AFDE06-C487-486D-B7B1-76971B04CC45}"/>
+                  </a:ext>
+                </a:extLst>
+              </p:cNvPr>
+              <p:cNvSpPr txBox="1">
+                <a:spLocks noRot="1" noChangeAspect="1" noMove="1" noResize="1" noEditPoints="1" noAdjustHandles="1" noChangeArrowheads="1" noChangeShapeType="1" noTextEdit="1"/>
+              </p:cNvSpPr>
+              <p:nvPr/>
+            </p:nvSpPr>
+            <p:spPr>
+              <a:xfrm>
+                <a:off x="1790536" y="6338694"/>
+                <a:ext cx="489621" cy="369332"/>
+              </a:xfrm>
+              <a:prstGeom prst="rect">
+                <a:avLst/>
+              </a:prstGeom>
+              <a:blipFill>
+                <a:blip r:embed="rId3"/>
+                <a:stretch>
+                  <a:fillRect b="-3333"/>
+                </a:stretch>
+              </a:blipFill>
+            </p:spPr>
+            <p:txBody>
+              <a:bodyPr/>
+              <a:lstStyle/>
+              <a:p>
+                <a:r>
+                  <a:rPr lang="ko-KR" altLang="en-US">
+                    <a:noFill/>
+                  </a:rPr>
+                  <a:t> </a:t>
+                </a:r>
+              </a:p>
+            </p:txBody>
+          </p:sp>
+        </mc:Fallback>
+      </mc:AlternateContent>
+      <mc:AlternateContent xmlns:mc="http://schemas.openxmlformats.org/markup-compatibility/2006">
+        <mc:Choice xmlns:a14="http://schemas.microsoft.com/office/drawing/2010/main" Requires="a14">
+          <p:sp>
+            <p:nvSpPr>
+              <p:cNvPr id="34" name="TextBox 33">
+                <a:extLst>
+                  <a:ext uri="{FF2B5EF4-FFF2-40B4-BE49-F238E27FC236}">
+                    <a16:creationId xmlns:a16="http://schemas.microsoft.com/office/drawing/2014/main" id="{3176E3DE-1A33-48CE-8889-27F07BED33E0}"/>
+                  </a:ext>
+                </a:extLst>
+              </p:cNvPr>
+              <p:cNvSpPr txBox="1"/>
+              <p:nvPr/>
+            </p:nvSpPr>
+            <p:spPr>
+              <a:xfrm>
+                <a:off x="3049221" y="6338406"/>
+                <a:ext cx="494943" cy="369332"/>
+              </a:xfrm>
+              <a:prstGeom prst="rect">
+                <a:avLst/>
+              </a:prstGeom>
+              <a:noFill/>
+            </p:spPr>
+            <p:txBody>
+              <a:bodyPr wrap="none" rtlCol="0">
+                <a:spAutoFit/>
+              </a:bodyPr>
+              <a:lstStyle/>
+              <a:p>
+                <a14:m>
+                  <m:oMathPara xmlns:m="http://schemas.openxmlformats.org/officeDocument/2006/math">
+                    <m:oMathParaPr>
+                      <m:jc m:val="centerGroup"/>
+                    </m:oMathParaPr>
+                    <m:oMath xmlns:m="http://schemas.openxmlformats.org/officeDocument/2006/math">
+                      <m:sSub>
+                        <m:sSubPr>
+                          <m:ctrlPr>
+                            <a:rPr lang="en-US" altLang="ko-KR" i="1" smtClean="0">
+                              <a:latin typeface="Cambria Math" panose="02040503050406030204" pitchFamily="18" charset="0"/>
+                            </a:rPr>
+                          </m:ctrlPr>
+                        </m:sSubPr>
+                        <m:e>
+                          <m:r>
+                            <a:rPr lang="en-US" altLang="ko-KR" b="0" i="1" smtClean="0">
+                              <a:latin typeface="Cambria Math" panose="02040503050406030204" pitchFamily="18" charset="0"/>
+                            </a:rPr>
+                            <m:t>𝑥</m:t>
+                          </m:r>
+                        </m:e>
+                        <m:sub>
+                          <m:r>
+                            <a:rPr lang="en-US" altLang="ko-KR" b="0" i="1" smtClean="0">
+                              <a:latin typeface="Cambria Math" panose="02040503050406030204" pitchFamily="18" charset="0"/>
+                            </a:rPr>
+                            <m:t>2</m:t>
+                          </m:r>
+                        </m:sub>
+                      </m:sSub>
+                    </m:oMath>
+                  </m:oMathPara>
+                </a14:m>
+                <a:endParaRPr lang="ko-KR" altLang="en-US" dirty="0"/>
+              </a:p>
+            </p:txBody>
+          </p:sp>
+        </mc:Choice>
+        <mc:Fallback>
+          <p:sp>
+            <p:nvSpPr>
+              <p:cNvPr id="34" name="TextBox 33">
+                <a:extLst>
+                  <a:ext uri="{FF2B5EF4-FFF2-40B4-BE49-F238E27FC236}">
+                    <a16:creationId xmlns:a16="http://schemas.microsoft.com/office/drawing/2014/main" id="{3176E3DE-1A33-48CE-8889-27F07BED33E0}"/>
+                  </a:ext>
+                </a:extLst>
+              </p:cNvPr>
+              <p:cNvSpPr txBox="1">
+                <a:spLocks noRot="1" noChangeAspect="1" noMove="1" noResize="1" noEditPoints="1" noAdjustHandles="1" noChangeArrowheads="1" noChangeShapeType="1" noTextEdit="1"/>
+              </p:cNvSpPr>
+              <p:nvPr/>
+            </p:nvSpPr>
+            <p:spPr>
+              <a:xfrm>
+                <a:off x="3049221" y="6338406"/>
+                <a:ext cx="494943" cy="369332"/>
+              </a:xfrm>
+              <a:prstGeom prst="rect">
+                <a:avLst/>
+              </a:prstGeom>
+              <a:blipFill>
+                <a:blip r:embed="rId4"/>
+                <a:stretch>
+                  <a:fillRect b="-3333"/>
+                </a:stretch>
+              </a:blipFill>
+            </p:spPr>
+            <p:txBody>
+              <a:bodyPr/>
+              <a:lstStyle/>
+              <a:p>
+                <a:r>
+                  <a:rPr lang="ko-KR" altLang="en-US">
+                    <a:noFill/>
+                  </a:rPr>
+                  <a:t> </a:t>
+                </a:r>
+              </a:p>
+            </p:txBody>
+          </p:sp>
+        </mc:Fallback>
+      </mc:AlternateContent>
+      <mc:AlternateContent xmlns:mc="http://schemas.openxmlformats.org/markup-compatibility/2006">
+        <mc:Choice xmlns:a14="http://schemas.microsoft.com/office/drawing/2010/main" Requires="a14">
+          <p:sp>
+            <p:nvSpPr>
+              <p:cNvPr id="35" name="TextBox 34">
+                <a:extLst>
+                  <a:ext uri="{FF2B5EF4-FFF2-40B4-BE49-F238E27FC236}">
+                    <a16:creationId xmlns:a16="http://schemas.microsoft.com/office/drawing/2014/main" id="{3E6BEBE2-E434-4579-9BEF-7F057088C6A4}"/>
+                  </a:ext>
+                </a:extLst>
+              </p:cNvPr>
+              <p:cNvSpPr txBox="1"/>
+              <p:nvPr/>
+            </p:nvSpPr>
+            <p:spPr>
+              <a:xfrm>
+                <a:off x="4307906" y="6338406"/>
+                <a:ext cx="494943" cy="369332"/>
+              </a:xfrm>
+              <a:prstGeom prst="rect">
+                <a:avLst/>
+              </a:prstGeom>
+              <a:noFill/>
+            </p:spPr>
+            <p:txBody>
+              <a:bodyPr wrap="none" rtlCol="0">
+                <a:spAutoFit/>
+              </a:bodyPr>
+              <a:lstStyle/>
+              <a:p>
+                <a14:m>
+                  <m:oMathPara xmlns:m="http://schemas.openxmlformats.org/officeDocument/2006/math">
+                    <m:oMathParaPr>
+                      <m:jc m:val="centerGroup"/>
+                    </m:oMathParaPr>
+                    <m:oMath xmlns:m="http://schemas.openxmlformats.org/officeDocument/2006/math">
+                      <m:sSub>
+                        <m:sSubPr>
+                          <m:ctrlPr>
+                            <a:rPr lang="en-US" altLang="ko-KR" i="1" smtClean="0">
+                              <a:latin typeface="Cambria Math" panose="02040503050406030204" pitchFamily="18" charset="0"/>
+                            </a:rPr>
+                          </m:ctrlPr>
+                        </m:sSubPr>
+                        <m:e>
+                          <m:r>
+                            <a:rPr lang="en-US" altLang="ko-KR" b="0" i="1" smtClean="0">
+                              <a:latin typeface="Cambria Math" panose="02040503050406030204" pitchFamily="18" charset="0"/>
+                            </a:rPr>
+                            <m:t>𝑥</m:t>
+                          </m:r>
+                        </m:e>
+                        <m:sub>
+                          <m:r>
+                            <a:rPr lang="en-US" altLang="ko-KR" b="0" i="1" smtClean="0">
+                              <a:latin typeface="Cambria Math" panose="02040503050406030204" pitchFamily="18" charset="0"/>
+                            </a:rPr>
+                            <m:t>3</m:t>
+                          </m:r>
+                        </m:sub>
+                      </m:sSub>
+                    </m:oMath>
+                  </m:oMathPara>
+                </a14:m>
+                <a:endParaRPr lang="ko-KR" altLang="en-US" dirty="0"/>
+              </a:p>
+            </p:txBody>
+          </p:sp>
+        </mc:Choice>
+        <mc:Fallback>
+          <p:sp>
+            <p:nvSpPr>
+              <p:cNvPr id="35" name="TextBox 34">
+                <a:extLst>
+                  <a:ext uri="{FF2B5EF4-FFF2-40B4-BE49-F238E27FC236}">
+                    <a16:creationId xmlns:a16="http://schemas.microsoft.com/office/drawing/2014/main" id="{3E6BEBE2-E434-4579-9BEF-7F057088C6A4}"/>
+                  </a:ext>
+                </a:extLst>
+              </p:cNvPr>
+              <p:cNvSpPr txBox="1">
+                <a:spLocks noRot="1" noChangeAspect="1" noMove="1" noResize="1" noEditPoints="1" noAdjustHandles="1" noChangeArrowheads="1" noChangeShapeType="1" noTextEdit="1"/>
+              </p:cNvSpPr>
+              <p:nvPr/>
+            </p:nvSpPr>
+            <p:spPr>
+              <a:xfrm>
+                <a:off x="4307906" y="6338406"/>
+                <a:ext cx="494943" cy="369332"/>
+              </a:xfrm>
+              <a:prstGeom prst="rect">
+                <a:avLst/>
+              </a:prstGeom>
+              <a:blipFill>
+                <a:blip r:embed="rId5"/>
+                <a:stretch>
+                  <a:fillRect b="-3333"/>
+                </a:stretch>
+              </a:blipFill>
+            </p:spPr>
+            <p:txBody>
+              <a:bodyPr/>
+              <a:lstStyle/>
+              <a:p>
+                <a:r>
+                  <a:rPr lang="ko-KR" altLang="en-US">
+                    <a:noFill/>
+                  </a:rPr>
+                  <a:t> </a:t>
+                </a:r>
+              </a:p>
+            </p:txBody>
+          </p:sp>
+        </mc:Fallback>
+      </mc:AlternateContent>
+      <mc:AlternateContent xmlns:mc="http://schemas.openxmlformats.org/markup-compatibility/2006">
+        <mc:Choice xmlns:a14="http://schemas.microsoft.com/office/drawing/2010/main" Requires="a14">
+          <p:sp>
+            <p:nvSpPr>
+              <p:cNvPr id="36" name="TextBox 35">
+                <a:extLst>
+                  <a:ext uri="{FF2B5EF4-FFF2-40B4-BE49-F238E27FC236}">
+                    <a16:creationId xmlns:a16="http://schemas.microsoft.com/office/drawing/2014/main" id="{14E0069C-C3BE-41C2-B653-A18BA212F52D}"/>
+                  </a:ext>
+                </a:extLst>
+              </p:cNvPr>
+              <p:cNvSpPr txBox="1"/>
+              <p:nvPr/>
+            </p:nvSpPr>
+            <p:spPr>
+              <a:xfrm>
+                <a:off x="7274715" y="6338409"/>
+                <a:ext cx="496610" cy="369332"/>
+              </a:xfrm>
+              <a:prstGeom prst="rect">
+                <a:avLst/>
+              </a:prstGeom>
+              <a:noFill/>
+            </p:spPr>
+            <p:txBody>
+              <a:bodyPr wrap="none" rtlCol="0">
+                <a:spAutoFit/>
+              </a:bodyPr>
+              <a:lstStyle/>
+              <a:p>
+                <a14:m>
+                  <m:oMathPara xmlns:m="http://schemas.openxmlformats.org/officeDocument/2006/math">
+                    <m:oMathParaPr>
+                      <m:jc m:val="centerGroup"/>
+                    </m:oMathParaPr>
+                    <m:oMath xmlns:m="http://schemas.openxmlformats.org/officeDocument/2006/math">
+                      <m:sSub>
+                        <m:sSubPr>
+                          <m:ctrlPr>
+                            <a:rPr lang="en-US" altLang="ko-KR" i="1" smtClean="0">
+                              <a:latin typeface="Cambria Math" panose="02040503050406030204" pitchFamily="18" charset="0"/>
+                            </a:rPr>
+                          </m:ctrlPr>
+                        </m:sSubPr>
+                        <m:e>
+                          <m:r>
+                            <a:rPr lang="en-US" altLang="ko-KR" b="0" i="1" smtClean="0">
+                              <a:latin typeface="Cambria Math" panose="02040503050406030204" pitchFamily="18" charset="0"/>
+                            </a:rPr>
+                            <m:t>𝑦</m:t>
+                          </m:r>
+                        </m:e>
+                        <m:sub>
+                          <m:r>
+                            <a:rPr lang="en-US" altLang="ko-KR" b="0" i="1" smtClean="0">
+                              <a:latin typeface="Cambria Math" panose="02040503050406030204" pitchFamily="18" charset="0"/>
+                            </a:rPr>
+                            <m:t>0</m:t>
+                          </m:r>
+                        </m:sub>
+                      </m:sSub>
+                    </m:oMath>
+                  </m:oMathPara>
+                </a14:m>
+                <a:endParaRPr lang="ko-KR" altLang="en-US" dirty="0"/>
+              </a:p>
+            </p:txBody>
+          </p:sp>
+        </mc:Choice>
+        <mc:Fallback>
+          <p:sp>
+            <p:nvSpPr>
+              <p:cNvPr id="36" name="TextBox 35">
+                <a:extLst>
+                  <a:ext uri="{FF2B5EF4-FFF2-40B4-BE49-F238E27FC236}">
+                    <a16:creationId xmlns:a16="http://schemas.microsoft.com/office/drawing/2014/main" id="{14E0069C-C3BE-41C2-B653-A18BA212F52D}"/>
+                  </a:ext>
+                </a:extLst>
+              </p:cNvPr>
+              <p:cNvSpPr txBox="1">
+                <a:spLocks noRot="1" noChangeAspect="1" noMove="1" noResize="1" noEditPoints="1" noAdjustHandles="1" noChangeArrowheads="1" noChangeShapeType="1" noTextEdit="1"/>
+              </p:cNvSpPr>
+              <p:nvPr/>
+            </p:nvSpPr>
+            <p:spPr>
+              <a:xfrm>
+                <a:off x="7274715" y="6338409"/>
+                <a:ext cx="496610" cy="369332"/>
+              </a:xfrm>
+              <a:prstGeom prst="rect">
+                <a:avLst/>
+              </a:prstGeom>
+              <a:blipFill>
+                <a:blip r:embed="rId6"/>
+                <a:stretch>
+                  <a:fillRect b="-10000"/>
+                </a:stretch>
+              </a:blipFill>
+            </p:spPr>
+            <p:txBody>
+              <a:bodyPr/>
+              <a:lstStyle/>
+              <a:p>
+                <a:r>
+                  <a:rPr lang="ko-KR" altLang="en-US">
+                    <a:noFill/>
+                  </a:rPr>
+                  <a:t> </a:t>
+                </a:r>
+              </a:p>
+            </p:txBody>
+          </p:sp>
+        </mc:Fallback>
+      </mc:AlternateContent>
+      <mc:AlternateContent xmlns:mc="http://schemas.openxmlformats.org/markup-compatibility/2006">
+        <mc:Choice xmlns:a14="http://schemas.microsoft.com/office/drawing/2010/main" Requires="a14">
+          <p:sp>
+            <p:nvSpPr>
+              <p:cNvPr id="37" name="TextBox 36">
+                <a:extLst>
+                  <a:ext uri="{FF2B5EF4-FFF2-40B4-BE49-F238E27FC236}">
+                    <a16:creationId xmlns:a16="http://schemas.microsoft.com/office/drawing/2014/main" id="{6448FB8C-D9A1-4602-BD58-DE946A793132}"/>
+                  </a:ext>
+                </a:extLst>
+              </p:cNvPr>
+              <p:cNvSpPr txBox="1"/>
+              <p:nvPr/>
+            </p:nvSpPr>
+            <p:spPr>
+              <a:xfrm>
+                <a:off x="8533401" y="6338409"/>
+                <a:ext cx="491288" cy="369332"/>
+              </a:xfrm>
+              <a:prstGeom prst="rect">
+                <a:avLst/>
+              </a:prstGeom>
+              <a:noFill/>
+            </p:spPr>
+            <p:txBody>
+              <a:bodyPr wrap="none" rtlCol="0">
+                <a:spAutoFit/>
+              </a:bodyPr>
+              <a:lstStyle/>
+              <a:p>
+                <a14:m>
+                  <m:oMathPara xmlns:m="http://schemas.openxmlformats.org/officeDocument/2006/math">
+                    <m:oMathParaPr>
+                      <m:jc m:val="centerGroup"/>
+                    </m:oMathParaPr>
+                    <m:oMath xmlns:m="http://schemas.openxmlformats.org/officeDocument/2006/math">
+                      <m:sSub>
+                        <m:sSubPr>
+                          <m:ctrlPr>
+                            <a:rPr lang="en-US" altLang="ko-KR" i="1" smtClean="0">
+                              <a:latin typeface="Cambria Math" panose="02040503050406030204" pitchFamily="18" charset="0"/>
+                            </a:rPr>
+                          </m:ctrlPr>
+                        </m:sSubPr>
+                        <m:e>
+                          <m:r>
+                            <a:rPr lang="en-US" altLang="ko-KR" b="0" i="1" smtClean="0">
+                              <a:latin typeface="Cambria Math" panose="02040503050406030204" pitchFamily="18" charset="0"/>
+                            </a:rPr>
+                            <m:t>𝑦</m:t>
+                          </m:r>
+                        </m:e>
+                        <m:sub>
+                          <m:r>
+                            <a:rPr lang="en-US" altLang="ko-KR" b="0" i="1" smtClean="0">
+                              <a:latin typeface="Cambria Math" panose="02040503050406030204" pitchFamily="18" charset="0"/>
+                            </a:rPr>
+                            <m:t>1</m:t>
+                          </m:r>
+                        </m:sub>
+                      </m:sSub>
+                    </m:oMath>
+                  </m:oMathPara>
+                </a14:m>
+                <a:endParaRPr lang="ko-KR" altLang="en-US" dirty="0"/>
+              </a:p>
+            </p:txBody>
+          </p:sp>
+        </mc:Choice>
+        <mc:Fallback>
+          <p:sp>
+            <p:nvSpPr>
+              <p:cNvPr id="37" name="TextBox 36">
+                <a:extLst>
+                  <a:ext uri="{FF2B5EF4-FFF2-40B4-BE49-F238E27FC236}">
+                    <a16:creationId xmlns:a16="http://schemas.microsoft.com/office/drawing/2014/main" id="{6448FB8C-D9A1-4602-BD58-DE946A793132}"/>
+                  </a:ext>
+                </a:extLst>
+              </p:cNvPr>
+              <p:cNvSpPr txBox="1">
+                <a:spLocks noRot="1" noChangeAspect="1" noMove="1" noResize="1" noEditPoints="1" noAdjustHandles="1" noChangeArrowheads="1" noChangeShapeType="1" noTextEdit="1"/>
+              </p:cNvSpPr>
+              <p:nvPr/>
+            </p:nvSpPr>
+            <p:spPr>
+              <a:xfrm>
+                <a:off x="8533401" y="6338409"/>
+                <a:ext cx="491288" cy="369332"/>
+              </a:xfrm>
+              <a:prstGeom prst="rect">
+                <a:avLst/>
+              </a:prstGeom>
+              <a:blipFill>
+                <a:blip r:embed="rId7"/>
+                <a:stretch>
+                  <a:fillRect b="-10000"/>
+                </a:stretch>
+              </a:blipFill>
+            </p:spPr>
+            <p:txBody>
+              <a:bodyPr/>
+              <a:lstStyle/>
+              <a:p>
+                <a:r>
+                  <a:rPr lang="ko-KR" altLang="en-US">
+                    <a:noFill/>
+                  </a:rPr>
+                  <a:t> </a:t>
+                </a:r>
+              </a:p>
+            </p:txBody>
+          </p:sp>
+        </mc:Fallback>
+      </mc:AlternateContent>
+      <mc:AlternateContent xmlns:mc="http://schemas.openxmlformats.org/markup-compatibility/2006">
+        <mc:Choice xmlns:a14="http://schemas.microsoft.com/office/drawing/2010/main" Requires="a14">
+          <p:sp>
+            <p:nvSpPr>
+              <p:cNvPr id="38" name="TextBox 37">
+                <a:extLst>
+                  <a:ext uri="{FF2B5EF4-FFF2-40B4-BE49-F238E27FC236}">
+                    <a16:creationId xmlns:a16="http://schemas.microsoft.com/office/drawing/2014/main" id="{7027025A-1A40-43C7-B377-B6E5B83B42C9}"/>
+                  </a:ext>
+                </a:extLst>
+              </p:cNvPr>
+              <p:cNvSpPr txBox="1"/>
+              <p:nvPr/>
+            </p:nvSpPr>
+            <p:spPr>
+              <a:xfrm>
+                <a:off x="9792087" y="6338409"/>
+                <a:ext cx="496611" cy="369332"/>
+              </a:xfrm>
+              <a:prstGeom prst="rect">
+                <a:avLst/>
+              </a:prstGeom>
+              <a:noFill/>
+            </p:spPr>
+            <p:txBody>
+              <a:bodyPr wrap="none" rtlCol="0">
+                <a:spAutoFit/>
+              </a:bodyPr>
+              <a:lstStyle/>
+              <a:p>
+                <a14:m>
+                  <m:oMathPara xmlns:m="http://schemas.openxmlformats.org/officeDocument/2006/math">
+                    <m:oMathParaPr>
+                      <m:jc m:val="centerGroup"/>
+                    </m:oMathParaPr>
+                    <m:oMath xmlns:m="http://schemas.openxmlformats.org/officeDocument/2006/math">
+                      <m:sSub>
+                        <m:sSubPr>
+                          <m:ctrlPr>
+                            <a:rPr lang="en-US" altLang="ko-KR" i="1" smtClean="0">
+                              <a:latin typeface="Cambria Math" panose="02040503050406030204" pitchFamily="18" charset="0"/>
+                            </a:rPr>
+                          </m:ctrlPr>
+                        </m:sSubPr>
+                        <m:e>
+                          <m:r>
+                            <a:rPr lang="en-US" altLang="ko-KR" b="0" i="1" smtClean="0">
+                              <a:latin typeface="Cambria Math" panose="02040503050406030204" pitchFamily="18" charset="0"/>
+                            </a:rPr>
+                            <m:t>𝑦</m:t>
+                          </m:r>
+                        </m:e>
+                        <m:sub>
+                          <m:r>
+                            <a:rPr lang="en-US" altLang="ko-KR" b="0" i="1" smtClean="0">
+                              <a:latin typeface="Cambria Math" panose="02040503050406030204" pitchFamily="18" charset="0"/>
+                            </a:rPr>
+                            <m:t>2</m:t>
+                          </m:r>
+                        </m:sub>
+                      </m:sSub>
+                    </m:oMath>
+                  </m:oMathPara>
+                </a14:m>
+                <a:endParaRPr lang="ko-KR" altLang="en-US" dirty="0"/>
+              </a:p>
+            </p:txBody>
+          </p:sp>
+        </mc:Choice>
+        <mc:Fallback>
+          <p:sp>
+            <p:nvSpPr>
+              <p:cNvPr id="38" name="TextBox 37">
+                <a:extLst>
+                  <a:ext uri="{FF2B5EF4-FFF2-40B4-BE49-F238E27FC236}">
+                    <a16:creationId xmlns:a16="http://schemas.microsoft.com/office/drawing/2014/main" id="{7027025A-1A40-43C7-B377-B6E5B83B42C9}"/>
+                  </a:ext>
+                </a:extLst>
+              </p:cNvPr>
+              <p:cNvSpPr txBox="1">
+                <a:spLocks noRot="1" noChangeAspect="1" noMove="1" noResize="1" noEditPoints="1" noAdjustHandles="1" noChangeArrowheads="1" noChangeShapeType="1" noTextEdit="1"/>
+              </p:cNvSpPr>
+              <p:nvPr/>
+            </p:nvSpPr>
+            <p:spPr>
+              <a:xfrm>
+                <a:off x="9792087" y="6338409"/>
+                <a:ext cx="496611" cy="369332"/>
+              </a:xfrm>
+              <a:prstGeom prst="rect">
+                <a:avLst/>
+              </a:prstGeom>
+              <a:blipFill>
+                <a:blip r:embed="rId8"/>
+                <a:stretch>
+                  <a:fillRect b="-10000"/>
+                </a:stretch>
+              </a:blipFill>
+            </p:spPr>
+            <p:txBody>
+              <a:bodyPr/>
+              <a:lstStyle/>
+              <a:p>
+                <a:r>
+                  <a:rPr lang="ko-KR" altLang="en-US">
+                    <a:noFill/>
+                  </a:rPr>
+                  <a:t> </a:t>
+                </a:r>
+              </a:p>
+            </p:txBody>
+          </p:sp>
+        </mc:Fallback>
+      </mc:AlternateContent>
+      <mc:AlternateContent xmlns:mc="http://schemas.openxmlformats.org/markup-compatibility/2006">
+        <mc:Choice xmlns:a14="http://schemas.microsoft.com/office/drawing/2010/main" Requires="a14">
+          <p:sp>
+            <p:nvSpPr>
+              <p:cNvPr id="39" name="TextBox 38">
+                <a:extLst>
+                  <a:ext uri="{FF2B5EF4-FFF2-40B4-BE49-F238E27FC236}">
+                    <a16:creationId xmlns:a16="http://schemas.microsoft.com/office/drawing/2014/main" id="{34ED70D7-EC33-49DC-96FA-7BE986853032}"/>
+                  </a:ext>
+                </a:extLst>
+              </p:cNvPr>
+              <p:cNvSpPr txBox="1"/>
+              <p:nvPr/>
+            </p:nvSpPr>
+            <p:spPr>
+              <a:xfrm>
+                <a:off x="5914078" y="6363311"/>
+                <a:ext cx="700513" cy="369332"/>
+              </a:xfrm>
+              <a:prstGeom prst="rect">
+                <a:avLst/>
+              </a:prstGeom>
+              <a:noFill/>
+            </p:spPr>
+            <p:txBody>
+              <a:bodyPr wrap="none" rtlCol="0">
+                <a:spAutoFit/>
+              </a:bodyPr>
+              <a:lstStyle/>
+              <a:p>
+                <a14:m>
+                  <m:oMathPara xmlns:m="http://schemas.openxmlformats.org/officeDocument/2006/math">
+                    <m:oMathParaPr>
+                      <m:jc m:val="centerGroup"/>
+                    </m:oMathParaPr>
+                    <m:oMath xmlns:m="http://schemas.openxmlformats.org/officeDocument/2006/math">
+                      <m:r>
+                        <a:rPr lang="en-US" altLang="ko-KR" b="0" i="1" smtClean="0">
+                          <a:latin typeface="Cambria Math" panose="02040503050406030204" pitchFamily="18" charset="0"/>
+                        </a:rPr>
+                        <m:t>𝐵𝑂𝑆</m:t>
+                      </m:r>
+                    </m:oMath>
+                  </m:oMathPara>
+                </a14:m>
+                <a:endParaRPr lang="ko-KR" altLang="en-US" dirty="0"/>
+              </a:p>
+            </p:txBody>
+          </p:sp>
+        </mc:Choice>
+        <mc:Fallback>
+          <p:sp>
+            <p:nvSpPr>
+              <p:cNvPr id="39" name="TextBox 38">
+                <a:extLst>
+                  <a:ext uri="{FF2B5EF4-FFF2-40B4-BE49-F238E27FC236}">
+                    <a16:creationId xmlns:a16="http://schemas.microsoft.com/office/drawing/2014/main" id="{34ED70D7-EC33-49DC-96FA-7BE986853032}"/>
+                  </a:ext>
+                </a:extLst>
+              </p:cNvPr>
+              <p:cNvSpPr txBox="1">
+                <a:spLocks noRot="1" noChangeAspect="1" noMove="1" noResize="1" noEditPoints="1" noAdjustHandles="1" noChangeArrowheads="1" noChangeShapeType="1" noTextEdit="1"/>
+              </p:cNvSpPr>
+              <p:nvPr/>
+            </p:nvSpPr>
+            <p:spPr>
+              <a:xfrm>
+                <a:off x="5914078" y="6363311"/>
+                <a:ext cx="700513" cy="369332"/>
+              </a:xfrm>
+              <a:prstGeom prst="rect">
+                <a:avLst/>
+              </a:prstGeom>
+              <a:blipFill>
+                <a:blip r:embed="rId9"/>
+                <a:stretch>
+                  <a:fillRect/>
+                </a:stretch>
+              </a:blipFill>
+            </p:spPr>
+            <p:txBody>
+              <a:bodyPr/>
+              <a:lstStyle/>
+              <a:p>
+                <a:r>
+                  <a:rPr lang="ko-KR" altLang="en-US">
+                    <a:noFill/>
+                  </a:rPr>
+                  <a:t> </a:t>
+                </a:r>
+              </a:p>
+            </p:txBody>
+          </p:sp>
+        </mc:Fallback>
+      </mc:AlternateContent>
+      <mc:AlternateContent xmlns:mc="http://schemas.openxmlformats.org/markup-compatibility/2006">
+        <mc:Choice xmlns:a14="http://schemas.microsoft.com/office/drawing/2010/main" Requires="a14">
+          <p:sp>
+            <p:nvSpPr>
+              <p:cNvPr id="40" name="TextBox 39">
+                <a:extLst>
+                  <a:ext uri="{FF2B5EF4-FFF2-40B4-BE49-F238E27FC236}">
+                    <a16:creationId xmlns:a16="http://schemas.microsoft.com/office/drawing/2014/main" id="{3C190F04-1C31-4664-AD00-75B456B22FFA}"/>
+                  </a:ext>
+                </a:extLst>
+              </p:cNvPr>
+              <p:cNvSpPr txBox="1"/>
+              <p:nvPr/>
+            </p:nvSpPr>
+            <p:spPr>
+              <a:xfrm>
+                <a:off x="9690134" y="264556"/>
+                <a:ext cx="692497" cy="369332"/>
+              </a:xfrm>
+              <a:prstGeom prst="rect">
+                <a:avLst/>
+              </a:prstGeom>
+              <a:noFill/>
+            </p:spPr>
+            <p:txBody>
+              <a:bodyPr wrap="none" rtlCol="0">
+                <a:spAutoFit/>
+              </a:bodyPr>
+              <a:lstStyle/>
+              <a:p>
+                <a14:m>
+                  <m:oMathPara xmlns:m="http://schemas.openxmlformats.org/officeDocument/2006/math">
+                    <m:oMathParaPr>
+                      <m:jc m:val="centerGroup"/>
+                    </m:oMathParaPr>
+                    <m:oMath xmlns:m="http://schemas.openxmlformats.org/officeDocument/2006/math">
+                      <m:r>
+                        <a:rPr lang="en-US" altLang="ko-KR" b="0" i="1" smtClean="0">
+                          <a:latin typeface="Cambria Math" panose="02040503050406030204" pitchFamily="18" charset="0"/>
+                        </a:rPr>
+                        <m:t>𝐸𝑂𝑆</m:t>
+                      </m:r>
+                    </m:oMath>
+                  </m:oMathPara>
+                </a14:m>
+                <a:endParaRPr lang="ko-KR" altLang="en-US" dirty="0"/>
+              </a:p>
+            </p:txBody>
+          </p:sp>
+        </mc:Choice>
+        <mc:Fallback>
+          <p:sp>
+            <p:nvSpPr>
+              <p:cNvPr id="40" name="TextBox 39">
+                <a:extLst>
+                  <a:ext uri="{FF2B5EF4-FFF2-40B4-BE49-F238E27FC236}">
+                    <a16:creationId xmlns:a16="http://schemas.microsoft.com/office/drawing/2014/main" id="{3C190F04-1C31-4664-AD00-75B456B22FFA}"/>
+                  </a:ext>
+                </a:extLst>
+              </p:cNvPr>
+              <p:cNvSpPr txBox="1">
+                <a:spLocks noRot="1" noChangeAspect="1" noMove="1" noResize="1" noEditPoints="1" noAdjustHandles="1" noChangeArrowheads="1" noChangeShapeType="1" noTextEdit="1"/>
+              </p:cNvSpPr>
+              <p:nvPr/>
+            </p:nvSpPr>
+            <p:spPr>
+              <a:xfrm>
+                <a:off x="9690134" y="264556"/>
+                <a:ext cx="692497" cy="369332"/>
+              </a:xfrm>
+              <a:prstGeom prst="rect">
+                <a:avLst/>
+              </a:prstGeom>
+              <a:blipFill>
+                <a:blip r:embed="rId10"/>
+                <a:stretch>
+                  <a:fillRect/>
+                </a:stretch>
+              </a:blipFill>
+            </p:spPr>
+            <p:txBody>
+              <a:bodyPr/>
+              <a:lstStyle/>
+              <a:p>
+                <a:r>
+                  <a:rPr lang="ko-KR" altLang="en-US">
+                    <a:noFill/>
+                  </a:rPr>
+                  <a:t> </a:t>
+                </a:r>
+              </a:p>
+            </p:txBody>
+          </p:sp>
+        </mc:Fallback>
+      </mc:AlternateContent>
+      <p:sp>
+        <p:nvSpPr>
+          <p:cNvPr id="41" name="직사각형 40">
+            <a:extLst>
+              <a:ext uri="{FF2B5EF4-FFF2-40B4-BE49-F238E27FC236}">
+                <a16:creationId xmlns:a16="http://schemas.microsoft.com/office/drawing/2014/main" id="{2408790D-3D66-431C-849B-99668B932886}"/>
+              </a:ext>
+            </a:extLst>
+          </p:cNvPr>
+          <p:cNvSpPr/>
+          <p:nvPr/>
+        </p:nvSpPr>
+        <p:spPr>
+          <a:xfrm>
+            <a:off x="390703" y="5739847"/>
+            <a:ext cx="777240" cy="282706"/>
+          </a:xfrm>
+          <a:prstGeom prst="rect">
+            <a:avLst/>
+          </a:prstGeom>
+          <a:ln>
+            <a:solidFill>
+              <a:srgbClr val="C00000"/>
+            </a:solidFill>
+          </a:ln>
+        </p:spPr>
+        <p:style>
+          <a:lnRef idx="2">
+            <a:schemeClr val="dk1"/>
+          </a:lnRef>
+          <a:fillRef idx="1">
+            <a:schemeClr val="lt1"/>
+          </a:fillRef>
+          <a:effectRef idx="0">
+            <a:schemeClr val="dk1"/>
+          </a:effectRef>
+          <a:fontRef idx="minor">
+            <a:schemeClr val="dk1"/>
+          </a:fontRef>
+        </p:style>
+        <p:txBody>
+          <a:bodyPr rtlCol="0" anchor="ctr"/>
+          <a:lstStyle/>
+          <a:p>
+            <a:pPr algn="ctr"/>
+            <a:r>
+              <a:rPr lang="en-US" altLang="ko-KR" sz="900" dirty="0"/>
+              <a:t>Embedding</a:t>
+            </a:r>
+            <a:endParaRPr lang="ko-KR" altLang="en-US" sz="900" dirty="0"/>
+          </a:p>
+        </p:txBody>
+      </p:sp>
+      <p:sp>
+        <p:nvSpPr>
+          <p:cNvPr id="42" name="직사각형 41">
+            <a:extLst>
+              <a:ext uri="{FF2B5EF4-FFF2-40B4-BE49-F238E27FC236}">
+                <a16:creationId xmlns:a16="http://schemas.microsoft.com/office/drawing/2014/main" id="{D3CFBC4C-F45D-48C0-A8AA-F68207C535F1}"/>
+              </a:ext>
+            </a:extLst>
+          </p:cNvPr>
+          <p:cNvSpPr/>
+          <p:nvPr/>
+        </p:nvSpPr>
+        <p:spPr>
+          <a:xfrm>
+            <a:off x="1649388" y="5739847"/>
+            <a:ext cx="777240" cy="282706"/>
+          </a:xfrm>
+          <a:prstGeom prst="rect">
+            <a:avLst/>
+          </a:prstGeom>
+          <a:ln>
+            <a:solidFill>
+              <a:srgbClr val="C00000"/>
+            </a:solidFill>
+          </a:ln>
+        </p:spPr>
+        <p:style>
+          <a:lnRef idx="2">
+            <a:schemeClr val="dk1"/>
+          </a:lnRef>
+          <a:fillRef idx="1">
+            <a:schemeClr val="lt1"/>
+          </a:fillRef>
+          <a:effectRef idx="0">
+            <a:schemeClr val="dk1"/>
+          </a:effectRef>
+          <a:fontRef idx="minor">
+            <a:schemeClr val="dk1"/>
+          </a:fontRef>
+        </p:style>
+        <p:txBody>
+          <a:bodyPr rtlCol="0" anchor="ctr"/>
+          <a:lstStyle/>
+          <a:p>
+            <a:pPr algn="ctr"/>
+            <a:r>
+              <a:rPr lang="en-US" altLang="ko-KR" sz="900" dirty="0"/>
+              <a:t>Embedding</a:t>
+            </a:r>
+            <a:endParaRPr lang="ko-KR" altLang="en-US" sz="900" dirty="0"/>
+          </a:p>
+        </p:txBody>
+      </p:sp>
+      <p:sp>
+        <p:nvSpPr>
+          <p:cNvPr id="43" name="직사각형 42">
+            <a:extLst>
+              <a:ext uri="{FF2B5EF4-FFF2-40B4-BE49-F238E27FC236}">
+                <a16:creationId xmlns:a16="http://schemas.microsoft.com/office/drawing/2014/main" id="{1CCBC64F-3065-4A07-BBD2-C6D6AFF1B01A}"/>
+              </a:ext>
+            </a:extLst>
+          </p:cNvPr>
+          <p:cNvSpPr/>
+          <p:nvPr/>
+        </p:nvSpPr>
+        <p:spPr>
+          <a:xfrm>
+            <a:off x="2908074" y="5739847"/>
+            <a:ext cx="777240" cy="282706"/>
+          </a:xfrm>
+          <a:prstGeom prst="rect">
+            <a:avLst/>
+          </a:prstGeom>
+          <a:ln>
+            <a:solidFill>
+              <a:srgbClr val="C00000"/>
+            </a:solidFill>
+          </a:ln>
+        </p:spPr>
+        <p:style>
+          <a:lnRef idx="2">
+            <a:schemeClr val="dk1"/>
+          </a:lnRef>
+          <a:fillRef idx="1">
+            <a:schemeClr val="lt1"/>
+          </a:fillRef>
+          <a:effectRef idx="0">
+            <a:schemeClr val="dk1"/>
+          </a:effectRef>
+          <a:fontRef idx="minor">
+            <a:schemeClr val="dk1"/>
+          </a:fontRef>
+        </p:style>
+        <p:txBody>
+          <a:bodyPr rtlCol="0" anchor="ctr"/>
+          <a:lstStyle/>
+          <a:p>
+            <a:pPr algn="ctr"/>
+            <a:r>
+              <a:rPr lang="en-US" altLang="ko-KR" sz="900" dirty="0"/>
+              <a:t>Embedding</a:t>
+            </a:r>
+            <a:endParaRPr lang="ko-KR" altLang="en-US" sz="900" dirty="0"/>
+          </a:p>
+        </p:txBody>
+      </p:sp>
+      <p:sp>
+        <p:nvSpPr>
+          <p:cNvPr id="44" name="직사각형 43">
+            <a:extLst>
+              <a:ext uri="{FF2B5EF4-FFF2-40B4-BE49-F238E27FC236}">
+                <a16:creationId xmlns:a16="http://schemas.microsoft.com/office/drawing/2014/main" id="{8335E1E8-EE72-4026-805B-961A5AA502D5}"/>
+              </a:ext>
+            </a:extLst>
+          </p:cNvPr>
+          <p:cNvSpPr/>
+          <p:nvPr/>
+        </p:nvSpPr>
+        <p:spPr>
+          <a:xfrm>
+            <a:off x="4166757" y="5739847"/>
+            <a:ext cx="777240" cy="282706"/>
+          </a:xfrm>
+          <a:prstGeom prst="rect">
+            <a:avLst/>
+          </a:prstGeom>
+          <a:ln>
+            <a:solidFill>
+              <a:srgbClr val="C00000"/>
+            </a:solidFill>
+          </a:ln>
+        </p:spPr>
+        <p:style>
+          <a:lnRef idx="2">
+            <a:schemeClr val="dk1"/>
+          </a:lnRef>
+          <a:fillRef idx="1">
+            <a:schemeClr val="lt1"/>
+          </a:fillRef>
+          <a:effectRef idx="0">
+            <a:schemeClr val="dk1"/>
+          </a:effectRef>
+          <a:fontRef idx="minor">
+            <a:schemeClr val="dk1"/>
+          </a:fontRef>
+        </p:style>
+        <p:txBody>
+          <a:bodyPr rtlCol="0" anchor="ctr"/>
+          <a:lstStyle/>
+          <a:p>
+            <a:pPr algn="ctr"/>
+            <a:r>
+              <a:rPr lang="en-US" altLang="ko-KR" sz="900" dirty="0"/>
+              <a:t>Embedding</a:t>
+            </a:r>
+            <a:endParaRPr lang="ko-KR" altLang="en-US" sz="900" dirty="0"/>
+          </a:p>
+        </p:txBody>
+      </p:sp>
+      <p:sp>
+        <p:nvSpPr>
+          <p:cNvPr id="45" name="직사각형 44">
+            <a:extLst>
+              <a:ext uri="{FF2B5EF4-FFF2-40B4-BE49-F238E27FC236}">
+                <a16:creationId xmlns:a16="http://schemas.microsoft.com/office/drawing/2014/main" id="{111AA82D-9B7D-4823-98CA-1E4E96C1FA21}"/>
+              </a:ext>
+            </a:extLst>
+          </p:cNvPr>
+          <p:cNvSpPr/>
+          <p:nvPr/>
+        </p:nvSpPr>
+        <p:spPr>
+          <a:xfrm>
+            <a:off x="5875714" y="885303"/>
+            <a:ext cx="777240" cy="282706"/>
+          </a:xfrm>
+          <a:prstGeom prst="rect">
+            <a:avLst/>
+          </a:prstGeom>
+        </p:spPr>
+        <p:style>
+          <a:lnRef idx="2">
+            <a:schemeClr val="dk1"/>
+          </a:lnRef>
+          <a:fillRef idx="1">
+            <a:schemeClr val="lt1"/>
+          </a:fillRef>
+          <a:effectRef idx="0">
+            <a:schemeClr val="dk1"/>
+          </a:effectRef>
+          <a:fontRef idx="minor">
+            <a:schemeClr val="dk1"/>
+          </a:fontRef>
+        </p:style>
+        <p:txBody>
+          <a:bodyPr rtlCol="0" anchor="ctr"/>
+          <a:lstStyle/>
+          <a:p>
+            <a:pPr algn="ctr"/>
+            <a:r>
+              <a:rPr lang="en-US" altLang="ko-KR" sz="1050" dirty="0" err="1"/>
+              <a:t>softmax</a:t>
+            </a:r>
+            <a:endParaRPr lang="ko-KR" altLang="en-US" sz="1050" dirty="0"/>
+          </a:p>
+        </p:txBody>
+      </p:sp>
+      <p:sp>
+        <p:nvSpPr>
+          <p:cNvPr id="46" name="직사각형 45">
+            <a:extLst>
+              <a:ext uri="{FF2B5EF4-FFF2-40B4-BE49-F238E27FC236}">
+                <a16:creationId xmlns:a16="http://schemas.microsoft.com/office/drawing/2014/main" id="{314F8EF3-3359-49FA-87AB-213C9D682DB7}"/>
+              </a:ext>
+            </a:extLst>
+          </p:cNvPr>
+          <p:cNvSpPr/>
+          <p:nvPr/>
+        </p:nvSpPr>
+        <p:spPr>
+          <a:xfrm>
+            <a:off x="7134400" y="885303"/>
+            <a:ext cx="777240" cy="282706"/>
+          </a:xfrm>
+          <a:prstGeom prst="rect">
+            <a:avLst/>
+          </a:prstGeom>
+        </p:spPr>
+        <p:style>
+          <a:lnRef idx="2">
+            <a:schemeClr val="dk1"/>
+          </a:lnRef>
+          <a:fillRef idx="1">
+            <a:schemeClr val="lt1"/>
+          </a:fillRef>
+          <a:effectRef idx="0">
+            <a:schemeClr val="dk1"/>
+          </a:effectRef>
+          <a:fontRef idx="minor">
+            <a:schemeClr val="dk1"/>
+          </a:fontRef>
+        </p:style>
+        <p:txBody>
+          <a:bodyPr rtlCol="0" anchor="ctr"/>
+          <a:lstStyle/>
+          <a:p>
+            <a:pPr algn="ctr"/>
+            <a:r>
+              <a:rPr lang="en-US" altLang="ko-KR" sz="1050" dirty="0" err="1"/>
+              <a:t>softmax</a:t>
+            </a:r>
+            <a:endParaRPr lang="ko-KR" altLang="en-US" sz="1050" dirty="0"/>
+          </a:p>
+        </p:txBody>
+      </p:sp>
+      <p:sp>
+        <p:nvSpPr>
+          <p:cNvPr id="47" name="직사각형 46">
+            <a:extLst>
+              <a:ext uri="{FF2B5EF4-FFF2-40B4-BE49-F238E27FC236}">
+                <a16:creationId xmlns:a16="http://schemas.microsoft.com/office/drawing/2014/main" id="{69994DCF-107E-4F14-840B-FCA36463D13F}"/>
+              </a:ext>
+            </a:extLst>
+          </p:cNvPr>
+          <p:cNvSpPr/>
+          <p:nvPr/>
+        </p:nvSpPr>
+        <p:spPr>
+          <a:xfrm>
+            <a:off x="8393086" y="885303"/>
+            <a:ext cx="777240" cy="282706"/>
+          </a:xfrm>
+          <a:prstGeom prst="rect">
+            <a:avLst/>
+          </a:prstGeom>
+        </p:spPr>
+        <p:style>
+          <a:lnRef idx="2">
+            <a:schemeClr val="dk1"/>
+          </a:lnRef>
+          <a:fillRef idx="1">
+            <a:schemeClr val="lt1"/>
+          </a:fillRef>
+          <a:effectRef idx="0">
+            <a:schemeClr val="dk1"/>
+          </a:effectRef>
+          <a:fontRef idx="minor">
+            <a:schemeClr val="dk1"/>
+          </a:fontRef>
+        </p:style>
+        <p:txBody>
+          <a:bodyPr rtlCol="0" anchor="ctr"/>
+          <a:lstStyle/>
+          <a:p>
+            <a:pPr algn="ctr"/>
+            <a:r>
+              <a:rPr lang="en-US" altLang="ko-KR" sz="1050" dirty="0" err="1"/>
+              <a:t>softmax</a:t>
+            </a:r>
+            <a:endParaRPr lang="ko-KR" altLang="en-US" sz="1050" dirty="0"/>
+          </a:p>
+        </p:txBody>
+      </p:sp>
+      <p:sp>
+        <p:nvSpPr>
+          <p:cNvPr id="48" name="직사각형 47">
+            <a:extLst>
+              <a:ext uri="{FF2B5EF4-FFF2-40B4-BE49-F238E27FC236}">
+                <a16:creationId xmlns:a16="http://schemas.microsoft.com/office/drawing/2014/main" id="{D9A3B689-E809-4687-A3A1-60131B70068B}"/>
+              </a:ext>
+            </a:extLst>
+          </p:cNvPr>
+          <p:cNvSpPr/>
+          <p:nvPr/>
+        </p:nvSpPr>
+        <p:spPr>
+          <a:xfrm>
+            <a:off x="9651771" y="885303"/>
+            <a:ext cx="777240" cy="282706"/>
+          </a:xfrm>
+          <a:prstGeom prst="rect">
+            <a:avLst/>
+          </a:prstGeom>
+        </p:spPr>
+        <p:style>
+          <a:lnRef idx="2">
+            <a:schemeClr val="dk1"/>
+          </a:lnRef>
+          <a:fillRef idx="1">
+            <a:schemeClr val="lt1"/>
+          </a:fillRef>
+          <a:effectRef idx="0">
+            <a:schemeClr val="dk1"/>
+          </a:effectRef>
+          <a:fontRef idx="minor">
+            <a:schemeClr val="dk1"/>
+          </a:fontRef>
+        </p:style>
+        <p:txBody>
+          <a:bodyPr rtlCol="0" anchor="ctr"/>
+          <a:lstStyle/>
+          <a:p>
+            <a:pPr algn="ctr"/>
+            <a:r>
+              <a:rPr lang="en-US" altLang="ko-KR" sz="1050" dirty="0" err="1"/>
+              <a:t>softmax</a:t>
+            </a:r>
+            <a:endParaRPr lang="ko-KR" altLang="en-US" sz="1050" dirty="0"/>
+          </a:p>
+        </p:txBody>
+      </p:sp>
+      <p:sp>
+        <p:nvSpPr>
+          <p:cNvPr id="49" name="직사각형 48">
+            <a:extLst>
+              <a:ext uri="{FF2B5EF4-FFF2-40B4-BE49-F238E27FC236}">
+                <a16:creationId xmlns:a16="http://schemas.microsoft.com/office/drawing/2014/main" id="{D24437A5-5A5B-42EA-AA28-A1F819EFE17B}"/>
+              </a:ext>
+            </a:extLst>
+          </p:cNvPr>
+          <p:cNvSpPr/>
+          <p:nvPr/>
+        </p:nvSpPr>
+        <p:spPr>
+          <a:xfrm>
+            <a:off x="5875714" y="5739850"/>
+            <a:ext cx="777240" cy="282706"/>
+          </a:xfrm>
+          <a:prstGeom prst="rect">
+            <a:avLst/>
+          </a:prstGeom>
+        </p:spPr>
+        <p:style>
+          <a:lnRef idx="2">
+            <a:schemeClr val="accent1"/>
+          </a:lnRef>
+          <a:fillRef idx="1">
+            <a:schemeClr val="lt1"/>
+          </a:fillRef>
+          <a:effectRef idx="0">
+            <a:schemeClr val="accent1"/>
+          </a:effectRef>
+          <a:fontRef idx="minor">
+            <a:schemeClr val="dk1"/>
+          </a:fontRef>
+        </p:style>
+        <p:txBody>
+          <a:bodyPr rtlCol="0" anchor="ctr"/>
+          <a:lstStyle/>
+          <a:p>
+            <a:pPr algn="ctr"/>
+            <a:r>
+              <a:rPr lang="en-US" altLang="ko-KR" sz="900" dirty="0"/>
+              <a:t>Embedding</a:t>
+            </a:r>
+            <a:endParaRPr lang="ko-KR" altLang="en-US" sz="900" dirty="0"/>
+          </a:p>
+        </p:txBody>
+      </p:sp>
+      <p:sp>
+        <p:nvSpPr>
+          <p:cNvPr id="50" name="직사각형 49">
+            <a:extLst>
+              <a:ext uri="{FF2B5EF4-FFF2-40B4-BE49-F238E27FC236}">
+                <a16:creationId xmlns:a16="http://schemas.microsoft.com/office/drawing/2014/main" id="{454F7536-28CC-4E35-8830-958C9CA919D0}"/>
+              </a:ext>
+            </a:extLst>
+          </p:cNvPr>
+          <p:cNvSpPr/>
+          <p:nvPr/>
+        </p:nvSpPr>
+        <p:spPr>
+          <a:xfrm>
+            <a:off x="7134400" y="5739847"/>
+            <a:ext cx="777240" cy="282706"/>
+          </a:xfrm>
+          <a:prstGeom prst="rect">
+            <a:avLst/>
+          </a:prstGeom>
+        </p:spPr>
+        <p:style>
+          <a:lnRef idx="2">
+            <a:schemeClr val="accent1"/>
+          </a:lnRef>
+          <a:fillRef idx="1">
+            <a:schemeClr val="lt1"/>
+          </a:fillRef>
+          <a:effectRef idx="0">
+            <a:schemeClr val="accent1"/>
+          </a:effectRef>
+          <a:fontRef idx="minor">
+            <a:schemeClr val="dk1"/>
+          </a:fontRef>
+        </p:style>
+        <p:txBody>
+          <a:bodyPr rtlCol="0" anchor="ctr"/>
+          <a:lstStyle/>
+          <a:p>
+            <a:pPr algn="ctr"/>
+            <a:r>
+              <a:rPr lang="en-US" altLang="ko-KR" sz="900" dirty="0"/>
+              <a:t>Embedding</a:t>
+            </a:r>
+            <a:endParaRPr lang="ko-KR" altLang="en-US" sz="900" dirty="0"/>
+          </a:p>
+        </p:txBody>
+      </p:sp>
+      <p:sp>
+        <p:nvSpPr>
+          <p:cNvPr id="51" name="직사각형 50">
+            <a:extLst>
+              <a:ext uri="{FF2B5EF4-FFF2-40B4-BE49-F238E27FC236}">
+                <a16:creationId xmlns:a16="http://schemas.microsoft.com/office/drawing/2014/main" id="{4350E3CD-9519-4828-A563-8BDC2F1EBAB9}"/>
+              </a:ext>
+            </a:extLst>
+          </p:cNvPr>
+          <p:cNvSpPr/>
+          <p:nvPr/>
+        </p:nvSpPr>
+        <p:spPr>
+          <a:xfrm>
+            <a:off x="8393086" y="5739847"/>
+            <a:ext cx="777240" cy="282706"/>
+          </a:xfrm>
+          <a:prstGeom prst="rect">
+            <a:avLst/>
+          </a:prstGeom>
+        </p:spPr>
+        <p:style>
+          <a:lnRef idx="2">
+            <a:schemeClr val="accent1"/>
+          </a:lnRef>
+          <a:fillRef idx="1">
+            <a:schemeClr val="lt1"/>
+          </a:fillRef>
+          <a:effectRef idx="0">
+            <a:schemeClr val="accent1"/>
+          </a:effectRef>
+          <a:fontRef idx="minor">
+            <a:schemeClr val="dk1"/>
+          </a:fontRef>
+        </p:style>
+        <p:txBody>
+          <a:bodyPr rtlCol="0" anchor="ctr"/>
+          <a:lstStyle/>
+          <a:p>
+            <a:pPr algn="ctr"/>
+            <a:r>
+              <a:rPr lang="en-US" altLang="ko-KR" sz="900" dirty="0"/>
+              <a:t>Embedding</a:t>
+            </a:r>
+            <a:endParaRPr lang="ko-KR" altLang="en-US" sz="900" dirty="0"/>
+          </a:p>
+        </p:txBody>
+      </p:sp>
+      <p:sp>
+        <p:nvSpPr>
+          <p:cNvPr id="52" name="직사각형 51">
+            <a:extLst>
+              <a:ext uri="{FF2B5EF4-FFF2-40B4-BE49-F238E27FC236}">
+                <a16:creationId xmlns:a16="http://schemas.microsoft.com/office/drawing/2014/main" id="{0F8602AC-A3B9-4C77-AFBD-26C68C5C4470}"/>
+              </a:ext>
+            </a:extLst>
+          </p:cNvPr>
+          <p:cNvSpPr/>
+          <p:nvPr/>
+        </p:nvSpPr>
+        <p:spPr>
+          <a:xfrm>
+            <a:off x="9651771" y="5739847"/>
+            <a:ext cx="777240" cy="282706"/>
+          </a:xfrm>
+          <a:prstGeom prst="rect">
+            <a:avLst/>
+          </a:prstGeom>
+        </p:spPr>
+        <p:style>
+          <a:lnRef idx="2">
+            <a:schemeClr val="accent1"/>
+          </a:lnRef>
+          <a:fillRef idx="1">
+            <a:schemeClr val="lt1"/>
+          </a:fillRef>
+          <a:effectRef idx="0">
+            <a:schemeClr val="accent1"/>
+          </a:effectRef>
+          <a:fontRef idx="minor">
+            <a:schemeClr val="dk1"/>
+          </a:fontRef>
+        </p:style>
+        <p:txBody>
+          <a:bodyPr rtlCol="0" anchor="ctr"/>
+          <a:lstStyle/>
+          <a:p>
+            <a:pPr algn="ctr"/>
+            <a:r>
+              <a:rPr lang="en-US" altLang="ko-KR" sz="900" dirty="0"/>
+              <a:t>Embedding</a:t>
+            </a:r>
+            <a:endParaRPr lang="ko-KR" altLang="en-US" sz="900" dirty="0"/>
+          </a:p>
+        </p:txBody>
+      </p:sp>
+      <mc:AlternateContent xmlns:mc="http://schemas.openxmlformats.org/markup-compatibility/2006">
+        <mc:Choice xmlns:a14="http://schemas.microsoft.com/office/drawing/2010/main" Requires="a14">
+          <p:sp>
+            <p:nvSpPr>
+              <p:cNvPr id="55" name="TextBox 54">
+                <a:extLst>
+                  <a:ext uri="{FF2B5EF4-FFF2-40B4-BE49-F238E27FC236}">
+                    <a16:creationId xmlns:a16="http://schemas.microsoft.com/office/drawing/2014/main" id="{72B80003-A461-40D8-85C7-6F6665F27485}"/>
+                  </a:ext>
+                </a:extLst>
+              </p:cNvPr>
+              <p:cNvSpPr txBox="1"/>
+              <p:nvPr/>
+            </p:nvSpPr>
+            <p:spPr>
+              <a:xfrm>
+                <a:off x="6016028" y="264556"/>
+                <a:ext cx="496611" cy="369332"/>
+              </a:xfrm>
+              <a:prstGeom prst="rect">
+                <a:avLst/>
+              </a:prstGeom>
+              <a:noFill/>
+            </p:spPr>
+            <p:txBody>
+              <a:bodyPr wrap="none" rtlCol="0">
+                <a:spAutoFit/>
+              </a:bodyPr>
+              <a:lstStyle/>
+              <a:p>
+                <a14:m>
+                  <m:oMathPara xmlns:m="http://schemas.openxmlformats.org/officeDocument/2006/math">
+                    <m:oMathParaPr>
+                      <m:jc m:val="centerGroup"/>
+                    </m:oMathParaPr>
+                    <m:oMath xmlns:m="http://schemas.openxmlformats.org/officeDocument/2006/math">
+                      <m:sSub>
+                        <m:sSubPr>
+                          <m:ctrlPr>
+                            <a:rPr lang="en-US" altLang="ko-KR" i="1" smtClean="0">
+                              <a:latin typeface="Cambria Math" panose="02040503050406030204" pitchFamily="18" charset="0"/>
+                            </a:rPr>
+                          </m:ctrlPr>
+                        </m:sSubPr>
+                        <m:e>
+                          <m:acc>
+                            <m:accPr>
+                              <m:chr m:val="̂"/>
+                              <m:ctrlPr>
+                                <a:rPr lang="en-US" altLang="ko-KR" i="1" smtClean="0">
+                                  <a:latin typeface="Cambria Math" panose="02040503050406030204" pitchFamily="18" charset="0"/>
+                                </a:rPr>
+                              </m:ctrlPr>
+                            </m:accPr>
+                            <m:e>
+                              <m:r>
+                                <a:rPr lang="en-US" altLang="ko-KR" b="0" i="1" smtClean="0">
+                                  <a:latin typeface="Cambria Math" panose="02040503050406030204" pitchFamily="18" charset="0"/>
+                                </a:rPr>
+                                <m:t>𝑦</m:t>
+                              </m:r>
+                            </m:e>
+                          </m:acc>
+                        </m:e>
+                        <m:sub>
+                          <m:r>
+                            <a:rPr lang="en-US" altLang="ko-KR" b="0" i="1" smtClean="0">
+                              <a:latin typeface="Cambria Math" panose="02040503050406030204" pitchFamily="18" charset="0"/>
+                            </a:rPr>
+                            <m:t>0</m:t>
+                          </m:r>
+                        </m:sub>
+                      </m:sSub>
+                    </m:oMath>
+                  </m:oMathPara>
+                </a14:m>
+                <a:endParaRPr lang="ko-KR" altLang="en-US" dirty="0"/>
+              </a:p>
+            </p:txBody>
+          </p:sp>
+        </mc:Choice>
+        <mc:Fallback>
+          <p:sp>
+            <p:nvSpPr>
+              <p:cNvPr id="55" name="TextBox 54">
+                <a:extLst>
+                  <a:ext uri="{FF2B5EF4-FFF2-40B4-BE49-F238E27FC236}">
+                    <a16:creationId xmlns:a16="http://schemas.microsoft.com/office/drawing/2014/main" id="{72B80003-A461-40D8-85C7-6F6665F27485}"/>
+                  </a:ext>
+                </a:extLst>
+              </p:cNvPr>
+              <p:cNvSpPr txBox="1">
+                <a:spLocks noRot="1" noChangeAspect="1" noMove="1" noResize="1" noEditPoints="1" noAdjustHandles="1" noChangeArrowheads="1" noChangeShapeType="1" noTextEdit="1"/>
+              </p:cNvSpPr>
+              <p:nvPr/>
+            </p:nvSpPr>
+            <p:spPr>
+              <a:xfrm>
+                <a:off x="6016028" y="264556"/>
+                <a:ext cx="496611" cy="369332"/>
+              </a:xfrm>
+              <a:prstGeom prst="rect">
+                <a:avLst/>
+              </a:prstGeom>
+              <a:blipFill>
+                <a:blip r:embed="rId11"/>
+                <a:stretch>
+                  <a:fillRect t="-3279" r="-14815" b="-9836"/>
+                </a:stretch>
+              </a:blipFill>
+            </p:spPr>
+            <p:txBody>
+              <a:bodyPr/>
+              <a:lstStyle/>
+              <a:p>
+                <a:r>
+                  <a:rPr lang="ko-KR" altLang="en-US">
+                    <a:noFill/>
+                  </a:rPr>
+                  <a:t> </a:t>
+                </a:r>
+              </a:p>
+            </p:txBody>
+          </p:sp>
+        </mc:Fallback>
+      </mc:AlternateContent>
+      <mc:AlternateContent xmlns:mc="http://schemas.openxmlformats.org/markup-compatibility/2006">
+        <mc:Choice xmlns:a14="http://schemas.microsoft.com/office/drawing/2010/main" Requires="a14">
+          <p:sp>
+            <p:nvSpPr>
+              <p:cNvPr id="57" name="TextBox 56">
+                <a:extLst>
+                  <a:ext uri="{FF2B5EF4-FFF2-40B4-BE49-F238E27FC236}">
+                    <a16:creationId xmlns:a16="http://schemas.microsoft.com/office/drawing/2014/main" id="{20E0532F-A1CA-4D11-85ED-98569F22BC6C}"/>
+                  </a:ext>
+                </a:extLst>
+              </p:cNvPr>
+              <p:cNvSpPr txBox="1"/>
+              <p:nvPr/>
+            </p:nvSpPr>
+            <p:spPr>
+              <a:xfrm>
+                <a:off x="7274714" y="269038"/>
+                <a:ext cx="491288" cy="369332"/>
+              </a:xfrm>
+              <a:prstGeom prst="rect">
+                <a:avLst/>
+              </a:prstGeom>
+              <a:noFill/>
+            </p:spPr>
+            <p:txBody>
+              <a:bodyPr wrap="none" rtlCol="0">
+                <a:spAutoFit/>
+              </a:bodyPr>
+              <a:lstStyle/>
+              <a:p>
+                <a14:m>
+                  <m:oMathPara xmlns:m="http://schemas.openxmlformats.org/officeDocument/2006/math">
+                    <m:oMathParaPr>
+                      <m:jc m:val="centerGroup"/>
+                    </m:oMathParaPr>
+                    <m:oMath xmlns:m="http://schemas.openxmlformats.org/officeDocument/2006/math">
+                      <m:sSub>
+                        <m:sSubPr>
+                          <m:ctrlPr>
+                            <a:rPr lang="en-US" altLang="ko-KR" i="1" smtClean="0">
+                              <a:latin typeface="Cambria Math" panose="02040503050406030204" pitchFamily="18" charset="0"/>
+                            </a:rPr>
+                          </m:ctrlPr>
+                        </m:sSubPr>
+                        <m:e>
+                          <m:acc>
+                            <m:accPr>
+                              <m:chr m:val="̂"/>
+                              <m:ctrlPr>
+                                <a:rPr lang="en-US" altLang="ko-KR" i="1" smtClean="0">
+                                  <a:latin typeface="Cambria Math" panose="02040503050406030204" pitchFamily="18" charset="0"/>
+                                </a:rPr>
+                              </m:ctrlPr>
+                            </m:accPr>
+                            <m:e>
+                              <m:r>
+                                <a:rPr lang="en-US" altLang="ko-KR" b="0" i="1" smtClean="0">
+                                  <a:latin typeface="Cambria Math" panose="02040503050406030204" pitchFamily="18" charset="0"/>
+                                </a:rPr>
+                                <m:t>𝑦</m:t>
+                              </m:r>
+                            </m:e>
+                          </m:acc>
+                        </m:e>
+                        <m:sub>
+                          <m:r>
+                            <a:rPr lang="en-US" altLang="ko-KR" b="0" i="1" smtClean="0">
+                              <a:latin typeface="Cambria Math" panose="02040503050406030204" pitchFamily="18" charset="0"/>
+                            </a:rPr>
+                            <m:t>1</m:t>
+                          </m:r>
+                        </m:sub>
+                      </m:sSub>
+                    </m:oMath>
+                  </m:oMathPara>
+                </a14:m>
+                <a:endParaRPr lang="ko-KR" altLang="en-US" dirty="0"/>
+              </a:p>
+            </p:txBody>
+          </p:sp>
+        </mc:Choice>
+        <mc:Fallback>
+          <p:sp>
+            <p:nvSpPr>
+              <p:cNvPr id="57" name="TextBox 56">
+                <a:extLst>
+                  <a:ext uri="{FF2B5EF4-FFF2-40B4-BE49-F238E27FC236}">
+                    <a16:creationId xmlns:a16="http://schemas.microsoft.com/office/drawing/2014/main" id="{20E0532F-A1CA-4D11-85ED-98569F22BC6C}"/>
+                  </a:ext>
+                </a:extLst>
+              </p:cNvPr>
+              <p:cNvSpPr txBox="1">
+                <a:spLocks noRot="1" noChangeAspect="1" noMove="1" noResize="1" noEditPoints="1" noAdjustHandles="1" noChangeArrowheads="1" noChangeShapeType="1" noTextEdit="1"/>
+              </p:cNvSpPr>
+              <p:nvPr/>
+            </p:nvSpPr>
+            <p:spPr>
+              <a:xfrm>
+                <a:off x="7274714" y="269038"/>
+                <a:ext cx="491288" cy="369332"/>
+              </a:xfrm>
+              <a:prstGeom prst="rect">
+                <a:avLst/>
+              </a:prstGeom>
+              <a:blipFill>
+                <a:blip r:embed="rId12"/>
+                <a:stretch>
+                  <a:fillRect t="-3279" r="-16049" b="-9836"/>
+                </a:stretch>
+              </a:blipFill>
+            </p:spPr>
+            <p:txBody>
+              <a:bodyPr/>
+              <a:lstStyle/>
+              <a:p>
+                <a:r>
+                  <a:rPr lang="ko-KR" altLang="en-US">
+                    <a:noFill/>
+                  </a:rPr>
+                  <a:t> </a:t>
+                </a:r>
+              </a:p>
+            </p:txBody>
+          </p:sp>
+        </mc:Fallback>
+      </mc:AlternateContent>
+      <mc:AlternateContent xmlns:mc="http://schemas.openxmlformats.org/markup-compatibility/2006">
+        <mc:Choice xmlns:a14="http://schemas.microsoft.com/office/drawing/2010/main" Requires="a14">
+          <p:sp>
+            <p:nvSpPr>
+              <p:cNvPr id="58" name="TextBox 57">
+                <a:extLst>
+                  <a:ext uri="{FF2B5EF4-FFF2-40B4-BE49-F238E27FC236}">
+                    <a16:creationId xmlns:a16="http://schemas.microsoft.com/office/drawing/2014/main" id="{BB4072BD-4BD0-4145-A29C-DBC0590749EA}"/>
+                  </a:ext>
+                </a:extLst>
+              </p:cNvPr>
+              <p:cNvSpPr txBox="1"/>
+              <p:nvPr/>
+            </p:nvSpPr>
+            <p:spPr>
+              <a:xfrm>
+                <a:off x="8528078" y="264556"/>
+                <a:ext cx="496611" cy="369332"/>
+              </a:xfrm>
+              <a:prstGeom prst="rect">
+                <a:avLst/>
+              </a:prstGeom>
+              <a:noFill/>
+            </p:spPr>
+            <p:txBody>
+              <a:bodyPr wrap="none" rtlCol="0">
+                <a:spAutoFit/>
+              </a:bodyPr>
+              <a:lstStyle/>
+              <a:p>
+                <a14:m>
+                  <m:oMathPara xmlns:m="http://schemas.openxmlformats.org/officeDocument/2006/math">
+                    <m:oMathParaPr>
+                      <m:jc m:val="centerGroup"/>
+                    </m:oMathParaPr>
+                    <m:oMath xmlns:m="http://schemas.openxmlformats.org/officeDocument/2006/math">
+                      <m:sSub>
+                        <m:sSubPr>
+                          <m:ctrlPr>
+                            <a:rPr lang="en-US" altLang="ko-KR" i="1" smtClean="0">
+                              <a:latin typeface="Cambria Math" panose="02040503050406030204" pitchFamily="18" charset="0"/>
+                            </a:rPr>
+                          </m:ctrlPr>
+                        </m:sSubPr>
+                        <m:e>
+                          <m:acc>
+                            <m:accPr>
+                              <m:chr m:val="̂"/>
+                              <m:ctrlPr>
+                                <a:rPr lang="en-US" altLang="ko-KR" i="1" smtClean="0">
+                                  <a:latin typeface="Cambria Math" panose="02040503050406030204" pitchFamily="18" charset="0"/>
+                                </a:rPr>
+                              </m:ctrlPr>
+                            </m:accPr>
+                            <m:e>
+                              <m:r>
+                                <a:rPr lang="en-US" altLang="ko-KR" b="0" i="1" smtClean="0">
+                                  <a:latin typeface="Cambria Math" panose="02040503050406030204" pitchFamily="18" charset="0"/>
+                                </a:rPr>
+                                <m:t>𝑦</m:t>
+                              </m:r>
+                            </m:e>
+                          </m:acc>
+                        </m:e>
+                        <m:sub>
+                          <m:r>
+                            <a:rPr lang="en-US" altLang="ko-KR" b="0" i="1" smtClean="0">
+                              <a:latin typeface="Cambria Math" panose="02040503050406030204" pitchFamily="18" charset="0"/>
+                            </a:rPr>
+                            <m:t>2</m:t>
+                          </m:r>
+                        </m:sub>
+                      </m:sSub>
+                    </m:oMath>
+                  </m:oMathPara>
+                </a14:m>
+                <a:endParaRPr lang="ko-KR" altLang="en-US" dirty="0"/>
+              </a:p>
+            </p:txBody>
+          </p:sp>
+        </mc:Choice>
+        <mc:Fallback>
+          <p:sp>
+            <p:nvSpPr>
+              <p:cNvPr id="58" name="TextBox 57">
+                <a:extLst>
+                  <a:ext uri="{FF2B5EF4-FFF2-40B4-BE49-F238E27FC236}">
+                    <a16:creationId xmlns:a16="http://schemas.microsoft.com/office/drawing/2014/main" id="{BB4072BD-4BD0-4145-A29C-DBC0590749EA}"/>
+                  </a:ext>
+                </a:extLst>
+              </p:cNvPr>
+              <p:cNvSpPr txBox="1">
+                <a:spLocks noRot="1" noChangeAspect="1" noMove="1" noResize="1" noEditPoints="1" noAdjustHandles="1" noChangeArrowheads="1" noChangeShapeType="1" noTextEdit="1"/>
+              </p:cNvSpPr>
+              <p:nvPr/>
+            </p:nvSpPr>
+            <p:spPr>
+              <a:xfrm>
+                <a:off x="8528078" y="264556"/>
+                <a:ext cx="496611" cy="369332"/>
+              </a:xfrm>
+              <a:prstGeom prst="rect">
+                <a:avLst/>
+              </a:prstGeom>
+              <a:blipFill>
+                <a:blip r:embed="rId13"/>
+                <a:stretch>
+                  <a:fillRect t="-3279" r="-14815" b="-9836"/>
+                </a:stretch>
+              </a:blipFill>
+            </p:spPr>
+            <p:txBody>
+              <a:bodyPr/>
+              <a:lstStyle/>
+              <a:p>
+                <a:r>
+                  <a:rPr lang="ko-KR" altLang="en-US">
+                    <a:noFill/>
+                  </a:rPr>
+                  <a:t> </a:t>
+                </a:r>
+              </a:p>
+            </p:txBody>
+          </p:sp>
+        </mc:Fallback>
+      </mc:AlternateContent>
+      <p:cxnSp>
+        <p:nvCxnSpPr>
+          <p:cNvPr id="59" name="직선 화살표 연결선 58">
+            <a:extLst>
+              <a:ext uri="{FF2B5EF4-FFF2-40B4-BE49-F238E27FC236}">
+                <a16:creationId xmlns:a16="http://schemas.microsoft.com/office/drawing/2014/main" id="{8FD6C182-3273-43AE-AF9B-88D62A891900}"/>
+              </a:ext>
+            </a:extLst>
+          </p:cNvPr>
+          <p:cNvCxnSpPr>
+            <a:cxnSpLocks/>
+            <a:stCxn id="41" idx="0"/>
+            <a:endCxn id="4" idx="2"/>
+          </p:cNvCxnSpPr>
+          <p:nvPr/>
+        </p:nvCxnSpPr>
+        <p:spPr>
+          <a:xfrm flipH="1" flipV="1">
+            <a:off x="779320" y="5041656"/>
+            <a:ext cx="3" cy="698191"/>
+          </a:xfrm>
+          <a:prstGeom prst="straightConnector1">
+            <a:avLst/>
+          </a:prstGeom>
+          <a:ln>
+            <a:tailEnd type="triangle"/>
+          </a:ln>
+        </p:spPr>
+        <p:style>
+          <a:lnRef idx="2">
+            <a:schemeClr val="dk1"/>
+          </a:lnRef>
+          <a:fillRef idx="1">
+            <a:schemeClr val="lt1"/>
+          </a:fillRef>
+          <a:effectRef idx="0">
+            <a:schemeClr val="dk1"/>
+          </a:effectRef>
+          <a:fontRef idx="minor">
+            <a:schemeClr val="dk1"/>
+          </a:fontRef>
+        </p:style>
+      </p:cxnSp>
+      <p:cxnSp>
+        <p:nvCxnSpPr>
+          <p:cNvPr id="62" name="직선 화살표 연결선 61">
+            <a:extLst>
+              <a:ext uri="{FF2B5EF4-FFF2-40B4-BE49-F238E27FC236}">
+                <a16:creationId xmlns:a16="http://schemas.microsoft.com/office/drawing/2014/main" id="{84687B28-D3CF-4CC4-BB5A-CC64A664AE74}"/>
+              </a:ext>
+            </a:extLst>
+          </p:cNvPr>
+          <p:cNvCxnSpPr>
+            <a:cxnSpLocks/>
+            <a:stCxn id="32" idx="0"/>
+            <a:endCxn id="41" idx="2"/>
+          </p:cNvCxnSpPr>
+          <p:nvPr/>
+        </p:nvCxnSpPr>
+        <p:spPr>
+          <a:xfrm flipV="1">
+            <a:off x="779323" y="6022553"/>
+            <a:ext cx="0" cy="315853"/>
+          </a:xfrm>
+          <a:prstGeom prst="straightConnector1">
+            <a:avLst/>
+          </a:prstGeom>
+          <a:ln>
+            <a:tailEnd type="triangle"/>
+          </a:ln>
+        </p:spPr>
+        <p:style>
+          <a:lnRef idx="2">
+            <a:schemeClr val="dk1"/>
+          </a:lnRef>
+          <a:fillRef idx="1">
+            <a:schemeClr val="lt1"/>
+          </a:fillRef>
+          <a:effectRef idx="0">
+            <a:schemeClr val="dk1"/>
+          </a:effectRef>
+          <a:fontRef idx="minor">
+            <a:schemeClr val="dk1"/>
+          </a:fontRef>
+        </p:style>
+      </p:cxnSp>
+      <p:cxnSp>
+        <p:nvCxnSpPr>
+          <p:cNvPr id="65" name="직선 화살표 연결선 64">
+            <a:extLst>
+              <a:ext uri="{FF2B5EF4-FFF2-40B4-BE49-F238E27FC236}">
+                <a16:creationId xmlns:a16="http://schemas.microsoft.com/office/drawing/2014/main" id="{5B0C86E3-E2D2-4A73-8DA8-9D61E38B3683}"/>
+              </a:ext>
+            </a:extLst>
+          </p:cNvPr>
+          <p:cNvCxnSpPr>
+            <a:cxnSpLocks/>
+            <a:stCxn id="33" idx="0"/>
+            <a:endCxn id="42" idx="2"/>
+          </p:cNvCxnSpPr>
+          <p:nvPr/>
+        </p:nvCxnSpPr>
+        <p:spPr>
+          <a:xfrm flipV="1">
+            <a:off x="2035347" y="6022553"/>
+            <a:ext cx="2661" cy="316141"/>
+          </a:xfrm>
+          <a:prstGeom prst="straightConnector1">
+            <a:avLst/>
+          </a:prstGeom>
+          <a:ln>
+            <a:tailEnd type="triangle"/>
+          </a:ln>
+        </p:spPr>
+        <p:style>
+          <a:lnRef idx="2">
+            <a:schemeClr val="dk1"/>
+          </a:lnRef>
+          <a:fillRef idx="1">
+            <a:schemeClr val="lt1"/>
+          </a:fillRef>
+          <a:effectRef idx="0">
+            <a:schemeClr val="dk1"/>
+          </a:effectRef>
+          <a:fontRef idx="minor">
+            <a:schemeClr val="dk1"/>
+          </a:fontRef>
+        </p:style>
+      </p:cxnSp>
+      <p:cxnSp>
+        <p:nvCxnSpPr>
+          <p:cNvPr id="69" name="직선 화살표 연결선 68">
+            <a:extLst>
+              <a:ext uri="{FF2B5EF4-FFF2-40B4-BE49-F238E27FC236}">
+                <a16:creationId xmlns:a16="http://schemas.microsoft.com/office/drawing/2014/main" id="{E9DDA7B8-E402-4260-BD91-6BF2C76E596D}"/>
+              </a:ext>
+            </a:extLst>
+          </p:cNvPr>
+          <p:cNvCxnSpPr>
+            <a:cxnSpLocks/>
+            <a:stCxn id="34" idx="0"/>
+            <a:endCxn id="43" idx="2"/>
+          </p:cNvCxnSpPr>
+          <p:nvPr/>
+        </p:nvCxnSpPr>
+        <p:spPr>
+          <a:xfrm flipV="1">
+            <a:off x="3296693" y="6022553"/>
+            <a:ext cx="1" cy="315853"/>
+          </a:xfrm>
+          <a:prstGeom prst="straightConnector1">
+            <a:avLst/>
+          </a:prstGeom>
+          <a:ln>
+            <a:tailEnd type="triangle"/>
+          </a:ln>
+        </p:spPr>
+        <p:style>
+          <a:lnRef idx="2">
+            <a:schemeClr val="dk1"/>
+          </a:lnRef>
+          <a:fillRef idx="1">
+            <a:schemeClr val="lt1"/>
+          </a:fillRef>
+          <a:effectRef idx="0">
+            <a:schemeClr val="dk1"/>
+          </a:effectRef>
+          <a:fontRef idx="minor">
+            <a:schemeClr val="dk1"/>
+          </a:fontRef>
+        </p:style>
+      </p:cxnSp>
+      <p:cxnSp>
+        <p:nvCxnSpPr>
+          <p:cNvPr id="72" name="직선 화살표 연결선 71">
+            <a:extLst>
+              <a:ext uri="{FF2B5EF4-FFF2-40B4-BE49-F238E27FC236}">
+                <a16:creationId xmlns:a16="http://schemas.microsoft.com/office/drawing/2014/main" id="{3A38D4EC-BFCE-47EF-9CC9-5F3059C57B9A}"/>
+              </a:ext>
+            </a:extLst>
+          </p:cNvPr>
+          <p:cNvCxnSpPr>
+            <a:cxnSpLocks/>
+            <a:stCxn id="35" idx="0"/>
+            <a:endCxn id="44" idx="2"/>
+          </p:cNvCxnSpPr>
+          <p:nvPr/>
+        </p:nvCxnSpPr>
+        <p:spPr>
+          <a:xfrm flipH="1" flipV="1">
+            <a:off x="4555377" y="6022553"/>
+            <a:ext cx="1" cy="315853"/>
+          </a:xfrm>
+          <a:prstGeom prst="straightConnector1">
+            <a:avLst/>
+          </a:prstGeom>
+          <a:ln>
+            <a:tailEnd type="triangle"/>
+          </a:ln>
+        </p:spPr>
+        <p:style>
+          <a:lnRef idx="2">
+            <a:schemeClr val="dk1"/>
+          </a:lnRef>
+          <a:fillRef idx="1">
+            <a:schemeClr val="lt1"/>
+          </a:fillRef>
+          <a:effectRef idx="0">
+            <a:schemeClr val="dk1"/>
+          </a:effectRef>
+          <a:fontRef idx="minor">
+            <a:schemeClr val="dk1"/>
+          </a:fontRef>
+        </p:style>
+      </p:cxnSp>
+      <p:cxnSp>
+        <p:nvCxnSpPr>
+          <p:cNvPr id="75" name="직선 화살표 연결선 74">
+            <a:extLst>
+              <a:ext uri="{FF2B5EF4-FFF2-40B4-BE49-F238E27FC236}">
+                <a16:creationId xmlns:a16="http://schemas.microsoft.com/office/drawing/2014/main" id="{F0A56918-BB78-4512-9AE4-4595F71A0374}"/>
+              </a:ext>
+            </a:extLst>
+          </p:cNvPr>
+          <p:cNvCxnSpPr>
+            <a:cxnSpLocks/>
+            <a:stCxn id="39" idx="0"/>
+            <a:endCxn id="49" idx="2"/>
+          </p:cNvCxnSpPr>
+          <p:nvPr/>
+        </p:nvCxnSpPr>
+        <p:spPr>
+          <a:xfrm flipH="1" flipV="1">
+            <a:off x="6264334" y="6022556"/>
+            <a:ext cx="1" cy="340755"/>
+          </a:xfrm>
+          <a:prstGeom prst="straightConnector1">
+            <a:avLst/>
+          </a:prstGeom>
+          <a:ln>
+            <a:tailEnd type="triangle"/>
+          </a:ln>
+        </p:spPr>
+        <p:style>
+          <a:lnRef idx="2">
+            <a:schemeClr val="dk1"/>
+          </a:lnRef>
+          <a:fillRef idx="1">
+            <a:schemeClr val="lt1"/>
+          </a:fillRef>
+          <a:effectRef idx="0">
+            <a:schemeClr val="dk1"/>
+          </a:effectRef>
+          <a:fontRef idx="minor">
+            <a:schemeClr val="dk1"/>
+          </a:fontRef>
+        </p:style>
+      </p:cxnSp>
+      <p:cxnSp>
+        <p:nvCxnSpPr>
+          <p:cNvPr id="78" name="직선 화살표 연결선 77">
+            <a:extLst>
+              <a:ext uri="{FF2B5EF4-FFF2-40B4-BE49-F238E27FC236}">
+                <a16:creationId xmlns:a16="http://schemas.microsoft.com/office/drawing/2014/main" id="{6BE0089D-C53D-4CB5-81DB-317FD6773065}"/>
+              </a:ext>
+            </a:extLst>
+          </p:cNvPr>
+          <p:cNvCxnSpPr>
+            <a:cxnSpLocks/>
+            <a:stCxn id="36" idx="0"/>
+            <a:endCxn id="50" idx="2"/>
+          </p:cNvCxnSpPr>
+          <p:nvPr/>
+        </p:nvCxnSpPr>
+        <p:spPr>
+          <a:xfrm flipV="1">
+            <a:off x="7523020" y="6022553"/>
+            <a:ext cx="0" cy="315856"/>
+          </a:xfrm>
+          <a:prstGeom prst="straightConnector1">
+            <a:avLst/>
+          </a:prstGeom>
+          <a:ln>
+            <a:tailEnd type="triangle"/>
+          </a:ln>
+        </p:spPr>
+        <p:style>
+          <a:lnRef idx="2">
+            <a:schemeClr val="dk1"/>
+          </a:lnRef>
+          <a:fillRef idx="1">
+            <a:schemeClr val="lt1"/>
+          </a:fillRef>
+          <a:effectRef idx="0">
+            <a:schemeClr val="dk1"/>
+          </a:effectRef>
+          <a:fontRef idx="minor">
+            <a:schemeClr val="dk1"/>
+          </a:fontRef>
+        </p:style>
+      </p:cxnSp>
+      <p:cxnSp>
+        <p:nvCxnSpPr>
+          <p:cNvPr id="81" name="직선 화살표 연결선 80">
+            <a:extLst>
+              <a:ext uri="{FF2B5EF4-FFF2-40B4-BE49-F238E27FC236}">
+                <a16:creationId xmlns:a16="http://schemas.microsoft.com/office/drawing/2014/main" id="{1FE67D45-F341-48D8-A5DA-5CABD0220D40}"/>
+              </a:ext>
+            </a:extLst>
+          </p:cNvPr>
+          <p:cNvCxnSpPr>
+            <a:cxnSpLocks/>
+            <a:stCxn id="37" idx="0"/>
+            <a:endCxn id="51" idx="2"/>
+          </p:cNvCxnSpPr>
+          <p:nvPr/>
+        </p:nvCxnSpPr>
+        <p:spPr>
+          <a:xfrm flipV="1">
+            <a:off x="8779045" y="6022553"/>
+            <a:ext cx="2661" cy="315856"/>
+          </a:xfrm>
+          <a:prstGeom prst="straightConnector1">
+            <a:avLst/>
+          </a:prstGeom>
+          <a:ln>
+            <a:tailEnd type="triangle"/>
+          </a:ln>
+        </p:spPr>
+        <p:style>
+          <a:lnRef idx="2">
+            <a:schemeClr val="dk1"/>
+          </a:lnRef>
+          <a:fillRef idx="1">
+            <a:schemeClr val="lt1"/>
+          </a:fillRef>
+          <a:effectRef idx="0">
+            <a:schemeClr val="dk1"/>
+          </a:effectRef>
+          <a:fontRef idx="minor">
+            <a:schemeClr val="dk1"/>
+          </a:fontRef>
+        </p:style>
+      </p:cxnSp>
+      <p:cxnSp>
+        <p:nvCxnSpPr>
+          <p:cNvPr id="84" name="직선 화살표 연결선 83">
+            <a:extLst>
+              <a:ext uri="{FF2B5EF4-FFF2-40B4-BE49-F238E27FC236}">
+                <a16:creationId xmlns:a16="http://schemas.microsoft.com/office/drawing/2014/main" id="{EA268775-CEB7-4436-8C2C-742779150F3A}"/>
+              </a:ext>
+            </a:extLst>
+          </p:cNvPr>
+          <p:cNvCxnSpPr>
+            <a:cxnSpLocks/>
+            <a:stCxn id="38" idx="0"/>
+            <a:endCxn id="52" idx="2"/>
+          </p:cNvCxnSpPr>
+          <p:nvPr/>
+        </p:nvCxnSpPr>
+        <p:spPr>
+          <a:xfrm flipH="1" flipV="1">
+            <a:off x="10040391" y="6022553"/>
+            <a:ext cx="2" cy="315856"/>
+          </a:xfrm>
+          <a:prstGeom prst="straightConnector1">
+            <a:avLst/>
+          </a:prstGeom>
+          <a:ln>
+            <a:tailEnd type="triangle"/>
+          </a:ln>
+        </p:spPr>
+        <p:style>
+          <a:lnRef idx="2">
+            <a:schemeClr val="dk1"/>
+          </a:lnRef>
+          <a:fillRef idx="1">
+            <a:schemeClr val="lt1"/>
+          </a:fillRef>
+          <a:effectRef idx="0">
+            <a:schemeClr val="dk1"/>
+          </a:effectRef>
+          <a:fontRef idx="minor">
+            <a:schemeClr val="dk1"/>
+          </a:fontRef>
+        </p:style>
+      </p:cxnSp>
+      <p:cxnSp>
+        <p:nvCxnSpPr>
+          <p:cNvPr id="87" name="직선 화살표 연결선 86">
+            <a:extLst>
+              <a:ext uri="{FF2B5EF4-FFF2-40B4-BE49-F238E27FC236}">
+                <a16:creationId xmlns:a16="http://schemas.microsoft.com/office/drawing/2014/main" id="{2F9DA316-AF50-4F26-873D-18769FF362BC}"/>
+              </a:ext>
+            </a:extLst>
+          </p:cNvPr>
+          <p:cNvCxnSpPr>
+            <a:cxnSpLocks/>
+            <a:stCxn id="42" idx="0"/>
+            <a:endCxn id="5" idx="2"/>
+          </p:cNvCxnSpPr>
+          <p:nvPr/>
+        </p:nvCxnSpPr>
+        <p:spPr>
+          <a:xfrm flipH="1" flipV="1">
+            <a:off x="2038005" y="5041655"/>
+            <a:ext cx="3" cy="698192"/>
+          </a:xfrm>
+          <a:prstGeom prst="straightConnector1">
+            <a:avLst/>
+          </a:prstGeom>
+          <a:ln>
+            <a:tailEnd type="triangle"/>
+          </a:ln>
+        </p:spPr>
+        <p:style>
+          <a:lnRef idx="2">
+            <a:schemeClr val="dk1"/>
+          </a:lnRef>
+          <a:fillRef idx="1">
+            <a:schemeClr val="lt1"/>
+          </a:fillRef>
+          <a:effectRef idx="0">
+            <a:schemeClr val="dk1"/>
+          </a:effectRef>
+          <a:fontRef idx="minor">
+            <a:schemeClr val="dk1"/>
+          </a:fontRef>
+        </p:style>
+      </p:cxnSp>
+      <p:cxnSp>
+        <p:nvCxnSpPr>
+          <p:cNvPr id="90" name="직선 화살표 연결선 89">
+            <a:extLst>
+              <a:ext uri="{FF2B5EF4-FFF2-40B4-BE49-F238E27FC236}">
+                <a16:creationId xmlns:a16="http://schemas.microsoft.com/office/drawing/2014/main" id="{20099984-F671-4110-A508-825AF03AF97E}"/>
+              </a:ext>
+            </a:extLst>
+          </p:cNvPr>
+          <p:cNvCxnSpPr>
+            <a:cxnSpLocks/>
+            <a:stCxn id="43" idx="0"/>
+            <a:endCxn id="6" idx="2"/>
+          </p:cNvCxnSpPr>
+          <p:nvPr/>
+        </p:nvCxnSpPr>
+        <p:spPr>
+          <a:xfrm flipH="1" flipV="1">
+            <a:off x="3296691" y="5041655"/>
+            <a:ext cx="3" cy="698192"/>
+          </a:xfrm>
+          <a:prstGeom prst="straightConnector1">
+            <a:avLst/>
+          </a:prstGeom>
+          <a:ln>
+            <a:tailEnd type="triangle"/>
+          </a:ln>
+        </p:spPr>
+        <p:style>
+          <a:lnRef idx="2">
+            <a:schemeClr val="dk1"/>
+          </a:lnRef>
+          <a:fillRef idx="1">
+            <a:schemeClr val="lt1"/>
+          </a:fillRef>
+          <a:effectRef idx="0">
+            <a:schemeClr val="dk1"/>
+          </a:effectRef>
+          <a:fontRef idx="minor">
+            <a:schemeClr val="dk1"/>
+          </a:fontRef>
+        </p:style>
+      </p:cxnSp>
+      <p:cxnSp>
+        <p:nvCxnSpPr>
+          <p:cNvPr id="93" name="직선 화살표 연결선 92">
+            <a:extLst>
+              <a:ext uri="{FF2B5EF4-FFF2-40B4-BE49-F238E27FC236}">
+                <a16:creationId xmlns:a16="http://schemas.microsoft.com/office/drawing/2014/main" id="{3FD2772A-63B2-432A-874D-81B5EAE253B6}"/>
+              </a:ext>
+            </a:extLst>
+          </p:cNvPr>
+          <p:cNvCxnSpPr>
+            <a:cxnSpLocks/>
+            <a:stCxn id="44" idx="0"/>
+            <a:endCxn id="7" idx="2"/>
+          </p:cNvCxnSpPr>
+          <p:nvPr/>
+        </p:nvCxnSpPr>
+        <p:spPr>
+          <a:xfrm flipV="1">
+            <a:off x="4555377" y="5041655"/>
+            <a:ext cx="0" cy="698192"/>
+          </a:xfrm>
+          <a:prstGeom prst="straightConnector1">
+            <a:avLst/>
+          </a:prstGeom>
+          <a:ln>
+            <a:tailEnd type="triangle"/>
+          </a:ln>
+        </p:spPr>
+        <p:style>
+          <a:lnRef idx="2">
+            <a:schemeClr val="dk1"/>
+          </a:lnRef>
+          <a:fillRef idx="1">
+            <a:schemeClr val="lt1"/>
+          </a:fillRef>
+          <a:effectRef idx="0">
+            <a:schemeClr val="dk1"/>
+          </a:effectRef>
+          <a:fontRef idx="minor">
+            <a:schemeClr val="dk1"/>
+          </a:fontRef>
+        </p:style>
+      </p:cxnSp>
+      <p:cxnSp>
+        <p:nvCxnSpPr>
+          <p:cNvPr id="96" name="직선 화살표 연결선 95">
+            <a:extLst>
+              <a:ext uri="{FF2B5EF4-FFF2-40B4-BE49-F238E27FC236}">
+                <a16:creationId xmlns:a16="http://schemas.microsoft.com/office/drawing/2014/main" id="{0950EDDA-92F2-40B3-8E33-04EEEE15DEBD}"/>
+              </a:ext>
+            </a:extLst>
+          </p:cNvPr>
+          <p:cNvCxnSpPr>
+            <a:cxnSpLocks/>
+            <a:stCxn id="49" idx="0"/>
+            <a:endCxn id="8" idx="2"/>
+          </p:cNvCxnSpPr>
+          <p:nvPr/>
+        </p:nvCxnSpPr>
+        <p:spPr>
+          <a:xfrm flipV="1">
+            <a:off x="6264334" y="5041655"/>
+            <a:ext cx="1" cy="698195"/>
+          </a:xfrm>
+          <a:prstGeom prst="straightConnector1">
+            <a:avLst/>
+          </a:prstGeom>
+          <a:ln>
+            <a:tailEnd type="triangle"/>
+          </a:ln>
+        </p:spPr>
+        <p:style>
+          <a:lnRef idx="2">
+            <a:schemeClr val="dk1"/>
+          </a:lnRef>
+          <a:fillRef idx="1">
+            <a:schemeClr val="lt1"/>
+          </a:fillRef>
+          <a:effectRef idx="0">
+            <a:schemeClr val="dk1"/>
+          </a:effectRef>
+          <a:fontRef idx="minor">
+            <a:schemeClr val="dk1"/>
+          </a:fontRef>
+        </p:style>
+      </p:cxnSp>
+      <p:cxnSp>
+        <p:nvCxnSpPr>
+          <p:cNvPr id="99" name="직선 화살표 연결선 98">
+            <a:extLst>
+              <a:ext uri="{FF2B5EF4-FFF2-40B4-BE49-F238E27FC236}">
+                <a16:creationId xmlns:a16="http://schemas.microsoft.com/office/drawing/2014/main" id="{3CDFBDFE-CBAD-41E3-ACEA-06CCB2C6FDBD}"/>
+              </a:ext>
+            </a:extLst>
+          </p:cNvPr>
+          <p:cNvCxnSpPr>
+            <a:cxnSpLocks/>
+            <a:stCxn id="3" idx="0"/>
+            <a:endCxn id="9" idx="2"/>
+          </p:cNvCxnSpPr>
+          <p:nvPr/>
+        </p:nvCxnSpPr>
+        <p:spPr>
+          <a:xfrm flipV="1">
+            <a:off x="7521983" y="5041654"/>
+            <a:ext cx="1037" cy="216104"/>
+          </a:xfrm>
+          <a:prstGeom prst="straightConnector1">
+            <a:avLst/>
+          </a:prstGeom>
+          <a:ln>
+            <a:tailEnd type="triangle"/>
+          </a:ln>
+        </p:spPr>
+        <p:style>
+          <a:lnRef idx="2">
+            <a:schemeClr val="dk1"/>
+          </a:lnRef>
+          <a:fillRef idx="1">
+            <a:schemeClr val="lt1"/>
+          </a:fillRef>
+          <a:effectRef idx="0">
+            <a:schemeClr val="dk1"/>
+          </a:effectRef>
+          <a:fontRef idx="minor">
+            <a:schemeClr val="dk1"/>
+          </a:fontRef>
+        </p:style>
+      </p:cxnSp>
+      <p:cxnSp>
+        <p:nvCxnSpPr>
+          <p:cNvPr id="102" name="직선 화살표 연결선 101">
+            <a:extLst>
+              <a:ext uri="{FF2B5EF4-FFF2-40B4-BE49-F238E27FC236}">
+                <a16:creationId xmlns:a16="http://schemas.microsoft.com/office/drawing/2014/main" id="{77648F5A-E6F6-4F01-90F1-AAEF9A30738A}"/>
+              </a:ext>
+            </a:extLst>
+          </p:cNvPr>
+          <p:cNvCxnSpPr>
+            <a:cxnSpLocks/>
+            <a:stCxn id="79" idx="0"/>
+            <a:endCxn id="10" idx="2"/>
+          </p:cNvCxnSpPr>
+          <p:nvPr/>
+        </p:nvCxnSpPr>
+        <p:spPr>
+          <a:xfrm flipV="1">
+            <a:off x="8776383" y="5041654"/>
+            <a:ext cx="5323" cy="216104"/>
+          </a:xfrm>
+          <a:prstGeom prst="straightConnector1">
+            <a:avLst/>
+          </a:prstGeom>
+          <a:ln>
+            <a:tailEnd type="triangle"/>
+          </a:ln>
+        </p:spPr>
+        <p:style>
+          <a:lnRef idx="2">
+            <a:schemeClr val="dk1"/>
+          </a:lnRef>
+          <a:fillRef idx="1">
+            <a:schemeClr val="lt1"/>
+          </a:fillRef>
+          <a:effectRef idx="0">
+            <a:schemeClr val="dk1"/>
+          </a:effectRef>
+          <a:fontRef idx="minor">
+            <a:schemeClr val="dk1"/>
+          </a:fontRef>
+        </p:style>
+      </p:cxnSp>
+      <p:cxnSp>
+        <p:nvCxnSpPr>
+          <p:cNvPr id="105" name="직선 화살표 연결선 104">
+            <a:extLst>
+              <a:ext uri="{FF2B5EF4-FFF2-40B4-BE49-F238E27FC236}">
+                <a16:creationId xmlns:a16="http://schemas.microsoft.com/office/drawing/2014/main" id="{512F180C-E62B-4C3D-8DEE-7BE74F91E5AF}"/>
+              </a:ext>
+            </a:extLst>
+          </p:cNvPr>
+          <p:cNvCxnSpPr>
+            <a:cxnSpLocks/>
+            <a:stCxn id="80" idx="0"/>
+            <a:endCxn id="11" idx="2"/>
+          </p:cNvCxnSpPr>
+          <p:nvPr/>
+        </p:nvCxnSpPr>
+        <p:spPr>
+          <a:xfrm flipV="1">
+            <a:off x="10040392" y="5041654"/>
+            <a:ext cx="0" cy="216104"/>
+          </a:xfrm>
+          <a:prstGeom prst="straightConnector1">
+            <a:avLst/>
+          </a:prstGeom>
+          <a:ln>
+            <a:tailEnd type="triangle"/>
+          </a:ln>
+        </p:spPr>
+        <p:style>
+          <a:lnRef idx="2">
+            <a:schemeClr val="dk1"/>
+          </a:lnRef>
+          <a:fillRef idx="1">
+            <a:schemeClr val="lt1"/>
+          </a:fillRef>
+          <a:effectRef idx="0">
+            <a:schemeClr val="dk1"/>
+          </a:effectRef>
+          <a:fontRef idx="minor">
+            <a:schemeClr val="dk1"/>
+          </a:fontRef>
+        </p:style>
+      </p:cxnSp>
+      <p:cxnSp>
+        <p:nvCxnSpPr>
+          <p:cNvPr id="108" name="직선 화살표 연결선 107">
+            <a:extLst>
+              <a:ext uri="{FF2B5EF4-FFF2-40B4-BE49-F238E27FC236}">
+                <a16:creationId xmlns:a16="http://schemas.microsoft.com/office/drawing/2014/main" id="{F0620903-B98B-482B-BCE6-DBFF005A7721}"/>
+              </a:ext>
+            </a:extLst>
+          </p:cNvPr>
+          <p:cNvCxnSpPr>
+            <a:cxnSpLocks/>
+            <a:stCxn id="45" idx="0"/>
+            <a:endCxn id="55" idx="2"/>
+          </p:cNvCxnSpPr>
+          <p:nvPr/>
+        </p:nvCxnSpPr>
+        <p:spPr>
+          <a:xfrm flipV="1">
+            <a:off x="6264334" y="633888"/>
+            <a:ext cx="0" cy="251415"/>
+          </a:xfrm>
+          <a:prstGeom prst="straightConnector1">
+            <a:avLst/>
+          </a:prstGeom>
+          <a:ln>
+            <a:tailEnd type="triangle"/>
+          </a:ln>
+        </p:spPr>
+        <p:style>
+          <a:lnRef idx="2">
+            <a:schemeClr val="dk1"/>
+          </a:lnRef>
+          <a:fillRef idx="1">
+            <a:schemeClr val="lt1"/>
+          </a:fillRef>
+          <a:effectRef idx="0">
+            <a:schemeClr val="dk1"/>
+          </a:effectRef>
+          <a:fontRef idx="minor">
+            <a:schemeClr val="dk1"/>
+          </a:fontRef>
+        </p:style>
+      </p:cxnSp>
+      <p:cxnSp>
+        <p:nvCxnSpPr>
+          <p:cNvPr id="111" name="직선 화살표 연결선 110">
+            <a:extLst>
+              <a:ext uri="{FF2B5EF4-FFF2-40B4-BE49-F238E27FC236}">
+                <a16:creationId xmlns:a16="http://schemas.microsoft.com/office/drawing/2014/main" id="{12217889-4726-4C88-9325-F533E0E9F9D0}"/>
+              </a:ext>
+            </a:extLst>
+          </p:cNvPr>
+          <p:cNvCxnSpPr>
+            <a:cxnSpLocks/>
+            <a:stCxn id="46" idx="0"/>
+            <a:endCxn id="57" idx="2"/>
+          </p:cNvCxnSpPr>
+          <p:nvPr/>
+        </p:nvCxnSpPr>
+        <p:spPr>
+          <a:xfrm flipH="1" flipV="1">
+            <a:off x="7520358" y="638370"/>
+            <a:ext cx="2662" cy="246933"/>
+          </a:xfrm>
+          <a:prstGeom prst="straightConnector1">
+            <a:avLst/>
+          </a:prstGeom>
+          <a:ln>
+            <a:tailEnd type="triangle"/>
+          </a:ln>
+        </p:spPr>
+        <p:style>
+          <a:lnRef idx="2">
+            <a:schemeClr val="dk1"/>
+          </a:lnRef>
+          <a:fillRef idx="1">
+            <a:schemeClr val="lt1"/>
+          </a:fillRef>
+          <a:effectRef idx="0">
+            <a:schemeClr val="dk1"/>
+          </a:effectRef>
+          <a:fontRef idx="minor">
+            <a:schemeClr val="dk1"/>
+          </a:fontRef>
+        </p:style>
+      </p:cxnSp>
+      <p:cxnSp>
+        <p:nvCxnSpPr>
+          <p:cNvPr id="114" name="직선 화살표 연결선 113">
+            <a:extLst>
+              <a:ext uri="{FF2B5EF4-FFF2-40B4-BE49-F238E27FC236}">
+                <a16:creationId xmlns:a16="http://schemas.microsoft.com/office/drawing/2014/main" id="{A3466522-BCD2-4C8B-BB34-E826DC8BF883}"/>
+              </a:ext>
+            </a:extLst>
+          </p:cNvPr>
+          <p:cNvCxnSpPr>
+            <a:cxnSpLocks/>
+            <a:stCxn id="47" idx="0"/>
+            <a:endCxn id="58" idx="2"/>
+          </p:cNvCxnSpPr>
+          <p:nvPr/>
+        </p:nvCxnSpPr>
+        <p:spPr>
+          <a:xfrm flipH="1" flipV="1">
+            <a:off x="8776384" y="633888"/>
+            <a:ext cx="5322" cy="251415"/>
+          </a:xfrm>
+          <a:prstGeom prst="straightConnector1">
+            <a:avLst/>
+          </a:prstGeom>
+          <a:ln>
+            <a:tailEnd type="triangle"/>
+          </a:ln>
+        </p:spPr>
+        <p:style>
+          <a:lnRef idx="2">
+            <a:schemeClr val="dk1"/>
+          </a:lnRef>
+          <a:fillRef idx="1">
+            <a:schemeClr val="lt1"/>
+          </a:fillRef>
+          <a:effectRef idx="0">
+            <a:schemeClr val="dk1"/>
+          </a:effectRef>
+          <a:fontRef idx="minor">
+            <a:schemeClr val="dk1"/>
+          </a:fontRef>
+        </p:style>
+      </p:cxnSp>
+      <p:cxnSp>
+        <p:nvCxnSpPr>
+          <p:cNvPr id="117" name="직선 화살표 연결선 116">
+            <a:extLst>
+              <a:ext uri="{FF2B5EF4-FFF2-40B4-BE49-F238E27FC236}">
+                <a16:creationId xmlns:a16="http://schemas.microsoft.com/office/drawing/2014/main" id="{284E8DD9-CAEE-4148-AE3B-F554719E5F25}"/>
+              </a:ext>
+            </a:extLst>
+          </p:cNvPr>
+          <p:cNvCxnSpPr>
+            <a:cxnSpLocks/>
+            <a:stCxn id="48" idx="0"/>
+            <a:endCxn id="40" idx="2"/>
+          </p:cNvCxnSpPr>
+          <p:nvPr/>
+        </p:nvCxnSpPr>
+        <p:spPr>
+          <a:xfrm flipH="1" flipV="1">
+            <a:off x="10036383" y="633888"/>
+            <a:ext cx="4008" cy="251415"/>
+          </a:xfrm>
+          <a:prstGeom prst="straightConnector1">
+            <a:avLst/>
+          </a:prstGeom>
+          <a:ln>
+            <a:tailEnd type="triangle"/>
+          </a:ln>
+        </p:spPr>
+        <p:style>
+          <a:lnRef idx="2">
+            <a:schemeClr val="dk1"/>
+          </a:lnRef>
+          <a:fillRef idx="1">
+            <a:schemeClr val="lt1"/>
+          </a:fillRef>
+          <a:effectRef idx="0">
+            <a:schemeClr val="dk1"/>
+          </a:effectRef>
+          <a:fontRef idx="minor">
+            <a:schemeClr val="dk1"/>
+          </a:fontRef>
+        </p:style>
+      </p:cxnSp>
+      <p:cxnSp>
+        <p:nvCxnSpPr>
+          <p:cNvPr id="120" name="직선 화살표 연결선 119">
+            <a:extLst>
+              <a:ext uri="{FF2B5EF4-FFF2-40B4-BE49-F238E27FC236}">
+                <a16:creationId xmlns:a16="http://schemas.microsoft.com/office/drawing/2014/main" id="{0AD7DF6E-BA1D-4779-88C3-09DD71D6E2FF}"/>
+              </a:ext>
+            </a:extLst>
+          </p:cNvPr>
+          <p:cNvCxnSpPr>
+            <a:cxnSpLocks/>
+            <a:stCxn id="11" idx="0"/>
+            <a:endCxn id="48" idx="2"/>
+          </p:cNvCxnSpPr>
+          <p:nvPr/>
+        </p:nvCxnSpPr>
+        <p:spPr>
+          <a:xfrm flipH="1" flipV="1">
+            <a:off x="10040391" y="1168009"/>
+            <a:ext cx="1" cy="1221886"/>
+          </a:xfrm>
+          <a:prstGeom prst="straightConnector1">
+            <a:avLst/>
+          </a:prstGeom>
+          <a:ln>
+            <a:tailEnd type="triangle"/>
+          </a:ln>
+        </p:spPr>
+        <p:style>
+          <a:lnRef idx="2">
+            <a:schemeClr val="dk1"/>
+          </a:lnRef>
+          <a:fillRef idx="1">
+            <a:schemeClr val="lt1"/>
+          </a:fillRef>
+          <a:effectRef idx="0">
+            <a:schemeClr val="dk1"/>
+          </a:effectRef>
+          <a:fontRef idx="minor">
+            <a:schemeClr val="dk1"/>
+          </a:fontRef>
+        </p:style>
+      </p:cxnSp>
+      <p:cxnSp>
+        <p:nvCxnSpPr>
+          <p:cNvPr id="123" name="직선 화살표 연결선 122">
+            <a:extLst>
+              <a:ext uri="{FF2B5EF4-FFF2-40B4-BE49-F238E27FC236}">
+                <a16:creationId xmlns:a16="http://schemas.microsoft.com/office/drawing/2014/main" id="{5216A147-C924-4C72-8D6E-7331E2D22CFB}"/>
+              </a:ext>
+            </a:extLst>
+          </p:cNvPr>
+          <p:cNvCxnSpPr>
+            <a:cxnSpLocks/>
+            <a:stCxn id="10" idx="0"/>
+            <a:endCxn id="47" idx="2"/>
+          </p:cNvCxnSpPr>
+          <p:nvPr/>
+        </p:nvCxnSpPr>
+        <p:spPr>
+          <a:xfrm flipV="1">
+            <a:off x="8781706" y="1168009"/>
+            <a:ext cx="0" cy="1221886"/>
+          </a:xfrm>
+          <a:prstGeom prst="straightConnector1">
+            <a:avLst/>
+          </a:prstGeom>
+          <a:ln>
+            <a:tailEnd type="triangle"/>
+          </a:ln>
+        </p:spPr>
+        <p:style>
+          <a:lnRef idx="2">
+            <a:schemeClr val="dk1"/>
+          </a:lnRef>
+          <a:fillRef idx="1">
+            <a:schemeClr val="lt1"/>
+          </a:fillRef>
+          <a:effectRef idx="0">
+            <a:schemeClr val="dk1"/>
+          </a:effectRef>
+          <a:fontRef idx="minor">
+            <a:schemeClr val="dk1"/>
+          </a:fontRef>
+        </p:style>
+      </p:cxnSp>
+      <p:cxnSp>
+        <p:nvCxnSpPr>
+          <p:cNvPr id="126" name="직선 화살표 연결선 125">
+            <a:extLst>
+              <a:ext uri="{FF2B5EF4-FFF2-40B4-BE49-F238E27FC236}">
+                <a16:creationId xmlns:a16="http://schemas.microsoft.com/office/drawing/2014/main" id="{45637B03-E8B6-4719-B049-0FDE04904AE4}"/>
+              </a:ext>
+            </a:extLst>
+          </p:cNvPr>
+          <p:cNvCxnSpPr>
+            <a:cxnSpLocks/>
+            <a:stCxn id="9" idx="0"/>
+            <a:endCxn id="46" idx="2"/>
+          </p:cNvCxnSpPr>
+          <p:nvPr/>
+        </p:nvCxnSpPr>
+        <p:spPr>
+          <a:xfrm flipV="1">
+            <a:off x="7523020" y="1168009"/>
+            <a:ext cx="0" cy="1221886"/>
+          </a:xfrm>
+          <a:prstGeom prst="straightConnector1">
+            <a:avLst/>
+          </a:prstGeom>
+          <a:ln>
+            <a:tailEnd type="triangle"/>
+          </a:ln>
+        </p:spPr>
+        <p:style>
+          <a:lnRef idx="2">
+            <a:schemeClr val="dk1"/>
+          </a:lnRef>
+          <a:fillRef idx="1">
+            <a:schemeClr val="lt1"/>
+          </a:fillRef>
+          <a:effectRef idx="0">
+            <a:schemeClr val="dk1"/>
+          </a:effectRef>
+          <a:fontRef idx="minor">
+            <a:schemeClr val="dk1"/>
+          </a:fontRef>
+        </p:style>
+      </p:cxnSp>
+      <p:cxnSp>
+        <p:nvCxnSpPr>
+          <p:cNvPr id="129" name="직선 화살표 연결선 128">
+            <a:extLst>
+              <a:ext uri="{FF2B5EF4-FFF2-40B4-BE49-F238E27FC236}">
+                <a16:creationId xmlns:a16="http://schemas.microsoft.com/office/drawing/2014/main" id="{1CA74644-B225-4181-9249-93F1981D9149}"/>
+              </a:ext>
+            </a:extLst>
+          </p:cNvPr>
+          <p:cNvCxnSpPr>
+            <a:cxnSpLocks/>
+            <a:stCxn id="8" idx="0"/>
+            <a:endCxn id="45" idx="2"/>
+          </p:cNvCxnSpPr>
+          <p:nvPr/>
+        </p:nvCxnSpPr>
+        <p:spPr>
+          <a:xfrm flipH="1" flipV="1">
+            <a:off x="6264334" y="1168009"/>
+            <a:ext cx="1" cy="1221887"/>
+          </a:xfrm>
+          <a:prstGeom prst="straightConnector1">
+            <a:avLst/>
+          </a:prstGeom>
+          <a:ln>
+            <a:tailEnd type="triangle"/>
+          </a:ln>
+        </p:spPr>
+        <p:style>
+          <a:lnRef idx="2">
+            <a:schemeClr val="dk1"/>
+          </a:lnRef>
+          <a:fillRef idx="1">
+            <a:schemeClr val="lt1"/>
+          </a:fillRef>
+          <a:effectRef idx="0">
+            <a:schemeClr val="dk1"/>
+          </a:effectRef>
+          <a:fontRef idx="minor">
+            <a:schemeClr val="dk1"/>
+          </a:fontRef>
+        </p:style>
+      </p:cxnSp>
+      <p:cxnSp>
+        <p:nvCxnSpPr>
+          <p:cNvPr id="133" name="연결선: 구부러짐 132">
+            <a:extLst>
+              <a:ext uri="{FF2B5EF4-FFF2-40B4-BE49-F238E27FC236}">
+                <a16:creationId xmlns:a16="http://schemas.microsoft.com/office/drawing/2014/main" id="{B0692204-9491-4446-8992-669D8CADF515}"/>
+              </a:ext>
+            </a:extLst>
+          </p:cNvPr>
+          <p:cNvCxnSpPr>
+            <a:stCxn id="45" idx="0"/>
+            <a:endCxn id="50" idx="2"/>
+          </p:cNvCxnSpPr>
+          <p:nvPr/>
+        </p:nvCxnSpPr>
+        <p:spPr>
+          <a:xfrm rot="16200000" flipH="1">
+            <a:off x="4325052" y="2824585"/>
+            <a:ext cx="5137250" cy="1258686"/>
+          </a:xfrm>
+          <a:prstGeom prst="curvedConnector5">
+            <a:avLst>
+              <a:gd name="adj1" fmla="val -4450"/>
+              <a:gd name="adj2" fmla="val 50000"/>
+              <a:gd name="adj3" fmla="val 104450"/>
+            </a:avLst>
+          </a:prstGeom>
+          <a:ln>
+            <a:tailEnd type="triangle"/>
+          </a:ln>
+        </p:spPr>
+        <p:style>
+          <a:lnRef idx="2">
+            <a:schemeClr val="dk1"/>
+          </a:lnRef>
+          <a:fillRef idx="1">
+            <a:schemeClr val="lt1"/>
+          </a:fillRef>
+          <a:effectRef idx="0">
+            <a:schemeClr val="dk1"/>
+          </a:effectRef>
+          <a:fontRef idx="minor">
+            <a:schemeClr val="dk1"/>
+          </a:fontRef>
+        </p:style>
+      </p:cxnSp>
+      <p:cxnSp>
+        <p:nvCxnSpPr>
+          <p:cNvPr id="134" name="연결선: 구부러짐 133">
+            <a:extLst>
+              <a:ext uri="{FF2B5EF4-FFF2-40B4-BE49-F238E27FC236}">
+                <a16:creationId xmlns:a16="http://schemas.microsoft.com/office/drawing/2014/main" id="{FC427459-E021-48A1-B314-49541E7D501D}"/>
+              </a:ext>
+            </a:extLst>
+          </p:cNvPr>
+          <p:cNvCxnSpPr>
+            <a:cxnSpLocks/>
+            <a:stCxn id="46" idx="0"/>
+            <a:endCxn id="51" idx="2"/>
+          </p:cNvCxnSpPr>
+          <p:nvPr/>
+        </p:nvCxnSpPr>
+        <p:spPr>
+          <a:xfrm rot="16200000" flipH="1">
+            <a:off x="5583738" y="2824585"/>
+            <a:ext cx="5137250" cy="1258686"/>
+          </a:xfrm>
+          <a:prstGeom prst="curvedConnector5">
+            <a:avLst>
+              <a:gd name="adj1" fmla="val -4450"/>
+              <a:gd name="adj2" fmla="val 50000"/>
+              <a:gd name="adj3" fmla="val 104450"/>
+            </a:avLst>
+          </a:prstGeom>
+          <a:ln>
+            <a:tailEnd type="triangle"/>
+          </a:ln>
+        </p:spPr>
+        <p:style>
+          <a:lnRef idx="2">
+            <a:schemeClr val="dk1"/>
+          </a:lnRef>
+          <a:fillRef idx="1">
+            <a:schemeClr val="lt1"/>
+          </a:fillRef>
+          <a:effectRef idx="0">
+            <a:schemeClr val="dk1"/>
+          </a:effectRef>
+          <a:fontRef idx="minor">
+            <a:schemeClr val="dk1"/>
+          </a:fontRef>
+        </p:style>
+      </p:cxnSp>
+      <p:cxnSp>
+        <p:nvCxnSpPr>
+          <p:cNvPr id="137" name="연결선: 구부러짐 136">
+            <a:extLst>
+              <a:ext uri="{FF2B5EF4-FFF2-40B4-BE49-F238E27FC236}">
+                <a16:creationId xmlns:a16="http://schemas.microsoft.com/office/drawing/2014/main" id="{9164BF98-76B5-402C-970C-7B7B851DD7BB}"/>
+              </a:ext>
+            </a:extLst>
+          </p:cNvPr>
+          <p:cNvCxnSpPr>
+            <a:cxnSpLocks/>
+            <a:stCxn id="47" idx="0"/>
+            <a:endCxn id="52" idx="2"/>
+          </p:cNvCxnSpPr>
+          <p:nvPr/>
+        </p:nvCxnSpPr>
+        <p:spPr>
+          <a:xfrm rot="16200000" flipH="1">
+            <a:off x="6842423" y="2824586"/>
+            <a:ext cx="5137250" cy="1258685"/>
+          </a:xfrm>
+          <a:prstGeom prst="curvedConnector5">
+            <a:avLst>
+              <a:gd name="adj1" fmla="val -4450"/>
+              <a:gd name="adj2" fmla="val 50000"/>
+              <a:gd name="adj3" fmla="val 104450"/>
+            </a:avLst>
+          </a:prstGeom>
+          <a:ln>
+            <a:tailEnd type="triangle"/>
+          </a:ln>
+        </p:spPr>
+        <p:style>
+          <a:lnRef idx="2">
+            <a:schemeClr val="dk1"/>
+          </a:lnRef>
+          <a:fillRef idx="1">
+            <a:schemeClr val="lt1"/>
+          </a:fillRef>
+          <a:effectRef idx="0">
+            <a:schemeClr val="dk1"/>
+          </a:effectRef>
+          <a:fontRef idx="minor">
+            <a:schemeClr val="dk1"/>
+          </a:fontRef>
+        </p:style>
+      </p:cxnSp>
+      <p:sp>
+        <p:nvSpPr>
+          <p:cNvPr id="3" name="타원 2">
+            <a:extLst>
+              <a:ext uri="{FF2B5EF4-FFF2-40B4-BE49-F238E27FC236}">
+                <a16:creationId xmlns:a16="http://schemas.microsoft.com/office/drawing/2014/main" id="{AF6E7165-BEC3-46A1-B5E9-3E1C10B5D465}"/>
+              </a:ext>
+            </a:extLst>
+          </p:cNvPr>
+          <p:cNvSpPr/>
+          <p:nvPr/>
+        </p:nvSpPr>
+        <p:spPr>
+          <a:xfrm>
+            <a:off x="7422233" y="5257758"/>
+            <a:ext cx="199500" cy="199500"/>
+          </a:xfrm>
+          <a:prstGeom prst="ellipse">
+            <a:avLst/>
+          </a:prstGeom>
+        </p:spPr>
+        <p:style>
+          <a:lnRef idx="2">
+            <a:schemeClr val="dk1"/>
+          </a:lnRef>
+          <a:fillRef idx="1">
+            <a:schemeClr val="lt1"/>
+          </a:fillRef>
+          <a:effectRef idx="0">
+            <a:schemeClr val="dk1"/>
+          </a:effectRef>
+          <a:fontRef idx="minor">
+            <a:schemeClr val="dk1"/>
+          </a:fontRef>
+        </p:style>
+        <p:txBody>
+          <a:bodyPr rtlCol="0" anchor="ctr"/>
+          <a:lstStyle/>
+          <a:p>
+            <a:pPr algn="ctr"/>
+            <a:r>
+              <a:rPr lang="en-US" altLang="ko-KR" sz="1100" b="1" dirty="0"/>
+              <a:t>;</a:t>
+            </a:r>
+            <a:endParaRPr lang="ko-KR" altLang="en-US" sz="1100" b="1" dirty="0"/>
+          </a:p>
+        </p:txBody>
+      </p:sp>
+      <p:cxnSp>
+        <p:nvCxnSpPr>
+          <p:cNvPr id="73" name="직선 화살표 연결선 72">
+            <a:extLst>
+              <a:ext uri="{FF2B5EF4-FFF2-40B4-BE49-F238E27FC236}">
+                <a16:creationId xmlns:a16="http://schemas.microsoft.com/office/drawing/2014/main" id="{EA947EBF-81B0-450D-BAB0-52AEB123A9B8}"/>
+              </a:ext>
+            </a:extLst>
+          </p:cNvPr>
+          <p:cNvCxnSpPr>
+            <a:cxnSpLocks/>
+            <a:stCxn id="50" idx="0"/>
+            <a:endCxn id="3" idx="4"/>
+          </p:cNvCxnSpPr>
+          <p:nvPr/>
+        </p:nvCxnSpPr>
+        <p:spPr>
+          <a:xfrm flipH="1" flipV="1">
+            <a:off x="7521983" y="5457258"/>
+            <a:ext cx="1037" cy="282589"/>
+          </a:xfrm>
+          <a:prstGeom prst="straightConnector1">
+            <a:avLst/>
+          </a:prstGeom>
+          <a:ln>
+            <a:tailEnd type="triangle"/>
+          </a:ln>
+        </p:spPr>
+        <p:style>
+          <a:lnRef idx="2">
+            <a:schemeClr val="dk1"/>
+          </a:lnRef>
+          <a:fillRef idx="1">
+            <a:schemeClr val="lt1"/>
+          </a:fillRef>
+          <a:effectRef idx="0">
+            <a:schemeClr val="dk1"/>
+          </a:effectRef>
+          <a:fontRef idx="minor">
+            <a:schemeClr val="dk1"/>
+          </a:fontRef>
+        </p:style>
+      </p:cxnSp>
+      <p:sp>
+        <p:nvSpPr>
+          <p:cNvPr id="79" name="타원 78">
+            <a:extLst>
+              <a:ext uri="{FF2B5EF4-FFF2-40B4-BE49-F238E27FC236}">
+                <a16:creationId xmlns:a16="http://schemas.microsoft.com/office/drawing/2014/main" id="{4B164CE0-4FB7-49A8-816E-F04A2549B43A}"/>
+              </a:ext>
+            </a:extLst>
+          </p:cNvPr>
+          <p:cNvSpPr/>
+          <p:nvPr/>
+        </p:nvSpPr>
+        <p:spPr>
+          <a:xfrm>
+            <a:off x="8676633" y="5257758"/>
+            <a:ext cx="199500" cy="199500"/>
+          </a:xfrm>
+          <a:prstGeom prst="ellipse">
+            <a:avLst/>
+          </a:prstGeom>
+        </p:spPr>
+        <p:style>
+          <a:lnRef idx="2">
+            <a:schemeClr val="dk1"/>
+          </a:lnRef>
+          <a:fillRef idx="1">
+            <a:schemeClr val="lt1"/>
+          </a:fillRef>
+          <a:effectRef idx="0">
+            <a:schemeClr val="dk1"/>
+          </a:effectRef>
+          <a:fontRef idx="minor">
+            <a:schemeClr val="dk1"/>
+          </a:fontRef>
+        </p:style>
+        <p:txBody>
+          <a:bodyPr rtlCol="0" anchor="ctr"/>
+          <a:lstStyle/>
+          <a:p>
+            <a:pPr algn="ctr"/>
+            <a:r>
+              <a:rPr lang="en-US" altLang="ko-KR" sz="1100" b="1" dirty="0"/>
+              <a:t>;</a:t>
+            </a:r>
+            <a:endParaRPr lang="ko-KR" altLang="en-US" sz="1100" b="1" dirty="0"/>
+          </a:p>
+        </p:txBody>
+      </p:sp>
+      <p:sp>
+        <p:nvSpPr>
+          <p:cNvPr id="80" name="타원 79">
+            <a:extLst>
+              <a:ext uri="{FF2B5EF4-FFF2-40B4-BE49-F238E27FC236}">
+                <a16:creationId xmlns:a16="http://schemas.microsoft.com/office/drawing/2014/main" id="{F4291A23-E10B-46A8-B78E-E3FD4A40E9E5}"/>
+              </a:ext>
+            </a:extLst>
+          </p:cNvPr>
+          <p:cNvSpPr/>
+          <p:nvPr/>
+        </p:nvSpPr>
+        <p:spPr>
+          <a:xfrm>
+            <a:off x="9940642" y="5257758"/>
+            <a:ext cx="199500" cy="199500"/>
+          </a:xfrm>
+          <a:prstGeom prst="ellipse">
+            <a:avLst/>
+          </a:prstGeom>
+        </p:spPr>
+        <p:style>
+          <a:lnRef idx="2">
+            <a:schemeClr val="dk1"/>
+          </a:lnRef>
+          <a:fillRef idx="1">
+            <a:schemeClr val="lt1"/>
+          </a:fillRef>
+          <a:effectRef idx="0">
+            <a:schemeClr val="dk1"/>
+          </a:effectRef>
+          <a:fontRef idx="minor">
+            <a:schemeClr val="dk1"/>
+          </a:fontRef>
+        </p:style>
+        <p:txBody>
+          <a:bodyPr rtlCol="0" anchor="ctr"/>
+          <a:lstStyle/>
+          <a:p>
+            <a:pPr algn="ctr"/>
+            <a:r>
+              <a:rPr lang="en-US" altLang="ko-KR" sz="1100" b="1" dirty="0"/>
+              <a:t>;</a:t>
+            </a:r>
+            <a:endParaRPr lang="ko-KR" altLang="en-US" sz="1100" b="1" dirty="0"/>
+          </a:p>
+        </p:txBody>
+      </p:sp>
+      <p:cxnSp>
+        <p:nvCxnSpPr>
+          <p:cNvPr id="82" name="직선 화살표 연결선 81">
+            <a:extLst>
+              <a:ext uri="{FF2B5EF4-FFF2-40B4-BE49-F238E27FC236}">
+                <a16:creationId xmlns:a16="http://schemas.microsoft.com/office/drawing/2014/main" id="{EB8DBC75-AF38-4296-AC89-9C611C0A13A9}"/>
+              </a:ext>
+            </a:extLst>
+          </p:cNvPr>
+          <p:cNvCxnSpPr>
+            <a:cxnSpLocks/>
+            <a:stCxn id="51" idx="0"/>
+            <a:endCxn id="79" idx="4"/>
+          </p:cNvCxnSpPr>
+          <p:nvPr/>
+        </p:nvCxnSpPr>
+        <p:spPr>
+          <a:xfrm flipH="1" flipV="1">
+            <a:off x="8776383" y="5457258"/>
+            <a:ext cx="5323" cy="282589"/>
+          </a:xfrm>
+          <a:prstGeom prst="straightConnector1">
+            <a:avLst/>
+          </a:prstGeom>
+          <a:ln>
+            <a:tailEnd type="triangle"/>
+          </a:ln>
+        </p:spPr>
+        <p:style>
+          <a:lnRef idx="2">
+            <a:schemeClr val="dk1"/>
+          </a:lnRef>
+          <a:fillRef idx="1">
+            <a:schemeClr val="lt1"/>
+          </a:fillRef>
+          <a:effectRef idx="0">
+            <a:schemeClr val="dk1"/>
+          </a:effectRef>
+          <a:fontRef idx="minor">
+            <a:schemeClr val="dk1"/>
+          </a:fontRef>
+        </p:style>
+      </p:cxnSp>
+      <p:cxnSp>
+        <p:nvCxnSpPr>
+          <p:cNvPr id="86" name="직선 화살표 연결선 85">
+            <a:extLst>
+              <a:ext uri="{FF2B5EF4-FFF2-40B4-BE49-F238E27FC236}">
+                <a16:creationId xmlns:a16="http://schemas.microsoft.com/office/drawing/2014/main" id="{9B4393D4-E6FB-415F-AD48-147F50C8F854}"/>
+              </a:ext>
+            </a:extLst>
+          </p:cNvPr>
+          <p:cNvCxnSpPr>
+            <a:cxnSpLocks/>
+            <a:stCxn id="52" idx="0"/>
+            <a:endCxn id="80" idx="4"/>
+          </p:cNvCxnSpPr>
+          <p:nvPr/>
+        </p:nvCxnSpPr>
+        <p:spPr>
+          <a:xfrm flipV="1">
+            <a:off x="10040391" y="5457258"/>
+            <a:ext cx="1" cy="282589"/>
+          </a:xfrm>
+          <a:prstGeom prst="straightConnector1">
+            <a:avLst/>
+          </a:prstGeom>
+          <a:ln>
+            <a:tailEnd type="triangle"/>
+          </a:ln>
+        </p:spPr>
+        <p:style>
+          <a:lnRef idx="2">
+            <a:schemeClr val="dk1"/>
+          </a:lnRef>
+          <a:fillRef idx="1">
+            <a:schemeClr val="lt1"/>
+          </a:fillRef>
+          <a:effectRef idx="0">
+            <a:schemeClr val="dk1"/>
+          </a:effectRef>
+          <a:fontRef idx="minor">
+            <a:schemeClr val="dk1"/>
+          </a:fontRef>
+        </p:style>
+      </p:cxnSp>
+      <p:cxnSp>
+        <p:nvCxnSpPr>
+          <p:cNvPr id="56" name="연결선: 꺾임 55">
+            <a:extLst>
+              <a:ext uri="{FF2B5EF4-FFF2-40B4-BE49-F238E27FC236}">
+                <a16:creationId xmlns:a16="http://schemas.microsoft.com/office/drawing/2014/main" id="{F7FC8E41-21B9-460D-91D4-F783E770627D}"/>
+              </a:ext>
+            </a:extLst>
+          </p:cNvPr>
+          <p:cNvCxnSpPr>
+            <a:cxnSpLocks/>
+            <a:stCxn id="8" idx="0"/>
+            <a:endCxn id="3" idx="2"/>
+          </p:cNvCxnSpPr>
+          <p:nvPr/>
+        </p:nvCxnSpPr>
+        <p:spPr>
+          <a:xfrm rot="16200000" flipH="1">
+            <a:off x="5359478" y="3294753"/>
+            <a:ext cx="2967612" cy="1157898"/>
+          </a:xfrm>
+          <a:prstGeom prst="bentConnector4">
+            <a:avLst>
+              <a:gd name="adj1" fmla="val -3781"/>
+              <a:gd name="adj2" fmla="val 66781"/>
+            </a:avLst>
+          </a:prstGeom>
+          <a:ln>
+            <a:tailEnd type="triangle"/>
+          </a:ln>
+        </p:spPr>
+        <p:style>
+          <a:lnRef idx="2">
+            <a:schemeClr val="dk1"/>
+          </a:lnRef>
+          <a:fillRef idx="1">
+            <a:schemeClr val="lt1"/>
+          </a:fillRef>
+          <a:effectRef idx="0">
+            <a:schemeClr val="dk1"/>
+          </a:effectRef>
+          <a:fontRef idx="minor">
+            <a:schemeClr val="dk1"/>
+          </a:fontRef>
+        </p:style>
+      </p:cxnSp>
+      <p:cxnSp>
+        <p:nvCxnSpPr>
+          <p:cNvPr id="94" name="연결선: 꺾임 93">
+            <a:extLst>
+              <a:ext uri="{FF2B5EF4-FFF2-40B4-BE49-F238E27FC236}">
+                <a16:creationId xmlns:a16="http://schemas.microsoft.com/office/drawing/2014/main" id="{946599C8-EB79-4223-9881-7B569270A918}"/>
+              </a:ext>
+            </a:extLst>
+          </p:cNvPr>
+          <p:cNvCxnSpPr>
+            <a:cxnSpLocks/>
+            <a:stCxn id="9" idx="0"/>
+            <a:endCxn id="79" idx="2"/>
+          </p:cNvCxnSpPr>
+          <p:nvPr/>
+        </p:nvCxnSpPr>
+        <p:spPr>
+          <a:xfrm rot="16200000" flipH="1">
+            <a:off x="6616019" y="3296895"/>
+            <a:ext cx="2967613" cy="1153613"/>
+          </a:xfrm>
+          <a:prstGeom prst="bentConnector4">
+            <a:avLst>
+              <a:gd name="adj1" fmla="val -3921"/>
+              <a:gd name="adj2" fmla="val 66844"/>
+            </a:avLst>
+          </a:prstGeom>
+          <a:ln>
+            <a:tailEnd type="triangle"/>
+          </a:ln>
+        </p:spPr>
+        <p:style>
+          <a:lnRef idx="2">
+            <a:schemeClr val="dk1"/>
+          </a:lnRef>
+          <a:fillRef idx="1">
+            <a:schemeClr val="lt1"/>
+          </a:fillRef>
+          <a:effectRef idx="0">
+            <a:schemeClr val="dk1"/>
+          </a:effectRef>
+          <a:fontRef idx="minor">
+            <a:schemeClr val="dk1"/>
+          </a:fontRef>
+        </p:style>
+      </p:cxnSp>
+      <p:cxnSp>
+        <p:nvCxnSpPr>
+          <p:cNvPr id="97" name="연결선: 꺾임 96">
+            <a:extLst>
+              <a:ext uri="{FF2B5EF4-FFF2-40B4-BE49-F238E27FC236}">
+                <a16:creationId xmlns:a16="http://schemas.microsoft.com/office/drawing/2014/main" id="{9726D98B-2AC5-4799-BF74-076BA2B0C7E6}"/>
+              </a:ext>
+            </a:extLst>
+          </p:cNvPr>
+          <p:cNvCxnSpPr>
+            <a:cxnSpLocks/>
+            <a:stCxn id="10" idx="0"/>
+            <a:endCxn id="80" idx="2"/>
+          </p:cNvCxnSpPr>
+          <p:nvPr/>
+        </p:nvCxnSpPr>
+        <p:spPr>
+          <a:xfrm rot="16200000" flipH="1">
+            <a:off x="7877367" y="3294233"/>
+            <a:ext cx="2967613" cy="1158936"/>
+          </a:xfrm>
+          <a:prstGeom prst="bentConnector4">
+            <a:avLst>
+              <a:gd name="adj1" fmla="val -3921"/>
+              <a:gd name="adj2" fmla="val 66766"/>
+            </a:avLst>
+          </a:prstGeom>
+          <a:ln>
+            <a:tailEnd type="triangle"/>
+          </a:ln>
+        </p:spPr>
+        <p:style>
+          <a:lnRef idx="2">
+            <a:schemeClr val="dk1"/>
+          </a:lnRef>
+          <a:fillRef idx="1">
+            <a:schemeClr val="lt1"/>
+          </a:fillRef>
+          <a:effectRef idx="0">
+            <a:schemeClr val="dk1"/>
+          </a:effectRef>
+          <a:fontRef idx="minor">
+            <a:schemeClr val="dk1"/>
+          </a:fontRef>
+        </p:style>
+      </p:cxnSp>
+    </p:spTree>
+    <p:extLst>
+      <p:ext uri="{BB962C8B-B14F-4D97-AF65-F5344CB8AC3E}">
+        <p14:creationId xmlns:p14="http://schemas.microsoft.com/office/powerpoint/2010/main" val="3637896174"/>
+      </p:ext>
+    </p:extLst>
+  </p:cSld>
+  <p:clrMapOvr>
+    <a:masterClrMapping/>
+  </p:clrMapOvr>
+</p:sld>
+</file>
+
 <file path=ppt/theme/theme1.xml><?xml version="1.0" encoding="utf-8"?>
 <a:theme xmlns:a="http://schemas.openxmlformats.org/drawingml/2006/main" name="Office 테마">
   <a:themeElements>

--- a/architecture.pptx
+++ b/architecture.pptx
@@ -10,6 +10,7 @@
     <p:sldId id="258" r:id="rId4"/>
     <p:sldId id="259" r:id="rId5"/>
     <p:sldId id="260" r:id="rId6"/>
+    <p:sldId id="261" r:id="rId7"/>
   </p:sldIdLst>
   <p:sldSz cx="12192000" cy="6858000"/>
   <p:notesSz cx="6858000" cy="9144000"/>
@@ -267,7 +268,7 @@
           <a:p>
             <a:fld id="{FCD5F870-5CF7-4E47-8B48-F28281F35852}" type="datetimeFigureOut">
               <a:rPr lang="ko-KR" altLang="en-US" smtClean="0"/>
-              <a:t>2017. 12. 26.</a:t>
+              <a:t>2017. 12. 28.</a:t>
             </a:fld>
             <a:endParaRPr lang="ko-KR" altLang="en-US"/>
           </a:p>
@@ -465,7 +466,7 @@
           <a:p>
             <a:fld id="{FCD5F870-5CF7-4E47-8B48-F28281F35852}" type="datetimeFigureOut">
               <a:rPr lang="ko-KR" altLang="en-US" smtClean="0"/>
-              <a:t>2017. 12. 26.</a:t>
+              <a:t>2017. 12. 28.</a:t>
             </a:fld>
             <a:endParaRPr lang="ko-KR" altLang="en-US"/>
           </a:p>
@@ -673,7 +674,7 @@
           <a:p>
             <a:fld id="{FCD5F870-5CF7-4E47-8B48-F28281F35852}" type="datetimeFigureOut">
               <a:rPr lang="ko-KR" altLang="en-US" smtClean="0"/>
-              <a:t>2017. 12. 26.</a:t>
+              <a:t>2017. 12. 28.</a:t>
             </a:fld>
             <a:endParaRPr lang="ko-KR" altLang="en-US"/>
           </a:p>
@@ -871,7 +872,7 @@
           <a:p>
             <a:fld id="{FCD5F870-5CF7-4E47-8B48-F28281F35852}" type="datetimeFigureOut">
               <a:rPr lang="ko-KR" altLang="en-US" smtClean="0"/>
-              <a:t>2017. 12. 26.</a:t>
+              <a:t>2017. 12. 28.</a:t>
             </a:fld>
             <a:endParaRPr lang="ko-KR" altLang="en-US"/>
           </a:p>
@@ -1146,7 +1147,7 @@
           <a:p>
             <a:fld id="{FCD5F870-5CF7-4E47-8B48-F28281F35852}" type="datetimeFigureOut">
               <a:rPr lang="ko-KR" altLang="en-US" smtClean="0"/>
-              <a:t>2017. 12. 26.</a:t>
+              <a:t>2017. 12. 28.</a:t>
             </a:fld>
             <a:endParaRPr lang="ko-KR" altLang="en-US"/>
           </a:p>
@@ -1411,7 +1412,7 @@
           <a:p>
             <a:fld id="{FCD5F870-5CF7-4E47-8B48-F28281F35852}" type="datetimeFigureOut">
               <a:rPr lang="ko-KR" altLang="en-US" smtClean="0"/>
-              <a:t>2017. 12. 26.</a:t>
+              <a:t>2017. 12. 28.</a:t>
             </a:fld>
             <a:endParaRPr lang="ko-KR" altLang="en-US"/>
           </a:p>
@@ -1823,7 +1824,7 @@
           <a:p>
             <a:fld id="{FCD5F870-5CF7-4E47-8B48-F28281F35852}" type="datetimeFigureOut">
               <a:rPr lang="ko-KR" altLang="en-US" smtClean="0"/>
-              <a:t>2017. 12. 26.</a:t>
+              <a:t>2017. 12. 28.</a:t>
             </a:fld>
             <a:endParaRPr lang="ko-KR" altLang="en-US"/>
           </a:p>
@@ -1964,7 +1965,7 @@
           <a:p>
             <a:fld id="{FCD5F870-5CF7-4E47-8B48-F28281F35852}" type="datetimeFigureOut">
               <a:rPr lang="ko-KR" altLang="en-US" smtClean="0"/>
-              <a:t>2017. 12. 26.</a:t>
+              <a:t>2017. 12. 28.</a:t>
             </a:fld>
             <a:endParaRPr lang="ko-KR" altLang="en-US"/>
           </a:p>
@@ -2077,7 +2078,7 @@
           <a:p>
             <a:fld id="{FCD5F870-5CF7-4E47-8B48-F28281F35852}" type="datetimeFigureOut">
               <a:rPr lang="ko-KR" altLang="en-US" smtClean="0"/>
-              <a:t>2017. 12. 26.</a:t>
+              <a:t>2017. 12. 28.</a:t>
             </a:fld>
             <a:endParaRPr lang="ko-KR" altLang="en-US"/>
           </a:p>
@@ -2388,7 +2389,7 @@
           <a:p>
             <a:fld id="{FCD5F870-5CF7-4E47-8B48-F28281F35852}" type="datetimeFigureOut">
               <a:rPr lang="ko-KR" altLang="en-US" smtClean="0"/>
-              <a:t>2017. 12. 26.</a:t>
+              <a:t>2017. 12. 28.</a:t>
             </a:fld>
             <a:endParaRPr lang="ko-KR" altLang="en-US"/>
           </a:p>
@@ -2676,7 +2677,7 @@
           <a:p>
             <a:fld id="{FCD5F870-5CF7-4E47-8B48-F28281F35852}" type="datetimeFigureOut">
               <a:rPr lang="ko-KR" altLang="en-US" smtClean="0"/>
-              <a:t>2017. 12. 26.</a:t>
+              <a:t>2017. 12. 28.</a:t>
             </a:fld>
             <a:endParaRPr lang="ko-KR" altLang="en-US"/>
           </a:p>
@@ -2917,7 +2918,7 @@
           <a:p>
             <a:fld id="{FCD5F870-5CF7-4E47-8B48-F28281F35852}" type="datetimeFigureOut">
               <a:rPr lang="ko-KR" altLang="en-US" smtClean="0"/>
-              <a:t>2017. 12. 26.</a:t>
+              <a:t>2017. 12. 28.</a:t>
             </a:fld>
             <a:endParaRPr lang="ko-KR" altLang="en-US"/>
           </a:p>
@@ -16247,8 +16248,8 @@
           </a:fontRef>
         </p:style>
       </p:cxnSp>
-      <mc:AlternateContent xmlns:mc="http://schemas.openxmlformats.org/markup-compatibility/2006">
-        <mc:Choice xmlns:a14="http://schemas.microsoft.com/office/drawing/2010/main" Requires="a14">
+      <mc:AlternateContent xmlns:mc="http://schemas.openxmlformats.org/markup-compatibility/2006" xmlns:a14="http://schemas.microsoft.com/office/drawing/2010/main">
+        <mc:Choice Requires="a14">
           <p:sp>
             <p:nvSpPr>
               <p:cNvPr id="32" name="TextBox 31">
@@ -16317,7 +16318,7 @@
             </p:txBody>
           </p:sp>
         </mc:Choice>
-        <mc:Fallback>
+        <mc:Fallback xmlns="">
           <p:sp>
             <p:nvSpPr>
               <p:cNvPr id="32" name="TextBox 31">
@@ -16362,8 +16363,8 @@
           </p:sp>
         </mc:Fallback>
       </mc:AlternateContent>
-      <mc:AlternateContent xmlns:mc="http://schemas.openxmlformats.org/markup-compatibility/2006">
-        <mc:Choice xmlns:a14="http://schemas.microsoft.com/office/drawing/2010/main" Requires="a14">
+      <mc:AlternateContent xmlns:mc="http://schemas.openxmlformats.org/markup-compatibility/2006" xmlns:a14="http://schemas.microsoft.com/office/drawing/2010/main">
+        <mc:Choice Requires="a14">
           <p:sp>
             <p:nvSpPr>
               <p:cNvPr id="33" name="TextBox 32">
@@ -16432,7 +16433,7 @@
             </p:txBody>
           </p:sp>
         </mc:Choice>
-        <mc:Fallback>
+        <mc:Fallback xmlns="">
           <p:sp>
             <p:nvSpPr>
               <p:cNvPr id="33" name="TextBox 32">
@@ -16477,8 +16478,8 @@
           </p:sp>
         </mc:Fallback>
       </mc:AlternateContent>
-      <mc:AlternateContent xmlns:mc="http://schemas.openxmlformats.org/markup-compatibility/2006">
-        <mc:Choice xmlns:a14="http://schemas.microsoft.com/office/drawing/2010/main" Requires="a14">
+      <mc:AlternateContent xmlns:mc="http://schemas.openxmlformats.org/markup-compatibility/2006" xmlns:a14="http://schemas.microsoft.com/office/drawing/2010/main">
+        <mc:Choice Requires="a14">
           <p:sp>
             <p:nvSpPr>
               <p:cNvPr id="34" name="TextBox 33">
@@ -16547,7 +16548,7 @@
             </p:txBody>
           </p:sp>
         </mc:Choice>
-        <mc:Fallback>
+        <mc:Fallback xmlns="">
           <p:sp>
             <p:nvSpPr>
               <p:cNvPr id="34" name="TextBox 33">
@@ -16592,8 +16593,8 @@
           </p:sp>
         </mc:Fallback>
       </mc:AlternateContent>
-      <mc:AlternateContent xmlns:mc="http://schemas.openxmlformats.org/markup-compatibility/2006">
-        <mc:Choice xmlns:a14="http://schemas.microsoft.com/office/drawing/2010/main" Requires="a14">
+      <mc:AlternateContent xmlns:mc="http://schemas.openxmlformats.org/markup-compatibility/2006" xmlns:a14="http://schemas.microsoft.com/office/drawing/2010/main">
+        <mc:Choice Requires="a14">
           <p:sp>
             <p:nvSpPr>
               <p:cNvPr id="35" name="TextBox 34">
@@ -16662,7 +16663,7 @@
             </p:txBody>
           </p:sp>
         </mc:Choice>
-        <mc:Fallback>
+        <mc:Fallback xmlns="">
           <p:sp>
             <p:nvSpPr>
               <p:cNvPr id="35" name="TextBox 34">
@@ -16707,8 +16708,8 @@
           </p:sp>
         </mc:Fallback>
       </mc:AlternateContent>
-      <mc:AlternateContent xmlns:mc="http://schemas.openxmlformats.org/markup-compatibility/2006">
-        <mc:Choice xmlns:a14="http://schemas.microsoft.com/office/drawing/2010/main" Requires="a14">
+      <mc:AlternateContent xmlns:mc="http://schemas.openxmlformats.org/markup-compatibility/2006" xmlns:a14="http://schemas.microsoft.com/office/drawing/2010/main">
+        <mc:Choice Requires="a14">
           <p:sp>
             <p:nvSpPr>
               <p:cNvPr id="36" name="TextBox 35">
@@ -16777,7 +16778,7 @@
             </p:txBody>
           </p:sp>
         </mc:Choice>
-        <mc:Fallback>
+        <mc:Fallback xmlns="">
           <p:sp>
             <p:nvSpPr>
               <p:cNvPr id="36" name="TextBox 35">
@@ -16822,8 +16823,8 @@
           </p:sp>
         </mc:Fallback>
       </mc:AlternateContent>
-      <mc:AlternateContent xmlns:mc="http://schemas.openxmlformats.org/markup-compatibility/2006">
-        <mc:Choice xmlns:a14="http://schemas.microsoft.com/office/drawing/2010/main" Requires="a14">
+      <mc:AlternateContent xmlns:mc="http://schemas.openxmlformats.org/markup-compatibility/2006" xmlns:a14="http://schemas.microsoft.com/office/drawing/2010/main">
+        <mc:Choice Requires="a14">
           <p:sp>
             <p:nvSpPr>
               <p:cNvPr id="37" name="TextBox 36">
@@ -16892,7 +16893,7 @@
             </p:txBody>
           </p:sp>
         </mc:Choice>
-        <mc:Fallback>
+        <mc:Fallback xmlns="">
           <p:sp>
             <p:nvSpPr>
               <p:cNvPr id="37" name="TextBox 36">
@@ -16937,8 +16938,8 @@
           </p:sp>
         </mc:Fallback>
       </mc:AlternateContent>
-      <mc:AlternateContent xmlns:mc="http://schemas.openxmlformats.org/markup-compatibility/2006">
-        <mc:Choice xmlns:a14="http://schemas.microsoft.com/office/drawing/2010/main" Requires="a14">
+      <mc:AlternateContent xmlns:mc="http://schemas.openxmlformats.org/markup-compatibility/2006" xmlns:a14="http://schemas.microsoft.com/office/drawing/2010/main">
+        <mc:Choice Requires="a14">
           <p:sp>
             <p:nvSpPr>
               <p:cNvPr id="39" name="TextBox 38">
@@ -16988,7 +16989,7 @@
             </p:txBody>
           </p:sp>
         </mc:Choice>
-        <mc:Fallback>
+        <mc:Fallback xmlns="">
           <p:sp>
             <p:nvSpPr>
               <p:cNvPr id="39" name="TextBox 38">
@@ -17533,8 +17534,8 @@
           </a:p>
         </p:txBody>
       </p:sp>
-      <mc:AlternateContent xmlns:mc="http://schemas.openxmlformats.org/markup-compatibility/2006">
-        <mc:Choice xmlns:a14="http://schemas.microsoft.com/office/drawing/2010/main" Requires="a14">
+      <mc:AlternateContent xmlns:mc="http://schemas.openxmlformats.org/markup-compatibility/2006" xmlns:a14="http://schemas.microsoft.com/office/drawing/2010/main">
+        <mc:Choice Requires="a14">
           <p:sp>
             <p:nvSpPr>
               <p:cNvPr id="55" name="TextBox 54">
@@ -17615,7 +17616,7 @@
             </p:txBody>
           </p:sp>
         </mc:Choice>
-        <mc:Fallback>
+        <mc:Fallback xmlns="">
           <p:sp>
             <p:nvSpPr>
               <p:cNvPr id="55" name="TextBox 54">
@@ -17660,8 +17661,8 @@
           </p:sp>
         </mc:Fallback>
       </mc:AlternateContent>
-      <mc:AlternateContent xmlns:mc="http://schemas.openxmlformats.org/markup-compatibility/2006">
-        <mc:Choice xmlns:a14="http://schemas.microsoft.com/office/drawing/2010/main" Requires="a14">
+      <mc:AlternateContent xmlns:mc="http://schemas.openxmlformats.org/markup-compatibility/2006" xmlns:a14="http://schemas.microsoft.com/office/drawing/2010/main">
+        <mc:Choice Requires="a14">
           <p:sp>
             <p:nvSpPr>
               <p:cNvPr id="57" name="TextBox 56">
@@ -17742,7 +17743,7 @@
             </p:txBody>
           </p:sp>
         </mc:Choice>
-        <mc:Fallback>
+        <mc:Fallback xmlns="">
           <p:sp>
             <p:nvSpPr>
               <p:cNvPr id="57" name="TextBox 56">
@@ -17787,8 +17788,8 @@
           </p:sp>
         </mc:Fallback>
       </mc:AlternateContent>
-      <mc:AlternateContent xmlns:mc="http://schemas.openxmlformats.org/markup-compatibility/2006">
-        <mc:Choice xmlns:a14="http://schemas.microsoft.com/office/drawing/2010/main" Requires="a14">
+      <mc:AlternateContent xmlns:mc="http://schemas.openxmlformats.org/markup-compatibility/2006" xmlns:a14="http://schemas.microsoft.com/office/drawing/2010/main">
+        <mc:Choice Requires="a14">
           <p:sp>
             <p:nvSpPr>
               <p:cNvPr id="58" name="TextBox 57">
@@ -17869,7 +17870,7 @@
             </p:txBody>
           </p:sp>
         </mc:Choice>
-        <mc:Fallback>
+        <mc:Fallback xmlns="">
           <p:sp>
             <p:nvSpPr>
               <p:cNvPr id="58" name="TextBox 57">
@@ -20234,6 +20235,915 @@
     <p:extLst>
       <p:ext uri="{BB962C8B-B14F-4D97-AF65-F5344CB8AC3E}">
         <p14:creationId xmlns:p14="http://schemas.microsoft.com/office/powerpoint/2010/main" val="3637896174"/>
+      </p:ext>
+    </p:extLst>
+  </p:cSld>
+  <p:clrMapOvr>
+    <a:masterClrMapping/>
+  </p:clrMapOvr>
+</p:sld>
+</file>
+
+<file path=ppt/slides/slide6.xml><?xml version="1.0" encoding="utf-8"?>
+<p:sld xmlns:a="http://schemas.openxmlformats.org/drawingml/2006/main" xmlns:r="http://schemas.openxmlformats.org/officeDocument/2006/relationships" xmlns:p="http://schemas.openxmlformats.org/presentationml/2006/main">
+  <p:cSld>
+    <p:spTree>
+      <p:nvGrpSpPr>
+        <p:cNvPr id="1" name=""/>
+        <p:cNvGrpSpPr/>
+        <p:nvPr/>
+      </p:nvGrpSpPr>
+      <p:grpSpPr>
+        <a:xfrm>
+          <a:off x="0" y="0"/>
+          <a:ext cx="0" cy="0"/>
+          <a:chOff x="0" y="0"/>
+          <a:chExt cx="0" cy="0"/>
+        </a:xfrm>
+      </p:grpSpPr>
+      <p:graphicFrame>
+        <p:nvGraphicFramePr>
+          <p:cNvPr id="4" name="표 3">
+            <a:extLst>
+              <a:ext uri="{FF2B5EF4-FFF2-40B4-BE49-F238E27FC236}">
+                <a16:creationId xmlns:a16="http://schemas.microsoft.com/office/drawing/2014/main" id="{713F89FF-6ED5-4C51-8B84-A8DB1F419E19}"/>
+              </a:ext>
+            </a:extLst>
+          </p:cNvPr>
+          <p:cNvGraphicFramePr>
+            <a:graphicFrameLocks noGrp="1"/>
+          </p:cNvGraphicFramePr>
+          <p:nvPr>
+            <p:extLst>
+              <p:ext uri="{D42A27DB-BD31-4B8C-83A1-F6EECF244321}">
+                <p14:modId xmlns:p14="http://schemas.microsoft.com/office/powerpoint/2010/main" val="83746561"/>
+              </p:ext>
+            </p:extLst>
+          </p:nvPr>
+        </p:nvGraphicFramePr>
+        <p:xfrm>
+          <a:off x="381923" y="4019818"/>
+          <a:ext cx="5141885" cy="610370"/>
+        </p:xfrm>
+        <a:graphic>
+          <a:graphicData uri="http://schemas.openxmlformats.org/drawingml/2006/table">
+            <a:tbl>
+              <a:tblPr firstRow="1" bandRow="1">
+                <a:tableStyleId>{5940675A-B579-460E-94D1-54222C63F5DA}</a:tableStyleId>
+              </a:tblPr>
+              <a:tblGrid>
+                <a:gridCol w="734555">
+                  <a:extLst>
+                    <a:ext uri="{9D8B030D-6E8A-4147-A177-3AD203B41FA5}">
+                      <a16:colId xmlns:a16="http://schemas.microsoft.com/office/drawing/2014/main" val="3945835650"/>
+                    </a:ext>
+                  </a:extLst>
+                </a:gridCol>
+                <a:gridCol w="734555">
+                  <a:extLst>
+                    <a:ext uri="{9D8B030D-6E8A-4147-A177-3AD203B41FA5}">
+                      <a16:colId xmlns:a16="http://schemas.microsoft.com/office/drawing/2014/main" val="2575170332"/>
+                    </a:ext>
+                  </a:extLst>
+                </a:gridCol>
+                <a:gridCol w="734555">
+                  <a:extLst>
+                    <a:ext uri="{9D8B030D-6E8A-4147-A177-3AD203B41FA5}">
+                      <a16:colId xmlns:a16="http://schemas.microsoft.com/office/drawing/2014/main" val="1734583873"/>
+                    </a:ext>
+                  </a:extLst>
+                </a:gridCol>
+                <a:gridCol w="734555">
+                  <a:extLst>
+                    <a:ext uri="{9D8B030D-6E8A-4147-A177-3AD203B41FA5}">
+                      <a16:colId xmlns:a16="http://schemas.microsoft.com/office/drawing/2014/main" val="1587511665"/>
+                    </a:ext>
+                  </a:extLst>
+                </a:gridCol>
+                <a:gridCol w="734555">
+                  <a:extLst>
+                    <a:ext uri="{9D8B030D-6E8A-4147-A177-3AD203B41FA5}">
+                      <a16:colId xmlns:a16="http://schemas.microsoft.com/office/drawing/2014/main" val="3016036210"/>
+                    </a:ext>
+                  </a:extLst>
+                </a:gridCol>
+                <a:gridCol w="734555">
+                  <a:extLst>
+                    <a:ext uri="{9D8B030D-6E8A-4147-A177-3AD203B41FA5}">
+                      <a16:colId xmlns:a16="http://schemas.microsoft.com/office/drawing/2014/main" val="1807036605"/>
+                    </a:ext>
+                  </a:extLst>
+                </a:gridCol>
+                <a:gridCol w="734555">
+                  <a:extLst>
+                    <a:ext uri="{9D8B030D-6E8A-4147-A177-3AD203B41FA5}">
+                      <a16:colId xmlns:a16="http://schemas.microsoft.com/office/drawing/2014/main" val="3670928212"/>
+                    </a:ext>
+                  </a:extLst>
+                </a:gridCol>
+              </a:tblGrid>
+              <a:tr h="610370">
+                <a:tc>
+                  <a:txBody>
+                    <a:bodyPr/>
+                    <a:lstStyle/>
+                    <a:p>
+                      <a:pPr algn="ctr" latinLnBrk="1"/>
+                      <a:r>
+                        <a:rPr lang="en-US" altLang="ko-KR" sz="1400" dirty="0"/>
+                        <a:t>I</a:t>
+                      </a:r>
+                      <a:endParaRPr lang="ko-KR" altLang="en-US" sz="1400" dirty="0"/>
+                    </a:p>
+                  </a:txBody>
+                  <a:tcPr anchor="ctr"/>
+                </a:tc>
+                <a:tc>
+                  <a:txBody>
+                    <a:bodyPr/>
+                    <a:lstStyle/>
+                    <a:p>
+                      <a:pPr algn="ctr" latinLnBrk="1"/>
+                      <a:r>
+                        <a:rPr lang="en-US" altLang="ko-KR" sz="1400" dirty="0"/>
+                        <a:t>love</a:t>
+                      </a:r>
+                      <a:endParaRPr lang="ko-KR" altLang="en-US" sz="1400" dirty="0"/>
+                    </a:p>
+                  </a:txBody>
+                  <a:tcPr anchor="ctr"/>
+                </a:tc>
+                <a:tc>
+                  <a:txBody>
+                    <a:bodyPr/>
+                    <a:lstStyle/>
+                    <a:p>
+                      <a:pPr algn="ctr" latinLnBrk="1"/>
+                      <a:r>
+                        <a:rPr lang="en-US" altLang="ko-KR" sz="1400" dirty="0"/>
+                        <a:t>to</a:t>
+                      </a:r>
+                      <a:endParaRPr lang="ko-KR" altLang="en-US" sz="1400" dirty="0"/>
+                    </a:p>
+                  </a:txBody>
+                  <a:tcPr anchor="ctr"/>
+                </a:tc>
+                <a:tc>
+                  <a:txBody>
+                    <a:bodyPr/>
+                    <a:lstStyle/>
+                    <a:p>
+                      <a:pPr algn="ctr" latinLnBrk="1"/>
+                      <a:r>
+                        <a:rPr lang="en-US" altLang="ko-KR" sz="1400" dirty="0"/>
+                        <a:t>go</a:t>
+                      </a:r>
+                      <a:endParaRPr lang="ko-KR" altLang="en-US" sz="1400" dirty="0"/>
+                    </a:p>
+                  </a:txBody>
+                  <a:tcPr anchor="ctr"/>
+                </a:tc>
+                <a:tc>
+                  <a:txBody>
+                    <a:bodyPr/>
+                    <a:lstStyle/>
+                    <a:p>
+                      <a:pPr algn="ctr" latinLnBrk="1"/>
+                      <a:r>
+                        <a:rPr lang="en-US" altLang="ko-KR" sz="1400" dirty="0"/>
+                        <a:t>to</a:t>
+                      </a:r>
+                      <a:endParaRPr lang="ko-KR" altLang="en-US" sz="1400" dirty="0"/>
+                    </a:p>
+                  </a:txBody>
+                  <a:tcPr anchor="ctr"/>
+                </a:tc>
+                <a:tc>
+                  <a:txBody>
+                    <a:bodyPr/>
+                    <a:lstStyle/>
+                    <a:p>
+                      <a:pPr algn="ctr" latinLnBrk="1"/>
+                      <a:r>
+                        <a:rPr lang="en-US" altLang="ko-KR" sz="1400" dirty="0"/>
+                        <a:t>school</a:t>
+                      </a:r>
+                      <a:endParaRPr lang="ko-KR" altLang="en-US" sz="1400" dirty="0"/>
+                    </a:p>
+                  </a:txBody>
+                  <a:tcPr anchor="ctr"/>
+                </a:tc>
+                <a:tc>
+                  <a:txBody>
+                    <a:bodyPr/>
+                    <a:lstStyle/>
+                    <a:p>
+                      <a:pPr algn="ctr" latinLnBrk="1"/>
+                      <a:r>
+                        <a:rPr lang="en-US" altLang="ko-KR" sz="1400" dirty="0"/>
+                        <a:t>.</a:t>
+                      </a:r>
+                      <a:endParaRPr lang="ko-KR" altLang="en-US" sz="1400" dirty="0"/>
+                    </a:p>
+                  </a:txBody>
+                  <a:tcPr anchor="ctr"/>
+                </a:tc>
+                <a:extLst>
+                  <a:ext uri="{0D108BD9-81ED-4DB2-BD59-A6C34878D82A}">
+                    <a16:rowId xmlns:a16="http://schemas.microsoft.com/office/drawing/2014/main" val="4245261966"/>
+                  </a:ext>
+                </a:extLst>
+              </a:tr>
+            </a:tbl>
+          </a:graphicData>
+        </a:graphic>
+      </p:graphicFrame>
+      <p:graphicFrame>
+        <p:nvGraphicFramePr>
+          <p:cNvPr id="5" name="표 4">
+            <a:extLst>
+              <a:ext uri="{FF2B5EF4-FFF2-40B4-BE49-F238E27FC236}">
+                <a16:creationId xmlns:a16="http://schemas.microsoft.com/office/drawing/2014/main" id="{3F6B840D-08E7-47F4-96C3-A1C3DE047B20}"/>
+              </a:ext>
+            </a:extLst>
+          </p:cNvPr>
+          <p:cNvGraphicFramePr>
+            <a:graphicFrameLocks noGrp="1"/>
+          </p:cNvGraphicFramePr>
+          <p:nvPr>
+            <p:extLst>
+              <p:ext uri="{D42A27DB-BD31-4B8C-83A1-F6EECF244321}">
+                <p14:modId xmlns:p14="http://schemas.microsoft.com/office/powerpoint/2010/main" val="333780328"/>
+              </p:ext>
+            </p:extLst>
+          </p:nvPr>
+        </p:nvGraphicFramePr>
+        <p:xfrm>
+          <a:off x="6419734" y="4019818"/>
+          <a:ext cx="5141885" cy="610370"/>
+        </p:xfrm>
+        <a:graphic>
+          <a:graphicData uri="http://schemas.openxmlformats.org/drawingml/2006/table">
+            <a:tbl>
+              <a:tblPr firstRow="1" bandRow="1">
+                <a:tableStyleId>{5940675A-B579-460E-94D1-54222C63F5DA}</a:tableStyleId>
+              </a:tblPr>
+              <a:tblGrid>
+                <a:gridCol w="734555">
+                  <a:extLst>
+                    <a:ext uri="{9D8B030D-6E8A-4147-A177-3AD203B41FA5}">
+                      <a16:colId xmlns:a16="http://schemas.microsoft.com/office/drawing/2014/main" val="3945835650"/>
+                    </a:ext>
+                  </a:extLst>
+                </a:gridCol>
+                <a:gridCol w="734555">
+                  <a:extLst>
+                    <a:ext uri="{9D8B030D-6E8A-4147-A177-3AD203B41FA5}">
+                      <a16:colId xmlns:a16="http://schemas.microsoft.com/office/drawing/2014/main" val="2575170332"/>
+                    </a:ext>
+                  </a:extLst>
+                </a:gridCol>
+                <a:gridCol w="734555">
+                  <a:extLst>
+                    <a:ext uri="{9D8B030D-6E8A-4147-A177-3AD203B41FA5}">
+                      <a16:colId xmlns:a16="http://schemas.microsoft.com/office/drawing/2014/main" val="1734583873"/>
+                    </a:ext>
+                  </a:extLst>
+                </a:gridCol>
+                <a:gridCol w="734555">
+                  <a:extLst>
+                    <a:ext uri="{9D8B030D-6E8A-4147-A177-3AD203B41FA5}">
+                      <a16:colId xmlns:a16="http://schemas.microsoft.com/office/drawing/2014/main" val="1587511665"/>
+                    </a:ext>
+                  </a:extLst>
+                </a:gridCol>
+                <a:gridCol w="734555">
+                  <a:extLst>
+                    <a:ext uri="{9D8B030D-6E8A-4147-A177-3AD203B41FA5}">
+                      <a16:colId xmlns:a16="http://schemas.microsoft.com/office/drawing/2014/main" val="3016036210"/>
+                    </a:ext>
+                  </a:extLst>
+                </a:gridCol>
+                <a:gridCol w="734555">
+                  <a:extLst>
+                    <a:ext uri="{9D8B030D-6E8A-4147-A177-3AD203B41FA5}">
+                      <a16:colId xmlns:a16="http://schemas.microsoft.com/office/drawing/2014/main" val="1807036605"/>
+                    </a:ext>
+                  </a:extLst>
+                </a:gridCol>
+                <a:gridCol w="734555">
+                  <a:extLst>
+                    <a:ext uri="{9D8B030D-6E8A-4147-A177-3AD203B41FA5}">
+                      <a16:colId xmlns:a16="http://schemas.microsoft.com/office/drawing/2014/main" val="3670928212"/>
+                    </a:ext>
+                  </a:extLst>
+                </a:gridCol>
+              </a:tblGrid>
+              <a:tr h="610370">
+                <a:tc>
+                  <a:txBody>
+                    <a:bodyPr/>
+                    <a:lstStyle/>
+                    <a:p>
+                      <a:pPr algn="ctr" latinLnBrk="1"/>
+                      <a:r>
+                        <a:rPr lang="ko-KR" altLang="en-US" sz="1400" dirty="0"/>
+                        <a:t>나는</a:t>
+                      </a:r>
+                    </a:p>
+                  </a:txBody>
+                  <a:tcPr anchor="ctr"/>
+                </a:tc>
+                <a:tc>
+                  <a:txBody>
+                    <a:bodyPr/>
+                    <a:lstStyle/>
+                    <a:p>
+                      <a:pPr algn="ctr" latinLnBrk="1"/>
+                      <a:endParaRPr lang="ko-KR" altLang="en-US" sz="1400" dirty="0"/>
+                    </a:p>
+                  </a:txBody>
+                  <a:tcPr anchor="ctr"/>
+                </a:tc>
+                <a:tc>
+                  <a:txBody>
+                    <a:bodyPr/>
+                    <a:lstStyle/>
+                    <a:p>
+                      <a:pPr algn="ctr" latinLnBrk="1"/>
+                      <a:endParaRPr lang="ko-KR" altLang="en-US" sz="1400" dirty="0"/>
+                    </a:p>
+                  </a:txBody>
+                  <a:tcPr anchor="ctr"/>
+                </a:tc>
+                <a:tc>
+                  <a:txBody>
+                    <a:bodyPr/>
+                    <a:lstStyle/>
+                    <a:p>
+                      <a:pPr algn="ctr" latinLnBrk="1"/>
+                      <a:endParaRPr lang="ko-KR" altLang="en-US" sz="1400" dirty="0"/>
+                    </a:p>
+                  </a:txBody>
+                  <a:tcPr anchor="ctr"/>
+                </a:tc>
+                <a:tc>
+                  <a:txBody>
+                    <a:bodyPr/>
+                    <a:lstStyle/>
+                    <a:p>
+                      <a:pPr algn="ctr" latinLnBrk="1"/>
+                      <a:endParaRPr lang="ko-KR" altLang="en-US" sz="1400" dirty="0"/>
+                    </a:p>
+                  </a:txBody>
+                  <a:tcPr anchor="ctr"/>
+                </a:tc>
+                <a:tc>
+                  <a:txBody>
+                    <a:bodyPr/>
+                    <a:lstStyle/>
+                    <a:p>
+                      <a:pPr algn="ctr" latinLnBrk="1"/>
+                      <a:endParaRPr lang="ko-KR" altLang="en-US" sz="1400" dirty="0"/>
+                    </a:p>
+                  </a:txBody>
+                  <a:tcPr anchor="ctr"/>
+                </a:tc>
+                <a:tc>
+                  <a:txBody>
+                    <a:bodyPr/>
+                    <a:lstStyle/>
+                    <a:p>
+                      <a:pPr algn="ctr" latinLnBrk="1"/>
+                      <a:endParaRPr lang="ko-KR" altLang="en-US" sz="1400" dirty="0"/>
+                    </a:p>
+                  </a:txBody>
+                  <a:tcPr anchor="ctr"/>
+                </a:tc>
+                <a:extLst>
+                  <a:ext uri="{0D108BD9-81ED-4DB2-BD59-A6C34878D82A}">
+                    <a16:rowId xmlns:a16="http://schemas.microsoft.com/office/drawing/2014/main" val="4245261966"/>
+                  </a:ext>
+                </a:extLst>
+              </a:tr>
+            </a:tbl>
+          </a:graphicData>
+        </a:graphic>
+      </p:graphicFrame>
+      <p:cxnSp>
+        <p:nvCxnSpPr>
+          <p:cNvPr id="7" name="직선 화살표 연결선 6">
+            <a:extLst>
+              <a:ext uri="{FF2B5EF4-FFF2-40B4-BE49-F238E27FC236}">
+                <a16:creationId xmlns:a16="http://schemas.microsoft.com/office/drawing/2014/main" id="{A92051A5-AA44-49A5-B839-4E7E45340429}"/>
+              </a:ext>
+            </a:extLst>
+          </p:cNvPr>
+          <p:cNvCxnSpPr>
+            <a:cxnSpLocks/>
+            <a:stCxn id="4" idx="3"/>
+            <a:endCxn id="5" idx="1"/>
+          </p:cNvCxnSpPr>
+          <p:nvPr/>
+        </p:nvCxnSpPr>
+        <p:spPr>
+          <a:xfrm>
+            <a:off x="5523808" y="4325003"/>
+            <a:ext cx="895926" cy="0"/>
+          </a:xfrm>
+          <a:prstGeom prst="straightConnector1">
+            <a:avLst/>
+          </a:prstGeom>
+          <a:ln>
+            <a:tailEnd type="triangle"/>
+          </a:ln>
+        </p:spPr>
+        <p:style>
+          <a:lnRef idx="1">
+            <a:schemeClr val="accent1"/>
+          </a:lnRef>
+          <a:fillRef idx="0">
+            <a:schemeClr val="accent1"/>
+          </a:fillRef>
+          <a:effectRef idx="0">
+            <a:schemeClr val="accent1"/>
+          </a:effectRef>
+          <a:fontRef idx="minor">
+            <a:schemeClr val="tx1"/>
+          </a:fontRef>
+        </p:style>
+      </p:cxnSp>
+      <p:sp>
+        <p:nvSpPr>
+          <p:cNvPr id="9" name="직사각형 8">
+            <a:extLst>
+              <a:ext uri="{FF2B5EF4-FFF2-40B4-BE49-F238E27FC236}">
+                <a16:creationId xmlns:a16="http://schemas.microsoft.com/office/drawing/2014/main" id="{22097D4C-5518-4C69-A165-AFA7E3E6B2AD}"/>
+              </a:ext>
+            </a:extLst>
+          </p:cNvPr>
+          <p:cNvSpPr/>
+          <p:nvPr/>
+        </p:nvSpPr>
+        <p:spPr>
+          <a:xfrm>
+            <a:off x="6212377" y="2614350"/>
+            <a:ext cx="1267691" cy="444725"/>
+          </a:xfrm>
+          <a:prstGeom prst="rect">
+            <a:avLst/>
+          </a:prstGeom>
+        </p:spPr>
+        <p:style>
+          <a:lnRef idx="2">
+            <a:schemeClr val="accent1">
+              <a:shade val="50000"/>
+            </a:schemeClr>
+          </a:lnRef>
+          <a:fillRef idx="1">
+            <a:schemeClr val="accent1"/>
+          </a:fillRef>
+          <a:effectRef idx="0">
+            <a:schemeClr val="accent1"/>
+          </a:effectRef>
+          <a:fontRef idx="minor">
+            <a:schemeClr val="lt1"/>
+          </a:fontRef>
+        </p:style>
+        <p:txBody>
+          <a:bodyPr rtlCol="0" anchor="ctr"/>
+          <a:lstStyle/>
+          <a:p>
+            <a:pPr algn="ctr"/>
+            <a:r>
+              <a:rPr lang="en-US" altLang="ko-KR" sz="1200" dirty="0"/>
+              <a:t>Linear Transform</a:t>
+            </a:r>
+            <a:endParaRPr lang="ko-KR" altLang="en-US" sz="1200" dirty="0"/>
+          </a:p>
+        </p:txBody>
+      </p:sp>
+      <p:cxnSp>
+        <p:nvCxnSpPr>
+          <p:cNvPr id="11" name="직선 화살표 연결선 10">
+            <a:extLst>
+              <a:ext uri="{FF2B5EF4-FFF2-40B4-BE49-F238E27FC236}">
+                <a16:creationId xmlns:a16="http://schemas.microsoft.com/office/drawing/2014/main" id="{993FD817-7B6A-488C-8CBC-6C3BF690CD6C}"/>
+              </a:ext>
+            </a:extLst>
+          </p:cNvPr>
+          <p:cNvCxnSpPr>
+            <a:cxnSpLocks/>
+            <a:endCxn id="9" idx="2"/>
+          </p:cNvCxnSpPr>
+          <p:nvPr/>
+        </p:nvCxnSpPr>
+        <p:spPr>
+          <a:xfrm flipH="1" flipV="1">
+            <a:off x="6846223" y="3059075"/>
+            <a:ext cx="672639" cy="960742"/>
+          </a:xfrm>
+          <a:prstGeom prst="straightConnector1">
+            <a:avLst/>
+          </a:prstGeom>
+          <a:ln>
+            <a:tailEnd type="triangle"/>
+          </a:ln>
+        </p:spPr>
+        <p:style>
+          <a:lnRef idx="1">
+            <a:schemeClr val="accent1"/>
+          </a:lnRef>
+          <a:fillRef idx="0">
+            <a:schemeClr val="accent1"/>
+          </a:fillRef>
+          <a:effectRef idx="0">
+            <a:schemeClr val="accent1"/>
+          </a:effectRef>
+          <a:fontRef idx="minor">
+            <a:schemeClr val="tx1"/>
+          </a:fontRef>
+        </p:style>
+      </p:cxnSp>
+      <p:cxnSp>
+        <p:nvCxnSpPr>
+          <p:cNvPr id="14" name="직선 화살표 연결선 13">
+            <a:extLst>
+              <a:ext uri="{FF2B5EF4-FFF2-40B4-BE49-F238E27FC236}">
+                <a16:creationId xmlns:a16="http://schemas.microsoft.com/office/drawing/2014/main" id="{833B5D72-C0FE-4361-B931-54AA6ECAFE69}"/>
+              </a:ext>
+            </a:extLst>
+          </p:cNvPr>
+          <p:cNvCxnSpPr>
+            <a:cxnSpLocks/>
+            <a:endCxn id="16" idx="2"/>
+          </p:cNvCxnSpPr>
+          <p:nvPr/>
+        </p:nvCxnSpPr>
+        <p:spPr>
+          <a:xfrm flipV="1">
+            <a:off x="3686695" y="1981389"/>
+            <a:ext cx="1891837" cy="2038428"/>
+          </a:xfrm>
+          <a:prstGeom prst="straightConnector1">
+            <a:avLst/>
+          </a:prstGeom>
+          <a:ln>
+            <a:tailEnd type="triangle"/>
+          </a:ln>
+        </p:spPr>
+        <p:style>
+          <a:lnRef idx="1">
+            <a:schemeClr val="accent1"/>
+          </a:lnRef>
+          <a:fillRef idx="0">
+            <a:schemeClr val="accent1"/>
+          </a:fillRef>
+          <a:effectRef idx="0">
+            <a:schemeClr val="accent1"/>
+          </a:effectRef>
+          <a:fontRef idx="minor">
+            <a:schemeClr val="tx1"/>
+          </a:fontRef>
+        </p:style>
+      </p:cxnSp>
+      <p:sp>
+        <p:nvSpPr>
+          <p:cNvPr id="16" name="직사각형 15">
+            <a:extLst>
+              <a:ext uri="{FF2B5EF4-FFF2-40B4-BE49-F238E27FC236}">
+                <a16:creationId xmlns:a16="http://schemas.microsoft.com/office/drawing/2014/main" id="{D250C7A4-AD73-4F1C-B127-5926FCD3E892}"/>
+              </a:ext>
+            </a:extLst>
+          </p:cNvPr>
+          <p:cNvSpPr/>
+          <p:nvPr/>
+        </p:nvSpPr>
+        <p:spPr>
+          <a:xfrm>
+            <a:off x="4944686" y="1536664"/>
+            <a:ext cx="1267691" cy="444725"/>
+          </a:xfrm>
+          <a:prstGeom prst="rect">
+            <a:avLst/>
+          </a:prstGeom>
+        </p:spPr>
+        <p:style>
+          <a:lnRef idx="2">
+            <a:schemeClr val="accent1">
+              <a:shade val="50000"/>
+            </a:schemeClr>
+          </a:lnRef>
+          <a:fillRef idx="1">
+            <a:schemeClr val="accent1"/>
+          </a:fillRef>
+          <a:effectRef idx="0">
+            <a:schemeClr val="accent1"/>
+          </a:effectRef>
+          <a:fontRef idx="minor">
+            <a:schemeClr val="lt1"/>
+          </a:fontRef>
+        </p:style>
+        <p:txBody>
+          <a:bodyPr rtlCol="0" anchor="ctr"/>
+          <a:lstStyle/>
+          <a:p>
+            <a:pPr algn="ctr"/>
+            <a:r>
+              <a:rPr lang="en-US" altLang="ko-KR" sz="1200" dirty="0"/>
+              <a:t>Context</a:t>
+            </a:r>
+          </a:p>
+          <a:p>
+            <a:pPr algn="ctr"/>
+            <a:r>
+              <a:rPr lang="en-US" altLang="ko-KR" sz="1200" dirty="0"/>
+              <a:t>Vector</a:t>
+            </a:r>
+            <a:endParaRPr lang="ko-KR" altLang="en-US" sz="1200" dirty="0"/>
+          </a:p>
+        </p:txBody>
+      </p:sp>
+      <p:cxnSp>
+        <p:nvCxnSpPr>
+          <p:cNvPr id="19" name="직선 화살표 연결선 18">
+            <a:extLst>
+              <a:ext uri="{FF2B5EF4-FFF2-40B4-BE49-F238E27FC236}">
+                <a16:creationId xmlns:a16="http://schemas.microsoft.com/office/drawing/2014/main" id="{30797A38-676D-4AC8-B9FE-FB3E2433174F}"/>
+              </a:ext>
+            </a:extLst>
+          </p:cNvPr>
+          <p:cNvCxnSpPr>
+            <a:cxnSpLocks/>
+            <a:endCxn id="16" idx="2"/>
+          </p:cNvCxnSpPr>
+          <p:nvPr/>
+        </p:nvCxnSpPr>
+        <p:spPr>
+          <a:xfrm flipV="1">
+            <a:off x="4419947" y="1981389"/>
+            <a:ext cx="1158585" cy="2038428"/>
+          </a:xfrm>
+          <a:prstGeom prst="straightConnector1">
+            <a:avLst/>
+          </a:prstGeom>
+          <a:ln>
+            <a:tailEnd type="triangle"/>
+          </a:ln>
+        </p:spPr>
+        <p:style>
+          <a:lnRef idx="1">
+            <a:schemeClr val="accent1"/>
+          </a:lnRef>
+          <a:fillRef idx="0">
+            <a:schemeClr val="accent1"/>
+          </a:fillRef>
+          <a:effectRef idx="0">
+            <a:schemeClr val="accent1"/>
+          </a:effectRef>
+          <a:fontRef idx="minor">
+            <a:schemeClr val="tx1"/>
+          </a:fontRef>
+        </p:style>
+      </p:cxnSp>
+      <p:cxnSp>
+        <p:nvCxnSpPr>
+          <p:cNvPr id="22" name="직선 화살표 연결선 21">
+            <a:extLst>
+              <a:ext uri="{FF2B5EF4-FFF2-40B4-BE49-F238E27FC236}">
+                <a16:creationId xmlns:a16="http://schemas.microsoft.com/office/drawing/2014/main" id="{C1889E77-320C-45AA-8DED-47D8CCDC3727}"/>
+              </a:ext>
+            </a:extLst>
+          </p:cNvPr>
+          <p:cNvCxnSpPr>
+            <a:cxnSpLocks/>
+            <a:stCxn id="9" idx="0"/>
+            <a:endCxn id="16" idx="2"/>
+          </p:cNvCxnSpPr>
+          <p:nvPr/>
+        </p:nvCxnSpPr>
+        <p:spPr>
+          <a:xfrm flipH="1" flipV="1">
+            <a:off x="5578532" y="1981389"/>
+            <a:ext cx="1267691" cy="632961"/>
+          </a:xfrm>
+          <a:prstGeom prst="straightConnector1">
+            <a:avLst/>
+          </a:prstGeom>
+          <a:ln>
+            <a:tailEnd type="triangle"/>
+          </a:ln>
+        </p:spPr>
+        <p:style>
+          <a:lnRef idx="1">
+            <a:schemeClr val="accent1"/>
+          </a:lnRef>
+          <a:fillRef idx="0">
+            <a:schemeClr val="accent1"/>
+          </a:fillRef>
+          <a:effectRef idx="0">
+            <a:schemeClr val="accent1"/>
+          </a:effectRef>
+          <a:fontRef idx="minor">
+            <a:schemeClr val="tx1"/>
+          </a:fontRef>
+        </p:style>
+      </p:cxnSp>
+      <p:sp>
+        <p:nvSpPr>
+          <p:cNvPr id="27" name="TextBox 26">
+            <a:extLst>
+              <a:ext uri="{FF2B5EF4-FFF2-40B4-BE49-F238E27FC236}">
+                <a16:creationId xmlns:a16="http://schemas.microsoft.com/office/drawing/2014/main" id="{3C78C545-6C07-457A-97DF-67A9E2290DDD}"/>
+              </a:ext>
+            </a:extLst>
+          </p:cNvPr>
+          <p:cNvSpPr txBox="1"/>
+          <p:nvPr/>
+        </p:nvSpPr>
+        <p:spPr>
+          <a:xfrm>
+            <a:off x="4052455" y="3059075"/>
+            <a:ext cx="423514" cy="307777"/>
+          </a:xfrm>
+          <a:prstGeom prst="rect">
+            <a:avLst/>
+          </a:prstGeom>
+          <a:noFill/>
+        </p:spPr>
+        <p:txBody>
+          <a:bodyPr wrap="none" rtlCol="0">
+            <a:spAutoFit/>
+          </a:bodyPr>
+          <a:lstStyle/>
+          <a:p>
+            <a:r>
+              <a:rPr lang="en-US" altLang="ko-KR" sz="1400" dirty="0"/>
+              <a:t>0.2</a:t>
+            </a:r>
+            <a:endParaRPr lang="ko-KR" altLang="en-US" sz="1400" dirty="0"/>
+          </a:p>
+        </p:txBody>
+      </p:sp>
+      <p:sp>
+        <p:nvSpPr>
+          <p:cNvPr id="28" name="TextBox 27">
+            <a:extLst>
+              <a:ext uri="{FF2B5EF4-FFF2-40B4-BE49-F238E27FC236}">
+                <a16:creationId xmlns:a16="http://schemas.microsoft.com/office/drawing/2014/main" id="{C4D5B7D3-6188-424E-BB7C-8B272F438DF1}"/>
+              </a:ext>
+            </a:extLst>
+          </p:cNvPr>
+          <p:cNvSpPr txBox="1"/>
+          <p:nvPr/>
+        </p:nvSpPr>
+        <p:spPr>
+          <a:xfrm>
+            <a:off x="4732929" y="3212963"/>
+            <a:ext cx="423514" cy="307777"/>
+          </a:xfrm>
+          <a:prstGeom prst="rect">
+            <a:avLst/>
+          </a:prstGeom>
+          <a:noFill/>
+        </p:spPr>
+        <p:txBody>
+          <a:bodyPr wrap="none" rtlCol="0">
+            <a:spAutoFit/>
+          </a:bodyPr>
+          <a:lstStyle/>
+          <a:p>
+            <a:r>
+              <a:rPr lang="en-US" altLang="ko-KR" sz="1400" dirty="0"/>
+              <a:t>0.8</a:t>
+            </a:r>
+            <a:endParaRPr lang="ko-KR" altLang="en-US" sz="1400" dirty="0"/>
+          </a:p>
+        </p:txBody>
+      </p:sp>
+      <p:sp>
+        <p:nvSpPr>
+          <p:cNvPr id="29" name="TextBox 28">
+            <a:extLst>
+              <a:ext uri="{FF2B5EF4-FFF2-40B4-BE49-F238E27FC236}">
+                <a16:creationId xmlns:a16="http://schemas.microsoft.com/office/drawing/2014/main" id="{2412A45E-A7BB-4937-B641-6923AC946888}"/>
+              </a:ext>
+            </a:extLst>
+          </p:cNvPr>
+          <p:cNvSpPr txBox="1"/>
+          <p:nvPr/>
+        </p:nvSpPr>
+        <p:spPr>
+          <a:xfrm>
+            <a:off x="5216893" y="784162"/>
+            <a:ext cx="723275" cy="307777"/>
+          </a:xfrm>
+          <a:prstGeom prst="rect">
+            <a:avLst/>
+          </a:prstGeom>
+          <a:noFill/>
+        </p:spPr>
+        <p:txBody>
+          <a:bodyPr wrap="none" rtlCol="0">
+            <a:spAutoFit/>
+          </a:bodyPr>
+          <a:lstStyle/>
+          <a:p>
+            <a:r>
+              <a:rPr lang="ko-KR" altLang="en-US" sz="1400" dirty="0"/>
+              <a:t>학교에</a:t>
+            </a:r>
+          </a:p>
+        </p:txBody>
+      </p:sp>
+      <p:cxnSp>
+        <p:nvCxnSpPr>
+          <p:cNvPr id="30" name="직선 화살표 연결선 29">
+            <a:extLst>
+              <a:ext uri="{FF2B5EF4-FFF2-40B4-BE49-F238E27FC236}">
+                <a16:creationId xmlns:a16="http://schemas.microsoft.com/office/drawing/2014/main" id="{19165317-FC1C-448B-86FF-C9FCD2A5DE62}"/>
+              </a:ext>
+            </a:extLst>
+          </p:cNvPr>
+          <p:cNvCxnSpPr>
+            <a:cxnSpLocks/>
+            <a:stCxn id="16" idx="0"/>
+            <a:endCxn id="29" idx="2"/>
+          </p:cNvCxnSpPr>
+          <p:nvPr/>
+        </p:nvCxnSpPr>
+        <p:spPr>
+          <a:xfrm flipH="1" flipV="1">
+            <a:off x="5578531" y="1091939"/>
+            <a:ext cx="1" cy="444725"/>
+          </a:xfrm>
+          <a:prstGeom prst="straightConnector1">
+            <a:avLst/>
+          </a:prstGeom>
+          <a:ln>
+            <a:tailEnd type="triangle"/>
+          </a:ln>
+        </p:spPr>
+        <p:style>
+          <a:lnRef idx="1">
+            <a:schemeClr val="accent1"/>
+          </a:lnRef>
+          <a:fillRef idx="0">
+            <a:schemeClr val="accent1"/>
+          </a:fillRef>
+          <a:effectRef idx="0">
+            <a:schemeClr val="accent1"/>
+          </a:effectRef>
+          <a:fontRef idx="minor">
+            <a:schemeClr val="tx1"/>
+          </a:fontRef>
+        </p:style>
+      </p:cxnSp>
+      <p:sp>
+        <p:nvSpPr>
+          <p:cNvPr id="33" name="TextBox 32">
+            <a:extLst>
+              <a:ext uri="{FF2B5EF4-FFF2-40B4-BE49-F238E27FC236}">
+                <a16:creationId xmlns:a16="http://schemas.microsoft.com/office/drawing/2014/main" id="{0C722613-01E5-4817-81CD-2650E058E956}"/>
+              </a:ext>
+            </a:extLst>
+          </p:cNvPr>
+          <p:cNvSpPr txBox="1"/>
+          <p:nvPr/>
+        </p:nvSpPr>
+        <p:spPr>
+          <a:xfrm>
+            <a:off x="7182542" y="4171114"/>
+            <a:ext cx="723275" cy="307777"/>
+          </a:xfrm>
+          <a:prstGeom prst="rect">
+            <a:avLst/>
+          </a:prstGeom>
+          <a:noFill/>
+        </p:spPr>
+        <p:txBody>
+          <a:bodyPr wrap="none" rtlCol="0">
+            <a:spAutoFit/>
+          </a:bodyPr>
+          <a:lstStyle/>
+          <a:p>
+            <a:r>
+              <a:rPr lang="ko-KR" altLang="en-US" sz="1400" dirty="0">
+                <a:solidFill>
+                  <a:schemeClr val="bg1">
+                    <a:lumMod val="75000"/>
+                  </a:schemeClr>
+                </a:solidFill>
+              </a:rPr>
+              <a:t>학교에</a:t>
+            </a:r>
+          </a:p>
+        </p:txBody>
+      </p:sp>
+    </p:spTree>
+    <p:extLst>
+      <p:ext uri="{BB962C8B-B14F-4D97-AF65-F5344CB8AC3E}">
+        <p14:creationId xmlns:p14="http://schemas.microsoft.com/office/powerpoint/2010/main" val="1147735172"/>
       </p:ext>
     </p:extLst>
   </p:cSld>

--- a/architecture.pptx
+++ b/architecture.pptx
@@ -11,6 +11,7 @@
     <p:sldId id="259" r:id="rId5"/>
     <p:sldId id="260" r:id="rId6"/>
     <p:sldId id="261" r:id="rId7"/>
+    <p:sldId id="262" r:id="rId8"/>
   </p:sldIdLst>
   <p:sldSz cx="12192000" cy="6858000"/>
   <p:notesSz cx="6858000" cy="9144000"/>
@@ -21153,6 +21154,9113 @@
 </p:sld>
 </file>
 
+<file path=ppt/slides/slide7.xml><?xml version="1.0" encoding="utf-8"?>
+<p:sld xmlns:a="http://schemas.openxmlformats.org/drawingml/2006/main" xmlns:r="http://schemas.openxmlformats.org/officeDocument/2006/relationships" xmlns:p="http://schemas.openxmlformats.org/presentationml/2006/main">
+  <p:cSld>
+    <p:spTree>
+      <p:nvGrpSpPr>
+        <p:cNvPr id="1" name=""/>
+        <p:cNvGrpSpPr/>
+        <p:nvPr/>
+      </p:nvGrpSpPr>
+      <p:grpSpPr>
+        <a:xfrm>
+          <a:off x="0" y="0"/>
+          <a:ext cx="0" cy="0"/>
+          <a:chOff x="0" y="0"/>
+          <a:chExt cx="0" cy="0"/>
+        </a:xfrm>
+      </p:grpSpPr>
+      <p:sp>
+        <p:nvSpPr>
+          <p:cNvPr id="42" name="TextBox 41">
+            <a:extLst>
+              <a:ext uri="{FF2B5EF4-FFF2-40B4-BE49-F238E27FC236}">
+                <a16:creationId xmlns:a16="http://schemas.microsoft.com/office/drawing/2014/main" id="{92A71E72-706F-43F2-B78A-642D2E8384E5}"/>
+              </a:ext>
+            </a:extLst>
+          </p:cNvPr>
+          <p:cNvSpPr txBox="1"/>
+          <p:nvPr/>
+        </p:nvSpPr>
+        <p:spPr>
+          <a:xfrm>
+            <a:off x="94699" y="3361117"/>
+            <a:ext cx="470000" cy="276999"/>
+          </a:xfrm>
+          <a:prstGeom prst="rect">
+            <a:avLst/>
+          </a:prstGeom>
+          <a:noFill/>
+        </p:spPr>
+        <p:txBody>
+          <a:bodyPr wrap="none" rtlCol="0">
+            <a:spAutoFit/>
+          </a:bodyPr>
+          <a:lstStyle/>
+          <a:p>
+            <a:r>
+              <a:rPr lang="en-US" altLang="ko-KR" sz="1200" dirty="0"/>
+              <a:t>BOF</a:t>
+            </a:r>
+            <a:endParaRPr lang="ko-KR" altLang="en-US" sz="1200" dirty="0"/>
+          </a:p>
+        </p:txBody>
+      </p:sp>
+      <p:grpSp>
+        <p:nvGrpSpPr>
+          <p:cNvPr id="43" name="그룹 42">
+            <a:extLst>
+              <a:ext uri="{FF2B5EF4-FFF2-40B4-BE49-F238E27FC236}">
+                <a16:creationId xmlns:a16="http://schemas.microsoft.com/office/drawing/2014/main" id="{DB9B8A62-69E1-42BE-B826-901A84EA176C}"/>
+              </a:ext>
+            </a:extLst>
+          </p:cNvPr>
+          <p:cNvGrpSpPr/>
+          <p:nvPr/>
+        </p:nvGrpSpPr>
+        <p:grpSpPr>
+          <a:xfrm>
+            <a:off x="979706" y="199500"/>
+            <a:ext cx="638316" cy="6589231"/>
+            <a:chOff x="979706" y="199500"/>
+            <a:chExt cx="638316" cy="6589231"/>
+          </a:xfrm>
+        </p:grpSpPr>
+        <p:grpSp>
+          <p:nvGrpSpPr>
+            <p:cNvPr id="16" name="그룹 15">
+              <a:extLst>
+                <a:ext uri="{FF2B5EF4-FFF2-40B4-BE49-F238E27FC236}">
+                  <a16:creationId xmlns:a16="http://schemas.microsoft.com/office/drawing/2014/main" id="{D7163FBE-AF7D-44C6-B5F4-0BBF7DB56904}"/>
+                </a:ext>
+              </a:extLst>
+            </p:cNvPr>
+            <p:cNvGrpSpPr/>
+            <p:nvPr/>
+          </p:nvGrpSpPr>
+          <p:grpSpPr>
+            <a:xfrm>
+              <a:off x="1269770" y="199500"/>
+              <a:ext cx="74814" cy="322813"/>
+              <a:chOff x="2227811" y="1152696"/>
+              <a:chExt cx="74814" cy="322813"/>
+            </a:xfrm>
+          </p:grpSpPr>
+          <p:sp>
+            <p:nvSpPr>
+              <p:cNvPr id="13" name="타원 12">
+                <a:extLst>
+                  <a:ext uri="{FF2B5EF4-FFF2-40B4-BE49-F238E27FC236}">
+                    <a16:creationId xmlns:a16="http://schemas.microsoft.com/office/drawing/2014/main" id="{E419943F-6075-46CA-9AC9-CC9B2F30AA76}"/>
+                  </a:ext>
+                </a:extLst>
+              </p:cNvPr>
+              <p:cNvSpPr/>
+              <p:nvPr/>
+            </p:nvSpPr>
+            <p:spPr>
+              <a:xfrm>
+                <a:off x="2227811" y="1400695"/>
+                <a:ext cx="74814" cy="74814"/>
+              </a:xfrm>
+              <a:prstGeom prst="ellipse">
+                <a:avLst/>
+              </a:prstGeom>
+            </p:spPr>
+            <p:style>
+              <a:lnRef idx="2">
+                <a:schemeClr val="dk1"/>
+              </a:lnRef>
+              <a:fillRef idx="1">
+                <a:schemeClr val="lt1"/>
+              </a:fillRef>
+              <a:effectRef idx="0">
+                <a:schemeClr val="dk1"/>
+              </a:effectRef>
+              <a:fontRef idx="minor">
+                <a:schemeClr val="dk1"/>
+              </a:fontRef>
+            </p:style>
+            <p:txBody>
+              <a:bodyPr rtlCol="0" anchor="ctr"/>
+              <a:lstStyle/>
+              <a:p>
+                <a:pPr algn="ctr"/>
+                <a:endParaRPr lang="ko-KR" altLang="en-US" sz="800"/>
+              </a:p>
+            </p:txBody>
+          </p:sp>
+          <p:sp>
+            <p:nvSpPr>
+              <p:cNvPr id="14" name="타원 13">
+                <a:extLst>
+                  <a:ext uri="{FF2B5EF4-FFF2-40B4-BE49-F238E27FC236}">
+                    <a16:creationId xmlns:a16="http://schemas.microsoft.com/office/drawing/2014/main" id="{5573F3BB-7708-43BF-9A13-83B1FA25A975}"/>
+                  </a:ext>
+                </a:extLst>
+              </p:cNvPr>
+              <p:cNvSpPr/>
+              <p:nvPr/>
+            </p:nvSpPr>
+            <p:spPr>
+              <a:xfrm>
+                <a:off x="2227811" y="1278776"/>
+                <a:ext cx="74814" cy="74814"/>
+              </a:xfrm>
+              <a:prstGeom prst="ellipse">
+                <a:avLst/>
+              </a:prstGeom>
+            </p:spPr>
+            <p:style>
+              <a:lnRef idx="2">
+                <a:schemeClr val="dk1"/>
+              </a:lnRef>
+              <a:fillRef idx="1">
+                <a:schemeClr val="lt1"/>
+              </a:fillRef>
+              <a:effectRef idx="0">
+                <a:schemeClr val="dk1"/>
+              </a:effectRef>
+              <a:fontRef idx="minor">
+                <a:schemeClr val="dk1"/>
+              </a:fontRef>
+            </p:style>
+            <p:txBody>
+              <a:bodyPr rtlCol="0" anchor="ctr"/>
+              <a:lstStyle/>
+              <a:p>
+                <a:pPr algn="ctr"/>
+                <a:endParaRPr lang="ko-KR" altLang="en-US" sz="800"/>
+              </a:p>
+            </p:txBody>
+          </p:sp>
+          <p:sp>
+            <p:nvSpPr>
+              <p:cNvPr id="15" name="타원 14">
+                <a:extLst>
+                  <a:ext uri="{FF2B5EF4-FFF2-40B4-BE49-F238E27FC236}">
+                    <a16:creationId xmlns:a16="http://schemas.microsoft.com/office/drawing/2014/main" id="{0E78523E-EE8D-4C1C-AD3B-1F74BDA65D51}"/>
+                  </a:ext>
+                </a:extLst>
+              </p:cNvPr>
+              <p:cNvSpPr/>
+              <p:nvPr/>
+            </p:nvSpPr>
+            <p:spPr>
+              <a:xfrm>
+                <a:off x="2227811" y="1152696"/>
+                <a:ext cx="74814" cy="74814"/>
+              </a:xfrm>
+              <a:prstGeom prst="ellipse">
+                <a:avLst/>
+              </a:prstGeom>
+            </p:spPr>
+            <p:style>
+              <a:lnRef idx="2">
+                <a:schemeClr val="dk1"/>
+              </a:lnRef>
+              <a:fillRef idx="1">
+                <a:schemeClr val="lt1"/>
+              </a:fillRef>
+              <a:effectRef idx="0">
+                <a:schemeClr val="dk1"/>
+              </a:effectRef>
+              <a:fontRef idx="minor">
+                <a:schemeClr val="dk1"/>
+              </a:fontRef>
+            </p:style>
+            <p:txBody>
+              <a:bodyPr rtlCol="0" anchor="ctr"/>
+              <a:lstStyle/>
+              <a:p>
+                <a:pPr algn="ctr"/>
+                <a:endParaRPr lang="ko-KR" altLang="en-US" sz="800"/>
+              </a:p>
+            </p:txBody>
+          </p:sp>
+        </p:grpSp>
+        <p:grpSp>
+          <p:nvGrpSpPr>
+            <p:cNvPr id="17" name="그룹 16">
+              <a:extLst>
+                <a:ext uri="{FF2B5EF4-FFF2-40B4-BE49-F238E27FC236}">
+                  <a16:creationId xmlns:a16="http://schemas.microsoft.com/office/drawing/2014/main" id="{A967D5C1-97B4-42C1-B302-21F732F0CF11}"/>
+                </a:ext>
+              </a:extLst>
+            </p:cNvPr>
+            <p:cNvGrpSpPr/>
+            <p:nvPr/>
+          </p:nvGrpSpPr>
+          <p:grpSpPr>
+            <a:xfrm>
+              <a:off x="1261457" y="6465918"/>
+              <a:ext cx="74814" cy="322813"/>
+              <a:chOff x="2227811" y="1152696"/>
+              <a:chExt cx="74814" cy="322813"/>
+            </a:xfrm>
+          </p:grpSpPr>
+          <p:sp>
+            <p:nvSpPr>
+              <p:cNvPr id="18" name="타원 17">
+                <a:extLst>
+                  <a:ext uri="{FF2B5EF4-FFF2-40B4-BE49-F238E27FC236}">
+                    <a16:creationId xmlns:a16="http://schemas.microsoft.com/office/drawing/2014/main" id="{B2912652-21A7-4CCE-8045-24F9E1BABCFF}"/>
+                  </a:ext>
+                </a:extLst>
+              </p:cNvPr>
+              <p:cNvSpPr/>
+              <p:nvPr/>
+            </p:nvSpPr>
+            <p:spPr>
+              <a:xfrm>
+                <a:off x="2227811" y="1400695"/>
+                <a:ext cx="74814" cy="74814"/>
+              </a:xfrm>
+              <a:prstGeom prst="ellipse">
+                <a:avLst/>
+              </a:prstGeom>
+            </p:spPr>
+            <p:style>
+              <a:lnRef idx="2">
+                <a:schemeClr val="dk1"/>
+              </a:lnRef>
+              <a:fillRef idx="1">
+                <a:schemeClr val="lt1"/>
+              </a:fillRef>
+              <a:effectRef idx="0">
+                <a:schemeClr val="dk1"/>
+              </a:effectRef>
+              <a:fontRef idx="minor">
+                <a:schemeClr val="dk1"/>
+              </a:fontRef>
+            </p:style>
+            <p:txBody>
+              <a:bodyPr rtlCol="0" anchor="ctr"/>
+              <a:lstStyle/>
+              <a:p>
+                <a:pPr algn="ctr"/>
+                <a:endParaRPr lang="ko-KR" altLang="en-US" sz="800"/>
+              </a:p>
+            </p:txBody>
+          </p:sp>
+          <p:sp>
+            <p:nvSpPr>
+              <p:cNvPr id="19" name="타원 18">
+                <a:extLst>
+                  <a:ext uri="{FF2B5EF4-FFF2-40B4-BE49-F238E27FC236}">
+                    <a16:creationId xmlns:a16="http://schemas.microsoft.com/office/drawing/2014/main" id="{9423CE6D-75FC-401F-A3DD-342C997058AB}"/>
+                  </a:ext>
+                </a:extLst>
+              </p:cNvPr>
+              <p:cNvSpPr/>
+              <p:nvPr/>
+            </p:nvSpPr>
+            <p:spPr>
+              <a:xfrm>
+                <a:off x="2227811" y="1278776"/>
+                <a:ext cx="74814" cy="74814"/>
+              </a:xfrm>
+              <a:prstGeom prst="ellipse">
+                <a:avLst/>
+              </a:prstGeom>
+            </p:spPr>
+            <p:style>
+              <a:lnRef idx="2">
+                <a:schemeClr val="dk1"/>
+              </a:lnRef>
+              <a:fillRef idx="1">
+                <a:schemeClr val="lt1"/>
+              </a:fillRef>
+              <a:effectRef idx="0">
+                <a:schemeClr val="dk1"/>
+              </a:effectRef>
+              <a:fontRef idx="minor">
+                <a:schemeClr val="dk1"/>
+              </a:fontRef>
+            </p:style>
+            <p:txBody>
+              <a:bodyPr rtlCol="0" anchor="ctr"/>
+              <a:lstStyle/>
+              <a:p>
+                <a:pPr algn="ctr"/>
+                <a:endParaRPr lang="ko-KR" altLang="en-US" sz="800"/>
+              </a:p>
+            </p:txBody>
+          </p:sp>
+          <p:sp>
+            <p:nvSpPr>
+              <p:cNvPr id="20" name="타원 19">
+                <a:extLst>
+                  <a:ext uri="{FF2B5EF4-FFF2-40B4-BE49-F238E27FC236}">
+                    <a16:creationId xmlns:a16="http://schemas.microsoft.com/office/drawing/2014/main" id="{86D8B2C8-0253-4C9C-8162-EAAF76F499A9}"/>
+                  </a:ext>
+                </a:extLst>
+              </p:cNvPr>
+              <p:cNvSpPr/>
+              <p:nvPr/>
+            </p:nvSpPr>
+            <p:spPr>
+              <a:xfrm>
+                <a:off x="2227811" y="1152696"/>
+                <a:ext cx="74814" cy="74814"/>
+              </a:xfrm>
+              <a:prstGeom prst="ellipse">
+                <a:avLst/>
+              </a:prstGeom>
+            </p:spPr>
+            <p:style>
+              <a:lnRef idx="2">
+                <a:schemeClr val="dk1"/>
+              </a:lnRef>
+              <a:fillRef idx="1">
+                <a:schemeClr val="lt1"/>
+              </a:fillRef>
+              <a:effectRef idx="0">
+                <a:schemeClr val="dk1"/>
+              </a:effectRef>
+              <a:fontRef idx="minor">
+                <a:schemeClr val="dk1"/>
+              </a:fontRef>
+            </p:style>
+            <p:txBody>
+              <a:bodyPr rtlCol="0" anchor="ctr"/>
+              <a:lstStyle/>
+              <a:p>
+                <a:pPr algn="ctr"/>
+                <a:endParaRPr lang="ko-KR" altLang="en-US" sz="800"/>
+              </a:p>
+            </p:txBody>
+          </p:sp>
+        </p:grpSp>
+        <p:sp>
+          <p:nvSpPr>
+            <p:cNvPr id="7" name="타원 6">
+              <a:extLst>
+                <a:ext uri="{FF2B5EF4-FFF2-40B4-BE49-F238E27FC236}">
+                  <a16:creationId xmlns:a16="http://schemas.microsoft.com/office/drawing/2014/main" id="{0DE023DB-3A5F-494E-B296-AB3B05071721}"/>
+                </a:ext>
+              </a:extLst>
+            </p:cNvPr>
+            <p:cNvSpPr/>
+            <p:nvPr/>
+          </p:nvSpPr>
+          <p:spPr>
+            <a:xfrm>
+              <a:off x="1097280" y="824342"/>
+              <a:ext cx="403168" cy="403168"/>
+            </a:xfrm>
+            <a:prstGeom prst="ellipse">
+              <a:avLst/>
+            </a:prstGeom>
+          </p:spPr>
+          <p:style>
+            <a:lnRef idx="2">
+              <a:schemeClr val="dk1"/>
+            </a:lnRef>
+            <a:fillRef idx="1">
+              <a:schemeClr val="lt1"/>
+            </a:fillRef>
+            <a:effectRef idx="0">
+              <a:schemeClr val="dk1"/>
+            </a:effectRef>
+            <a:fontRef idx="minor">
+              <a:schemeClr val="dk1"/>
+            </a:fontRef>
+          </p:style>
+          <p:txBody>
+            <a:bodyPr rtlCol="0" anchor="ctr"/>
+            <a:lstStyle/>
+            <a:p>
+              <a:pPr algn="ctr"/>
+              <a:endParaRPr lang="ko-KR" altLang="en-US" sz="800" dirty="0"/>
+            </a:p>
+          </p:txBody>
+        </p:sp>
+        <p:sp>
+          <p:nvSpPr>
+            <p:cNvPr id="21" name="TextBox 20">
+              <a:extLst>
+                <a:ext uri="{FF2B5EF4-FFF2-40B4-BE49-F238E27FC236}">
+                  <a16:creationId xmlns:a16="http://schemas.microsoft.com/office/drawing/2014/main" id="{BC5ED1E0-F3E7-4769-A247-942F742967D9}"/>
+                </a:ext>
+              </a:extLst>
+            </p:cNvPr>
+            <p:cNvSpPr txBox="1"/>
+            <p:nvPr/>
+          </p:nvSpPr>
+          <p:spPr>
+            <a:xfrm>
+              <a:off x="979706" y="887426"/>
+              <a:ext cx="638316" cy="276999"/>
+            </a:xfrm>
+            <a:prstGeom prst="rect">
+              <a:avLst/>
+            </a:prstGeom>
+            <a:noFill/>
+          </p:spPr>
+          <p:txBody>
+            <a:bodyPr wrap="none" rtlCol="0">
+              <a:spAutoFit/>
+            </a:bodyPr>
+            <a:lstStyle/>
+            <a:p>
+              <a:r>
+                <a:rPr lang="en-US" altLang="ko-KR" sz="1200" dirty="0"/>
+                <a:t>school</a:t>
+              </a:r>
+              <a:endParaRPr lang="ko-KR" altLang="en-US" sz="1200" dirty="0"/>
+            </a:p>
+          </p:txBody>
+        </p:sp>
+        <p:sp>
+          <p:nvSpPr>
+            <p:cNvPr id="26" name="타원 25">
+              <a:extLst>
+                <a:ext uri="{FF2B5EF4-FFF2-40B4-BE49-F238E27FC236}">
+                  <a16:creationId xmlns:a16="http://schemas.microsoft.com/office/drawing/2014/main" id="{6646E2A2-D7A2-4970-86B2-26AED0D12339}"/>
+                </a:ext>
+              </a:extLst>
+            </p:cNvPr>
+            <p:cNvSpPr/>
+            <p:nvPr/>
+          </p:nvSpPr>
+          <p:spPr>
+            <a:xfrm>
+              <a:off x="1097280" y="1529539"/>
+              <a:ext cx="403168" cy="403168"/>
+            </a:xfrm>
+            <a:prstGeom prst="ellipse">
+              <a:avLst/>
+            </a:prstGeom>
+          </p:spPr>
+          <p:style>
+            <a:lnRef idx="2">
+              <a:schemeClr val="dk1"/>
+            </a:lnRef>
+            <a:fillRef idx="1">
+              <a:schemeClr val="lt1"/>
+            </a:fillRef>
+            <a:effectRef idx="0">
+              <a:schemeClr val="dk1"/>
+            </a:effectRef>
+            <a:fontRef idx="minor">
+              <a:schemeClr val="dk1"/>
+            </a:fontRef>
+          </p:style>
+          <p:txBody>
+            <a:bodyPr rtlCol="0" anchor="ctr"/>
+            <a:lstStyle/>
+            <a:p>
+              <a:pPr algn="ctr"/>
+              <a:endParaRPr lang="ko-KR" altLang="en-US" sz="800" dirty="0"/>
+            </a:p>
+          </p:txBody>
+        </p:sp>
+        <p:sp>
+          <p:nvSpPr>
+            <p:cNvPr id="29" name="타원 28">
+              <a:extLst>
+                <a:ext uri="{FF2B5EF4-FFF2-40B4-BE49-F238E27FC236}">
+                  <a16:creationId xmlns:a16="http://schemas.microsoft.com/office/drawing/2014/main" id="{55125D5F-35B4-49A1-88E0-112A03803CF8}"/>
+                </a:ext>
+              </a:extLst>
+            </p:cNvPr>
+            <p:cNvSpPr/>
+            <p:nvPr/>
+          </p:nvSpPr>
+          <p:spPr>
+            <a:xfrm>
+              <a:off x="1097280" y="3645130"/>
+              <a:ext cx="403168" cy="403168"/>
+            </a:xfrm>
+            <a:prstGeom prst="ellipse">
+              <a:avLst/>
+            </a:prstGeom>
+          </p:spPr>
+          <p:style>
+            <a:lnRef idx="2">
+              <a:schemeClr val="dk1"/>
+            </a:lnRef>
+            <a:fillRef idx="1">
+              <a:schemeClr val="lt1"/>
+            </a:fillRef>
+            <a:effectRef idx="0">
+              <a:schemeClr val="dk1"/>
+            </a:effectRef>
+            <a:fontRef idx="minor">
+              <a:schemeClr val="dk1"/>
+            </a:fontRef>
+          </p:style>
+          <p:txBody>
+            <a:bodyPr rtlCol="0" anchor="ctr"/>
+            <a:lstStyle/>
+            <a:p>
+              <a:pPr algn="ctr"/>
+              <a:endParaRPr lang="ko-KR" altLang="en-US" sz="800" dirty="0"/>
+            </a:p>
+          </p:txBody>
+        </p:sp>
+        <p:sp>
+          <p:nvSpPr>
+            <p:cNvPr id="30" name="타원 29">
+              <a:extLst>
+                <a:ext uri="{FF2B5EF4-FFF2-40B4-BE49-F238E27FC236}">
+                  <a16:creationId xmlns:a16="http://schemas.microsoft.com/office/drawing/2014/main" id="{D393BE61-2D27-4576-AA86-52803094BB7B}"/>
+                </a:ext>
+              </a:extLst>
+            </p:cNvPr>
+            <p:cNvSpPr/>
+            <p:nvPr/>
+          </p:nvSpPr>
+          <p:spPr>
+            <a:xfrm>
+              <a:off x="1105593" y="4350327"/>
+              <a:ext cx="403168" cy="403168"/>
+            </a:xfrm>
+            <a:prstGeom prst="ellipse">
+              <a:avLst/>
+            </a:prstGeom>
+          </p:spPr>
+          <p:style>
+            <a:lnRef idx="2">
+              <a:schemeClr val="dk1"/>
+            </a:lnRef>
+            <a:fillRef idx="1">
+              <a:schemeClr val="lt1"/>
+            </a:fillRef>
+            <a:effectRef idx="0">
+              <a:schemeClr val="dk1"/>
+            </a:effectRef>
+            <a:fontRef idx="minor">
+              <a:schemeClr val="dk1"/>
+            </a:fontRef>
+          </p:style>
+          <p:txBody>
+            <a:bodyPr rtlCol="0" anchor="ctr"/>
+            <a:lstStyle/>
+            <a:p>
+              <a:pPr algn="ctr"/>
+              <a:endParaRPr lang="ko-KR" altLang="en-US" sz="800" dirty="0"/>
+            </a:p>
+          </p:txBody>
+        </p:sp>
+        <p:sp>
+          <p:nvSpPr>
+            <p:cNvPr id="31" name="타원 30">
+              <a:extLst>
+                <a:ext uri="{FF2B5EF4-FFF2-40B4-BE49-F238E27FC236}">
+                  <a16:creationId xmlns:a16="http://schemas.microsoft.com/office/drawing/2014/main" id="{D2F2DDBE-7BF8-46D2-B2DB-78E232E04AF7}"/>
+                </a:ext>
+              </a:extLst>
+            </p:cNvPr>
+            <p:cNvSpPr/>
+            <p:nvPr/>
+          </p:nvSpPr>
+          <p:spPr>
+            <a:xfrm>
+              <a:off x="1105593" y="5055524"/>
+              <a:ext cx="403168" cy="403168"/>
+            </a:xfrm>
+            <a:prstGeom prst="ellipse">
+              <a:avLst/>
+            </a:prstGeom>
+          </p:spPr>
+          <p:style>
+            <a:lnRef idx="2">
+              <a:schemeClr val="dk1"/>
+            </a:lnRef>
+            <a:fillRef idx="1">
+              <a:schemeClr val="lt1"/>
+            </a:fillRef>
+            <a:effectRef idx="0">
+              <a:schemeClr val="dk1"/>
+            </a:effectRef>
+            <a:fontRef idx="minor">
+              <a:schemeClr val="dk1"/>
+            </a:fontRef>
+          </p:style>
+          <p:txBody>
+            <a:bodyPr rtlCol="0" anchor="ctr"/>
+            <a:lstStyle/>
+            <a:p>
+              <a:pPr algn="ctr"/>
+              <a:endParaRPr lang="ko-KR" altLang="en-US" sz="800" dirty="0"/>
+            </a:p>
+          </p:txBody>
+        </p:sp>
+        <p:sp>
+          <p:nvSpPr>
+            <p:cNvPr id="32" name="타원 31">
+              <a:extLst>
+                <a:ext uri="{FF2B5EF4-FFF2-40B4-BE49-F238E27FC236}">
+                  <a16:creationId xmlns:a16="http://schemas.microsoft.com/office/drawing/2014/main" id="{46407309-4396-4AF5-ABD2-C220F3FDD718}"/>
+                </a:ext>
+              </a:extLst>
+            </p:cNvPr>
+            <p:cNvSpPr/>
+            <p:nvPr/>
+          </p:nvSpPr>
+          <p:spPr>
+            <a:xfrm>
+              <a:off x="1105593" y="5760721"/>
+              <a:ext cx="403168" cy="403168"/>
+            </a:xfrm>
+            <a:prstGeom prst="ellipse">
+              <a:avLst/>
+            </a:prstGeom>
+          </p:spPr>
+          <p:style>
+            <a:lnRef idx="2">
+              <a:schemeClr val="dk1"/>
+            </a:lnRef>
+            <a:fillRef idx="1">
+              <a:schemeClr val="lt1"/>
+            </a:fillRef>
+            <a:effectRef idx="0">
+              <a:schemeClr val="dk1"/>
+            </a:effectRef>
+            <a:fontRef idx="minor">
+              <a:schemeClr val="dk1"/>
+            </a:fontRef>
+          </p:style>
+          <p:txBody>
+            <a:bodyPr rtlCol="0" anchor="ctr"/>
+            <a:lstStyle/>
+            <a:p>
+              <a:pPr algn="ctr"/>
+              <a:endParaRPr lang="ko-KR" altLang="en-US" sz="800" dirty="0"/>
+            </a:p>
+          </p:txBody>
+        </p:sp>
+        <p:sp>
+          <p:nvSpPr>
+            <p:cNvPr id="33" name="TextBox 32">
+              <a:extLst>
+                <a:ext uri="{FF2B5EF4-FFF2-40B4-BE49-F238E27FC236}">
+                  <a16:creationId xmlns:a16="http://schemas.microsoft.com/office/drawing/2014/main" id="{37E62AA6-DF5E-445A-AD7C-6C6B17F0BAD9}"/>
+                </a:ext>
+              </a:extLst>
+            </p:cNvPr>
+            <p:cNvSpPr txBox="1"/>
+            <p:nvPr/>
+          </p:nvSpPr>
+          <p:spPr>
+            <a:xfrm>
+              <a:off x="1185692" y="1592623"/>
+              <a:ext cx="226344" cy="276999"/>
+            </a:xfrm>
+            <a:prstGeom prst="rect">
+              <a:avLst/>
+            </a:prstGeom>
+            <a:noFill/>
+          </p:spPr>
+          <p:txBody>
+            <a:bodyPr wrap="none" rtlCol="0">
+              <a:spAutoFit/>
+            </a:bodyPr>
+            <a:lstStyle/>
+            <a:p>
+              <a:r>
+                <a:rPr lang="en-US" altLang="ko-KR" sz="1200" dirty="0"/>
+                <a:t>I</a:t>
+              </a:r>
+              <a:endParaRPr lang="ko-KR" altLang="en-US" sz="1200" dirty="0"/>
+            </a:p>
+          </p:txBody>
+        </p:sp>
+        <p:sp>
+          <p:nvSpPr>
+            <p:cNvPr id="34" name="TextBox 33">
+              <a:extLst>
+                <a:ext uri="{FF2B5EF4-FFF2-40B4-BE49-F238E27FC236}">
+                  <a16:creationId xmlns:a16="http://schemas.microsoft.com/office/drawing/2014/main" id="{C200B9F8-840E-4D62-A04C-A75F9533BDD1}"/>
+                </a:ext>
+              </a:extLst>
+            </p:cNvPr>
+            <p:cNvSpPr txBox="1"/>
+            <p:nvPr/>
+          </p:nvSpPr>
+          <p:spPr>
+            <a:xfrm>
+              <a:off x="1062741" y="2297820"/>
+              <a:ext cx="472245" cy="276999"/>
+            </a:xfrm>
+            <a:prstGeom prst="rect">
+              <a:avLst/>
+            </a:prstGeom>
+            <a:noFill/>
+          </p:spPr>
+          <p:txBody>
+            <a:bodyPr wrap="none" rtlCol="0">
+              <a:spAutoFit/>
+            </a:bodyPr>
+            <a:lstStyle/>
+            <a:p>
+              <a:r>
+                <a:rPr lang="en-US" altLang="ko-KR" sz="1200" dirty="0"/>
+                <a:t>love</a:t>
+              </a:r>
+              <a:endParaRPr lang="ko-KR" altLang="en-US" sz="1200" dirty="0"/>
+            </a:p>
+          </p:txBody>
+        </p:sp>
+        <p:sp>
+          <p:nvSpPr>
+            <p:cNvPr id="35" name="TextBox 34">
+              <a:extLst>
+                <a:ext uri="{FF2B5EF4-FFF2-40B4-BE49-F238E27FC236}">
+                  <a16:creationId xmlns:a16="http://schemas.microsoft.com/office/drawing/2014/main" id="{37D4C68E-8E24-49E4-9C01-515AAC2F401A}"/>
+                </a:ext>
+              </a:extLst>
+            </p:cNvPr>
+            <p:cNvSpPr txBox="1"/>
+            <p:nvPr/>
+          </p:nvSpPr>
+          <p:spPr>
+            <a:xfrm>
+              <a:off x="1077905" y="3003017"/>
+              <a:ext cx="441916" cy="276999"/>
+            </a:xfrm>
+            <a:prstGeom prst="rect">
+              <a:avLst/>
+            </a:prstGeom>
+            <a:noFill/>
+          </p:spPr>
+          <p:txBody>
+            <a:bodyPr wrap="none" rtlCol="0">
+              <a:spAutoFit/>
+            </a:bodyPr>
+            <a:lstStyle/>
+            <a:p>
+              <a:r>
+                <a:rPr lang="en-US" altLang="ko-KR" sz="1200" dirty="0"/>
+                <a:t>you</a:t>
+              </a:r>
+              <a:endParaRPr lang="ko-KR" altLang="en-US" sz="1200" dirty="0"/>
+            </a:p>
+          </p:txBody>
+        </p:sp>
+        <p:sp>
+          <p:nvSpPr>
+            <p:cNvPr id="36" name="TextBox 35">
+              <a:extLst>
+                <a:ext uri="{FF2B5EF4-FFF2-40B4-BE49-F238E27FC236}">
+                  <a16:creationId xmlns:a16="http://schemas.microsoft.com/office/drawing/2014/main" id="{749CE5CE-5FB2-42E8-99CE-B358DD895EB5}"/>
+                </a:ext>
+              </a:extLst>
+            </p:cNvPr>
+            <p:cNvSpPr txBox="1"/>
+            <p:nvPr/>
+          </p:nvSpPr>
+          <p:spPr>
+            <a:xfrm>
+              <a:off x="1134234" y="3708214"/>
+              <a:ext cx="329257" cy="276999"/>
+            </a:xfrm>
+            <a:prstGeom prst="rect">
+              <a:avLst/>
+            </a:prstGeom>
+            <a:noFill/>
+          </p:spPr>
+          <p:txBody>
+            <a:bodyPr wrap="none" rtlCol="0">
+              <a:spAutoFit/>
+            </a:bodyPr>
+            <a:lstStyle/>
+            <a:p>
+              <a:r>
+                <a:rPr lang="en-US" altLang="ko-KR" sz="1200" dirty="0"/>
+                <a:t>to</a:t>
+              </a:r>
+              <a:endParaRPr lang="ko-KR" altLang="en-US" sz="1200" dirty="0"/>
+            </a:p>
+          </p:txBody>
+        </p:sp>
+        <p:sp>
+          <p:nvSpPr>
+            <p:cNvPr id="37" name="TextBox 36">
+              <a:extLst>
+                <a:ext uri="{FF2B5EF4-FFF2-40B4-BE49-F238E27FC236}">
+                  <a16:creationId xmlns:a16="http://schemas.microsoft.com/office/drawing/2014/main" id="{F2EF07B2-7A70-4C93-853A-CD4970F1096E}"/>
+                </a:ext>
+              </a:extLst>
+            </p:cNvPr>
+            <p:cNvSpPr txBox="1"/>
+            <p:nvPr/>
+          </p:nvSpPr>
+          <p:spPr>
+            <a:xfrm>
+              <a:off x="1119443" y="4413411"/>
+              <a:ext cx="370614" cy="276999"/>
+            </a:xfrm>
+            <a:prstGeom prst="rect">
+              <a:avLst/>
+            </a:prstGeom>
+            <a:noFill/>
+          </p:spPr>
+          <p:txBody>
+            <a:bodyPr wrap="none" rtlCol="0">
+              <a:spAutoFit/>
+            </a:bodyPr>
+            <a:lstStyle/>
+            <a:p>
+              <a:r>
+                <a:rPr lang="en-US" altLang="ko-KR" sz="1200" dirty="0"/>
+                <a:t>go</a:t>
+              </a:r>
+              <a:endParaRPr lang="ko-KR" altLang="en-US" sz="1200" dirty="0"/>
+            </a:p>
+          </p:txBody>
+        </p:sp>
+        <p:sp>
+          <p:nvSpPr>
+            <p:cNvPr id="38" name="TextBox 37">
+              <a:extLst>
+                <a:ext uri="{FF2B5EF4-FFF2-40B4-BE49-F238E27FC236}">
+                  <a16:creationId xmlns:a16="http://schemas.microsoft.com/office/drawing/2014/main" id="{0562E53D-D7A6-4299-ABC7-1401A6757BDF}"/>
+                </a:ext>
+              </a:extLst>
+            </p:cNvPr>
+            <p:cNvSpPr txBox="1"/>
+            <p:nvPr/>
+          </p:nvSpPr>
+          <p:spPr>
+            <a:xfrm>
+              <a:off x="1109293" y="5118608"/>
+              <a:ext cx="399468" cy="276999"/>
+            </a:xfrm>
+            <a:prstGeom prst="rect">
+              <a:avLst/>
+            </a:prstGeom>
+            <a:noFill/>
+          </p:spPr>
+          <p:txBody>
+            <a:bodyPr wrap="none" rtlCol="0">
+              <a:spAutoFit/>
+            </a:bodyPr>
+            <a:lstStyle/>
+            <a:p>
+              <a:r>
+                <a:rPr lang="en-US" altLang="ko-KR" sz="1200" dirty="0"/>
+                <a:t>eat</a:t>
+              </a:r>
+              <a:endParaRPr lang="ko-KR" altLang="en-US" sz="1200" dirty="0"/>
+            </a:p>
+          </p:txBody>
+        </p:sp>
+        <p:sp>
+          <p:nvSpPr>
+            <p:cNvPr id="39" name="TextBox 38">
+              <a:extLst>
+                <a:ext uri="{FF2B5EF4-FFF2-40B4-BE49-F238E27FC236}">
+                  <a16:creationId xmlns:a16="http://schemas.microsoft.com/office/drawing/2014/main" id="{6DE82D36-7A24-4002-B728-356B40E46FA0}"/>
+                </a:ext>
+              </a:extLst>
+            </p:cNvPr>
+            <p:cNvSpPr txBox="1"/>
+            <p:nvPr/>
+          </p:nvSpPr>
+          <p:spPr>
+            <a:xfrm>
+              <a:off x="1076986" y="5832074"/>
+              <a:ext cx="460382" cy="276999"/>
+            </a:xfrm>
+            <a:prstGeom prst="rect">
+              <a:avLst/>
+            </a:prstGeom>
+            <a:noFill/>
+          </p:spPr>
+          <p:txBody>
+            <a:bodyPr wrap="none" rtlCol="0">
+              <a:spAutoFit/>
+            </a:bodyPr>
+            <a:lstStyle/>
+            <a:p>
+              <a:r>
+                <a:rPr lang="en-US" altLang="ko-KR" sz="1200" dirty="0"/>
+                <a:t>EOF</a:t>
+              </a:r>
+              <a:endParaRPr lang="ko-KR" altLang="en-US" sz="1200" dirty="0"/>
+            </a:p>
+          </p:txBody>
+        </p:sp>
+        <p:sp>
+          <p:nvSpPr>
+            <p:cNvPr id="27" name="타원 26">
+              <a:extLst>
+                <a:ext uri="{FF2B5EF4-FFF2-40B4-BE49-F238E27FC236}">
+                  <a16:creationId xmlns:a16="http://schemas.microsoft.com/office/drawing/2014/main" id="{4649862C-50BB-43FE-AC5C-F36B64048C13}"/>
+                </a:ext>
+              </a:extLst>
+            </p:cNvPr>
+            <p:cNvSpPr/>
+            <p:nvPr/>
+          </p:nvSpPr>
+          <p:spPr>
+            <a:xfrm>
+              <a:off x="1097280" y="2234736"/>
+              <a:ext cx="403168" cy="403168"/>
+            </a:xfrm>
+            <a:prstGeom prst="ellipse">
+              <a:avLst/>
+            </a:prstGeom>
+            <a:noFill/>
+          </p:spPr>
+          <p:style>
+            <a:lnRef idx="2">
+              <a:schemeClr val="dk1"/>
+            </a:lnRef>
+            <a:fillRef idx="1">
+              <a:schemeClr val="lt1"/>
+            </a:fillRef>
+            <a:effectRef idx="0">
+              <a:schemeClr val="dk1"/>
+            </a:effectRef>
+            <a:fontRef idx="minor">
+              <a:schemeClr val="dk1"/>
+            </a:fontRef>
+          </p:style>
+          <p:txBody>
+            <a:bodyPr rtlCol="0" anchor="ctr"/>
+            <a:lstStyle/>
+            <a:p>
+              <a:pPr algn="ctr"/>
+              <a:endParaRPr lang="ko-KR" altLang="en-US" sz="800" dirty="0"/>
+            </a:p>
+          </p:txBody>
+        </p:sp>
+        <p:sp>
+          <p:nvSpPr>
+            <p:cNvPr id="28" name="타원 27">
+              <a:extLst>
+                <a:ext uri="{FF2B5EF4-FFF2-40B4-BE49-F238E27FC236}">
+                  <a16:creationId xmlns:a16="http://schemas.microsoft.com/office/drawing/2014/main" id="{411038F8-1D68-43D1-854D-7590B6AEF246}"/>
+                </a:ext>
+              </a:extLst>
+            </p:cNvPr>
+            <p:cNvSpPr/>
+            <p:nvPr/>
+          </p:nvSpPr>
+          <p:spPr>
+            <a:xfrm>
+              <a:off x="1105593" y="2939933"/>
+              <a:ext cx="403168" cy="403168"/>
+            </a:xfrm>
+            <a:prstGeom prst="ellipse">
+              <a:avLst/>
+            </a:prstGeom>
+          </p:spPr>
+          <p:style>
+            <a:lnRef idx="2">
+              <a:schemeClr val="dk1"/>
+            </a:lnRef>
+            <a:fillRef idx="1">
+              <a:schemeClr val="lt1"/>
+            </a:fillRef>
+            <a:effectRef idx="0">
+              <a:schemeClr val="dk1"/>
+            </a:effectRef>
+            <a:fontRef idx="minor">
+              <a:schemeClr val="dk1"/>
+            </a:fontRef>
+          </p:style>
+          <p:txBody>
+            <a:bodyPr rtlCol="0" anchor="ctr"/>
+            <a:lstStyle/>
+            <a:p>
+              <a:pPr algn="ctr"/>
+              <a:endParaRPr lang="ko-KR" altLang="en-US" sz="800" dirty="0"/>
+            </a:p>
+          </p:txBody>
+        </p:sp>
+      </p:grpSp>
+      <p:sp>
+        <p:nvSpPr>
+          <p:cNvPr id="41" name="타원 40">
+            <a:extLst>
+              <a:ext uri="{FF2B5EF4-FFF2-40B4-BE49-F238E27FC236}">
+                <a16:creationId xmlns:a16="http://schemas.microsoft.com/office/drawing/2014/main" id="{1E99BFA2-C56B-43DA-9D2A-CB3FD55B2F28}"/>
+              </a:ext>
+            </a:extLst>
+          </p:cNvPr>
+          <p:cNvSpPr/>
+          <p:nvPr/>
+        </p:nvSpPr>
+        <p:spPr>
+          <a:xfrm>
+            <a:off x="123306" y="3289764"/>
+            <a:ext cx="403168" cy="403168"/>
+          </a:xfrm>
+          <a:prstGeom prst="ellipse">
+            <a:avLst/>
+          </a:prstGeom>
+          <a:noFill/>
+        </p:spPr>
+        <p:style>
+          <a:lnRef idx="2">
+            <a:schemeClr val="dk1"/>
+          </a:lnRef>
+          <a:fillRef idx="1">
+            <a:schemeClr val="lt1"/>
+          </a:fillRef>
+          <a:effectRef idx="0">
+            <a:schemeClr val="dk1"/>
+          </a:effectRef>
+          <a:fontRef idx="minor">
+            <a:schemeClr val="dk1"/>
+          </a:fontRef>
+        </p:style>
+        <p:txBody>
+          <a:bodyPr rtlCol="0" anchor="ctr"/>
+          <a:lstStyle/>
+          <a:p>
+            <a:pPr algn="ctr"/>
+            <a:endParaRPr lang="ko-KR" altLang="en-US" sz="800" dirty="0"/>
+          </a:p>
+        </p:txBody>
+      </p:sp>
+      <p:grpSp>
+        <p:nvGrpSpPr>
+          <p:cNvPr id="45" name="그룹 44">
+            <a:extLst>
+              <a:ext uri="{FF2B5EF4-FFF2-40B4-BE49-F238E27FC236}">
+                <a16:creationId xmlns:a16="http://schemas.microsoft.com/office/drawing/2014/main" id="{1BF90388-6B3B-4D50-8FE9-1B5B88842B3F}"/>
+              </a:ext>
+            </a:extLst>
+          </p:cNvPr>
+          <p:cNvGrpSpPr/>
+          <p:nvPr/>
+        </p:nvGrpSpPr>
+        <p:grpSpPr>
+          <a:xfrm>
+            <a:off x="2232533" y="196732"/>
+            <a:ext cx="646629" cy="6589231"/>
+            <a:chOff x="979706" y="199500"/>
+            <a:chExt cx="646629" cy="6589231"/>
+          </a:xfrm>
+        </p:grpSpPr>
+        <p:grpSp>
+          <p:nvGrpSpPr>
+            <p:cNvPr id="46" name="그룹 45">
+              <a:extLst>
+                <a:ext uri="{FF2B5EF4-FFF2-40B4-BE49-F238E27FC236}">
+                  <a16:creationId xmlns:a16="http://schemas.microsoft.com/office/drawing/2014/main" id="{273D2D9E-B515-4B3B-9379-92822F656011}"/>
+                </a:ext>
+              </a:extLst>
+            </p:cNvPr>
+            <p:cNvGrpSpPr/>
+            <p:nvPr/>
+          </p:nvGrpSpPr>
+          <p:grpSpPr>
+            <a:xfrm>
+              <a:off x="1269770" y="199500"/>
+              <a:ext cx="74814" cy="322813"/>
+              <a:chOff x="2227811" y="1152696"/>
+              <a:chExt cx="74814" cy="322813"/>
+            </a:xfrm>
+          </p:grpSpPr>
+          <p:sp>
+            <p:nvSpPr>
+              <p:cNvPr id="67" name="타원 66">
+                <a:extLst>
+                  <a:ext uri="{FF2B5EF4-FFF2-40B4-BE49-F238E27FC236}">
+                    <a16:creationId xmlns:a16="http://schemas.microsoft.com/office/drawing/2014/main" id="{26996971-C9FA-463A-AB54-297BB62B5D98}"/>
+                  </a:ext>
+                </a:extLst>
+              </p:cNvPr>
+              <p:cNvSpPr/>
+              <p:nvPr/>
+            </p:nvSpPr>
+            <p:spPr>
+              <a:xfrm>
+                <a:off x="2227811" y="1400695"/>
+                <a:ext cx="74814" cy="74814"/>
+              </a:xfrm>
+              <a:prstGeom prst="ellipse">
+                <a:avLst/>
+              </a:prstGeom>
+            </p:spPr>
+            <p:style>
+              <a:lnRef idx="2">
+                <a:schemeClr val="dk1"/>
+              </a:lnRef>
+              <a:fillRef idx="1">
+                <a:schemeClr val="lt1"/>
+              </a:fillRef>
+              <a:effectRef idx="0">
+                <a:schemeClr val="dk1"/>
+              </a:effectRef>
+              <a:fontRef idx="minor">
+                <a:schemeClr val="dk1"/>
+              </a:fontRef>
+            </p:style>
+            <p:txBody>
+              <a:bodyPr rtlCol="0" anchor="ctr"/>
+              <a:lstStyle/>
+              <a:p>
+                <a:pPr algn="ctr"/>
+                <a:endParaRPr lang="ko-KR" altLang="en-US" sz="800"/>
+              </a:p>
+            </p:txBody>
+          </p:sp>
+          <p:sp>
+            <p:nvSpPr>
+              <p:cNvPr id="68" name="타원 67">
+                <a:extLst>
+                  <a:ext uri="{FF2B5EF4-FFF2-40B4-BE49-F238E27FC236}">
+                    <a16:creationId xmlns:a16="http://schemas.microsoft.com/office/drawing/2014/main" id="{B8592888-D896-40F3-95F6-D9A7A1E24FDF}"/>
+                  </a:ext>
+                </a:extLst>
+              </p:cNvPr>
+              <p:cNvSpPr/>
+              <p:nvPr/>
+            </p:nvSpPr>
+            <p:spPr>
+              <a:xfrm>
+                <a:off x="2227811" y="1278776"/>
+                <a:ext cx="74814" cy="74814"/>
+              </a:xfrm>
+              <a:prstGeom prst="ellipse">
+                <a:avLst/>
+              </a:prstGeom>
+            </p:spPr>
+            <p:style>
+              <a:lnRef idx="2">
+                <a:schemeClr val="dk1"/>
+              </a:lnRef>
+              <a:fillRef idx="1">
+                <a:schemeClr val="lt1"/>
+              </a:fillRef>
+              <a:effectRef idx="0">
+                <a:schemeClr val="dk1"/>
+              </a:effectRef>
+              <a:fontRef idx="minor">
+                <a:schemeClr val="dk1"/>
+              </a:fontRef>
+            </p:style>
+            <p:txBody>
+              <a:bodyPr rtlCol="0" anchor="ctr"/>
+              <a:lstStyle/>
+              <a:p>
+                <a:pPr algn="ctr"/>
+                <a:endParaRPr lang="ko-KR" altLang="en-US" sz="800"/>
+              </a:p>
+            </p:txBody>
+          </p:sp>
+          <p:sp>
+            <p:nvSpPr>
+              <p:cNvPr id="69" name="타원 68">
+                <a:extLst>
+                  <a:ext uri="{FF2B5EF4-FFF2-40B4-BE49-F238E27FC236}">
+                    <a16:creationId xmlns:a16="http://schemas.microsoft.com/office/drawing/2014/main" id="{9AD9142D-D921-42CD-95EA-7B1D316F1B44}"/>
+                  </a:ext>
+                </a:extLst>
+              </p:cNvPr>
+              <p:cNvSpPr/>
+              <p:nvPr/>
+            </p:nvSpPr>
+            <p:spPr>
+              <a:xfrm>
+                <a:off x="2227811" y="1152696"/>
+                <a:ext cx="74814" cy="74814"/>
+              </a:xfrm>
+              <a:prstGeom prst="ellipse">
+                <a:avLst/>
+              </a:prstGeom>
+            </p:spPr>
+            <p:style>
+              <a:lnRef idx="2">
+                <a:schemeClr val="dk1"/>
+              </a:lnRef>
+              <a:fillRef idx="1">
+                <a:schemeClr val="lt1"/>
+              </a:fillRef>
+              <a:effectRef idx="0">
+                <a:schemeClr val="dk1"/>
+              </a:effectRef>
+              <a:fontRef idx="minor">
+                <a:schemeClr val="dk1"/>
+              </a:fontRef>
+            </p:style>
+            <p:txBody>
+              <a:bodyPr rtlCol="0" anchor="ctr"/>
+              <a:lstStyle/>
+              <a:p>
+                <a:pPr algn="ctr"/>
+                <a:endParaRPr lang="ko-KR" altLang="en-US" sz="800"/>
+              </a:p>
+            </p:txBody>
+          </p:sp>
+        </p:grpSp>
+        <p:grpSp>
+          <p:nvGrpSpPr>
+            <p:cNvPr id="47" name="그룹 46">
+              <a:extLst>
+                <a:ext uri="{FF2B5EF4-FFF2-40B4-BE49-F238E27FC236}">
+                  <a16:creationId xmlns:a16="http://schemas.microsoft.com/office/drawing/2014/main" id="{1B6BE97F-F9A5-4DC5-A989-01BD41FB6777}"/>
+                </a:ext>
+              </a:extLst>
+            </p:cNvPr>
+            <p:cNvGrpSpPr/>
+            <p:nvPr/>
+          </p:nvGrpSpPr>
+          <p:grpSpPr>
+            <a:xfrm>
+              <a:off x="1261457" y="6465918"/>
+              <a:ext cx="74814" cy="322813"/>
+              <a:chOff x="2227811" y="1152696"/>
+              <a:chExt cx="74814" cy="322813"/>
+            </a:xfrm>
+          </p:grpSpPr>
+          <p:sp>
+            <p:nvSpPr>
+              <p:cNvPr id="64" name="타원 63">
+                <a:extLst>
+                  <a:ext uri="{FF2B5EF4-FFF2-40B4-BE49-F238E27FC236}">
+                    <a16:creationId xmlns:a16="http://schemas.microsoft.com/office/drawing/2014/main" id="{D42768ED-D711-43A0-9236-829D2CFBC3CD}"/>
+                  </a:ext>
+                </a:extLst>
+              </p:cNvPr>
+              <p:cNvSpPr/>
+              <p:nvPr/>
+            </p:nvSpPr>
+            <p:spPr>
+              <a:xfrm>
+                <a:off x="2227811" y="1400695"/>
+                <a:ext cx="74814" cy="74814"/>
+              </a:xfrm>
+              <a:prstGeom prst="ellipse">
+                <a:avLst/>
+              </a:prstGeom>
+            </p:spPr>
+            <p:style>
+              <a:lnRef idx="2">
+                <a:schemeClr val="dk1"/>
+              </a:lnRef>
+              <a:fillRef idx="1">
+                <a:schemeClr val="lt1"/>
+              </a:fillRef>
+              <a:effectRef idx="0">
+                <a:schemeClr val="dk1"/>
+              </a:effectRef>
+              <a:fontRef idx="minor">
+                <a:schemeClr val="dk1"/>
+              </a:fontRef>
+            </p:style>
+            <p:txBody>
+              <a:bodyPr rtlCol="0" anchor="ctr"/>
+              <a:lstStyle/>
+              <a:p>
+                <a:pPr algn="ctr"/>
+                <a:endParaRPr lang="ko-KR" altLang="en-US" sz="800"/>
+              </a:p>
+            </p:txBody>
+          </p:sp>
+          <p:sp>
+            <p:nvSpPr>
+              <p:cNvPr id="65" name="타원 64">
+                <a:extLst>
+                  <a:ext uri="{FF2B5EF4-FFF2-40B4-BE49-F238E27FC236}">
+                    <a16:creationId xmlns:a16="http://schemas.microsoft.com/office/drawing/2014/main" id="{7BCD26B8-0812-4A24-ABE8-C016169A138C}"/>
+                  </a:ext>
+                </a:extLst>
+              </p:cNvPr>
+              <p:cNvSpPr/>
+              <p:nvPr/>
+            </p:nvSpPr>
+            <p:spPr>
+              <a:xfrm>
+                <a:off x="2227811" y="1278776"/>
+                <a:ext cx="74814" cy="74814"/>
+              </a:xfrm>
+              <a:prstGeom prst="ellipse">
+                <a:avLst/>
+              </a:prstGeom>
+            </p:spPr>
+            <p:style>
+              <a:lnRef idx="2">
+                <a:schemeClr val="dk1"/>
+              </a:lnRef>
+              <a:fillRef idx="1">
+                <a:schemeClr val="lt1"/>
+              </a:fillRef>
+              <a:effectRef idx="0">
+                <a:schemeClr val="dk1"/>
+              </a:effectRef>
+              <a:fontRef idx="minor">
+                <a:schemeClr val="dk1"/>
+              </a:fontRef>
+            </p:style>
+            <p:txBody>
+              <a:bodyPr rtlCol="0" anchor="ctr"/>
+              <a:lstStyle/>
+              <a:p>
+                <a:pPr algn="ctr"/>
+                <a:endParaRPr lang="ko-KR" altLang="en-US" sz="800"/>
+              </a:p>
+            </p:txBody>
+          </p:sp>
+          <p:sp>
+            <p:nvSpPr>
+              <p:cNvPr id="66" name="타원 65">
+                <a:extLst>
+                  <a:ext uri="{FF2B5EF4-FFF2-40B4-BE49-F238E27FC236}">
+                    <a16:creationId xmlns:a16="http://schemas.microsoft.com/office/drawing/2014/main" id="{3E49A39B-9A92-4217-A1B8-B31FAF7CF6FA}"/>
+                  </a:ext>
+                </a:extLst>
+              </p:cNvPr>
+              <p:cNvSpPr/>
+              <p:nvPr/>
+            </p:nvSpPr>
+            <p:spPr>
+              <a:xfrm>
+                <a:off x="2227811" y="1152696"/>
+                <a:ext cx="74814" cy="74814"/>
+              </a:xfrm>
+              <a:prstGeom prst="ellipse">
+                <a:avLst/>
+              </a:prstGeom>
+            </p:spPr>
+            <p:style>
+              <a:lnRef idx="2">
+                <a:schemeClr val="dk1"/>
+              </a:lnRef>
+              <a:fillRef idx="1">
+                <a:schemeClr val="lt1"/>
+              </a:fillRef>
+              <a:effectRef idx="0">
+                <a:schemeClr val="dk1"/>
+              </a:effectRef>
+              <a:fontRef idx="minor">
+                <a:schemeClr val="dk1"/>
+              </a:fontRef>
+            </p:style>
+            <p:txBody>
+              <a:bodyPr rtlCol="0" anchor="ctr"/>
+              <a:lstStyle/>
+              <a:p>
+                <a:pPr algn="ctr"/>
+                <a:endParaRPr lang="ko-KR" altLang="en-US" sz="800"/>
+              </a:p>
+            </p:txBody>
+          </p:sp>
+        </p:grpSp>
+        <p:sp>
+          <p:nvSpPr>
+            <p:cNvPr id="48" name="타원 47">
+              <a:extLst>
+                <a:ext uri="{FF2B5EF4-FFF2-40B4-BE49-F238E27FC236}">
+                  <a16:creationId xmlns:a16="http://schemas.microsoft.com/office/drawing/2014/main" id="{913C10E5-E2A6-4E7E-9B40-75B72A3ED087}"/>
+                </a:ext>
+              </a:extLst>
+            </p:cNvPr>
+            <p:cNvSpPr/>
+            <p:nvPr/>
+          </p:nvSpPr>
+          <p:spPr>
+            <a:xfrm>
+              <a:off x="1097280" y="824342"/>
+              <a:ext cx="403168" cy="403168"/>
+            </a:xfrm>
+            <a:prstGeom prst="ellipse">
+              <a:avLst/>
+            </a:prstGeom>
+          </p:spPr>
+          <p:style>
+            <a:lnRef idx="2">
+              <a:schemeClr val="dk1"/>
+            </a:lnRef>
+            <a:fillRef idx="1">
+              <a:schemeClr val="lt1"/>
+            </a:fillRef>
+            <a:effectRef idx="0">
+              <a:schemeClr val="dk1"/>
+            </a:effectRef>
+            <a:fontRef idx="minor">
+              <a:schemeClr val="dk1"/>
+            </a:fontRef>
+          </p:style>
+          <p:txBody>
+            <a:bodyPr rtlCol="0" anchor="ctr"/>
+            <a:lstStyle/>
+            <a:p>
+              <a:pPr algn="ctr"/>
+              <a:endParaRPr lang="ko-KR" altLang="en-US" sz="800" dirty="0"/>
+            </a:p>
+          </p:txBody>
+        </p:sp>
+        <p:sp>
+          <p:nvSpPr>
+            <p:cNvPr id="49" name="TextBox 48">
+              <a:extLst>
+                <a:ext uri="{FF2B5EF4-FFF2-40B4-BE49-F238E27FC236}">
+                  <a16:creationId xmlns:a16="http://schemas.microsoft.com/office/drawing/2014/main" id="{41A8D3EB-4424-4E96-858F-635BFB0FC3F1}"/>
+                </a:ext>
+              </a:extLst>
+            </p:cNvPr>
+            <p:cNvSpPr txBox="1"/>
+            <p:nvPr/>
+          </p:nvSpPr>
+          <p:spPr>
+            <a:xfrm>
+              <a:off x="979706" y="887426"/>
+              <a:ext cx="638316" cy="276999"/>
+            </a:xfrm>
+            <a:prstGeom prst="rect">
+              <a:avLst/>
+            </a:prstGeom>
+            <a:noFill/>
+          </p:spPr>
+          <p:txBody>
+            <a:bodyPr wrap="none" rtlCol="0">
+              <a:spAutoFit/>
+            </a:bodyPr>
+            <a:lstStyle/>
+            <a:p>
+              <a:r>
+                <a:rPr lang="en-US" altLang="ko-KR" sz="1200" dirty="0"/>
+                <a:t>school</a:t>
+              </a:r>
+              <a:endParaRPr lang="ko-KR" altLang="en-US" sz="1200" dirty="0"/>
+            </a:p>
+          </p:txBody>
+        </p:sp>
+        <p:sp>
+          <p:nvSpPr>
+            <p:cNvPr id="50" name="타원 49">
+              <a:extLst>
+                <a:ext uri="{FF2B5EF4-FFF2-40B4-BE49-F238E27FC236}">
+                  <a16:creationId xmlns:a16="http://schemas.microsoft.com/office/drawing/2014/main" id="{A62BDDBB-AA91-4D53-B6B3-BEA20803F2A6}"/>
+                </a:ext>
+              </a:extLst>
+            </p:cNvPr>
+            <p:cNvSpPr/>
+            <p:nvPr/>
+          </p:nvSpPr>
+          <p:spPr>
+            <a:xfrm>
+              <a:off x="1097280" y="1529539"/>
+              <a:ext cx="403168" cy="403168"/>
+            </a:xfrm>
+            <a:prstGeom prst="ellipse">
+              <a:avLst/>
+            </a:prstGeom>
+          </p:spPr>
+          <p:style>
+            <a:lnRef idx="2">
+              <a:schemeClr val="dk1"/>
+            </a:lnRef>
+            <a:fillRef idx="1">
+              <a:schemeClr val="lt1"/>
+            </a:fillRef>
+            <a:effectRef idx="0">
+              <a:schemeClr val="dk1"/>
+            </a:effectRef>
+            <a:fontRef idx="minor">
+              <a:schemeClr val="dk1"/>
+            </a:fontRef>
+          </p:style>
+          <p:txBody>
+            <a:bodyPr rtlCol="0" anchor="ctr"/>
+            <a:lstStyle/>
+            <a:p>
+              <a:pPr algn="ctr"/>
+              <a:endParaRPr lang="ko-KR" altLang="en-US" sz="800" dirty="0"/>
+            </a:p>
+          </p:txBody>
+        </p:sp>
+        <p:sp>
+          <p:nvSpPr>
+            <p:cNvPr id="52" name="타원 51">
+              <a:extLst>
+                <a:ext uri="{FF2B5EF4-FFF2-40B4-BE49-F238E27FC236}">
+                  <a16:creationId xmlns:a16="http://schemas.microsoft.com/office/drawing/2014/main" id="{7498BF9E-9E49-4A21-A52A-6B3D82F10B11}"/>
+                </a:ext>
+              </a:extLst>
+            </p:cNvPr>
+            <p:cNvSpPr/>
+            <p:nvPr/>
+          </p:nvSpPr>
+          <p:spPr>
+            <a:xfrm>
+              <a:off x="1105593" y="2939933"/>
+              <a:ext cx="403168" cy="403168"/>
+            </a:xfrm>
+            <a:prstGeom prst="ellipse">
+              <a:avLst/>
+            </a:prstGeom>
+          </p:spPr>
+          <p:style>
+            <a:lnRef idx="2">
+              <a:schemeClr val="dk1"/>
+            </a:lnRef>
+            <a:fillRef idx="1">
+              <a:schemeClr val="lt1"/>
+            </a:fillRef>
+            <a:effectRef idx="0">
+              <a:schemeClr val="dk1"/>
+            </a:effectRef>
+            <a:fontRef idx="minor">
+              <a:schemeClr val="dk1"/>
+            </a:fontRef>
+          </p:style>
+          <p:txBody>
+            <a:bodyPr rtlCol="0" anchor="ctr"/>
+            <a:lstStyle/>
+            <a:p>
+              <a:pPr algn="ctr"/>
+              <a:endParaRPr lang="ko-KR" altLang="en-US" sz="800" dirty="0"/>
+            </a:p>
+          </p:txBody>
+        </p:sp>
+        <p:sp>
+          <p:nvSpPr>
+            <p:cNvPr id="53" name="타원 52">
+              <a:extLst>
+                <a:ext uri="{FF2B5EF4-FFF2-40B4-BE49-F238E27FC236}">
+                  <a16:creationId xmlns:a16="http://schemas.microsoft.com/office/drawing/2014/main" id="{FA866973-3611-4576-9926-7C872B693EBB}"/>
+                </a:ext>
+              </a:extLst>
+            </p:cNvPr>
+            <p:cNvSpPr/>
+            <p:nvPr/>
+          </p:nvSpPr>
+          <p:spPr>
+            <a:xfrm>
+              <a:off x="1097280" y="3645130"/>
+              <a:ext cx="403168" cy="403168"/>
+            </a:xfrm>
+            <a:prstGeom prst="ellipse">
+              <a:avLst/>
+            </a:prstGeom>
+          </p:spPr>
+          <p:style>
+            <a:lnRef idx="2">
+              <a:schemeClr val="dk1"/>
+            </a:lnRef>
+            <a:fillRef idx="1">
+              <a:schemeClr val="lt1"/>
+            </a:fillRef>
+            <a:effectRef idx="0">
+              <a:schemeClr val="dk1"/>
+            </a:effectRef>
+            <a:fontRef idx="minor">
+              <a:schemeClr val="dk1"/>
+            </a:fontRef>
+          </p:style>
+          <p:txBody>
+            <a:bodyPr rtlCol="0" anchor="ctr"/>
+            <a:lstStyle/>
+            <a:p>
+              <a:pPr algn="ctr"/>
+              <a:endParaRPr lang="ko-KR" altLang="en-US" sz="800" dirty="0"/>
+            </a:p>
+          </p:txBody>
+        </p:sp>
+        <p:sp>
+          <p:nvSpPr>
+            <p:cNvPr id="55" name="타원 54">
+              <a:extLst>
+                <a:ext uri="{FF2B5EF4-FFF2-40B4-BE49-F238E27FC236}">
+                  <a16:creationId xmlns:a16="http://schemas.microsoft.com/office/drawing/2014/main" id="{712352AB-C7C4-4985-B4C5-08BE4180BFAB}"/>
+                </a:ext>
+              </a:extLst>
+            </p:cNvPr>
+            <p:cNvSpPr/>
+            <p:nvPr/>
+          </p:nvSpPr>
+          <p:spPr>
+            <a:xfrm>
+              <a:off x="1105593" y="5055524"/>
+              <a:ext cx="403168" cy="403168"/>
+            </a:xfrm>
+            <a:prstGeom prst="ellipse">
+              <a:avLst/>
+            </a:prstGeom>
+          </p:spPr>
+          <p:style>
+            <a:lnRef idx="2">
+              <a:schemeClr val="dk1"/>
+            </a:lnRef>
+            <a:fillRef idx="1">
+              <a:schemeClr val="lt1"/>
+            </a:fillRef>
+            <a:effectRef idx="0">
+              <a:schemeClr val="dk1"/>
+            </a:effectRef>
+            <a:fontRef idx="minor">
+              <a:schemeClr val="dk1"/>
+            </a:fontRef>
+          </p:style>
+          <p:txBody>
+            <a:bodyPr rtlCol="0" anchor="ctr"/>
+            <a:lstStyle/>
+            <a:p>
+              <a:pPr algn="ctr"/>
+              <a:endParaRPr lang="ko-KR" altLang="en-US" sz="800" dirty="0"/>
+            </a:p>
+          </p:txBody>
+        </p:sp>
+        <p:sp>
+          <p:nvSpPr>
+            <p:cNvPr id="56" name="타원 55">
+              <a:extLst>
+                <a:ext uri="{FF2B5EF4-FFF2-40B4-BE49-F238E27FC236}">
+                  <a16:creationId xmlns:a16="http://schemas.microsoft.com/office/drawing/2014/main" id="{CB6DDC14-EFF2-48A8-8F1F-277FE3EAE546}"/>
+                </a:ext>
+              </a:extLst>
+            </p:cNvPr>
+            <p:cNvSpPr/>
+            <p:nvPr/>
+          </p:nvSpPr>
+          <p:spPr>
+            <a:xfrm>
+              <a:off x="1105593" y="5760721"/>
+              <a:ext cx="403168" cy="403168"/>
+            </a:xfrm>
+            <a:prstGeom prst="ellipse">
+              <a:avLst/>
+            </a:prstGeom>
+          </p:spPr>
+          <p:style>
+            <a:lnRef idx="2">
+              <a:schemeClr val="dk1"/>
+            </a:lnRef>
+            <a:fillRef idx="1">
+              <a:schemeClr val="lt1"/>
+            </a:fillRef>
+            <a:effectRef idx="0">
+              <a:schemeClr val="dk1"/>
+            </a:effectRef>
+            <a:fontRef idx="minor">
+              <a:schemeClr val="dk1"/>
+            </a:fontRef>
+          </p:style>
+          <p:txBody>
+            <a:bodyPr rtlCol="0" anchor="ctr"/>
+            <a:lstStyle/>
+            <a:p>
+              <a:pPr algn="ctr"/>
+              <a:endParaRPr lang="ko-KR" altLang="en-US" sz="800" dirty="0"/>
+            </a:p>
+          </p:txBody>
+        </p:sp>
+        <p:sp>
+          <p:nvSpPr>
+            <p:cNvPr id="57" name="TextBox 56">
+              <a:extLst>
+                <a:ext uri="{FF2B5EF4-FFF2-40B4-BE49-F238E27FC236}">
+                  <a16:creationId xmlns:a16="http://schemas.microsoft.com/office/drawing/2014/main" id="{1AE752D8-5688-49A0-ADFB-CE53B122EE24}"/>
+                </a:ext>
+              </a:extLst>
+            </p:cNvPr>
+            <p:cNvSpPr txBox="1"/>
+            <p:nvPr/>
+          </p:nvSpPr>
+          <p:spPr>
+            <a:xfrm>
+              <a:off x="1185692" y="1592623"/>
+              <a:ext cx="226344" cy="276999"/>
+            </a:xfrm>
+            <a:prstGeom prst="rect">
+              <a:avLst/>
+            </a:prstGeom>
+            <a:noFill/>
+          </p:spPr>
+          <p:txBody>
+            <a:bodyPr wrap="none" rtlCol="0">
+              <a:spAutoFit/>
+            </a:bodyPr>
+            <a:lstStyle/>
+            <a:p>
+              <a:r>
+                <a:rPr lang="en-US" altLang="ko-KR" sz="1200" dirty="0"/>
+                <a:t>I</a:t>
+              </a:r>
+              <a:endParaRPr lang="ko-KR" altLang="en-US" sz="1200" dirty="0"/>
+            </a:p>
+          </p:txBody>
+        </p:sp>
+        <p:sp>
+          <p:nvSpPr>
+            <p:cNvPr id="58" name="TextBox 57">
+              <a:extLst>
+                <a:ext uri="{FF2B5EF4-FFF2-40B4-BE49-F238E27FC236}">
+                  <a16:creationId xmlns:a16="http://schemas.microsoft.com/office/drawing/2014/main" id="{51F65960-C7EF-4018-B33E-C69DDD3F7653}"/>
+                </a:ext>
+              </a:extLst>
+            </p:cNvPr>
+            <p:cNvSpPr txBox="1"/>
+            <p:nvPr/>
+          </p:nvSpPr>
+          <p:spPr>
+            <a:xfrm>
+              <a:off x="988019" y="2308284"/>
+              <a:ext cx="638316" cy="276999"/>
+            </a:xfrm>
+            <a:prstGeom prst="rect">
+              <a:avLst/>
+            </a:prstGeom>
+            <a:noFill/>
+          </p:spPr>
+          <p:txBody>
+            <a:bodyPr wrap="square" rtlCol="0">
+              <a:spAutoFit/>
+            </a:bodyPr>
+            <a:lstStyle/>
+            <a:p>
+              <a:pPr algn="ctr"/>
+              <a:r>
+                <a:rPr lang="en-US" altLang="ko-KR" sz="1200" dirty="0"/>
+                <a:t>love</a:t>
+              </a:r>
+              <a:endParaRPr lang="ko-KR" altLang="en-US" sz="1200" dirty="0"/>
+            </a:p>
+          </p:txBody>
+        </p:sp>
+        <p:sp>
+          <p:nvSpPr>
+            <p:cNvPr id="59" name="TextBox 58">
+              <a:extLst>
+                <a:ext uri="{FF2B5EF4-FFF2-40B4-BE49-F238E27FC236}">
+                  <a16:creationId xmlns:a16="http://schemas.microsoft.com/office/drawing/2014/main" id="{641F922E-2DA0-4F6C-A98D-F12C899EC82B}"/>
+                </a:ext>
+              </a:extLst>
+            </p:cNvPr>
+            <p:cNvSpPr txBox="1"/>
+            <p:nvPr/>
+          </p:nvSpPr>
+          <p:spPr>
+            <a:xfrm>
+              <a:off x="1077905" y="3003017"/>
+              <a:ext cx="441916" cy="276999"/>
+            </a:xfrm>
+            <a:prstGeom prst="rect">
+              <a:avLst/>
+            </a:prstGeom>
+            <a:noFill/>
+          </p:spPr>
+          <p:txBody>
+            <a:bodyPr wrap="none" rtlCol="0">
+              <a:spAutoFit/>
+            </a:bodyPr>
+            <a:lstStyle/>
+            <a:p>
+              <a:r>
+                <a:rPr lang="en-US" altLang="ko-KR" sz="1200" dirty="0"/>
+                <a:t>you</a:t>
+              </a:r>
+              <a:endParaRPr lang="ko-KR" altLang="en-US" sz="1200" dirty="0"/>
+            </a:p>
+          </p:txBody>
+        </p:sp>
+        <p:sp>
+          <p:nvSpPr>
+            <p:cNvPr id="60" name="TextBox 59">
+              <a:extLst>
+                <a:ext uri="{FF2B5EF4-FFF2-40B4-BE49-F238E27FC236}">
+                  <a16:creationId xmlns:a16="http://schemas.microsoft.com/office/drawing/2014/main" id="{595330F7-7E6C-4C86-AA59-E6AD3C3FA525}"/>
+                </a:ext>
+              </a:extLst>
+            </p:cNvPr>
+            <p:cNvSpPr txBox="1"/>
+            <p:nvPr/>
+          </p:nvSpPr>
+          <p:spPr>
+            <a:xfrm>
+              <a:off x="1134234" y="3708214"/>
+              <a:ext cx="329257" cy="276999"/>
+            </a:xfrm>
+            <a:prstGeom prst="rect">
+              <a:avLst/>
+            </a:prstGeom>
+            <a:noFill/>
+          </p:spPr>
+          <p:txBody>
+            <a:bodyPr wrap="none" rtlCol="0">
+              <a:spAutoFit/>
+            </a:bodyPr>
+            <a:lstStyle/>
+            <a:p>
+              <a:r>
+                <a:rPr lang="en-US" altLang="ko-KR" sz="1200" dirty="0"/>
+                <a:t>to</a:t>
+              </a:r>
+              <a:endParaRPr lang="ko-KR" altLang="en-US" sz="1200" dirty="0"/>
+            </a:p>
+          </p:txBody>
+        </p:sp>
+        <p:sp>
+          <p:nvSpPr>
+            <p:cNvPr id="61" name="TextBox 60">
+              <a:extLst>
+                <a:ext uri="{FF2B5EF4-FFF2-40B4-BE49-F238E27FC236}">
+                  <a16:creationId xmlns:a16="http://schemas.microsoft.com/office/drawing/2014/main" id="{4A02E220-6184-4B6C-B6D4-F95F43A5E5D7}"/>
+                </a:ext>
+              </a:extLst>
+            </p:cNvPr>
+            <p:cNvSpPr txBox="1"/>
+            <p:nvPr/>
+          </p:nvSpPr>
+          <p:spPr>
+            <a:xfrm>
+              <a:off x="1119443" y="4413411"/>
+              <a:ext cx="370614" cy="276999"/>
+            </a:xfrm>
+            <a:prstGeom prst="rect">
+              <a:avLst/>
+            </a:prstGeom>
+            <a:noFill/>
+          </p:spPr>
+          <p:txBody>
+            <a:bodyPr wrap="none" rtlCol="0">
+              <a:spAutoFit/>
+            </a:bodyPr>
+            <a:lstStyle/>
+            <a:p>
+              <a:r>
+                <a:rPr lang="en-US" altLang="ko-KR" sz="1200" dirty="0"/>
+                <a:t>go</a:t>
+              </a:r>
+              <a:endParaRPr lang="ko-KR" altLang="en-US" sz="1200" dirty="0"/>
+            </a:p>
+          </p:txBody>
+        </p:sp>
+        <p:sp>
+          <p:nvSpPr>
+            <p:cNvPr id="62" name="TextBox 61">
+              <a:extLst>
+                <a:ext uri="{FF2B5EF4-FFF2-40B4-BE49-F238E27FC236}">
+                  <a16:creationId xmlns:a16="http://schemas.microsoft.com/office/drawing/2014/main" id="{0CCB46DA-8E77-4839-B872-5FB2B3926A13}"/>
+                </a:ext>
+              </a:extLst>
+            </p:cNvPr>
+            <p:cNvSpPr txBox="1"/>
+            <p:nvPr/>
+          </p:nvSpPr>
+          <p:spPr>
+            <a:xfrm>
+              <a:off x="1109293" y="5118608"/>
+              <a:ext cx="399468" cy="276999"/>
+            </a:xfrm>
+            <a:prstGeom prst="rect">
+              <a:avLst/>
+            </a:prstGeom>
+            <a:noFill/>
+          </p:spPr>
+          <p:txBody>
+            <a:bodyPr wrap="none" rtlCol="0">
+              <a:spAutoFit/>
+            </a:bodyPr>
+            <a:lstStyle/>
+            <a:p>
+              <a:r>
+                <a:rPr lang="en-US" altLang="ko-KR" sz="1200" dirty="0"/>
+                <a:t>eat</a:t>
+              </a:r>
+              <a:endParaRPr lang="ko-KR" altLang="en-US" sz="1200" dirty="0"/>
+            </a:p>
+          </p:txBody>
+        </p:sp>
+        <p:sp>
+          <p:nvSpPr>
+            <p:cNvPr id="63" name="TextBox 62">
+              <a:extLst>
+                <a:ext uri="{FF2B5EF4-FFF2-40B4-BE49-F238E27FC236}">
+                  <a16:creationId xmlns:a16="http://schemas.microsoft.com/office/drawing/2014/main" id="{D74F499E-E291-4FFF-983D-7B208693C636}"/>
+                </a:ext>
+              </a:extLst>
+            </p:cNvPr>
+            <p:cNvSpPr txBox="1"/>
+            <p:nvPr/>
+          </p:nvSpPr>
+          <p:spPr>
+            <a:xfrm>
+              <a:off x="1076986" y="5832074"/>
+              <a:ext cx="460382" cy="276999"/>
+            </a:xfrm>
+            <a:prstGeom prst="rect">
+              <a:avLst/>
+            </a:prstGeom>
+            <a:noFill/>
+          </p:spPr>
+          <p:txBody>
+            <a:bodyPr wrap="none" rtlCol="0">
+              <a:spAutoFit/>
+            </a:bodyPr>
+            <a:lstStyle/>
+            <a:p>
+              <a:r>
+                <a:rPr lang="en-US" altLang="ko-KR" sz="1200" dirty="0"/>
+                <a:t>EOF</a:t>
+              </a:r>
+              <a:endParaRPr lang="ko-KR" altLang="en-US" sz="1200" dirty="0"/>
+            </a:p>
+          </p:txBody>
+        </p:sp>
+        <p:sp>
+          <p:nvSpPr>
+            <p:cNvPr id="51" name="타원 50">
+              <a:extLst>
+                <a:ext uri="{FF2B5EF4-FFF2-40B4-BE49-F238E27FC236}">
+                  <a16:creationId xmlns:a16="http://schemas.microsoft.com/office/drawing/2014/main" id="{612A8969-FAA0-4DD1-864B-00FFE76B83B2}"/>
+                </a:ext>
+              </a:extLst>
+            </p:cNvPr>
+            <p:cNvSpPr/>
+            <p:nvPr/>
+          </p:nvSpPr>
+          <p:spPr>
+            <a:xfrm>
+              <a:off x="1097280" y="2234736"/>
+              <a:ext cx="403168" cy="403168"/>
+            </a:xfrm>
+            <a:prstGeom prst="ellipse">
+              <a:avLst/>
+            </a:prstGeom>
+            <a:noFill/>
+          </p:spPr>
+          <p:style>
+            <a:lnRef idx="2">
+              <a:schemeClr val="dk1"/>
+            </a:lnRef>
+            <a:fillRef idx="1">
+              <a:schemeClr val="lt1"/>
+            </a:fillRef>
+            <a:effectRef idx="0">
+              <a:schemeClr val="dk1"/>
+            </a:effectRef>
+            <a:fontRef idx="minor">
+              <a:schemeClr val="dk1"/>
+            </a:fontRef>
+          </p:style>
+          <p:txBody>
+            <a:bodyPr rtlCol="0" anchor="ctr"/>
+            <a:lstStyle/>
+            <a:p>
+              <a:pPr algn="ctr"/>
+              <a:endParaRPr lang="ko-KR" altLang="en-US" sz="800" dirty="0"/>
+            </a:p>
+          </p:txBody>
+        </p:sp>
+        <p:sp>
+          <p:nvSpPr>
+            <p:cNvPr id="54" name="타원 53">
+              <a:extLst>
+                <a:ext uri="{FF2B5EF4-FFF2-40B4-BE49-F238E27FC236}">
+                  <a16:creationId xmlns:a16="http://schemas.microsoft.com/office/drawing/2014/main" id="{C7CF24D0-E55D-448C-A43E-18F786762800}"/>
+                </a:ext>
+              </a:extLst>
+            </p:cNvPr>
+            <p:cNvSpPr/>
+            <p:nvPr/>
+          </p:nvSpPr>
+          <p:spPr>
+            <a:xfrm>
+              <a:off x="1105593" y="4350327"/>
+              <a:ext cx="403168" cy="403168"/>
+            </a:xfrm>
+            <a:prstGeom prst="ellipse">
+              <a:avLst/>
+            </a:prstGeom>
+            <a:noFill/>
+          </p:spPr>
+          <p:style>
+            <a:lnRef idx="2">
+              <a:schemeClr val="dk1"/>
+            </a:lnRef>
+            <a:fillRef idx="1">
+              <a:schemeClr val="lt1"/>
+            </a:fillRef>
+            <a:effectRef idx="0">
+              <a:schemeClr val="dk1"/>
+            </a:effectRef>
+            <a:fontRef idx="minor">
+              <a:schemeClr val="dk1"/>
+            </a:fontRef>
+          </p:style>
+          <p:txBody>
+            <a:bodyPr rtlCol="0" anchor="ctr"/>
+            <a:lstStyle/>
+            <a:p>
+              <a:pPr algn="ctr"/>
+              <a:endParaRPr lang="ko-KR" altLang="en-US" sz="800" dirty="0"/>
+            </a:p>
+          </p:txBody>
+        </p:sp>
+      </p:grpSp>
+      <p:grpSp>
+        <p:nvGrpSpPr>
+          <p:cNvPr id="70" name="그룹 69">
+            <a:extLst>
+              <a:ext uri="{FF2B5EF4-FFF2-40B4-BE49-F238E27FC236}">
+                <a16:creationId xmlns:a16="http://schemas.microsoft.com/office/drawing/2014/main" id="{8C5EFA26-1D77-48F8-98FD-825108361E55}"/>
+              </a:ext>
+            </a:extLst>
+          </p:cNvPr>
+          <p:cNvGrpSpPr/>
+          <p:nvPr/>
+        </p:nvGrpSpPr>
+        <p:grpSpPr>
+          <a:xfrm>
+            <a:off x="3504733" y="196731"/>
+            <a:ext cx="638316" cy="6589231"/>
+            <a:chOff x="979706" y="199500"/>
+            <a:chExt cx="638316" cy="6589231"/>
+          </a:xfrm>
+        </p:grpSpPr>
+        <p:grpSp>
+          <p:nvGrpSpPr>
+            <p:cNvPr id="71" name="그룹 70">
+              <a:extLst>
+                <a:ext uri="{FF2B5EF4-FFF2-40B4-BE49-F238E27FC236}">
+                  <a16:creationId xmlns:a16="http://schemas.microsoft.com/office/drawing/2014/main" id="{0AC93528-6A42-4A0F-A79D-4EA36B5CDBF1}"/>
+                </a:ext>
+              </a:extLst>
+            </p:cNvPr>
+            <p:cNvGrpSpPr/>
+            <p:nvPr/>
+          </p:nvGrpSpPr>
+          <p:grpSpPr>
+            <a:xfrm>
+              <a:off x="1269770" y="199500"/>
+              <a:ext cx="74814" cy="322813"/>
+              <a:chOff x="2227811" y="1152696"/>
+              <a:chExt cx="74814" cy="322813"/>
+            </a:xfrm>
+          </p:grpSpPr>
+          <p:sp>
+            <p:nvSpPr>
+              <p:cNvPr id="92" name="타원 91">
+                <a:extLst>
+                  <a:ext uri="{FF2B5EF4-FFF2-40B4-BE49-F238E27FC236}">
+                    <a16:creationId xmlns:a16="http://schemas.microsoft.com/office/drawing/2014/main" id="{5CF0A9C5-05C1-4311-8509-79B4B6BC8218}"/>
+                  </a:ext>
+                </a:extLst>
+              </p:cNvPr>
+              <p:cNvSpPr/>
+              <p:nvPr/>
+            </p:nvSpPr>
+            <p:spPr>
+              <a:xfrm>
+                <a:off x="2227811" y="1400695"/>
+                <a:ext cx="74814" cy="74814"/>
+              </a:xfrm>
+              <a:prstGeom prst="ellipse">
+                <a:avLst/>
+              </a:prstGeom>
+            </p:spPr>
+            <p:style>
+              <a:lnRef idx="2">
+                <a:schemeClr val="dk1"/>
+              </a:lnRef>
+              <a:fillRef idx="1">
+                <a:schemeClr val="lt1"/>
+              </a:fillRef>
+              <a:effectRef idx="0">
+                <a:schemeClr val="dk1"/>
+              </a:effectRef>
+              <a:fontRef idx="minor">
+                <a:schemeClr val="dk1"/>
+              </a:fontRef>
+            </p:style>
+            <p:txBody>
+              <a:bodyPr rtlCol="0" anchor="ctr"/>
+              <a:lstStyle/>
+              <a:p>
+                <a:pPr algn="ctr"/>
+                <a:endParaRPr lang="ko-KR" altLang="en-US" sz="800"/>
+              </a:p>
+            </p:txBody>
+          </p:sp>
+          <p:sp>
+            <p:nvSpPr>
+              <p:cNvPr id="93" name="타원 92">
+                <a:extLst>
+                  <a:ext uri="{FF2B5EF4-FFF2-40B4-BE49-F238E27FC236}">
+                    <a16:creationId xmlns:a16="http://schemas.microsoft.com/office/drawing/2014/main" id="{91F4EE75-173B-4EB6-A023-1789ED9997F4}"/>
+                  </a:ext>
+                </a:extLst>
+              </p:cNvPr>
+              <p:cNvSpPr/>
+              <p:nvPr/>
+            </p:nvSpPr>
+            <p:spPr>
+              <a:xfrm>
+                <a:off x="2227811" y="1278776"/>
+                <a:ext cx="74814" cy="74814"/>
+              </a:xfrm>
+              <a:prstGeom prst="ellipse">
+                <a:avLst/>
+              </a:prstGeom>
+            </p:spPr>
+            <p:style>
+              <a:lnRef idx="2">
+                <a:schemeClr val="dk1"/>
+              </a:lnRef>
+              <a:fillRef idx="1">
+                <a:schemeClr val="lt1"/>
+              </a:fillRef>
+              <a:effectRef idx="0">
+                <a:schemeClr val="dk1"/>
+              </a:effectRef>
+              <a:fontRef idx="minor">
+                <a:schemeClr val="dk1"/>
+              </a:fontRef>
+            </p:style>
+            <p:txBody>
+              <a:bodyPr rtlCol="0" anchor="ctr"/>
+              <a:lstStyle/>
+              <a:p>
+                <a:pPr algn="ctr"/>
+                <a:endParaRPr lang="ko-KR" altLang="en-US" sz="800"/>
+              </a:p>
+            </p:txBody>
+          </p:sp>
+          <p:sp>
+            <p:nvSpPr>
+              <p:cNvPr id="94" name="타원 93">
+                <a:extLst>
+                  <a:ext uri="{FF2B5EF4-FFF2-40B4-BE49-F238E27FC236}">
+                    <a16:creationId xmlns:a16="http://schemas.microsoft.com/office/drawing/2014/main" id="{C861186A-AD47-413A-9904-16FDE45B534E}"/>
+                  </a:ext>
+                </a:extLst>
+              </p:cNvPr>
+              <p:cNvSpPr/>
+              <p:nvPr/>
+            </p:nvSpPr>
+            <p:spPr>
+              <a:xfrm>
+                <a:off x="2227811" y="1152696"/>
+                <a:ext cx="74814" cy="74814"/>
+              </a:xfrm>
+              <a:prstGeom prst="ellipse">
+                <a:avLst/>
+              </a:prstGeom>
+            </p:spPr>
+            <p:style>
+              <a:lnRef idx="2">
+                <a:schemeClr val="dk1"/>
+              </a:lnRef>
+              <a:fillRef idx="1">
+                <a:schemeClr val="lt1"/>
+              </a:fillRef>
+              <a:effectRef idx="0">
+                <a:schemeClr val="dk1"/>
+              </a:effectRef>
+              <a:fontRef idx="minor">
+                <a:schemeClr val="dk1"/>
+              </a:fontRef>
+            </p:style>
+            <p:txBody>
+              <a:bodyPr rtlCol="0" anchor="ctr"/>
+              <a:lstStyle/>
+              <a:p>
+                <a:pPr algn="ctr"/>
+                <a:endParaRPr lang="ko-KR" altLang="en-US" sz="800"/>
+              </a:p>
+            </p:txBody>
+          </p:sp>
+        </p:grpSp>
+        <p:grpSp>
+          <p:nvGrpSpPr>
+            <p:cNvPr id="72" name="그룹 71">
+              <a:extLst>
+                <a:ext uri="{FF2B5EF4-FFF2-40B4-BE49-F238E27FC236}">
+                  <a16:creationId xmlns:a16="http://schemas.microsoft.com/office/drawing/2014/main" id="{B256E6EF-B8C5-4748-8A14-6F6CD16895D9}"/>
+                </a:ext>
+              </a:extLst>
+            </p:cNvPr>
+            <p:cNvGrpSpPr/>
+            <p:nvPr/>
+          </p:nvGrpSpPr>
+          <p:grpSpPr>
+            <a:xfrm>
+              <a:off x="1261457" y="6465918"/>
+              <a:ext cx="74814" cy="322813"/>
+              <a:chOff x="2227811" y="1152696"/>
+              <a:chExt cx="74814" cy="322813"/>
+            </a:xfrm>
+          </p:grpSpPr>
+          <p:sp>
+            <p:nvSpPr>
+              <p:cNvPr id="89" name="타원 88">
+                <a:extLst>
+                  <a:ext uri="{FF2B5EF4-FFF2-40B4-BE49-F238E27FC236}">
+                    <a16:creationId xmlns:a16="http://schemas.microsoft.com/office/drawing/2014/main" id="{36750552-75FC-435D-B527-E8CD1A0F3EF0}"/>
+                  </a:ext>
+                </a:extLst>
+              </p:cNvPr>
+              <p:cNvSpPr/>
+              <p:nvPr/>
+            </p:nvSpPr>
+            <p:spPr>
+              <a:xfrm>
+                <a:off x="2227811" y="1400695"/>
+                <a:ext cx="74814" cy="74814"/>
+              </a:xfrm>
+              <a:prstGeom prst="ellipse">
+                <a:avLst/>
+              </a:prstGeom>
+            </p:spPr>
+            <p:style>
+              <a:lnRef idx="2">
+                <a:schemeClr val="dk1"/>
+              </a:lnRef>
+              <a:fillRef idx="1">
+                <a:schemeClr val="lt1"/>
+              </a:fillRef>
+              <a:effectRef idx="0">
+                <a:schemeClr val="dk1"/>
+              </a:effectRef>
+              <a:fontRef idx="minor">
+                <a:schemeClr val="dk1"/>
+              </a:fontRef>
+            </p:style>
+            <p:txBody>
+              <a:bodyPr rtlCol="0" anchor="ctr"/>
+              <a:lstStyle/>
+              <a:p>
+                <a:pPr algn="ctr"/>
+                <a:endParaRPr lang="ko-KR" altLang="en-US" sz="800"/>
+              </a:p>
+            </p:txBody>
+          </p:sp>
+          <p:sp>
+            <p:nvSpPr>
+              <p:cNvPr id="90" name="타원 89">
+                <a:extLst>
+                  <a:ext uri="{FF2B5EF4-FFF2-40B4-BE49-F238E27FC236}">
+                    <a16:creationId xmlns:a16="http://schemas.microsoft.com/office/drawing/2014/main" id="{475CCAC3-7283-424A-BF35-F777E06EB5C6}"/>
+                  </a:ext>
+                </a:extLst>
+              </p:cNvPr>
+              <p:cNvSpPr/>
+              <p:nvPr/>
+            </p:nvSpPr>
+            <p:spPr>
+              <a:xfrm>
+                <a:off x="2227811" y="1278776"/>
+                <a:ext cx="74814" cy="74814"/>
+              </a:xfrm>
+              <a:prstGeom prst="ellipse">
+                <a:avLst/>
+              </a:prstGeom>
+            </p:spPr>
+            <p:style>
+              <a:lnRef idx="2">
+                <a:schemeClr val="dk1"/>
+              </a:lnRef>
+              <a:fillRef idx="1">
+                <a:schemeClr val="lt1"/>
+              </a:fillRef>
+              <a:effectRef idx="0">
+                <a:schemeClr val="dk1"/>
+              </a:effectRef>
+              <a:fontRef idx="minor">
+                <a:schemeClr val="dk1"/>
+              </a:fontRef>
+            </p:style>
+            <p:txBody>
+              <a:bodyPr rtlCol="0" anchor="ctr"/>
+              <a:lstStyle/>
+              <a:p>
+                <a:pPr algn="ctr"/>
+                <a:endParaRPr lang="ko-KR" altLang="en-US" sz="800"/>
+              </a:p>
+            </p:txBody>
+          </p:sp>
+          <p:sp>
+            <p:nvSpPr>
+              <p:cNvPr id="91" name="타원 90">
+                <a:extLst>
+                  <a:ext uri="{FF2B5EF4-FFF2-40B4-BE49-F238E27FC236}">
+                    <a16:creationId xmlns:a16="http://schemas.microsoft.com/office/drawing/2014/main" id="{5B8B463E-E598-4E7E-ABB1-3B803CD7556C}"/>
+                  </a:ext>
+                </a:extLst>
+              </p:cNvPr>
+              <p:cNvSpPr/>
+              <p:nvPr/>
+            </p:nvSpPr>
+            <p:spPr>
+              <a:xfrm>
+                <a:off x="2227811" y="1152696"/>
+                <a:ext cx="74814" cy="74814"/>
+              </a:xfrm>
+              <a:prstGeom prst="ellipse">
+                <a:avLst/>
+              </a:prstGeom>
+            </p:spPr>
+            <p:style>
+              <a:lnRef idx="2">
+                <a:schemeClr val="dk1"/>
+              </a:lnRef>
+              <a:fillRef idx="1">
+                <a:schemeClr val="lt1"/>
+              </a:fillRef>
+              <a:effectRef idx="0">
+                <a:schemeClr val="dk1"/>
+              </a:effectRef>
+              <a:fontRef idx="minor">
+                <a:schemeClr val="dk1"/>
+              </a:fontRef>
+            </p:style>
+            <p:txBody>
+              <a:bodyPr rtlCol="0" anchor="ctr"/>
+              <a:lstStyle/>
+              <a:p>
+                <a:pPr algn="ctr"/>
+                <a:endParaRPr lang="ko-KR" altLang="en-US" sz="800"/>
+              </a:p>
+            </p:txBody>
+          </p:sp>
+        </p:grpSp>
+        <p:sp>
+          <p:nvSpPr>
+            <p:cNvPr id="73" name="타원 72">
+              <a:extLst>
+                <a:ext uri="{FF2B5EF4-FFF2-40B4-BE49-F238E27FC236}">
+                  <a16:creationId xmlns:a16="http://schemas.microsoft.com/office/drawing/2014/main" id="{4BCE2555-4810-4FCF-B396-8B802CF1E0E8}"/>
+                </a:ext>
+              </a:extLst>
+            </p:cNvPr>
+            <p:cNvSpPr/>
+            <p:nvPr/>
+          </p:nvSpPr>
+          <p:spPr>
+            <a:xfrm>
+              <a:off x="1097280" y="824342"/>
+              <a:ext cx="403168" cy="403168"/>
+            </a:xfrm>
+            <a:prstGeom prst="ellipse">
+              <a:avLst/>
+            </a:prstGeom>
+          </p:spPr>
+          <p:style>
+            <a:lnRef idx="2">
+              <a:schemeClr val="dk1"/>
+            </a:lnRef>
+            <a:fillRef idx="1">
+              <a:schemeClr val="lt1"/>
+            </a:fillRef>
+            <a:effectRef idx="0">
+              <a:schemeClr val="dk1"/>
+            </a:effectRef>
+            <a:fontRef idx="minor">
+              <a:schemeClr val="dk1"/>
+            </a:fontRef>
+          </p:style>
+          <p:txBody>
+            <a:bodyPr rtlCol="0" anchor="ctr"/>
+            <a:lstStyle/>
+            <a:p>
+              <a:pPr algn="ctr"/>
+              <a:endParaRPr lang="ko-KR" altLang="en-US" sz="800" dirty="0"/>
+            </a:p>
+          </p:txBody>
+        </p:sp>
+        <p:sp>
+          <p:nvSpPr>
+            <p:cNvPr id="74" name="TextBox 73">
+              <a:extLst>
+                <a:ext uri="{FF2B5EF4-FFF2-40B4-BE49-F238E27FC236}">
+                  <a16:creationId xmlns:a16="http://schemas.microsoft.com/office/drawing/2014/main" id="{2704E98A-8DD6-4F8A-91AE-7F20E94A83EE}"/>
+                </a:ext>
+              </a:extLst>
+            </p:cNvPr>
+            <p:cNvSpPr txBox="1"/>
+            <p:nvPr/>
+          </p:nvSpPr>
+          <p:spPr>
+            <a:xfrm>
+              <a:off x="979706" y="887426"/>
+              <a:ext cx="638316" cy="276999"/>
+            </a:xfrm>
+            <a:prstGeom prst="rect">
+              <a:avLst/>
+            </a:prstGeom>
+            <a:noFill/>
+          </p:spPr>
+          <p:txBody>
+            <a:bodyPr wrap="none" rtlCol="0">
+              <a:spAutoFit/>
+            </a:bodyPr>
+            <a:lstStyle/>
+            <a:p>
+              <a:r>
+                <a:rPr lang="en-US" altLang="ko-KR" sz="1200" dirty="0"/>
+                <a:t>school</a:t>
+              </a:r>
+              <a:endParaRPr lang="ko-KR" altLang="en-US" sz="1200" dirty="0"/>
+            </a:p>
+          </p:txBody>
+        </p:sp>
+        <p:sp>
+          <p:nvSpPr>
+            <p:cNvPr id="75" name="타원 74">
+              <a:extLst>
+                <a:ext uri="{FF2B5EF4-FFF2-40B4-BE49-F238E27FC236}">
+                  <a16:creationId xmlns:a16="http://schemas.microsoft.com/office/drawing/2014/main" id="{06D3D0BA-B1A9-4811-9432-B4DA364FCD7E}"/>
+                </a:ext>
+              </a:extLst>
+            </p:cNvPr>
+            <p:cNvSpPr/>
+            <p:nvPr/>
+          </p:nvSpPr>
+          <p:spPr>
+            <a:xfrm>
+              <a:off x="1097280" y="1529539"/>
+              <a:ext cx="403168" cy="403168"/>
+            </a:xfrm>
+            <a:prstGeom prst="ellipse">
+              <a:avLst/>
+            </a:prstGeom>
+          </p:spPr>
+          <p:style>
+            <a:lnRef idx="2">
+              <a:schemeClr val="dk1"/>
+            </a:lnRef>
+            <a:fillRef idx="1">
+              <a:schemeClr val="lt1"/>
+            </a:fillRef>
+            <a:effectRef idx="0">
+              <a:schemeClr val="dk1"/>
+            </a:effectRef>
+            <a:fontRef idx="minor">
+              <a:schemeClr val="dk1"/>
+            </a:fontRef>
+          </p:style>
+          <p:txBody>
+            <a:bodyPr rtlCol="0" anchor="ctr"/>
+            <a:lstStyle/>
+            <a:p>
+              <a:pPr algn="ctr"/>
+              <a:endParaRPr lang="ko-KR" altLang="en-US" sz="800" dirty="0"/>
+            </a:p>
+          </p:txBody>
+        </p:sp>
+        <p:sp>
+          <p:nvSpPr>
+            <p:cNvPr id="76" name="타원 75">
+              <a:extLst>
+                <a:ext uri="{FF2B5EF4-FFF2-40B4-BE49-F238E27FC236}">
+                  <a16:creationId xmlns:a16="http://schemas.microsoft.com/office/drawing/2014/main" id="{EB35E957-9247-44DE-9C49-1144B7DA67B9}"/>
+                </a:ext>
+              </a:extLst>
+            </p:cNvPr>
+            <p:cNvSpPr/>
+            <p:nvPr/>
+          </p:nvSpPr>
+          <p:spPr>
+            <a:xfrm>
+              <a:off x="1097280" y="2234736"/>
+              <a:ext cx="403168" cy="403168"/>
+            </a:xfrm>
+            <a:prstGeom prst="ellipse">
+              <a:avLst/>
+            </a:prstGeom>
+          </p:spPr>
+          <p:style>
+            <a:lnRef idx="2">
+              <a:schemeClr val="dk1"/>
+            </a:lnRef>
+            <a:fillRef idx="1">
+              <a:schemeClr val="lt1"/>
+            </a:fillRef>
+            <a:effectRef idx="0">
+              <a:schemeClr val="dk1"/>
+            </a:effectRef>
+            <a:fontRef idx="minor">
+              <a:schemeClr val="dk1"/>
+            </a:fontRef>
+          </p:style>
+          <p:txBody>
+            <a:bodyPr rtlCol="0" anchor="ctr"/>
+            <a:lstStyle/>
+            <a:p>
+              <a:pPr algn="ctr"/>
+              <a:endParaRPr lang="ko-KR" altLang="en-US" sz="800" dirty="0"/>
+            </a:p>
+          </p:txBody>
+        </p:sp>
+        <p:sp>
+          <p:nvSpPr>
+            <p:cNvPr id="77" name="타원 76">
+              <a:extLst>
+                <a:ext uri="{FF2B5EF4-FFF2-40B4-BE49-F238E27FC236}">
+                  <a16:creationId xmlns:a16="http://schemas.microsoft.com/office/drawing/2014/main" id="{97B99111-F7AC-4C84-9ECC-A88CB5316E7B}"/>
+                </a:ext>
+              </a:extLst>
+            </p:cNvPr>
+            <p:cNvSpPr/>
+            <p:nvPr/>
+          </p:nvSpPr>
+          <p:spPr>
+            <a:xfrm>
+              <a:off x="1105593" y="2939933"/>
+              <a:ext cx="403168" cy="403168"/>
+            </a:xfrm>
+            <a:prstGeom prst="ellipse">
+              <a:avLst/>
+            </a:prstGeom>
+          </p:spPr>
+          <p:style>
+            <a:lnRef idx="2">
+              <a:schemeClr val="dk1"/>
+            </a:lnRef>
+            <a:fillRef idx="1">
+              <a:schemeClr val="lt1"/>
+            </a:fillRef>
+            <a:effectRef idx="0">
+              <a:schemeClr val="dk1"/>
+            </a:effectRef>
+            <a:fontRef idx="minor">
+              <a:schemeClr val="dk1"/>
+            </a:fontRef>
+          </p:style>
+          <p:txBody>
+            <a:bodyPr rtlCol="0" anchor="ctr"/>
+            <a:lstStyle/>
+            <a:p>
+              <a:pPr algn="ctr"/>
+              <a:endParaRPr lang="ko-KR" altLang="en-US" sz="800" dirty="0"/>
+            </a:p>
+          </p:txBody>
+        </p:sp>
+        <p:sp>
+          <p:nvSpPr>
+            <p:cNvPr id="78" name="타원 77">
+              <a:extLst>
+                <a:ext uri="{FF2B5EF4-FFF2-40B4-BE49-F238E27FC236}">
+                  <a16:creationId xmlns:a16="http://schemas.microsoft.com/office/drawing/2014/main" id="{8FB07BFC-3B3A-41DE-A4E2-718BE03CA764}"/>
+                </a:ext>
+              </a:extLst>
+            </p:cNvPr>
+            <p:cNvSpPr/>
+            <p:nvPr/>
+          </p:nvSpPr>
+          <p:spPr>
+            <a:xfrm>
+              <a:off x="1097280" y="3645130"/>
+              <a:ext cx="403168" cy="403168"/>
+            </a:xfrm>
+            <a:prstGeom prst="ellipse">
+              <a:avLst/>
+            </a:prstGeom>
+          </p:spPr>
+          <p:style>
+            <a:lnRef idx="2">
+              <a:schemeClr val="dk1"/>
+            </a:lnRef>
+            <a:fillRef idx="1">
+              <a:schemeClr val="lt1"/>
+            </a:fillRef>
+            <a:effectRef idx="0">
+              <a:schemeClr val="dk1"/>
+            </a:effectRef>
+            <a:fontRef idx="minor">
+              <a:schemeClr val="dk1"/>
+            </a:fontRef>
+          </p:style>
+          <p:txBody>
+            <a:bodyPr rtlCol="0" anchor="ctr"/>
+            <a:lstStyle/>
+            <a:p>
+              <a:pPr algn="ctr"/>
+              <a:endParaRPr lang="ko-KR" altLang="en-US" sz="800" dirty="0"/>
+            </a:p>
+          </p:txBody>
+        </p:sp>
+        <p:sp>
+          <p:nvSpPr>
+            <p:cNvPr id="80" name="타원 79">
+              <a:extLst>
+                <a:ext uri="{FF2B5EF4-FFF2-40B4-BE49-F238E27FC236}">
+                  <a16:creationId xmlns:a16="http://schemas.microsoft.com/office/drawing/2014/main" id="{51BEA9C3-DCEC-451D-9788-A821E883A651}"/>
+                </a:ext>
+              </a:extLst>
+            </p:cNvPr>
+            <p:cNvSpPr/>
+            <p:nvPr/>
+          </p:nvSpPr>
+          <p:spPr>
+            <a:xfrm>
+              <a:off x="1105593" y="5055524"/>
+              <a:ext cx="403168" cy="403168"/>
+            </a:xfrm>
+            <a:prstGeom prst="ellipse">
+              <a:avLst/>
+            </a:prstGeom>
+          </p:spPr>
+          <p:style>
+            <a:lnRef idx="2">
+              <a:schemeClr val="dk1"/>
+            </a:lnRef>
+            <a:fillRef idx="1">
+              <a:schemeClr val="lt1"/>
+            </a:fillRef>
+            <a:effectRef idx="0">
+              <a:schemeClr val="dk1"/>
+            </a:effectRef>
+            <a:fontRef idx="minor">
+              <a:schemeClr val="dk1"/>
+            </a:fontRef>
+          </p:style>
+          <p:txBody>
+            <a:bodyPr rtlCol="0" anchor="ctr"/>
+            <a:lstStyle/>
+            <a:p>
+              <a:pPr algn="ctr"/>
+              <a:endParaRPr lang="ko-KR" altLang="en-US" sz="800" dirty="0"/>
+            </a:p>
+          </p:txBody>
+        </p:sp>
+        <p:sp>
+          <p:nvSpPr>
+            <p:cNvPr id="81" name="타원 80">
+              <a:extLst>
+                <a:ext uri="{FF2B5EF4-FFF2-40B4-BE49-F238E27FC236}">
+                  <a16:creationId xmlns:a16="http://schemas.microsoft.com/office/drawing/2014/main" id="{55B7E414-25BF-4907-934D-FECF10D7155A}"/>
+                </a:ext>
+              </a:extLst>
+            </p:cNvPr>
+            <p:cNvSpPr/>
+            <p:nvPr/>
+          </p:nvSpPr>
+          <p:spPr>
+            <a:xfrm>
+              <a:off x="1105593" y="5760721"/>
+              <a:ext cx="403168" cy="403168"/>
+            </a:xfrm>
+            <a:prstGeom prst="ellipse">
+              <a:avLst/>
+            </a:prstGeom>
+          </p:spPr>
+          <p:style>
+            <a:lnRef idx="2">
+              <a:schemeClr val="dk1"/>
+            </a:lnRef>
+            <a:fillRef idx="1">
+              <a:schemeClr val="lt1"/>
+            </a:fillRef>
+            <a:effectRef idx="0">
+              <a:schemeClr val="dk1"/>
+            </a:effectRef>
+            <a:fontRef idx="minor">
+              <a:schemeClr val="dk1"/>
+            </a:fontRef>
+          </p:style>
+          <p:txBody>
+            <a:bodyPr rtlCol="0" anchor="ctr"/>
+            <a:lstStyle/>
+            <a:p>
+              <a:pPr algn="ctr"/>
+              <a:endParaRPr lang="ko-KR" altLang="en-US" sz="800" dirty="0"/>
+            </a:p>
+          </p:txBody>
+        </p:sp>
+        <p:sp>
+          <p:nvSpPr>
+            <p:cNvPr id="82" name="TextBox 81">
+              <a:extLst>
+                <a:ext uri="{FF2B5EF4-FFF2-40B4-BE49-F238E27FC236}">
+                  <a16:creationId xmlns:a16="http://schemas.microsoft.com/office/drawing/2014/main" id="{B0C489D6-9E38-4271-A356-504383C61BEA}"/>
+                </a:ext>
+              </a:extLst>
+            </p:cNvPr>
+            <p:cNvSpPr txBox="1"/>
+            <p:nvPr/>
+          </p:nvSpPr>
+          <p:spPr>
+            <a:xfrm>
+              <a:off x="1185692" y="1592623"/>
+              <a:ext cx="226344" cy="276999"/>
+            </a:xfrm>
+            <a:prstGeom prst="rect">
+              <a:avLst/>
+            </a:prstGeom>
+            <a:noFill/>
+          </p:spPr>
+          <p:txBody>
+            <a:bodyPr wrap="none" rtlCol="0">
+              <a:spAutoFit/>
+            </a:bodyPr>
+            <a:lstStyle/>
+            <a:p>
+              <a:r>
+                <a:rPr lang="en-US" altLang="ko-KR" sz="1200" dirty="0"/>
+                <a:t>I</a:t>
+              </a:r>
+              <a:endParaRPr lang="ko-KR" altLang="en-US" sz="1200" dirty="0"/>
+            </a:p>
+          </p:txBody>
+        </p:sp>
+        <p:sp>
+          <p:nvSpPr>
+            <p:cNvPr id="83" name="TextBox 82">
+              <a:extLst>
+                <a:ext uri="{FF2B5EF4-FFF2-40B4-BE49-F238E27FC236}">
+                  <a16:creationId xmlns:a16="http://schemas.microsoft.com/office/drawing/2014/main" id="{A3225A67-505E-4094-B255-2B97A7F9B35C}"/>
+                </a:ext>
+              </a:extLst>
+            </p:cNvPr>
+            <p:cNvSpPr txBox="1"/>
+            <p:nvPr/>
+          </p:nvSpPr>
+          <p:spPr>
+            <a:xfrm>
+              <a:off x="1062741" y="2297820"/>
+              <a:ext cx="472245" cy="276999"/>
+            </a:xfrm>
+            <a:prstGeom prst="rect">
+              <a:avLst/>
+            </a:prstGeom>
+            <a:noFill/>
+          </p:spPr>
+          <p:txBody>
+            <a:bodyPr wrap="none" rtlCol="0">
+              <a:spAutoFit/>
+            </a:bodyPr>
+            <a:lstStyle/>
+            <a:p>
+              <a:r>
+                <a:rPr lang="en-US" altLang="ko-KR" sz="1200" dirty="0"/>
+                <a:t>love</a:t>
+              </a:r>
+              <a:endParaRPr lang="ko-KR" altLang="en-US" sz="1200" dirty="0"/>
+            </a:p>
+          </p:txBody>
+        </p:sp>
+        <p:sp>
+          <p:nvSpPr>
+            <p:cNvPr id="84" name="TextBox 83">
+              <a:extLst>
+                <a:ext uri="{FF2B5EF4-FFF2-40B4-BE49-F238E27FC236}">
+                  <a16:creationId xmlns:a16="http://schemas.microsoft.com/office/drawing/2014/main" id="{8DDFEA0F-4EEB-49D3-99F0-16DA6686DE13}"/>
+                </a:ext>
+              </a:extLst>
+            </p:cNvPr>
+            <p:cNvSpPr txBox="1"/>
+            <p:nvPr/>
+          </p:nvSpPr>
+          <p:spPr>
+            <a:xfrm>
+              <a:off x="1077905" y="3003017"/>
+              <a:ext cx="441916" cy="276999"/>
+            </a:xfrm>
+            <a:prstGeom prst="rect">
+              <a:avLst/>
+            </a:prstGeom>
+            <a:noFill/>
+          </p:spPr>
+          <p:txBody>
+            <a:bodyPr wrap="none" rtlCol="0">
+              <a:spAutoFit/>
+            </a:bodyPr>
+            <a:lstStyle/>
+            <a:p>
+              <a:r>
+                <a:rPr lang="en-US" altLang="ko-KR" sz="1200" dirty="0"/>
+                <a:t>you</a:t>
+              </a:r>
+              <a:endParaRPr lang="ko-KR" altLang="en-US" sz="1200" dirty="0"/>
+            </a:p>
+          </p:txBody>
+        </p:sp>
+        <p:sp>
+          <p:nvSpPr>
+            <p:cNvPr id="85" name="TextBox 84">
+              <a:extLst>
+                <a:ext uri="{FF2B5EF4-FFF2-40B4-BE49-F238E27FC236}">
+                  <a16:creationId xmlns:a16="http://schemas.microsoft.com/office/drawing/2014/main" id="{F665F1A7-40E8-43BF-B807-D69942D0514B}"/>
+                </a:ext>
+              </a:extLst>
+            </p:cNvPr>
+            <p:cNvSpPr txBox="1"/>
+            <p:nvPr/>
+          </p:nvSpPr>
+          <p:spPr>
+            <a:xfrm>
+              <a:off x="1134234" y="3708214"/>
+              <a:ext cx="329257" cy="276999"/>
+            </a:xfrm>
+            <a:prstGeom prst="rect">
+              <a:avLst/>
+            </a:prstGeom>
+            <a:noFill/>
+          </p:spPr>
+          <p:txBody>
+            <a:bodyPr wrap="none" rtlCol="0">
+              <a:spAutoFit/>
+            </a:bodyPr>
+            <a:lstStyle/>
+            <a:p>
+              <a:r>
+                <a:rPr lang="en-US" altLang="ko-KR" sz="1200" dirty="0"/>
+                <a:t>to</a:t>
+              </a:r>
+              <a:endParaRPr lang="ko-KR" altLang="en-US" sz="1200" dirty="0"/>
+            </a:p>
+          </p:txBody>
+        </p:sp>
+        <p:sp>
+          <p:nvSpPr>
+            <p:cNvPr id="86" name="TextBox 85">
+              <a:extLst>
+                <a:ext uri="{FF2B5EF4-FFF2-40B4-BE49-F238E27FC236}">
+                  <a16:creationId xmlns:a16="http://schemas.microsoft.com/office/drawing/2014/main" id="{E3874CBD-4936-4F08-89E0-5D114013E2AC}"/>
+                </a:ext>
+              </a:extLst>
+            </p:cNvPr>
+            <p:cNvSpPr txBox="1"/>
+            <p:nvPr/>
+          </p:nvSpPr>
+          <p:spPr>
+            <a:xfrm>
+              <a:off x="1119443" y="4413411"/>
+              <a:ext cx="370614" cy="276999"/>
+            </a:xfrm>
+            <a:prstGeom prst="rect">
+              <a:avLst/>
+            </a:prstGeom>
+            <a:noFill/>
+          </p:spPr>
+          <p:txBody>
+            <a:bodyPr wrap="none" rtlCol="0">
+              <a:spAutoFit/>
+            </a:bodyPr>
+            <a:lstStyle/>
+            <a:p>
+              <a:r>
+                <a:rPr lang="en-US" altLang="ko-KR" sz="1200" dirty="0"/>
+                <a:t>go</a:t>
+              </a:r>
+              <a:endParaRPr lang="ko-KR" altLang="en-US" sz="1200" dirty="0"/>
+            </a:p>
+          </p:txBody>
+        </p:sp>
+        <p:sp>
+          <p:nvSpPr>
+            <p:cNvPr id="87" name="TextBox 86">
+              <a:extLst>
+                <a:ext uri="{FF2B5EF4-FFF2-40B4-BE49-F238E27FC236}">
+                  <a16:creationId xmlns:a16="http://schemas.microsoft.com/office/drawing/2014/main" id="{016FB3FD-70F0-43EA-BAF4-B4F8225E61E5}"/>
+                </a:ext>
+              </a:extLst>
+            </p:cNvPr>
+            <p:cNvSpPr txBox="1"/>
+            <p:nvPr/>
+          </p:nvSpPr>
+          <p:spPr>
+            <a:xfrm>
+              <a:off x="1109293" y="5118608"/>
+              <a:ext cx="399468" cy="276999"/>
+            </a:xfrm>
+            <a:prstGeom prst="rect">
+              <a:avLst/>
+            </a:prstGeom>
+            <a:noFill/>
+          </p:spPr>
+          <p:txBody>
+            <a:bodyPr wrap="none" rtlCol="0">
+              <a:spAutoFit/>
+            </a:bodyPr>
+            <a:lstStyle/>
+            <a:p>
+              <a:r>
+                <a:rPr lang="en-US" altLang="ko-KR" sz="1200" dirty="0"/>
+                <a:t>eat</a:t>
+              </a:r>
+              <a:endParaRPr lang="ko-KR" altLang="en-US" sz="1200" dirty="0"/>
+            </a:p>
+          </p:txBody>
+        </p:sp>
+        <p:sp>
+          <p:nvSpPr>
+            <p:cNvPr id="88" name="TextBox 87">
+              <a:extLst>
+                <a:ext uri="{FF2B5EF4-FFF2-40B4-BE49-F238E27FC236}">
+                  <a16:creationId xmlns:a16="http://schemas.microsoft.com/office/drawing/2014/main" id="{6A2E1A5C-BBEA-4727-8D35-6DA4DCB13CBD}"/>
+                </a:ext>
+              </a:extLst>
+            </p:cNvPr>
+            <p:cNvSpPr txBox="1"/>
+            <p:nvPr/>
+          </p:nvSpPr>
+          <p:spPr>
+            <a:xfrm>
+              <a:off x="1076986" y="5832074"/>
+              <a:ext cx="460382" cy="276999"/>
+            </a:xfrm>
+            <a:prstGeom prst="rect">
+              <a:avLst/>
+            </a:prstGeom>
+            <a:noFill/>
+          </p:spPr>
+          <p:txBody>
+            <a:bodyPr wrap="none" rtlCol="0">
+              <a:spAutoFit/>
+            </a:bodyPr>
+            <a:lstStyle/>
+            <a:p>
+              <a:r>
+                <a:rPr lang="en-US" altLang="ko-KR" sz="1200" dirty="0"/>
+                <a:t>EOF</a:t>
+              </a:r>
+              <a:endParaRPr lang="ko-KR" altLang="en-US" sz="1200" dirty="0"/>
+            </a:p>
+          </p:txBody>
+        </p:sp>
+        <p:sp>
+          <p:nvSpPr>
+            <p:cNvPr id="79" name="타원 78">
+              <a:extLst>
+                <a:ext uri="{FF2B5EF4-FFF2-40B4-BE49-F238E27FC236}">
+                  <a16:creationId xmlns:a16="http://schemas.microsoft.com/office/drawing/2014/main" id="{6D83D817-F180-4CE4-A300-EF9E43D55997}"/>
+                </a:ext>
+              </a:extLst>
+            </p:cNvPr>
+            <p:cNvSpPr/>
+            <p:nvPr/>
+          </p:nvSpPr>
+          <p:spPr>
+            <a:xfrm>
+              <a:off x="1105593" y="4350327"/>
+              <a:ext cx="403168" cy="403168"/>
+            </a:xfrm>
+            <a:prstGeom prst="ellipse">
+              <a:avLst/>
+            </a:prstGeom>
+            <a:noFill/>
+          </p:spPr>
+          <p:style>
+            <a:lnRef idx="2">
+              <a:schemeClr val="dk1"/>
+            </a:lnRef>
+            <a:fillRef idx="1">
+              <a:schemeClr val="lt1"/>
+            </a:fillRef>
+            <a:effectRef idx="0">
+              <a:schemeClr val="dk1"/>
+            </a:effectRef>
+            <a:fontRef idx="minor">
+              <a:schemeClr val="dk1"/>
+            </a:fontRef>
+          </p:style>
+          <p:txBody>
+            <a:bodyPr rtlCol="0" anchor="ctr"/>
+            <a:lstStyle/>
+            <a:p>
+              <a:pPr algn="ctr"/>
+              <a:endParaRPr lang="ko-KR" altLang="en-US" sz="800" dirty="0"/>
+            </a:p>
+          </p:txBody>
+        </p:sp>
+      </p:grpSp>
+      <p:grpSp>
+        <p:nvGrpSpPr>
+          <p:cNvPr id="95" name="그룹 94">
+            <a:extLst>
+              <a:ext uri="{FF2B5EF4-FFF2-40B4-BE49-F238E27FC236}">
+                <a16:creationId xmlns:a16="http://schemas.microsoft.com/office/drawing/2014/main" id="{D34D4DBF-F869-4571-804A-8132599BE8E8}"/>
+              </a:ext>
+            </a:extLst>
+          </p:cNvPr>
+          <p:cNvGrpSpPr/>
+          <p:nvPr/>
+        </p:nvGrpSpPr>
+        <p:grpSpPr>
+          <a:xfrm>
+            <a:off x="4811471" y="205000"/>
+            <a:ext cx="638316" cy="6589231"/>
+            <a:chOff x="979706" y="199500"/>
+            <a:chExt cx="638316" cy="6589231"/>
+          </a:xfrm>
+        </p:grpSpPr>
+        <p:grpSp>
+          <p:nvGrpSpPr>
+            <p:cNvPr id="96" name="그룹 95">
+              <a:extLst>
+                <a:ext uri="{FF2B5EF4-FFF2-40B4-BE49-F238E27FC236}">
+                  <a16:creationId xmlns:a16="http://schemas.microsoft.com/office/drawing/2014/main" id="{142165FA-2AD7-4131-B4D0-FA924C076926}"/>
+                </a:ext>
+              </a:extLst>
+            </p:cNvPr>
+            <p:cNvGrpSpPr/>
+            <p:nvPr/>
+          </p:nvGrpSpPr>
+          <p:grpSpPr>
+            <a:xfrm>
+              <a:off x="1269770" y="199500"/>
+              <a:ext cx="74814" cy="322813"/>
+              <a:chOff x="2227811" y="1152696"/>
+              <a:chExt cx="74814" cy="322813"/>
+            </a:xfrm>
+          </p:grpSpPr>
+          <p:sp>
+            <p:nvSpPr>
+              <p:cNvPr id="117" name="타원 116">
+                <a:extLst>
+                  <a:ext uri="{FF2B5EF4-FFF2-40B4-BE49-F238E27FC236}">
+                    <a16:creationId xmlns:a16="http://schemas.microsoft.com/office/drawing/2014/main" id="{11B06962-A633-4371-ADB0-E8F10BBB6B64}"/>
+                  </a:ext>
+                </a:extLst>
+              </p:cNvPr>
+              <p:cNvSpPr/>
+              <p:nvPr/>
+            </p:nvSpPr>
+            <p:spPr>
+              <a:xfrm>
+                <a:off x="2227811" y="1400695"/>
+                <a:ext cx="74814" cy="74814"/>
+              </a:xfrm>
+              <a:prstGeom prst="ellipse">
+                <a:avLst/>
+              </a:prstGeom>
+            </p:spPr>
+            <p:style>
+              <a:lnRef idx="2">
+                <a:schemeClr val="dk1"/>
+              </a:lnRef>
+              <a:fillRef idx="1">
+                <a:schemeClr val="lt1"/>
+              </a:fillRef>
+              <a:effectRef idx="0">
+                <a:schemeClr val="dk1"/>
+              </a:effectRef>
+              <a:fontRef idx="minor">
+                <a:schemeClr val="dk1"/>
+              </a:fontRef>
+            </p:style>
+            <p:txBody>
+              <a:bodyPr rtlCol="0" anchor="ctr"/>
+              <a:lstStyle/>
+              <a:p>
+                <a:pPr algn="ctr"/>
+                <a:endParaRPr lang="ko-KR" altLang="en-US" sz="800"/>
+              </a:p>
+            </p:txBody>
+          </p:sp>
+          <p:sp>
+            <p:nvSpPr>
+              <p:cNvPr id="118" name="타원 117">
+                <a:extLst>
+                  <a:ext uri="{FF2B5EF4-FFF2-40B4-BE49-F238E27FC236}">
+                    <a16:creationId xmlns:a16="http://schemas.microsoft.com/office/drawing/2014/main" id="{BFB283EF-236B-48F0-BE10-2B2656C909E1}"/>
+                  </a:ext>
+                </a:extLst>
+              </p:cNvPr>
+              <p:cNvSpPr/>
+              <p:nvPr/>
+            </p:nvSpPr>
+            <p:spPr>
+              <a:xfrm>
+                <a:off x="2227811" y="1278776"/>
+                <a:ext cx="74814" cy="74814"/>
+              </a:xfrm>
+              <a:prstGeom prst="ellipse">
+                <a:avLst/>
+              </a:prstGeom>
+            </p:spPr>
+            <p:style>
+              <a:lnRef idx="2">
+                <a:schemeClr val="dk1"/>
+              </a:lnRef>
+              <a:fillRef idx="1">
+                <a:schemeClr val="lt1"/>
+              </a:fillRef>
+              <a:effectRef idx="0">
+                <a:schemeClr val="dk1"/>
+              </a:effectRef>
+              <a:fontRef idx="minor">
+                <a:schemeClr val="dk1"/>
+              </a:fontRef>
+            </p:style>
+            <p:txBody>
+              <a:bodyPr rtlCol="0" anchor="ctr"/>
+              <a:lstStyle/>
+              <a:p>
+                <a:pPr algn="ctr"/>
+                <a:endParaRPr lang="ko-KR" altLang="en-US" sz="800"/>
+              </a:p>
+            </p:txBody>
+          </p:sp>
+          <p:sp>
+            <p:nvSpPr>
+              <p:cNvPr id="119" name="타원 118">
+                <a:extLst>
+                  <a:ext uri="{FF2B5EF4-FFF2-40B4-BE49-F238E27FC236}">
+                    <a16:creationId xmlns:a16="http://schemas.microsoft.com/office/drawing/2014/main" id="{66CA4A0B-A54B-4206-A737-41C125B7A4C2}"/>
+                  </a:ext>
+                </a:extLst>
+              </p:cNvPr>
+              <p:cNvSpPr/>
+              <p:nvPr/>
+            </p:nvSpPr>
+            <p:spPr>
+              <a:xfrm>
+                <a:off x="2227811" y="1152696"/>
+                <a:ext cx="74814" cy="74814"/>
+              </a:xfrm>
+              <a:prstGeom prst="ellipse">
+                <a:avLst/>
+              </a:prstGeom>
+            </p:spPr>
+            <p:style>
+              <a:lnRef idx="2">
+                <a:schemeClr val="dk1"/>
+              </a:lnRef>
+              <a:fillRef idx="1">
+                <a:schemeClr val="lt1"/>
+              </a:fillRef>
+              <a:effectRef idx="0">
+                <a:schemeClr val="dk1"/>
+              </a:effectRef>
+              <a:fontRef idx="minor">
+                <a:schemeClr val="dk1"/>
+              </a:fontRef>
+            </p:style>
+            <p:txBody>
+              <a:bodyPr rtlCol="0" anchor="ctr"/>
+              <a:lstStyle/>
+              <a:p>
+                <a:pPr algn="ctr"/>
+                <a:endParaRPr lang="ko-KR" altLang="en-US" sz="800"/>
+              </a:p>
+            </p:txBody>
+          </p:sp>
+        </p:grpSp>
+        <p:grpSp>
+          <p:nvGrpSpPr>
+            <p:cNvPr id="97" name="그룹 96">
+              <a:extLst>
+                <a:ext uri="{FF2B5EF4-FFF2-40B4-BE49-F238E27FC236}">
+                  <a16:creationId xmlns:a16="http://schemas.microsoft.com/office/drawing/2014/main" id="{BBBA1062-30EF-4211-8548-08463E19996A}"/>
+                </a:ext>
+              </a:extLst>
+            </p:cNvPr>
+            <p:cNvGrpSpPr/>
+            <p:nvPr/>
+          </p:nvGrpSpPr>
+          <p:grpSpPr>
+            <a:xfrm>
+              <a:off x="1261457" y="6465918"/>
+              <a:ext cx="74814" cy="322813"/>
+              <a:chOff x="2227811" y="1152696"/>
+              <a:chExt cx="74814" cy="322813"/>
+            </a:xfrm>
+          </p:grpSpPr>
+          <p:sp>
+            <p:nvSpPr>
+              <p:cNvPr id="114" name="타원 113">
+                <a:extLst>
+                  <a:ext uri="{FF2B5EF4-FFF2-40B4-BE49-F238E27FC236}">
+                    <a16:creationId xmlns:a16="http://schemas.microsoft.com/office/drawing/2014/main" id="{E40E98E7-F34E-49D9-80F1-5EAD6FD040D9}"/>
+                  </a:ext>
+                </a:extLst>
+              </p:cNvPr>
+              <p:cNvSpPr/>
+              <p:nvPr/>
+            </p:nvSpPr>
+            <p:spPr>
+              <a:xfrm>
+                <a:off x="2227811" y="1400695"/>
+                <a:ext cx="74814" cy="74814"/>
+              </a:xfrm>
+              <a:prstGeom prst="ellipse">
+                <a:avLst/>
+              </a:prstGeom>
+            </p:spPr>
+            <p:style>
+              <a:lnRef idx="2">
+                <a:schemeClr val="dk1"/>
+              </a:lnRef>
+              <a:fillRef idx="1">
+                <a:schemeClr val="lt1"/>
+              </a:fillRef>
+              <a:effectRef idx="0">
+                <a:schemeClr val="dk1"/>
+              </a:effectRef>
+              <a:fontRef idx="minor">
+                <a:schemeClr val="dk1"/>
+              </a:fontRef>
+            </p:style>
+            <p:txBody>
+              <a:bodyPr rtlCol="0" anchor="ctr"/>
+              <a:lstStyle/>
+              <a:p>
+                <a:pPr algn="ctr"/>
+                <a:endParaRPr lang="ko-KR" altLang="en-US" sz="800"/>
+              </a:p>
+            </p:txBody>
+          </p:sp>
+          <p:sp>
+            <p:nvSpPr>
+              <p:cNvPr id="115" name="타원 114">
+                <a:extLst>
+                  <a:ext uri="{FF2B5EF4-FFF2-40B4-BE49-F238E27FC236}">
+                    <a16:creationId xmlns:a16="http://schemas.microsoft.com/office/drawing/2014/main" id="{3ABD8664-D80B-4758-8198-E144E4D9B1A0}"/>
+                  </a:ext>
+                </a:extLst>
+              </p:cNvPr>
+              <p:cNvSpPr/>
+              <p:nvPr/>
+            </p:nvSpPr>
+            <p:spPr>
+              <a:xfrm>
+                <a:off x="2227811" y="1278776"/>
+                <a:ext cx="74814" cy="74814"/>
+              </a:xfrm>
+              <a:prstGeom prst="ellipse">
+                <a:avLst/>
+              </a:prstGeom>
+            </p:spPr>
+            <p:style>
+              <a:lnRef idx="2">
+                <a:schemeClr val="dk1"/>
+              </a:lnRef>
+              <a:fillRef idx="1">
+                <a:schemeClr val="lt1"/>
+              </a:fillRef>
+              <a:effectRef idx="0">
+                <a:schemeClr val="dk1"/>
+              </a:effectRef>
+              <a:fontRef idx="minor">
+                <a:schemeClr val="dk1"/>
+              </a:fontRef>
+            </p:style>
+            <p:txBody>
+              <a:bodyPr rtlCol="0" anchor="ctr"/>
+              <a:lstStyle/>
+              <a:p>
+                <a:pPr algn="ctr"/>
+                <a:endParaRPr lang="ko-KR" altLang="en-US" sz="800"/>
+              </a:p>
+            </p:txBody>
+          </p:sp>
+          <p:sp>
+            <p:nvSpPr>
+              <p:cNvPr id="116" name="타원 115">
+                <a:extLst>
+                  <a:ext uri="{FF2B5EF4-FFF2-40B4-BE49-F238E27FC236}">
+                    <a16:creationId xmlns:a16="http://schemas.microsoft.com/office/drawing/2014/main" id="{EC0ABF6F-0DA8-46DC-A804-8C2B60847B9F}"/>
+                  </a:ext>
+                </a:extLst>
+              </p:cNvPr>
+              <p:cNvSpPr/>
+              <p:nvPr/>
+            </p:nvSpPr>
+            <p:spPr>
+              <a:xfrm>
+                <a:off x="2227811" y="1152696"/>
+                <a:ext cx="74814" cy="74814"/>
+              </a:xfrm>
+              <a:prstGeom prst="ellipse">
+                <a:avLst/>
+              </a:prstGeom>
+            </p:spPr>
+            <p:style>
+              <a:lnRef idx="2">
+                <a:schemeClr val="dk1"/>
+              </a:lnRef>
+              <a:fillRef idx="1">
+                <a:schemeClr val="lt1"/>
+              </a:fillRef>
+              <a:effectRef idx="0">
+                <a:schemeClr val="dk1"/>
+              </a:effectRef>
+              <a:fontRef idx="minor">
+                <a:schemeClr val="dk1"/>
+              </a:fontRef>
+            </p:style>
+            <p:txBody>
+              <a:bodyPr rtlCol="0" anchor="ctr"/>
+              <a:lstStyle/>
+              <a:p>
+                <a:pPr algn="ctr"/>
+                <a:endParaRPr lang="ko-KR" altLang="en-US" sz="800"/>
+              </a:p>
+            </p:txBody>
+          </p:sp>
+        </p:grpSp>
+        <p:sp>
+          <p:nvSpPr>
+            <p:cNvPr id="99" name="TextBox 98">
+              <a:extLst>
+                <a:ext uri="{FF2B5EF4-FFF2-40B4-BE49-F238E27FC236}">
+                  <a16:creationId xmlns:a16="http://schemas.microsoft.com/office/drawing/2014/main" id="{F97B74A7-5F59-49A9-B157-62AD2E439AEB}"/>
+                </a:ext>
+              </a:extLst>
+            </p:cNvPr>
+            <p:cNvSpPr txBox="1"/>
+            <p:nvPr/>
+          </p:nvSpPr>
+          <p:spPr>
+            <a:xfrm>
+              <a:off x="979706" y="887426"/>
+              <a:ext cx="638316" cy="276999"/>
+            </a:xfrm>
+            <a:prstGeom prst="rect">
+              <a:avLst/>
+            </a:prstGeom>
+            <a:noFill/>
+          </p:spPr>
+          <p:txBody>
+            <a:bodyPr wrap="none" rtlCol="0">
+              <a:spAutoFit/>
+            </a:bodyPr>
+            <a:lstStyle/>
+            <a:p>
+              <a:r>
+                <a:rPr lang="en-US" altLang="ko-KR" sz="1200" dirty="0"/>
+                <a:t>school</a:t>
+              </a:r>
+              <a:endParaRPr lang="ko-KR" altLang="en-US" sz="1200" dirty="0"/>
+            </a:p>
+          </p:txBody>
+        </p:sp>
+        <p:sp>
+          <p:nvSpPr>
+            <p:cNvPr id="100" name="타원 99">
+              <a:extLst>
+                <a:ext uri="{FF2B5EF4-FFF2-40B4-BE49-F238E27FC236}">
+                  <a16:creationId xmlns:a16="http://schemas.microsoft.com/office/drawing/2014/main" id="{0D3957C0-4A61-49F0-A405-37554C98C5CB}"/>
+                </a:ext>
+              </a:extLst>
+            </p:cNvPr>
+            <p:cNvSpPr/>
+            <p:nvPr/>
+          </p:nvSpPr>
+          <p:spPr>
+            <a:xfrm>
+              <a:off x="1097280" y="1529539"/>
+              <a:ext cx="403168" cy="403168"/>
+            </a:xfrm>
+            <a:prstGeom prst="ellipse">
+              <a:avLst/>
+            </a:prstGeom>
+          </p:spPr>
+          <p:style>
+            <a:lnRef idx="2">
+              <a:schemeClr val="dk1"/>
+            </a:lnRef>
+            <a:fillRef idx="1">
+              <a:schemeClr val="lt1"/>
+            </a:fillRef>
+            <a:effectRef idx="0">
+              <a:schemeClr val="dk1"/>
+            </a:effectRef>
+            <a:fontRef idx="minor">
+              <a:schemeClr val="dk1"/>
+            </a:fontRef>
+          </p:style>
+          <p:txBody>
+            <a:bodyPr rtlCol="0" anchor="ctr"/>
+            <a:lstStyle/>
+            <a:p>
+              <a:pPr algn="ctr"/>
+              <a:endParaRPr lang="ko-KR" altLang="en-US" sz="800" dirty="0"/>
+            </a:p>
+          </p:txBody>
+        </p:sp>
+        <p:sp>
+          <p:nvSpPr>
+            <p:cNvPr id="102" name="타원 101">
+              <a:extLst>
+                <a:ext uri="{FF2B5EF4-FFF2-40B4-BE49-F238E27FC236}">
+                  <a16:creationId xmlns:a16="http://schemas.microsoft.com/office/drawing/2014/main" id="{D04568FB-9D3A-4479-A71C-E62AD02787DF}"/>
+                </a:ext>
+              </a:extLst>
+            </p:cNvPr>
+            <p:cNvSpPr/>
+            <p:nvPr/>
+          </p:nvSpPr>
+          <p:spPr>
+            <a:xfrm>
+              <a:off x="1105593" y="2939933"/>
+              <a:ext cx="403168" cy="403168"/>
+            </a:xfrm>
+            <a:prstGeom prst="ellipse">
+              <a:avLst/>
+            </a:prstGeom>
+          </p:spPr>
+          <p:style>
+            <a:lnRef idx="2">
+              <a:schemeClr val="dk1"/>
+            </a:lnRef>
+            <a:fillRef idx="1">
+              <a:schemeClr val="lt1"/>
+            </a:fillRef>
+            <a:effectRef idx="0">
+              <a:schemeClr val="dk1"/>
+            </a:effectRef>
+            <a:fontRef idx="minor">
+              <a:schemeClr val="dk1"/>
+            </a:fontRef>
+          </p:style>
+          <p:txBody>
+            <a:bodyPr rtlCol="0" anchor="ctr"/>
+            <a:lstStyle/>
+            <a:p>
+              <a:pPr algn="ctr"/>
+              <a:endParaRPr lang="ko-KR" altLang="en-US" sz="800" dirty="0"/>
+            </a:p>
+          </p:txBody>
+        </p:sp>
+        <p:sp>
+          <p:nvSpPr>
+            <p:cNvPr id="103" name="타원 102">
+              <a:extLst>
+                <a:ext uri="{FF2B5EF4-FFF2-40B4-BE49-F238E27FC236}">
+                  <a16:creationId xmlns:a16="http://schemas.microsoft.com/office/drawing/2014/main" id="{E5141A98-2FC6-4540-AC15-871F610E87DC}"/>
+                </a:ext>
+              </a:extLst>
+            </p:cNvPr>
+            <p:cNvSpPr/>
+            <p:nvPr/>
+          </p:nvSpPr>
+          <p:spPr>
+            <a:xfrm>
+              <a:off x="1097280" y="3645130"/>
+              <a:ext cx="403168" cy="403168"/>
+            </a:xfrm>
+            <a:prstGeom prst="ellipse">
+              <a:avLst/>
+            </a:prstGeom>
+          </p:spPr>
+          <p:style>
+            <a:lnRef idx="2">
+              <a:schemeClr val="dk1"/>
+            </a:lnRef>
+            <a:fillRef idx="1">
+              <a:schemeClr val="lt1"/>
+            </a:fillRef>
+            <a:effectRef idx="0">
+              <a:schemeClr val="dk1"/>
+            </a:effectRef>
+            <a:fontRef idx="minor">
+              <a:schemeClr val="dk1"/>
+            </a:fontRef>
+          </p:style>
+          <p:txBody>
+            <a:bodyPr rtlCol="0" anchor="ctr"/>
+            <a:lstStyle/>
+            <a:p>
+              <a:pPr algn="ctr"/>
+              <a:endParaRPr lang="ko-KR" altLang="en-US" sz="800" dirty="0"/>
+            </a:p>
+          </p:txBody>
+        </p:sp>
+        <p:sp>
+          <p:nvSpPr>
+            <p:cNvPr id="105" name="타원 104">
+              <a:extLst>
+                <a:ext uri="{FF2B5EF4-FFF2-40B4-BE49-F238E27FC236}">
+                  <a16:creationId xmlns:a16="http://schemas.microsoft.com/office/drawing/2014/main" id="{24B57AD9-F58D-4053-9DA7-930D433C1B0D}"/>
+                </a:ext>
+              </a:extLst>
+            </p:cNvPr>
+            <p:cNvSpPr/>
+            <p:nvPr/>
+          </p:nvSpPr>
+          <p:spPr>
+            <a:xfrm>
+              <a:off x="1105593" y="5055524"/>
+              <a:ext cx="403168" cy="403168"/>
+            </a:xfrm>
+            <a:prstGeom prst="ellipse">
+              <a:avLst/>
+            </a:prstGeom>
+          </p:spPr>
+          <p:style>
+            <a:lnRef idx="2">
+              <a:schemeClr val="dk1"/>
+            </a:lnRef>
+            <a:fillRef idx="1">
+              <a:schemeClr val="lt1"/>
+            </a:fillRef>
+            <a:effectRef idx="0">
+              <a:schemeClr val="dk1"/>
+            </a:effectRef>
+            <a:fontRef idx="minor">
+              <a:schemeClr val="dk1"/>
+            </a:fontRef>
+          </p:style>
+          <p:txBody>
+            <a:bodyPr rtlCol="0" anchor="ctr"/>
+            <a:lstStyle/>
+            <a:p>
+              <a:pPr algn="ctr"/>
+              <a:endParaRPr lang="ko-KR" altLang="en-US" sz="800" dirty="0"/>
+            </a:p>
+          </p:txBody>
+        </p:sp>
+        <p:sp>
+          <p:nvSpPr>
+            <p:cNvPr id="106" name="타원 105">
+              <a:extLst>
+                <a:ext uri="{FF2B5EF4-FFF2-40B4-BE49-F238E27FC236}">
+                  <a16:creationId xmlns:a16="http://schemas.microsoft.com/office/drawing/2014/main" id="{1EBDBDFE-BDCE-4006-A781-F777734483A2}"/>
+                </a:ext>
+              </a:extLst>
+            </p:cNvPr>
+            <p:cNvSpPr/>
+            <p:nvPr/>
+          </p:nvSpPr>
+          <p:spPr>
+            <a:xfrm>
+              <a:off x="1105593" y="5760721"/>
+              <a:ext cx="403168" cy="403168"/>
+            </a:xfrm>
+            <a:prstGeom prst="ellipse">
+              <a:avLst/>
+            </a:prstGeom>
+          </p:spPr>
+          <p:style>
+            <a:lnRef idx="2">
+              <a:schemeClr val="dk1"/>
+            </a:lnRef>
+            <a:fillRef idx="1">
+              <a:schemeClr val="lt1"/>
+            </a:fillRef>
+            <a:effectRef idx="0">
+              <a:schemeClr val="dk1"/>
+            </a:effectRef>
+            <a:fontRef idx="minor">
+              <a:schemeClr val="dk1"/>
+            </a:fontRef>
+          </p:style>
+          <p:txBody>
+            <a:bodyPr rtlCol="0" anchor="ctr"/>
+            <a:lstStyle/>
+            <a:p>
+              <a:pPr algn="ctr"/>
+              <a:endParaRPr lang="ko-KR" altLang="en-US" sz="800" dirty="0"/>
+            </a:p>
+          </p:txBody>
+        </p:sp>
+        <p:sp>
+          <p:nvSpPr>
+            <p:cNvPr id="107" name="TextBox 106">
+              <a:extLst>
+                <a:ext uri="{FF2B5EF4-FFF2-40B4-BE49-F238E27FC236}">
+                  <a16:creationId xmlns:a16="http://schemas.microsoft.com/office/drawing/2014/main" id="{06617342-F23A-4F42-87BD-C23089ABB60C}"/>
+                </a:ext>
+              </a:extLst>
+            </p:cNvPr>
+            <p:cNvSpPr txBox="1"/>
+            <p:nvPr/>
+          </p:nvSpPr>
+          <p:spPr>
+            <a:xfrm>
+              <a:off x="1185692" y="1592623"/>
+              <a:ext cx="226344" cy="276999"/>
+            </a:xfrm>
+            <a:prstGeom prst="rect">
+              <a:avLst/>
+            </a:prstGeom>
+            <a:noFill/>
+          </p:spPr>
+          <p:txBody>
+            <a:bodyPr wrap="none" rtlCol="0">
+              <a:spAutoFit/>
+            </a:bodyPr>
+            <a:lstStyle/>
+            <a:p>
+              <a:r>
+                <a:rPr lang="en-US" altLang="ko-KR" sz="1200" dirty="0"/>
+                <a:t>I</a:t>
+              </a:r>
+              <a:endParaRPr lang="ko-KR" altLang="en-US" sz="1200" dirty="0"/>
+            </a:p>
+          </p:txBody>
+        </p:sp>
+        <p:sp>
+          <p:nvSpPr>
+            <p:cNvPr id="108" name="TextBox 107">
+              <a:extLst>
+                <a:ext uri="{FF2B5EF4-FFF2-40B4-BE49-F238E27FC236}">
+                  <a16:creationId xmlns:a16="http://schemas.microsoft.com/office/drawing/2014/main" id="{FEE9F105-A93D-420E-833B-5E6D06A4CBAA}"/>
+                </a:ext>
+              </a:extLst>
+            </p:cNvPr>
+            <p:cNvSpPr txBox="1"/>
+            <p:nvPr/>
+          </p:nvSpPr>
+          <p:spPr>
+            <a:xfrm>
+              <a:off x="1062741" y="2297820"/>
+              <a:ext cx="472245" cy="276999"/>
+            </a:xfrm>
+            <a:prstGeom prst="rect">
+              <a:avLst/>
+            </a:prstGeom>
+            <a:noFill/>
+          </p:spPr>
+          <p:txBody>
+            <a:bodyPr wrap="none" rtlCol="0">
+              <a:spAutoFit/>
+            </a:bodyPr>
+            <a:lstStyle/>
+            <a:p>
+              <a:r>
+                <a:rPr lang="en-US" altLang="ko-KR" sz="1200" dirty="0"/>
+                <a:t>love</a:t>
+              </a:r>
+              <a:endParaRPr lang="ko-KR" altLang="en-US" sz="1200" dirty="0"/>
+            </a:p>
+          </p:txBody>
+        </p:sp>
+        <p:sp>
+          <p:nvSpPr>
+            <p:cNvPr id="109" name="TextBox 108">
+              <a:extLst>
+                <a:ext uri="{FF2B5EF4-FFF2-40B4-BE49-F238E27FC236}">
+                  <a16:creationId xmlns:a16="http://schemas.microsoft.com/office/drawing/2014/main" id="{511AB202-6722-46A7-BB9B-6D75101B528F}"/>
+                </a:ext>
+              </a:extLst>
+            </p:cNvPr>
+            <p:cNvSpPr txBox="1"/>
+            <p:nvPr/>
+          </p:nvSpPr>
+          <p:spPr>
+            <a:xfrm>
+              <a:off x="1077905" y="3003017"/>
+              <a:ext cx="441916" cy="276999"/>
+            </a:xfrm>
+            <a:prstGeom prst="rect">
+              <a:avLst/>
+            </a:prstGeom>
+            <a:noFill/>
+          </p:spPr>
+          <p:txBody>
+            <a:bodyPr wrap="none" rtlCol="0">
+              <a:spAutoFit/>
+            </a:bodyPr>
+            <a:lstStyle/>
+            <a:p>
+              <a:r>
+                <a:rPr lang="en-US" altLang="ko-KR" sz="1200" dirty="0"/>
+                <a:t>you</a:t>
+              </a:r>
+              <a:endParaRPr lang="ko-KR" altLang="en-US" sz="1200" dirty="0"/>
+            </a:p>
+          </p:txBody>
+        </p:sp>
+        <p:sp>
+          <p:nvSpPr>
+            <p:cNvPr id="110" name="TextBox 109">
+              <a:extLst>
+                <a:ext uri="{FF2B5EF4-FFF2-40B4-BE49-F238E27FC236}">
+                  <a16:creationId xmlns:a16="http://schemas.microsoft.com/office/drawing/2014/main" id="{7413C98C-3F77-4D0E-AA32-D5808979769E}"/>
+                </a:ext>
+              </a:extLst>
+            </p:cNvPr>
+            <p:cNvSpPr txBox="1"/>
+            <p:nvPr/>
+          </p:nvSpPr>
+          <p:spPr>
+            <a:xfrm>
+              <a:off x="1134234" y="3708214"/>
+              <a:ext cx="329257" cy="276999"/>
+            </a:xfrm>
+            <a:prstGeom prst="rect">
+              <a:avLst/>
+            </a:prstGeom>
+            <a:noFill/>
+          </p:spPr>
+          <p:txBody>
+            <a:bodyPr wrap="none" rtlCol="0">
+              <a:spAutoFit/>
+            </a:bodyPr>
+            <a:lstStyle/>
+            <a:p>
+              <a:r>
+                <a:rPr lang="en-US" altLang="ko-KR" sz="1200" dirty="0"/>
+                <a:t>to</a:t>
+              </a:r>
+              <a:endParaRPr lang="ko-KR" altLang="en-US" sz="1200" dirty="0"/>
+            </a:p>
+          </p:txBody>
+        </p:sp>
+        <p:sp>
+          <p:nvSpPr>
+            <p:cNvPr id="111" name="TextBox 110">
+              <a:extLst>
+                <a:ext uri="{FF2B5EF4-FFF2-40B4-BE49-F238E27FC236}">
+                  <a16:creationId xmlns:a16="http://schemas.microsoft.com/office/drawing/2014/main" id="{8CB121B7-AB50-43D7-BD40-49105A5822C2}"/>
+                </a:ext>
+              </a:extLst>
+            </p:cNvPr>
+            <p:cNvSpPr txBox="1"/>
+            <p:nvPr/>
+          </p:nvSpPr>
+          <p:spPr>
+            <a:xfrm>
+              <a:off x="1119443" y="4413411"/>
+              <a:ext cx="370614" cy="276999"/>
+            </a:xfrm>
+            <a:prstGeom prst="rect">
+              <a:avLst/>
+            </a:prstGeom>
+            <a:noFill/>
+          </p:spPr>
+          <p:txBody>
+            <a:bodyPr wrap="none" rtlCol="0">
+              <a:spAutoFit/>
+            </a:bodyPr>
+            <a:lstStyle/>
+            <a:p>
+              <a:r>
+                <a:rPr lang="en-US" altLang="ko-KR" sz="1200" dirty="0"/>
+                <a:t>go</a:t>
+              </a:r>
+              <a:endParaRPr lang="ko-KR" altLang="en-US" sz="1200" dirty="0"/>
+            </a:p>
+          </p:txBody>
+        </p:sp>
+        <p:sp>
+          <p:nvSpPr>
+            <p:cNvPr id="112" name="TextBox 111">
+              <a:extLst>
+                <a:ext uri="{FF2B5EF4-FFF2-40B4-BE49-F238E27FC236}">
+                  <a16:creationId xmlns:a16="http://schemas.microsoft.com/office/drawing/2014/main" id="{793B80C8-4DAE-4ABE-852D-A162A475D8C2}"/>
+                </a:ext>
+              </a:extLst>
+            </p:cNvPr>
+            <p:cNvSpPr txBox="1"/>
+            <p:nvPr/>
+          </p:nvSpPr>
+          <p:spPr>
+            <a:xfrm>
+              <a:off x="1109293" y="5118608"/>
+              <a:ext cx="399468" cy="276999"/>
+            </a:xfrm>
+            <a:prstGeom prst="rect">
+              <a:avLst/>
+            </a:prstGeom>
+            <a:noFill/>
+          </p:spPr>
+          <p:txBody>
+            <a:bodyPr wrap="none" rtlCol="0">
+              <a:spAutoFit/>
+            </a:bodyPr>
+            <a:lstStyle/>
+            <a:p>
+              <a:r>
+                <a:rPr lang="en-US" altLang="ko-KR" sz="1200" dirty="0"/>
+                <a:t>eat</a:t>
+              </a:r>
+              <a:endParaRPr lang="ko-KR" altLang="en-US" sz="1200" dirty="0"/>
+            </a:p>
+          </p:txBody>
+        </p:sp>
+        <p:sp>
+          <p:nvSpPr>
+            <p:cNvPr id="113" name="TextBox 112">
+              <a:extLst>
+                <a:ext uri="{FF2B5EF4-FFF2-40B4-BE49-F238E27FC236}">
+                  <a16:creationId xmlns:a16="http://schemas.microsoft.com/office/drawing/2014/main" id="{682FAD97-866B-498B-A96C-1DAD08F68D77}"/>
+                </a:ext>
+              </a:extLst>
+            </p:cNvPr>
+            <p:cNvSpPr txBox="1"/>
+            <p:nvPr/>
+          </p:nvSpPr>
+          <p:spPr>
+            <a:xfrm>
+              <a:off x="1076986" y="5832074"/>
+              <a:ext cx="460382" cy="276999"/>
+            </a:xfrm>
+            <a:prstGeom prst="rect">
+              <a:avLst/>
+            </a:prstGeom>
+            <a:noFill/>
+          </p:spPr>
+          <p:txBody>
+            <a:bodyPr wrap="none" rtlCol="0">
+              <a:spAutoFit/>
+            </a:bodyPr>
+            <a:lstStyle/>
+            <a:p>
+              <a:r>
+                <a:rPr lang="en-US" altLang="ko-KR" sz="1200" dirty="0"/>
+                <a:t>EOF</a:t>
+              </a:r>
+              <a:endParaRPr lang="ko-KR" altLang="en-US" sz="1200" dirty="0"/>
+            </a:p>
+          </p:txBody>
+        </p:sp>
+        <p:sp>
+          <p:nvSpPr>
+            <p:cNvPr id="104" name="타원 103">
+              <a:extLst>
+                <a:ext uri="{FF2B5EF4-FFF2-40B4-BE49-F238E27FC236}">
+                  <a16:creationId xmlns:a16="http://schemas.microsoft.com/office/drawing/2014/main" id="{19D70CB0-76E0-481D-B6D0-C2BC49E32950}"/>
+                </a:ext>
+              </a:extLst>
+            </p:cNvPr>
+            <p:cNvSpPr/>
+            <p:nvPr/>
+          </p:nvSpPr>
+          <p:spPr>
+            <a:xfrm>
+              <a:off x="1105593" y="4350327"/>
+              <a:ext cx="403168" cy="403168"/>
+            </a:xfrm>
+            <a:prstGeom prst="ellipse">
+              <a:avLst/>
+            </a:prstGeom>
+            <a:noFill/>
+          </p:spPr>
+          <p:style>
+            <a:lnRef idx="2">
+              <a:schemeClr val="dk1"/>
+            </a:lnRef>
+            <a:fillRef idx="1">
+              <a:schemeClr val="lt1"/>
+            </a:fillRef>
+            <a:effectRef idx="0">
+              <a:schemeClr val="dk1"/>
+            </a:effectRef>
+            <a:fontRef idx="minor">
+              <a:schemeClr val="dk1"/>
+            </a:fontRef>
+          </p:style>
+          <p:txBody>
+            <a:bodyPr rtlCol="0" anchor="ctr"/>
+            <a:lstStyle/>
+            <a:p>
+              <a:pPr algn="ctr"/>
+              <a:endParaRPr lang="ko-KR" altLang="en-US" sz="800" dirty="0"/>
+            </a:p>
+          </p:txBody>
+        </p:sp>
+        <p:sp>
+          <p:nvSpPr>
+            <p:cNvPr id="101" name="타원 100">
+              <a:extLst>
+                <a:ext uri="{FF2B5EF4-FFF2-40B4-BE49-F238E27FC236}">
+                  <a16:creationId xmlns:a16="http://schemas.microsoft.com/office/drawing/2014/main" id="{AA0BA701-D17F-4F7D-AD30-BD57275B0257}"/>
+                </a:ext>
+              </a:extLst>
+            </p:cNvPr>
+            <p:cNvSpPr/>
+            <p:nvPr/>
+          </p:nvSpPr>
+          <p:spPr>
+            <a:xfrm>
+              <a:off x="1097280" y="2234736"/>
+              <a:ext cx="403168" cy="403168"/>
+            </a:xfrm>
+            <a:prstGeom prst="ellipse">
+              <a:avLst/>
+            </a:prstGeom>
+            <a:noFill/>
+          </p:spPr>
+          <p:style>
+            <a:lnRef idx="2">
+              <a:schemeClr val="dk1"/>
+            </a:lnRef>
+            <a:fillRef idx="1">
+              <a:schemeClr val="lt1"/>
+            </a:fillRef>
+            <a:effectRef idx="0">
+              <a:schemeClr val="dk1"/>
+            </a:effectRef>
+            <a:fontRef idx="minor">
+              <a:schemeClr val="dk1"/>
+            </a:fontRef>
+          </p:style>
+          <p:txBody>
+            <a:bodyPr rtlCol="0" anchor="ctr"/>
+            <a:lstStyle/>
+            <a:p>
+              <a:pPr algn="ctr"/>
+              <a:endParaRPr lang="ko-KR" altLang="en-US" sz="800" dirty="0"/>
+            </a:p>
+          </p:txBody>
+        </p:sp>
+        <p:sp>
+          <p:nvSpPr>
+            <p:cNvPr id="98" name="타원 97">
+              <a:extLst>
+                <a:ext uri="{FF2B5EF4-FFF2-40B4-BE49-F238E27FC236}">
+                  <a16:creationId xmlns:a16="http://schemas.microsoft.com/office/drawing/2014/main" id="{3118B10A-9040-4DD6-8DF3-7938437EB0A7}"/>
+                </a:ext>
+              </a:extLst>
+            </p:cNvPr>
+            <p:cNvSpPr/>
+            <p:nvPr/>
+          </p:nvSpPr>
+          <p:spPr>
+            <a:xfrm>
+              <a:off x="1097280" y="824342"/>
+              <a:ext cx="403168" cy="403168"/>
+            </a:xfrm>
+            <a:prstGeom prst="ellipse">
+              <a:avLst/>
+            </a:prstGeom>
+            <a:noFill/>
+          </p:spPr>
+          <p:style>
+            <a:lnRef idx="2">
+              <a:schemeClr val="dk1"/>
+            </a:lnRef>
+            <a:fillRef idx="1">
+              <a:schemeClr val="lt1"/>
+            </a:fillRef>
+            <a:effectRef idx="0">
+              <a:schemeClr val="dk1"/>
+            </a:effectRef>
+            <a:fontRef idx="minor">
+              <a:schemeClr val="dk1"/>
+            </a:fontRef>
+          </p:style>
+          <p:txBody>
+            <a:bodyPr rtlCol="0" anchor="ctr"/>
+            <a:lstStyle/>
+            <a:p>
+              <a:pPr algn="ctr"/>
+              <a:endParaRPr lang="ko-KR" altLang="en-US" sz="800" dirty="0"/>
+            </a:p>
+          </p:txBody>
+        </p:sp>
+      </p:grpSp>
+      <p:grpSp>
+        <p:nvGrpSpPr>
+          <p:cNvPr id="120" name="그룹 119">
+            <a:extLst>
+              <a:ext uri="{FF2B5EF4-FFF2-40B4-BE49-F238E27FC236}">
+                <a16:creationId xmlns:a16="http://schemas.microsoft.com/office/drawing/2014/main" id="{FF974209-5693-4364-8DFC-0581E95CE61D}"/>
+              </a:ext>
+            </a:extLst>
+          </p:cNvPr>
+          <p:cNvGrpSpPr/>
+          <p:nvPr/>
+        </p:nvGrpSpPr>
+        <p:grpSpPr>
+          <a:xfrm>
+            <a:off x="6158971" y="209111"/>
+            <a:ext cx="638316" cy="6589231"/>
+            <a:chOff x="979706" y="199500"/>
+            <a:chExt cx="638316" cy="6589231"/>
+          </a:xfrm>
+        </p:grpSpPr>
+        <p:grpSp>
+          <p:nvGrpSpPr>
+            <p:cNvPr id="121" name="그룹 120">
+              <a:extLst>
+                <a:ext uri="{FF2B5EF4-FFF2-40B4-BE49-F238E27FC236}">
+                  <a16:creationId xmlns:a16="http://schemas.microsoft.com/office/drawing/2014/main" id="{F417D9CD-E972-4F69-8919-C0B967E2460E}"/>
+                </a:ext>
+              </a:extLst>
+            </p:cNvPr>
+            <p:cNvGrpSpPr/>
+            <p:nvPr/>
+          </p:nvGrpSpPr>
+          <p:grpSpPr>
+            <a:xfrm>
+              <a:off x="1269770" y="199500"/>
+              <a:ext cx="74814" cy="322813"/>
+              <a:chOff x="2227811" y="1152696"/>
+              <a:chExt cx="74814" cy="322813"/>
+            </a:xfrm>
+          </p:grpSpPr>
+          <p:sp>
+            <p:nvSpPr>
+              <p:cNvPr id="142" name="타원 141">
+                <a:extLst>
+                  <a:ext uri="{FF2B5EF4-FFF2-40B4-BE49-F238E27FC236}">
+                    <a16:creationId xmlns:a16="http://schemas.microsoft.com/office/drawing/2014/main" id="{E4BE78AE-9CA3-4A4A-B7DC-774C3BDC0AA6}"/>
+                  </a:ext>
+                </a:extLst>
+              </p:cNvPr>
+              <p:cNvSpPr/>
+              <p:nvPr/>
+            </p:nvSpPr>
+            <p:spPr>
+              <a:xfrm>
+                <a:off x="2227811" y="1400695"/>
+                <a:ext cx="74814" cy="74814"/>
+              </a:xfrm>
+              <a:prstGeom prst="ellipse">
+                <a:avLst/>
+              </a:prstGeom>
+            </p:spPr>
+            <p:style>
+              <a:lnRef idx="2">
+                <a:schemeClr val="dk1"/>
+              </a:lnRef>
+              <a:fillRef idx="1">
+                <a:schemeClr val="lt1"/>
+              </a:fillRef>
+              <a:effectRef idx="0">
+                <a:schemeClr val="dk1"/>
+              </a:effectRef>
+              <a:fontRef idx="minor">
+                <a:schemeClr val="dk1"/>
+              </a:fontRef>
+            </p:style>
+            <p:txBody>
+              <a:bodyPr rtlCol="0" anchor="ctr"/>
+              <a:lstStyle/>
+              <a:p>
+                <a:pPr algn="ctr"/>
+                <a:endParaRPr lang="ko-KR" altLang="en-US" sz="800"/>
+              </a:p>
+            </p:txBody>
+          </p:sp>
+          <p:sp>
+            <p:nvSpPr>
+              <p:cNvPr id="143" name="타원 142">
+                <a:extLst>
+                  <a:ext uri="{FF2B5EF4-FFF2-40B4-BE49-F238E27FC236}">
+                    <a16:creationId xmlns:a16="http://schemas.microsoft.com/office/drawing/2014/main" id="{BC135A45-42B2-4B23-A2B4-A52C4C6E6913}"/>
+                  </a:ext>
+                </a:extLst>
+              </p:cNvPr>
+              <p:cNvSpPr/>
+              <p:nvPr/>
+            </p:nvSpPr>
+            <p:spPr>
+              <a:xfrm>
+                <a:off x="2227811" y="1278776"/>
+                <a:ext cx="74814" cy="74814"/>
+              </a:xfrm>
+              <a:prstGeom prst="ellipse">
+                <a:avLst/>
+              </a:prstGeom>
+            </p:spPr>
+            <p:style>
+              <a:lnRef idx="2">
+                <a:schemeClr val="dk1"/>
+              </a:lnRef>
+              <a:fillRef idx="1">
+                <a:schemeClr val="lt1"/>
+              </a:fillRef>
+              <a:effectRef idx="0">
+                <a:schemeClr val="dk1"/>
+              </a:effectRef>
+              <a:fontRef idx="minor">
+                <a:schemeClr val="dk1"/>
+              </a:fontRef>
+            </p:style>
+            <p:txBody>
+              <a:bodyPr rtlCol="0" anchor="ctr"/>
+              <a:lstStyle/>
+              <a:p>
+                <a:pPr algn="ctr"/>
+                <a:endParaRPr lang="ko-KR" altLang="en-US" sz="800"/>
+              </a:p>
+            </p:txBody>
+          </p:sp>
+          <p:sp>
+            <p:nvSpPr>
+              <p:cNvPr id="144" name="타원 143">
+                <a:extLst>
+                  <a:ext uri="{FF2B5EF4-FFF2-40B4-BE49-F238E27FC236}">
+                    <a16:creationId xmlns:a16="http://schemas.microsoft.com/office/drawing/2014/main" id="{D7151287-AF07-47AC-84D1-F90143D5C2C0}"/>
+                  </a:ext>
+                </a:extLst>
+              </p:cNvPr>
+              <p:cNvSpPr/>
+              <p:nvPr/>
+            </p:nvSpPr>
+            <p:spPr>
+              <a:xfrm>
+                <a:off x="2227811" y="1152696"/>
+                <a:ext cx="74814" cy="74814"/>
+              </a:xfrm>
+              <a:prstGeom prst="ellipse">
+                <a:avLst/>
+              </a:prstGeom>
+            </p:spPr>
+            <p:style>
+              <a:lnRef idx="2">
+                <a:schemeClr val="dk1"/>
+              </a:lnRef>
+              <a:fillRef idx="1">
+                <a:schemeClr val="lt1"/>
+              </a:fillRef>
+              <a:effectRef idx="0">
+                <a:schemeClr val="dk1"/>
+              </a:effectRef>
+              <a:fontRef idx="minor">
+                <a:schemeClr val="dk1"/>
+              </a:fontRef>
+            </p:style>
+            <p:txBody>
+              <a:bodyPr rtlCol="0" anchor="ctr"/>
+              <a:lstStyle/>
+              <a:p>
+                <a:pPr algn="ctr"/>
+                <a:endParaRPr lang="ko-KR" altLang="en-US" sz="800"/>
+              </a:p>
+            </p:txBody>
+          </p:sp>
+        </p:grpSp>
+        <p:grpSp>
+          <p:nvGrpSpPr>
+            <p:cNvPr id="122" name="그룹 121">
+              <a:extLst>
+                <a:ext uri="{FF2B5EF4-FFF2-40B4-BE49-F238E27FC236}">
+                  <a16:creationId xmlns:a16="http://schemas.microsoft.com/office/drawing/2014/main" id="{EDF2AA50-CEA1-4EC6-9655-DA821C18015B}"/>
+                </a:ext>
+              </a:extLst>
+            </p:cNvPr>
+            <p:cNvGrpSpPr/>
+            <p:nvPr/>
+          </p:nvGrpSpPr>
+          <p:grpSpPr>
+            <a:xfrm>
+              <a:off x="1261457" y="6465918"/>
+              <a:ext cx="74814" cy="322813"/>
+              <a:chOff x="2227811" y="1152696"/>
+              <a:chExt cx="74814" cy="322813"/>
+            </a:xfrm>
+          </p:grpSpPr>
+          <p:sp>
+            <p:nvSpPr>
+              <p:cNvPr id="139" name="타원 138">
+                <a:extLst>
+                  <a:ext uri="{FF2B5EF4-FFF2-40B4-BE49-F238E27FC236}">
+                    <a16:creationId xmlns:a16="http://schemas.microsoft.com/office/drawing/2014/main" id="{E12964FA-07DA-49F3-B9AD-C8A9806EE749}"/>
+                  </a:ext>
+                </a:extLst>
+              </p:cNvPr>
+              <p:cNvSpPr/>
+              <p:nvPr/>
+            </p:nvSpPr>
+            <p:spPr>
+              <a:xfrm>
+                <a:off x="2227811" y="1400695"/>
+                <a:ext cx="74814" cy="74814"/>
+              </a:xfrm>
+              <a:prstGeom prst="ellipse">
+                <a:avLst/>
+              </a:prstGeom>
+            </p:spPr>
+            <p:style>
+              <a:lnRef idx="2">
+                <a:schemeClr val="dk1"/>
+              </a:lnRef>
+              <a:fillRef idx="1">
+                <a:schemeClr val="lt1"/>
+              </a:fillRef>
+              <a:effectRef idx="0">
+                <a:schemeClr val="dk1"/>
+              </a:effectRef>
+              <a:fontRef idx="minor">
+                <a:schemeClr val="dk1"/>
+              </a:fontRef>
+            </p:style>
+            <p:txBody>
+              <a:bodyPr rtlCol="0" anchor="ctr"/>
+              <a:lstStyle/>
+              <a:p>
+                <a:pPr algn="ctr"/>
+                <a:endParaRPr lang="ko-KR" altLang="en-US" sz="800"/>
+              </a:p>
+            </p:txBody>
+          </p:sp>
+          <p:sp>
+            <p:nvSpPr>
+              <p:cNvPr id="140" name="타원 139">
+                <a:extLst>
+                  <a:ext uri="{FF2B5EF4-FFF2-40B4-BE49-F238E27FC236}">
+                    <a16:creationId xmlns:a16="http://schemas.microsoft.com/office/drawing/2014/main" id="{F7535D4A-22A6-480E-975A-F34819D431DD}"/>
+                  </a:ext>
+                </a:extLst>
+              </p:cNvPr>
+              <p:cNvSpPr/>
+              <p:nvPr/>
+            </p:nvSpPr>
+            <p:spPr>
+              <a:xfrm>
+                <a:off x="2227811" y="1278776"/>
+                <a:ext cx="74814" cy="74814"/>
+              </a:xfrm>
+              <a:prstGeom prst="ellipse">
+                <a:avLst/>
+              </a:prstGeom>
+            </p:spPr>
+            <p:style>
+              <a:lnRef idx="2">
+                <a:schemeClr val="dk1"/>
+              </a:lnRef>
+              <a:fillRef idx="1">
+                <a:schemeClr val="lt1"/>
+              </a:fillRef>
+              <a:effectRef idx="0">
+                <a:schemeClr val="dk1"/>
+              </a:effectRef>
+              <a:fontRef idx="minor">
+                <a:schemeClr val="dk1"/>
+              </a:fontRef>
+            </p:style>
+            <p:txBody>
+              <a:bodyPr rtlCol="0" anchor="ctr"/>
+              <a:lstStyle/>
+              <a:p>
+                <a:pPr algn="ctr"/>
+                <a:endParaRPr lang="ko-KR" altLang="en-US" sz="800"/>
+              </a:p>
+            </p:txBody>
+          </p:sp>
+          <p:sp>
+            <p:nvSpPr>
+              <p:cNvPr id="141" name="타원 140">
+                <a:extLst>
+                  <a:ext uri="{FF2B5EF4-FFF2-40B4-BE49-F238E27FC236}">
+                    <a16:creationId xmlns:a16="http://schemas.microsoft.com/office/drawing/2014/main" id="{698EDF51-D3C2-46D6-AB96-0345545CE983}"/>
+                  </a:ext>
+                </a:extLst>
+              </p:cNvPr>
+              <p:cNvSpPr/>
+              <p:nvPr/>
+            </p:nvSpPr>
+            <p:spPr>
+              <a:xfrm>
+                <a:off x="2227811" y="1152696"/>
+                <a:ext cx="74814" cy="74814"/>
+              </a:xfrm>
+              <a:prstGeom prst="ellipse">
+                <a:avLst/>
+              </a:prstGeom>
+            </p:spPr>
+            <p:style>
+              <a:lnRef idx="2">
+                <a:schemeClr val="dk1"/>
+              </a:lnRef>
+              <a:fillRef idx="1">
+                <a:schemeClr val="lt1"/>
+              </a:fillRef>
+              <a:effectRef idx="0">
+                <a:schemeClr val="dk1"/>
+              </a:effectRef>
+              <a:fontRef idx="minor">
+                <a:schemeClr val="dk1"/>
+              </a:fontRef>
+            </p:style>
+            <p:txBody>
+              <a:bodyPr rtlCol="0" anchor="ctr"/>
+              <a:lstStyle/>
+              <a:p>
+                <a:pPr algn="ctr"/>
+                <a:endParaRPr lang="ko-KR" altLang="en-US" sz="800"/>
+              </a:p>
+            </p:txBody>
+          </p:sp>
+        </p:grpSp>
+        <p:sp>
+          <p:nvSpPr>
+            <p:cNvPr id="124" name="TextBox 123">
+              <a:extLst>
+                <a:ext uri="{FF2B5EF4-FFF2-40B4-BE49-F238E27FC236}">
+                  <a16:creationId xmlns:a16="http://schemas.microsoft.com/office/drawing/2014/main" id="{DBE34909-40DC-4F33-8E93-5CC0BDC36AAE}"/>
+                </a:ext>
+              </a:extLst>
+            </p:cNvPr>
+            <p:cNvSpPr txBox="1"/>
+            <p:nvPr/>
+          </p:nvSpPr>
+          <p:spPr>
+            <a:xfrm>
+              <a:off x="979706" y="887426"/>
+              <a:ext cx="638316" cy="276999"/>
+            </a:xfrm>
+            <a:prstGeom prst="rect">
+              <a:avLst/>
+            </a:prstGeom>
+            <a:noFill/>
+          </p:spPr>
+          <p:txBody>
+            <a:bodyPr wrap="none" rtlCol="0">
+              <a:spAutoFit/>
+            </a:bodyPr>
+            <a:lstStyle/>
+            <a:p>
+              <a:r>
+                <a:rPr lang="en-US" altLang="ko-KR" sz="1200" dirty="0"/>
+                <a:t>school</a:t>
+              </a:r>
+              <a:endParaRPr lang="ko-KR" altLang="en-US" sz="1200" dirty="0"/>
+            </a:p>
+          </p:txBody>
+        </p:sp>
+        <p:sp>
+          <p:nvSpPr>
+            <p:cNvPr id="125" name="타원 124">
+              <a:extLst>
+                <a:ext uri="{FF2B5EF4-FFF2-40B4-BE49-F238E27FC236}">
+                  <a16:creationId xmlns:a16="http://schemas.microsoft.com/office/drawing/2014/main" id="{0A098E62-C039-4126-BACC-C3549528AB49}"/>
+                </a:ext>
+              </a:extLst>
+            </p:cNvPr>
+            <p:cNvSpPr/>
+            <p:nvPr/>
+          </p:nvSpPr>
+          <p:spPr>
+            <a:xfrm>
+              <a:off x="1097280" y="1529539"/>
+              <a:ext cx="403168" cy="403168"/>
+            </a:xfrm>
+            <a:prstGeom prst="ellipse">
+              <a:avLst/>
+            </a:prstGeom>
+          </p:spPr>
+          <p:style>
+            <a:lnRef idx="2">
+              <a:schemeClr val="dk1"/>
+            </a:lnRef>
+            <a:fillRef idx="1">
+              <a:schemeClr val="lt1"/>
+            </a:fillRef>
+            <a:effectRef idx="0">
+              <a:schemeClr val="dk1"/>
+            </a:effectRef>
+            <a:fontRef idx="minor">
+              <a:schemeClr val="dk1"/>
+            </a:fontRef>
+          </p:style>
+          <p:txBody>
+            <a:bodyPr rtlCol="0" anchor="ctr"/>
+            <a:lstStyle/>
+            <a:p>
+              <a:pPr algn="ctr"/>
+              <a:endParaRPr lang="ko-KR" altLang="en-US" sz="800" dirty="0"/>
+            </a:p>
+          </p:txBody>
+        </p:sp>
+        <p:sp>
+          <p:nvSpPr>
+            <p:cNvPr id="126" name="타원 125">
+              <a:extLst>
+                <a:ext uri="{FF2B5EF4-FFF2-40B4-BE49-F238E27FC236}">
+                  <a16:creationId xmlns:a16="http://schemas.microsoft.com/office/drawing/2014/main" id="{DA6B00D3-2E8B-4DFF-B131-B2E4C3D2C078}"/>
+                </a:ext>
+              </a:extLst>
+            </p:cNvPr>
+            <p:cNvSpPr/>
+            <p:nvPr/>
+          </p:nvSpPr>
+          <p:spPr>
+            <a:xfrm>
+              <a:off x="1097280" y="2234736"/>
+              <a:ext cx="403168" cy="403168"/>
+            </a:xfrm>
+            <a:prstGeom prst="ellipse">
+              <a:avLst/>
+            </a:prstGeom>
+          </p:spPr>
+          <p:style>
+            <a:lnRef idx="2">
+              <a:schemeClr val="dk1"/>
+            </a:lnRef>
+            <a:fillRef idx="1">
+              <a:schemeClr val="lt1"/>
+            </a:fillRef>
+            <a:effectRef idx="0">
+              <a:schemeClr val="dk1"/>
+            </a:effectRef>
+            <a:fontRef idx="minor">
+              <a:schemeClr val="dk1"/>
+            </a:fontRef>
+          </p:style>
+          <p:txBody>
+            <a:bodyPr rtlCol="0" anchor="ctr"/>
+            <a:lstStyle/>
+            <a:p>
+              <a:pPr algn="ctr"/>
+              <a:endParaRPr lang="ko-KR" altLang="en-US" sz="800" dirty="0"/>
+            </a:p>
+          </p:txBody>
+        </p:sp>
+        <p:sp>
+          <p:nvSpPr>
+            <p:cNvPr id="127" name="타원 126">
+              <a:extLst>
+                <a:ext uri="{FF2B5EF4-FFF2-40B4-BE49-F238E27FC236}">
+                  <a16:creationId xmlns:a16="http://schemas.microsoft.com/office/drawing/2014/main" id="{E20A52AE-729E-43F7-95FA-27294F55297D}"/>
+                </a:ext>
+              </a:extLst>
+            </p:cNvPr>
+            <p:cNvSpPr/>
+            <p:nvPr/>
+          </p:nvSpPr>
+          <p:spPr>
+            <a:xfrm>
+              <a:off x="1105593" y="2939933"/>
+              <a:ext cx="403168" cy="403168"/>
+            </a:xfrm>
+            <a:prstGeom prst="ellipse">
+              <a:avLst/>
+            </a:prstGeom>
+          </p:spPr>
+          <p:style>
+            <a:lnRef idx="2">
+              <a:schemeClr val="dk1"/>
+            </a:lnRef>
+            <a:fillRef idx="1">
+              <a:schemeClr val="lt1"/>
+            </a:fillRef>
+            <a:effectRef idx="0">
+              <a:schemeClr val="dk1"/>
+            </a:effectRef>
+            <a:fontRef idx="minor">
+              <a:schemeClr val="dk1"/>
+            </a:fontRef>
+          </p:style>
+          <p:txBody>
+            <a:bodyPr rtlCol="0" anchor="ctr"/>
+            <a:lstStyle/>
+            <a:p>
+              <a:pPr algn="ctr"/>
+              <a:endParaRPr lang="ko-KR" altLang="en-US" sz="800" dirty="0"/>
+            </a:p>
+          </p:txBody>
+        </p:sp>
+        <p:sp>
+          <p:nvSpPr>
+            <p:cNvPr id="128" name="타원 127">
+              <a:extLst>
+                <a:ext uri="{FF2B5EF4-FFF2-40B4-BE49-F238E27FC236}">
+                  <a16:creationId xmlns:a16="http://schemas.microsoft.com/office/drawing/2014/main" id="{7F2276AA-2264-4F30-966F-6B288AFF1FD3}"/>
+                </a:ext>
+              </a:extLst>
+            </p:cNvPr>
+            <p:cNvSpPr/>
+            <p:nvPr/>
+          </p:nvSpPr>
+          <p:spPr>
+            <a:xfrm>
+              <a:off x="1097280" y="3645130"/>
+              <a:ext cx="403168" cy="403168"/>
+            </a:xfrm>
+            <a:prstGeom prst="ellipse">
+              <a:avLst/>
+            </a:prstGeom>
+          </p:spPr>
+          <p:style>
+            <a:lnRef idx="2">
+              <a:schemeClr val="dk1"/>
+            </a:lnRef>
+            <a:fillRef idx="1">
+              <a:schemeClr val="lt1"/>
+            </a:fillRef>
+            <a:effectRef idx="0">
+              <a:schemeClr val="dk1"/>
+            </a:effectRef>
+            <a:fontRef idx="minor">
+              <a:schemeClr val="dk1"/>
+            </a:fontRef>
+          </p:style>
+          <p:txBody>
+            <a:bodyPr rtlCol="0" anchor="ctr"/>
+            <a:lstStyle/>
+            <a:p>
+              <a:pPr algn="ctr"/>
+              <a:endParaRPr lang="ko-KR" altLang="en-US" sz="800" dirty="0"/>
+            </a:p>
+          </p:txBody>
+        </p:sp>
+        <p:sp>
+          <p:nvSpPr>
+            <p:cNvPr id="129" name="타원 128">
+              <a:extLst>
+                <a:ext uri="{FF2B5EF4-FFF2-40B4-BE49-F238E27FC236}">
+                  <a16:creationId xmlns:a16="http://schemas.microsoft.com/office/drawing/2014/main" id="{1C446DF5-D690-43DF-BCEE-AFB63EB9669E}"/>
+                </a:ext>
+              </a:extLst>
+            </p:cNvPr>
+            <p:cNvSpPr/>
+            <p:nvPr/>
+          </p:nvSpPr>
+          <p:spPr>
+            <a:xfrm>
+              <a:off x="1105593" y="4350327"/>
+              <a:ext cx="403168" cy="403168"/>
+            </a:xfrm>
+            <a:prstGeom prst="ellipse">
+              <a:avLst/>
+            </a:prstGeom>
+          </p:spPr>
+          <p:style>
+            <a:lnRef idx="2">
+              <a:schemeClr val="dk1"/>
+            </a:lnRef>
+            <a:fillRef idx="1">
+              <a:schemeClr val="lt1"/>
+            </a:fillRef>
+            <a:effectRef idx="0">
+              <a:schemeClr val="dk1"/>
+            </a:effectRef>
+            <a:fontRef idx="minor">
+              <a:schemeClr val="dk1"/>
+            </a:fontRef>
+          </p:style>
+          <p:txBody>
+            <a:bodyPr rtlCol="0" anchor="ctr"/>
+            <a:lstStyle/>
+            <a:p>
+              <a:pPr algn="ctr"/>
+              <a:endParaRPr lang="ko-KR" altLang="en-US" sz="800" dirty="0"/>
+            </a:p>
+          </p:txBody>
+        </p:sp>
+        <p:sp>
+          <p:nvSpPr>
+            <p:cNvPr id="130" name="타원 129">
+              <a:extLst>
+                <a:ext uri="{FF2B5EF4-FFF2-40B4-BE49-F238E27FC236}">
+                  <a16:creationId xmlns:a16="http://schemas.microsoft.com/office/drawing/2014/main" id="{E5D4F4EB-FFD4-41AA-9EF9-546CB4F144F4}"/>
+                </a:ext>
+              </a:extLst>
+            </p:cNvPr>
+            <p:cNvSpPr/>
+            <p:nvPr/>
+          </p:nvSpPr>
+          <p:spPr>
+            <a:xfrm>
+              <a:off x="1105593" y="5055524"/>
+              <a:ext cx="403168" cy="403168"/>
+            </a:xfrm>
+            <a:prstGeom prst="ellipse">
+              <a:avLst/>
+            </a:prstGeom>
+          </p:spPr>
+          <p:style>
+            <a:lnRef idx="2">
+              <a:schemeClr val="dk1"/>
+            </a:lnRef>
+            <a:fillRef idx="1">
+              <a:schemeClr val="lt1"/>
+            </a:fillRef>
+            <a:effectRef idx="0">
+              <a:schemeClr val="dk1"/>
+            </a:effectRef>
+            <a:fontRef idx="minor">
+              <a:schemeClr val="dk1"/>
+            </a:fontRef>
+          </p:style>
+          <p:txBody>
+            <a:bodyPr rtlCol="0" anchor="ctr"/>
+            <a:lstStyle/>
+            <a:p>
+              <a:pPr algn="ctr"/>
+              <a:endParaRPr lang="ko-KR" altLang="en-US" sz="800" dirty="0"/>
+            </a:p>
+          </p:txBody>
+        </p:sp>
+        <p:sp>
+          <p:nvSpPr>
+            <p:cNvPr id="131" name="타원 130">
+              <a:extLst>
+                <a:ext uri="{FF2B5EF4-FFF2-40B4-BE49-F238E27FC236}">
+                  <a16:creationId xmlns:a16="http://schemas.microsoft.com/office/drawing/2014/main" id="{F6DDF86F-BEED-4911-82F1-562A108ABA58}"/>
+                </a:ext>
+              </a:extLst>
+            </p:cNvPr>
+            <p:cNvSpPr/>
+            <p:nvPr/>
+          </p:nvSpPr>
+          <p:spPr>
+            <a:xfrm>
+              <a:off x="1105593" y="5760721"/>
+              <a:ext cx="403168" cy="403168"/>
+            </a:xfrm>
+            <a:prstGeom prst="ellipse">
+              <a:avLst/>
+            </a:prstGeom>
+          </p:spPr>
+          <p:style>
+            <a:lnRef idx="2">
+              <a:schemeClr val="dk1"/>
+            </a:lnRef>
+            <a:fillRef idx="1">
+              <a:schemeClr val="lt1"/>
+            </a:fillRef>
+            <a:effectRef idx="0">
+              <a:schemeClr val="dk1"/>
+            </a:effectRef>
+            <a:fontRef idx="minor">
+              <a:schemeClr val="dk1"/>
+            </a:fontRef>
+          </p:style>
+          <p:txBody>
+            <a:bodyPr rtlCol="0" anchor="ctr"/>
+            <a:lstStyle/>
+            <a:p>
+              <a:pPr algn="ctr"/>
+              <a:endParaRPr lang="ko-KR" altLang="en-US" sz="800" dirty="0"/>
+            </a:p>
+          </p:txBody>
+        </p:sp>
+        <p:sp>
+          <p:nvSpPr>
+            <p:cNvPr id="132" name="TextBox 131">
+              <a:extLst>
+                <a:ext uri="{FF2B5EF4-FFF2-40B4-BE49-F238E27FC236}">
+                  <a16:creationId xmlns:a16="http://schemas.microsoft.com/office/drawing/2014/main" id="{4E40D3C9-676A-4BD9-9F61-E63E1FA1CE15}"/>
+                </a:ext>
+              </a:extLst>
+            </p:cNvPr>
+            <p:cNvSpPr txBox="1"/>
+            <p:nvPr/>
+          </p:nvSpPr>
+          <p:spPr>
+            <a:xfrm>
+              <a:off x="1185692" y="1592623"/>
+              <a:ext cx="226344" cy="276999"/>
+            </a:xfrm>
+            <a:prstGeom prst="rect">
+              <a:avLst/>
+            </a:prstGeom>
+            <a:noFill/>
+          </p:spPr>
+          <p:txBody>
+            <a:bodyPr wrap="none" rtlCol="0">
+              <a:spAutoFit/>
+            </a:bodyPr>
+            <a:lstStyle/>
+            <a:p>
+              <a:r>
+                <a:rPr lang="en-US" altLang="ko-KR" sz="1200" dirty="0"/>
+                <a:t>I</a:t>
+              </a:r>
+              <a:endParaRPr lang="ko-KR" altLang="en-US" sz="1200" dirty="0"/>
+            </a:p>
+          </p:txBody>
+        </p:sp>
+        <p:sp>
+          <p:nvSpPr>
+            <p:cNvPr id="133" name="TextBox 132">
+              <a:extLst>
+                <a:ext uri="{FF2B5EF4-FFF2-40B4-BE49-F238E27FC236}">
+                  <a16:creationId xmlns:a16="http://schemas.microsoft.com/office/drawing/2014/main" id="{13FC74AB-51F7-4DAF-BCFF-4AFACC4BA8F0}"/>
+                </a:ext>
+              </a:extLst>
+            </p:cNvPr>
+            <p:cNvSpPr txBox="1"/>
+            <p:nvPr/>
+          </p:nvSpPr>
+          <p:spPr>
+            <a:xfrm>
+              <a:off x="1062741" y="2297820"/>
+              <a:ext cx="472245" cy="276999"/>
+            </a:xfrm>
+            <a:prstGeom prst="rect">
+              <a:avLst/>
+            </a:prstGeom>
+            <a:noFill/>
+          </p:spPr>
+          <p:txBody>
+            <a:bodyPr wrap="none" rtlCol="0">
+              <a:spAutoFit/>
+            </a:bodyPr>
+            <a:lstStyle/>
+            <a:p>
+              <a:r>
+                <a:rPr lang="en-US" altLang="ko-KR" sz="1200" dirty="0"/>
+                <a:t>love</a:t>
+              </a:r>
+              <a:endParaRPr lang="ko-KR" altLang="en-US" sz="1200" dirty="0"/>
+            </a:p>
+          </p:txBody>
+        </p:sp>
+        <p:sp>
+          <p:nvSpPr>
+            <p:cNvPr id="134" name="TextBox 133">
+              <a:extLst>
+                <a:ext uri="{FF2B5EF4-FFF2-40B4-BE49-F238E27FC236}">
+                  <a16:creationId xmlns:a16="http://schemas.microsoft.com/office/drawing/2014/main" id="{B476F539-6B3B-4A2C-8CB7-598750F6B533}"/>
+                </a:ext>
+              </a:extLst>
+            </p:cNvPr>
+            <p:cNvSpPr txBox="1"/>
+            <p:nvPr/>
+          </p:nvSpPr>
+          <p:spPr>
+            <a:xfrm>
+              <a:off x="1077905" y="3003017"/>
+              <a:ext cx="441916" cy="276999"/>
+            </a:xfrm>
+            <a:prstGeom prst="rect">
+              <a:avLst/>
+            </a:prstGeom>
+            <a:noFill/>
+          </p:spPr>
+          <p:txBody>
+            <a:bodyPr wrap="none" rtlCol="0">
+              <a:spAutoFit/>
+            </a:bodyPr>
+            <a:lstStyle/>
+            <a:p>
+              <a:r>
+                <a:rPr lang="en-US" altLang="ko-KR" sz="1200" dirty="0"/>
+                <a:t>you</a:t>
+              </a:r>
+              <a:endParaRPr lang="ko-KR" altLang="en-US" sz="1200" dirty="0"/>
+            </a:p>
+          </p:txBody>
+        </p:sp>
+        <p:sp>
+          <p:nvSpPr>
+            <p:cNvPr id="135" name="TextBox 134">
+              <a:extLst>
+                <a:ext uri="{FF2B5EF4-FFF2-40B4-BE49-F238E27FC236}">
+                  <a16:creationId xmlns:a16="http://schemas.microsoft.com/office/drawing/2014/main" id="{7E7DD482-9C19-4507-B0E7-9D95B0858809}"/>
+                </a:ext>
+              </a:extLst>
+            </p:cNvPr>
+            <p:cNvSpPr txBox="1"/>
+            <p:nvPr/>
+          </p:nvSpPr>
+          <p:spPr>
+            <a:xfrm>
+              <a:off x="1134234" y="3708214"/>
+              <a:ext cx="329257" cy="276999"/>
+            </a:xfrm>
+            <a:prstGeom prst="rect">
+              <a:avLst/>
+            </a:prstGeom>
+            <a:noFill/>
+          </p:spPr>
+          <p:txBody>
+            <a:bodyPr wrap="none" rtlCol="0">
+              <a:spAutoFit/>
+            </a:bodyPr>
+            <a:lstStyle/>
+            <a:p>
+              <a:r>
+                <a:rPr lang="en-US" altLang="ko-KR" sz="1200" dirty="0"/>
+                <a:t>to</a:t>
+              </a:r>
+              <a:endParaRPr lang="ko-KR" altLang="en-US" sz="1200" dirty="0"/>
+            </a:p>
+          </p:txBody>
+        </p:sp>
+        <p:sp>
+          <p:nvSpPr>
+            <p:cNvPr id="136" name="TextBox 135">
+              <a:extLst>
+                <a:ext uri="{FF2B5EF4-FFF2-40B4-BE49-F238E27FC236}">
+                  <a16:creationId xmlns:a16="http://schemas.microsoft.com/office/drawing/2014/main" id="{7396806D-F552-4082-B5F0-FDE61A89A138}"/>
+                </a:ext>
+              </a:extLst>
+            </p:cNvPr>
+            <p:cNvSpPr txBox="1"/>
+            <p:nvPr/>
+          </p:nvSpPr>
+          <p:spPr>
+            <a:xfrm>
+              <a:off x="1119443" y="4413411"/>
+              <a:ext cx="370614" cy="276999"/>
+            </a:xfrm>
+            <a:prstGeom prst="rect">
+              <a:avLst/>
+            </a:prstGeom>
+            <a:noFill/>
+          </p:spPr>
+          <p:txBody>
+            <a:bodyPr wrap="none" rtlCol="0">
+              <a:spAutoFit/>
+            </a:bodyPr>
+            <a:lstStyle/>
+            <a:p>
+              <a:r>
+                <a:rPr lang="en-US" altLang="ko-KR" sz="1200" dirty="0"/>
+                <a:t>go</a:t>
+              </a:r>
+              <a:endParaRPr lang="ko-KR" altLang="en-US" sz="1200" dirty="0"/>
+            </a:p>
+          </p:txBody>
+        </p:sp>
+        <p:sp>
+          <p:nvSpPr>
+            <p:cNvPr id="137" name="TextBox 136">
+              <a:extLst>
+                <a:ext uri="{FF2B5EF4-FFF2-40B4-BE49-F238E27FC236}">
+                  <a16:creationId xmlns:a16="http://schemas.microsoft.com/office/drawing/2014/main" id="{A0AD32FB-8AD3-4788-903A-173920BAEC67}"/>
+                </a:ext>
+              </a:extLst>
+            </p:cNvPr>
+            <p:cNvSpPr txBox="1"/>
+            <p:nvPr/>
+          </p:nvSpPr>
+          <p:spPr>
+            <a:xfrm>
+              <a:off x="1109293" y="5118608"/>
+              <a:ext cx="399468" cy="276999"/>
+            </a:xfrm>
+            <a:prstGeom prst="rect">
+              <a:avLst/>
+            </a:prstGeom>
+            <a:noFill/>
+          </p:spPr>
+          <p:txBody>
+            <a:bodyPr wrap="none" rtlCol="0">
+              <a:spAutoFit/>
+            </a:bodyPr>
+            <a:lstStyle/>
+            <a:p>
+              <a:r>
+                <a:rPr lang="en-US" altLang="ko-KR" sz="1200" dirty="0"/>
+                <a:t>eat</a:t>
+              </a:r>
+              <a:endParaRPr lang="ko-KR" altLang="en-US" sz="1200" dirty="0"/>
+            </a:p>
+          </p:txBody>
+        </p:sp>
+        <p:sp>
+          <p:nvSpPr>
+            <p:cNvPr id="138" name="TextBox 137">
+              <a:extLst>
+                <a:ext uri="{FF2B5EF4-FFF2-40B4-BE49-F238E27FC236}">
+                  <a16:creationId xmlns:a16="http://schemas.microsoft.com/office/drawing/2014/main" id="{0C4E5867-2A30-4CC2-8147-3BC0C4C8427B}"/>
+                </a:ext>
+              </a:extLst>
+            </p:cNvPr>
+            <p:cNvSpPr txBox="1"/>
+            <p:nvPr/>
+          </p:nvSpPr>
+          <p:spPr>
+            <a:xfrm>
+              <a:off x="1076986" y="5832074"/>
+              <a:ext cx="460382" cy="276999"/>
+            </a:xfrm>
+            <a:prstGeom prst="rect">
+              <a:avLst/>
+            </a:prstGeom>
+            <a:noFill/>
+          </p:spPr>
+          <p:txBody>
+            <a:bodyPr wrap="none" rtlCol="0">
+              <a:spAutoFit/>
+            </a:bodyPr>
+            <a:lstStyle/>
+            <a:p>
+              <a:r>
+                <a:rPr lang="en-US" altLang="ko-KR" sz="1200" dirty="0"/>
+                <a:t>EOF</a:t>
+              </a:r>
+              <a:endParaRPr lang="ko-KR" altLang="en-US" sz="1200" dirty="0"/>
+            </a:p>
+          </p:txBody>
+        </p:sp>
+        <p:sp>
+          <p:nvSpPr>
+            <p:cNvPr id="123" name="타원 122">
+              <a:extLst>
+                <a:ext uri="{FF2B5EF4-FFF2-40B4-BE49-F238E27FC236}">
+                  <a16:creationId xmlns:a16="http://schemas.microsoft.com/office/drawing/2014/main" id="{7CB5A74F-FEAE-48D2-A4CB-D80C6D1E75E3}"/>
+                </a:ext>
+              </a:extLst>
+            </p:cNvPr>
+            <p:cNvSpPr/>
+            <p:nvPr/>
+          </p:nvSpPr>
+          <p:spPr>
+            <a:xfrm>
+              <a:off x="1097280" y="824342"/>
+              <a:ext cx="403168" cy="403168"/>
+            </a:xfrm>
+            <a:prstGeom prst="ellipse">
+              <a:avLst/>
+            </a:prstGeom>
+            <a:noFill/>
+          </p:spPr>
+          <p:style>
+            <a:lnRef idx="2">
+              <a:schemeClr val="dk1"/>
+            </a:lnRef>
+            <a:fillRef idx="1">
+              <a:schemeClr val="lt1"/>
+            </a:fillRef>
+            <a:effectRef idx="0">
+              <a:schemeClr val="dk1"/>
+            </a:effectRef>
+            <a:fontRef idx="minor">
+              <a:schemeClr val="dk1"/>
+            </a:fontRef>
+          </p:style>
+          <p:txBody>
+            <a:bodyPr rtlCol="0" anchor="ctr"/>
+            <a:lstStyle/>
+            <a:p>
+              <a:pPr algn="ctr"/>
+              <a:endParaRPr lang="ko-KR" altLang="en-US" sz="800" dirty="0"/>
+            </a:p>
+          </p:txBody>
+        </p:sp>
+      </p:grpSp>
+      <p:grpSp>
+        <p:nvGrpSpPr>
+          <p:cNvPr id="145" name="그룹 144">
+            <a:extLst>
+              <a:ext uri="{FF2B5EF4-FFF2-40B4-BE49-F238E27FC236}">
+                <a16:creationId xmlns:a16="http://schemas.microsoft.com/office/drawing/2014/main" id="{A751D420-7DEE-47F2-BCDE-5C607B399BC8}"/>
+              </a:ext>
+            </a:extLst>
+          </p:cNvPr>
+          <p:cNvGrpSpPr/>
+          <p:nvPr/>
+        </p:nvGrpSpPr>
+        <p:grpSpPr>
+          <a:xfrm>
+            <a:off x="7381565" y="196731"/>
+            <a:ext cx="869032" cy="6589231"/>
+            <a:chOff x="872661" y="199500"/>
+            <a:chExt cx="869032" cy="6589231"/>
+          </a:xfrm>
+        </p:grpSpPr>
+        <p:grpSp>
+          <p:nvGrpSpPr>
+            <p:cNvPr id="146" name="그룹 145">
+              <a:extLst>
+                <a:ext uri="{FF2B5EF4-FFF2-40B4-BE49-F238E27FC236}">
+                  <a16:creationId xmlns:a16="http://schemas.microsoft.com/office/drawing/2014/main" id="{03A5B219-2977-4F80-BB24-AB6D4DF5CF6A}"/>
+                </a:ext>
+              </a:extLst>
+            </p:cNvPr>
+            <p:cNvGrpSpPr/>
+            <p:nvPr/>
+          </p:nvGrpSpPr>
+          <p:grpSpPr>
+            <a:xfrm>
+              <a:off x="1269770" y="199500"/>
+              <a:ext cx="74814" cy="322813"/>
+              <a:chOff x="2227811" y="1152696"/>
+              <a:chExt cx="74814" cy="322813"/>
+            </a:xfrm>
+          </p:grpSpPr>
+          <p:sp>
+            <p:nvSpPr>
+              <p:cNvPr id="167" name="타원 166">
+                <a:extLst>
+                  <a:ext uri="{FF2B5EF4-FFF2-40B4-BE49-F238E27FC236}">
+                    <a16:creationId xmlns:a16="http://schemas.microsoft.com/office/drawing/2014/main" id="{90E484C7-5A8D-4A5F-9C94-C68278AF96B3}"/>
+                  </a:ext>
+                </a:extLst>
+              </p:cNvPr>
+              <p:cNvSpPr/>
+              <p:nvPr/>
+            </p:nvSpPr>
+            <p:spPr>
+              <a:xfrm>
+                <a:off x="2227811" y="1400695"/>
+                <a:ext cx="74814" cy="74814"/>
+              </a:xfrm>
+              <a:prstGeom prst="ellipse">
+                <a:avLst/>
+              </a:prstGeom>
+            </p:spPr>
+            <p:style>
+              <a:lnRef idx="2">
+                <a:schemeClr val="dk1"/>
+              </a:lnRef>
+              <a:fillRef idx="1">
+                <a:schemeClr val="lt1"/>
+              </a:fillRef>
+              <a:effectRef idx="0">
+                <a:schemeClr val="dk1"/>
+              </a:effectRef>
+              <a:fontRef idx="minor">
+                <a:schemeClr val="dk1"/>
+              </a:fontRef>
+            </p:style>
+            <p:txBody>
+              <a:bodyPr rtlCol="0" anchor="ctr"/>
+              <a:lstStyle/>
+              <a:p>
+                <a:pPr algn="ctr"/>
+                <a:endParaRPr lang="ko-KR" altLang="en-US" sz="800"/>
+              </a:p>
+            </p:txBody>
+          </p:sp>
+          <p:sp>
+            <p:nvSpPr>
+              <p:cNvPr id="168" name="타원 167">
+                <a:extLst>
+                  <a:ext uri="{FF2B5EF4-FFF2-40B4-BE49-F238E27FC236}">
+                    <a16:creationId xmlns:a16="http://schemas.microsoft.com/office/drawing/2014/main" id="{ACD88536-6696-4433-B171-EB8BACFDE7D0}"/>
+                  </a:ext>
+                </a:extLst>
+              </p:cNvPr>
+              <p:cNvSpPr/>
+              <p:nvPr/>
+            </p:nvSpPr>
+            <p:spPr>
+              <a:xfrm>
+                <a:off x="2227811" y="1278776"/>
+                <a:ext cx="74814" cy="74814"/>
+              </a:xfrm>
+              <a:prstGeom prst="ellipse">
+                <a:avLst/>
+              </a:prstGeom>
+            </p:spPr>
+            <p:style>
+              <a:lnRef idx="2">
+                <a:schemeClr val="dk1"/>
+              </a:lnRef>
+              <a:fillRef idx="1">
+                <a:schemeClr val="lt1"/>
+              </a:fillRef>
+              <a:effectRef idx="0">
+                <a:schemeClr val="dk1"/>
+              </a:effectRef>
+              <a:fontRef idx="minor">
+                <a:schemeClr val="dk1"/>
+              </a:fontRef>
+            </p:style>
+            <p:txBody>
+              <a:bodyPr rtlCol="0" anchor="ctr"/>
+              <a:lstStyle/>
+              <a:p>
+                <a:pPr algn="ctr"/>
+                <a:endParaRPr lang="ko-KR" altLang="en-US" sz="800"/>
+              </a:p>
+            </p:txBody>
+          </p:sp>
+          <p:sp>
+            <p:nvSpPr>
+              <p:cNvPr id="169" name="타원 168">
+                <a:extLst>
+                  <a:ext uri="{FF2B5EF4-FFF2-40B4-BE49-F238E27FC236}">
+                    <a16:creationId xmlns:a16="http://schemas.microsoft.com/office/drawing/2014/main" id="{BE8E97A0-7149-4006-BEDD-D0E368C981FB}"/>
+                  </a:ext>
+                </a:extLst>
+              </p:cNvPr>
+              <p:cNvSpPr/>
+              <p:nvPr/>
+            </p:nvSpPr>
+            <p:spPr>
+              <a:xfrm>
+                <a:off x="2227811" y="1152696"/>
+                <a:ext cx="74814" cy="74814"/>
+              </a:xfrm>
+              <a:prstGeom prst="ellipse">
+                <a:avLst/>
+              </a:prstGeom>
+            </p:spPr>
+            <p:style>
+              <a:lnRef idx="2">
+                <a:schemeClr val="dk1"/>
+              </a:lnRef>
+              <a:fillRef idx="1">
+                <a:schemeClr val="lt1"/>
+              </a:fillRef>
+              <a:effectRef idx="0">
+                <a:schemeClr val="dk1"/>
+              </a:effectRef>
+              <a:fontRef idx="minor">
+                <a:schemeClr val="dk1"/>
+              </a:fontRef>
+            </p:style>
+            <p:txBody>
+              <a:bodyPr rtlCol="0" anchor="ctr"/>
+              <a:lstStyle/>
+              <a:p>
+                <a:pPr algn="ctr"/>
+                <a:endParaRPr lang="ko-KR" altLang="en-US" sz="800"/>
+              </a:p>
+            </p:txBody>
+          </p:sp>
+        </p:grpSp>
+        <p:grpSp>
+          <p:nvGrpSpPr>
+            <p:cNvPr id="147" name="그룹 146">
+              <a:extLst>
+                <a:ext uri="{FF2B5EF4-FFF2-40B4-BE49-F238E27FC236}">
+                  <a16:creationId xmlns:a16="http://schemas.microsoft.com/office/drawing/2014/main" id="{78BFC582-37AD-48E0-9ADE-9446C5D5AC4E}"/>
+                </a:ext>
+              </a:extLst>
+            </p:cNvPr>
+            <p:cNvGrpSpPr/>
+            <p:nvPr/>
+          </p:nvGrpSpPr>
+          <p:grpSpPr>
+            <a:xfrm>
+              <a:off x="1261457" y="6465918"/>
+              <a:ext cx="74814" cy="322813"/>
+              <a:chOff x="2227811" y="1152696"/>
+              <a:chExt cx="74814" cy="322813"/>
+            </a:xfrm>
+          </p:grpSpPr>
+          <p:sp>
+            <p:nvSpPr>
+              <p:cNvPr id="164" name="타원 163">
+                <a:extLst>
+                  <a:ext uri="{FF2B5EF4-FFF2-40B4-BE49-F238E27FC236}">
+                    <a16:creationId xmlns:a16="http://schemas.microsoft.com/office/drawing/2014/main" id="{B8C812FC-67C2-46A8-8B95-E0A2EC929A0D}"/>
+                  </a:ext>
+                </a:extLst>
+              </p:cNvPr>
+              <p:cNvSpPr/>
+              <p:nvPr/>
+            </p:nvSpPr>
+            <p:spPr>
+              <a:xfrm>
+                <a:off x="2227811" y="1400695"/>
+                <a:ext cx="74814" cy="74814"/>
+              </a:xfrm>
+              <a:prstGeom prst="ellipse">
+                <a:avLst/>
+              </a:prstGeom>
+            </p:spPr>
+            <p:style>
+              <a:lnRef idx="2">
+                <a:schemeClr val="dk1"/>
+              </a:lnRef>
+              <a:fillRef idx="1">
+                <a:schemeClr val="lt1"/>
+              </a:fillRef>
+              <a:effectRef idx="0">
+                <a:schemeClr val="dk1"/>
+              </a:effectRef>
+              <a:fontRef idx="minor">
+                <a:schemeClr val="dk1"/>
+              </a:fontRef>
+            </p:style>
+            <p:txBody>
+              <a:bodyPr rtlCol="0" anchor="ctr"/>
+              <a:lstStyle/>
+              <a:p>
+                <a:pPr algn="ctr"/>
+                <a:endParaRPr lang="ko-KR" altLang="en-US" sz="800"/>
+              </a:p>
+            </p:txBody>
+          </p:sp>
+          <p:sp>
+            <p:nvSpPr>
+              <p:cNvPr id="165" name="타원 164">
+                <a:extLst>
+                  <a:ext uri="{FF2B5EF4-FFF2-40B4-BE49-F238E27FC236}">
+                    <a16:creationId xmlns:a16="http://schemas.microsoft.com/office/drawing/2014/main" id="{51557DFD-FF65-4E75-8A3C-0A2EBAA5BC19}"/>
+                  </a:ext>
+                </a:extLst>
+              </p:cNvPr>
+              <p:cNvSpPr/>
+              <p:nvPr/>
+            </p:nvSpPr>
+            <p:spPr>
+              <a:xfrm>
+                <a:off x="2227811" y="1278776"/>
+                <a:ext cx="74814" cy="74814"/>
+              </a:xfrm>
+              <a:prstGeom prst="ellipse">
+                <a:avLst/>
+              </a:prstGeom>
+            </p:spPr>
+            <p:style>
+              <a:lnRef idx="2">
+                <a:schemeClr val="dk1"/>
+              </a:lnRef>
+              <a:fillRef idx="1">
+                <a:schemeClr val="lt1"/>
+              </a:fillRef>
+              <a:effectRef idx="0">
+                <a:schemeClr val="dk1"/>
+              </a:effectRef>
+              <a:fontRef idx="minor">
+                <a:schemeClr val="dk1"/>
+              </a:fontRef>
+            </p:style>
+            <p:txBody>
+              <a:bodyPr rtlCol="0" anchor="ctr"/>
+              <a:lstStyle/>
+              <a:p>
+                <a:pPr algn="ctr"/>
+                <a:endParaRPr lang="ko-KR" altLang="en-US" sz="800"/>
+              </a:p>
+            </p:txBody>
+          </p:sp>
+          <p:sp>
+            <p:nvSpPr>
+              <p:cNvPr id="166" name="타원 165">
+                <a:extLst>
+                  <a:ext uri="{FF2B5EF4-FFF2-40B4-BE49-F238E27FC236}">
+                    <a16:creationId xmlns:a16="http://schemas.microsoft.com/office/drawing/2014/main" id="{A3787997-749C-42F4-AFD2-D2B0ED0CC5F2}"/>
+                  </a:ext>
+                </a:extLst>
+              </p:cNvPr>
+              <p:cNvSpPr/>
+              <p:nvPr/>
+            </p:nvSpPr>
+            <p:spPr>
+              <a:xfrm>
+                <a:off x="2227811" y="1152696"/>
+                <a:ext cx="74814" cy="74814"/>
+              </a:xfrm>
+              <a:prstGeom prst="ellipse">
+                <a:avLst/>
+              </a:prstGeom>
+            </p:spPr>
+            <p:style>
+              <a:lnRef idx="2">
+                <a:schemeClr val="dk1"/>
+              </a:lnRef>
+              <a:fillRef idx="1">
+                <a:schemeClr val="lt1"/>
+              </a:fillRef>
+              <a:effectRef idx="0">
+                <a:schemeClr val="dk1"/>
+              </a:effectRef>
+              <a:fontRef idx="minor">
+                <a:schemeClr val="dk1"/>
+              </a:fontRef>
+            </p:style>
+            <p:txBody>
+              <a:bodyPr rtlCol="0" anchor="ctr"/>
+              <a:lstStyle/>
+              <a:p>
+                <a:pPr algn="ctr"/>
+                <a:endParaRPr lang="ko-KR" altLang="en-US" sz="800"/>
+              </a:p>
+            </p:txBody>
+          </p:sp>
+        </p:grpSp>
+        <p:sp>
+          <p:nvSpPr>
+            <p:cNvPr id="149" name="TextBox 148">
+              <a:extLst>
+                <a:ext uri="{FF2B5EF4-FFF2-40B4-BE49-F238E27FC236}">
+                  <a16:creationId xmlns:a16="http://schemas.microsoft.com/office/drawing/2014/main" id="{632E0D45-B693-46DE-AFDE-43A51626D2A2}"/>
+                </a:ext>
+              </a:extLst>
+            </p:cNvPr>
+            <p:cNvSpPr txBox="1"/>
+            <p:nvPr/>
+          </p:nvSpPr>
+          <p:spPr>
+            <a:xfrm>
+              <a:off x="872661" y="895695"/>
+              <a:ext cx="869032" cy="276999"/>
+            </a:xfrm>
+            <a:prstGeom prst="rect">
+              <a:avLst/>
+            </a:prstGeom>
+            <a:noFill/>
+          </p:spPr>
+          <p:txBody>
+            <a:bodyPr wrap="square" rtlCol="0">
+              <a:spAutoFit/>
+            </a:bodyPr>
+            <a:lstStyle/>
+            <a:p>
+              <a:pPr algn="ctr"/>
+              <a:r>
+                <a:rPr lang="en-US" altLang="ko-KR" sz="1200" dirty="0"/>
+                <a:t>school</a:t>
+              </a:r>
+              <a:endParaRPr lang="ko-KR" altLang="en-US" sz="1200" dirty="0"/>
+            </a:p>
+          </p:txBody>
+        </p:sp>
+        <p:sp>
+          <p:nvSpPr>
+            <p:cNvPr id="150" name="타원 149">
+              <a:extLst>
+                <a:ext uri="{FF2B5EF4-FFF2-40B4-BE49-F238E27FC236}">
+                  <a16:creationId xmlns:a16="http://schemas.microsoft.com/office/drawing/2014/main" id="{B90E3C5A-6A05-41C2-AC02-406E5170DFCF}"/>
+                </a:ext>
+              </a:extLst>
+            </p:cNvPr>
+            <p:cNvSpPr/>
+            <p:nvPr/>
+          </p:nvSpPr>
+          <p:spPr>
+            <a:xfrm>
+              <a:off x="1097280" y="1529539"/>
+              <a:ext cx="403168" cy="403168"/>
+            </a:xfrm>
+            <a:prstGeom prst="ellipse">
+              <a:avLst/>
+            </a:prstGeom>
+          </p:spPr>
+          <p:style>
+            <a:lnRef idx="2">
+              <a:schemeClr val="dk1"/>
+            </a:lnRef>
+            <a:fillRef idx="1">
+              <a:schemeClr val="lt1"/>
+            </a:fillRef>
+            <a:effectRef idx="0">
+              <a:schemeClr val="dk1"/>
+            </a:effectRef>
+            <a:fontRef idx="minor">
+              <a:schemeClr val="dk1"/>
+            </a:fontRef>
+          </p:style>
+          <p:txBody>
+            <a:bodyPr rtlCol="0" anchor="ctr"/>
+            <a:lstStyle/>
+            <a:p>
+              <a:pPr algn="ctr"/>
+              <a:endParaRPr lang="ko-KR" altLang="en-US" sz="800" dirty="0"/>
+            </a:p>
+          </p:txBody>
+        </p:sp>
+        <p:sp>
+          <p:nvSpPr>
+            <p:cNvPr id="152" name="타원 151">
+              <a:extLst>
+                <a:ext uri="{FF2B5EF4-FFF2-40B4-BE49-F238E27FC236}">
+                  <a16:creationId xmlns:a16="http://schemas.microsoft.com/office/drawing/2014/main" id="{BE861C2B-FD59-42BE-B97A-9EF1040A8A5F}"/>
+                </a:ext>
+              </a:extLst>
+            </p:cNvPr>
+            <p:cNvSpPr/>
+            <p:nvPr/>
+          </p:nvSpPr>
+          <p:spPr>
+            <a:xfrm>
+              <a:off x="1105593" y="2939933"/>
+              <a:ext cx="403168" cy="403168"/>
+            </a:xfrm>
+            <a:prstGeom prst="ellipse">
+              <a:avLst/>
+            </a:prstGeom>
+          </p:spPr>
+          <p:style>
+            <a:lnRef idx="2">
+              <a:schemeClr val="dk1"/>
+            </a:lnRef>
+            <a:fillRef idx="1">
+              <a:schemeClr val="lt1"/>
+            </a:fillRef>
+            <a:effectRef idx="0">
+              <a:schemeClr val="dk1"/>
+            </a:effectRef>
+            <a:fontRef idx="minor">
+              <a:schemeClr val="dk1"/>
+            </a:fontRef>
+          </p:style>
+          <p:txBody>
+            <a:bodyPr rtlCol="0" anchor="ctr"/>
+            <a:lstStyle/>
+            <a:p>
+              <a:pPr algn="ctr"/>
+              <a:endParaRPr lang="ko-KR" altLang="en-US" sz="800" dirty="0"/>
+            </a:p>
+          </p:txBody>
+        </p:sp>
+        <p:sp>
+          <p:nvSpPr>
+            <p:cNvPr id="153" name="타원 152">
+              <a:extLst>
+                <a:ext uri="{FF2B5EF4-FFF2-40B4-BE49-F238E27FC236}">
+                  <a16:creationId xmlns:a16="http://schemas.microsoft.com/office/drawing/2014/main" id="{315C9E35-B504-42AF-BF65-99A46DD6AF94}"/>
+                </a:ext>
+              </a:extLst>
+            </p:cNvPr>
+            <p:cNvSpPr/>
+            <p:nvPr/>
+          </p:nvSpPr>
+          <p:spPr>
+            <a:xfrm>
+              <a:off x="1097280" y="3645130"/>
+              <a:ext cx="403168" cy="403168"/>
+            </a:xfrm>
+            <a:prstGeom prst="ellipse">
+              <a:avLst/>
+            </a:prstGeom>
+          </p:spPr>
+          <p:style>
+            <a:lnRef idx="2">
+              <a:schemeClr val="dk1"/>
+            </a:lnRef>
+            <a:fillRef idx="1">
+              <a:schemeClr val="lt1"/>
+            </a:fillRef>
+            <a:effectRef idx="0">
+              <a:schemeClr val="dk1"/>
+            </a:effectRef>
+            <a:fontRef idx="minor">
+              <a:schemeClr val="dk1"/>
+            </a:fontRef>
+          </p:style>
+          <p:txBody>
+            <a:bodyPr rtlCol="0" anchor="ctr"/>
+            <a:lstStyle/>
+            <a:p>
+              <a:pPr algn="ctr"/>
+              <a:endParaRPr lang="ko-KR" altLang="en-US" sz="800" dirty="0"/>
+            </a:p>
+          </p:txBody>
+        </p:sp>
+        <p:sp>
+          <p:nvSpPr>
+            <p:cNvPr id="154" name="타원 153">
+              <a:extLst>
+                <a:ext uri="{FF2B5EF4-FFF2-40B4-BE49-F238E27FC236}">
+                  <a16:creationId xmlns:a16="http://schemas.microsoft.com/office/drawing/2014/main" id="{0B8B9879-447D-4927-9328-5E6165C845B9}"/>
+                </a:ext>
+              </a:extLst>
+            </p:cNvPr>
+            <p:cNvSpPr/>
+            <p:nvPr/>
+          </p:nvSpPr>
+          <p:spPr>
+            <a:xfrm>
+              <a:off x="1105593" y="4350327"/>
+              <a:ext cx="403168" cy="403168"/>
+            </a:xfrm>
+            <a:prstGeom prst="ellipse">
+              <a:avLst/>
+            </a:prstGeom>
+          </p:spPr>
+          <p:style>
+            <a:lnRef idx="2">
+              <a:schemeClr val="dk1"/>
+            </a:lnRef>
+            <a:fillRef idx="1">
+              <a:schemeClr val="lt1"/>
+            </a:fillRef>
+            <a:effectRef idx="0">
+              <a:schemeClr val="dk1"/>
+            </a:effectRef>
+            <a:fontRef idx="minor">
+              <a:schemeClr val="dk1"/>
+            </a:fontRef>
+          </p:style>
+          <p:txBody>
+            <a:bodyPr rtlCol="0" anchor="ctr"/>
+            <a:lstStyle/>
+            <a:p>
+              <a:pPr algn="ctr"/>
+              <a:endParaRPr lang="ko-KR" altLang="en-US" sz="800" dirty="0"/>
+            </a:p>
+          </p:txBody>
+        </p:sp>
+        <p:sp>
+          <p:nvSpPr>
+            <p:cNvPr id="155" name="타원 154">
+              <a:extLst>
+                <a:ext uri="{FF2B5EF4-FFF2-40B4-BE49-F238E27FC236}">
+                  <a16:creationId xmlns:a16="http://schemas.microsoft.com/office/drawing/2014/main" id="{A71AB1E8-3B90-4391-8DAE-8E6891E59345}"/>
+                </a:ext>
+              </a:extLst>
+            </p:cNvPr>
+            <p:cNvSpPr/>
+            <p:nvPr/>
+          </p:nvSpPr>
+          <p:spPr>
+            <a:xfrm>
+              <a:off x="1105593" y="5055524"/>
+              <a:ext cx="403168" cy="403168"/>
+            </a:xfrm>
+            <a:prstGeom prst="ellipse">
+              <a:avLst/>
+            </a:prstGeom>
+          </p:spPr>
+          <p:style>
+            <a:lnRef idx="2">
+              <a:schemeClr val="dk1"/>
+            </a:lnRef>
+            <a:fillRef idx="1">
+              <a:schemeClr val="lt1"/>
+            </a:fillRef>
+            <a:effectRef idx="0">
+              <a:schemeClr val="dk1"/>
+            </a:effectRef>
+            <a:fontRef idx="minor">
+              <a:schemeClr val="dk1"/>
+            </a:fontRef>
+          </p:style>
+          <p:txBody>
+            <a:bodyPr rtlCol="0" anchor="ctr"/>
+            <a:lstStyle/>
+            <a:p>
+              <a:pPr algn="ctr"/>
+              <a:endParaRPr lang="ko-KR" altLang="en-US" sz="800" dirty="0"/>
+            </a:p>
+          </p:txBody>
+        </p:sp>
+        <p:sp>
+          <p:nvSpPr>
+            <p:cNvPr id="157" name="TextBox 156">
+              <a:extLst>
+                <a:ext uri="{FF2B5EF4-FFF2-40B4-BE49-F238E27FC236}">
+                  <a16:creationId xmlns:a16="http://schemas.microsoft.com/office/drawing/2014/main" id="{B606452E-416C-4F1F-86E5-91F477E1578A}"/>
+                </a:ext>
+              </a:extLst>
+            </p:cNvPr>
+            <p:cNvSpPr txBox="1"/>
+            <p:nvPr/>
+          </p:nvSpPr>
+          <p:spPr>
+            <a:xfrm>
+              <a:off x="1185692" y="1592623"/>
+              <a:ext cx="226344" cy="276999"/>
+            </a:xfrm>
+            <a:prstGeom prst="rect">
+              <a:avLst/>
+            </a:prstGeom>
+            <a:noFill/>
+          </p:spPr>
+          <p:txBody>
+            <a:bodyPr wrap="none" rtlCol="0">
+              <a:spAutoFit/>
+            </a:bodyPr>
+            <a:lstStyle/>
+            <a:p>
+              <a:r>
+                <a:rPr lang="en-US" altLang="ko-KR" sz="1200" dirty="0"/>
+                <a:t>I</a:t>
+              </a:r>
+              <a:endParaRPr lang="ko-KR" altLang="en-US" sz="1200" dirty="0"/>
+            </a:p>
+          </p:txBody>
+        </p:sp>
+        <p:sp>
+          <p:nvSpPr>
+            <p:cNvPr id="158" name="TextBox 157">
+              <a:extLst>
+                <a:ext uri="{FF2B5EF4-FFF2-40B4-BE49-F238E27FC236}">
+                  <a16:creationId xmlns:a16="http://schemas.microsoft.com/office/drawing/2014/main" id="{431CB47E-E94E-4FD4-A3C1-3C336C9063E1}"/>
+                </a:ext>
+              </a:extLst>
+            </p:cNvPr>
+            <p:cNvSpPr txBox="1"/>
+            <p:nvPr/>
+          </p:nvSpPr>
+          <p:spPr>
+            <a:xfrm>
+              <a:off x="1062741" y="2297820"/>
+              <a:ext cx="472245" cy="276999"/>
+            </a:xfrm>
+            <a:prstGeom prst="rect">
+              <a:avLst/>
+            </a:prstGeom>
+            <a:noFill/>
+          </p:spPr>
+          <p:txBody>
+            <a:bodyPr wrap="none" rtlCol="0">
+              <a:spAutoFit/>
+            </a:bodyPr>
+            <a:lstStyle/>
+            <a:p>
+              <a:r>
+                <a:rPr lang="en-US" altLang="ko-KR" sz="1200" dirty="0"/>
+                <a:t>love</a:t>
+              </a:r>
+              <a:endParaRPr lang="ko-KR" altLang="en-US" sz="1200" dirty="0"/>
+            </a:p>
+          </p:txBody>
+        </p:sp>
+        <p:sp>
+          <p:nvSpPr>
+            <p:cNvPr id="159" name="TextBox 158">
+              <a:extLst>
+                <a:ext uri="{FF2B5EF4-FFF2-40B4-BE49-F238E27FC236}">
+                  <a16:creationId xmlns:a16="http://schemas.microsoft.com/office/drawing/2014/main" id="{C45BA087-06DE-477C-8F23-B0A6A6BBECB5}"/>
+                </a:ext>
+              </a:extLst>
+            </p:cNvPr>
+            <p:cNvSpPr txBox="1"/>
+            <p:nvPr/>
+          </p:nvSpPr>
+          <p:spPr>
+            <a:xfrm>
+              <a:off x="1077905" y="3003017"/>
+              <a:ext cx="441916" cy="276999"/>
+            </a:xfrm>
+            <a:prstGeom prst="rect">
+              <a:avLst/>
+            </a:prstGeom>
+            <a:noFill/>
+          </p:spPr>
+          <p:txBody>
+            <a:bodyPr wrap="none" rtlCol="0">
+              <a:spAutoFit/>
+            </a:bodyPr>
+            <a:lstStyle/>
+            <a:p>
+              <a:r>
+                <a:rPr lang="en-US" altLang="ko-KR" sz="1200" dirty="0"/>
+                <a:t>you</a:t>
+              </a:r>
+              <a:endParaRPr lang="ko-KR" altLang="en-US" sz="1200" dirty="0"/>
+            </a:p>
+          </p:txBody>
+        </p:sp>
+        <p:sp>
+          <p:nvSpPr>
+            <p:cNvPr id="160" name="TextBox 159">
+              <a:extLst>
+                <a:ext uri="{FF2B5EF4-FFF2-40B4-BE49-F238E27FC236}">
+                  <a16:creationId xmlns:a16="http://schemas.microsoft.com/office/drawing/2014/main" id="{437ACB36-D084-490A-8A0D-97C603D4621D}"/>
+                </a:ext>
+              </a:extLst>
+            </p:cNvPr>
+            <p:cNvSpPr txBox="1"/>
+            <p:nvPr/>
+          </p:nvSpPr>
+          <p:spPr>
+            <a:xfrm>
+              <a:off x="1134234" y="3708214"/>
+              <a:ext cx="329257" cy="276999"/>
+            </a:xfrm>
+            <a:prstGeom prst="rect">
+              <a:avLst/>
+            </a:prstGeom>
+            <a:noFill/>
+          </p:spPr>
+          <p:txBody>
+            <a:bodyPr wrap="none" rtlCol="0">
+              <a:spAutoFit/>
+            </a:bodyPr>
+            <a:lstStyle/>
+            <a:p>
+              <a:r>
+                <a:rPr lang="en-US" altLang="ko-KR" sz="1200" dirty="0"/>
+                <a:t>to</a:t>
+              </a:r>
+              <a:endParaRPr lang="ko-KR" altLang="en-US" sz="1200" dirty="0"/>
+            </a:p>
+          </p:txBody>
+        </p:sp>
+        <p:sp>
+          <p:nvSpPr>
+            <p:cNvPr id="161" name="TextBox 160">
+              <a:extLst>
+                <a:ext uri="{FF2B5EF4-FFF2-40B4-BE49-F238E27FC236}">
+                  <a16:creationId xmlns:a16="http://schemas.microsoft.com/office/drawing/2014/main" id="{0C3FFC35-0D4B-4C5D-8D4C-D149C125C0FB}"/>
+                </a:ext>
+              </a:extLst>
+            </p:cNvPr>
+            <p:cNvSpPr txBox="1"/>
+            <p:nvPr/>
+          </p:nvSpPr>
+          <p:spPr>
+            <a:xfrm>
+              <a:off x="1119443" y="4413411"/>
+              <a:ext cx="370614" cy="276999"/>
+            </a:xfrm>
+            <a:prstGeom prst="rect">
+              <a:avLst/>
+            </a:prstGeom>
+            <a:noFill/>
+          </p:spPr>
+          <p:txBody>
+            <a:bodyPr wrap="none" rtlCol="0">
+              <a:spAutoFit/>
+            </a:bodyPr>
+            <a:lstStyle/>
+            <a:p>
+              <a:r>
+                <a:rPr lang="en-US" altLang="ko-KR" sz="1200" dirty="0"/>
+                <a:t>go</a:t>
+              </a:r>
+              <a:endParaRPr lang="ko-KR" altLang="en-US" sz="1200" dirty="0"/>
+            </a:p>
+          </p:txBody>
+        </p:sp>
+        <p:sp>
+          <p:nvSpPr>
+            <p:cNvPr id="162" name="TextBox 161">
+              <a:extLst>
+                <a:ext uri="{FF2B5EF4-FFF2-40B4-BE49-F238E27FC236}">
+                  <a16:creationId xmlns:a16="http://schemas.microsoft.com/office/drawing/2014/main" id="{50F9DF5E-57DD-48E4-AD9E-E7E6BAE18022}"/>
+                </a:ext>
+              </a:extLst>
+            </p:cNvPr>
+            <p:cNvSpPr txBox="1"/>
+            <p:nvPr/>
+          </p:nvSpPr>
+          <p:spPr>
+            <a:xfrm>
+              <a:off x="1109293" y="5118608"/>
+              <a:ext cx="399468" cy="276999"/>
+            </a:xfrm>
+            <a:prstGeom prst="rect">
+              <a:avLst/>
+            </a:prstGeom>
+            <a:noFill/>
+          </p:spPr>
+          <p:txBody>
+            <a:bodyPr wrap="none" rtlCol="0">
+              <a:spAutoFit/>
+            </a:bodyPr>
+            <a:lstStyle/>
+            <a:p>
+              <a:r>
+                <a:rPr lang="en-US" altLang="ko-KR" sz="1200" dirty="0"/>
+                <a:t>eat</a:t>
+              </a:r>
+              <a:endParaRPr lang="ko-KR" altLang="en-US" sz="1200" dirty="0"/>
+            </a:p>
+          </p:txBody>
+        </p:sp>
+        <p:sp>
+          <p:nvSpPr>
+            <p:cNvPr id="163" name="TextBox 162">
+              <a:extLst>
+                <a:ext uri="{FF2B5EF4-FFF2-40B4-BE49-F238E27FC236}">
+                  <a16:creationId xmlns:a16="http://schemas.microsoft.com/office/drawing/2014/main" id="{679B79ED-DE06-4E3A-8F0D-8FAA4D92FE76}"/>
+                </a:ext>
+              </a:extLst>
+            </p:cNvPr>
+            <p:cNvSpPr txBox="1"/>
+            <p:nvPr/>
+          </p:nvSpPr>
+          <p:spPr>
+            <a:xfrm>
+              <a:off x="1076986" y="5832074"/>
+              <a:ext cx="460382" cy="276999"/>
+            </a:xfrm>
+            <a:prstGeom prst="rect">
+              <a:avLst/>
+            </a:prstGeom>
+            <a:noFill/>
+          </p:spPr>
+          <p:txBody>
+            <a:bodyPr wrap="none" rtlCol="0">
+              <a:spAutoFit/>
+            </a:bodyPr>
+            <a:lstStyle/>
+            <a:p>
+              <a:r>
+                <a:rPr lang="en-US" altLang="ko-KR" sz="1200" dirty="0"/>
+                <a:t>EOF</a:t>
+              </a:r>
+              <a:endParaRPr lang="ko-KR" altLang="en-US" sz="1200" dirty="0"/>
+            </a:p>
+          </p:txBody>
+        </p:sp>
+        <p:sp>
+          <p:nvSpPr>
+            <p:cNvPr id="148" name="타원 147">
+              <a:extLst>
+                <a:ext uri="{FF2B5EF4-FFF2-40B4-BE49-F238E27FC236}">
+                  <a16:creationId xmlns:a16="http://schemas.microsoft.com/office/drawing/2014/main" id="{1EAF832E-FEDE-4B8B-89B0-27F67FF0BC29}"/>
+                </a:ext>
+              </a:extLst>
+            </p:cNvPr>
+            <p:cNvSpPr/>
+            <p:nvPr/>
+          </p:nvSpPr>
+          <p:spPr>
+            <a:xfrm>
+              <a:off x="1097280" y="824342"/>
+              <a:ext cx="403168" cy="403168"/>
+            </a:xfrm>
+            <a:prstGeom prst="ellipse">
+              <a:avLst/>
+            </a:prstGeom>
+            <a:noFill/>
+          </p:spPr>
+          <p:style>
+            <a:lnRef idx="2">
+              <a:schemeClr val="dk1"/>
+            </a:lnRef>
+            <a:fillRef idx="1">
+              <a:schemeClr val="lt1"/>
+            </a:fillRef>
+            <a:effectRef idx="0">
+              <a:schemeClr val="dk1"/>
+            </a:effectRef>
+            <a:fontRef idx="minor">
+              <a:schemeClr val="dk1"/>
+            </a:fontRef>
+          </p:style>
+          <p:txBody>
+            <a:bodyPr rtlCol="0" anchor="ctr"/>
+            <a:lstStyle/>
+            <a:p>
+              <a:pPr algn="ctr"/>
+              <a:endParaRPr lang="ko-KR" altLang="en-US" sz="800" dirty="0"/>
+            </a:p>
+          </p:txBody>
+        </p:sp>
+        <p:sp>
+          <p:nvSpPr>
+            <p:cNvPr id="156" name="타원 155">
+              <a:extLst>
+                <a:ext uri="{FF2B5EF4-FFF2-40B4-BE49-F238E27FC236}">
+                  <a16:creationId xmlns:a16="http://schemas.microsoft.com/office/drawing/2014/main" id="{22ECCEEF-5257-4F46-915C-F023B2C75C66}"/>
+                </a:ext>
+              </a:extLst>
+            </p:cNvPr>
+            <p:cNvSpPr/>
+            <p:nvPr/>
+          </p:nvSpPr>
+          <p:spPr>
+            <a:xfrm>
+              <a:off x="1105593" y="5760721"/>
+              <a:ext cx="403168" cy="403168"/>
+            </a:xfrm>
+            <a:prstGeom prst="ellipse">
+              <a:avLst/>
+            </a:prstGeom>
+            <a:noFill/>
+          </p:spPr>
+          <p:style>
+            <a:lnRef idx="2">
+              <a:schemeClr val="dk1"/>
+            </a:lnRef>
+            <a:fillRef idx="1">
+              <a:schemeClr val="lt1"/>
+            </a:fillRef>
+            <a:effectRef idx="0">
+              <a:schemeClr val="dk1"/>
+            </a:effectRef>
+            <a:fontRef idx="minor">
+              <a:schemeClr val="dk1"/>
+            </a:fontRef>
+          </p:style>
+          <p:txBody>
+            <a:bodyPr rtlCol="0" anchor="ctr"/>
+            <a:lstStyle/>
+            <a:p>
+              <a:pPr algn="ctr"/>
+              <a:endParaRPr lang="ko-KR" altLang="en-US" sz="800" dirty="0"/>
+            </a:p>
+          </p:txBody>
+        </p:sp>
+        <p:sp>
+          <p:nvSpPr>
+            <p:cNvPr id="151" name="타원 150">
+              <a:extLst>
+                <a:ext uri="{FF2B5EF4-FFF2-40B4-BE49-F238E27FC236}">
+                  <a16:creationId xmlns:a16="http://schemas.microsoft.com/office/drawing/2014/main" id="{41A18765-F20A-4CCA-BA51-B2B3137BA87D}"/>
+                </a:ext>
+              </a:extLst>
+            </p:cNvPr>
+            <p:cNvSpPr/>
+            <p:nvPr/>
+          </p:nvSpPr>
+          <p:spPr>
+            <a:xfrm>
+              <a:off x="1097280" y="2234736"/>
+              <a:ext cx="403168" cy="403168"/>
+            </a:xfrm>
+            <a:prstGeom prst="ellipse">
+              <a:avLst/>
+            </a:prstGeom>
+            <a:noFill/>
+          </p:spPr>
+          <p:style>
+            <a:lnRef idx="2">
+              <a:schemeClr val="dk1"/>
+            </a:lnRef>
+            <a:fillRef idx="1">
+              <a:schemeClr val="lt1"/>
+            </a:fillRef>
+            <a:effectRef idx="0">
+              <a:schemeClr val="dk1"/>
+            </a:effectRef>
+            <a:fontRef idx="minor">
+              <a:schemeClr val="dk1"/>
+            </a:fontRef>
+          </p:style>
+          <p:txBody>
+            <a:bodyPr rtlCol="0" anchor="ctr"/>
+            <a:lstStyle/>
+            <a:p>
+              <a:pPr algn="ctr"/>
+              <a:endParaRPr lang="ko-KR" altLang="en-US" sz="800" dirty="0"/>
+            </a:p>
+          </p:txBody>
+        </p:sp>
+      </p:grpSp>
+      <p:grpSp>
+        <p:nvGrpSpPr>
+          <p:cNvPr id="170" name="그룹 169">
+            <a:extLst>
+              <a:ext uri="{FF2B5EF4-FFF2-40B4-BE49-F238E27FC236}">
+                <a16:creationId xmlns:a16="http://schemas.microsoft.com/office/drawing/2014/main" id="{6C9BD9DA-B51B-40DA-BFB1-89B6E4F67675}"/>
+              </a:ext>
+            </a:extLst>
+          </p:cNvPr>
+          <p:cNvGrpSpPr/>
+          <p:nvPr/>
+        </p:nvGrpSpPr>
+        <p:grpSpPr>
+          <a:xfrm>
+            <a:off x="8843133" y="196731"/>
+            <a:ext cx="638316" cy="6589231"/>
+            <a:chOff x="979706" y="199500"/>
+            <a:chExt cx="638316" cy="6589231"/>
+          </a:xfrm>
+        </p:grpSpPr>
+        <p:grpSp>
+          <p:nvGrpSpPr>
+            <p:cNvPr id="171" name="그룹 170">
+              <a:extLst>
+                <a:ext uri="{FF2B5EF4-FFF2-40B4-BE49-F238E27FC236}">
+                  <a16:creationId xmlns:a16="http://schemas.microsoft.com/office/drawing/2014/main" id="{0B600C14-F626-430D-AEA8-91AD36663CC2}"/>
+                </a:ext>
+              </a:extLst>
+            </p:cNvPr>
+            <p:cNvGrpSpPr/>
+            <p:nvPr/>
+          </p:nvGrpSpPr>
+          <p:grpSpPr>
+            <a:xfrm>
+              <a:off x="1269770" y="199500"/>
+              <a:ext cx="74814" cy="322813"/>
+              <a:chOff x="2227811" y="1152696"/>
+              <a:chExt cx="74814" cy="322813"/>
+            </a:xfrm>
+          </p:grpSpPr>
+          <p:sp>
+            <p:nvSpPr>
+              <p:cNvPr id="192" name="타원 191">
+                <a:extLst>
+                  <a:ext uri="{FF2B5EF4-FFF2-40B4-BE49-F238E27FC236}">
+                    <a16:creationId xmlns:a16="http://schemas.microsoft.com/office/drawing/2014/main" id="{56FE7DB7-FB78-4C3D-BEF7-25B485E399BE}"/>
+                  </a:ext>
+                </a:extLst>
+              </p:cNvPr>
+              <p:cNvSpPr/>
+              <p:nvPr/>
+            </p:nvSpPr>
+            <p:spPr>
+              <a:xfrm>
+                <a:off x="2227811" y="1400695"/>
+                <a:ext cx="74814" cy="74814"/>
+              </a:xfrm>
+              <a:prstGeom prst="ellipse">
+                <a:avLst/>
+              </a:prstGeom>
+            </p:spPr>
+            <p:style>
+              <a:lnRef idx="2">
+                <a:schemeClr val="dk1"/>
+              </a:lnRef>
+              <a:fillRef idx="1">
+                <a:schemeClr val="lt1"/>
+              </a:fillRef>
+              <a:effectRef idx="0">
+                <a:schemeClr val="dk1"/>
+              </a:effectRef>
+              <a:fontRef idx="minor">
+                <a:schemeClr val="dk1"/>
+              </a:fontRef>
+            </p:style>
+            <p:txBody>
+              <a:bodyPr rtlCol="0" anchor="ctr"/>
+              <a:lstStyle/>
+              <a:p>
+                <a:pPr algn="ctr"/>
+                <a:endParaRPr lang="ko-KR" altLang="en-US" sz="800"/>
+              </a:p>
+            </p:txBody>
+          </p:sp>
+          <p:sp>
+            <p:nvSpPr>
+              <p:cNvPr id="193" name="타원 192">
+                <a:extLst>
+                  <a:ext uri="{FF2B5EF4-FFF2-40B4-BE49-F238E27FC236}">
+                    <a16:creationId xmlns:a16="http://schemas.microsoft.com/office/drawing/2014/main" id="{B14195DC-BDE7-4118-AA8D-6BA42D0A04CC}"/>
+                  </a:ext>
+                </a:extLst>
+              </p:cNvPr>
+              <p:cNvSpPr/>
+              <p:nvPr/>
+            </p:nvSpPr>
+            <p:spPr>
+              <a:xfrm>
+                <a:off x="2227811" y="1278776"/>
+                <a:ext cx="74814" cy="74814"/>
+              </a:xfrm>
+              <a:prstGeom prst="ellipse">
+                <a:avLst/>
+              </a:prstGeom>
+            </p:spPr>
+            <p:style>
+              <a:lnRef idx="2">
+                <a:schemeClr val="dk1"/>
+              </a:lnRef>
+              <a:fillRef idx="1">
+                <a:schemeClr val="lt1"/>
+              </a:fillRef>
+              <a:effectRef idx="0">
+                <a:schemeClr val="dk1"/>
+              </a:effectRef>
+              <a:fontRef idx="minor">
+                <a:schemeClr val="dk1"/>
+              </a:fontRef>
+            </p:style>
+            <p:txBody>
+              <a:bodyPr rtlCol="0" anchor="ctr"/>
+              <a:lstStyle/>
+              <a:p>
+                <a:pPr algn="ctr"/>
+                <a:endParaRPr lang="ko-KR" altLang="en-US" sz="800"/>
+              </a:p>
+            </p:txBody>
+          </p:sp>
+          <p:sp>
+            <p:nvSpPr>
+              <p:cNvPr id="194" name="타원 193">
+                <a:extLst>
+                  <a:ext uri="{FF2B5EF4-FFF2-40B4-BE49-F238E27FC236}">
+                    <a16:creationId xmlns:a16="http://schemas.microsoft.com/office/drawing/2014/main" id="{87E1E068-7395-477D-A02C-DEE5423ABC92}"/>
+                  </a:ext>
+                </a:extLst>
+              </p:cNvPr>
+              <p:cNvSpPr/>
+              <p:nvPr/>
+            </p:nvSpPr>
+            <p:spPr>
+              <a:xfrm>
+                <a:off x="2227811" y="1152696"/>
+                <a:ext cx="74814" cy="74814"/>
+              </a:xfrm>
+              <a:prstGeom prst="ellipse">
+                <a:avLst/>
+              </a:prstGeom>
+            </p:spPr>
+            <p:style>
+              <a:lnRef idx="2">
+                <a:schemeClr val="dk1"/>
+              </a:lnRef>
+              <a:fillRef idx="1">
+                <a:schemeClr val="lt1"/>
+              </a:fillRef>
+              <a:effectRef idx="0">
+                <a:schemeClr val="dk1"/>
+              </a:effectRef>
+              <a:fontRef idx="minor">
+                <a:schemeClr val="dk1"/>
+              </a:fontRef>
+            </p:style>
+            <p:txBody>
+              <a:bodyPr rtlCol="0" anchor="ctr"/>
+              <a:lstStyle/>
+              <a:p>
+                <a:pPr algn="ctr"/>
+                <a:endParaRPr lang="ko-KR" altLang="en-US" sz="800"/>
+              </a:p>
+            </p:txBody>
+          </p:sp>
+        </p:grpSp>
+        <p:grpSp>
+          <p:nvGrpSpPr>
+            <p:cNvPr id="172" name="그룹 171">
+              <a:extLst>
+                <a:ext uri="{FF2B5EF4-FFF2-40B4-BE49-F238E27FC236}">
+                  <a16:creationId xmlns:a16="http://schemas.microsoft.com/office/drawing/2014/main" id="{EA18412C-1F51-4489-B382-E313D9F581A6}"/>
+                </a:ext>
+              </a:extLst>
+            </p:cNvPr>
+            <p:cNvGrpSpPr/>
+            <p:nvPr/>
+          </p:nvGrpSpPr>
+          <p:grpSpPr>
+            <a:xfrm>
+              <a:off x="1261457" y="6465918"/>
+              <a:ext cx="74814" cy="322813"/>
+              <a:chOff x="2227811" y="1152696"/>
+              <a:chExt cx="74814" cy="322813"/>
+            </a:xfrm>
+          </p:grpSpPr>
+          <p:sp>
+            <p:nvSpPr>
+              <p:cNvPr id="189" name="타원 188">
+                <a:extLst>
+                  <a:ext uri="{FF2B5EF4-FFF2-40B4-BE49-F238E27FC236}">
+                    <a16:creationId xmlns:a16="http://schemas.microsoft.com/office/drawing/2014/main" id="{083C1FEC-A82C-40C5-B8F3-BAA0A94E7F9E}"/>
+                  </a:ext>
+                </a:extLst>
+              </p:cNvPr>
+              <p:cNvSpPr/>
+              <p:nvPr/>
+            </p:nvSpPr>
+            <p:spPr>
+              <a:xfrm>
+                <a:off x="2227811" y="1400695"/>
+                <a:ext cx="74814" cy="74814"/>
+              </a:xfrm>
+              <a:prstGeom prst="ellipse">
+                <a:avLst/>
+              </a:prstGeom>
+            </p:spPr>
+            <p:style>
+              <a:lnRef idx="2">
+                <a:schemeClr val="dk1"/>
+              </a:lnRef>
+              <a:fillRef idx="1">
+                <a:schemeClr val="lt1"/>
+              </a:fillRef>
+              <a:effectRef idx="0">
+                <a:schemeClr val="dk1"/>
+              </a:effectRef>
+              <a:fontRef idx="minor">
+                <a:schemeClr val="dk1"/>
+              </a:fontRef>
+            </p:style>
+            <p:txBody>
+              <a:bodyPr rtlCol="0" anchor="ctr"/>
+              <a:lstStyle/>
+              <a:p>
+                <a:pPr algn="ctr"/>
+                <a:endParaRPr lang="ko-KR" altLang="en-US" sz="800"/>
+              </a:p>
+            </p:txBody>
+          </p:sp>
+          <p:sp>
+            <p:nvSpPr>
+              <p:cNvPr id="190" name="타원 189">
+                <a:extLst>
+                  <a:ext uri="{FF2B5EF4-FFF2-40B4-BE49-F238E27FC236}">
+                    <a16:creationId xmlns:a16="http://schemas.microsoft.com/office/drawing/2014/main" id="{249361BE-599E-417F-AA59-BDC36CA21F6C}"/>
+                  </a:ext>
+                </a:extLst>
+              </p:cNvPr>
+              <p:cNvSpPr/>
+              <p:nvPr/>
+            </p:nvSpPr>
+            <p:spPr>
+              <a:xfrm>
+                <a:off x="2227811" y="1278776"/>
+                <a:ext cx="74814" cy="74814"/>
+              </a:xfrm>
+              <a:prstGeom prst="ellipse">
+                <a:avLst/>
+              </a:prstGeom>
+            </p:spPr>
+            <p:style>
+              <a:lnRef idx="2">
+                <a:schemeClr val="dk1"/>
+              </a:lnRef>
+              <a:fillRef idx="1">
+                <a:schemeClr val="lt1"/>
+              </a:fillRef>
+              <a:effectRef idx="0">
+                <a:schemeClr val="dk1"/>
+              </a:effectRef>
+              <a:fontRef idx="minor">
+                <a:schemeClr val="dk1"/>
+              </a:fontRef>
+            </p:style>
+            <p:txBody>
+              <a:bodyPr rtlCol="0" anchor="ctr"/>
+              <a:lstStyle/>
+              <a:p>
+                <a:pPr algn="ctr"/>
+                <a:endParaRPr lang="ko-KR" altLang="en-US" sz="800"/>
+              </a:p>
+            </p:txBody>
+          </p:sp>
+          <p:sp>
+            <p:nvSpPr>
+              <p:cNvPr id="191" name="타원 190">
+                <a:extLst>
+                  <a:ext uri="{FF2B5EF4-FFF2-40B4-BE49-F238E27FC236}">
+                    <a16:creationId xmlns:a16="http://schemas.microsoft.com/office/drawing/2014/main" id="{27A291B2-9660-47EA-BA30-7F77D18249EC}"/>
+                  </a:ext>
+                </a:extLst>
+              </p:cNvPr>
+              <p:cNvSpPr/>
+              <p:nvPr/>
+            </p:nvSpPr>
+            <p:spPr>
+              <a:xfrm>
+                <a:off x="2227811" y="1152696"/>
+                <a:ext cx="74814" cy="74814"/>
+              </a:xfrm>
+              <a:prstGeom prst="ellipse">
+                <a:avLst/>
+              </a:prstGeom>
+            </p:spPr>
+            <p:style>
+              <a:lnRef idx="2">
+                <a:schemeClr val="dk1"/>
+              </a:lnRef>
+              <a:fillRef idx="1">
+                <a:schemeClr val="lt1"/>
+              </a:fillRef>
+              <a:effectRef idx="0">
+                <a:schemeClr val="dk1"/>
+              </a:effectRef>
+              <a:fontRef idx="minor">
+                <a:schemeClr val="dk1"/>
+              </a:fontRef>
+            </p:style>
+            <p:txBody>
+              <a:bodyPr rtlCol="0" anchor="ctr"/>
+              <a:lstStyle/>
+              <a:p>
+                <a:pPr algn="ctr"/>
+                <a:endParaRPr lang="ko-KR" altLang="en-US" sz="800"/>
+              </a:p>
+            </p:txBody>
+          </p:sp>
+        </p:grpSp>
+        <p:sp>
+          <p:nvSpPr>
+            <p:cNvPr id="173" name="타원 172">
+              <a:extLst>
+                <a:ext uri="{FF2B5EF4-FFF2-40B4-BE49-F238E27FC236}">
+                  <a16:creationId xmlns:a16="http://schemas.microsoft.com/office/drawing/2014/main" id="{C0640EB6-69A1-4138-B39B-47CA789430DE}"/>
+                </a:ext>
+              </a:extLst>
+            </p:cNvPr>
+            <p:cNvSpPr/>
+            <p:nvPr/>
+          </p:nvSpPr>
+          <p:spPr>
+            <a:xfrm>
+              <a:off x="1097280" y="824342"/>
+              <a:ext cx="403168" cy="403168"/>
+            </a:xfrm>
+            <a:prstGeom prst="ellipse">
+              <a:avLst/>
+            </a:prstGeom>
+          </p:spPr>
+          <p:style>
+            <a:lnRef idx="2">
+              <a:schemeClr val="dk1"/>
+            </a:lnRef>
+            <a:fillRef idx="1">
+              <a:schemeClr val="lt1"/>
+            </a:fillRef>
+            <a:effectRef idx="0">
+              <a:schemeClr val="dk1"/>
+            </a:effectRef>
+            <a:fontRef idx="minor">
+              <a:schemeClr val="dk1"/>
+            </a:fontRef>
+          </p:style>
+          <p:txBody>
+            <a:bodyPr rtlCol="0" anchor="ctr"/>
+            <a:lstStyle/>
+            <a:p>
+              <a:pPr algn="ctr"/>
+              <a:endParaRPr lang="ko-KR" altLang="en-US" sz="800" dirty="0"/>
+            </a:p>
+          </p:txBody>
+        </p:sp>
+        <p:sp>
+          <p:nvSpPr>
+            <p:cNvPr id="174" name="TextBox 173">
+              <a:extLst>
+                <a:ext uri="{FF2B5EF4-FFF2-40B4-BE49-F238E27FC236}">
+                  <a16:creationId xmlns:a16="http://schemas.microsoft.com/office/drawing/2014/main" id="{A3DAE0FE-C8B1-4957-AF4D-77348EA56FF1}"/>
+                </a:ext>
+              </a:extLst>
+            </p:cNvPr>
+            <p:cNvSpPr txBox="1"/>
+            <p:nvPr/>
+          </p:nvSpPr>
+          <p:spPr>
+            <a:xfrm>
+              <a:off x="979706" y="887426"/>
+              <a:ext cx="638316" cy="276999"/>
+            </a:xfrm>
+            <a:prstGeom prst="rect">
+              <a:avLst/>
+            </a:prstGeom>
+            <a:noFill/>
+          </p:spPr>
+          <p:txBody>
+            <a:bodyPr wrap="none" rtlCol="0">
+              <a:spAutoFit/>
+            </a:bodyPr>
+            <a:lstStyle/>
+            <a:p>
+              <a:r>
+                <a:rPr lang="en-US" altLang="ko-KR" sz="1200" dirty="0"/>
+                <a:t>school</a:t>
+              </a:r>
+              <a:endParaRPr lang="ko-KR" altLang="en-US" sz="1200" dirty="0"/>
+            </a:p>
+          </p:txBody>
+        </p:sp>
+        <p:sp>
+          <p:nvSpPr>
+            <p:cNvPr id="175" name="타원 174">
+              <a:extLst>
+                <a:ext uri="{FF2B5EF4-FFF2-40B4-BE49-F238E27FC236}">
+                  <a16:creationId xmlns:a16="http://schemas.microsoft.com/office/drawing/2014/main" id="{DEC17566-3ECD-4889-AADE-61F2E4C31F2B}"/>
+                </a:ext>
+              </a:extLst>
+            </p:cNvPr>
+            <p:cNvSpPr/>
+            <p:nvPr/>
+          </p:nvSpPr>
+          <p:spPr>
+            <a:xfrm>
+              <a:off x="1097280" y="1529539"/>
+              <a:ext cx="403168" cy="403168"/>
+            </a:xfrm>
+            <a:prstGeom prst="ellipse">
+              <a:avLst/>
+            </a:prstGeom>
+          </p:spPr>
+          <p:style>
+            <a:lnRef idx="2">
+              <a:schemeClr val="dk1"/>
+            </a:lnRef>
+            <a:fillRef idx="1">
+              <a:schemeClr val="lt1"/>
+            </a:fillRef>
+            <a:effectRef idx="0">
+              <a:schemeClr val="dk1"/>
+            </a:effectRef>
+            <a:fontRef idx="minor">
+              <a:schemeClr val="dk1"/>
+            </a:fontRef>
+          </p:style>
+          <p:txBody>
+            <a:bodyPr rtlCol="0" anchor="ctr"/>
+            <a:lstStyle/>
+            <a:p>
+              <a:pPr algn="ctr"/>
+              <a:endParaRPr lang="ko-KR" altLang="en-US" sz="800" dirty="0"/>
+            </a:p>
+          </p:txBody>
+        </p:sp>
+        <p:sp>
+          <p:nvSpPr>
+            <p:cNvPr id="176" name="타원 175">
+              <a:extLst>
+                <a:ext uri="{FF2B5EF4-FFF2-40B4-BE49-F238E27FC236}">
+                  <a16:creationId xmlns:a16="http://schemas.microsoft.com/office/drawing/2014/main" id="{4BA6E39B-D995-4E5E-A5AB-FC3547A3051E}"/>
+                </a:ext>
+              </a:extLst>
+            </p:cNvPr>
+            <p:cNvSpPr/>
+            <p:nvPr/>
+          </p:nvSpPr>
+          <p:spPr>
+            <a:xfrm>
+              <a:off x="1097280" y="2234736"/>
+              <a:ext cx="403168" cy="403168"/>
+            </a:xfrm>
+            <a:prstGeom prst="ellipse">
+              <a:avLst/>
+            </a:prstGeom>
+          </p:spPr>
+          <p:style>
+            <a:lnRef idx="2">
+              <a:schemeClr val="dk1"/>
+            </a:lnRef>
+            <a:fillRef idx="1">
+              <a:schemeClr val="lt1"/>
+            </a:fillRef>
+            <a:effectRef idx="0">
+              <a:schemeClr val="dk1"/>
+            </a:effectRef>
+            <a:fontRef idx="minor">
+              <a:schemeClr val="dk1"/>
+            </a:fontRef>
+          </p:style>
+          <p:txBody>
+            <a:bodyPr rtlCol="0" anchor="ctr"/>
+            <a:lstStyle/>
+            <a:p>
+              <a:pPr algn="ctr"/>
+              <a:endParaRPr lang="ko-KR" altLang="en-US" sz="800" dirty="0"/>
+            </a:p>
+          </p:txBody>
+        </p:sp>
+        <p:sp>
+          <p:nvSpPr>
+            <p:cNvPr id="177" name="타원 176">
+              <a:extLst>
+                <a:ext uri="{FF2B5EF4-FFF2-40B4-BE49-F238E27FC236}">
+                  <a16:creationId xmlns:a16="http://schemas.microsoft.com/office/drawing/2014/main" id="{DF9A87E0-5C6A-4E24-8E07-5FC4C62AC0FD}"/>
+                </a:ext>
+              </a:extLst>
+            </p:cNvPr>
+            <p:cNvSpPr/>
+            <p:nvPr/>
+          </p:nvSpPr>
+          <p:spPr>
+            <a:xfrm>
+              <a:off x="1105593" y="2939933"/>
+              <a:ext cx="403168" cy="403168"/>
+            </a:xfrm>
+            <a:prstGeom prst="ellipse">
+              <a:avLst/>
+            </a:prstGeom>
+          </p:spPr>
+          <p:style>
+            <a:lnRef idx="2">
+              <a:schemeClr val="dk1"/>
+            </a:lnRef>
+            <a:fillRef idx="1">
+              <a:schemeClr val="lt1"/>
+            </a:fillRef>
+            <a:effectRef idx="0">
+              <a:schemeClr val="dk1"/>
+            </a:effectRef>
+            <a:fontRef idx="minor">
+              <a:schemeClr val="dk1"/>
+            </a:fontRef>
+          </p:style>
+          <p:txBody>
+            <a:bodyPr rtlCol="0" anchor="ctr"/>
+            <a:lstStyle/>
+            <a:p>
+              <a:pPr algn="ctr"/>
+              <a:endParaRPr lang="ko-KR" altLang="en-US" sz="800" dirty="0"/>
+            </a:p>
+          </p:txBody>
+        </p:sp>
+        <p:sp>
+          <p:nvSpPr>
+            <p:cNvPr id="178" name="타원 177">
+              <a:extLst>
+                <a:ext uri="{FF2B5EF4-FFF2-40B4-BE49-F238E27FC236}">
+                  <a16:creationId xmlns:a16="http://schemas.microsoft.com/office/drawing/2014/main" id="{A438B08C-B0C5-4E8E-9868-E171DD511DC6}"/>
+                </a:ext>
+              </a:extLst>
+            </p:cNvPr>
+            <p:cNvSpPr/>
+            <p:nvPr/>
+          </p:nvSpPr>
+          <p:spPr>
+            <a:xfrm>
+              <a:off x="1097280" y="3645130"/>
+              <a:ext cx="403168" cy="403168"/>
+            </a:xfrm>
+            <a:prstGeom prst="ellipse">
+              <a:avLst/>
+            </a:prstGeom>
+          </p:spPr>
+          <p:style>
+            <a:lnRef idx="2">
+              <a:schemeClr val="dk1"/>
+            </a:lnRef>
+            <a:fillRef idx="1">
+              <a:schemeClr val="lt1"/>
+            </a:fillRef>
+            <a:effectRef idx="0">
+              <a:schemeClr val="dk1"/>
+            </a:effectRef>
+            <a:fontRef idx="minor">
+              <a:schemeClr val="dk1"/>
+            </a:fontRef>
+          </p:style>
+          <p:txBody>
+            <a:bodyPr rtlCol="0" anchor="ctr"/>
+            <a:lstStyle/>
+            <a:p>
+              <a:pPr algn="ctr"/>
+              <a:endParaRPr lang="ko-KR" altLang="en-US" sz="800" dirty="0"/>
+            </a:p>
+          </p:txBody>
+        </p:sp>
+        <p:sp>
+          <p:nvSpPr>
+            <p:cNvPr id="179" name="타원 178">
+              <a:extLst>
+                <a:ext uri="{FF2B5EF4-FFF2-40B4-BE49-F238E27FC236}">
+                  <a16:creationId xmlns:a16="http://schemas.microsoft.com/office/drawing/2014/main" id="{40D03462-E6E6-4BBD-BDC5-72D7A975BA3E}"/>
+                </a:ext>
+              </a:extLst>
+            </p:cNvPr>
+            <p:cNvSpPr/>
+            <p:nvPr/>
+          </p:nvSpPr>
+          <p:spPr>
+            <a:xfrm>
+              <a:off x="1105593" y="4350327"/>
+              <a:ext cx="403168" cy="403168"/>
+            </a:xfrm>
+            <a:prstGeom prst="ellipse">
+              <a:avLst/>
+            </a:prstGeom>
+          </p:spPr>
+          <p:style>
+            <a:lnRef idx="2">
+              <a:schemeClr val="dk1"/>
+            </a:lnRef>
+            <a:fillRef idx="1">
+              <a:schemeClr val="lt1"/>
+            </a:fillRef>
+            <a:effectRef idx="0">
+              <a:schemeClr val="dk1"/>
+            </a:effectRef>
+            <a:fontRef idx="minor">
+              <a:schemeClr val="dk1"/>
+            </a:fontRef>
+          </p:style>
+          <p:txBody>
+            <a:bodyPr rtlCol="0" anchor="ctr"/>
+            <a:lstStyle/>
+            <a:p>
+              <a:pPr algn="ctr"/>
+              <a:endParaRPr lang="ko-KR" altLang="en-US" sz="800" dirty="0"/>
+            </a:p>
+          </p:txBody>
+        </p:sp>
+        <p:sp>
+          <p:nvSpPr>
+            <p:cNvPr id="180" name="타원 179">
+              <a:extLst>
+                <a:ext uri="{FF2B5EF4-FFF2-40B4-BE49-F238E27FC236}">
+                  <a16:creationId xmlns:a16="http://schemas.microsoft.com/office/drawing/2014/main" id="{48B027A3-A207-4738-B1BD-B69A9E6B38DF}"/>
+                </a:ext>
+              </a:extLst>
+            </p:cNvPr>
+            <p:cNvSpPr/>
+            <p:nvPr/>
+          </p:nvSpPr>
+          <p:spPr>
+            <a:xfrm>
+              <a:off x="1105593" y="5055524"/>
+              <a:ext cx="403168" cy="403168"/>
+            </a:xfrm>
+            <a:prstGeom prst="ellipse">
+              <a:avLst/>
+            </a:prstGeom>
+          </p:spPr>
+          <p:style>
+            <a:lnRef idx="2">
+              <a:schemeClr val="dk1"/>
+            </a:lnRef>
+            <a:fillRef idx="1">
+              <a:schemeClr val="lt1"/>
+            </a:fillRef>
+            <a:effectRef idx="0">
+              <a:schemeClr val="dk1"/>
+            </a:effectRef>
+            <a:fontRef idx="minor">
+              <a:schemeClr val="dk1"/>
+            </a:fontRef>
+          </p:style>
+          <p:txBody>
+            <a:bodyPr rtlCol="0" anchor="ctr"/>
+            <a:lstStyle/>
+            <a:p>
+              <a:pPr algn="ctr"/>
+              <a:endParaRPr lang="ko-KR" altLang="en-US" sz="800" dirty="0"/>
+            </a:p>
+          </p:txBody>
+        </p:sp>
+        <p:sp>
+          <p:nvSpPr>
+            <p:cNvPr id="182" name="TextBox 181">
+              <a:extLst>
+                <a:ext uri="{FF2B5EF4-FFF2-40B4-BE49-F238E27FC236}">
+                  <a16:creationId xmlns:a16="http://schemas.microsoft.com/office/drawing/2014/main" id="{FF484107-2D2C-48AC-8291-FE9705D27A9D}"/>
+                </a:ext>
+              </a:extLst>
+            </p:cNvPr>
+            <p:cNvSpPr txBox="1"/>
+            <p:nvPr/>
+          </p:nvSpPr>
+          <p:spPr>
+            <a:xfrm>
+              <a:off x="1185692" y="1592623"/>
+              <a:ext cx="226344" cy="276999"/>
+            </a:xfrm>
+            <a:prstGeom prst="rect">
+              <a:avLst/>
+            </a:prstGeom>
+            <a:noFill/>
+          </p:spPr>
+          <p:txBody>
+            <a:bodyPr wrap="none" rtlCol="0">
+              <a:spAutoFit/>
+            </a:bodyPr>
+            <a:lstStyle/>
+            <a:p>
+              <a:r>
+                <a:rPr lang="en-US" altLang="ko-KR" sz="1200" dirty="0"/>
+                <a:t>I</a:t>
+              </a:r>
+              <a:endParaRPr lang="ko-KR" altLang="en-US" sz="1200" dirty="0"/>
+            </a:p>
+          </p:txBody>
+        </p:sp>
+        <p:sp>
+          <p:nvSpPr>
+            <p:cNvPr id="183" name="TextBox 182">
+              <a:extLst>
+                <a:ext uri="{FF2B5EF4-FFF2-40B4-BE49-F238E27FC236}">
+                  <a16:creationId xmlns:a16="http://schemas.microsoft.com/office/drawing/2014/main" id="{C652FBFE-2ECA-4E93-B11D-5205E089111B}"/>
+                </a:ext>
+              </a:extLst>
+            </p:cNvPr>
+            <p:cNvSpPr txBox="1"/>
+            <p:nvPr/>
+          </p:nvSpPr>
+          <p:spPr>
+            <a:xfrm>
+              <a:off x="1062741" y="2297820"/>
+              <a:ext cx="472245" cy="276999"/>
+            </a:xfrm>
+            <a:prstGeom prst="rect">
+              <a:avLst/>
+            </a:prstGeom>
+            <a:noFill/>
+          </p:spPr>
+          <p:txBody>
+            <a:bodyPr wrap="none" rtlCol="0">
+              <a:spAutoFit/>
+            </a:bodyPr>
+            <a:lstStyle/>
+            <a:p>
+              <a:r>
+                <a:rPr lang="en-US" altLang="ko-KR" sz="1200" dirty="0"/>
+                <a:t>love</a:t>
+              </a:r>
+              <a:endParaRPr lang="ko-KR" altLang="en-US" sz="1200" dirty="0"/>
+            </a:p>
+          </p:txBody>
+        </p:sp>
+        <p:sp>
+          <p:nvSpPr>
+            <p:cNvPr id="184" name="TextBox 183">
+              <a:extLst>
+                <a:ext uri="{FF2B5EF4-FFF2-40B4-BE49-F238E27FC236}">
+                  <a16:creationId xmlns:a16="http://schemas.microsoft.com/office/drawing/2014/main" id="{6354E50E-8D7C-4382-924B-DA455555EFD9}"/>
+                </a:ext>
+              </a:extLst>
+            </p:cNvPr>
+            <p:cNvSpPr txBox="1"/>
+            <p:nvPr/>
+          </p:nvSpPr>
+          <p:spPr>
+            <a:xfrm>
+              <a:off x="1077905" y="3003017"/>
+              <a:ext cx="441916" cy="276999"/>
+            </a:xfrm>
+            <a:prstGeom prst="rect">
+              <a:avLst/>
+            </a:prstGeom>
+            <a:noFill/>
+          </p:spPr>
+          <p:txBody>
+            <a:bodyPr wrap="none" rtlCol="0">
+              <a:spAutoFit/>
+            </a:bodyPr>
+            <a:lstStyle/>
+            <a:p>
+              <a:r>
+                <a:rPr lang="en-US" altLang="ko-KR" sz="1200" dirty="0"/>
+                <a:t>you</a:t>
+              </a:r>
+              <a:endParaRPr lang="ko-KR" altLang="en-US" sz="1200" dirty="0"/>
+            </a:p>
+          </p:txBody>
+        </p:sp>
+        <p:sp>
+          <p:nvSpPr>
+            <p:cNvPr id="185" name="TextBox 184">
+              <a:extLst>
+                <a:ext uri="{FF2B5EF4-FFF2-40B4-BE49-F238E27FC236}">
+                  <a16:creationId xmlns:a16="http://schemas.microsoft.com/office/drawing/2014/main" id="{C6BA7AB2-81FF-4A47-9616-74D8EFB17C45}"/>
+                </a:ext>
+              </a:extLst>
+            </p:cNvPr>
+            <p:cNvSpPr txBox="1"/>
+            <p:nvPr/>
+          </p:nvSpPr>
+          <p:spPr>
+            <a:xfrm>
+              <a:off x="1134234" y="3708214"/>
+              <a:ext cx="329257" cy="276999"/>
+            </a:xfrm>
+            <a:prstGeom prst="rect">
+              <a:avLst/>
+            </a:prstGeom>
+            <a:noFill/>
+          </p:spPr>
+          <p:txBody>
+            <a:bodyPr wrap="none" rtlCol="0">
+              <a:spAutoFit/>
+            </a:bodyPr>
+            <a:lstStyle/>
+            <a:p>
+              <a:r>
+                <a:rPr lang="en-US" altLang="ko-KR" sz="1200" dirty="0"/>
+                <a:t>to</a:t>
+              </a:r>
+              <a:endParaRPr lang="ko-KR" altLang="en-US" sz="1200" dirty="0"/>
+            </a:p>
+          </p:txBody>
+        </p:sp>
+        <p:sp>
+          <p:nvSpPr>
+            <p:cNvPr id="186" name="TextBox 185">
+              <a:extLst>
+                <a:ext uri="{FF2B5EF4-FFF2-40B4-BE49-F238E27FC236}">
+                  <a16:creationId xmlns:a16="http://schemas.microsoft.com/office/drawing/2014/main" id="{80AA4D85-09B8-43B7-9BC4-80D1F177A6F7}"/>
+                </a:ext>
+              </a:extLst>
+            </p:cNvPr>
+            <p:cNvSpPr txBox="1"/>
+            <p:nvPr/>
+          </p:nvSpPr>
+          <p:spPr>
+            <a:xfrm>
+              <a:off x="1119443" y="4413411"/>
+              <a:ext cx="370614" cy="276999"/>
+            </a:xfrm>
+            <a:prstGeom prst="rect">
+              <a:avLst/>
+            </a:prstGeom>
+            <a:noFill/>
+          </p:spPr>
+          <p:txBody>
+            <a:bodyPr wrap="none" rtlCol="0">
+              <a:spAutoFit/>
+            </a:bodyPr>
+            <a:lstStyle/>
+            <a:p>
+              <a:r>
+                <a:rPr lang="en-US" altLang="ko-KR" sz="1200" dirty="0"/>
+                <a:t>go</a:t>
+              </a:r>
+              <a:endParaRPr lang="ko-KR" altLang="en-US" sz="1200" dirty="0"/>
+            </a:p>
+          </p:txBody>
+        </p:sp>
+        <p:sp>
+          <p:nvSpPr>
+            <p:cNvPr id="187" name="TextBox 186">
+              <a:extLst>
+                <a:ext uri="{FF2B5EF4-FFF2-40B4-BE49-F238E27FC236}">
+                  <a16:creationId xmlns:a16="http://schemas.microsoft.com/office/drawing/2014/main" id="{510C5236-4C1A-4153-A525-6BC600AEC120}"/>
+                </a:ext>
+              </a:extLst>
+            </p:cNvPr>
+            <p:cNvSpPr txBox="1"/>
+            <p:nvPr/>
+          </p:nvSpPr>
+          <p:spPr>
+            <a:xfrm>
+              <a:off x="1109293" y="5118608"/>
+              <a:ext cx="399468" cy="276999"/>
+            </a:xfrm>
+            <a:prstGeom prst="rect">
+              <a:avLst/>
+            </a:prstGeom>
+            <a:noFill/>
+          </p:spPr>
+          <p:txBody>
+            <a:bodyPr wrap="none" rtlCol="0">
+              <a:spAutoFit/>
+            </a:bodyPr>
+            <a:lstStyle/>
+            <a:p>
+              <a:r>
+                <a:rPr lang="en-US" altLang="ko-KR" sz="1200" dirty="0"/>
+                <a:t>eat</a:t>
+              </a:r>
+              <a:endParaRPr lang="ko-KR" altLang="en-US" sz="1200" dirty="0"/>
+            </a:p>
+          </p:txBody>
+        </p:sp>
+        <p:sp>
+          <p:nvSpPr>
+            <p:cNvPr id="188" name="TextBox 187">
+              <a:extLst>
+                <a:ext uri="{FF2B5EF4-FFF2-40B4-BE49-F238E27FC236}">
+                  <a16:creationId xmlns:a16="http://schemas.microsoft.com/office/drawing/2014/main" id="{1668DD41-72F4-46F0-A620-5B256116070A}"/>
+                </a:ext>
+              </a:extLst>
+            </p:cNvPr>
+            <p:cNvSpPr txBox="1"/>
+            <p:nvPr/>
+          </p:nvSpPr>
+          <p:spPr>
+            <a:xfrm>
+              <a:off x="1076986" y="5832074"/>
+              <a:ext cx="460382" cy="276999"/>
+            </a:xfrm>
+            <a:prstGeom prst="rect">
+              <a:avLst/>
+            </a:prstGeom>
+            <a:noFill/>
+          </p:spPr>
+          <p:txBody>
+            <a:bodyPr wrap="none" rtlCol="0">
+              <a:spAutoFit/>
+            </a:bodyPr>
+            <a:lstStyle/>
+            <a:p>
+              <a:r>
+                <a:rPr lang="en-US" altLang="ko-KR" sz="1200" dirty="0"/>
+                <a:t>EOF</a:t>
+              </a:r>
+              <a:endParaRPr lang="ko-KR" altLang="en-US" sz="1200" dirty="0"/>
+            </a:p>
+          </p:txBody>
+        </p:sp>
+        <p:sp>
+          <p:nvSpPr>
+            <p:cNvPr id="181" name="타원 180">
+              <a:extLst>
+                <a:ext uri="{FF2B5EF4-FFF2-40B4-BE49-F238E27FC236}">
+                  <a16:creationId xmlns:a16="http://schemas.microsoft.com/office/drawing/2014/main" id="{D1AE4630-B7F0-4AB2-A1AF-96B4B0105D9A}"/>
+                </a:ext>
+              </a:extLst>
+            </p:cNvPr>
+            <p:cNvSpPr/>
+            <p:nvPr/>
+          </p:nvSpPr>
+          <p:spPr>
+            <a:xfrm>
+              <a:off x="1105593" y="5760721"/>
+              <a:ext cx="403168" cy="403168"/>
+            </a:xfrm>
+            <a:prstGeom prst="ellipse">
+              <a:avLst/>
+            </a:prstGeom>
+            <a:noFill/>
+          </p:spPr>
+          <p:style>
+            <a:lnRef idx="2">
+              <a:schemeClr val="dk1"/>
+            </a:lnRef>
+            <a:fillRef idx="1">
+              <a:schemeClr val="lt1"/>
+            </a:fillRef>
+            <a:effectRef idx="0">
+              <a:schemeClr val="dk1"/>
+            </a:effectRef>
+            <a:fontRef idx="minor">
+              <a:schemeClr val="dk1"/>
+            </a:fontRef>
+          </p:style>
+          <p:txBody>
+            <a:bodyPr rtlCol="0" anchor="ctr"/>
+            <a:lstStyle/>
+            <a:p>
+              <a:pPr algn="ctr"/>
+              <a:endParaRPr lang="ko-KR" altLang="en-US" sz="800" dirty="0"/>
+            </a:p>
+          </p:txBody>
+        </p:sp>
+      </p:grpSp>
+      <p:grpSp>
+        <p:nvGrpSpPr>
+          <p:cNvPr id="195" name="그룹 194">
+            <a:extLst>
+              <a:ext uri="{FF2B5EF4-FFF2-40B4-BE49-F238E27FC236}">
+                <a16:creationId xmlns:a16="http://schemas.microsoft.com/office/drawing/2014/main" id="{F4CAE773-1AE4-4EE2-B9D7-AFD29B0C777C}"/>
+              </a:ext>
+            </a:extLst>
+          </p:cNvPr>
+          <p:cNvGrpSpPr/>
+          <p:nvPr/>
+        </p:nvGrpSpPr>
+        <p:grpSpPr>
+          <a:xfrm>
+            <a:off x="10217029" y="196731"/>
+            <a:ext cx="638316" cy="6589231"/>
+            <a:chOff x="979706" y="199500"/>
+            <a:chExt cx="638316" cy="6589231"/>
+          </a:xfrm>
+        </p:grpSpPr>
+        <p:grpSp>
+          <p:nvGrpSpPr>
+            <p:cNvPr id="196" name="그룹 195">
+              <a:extLst>
+                <a:ext uri="{FF2B5EF4-FFF2-40B4-BE49-F238E27FC236}">
+                  <a16:creationId xmlns:a16="http://schemas.microsoft.com/office/drawing/2014/main" id="{5AE4F81A-D2EA-43BD-AB40-C98B675205BC}"/>
+                </a:ext>
+              </a:extLst>
+            </p:cNvPr>
+            <p:cNvGrpSpPr/>
+            <p:nvPr/>
+          </p:nvGrpSpPr>
+          <p:grpSpPr>
+            <a:xfrm>
+              <a:off x="1269770" y="199500"/>
+              <a:ext cx="74814" cy="322813"/>
+              <a:chOff x="2227811" y="1152696"/>
+              <a:chExt cx="74814" cy="322813"/>
+            </a:xfrm>
+          </p:grpSpPr>
+          <p:sp>
+            <p:nvSpPr>
+              <p:cNvPr id="217" name="타원 216">
+                <a:extLst>
+                  <a:ext uri="{FF2B5EF4-FFF2-40B4-BE49-F238E27FC236}">
+                    <a16:creationId xmlns:a16="http://schemas.microsoft.com/office/drawing/2014/main" id="{54D1C286-C42F-46F0-ACE8-8B80FAAD331F}"/>
+                  </a:ext>
+                </a:extLst>
+              </p:cNvPr>
+              <p:cNvSpPr/>
+              <p:nvPr/>
+            </p:nvSpPr>
+            <p:spPr>
+              <a:xfrm>
+                <a:off x="2227811" y="1400695"/>
+                <a:ext cx="74814" cy="74814"/>
+              </a:xfrm>
+              <a:prstGeom prst="ellipse">
+                <a:avLst/>
+              </a:prstGeom>
+            </p:spPr>
+            <p:style>
+              <a:lnRef idx="2">
+                <a:schemeClr val="dk1"/>
+              </a:lnRef>
+              <a:fillRef idx="1">
+                <a:schemeClr val="lt1"/>
+              </a:fillRef>
+              <a:effectRef idx="0">
+                <a:schemeClr val="dk1"/>
+              </a:effectRef>
+              <a:fontRef idx="minor">
+                <a:schemeClr val="dk1"/>
+              </a:fontRef>
+            </p:style>
+            <p:txBody>
+              <a:bodyPr rtlCol="0" anchor="ctr"/>
+              <a:lstStyle/>
+              <a:p>
+                <a:pPr algn="ctr"/>
+                <a:endParaRPr lang="ko-KR" altLang="en-US" sz="800"/>
+              </a:p>
+            </p:txBody>
+          </p:sp>
+          <p:sp>
+            <p:nvSpPr>
+              <p:cNvPr id="218" name="타원 217">
+                <a:extLst>
+                  <a:ext uri="{FF2B5EF4-FFF2-40B4-BE49-F238E27FC236}">
+                    <a16:creationId xmlns:a16="http://schemas.microsoft.com/office/drawing/2014/main" id="{4D4267E0-A6EF-418C-921F-DE6E0B3CA6CE}"/>
+                  </a:ext>
+                </a:extLst>
+              </p:cNvPr>
+              <p:cNvSpPr/>
+              <p:nvPr/>
+            </p:nvSpPr>
+            <p:spPr>
+              <a:xfrm>
+                <a:off x="2227811" y="1278776"/>
+                <a:ext cx="74814" cy="74814"/>
+              </a:xfrm>
+              <a:prstGeom prst="ellipse">
+                <a:avLst/>
+              </a:prstGeom>
+            </p:spPr>
+            <p:style>
+              <a:lnRef idx="2">
+                <a:schemeClr val="dk1"/>
+              </a:lnRef>
+              <a:fillRef idx="1">
+                <a:schemeClr val="lt1"/>
+              </a:fillRef>
+              <a:effectRef idx="0">
+                <a:schemeClr val="dk1"/>
+              </a:effectRef>
+              <a:fontRef idx="minor">
+                <a:schemeClr val="dk1"/>
+              </a:fontRef>
+            </p:style>
+            <p:txBody>
+              <a:bodyPr rtlCol="0" anchor="ctr"/>
+              <a:lstStyle/>
+              <a:p>
+                <a:pPr algn="ctr"/>
+                <a:endParaRPr lang="ko-KR" altLang="en-US" sz="800"/>
+              </a:p>
+            </p:txBody>
+          </p:sp>
+          <p:sp>
+            <p:nvSpPr>
+              <p:cNvPr id="219" name="타원 218">
+                <a:extLst>
+                  <a:ext uri="{FF2B5EF4-FFF2-40B4-BE49-F238E27FC236}">
+                    <a16:creationId xmlns:a16="http://schemas.microsoft.com/office/drawing/2014/main" id="{ECB9A5A1-F529-4FF7-AE61-707C599162FA}"/>
+                  </a:ext>
+                </a:extLst>
+              </p:cNvPr>
+              <p:cNvSpPr/>
+              <p:nvPr/>
+            </p:nvSpPr>
+            <p:spPr>
+              <a:xfrm>
+                <a:off x="2227811" y="1152696"/>
+                <a:ext cx="74814" cy="74814"/>
+              </a:xfrm>
+              <a:prstGeom prst="ellipse">
+                <a:avLst/>
+              </a:prstGeom>
+            </p:spPr>
+            <p:style>
+              <a:lnRef idx="2">
+                <a:schemeClr val="dk1"/>
+              </a:lnRef>
+              <a:fillRef idx="1">
+                <a:schemeClr val="lt1"/>
+              </a:fillRef>
+              <a:effectRef idx="0">
+                <a:schemeClr val="dk1"/>
+              </a:effectRef>
+              <a:fontRef idx="minor">
+                <a:schemeClr val="dk1"/>
+              </a:fontRef>
+            </p:style>
+            <p:txBody>
+              <a:bodyPr rtlCol="0" anchor="ctr"/>
+              <a:lstStyle/>
+              <a:p>
+                <a:pPr algn="ctr"/>
+                <a:endParaRPr lang="ko-KR" altLang="en-US" sz="800"/>
+              </a:p>
+            </p:txBody>
+          </p:sp>
+        </p:grpSp>
+        <p:grpSp>
+          <p:nvGrpSpPr>
+            <p:cNvPr id="197" name="그룹 196">
+              <a:extLst>
+                <a:ext uri="{FF2B5EF4-FFF2-40B4-BE49-F238E27FC236}">
+                  <a16:creationId xmlns:a16="http://schemas.microsoft.com/office/drawing/2014/main" id="{5458AF31-FDCF-4201-AD24-4B2D7D60D1EA}"/>
+                </a:ext>
+              </a:extLst>
+            </p:cNvPr>
+            <p:cNvGrpSpPr/>
+            <p:nvPr/>
+          </p:nvGrpSpPr>
+          <p:grpSpPr>
+            <a:xfrm>
+              <a:off x="1261457" y="6465918"/>
+              <a:ext cx="74814" cy="322813"/>
+              <a:chOff x="2227811" y="1152696"/>
+              <a:chExt cx="74814" cy="322813"/>
+            </a:xfrm>
+          </p:grpSpPr>
+          <p:sp>
+            <p:nvSpPr>
+              <p:cNvPr id="214" name="타원 213">
+                <a:extLst>
+                  <a:ext uri="{FF2B5EF4-FFF2-40B4-BE49-F238E27FC236}">
+                    <a16:creationId xmlns:a16="http://schemas.microsoft.com/office/drawing/2014/main" id="{E339FA54-CF74-4981-9DF9-24250F823A84}"/>
+                  </a:ext>
+                </a:extLst>
+              </p:cNvPr>
+              <p:cNvSpPr/>
+              <p:nvPr/>
+            </p:nvSpPr>
+            <p:spPr>
+              <a:xfrm>
+                <a:off x="2227811" y="1400695"/>
+                <a:ext cx="74814" cy="74814"/>
+              </a:xfrm>
+              <a:prstGeom prst="ellipse">
+                <a:avLst/>
+              </a:prstGeom>
+            </p:spPr>
+            <p:style>
+              <a:lnRef idx="2">
+                <a:schemeClr val="dk1"/>
+              </a:lnRef>
+              <a:fillRef idx="1">
+                <a:schemeClr val="lt1"/>
+              </a:fillRef>
+              <a:effectRef idx="0">
+                <a:schemeClr val="dk1"/>
+              </a:effectRef>
+              <a:fontRef idx="minor">
+                <a:schemeClr val="dk1"/>
+              </a:fontRef>
+            </p:style>
+            <p:txBody>
+              <a:bodyPr rtlCol="0" anchor="ctr"/>
+              <a:lstStyle/>
+              <a:p>
+                <a:pPr algn="ctr"/>
+                <a:endParaRPr lang="ko-KR" altLang="en-US" sz="800"/>
+              </a:p>
+            </p:txBody>
+          </p:sp>
+          <p:sp>
+            <p:nvSpPr>
+              <p:cNvPr id="215" name="타원 214">
+                <a:extLst>
+                  <a:ext uri="{FF2B5EF4-FFF2-40B4-BE49-F238E27FC236}">
+                    <a16:creationId xmlns:a16="http://schemas.microsoft.com/office/drawing/2014/main" id="{1C8A0747-D191-4A55-B111-68F056472785}"/>
+                  </a:ext>
+                </a:extLst>
+              </p:cNvPr>
+              <p:cNvSpPr/>
+              <p:nvPr/>
+            </p:nvSpPr>
+            <p:spPr>
+              <a:xfrm>
+                <a:off x="2227811" y="1278776"/>
+                <a:ext cx="74814" cy="74814"/>
+              </a:xfrm>
+              <a:prstGeom prst="ellipse">
+                <a:avLst/>
+              </a:prstGeom>
+            </p:spPr>
+            <p:style>
+              <a:lnRef idx="2">
+                <a:schemeClr val="dk1"/>
+              </a:lnRef>
+              <a:fillRef idx="1">
+                <a:schemeClr val="lt1"/>
+              </a:fillRef>
+              <a:effectRef idx="0">
+                <a:schemeClr val="dk1"/>
+              </a:effectRef>
+              <a:fontRef idx="minor">
+                <a:schemeClr val="dk1"/>
+              </a:fontRef>
+            </p:style>
+            <p:txBody>
+              <a:bodyPr rtlCol="0" anchor="ctr"/>
+              <a:lstStyle/>
+              <a:p>
+                <a:pPr algn="ctr"/>
+                <a:endParaRPr lang="ko-KR" altLang="en-US" sz="800"/>
+              </a:p>
+            </p:txBody>
+          </p:sp>
+          <p:sp>
+            <p:nvSpPr>
+              <p:cNvPr id="216" name="타원 215">
+                <a:extLst>
+                  <a:ext uri="{FF2B5EF4-FFF2-40B4-BE49-F238E27FC236}">
+                    <a16:creationId xmlns:a16="http://schemas.microsoft.com/office/drawing/2014/main" id="{388EFD3D-815F-43D8-9371-EF200248531D}"/>
+                  </a:ext>
+                </a:extLst>
+              </p:cNvPr>
+              <p:cNvSpPr/>
+              <p:nvPr/>
+            </p:nvSpPr>
+            <p:spPr>
+              <a:xfrm>
+                <a:off x="2227811" y="1152696"/>
+                <a:ext cx="74814" cy="74814"/>
+              </a:xfrm>
+              <a:prstGeom prst="ellipse">
+                <a:avLst/>
+              </a:prstGeom>
+            </p:spPr>
+            <p:style>
+              <a:lnRef idx="2">
+                <a:schemeClr val="dk1"/>
+              </a:lnRef>
+              <a:fillRef idx="1">
+                <a:schemeClr val="lt1"/>
+              </a:fillRef>
+              <a:effectRef idx="0">
+                <a:schemeClr val="dk1"/>
+              </a:effectRef>
+              <a:fontRef idx="minor">
+                <a:schemeClr val="dk1"/>
+              </a:fontRef>
+            </p:style>
+            <p:txBody>
+              <a:bodyPr rtlCol="0" anchor="ctr"/>
+              <a:lstStyle/>
+              <a:p>
+                <a:pPr algn="ctr"/>
+                <a:endParaRPr lang="ko-KR" altLang="en-US" sz="800"/>
+              </a:p>
+            </p:txBody>
+          </p:sp>
+        </p:grpSp>
+        <p:sp>
+          <p:nvSpPr>
+            <p:cNvPr id="198" name="타원 197">
+              <a:extLst>
+                <a:ext uri="{FF2B5EF4-FFF2-40B4-BE49-F238E27FC236}">
+                  <a16:creationId xmlns:a16="http://schemas.microsoft.com/office/drawing/2014/main" id="{580E6430-9330-4383-B47B-C06EBE0D666C}"/>
+                </a:ext>
+              </a:extLst>
+            </p:cNvPr>
+            <p:cNvSpPr/>
+            <p:nvPr/>
+          </p:nvSpPr>
+          <p:spPr>
+            <a:xfrm>
+              <a:off x="1097280" y="824342"/>
+              <a:ext cx="403168" cy="403168"/>
+            </a:xfrm>
+            <a:prstGeom prst="ellipse">
+              <a:avLst/>
+            </a:prstGeom>
+          </p:spPr>
+          <p:style>
+            <a:lnRef idx="2">
+              <a:schemeClr val="dk1"/>
+            </a:lnRef>
+            <a:fillRef idx="1">
+              <a:schemeClr val="lt1"/>
+            </a:fillRef>
+            <a:effectRef idx="0">
+              <a:schemeClr val="dk1"/>
+            </a:effectRef>
+            <a:fontRef idx="minor">
+              <a:schemeClr val="dk1"/>
+            </a:fontRef>
+          </p:style>
+          <p:txBody>
+            <a:bodyPr rtlCol="0" anchor="ctr"/>
+            <a:lstStyle/>
+            <a:p>
+              <a:pPr algn="ctr"/>
+              <a:endParaRPr lang="ko-KR" altLang="en-US" sz="800" dirty="0"/>
+            </a:p>
+          </p:txBody>
+        </p:sp>
+        <p:sp>
+          <p:nvSpPr>
+            <p:cNvPr id="199" name="TextBox 198">
+              <a:extLst>
+                <a:ext uri="{FF2B5EF4-FFF2-40B4-BE49-F238E27FC236}">
+                  <a16:creationId xmlns:a16="http://schemas.microsoft.com/office/drawing/2014/main" id="{67623C7E-9D43-4403-B65F-5EC6AA0FDA71}"/>
+                </a:ext>
+              </a:extLst>
+            </p:cNvPr>
+            <p:cNvSpPr txBox="1"/>
+            <p:nvPr/>
+          </p:nvSpPr>
+          <p:spPr>
+            <a:xfrm>
+              <a:off x="979706" y="887426"/>
+              <a:ext cx="638316" cy="276999"/>
+            </a:xfrm>
+            <a:prstGeom prst="rect">
+              <a:avLst/>
+            </a:prstGeom>
+            <a:noFill/>
+          </p:spPr>
+          <p:txBody>
+            <a:bodyPr wrap="none" rtlCol="0">
+              <a:spAutoFit/>
+            </a:bodyPr>
+            <a:lstStyle/>
+            <a:p>
+              <a:r>
+                <a:rPr lang="en-US" altLang="ko-KR" sz="1200" dirty="0"/>
+                <a:t>school</a:t>
+              </a:r>
+              <a:endParaRPr lang="ko-KR" altLang="en-US" sz="1200" dirty="0"/>
+            </a:p>
+          </p:txBody>
+        </p:sp>
+        <p:sp>
+          <p:nvSpPr>
+            <p:cNvPr id="200" name="타원 199">
+              <a:extLst>
+                <a:ext uri="{FF2B5EF4-FFF2-40B4-BE49-F238E27FC236}">
+                  <a16:creationId xmlns:a16="http://schemas.microsoft.com/office/drawing/2014/main" id="{D7E521C8-2765-48D1-9336-73E027DFAD95}"/>
+                </a:ext>
+              </a:extLst>
+            </p:cNvPr>
+            <p:cNvSpPr/>
+            <p:nvPr/>
+          </p:nvSpPr>
+          <p:spPr>
+            <a:xfrm>
+              <a:off x="1097280" y="1529539"/>
+              <a:ext cx="403168" cy="403168"/>
+            </a:xfrm>
+            <a:prstGeom prst="ellipse">
+              <a:avLst/>
+            </a:prstGeom>
+          </p:spPr>
+          <p:style>
+            <a:lnRef idx="2">
+              <a:schemeClr val="dk1"/>
+            </a:lnRef>
+            <a:fillRef idx="1">
+              <a:schemeClr val="lt1"/>
+            </a:fillRef>
+            <a:effectRef idx="0">
+              <a:schemeClr val="dk1"/>
+            </a:effectRef>
+            <a:fontRef idx="minor">
+              <a:schemeClr val="dk1"/>
+            </a:fontRef>
+          </p:style>
+          <p:txBody>
+            <a:bodyPr rtlCol="0" anchor="ctr"/>
+            <a:lstStyle/>
+            <a:p>
+              <a:pPr algn="ctr"/>
+              <a:endParaRPr lang="ko-KR" altLang="en-US" sz="800" dirty="0"/>
+            </a:p>
+          </p:txBody>
+        </p:sp>
+        <p:sp>
+          <p:nvSpPr>
+            <p:cNvPr id="201" name="타원 200">
+              <a:extLst>
+                <a:ext uri="{FF2B5EF4-FFF2-40B4-BE49-F238E27FC236}">
+                  <a16:creationId xmlns:a16="http://schemas.microsoft.com/office/drawing/2014/main" id="{1403C9FB-16DF-470E-AF80-E81B3EC10FEE}"/>
+                </a:ext>
+              </a:extLst>
+            </p:cNvPr>
+            <p:cNvSpPr/>
+            <p:nvPr/>
+          </p:nvSpPr>
+          <p:spPr>
+            <a:xfrm>
+              <a:off x="1097280" y="2234736"/>
+              <a:ext cx="403168" cy="403168"/>
+            </a:xfrm>
+            <a:prstGeom prst="ellipse">
+              <a:avLst/>
+            </a:prstGeom>
+          </p:spPr>
+          <p:style>
+            <a:lnRef idx="2">
+              <a:schemeClr val="dk1"/>
+            </a:lnRef>
+            <a:fillRef idx="1">
+              <a:schemeClr val="lt1"/>
+            </a:fillRef>
+            <a:effectRef idx="0">
+              <a:schemeClr val="dk1"/>
+            </a:effectRef>
+            <a:fontRef idx="minor">
+              <a:schemeClr val="dk1"/>
+            </a:fontRef>
+          </p:style>
+          <p:txBody>
+            <a:bodyPr rtlCol="0" anchor="ctr"/>
+            <a:lstStyle/>
+            <a:p>
+              <a:pPr algn="ctr"/>
+              <a:endParaRPr lang="ko-KR" altLang="en-US" sz="800" dirty="0"/>
+            </a:p>
+          </p:txBody>
+        </p:sp>
+        <p:sp>
+          <p:nvSpPr>
+            <p:cNvPr id="202" name="타원 201">
+              <a:extLst>
+                <a:ext uri="{FF2B5EF4-FFF2-40B4-BE49-F238E27FC236}">
+                  <a16:creationId xmlns:a16="http://schemas.microsoft.com/office/drawing/2014/main" id="{3ACF794B-0D2D-4D5F-99AA-D912E622E217}"/>
+                </a:ext>
+              </a:extLst>
+            </p:cNvPr>
+            <p:cNvSpPr/>
+            <p:nvPr/>
+          </p:nvSpPr>
+          <p:spPr>
+            <a:xfrm>
+              <a:off x="1105593" y="2939933"/>
+              <a:ext cx="403168" cy="403168"/>
+            </a:xfrm>
+            <a:prstGeom prst="ellipse">
+              <a:avLst/>
+            </a:prstGeom>
+          </p:spPr>
+          <p:style>
+            <a:lnRef idx="2">
+              <a:schemeClr val="dk1"/>
+            </a:lnRef>
+            <a:fillRef idx="1">
+              <a:schemeClr val="lt1"/>
+            </a:fillRef>
+            <a:effectRef idx="0">
+              <a:schemeClr val="dk1"/>
+            </a:effectRef>
+            <a:fontRef idx="minor">
+              <a:schemeClr val="dk1"/>
+            </a:fontRef>
+          </p:style>
+          <p:txBody>
+            <a:bodyPr rtlCol="0" anchor="ctr"/>
+            <a:lstStyle/>
+            <a:p>
+              <a:pPr algn="ctr"/>
+              <a:endParaRPr lang="ko-KR" altLang="en-US" sz="800" dirty="0"/>
+            </a:p>
+          </p:txBody>
+        </p:sp>
+        <p:sp>
+          <p:nvSpPr>
+            <p:cNvPr id="203" name="타원 202">
+              <a:extLst>
+                <a:ext uri="{FF2B5EF4-FFF2-40B4-BE49-F238E27FC236}">
+                  <a16:creationId xmlns:a16="http://schemas.microsoft.com/office/drawing/2014/main" id="{BC35BAC8-EE19-43AE-A2A9-953B4AB51802}"/>
+                </a:ext>
+              </a:extLst>
+            </p:cNvPr>
+            <p:cNvSpPr/>
+            <p:nvPr/>
+          </p:nvSpPr>
+          <p:spPr>
+            <a:xfrm>
+              <a:off x="1097280" y="3645130"/>
+              <a:ext cx="403168" cy="403168"/>
+            </a:xfrm>
+            <a:prstGeom prst="ellipse">
+              <a:avLst/>
+            </a:prstGeom>
+          </p:spPr>
+          <p:style>
+            <a:lnRef idx="2">
+              <a:schemeClr val="dk1"/>
+            </a:lnRef>
+            <a:fillRef idx="1">
+              <a:schemeClr val="lt1"/>
+            </a:fillRef>
+            <a:effectRef idx="0">
+              <a:schemeClr val="dk1"/>
+            </a:effectRef>
+            <a:fontRef idx="minor">
+              <a:schemeClr val="dk1"/>
+            </a:fontRef>
+          </p:style>
+          <p:txBody>
+            <a:bodyPr rtlCol="0" anchor="ctr"/>
+            <a:lstStyle/>
+            <a:p>
+              <a:pPr algn="ctr"/>
+              <a:endParaRPr lang="ko-KR" altLang="en-US" sz="800" dirty="0"/>
+            </a:p>
+          </p:txBody>
+        </p:sp>
+        <p:sp>
+          <p:nvSpPr>
+            <p:cNvPr id="204" name="타원 203">
+              <a:extLst>
+                <a:ext uri="{FF2B5EF4-FFF2-40B4-BE49-F238E27FC236}">
+                  <a16:creationId xmlns:a16="http://schemas.microsoft.com/office/drawing/2014/main" id="{CCC36730-8A41-454D-B11E-B71C2DF4694D}"/>
+                </a:ext>
+              </a:extLst>
+            </p:cNvPr>
+            <p:cNvSpPr/>
+            <p:nvPr/>
+          </p:nvSpPr>
+          <p:spPr>
+            <a:xfrm>
+              <a:off x="1105593" y="4350327"/>
+              <a:ext cx="403168" cy="403168"/>
+            </a:xfrm>
+            <a:prstGeom prst="ellipse">
+              <a:avLst/>
+            </a:prstGeom>
+          </p:spPr>
+          <p:style>
+            <a:lnRef idx="2">
+              <a:schemeClr val="dk1"/>
+            </a:lnRef>
+            <a:fillRef idx="1">
+              <a:schemeClr val="lt1"/>
+            </a:fillRef>
+            <a:effectRef idx="0">
+              <a:schemeClr val="dk1"/>
+            </a:effectRef>
+            <a:fontRef idx="minor">
+              <a:schemeClr val="dk1"/>
+            </a:fontRef>
+          </p:style>
+          <p:txBody>
+            <a:bodyPr rtlCol="0" anchor="ctr"/>
+            <a:lstStyle/>
+            <a:p>
+              <a:pPr algn="ctr"/>
+              <a:endParaRPr lang="ko-KR" altLang="en-US" sz="800" dirty="0"/>
+            </a:p>
+          </p:txBody>
+        </p:sp>
+        <p:sp>
+          <p:nvSpPr>
+            <p:cNvPr id="205" name="타원 204">
+              <a:extLst>
+                <a:ext uri="{FF2B5EF4-FFF2-40B4-BE49-F238E27FC236}">
+                  <a16:creationId xmlns:a16="http://schemas.microsoft.com/office/drawing/2014/main" id="{C77ADC1A-3EBE-4FD1-ACB0-FDFD529E6148}"/>
+                </a:ext>
+              </a:extLst>
+            </p:cNvPr>
+            <p:cNvSpPr/>
+            <p:nvPr/>
+          </p:nvSpPr>
+          <p:spPr>
+            <a:xfrm>
+              <a:off x="1105593" y="5055524"/>
+              <a:ext cx="403168" cy="403168"/>
+            </a:xfrm>
+            <a:prstGeom prst="ellipse">
+              <a:avLst/>
+            </a:prstGeom>
+          </p:spPr>
+          <p:style>
+            <a:lnRef idx="2">
+              <a:schemeClr val="dk1"/>
+            </a:lnRef>
+            <a:fillRef idx="1">
+              <a:schemeClr val="lt1"/>
+            </a:fillRef>
+            <a:effectRef idx="0">
+              <a:schemeClr val="dk1"/>
+            </a:effectRef>
+            <a:fontRef idx="minor">
+              <a:schemeClr val="dk1"/>
+            </a:fontRef>
+          </p:style>
+          <p:txBody>
+            <a:bodyPr rtlCol="0" anchor="ctr"/>
+            <a:lstStyle/>
+            <a:p>
+              <a:pPr algn="ctr"/>
+              <a:endParaRPr lang="ko-KR" altLang="en-US" sz="800" dirty="0"/>
+            </a:p>
+          </p:txBody>
+        </p:sp>
+        <p:sp>
+          <p:nvSpPr>
+            <p:cNvPr id="207" name="TextBox 206">
+              <a:extLst>
+                <a:ext uri="{FF2B5EF4-FFF2-40B4-BE49-F238E27FC236}">
+                  <a16:creationId xmlns:a16="http://schemas.microsoft.com/office/drawing/2014/main" id="{400642B6-B2CA-46CA-9FA0-30CE0C865D7C}"/>
+                </a:ext>
+              </a:extLst>
+            </p:cNvPr>
+            <p:cNvSpPr txBox="1"/>
+            <p:nvPr/>
+          </p:nvSpPr>
+          <p:spPr>
+            <a:xfrm>
+              <a:off x="1185692" y="1592623"/>
+              <a:ext cx="226344" cy="276999"/>
+            </a:xfrm>
+            <a:prstGeom prst="rect">
+              <a:avLst/>
+            </a:prstGeom>
+            <a:noFill/>
+          </p:spPr>
+          <p:txBody>
+            <a:bodyPr wrap="none" rtlCol="0">
+              <a:spAutoFit/>
+            </a:bodyPr>
+            <a:lstStyle/>
+            <a:p>
+              <a:r>
+                <a:rPr lang="en-US" altLang="ko-KR" sz="1200" dirty="0"/>
+                <a:t>I</a:t>
+              </a:r>
+              <a:endParaRPr lang="ko-KR" altLang="en-US" sz="1200" dirty="0"/>
+            </a:p>
+          </p:txBody>
+        </p:sp>
+        <p:sp>
+          <p:nvSpPr>
+            <p:cNvPr id="208" name="TextBox 207">
+              <a:extLst>
+                <a:ext uri="{FF2B5EF4-FFF2-40B4-BE49-F238E27FC236}">
+                  <a16:creationId xmlns:a16="http://schemas.microsoft.com/office/drawing/2014/main" id="{2CA7F244-D9AF-400C-81DA-C5BFB1DA5CB1}"/>
+                </a:ext>
+              </a:extLst>
+            </p:cNvPr>
+            <p:cNvSpPr txBox="1"/>
+            <p:nvPr/>
+          </p:nvSpPr>
+          <p:spPr>
+            <a:xfrm>
+              <a:off x="1062741" y="2297820"/>
+              <a:ext cx="472245" cy="276999"/>
+            </a:xfrm>
+            <a:prstGeom prst="rect">
+              <a:avLst/>
+            </a:prstGeom>
+            <a:noFill/>
+          </p:spPr>
+          <p:txBody>
+            <a:bodyPr wrap="none" rtlCol="0">
+              <a:spAutoFit/>
+            </a:bodyPr>
+            <a:lstStyle/>
+            <a:p>
+              <a:r>
+                <a:rPr lang="en-US" altLang="ko-KR" sz="1200" dirty="0"/>
+                <a:t>love</a:t>
+              </a:r>
+              <a:endParaRPr lang="ko-KR" altLang="en-US" sz="1200" dirty="0"/>
+            </a:p>
+          </p:txBody>
+        </p:sp>
+        <p:sp>
+          <p:nvSpPr>
+            <p:cNvPr id="209" name="TextBox 208">
+              <a:extLst>
+                <a:ext uri="{FF2B5EF4-FFF2-40B4-BE49-F238E27FC236}">
+                  <a16:creationId xmlns:a16="http://schemas.microsoft.com/office/drawing/2014/main" id="{E170E539-7976-4B37-AF61-D0FBCCFD234B}"/>
+                </a:ext>
+              </a:extLst>
+            </p:cNvPr>
+            <p:cNvSpPr txBox="1"/>
+            <p:nvPr/>
+          </p:nvSpPr>
+          <p:spPr>
+            <a:xfrm>
+              <a:off x="1077905" y="3003017"/>
+              <a:ext cx="441916" cy="276999"/>
+            </a:xfrm>
+            <a:prstGeom prst="rect">
+              <a:avLst/>
+            </a:prstGeom>
+            <a:noFill/>
+          </p:spPr>
+          <p:txBody>
+            <a:bodyPr wrap="none" rtlCol="0">
+              <a:spAutoFit/>
+            </a:bodyPr>
+            <a:lstStyle/>
+            <a:p>
+              <a:r>
+                <a:rPr lang="en-US" altLang="ko-KR" sz="1200" dirty="0"/>
+                <a:t>you</a:t>
+              </a:r>
+              <a:endParaRPr lang="ko-KR" altLang="en-US" sz="1200" dirty="0"/>
+            </a:p>
+          </p:txBody>
+        </p:sp>
+        <p:sp>
+          <p:nvSpPr>
+            <p:cNvPr id="210" name="TextBox 209">
+              <a:extLst>
+                <a:ext uri="{FF2B5EF4-FFF2-40B4-BE49-F238E27FC236}">
+                  <a16:creationId xmlns:a16="http://schemas.microsoft.com/office/drawing/2014/main" id="{09B3B9EA-08D4-4A3F-8F04-94007EC6CBB3}"/>
+                </a:ext>
+              </a:extLst>
+            </p:cNvPr>
+            <p:cNvSpPr txBox="1"/>
+            <p:nvPr/>
+          </p:nvSpPr>
+          <p:spPr>
+            <a:xfrm>
+              <a:off x="1134234" y="3708214"/>
+              <a:ext cx="329257" cy="276999"/>
+            </a:xfrm>
+            <a:prstGeom prst="rect">
+              <a:avLst/>
+            </a:prstGeom>
+            <a:noFill/>
+          </p:spPr>
+          <p:txBody>
+            <a:bodyPr wrap="none" rtlCol="0">
+              <a:spAutoFit/>
+            </a:bodyPr>
+            <a:lstStyle/>
+            <a:p>
+              <a:r>
+                <a:rPr lang="en-US" altLang="ko-KR" sz="1200" dirty="0"/>
+                <a:t>to</a:t>
+              </a:r>
+              <a:endParaRPr lang="ko-KR" altLang="en-US" sz="1200" dirty="0"/>
+            </a:p>
+          </p:txBody>
+        </p:sp>
+        <p:sp>
+          <p:nvSpPr>
+            <p:cNvPr id="211" name="TextBox 210">
+              <a:extLst>
+                <a:ext uri="{FF2B5EF4-FFF2-40B4-BE49-F238E27FC236}">
+                  <a16:creationId xmlns:a16="http://schemas.microsoft.com/office/drawing/2014/main" id="{DA78AA9F-EEF6-4A80-BA87-FE177429A7D2}"/>
+                </a:ext>
+              </a:extLst>
+            </p:cNvPr>
+            <p:cNvSpPr txBox="1"/>
+            <p:nvPr/>
+          </p:nvSpPr>
+          <p:spPr>
+            <a:xfrm>
+              <a:off x="1119443" y="4413411"/>
+              <a:ext cx="370614" cy="276999"/>
+            </a:xfrm>
+            <a:prstGeom prst="rect">
+              <a:avLst/>
+            </a:prstGeom>
+            <a:noFill/>
+          </p:spPr>
+          <p:txBody>
+            <a:bodyPr wrap="none" rtlCol="0">
+              <a:spAutoFit/>
+            </a:bodyPr>
+            <a:lstStyle/>
+            <a:p>
+              <a:r>
+                <a:rPr lang="en-US" altLang="ko-KR" sz="1200" dirty="0"/>
+                <a:t>go</a:t>
+              </a:r>
+              <a:endParaRPr lang="ko-KR" altLang="en-US" sz="1200" dirty="0"/>
+            </a:p>
+          </p:txBody>
+        </p:sp>
+        <p:sp>
+          <p:nvSpPr>
+            <p:cNvPr id="212" name="TextBox 211">
+              <a:extLst>
+                <a:ext uri="{FF2B5EF4-FFF2-40B4-BE49-F238E27FC236}">
+                  <a16:creationId xmlns:a16="http://schemas.microsoft.com/office/drawing/2014/main" id="{2D4B8781-F619-4FEE-97FF-F2807523F537}"/>
+                </a:ext>
+              </a:extLst>
+            </p:cNvPr>
+            <p:cNvSpPr txBox="1"/>
+            <p:nvPr/>
+          </p:nvSpPr>
+          <p:spPr>
+            <a:xfrm>
+              <a:off x="1109293" y="5118608"/>
+              <a:ext cx="399468" cy="276999"/>
+            </a:xfrm>
+            <a:prstGeom prst="rect">
+              <a:avLst/>
+            </a:prstGeom>
+            <a:noFill/>
+          </p:spPr>
+          <p:txBody>
+            <a:bodyPr wrap="none" rtlCol="0">
+              <a:spAutoFit/>
+            </a:bodyPr>
+            <a:lstStyle/>
+            <a:p>
+              <a:r>
+                <a:rPr lang="en-US" altLang="ko-KR" sz="1200" dirty="0"/>
+                <a:t>eat</a:t>
+              </a:r>
+              <a:endParaRPr lang="ko-KR" altLang="en-US" sz="1200" dirty="0"/>
+            </a:p>
+          </p:txBody>
+        </p:sp>
+        <p:sp>
+          <p:nvSpPr>
+            <p:cNvPr id="213" name="TextBox 212">
+              <a:extLst>
+                <a:ext uri="{FF2B5EF4-FFF2-40B4-BE49-F238E27FC236}">
+                  <a16:creationId xmlns:a16="http://schemas.microsoft.com/office/drawing/2014/main" id="{1FC75927-F5E3-40A9-8112-B1FB48DB6E70}"/>
+                </a:ext>
+              </a:extLst>
+            </p:cNvPr>
+            <p:cNvSpPr txBox="1"/>
+            <p:nvPr/>
+          </p:nvSpPr>
+          <p:spPr>
+            <a:xfrm>
+              <a:off x="1076986" y="5832074"/>
+              <a:ext cx="460382" cy="276999"/>
+            </a:xfrm>
+            <a:prstGeom prst="rect">
+              <a:avLst/>
+            </a:prstGeom>
+            <a:noFill/>
+          </p:spPr>
+          <p:txBody>
+            <a:bodyPr wrap="none" rtlCol="0">
+              <a:spAutoFit/>
+            </a:bodyPr>
+            <a:lstStyle/>
+            <a:p>
+              <a:r>
+                <a:rPr lang="en-US" altLang="ko-KR" sz="1200" dirty="0"/>
+                <a:t>EOF</a:t>
+              </a:r>
+              <a:endParaRPr lang="ko-KR" altLang="en-US" sz="1200" dirty="0"/>
+            </a:p>
+          </p:txBody>
+        </p:sp>
+        <p:sp>
+          <p:nvSpPr>
+            <p:cNvPr id="206" name="타원 205">
+              <a:extLst>
+                <a:ext uri="{FF2B5EF4-FFF2-40B4-BE49-F238E27FC236}">
+                  <a16:creationId xmlns:a16="http://schemas.microsoft.com/office/drawing/2014/main" id="{E2FA0D6F-FA42-4C9B-9F76-4C70AC9DA920}"/>
+                </a:ext>
+              </a:extLst>
+            </p:cNvPr>
+            <p:cNvSpPr/>
+            <p:nvPr/>
+          </p:nvSpPr>
+          <p:spPr>
+            <a:xfrm>
+              <a:off x="1105593" y="5760721"/>
+              <a:ext cx="403168" cy="403168"/>
+            </a:xfrm>
+            <a:prstGeom prst="ellipse">
+              <a:avLst/>
+            </a:prstGeom>
+            <a:noFill/>
+          </p:spPr>
+          <p:style>
+            <a:lnRef idx="2">
+              <a:schemeClr val="dk1"/>
+            </a:lnRef>
+            <a:fillRef idx="1">
+              <a:schemeClr val="lt1"/>
+            </a:fillRef>
+            <a:effectRef idx="0">
+              <a:schemeClr val="dk1"/>
+            </a:effectRef>
+            <a:fontRef idx="minor">
+              <a:schemeClr val="dk1"/>
+            </a:fontRef>
+          </p:style>
+          <p:txBody>
+            <a:bodyPr rtlCol="0" anchor="ctr"/>
+            <a:lstStyle/>
+            <a:p>
+              <a:pPr algn="ctr"/>
+              <a:endParaRPr lang="ko-KR" altLang="en-US" sz="800" dirty="0"/>
+            </a:p>
+          </p:txBody>
+        </p:sp>
+      </p:grpSp>
+      <p:cxnSp>
+        <p:nvCxnSpPr>
+          <p:cNvPr id="221" name="직선 화살표 연결선 220">
+            <a:extLst>
+              <a:ext uri="{FF2B5EF4-FFF2-40B4-BE49-F238E27FC236}">
+                <a16:creationId xmlns:a16="http://schemas.microsoft.com/office/drawing/2014/main" id="{8A5E0A72-F6E0-41BC-8718-4CD0D52FB092}"/>
+              </a:ext>
+            </a:extLst>
+          </p:cNvPr>
+          <p:cNvCxnSpPr>
+            <a:cxnSpLocks/>
+            <a:stCxn id="41" idx="6"/>
+            <a:endCxn id="26" idx="2"/>
+          </p:cNvCxnSpPr>
+          <p:nvPr/>
+        </p:nvCxnSpPr>
+        <p:spPr>
+          <a:xfrm flipV="1">
+            <a:off x="526474" y="1731123"/>
+            <a:ext cx="570806" cy="1760225"/>
+          </a:xfrm>
+          <a:prstGeom prst="straightConnector1">
+            <a:avLst/>
+          </a:prstGeom>
+          <a:ln>
+            <a:tailEnd type="triangle"/>
+          </a:ln>
+        </p:spPr>
+        <p:style>
+          <a:lnRef idx="1">
+            <a:schemeClr val="dk1"/>
+          </a:lnRef>
+          <a:fillRef idx="0">
+            <a:schemeClr val="dk1"/>
+          </a:fillRef>
+          <a:effectRef idx="0">
+            <a:schemeClr val="dk1"/>
+          </a:effectRef>
+          <a:fontRef idx="minor">
+            <a:schemeClr val="tx1"/>
+          </a:fontRef>
+        </p:style>
+      </p:cxnSp>
+      <p:cxnSp>
+        <p:nvCxnSpPr>
+          <p:cNvPr id="225" name="직선 화살표 연결선 224">
+            <a:extLst>
+              <a:ext uri="{FF2B5EF4-FFF2-40B4-BE49-F238E27FC236}">
+                <a16:creationId xmlns:a16="http://schemas.microsoft.com/office/drawing/2014/main" id="{9031589E-2E2B-4C84-8E5C-8E8BC978F216}"/>
+              </a:ext>
+            </a:extLst>
+          </p:cNvPr>
+          <p:cNvCxnSpPr>
+            <a:cxnSpLocks/>
+            <a:stCxn id="26" idx="6"/>
+            <a:endCxn id="51" idx="2"/>
+          </p:cNvCxnSpPr>
+          <p:nvPr/>
+        </p:nvCxnSpPr>
+        <p:spPr>
+          <a:xfrm>
+            <a:off x="1500448" y="1731123"/>
+            <a:ext cx="849659" cy="702429"/>
+          </a:xfrm>
+          <a:prstGeom prst="straightConnector1">
+            <a:avLst/>
+          </a:prstGeom>
+          <a:ln>
+            <a:tailEnd type="triangle"/>
+          </a:ln>
+        </p:spPr>
+        <p:style>
+          <a:lnRef idx="1">
+            <a:schemeClr val="dk1"/>
+          </a:lnRef>
+          <a:fillRef idx="0">
+            <a:schemeClr val="dk1"/>
+          </a:fillRef>
+          <a:effectRef idx="0">
+            <a:schemeClr val="dk1"/>
+          </a:effectRef>
+          <a:fontRef idx="minor">
+            <a:schemeClr val="tx1"/>
+          </a:fontRef>
+        </p:style>
+      </p:cxnSp>
+      <p:cxnSp>
+        <p:nvCxnSpPr>
+          <p:cNvPr id="237" name="직선 화살표 연결선 236">
+            <a:extLst>
+              <a:ext uri="{FF2B5EF4-FFF2-40B4-BE49-F238E27FC236}">
+                <a16:creationId xmlns:a16="http://schemas.microsoft.com/office/drawing/2014/main" id="{C0576CD6-9236-43C7-A4B4-504BE403231E}"/>
+              </a:ext>
+            </a:extLst>
+          </p:cNvPr>
+          <p:cNvCxnSpPr>
+            <a:cxnSpLocks/>
+            <a:stCxn id="51" idx="6"/>
+            <a:endCxn id="78" idx="2"/>
+          </p:cNvCxnSpPr>
+          <p:nvPr/>
+        </p:nvCxnSpPr>
+        <p:spPr>
+          <a:xfrm>
+            <a:off x="2753275" y="2433552"/>
+            <a:ext cx="869032" cy="1410393"/>
+          </a:xfrm>
+          <a:prstGeom prst="straightConnector1">
+            <a:avLst/>
+          </a:prstGeom>
+          <a:ln>
+            <a:tailEnd type="triangle"/>
+          </a:ln>
+        </p:spPr>
+        <p:style>
+          <a:lnRef idx="1">
+            <a:schemeClr val="dk1"/>
+          </a:lnRef>
+          <a:fillRef idx="0">
+            <a:schemeClr val="dk1"/>
+          </a:fillRef>
+          <a:effectRef idx="0">
+            <a:schemeClr val="dk1"/>
+          </a:effectRef>
+          <a:fontRef idx="minor">
+            <a:schemeClr val="tx1"/>
+          </a:fontRef>
+        </p:style>
+      </p:cxnSp>
+      <p:cxnSp>
+        <p:nvCxnSpPr>
+          <p:cNvPr id="240" name="직선 화살표 연결선 239">
+            <a:extLst>
+              <a:ext uri="{FF2B5EF4-FFF2-40B4-BE49-F238E27FC236}">
+                <a16:creationId xmlns:a16="http://schemas.microsoft.com/office/drawing/2014/main" id="{82552419-05F5-4F66-A19C-81CC4FD96A60}"/>
+              </a:ext>
+            </a:extLst>
+          </p:cNvPr>
+          <p:cNvCxnSpPr>
+            <a:cxnSpLocks/>
+            <a:stCxn id="78" idx="6"/>
+            <a:endCxn id="104" idx="2"/>
+          </p:cNvCxnSpPr>
+          <p:nvPr/>
+        </p:nvCxnSpPr>
+        <p:spPr>
+          <a:xfrm>
+            <a:off x="4025475" y="3843945"/>
+            <a:ext cx="911883" cy="713466"/>
+          </a:xfrm>
+          <a:prstGeom prst="straightConnector1">
+            <a:avLst/>
+          </a:prstGeom>
+          <a:ln>
+            <a:tailEnd type="triangle"/>
+          </a:ln>
+        </p:spPr>
+        <p:style>
+          <a:lnRef idx="1">
+            <a:schemeClr val="dk1"/>
+          </a:lnRef>
+          <a:fillRef idx="0">
+            <a:schemeClr val="dk1"/>
+          </a:fillRef>
+          <a:effectRef idx="0">
+            <a:schemeClr val="dk1"/>
+          </a:effectRef>
+          <a:fontRef idx="minor">
+            <a:schemeClr val="tx1"/>
+          </a:fontRef>
+        </p:style>
+      </p:cxnSp>
+      <p:cxnSp>
+        <p:nvCxnSpPr>
+          <p:cNvPr id="244" name="직선 화살표 연결선 243">
+            <a:extLst>
+              <a:ext uri="{FF2B5EF4-FFF2-40B4-BE49-F238E27FC236}">
+                <a16:creationId xmlns:a16="http://schemas.microsoft.com/office/drawing/2014/main" id="{3B96E093-9EFE-4481-BCFB-7E2933BE9F0D}"/>
+              </a:ext>
+            </a:extLst>
+          </p:cNvPr>
+          <p:cNvCxnSpPr>
+            <a:cxnSpLocks/>
+            <a:stCxn id="104" idx="6"/>
+            <a:endCxn id="128" idx="2"/>
+          </p:cNvCxnSpPr>
+          <p:nvPr/>
+        </p:nvCxnSpPr>
+        <p:spPr>
+          <a:xfrm flipV="1">
+            <a:off x="5340526" y="3856325"/>
+            <a:ext cx="936019" cy="701086"/>
+          </a:xfrm>
+          <a:prstGeom prst="straightConnector1">
+            <a:avLst/>
+          </a:prstGeom>
+          <a:ln>
+            <a:tailEnd type="triangle"/>
+          </a:ln>
+        </p:spPr>
+        <p:style>
+          <a:lnRef idx="1">
+            <a:schemeClr val="dk1"/>
+          </a:lnRef>
+          <a:fillRef idx="0">
+            <a:schemeClr val="dk1"/>
+          </a:fillRef>
+          <a:effectRef idx="0">
+            <a:schemeClr val="dk1"/>
+          </a:effectRef>
+          <a:fontRef idx="minor">
+            <a:schemeClr val="tx1"/>
+          </a:fontRef>
+        </p:style>
+      </p:cxnSp>
+      <p:cxnSp>
+        <p:nvCxnSpPr>
+          <p:cNvPr id="247" name="직선 화살표 연결선 246">
+            <a:extLst>
+              <a:ext uri="{FF2B5EF4-FFF2-40B4-BE49-F238E27FC236}">
+                <a16:creationId xmlns:a16="http://schemas.microsoft.com/office/drawing/2014/main" id="{7CA8A70C-CFCA-4DB7-8504-E1D8E9A2FC42}"/>
+              </a:ext>
+            </a:extLst>
+          </p:cNvPr>
+          <p:cNvCxnSpPr>
+            <a:cxnSpLocks/>
+            <a:stCxn id="128" idx="6"/>
+            <a:endCxn id="148" idx="2"/>
+          </p:cNvCxnSpPr>
+          <p:nvPr/>
+        </p:nvCxnSpPr>
+        <p:spPr>
+          <a:xfrm flipV="1">
+            <a:off x="6679713" y="1023157"/>
+            <a:ext cx="926471" cy="2833168"/>
+          </a:xfrm>
+          <a:prstGeom prst="straightConnector1">
+            <a:avLst/>
+          </a:prstGeom>
+          <a:ln>
+            <a:tailEnd type="triangle"/>
+          </a:ln>
+        </p:spPr>
+        <p:style>
+          <a:lnRef idx="1">
+            <a:schemeClr val="dk1"/>
+          </a:lnRef>
+          <a:fillRef idx="0">
+            <a:schemeClr val="dk1"/>
+          </a:fillRef>
+          <a:effectRef idx="0">
+            <a:schemeClr val="dk1"/>
+          </a:effectRef>
+          <a:fontRef idx="minor">
+            <a:schemeClr val="tx1"/>
+          </a:fontRef>
+        </p:style>
+      </p:cxnSp>
+      <p:cxnSp>
+        <p:nvCxnSpPr>
+          <p:cNvPr id="253" name="직선 화살표 연결선 252">
+            <a:extLst>
+              <a:ext uri="{FF2B5EF4-FFF2-40B4-BE49-F238E27FC236}">
+                <a16:creationId xmlns:a16="http://schemas.microsoft.com/office/drawing/2014/main" id="{B930FC5E-7B50-4807-BDA5-D891F44816C9}"/>
+              </a:ext>
+            </a:extLst>
+          </p:cNvPr>
+          <p:cNvCxnSpPr>
+            <a:cxnSpLocks/>
+            <a:stCxn id="148" idx="6"/>
+            <a:endCxn id="181" idx="2"/>
+          </p:cNvCxnSpPr>
+          <p:nvPr/>
+        </p:nvCxnSpPr>
+        <p:spPr>
+          <a:xfrm>
+            <a:off x="8009352" y="1023157"/>
+            <a:ext cx="959668" cy="4936379"/>
+          </a:xfrm>
+          <a:prstGeom prst="straightConnector1">
+            <a:avLst/>
+          </a:prstGeom>
+          <a:ln>
+            <a:tailEnd type="triangle"/>
+          </a:ln>
+        </p:spPr>
+        <p:style>
+          <a:lnRef idx="1">
+            <a:schemeClr val="dk1"/>
+          </a:lnRef>
+          <a:fillRef idx="0">
+            <a:schemeClr val="dk1"/>
+          </a:fillRef>
+          <a:effectRef idx="0">
+            <a:schemeClr val="dk1"/>
+          </a:effectRef>
+          <a:fontRef idx="minor">
+            <a:schemeClr val="tx1"/>
+          </a:fontRef>
+        </p:style>
+      </p:cxnSp>
+      <p:cxnSp>
+        <p:nvCxnSpPr>
+          <p:cNvPr id="258" name="직선 화살표 연결선 257">
+            <a:extLst>
+              <a:ext uri="{FF2B5EF4-FFF2-40B4-BE49-F238E27FC236}">
+                <a16:creationId xmlns:a16="http://schemas.microsoft.com/office/drawing/2014/main" id="{8C212A71-6B20-4ADF-A624-892814FBC956}"/>
+              </a:ext>
+            </a:extLst>
+          </p:cNvPr>
+          <p:cNvCxnSpPr>
+            <a:cxnSpLocks/>
+            <a:stCxn id="41" idx="6"/>
+            <a:endCxn id="27" idx="2"/>
+          </p:cNvCxnSpPr>
+          <p:nvPr/>
+        </p:nvCxnSpPr>
+        <p:spPr>
+          <a:xfrm flipV="1">
+            <a:off x="526474" y="2436320"/>
+            <a:ext cx="570806" cy="1055028"/>
+          </a:xfrm>
+          <a:prstGeom prst="straightConnector1">
+            <a:avLst/>
+          </a:prstGeom>
+          <a:ln>
+            <a:tailEnd type="triangle"/>
+          </a:ln>
+        </p:spPr>
+        <p:style>
+          <a:lnRef idx="1">
+            <a:schemeClr val="accent1"/>
+          </a:lnRef>
+          <a:fillRef idx="0">
+            <a:schemeClr val="accent1"/>
+          </a:fillRef>
+          <a:effectRef idx="0">
+            <a:schemeClr val="accent1"/>
+          </a:effectRef>
+          <a:fontRef idx="minor">
+            <a:schemeClr val="tx1"/>
+          </a:fontRef>
+        </p:style>
+      </p:cxnSp>
+      <p:cxnSp>
+        <p:nvCxnSpPr>
+          <p:cNvPr id="263" name="직선 화살표 연결선 262">
+            <a:extLst>
+              <a:ext uri="{FF2B5EF4-FFF2-40B4-BE49-F238E27FC236}">
+                <a16:creationId xmlns:a16="http://schemas.microsoft.com/office/drawing/2014/main" id="{41B444B3-E7C8-4131-ACC0-69320F3AFC68}"/>
+              </a:ext>
+            </a:extLst>
+          </p:cNvPr>
+          <p:cNvCxnSpPr>
+            <a:cxnSpLocks/>
+            <a:stCxn id="27" idx="6"/>
+            <a:endCxn id="53" idx="2"/>
+          </p:cNvCxnSpPr>
+          <p:nvPr/>
+        </p:nvCxnSpPr>
+        <p:spPr>
+          <a:xfrm>
+            <a:off x="1500448" y="2436320"/>
+            <a:ext cx="849659" cy="1407626"/>
+          </a:xfrm>
+          <a:prstGeom prst="straightConnector1">
+            <a:avLst/>
+          </a:prstGeom>
+          <a:ln>
+            <a:tailEnd type="triangle"/>
+          </a:ln>
+        </p:spPr>
+        <p:style>
+          <a:lnRef idx="1">
+            <a:schemeClr val="accent1"/>
+          </a:lnRef>
+          <a:fillRef idx="0">
+            <a:schemeClr val="accent1"/>
+          </a:fillRef>
+          <a:effectRef idx="0">
+            <a:schemeClr val="accent1"/>
+          </a:effectRef>
+          <a:fontRef idx="minor">
+            <a:schemeClr val="tx1"/>
+          </a:fontRef>
+        </p:style>
+      </p:cxnSp>
+      <p:cxnSp>
+        <p:nvCxnSpPr>
+          <p:cNvPr id="266" name="직선 화살표 연결선 265">
+            <a:extLst>
+              <a:ext uri="{FF2B5EF4-FFF2-40B4-BE49-F238E27FC236}">
+                <a16:creationId xmlns:a16="http://schemas.microsoft.com/office/drawing/2014/main" id="{4DF0FAD6-18D1-4058-A166-EFEC8D738909}"/>
+              </a:ext>
+            </a:extLst>
+          </p:cNvPr>
+          <p:cNvCxnSpPr>
+            <a:cxnSpLocks/>
+            <a:stCxn id="53" idx="6"/>
+            <a:endCxn id="79" idx="2"/>
+          </p:cNvCxnSpPr>
+          <p:nvPr/>
+        </p:nvCxnSpPr>
+        <p:spPr>
+          <a:xfrm>
+            <a:off x="2753275" y="3843946"/>
+            <a:ext cx="877345" cy="705196"/>
+          </a:xfrm>
+          <a:prstGeom prst="straightConnector1">
+            <a:avLst/>
+          </a:prstGeom>
+          <a:ln>
+            <a:tailEnd type="triangle"/>
+          </a:ln>
+        </p:spPr>
+        <p:style>
+          <a:lnRef idx="1">
+            <a:schemeClr val="accent1"/>
+          </a:lnRef>
+          <a:fillRef idx="0">
+            <a:schemeClr val="accent1"/>
+          </a:fillRef>
+          <a:effectRef idx="0">
+            <a:schemeClr val="accent1"/>
+          </a:effectRef>
+          <a:fontRef idx="minor">
+            <a:schemeClr val="tx1"/>
+          </a:fontRef>
+        </p:style>
+      </p:cxnSp>
+      <p:cxnSp>
+        <p:nvCxnSpPr>
+          <p:cNvPr id="270" name="직선 화살표 연결선 269">
+            <a:extLst>
+              <a:ext uri="{FF2B5EF4-FFF2-40B4-BE49-F238E27FC236}">
+                <a16:creationId xmlns:a16="http://schemas.microsoft.com/office/drawing/2014/main" id="{1DF9C285-A626-4169-82E7-EFD5A15B76CA}"/>
+              </a:ext>
+            </a:extLst>
+          </p:cNvPr>
+          <p:cNvCxnSpPr>
+            <a:cxnSpLocks/>
+            <a:stCxn id="79" idx="6"/>
+            <a:endCxn id="103" idx="2"/>
+          </p:cNvCxnSpPr>
+          <p:nvPr/>
+        </p:nvCxnSpPr>
+        <p:spPr>
+          <a:xfrm flipV="1">
+            <a:off x="4033788" y="3852214"/>
+            <a:ext cx="895257" cy="696928"/>
+          </a:xfrm>
+          <a:prstGeom prst="straightConnector1">
+            <a:avLst/>
+          </a:prstGeom>
+          <a:ln>
+            <a:tailEnd type="triangle"/>
+          </a:ln>
+        </p:spPr>
+        <p:style>
+          <a:lnRef idx="1">
+            <a:schemeClr val="accent1"/>
+          </a:lnRef>
+          <a:fillRef idx="0">
+            <a:schemeClr val="accent1"/>
+          </a:fillRef>
+          <a:effectRef idx="0">
+            <a:schemeClr val="accent1"/>
+          </a:effectRef>
+          <a:fontRef idx="minor">
+            <a:schemeClr val="tx1"/>
+          </a:fontRef>
+        </p:style>
+      </p:cxnSp>
+      <p:cxnSp>
+        <p:nvCxnSpPr>
+          <p:cNvPr id="273" name="직선 화살표 연결선 272">
+            <a:extLst>
+              <a:ext uri="{FF2B5EF4-FFF2-40B4-BE49-F238E27FC236}">
+                <a16:creationId xmlns:a16="http://schemas.microsoft.com/office/drawing/2014/main" id="{2224C2EB-F355-4067-8200-2D2152C83277}"/>
+              </a:ext>
+            </a:extLst>
+          </p:cNvPr>
+          <p:cNvCxnSpPr>
+            <a:cxnSpLocks/>
+            <a:stCxn id="103" idx="6"/>
+            <a:endCxn id="123" idx="2"/>
+          </p:cNvCxnSpPr>
+          <p:nvPr/>
+        </p:nvCxnSpPr>
+        <p:spPr>
+          <a:xfrm flipV="1">
+            <a:off x="5332213" y="1035537"/>
+            <a:ext cx="944332" cy="2816677"/>
+          </a:xfrm>
+          <a:prstGeom prst="straightConnector1">
+            <a:avLst/>
+          </a:prstGeom>
+          <a:ln>
+            <a:tailEnd type="triangle"/>
+          </a:ln>
+        </p:spPr>
+        <p:style>
+          <a:lnRef idx="1">
+            <a:schemeClr val="accent1"/>
+          </a:lnRef>
+          <a:fillRef idx="0">
+            <a:schemeClr val="accent1"/>
+          </a:fillRef>
+          <a:effectRef idx="0">
+            <a:schemeClr val="accent1"/>
+          </a:effectRef>
+          <a:fontRef idx="minor">
+            <a:schemeClr val="tx1"/>
+          </a:fontRef>
+        </p:style>
+      </p:cxnSp>
+      <p:cxnSp>
+        <p:nvCxnSpPr>
+          <p:cNvPr id="277" name="직선 화살표 연결선 276">
+            <a:extLst>
+              <a:ext uri="{FF2B5EF4-FFF2-40B4-BE49-F238E27FC236}">
+                <a16:creationId xmlns:a16="http://schemas.microsoft.com/office/drawing/2014/main" id="{B1F04600-A700-4F1B-B102-FDFD22A9BEB0}"/>
+              </a:ext>
+            </a:extLst>
+          </p:cNvPr>
+          <p:cNvCxnSpPr>
+            <a:cxnSpLocks/>
+            <a:stCxn id="26" idx="6"/>
+            <a:endCxn id="54" idx="2"/>
+          </p:cNvCxnSpPr>
+          <p:nvPr/>
+        </p:nvCxnSpPr>
+        <p:spPr>
+          <a:xfrm>
+            <a:off x="1500448" y="1731123"/>
+            <a:ext cx="857972" cy="2818020"/>
+          </a:xfrm>
+          <a:prstGeom prst="straightConnector1">
+            <a:avLst/>
+          </a:prstGeom>
+          <a:ln>
+            <a:tailEnd type="triangle"/>
+          </a:ln>
+        </p:spPr>
+        <p:style>
+          <a:lnRef idx="1">
+            <a:schemeClr val="accent6"/>
+          </a:lnRef>
+          <a:fillRef idx="0">
+            <a:schemeClr val="accent6"/>
+          </a:fillRef>
+          <a:effectRef idx="0">
+            <a:schemeClr val="accent6"/>
+          </a:effectRef>
+          <a:fontRef idx="minor">
+            <a:schemeClr val="tx1"/>
+          </a:fontRef>
+        </p:style>
+      </p:cxnSp>
+      <p:cxnSp>
+        <p:nvCxnSpPr>
+          <p:cNvPr id="282" name="직선 화살표 연결선 281">
+            <a:extLst>
+              <a:ext uri="{FF2B5EF4-FFF2-40B4-BE49-F238E27FC236}">
+                <a16:creationId xmlns:a16="http://schemas.microsoft.com/office/drawing/2014/main" id="{C28C7654-DAEF-4563-A680-C1C5E54417BD}"/>
+              </a:ext>
+            </a:extLst>
+          </p:cNvPr>
+          <p:cNvCxnSpPr>
+            <a:cxnSpLocks/>
+            <a:stCxn id="54" idx="6"/>
+            <a:endCxn id="78" idx="2"/>
+          </p:cNvCxnSpPr>
+          <p:nvPr/>
+        </p:nvCxnSpPr>
+        <p:spPr>
+          <a:xfrm flipV="1">
+            <a:off x="2761588" y="3843945"/>
+            <a:ext cx="860719" cy="705198"/>
+          </a:xfrm>
+          <a:prstGeom prst="straightConnector1">
+            <a:avLst/>
+          </a:prstGeom>
+          <a:ln>
+            <a:tailEnd type="triangle"/>
+          </a:ln>
+        </p:spPr>
+        <p:style>
+          <a:lnRef idx="1">
+            <a:schemeClr val="accent6"/>
+          </a:lnRef>
+          <a:fillRef idx="0">
+            <a:schemeClr val="accent6"/>
+          </a:fillRef>
+          <a:effectRef idx="0">
+            <a:schemeClr val="accent6"/>
+          </a:effectRef>
+          <a:fontRef idx="minor">
+            <a:schemeClr val="tx1"/>
+          </a:fontRef>
+        </p:style>
+      </p:cxnSp>
+      <p:cxnSp>
+        <p:nvCxnSpPr>
+          <p:cNvPr id="285" name="직선 화살표 연결선 284">
+            <a:extLst>
+              <a:ext uri="{FF2B5EF4-FFF2-40B4-BE49-F238E27FC236}">
+                <a16:creationId xmlns:a16="http://schemas.microsoft.com/office/drawing/2014/main" id="{6CF0E8E6-CFA6-4B62-B4C7-684AC225B1E4}"/>
+              </a:ext>
+            </a:extLst>
+          </p:cNvPr>
+          <p:cNvCxnSpPr>
+            <a:cxnSpLocks/>
+            <a:stCxn id="78" idx="6"/>
+            <a:endCxn id="101" idx="2"/>
+          </p:cNvCxnSpPr>
+          <p:nvPr/>
+        </p:nvCxnSpPr>
+        <p:spPr>
+          <a:xfrm flipV="1">
+            <a:off x="4025475" y="2441820"/>
+            <a:ext cx="903570" cy="1402125"/>
+          </a:xfrm>
+          <a:prstGeom prst="straightConnector1">
+            <a:avLst/>
+          </a:prstGeom>
+          <a:ln>
+            <a:tailEnd type="triangle"/>
+          </a:ln>
+        </p:spPr>
+        <p:style>
+          <a:lnRef idx="1">
+            <a:schemeClr val="accent6"/>
+          </a:lnRef>
+          <a:fillRef idx="0">
+            <a:schemeClr val="accent6"/>
+          </a:fillRef>
+          <a:effectRef idx="0">
+            <a:schemeClr val="accent6"/>
+          </a:effectRef>
+          <a:fontRef idx="minor">
+            <a:schemeClr val="tx1"/>
+          </a:fontRef>
+        </p:style>
+      </p:cxnSp>
+      <p:cxnSp>
+        <p:nvCxnSpPr>
+          <p:cNvPr id="289" name="직선 화살표 연결선 288">
+            <a:extLst>
+              <a:ext uri="{FF2B5EF4-FFF2-40B4-BE49-F238E27FC236}">
+                <a16:creationId xmlns:a16="http://schemas.microsoft.com/office/drawing/2014/main" id="{5A54F879-3B43-4A42-AB66-8EA13E4E5991}"/>
+              </a:ext>
+            </a:extLst>
+          </p:cNvPr>
+          <p:cNvCxnSpPr>
+            <a:cxnSpLocks/>
+            <a:stCxn id="101" idx="6"/>
+            <a:endCxn id="123" idx="2"/>
+          </p:cNvCxnSpPr>
+          <p:nvPr/>
+        </p:nvCxnSpPr>
+        <p:spPr>
+          <a:xfrm flipV="1">
+            <a:off x="5332213" y="1035537"/>
+            <a:ext cx="944332" cy="1406283"/>
+          </a:xfrm>
+          <a:prstGeom prst="straightConnector1">
+            <a:avLst/>
+          </a:prstGeom>
+          <a:ln>
+            <a:tailEnd type="triangle"/>
+          </a:ln>
+        </p:spPr>
+        <p:style>
+          <a:lnRef idx="1">
+            <a:schemeClr val="accent6"/>
+          </a:lnRef>
+          <a:fillRef idx="0">
+            <a:schemeClr val="accent6"/>
+          </a:fillRef>
+          <a:effectRef idx="0">
+            <a:schemeClr val="accent6"/>
+          </a:effectRef>
+          <a:fontRef idx="minor">
+            <a:schemeClr val="tx1"/>
+          </a:fontRef>
+        </p:style>
+      </p:cxnSp>
+      <p:cxnSp>
+        <p:nvCxnSpPr>
+          <p:cNvPr id="292" name="직선 화살표 연결선 291">
+            <a:extLst>
+              <a:ext uri="{FF2B5EF4-FFF2-40B4-BE49-F238E27FC236}">
+                <a16:creationId xmlns:a16="http://schemas.microsoft.com/office/drawing/2014/main" id="{323E5D09-BB94-4CDE-9979-E6B0655A0413}"/>
+              </a:ext>
+            </a:extLst>
+          </p:cNvPr>
+          <p:cNvCxnSpPr>
+            <a:cxnSpLocks/>
+            <a:stCxn id="123" idx="6"/>
+            <a:endCxn id="156" idx="2"/>
+          </p:cNvCxnSpPr>
+          <p:nvPr/>
+        </p:nvCxnSpPr>
+        <p:spPr>
+          <a:xfrm>
+            <a:off x="6679713" y="1035537"/>
+            <a:ext cx="934784" cy="4923999"/>
+          </a:xfrm>
+          <a:prstGeom prst="straightConnector1">
+            <a:avLst/>
+          </a:prstGeom>
+          <a:ln>
+            <a:tailEnd type="triangle"/>
+          </a:ln>
+        </p:spPr>
+        <p:style>
+          <a:lnRef idx="1">
+            <a:schemeClr val="accent1"/>
+          </a:lnRef>
+          <a:fillRef idx="0">
+            <a:schemeClr val="accent1"/>
+          </a:fillRef>
+          <a:effectRef idx="0">
+            <a:schemeClr val="accent1"/>
+          </a:effectRef>
+          <a:fontRef idx="minor">
+            <a:schemeClr val="tx1"/>
+          </a:fontRef>
+        </p:style>
+      </p:cxnSp>
+      <p:cxnSp>
+        <p:nvCxnSpPr>
+          <p:cNvPr id="296" name="직선 화살표 연결선 295">
+            <a:extLst>
+              <a:ext uri="{FF2B5EF4-FFF2-40B4-BE49-F238E27FC236}">
+                <a16:creationId xmlns:a16="http://schemas.microsoft.com/office/drawing/2014/main" id="{ABAADC6D-C2EF-4BA7-BCF6-E701D46B8120}"/>
+              </a:ext>
+            </a:extLst>
+          </p:cNvPr>
+          <p:cNvCxnSpPr>
+            <a:cxnSpLocks/>
+            <a:stCxn id="41" idx="6"/>
+            <a:endCxn id="28" idx="2"/>
+          </p:cNvCxnSpPr>
+          <p:nvPr/>
+        </p:nvCxnSpPr>
+        <p:spPr>
+          <a:xfrm flipV="1">
+            <a:off x="526474" y="3141517"/>
+            <a:ext cx="579119" cy="349831"/>
+          </a:xfrm>
+          <a:prstGeom prst="straightConnector1">
+            <a:avLst/>
+          </a:prstGeom>
+          <a:ln>
+            <a:tailEnd type="triangle"/>
+          </a:ln>
+        </p:spPr>
+        <p:style>
+          <a:lnRef idx="1">
+            <a:schemeClr val="accent6"/>
+          </a:lnRef>
+          <a:fillRef idx="0">
+            <a:schemeClr val="accent6"/>
+          </a:fillRef>
+          <a:effectRef idx="0">
+            <a:schemeClr val="accent6"/>
+          </a:effectRef>
+          <a:fontRef idx="minor">
+            <a:schemeClr val="tx1"/>
+          </a:fontRef>
+        </p:style>
+      </p:cxnSp>
+      <p:cxnSp>
+        <p:nvCxnSpPr>
+          <p:cNvPr id="300" name="직선 화살표 연결선 299">
+            <a:extLst>
+              <a:ext uri="{FF2B5EF4-FFF2-40B4-BE49-F238E27FC236}">
+                <a16:creationId xmlns:a16="http://schemas.microsoft.com/office/drawing/2014/main" id="{7E7D36A6-EA29-4D97-901D-8618BCC26766}"/>
+              </a:ext>
+            </a:extLst>
+          </p:cNvPr>
+          <p:cNvCxnSpPr>
+            <a:cxnSpLocks/>
+            <a:stCxn id="41" idx="6"/>
+            <a:endCxn id="29" idx="2"/>
+          </p:cNvCxnSpPr>
+          <p:nvPr/>
+        </p:nvCxnSpPr>
+        <p:spPr>
+          <a:xfrm>
+            <a:off x="526474" y="3491348"/>
+            <a:ext cx="570806" cy="355366"/>
+          </a:xfrm>
+          <a:prstGeom prst="straightConnector1">
+            <a:avLst/>
+          </a:prstGeom>
+          <a:ln>
+            <a:tailEnd type="triangle"/>
+          </a:ln>
+        </p:spPr>
+        <p:style>
+          <a:lnRef idx="1">
+            <a:schemeClr val="accent2"/>
+          </a:lnRef>
+          <a:fillRef idx="0">
+            <a:schemeClr val="accent2"/>
+          </a:fillRef>
+          <a:effectRef idx="0">
+            <a:schemeClr val="accent2"/>
+          </a:effectRef>
+          <a:fontRef idx="minor">
+            <a:schemeClr val="tx1"/>
+          </a:fontRef>
+        </p:style>
+      </p:cxnSp>
+      <p:cxnSp>
+        <p:nvCxnSpPr>
+          <p:cNvPr id="303" name="직선 화살표 연결선 302">
+            <a:extLst>
+              <a:ext uri="{FF2B5EF4-FFF2-40B4-BE49-F238E27FC236}">
+                <a16:creationId xmlns:a16="http://schemas.microsoft.com/office/drawing/2014/main" id="{962AE838-B8B3-41AF-BC82-AFCD5B71C23E}"/>
+              </a:ext>
+            </a:extLst>
+          </p:cNvPr>
+          <p:cNvCxnSpPr>
+            <a:cxnSpLocks/>
+            <a:stCxn id="29" idx="6"/>
+            <a:endCxn id="54" idx="2"/>
+          </p:cNvCxnSpPr>
+          <p:nvPr/>
+        </p:nvCxnSpPr>
+        <p:spPr>
+          <a:xfrm>
+            <a:off x="1500448" y="3846714"/>
+            <a:ext cx="857972" cy="702429"/>
+          </a:xfrm>
+          <a:prstGeom prst="straightConnector1">
+            <a:avLst/>
+          </a:prstGeom>
+          <a:ln>
+            <a:tailEnd type="triangle"/>
+          </a:ln>
+        </p:spPr>
+        <p:style>
+          <a:lnRef idx="1">
+            <a:schemeClr val="accent2"/>
+          </a:lnRef>
+          <a:fillRef idx="0">
+            <a:schemeClr val="accent2"/>
+          </a:fillRef>
+          <a:effectRef idx="0">
+            <a:schemeClr val="accent2"/>
+          </a:effectRef>
+          <a:fontRef idx="minor">
+            <a:schemeClr val="tx1"/>
+          </a:fontRef>
+        </p:style>
+      </p:cxnSp>
+      <p:cxnSp>
+        <p:nvCxnSpPr>
+          <p:cNvPr id="306" name="직선 화살표 연결선 305">
+            <a:extLst>
+              <a:ext uri="{FF2B5EF4-FFF2-40B4-BE49-F238E27FC236}">
+                <a16:creationId xmlns:a16="http://schemas.microsoft.com/office/drawing/2014/main" id="{08F808D9-EF1F-4CCD-A7F6-3FFB84DD1001}"/>
+              </a:ext>
+            </a:extLst>
+          </p:cNvPr>
+          <p:cNvCxnSpPr>
+            <a:cxnSpLocks/>
+            <a:stCxn id="54" idx="7"/>
+            <a:endCxn id="78" idx="3"/>
+          </p:cNvCxnSpPr>
+          <p:nvPr/>
+        </p:nvCxnSpPr>
+        <p:spPr>
+          <a:xfrm flipV="1">
+            <a:off x="2702545" y="3986486"/>
+            <a:ext cx="978805" cy="420116"/>
+          </a:xfrm>
+          <a:prstGeom prst="straightConnector1">
+            <a:avLst/>
+          </a:prstGeom>
+          <a:ln>
+            <a:tailEnd type="triangle"/>
+          </a:ln>
+        </p:spPr>
+        <p:style>
+          <a:lnRef idx="1">
+            <a:schemeClr val="accent2"/>
+          </a:lnRef>
+          <a:fillRef idx="0">
+            <a:schemeClr val="accent2"/>
+          </a:fillRef>
+          <a:effectRef idx="0">
+            <a:schemeClr val="accent2"/>
+          </a:effectRef>
+          <a:fontRef idx="minor">
+            <a:schemeClr val="tx1"/>
+          </a:fontRef>
+        </p:style>
+      </p:cxnSp>
+      <p:cxnSp>
+        <p:nvCxnSpPr>
+          <p:cNvPr id="309" name="직선 화살표 연결선 308">
+            <a:extLst>
+              <a:ext uri="{FF2B5EF4-FFF2-40B4-BE49-F238E27FC236}">
+                <a16:creationId xmlns:a16="http://schemas.microsoft.com/office/drawing/2014/main" id="{C9768F03-49B2-402D-BA68-6F4562DAEE9F}"/>
+              </a:ext>
+            </a:extLst>
+          </p:cNvPr>
+          <p:cNvCxnSpPr>
+            <a:cxnSpLocks/>
+            <a:stCxn id="78" idx="6"/>
+            <a:endCxn id="98" idx="2"/>
+          </p:cNvCxnSpPr>
+          <p:nvPr/>
+        </p:nvCxnSpPr>
+        <p:spPr>
+          <a:xfrm flipV="1">
+            <a:off x="4025475" y="1031426"/>
+            <a:ext cx="903570" cy="2812519"/>
+          </a:xfrm>
+          <a:prstGeom prst="straightConnector1">
+            <a:avLst/>
+          </a:prstGeom>
+          <a:ln>
+            <a:tailEnd type="triangle"/>
+          </a:ln>
+        </p:spPr>
+        <p:style>
+          <a:lnRef idx="1">
+            <a:schemeClr val="accent2"/>
+          </a:lnRef>
+          <a:fillRef idx="0">
+            <a:schemeClr val="accent2"/>
+          </a:fillRef>
+          <a:effectRef idx="0">
+            <a:schemeClr val="accent2"/>
+          </a:effectRef>
+          <a:fontRef idx="minor">
+            <a:schemeClr val="tx1"/>
+          </a:fontRef>
+        </p:style>
+      </p:cxnSp>
+      <p:cxnSp>
+        <p:nvCxnSpPr>
+          <p:cNvPr id="312" name="직선 화살표 연결선 311">
+            <a:extLst>
+              <a:ext uri="{FF2B5EF4-FFF2-40B4-BE49-F238E27FC236}">
+                <a16:creationId xmlns:a16="http://schemas.microsoft.com/office/drawing/2014/main" id="{60BAFDC0-3BAC-43C5-B727-A65358876CCE}"/>
+              </a:ext>
+            </a:extLst>
+          </p:cNvPr>
+          <p:cNvCxnSpPr>
+            <a:cxnSpLocks/>
+            <a:stCxn id="98" idx="6"/>
+            <a:endCxn id="125" idx="2"/>
+          </p:cNvCxnSpPr>
+          <p:nvPr/>
+        </p:nvCxnSpPr>
+        <p:spPr>
+          <a:xfrm>
+            <a:off x="5332213" y="1031426"/>
+            <a:ext cx="944332" cy="709308"/>
+          </a:xfrm>
+          <a:prstGeom prst="straightConnector1">
+            <a:avLst/>
+          </a:prstGeom>
+          <a:ln>
+            <a:tailEnd type="triangle"/>
+          </a:ln>
+        </p:spPr>
+        <p:style>
+          <a:lnRef idx="1">
+            <a:schemeClr val="accent2"/>
+          </a:lnRef>
+          <a:fillRef idx="0">
+            <a:schemeClr val="accent2"/>
+          </a:fillRef>
+          <a:effectRef idx="0">
+            <a:schemeClr val="accent2"/>
+          </a:effectRef>
+          <a:fontRef idx="minor">
+            <a:schemeClr val="tx1"/>
+          </a:fontRef>
+        </p:style>
+      </p:cxnSp>
+      <p:cxnSp>
+        <p:nvCxnSpPr>
+          <p:cNvPr id="315" name="직선 화살표 연결선 314">
+            <a:extLst>
+              <a:ext uri="{FF2B5EF4-FFF2-40B4-BE49-F238E27FC236}">
+                <a16:creationId xmlns:a16="http://schemas.microsoft.com/office/drawing/2014/main" id="{0608AB37-7C56-4CC8-B47C-0EA164CA2004}"/>
+              </a:ext>
+            </a:extLst>
+          </p:cNvPr>
+          <p:cNvCxnSpPr>
+            <a:cxnSpLocks/>
+            <a:stCxn id="125" idx="6"/>
+            <a:endCxn id="151" idx="2"/>
+          </p:cNvCxnSpPr>
+          <p:nvPr/>
+        </p:nvCxnSpPr>
+        <p:spPr>
+          <a:xfrm>
+            <a:off x="6679713" y="1740734"/>
+            <a:ext cx="926471" cy="692817"/>
+          </a:xfrm>
+          <a:prstGeom prst="straightConnector1">
+            <a:avLst/>
+          </a:prstGeom>
+          <a:ln>
+            <a:tailEnd type="triangle"/>
+          </a:ln>
+        </p:spPr>
+        <p:style>
+          <a:lnRef idx="1">
+            <a:schemeClr val="accent2"/>
+          </a:lnRef>
+          <a:fillRef idx="0">
+            <a:schemeClr val="accent2"/>
+          </a:fillRef>
+          <a:effectRef idx="0">
+            <a:schemeClr val="accent2"/>
+          </a:effectRef>
+          <a:fontRef idx="minor">
+            <a:schemeClr val="tx1"/>
+          </a:fontRef>
+        </p:style>
+      </p:cxnSp>
+      <p:cxnSp>
+        <p:nvCxnSpPr>
+          <p:cNvPr id="319" name="직선 화살표 연결선 318">
+            <a:extLst>
+              <a:ext uri="{FF2B5EF4-FFF2-40B4-BE49-F238E27FC236}">
+                <a16:creationId xmlns:a16="http://schemas.microsoft.com/office/drawing/2014/main" id="{859BCF62-7B3A-4DEE-97E7-2DDA44A38DDF}"/>
+              </a:ext>
+            </a:extLst>
+          </p:cNvPr>
+          <p:cNvCxnSpPr>
+            <a:cxnSpLocks/>
+            <a:stCxn id="151" idx="6"/>
+            <a:endCxn id="181" idx="2"/>
+          </p:cNvCxnSpPr>
+          <p:nvPr/>
+        </p:nvCxnSpPr>
+        <p:spPr>
+          <a:xfrm>
+            <a:off x="8009352" y="2433551"/>
+            <a:ext cx="959668" cy="3525985"/>
+          </a:xfrm>
+          <a:prstGeom prst="straightConnector1">
+            <a:avLst/>
+          </a:prstGeom>
+          <a:ln>
+            <a:tailEnd type="triangle"/>
+          </a:ln>
+        </p:spPr>
+        <p:style>
+          <a:lnRef idx="1">
+            <a:schemeClr val="accent2"/>
+          </a:lnRef>
+          <a:fillRef idx="0">
+            <a:schemeClr val="accent2"/>
+          </a:fillRef>
+          <a:effectRef idx="0">
+            <a:schemeClr val="accent2"/>
+          </a:effectRef>
+          <a:fontRef idx="minor">
+            <a:schemeClr val="tx1"/>
+          </a:fontRef>
+        </p:style>
+      </p:cxnSp>
+      <p:cxnSp>
+        <p:nvCxnSpPr>
+          <p:cNvPr id="328" name="직선 화살표 연결선 327">
+            <a:extLst>
+              <a:ext uri="{FF2B5EF4-FFF2-40B4-BE49-F238E27FC236}">
+                <a16:creationId xmlns:a16="http://schemas.microsoft.com/office/drawing/2014/main" id="{38C8C8B5-0F6C-4198-841A-78AA70E89738}"/>
+              </a:ext>
+            </a:extLst>
+          </p:cNvPr>
+          <p:cNvCxnSpPr>
+            <a:cxnSpLocks/>
+            <a:stCxn id="123" idx="6"/>
+            <a:endCxn id="150" idx="2"/>
+          </p:cNvCxnSpPr>
+          <p:nvPr/>
+        </p:nvCxnSpPr>
+        <p:spPr>
+          <a:xfrm>
+            <a:off x="6679713" y="1035537"/>
+            <a:ext cx="926471" cy="692817"/>
+          </a:xfrm>
+          <a:prstGeom prst="straightConnector1">
+            <a:avLst/>
+          </a:prstGeom>
+          <a:ln>
+            <a:tailEnd type="triangle"/>
+          </a:ln>
+        </p:spPr>
+        <p:style>
+          <a:lnRef idx="1">
+            <a:schemeClr val="accent1"/>
+          </a:lnRef>
+          <a:fillRef idx="0">
+            <a:schemeClr val="accent1"/>
+          </a:fillRef>
+          <a:effectRef idx="0">
+            <a:schemeClr val="accent1"/>
+          </a:effectRef>
+          <a:fontRef idx="minor">
+            <a:schemeClr val="tx1"/>
+          </a:fontRef>
+        </p:style>
+      </p:cxnSp>
+      <p:cxnSp>
+        <p:nvCxnSpPr>
+          <p:cNvPr id="334" name="직선 화살표 연결선 333">
+            <a:extLst>
+              <a:ext uri="{FF2B5EF4-FFF2-40B4-BE49-F238E27FC236}">
+                <a16:creationId xmlns:a16="http://schemas.microsoft.com/office/drawing/2014/main" id="{98ED010C-1E20-47C3-86DE-F627B4F4B179}"/>
+              </a:ext>
+            </a:extLst>
+          </p:cNvPr>
+          <p:cNvCxnSpPr>
+            <a:cxnSpLocks/>
+            <a:stCxn id="151" idx="6"/>
+            <a:endCxn id="178" idx="2"/>
+          </p:cNvCxnSpPr>
+          <p:nvPr/>
+        </p:nvCxnSpPr>
+        <p:spPr>
+          <a:xfrm>
+            <a:off x="8009352" y="2433551"/>
+            <a:ext cx="951355" cy="1410394"/>
+          </a:xfrm>
+          <a:prstGeom prst="straightConnector1">
+            <a:avLst/>
+          </a:prstGeom>
+          <a:ln>
+            <a:tailEnd type="triangle"/>
+          </a:ln>
+        </p:spPr>
+        <p:style>
+          <a:lnRef idx="1">
+            <a:schemeClr val="accent2"/>
+          </a:lnRef>
+          <a:fillRef idx="0">
+            <a:schemeClr val="accent2"/>
+          </a:fillRef>
+          <a:effectRef idx="0">
+            <a:schemeClr val="accent2"/>
+          </a:effectRef>
+          <a:fontRef idx="minor">
+            <a:schemeClr val="tx1"/>
+          </a:fontRef>
+        </p:style>
+      </p:cxnSp>
+      <p:cxnSp>
+        <p:nvCxnSpPr>
+          <p:cNvPr id="337" name="직선 화살표 연결선 336">
+            <a:extLst>
+              <a:ext uri="{FF2B5EF4-FFF2-40B4-BE49-F238E27FC236}">
+                <a16:creationId xmlns:a16="http://schemas.microsoft.com/office/drawing/2014/main" id="{7043F77E-2215-45DE-A67D-1D6F49418E59}"/>
+              </a:ext>
+            </a:extLst>
+          </p:cNvPr>
+          <p:cNvCxnSpPr>
+            <a:cxnSpLocks/>
+            <a:stCxn id="178" idx="6"/>
+            <a:endCxn id="206" idx="2"/>
+          </p:cNvCxnSpPr>
+          <p:nvPr/>
+        </p:nvCxnSpPr>
+        <p:spPr>
+          <a:xfrm>
+            <a:off x="9363875" y="3843945"/>
+            <a:ext cx="979041" cy="2115591"/>
+          </a:xfrm>
+          <a:prstGeom prst="straightConnector1">
+            <a:avLst/>
+          </a:prstGeom>
+          <a:ln>
+            <a:tailEnd type="triangle"/>
+          </a:ln>
+        </p:spPr>
+        <p:style>
+          <a:lnRef idx="1">
+            <a:schemeClr val="accent2"/>
+          </a:lnRef>
+          <a:fillRef idx="0">
+            <a:schemeClr val="accent2"/>
+          </a:fillRef>
+          <a:effectRef idx="0">
+            <a:schemeClr val="accent2"/>
+          </a:effectRef>
+          <a:fontRef idx="minor">
+            <a:schemeClr val="tx1"/>
+          </a:fontRef>
+        </p:style>
+      </p:cxnSp>
+      <p:cxnSp>
+        <p:nvCxnSpPr>
+          <p:cNvPr id="342" name="직선 연결선 341">
+            <a:extLst>
+              <a:ext uri="{FF2B5EF4-FFF2-40B4-BE49-F238E27FC236}">
+                <a16:creationId xmlns:a16="http://schemas.microsoft.com/office/drawing/2014/main" id="{DF8D0FA1-E26F-4006-BC03-3B4DEDEE672C}"/>
+              </a:ext>
+            </a:extLst>
+          </p:cNvPr>
+          <p:cNvCxnSpPr>
+            <a:cxnSpLocks/>
+          </p:cNvCxnSpPr>
+          <p:nvPr/>
+        </p:nvCxnSpPr>
+        <p:spPr>
+          <a:xfrm>
+            <a:off x="220347" y="5605464"/>
+            <a:ext cx="11168063" cy="0"/>
+          </a:xfrm>
+          <a:prstGeom prst="line">
+            <a:avLst/>
+          </a:prstGeom>
+          <a:ln w="19050">
+            <a:prstDash val="dash"/>
+          </a:ln>
+        </p:spPr>
+        <p:style>
+          <a:lnRef idx="1">
+            <a:schemeClr val="dk1"/>
+          </a:lnRef>
+          <a:fillRef idx="0">
+            <a:schemeClr val="dk1"/>
+          </a:fillRef>
+          <a:effectRef idx="0">
+            <a:schemeClr val="dk1"/>
+          </a:effectRef>
+          <a:fontRef idx="minor">
+            <a:schemeClr val="tx1"/>
+          </a:fontRef>
+        </p:style>
+      </p:cxnSp>
+    </p:spTree>
+    <p:extLst>
+      <p:ext uri="{BB962C8B-B14F-4D97-AF65-F5344CB8AC3E}">
+        <p14:creationId xmlns:p14="http://schemas.microsoft.com/office/powerpoint/2010/main" val="3282115558"/>
+      </p:ext>
+    </p:extLst>
+  </p:cSld>
+  <p:clrMapOvr>
+    <a:masterClrMapping/>
+  </p:clrMapOvr>
+</p:sld>
+</file>
+
 <file path=ppt/theme/theme1.xml><?xml version="1.0" encoding="utf-8"?>
 <a:theme xmlns:a="http://schemas.openxmlformats.org/drawingml/2006/main" name="Office 테마">
   <a:themeElements>

--- a/architecture.pptx
+++ b/architecture.pptx
@@ -22150,6 +22150,7 @@
             <a:prstGeom prst="ellipse">
               <a:avLst/>
             </a:prstGeom>
+            <a:noFill/>
           </p:spPr>
           <p:style>
             <a:lnRef idx="2">

--- a/architecture.pptx
+++ b/architecture.pptx
@@ -144,7 +144,7 @@
           <p:cNvPr id="2" name="제목 1">
             <a:extLst>
               <a:ext uri="{FF2B5EF4-FFF2-40B4-BE49-F238E27FC236}">
-                <a16:creationId xmlns:a16="http://schemas.microsoft.com/office/drawing/2014/main" id="{1EC66453-60C9-4ED7-968A-F4426E82A607}"/>
+                <a16:creationId xmlns:a16="http://schemas.microsoft.com/office/drawing/2014/main" xmlns="" id="{1EC66453-60C9-4ED7-968A-F4426E82A607}"/>
               </a:ext>
             </a:extLst>
           </p:cNvPr>
@@ -181,7 +181,7 @@
           <p:cNvPr id="3" name="부제목 2">
             <a:extLst>
               <a:ext uri="{FF2B5EF4-FFF2-40B4-BE49-F238E27FC236}">
-                <a16:creationId xmlns:a16="http://schemas.microsoft.com/office/drawing/2014/main" id="{0D8DA213-6525-4FBD-815D-6276D67770ED}"/>
+                <a16:creationId xmlns:a16="http://schemas.microsoft.com/office/drawing/2014/main" xmlns="" id="{0D8DA213-6525-4FBD-815D-6276D67770ED}"/>
               </a:ext>
             </a:extLst>
           </p:cNvPr>
@@ -251,7 +251,7 @@
           <p:cNvPr id="4" name="날짜 개체 틀 3">
             <a:extLst>
               <a:ext uri="{FF2B5EF4-FFF2-40B4-BE49-F238E27FC236}">
-                <a16:creationId xmlns:a16="http://schemas.microsoft.com/office/drawing/2014/main" id="{EF28861C-1B63-4EEF-95AA-AD90D336099C}"/>
+                <a16:creationId xmlns:a16="http://schemas.microsoft.com/office/drawing/2014/main" xmlns="" id="{EF28861C-1B63-4EEF-95AA-AD90D336099C}"/>
               </a:ext>
             </a:extLst>
           </p:cNvPr>
@@ -280,7 +280,7 @@
           <p:cNvPr id="5" name="바닥글 개체 틀 4">
             <a:extLst>
               <a:ext uri="{FF2B5EF4-FFF2-40B4-BE49-F238E27FC236}">
-                <a16:creationId xmlns:a16="http://schemas.microsoft.com/office/drawing/2014/main" id="{D8D34950-A4A6-46DC-BF27-49A8D3B28BFE}"/>
+                <a16:creationId xmlns:a16="http://schemas.microsoft.com/office/drawing/2014/main" xmlns="" id="{D8D34950-A4A6-46DC-BF27-49A8D3B28BFE}"/>
               </a:ext>
             </a:extLst>
           </p:cNvPr>
@@ -305,7 +305,7 @@
           <p:cNvPr id="6" name="슬라이드 번호 개체 틀 5">
             <a:extLst>
               <a:ext uri="{FF2B5EF4-FFF2-40B4-BE49-F238E27FC236}">
-                <a16:creationId xmlns:a16="http://schemas.microsoft.com/office/drawing/2014/main" id="{FE7BA875-958E-4CDC-8951-7D77E578AE47}"/>
+                <a16:creationId xmlns:a16="http://schemas.microsoft.com/office/drawing/2014/main" xmlns="" id="{FE7BA875-958E-4CDC-8951-7D77E578AE47}"/>
               </a:ext>
             </a:extLst>
           </p:cNvPr>
@@ -364,7 +364,7 @@
           <p:cNvPr id="2" name="제목 1">
             <a:extLst>
               <a:ext uri="{FF2B5EF4-FFF2-40B4-BE49-F238E27FC236}">
-                <a16:creationId xmlns:a16="http://schemas.microsoft.com/office/drawing/2014/main" id="{20F2CFDE-5B64-4331-9064-55D78B306859}"/>
+                <a16:creationId xmlns:a16="http://schemas.microsoft.com/office/drawing/2014/main" xmlns="" id="{20F2CFDE-5B64-4331-9064-55D78B306859}"/>
               </a:ext>
             </a:extLst>
           </p:cNvPr>
@@ -392,7 +392,7 @@
           <p:cNvPr id="3" name="세로 텍스트 개체 틀 2">
             <a:extLst>
               <a:ext uri="{FF2B5EF4-FFF2-40B4-BE49-F238E27FC236}">
-                <a16:creationId xmlns:a16="http://schemas.microsoft.com/office/drawing/2014/main" id="{271A643F-ED43-48AC-BEC5-4C56CE04275E}"/>
+                <a16:creationId xmlns:a16="http://schemas.microsoft.com/office/drawing/2014/main" xmlns="" id="{271A643F-ED43-48AC-BEC5-4C56CE04275E}"/>
               </a:ext>
             </a:extLst>
           </p:cNvPr>
@@ -449,7 +449,7 @@
           <p:cNvPr id="4" name="날짜 개체 틀 3">
             <a:extLst>
               <a:ext uri="{FF2B5EF4-FFF2-40B4-BE49-F238E27FC236}">
-                <a16:creationId xmlns:a16="http://schemas.microsoft.com/office/drawing/2014/main" id="{04792886-3460-4FF4-A292-CD3BE16E7162}"/>
+                <a16:creationId xmlns:a16="http://schemas.microsoft.com/office/drawing/2014/main" xmlns="" id="{04792886-3460-4FF4-A292-CD3BE16E7162}"/>
               </a:ext>
             </a:extLst>
           </p:cNvPr>
@@ -478,7 +478,7 @@
           <p:cNvPr id="5" name="바닥글 개체 틀 4">
             <a:extLst>
               <a:ext uri="{FF2B5EF4-FFF2-40B4-BE49-F238E27FC236}">
-                <a16:creationId xmlns:a16="http://schemas.microsoft.com/office/drawing/2014/main" id="{0CD5B91E-8C71-4A46-9E5F-24DAB80A26B3}"/>
+                <a16:creationId xmlns:a16="http://schemas.microsoft.com/office/drawing/2014/main" xmlns="" id="{0CD5B91E-8C71-4A46-9E5F-24DAB80A26B3}"/>
               </a:ext>
             </a:extLst>
           </p:cNvPr>
@@ -503,7 +503,7 @@
           <p:cNvPr id="6" name="슬라이드 번호 개체 틀 5">
             <a:extLst>
               <a:ext uri="{FF2B5EF4-FFF2-40B4-BE49-F238E27FC236}">
-                <a16:creationId xmlns:a16="http://schemas.microsoft.com/office/drawing/2014/main" id="{5B076C15-53A7-4E75-A6BF-A1CC04868147}"/>
+                <a16:creationId xmlns:a16="http://schemas.microsoft.com/office/drawing/2014/main" xmlns="" id="{5B076C15-53A7-4E75-A6BF-A1CC04868147}"/>
               </a:ext>
             </a:extLst>
           </p:cNvPr>
@@ -562,7 +562,7 @@
           <p:cNvPr id="2" name="세로 제목 1">
             <a:extLst>
               <a:ext uri="{FF2B5EF4-FFF2-40B4-BE49-F238E27FC236}">
-                <a16:creationId xmlns:a16="http://schemas.microsoft.com/office/drawing/2014/main" id="{CC17FE23-4882-42CD-91DC-D469872EE690}"/>
+                <a16:creationId xmlns:a16="http://schemas.microsoft.com/office/drawing/2014/main" xmlns="" id="{CC17FE23-4882-42CD-91DC-D469872EE690}"/>
               </a:ext>
             </a:extLst>
           </p:cNvPr>
@@ -595,7 +595,7 @@
           <p:cNvPr id="3" name="세로 텍스트 개체 틀 2">
             <a:extLst>
               <a:ext uri="{FF2B5EF4-FFF2-40B4-BE49-F238E27FC236}">
-                <a16:creationId xmlns:a16="http://schemas.microsoft.com/office/drawing/2014/main" id="{6C2409F9-32E3-4DEC-BE1F-66E8462ED368}"/>
+                <a16:creationId xmlns:a16="http://schemas.microsoft.com/office/drawing/2014/main" xmlns="" id="{6C2409F9-32E3-4DEC-BE1F-66E8462ED368}"/>
               </a:ext>
             </a:extLst>
           </p:cNvPr>
@@ -657,7 +657,7 @@
           <p:cNvPr id="4" name="날짜 개체 틀 3">
             <a:extLst>
               <a:ext uri="{FF2B5EF4-FFF2-40B4-BE49-F238E27FC236}">
-                <a16:creationId xmlns:a16="http://schemas.microsoft.com/office/drawing/2014/main" id="{62A04EE0-3AA5-40C5-A9CA-D74DD062ACBC}"/>
+                <a16:creationId xmlns:a16="http://schemas.microsoft.com/office/drawing/2014/main" xmlns="" id="{62A04EE0-3AA5-40C5-A9CA-D74DD062ACBC}"/>
               </a:ext>
             </a:extLst>
           </p:cNvPr>
@@ -686,7 +686,7 @@
           <p:cNvPr id="5" name="바닥글 개체 틀 4">
             <a:extLst>
               <a:ext uri="{FF2B5EF4-FFF2-40B4-BE49-F238E27FC236}">
-                <a16:creationId xmlns:a16="http://schemas.microsoft.com/office/drawing/2014/main" id="{F90BCFA4-9A00-4E65-B564-6CDAC597355D}"/>
+                <a16:creationId xmlns:a16="http://schemas.microsoft.com/office/drawing/2014/main" xmlns="" id="{F90BCFA4-9A00-4E65-B564-6CDAC597355D}"/>
               </a:ext>
             </a:extLst>
           </p:cNvPr>
@@ -711,7 +711,7 @@
           <p:cNvPr id="6" name="슬라이드 번호 개체 틀 5">
             <a:extLst>
               <a:ext uri="{FF2B5EF4-FFF2-40B4-BE49-F238E27FC236}">
-                <a16:creationId xmlns:a16="http://schemas.microsoft.com/office/drawing/2014/main" id="{80227C42-E8A6-487C-8A50-1D55A750A472}"/>
+                <a16:creationId xmlns:a16="http://schemas.microsoft.com/office/drawing/2014/main" xmlns="" id="{80227C42-E8A6-487C-8A50-1D55A750A472}"/>
               </a:ext>
             </a:extLst>
           </p:cNvPr>
@@ -770,7 +770,7 @@
           <p:cNvPr id="2" name="제목 1">
             <a:extLst>
               <a:ext uri="{FF2B5EF4-FFF2-40B4-BE49-F238E27FC236}">
-                <a16:creationId xmlns:a16="http://schemas.microsoft.com/office/drawing/2014/main" id="{E032DE45-AF66-4C7B-BEAF-46DFB2571E91}"/>
+                <a16:creationId xmlns:a16="http://schemas.microsoft.com/office/drawing/2014/main" xmlns="" id="{E032DE45-AF66-4C7B-BEAF-46DFB2571E91}"/>
               </a:ext>
             </a:extLst>
           </p:cNvPr>
@@ -798,7 +798,7 @@
           <p:cNvPr id="3" name="내용 개체 틀 2">
             <a:extLst>
               <a:ext uri="{FF2B5EF4-FFF2-40B4-BE49-F238E27FC236}">
-                <a16:creationId xmlns:a16="http://schemas.microsoft.com/office/drawing/2014/main" id="{E5243751-ACC3-432E-8665-C0A27EA2660F}"/>
+                <a16:creationId xmlns:a16="http://schemas.microsoft.com/office/drawing/2014/main" xmlns="" id="{E5243751-ACC3-432E-8665-C0A27EA2660F}"/>
               </a:ext>
             </a:extLst>
           </p:cNvPr>
@@ -855,7 +855,7 @@
           <p:cNvPr id="4" name="날짜 개체 틀 3">
             <a:extLst>
               <a:ext uri="{FF2B5EF4-FFF2-40B4-BE49-F238E27FC236}">
-                <a16:creationId xmlns:a16="http://schemas.microsoft.com/office/drawing/2014/main" id="{4706C580-C0E0-4C2F-B573-7196B7C1425B}"/>
+                <a16:creationId xmlns:a16="http://schemas.microsoft.com/office/drawing/2014/main" xmlns="" id="{4706C580-C0E0-4C2F-B573-7196B7C1425B}"/>
               </a:ext>
             </a:extLst>
           </p:cNvPr>
@@ -884,7 +884,7 @@
           <p:cNvPr id="5" name="바닥글 개체 틀 4">
             <a:extLst>
               <a:ext uri="{FF2B5EF4-FFF2-40B4-BE49-F238E27FC236}">
-                <a16:creationId xmlns:a16="http://schemas.microsoft.com/office/drawing/2014/main" id="{7BE2F8BF-CDCB-4C36-B444-35B39FF9A0D6}"/>
+                <a16:creationId xmlns:a16="http://schemas.microsoft.com/office/drawing/2014/main" xmlns="" id="{7BE2F8BF-CDCB-4C36-B444-35B39FF9A0D6}"/>
               </a:ext>
             </a:extLst>
           </p:cNvPr>
@@ -909,7 +909,7 @@
           <p:cNvPr id="6" name="슬라이드 번호 개체 틀 5">
             <a:extLst>
               <a:ext uri="{FF2B5EF4-FFF2-40B4-BE49-F238E27FC236}">
-                <a16:creationId xmlns:a16="http://schemas.microsoft.com/office/drawing/2014/main" id="{2017F23A-3C4E-4195-A145-3FD189665BC1}"/>
+                <a16:creationId xmlns:a16="http://schemas.microsoft.com/office/drawing/2014/main" xmlns="" id="{2017F23A-3C4E-4195-A145-3FD189665BC1}"/>
               </a:ext>
             </a:extLst>
           </p:cNvPr>
@@ -968,7 +968,7 @@
           <p:cNvPr id="2" name="제목 1">
             <a:extLst>
               <a:ext uri="{FF2B5EF4-FFF2-40B4-BE49-F238E27FC236}">
-                <a16:creationId xmlns:a16="http://schemas.microsoft.com/office/drawing/2014/main" id="{3B803B91-BAB3-4079-8372-367C7B356692}"/>
+                <a16:creationId xmlns:a16="http://schemas.microsoft.com/office/drawing/2014/main" xmlns="" id="{3B803B91-BAB3-4079-8372-367C7B356692}"/>
               </a:ext>
             </a:extLst>
           </p:cNvPr>
@@ -1005,7 +1005,7 @@
           <p:cNvPr id="3" name="텍스트 개체 틀 2">
             <a:extLst>
               <a:ext uri="{FF2B5EF4-FFF2-40B4-BE49-F238E27FC236}">
-                <a16:creationId xmlns:a16="http://schemas.microsoft.com/office/drawing/2014/main" id="{DC5A0F58-3A9F-4B06-81BD-A1FC401F93B3}"/>
+                <a16:creationId xmlns:a16="http://schemas.microsoft.com/office/drawing/2014/main" xmlns="" id="{DC5A0F58-3A9F-4B06-81BD-A1FC401F93B3}"/>
               </a:ext>
             </a:extLst>
           </p:cNvPr>
@@ -1130,7 +1130,7 @@
           <p:cNvPr id="4" name="날짜 개체 틀 3">
             <a:extLst>
               <a:ext uri="{FF2B5EF4-FFF2-40B4-BE49-F238E27FC236}">
-                <a16:creationId xmlns:a16="http://schemas.microsoft.com/office/drawing/2014/main" id="{4F526B74-71AC-4708-B4A3-B18A8CA63E45}"/>
+                <a16:creationId xmlns:a16="http://schemas.microsoft.com/office/drawing/2014/main" xmlns="" id="{4F526B74-71AC-4708-B4A3-B18A8CA63E45}"/>
               </a:ext>
             </a:extLst>
           </p:cNvPr>
@@ -1159,7 +1159,7 @@
           <p:cNvPr id="5" name="바닥글 개체 틀 4">
             <a:extLst>
               <a:ext uri="{FF2B5EF4-FFF2-40B4-BE49-F238E27FC236}">
-                <a16:creationId xmlns:a16="http://schemas.microsoft.com/office/drawing/2014/main" id="{6FC82D21-3BEC-42B5-B60C-754C6866A566}"/>
+                <a16:creationId xmlns:a16="http://schemas.microsoft.com/office/drawing/2014/main" xmlns="" id="{6FC82D21-3BEC-42B5-B60C-754C6866A566}"/>
               </a:ext>
             </a:extLst>
           </p:cNvPr>
@@ -1184,7 +1184,7 @@
           <p:cNvPr id="6" name="슬라이드 번호 개체 틀 5">
             <a:extLst>
               <a:ext uri="{FF2B5EF4-FFF2-40B4-BE49-F238E27FC236}">
-                <a16:creationId xmlns:a16="http://schemas.microsoft.com/office/drawing/2014/main" id="{25A85564-689F-41E0-B6E6-39D539A72D0C}"/>
+                <a16:creationId xmlns:a16="http://schemas.microsoft.com/office/drawing/2014/main" xmlns="" id="{25A85564-689F-41E0-B6E6-39D539A72D0C}"/>
               </a:ext>
             </a:extLst>
           </p:cNvPr>
@@ -1243,7 +1243,7 @@
           <p:cNvPr id="2" name="제목 1">
             <a:extLst>
               <a:ext uri="{FF2B5EF4-FFF2-40B4-BE49-F238E27FC236}">
-                <a16:creationId xmlns:a16="http://schemas.microsoft.com/office/drawing/2014/main" id="{10A550DA-8689-46AE-9DBA-20CFEB49EBA0}"/>
+                <a16:creationId xmlns:a16="http://schemas.microsoft.com/office/drawing/2014/main" xmlns="" id="{10A550DA-8689-46AE-9DBA-20CFEB49EBA0}"/>
               </a:ext>
             </a:extLst>
           </p:cNvPr>
@@ -1271,7 +1271,7 @@
           <p:cNvPr id="3" name="내용 개체 틀 2">
             <a:extLst>
               <a:ext uri="{FF2B5EF4-FFF2-40B4-BE49-F238E27FC236}">
-                <a16:creationId xmlns:a16="http://schemas.microsoft.com/office/drawing/2014/main" id="{881D31B2-963F-42A0-A91B-195049F6E125}"/>
+                <a16:creationId xmlns:a16="http://schemas.microsoft.com/office/drawing/2014/main" xmlns="" id="{881D31B2-963F-42A0-A91B-195049F6E125}"/>
               </a:ext>
             </a:extLst>
           </p:cNvPr>
@@ -1333,7 +1333,7 @@
           <p:cNvPr id="4" name="내용 개체 틀 3">
             <a:extLst>
               <a:ext uri="{FF2B5EF4-FFF2-40B4-BE49-F238E27FC236}">
-                <a16:creationId xmlns:a16="http://schemas.microsoft.com/office/drawing/2014/main" id="{914F5F3E-3BD8-47D5-95C5-2212B1B1923C}"/>
+                <a16:creationId xmlns:a16="http://schemas.microsoft.com/office/drawing/2014/main" xmlns="" id="{914F5F3E-3BD8-47D5-95C5-2212B1B1923C}"/>
               </a:ext>
             </a:extLst>
           </p:cNvPr>
@@ -1395,7 +1395,7 @@
           <p:cNvPr id="5" name="날짜 개체 틀 4">
             <a:extLst>
               <a:ext uri="{FF2B5EF4-FFF2-40B4-BE49-F238E27FC236}">
-                <a16:creationId xmlns:a16="http://schemas.microsoft.com/office/drawing/2014/main" id="{0DB24C94-2596-46E1-878F-C1E628A07FE9}"/>
+                <a16:creationId xmlns:a16="http://schemas.microsoft.com/office/drawing/2014/main" xmlns="" id="{0DB24C94-2596-46E1-878F-C1E628A07FE9}"/>
               </a:ext>
             </a:extLst>
           </p:cNvPr>
@@ -1424,7 +1424,7 @@
           <p:cNvPr id="6" name="바닥글 개체 틀 5">
             <a:extLst>
               <a:ext uri="{FF2B5EF4-FFF2-40B4-BE49-F238E27FC236}">
-                <a16:creationId xmlns:a16="http://schemas.microsoft.com/office/drawing/2014/main" id="{F3BA8821-2943-4FF0-B5C7-BD31402AFA56}"/>
+                <a16:creationId xmlns:a16="http://schemas.microsoft.com/office/drawing/2014/main" xmlns="" id="{F3BA8821-2943-4FF0-B5C7-BD31402AFA56}"/>
               </a:ext>
             </a:extLst>
           </p:cNvPr>
@@ -1449,7 +1449,7 @@
           <p:cNvPr id="7" name="슬라이드 번호 개체 틀 6">
             <a:extLst>
               <a:ext uri="{FF2B5EF4-FFF2-40B4-BE49-F238E27FC236}">
-                <a16:creationId xmlns:a16="http://schemas.microsoft.com/office/drawing/2014/main" id="{A8E7DF0E-5420-4F80-A581-19C2B1234A64}"/>
+                <a16:creationId xmlns:a16="http://schemas.microsoft.com/office/drawing/2014/main" xmlns="" id="{A8E7DF0E-5420-4F80-A581-19C2B1234A64}"/>
               </a:ext>
             </a:extLst>
           </p:cNvPr>
@@ -1508,7 +1508,7 @@
           <p:cNvPr id="2" name="제목 1">
             <a:extLst>
               <a:ext uri="{FF2B5EF4-FFF2-40B4-BE49-F238E27FC236}">
-                <a16:creationId xmlns:a16="http://schemas.microsoft.com/office/drawing/2014/main" id="{ADED5E36-C788-4074-8AF4-0B805514D12F}"/>
+                <a16:creationId xmlns:a16="http://schemas.microsoft.com/office/drawing/2014/main" xmlns="" id="{ADED5E36-C788-4074-8AF4-0B805514D12F}"/>
               </a:ext>
             </a:extLst>
           </p:cNvPr>
@@ -1541,7 +1541,7 @@
           <p:cNvPr id="3" name="텍스트 개체 틀 2">
             <a:extLst>
               <a:ext uri="{FF2B5EF4-FFF2-40B4-BE49-F238E27FC236}">
-                <a16:creationId xmlns:a16="http://schemas.microsoft.com/office/drawing/2014/main" id="{6C75DCDC-17BE-4FF3-9EDA-73C537D00793}"/>
+                <a16:creationId xmlns:a16="http://schemas.microsoft.com/office/drawing/2014/main" xmlns="" id="{6C75DCDC-17BE-4FF3-9EDA-73C537D00793}"/>
               </a:ext>
             </a:extLst>
           </p:cNvPr>
@@ -1612,7 +1612,7 @@
           <p:cNvPr id="4" name="내용 개체 틀 3">
             <a:extLst>
               <a:ext uri="{FF2B5EF4-FFF2-40B4-BE49-F238E27FC236}">
-                <a16:creationId xmlns:a16="http://schemas.microsoft.com/office/drawing/2014/main" id="{2538FF3C-3E5B-4928-9B0B-35E7865F9F7C}"/>
+                <a16:creationId xmlns:a16="http://schemas.microsoft.com/office/drawing/2014/main" xmlns="" id="{2538FF3C-3E5B-4928-9B0B-35E7865F9F7C}"/>
               </a:ext>
             </a:extLst>
           </p:cNvPr>
@@ -1674,7 +1674,7 @@
           <p:cNvPr id="5" name="텍스트 개체 틀 4">
             <a:extLst>
               <a:ext uri="{FF2B5EF4-FFF2-40B4-BE49-F238E27FC236}">
-                <a16:creationId xmlns:a16="http://schemas.microsoft.com/office/drawing/2014/main" id="{42ABB21C-C05C-4081-89D1-52E8ED21A9CC}"/>
+                <a16:creationId xmlns:a16="http://schemas.microsoft.com/office/drawing/2014/main" xmlns="" id="{42ABB21C-C05C-4081-89D1-52E8ED21A9CC}"/>
               </a:ext>
             </a:extLst>
           </p:cNvPr>
@@ -1745,7 +1745,7 @@
           <p:cNvPr id="6" name="내용 개체 틀 5">
             <a:extLst>
               <a:ext uri="{FF2B5EF4-FFF2-40B4-BE49-F238E27FC236}">
-                <a16:creationId xmlns:a16="http://schemas.microsoft.com/office/drawing/2014/main" id="{1821BC8B-3CB6-4174-A42B-989FFF4C01AF}"/>
+                <a16:creationId xmlns:a16="http://schemas.microsoft.com/office/drawing/2014/main" xmlns="" id="{1821BC8B-3CB6-4174-A42B-989FFF4C01AF}"/>
               </a:ext>
             </a:extLst>
           </p:cNvPr>
@@ -1807,7 +1807,7 @@
           <p:cNvPr id="7" name="날짜 개체 틀 6">
             <a:extLst>
               <a:ext uri="{FF2B5EF4-FFF2-40B4-BE49-F238E27FC236}">
-                <a16:creationId xmlns:a16="http://schemas.microsoft.com/office/drawing/2014/main" id="{E5212EA8-B43E-4E67-80A4-652C2A8140AA}"/>
+                <a16:creationId xmlns:a16="http://schemas.microsoft.com/office/drawing/2014/main" xmlns="" id="{E5212EA8-B43E-4E67-80A4-652C2A8140AA}"/>
               </a:ext>
             </a:extLst>
           </p:cNvPr>
@@ -1836,7 +1836,7 @@
           <p:cNvPr id="8" name="바닥글 개체 틀 7">
             <a:extLst>
               <a:ext uri="{FF2B5EF4-FFF2-40B4-BE49-F238E27FC236}">
-                <a16:creationId xmlns:a16="http://schemas.microsoft.com/office/drawing/2014/main" id="{2B21F934-3421-4B44-B164-ADDBFA6E5B2A}"/>
+                <a16:creationId xmlns:a16="http://schemas.microsoft.com/office/drawing/2014/main" xmlns="" id="{2B21F934-3421-4B44-B164-ADDBFA6E5B2A}"/>
               </a:ext>
             </a:extLst>
           </p:cNvPr>
@@ -1861,7 +1861,7 @@
           <p:cNvPr id="9" name="슬라이드 번호 개체 틀 8">
             <a:extLst>
               <a:ext uri="{FF2B5EF4-FFF2-40B4-BE49-F238E27FC236}">
-                <a16:creationId xmlns:a16="http://schemas.microsoft.com/office/drawing/2014/main" id="{A8054188-8A83-45CB-9679-3BF2F5EA14A5}"/>
+                <a16:creationId xmlns:a16="http://schemas.microsoft.com/office/drawing/2014/main" xmlns="" id="{A8054188-8A83-45CB-9679-3BF2F5EA14A5}"/>
               </a:ext>
             </a:extLst>
           </p:cNvPr>
@@ -1920,7 +1920,7 @@
           <p:cNvPr id="2" name="제목 1">
             <a:extLst>
               <a:ext uri="{FF2B5EF4-FFF2-40B4-BE49-F238E27FC236}">
-                <a16:creationId xmlns:a16="http://schemas.microsoft.com/office/drawing/2014/main" id="{424F49C4-0844-4FBE-9DB0-C5A694D8EEA3}"/>
+                <a16:creationId xmlns:a16="http://schemas.microsoft.com/office/drawing/2014/main" xmlns="" id="{424F49C4-0844-4FBE-9DB0-C5A694D8EEA3}"/>
               </a:ext>
             </a:extLst>
           </p:cNvPr>
@@ -1948,7 +1948,7 @@
           <p:cNvPr id="3" name="날짜 개체 틀 2">
             <a:extLst>
               <a:ext uri="{FF2B5EF4-FFF2-40B4-BE49-F238E27FC236}">
-                <a16:creationId xmlns:a16="http://schemas.microsoft.com/office/drawing/2014/main" id="{351FD821-9857-481F-9990-C02FBEDB8D6D}"/>
+                <a16:creationId xmlns:a16="http://schemas.microsoft.com/office/drawing/2014/main" xmlns="" id="{351FD821-9857-481F-9990-C02FBEDB8D6D}"/>
               </a:ext>
             </a:extLst>
           </p:cNvPr>
@@ -1977,7 +1977,7 @@
           <p:cNvPr id="4" name="바닥글 개체 틀 3">
             <a:extLst>
               <a:ext uri="{FF2B5EF4-FFF2-40B4-BE49-F238E27FC236}">
-                <a16:creationId xmlns:a16="http://schemas.microsoft.com/office/drawing/2014/main" id="{F008DA34-2203-443F-9675-BF1353FB71F1}"/>
+                <a16:creationId xmlns:a16="http://schemas.microsoft.com/office/drawing/2014/main" xmlns="" id="{F008DA34-2203-443F-9675-BF1353FB71F1}"/>
               </a:ext>
             </a:extLst>
           </p:cNvPr>
@@ -2002,7 +2002,7 @@
           <p:cNvPr id="5" name="슬라이드 번호 개체 틀 4">
             <a:extLst>
               <a:ext uri="{FF2B5EF4-FFF2-40B4-BE49-F238E27FC236}">
-                <a16:creationId xmlns:a16="http://schemas.microsoft.com/office/drawing/2014/main" id="{3B6F7BD8-8DB8-4AAE-9746-47026072E2FC}"/>
+                <a16:creationId xmlns:a16="http://schemas.microsoft.com/office/drawing/2014/main" xmlns="" id="{3B6F7BD8-8DB8-4AAE-9746-47026072E2FC}"/>
               </a:ext>
             </a:extLst>
           </p:cNvPr>
@@ -2061,7 +2061,7 @@
           <p:cNvPr id="2" name="날짜 개체 틀 1">
             <a:extLst>
               <a:ext uri="{FF2B5EF4-FFF2-40B4-BE49-F238E27FC236}">
-                <a16:creationId xmlns:a16="http://schemas.microsoft.com/office/drawing/2014/main" id="{AA660F70-9F7C-483A-9BBC-F328BE2E3ABF}"/>
+                <a16:creationId xmlns:a16="http://schemas.microsoft.com/office/drawing/2014/main" xmlns="" id="{AA660F70-9F7C-483A-9BBC-F328BE2E3ABF}"/>
               </a:ext>
             </a:extLst>
           </p:cNvPr>
@@ -2090,7 +2090,7 @@
           <p:cNvPr id="3" name="바닥글 개체 틀 2">
             <a:extLst>
               <a:ext uri="{FF2B5EF4-FFF2-40B4-BE49-F238E27FC236}">
-                <a16:creationId xmlns:a16="http://schemas.microsoft.com/office/drawing/2014/main" id="{1D348F4F-2F56-4874-858D-ACB411FA8306}"/>
+                <a16:creationId xmlns:a16="http://schemas.microsoft.com/office/drawing/2014/main" xmlns="" id="{1D348F4F-2F56-4874-858D-ACB411FA8306}"/>
               </a:ext>
             </a:extLst>
           </p:cNvPr>
@@ -2115,7 +2115,7 @@
           <p:cNvPr id="4" name="슬라이드 번호 개체 틀 3">
             <a:extLst>
               <a:ext uri="{FF2B5EF4-FFF2-40B4-BE49-F238E27FC236}">
-                <a16:creationId xmlns:a16="http://schemas.microsoft.com/office/drawing/2014/main" id="{6227AA4E-6B3D-4208-A390-0AF0993D1532}"/>
+                <a16:creationId xmlns:a16="http://schemas.microsoft.com/office/drawing/2014/main" xmlns="" id="{6227AA4E-6B3D-4208-A390-0AF0993D1532}"/>
               </a:ext>
             </a:extLst>
           </p:cNvPr>
@@ -2174,7 +2174,7 @@
           <p:cNvPr id="2" name="제목 1">
             <a:extLst>
               <a:ext uri="{FF2B5EF4-FFF2-40B4-BE49-F238E27FC236}">
-                <a16:creationId xmlns:a16="http://schemas.microsoft.com/office/drawing/2014/main" id="{16D1B7BB-23D7-44C4-8E2B-762A6D67EFF4}"/>
+                <a16:creationId xmlns:a16="http://schemas.microsoft.com/office/drawing/2014/main" xmlns="" id="{16D1B7BB-23D7-44C4-8E2B-762A6D67EFF4}"/>
               </a:ext>
             </a:extLst>
           </p:cNvPr>
@@ -2211,7 +2211,7 @@
           <p:cNvPr id="3" name="내용 개체 틀 2">
             <a:extLst>
               <a:ext uri="{FF2B5EF4-FFF2-40B4-BE49-F238E27FC236}">
-                <a16:creationId xmlns:a16="http://schemas.microsoft.com/office/drawing/2014/main" id="{A555AF0A-C39F-45B6-8E5A-594CE8F87C9B}"/>
+                <a16:creationId xmlns:a16="http://schemas.microsoft.com/office/drawing/2014/main" xmlns="" id="{A555AF0A-C39F-45B6-8E5A-594CE8F87C9B}"/>
               </a:ext>
             </a:extLst>
           </p:cNvPr>
@@ -2301,7 +2301,7 @@
           <p:cNvPr id="4" name="텍스트 개체 틀 3">
             <a:extLst>
               <a:ext uri="{FF2B5EF4-FFF2-40B4-BE49-F238E27FC236}">
-                <a16:creationId xmlns:a16="http://schemas.microsoft.com/office/drawing/2014/main" id="{EF64C627-BAC3-4EFA-98BD-BAD2888EB2E6}"/>
+                <a16:creationId xmlns:a16="http://schemas.microsoft.com/office/drawing/2014/main" xmlns="" id="{EF64C627-BAC3-4EFA-98BD-BAD2888EB2E6}"/>
               </a:ext>
             </a:extLst>
           </p:cNvPr>
@@ -2372,7 +2372,7 @@
           <p:cNvPr id="5" name="날짜 개체 틀 4">
             <a:extLst>
               <a:ext uri="{FF2B5EF4-FFF2-40B4-BE49-F238E27FC236}">
-                <a16:creationId xmlns:a16="http://schemas.microsoft.com/office/drawing/2014/main" id="{E5D9CCC6-0D66-4C42-B47B-D9072C0DF007}"/>
+                <a16:creationId xmlns:a16="http://schemas.microsoft.com/office/drawing/2014/main" xmlns="" id="{E5D9CCC6-0D66-4C42-B47B-D9072C0DF007}"/>
               </a:ext>
             </a:extLst>
           </p:cNvPr>
@@ -2401,7 +2401,7 @@
           <p:cNvPr id="6" name="바닥글 개체 틀 5">
             <a:extLst>
               <a:ext uri="{FF2B5EF4-FFF2-40B4-BE49-F238E27FC236}">
-                <a16:creationId xmlns:a16="http://schemas.microsoft.com/office/drawing/2014/main" id="{E48BEE6C-BF4C-43A4-BF91-9B2E870960DF}"/>
+                <a16:creationId xmlns:a16="http://schemas.microsoft.com/office/drawing/2014/main" xmlns="" id="{E48BEE6C-BF4C-43A4-BF91-9B2E870960DF}"/>
               </a:ext>
             </a:extLst>
           </p:cNvPr>
@@ -2426,7 +2426,7 @@
           <p:cNvPr id="7" name="슬라이드 번호 개체 틀 6">
             <a:extLst>
               <a:ext uri="{FF2B5EF4-FFF2-40B4-BE49-F238E27FC236}">
-                <a16:creationId xmlns:a16="http://schemas.microsoft.com/office/drawing/2014/main" id="{73D4F206-C35F-420C-B212-804937AB9171}"/>
+                <a16:creationId xmlns:a16="http://schemas.microsoft.com/office/drawing/2014/main" xmlns="" id="{73D4F206-C35F-420C-B212-804937AB9171}"/>
               </a:ext>
             </a:extLst>
           </p:cNvPr>
@@ -2485,7 +2485,7 @@
           <p:cNvPr id="2" name="제목 1">
             <a:extLst>
               <a:ext uri="{FF2B5EF4-FFF2-40B4-BE49-F238E27FC236}">
-                <a16:creationId xmlns:a16="http://schemas.microsoft.com/office/drawing/2014/main" id="{B206D9C5-C55A-49CE-9A70-6B1FC9A32925}"/>
+                <a16:creationId xmlns:a16="http://schemas.microsoft.com/office/drawing/2014/main" xmlns="" id="{B206D9C5-C55A-49CE-9A70-6B1FC9A32925}"/>
               </a:ext>
             </a:extLst>
           </p:cNvPr>
@@ -2522,7 +2522,7 @@
           <p:cNvPr id="3" name="그림 개체 틀 2">
             <a:extLst>
               <a:ext uri="{FF2B5EF4-FFF2-40B4-BE49-F238E27FC236}">
-                <a16:creationId xmlns:a16="http://schemas.microsoft.com/office/drawing/2014/main" id="{EC008B7F-2C14-4AA2-A095-D7881676FBD8}"/>
+                <a16:creationId xmlns:a16="http://schemas.microsoft.com/office/drawing/2014/main" xmlns="" id="{EC008B7F-2C14-4AA2-A095-D7881676FBD8}"/>
               </a:ext>
             </a:extLst>
           </p:cNvPr>
@@ -2589,7 +2589,7 @@
           <p:cNvPr id="4" name="텍스트 개체 틀 3">
             <a:extLst>
               <a:ext uri="{FF2B5EF4-FFF2-40B4-BE49-F238E27FC236}">
-                <a16:creationId xmlns:a16="http://schemas.microsoft.com/office/drawing/2014/main" id="{0952461F-A27C-4904-92A7-F456AE7708CA}"/>
+                <a16:creationId xmlns:a16="http://schemas.microsoft.com/office/drawing/2014/main" xmlns="" id="{0952461F-A27C-4904-92A7-F456AE7708CA}"/>
               </a:ext>
             </a:extLst>
           </p:cNvPr>
@@ -2660,7 +2660,7 @@
           <p:cNvPr id="5" name="날짜 개체 틀 4">
             <a:extLst>
               <a:ext uri="{FF2B5EF4-FFF2-40B4-BE49-F238E27FC236}">
-                <a16:creationId xmlns:a16="http://schemas.microsoft.com/office/drawing/2014/main" id="{8A716508-C4CB-44B0-B432-352826C80A4D}"/>
+                <a16:creationId xmlns:a16="http://schemas.microsoft.com/office/drawing/2014/main" xmlns="" id="{8A716508-C4CB-44B0-B432-352826C80A4D}"/>
               </a:ext>
             </a:extLst>
           </p:cNvPr>
@@ -2689,7 +2689,7 @@
           <p:cNvPr id="6" name="바닥글 개체 틀 5">
             <a:extLst>
               <a:ext uri="{FF2B5EF4-FFF2-40B4-BE49-F238E27FC236}">
-                <a16:creationId xmlns:a16="http://schemas.microsoft.com/office/drawing/2014/main" id="{16043BFB-2666-4D94-AF1C-41A9BE57E8EE}"/>
+                <a16:creationId xmlns:a16="http://schemas.microsoft.com/office/drawing/2014/main" xmlns="" id="{16043BFB-2666-4D94-AF1C-41A9BE57E8EE}"/>
               </a:ext>
             </a:extLst>
           </p:cNvPr>
@@ -2714,7 +2714,7 @@
           <p:cNvPr id="7" name="슬라이드 번호 개체 틀 6">
             <a:extLst>
               <a:ext uri="{FF2B5EF4-FFF2-40B4-BE49-F238E27FC236}">
-                <a16:creationId xmlns:a16="http://schemas.microsoft.com/office/drawing/2014/main" id="{F95A6810-B07B-42DF-B06C-8CB019FE4928}"/>
+                <a16:creationId xmlns:a16="http://schemas.microsoft.com/office/drawing/2014/main" xmlns="" id="{F95A6810-B07B-42DF-B06C-8CB019FE4928}"/>
               </a:ext>
             </a:extLst>
           </p:cNvPr>
@@ -2778,7 +2778,7 @@
           <p:cNvPr id="2" name="제목 개체 틀 1">
             <a:extLst>
               <a:ext uri="{FF2B5EF4-FFF2-40B4-BE49-F238E27FC236}">
-                <a16:creationId xmlns:a16="http://schemas.microsoft.com/office/drawing/2014/main" id="{741A9DAE-0541-4E06-9956-8DC465D3008C}"/>
+                <a16:creationId xmlns:a16="http://schemas.microsoft.com/office/drawing/2014/main" xmlns="" id="{741A9DAE-0541-4E06-9956-8DC465D3008C}"/>
               </a:ext>
             </a:extLst>
           </p:cNvPr>
@@ -2816,7 +2816,7 @@
           <p:cNvPr id="3" name="텍스트 개체 틀 2">
             <a:extLst>
               <a:ext uri="{FF2B5EF4-FFF2-40B4-BE49-F238E27FC236}">
-                <a16:creationId xmlns:a16="http://schemas.microsoft.com/office/drawing/2014/main" id="{51BD9895-A7E6-4A97-A3C2-C4B0B2C2CE7D}"/>
+                <a16:creationId xmlns:a16="http://schemas.microsoft.com/office/drawing/2014/main" xmlns="" id="{51BD9895-A7E6-4A97-A3C2-C4B0B2C2CE7D}"/>
               </a:ext>
             </a:extLst>
           </p:cNvPr>
@@ -2883,7 +2883,7 @@
           <p:cNvPr id="4" name="날짜 개체 틀 3">
             <a:extLst>
               <a:ext uri="{FF2B5EF4-FFF2-40B4-BE49-F238E27FC236}">
-                <a16:creationId xmlns:a16="http://schemas.microsoft.com/office/drawing/2014/main" id="{2BCB3EC6-3E6E-4554-A7D5-AF7C093219E9}"/>
+                <a16:creationId xmlns:a16="http://schemas.microsoft.com/office/drawing/2014/main" xmlns="" id="{2BCB3EC6-3E6E-4554-A7D5-AF7C093219E9}"/>
               </a:ext>
             </a:extLst>
           </p:cNvPr>
@@ -2930,7 +2930,7 @@
           <p:cNvPr id="5" name="바닥글 개체 틀 4">
             <a:extLst>
               <a:ext uri="{FF2B5EF4-FFF2-40B4-BE49-F238E27FC236}">
-                <a16:creationId xmlns:a16="http://schemas.microsoft.com/office/drawing/2014/main" id="{C7FEE00E-B1E7-4385-A61A-289C996ACF62}"/>
+                <a16:creationId xmlns:a16="http://schemas.microsoft.com/office/drawing/2014/main" xmlns="" id="{C7FEE00E-B1E7-4385-A61A-289C996ACF62}"/>
               </a:ext>
             </a:extLst>
           </p:cNvPr>
@@ -2973,7 +2973,7 @@
           <p:cNvPr id="6" name="슬라이드 번호 개체 틀 5">
             <a:extLst>
               <a:ext uri="{FF2B5EF4-FFF2-40B4-BE49-F238E27FC236}">
-                <a16:creationId xmlns:a16="http://schemas.microsoft.com/office/drawing/2014/main" id="{5EBD7F7B-2CBD-4B93-9B23-328E3865EC82}"/>
+                <a16:creationId xmlns:a16="http://schemas.microsoft.com/office/drawing/2014/main" xmlns="" id="{5EBD7F7B-2CBD-4B93-9B23-328E3865EC82}"/>
               </a:ext>
             </a:extLst>
           </p:cNvPr>
@@ -3341,7 +3341,7 @@
           <p:cNvPr id="2" name="제목 1">
             <a:extLst>
               <a:ext uri="{FF2B5EF4-FFF2-40B4-BE49-F238E27FC236}">
-                <a16:creationId xmlns:a16="http://schemas.microsoft.com/office/drawing/2014/main" id="{0E4B51D0-4F4B-47E2-9560-DD04BF6DDF36}"/>
+                <a16:creationId xmlns:a16="http://schemas.microsoft.com/office/drawing/2014/main" xmlns="" id="{0E4B51D0-4F4B-47E2-9560-DD04BF6DDF36}"/>
               </a:ext>
             </a:extLst>
           </p:cNvPr>
@@ -3367,6 +3367,10 @@
               <a:rPr lang="en-US" altLang="ko-KR" dirty="0" err="1"/>
               <a:t>PyTorch</a:t>
             </a:r>
+            <a:r>
+              <a:rPr lang="en-US" altLang="ko-KR" dirty="0"/>
+              <a:t/>
+            </a:r>
             <a:br>
               <a:rPr lang="en-US" altLang="ko-KR" dirty="0"/>
             </a:br>
@@ -3383,7 +3387,7 @@
           <p:cNvPr id="3" name="부제목 2">
             <a:extLst>
               <a:ext uri="{FF2B5EF4-FFF2-40B4-BE49-F238E27FC236}">
-                <a16:creationId xmlns:a16="http://schemas.microsoft.com/office/drawing/2014/main" id="{71F9364D-70EA-498E-9474-DA63055C8ACB}"/>
+                <a16:creationId xmlns:a16="http://schemas.microsoft.com/office/drawing/2014/main" xmlns="" id="{71F9364D-70EA-498E-9474-DA63055C8ACB}"/>
               </a:ext>
             </a:extLst>
           </p:cNvPr>
@@ -3442,7 +3446,7 @@
           <p:cNvPr id="4" name="직사각형 3">
             <a:extLst>
               <a:ext uri="{FF2B5EF4-FFF2-40B4-BE49-F238E27FC236}">
-                <a16:creationId xmlns:a16="http://schemas.microsoft.com/office/drawing/2014/main" id="{0E06A838-FED4-4913-B61A-5FE1D6941F48}"/>
+                <a16:creationId xmlns:a16="http://schemas.microsoft.com/office/drawing/2014/main" xmlns="" id="{0E06A838-FED4-4913-B61A-5FE1D6941F48}"/>
               </a:ext>
             </a:extLst>
           </p:cNvPr>
@@ -3490,7 +3494,7 @@
           <p:cNvPr id="5" name="직사각형 4">
             <a:extLst>
               <a:ext uri="{FF2B5EF4-FFF2-40B4-BE49-F238E27FC236}">
-                <a16:creationId xmlns:a16="http://schemas.microsoft.com/office/drawing/2014/main" id="{4B17B335-4D1A-446D-9E29-B51388F1B92B}"/>
+                <a16:creationId xmlns:a16="http://schemas.microsoft.com/office/drawing/2014/main" xmlns="" id="{4B17B335-4D1A-446D-9E29-B51388F1B92B}"/>
               </a:ext>
             </a:extLst>
           </p:cNvPr>
@@ -3542,7 +3546,7 @@
           <p:cNvPr id="6" name="직사각형 5">
             <a:extLst>
               <a:ext uri="{FF2B5EF4-FFF2-40B4-BE49-F238E27FC236}">
-                <a16:creationId xmlns:a16="http://schemas.microsoft.com/office/drawing/2014/main" id="{8E7904AF-3116-4A57-887D-1131464010D8}"/>
+                <a16:creationId xmlns:a16="http://schemas.microsoft.com/office/drawing/2014/main" xmlns="" id="{8E7904AF-3116-4A57-887D-1131464010D8}"/>
               </a:ext>
             </a:extLst>
           </p:cNvPr>
@@ -3590,7 +3594,7 @@
           <p:cNvPr id="7" name="직사각형 6">
             <a:extLst>
               <a:ext uri="{FF2B5EF4-FFF2-40B4-BE49-F238E27FC236}">
-                <a16:creationId xmlns:a16="http://schemas.microsoft.com/office/drawing/2014/main" id="{603421FD-DC8C-4906-932D-3DF702A0C3AC}"/>
+                <a16:creationId xmlns:a16="http://schemas.microsoft.com/office/drawing/2014/main" xmlns="" id="{603421FD-DC8C-4906-932D-3DF702A0C3AC}"/>
               </a:ext>
             </a:extLst>
           </p:cNvPr>
@@ -3638,7 +3642,7 @@
           <p:cNvPr id="25" name="직선 화살표 연결선 24">
             <a:extLst>
               <a:ext uri="{FF2B5EF4-FFF2-40B4-BE49-F238E27FC236}">
-                <a16:creationId xmlns:a16="http://schemas.microsoft.com/office/drawing/2014/main" id="{D4B10239-C0C4-4D3D-8DBF-EB3D693F3AFF}"/>
+                <a16:creationId xmlns:a16="http://schemas.microsoft.com/office/drawing/2014/main" xmlns="" id="{D4B10239-C0C4-4D3D-8DBF-EB3D693F3AFF}"/>
               </a:ext>
             </a:extLst>
           </p:cNvPr>
@@ -3680,7 +3684,7 @@
           <p:cNvPr id="26" name="직선 화살표 연결선 25">
             <a:extLst>
               <a:ext uri="{FF2B5EF4-FFF2-40B4-BE49-F238E27FC236}">
-                <a16:creationId xmlns:a16="http://schemas.microsoft.com/office/drawing/2014/main" id="{190F1A5A-B419-4ACA-BE07-7FF89366A406}"/>
+                <a16:creationId xmlns:a16="http://schemas.microsoft.com/office/drawing/2014/main" xmlns="" id="{190F1A5A-B419-4ACA-BE07-7FF89366A406}"/>
               </a:ext>
             </a:extLst>
           </p:cNvPr>
@@ -3723,7 +3727,7 @@
           <p:cNvPr id="29" name="직선 화살표 연결선 28">
             <a:extLst>
               <a:ext uri="{FF2B5EF4-FFF2-40B4-BE49-F238E27FC236}">
-                <a16:creationId xmlns:a16="http://schemas.microsoft.com/office/drawing/2014/main" id="{45347D3D-F2C9-4686-8148-99A489FCCD1A}"/>
+                <a16:creationId xmlns:a16="http://schemas.microsoft.com/office/drawing/2014/main" xmlns="" id="{45347D3D-F2C9-4686-8148-99A489FCCD1A}"/>
               </a:ext>
             </a:extLst>
           </p:cNvPr>
@@ -3766,7 +3770,7 @@
           <p:cNvPr id="32" name="직선 화살표 연결선 31">
             <a:extLst>
               <a:ext uri="{FF2B5EF4-FFF2-40B4-BE49-F238E27FC236}">
-                <a16:creationId xmlns:a16="http://schemas.microsoft.com/office/drawing/2014/main" id="{357B943C-D597-4C4A-9B0F-DE53BAF4DBC7}"/>
+                <a16:creationId xmlns:a16="http://schemas.microsoft.com/office/drawing/2014/main" xmlns="" id="{357B943C-D597-4C4A-9B0F-DE53BAF4DBC7}"/>
               </a:ext>
             </a:extLst>
           </p:cNvPr>
@@ -3811,7 +3815,7 @@
               <p:cNvPr id="35" name="TextBox 34">
                 <a:extLst>
                   <a:ext uri="{FF2B5EF4-FFF2-40B4-BE49-F238E27FC236}">
-                    <a16:creationId xmlns:a16="http://schemas.microsoft.com/office/drawing/2014/main" id="{E630FDCB-2C47-4F81-A03C-9CE4993D1547}"/>
+                    <a16:creationId xmlns:a16="http://schemas.microsoft.com/office/drawing/2014/main" xmlns="" id="{E630FDCB-2C47-4F81-A03C-9CE4993D1547}"/>
                   </a:ext>
                 </a:extLst>
               </p:cNvPr>
@@ -3845,7 +3849,7 @@
                         <m:sSubPr>
                           <m:ctrlPr>
                             <a:rPr lang="en-US" altLang="ko-KR" i="1" smtClean="0">
-                              <a:latin typeface="Cambria Math" panose="02040503050406030204" pitchFamily="18" charset="0"/>
+                              <a:latin typeface="Cambria Math" charset="0"/>
                             </a:rPr>
                           </m:ctrlPr>
                         </m:sSubPr>
@@ -3926,7 +3930,7 @@
               <p:cNvPr id="37" name="TextBox 36">
                 <a:extLst>
                   <a:ext uri="{FF2B5EF4-FFF2-40B4-BE49-F238E27FC236}">
-                    <a16:creationId xmlns:a16="http://schemas.microsoft.com/office/drawing/2014/main" id="{D50DEA0E-AC37-4740-9570-DABDAE8CD3A2}"/>
+                    <a16:creationId xmlns:a16="http://schemas.microsoft.com/office/drawing/2014/main" xmlns="" id="{D50DEA0E-AC37-4740-9570-DABDAE8CD3A2}"/>
                   </a:ext>
                 </a:extLst>
               </p:cNvPr>
@@ -3960,7 +3964,7 @@
                         <m:sSubPr>
                           <m:ctrlPr>
                             <a:rPr lang="en-US" altLang="ko-KR" i="1" smtClean="0">
-                              <a:latin typeface="Cambria Math" panose="02040503050406030204" pitchFamily="18" charset="0"/>
+                              <a:latin typeface="Cambria Math" charset="0"/>
                             </a:rPr>
                           </m:ctrlPr>
                         </m:sSubPr>
@@ -3970,7 +3974,7 @@
                               <m:chr m:val="̂"/>
                               <m:ctrlPr>
                                 <a:rPr lang="en-US" altLang="ko-KR" i="1" smtClean="0">
-                                  <a:latin typeface="Cambria Math" panose="02040503050406030204" pitchFamily="18" charset="0"/>
+                                  <a:latin typeface="Cambria Math" charset="0"/>
                                 </a:rPr>
                               </m:ctrlPr>
                             </m:accPr>
@@ -4051,7 +4055,7 @@
           <p:cNvPr id="38" name="직선 화살표 연결선 37">
             <a:extLst>
               <a:ext uri="{FF2B5EF4-FFF2-40B4-BE49-F238E27FC236}">
-                <a16:creationId xmlns:a16="http://schemas.microsoft.com/office/drawing/2014/main" id="{D1F03281-25AB-4AF2-8FCE-57AB26AFF181}"/>
+                <a16:creationId xmlns:a16="http://schemas.microsoft.com/office/drawing/2014/main" xmlns="" id="{D1F03281-25AB-4AF2-8FCE-57AB26AFF181}"/>
               </a:ext>
             </a:extLst>
           </p:cNvPr>
@@ -4094,7 +4098,7 @@
           <p:cNvPr id="41" name="직사각형 40">
             <a:extLst>
               <a:ext uri="{FF2B5EF4-FFF2-40B4-BE49-F238E27FC236}">
-                <a16:creationId xmlns:a16="http://schemas.microsoft.com/office/drawing/2014/main" id="{0BC60C19-494F-4C1C-8B37-CF15C1916AF5}"/>
+                <a16:creationId xmlns:a16="http://schemas.microsoft.com/office/drawing/2014/main" xmlns="" id="{0BC60C19-494F-4C1C-8B37-CF15C1916AF5}"/>
               </a:ext>
             </a:extLst>
           </p:cNvPr>
@@ -4142,7 +4146,7 @@
           <p:cNvPr id="42" name="직사각형 41">
             <a:extLst>
               <a:ext uri="{FF2B5EF4-FFF2-40B4-BE49-F238E27FC236}">
-                <a16:creationId xmlns:a16="http://schemas.microsoft.com/office/drawing/2014/main" id="{2A58C1EC-C73F-4EA4-8F9E-AB728843443D}"/>
+                <a16:creationId xmlns:a16="http://schemas.microsoft.com/office/drawing/2014/main" xmlns="" id="{2A58C1EC-C73F-4EA4-8F9E-AB728843443D}"/>
               </a:ext>
             </a:extLst>
           </p:cNvPr>
@@ -4194,7 +4198,7 @@
           <p:cNvPr id="43" name="직사각형 42">
             <a:extLst>
               <a:ext uri="{FF2B5EF4-FFF2-40B4-BE49-F238E27FC236}">
-                <a16:creationId xmlns:a16="http://schemas.microsoft.com/office/drawing/2014/main" id="{2819E65A-4EA9-478B-96EC-06886016E82F}"/>
+                <a16:creationId xmlns:a16="http://schemas.microsoft.com/office/drawing/2014/main" xmlns="" id="{2819E65A-4EA9-478B-96EC-06886016E82F}"/>
               </a:ext>
             </a:extLst>
           </p:cNvPr>
@@ -4242,7 +4246,7 @@
           <p:cNvPr id="44" name="직사각형 43">
             <a:extLst>
               <a:ext uri="{FF2B5EF4-FFF2-40B4-BE49-F238E27FC236}">
-                <a16:creationId xmlns:a16="http://schemas.microsoft.com/office/drawing/2014/main" id="{55E8DD3F-6CCD-45AF-9AFE-4005CB93ACD1}"/>
+                <a16:creationId xmlns:a16="http://schemas.microsoft.com/office/drawing/2014/main" xmlns="" id="{55E8DD3F-6CCD-45AF-9AFE-4005CB93ACD1}"/>
               </a:ext>
             </a:extLst>
           </p:cNvPr>
@@ -4290,7 +4294,7 @@
           <p:cNvPr id="45" name="직선 화살표 연결선 44">
             <a:extLst>
               <a:ext uri="{FF2B5EF4-FFF2-40B4-BE49-F238E27FC236}">
-                <a16:creationId xmlns:a16="http://schemas.microsoft.com/office/drawing/2014/main" id="{0C853062-BECE-49D2-975E-204DA9EC4CE6}"/>
+                <a16:creationId xmlns:a16="http://schemas.microsoft.com/office/drawing/2014/main" xmlns="" id="{0C853062-BECE-49D2-975E-204DA9EC4CE6}"/>
               </a:ext>
             </a:extLst>
           </p:cNvPr>
@@ -4332,7 +4336,7 @@
           <p:cNvPr id="46" name="직선 화살표 연결선 45">
             <a:extLst>
               <a:ext uri="{FF2B5EF4-FFF2-40B4-BE49-F238E27FC236}">
-                <a16:creationId xmlns:a16="http://schemas.microsoft.com/office/drawing/2014/main" id="{5B958F5D-DD71-4D75-A0F9-1006CFD6B533}"/>
+                <a16:creationId xmlns:a16="http://schemas.microsoft.com/office/drawing/2014/main" xmlns="" id="{5B958F5D-DD71-4D75-A0F9-1006CFD6B533}"/>
               </a:ext>
             </a:extLst>
           </p:cNvPr>
@@ -4375,7 +4379,7 @@
           <p:cNvPr id="47" name="직선 화살표 연결선 46">
             <a:extLst>
               <a:ext uri="{FF2B5EF4-FFF2-40B4-BE49-F238E27FC236}">
-                <a16:creationId xmlns:a16="http://schemas.microsoft.com/office/drawing/2014/main" id="{D1B160E3-26AA-4F15-B05C-5BE923A1BC03}"/>
+                <a16:creationId xmlns:a16="http://schemas.microsoft.com/office/drawing/2014/main" xmlns="" id="{D1B160E3-26AA-4F15-B05C-5BE923A1BC03}"/>
               </a:ext>
             </a:extLst>
           </p:cNvPr>
@@ -4418,7 +4422,7 @@
           <p:cNvPr id="48" name="직선 화살표 연결선 47">
             <a:extLst>
               <a:ext uri="{FF2B5EF4-FFF2-40B4-BE49-F238E27FC236}">
-                <a16:creationId xmlns:a16="http://schemas.microsoft.com/office/drawing/2014/main" id="{F912C9A2-1DA6-4125-8858-05EA12FB73C1}"/>
+                <a16:creationId xmlns:a16="http://schemas.microsoft.com/office/drawing/2014/main" xmlns="" id="{F912C9A2-1DA6-4125-8858-05EA12FB73C1}"/>
               </a:ext>
             </a:extLst>
           </p:cNvPr>
@@ -4463,7 +4467,7 @@
               <p:cNvPr id="49" name="TextBox 48">
                 <a:extLst>
                   <a:ext uri="{FF2B5EF4-FFF2-40B4-BE49-F238E27FC236}">
-                    <a16:creationId xmlns:a16="http://schemas.microsoft.com/office/drawing/2014/main" id="{0B3C9687-0FDD-4D92-BE4F-47D281BC71F9}"/>
+                    <a16:creationId xmlns:a16="http://schemas.microsoft.com/office/drawing/2014/main" xmlns="" id="{0B3C9687-0FDD-4D92-BE4F-47D281BC71F9}"/>
                   </a:ext>
                 </a:extLst>
               </p:cNvPr>
@@ -4497,7 +4501,7 @@
                         <m:sSubPr>
                           <m:ctrlPr>
                             <a:rPr lang="en-US" altLang="ko-KR" i="1" smtClean="0">
-                              <a:latin typeface="Cambria Math" panose="02040503050406030204" pitchFamily="18" charset="0"/>
+                              <a:latin typeface="Cambria Math" charset="0"/>
                             </a:rPr>
                           </m:ctrlPr>
                         </m:sSubPr>
@@ -4578,7 +4582,7 @@
               <p:cNvPr id="50" name="TextBox 49">
                 <a:extLst>
                   <a:ext uri="{FF2B5EF4-FFF2-40B4-BE49-F238E27FC236}">
-                    <a16:creationId xmlns:a16="http://schemas.microsoft.com/office/drawing/2014/main" id="{D58B2475-B731-440C-AEBF-D6D02668C86B}"/>
+                    <a16:creationId xmlns:a16="http://schemas.microsoft.com/office/drawing/2014/main" xmlns="" id="{D58B2475-B731-440C-AEBF-D6D02668C86B}"/>
                   </a:ext>
                 </a:extLst>
               </p:cNvPr>
@@ -4612,7 +4616,7 @@
                         <m:sSubPr>
                           <m:ctrlPr>
                             <a:rPr lang="en-US" altLang="ko-KR" i="1" smtClean="0">
-                              <a:latin typeface="Cambria Math" panose="02040503050406030204" pitchFamily="18" charset="0"/>
+                              <a:latin typeface="Cambria Math" charset="0"/>
                             </a:rPr>
                           </m:ctrlPr>
                         </m:sSubPr>
@@ -4622,7 +4626,7 @@
                               <m:chr m:val="̂"/>
                               <m:ctrlPr>
                                 <a:rPr lang="en-US" altLang="ko-KR" i="1" smtClean="0">
-                                  <a:latin typeface="Cambria Math" panose="02040503050406030204" pitchFamily="18" charset="0"/>
+                                  <a:latin typeface="Cambria Math" charset="0"/>
                                 </a:rPr>
                               </m:ctrlPr>
                             </m:accPr>
@@ -4703,7 +4707,7 @@
           <p:cNvPr id="51" name="직선 화살표 연결선 50">
             <a:extLst>
               <a:ext uri="{FF2B5EF4-FFF2-40B4-BE49-F238E27FC236}">
-                <a16:creationId xmlns:a16="http://schemas.microsoft.com/office/drawing/2014/main" id="{9F0FCDFB-1F78-4A73-9BA1-385BB2F3CA64}"/>
+                <a16:creationId xmlns:a16="http://schemas.microsoft.com/office/drawing/2014/main" xmlns="" id="{9F0FCDFB-1F78-4A73-9BA1-385BB2F3CA64}"/>
               </a:ext>
             </a:extLst>
           </p:cNvPr>
@@ -4746,7 +4750,7 @@
           <p:cNvPr id="52" name="직사각형 51">
             <a:extLst>
               <a:ext uri="{FF2B5EF4-FFF2-40B4-BE49-F238E27FC236}">
-                <a16:creationId xmlns:a16="http://schemas.microsoft.com/office/drawing/2014/main" id="{521345B2-00EA-4FD4-A331-8EB17A28DE0C}"/>
+                <a16:creationId xmlns:a16="http://schemas.microsoft.com/office/drawing/2014/main" xmlns="" id="{521345B2-00EA-4FD4-A331-8EB17A28DE0C}"/>
               </a:ext>
             </a:extLst>
           </p:cNvPr>
@@ -4794,7 +4798,7 @@
           <p:cNvPr id="53" name="직사각형 52">
             <a:extLst>
               <a:ext uri="{FF2B5EF4-FFF2-40B4-BE49-F238E27FC236}">
-                <a16:creationId xmlns:a16="http://schemas.microsoft.com/office/drawing/2014/main" id="{93E71527-60A0-41BC-A00D-9C4D90F42BEC}"/>
+                <a16:creationId xmlns:a16="http://schemas.microsoft.com/office/drawing/2014/main" xmlns="" id="{93E71527-60A0-41BC-A00D-9C4D90F42BEC}"/>
               </a:ext>
             </a:extLst>
           </p:cNvPr>
@@ -4846,7 +4850,7 @@
           <p:cNvPr id="54" name="직사각형 53">
             <a:extLst>
               <a:ext uri="{FF2B5EF4-FFF2-40B4-BE49-F238E27FC236}">
-                <a16:creationId xmlns:a16="http://schemas.microsoft.com/office/drawing/2014/main" id="{9B1AE270-7D44-4AF1-8646-AA2F6F0CF3A3}"/>
+                <a16:creationId xmlns:a16="http://schemas.microsoft.com/office/drawing/2014/main" xmlns="" id="{9B1AE270-7D44-4AF1-8646-AA2F6F0CF3A3}"/>
               </a:ext>
             </a:extLst>
           </p:cNvPr>
@@ -4894,7 +4898,7 @@
           <p:cNvPr id="55" name="직사각형 54">
             <a:extLst>
               <a:ext uri="{FF2B5EF4-FFF2-40B4-BE49-F238E27FC236}">
-                <a16:creationId xmlns:a16="http://schemas.microsoft.com/office/drawing/2014/main" id="{45734B14-436C-47C7-9687-58304E8617D1}"/>
+                <a16:creationId xmlns:a16="http://schemas.microsoft.com/office/drawing/2014/main" xmlns="" id="{45734B14-436C-47C7-9687-58304E8617D1}"/>
               </a:ext>
             </a:extLst>
           </p:cNvPr>
@@ -4942,7 +4946,7 @@
           <p:cNvPr id="56" name="직선 화살표 연결선 55">
             <a:extLst>
               <a:ext uri="{FF2B5EF4-FFF2-40B4-BE49-F238E27FC236}">
-                <a16:creationId xmlns:a16="http://schemas.microsoft.com/office/drawing/2014/main" id="{F145FA49-CD39-4A97-87A1-74A33C4F30BF}"/>
+                <a16:creationId xmlns:a16="http://schemas.microsoft.com/office/drawing/2014/main" xmlns="" id="{F145FA49-CD39-4A97-87A1-74A33C4F30BF}"/>
               </a:ext>
             </a:extLst>
           </p:cNvPr>
@@ -4984,7 +4988,7 @@
           <p:cNvPr id="57" name="직선 화살표 연결선 56">
             <a:extLst>
               <a:ext uri="{FF2B5EF4-FFF2-40B4-BE49-F238E27FC236}">
-                <a16:creationId xmlns:a16="http://schemas.microsoft.com/office/drawing/2014/main" id="{DAE01F3F-CF81-4CE4-BC13-D6B43E5BFF5B}"/>
+                <a16:creationId xmlns:a16="http://schemas.microsoft.com/office/drawing/2014/main" xmlns="" id="{DAE01F3F-CF81-4CE4-BC13-D6B43E5BFF5B}"/>
               </a:ext>
             </a:extLst>
           </p:cNvPr>
@@ -5027,7 +5031,7 @@
           <p:cNvPr id="58" name="직선 화살표 연결선 57">
             <a:extLst>
               <a:ext uri="{FF2B5EF4-FFF2-40B4-BE49-F238E27FC236}">
-                <a16:creationId xmlns:a16="http://schemas.microsoft.com/office/drawing/2014/main" id="{375B0486-21D7-43C4-AF75-91F328A98605}"/>
+                <a16:creationId xmlns:a16="http://schemas.microsoft.com/office/drawing/2014/main" xmlns="" id="{375B0486-21D7-43C4-AF75-91F328A98605}"/>
               </a:ext>
             </a:extLst>
           </p:cNvPr>
@@ -5070,7 +5074,7 @@
           <p:cNvPr id="59" name="직선 화살표 연결선 58">
             <a:extLst>
               <a:ext uri="{FF2B5EF4-FFF2-40B4-BE49-F238E27FC236}">
-                <a16:creationId xmlns:a16="http://schemas.microsoft.com/office/drawing/2014/main" id="{2BC46B70-F32F-4346-831E-1F87C0F860EB}"/>
+                <a16:creationId xmlns:a16="http://schemas.microsoft.com/office/drawing/2014/main" xmlns="" id="{2BC46B70-F32F-4346-831E-1F87C0F860EB}"/>
               </a:ext>
             </a:extLst>
           </p:cNvPr>
@@ -5115,7 +5119,7 @@
               <p:cNvPr id="60" name="TextBox 59">
                 <a:extLst>
                   <a:ext uri="{FF2B5EF4-FFF2-40B4-BE49-F238E27FC236}">
-                    <a16:creationId xmlns:a16="http://schemas.microsoft.com/office/drawing/2014/main" id="{EA9AC0B1-A97C-4E8C-828A-86E4E70B2543}"/>
+                    <a16:creationId xmlns:a16="http://schemas.microsoft.com/office/drawing/2014/main" xmlns="" id="{EA9AC0B1-A97C-4E8C-828A-86E4E70B2543}"/>
                   </a:ext>
                 </a:extLst>
               </p:cNvPr>
@@ -5149,7 +5153,7 @@
                         <m:sSubPr>
                           <m:ctrlPr>
                             <a:rPr lang="en-US" altLang="ko-KR" i="1" smtClean="0">
-                              <a:latin typeface="Cambria Math" panose="02040503050406030204" pitchFamily="18" charset="0"/>
+                              <a:latin typeface="Cambria Math" charset="0"/>
                             </a:rPr>
                           </m:ctrlPr>
                         </m:sSubPr>
@@ -5230,7 +5234,7 @@
               <p:cNvPr id="61" name="TextBox 60">
                 <a:extLst>
                   <a:ext uri="{FF2B5EF4-FFF2-40B4-BE49-F238E27FC236}">
-                    <a16:creationId xmlns:a16="http://schemas.microsoft.com/office/drawing/2014/main" id="{D9396E0A-ECCE-4220-B28F-030A8191D168}"/>
+                    <a16:creationId xmlns:a16="http://schemas.microsoft.com/office/drawing/2014/main" xmlns="" id="{D9396E0A-ECCE-4220-B28F-030A8191D168}"/>
                   </a:ext>
                 </a:extLst>
               </p:cNvPr>
@@ -5264,7 +5268,7 @@
                         <m:sSubPr>
                           <m:ctrlPr>
                             <a:rPr lang="en-US" altLang="ko-KR" i="1" smtClean="0">
-                              <a:latin typeface="Cambria Math" panose="02040503050406030204" pitchFamily="18" charset="0"/>
+                              <a:latin typeface="Cambria Math" charset="0"/>
                             </a:rPr>
                           </m:ctrlPr>
                         </m:sSubPr>
@@ -5274,7 +5278,7 @@
                               <m:chr m:val="̂"/>
                               <m:ctrlPr>
                                 <a:rPr lang="en-US" altLang="ko-KR" i="1" smtClean="0">
-                                  <a:latin typeface="Cambria Math" panose="02040503050406030204" pitchFamily="18" charset="0"/>
+                                  <a:latin typeface="Cambria Math" charset="0"/>
                                 </a:rPr>
                               </m:ctrlPr>
                             </m:accPr>
@@ -5355,7 +5359,7 @@
           <p:cNvPr id="62" name="직선 화살표 연결선 61">
             <a:extLst>
               <a:ext uri="{FF2B5EF4-FFF2-40B4-BE49-F238E27FC236}">
-                <a16:creationId xmlns:a16="http://schemas.microsoft.com/office/drawing/2014/main" id="{68762E48-EEF4-45E1-8BAA-FE017CC90266}"/>
+                <a16:creationId xmlns:a16="http://schemas.microsoft.com/office/drawing/2014/main" xmlns="" id="{68762E48-EEF4-45E1-8BAA-FE017CC90266}"/>
               </a:ext>
             </a:extLst>
           </p:cNvPr>
@@ -5398,7 +5402,7 @@
           <p:cNvPr id="63" name="직사각형 62">
             <a:extLst>
               <a:ext uri="{FF2B5EF4-FFF2-40B4-BE49-F238E27FC236}">
-                <a16:creationId xmlns:a16="http://schemas.microsoft.com/office/drawing/2014/main" id="{0BE1403E-130A-46E4-ADB4-CAE5BD3B675A}"/>
+                <a16:creationId xmlns:a16="http://schemas.microsoft.com/office/drawing/2014/main" xmlns="" id="{0BE1403E-130A-46E4-ADB4-CAE5BD3B675A}"/>
               </a:ext>
             </a:extLst>
           </p:cNvPr>
@@ -5446,7 +5450,7 @@
           <p:cNvPr id="64" name="직사각형 63">
             <a:extLst>
               <a:ext uri="{FF2B5EF4-FFF2-40B4-BE49-F238E27FC236}">
-                <a16:creationId xmlns:a16="http://schemas.microsoft.com/office/drawing/2014/main" id="{C759F013-57C3-4BE7-A358-BE89DB95B12F}"/>
+                <a16:creationId xmlns:a16="http://schemas.microsoft.com/office/drawing/2014/main" xmlns="" id="{C759F013-57C3-4BE7-A358-BE89DB95B12F}"/>
               </a:ext>
             </a:extLst>
           </p:cNvPr>
@@ -5498,7 +5502,7 @@
           <p:cNvPr id="65" name="직사각형 64">
             <a:extLst>
               <a:ext uri="{FF2B5EF4-FFF2-40B4-BE49-F238E27FC236}">
-                <a16:creationId xmlns:a16="http://schemas.microsoft.com/office/drawing/2014/main" id="{1A6635F9-7041-4CFB-9DC3-50506B3D4C47}"/>
+                <a16:creationId xmlns:a16="http://schemas.microsoft.com/office/drawing/2014/main" xmlns="" id="{1A6635F9-7041-4CFB-9DC3-50506B3D4C47}"/>
               </a:ext>
             </a:extLst>
           </p:cNvPr>
@@ -5546,7 +5550,7 @@
           <p:cNvPr id="66" name="직사각형 65">
             <a:extLst>
               <a:ext uri="{FF2B5EF4-FFF2-40B4-BE49-F238E27FC236}">
-                <a16:creationId xmlns:a16="http://schemas.microsoft.com/office/drawing/2014/main" id="{A31DED44-B728-4C24-8199-2AC9E40EF17A}"/>
+                <a16:creationId xmlns:a16="http://schemas.microsoft.com/office/drawing/2014/main" xmlns="" id="{A31DED44-B728-4C24-8199-2AC9E40EF17A}"/>
               </a:ext>
             </a:extLst>
           </p:cNvPr>
@@ -5594,7 +5598,7 @@
           <p:cNvPr id="67" name="직선 화살표 연결선 66">
             <a:extLst>
               <a:ext uri="{FF2B5EF4-FFF2-40B4-BE49-F238E27FC236}">
-                <a16:creationId xmlns:a16="http://schemas.microsoft.com/office/drawing/2014/main" id="{891AADFE-0883-4089-8AB9-267149A7E3D8}"/>
+                <a16:creationId xmlns:a16="http://schemas.microsoft.com/office/drawing/2014/main" xmlns="" id="{891AADFE-0883-4089-8AB9-267149A7E3D8}"/>
               </a:ext>
             </a:extLst>
           </p:cNvPr>
@@ -5636,7 +5640,7 @@
           <p:cNvPr id="68" name="직선 화살표 연결선 67">
             <a:extLst>
               <a:ext uri="{FF2B5EF4-FFF2-40B4-BE49-F238E27FC236}">
-                <a16:creationId xmlns:a16="http://schemas.microsoft.com/office/drawing/2014/main" id="{69E3E16B-3F0F-471F-A8DB-0FEF2FE2419A}"/>
+                <a16:creationId xmlns:a16="http://schemas.microsoft.com/office/drawing/2014/main" xmlns="" id="{69E3E16B-3F0F-471F-A8DB-0FEF2FE2419A}"/>
               </a:ext>
             </a:extLst>
           </p:cNvPr>
@@ -5679,7 +5683,7 @@
           <p:cNvPr id="69" name="직선 화살표 연결선 68">
             <a:extLst>
               <a:ext uri="{FF2B5EF4-FFF2-40B4-BE49-F238E27FC236}">
-                <a16:creationId xmlns:a16="http://schemas.microsoft.com/office/drawing/2014/main" id="{B6EC31CE-6194-47F2-BA5A-4BFC5CBD7C4A}"/>
+                <a16:creationId xmlns:a16="http://schemas.microsoft.com/office/drawing/2014/main" xmlns="" id="{B6EC31CE-6194-47F2-BA5A-4BFC5CBD7C4A}"/>
               </a:ext>
             </a:extLst>
           </p:cNvPr>
@@ -5722,7 +5726,7 @@
           <p:cNvPr id="70" name="직선 화살표 연결선 69">
             <a:extLst>
               <a:ext uri="{FF2B5EF4-FFF2-40B4-BE49-F238E27FC236}">
-                <a16:creationId xmlns:a16="http://schemas.microsoft.com/office/drawing/2014/main" id="{5C9CF6E8-BC52-4246-96EA-204ADC083BB0}"/>
+                <a16:creationId xmlns:a16="http://schemas.microsoft.com/office/drawing/2014/main" xmlns="" id="{5C9CF6E8-BC52-4246-96EA-204ADC083BB0}"/>
               </a:ext>
             </a:extLst>
           </p:cNvPr>
@@ -5767,7 +5771,7 @@
               <p:cNvPr id="71" name="TextBox 70">
                 <a:extLst>
                   <a:ext uri="{FF2B5EF4-FFF2-40B4-BE49-F238E27FC236}">
-                    <a16:creationId xmlns:a16="http://schemas.microsoft.com/office/drawing/2014/main" id="{2484552F-1BD5-4D19-9F40-9E273BB6EC49}"/>
+                    <a16:creationId xmlns:a16="http://schemas.microsoft.com/office/drawing/2014/main" xmlns="" id="{2484552F-1BD5-4D19-9F40-9E273BB6EC49}"/>
                   </a:ext>
                 </a:extLst>
               </p:cNvPr>
@@ -5801,7 +5805,7 @@
                         <m:sSubPr>
                           <m:ctrlPr>
                             <a:rPr lang="en-US" altLang="ko-KR" i="1" smtClean="0">
-                              <a:latin typeface="Cambria Math" panose="02040503050406030204" pitchFamily="18" charset="0"/>
+                              <a:latin typeface="Cambria Math" charset="0"/>
                             </a:rPr>
                           </m:ctrlPr>
                         </m:sSubPr>
@@ -5882,7 +5886,7 @@
               <p:cNvPr id="72" name="TextBox 71">
                 <a:extLst>
                   <a:ext uri="{FF2B5EF4-FFF2-40B4-BE49-F238E27FC236}">
-                    <a16:creationId xmlns:a16="http://schemas.microsoft.com/office/drawing/2014/main" id="{3AEED8C7-9C0F-43FB-B869-3B3F190169C4}"/>
+                    <a16:creationId xmlns:a16="http://schemas.microsoft.com/office/drawing/2014/main" xmlns="" id="{3AEED8C7-9C0F-43FB-B869-3B3F190169C4}"/>
                   </a:ext>
                 </a:extLst>
               </p:cNvPr>
@@ -5916,7 +5920,7 @@
                         <m:sSubPr>
                           <m:ctrlPr>
                             <a:rPr lang="en-US" altLang="ko-KR" i="1" smtClean="0">
-                              <a:latin typeface="Cambria Math" panose="02040503050406030204" pitchFamily="18" charset="0"/>
+                              <a:latin typeface="Cambria Math" charset="0"/>
                             </a:rPr>
                           </m:ctrlPr>
                         </m:sSubPr>
@@ -5926,7 +5930,7 @@
                               <m:chr m:val="̂"/>
                               <m:ctrlPr>
                                 <a:rPr lang="en-US" altLang="ko-KR" i="1" smtClean="0">
-                                  <a:latin typeface="Cambria Math" panose="02040503050406030204" pitchFamily="18" charset="0"/>
+                                  <a:latin typeface="Cambria Math" charset="0"/>
                                 </a:rPr>
                               </m:ctrlPr>
                             </m:accPr>
@@ -6007,7 +6011,7 @@
           <p:cNvPr id="73" name="직선 화살표 연결선 72">
             <a:extLst>
               <a:ext uri="{FF2B5EF4-FFF2-40B4-BE49-F238E27FC236}">
-                <a16:creationId xmlns:a16="http://schemas.microsoft.com/office/drawing/2014/main" id="{1D07BEB5-CC12-4374-B141-2883C46F0D31}"/>
+                <a16:creationId xmlns:a16="http://schemas.microsoft.com/office/drawing/2014/main" xmlns="" id="{1D07BEB5-CC12-4374-B141-2883C46F0D31}"/>
               </a:ext>
             </a:extLst>
           </p:cNvPr>
@@ -6050,7 +6054,7 @@
           <p:cNvPr id="74" name="직사각형 73">
             <a:extLst>
               <a:ext uri="{FF2B5EF4-FFF2-40B4-BE49-F238E27FC236}">
-                <a16:creationId xmlns:a16="http://schemas.microsoft.com/office/drawing/2014/main" id="{1FFADF56-EE84-46B8-BBE0-94A19DDF6E46}"/>
+                <a16:creationId xmlns:a16="http://schemas.microsoft.com/office/drawing/2014/main" xmlns="" id="{1FFADF56-EE84-46B8-BBE0-94A19DDF6E46}"/>
               </a:ext>
             </a:extLst>
           </p:cNvPr>
@@ -6098,7 +6102,7 @@
           <p:cNvPr id="75" name="직사각형 74">
             <a:extLst>
               <a:ext uri="{FF2B5EF4-FFF2-40B4-BE49-F238E27FC236}">
-                <a16:creationId xmlns:a16="http://schemas.microsoft.com/office/drawing/2014/main" id="{552D2A52-F3FF-41F3-A62E-C512BACEEF86}"/>
+                <a16:creationId xmlns:a16="http://schemas.microsoft.com/office/drawing/2014/main" xmlns="" id="{552D2A52-F3FF-41F3-A62E-C512BACEEF86}"/>
               </a:ext>
             </a:extLst>
           </p:cNvPr>
@@ -6150,7 +6154,7 @@
           <p:cNvPr id="76" name="직사각형 75">
             <a:extLst>
               <a:ext uri="{FF2B5EF4-FFF2-40B4-BE49-F238E27FC236}">
-                <a16:creationId xmlns:a16="http://schemas.microsoft.com/office/drawing/2014/main" id="{68DCAE8C-C0CC-4FF6-840E-5137C7726B0F}"/>
+                <a16:creationId xmlns:a16="http://schemas.microsoft.com/office/drawing/2014/main" xmlns="" id="{68DCAE8C-C0CC-4FF6-840E-5137C7726B0F}"/>
               </a:ext>
             </a:extLst>
           </p:cNvPr>
@@ -6202,7 +6206,7 @@
           <p:cNvPr id="77" name="직사각형 76">
             <a:extLst>
               <a:ext uri="{FF2B5EF4-FFF2-40B4-BE49-F238E27FC236}">
-                <a16:creationId xmlns:a16="http://schemas.microsoft.com/office/drawing/2014/main" id="{39D48891-5979-462A-9E6F-DF436D67435B}"/>
+                <a16:creationId xmlns:a16="http://schemas.microsoft.com/office/drawing/2014/main" xmlns="" id="{39D48891-5979-462A-9E6F-DF436D67435B}"/>
               </a:ext>
             </a:extLst>
           </p:cNvPr>
@@ -6250,7 +6254,7 @@
           <p:cNvPr id="78" name="직선 화살표 연결선 77">
             <a:extLst>
               <a:ext uri="{FF2B5EF4-FFF2-40B4-BE49-F238E27FC236}">
-                <a16:creationId xmlns:a16="http://schemas.microsoft.com/office/drawing/2014/main" id="{44259613-4666-4808-81BE-AF79241707FD}"/>
+                <a16:creationId xmlns:a16="http://schemas.microsoft.com/office/drawing/2014/main" xmlns="" id="{44259613-4666-4808-81BE-AF79241707FD}"/>
               </a:ext>
             </a:extLst>
           </p:cNvPr>
@@ -6292,7 +6296,7 @@
           <p:cNvPr id="79" name="직선 화살표 연결선 78">
             <a:extLst>
               <a:ext uri="{FF2B5EF4-FFF2-40B4-BE49-F238E27FC236}">
-                <a16:creationId xmlns:a16="http://schemas.microsoft.com/office/drawing/2014/main" id="{48E5987F-0185-4602-8583-E14C15AE7D5F}"/>
+                <a16:creationId xmlns:a16="http://schemas.microsoft.com/office/drawing/2014/main" xmlns="" id="{48E5987F-0185-4602-8583-E14C15AE7D5F}"/>
               </a:ext>
             </a:extLst>
           </p:cNvPr>
@@ -6335,7 +6339,7 @@
           <p:cNvPr id="80" name="직선 화살표 연결선 79">
             <a:extLst>
               <a:ext uri="{FF2B5EF4-FFF2-40B4-BE49-F238E27FC236}">
-                <a16:creationId xmlns:a16="http://schemas.microsoft.com/office/drawing/2014/main" id="{5EB52318-A9BD-4B62-9C9C-569115EF1E85}"/>
+                <a16:creationId xmlns:a16="http://schemas.microsoft.com/office/drawing/2014/main" xmlns="" id="{5EB52318-A9BD-4B62-9C9C-569115EF1E85}"/>
               </a:ext>
             </a:extLst>
           </p:cNvPr>
@@ -6378,7 +6382,7 @@
           <p:cNvPr id="81" name="직선 화살표 연결선 80">
             <a:extLst>
               <a:ext uri="{FF2B5EF4-FFF2-40B4-BE49-F238E27FC236}">
-                <a16:creationId xmlns:a16="http://schemas.microsoft.com/office/drawing/2014/main" id="{0B24DE26-CFF1-4C8E-9F17-76D65E18FE9E}"/>
+                <a16:creationId xmlns:a16="http://schemas.microsoft.com/office/drawing/2014/main" xmlns="" id="{0B24DE26-CFF1-4C8E-9F17-76D65E18FE9E}"/>
               </a:ext>
             </a:extLst>
           </p:cNvPr>
@@ -6423,7 +6427,7 @@
               <p:cNvPr id="82" name="TextBox 81">
                 <a:extLst>
                   <a:ext uri="{FF2B5EF4-FFF2-40B4-BE49-F238E27FC236}">
-                    <a16:creationId xmlns:a16="http://schemas.microsoft.com/office/drawing/2014/main" id="{E799825B-3727-4F39-BEAD-2E2ACE9A90BE}"/>
+                    <a16:creationId xmlns:a16="http://schemas.microsoft.com/office/drawing/2014/main" xmlns="" id="{E799825B-3727-4F39-BEAD-2E2ACE9A90BE}"/>
                   </a:ext>
                 </a:extLst>
               </p:cNvPr>
@@ -6457,7 +6461,7 @@
                         <m:sSubPr>
                           <m:ctrlPr>
                             <a:rPr lang="en-US" altLang="ko-KR" i="1" smtClean="0">
-                              <a:latin typeface="Cambria Math" panose="02040503050406030204" pitchFamily="18" charset="0"/>
+                              <a:latin typeface="Cambria Math" charset="0"/>
                             </a:rPr>
                           </m:ctrlPr>
                         </m:sSubPr>
@@ -6538,7 +6542,7 @@
               <p:cNvPr id="83" name="TextBox 82">
                 <a:extLst>
                   <a:ext uri="{FF2B5EF4-FFF2-40B4-BE49-F238E27FC236}">
-                    <a16:creationId xmlns:a16="http://schemas.microsoft.com/office/drawing/2014/main" id="{DBF48FFA-1D5D-4577-9AE3-29EAE247472C}"/>
+                    <a16:creationId xmlns:a16="http://schemas.microsoft.com/office/drawing/2014/main" xmlns="" id="{DBF48FFA-1D5D-4577-9AE3-29EAE247472C}"/>
                   </a:ext>
                 </a:extLst>
               </p:cNvPr>
@@ -6572,7 +6576,7 @@
                         <m:sSubPr>
                           <m:ctrlPr>
                             <a:rPr lang="en-US" altLang="ko-KR" i="1" smtClean="0">
-                              <a:latin typeface="Cambria Math" panose="02040503050406030204" pitchFamily="18" charset="0"/>
+                              <a:latin typeface="Cambria Math" charset="0"/>
                             </a:rPr>
                           </m:ctrlPr>
                         </m:sSubPr>
@@ -6582,7 +6586,7 @@
                               <m:chr m:val="̂"/>
                               <m:ctrlPr>
                                 <a:rPr lang="en-US" altLang="ko-KR" i="1" smtClean="0">
-                                  <a:latin typeface="Cambria Math" panose="02040503050406030204" pitchFamily="18" charset="0"/>
+                                  <a:latin typeface="Cambria Math" charset="0"/>
                                 </a:rPr>
                               </m:ctrlPr>
                             </m:accPr>
@@ -6663,7 +6667,7 @@
           <p:cNvPr id="84" name="직선 화살표 연결선 83">
             <a:extLst>
               <a:ext uri="{FF2B5EF4-FFF2-40B4-BE49-F238E27FC236}">
-                <a16:creationId xmlns:a16="http://schemas.microsoft.com/office/drawing/2014/main" id="{A629E2DD-AF5D-4C9D-A4F6-09DB868A4783}"/>
+                <a16:creationId xmlns:a16="http://schemas.microsoft.com/office/drawing/2014/main" xmlns="" id="{A629E2DD-AF5D-4C9D-A4F6-09DB868A4783}"/>
               </a:ext>
             </a:extLst>
           </p:cNvPr>
@@ -6706,7 +6710,7 @@
           <p:cNvPr id="86" name="연결선: 구부러짐 85">
             <a:extLst>
               <a:ext uri="{FF2B5EF4-FFF2-40B4-BE49-F238E27FC236}">
-                <a16:creationId xmlns:a16="http://schemas.microsoft.com/office/drawing/2014/main" id="{4815E4C6-6DA5-4D42-91ED-3F66369B1AD1}"/>
+                <a16:creationId xmlns:a16="http://schemas.microsoft.com/office/drawing/2014/main" xmlns="" id="{4815E4C6-6DA5-4D42-91ED-3F66369B1AD1}"/>
               </a:ext>
             </a:extLst>
           </p:cNvPr>
@@ -6752,7 +6756,7 @@
           <p:cNvPr id="87" name="연결선: 구부러짐 86">
             <a:extLst>
               <a:ext uri="{FF2B5EF4-FFF2-40B4-BE49-F238E27FC236}">
-                <a16:creationId xmlns:a16="http://schemas.microsoft.com/office/drawing/2014/main" id="{CE3D1875-2CB4-436C-AE05-90119209B77C}"/>
+                <a16:creationId xmlns:a16="http://schemas.microsoft.com/office/drawing/2014/main" xmlns="" id="{CE3D1875-2CB4-436C-AE05-90119209B77C}"/>
               </a:ext>
             </a:extLst>
           </p:cNvPr>
@@ -6799,7 +6803,7 @@
           <p:cNvPr id="90" name="연결선: 구부러짐 89">
             <a:extLst>
               <a:ext uri="{FF2B5EF4-FFF2-40B4-BE49-F238E27FC236}">
-                <a16:creationId xmlns:a16="http://schemas.microsoft.com/office/drawing/2014/main" id="{F6B08CAB-8D3D-465C-8842-62587DF50E0F}"/>
+                <a16:creationId xmlns:a16="http://schemas.microsoft.com/office/drawing/2014/main" xmlns="" id="{F6B08CAB-8D3D-465C-8842-62587DF50E0F}"/>
               </a:ext>
             </a:extLst>
           </p:cNvPr>
@@ -6846,7 +6850,7 @@
           <p:cNvPr id="93" name="연결선: 구부러짐 92">
             <a:extLst>
               <a:ext uri="{FF2B5EF4-FFF2-40B4-BE49-F238E27FC236}">
-                <a16:creationId xmlns:a16="http://schemas.microsoft.com/office/drawing/2014/main" id="{38E42217-28B5-48AF-BBDD-02F0226A727A}"/>
+                <a16:creationId xmlns:a16="http://schemas.microsoft.com/office/drawing/2014/main" xmlns="" id="{38E42217-28B5-48AF-BBDD-02F0226A727A}"/>
               </a:ext>
             </a:extLst>
           </p:cNvPr>
@@ -6893,7 +6897,7 @@
           <p:cNvPr id="96" name="직선 화살표 연결선 95">
             <a:extLst>
               <a:ext uri="{FF2B5EF4-FFF2-40B4-BE49-F238E27FC236}">
-                <a16:creationId xmlns:a16="http://schemas.microsoft.com/office/drawing/2014/main" id="{7BCDDC87-6FC0-465C-A987-8E00153B2E47}"/>
+                <a16:creationId xmlns:a16="http://schemas.microsoft.com/office/drawing/2014/main" xmlns="" id="{7BCDDC87-6FC0-465C-A987-8E00153B2E47}"/>
               </a:ext>
             </a:extLst>
           </p:cNvPr>
@@ -6936,7 +6940,7 @@
           <p:cNvPr id="99" name="직선 화살표 연결선 98">
             <a:extLst>
               <a:ext uri="{FF2B5EF4-FFF2-40B4-BE49-F238E27FC236}">
-                <a16:creationId xmlns:a16="http://schemas.microsoft.com/office/drawing/2014/main" id="{1F81F101-A183-46A3-88B6-42493D690A2B}"/>
+                <a16:creationId xmlns:a16="http://schemas.microsoft.com/office/drawing/2014/main" xmlns="" id="{1F81F101-A183-46A3-88B6-42493D690A2B}"/>
               </a:ext>
             </a:extLst>
           </p:cNvPr>
@@ -6979,7 +6983,7 @@
           <p:cNvPr id="102" name="직선 화살표 연결선 101">
             <a:extLst>
               <a:ext uri="{FF2B5EF4-FFF2-40B4-BE49-F238E27FC236}">
-                <a16:creationId xmlns:a16="http://schemas.microsoft.com/office/drawing/2014/main" id="{8A36012A-E62C-46EE-971E-6FB0724552F0}"/>
+                <a16:creationId xmlns:a16="http://schemas.microsoft.com/office/drawing/2014/main" xmlns="" id="{8A36012A-E62C-46EE-971E-6FB0724552F0}"/>
               </a:ext>
             </a:extLst>
           </p:cNvPr>
@@ -7022,7 +7026,7 @@
           <p:cNvPr id="105" name="직선 화살표 연결선 104">
             <a:extLst>
               <a:ext uri="{FF2B5EF4-FFF2-40B4-BE49-F238E27FC236}">
-                <a16:creationId xmlns:a16="http://schemas.microsoft.com/office/drawing/2014/main" id="{1BABE5DD-8F79-4747-B2F0-F5519D8CDC3E}"/>
+                <a16:creationId xmlns:a16="http://schemas.microsoft.com/office/drawing/2014/main" xmlns="" id="{1BABE5DD-8F79-4747-B2F0-F5519D8CDC3E}"/>
               </a:ext>
             </a:extLst>
           </p:cNvPr>
@@ -7065,7 +7069,7 @@
           <p:cNvPr id="108" name="직선 화살표 연결선 107">
             <a:extLst>
               <a:ext uri="{FF2B5EF4-FFF2-40B4-BE49-F238E27FC236}">
-                <a16:creationId xmlns:a16="http://schemas.microsoft.com/office/drawing/2014/main" id="{0269C3CE-52C8-4A5E-AF46-56124F7DD475}"/>
+                <a16:creationId xmlns:a16="http://schemas.microsoft.com/office/drawing/2014/main" xmlns="" id="{0269C3CE-52C8-4A5E-AF46-56124F7DD475}"/>
               </a:ext>
             </a:extLst>
           </p:cNvPr>
@@ -7108,7 +7112,7 @@
           <p:cNvPr id="111" name="직선 화살표 연결선 110">
             <a:extLst>
               <a:ext uri="{FF2B5EF4-FFF2-40B4-BE49-F238E27FC236}">
-                <a16:creationId xmlns:a16="http://schemas.microsoft.com/office/drawing/2014/main" id="{60AB85E1-F5BB-4558-8E22-AD271FFAC678}"/>
+                <a16:creationId xmlns:a16="http://schemas.microsoft.com/office/drawing/2014/main" xmlns="" id="{60AB85E1-F5BB-4558-8E22-AD271FFAC678}"/>
               </a:ext>
             </a:extLst>
           </p:cNvPr>
@@ -7151,7 +7155,7 @@
           <p:cNvPr id="114" name="직선 화살표 연결선 113">
             <a:extLst>
               <a:ext uri="{FF2B5EF4-FFF2-40B4-BE49-F238E27FC236}">
-                <a16:creationId xmlns:a16="http://schemas.microsoft.com/office/drawing/2014/main" id="{2E3DEDAC-A642-4C80-8333-346C55212DB7}"/>
+                <a16:creationId xmlns:a16="http://schemas.microsoft.com/office/drawing/2014/main" xmlns="" id="{2E3DEDAC-A642-4C80-8333-346C55212DB7}"/>
               </a:ext>
             </a:extLst>
           </p:cNvPr>
@@ -7194,7 +7198,7 @@
           <p:cNvPr id="117" name="직선 화살표 연결선 116">
             <a:extLst>
               <a:ext uri="{FF2B5EF4-FFF2-40B4-BE49-F238E27FC236}">
-                <a16:creationId xmlns:a16="http://schemas.microsoft.com/office/drawing/2014/main" id="{F624C6F9-A976-4D50-A3BB-57F332891908}"/>
+                <a16:creationId xmlns:a16="http://schemas.microsoft.com/office/drawing/2014/main" xmlns="" id="{F624C6F9-A976-4D50-A3BB-57F332891908}"/>
               </a:ext>
             </a:extLst>
           </p:cNvPr>
@@ -7267,7 +7271,7 @@
           <p:cNvPr id="4" name="직사각형 3">
             <a:extLst>
               <a:ext uri="{FF2B5EF4-FFF2-40B4-BE49-F238E27FC236}">
-                <a16:creationId xmlns:a16="http://schemas.microsoft.com/office/drawing/2014/main" id="{E4469EA3-BD2F-4388-B225-972DBD285F7E}"/>
+                <a16:creationId xmlns:a16="http://schemas.microsoft.com/office/drawing/2014/main" xmlns="" id="{E4469EA3-BD2F-4388-B225-972DBD285F7E}"/>
               </a:ext>
             </a:extLst>
           </p:cNvPr>
@@ -7327,7 +7331,7 @@
           <p:cNvPr id="5" name="직사각형 4">
             <a:extLst>
               <a:ext uri="{FF2B5EF4-FFF2-40B4-BE49-F238E27FC236}">
-                <a16:creationId xmlns:a16="http://schemas.microsoft.com/office/drawing/2014/main" id="{4CA84653-010D-4065-B853-79CB25E1864C}"/>
+                <a16:creationId xmlns:a16="http://schemas.microsoft.com/office/drawing/2014/main" xmlns="" id="{4CA84653-010D-4065-B853-79CB25E1864C}"/>
               </a:ext>
             </a:extLst>
           </p:cNvPr>
@@ -7387,7 +7391,7 @@
           <p:cNvPr id="6" name="직사각형 5">
             <a:extLst>
               <a:ext uri="{FF2B5EF4-FFF2-40B4-BE49-F238E27FC236}">
-                <a16:creationId xmlns:a16="http://schemas.microsoft.com/office/drawing/2014/main" id="{E1E73367-4DDC-4825-B313-715B65F5DD9C}"/>
+                <a16:creationId xmlns:a16="http://schemas.microsoft.com/office/drawing/2014/main" xmlns="" id="{E1E73367-4DDC-4825-B313-715B65F5DD9C}"/>
               </a:ext>
             </a:extLst>
           </p:cNvPr>
@@ -7447,7 +7451,7 @@
           <p:cNvPr id="7" name="직사각형 6">
             <a:extLst>
               <a:ext uri="{FF2B5EF4-FFF2-40B4-BE49-F238E27FC236}">
-                <a16:creationId xmlns:a16="http://schemas.microsoft.com/office/drawing/2014/main" id="{A2951B4C-0F6E-4678-A4C8-8FB7EEAA5CE6}"/>
+                <a16:creationId xmlns:a16="http://schemas.microsoft.com/office/drawing/2014/main" xmlns="" id="{A2951B4C-0F6E-4678-A4C8-8FB7EEAA5CE6}"/>
               </a:ext>
             </a:extLst>
           </p:cNvPr>
@@ -7507,7 +7511,7 @@
           <p:cNvPr id="8" name="직사각형 7">
             <a:extLst>
               <a:ext uri="{FF2B5EF4-FFF2-40B4-BE49-F238E27FC236}">
-                <a16:creationId xmlns:a16="http://schemas.microsoft.com/office/drawing/2014/main" id="{BAE89BCE-919E-44F2-8819-A305D3A70CDA}"/>
+                <a16:creationId xmlns:a16="http://schemas.microsoft.com/office/drawing/2014/main" xmlns="" id="{BAE89BCE-919E-44F2-8819-A305D3A70CDA}"/>
               </a:ext>
             </a:extLst>
           </p:cNvPr>
@@ -7562,7 +7566,7 @@
           <p:cNvPr id="9" name="직사각형 8">
             <a:extLst>
               <a:ext uri="{FF2B5EF4-FFF2-40B4-BE49-F238E27FC236}">
-                <a16:creationId xmlns:a16="http://schemas.microsoft.com/office/drawing/2014/main" id="{349238DB-B9E3-48FA-BACD-382CC9E85FC1}"/>
+                <a16:creationId xmlns:a16="http://schemas.microsoft.com/office/drawing/2014/main" xmlns="" id="{349238DB-B9E3-48FA-BACD-382CC9E85FC1}"/>
               </a:ext>
             </a:extLst>
           </p:cNvPr>
@@ -7617,7 +7621,7 @@
           <p:cNvPr id="10" name="직사각형 9">
             <a:extLst>
               <a:ext uri="{FF2B5EF4-FFF2-40B4-BE49-F238E27FC236}">
-                <a16:creationId xmlns:a16="http://schemas.microsoft.com/office/drawing/2014/main" id="{85397621-465B-4ADE-A227-3701C385464F}"/>
+                <a16:creationId xmlns:a16="http://schemas.microsoft.com/office/drawing/2014/main" xmlns="" id="{85397621-465B-4ADE-A227-3701C385464F}"/>
               </a:ext>
             </a:extLst>
           </p:cNvPr>
@@ -7672,7 +7676,7 @@
           <p:cNvPr id="11" name="직사각형 10">
             <a:extLst>
               <a:ext uri="{FF2B5EF4-FFF2-40B4-BE49-F238E27FC236}">
-                <a16:creationId xmlns:a16="http://schemas.microsoft.com/office/drawing/2014/main" id="{99196F47-6546-4414-8692-8B1D6EB7861E}"/>
+                <a16:creationId xmlns:a16="http://schemas.microsoft.com/office/drawing/2014/main" xmlns="" id="{99196F47-6546-4414-8692-8B1D6EB7861E}"/>
               </a:ext>
             </a:extLst>
           </p:cNvPr>
@@ -7727,7 +7731,7 @@
           <p:cNvPr id="13" name="직선 화살표 연결선 12">
             <a:extLst>
               <a:ext uri="{FF2B5EF4-FFF2-40B4-BE49-F238E27FC236}">
-                <a16:creationId xmlns:a16="http://schemas.microsoft.com/office/drawing/2014/main" id="{147C09B1-E5F5-4D82-94F1-78DDF76CEDA4}"/>
+                <a16:creationId xmlns:a16="http://schemas.microsoft.com/office/drawing/2014/main" xmlns="" id="{147C09B1-E5F5-4D82-94F1-78DDF76CEDA4}"/>
               </a:ext>
             </a:extLst>
           </p:cNvPr>
@@ -7769,7 +7773,7 @@
           <p:cNvPr id="14" name="직선 화살표 연결선 13">
             <a:extLst>
               <a:ext uri="{FF2B5EF4-FFF2-40B4-BE49-F238E27FC236}">
-                <a16:creationId xmlns:a16="http://schemas.microsoft.com/office/drawing/2014/main" id="{8C04CFDC-9131-4F45-9FE4-55EF3F4FEBBF}"/>
+                <a16:creationId xmlns:a16="http://schemas.microsoft.com/office/drawing/2014/main" xmlns="" id="{8C04CFDC-9131-4F45-9FE4-55EF3F4FEBBF}"/>
               </a:ext>
             </a:extLst>
           </p:cNvPr>
@@ -7812,7 +7816,7 @@
           <p:cNvPr id="17" name="직선 화살표 연결선 16">
             <a:extLst>
               <a:ext uri="{FF2B5EF4-FFF2-40B4-BE49-F238E27FC236}">
-                <a16:creationId xmlns:a16="http://schemas.microsoft.com/office/drawing/2014/main" id="{49D920B6-9F30-4FE3-98BD-24435542E509}"/>
+                <a16:creationId xmlns:a16="http://schemas.microsoft.com/office/drawing/2014/main" xmlns="" id="{49D920B6-9F30-4FE3-98BD-24435542E509}"/>
               </a:ext>
             </a:extLst>
           </p:cNvPr>
@@ -7855,7 +7859,7 @@
           <p:cNvPr id="20" name="직선 화살표 연결선 19">
             <a:extLst>
               <a:ext uri="{FF2B5EF4-FFF2-40B4-BE49-F238E27FC236}">
-                <a16:creationId xmlns:a16="http://schemas.microsoft.com/office/drawing/2014/main" id="{9C78436C-633A-4ED7-9243-B162D8131872}"/>
+                <a16:creationId xmlns:a16="http://schemas.microsoft.com/office/drawing/2014/main" xmlns="" id="{9C78436C-633A-4ED7-9243-B162D8131872}"/>
               </a:ext>
             </a:extLst>
           </p:cNvPr>
@@ -7898,7 +7902,7 @@
           <p:cNvPr id="23" name="직선 화살표 연결선 22">
             <a:extLst>
               <a:ext uri="{FF2B5EF4-FFF2-40B4-BE49-F238E27FC236}">
-                <a16:creationId xmlns:a16="http://schemas.microsoft.com/office/drawing/2014/main" id="{A2C36C91-CB11-4877-A9AB-7077C45F91B3}"/>
+                <a16:creationId xmlns:a16="http://schemas.microsoft.com/office/drawing/2014/main" xmlns="" id="{A2C36C91-CB11-4877-A9AB-7077C45F91B3}"/>
               </a:ext>
             </a:extLst>
           </p:cNvPr>
@@ -7941,7 +7945,7 @@
           <p:cNvPr id="26" name="직선 화살표 연결선 25">
             <a:extLst>
               <a:ext uri="{FF2B5EF4-FFF2-40B4-BE49-F238E27FC236}">
-                <a16:creationId xmlns:a16="http://schemas.microsoft.com/office/drawing/2014/main" id="{4EBBCF9C-83D0-464C-96CC-25511ECF7979}"/>
+                <a16:creationId xmlns:a16="http://schemas.microsoft.com/office/drawing/2014/main" xmlns="" id="{4EBBCF9C-83D0-464C-96CC-25511ECF7979}"/>
               </a:ext>
             </a:extLst>
           </p:cNvPr>
@@ -7984,7 +7988,7 @@
           <p:cNvPr id="29" name="직선 화살표 연결선 28">
             <a:extLst>
               <a:ext uri="{FF2B5EF4-FFF2-40B4-BE49-F238E27FC236}">
-                <a16:creationId xmlns:a16="http://schemas.microsoft.com/office/drawing/2014/main" id="{9BEA08D9-5003-4EBA-B771-84E318E77859}"/>
+                <a16:creationId xmlns:a16="http://schemas.microsoft.com/office/drawing/2014/main" xmlns="" id="{9BEA08D9-5003-4EBA-B771-84E318E77859}"/>
               </a:ext>
             </a:extLst>
           </p:cNvPr>
@@ -8029,7 +8033,7 @@
               <p:cNvPr id="32" name="TextBox 31">
                 <a:extLst>
                   <a:ext uri="{FF2B5EF4-FFF2-40B4-BE49-F238E27FC236}">
-                    <a16:creationId xmlns:a16="http://schemas.microsoft.com/office/drawing/2014/main" id="{B762AC4C-43D2-4F68-9F3B-5B6960C79FD5}"/>
+                    <a16:creationId xmlns:a16="http://schemas.microsoft.com/office/drawing/2014/main" xmlns="" id="{B762AC4C-43D2-4F68-9F3B-5B6960C79FD5}"/>
                   </a:ext>
                 </a:extLst>
               </p:cNvPr>
@@ -8063,7 +8067,7 @@
                         <m:sSubPr>
                           <m:ctrlPr>
                             <a:rPr lang="en-US" altLang="ko-KR" i="1" smtClean="0">
-                              <a:latin typeface="Cambria Math" panose="02040503050406030204" pitchFamily="18" charset="0"/>
+                              <a:latin typeface="Cambria Math" charset="0"/>
                             </a:rPr>
                           </m:ctrlPr>
                         </m:sSubPr>
@@ -8144,7 +8148,7 @@
               <p:cNvPr id="33" name="TextBox 32">
                 <a:extLst>
                   <a:ext uri="{FF2B5EF4-FFF2-40B4-BE49-F238E27FC236}">
-                    <a16:creationId xmlns:a16="http://schemas.microsoft.com/office/drawing/2014/main" id="{17AFDE06-C487-486D-B7B1-76971B04CC45}"/>
+                    <a16:creationId xmlns:a16="http://schemas.microsoft.com/office/drawing/2014/main" xmlns="" id="{17AFDE06-C487-486D-B7B1-76971B04CC45}"/>
                   </a:ext>
                 </a:extLst>
               </p:cNvPr>
@@ -8178,7 +8182,7 @@
                         <m:sSubPr>
                           <m:ctrlPr>
                             <a:rPr lang="en-US" altLang="ko-KR" i="1" smtClean="0">
-                              <a:latin typeface="Cambria Math" panose="02040503050406030204" pitchFamily="18" charset="0"/>
+                              <a:latin typeface="Cambria Math" charset="0"/>
                             </a:rPr>
                           </m:ctrlPr>
                         </m:sSubPr>
@@ -8259,7 +8263,7 @@
               <p:cNvPr id="34" name="TextBox 33">
                 <a:extLst>
                   <a:ext uri="{FF2B5EF4-FFF2-40B4-BE49-F238E27FC236}">
-                    <a16:creationId xmlns:a16="http://schemas.microsoft.com/office/drawing/2014/main" id="{3176E3DE-1A33-48CE-8889-27F07BED33E0}"/>
+                    <a16:creationId xmlns:a16="http://schemas.microsoft.com/office/drawing/2014/main" xmlns="" id="{3176E3DE-1A33-48CE-8889-27F07BED33E0}"/>
                   </a:ext>
                 </a:extLst>
               </p:cNvPr>
@@ -8293,7 +8297,7 @@
                         <m:sSubPr>
                           <m:ctrlPr>
                             <a:rPr lang="en-US" altLang="ko-KR" i="1" smtClean="0">
-                              <a:latin typeface="Cambria Math" panose="02040503050406030204" pitchFamily="18" charset="0"/>
+                              <a:latin typeface="Cambria Math" charset="0"/>
                             </a:rPr>
                           </m:ctrlPr>
                         </m:sSubPr>
@@ -8374,7 +8378,7 @@
               <p:cNvPr id="35" name="TextBox 34">
                 <a:extLst>
                   <a:ext uri="{FF2B5EF4-FFF2-40B4-BE49-F238E27FC236}">
-                    <a16:creationId xmlns:a16="http://schemas.microsoft.com/office/drawing/2014/main" id="{3E6BEBE2-E434-4579-9BEF-7F057088C6A4}"/>
+                    <a16:creationId xmlns:a16="http://schemas.microsoft.com/office/drawing/2014/main" xmlns="" id="{3E6BEBE2-E434-4579-9BEF-7F057088C6A4}"/>
                   </a:ext>
                 </a:extLst>
               </p:cNvPr>
@@ -8408,7 +8412,7 @@
                         <m:sSubPr>
                           <m:ctrlPr>
                             <a:rPr lang="en-US" altLang="ko-KR" i="1" smtClean="0">
-                              <a:latin typeface="Cambria Math" panose="02040503050406030204" pitchFamily="18" charset="0"/>
+                              <a:latin typeface="Cambria Math" charset="0"/>
                             </a:rPr>
                           </m:ctrlPr>
                         </m:sSubPr>
@@ -8489,7 +8493,7 @@
               <p:cNvPr id="36" name="TextBox 35">
                 <a:extLst>
                   <a:ext uri="{FF2B5EF4-FFF2-40B4-BE49-F238E27FC236}">
-                    <a16:creationId xmlns:a16="http://schemas.microsoft.com/office/drawing/2014/main" id="{14E0069C-C3BE-41C2-B653-A18BA212F52D}"/>
+                    <a16:creationId xmlns:a16="http://schemas.microsoft.com/office/drawing/2014/main" xmlns="" id="{14E0069C-C3BE-41C2-B653-A18BA212F52D}"/>
                   </a:ext>
                 </a:extLst>
               </p:cNvPr>
@@ -8523,7 +8527,7 @@
                         <m:sSubPr>
                           <m:ctrlPr>
                             <a:rPr lang="en-US" altLang="ko-KR" i="1" smtClean="0">
-                              <a:latin typeface="Cambria Math" panose="02040503050406030204" pitchFamily="18" charset="0"/>
+                              <a:latin typeface="Cambria Math" charset="0"/>
                             </a:rPr>
                           </m:ctrlPr>
                         </m:sSubPr>
@@ -8604,7 +8608,7 @@
               <p:cNvPr id="37" name="TextBox 36">
                 <a:extLst>
                   <a:ext uri="{FF2B5EF4-FFF2-40B4-BE49-F238E27FC236}">
-                    <a16:creationId xmlns:a16="http://schemas.microsoft.com/office/drawing/2014/main" id="{6448FB8C-D9A1-4602-BD58-DE946A793132}"/>
+                    <a16:creationId xmlns:a16="http://schemas.microsoft.com/office/drawing/2014/main" xmlns="" id="{6448FB8C-D9A1-4602-BD58-DE946A793132}"/>
                   </a:ext>
                 </a:extLst>
               </p:cNvPr>
@@ -8638,7 +8642,7 @@
                         <m:sSubPr>
                           <m:ctrlPr>
                             <a:rPr lang="en-US" altLang="ko-KR" i="1" smtClean="0">
-                              <a:latin typeface="Cambria Math" panose="02040503050406030204" pitchFamily="18" charset="0"/>
+                              <a:latin typeface="Cambria Math" charset="0"/>
                             </a:rPr>
                           </m:ctrlPr>
                         </m:sSubPr>
@@ -8719,7 +8723,7 @@
               <p:cNvPr id="38" name="TextBox 37">
                 <a:extLst>
                   <a:ext uri="{FF2B5EF4-FFF2-40B4-BE49-F238E27FC236}">
-                    <a16:creationId xmlns:a16="http://schemas.microsoft.com/office/drawing/2014/main" id="{7027025A-1A40-43C7-B377-B6E5B83B42C9}"/>
+                    <a16:creationId xmlns:a16="http://schemas.microsoft.com/office/drawing/2014/main" xmlns="" id="{7027025A-1A40-43C7-B377-B6E5B83B42C9}"/>
                   </a:ext>
                 </a:extLst>
               </p:cNvPr>
@@ -8753,7 +8757,7 @@
                         <m:sSubPr>
                           <m:ctrlPr>
                             <a:rPr lang="en-US" altLang="ko-KR" i="1" smtClean="0">
-                              <a:latin typeface="Cambria Math" panose="02040503050406030204" pitchFamily="18" charset="0"/>
+                              <a:latin typeface="Cambria Math" charset="0"/>
                             </a:rPr>
                           </m:ctrlPr>
                         </m:sSubPr>
@@ -8834,7 +8838,7 @@
               <p:cNvPr id="39" name="TextBox 38">
                 <a:extLst>
                   <a:ext uri="{FF2B5EF4-FFF2-40B4-BE49-F238E27FC236}">
-                    <a16:creationId xmlns:a16="http://schemas.microsoft.com/office/drawing/2014/main" id="{34ED70D7-EC33-49DC-96FA-7BE986853032}"/>
+                    <a16:creationId xmlns:a16="http://schemas.microsoft.com/office/drawing/2014/main" xmlns="" id="{34ED70D7-EC33-49DC-96FA-7BE986853032}"/>
                   </a:ext>
                 </a:extLst>
               </p:cNvPr>
@@ -8930,7 +8934,7 @@
               <p:cNvPr id="40" name="TextBox 39">
                 <a:extLst>
                   <a:ext uri="{FF2B5EF4-FFF2-40B4-BE49-F238E27FC236}">
-                    <a16:creationId xmlns:a16="http://schemas.microsoft.com/office/drawing/2014/main" id="{3C190F04-1C31-4664-AD00-75B456B22FFA}"/>
+                    <a16:creationId xmlns:a16="http://schemas.microsoft.com/office/drawing/2014/main" xmlns="" id="{3C190F04-1C31-4664-AD00-75B456B22FFA}"/>
                   </a:ext>
                 </a:extLst>
               </p:cNvPr>
@@ -9024,7 +9028,7 @@
           <p:cNvPr id="41" name="직사각형 40">
             <a:extLst>
               <a:ext uri="{FF2B5EF4-FFF2-40B4-BE49-F238E27FC236}">
-                <a16:creationId xmlns:a16="http://schemas.microsoft.com/office/drawing/2014/main" id="{2408790D-3D66-431C-849B-99668B932886}"/>
+                <a16:creationId xmlns:a16="http://schemas.microsoft.com/office/drawing/2014/main" xmlns="" id="{2408790D-3D66-431C-849B-99668B932886}"/>
               </a:ext>
             </a:extLst>
           </p:cNvPr>
@@ -9077,7 +9081,7 @@
           <p:cNvPr id="42" name="직사각형 41">
             <a:extLst>
               <a:ext uri="{FF2B5EF4-FFF2-40B4-BE49-F238E27FC236}">
-                <a16:creationId xmlns:a16="http://schemas.microsoft.com/office/drawing/2014/main" id="{D3CFBC4C-F45D-48C0-A8AA-F68207C535F1}"/>
+                <a16:creationId xmlns:a16="http://schemas.microsoft.com/office/drawing/2014/main" xmlns="" id="{D3CFBC4C-F45D-48C0-A8AA-F68207C535F1}"/>
               </a:ext>
             </a:extLst>
           </p:cNvPr>
@@ -9130,7 +9134,7 @@
           <p:cNvPr id="43" name="직사각형 42">
             <a:extLst>
               <a:ext uri="{FF2B5EF4-FFF2-40B4-BE49-F238E27FC236}">
-                <a16:creationId xmlns:a16="http://schemas.microsoft.com/office/drawing/2014/main" id="{1CCBC64F-3065-4A07-BBD2-C6D6AFF1B01A}"/>
+                <a16:creationId xmlns:a16="http://schemas.microsoft.com/office/drawing/2014/main" xmlns="" id="{1CCBC64F-3065-4A07-BBD2-C6D6AFF1B01A}"/>
               </a:ext>
             </a:extLst>
           </p:cNvPr>
@@ -9183,7 +9187,7 @@
           <p:cNvPr id="44" name="직사각형 43">
             <a:extLst>
               <a:ext uri="{FF2B5EF4-FFF2-40B4-BE49-F238E27FC236}">
-                <a16:creationId xmlns:a16="http://schemas.microsoft.com/office/drawing/2014/main" id="{8335E1E8-EE72-4026-805B-961A5AA502D5}"/>
+                <a16:creationId xmlns:a16="http://schemas.microsoft.com/office/drawing/2014/main" xmlns="" id="{8335E1E8-EE72-4026-805B-961A5AA502D5}"/>
               </a:ext>
             </a:extLst>
           </p:cNvPr>
@@ -9236,7 +9240,7 @@
           <p:cNvPr id="45" name="직사각형 44">
             <a:extLst>
               <a:ext uri="{FF2B5EF4-FFF2-40B4-BE49-F238E27FC236}">
-                <a16:creationId xmlns:a16="http://schemas.microsoft.com/office/drawing/2014/main" id="{111AA82D-9B7D-4823-98CA-1E4E96C1FA21}"/>
+                <a16:creationId xmlns:a16="http://schemas.microsoft.com/office/drawing/2014/main" xmlns="" id="{111AA82D-9B7D-4823-98CA-1E4E96C1FA21}"/>
               </a:ext>
             </a:extLst>
           </p:cNvPr>
@@ -9284,7 +9288,7 @@
           <p:cNvPr id="46" name="직사각형 45">
             <a:extLst>
               <a:ext uri="{FF2B5EF4-FFF2-40B4-BE49-F238E27FC236}">
-                <a16:creationId xmlns:a16="http://schemas.microsoft.com/office/drawing/2014/main" id="{314F8EF3-3359-49FA-87AB-213C9D682DB7}"/>
+                <a16:creationId xmlns:a16="http://schemas.microsoft.com/office/drawing/2014/main" xmlns="" id="{314F8EF3-3359-49FA-87AB-213C9D682DB7}"/>
               </a:ext>
             </a:extLst>
           </p:cNvPr>
@@ -9332,7 +9336,7 @@
           <p:cNvPr id="47" name="직사각형 46">
             <a:extLst>
               <a:ext uri="{FF2B5EF4-FFF2-40B4-BE49-F238E27FC236}">
-                <a16:creationId xmlns:a16="http://schemas.microsoft.com/office/drawing/2014/main" id="{69994DCF-107E-4F14-840B-FCA36463D13F}"/>
+                <a16:creationId xmlns:a16="http://schemas.microsoft.com/office/drawing/2014/main" xmlns="" id="{69994DCF-107E-4F14-840B-FCA36463D13F}"/>
               </a:ext>
             </a:extLst>
           </p:cNvPr>
@@ -9380,7 +9384,7 @@
           <p:cNvPr id="48" name="직사각형 47">
             <a:extLst>
               <a:ext uri="{FF2B5EF4-FFF2-40B4-BE49-F238E27FC236}">
-                <a16:creationId xmlns:a16="http://schemas.microsoft.com/office/drawing/2014/main" id="{D9A3B689-E809-4687-A3A1-60131B70068B}"/>
+                <a16:creationId xmlns:a16="http://schemas.microsoft.com/office/drawing/2014/main" xmlns="" id="{D9A3B689-E809-4687-A3A1-60131B70068B}"/>
               </a:ext>
             </a:extLst>
           </p:cNvPr>
@@ -9428,7 +9432,7 @@
           <p:cNvPr id="49" name="직사각형 48">
             <a:extLst>
               <a:ext uri="{FF2B5EF4-FFF2-40B4-BE49-F238E27FC236}">
-                <a16:creationId xmlns:a16="http://schemas.microsoft.com/office/drawing/2014/main" id="{D24437A5-5A5B-42EA-AA28-A1F819EFE17B}"/>
+                <a16:creationId xmlns:a16="http://schemas.microsoft.com/office/drawing/2014/main" xmlns="" id="{D24437A5-5A5B-42EA-AA28-A1F819EFE17B}"/>
               </a:ext>
             </a:extLst>
           </p:cNvPr>
@@ -9476,7 +9480,7 @@
           <p:cNvPr id="50" name="직사각형 49">
             <a:extLst>
               <a:ext uri="{FF2B5EF4-FFF2-40B4-BE49-F238E27FC236}">
-                <a16:creationId xmlns:a16="http://schemas.microsoft.com/office/drawing/2014/main" id="{454F7536-28CC-4E35-8830-958C9CA919D0}"/>
+                <a16:creationId xmlns:a16="http://schemas.microsoft.com/office/drawing/2014/main" xmlns="" id="{454F7536-28CC-4E35-8830-958C9CA919D0}"/>
               </a:ext>
             </a:extLst>
           </p:cNvPr>
@@ -9524,7 +9528,7 @@
           <p:cNvPr id="51" name="직사각형 50">
             <a:extLst>
               <a:ext uri="{FF2B5EF4-FFF2-40B4-BE49-F238E27FC236}">
-                <a16:creationId xmlns:a16="http://schemas.microsoft.com/office/drawing/2014/main" id="{4350E3CD-9519-4828-A563-8BDC2F1EBAB9}"/>
+                <a16:creationId xmlns:a16="http://schemas.microsoft.com/office/drawing/2014/main" xmlns="" id="{4350E3CD-9519-4828-A563-8BDC2F1EBAB9}"/>
               </a:ext>
             </a:extLst>
           </p:cNvPr>
@@ -9572,7 +9576,7 @@
           <p:cNvPr id="52" name="직사각형 51">
             <a:extLst>
               <a:ext uri="{FF2B5EF4-FFF2-40B4-BE49-F238E27FC236}">
-                <a16:creationId xmlns:a16="http://schemas.microsoft.com/office/drawing/2014/main" id="{0F8602AC-A3B9-4C77-AFBD-26C68C5C4470}"/>
+                <a16:creationId xmlns:a16="http://schemas.microsoft.com/office/drawing/2014/main" xmlns="" id="{0F8602AC-A3B9-4C77-AFBD-26C68C5C4470}"/>
               </a:ext>
             </a:extLst>
           </p:cNvPr>
@@ -9622,7 +9626,7 @@
               <p:cNvPr id="55" name="TextBox 54">
                 <a:extLst>
                   <a:ext uri="{FF2B5EF4-FFF2-40B4-BE49-F238E27FC236}">
-                    <a16:creationId xmlns:a16="http://schemas.microsoft.com/office/drawing/2014/main" id="{72B80003-A461-40D8-85C7-6F6665F27485}"/>
+                    <a16:creationId xmlns:a16="http://schemas.microsoft.com/office/drawing/2014/main" xmlns="" id="{72B80003-A461-40D8-85C7-6F6665F27485}"/>
                   </a:ext>
                 </a:extLst>
               </p:cNvPr>
@@ -9656,7 +9660,7 @@
                         <m:sSubPr>
                           <m:ctrlPr>
                             <a:rPr lang="en-US" altLang="ko-KR" i="1" smtClean="0">
-                              <a:latin typeface="Cambria Math" panose="02040503050406030204" pitchFamily="18" charset="0"/>
+                              <a:latin typeface="Cambria Math" charset="0"/>
                             </a:rPr>
                           </m:ctrlPr>
                         </m:sSubPr>
@@ -9666,7 +9670,7 @@
                               <m:chr m:val="̂"/>
                               <m:ctrlPr>
                                 <a:rPr lang="en-US" altLang="ko-KR" i="1" smtClean="0">
-                                  <a:latin typeface="Cambria Math" panose="02040503050406030204" pitchFamily="18" charset="0"/>
+                                  <a:latin typeface="Cambria Math" charset="0"/>
                                 </a:rPr>
                               </m:ctrlPr>
                             </m:accPr>
@@ -9749,7 +9753,7 @@
               <p:cNvPr id="57" name="TextBox 56">
                 <a:extLst>
                   <a:ext uri="{FF2B5EF4-FFF2-40B4-BE49-F238E27FC236}">
-                    <a16:creationId xmlns:a16="http://schemas.microsoft.com/office/drawing/2014/main" id="{20E0532F-A1CA-4D11-85ED-98569F22BC6C}"/>
+                    <a16:creationId xmlns:a16="http://schemas.microsoft.com/office/drawing/2014/main" xmlns="" id="{20E0532F-A1CA-4D11-85ED-98569F22BC6C}"/>
                   </a:ext>
                 </a:extLst>
               </p:cNvPr>
@@ -9783,7 +9787,7 @@
                         <m:sSubPr>
                           <m:ctrlPr>
                             <a:rPr lang="en-US" altLang="ko-KR" i="1" smtClean="0">
-                              <a:latin typeface="Cambria Math" panose="02040503050406030204" pitchFamily="18" charset="0"/>
+                              <a:latin typeface="Cambria Math" charset="0"/>
                             </a:rPr>
                           </m:ctrlPr>
                         </m:sSubPr>
@@ -9793,7 +9797,7 @@
                               <m:chr m:val="̂"/>
                               <m:ctrlPr>
                                 <a:rPr lang="en-US" altLang="ko-KR" i="1" smtClean="0">
-                                  <a:latin typeface="Cambria Math" panose="02040503050406030204" pitchFamily="18" charset="0"/>
+                                  <a:latin typeface="Cambria Math" charset="0"/>
                                 </a:rPr>
                               </m:ctrlPr>
                             </m:accPr>
@@ -9876,7 +9880,7 @@
               <p:cNvPr id="58" name="TextBox 57">
                 <a:extLst>
                   <a:ext uri="{FF2B5EF4-FFF2-40B4-BE49-F238E27FC236}">
-                    <a16:creationId xmlns:a16="http://schemas.microsoft.com/office/drawing/2014/main" id="{BB4072BD-4BD0-4145-A29C-DBC0590749EA}"/>
+                    <a16:creationId xmlns:a16="http://schemas.microsoft.com/office/drawing/2014/main" xmlns="" id="{BB4072BD-4BD0-4145-A29C-DBC0590749EA}"/>
                   </a:ext>
                 </a:extLst>
               </p:cNvPr>
@@ -9910,7 +9914,7 @@
                         <m:sSubPr>
                           <m:ctrlPr>
                             <a:rPr lang="en-US" altLang="ko-KR" i="1" smtClean="0">
-                              <a:latin typeface="Cambria Math" panose="02040503050406030204" pitchFamily="18" charset="0"/>
+                              <a:latin typeface="Cambria Math" charset="0"/>
                             </a:rPr>
                           </m:ctrlPr>
                         </m:sSubPr>
@@ -9920,7 +9924,7 @@
                               <m:chr m:val="̂"/>
                               <m:ctrlPr>
                                 <a:rPr lang="en-US" altLang="ko-KR" i="1" smtClean="0">
-                                  <a:latin typeface="Cambria Math" panose="02040503050406030204" pitchFamily="18" charset="0"/>
+                                  <a:latin typeface="Cambria Math" charset="0"/>
                                 </a:rPr>
                               </m:ctrlPr>
                             </m:accPr>
@@ -10001,7 +10005,7 @@
           <p:cNvPr id="59" name="직선 화살표 연결선 58">
             <a:extLst>
               <a:ext uri="{FF2B5EF4-FFF2-40B4-BE49-F238E27FC236}">
-                <a16:creationId xmlns:a16="http://schemas.microsoft.com/office/drawing/2014/main" id="{8FD6C182-3273-43AE-AF9B-88D62A891900}"/>
+                <a16:creationId xmlns:a16="http://schemas.microsoft.com/office/drawing/2014/main" xmlns="" id="{8FD6C182-3273-43AE-AF9B-88D62A891900}"/>
               </a:ext>
             </a:extLst>
           </p:cNvPr>
@@ -10044,7 +10048,7 @@
           <p:cNvPr id="62" name="직선 화살표 연결선 61">
             <a:extLst>
               <a:ext uri="{FF2B5EF4-FFF2-40B4-BE49-F238E27FC236}">
-                <a16:creationId xmlns:a16="http://schemas.microsoft.com/office/drawing/2014/main" id="{84687B28-D3CF-4CC4-BB5A-CC64A664AE74}"/>
+                <a16:creationId xmlns:a16="http://schemas.microsoft.com/office/drawing/2014/main" xmlns="" id="{84687B28-D3CF-4CC4-BB5A-CC64A664AE74}"/>
               </a:ext>
             </a:extLst>
           </p:cNvPr>
@@ -10087,7 +10091,7 @@
           <p:cNvPr id="65" name="직선 화살표 연결선 64">
             <a:extLst>
               <a:ext uri="{FF2B5EF4-FFF2-40B4-BE49-F238E27FC236}">
-                <a16:creationId xmlns:a16="http://schemas.microsoft.com/office/drawing/2014/main" id="{5B0C86E3-E2D2-4A73-8DA8-9D61E38B3683}"/>
+                <a16:creationId xmlns:a16="http://schemas.microsoft.com/office/drawing/2014/main" xmlns="" id="{5B0C86E3-E2D2-4A73-8DA8-9D61E38B3683}"/>
               </a:ext>
             </a:extLst>
           </p:cNvPr>
@@ -10130,7 +10134,7 @@
           <p:cNvPr id="69" name="직선 화살표 연결선 68">
             <a:extLst>
               <a:ext uri="{FF2B5EF4-FFF2-40B4-BE49-F238E27FC236}">
-                <a16:creationId xmlns:a16="http://schemas.microsoft.com/office/drawing/2014/main" id="{E9DDA7B8-E402-4260-BD91-6BF2C76E596D}"/>
+                <a16:creationId xmlns:a16="http://schemas.microsoft.com/office/drawing/2014/main" xmlns="" id="{E9DDA7B8-E402-4260-BD91-6BF2C76E596D}"/>
               </a:ext>
             </a:extLst>
           </p:cNvPr>
@@ -10173,7 +10177,7 @@
           <p:cNvPr id="72" name="직선 화살표 연결선 71">
             <a:extLst>
               <a:ext uri="{FF2B5EF4-FFF2-40B4-BE49-F238E27FC236}">
-                <a16:creationId xmlns:a16="http://schemas.microsoft.com/office/drawing/2014/main" id="{3A38D4EC-BFCE-47EF-9CC9-5F3059C57B9A}"/>
+                <a16:creationId xmlns:a16="http://schemas.microsoft.com/office/drawing/2014/main" xmlns="" id="{3A38D4EC-BFCE-47EF-9CC9-5F3059C57B9A}"/>
               </a:ext>
             </a:extLst>
           </p:cNvPr>
@@ -10216,7 +10220,7 @@
           <p:cNvPr id="75" name="직선 화살표 연결선 74">
             <a:extLst>
               <a:ext uri="{FF2B5EF4-FFF2-40B4-BE49-F238E27FC236}">
-                <a16:creationId xmlns:a16="http://schemas.microsoft.com/office/drawing/2014/main" id="{F0A56918-BB78-4512-9AE4-4595F71A0374}"/>
+                <a16:creationId xmlns:a16="http://schemas.microsoft.com/office/drawing/2014/main" xmlns="" id="{F0A56918-BB78-4512-9AE4-4595F71A0374}"/>
               </a:ext>
             </a:extLst>
           </p:cNvPr>
@@ -10259,7 +10263,7 @@
           <p:cNvPr id="78" name="직선 화살표 연결선 77">
             <a:extLst>
               <a:ext uri="{FF2B5EF4-FFF2-40B4-BE49-F238E27FC236}">
-                <a16:creationId xmlns:a16="http://schemas.microsoft.com/office/drawing/2014/main" id="{6BE0089D-C53D-4CB5-81DB-317FD6773065}"/>
+                <a16:creationId xmlns:a16="http://schemas.microsoft.com/office/drawing/2014/main" xmlns="" id="{6BE0089D-C53D-4CB5-81DB-317FD6773065}"/>
               </a:ext>
             </a:extLst>
           </p:cNvPr>
@@ -10302,7 +10306,7 @@
           <p:cNvPr id="81" name="직선 화살표 연결선 80">
             <a:extLst>
               <a:ext uri="{FF2B5EF4-FFF2-40B4-BE49-F238E27FC236}">
-                <a16:creationId xmlns:a16="http://schemas.microsoft.com/office/drawing/2014/main" id="{1FE67D45-F341-48D8-A5DA-5CABD0220D40}"/>
+                <a16:creationId xmlns:a16="http://schemas.microsoft.com/office/drawing/2014/main" xmlns="" id="{1FE67D45-F341-48D8-A5DA-5CABD0220D40}"/>
               </a:ext>
             </a:extLst>
           </p:cNvPr>
@@ -10345,7 +10349,7 @@
           <p:cNvPr id="84" name="직선 화살표 연결선 83">
             <a:extLst>
               <a:ext uri="{FF2B5EF4-FFF2-40B4-BE49-F238E27FC236}">
-                <a16:creationId xmlns:a16="http://schemas.microsoft.com/office/drawing/2014/main" id="{EA268775-CEB7-4436-8C2C-742779150F3A}"/>
+                <a16:creationId xmlns:a16="http://schemas.microsoft.com/office/drawing/2014/main" xmlns="" id="{EA268775-CEB7-4436-8C2C-742779150F3A}"/>
               </a:ext>
             </a:extLst>
           </p:cNvPr>
@@ -10388,7 +10392,7 @@
           <p:cNvPr id="87" name="직선 화살표 연결선 86">
             <a:extLst>
               <a:ext uri="{FF2B5EF4-FFF2-40B4-BE49-F238E27FC236}">
-                <a16:creationId xmlns:a16="http://schemas.microsoft.com/office/drawing/2014/main" id="{2F9DA316-AF50-4F26-873D-18769FF362BC}"/>
+                <a16:creationId xmlns:a16="http://schemas.microsoft.com/office/drawing/2014/main" xmlns="" id="{2F9DA316-AF50-4F26-873D-18769FF362BC}"/>
               </a:ext>
             </a:extLst>
           </p:cNvPr>
@@ -10431,7 +10435,7 @@
           <p:cNvPr id="90" name="직선 화살표 연결선 89">
             <a:extLst>
               <a:ext uri="{FF2B5EF4-FFF2-40B4-BE49-F238E27FC236}">
-                <a16:creationId xmlns:a16="http://schemas.microsoft.com/office/drawing/2014/main" id="{20099984-F671-4110-A508-825AF03AF97E}"/>
+                <a16:creationId xmlns:a16="http://schemas.microsoft.com/office/drawing/2014/main" xmlns="" id="{20099984-F671-4110-A508-825AF03AF97E}"/>
               </a:ext>
             </a:extLst>
           </p:cNvPr>
@@ -10474,7 +10478,7 @@
           <p:cNvPr id="93" name="직선 화살표 연결선 92">
             <a:extLst>
               <a:ext uri="{FF2B5EF4-FFF2-40B4-BE49-F238E27FC236}">
-                <a16:creationId xmlns:a16="http://schemas.microsoft.com/office/drawing/2014/main" id="{3FD2772A-63B2-432A-874D-81B5EAE253B6}"/>
+                <a16:creationId xmlns:a16="http://schemas.microsoft.com/office/drawing/2014/main" xmlns="" id="{3FD2772A-63B2-432A-874D-81B5EAE253B6}"/>
               </a:ext>
             </a:extLst>
           </p:cNvPr>
@@ -10517,7 +10521,7 @@
           <p:cNvPr id="96" name="직선 화살표 연결선 95">
             <a:extLst>
               <a:ext uri="{FF2B5EF4-FFF2-40B4-BE49-F238E27FC236}">
-                <a16:creationId xmlns:a16="http://schemas.microsoft.com/office/drawing/2014/main" id="{0950EDDA-92F2-40B3-8E33-04EEEE15DEBD}"/>
+                <a16:creationId xmlns:a16="http://schemas.microsoft.com/office/drawing/2014/main" xmlns="" id="{0950EDDA-92F2-40B3-8E33-04EEEE15DEBD}"/>
               </a:ext>
             </a:extLst>
           </p:cNvPr>
@@ -10560,7 +10564,7 @@
           <p:cNvPr id="99" name="직선 화살표 연결선 98">
             <a:extLst>
               <a:ext uri="{FF2B5EF4-FFF2-40B4-BE49-F238E27FC236}">
-                <a16:creationId xmlns:a16="http://schemas.microsoft.com/office/drawing/2014/main" id="{3CDFBDFE-CBAD-41E3-ACEA-06CCB2C6FDBD}"/>
+                <a16:creationId xmlns:a16="http://schemas.microsoft.com/office/drawing/2014/main" xmlns="" id="{3CDFBDFE-CBAD-41E3-ACEA-06CCB2C6FDBD}"/>
               </a:ext>
             </a:extLst>
           </p:cNvPr>
@@ -10603,7 +10607,7 @@
           <p:cNvPr id="102" name="직선 화살표 연결선 101">
             <a:extLst>
               <a:ext uri="{FF2B5EF4-FFF2-40B4-BE49-F238E27FC236}">
-                <a16:creationId xmlns:a16="http://schemas.microsoft.com/office/drawing/2014/main" id="{77648F5A-E6F6-4F01-90F1-AAEF9A30738A}"/>
+                <a16:creationId xmlns:a16="http://schemas.microsoft.com/office/drawing/2014/main" xmlns="" id="{77648F5A-E6F6-4F01-90F1-AAEF9A30738A}"/>
               </a:ext>
             </a:extLst>
           </p:cNvPr>
@@ -10646,7 +10650,7 @@
           <p:cNvPr id="105" name="직선 화살표 연결선 104">
             <a:extLst>
               <a:ext uri="{FF2B5EF4-FFF2-40B4-BE49-F238E27FC236}">
-                <a16:creationId xmlns:a16="http://schemas.microsoft.com/office/drawing/2014/main" id="{512F180C-E62B-4C3D-8DEE-7BE74F91E5AF}"/>
+                <a16:creationId xmlns:a16="http://schemas.microsoft.com/office/drawing/2014/main" xmlns="" id="{512F180C-E62B-4C3D-8DEE-7BE74F91E5AF}"/>
               </a:ext>
             </a:extLst>
           </p:cNvPr>
@@ -10689,7 +10693,7 @@
           <p:cNvPr id="108" name="직선 화살표 연결선 107">
             <a:extLst>
               <a:ext uri="{FF2B5EF4-FFF2-40B4-BE49-F238E27FC236}">
-                <a16:creationId xmlns:a16="http://schemas.microsoft.com/office/drawing/2014/main" id="{F0620903-B98B-482B-BCE6-DBFF005A7721}"/>
+                <a16:creationId xmlns:a16="http://schemas.microsoft.com/office/drawing/2014/main" xmlns="" id="{F0620903-B98B-482B-BCE6-DBFF005A7721}"/>
               </a:ext>
             </a:extLst>
           </p:cNvPr>
@@ -10732,7 +10736,7 @@
           <p:cNvPr id="111" name="직선 화살표 연결선 110">
             <a:extLst>
               <a:ext uri="{FF2B5EF4-FFF2-40B4-BE49-F238E27FC236}">
-                <a16:creationId xmlns:a16="http://schemas.microsoft.com/office/drawing/2014/main" id="{12217889-4726-4C88-9325-F533E0E9F9D0}"/>
+                <a16:creationId xmlns:a16="http://schemas.microsoft.com/office/drawing/2014/main" xmlns="" id="{12217889-4726-4C88-9325-F533E0E9F9D0}"/>
               </a:ext>
             </a:extLst>
           </p:cNvPr>
@@ -10775,7 +10779,7 @@
           <p:cNvPr id="114" name="직선 화살표 연결선 113">
             <a:extLst>
               <a:ext uri="{FF2B5EF4-FFF2-40B4-BE49-F238E27FC236}">
-                <a16:creationId xmlns:a16="http://schemas.microsoft.com/office/drawing/2014/main" id="{A3466522-BCD2-4C8B-BB34-E826DC8BF883}"/>
+                <a16:creationId xmlns:a16="http://schemas.microsoft.com/office/drawing/2014/main" xmlns="" id="{A3466522-BCD2-4C8B-BB34-E826DC8BF883}"/>
               </a:ext>
             </a:extLst>
           </p:cNvPr>
@@ -10818,7 +10822,7 @@
           <p:cNvPr id="117" name="직선 화살표 연결선 116">
             <a:extLst>
               <a:ext uri="{FF2B5EF4-FFF2-40B4-BE49-F238E27FC236}">
-                <a16:creationId xmlns:a16="http://schemas.microsoft.com/office/drawing/2014/main" id="{284E8DD9-CAEE-4148-AE3B-F554719E5F25}"/>
+                <a16:creationId xmlns:a16="http://schemas.microsoft.com/office/drawing/2014/main" xmlns="" id="{284E8DD9-CAEE-4148-AE3B-F554719E5F25}"/>
               </a:ext>
             </a:extLst>
           </p:cNvPr>
@@ -10861,7 +10865,7 @@
           <p:cNvPr id="120" name="직선 화살표 연결선 119">
             <a:extLst>
               <a:ext uri="{FF2B5EF4-FFF2-40B4-BE49-F238E27FC236}">
-                <a16:creationId xmlns:a16="http://schemas.microsoft.com/office/drawing/2014/main" id="{0AD7DF6E-BA1D-4779-88C3-09DD71D6E2FF}"/>
+                <a16:creationId xmlns:a16="http://schemas.microsoft.com/office/drawing/2014/main" xmlns="" id="{0AD7DF6E-BA1D-4779-88C3-09DD71D6E2FF}"/>
               </a:ext>
             </a:extLst>
           </p:cNvPr>
@@ -10904,7 +10908,7 @@
           <p:cNvPr id="123" name="직선 화살표 연결선 122">
             <a:extLst>
               <a:ext uri="{FF2B5EF4-FFF2-40B4-BE49-F238E27FC236}">
-                <a16:creationId xmlns:a16="http://schemas.microsoft.com/office/drawing/2014/main" id="{5216A147-C924-4C72-8D6E-7331E2D22CFB}"/>
+                <a16:creationId xmlns:a16="http://schemas.microsoft.com/office/drawing/2014/main" xmlns="" id="{5216A147-C924-4C72-8D6E-7331E2D22CFB}"/>
               </a:ext>
             </a:extLst>
           </p:cNvPr>
@@ -10947,7 +10951,7 @@
           <p:cNvPr id="126" name="직선 화살표 연결선 125">
             <a:extLst>
               <a:ext uri="{FF2B5EF4-FFF2-40B4-BE49-F238E27FC236}">
-                <a16:creationId xmlns:a16="http://schemas.microsoft.com/office/drawing/2014/main" id="{45637B03-E8B6-4719-B049-0FDE04904AE4}"/>
+                <a16:creationId xmlns:a16="http://schemas.microsoft.com/office/drawing/2014/main" xmlns="" id="{45637B03-E8B6-4719-B049-0FDE04904AE4}"/>
               </a:ext>
             </a:extLst>
           </p:cNvPr>
@@ -10990,7 +10994,7 @@
           <p:cNvPr id="129" name="직선 화살표 연결선 128">
             <a:extLst>
               <a:ext uri="{FF2B5EF4-FFF2-40B4-BE49-F238E27FC236}">
-                <a16:creationId xmlns:a16="http://schemas.microsoft.com/office/drawing/2014/main" id="{1CA74644-B225-4181-9249-93F1981D9149}"/>
+                <a16:creationId xmlns:a16="http://schemas.microsoft.com/office/drawing/2014/main" xmlns="" id="{1CA74644-B225-4181-9249-93F1981D9149}"/>
               </a:ext>
             </a:extLst>
           </p:cNvPr>
@@ -11033,7 +11037,7 @@
           <p:cNvPr id="133" name="연결선: 구부러짐 132">
             <a:extLst>
               <a:ext uri="{FF2B5EF4-FFF2-40B4-BE49-F238E27FC236}">
-                <a16:creationId xmlns:a16="http://schemas.microsoft.com/office/drawing/2014/main" id="{B0692204-9491-4446-8992-669D8CADF515}"/>
+                <a16:creationId xmlns:a16="http://schemas.microsoft.com/office/drawing/2014/main" xmlns="" id="{B0692204-9491-4446-8992-669D8CADF515}"/>
               </a:ext>
             </a:extLst>
           </p:cNvPr>
@@ -11079,7 +11083,7 @@
           <p:cNvPr id="134" name="연결선: 구부러짐 133">
             <a:extLst>
               <a:ext uri="{FF2B5EF4-FFF2-40B4-BE49-F238E27FC236}">
-                <a16:creationId xmlns:a16="http://schemas.microsoft.com/office/drawing/2014/main" id="{FC427459-E021-48A1-B314-49541E7D501D}"/>
+                <a16:creationId xmlns:a16="http://schemas.microsoft.com/office/drawing/2014/main" xmlns="" id="{FC427459-E021-48A1-B314-49541E7D501D}"/>
               </a:ext>
             </a:extLst>
           </p:cNvPr>
@@ -11126,7 +11130,7 @@
           <p:cNvPr id="137" name="연결선: 구부러짐 136">
             <a:extLst>
               <a:ext uri="{FF2B5EF4-FFF2-40B4-BE49-F238E27FC236}">
-                <a16:creationId xmlns:a16="http://schemas.microsoft.com/office/drawing/2014/main" id="{9164BF98-76B5-402C-970C-7B7B851DD7BB}"/>
+                <a16:creationId xmlns:a16="http://schemas.microsoft.com/office/drawing/2014/main" xmlns="" id="{9164BF98-76B5-402C-970C-7B7B851DD7BB}"/>
               </a:ext>
             </a:extLst>
           </p:cNvPr>
@@ -11203,7 +11207,7 @@
           <p:cNvPr id="4" name="직사각형 3">
             <a:extLst>
               <a:ext uri="{FF2B5EF4-FFF2-40B4-BE49-F238E27FC236}">
-                <a16:creationId xmlns:a16="http://schemas.microsoft.com/office/drawing/2014/main" id="{E4469EA3-BD2F-4388-B225-972DBD285F7E}"/>
+                <a16:creationId xmlns:a16="http://schemas.microsoft.com/office/drawing/2014/main" xmlns="" id="{E4469EA3-BD2F-4388-B225-972DBD285F7E}"/>
               </a:ext>
             </a:extLst>
           </p:cNvPr>
@@ -11263,7 +11267,7 @@
           <p:cNvPr id="5" name="직사각형 4">
             <a:extLst>
               <a:ext uri="{FF2B5EF4-FFF2-40B4-BE49-F238E27FC236}">
-                <a16:creationId xmlns:a16="http://schemas.microsoft.com/office/drawing/2014/main" id="{4CA84653-010D-4065-B853-79CB25E1864C}"/>
+                <a16:creationId xmlns:a16="http://schemas.microsoft.com/office/drawing/2014/main" xmlns="" id="{4CA84653-010D-4065-B853-79CB25E1864C}"/>
               </a:ext>
             </a:extLst>
           </p:cNvPr>
@@ -11323,7 +11327,7 @@
           <p:cNvPr id="6" name="직사각형 5">
             <a:extLst>
               <a:ext uri="{FF2B5EF4-FFF2-40B4-BE49-F238E27FC236}">
-                <a16:creationId xmlns:a16="http://schemas.microsoft.com/office/drawing/2014/main" id="{E1E73367-4DDC-4825-B313-715B65F5DD9C}"/>
+                <a16:creationId xmlns:a16="http://schemas.microsoft.com/office/drawing/2014/main" xmlns="" id="{E1E73367-4DDC-4825-B313-715B65F5DD9C}"/>
               </a:ext>
             </a:extLst>
           </p:cNvPr>
@@ -11383,7 +11387,7 @@
           <p:cNvPr id="7" name="직사각형 6">
             <a:extLst>
               <a:ext uri="{FF2B5EF4-FFF2-40B4-BE49-F238E27FC236}">
-                <a16:creationId xmlns:a16="http://schemas.microsoft.com/office/drawing/2014/main" id="{A2951B4C-0F6E-4678-A4C8-8FB7EEAA5CE6}"/>
+                <a16:creationId xmlns:a16="http://schemas.microsoft.com/office/drawing/2014/main" xmlns="" id="{A2951B4C-0F6E-4678-A4C8-8FB7EEAA5CE6}"/>
               </a:ext>
             </a:extLst>
           </p:cNvPr>
@@ -11443,7 +11447,7 @@
           <p:cNvPr id="8" name="직사각형 7">
             <a:extLst>
               <a:ext uri="{FF2B5EF4-FFF2-40B4-BE49-F238E27FC236}">
-                <a16:creationId xmlns:a16="http://schemas.microsoft.com/office/drawing/2014/main" id="{BAE89BCE-919E-44F2-8819-A305D3A70CDA}"/>
+                <a16:creationId xmlns:a16="http://schemas.microsoft.com/office/drawing/2014/main" xmlns="" id="{BAE89BCE-919E-44F2-8819-A305D3A70CDA}"/>
               </a:ext>
             </a:extLst>
           </p:cNvPr>
@@ -11498,7 +11502,7 @@
           <p:cNvPr id="9" name="직사각형 8">
             <a:extLst>
               <a:ext uri="{FF2B5EF4-FFF2-40B4-BE49-F238E27FC236}">
-                <a16:creationId xmlns:a16="http://schemas.microsoft.com/office/drawing/2014/main" id="{349238DB-B9E3-48FA-BACD-382CC9E85FC1}"/>
+                <a16:creationId xmlns:a16="http://schemas.microsoft.com/office/drawing/2014/main" xmlns="" id="{349238DB-B9E3-48FA-BACD-382CC9E85FC1}"/>
               </a:ext>
             </a:extLst>
           </p:cNvPr>
@@ -11553,7 +11557,7 @@
           <p:cNvPr id="10" name="직사각형 9">
             <a:extLst>
               <a:ext uri="{FF2B5EF4-FFF2-40B4-BE49-F238E27FC236}">
-                <a16:creationId xmlns:a16="http://schemas.microsoft.com/office/drawing/2014/main" id="{85397621-465B-4ADE-A227-3701C385464F}"/>
+                <a16:creationId xmlns:a16="http://schemas.microsoft.com/office/drawing/2014/main" xmlns="" id="{85397621-465B-4ADE-A227-3701C385464F}"/>
               </a:ext>
             </a:extLst>
           </p:cNvPr>
@@ -11608,7 +11612,7 @@
           <p:cNvPr id="11" name="직사각형 10">
             <a:extLst>
               <a:ext uri="{FF2B5EF4-FFF2-40B4-BE49-F238E27FC236}">
-                <a16:creationId xmlns:a16="http://schemas.microsoft.com/office/drawing/2014/main" id="{99196F47-6546-4414-8692-8B1D6EB7861E}"/>
+                <a16:creationId xmlns:a16="http://schemas.microsoft.com/office/drawing/2014/main" xmlns="" id="{99196F47-6546-4414-8692-8B1D6EB7861E}"/>
               </a:ext>
             </a:extLst>
           </p:cNvPr>
@@ -11663,7 +11667,7 @@
           <p:cNvPr id="13" name="직선 화살표 연결선 12">
             <a:extLst>
               <a:ext uri="{FF2B5EF4-FFF2-40B4-BE49-F238E27FC236}">
-                <a16:creationId xmlns:a16="http://schemas.microsoft.com/office/drawing/2014/main" id="{147C09B1-E5F5-4D82-94F1-78DDF76CEDA4}"/>
+                <a16:creationId xmlns:a16="http://schemas.microsoft.com/office/drawing/2014/main" xmlns="" id="{147C09B1-E5F5-4D82-94F1-78DDF76CEDA4}"/>
               </a:ext>
             </a:extLst>
           </p:cNvPr>
@@ -11705,7 +11709,7 @@
           <p:cNvPr id="14" name="직선 화살표 연결선 13">
             <a:extLst>
               <a:ext uri="{FF2B5EF4-FFF2-40B4-BE49-F238E27FC236}">
-                <a16:creationId xmlns:a16="http://schemas.microsoft.com/office/drawing/2014/main" id="{8C04CFDC-9131-4F45-9FE4-55EF3F4FEBBF}"/>
+                <a16:creationId xmlns:a16="http://schemas.microsoft.com/office/drawing/2014/main" xmlns="" id="{8C04CFDC-9131-4F45-9FE4-55EF3F4FEBBF}"/>
               </a:ext>
             </a:extLst>
           </p:cNvPr>
@@ -11748,7 +11752,7 @@
           <p:cNvPr id="17" name="직선 화살표 연결선 16">
             <a:extLst>
               <a:ext uri="{FF2B5EF4-FFF2-40B4-BE49-F238E27FC236}">
-                <a16:creationId xmlns:a16="http://schemas.microsoft.com/office/drawing/2014/main" id="{49D920B6-9F30-4FE3-98BD-24435542E509}"/>
+                <a16:creationId xmlns:a16="http://schemas.microsoft.com/office/drawing/2014/main" xmlns="" id="{49D920B6-9F30-4FE3-98BD-24435542E509}"/>
               </a:ext>
             </a:extLst>
           </p:cNvPr>
@@ -11791,7 +11795,7 @@
           <p:cNvPr id="20" name="직선 화살표 연결선 19">
             <a:extLst>
               <a:ext uri="{FF2B5EF4-FFF2-40B4-BE49-F238E27FC236}">
-                <a16:creationId xmlns:a16="http://schemas.microsoft.com/office/drawing/2014/main" id="{9C78436C-633A-4ED7-9243-B162D8131872}"/>
+                <a16:creationId xmlns:a16="http://schemas.microsoft.com/office/drawing/2014/main" xmlns="" id="{9C78436C-633A-4ED7-9243-B162D8131872}"/>
               </a:ext>
             </a:extLst>
           </p:cNvPr>
@@ -11834,7 +11838,7 @@
           <p:cNvPr id="23" name="직선 화살표 연결선 22">
             <a:extLst>
               <a:ext uri="{FF2B5EF4-FFF2-40B4-BE49-F238E27FC236}">
-                <a16:creationId xmlns:a16="http://schemas.microsoft.com/office/drawing/2014/main" id="{A2C36C91-CB11-4877-A9AB-7077C45F91B3}"/>
+                <a16:creationId xmlns:a16="http://schemas.microsoft.com/office/drawing/2014/main" xmlns="" id="{A2C36C91-CB11-4877-A9AB-7077C45F91B3}"/>
               </a:ext>
             </a:extLst>
           </p:cNvPr>
@@ -11877,7 +11881,7 @@
           <p:cNvPr id="26" name="직선 화살표 연결선 25">
             <a:extLst>
               <a:ext uri="{FF2B5EF4-FFF2-40B4-BE49-F238E27FC236}">
-                <a16:creationId xmlns:a16="http://schemas.microsoft.com/office/drawing/2014/main" id="{4EBBCF9C-83D0-464C-96CC-25511ECF7979}"/>
+                <a16:creationId xmlns:a16="http://schemas.microsoft.com/office/drawing/2014/main" xmlns="" id="{4EBBCF9C-83D0-464C-96CC-25511ECF7979}"/>
               </a:ext>
             </a:extLst>
           </p:cNvPr>
@@ -11920,7 +11924,7 @@
           <p:cNvPr id="29" name="직선 화살표 연결선 28">
             <a:extLst>
               <a:ext uri="{FF2B5EF4-FFF2-40B4-BE49-F238E27FC236}">
-                <a16:creationId xmlns:a16="http://schemas.microsoft.com/office/drawing/2014/main" id="{9BEA08D9-5003-4EBA-B771-84E318E77859}"/>
+                <a16:creationId xmlns:a16="http://schemas.microsoft.com/office/drawing/2014/main" xmlns="" id="{9BEA08D9-5003-4EBA-B771-84E318E77859}"/>
               </a:ext>
             </a:extLst>
           </p:cNvPr>
@@ -11965,7 +11969,7 @@
               <p:cNvPr id="32" name="TextBox 31">
                 <a:extLst>
                   <a:ext uri="{FF2B5EF4-FFF2-40B4-BE49-F238E27FC236}">
-                    <a16:creationId xmlns:a16="http://schemas.microsoft.com/office/drawing/2014/main" id="{B762AC4C-43D2-4F68-9F3B-5B6960C79FD5}"/>
+                    <a16:creationId xmlns:a16="http://schemas.microsoft.com/office/drawing/2014/main" xmlns="" id="{B762AC4C-43D2-4F68-9F3B-5B6960C79FD5}"/>
                   </a:ext>
                 </a:extLst>
               </p:cNvPr>
@@ -11999,7 +12003,7 @@
                         <m:sSubPr>
                           <m:ctrlPr>
                             <a:rPr lang="en-US" altLang="ko-KR" i="1" smtClean="0">
-                              <a:latin typeface="Cambria Math" panose="02040503050406030204" pitchFamily="18" charset="0"/>
+                              <a:latin typeface="Cambria Math" charset="0"/>
                             </a:rPr>
                           </m:ctrlPr>
                         </m:sSubPr>
@@ -12080,7 +12084,7 @@
               <p:cNvPr id="33" name="TextBox 32">
                 <a:extLst>
                   <a:ext uri="{FF2B5EF4-FFF2-40B4-BE49-F238E27FC236}">
-                    <a16:creationId xmlns:a16="http://schemas.microsoft.com/office/drawing/2014/main" id="{17AFDE06-C487-486D-B7B1-76971B04CC45}"/>
+                    <a16:creationId xmlns:a16="http://schemas.microsoft.com/office/drawing/2014/main" xmlns="" id="{17AFDE06-C487-486D-B7B1-76971B04CC45}"/>
                   </a:ext>
                 </a:extLst>
               </p:cNvPr>
@@ -12114,7 +12118,7 @@
                         <m:sSubPr>
                           <m:ctrlPr>
                             <a:rPr lang="en-US" altLang="ko-KR" i="1" smtClean="0">
-                              <a:latin typeface="Cambria Math" panose="02040503050406030204" pitchFamily="18" charset="0"/>
+                              <a:latin typeface="Cambria Math" charset="0"/>
                             </a:rPr>
                           </m:ctrlPr>
                         </m:sSubPr>
@@ -12195,7 +12199,7 @@
               <p:cNvPr id="34" name="TextBox 33">
                 <a:extLst>
                   <a:ext uri="{FF2B5EF4-FFF2-40B4-BE49-F238E27FC236}">
-                    <a16:creationId xmlns:a16="http://schemas.microsoft.com/office/drawing/2014/main" id="{3176E3DE-1A33-48CE-8889-27F07BED33E0}"/>
+                    <a16:creationId xmlns:a16="http://schemas.microsoft.com/office/drawing/2014/main" xmlns="" id="{3176E3DE-1A33-48CE-8889-27F07BED33E0}"/>
                   </a:ext>
                 </a:extLst>
               </p:cNvPr>
@@ -12229,7 +12233,7 @@
                         <m:sSubPr>
                           <m:ctrlPr>
                             <a:rPr lang="en-US" altLang="ko-KR" i="1" smtClean="0">
-                              <a:latin typeface="Cambria Math" panose="02040503050406030204" pitchFamily="18" charset="0"/>
+                              <a:latin typeface="Cambria Math" charset="0"/>
                             </a:rPr>
                           </m:ctrlPr>
                         </m:sSubPr>
@@ -12310,7 +12314,7 @@
               <p:cNvPr id="35" name="TextBox 34">
                 <a:extLst>
                   <a:ext uri="{FF2B5EF4-FFF2-40B4-BE49-F238E27FC236}">
-                    <a16:creationId xmlns:a16="http://schemas.microsoft.com/office/drawing/2014/main" id="{3E6BEBE2-E434-4579-9BEF-7F057088C6A4}"/>
+                    <a16:creationId xmlns:a16="http://schemas.microsoft.com/office/drawing/2014/main" xmlns="" id="{3E6BEBE2-E434-4579-9BEF-7F057088C6A4}"/>
                   </a:ext>
                 </a:extLst>
               </p:cNvPr>
@@ -12344,7 +12348,7 @@
                         <m:sSubPr>
                           <m:ctrlPr>
                             <a:rPr lang="en-US" altLang="ko-KR" i="1" smtClean="0">
-                              <a:latin typeface="Cambria Math" panose="02040503050406030204" pitchFamily="18" charset="0"/>
+                              <a:latin typeface="Cambria Math" charset="0"/>
                             </a:rPr>
                           </m:ctrlPr>
                         </m:sSubPr>
@@ -12425,7 +12429,7 @@
               <p:cNvPr id="36" name="TextBox 35">
                 <a:extLst>
                   <a:ext uri="{FF2B5EF4-FFF2-40B4-BE49-F238E27FC236}">
-                    <a16:creationId xmlns:a16="http://schemas.microsoft.com/office/drawing/2014/main" id="{14E0069C-C3BE-41C2-B653-A18BA212F52D}"/>
+                    <a16:creationId xmlns:a16="http://schemas.microsoft.com/office/drawing/2014/main" xmlns="" id="{14E0069C-C3BE-41C2-B653-A18BA212F52D}"/>
                   </a:ext>
                 </a:extLst>
               </p:cNvPr>
@@ -12459,7 +12463,7 @@
                         <m:sSubPr>
                           <m:ctrlPr>
                             <a:rPr lang="en-US" altLang="ko-KR" i="1" smtClean="0">
-                              <a:latin typeface="Cambria Math" panose="02040503050406030204" pitchFamily="18" charset="0"/>
+                              <a:latin typeface="Cambria Math" charset="0"/>
                             </a:rPr>
                           </m:ctrlPr>
                         </m:sSubPr>
@@ -12540,7 +12544,7 @@
               <p:cNvPr id="37" name="TextBox 36">
                 <a:extLst>
                   <a:ext uri="{FF2B5EF4-FFF2-40B4-BE49-F238E27FC236}">
-                    <a16:creationId xmlns:a16="http://schemas.microsoft.com/office/drawing/2014/main" id="{6448FB8C-D9A1-4602-BD58-DE946A793132}"/>
+                    <a16:creationId xmlns:a16="http://schemas.microsoft.com/office/drawing/2014/main" xmlns="" id="{6448FB8C-D9A1-4602-BD58-DE946A793132}"/>
                   </a:ext>
                 </a:extLst>
               </p:cNvPr>
@@ -12574,7 +12578,7 @@
                         <m:sSubPr>
                           <m:ctrlPr>
                             <a:rPr lang="en-US" altLang="ko-KR" i="1" smtClean="0">
-                              <a:latin typeface="Cambria Math" panose="02040503050406030204" pitchFamily="18" charset="0"/>
+                              <a:latin typeface="Cambria Math" charset="0"/>
                             </a:rPr>
                           </m:ctrlPr>
                         </m:sSubPr>
@@ -12655,7 +12659,7 @@
               <p:cNvPr id="38" name="TextBox 37">
                 <a:extLst>
                   <a:ext uri="{FF2B5EF4-FFF2-40B4-BE49-F238E27FC236}">
-                    <a16:creationId xmlns:a16="http://schemas.microsoft.com/office/drawing/2014/main" id="{7027025A-1A40-43C7-B377-B6E5B83B42C9}"/>
+                    <a16:creationId xmlns:a16="http://schemas.microsoft.com/office/drawing/2014/main" xmlns="" id="{7027025A-1A40-43C7-B377-B6E5B83B42C9}"/>
                   </a:ext>
                 </a:extLst>
               </p:cNvPr>
@@ -12689,7 +12693,7 @@
                         <m:sSubPr>
                           <m:ctrlPr>
                             <a:rPr lang="en-US" altLang="ko-KR" i="1" smtClean="0">
-                              <a:latin typeface="Cambria Math" panose="02040503050406030204" pitchFamily="18" charset="0"/>
+                              <a:latin typeface="Cambria Math" charset="0"/>
                             </a:rPr>
                           </m:ctrlPr>
                         </m:sSubPr>
@@ -12770,7 +12774,7 @@
               <p:cNvPr id="39" name="TextBox 38">
                 <a:extLst>
                   <a:ext uri="{FF2B5EF4-FFF2-40B4-BE49-F238E27FC236}">
-                    <a16:creationId xmlns:a16="http://schemas.microsoft.com/office/drawing/2014/main" id="{34ED70D7-EC33-49DC-96FA-7BE986853032}"/>
+                    <a16:creationId xmlns:a16="http://schemas.microsoft.com/office/drawing/2014/main" xmlns="" id="{34ED70D7-EC33-49DC-96FA-7BE986853032}"/>
                   </a:ext>
                 </a:extLst>
               </p:cNvPr>
@@ -12866,7 +12870,7 @@
               <p:cNvPr id="40" name="TextBox 39">
                 <a:extLst>
                   <a:ext uri="{FF2B5EF4-FFF2-40B4-BE49-F238E27FC236}">
-                    <a16:creationId xmlns:a16="http://schemas.microsoft.com/office/drawing/2014/main" id="{3C190F04-1C31-4664-AD00-75B456B22FFA}"/>
+                    <a16:creationId xmlns:a16="http://schemas.microsoft.com/office/drawing/2014/main" xmlns="" id="{3C190F04-1C31-4664-AD00-75B456B22FFA}"/>
                   </a:ext>
                 </a:extLst>
               </p:cNvPr>
@@ -12960,7 +12964,7 @@
           <p:cNvPr id="41" name="직사각형 40">
             <a:extLst>
               <a:ext uri="{FF2B5EF4-FFF2-40B4-BE49-F238E27FC236}">
-                <a16:creationId xmlns:a16="http://schemas.microsoft.com/office/drawing/2014/main" id="{2408790D-3D66-431C-849B-99668B932886}"/>
+                <a16:creationId xmlns:a16="http://schemas.microsoft.com/office/drawing/2014/main" xmlns="" id="{2408790D-3D66-431C-849B-99668B932886}"/>
               </a:ext>
             </a:extLst>
           </p:cNvPr>
@@ -13013,7 +13017,7 @@
           <p:cNvPr id="42" name="직사각형 41">
             <a:extLst>
               <a:ext uri="{FF2B5EF4-FFF2-40B4-BE49-F238E27FC236}">
-                <a16:creationId xmlns:a16="http://schemas.microsoft.com/office/drawing/2014/main" id="{D3CFBC4C-F45D-48C0-A8AA-F68207C535F1}"/>
+                <a16:creationId xmlns:a16="http://schemas.microsoft.com/office/drawing/2014/main" xmlns="" id="{D3CFBC4C-F45D-48C0-A8AA-F68207C535F1}"/>
               </a:ext>
             </a:extLst>
           </p:cNvPr>
@@ -13066,7 +13070,7 @@
           <p:cNvPr id="43" name="직사각형 42">
             <a:extLst>
               <a:ext uri="{FF2B5EF4-FFF2-40B4-BE49-F238E27FC236}">
-                <a16:creationId xmlns:a16="http://schemas.microsoft.com/office/drawing/2014/main" id="{1CCBC64F-3065-4A07-BBD2-C6D6AFF1B01A}"/>
+                <a16:creationId xmlns:a16="http://schemas.microsoft.com/office/drawing/2014/main" xmlns="" id="{1CCBC64F-3065-4A07-BBD2-C6D6AFF1B01A}"/>
               </a:ext>
             </a:extLst>
           </p:cNvPr>
@@ -13119,7 +13123,7 @@
           <p:cNvPr id="44" name="직사각형 43">
             <a:extLst>
               <a:ext uri="{FF2B5EF4-FFF2-40B4-BE49-F238E27FC236}">
-                <a16:creationId xmlns:a16="http://schemas.microsoft.com/office/drawing/2014/main" id="{8335E1E8-EE72-4026-805B-961A5AA502D5}"/>
+                <a16:creationId xmlns:a16="http://schemas.microsoft.com/office/drawing/2014/main" xmlns="" id="{8335E1E8-EE72-4026-805B-961A5AA502D5}"/>
               </a:ext>
             </a:extLst>
           </p:cNvPr>
@@ -13172,7 +13176,7 @@
           <p:cNvPr id="45" name="직사각형 44">
             <a:extLst>
               <a:ext uri="{FF2B5EF4-FFF2-40B4-BE49-F238E27FC236}">
-                <a16:creationId xmlns:a16="http://schemas.microsoft.com/office/drawing/2014/main" id="{111AA82D-9B7D-4823-98CA-1E4E96C1FA21}"/>
+                <a16:creationId xmlns:a16="http://schemas.microsoft.com/office/drawing/2014/main" xmlns="" id="{111AA82D-9B7D-4823-98CA-1E4E96C1FA21}"/>
               </a:ext>
             </a:extLst>
           </p:cNvPr>
@@ -13220,7 +13224,7 @@
           <p:cNvPr id="46" name="직사각형 45">
             <a:extLst>
               <a:ext uri="{FF2B5EF4-FFF2-40B4-BE49-F238E27FC236}">
-                <a16:creationId xmlns:a16="http://schemas.microsoft.com/office/drawing/2014/main" id="{314F8EF3-3359-49FA-87AB-213C9D682DB7}"/>
+                <a16:creationId xmlns:a16="http://schemas.microsoft.com/office/drawing/2014/main" xmlns="" id="{314F8EF3-3359-49FA-87AB-213C9D682DB7}"/>
               </a:ext>
             </a:extLst>
           </p:cNvPr>
@@ -13268,7 +13272,7 @@
           <p:cNvPr id="47" name="직사각형 46">
             <a:extLst>
               <a:ext uri="{FF2B5EF4-FFF2-40B4-BE49-F238E27FC236}">
-                <a16:creationId xmlns:a16="http://schemas.microsoft.com/office/drawing/2014/main" id="{69994DCF-107E-4F14-840B-FCA36463D13F}"/>
+                <a16:creationId xmlns:a16="http://schemas.microsoft.com/office/drawing/2014/main" xmlns="" id="{69994DCF-107E-4F14-840B-FCA36463D13F}"/>
               </a:ext>
             </a:extLst>
           </p:cNvPr>
@@ -13316,7 +13320,7 @@
           <p:cNvPr id="48" name="직사각형 47">
             <a:extLst>
               <a:ext uri="{FF2B5EF4-FFF2-40B4-BE49-F238E27FC236}">
-                <a16:creationId xmlns:a16="http://schemas.microsoft.com/office/drawing/2014/main" id="{D9A3B689-E809-4687-A3A1-60131B70068B}"/>
+                <a16:creationId xmlns:a16="http://schemas.microsoft.com/office/drawing/2014/main" xmlns="" id="{D9A3B689-E809-4687-A3A1-60131B70068B}"/>
               </a:ext>
             </a:extLst>
           </p:cNvPr>
@@ -13364,7 +13368,7 @@
           <p:cNvPr id="49" name="직사각형 48">
             <a:extLst>
               <a:ext uri="{FF2B5EF4-FFF2-40B4-BE49-F238E27FC236}">
-                <a16:creationId xmlns:a16="http://schemas.microsoft.com/office/drawing/2014/main" id="{D24437A5-5A5B-42EA-AA28-A1F819EFE17B}"/>
+                <a16:creationId xmlns:a16="http://schemas.microsoft.com/office/drawing/2014/main" xmlns="" id="{D24437A5-5A5B-42EA-AA28-A1F819EFE17B}"/>
               </a:ext>
             </a:extLst>
           </p:cNvPr>
@@ -13412,7 +13416,7 @@
           <p:cNvPr id="50" name="직사각형 49">
             <a:extLst>
               <a:ext uri="{FF2B5EF4-FFF2-40B4-BE49-F238E27FC236}">
-                <a16:creationId xmlns:a16="http://schemas.microsoft.com/office/drawing/2014/main" id="{454F7536-28CC-4E35-8830-958C9CA919D0}"/>
+                <a16:creationId xmlns:a16="http://schemas.microsoft.com/office/drawing/2014/main" xmlns="" id="{454F7536-28CC-4E35-8830-958C9CA919D0}"/>
               </a:ext>
             </a:extLst>
           </p:cNvPr>
@@ -13460,7 +13464,7 @@
           <p:cNvPr id="51" name="직사각형 50">
             <a:extLst>
               <a:ext uri="{FF2B5EF4-FFF2-40B4-BE49-F238E27FC236}">
-                <a16:creationId xmlns:a16="http://schemas.microsoft.com/office/drawing/2014/main" id="{4350E3CD-9519-4828-A563-8BDC2F1EBAB9}"/>
+                <a16:creationId xmlns:a16="http://schemas.microsoft.com/office/drawing/2014/main" xmlns="" id="{4350E3CD-9519-4828-A563-8BDC2F1EBAB9}"/>
               </a:ext>
             </a:extLst>
           </p:cNvPr>
@@ -13508,7 +13512,7 @@
           <p:cNvPr id="52" name="직사각형 51">
             <a:extLst>
               <a:ext uri="{FF2B5EF4-FFF2-40B4-BE49-F238E27FC236}">
-                <a16:creationId xmlns:a16="http://schemas.microsoft.com/office/drawing/2014/main" id="{0F8602AC-A3B9-4C77-AFBD-26C68C5C4470}"/>
+                <a16:creationId xmlns:a16="http://schemas.microsoft.com/office/drawing/2014/main" xmlns="" id="{0F8602AC-A3B9-4C77-AFBD-26C68C5C4470}"/>
               </a:ext>
             </a:extLst>
           </p:cNvPr>
@@ -13558,7 +13562,7 @@
               <p:cNvPr id="55" name="TextBox 54">
                 <a:extLst>
                   <a:ext uri="{FF2B5EF4-FFF2-40B4-BE49-F238E27FC236}">
-                    <a16:creationId xmlns:a16="http://schemas.microsoft.com/office/drawing/2014/main" id="{72B80003-A461-40D8-85C7-6F6665F27485}"/>
+                    <a16:creationId xmlns:a16="http://schemas.microsoft.com/office/drawing/2014/main" xmlns="" id="{72B80003-A461-40D8-85C7-6F6665F27485}"/>
                   </a:ext>
                 </a:extLst>
               </p:cNvPr>
@@ -13592,7 +13596,7 @@
                         <m:sSubPr>
                           <m:ctrlPr>
                             <a:rPr lang="en-US" altLang="ko-KR" i="1" smtClean="0">
-                              <a:latin typeface="Cambria Math" panose="02040503050406030204" pitchFamily="18" charset="0"/>
+                              <a:latin typeface="Cambria Math" charset="0"/>
                             </a:rPr>
                           </m:ctrlPr>
                         </m:sSubPr>
@@ -13602,7 +13606,7 @@
                               <m:chr m:val="̂"/>
                               <m:ctrlPr>
                                 <a:rPr lang="en-US" altLang="ko-KR" i="1" smtClean="0">
-                                  <a:latin typeface="Cambria Math" panose="02040503050406030204" pitchFamily="18" charset="0"/>
+                                  <a:latin typeface="Cambria Math" charset="0"/>
                                 </a:rPr>
                               </m:ctrlPr>
                             </m:accPr>
@@ -13685,7 +13689,7 @@
               <p:cNvPr id="57" name="TextBox 56">
                 <a:extLst>
                   <a:ext uri="{FF2B5EF4-FFF2-40B4-BE49-F238E27FC236}">
-                    <a16:creationId xmlns:a16="http://schemas.microsoft.com/office/drawing/2014/main" id="{20E0532F-A1CA-4D11-85ED-98569F22BC6C}"/>
+                    <a16:creationId xmlns:a16="http://schemas.microsoft.com/office/drawing/2014/main" xmlns="" id="{20E0532F-A1CA-4D11-85ED-98569F22BC6C}"/>
                   </a:ext>
                 </a:extLst>
               </p:cNvPr>
@@ -13719,7 +13723,7 @@
                         <m:sSubPr>
                           <m:ctrlPr>
                             <a:rPr lang="en-US" altLang="ko-KR" i="1" smtClean="0">
-                              <a:latin typeface="Cambria Math" panose="02040503050406030204" pitchFamily="18" charset="0"/>
+                              <a:latin typeface="Cambria Math" charset="0"/>
                             </a:rPr>
                           </m:ctrlPr>
                         </m:sSubPr>
@@ -13729,7 +13733,7 @@
                               <m:chr m:val="̂"/>
                               <m:ctrlPr>
                                 <a:rPr lang="en-US" altLang="ko-KR" i="1" smtClean="0">
-                                  <a:latin typeface="Cambria Math" panose="02040503050406030204" pitchFamily="18" charset="0"/>
+                                  <a:latin typeface="Cambria Math" charset="0"/>
                                 </a:rPr>
                               </m:ctrlPr>
                             </m:accPr>
@@ -13812,7 +13816,7 @@
               <p:cNvPr id="58" name="TextBox 57">
                 <a:extLst>
                   <a:ext uri="{FF2B5EF4-FFF2-40B4-BE49-F238E27FC236}">
-                    <a16:creationId xmlns:a16="http://schemas.microsoft.com/office/drawing/2014/main" id="{BB4072BD-4BD0-4145-A29C-DBC0590749EA}"/>
+                    <a16:creationId xmlns:a16="http://schemas.microsoft.com/office/drawing/2014/main" xmlns="" id="{BB4072BD-4BD0-4145-A29C-DBC0590749EA}"/>
                   </a:ext>
                 </a:extLst>
               </p:cNvPr>
@@ -13846,7 +13850,7 @@
                         <m:sSubPr>
                           <m:ctrlPr>
                             <a:rPr lang="en-US" altLang="ko-KR" i="1" smtClean="0">
-                              <a:latin typeface="Cambria Math" panose="02040503050406030204" pitchFamily="18" charset="0"/>
+                              <a:latin typeface="Cambria Math" charset="0"/>
                             </a:rPr>
                           </m:ctrlPr>
                         </m:sSubPr>
@@ -13856,7 +13860,7 @@
                               <m:chr m:val="̂"/>
                               <m:ctrlPr>
                                 <a:rPr lang="en-US" altLang="ko-KR" i="1" smtClean="0">
-                                  <a:latin typeface="Cambria Math" panose="02040503050406030204" pitchFamily="18" charset="0"/>
+                                  <a:latin typeface="Cambria Math" charset="0"/>
                                 </a:rPr>
                               </m:ctrlPr>
                             </m:accPr>
@@ -13937,7 +13941,7 @@
           <p:cNvPr id="59" name="직선 화살표 연결선 58">
             <a:extLst>
               <a:ext uri="{FF2B5EF4-FFF2-40B4-BE49-F238E27FC236}">
-                <a16:creationId xmlns:a16="http://schemas.microsoft.com/office/drawing/2014/main" id="{8FD6C182-3273-43AE-AF9B-88D62A891900}"/>
+                <a16:creationId xmlns:a16="http://schemas.microsoft.com/office/drawing/2014/main" xmlns="" id="{8FD6C182-3273-43AE-AF9B-88D62A891900}"/>
               </a:ext>
             </a:extLst>
           </p:cNvPr>
@@ -13980,7 +13984,7 @@
           <p:cNvPr id="62" name="직선 화살표 연결선 61">
             <a:extLst>
               <a:ext uri="{FF2B5EF4-FFF2-40B4-BE49-F238E27FC236}">
-                <a16:creationId xmlns:a16="http://schemas.microsoft.com/office/drawing/2014/main" id="{84687B28-D3CF-4CC4-BB5A-CC64A664AE74}"/>
+                <a16:creationId xmlns:a16="http://schemas.microsoft.com/office/drawing/2014/main" xmlns="" id="{84687B28-D3CF-4CC4-BB5A-CC64A664AE74}"/>
               </a:ext>
             </a:extLst>
           </p:cNvPr>
@@ -14023,7 +14027,7 @@
           <p:cNvPr id="65" name="직선 화살표 연결선 64">
             <a:extLst>
               <a:ext uri="{FF2B5EF4-FFF2-40B4-BE49-F238E27FC236}">
-                <a16:creationId xmlns:a16="http://schemas.microsoft.com/office/drawing/2014/main" id="{5B0C86E3-E2D2-4A73-8DA8-9D61E38B3683}"/>
+                <a16:creationId xmlns:a16="http://schemas.microsoft.com/office/drawing/2014/main" xmlns="" id="{5B0C86E3-E2D2-4A73-8DA8-9D61E38B3683}"/>
               </a:ext>
             </a:extLst>
           </p:cNvPr>
@@ -14066,7 +14070,7 @@
           <p:cNvPr id="69" name="직선 화살표 연결선 68">
             <a:extLst>
               <a:ext uri="{FF2B5EF4-FFF2-40B4-BE49-F238E27FC236}">
-                <a16:creationId xmlns:a16="http://schemas.microsoft.com/office/drawing/2014/main" id="{E9DDA7B8-E402-4260-BD91-6BF2C76E596D}"/>
+                <a16:creationId xmlns:a16="http://schemas.microsoft.com/office/drawing/2014/main" xmlns="" id="{E9DDA7B8-E402-4260-BD91-6BF2C76E596D}"/>
               </a:ext>
             </a:extLst>
           </p:cNvPr>
@@ -14109,7 +14113,7 @@
           <p:cNvPr id="72" name="직선 화살표 연결선 71">
             <a:extLst>
               <a:ext uri="{FF2B5EF4-FFF2-40B4-BE49-F238E27FC236}">
-                <a16:creationId xmlns:a16="http://schemas.microsoft.com/office/drawing/2014/main" id="{3A38D4EC-BFCE-47EF-9CC9-5F3059C57B9A}"/>
+                <a16:creationId xmlns:a16="http://schemas.microsoft.com/office/drawing/2014/main" xmlns="" id="{3A38D4EC-BFCE-47EF-9CC9-5F3059C57B9A}"/>
               </a:ext>
             </a:extLst>
           </p:cNvPr>
@@ -14152,7 +14156,7 @@
           <p:cNvPr id="75" name="직선 화살표 연결선 74">
             <a:extLst>
               <a:ext uri="{FF2B5EF4-FFF2-40B4-BE49-F238E27FC236}">
-                <a16:creationId xmlns:a16="http://schemas.microsoft.com/office/drawing/2014/main" id="{F0A56918-BB78-4512-9AE4-4595F71A0374}"/>
+                <a16:creationId xmlns:a16="http://schemas.microsoft.com/office/drawing/2014/main" xmlns="" id="{F0A56918-BB78-4512-9AE4-4595F71A0374}"/>
               </a:ext>
             </a:extLst>
           </p:cNvPr>
@@ -14195,7 +14199,7 @@
           <p:cNvPr id="78" name="직선 화살표 연결선 77">
             <a:extLst>
               <a:ext uri="{FF2B5EF4-FFF2-40B4-BE49-F238E27FC236}">
-                <a16:creationId xmlns:a16="http://schemas.microsoft.com/office/drawing/2014/main" id="{6BE0089D-C53D-4CB5-81DB-317FD6773065}"/>
+                <a16:creationId xmlns:a16="http://schemas.microsoft.com/office/drawing/2014/main" xmlns="" id="{6BE0089D-C53D-4CB5-81DB-317FD6773065}"/>
               </a:ext>
             </a:extLst>
           </p:cNvPr>
@@ -14238,7 +14242,7 @@
           <p:cNvPr id="81" name="직선 화살표 연결선 80">
             <a:extLst>
               <a:ext uri="{FF2B5EF4-FFF2-40B4-BE49-F238E27FC236}">
-                <a16:creationId xmlns:a16="http://schemas.microsoft.com/office/drawing/2014/main" id="{1FE67D45-F341-48D8-A5DA-5CABD0220D40}"/>
+                <a16:creationId xmlns:a16="http://schemas.microsoft.com/office/drawing/2014/main" xmlns="" id="{1FE67D45-F341-48D8-A5DA-5CABD0220D40}"/>
               </a:ext>
             </a:extLst>
           </p:cNvPr>
@@ -14281,7 +14285,7 @@
           <p:cNvPr id="84" name="직선 화살표 연결선 83">
             <a:extLst>
               <a:ext uri="{FF2B5EF4-FFF2-40B4-BE49-F238E27FC236}">
-                <a16:creationId xmlns:a16="http://schemas.microsoft.com/office/drawing/2014/main" id="{EA268775-CEB7-4436-8C2C-742779150F3A}"/>
+                <a16:creationId xmlns:a16="http://schemas.microsoft.com/office/drawing/2014/main" xmlns="" id="{EA268775-CEB7-4436-8C2C-742779150F3A}"/>
               </a:ext>
             </a:extLst>
           </p:cNvPr>
@@ -14324,7 +14328,7 @@
           <p:cNvPr id="87" name="직선 화살표 연결선 86">
             <a:extLst>
               <a:ext uri="{FF2B5EF4-FFF2-40B4-BE49-F238E27FC236}">
-                <a16:creationId xmlns:a16="http://schemas.microsoft.com/office/drawing/2014/main" id="{2F9DA316-AF50-4F26-873D-18769FF362BC}"/>
+                <a16:creationId xmlns:a16="http://schemas.microsoft.com/office/drawing/2014/main" xmlns="" id="{2F9DA316-AF50-4F26-873D-18769FF362BC}"/>
               </a:ext>
             </a:extLst>
           </p:cNvPr>
@@ -14367,7 +14371,7 @@
           <p:cNvPr id="90" name="직선 화살표 연결선 89">
             <a:extLst>
               <a:ext uri="{FF2B5EF4-FFF2-40B4-BE49-F238E27FC236}">
-                <a16:creationId xmlns:a16="http://schemas.microsoft.com/office/drawing/2014/main" id="{20099984-F671-4110-A508-825AF03AF97E}"/>
+                <a16:creationId xmlns:a16="http://schemas.microsoft.com/office/drawing/2014/main" xmlns="" id="{20099984-F671-4110-A508-825AF03AF97E}"/>
               </a:ext>
             </a:extLst>
           </p:cNvPr>
@@ -14410,7 +14414,7 @@
           <p:cNvPr id="93" name="직선 화살표 연결선 92">
             <a:extLst>
               <a:ext uri="{FF2B5EF4-FFF2-40B4-BE49-F238E27FC236}">
-                <a16:creationId xmlns:a16="http://schemas.microsoft.com/office/drawing/2014/main" id="{3FD2772A-63B2-432A-874D-81B5EAE253B6}"/>
+                <a16:creationId xmlns:a16="http://schemas.microsoft.com/office/drawing/2014/main" xmlns="" id="{3FD2772A-63B2-432A-874D-81B5EAE253B6}"/>
               </a:ext>
             </a:extLst>
           </p:cNvPr>
@@ -14453,7 +14457,7 @@
           <p:cNvPr id="96" name="직선 화살표 연결선 95">
             <a:extLst>
               <a:ext uri="{FF2B5EF4-FFF2-40B4-BE49-F238E27FC236}">
-                <a16:creationId xmlns:a16="http://schemas.microsoft.com/office/drawing/2014/main" id="{0950EDDA-92F2-40B3-8E33-04EEEE15DEBD}"/>
+                <a16:creationId xmlns:a16="http://schemas.microsoft.com/office/drawing/2014/main" xmlns="" id="{0950EDDA-92F2-40B3-8E33-04EEEE15DEBD}"/>
               </a:ext>
             </a:extLst>
           </p:cNvPr>
@@ -14496,7 +14500,7 @@
           <p:cNvPr id="99" name="직선 화살표 연결선 98">
             <a:extLst>
               <a:ext uri="{FF2B5EF4-FFF2-40B4-BE49-F238E27FC236}">
-                <a16:creationId xmlns:a16="http://schemas.microsoft.com/office/drawing/2014/main" id="{3CDFBDFE-CBAD-41E3-ACEA-06CCB2C6FDBD}"/>
+                <a16:creationId xmlns:a16="http://schemas.microsoft.com/office/drawing/2014/main" xmlns="" id="{3CDFBDFE-CBAD-41E3-ACEA-06CCB2C6FDBD}"/>
               </a:ext>
             </a:extLst>
           </p:cNvPr>
@@ -14539,7 +14543,7 @@
           <p:cNvPr id="102" name="직선 화살표 연결선 101">
             <a:extLst>
               <a:ext uri="{FF2B5EF4-FFF2-40B4-BE49-F238E27FC236}">
-                <a16:creationId xmlns:a16="http://schemas.microsoft.com/office/drawing/2014/main" id="{77648F5A-E6F6-4F01-90F1-AAEF9A30738A}"/>
+                <a16:creationId xmlns:a16="http://schemas.microsoft.com/office/drawing/2014/main" xmlns="" id="{77648F5A-E6F6-4F01-90F1-AAEF9A30738A}"/>
               </a:ext>
             </a:extLst>
           </p:cNvPr>
@@ -14582,7 +14586,7 @@
           <p:cNvPr id="105" name="직선 화살표 연결선 104">
             <a:extLst>
               <a:ext uri="{FF2B5EF4-FFF2-40B4-BE49-F238E27FC236}">
-                <a16:creationId xmlns:a16="http://schemas.microsoft.com/office/drawing/2014/main" id="{512F180C-E62B-4C3D-8DEE-7BE74F91E5AF}"/>
+                <a16:creationId xmlns:a16="http://schemas.microsoft.com/office/drawing/2014/main" xmlns="" id="{512F180C-E62B-4C3D-8DEE-7BE74F91E5AF}"/>
               </a:ext>
             </a:extLst>
           </p:cNvPr>
@@ -14625,7 +14629,7 @@
           <p:cNvPr id="108" name="직선 화살표 연결선 107">
             <a:extLst>
               <a:ext uri="{FF2B5EF4-FFF2-40B4-BE49-F238E27FC236}">
-                <a16:creationId xmlns:a16="http://schemas.microsoft.com/office/drawing/2014/main" id="{F0620903-B98B-482B-BCE6-DBFF005A7721}"/>
+                <a16:creationId xmlns:a16="http://schemas.microsoft.com/office/drawing/2014/main" xmlns="" id="{F0620903-B98B-482B-BCE6-DBFF005A7721}"/>
               </a:ext>
             </a:extLst>
           </p:cNvPr>
@@ -14668,7 +14672,7 @@
           <p:cNvPr id="111" name="직선 화살표 연결선 110">
             <a:extLst>
               <a:ext uri="{FF2B5EF4-FFF2-40B4-BE49-F238E27FC236}">
-                <a16:creationId xmlns:a16="http://schemas.microsoft.com/office/drawing/2014/main" id="{12217889-4726-4C88-9325-F533E0E9F9D0}"/>
+                <a16:creationId xmlns:a16="http://schemas.microsoft.com/office/drawing/2014/main" xmlns="" id="{12217889-4726-4C88-9325-F533E0E9F9D0}"/>
               </a:ext>
             </a:extLst>
           </p:cNvPr>
@@ -14711,7 +14715,7 @@
           <p:cNvPr id="114" name="직선 화살표 연결선 113">
             <a:extLst>
               <a:ext uri="{FF2B5EF4-FFF2-40B4-BE49-F238E27FC236}">
-                <a16:creationId xmlns:a16="http://schemas.microsoft.com/office/drawing/2014/main" id="{A3466522-BCD2-4C8B-BB34-E826DC8BF883}"/>
+                <a16:creationId xmlns:a16="http://schemas.microsoft.com/office/drawing/2014/main" xmlns="" id="{A3466522-BCD2-4C8B-BB34-E826DC8BF883}"/>
               </a:ext>
             </a:extLst>
           </p:cNvPr>
@@ -14754,7 +14758,7 @@
           <p:cNvPr id="117" name="직선 화살표 연결선 116">
             <a:extLst>
               <a:ext uri="{FF2B5EF4-FFF2-40B4-BE49-F238E27FC236}">
-                <a16:creationId xmlns:a16="http://schemas.microsoft.com/office/drawing/2014/main" id="{284E8DD9-CAEE-4148-AE3B-F554719E5F25}"/>
+                <a16:creationId xmlns:a16="http://schemas.microsoft.com/office/drawing/2014/main" xmlns="" id="{284E8DD9-CAEE-4148-AE3B-F554719E5F25}"/>
               </a:ext>
             </a:extLst>
           </p:cNvPr>
@@ -14797,7 +14801,7 @@
           <p:cNvPr id="120" name="직선 화살표 연결선 119">
             <a:extLst>
               <a:ext uri="{FF2B5EF4-FFF2-40B4-BE49-F238E27FC236}">
-                <a16:creationId xmlns:a16="http://schemas.microsoft.com/office/drawing/2014/main" id="{0AD7DF6E-BA1D-4779-88C3-09DD71D6E2FF}"/>
+                <a16:creationId xmlns:a16="http://schemas.microsoft.com/office/drawing/2014/main" xmlns="" id="{0AD7DF6E-BA1D-4779-88C3-09DD71D6E2FF}"/>
               </a:ext>
             </a:extLst>
           </p:cNvPr>
@@ -14840,7 +14844,7 @@
           <p:cNvPr id="123" name="직선 화살표 연결선 122">
             <a:extLst>
               <a:ext uri="{FF2B5EF4-FFF2-40B4-BE49-F238E27FC236}">
-                <a16:creationId xmlns:a16="http://schemas.microsoft.com/office/drawing/2014/main" id="{5216A147-C924-4C72-8D6E-7331E2D22CFB}"/>
+                <a16:creationId xmlns:a16="http://schemas.microsoft.com/office/drawing/2014/main" xmlns="" id="{5216A147-C924-4C72-8D6E-7331E2D22CFB}"/>
               </a:ext>
             </a:extLst>
           </p:cNvPr>
@@ -14883,7 +14887,7 @@
           <p:cNvPr id="126" name="직선 화살표 연결선 125">
             <a:extLst>
               <a:ext uri="{FF2B5EF4-FFF2-40B4-BE49-F238E27FC236}">
-                <a16:creationId xmlns:a16="http://schemas.microsoft.com/office/drawing/2014/main" id="{45637B03-E8B6-4719-B049-0FDE04904AE4}"/>
+                <a16:creationId xmlns:a16="http://schemas.microsoft.com/office/drawing/2014/main" xmlns="" id="{45637B03-E8B6-4719-B049-0FDE04904AE4}"/>
               </a:ext>
             </a:extLst>
           </p:cNvPr>
@@ -14926,7 +14930,7 @@
           <p:cNvPr id="129" name="직선 화살표 연결선 128">
             <a:extLst>
               <a:ext uri="{FF2B5EF4-FFF2-40B4-BE49-F238E27FC236}">
-                <a16:creationId xmlns:a16="http://schemas.microsoft.com/office/drawing/2014/main" id="{1CA74644-B225-4181-9249-93F1981D9149}"/>
+                <a16:creationId xmlns:a16="http://schemas.microsoft.com/office/drawing/2014/main" xmlns="" id="{1CA74644-B225-4181-9249-93F1981D9149}"/>
               </a:ext>
             </a:extLst>
           </p:cNvPr>
@@ -14969,7 +14973,7 @@
           <p:cNvPr id="133" name="연결선: 구부러짐 132">
             <a:extLst>
               <a:ext uri="{FF2B5EF4-FFF2-40B4-BE49-F238E27FC236}">
-                <a16:creationId xmlns:a16="http://schemas.microsoft.com/office/drawing/2014/main" id="{B0692204-9491-4446-8992-669D8CADF515}"/>
+                <a16:creationId xmlns:a16="http://schemas.microsoft.com/office/drawing/2014/main" xmlns="" id="{B0692204-9491-4446-8992-669D8CADF515}"/>
               </a:ext>
             </a:extLst>
           </p:cNvPr>
@@ -15015,7 +15019,7 @@
           <p:cNvPr id="134" name="연결선: 구부러짐 133">
             <a:extLst>
               <a:ext uri="{FF2B5EF4-FFF2-40B4-BE49-F238E27FC236}">
-                <a16:creationId xmlns:a16="http://schemas.microsoft.com/office/drawing/2014/main" id="{FC427459-E021-48A1-B314-49541E7D501D}"/>
+                <a16:creationId xmlns:a16="http://schemas.microsoft.com/office/drawing/2014/main" xmlns="" id="{FC427459-E021-48A1-B314-49541E7D501D}"/>
               </a:ext>
             </a:extLst>
           </p:cNvPr>
@@ -15062,7 +15066,7 @@
           <p:cNvPr id="137" name="연결선: 구부러짐 136">
             <a:extLst>
               <a:ext uri="{FF2B5EF4-FFF2-40B4-BE49-F238E27FC236}">
-                <a16:creationId xmlns:a16="http://schemas.microsoft.com/office/drawing/2014/main" id="{9164BF98-76B5-402C-970C-7B7B851DD7BB}"/>
+                <a16:creationId xmlns:a16="http://schemas.microsoft.com/office/drawing/2014/main" xmlns="" id="{9164BF98-76B5-402C-970C-7B7B851DD7BB}"/>
               </a:ext>
             </a:extLst>
           </p:cNvPr>
@@ -15109,7 +15113,7 @@
           <p:cNvPr id="3" name="타원 2">
             <a:extLst>
               <a:ext uri="{FF2B5EF4-FFF2-40B4-BE49-F238E27FC236}">
-                <a16:creationId xmlns:a16="http://schemas.microsoft.com/office/drawing/2014/main" id="{AF6E7165-BEC3-46A1-B5E9-3E1C10B5D465}"/>
+                <a16:creationId xmlns:a16="http://schemas.microsoft.com/office/drawing/2014/main" xmlns="" id="{AF6E7165-BEC3-46A1-B5E9-3E1C10B5D465}"/>
               </a:ext>
             </a:extLst>
           </p:cNvPr>
@@ -15157,7 +15161,7 @@
           <p:cNvPr id="73" name="직선 화살표 연결선 72">
             <a:extLst>
               <a:ext uri="{FF2B5EF4-FFF2-40B4-BE49-F238E27FC236}">
-                <a16:creationId xmlns:a16="http://schemas.microsoft.com/office/drawing/2014/main" id="{EA947EBF-81B0-450D-BAB0-52AEB123A9B8}"/>
+                <a16:creationId xmlns:a16="http://schemas.microsoft.com/office/drawing/2014/main" xmlns="" id="{EA947EBF-81B0-450D-BAB0-52AEB123A9B8}"/>
               </a:ext>
             </a:extLst>
           </p:cNvPr>
@@ -15200,7 +15204,7 @@
           <p:cNvPr id="79" name="타원 78">
             <a:extLst>
               <a:ext uri="{FF2B5EF4-FFF2-40B4-BE49-F238E27FC236}">
-                <a16:creationId xmlns:a16="http://schemas.microsoft.com/office/drawing/2014/main" id="{4B164CE0-4FB7-49A8-816E-F04A2549B43A}"/>
+                <a16:creationId xmlns:a16="http://schemas.microsoft.com/office/drawing/2014/main" xmlns="" id="{4B164CE0-4FB7-49A8-816E-F04A2549B43A}"/>
               </a:ext>
             </a:extLst>
           </p:cNvPr>
@@ -15248,7 +15252,7 @@
           <p:cNvPr id="80" name="타원 79">
             <a:extLst>
               <a:ext uri="{FF2B5EF4-FFF2-40B4-BE49-F238E27FC236}">
-                <a16:creationId xmlns:a16="http://schemas.microsoft.com/office/drawing/2014/main" id="{F4291A23-E10B-46A8-B78E-E3FD4A40E9E5}"/>
+                <a16:creationId xmlns:a16="http://schemas.microsoft.com/office/drawing/2014/main" xmlns="" id="{F4291A23-E10B-46A8-B78E-E3FD4A40E9E5}"/>
               </a:ext>
             </a:extLst>
           </p:cNvPr>
@@ -15296,7 +15300,7 @@
           <p:cNvPr id="82" name="직선 화살표 연결선 81">
             <a:extLst>
               <a:ext uri="{FF2B5EF4-FFF2-40B4-BE49-F238E27FC236}">
-                <a16:creationId xmlns:a16="http://schemas.microsoft.com/office/drawing/2014/main" id="{EB8DBC75-AF38-4296-AC89-9C611C0A13A9}"/>
+                <a16:creationId xmlns:a16="http://schemas.microsoft.com/office/drawing/2014/main" xmlns="" id="{EB8DBC75-AF38-4296-AC89-9C611C0A13A9}"/>
               </a:ext>
             </a:extLst>
           </p:cNvPr>
@@ -15339,7 +15343,7 @@
           <p:cNvPr id="86" name="직선 화살표 연결선 85">
             <a:extLst>
               <a:ext uri="{FF2B5EF4-FFF2-40B4-BE49-F238E27FC236}">
-                <a16:creationId xmlns:a16="http://schemas.microsoft.com/office/drawing/2014/main" id="{9B4393D4-E6FB-415F-AD48-147F50C8F854}"/>
+                <a16:creationId xmlns:a16="http://schemas.microsoft.com/office/drawing/2014/main" xmlns="" id="{9B4393D4-E6FB-415F-AD48-147F50C8F854}"/>
               </a:ext>
             </a:extLst>
           </p:cNvPr>
@@ -15382,7 +15386,7 @@
           <p:cNvPr id="56" name="연결선: 꺾임 55">
             <a:extLst>
               <a:ext uri="{FF2B5EF4-FFF2-40B4-BE49-F238E27FC236}">
-                <a16:creationId xmlns:a16="http://schemas.microsoft.com/office/drawing/2014/main" id="{F7FC8E41-21B9-460D-91D4-F783E770627D}"/>
+                <a16:creationId xmlns:a16="http://schemas.microsoft.com/office/drawing/2014/main" xmlns="" id="{F7FC8E41-21B9-460D-91D4-F783E770627D}"/>
               </a:ext>
             </a:extLst>
           </p:cNvPr>
@@ -15428,7 +15432,7 @@
           <p:cNvPr id="94" name="연결선: 꺾임 93">
             <a:extLst>
               <a:ext uri="{FF2B5EF4-FFF2-40B4-BE49-F238E27FC236}">
-                <a16:creationId xmlns:a16="http://schemas.microsoft.com/office/drawing/2014/main" id="{946599C8-EB79-4223-9881-7B569270A918}"/>
+                <a16:creationId xmlns:a16="http://schemas.microsoft.com/office/drawing/2014/main" xmlns="" id="{946599C8-EB79-4223-9881-7B569270A918}"/>
               </a:ext>
             </a:extLst>
           </p:cNvPr>
@@ -15474,7 +15478,7 @@
           <p:cNvPr id="97" name="연결선: 꺾임 96">
             <a:extLst>
               <a:ext uri="{FF2B5EF4-FFF2-40B4-BE49-F238E27FC236}">
-                <a16:creationId xmlns:a16="http://schemas.microsoft.com/office/drawing/2014/main" id="{9726D98B-2AC5-4799-BF74-076BA2B0C7E6}"/>
+                <a16:creationId xmlns:a16="http://schemas.microsoft.com/office/drawing/2014/main" xmlns="" id="{9726D98B-2AC5-4799-BF74-076BA2B0C7E6}"/>
               </a:ext>
             </a:extLst>
           </p:cNvPr>
@@ -15550,7 +15554,7 @@
           <p:cNvPr id="4" name="직사각형 3">
             <a:extLst>
               <a:ext uri="{FF2B5EF4-FFF2-40B4-BE49-F238E27FC236}">
-                <a16:creationId xmlns:a16="http://schemas.microsoft.com/office/drawing/2014/main" id="{E4469EA3-BD2F-4388-B225-972DBD285F7E}"/>
+                <a16:creationId xmlns:a16="http://schemas.microsoft.com/office/drawing/2014/main" xmlns="" id="{E4469EA3-BD2F-4388-B225-972DBD285F7E}"/>
               </a:ext>
             </a:extLst>
           </p:cNvPr>
@@ -15610,7 +15614,7 @@
           <p:cNvPr id="5" name="직사각형 4">
             <a:extLst>
               <a:ext uri="{FF2B5EF4-FFF2-40B4-BE49-F238E27FC236}">
-                <a16:creationId xmlns:a16="http://schemas.microsoft.com/office/drawing/2014/main" id="{4CA84653-010D-4065-B853-79CB25E1864C}"/>
+                <a16:creationId xmlns:a16="http://schemas.microsoft.com/office/drawing/2014/main" xmlns="" id="{4CA84653-010D-4065-B853-79CB25E1864C}"/>
               </a:ext>
             </a:extLst>
           </p:cNvPr>
@@ -15670,7 +15674,7 @@
           <p:cNvPr id="6" name="직사각형 5">
             <a:extLst>
               <a:ext uri="{FF2B5EF4-FFF2-40B4-BE49-F238E27FC236}">
-                <a16:creationId xmlns:a16="http://schemas.microsoft.com/office/drawing/2014/main" id="{E1E73367-4DDC-4825-B313-715B65F5DD9C}"/>
+                <a16:creationId xmlns:a16="http://schemas.microsoft.com/office/drawing/2014/main" xmlns="" id="{E1E73367-4DDC-4825-B313-715B65F5DD9C}"/>
               </a:ext>
             </a:extLst>
           </p:cNvPr>
@@ -15730,7 +15734,7 @@
           <p:cNvPr id="7" name="직사각형 6">
             <a:extLst>
               <a:ext uri="{FF2B5EF4-FFF2-40B4-BE49-F238E27FC236}">
-                <a16:creationId xmlns:a16="http://schemas.microsoft.com/office/drawing/2014/main" id="{A2951B4C-0F6E-4678-A4C8-8FB7EEAA5CE6}"/>
+                <a16:creationId xmlns:a16="http://schemas.microsoft.com/office/drawing/2014/main" xmlns="" id="{A2951B4C-0F6E-4678-A4C8-8FB7EEAA5CE6}"/>
               </a:ext>
             </a:extLst>
           </p:cNvPr>
@@ -15790,7 +15794,7 @@
           <p:cNvPr id="8" name="직사각형 7">
             <a:extLst>
               <a:ext uri="{FF2B5EF4-FFF2-40B4-BE49-F238E27FC236}">
-                <a16:creationId xmlns:a16="http://schemas.microsoft.com/office/drawing/2014/main" id="{BAE89BCE-919E-44F2-8819-A305D3A70CDA}"/>
+                <a16:creationId xmlns:a16="http://schemas.microsoft.com/office/drawing/2014/main" xmlns="" id="{BAE89BCE-919E-44F2-8819-A305D3A70CDA}"/>
               </a:ext>
             </a:extLst>
           </p:cNvPr>
@@ -15845,7 +15849,7 @@
           <p:cNvPr id="9" name="직사각형 8">
             <a:extLst>
               <a:ext uri="{FF2B5EF4-FFF2-40B4-BE49-F238E27FC236}">
-                <a16:creationId xmlns:a16="http://schemas.microsoft.com/office/drawing/2014/main" id="{349238DB-B9E3-48FA-BACD-382CC9E85FC1}"/>
+                <a16:creationId xmlns:a16="http://schemas.microsoft.com/office/drawing/2014/main" xmlns="" id="{349238DB-B9E3-48FA-BACD-382CC9E85FC1}"/>
               </a:ext>
             </a:extLst>
           </p:cNvPr>
@@ -15900,7 +15904,7 @@
           <p:cNvPr id="10" name="직사각형 9">
             <a:extLst>
               <a:ext uri="{FF2B5EF4-FFF2-40B4-BE49-F238E27FC236}">
-                <a16:creationId xmlns:a16="http://schemas.microsoft.com/office/drawing/2014/main" id="{85397621-465B-4ADE-A227-3701C385464F}"/>
+                <a16:creationId xmlns:a16="http://schemas.microsoft.com/office/drawing/2014/main" xmlns="" id="{85397621-465B-4ADE-A227-3701C385464F}"/>
               </a:ext>
             </a:extLst>
           </p:cNvPr>
@@ -15955,7 +15959,7 @@
           <p:cNvPr id="13" name="직선 화살표 연결선 12">
             <a:extLst>
               <a:ext uri="{FF2B5EF4-FFF2-40B4-BE49-F238E27FC236}">
-                <a16:creationId xmlns:a16="http://schemas.microsoft.com/office/drawing/2014/main" id="{147C09B1-E5F5-4D82-94F1-78DDF76CEDA4}"/>
+                <a16:creationId xmlns:a16="http://schemas.microsoft.com/office/drawing/2014/main" xmlns="" id="{147C09B1-E5F5-4D82-94F1-78DDF76CEDA4}"/>
               </a:ext>
             </a:extLst>
           </p:cNvPr>
@@ -15997,7 +16001,7 @@
           <p:cNvPr id="14" name="직선 화살표 연결선 13">
             <a:extLst>
               <a:ext uri="{FF2B5EF4-FFF2-40B4-BE49-F238E27FC236}">
-                <a16:creationId xmlns:a16="http://schemas.microsoft.com/office/drawing/2014/main" id="{8C04CFDC-9131-4F45-9FE4-55EF3F4FEBBF}"/>
+                <a16:creationId xmlns:a16="http://schemas.microsoft.com/office/drawing/2014/main" xmlns="" id="{8C04CFDC-9131-4F45-9FE4-55EF3F4FEBBF}"/>
               </a:ext>
             </a:extLst>
           </p:cNvPr>
@@ -16040,7 +16044,7 @@
           <p:cNvPr id="17" name="직선 화살표 연결선 16">
             <a:extLst>
               <a:ext uri="{FF2B5EF4-FFF2-40B4-BE49-F238E27FC236}">
-                <a16:creationId xmlns:a16="http://schemas.microsoft.com/office/drawing/2014/main" id="{49D920B6-9F30-4FE3-98BD-24435542E509}"/>
+                <a16:creationId xmlns:a16="http://schemas.microsoft.com/office/drawing/2014/main" xmlns="" id="{49D920B6-9F30-4FE3-98BD-24435542E509}"/>
               </a:ext>
             </a:extLst>
           </p:cNvPr>
@@ -16083,7 +16087,7 @@
           <p:cNvPr id="20" name="직선 화살표 연결선 19">
             <a:extLst>
               <a:ext uri="{FF2B5EF4-FFF2-40B4-BE49-F238E27FC236}">
-                <a16:creationId xmlns:a16="http://schemas.microsoft.com/office/drawing/2014/main" id="{9C78436C-633A-4ED7-9243-B162D8131872}"/>
+                <a16:creationId xmlns:a16="http://schemas.microsoft.com/office/drawing/2014/main" xmlns="" id="{9C78436C-633A-4ED7-9243-B162D8131872}"/>
               </a:ext>
             </a:extLst>
           </p:cNvPr>
@@ -16126,7 +16130,7 @@
           <p:cNvPr id="23" name="직선 화살표 연결선 22">
             <a:extLst>
               <a:ext uri="{FF2B5EF4-FFF2-40B4-BE49-F238E27FC236}">
-                <a16:creationId xmlns:a16="http://schemas.microsoft.com/office/drawing/2014/main" id="{A2C36C91-CB11-4877-A9AB-7077C45F91B3}"/>
+                <a16:creationId xmlns:a16="http://schemas.microsoft.com/office/drawing/2014/main" xmlns="" id="{A2C36C91-CB11-4877-A9AB-7077C45F91B3}"/>
               </a:ext>
             </a:extLst>
           </p:cNvPr>
@@ -16169,7 +16173,7 @@
           <p:cNvPr id="26" name="직선 화살표 연결선 25">
             <a:extLst>
               <a:ext uri="{FF2B5EF4-FFF2-40B4-BE49-F238E27FC236}">
-                <a16:creationId xmlns:a16="http://schemas.microsoft.com/office/drawing/2014/main" id="{4EBBCF9C-83D0-464C-96CC-25511ECF7979}"/>
+                <a16:creationId xmlns:a16="http://schemas.microsoft.com/office/drawing/2014/main" xmlns="" id="{4EBBCF9C-83D0-464C-96CC-25511ECF7979}"/>
               </a:ext>
             </a:extLst>
           </p:cNvPr>
@@ -16212,7 +16216,7 @@
           <p:cNvPr id="29" name="직선 화살표 연결선 28">
             <a:extLst>
               <a:ext uri="{FF2B5EF4-FFF2-40B4-BE49-F238E27FC236}">
-                <a16:creationId xmlns:a16="http://schemas.microsoft.com/office/drawing/2014/main" id="{9BEA08D9-5003-4EBA-B771-84E318E77859}"/>
+                <a16:creationId xmlns:a16="http://schemas.microsoft.com/office/drawing/2014/main" xmlns="" id="{9BEA08D9-5003-4EBA-B771-84E318E77859}"/>
               </a:ext>
             </a:extLst>
           </p:cNvPr>
@@ -16256,7 +16260,7 @@
               <p:cNvPr id="32" name="TextBox 31">
                 <a:extLst>
                   <a:ext uri="{FF2B5EF4-FFF2-40B4-BE49-F238E27FC236}">
-                    <a16:creationId xmlns:a16="http://schemas.microsoft.com/office/drawing/2014/main" id="{B762AC4C-43D2-4F68-9F3B-5B6960C79FD5}"/>
+                    <a16:creationId xmlns:a16="http://schemas.microsoft.com/office/drawing/2014/main" xmlns="" id="{B762AC4C-43D2-4F68-9F3B-5B6960C79FD5}"/>
                   </a:ext>
                 </a:extLst>
               </p:cNvPr>
@@ -16290,7 +16294,7 @@
                         <m:sSubPr>
                           <m:ctrlPr>
                             <a:rPr lang="en-US" altLang="ko-KR" i="1" smtClean="0">
-                              <a:latin typeface="Cambria Math" panose="02040503050406030204" pitchFamily="18" charset="0"/>
+                              <a:latin typeface="Cambria Math" charset="0"/>
                             </a:rPr>
                           </m:ctrlPr>
                         </m:sSubPr>
@@ -16371,7 +16375,7 @@
               <p:cNvPr id="33" name="TextBox 32">
                 <a:extLst>
                   <a:ext uri="{FF2B5EF4-FFF2-40B4-BE49-F238E27FC236}">
-                    <a16:creationId xmlns:a16="http://schemas.microsoft.com/office/drawing/2014/main" id="{17AFDE06-C487-486D-B7B1-76971B04CC45}"/>
+                    <a16:creationId xmlns:a16="http://schemas.microsoft.com/office/drawing/2014/main" xmlns="" id="{17AFDE06-C487-486D-B7B1-76971B04CC45}"/>
                   </a:ext>
                 </a:extLst>
               </p:cNvPr>
@@ -16405,7 +16409,7 @@
                         <m:sSubPr>
                           <m:ctrlPr>
                             <a:rPr lang="en-US" altLang="ko-KR" i="1" smtClean="0">
-                              <a:latin typeface="Cambria Math" panose="02040503050406030204" pitchFamily="18" charset="0"/>
+                              <a:latin typeface="Cambria Math" charset="0"/>
                             </a:rPr>
                           </m:ctrlPr>
                         </m:sSubPr>
@@ -16486,7 +16490,7 @@
               <p:cNvPr id="34" name="TextBox 33">
                 <a:extLst>
                   <a:ext uri="{FF2B5EF4-FFF2-40B4-BE49-F238E27FC236}">
-                    <a16:creationId xmlns:a16="http://schemas.microsoft.com/office/drawing/2014/main" id="{3176E3DE-1A33-48CE-8889-27F07BED33E0}"/>
+                    <a16:creationId xmlns:a16="http://schemas.microsoft.com/office/drawing/2014/main" xmlns="" id="{3176E3DE-1A33-48CE-8889-27F07BED33E0}"/>
                   </a:ext>
                 </a:extLst>
               </p:cNvPr>
@@ -16520,7 +16524,7 @@
                         <m:sSubPr>
                           <m:ctrlPr>
                             <a:rPr lang="en-US" altLang="ko-KR" i="1" smtClean="0">
-                              <a:latin typeface="Cambria Math" panose="02040503050406030204" pitchFamily="18" charset="0"/>
+                              <a:latin typeface="Cambria Math" charset="0"/>
                             </a:rPr>
                           </m:ctrlPr>
                         </m:sSubPr>
@@ -16601,7 +16605,7 @@
               <p:cNvPr id="35" name="TextBox 34">
                 <a:extLst>
                   <a:ext uri="{FF2B5EF4-FFF2-40B4-BE49-F238E27FC236}">
-                    <a16:creationId xmlns:a16="http://schemas.microsoft.com/office/drawing/2014/main" id="{3E6BEBE2-E434-4579-9BEF-7F057088C6A4}"/>
+                    <a16:creationId xmlns:a16="http://schemas.microsoft.com/office/drawing/2014/main" xmlns="" id="{3E6BEBE2-E434-4579-9BEF-7F057088C6A4}"/>
                   </a:ext>
                 </a:extLst>
               </p:cNvPr>
@@ -16635,7 +16639,7 @@
                         <m:sSubPr>
                           <m:ctrlPr>
                             <a:rPr lang="en-US" altLang="ko-KR" i="1" smtClean="0">
-                              <a:latin typeface="Cambria Math" panose="02040503050406030204" pitchFamily="18" charset="0"/>
+                              <a:latin typeface="Cambria Math" charset="0"/>
                             </a:rPr>
                           </m:ctrlPr>
                         </m:sSubPr>
@@ -16716,7 +16720,7 @@
               <p:cNvPr id="36" name="TextBox 35">
                 <a:extLst>
                   <a:ext uri="{FF2B5EF4-FFF2-40B4-BE49-F238E27FC236}">
-                    <a16:creationId xmlns:a16="http://schemas.microsoft.com/office/drawing/2014/main" id="{14E0069C-C3BE-41C2-B653-A18BA212F52D}"/>
+                    <a16:creationId xmlns:a16="http://schemas.microsoft.com/office/drawing/2014/main" xmlns="" id="{14E0069C-C3BE-41C2-B653-A18BA212F52D}"/>
                   </a:ext>
                 </a:extLst>
               </p:cNvPr>
@@ -16750,7 +16754,7 @@
                         <m:sSubPr>
                           <m:ctrlPr>
                             <a:rPr lang="en-US" altLang="ko-KR" i="1" smtClean="0">
-                              <a:latin typeface="Cambria Math" panose="02040503050406030204" pitchFamily="18" charset="0"/>
+                              <a:latin typeface="Cambria Math" charset="0"/>
                             </a:rPr>
                           </m:ctrlPr>
                         </m:sSubPr>
@@ -16831,7 +16835,7 @@
               <p:cNvPr id="37" name="TextBox 36">
                 <a:extLst>
                   <a:ext uri="{FF2B5EF4-FFF2-40B4-BE49-F238E27FC236}">
-                    <a16:creationId xmlns:a16="http://schemas.microsoft.com/office/drawing/2014/main" id="{6448FB8C-D9A1-4602-BD58-DE946A793132}"/>
+                    <a16:creationId xmlns:a16="http://schemas.microsoft.com/office/drawing/2014/main" xmlns="" id="{6448FB8C-D9A1-4602-BD58-DE946A793132}"/>
                   </a:ext>
                 </a:extLst>
               </p:cNvPr>
@@ -16865,7 +16869,7 @@
                         <m:sSubPr>
                           <m:ctrlPr>
                             <a:rPr lang="en-US" altLang="ko-KR" i="1" smtClean="0">
-                              <a:latin typeface="Cambria Math" panose="02040503050406030204" pitchFamily="18" charset="0"/>
+                              <a:latin typeface="Cambria Math" charset="0"/>
                             </a:rPr>
                           </m:ctrlPr>
                         </m:sSubPr>
@@ -16946,7 +16950,7 @@
               <p:cNvPr id="39" name="TextBox 38">
                 <a:extLst>
                   <a:ext uri="{FF2B5EF4-FFF2-40B4-BE49-F238E27FC236}">
-                    <a16:creationId xmlns:a16="http://schemas.microsoft.com/office/drawing/2014/main" id="{34ED70D7-EC33-49DC-96FA-7BE986853032}"/>
+                    <a16:creationId xmlns:a16="http://schemas.microsoft.com/office/drawing/2014/main" xmlns="" id="{34ED70D7-EC33-49DC-96FA-7BE986853032}"/>
                   </a:ext>
                 </a:extLst>
               </p:cNvPr>
@@ -17040,7 +17044,7 @@
           <p:cNvPr id="41" name="직사각형 40">
             <a:extLst>
               <a:ext uri="{FF2B5EF4-FFF2-40B4-BE49-F238E27FC236}">
-                <a16:creationId xmlns:a16="http://schemas.microsoft.com/office/drawing/2014/main" id="{2408790D-3D66-431C-849B-99668B932886}"/>
+                <a16:creationId xmlns:a16="http://schemas.microsoft.com/office/drawing/2014/main" xmlns="" id="{2408790D-3D66-431C-849B-99668B932886}"/>
               </a:ext>
             </a:extLst>
           </p:cNvPr>
@@ -17093,7 +17097,7 @@
           <p:cNvPr id="42" name="직사각형 41">
             <a:extLst>
               <a:ext uri="{FF2B5EF4-FFF2-40B4-BE49-F238E27FC236}">
-                <a16:creationId xmlns:a16="http://schemas.microsoft.com/office/drawing/2014/main" id="{D3CFBC4C-F45D-48C0-A8AA-F68207C535F1}"/>
+                <a16:creationId xmlns:a16="http://schemas.microsoft.com/office/drawing/2014/main" xmlns="" id="{D3CFBC4C-F45D-48C0-A8AA-F68207C535F1}"/>
               </a:ext>
             </a:extLst>
           </p:cNvPr>
@@ -17146,7 +17150,7 @@
           <p:cNvPr id="43" name="직사각형 42">
             <a:extLst>
               <a:ext uri="{FF2B5EF4-FFF2-40B4-BE49-F238E27FC236}">
-                <a16:creationId xmlns:a16="http://schemas.microsoft.com/office/drawing/2014/main" id="{1CCBC64F-3065-4A07-BBD2-C6D6AFF1B01A}"/>
+                <a16:creationId xmlns:a16="http://schemas.microsoft.com/office/drawing/2014/main" xmlns="" id="{1CCBC64F-3065-4A07-BBD2-C6D6AFF1B01A}"/>
               </a:ext>
             </a:extLst>
           </p:cNvPr>
@@ -17199,7 +17203,7 @@
           <p:cNvPr id="44" name="직사각형 43">
             <a:extLst>
               <a:ext uri="{FF2B5EF4-FFF2-40B4-BE49-F238E27FC236}">
-                <a16:creationId xmlns:a16="http://schemas.microsoft.com/office/drawing/2014/main" id="{8335E1E8-EE72-4026-805B-961A5AA502D5}"/>
+                <a16:creationId xmlns:a16="http://schemas.microsoft.com/office/drawing/2014/main" xmlns="" id="{8335E1E8-EE72-4026-805B-961A5AA502D5}"/>
               </a:ext>
             </a:extLst>
           </p:cNvPr>
@@ -17252,7 +17256,7 @@
           <p:cNvPr id="45" name="직사각형 44">
             <a:extLst>
               <a:ext uri="{FF2B5EF4-FFF2-40B4-BE49-F238E27FC236}">
-                <a16:creationId xmlns:a16="http://schemas.microsoft.com/office/drawing/2014/main" id="{111AA82D-9B7D-4823-98CA-1E4E96C1FA21}"/>
+                <a16:creationId xmlns:a16="http://schemas.microsoft.com/office/drawing/2014/main" xmlns="" id="{111AA82D-9B7D-4823-98CA-1E4E96C1FA21}"/>
               </a:ext>
             </a:extLst>
           </p:cNvPr>
@@ -17300,7 +17304,7 @@
           <p:cNvPr id="46" name="직사각형 45">
             <a:extLst>
               <a:ext uri="{FF2B5EF4-FFF2-40B4-BE49-F238E27FC236}">
-                <a16:creationId xmlns:a16="http://schemas.microsoft.com/office/drawing/2014/main" id="{314F8EF3-3359-49FA-87AB-213C9D682DB7}"/>
+                <a16:creationId xmlns:a16="http://schemas.microsoft.com/office/drawing/2014/main" xmlns="" id="{314F8EF3-3359-49FA-87AB-213C9D682DB7}"/>
               </a:ext>
             </a:extLst>
           </p:cNvPr>
@@ -17348,7 +17352,7 @@
           <p:cNvPr id="47" name="직사각형 46">
             <a:extLst>
               <a:ext uri="{FF2B5EF4-FFF2-40B4-BE49-F238E27FC236}">
-                <a16:creationId xmlns:a16="http://schemas.microsoft.com/office/drawing/2014/main" id="{69994DCF-107E-4F14-840B-FCA36463D13F}"/>
+                <a16:creationId xmlns:a16="http://schemas.microsoft.com/office/drawing/2014/main" xmlns="" id="{69994DCF-107E-4F14-840B-FCA36463D13F}"/>
               </a:ext>
             </a:extLst>
           </p:cNvPr>
@@ -17396,7 +17400,7 @@
           <p:cNvPr id="49" name="직사각형 48">
             <a:extLst>
               <a:ext uri="{FF2B5EF4-FFF2-40B4-BE49-F238E27FC236}">
-                <a16:creationId xmlns:a16="http://schemas.microsoft.com/office/drawing/2014/main" id="{D24437A5-5A5B-42EA-AA28-A1F819EFE17B}"/>
+                <a16:creationId xmlns:a16="http://schemas.microsoft.com/office/drawing/2014/main" xmlns="" id="{D24437A5-5A5B-42EA-AA28-A1F819EFE17B}"/>
               </a:ext>
             </a:extLst>
           </p:cNvPr>
@@ -17444,7 +17448,7 @@
           <p:cNvPr id="50" name="직사각형 49">
             <a:extLst>
               <a:ext uri="{FF2B5EF4-FFF2-40B4-BE49-F238E27FC236}">
-                <a16:creationId xmlns:a16="http://schemas.microsoft.com/office/drawing/2014/main" id="{454F7536-28CC-4E35-8830-958C9CA919D0}"/>
+                <a16:creationId xmlns:a16="http://schemas.microsoft.com/office/drawing/2014/main" xmlns="" id="{454F7536-28CC-4E35-8830-958C9CA919D0}"/>
               </a:ext>
             </a:extLst>
           </p:cNvPr>
@@ -17492,7 +17496,7 @@
           <p:cNvPr id="51" name="직사각형 50">
             <a:extLst>
               <a:ext uri="{FF2B5EF4-FFF2-40B4-BE49-F238E27FC236}">
-                <a16:creationId xmlns:a16="http://schemas.microsoft.com/office/drawing/2014/main" id="{4350E3CD-9519-4828-A563-8BDC2F1EBAB9}"/>
+                <a16:creationId xmlns:a16="http://schemas.microsoft.com/office/drawing/2014/main" xmlns="" id="{4350E3CD-9519-4828-A563-8BDC2F1EBAB9}"/>
               </a:ext>
             </a:extLst>
           </p:cNvPr>
@@ -17542,7 +17546,7 @@
               <p:cNvPr id="55" name="TextBox 54">
                 <a:extLst>
                   <a:ext uri="{FF2B5EF4-FFF2-40B4-BE49-F238E27FC236}">
-                    <a16:creationId xmlns:a16="http://schemas.microsoft.com/office/drawing/2014/main" id="{72B80003-A461-40D8-85C7-6F6665F27485}"/>
+                    <a16:creationId xmlns:a16="http://schemas.microsoft.com/office/drawing/2014/main" xmlns="" id="{72B80003-A461-40D8-85C7-6F6665F27485}"/>
                   </a:ext>
                 </a:extLst>
               </p:cNvPr>
@@ -17576,7 +17580,7 @@
                         <m:sSubPr>
                           <m:ctrlPr>
                             <a:rPr lang="en-US" altLang="ko-KR" i="1" smtClean="0">
-                              <a:latin typeface="Cambria Math" panose="02040503050406030204" pitchFamily="18" charset="0"/>
+                              <a:latin typeface="Cambria Math" charset="0"/>
                             </a:rPr>
                           </m:ctrlPr>
                         </m:sSubPr>
@@ -17586,7 +17590,7 @@
                               <m:chr m:val="̂"/>
                               <m:ctrlPr>
                                 <a:rPr lang="en-US" altLang="ko-KR" i="1" smtClean="0">
-                                  <a:latin typeface="Cambria Math" panose="02040503050406030204" pitchFamily="18" charset="0"/>
+                                  <a:latin typeface="Cambria Math" charset="0"/>
                                 </a:rPr>
                               </m:ctrlPr>
                             </m:accPr>
@@ -17669,7 +17673,7 @@
               <p:cNvPr id="57" name="TextBox 56">
                 <a:extLst>
                   <a:ext uri="{FF2B5EF4-FFF2-40B4-BE49-F238E27FC236}">
-                    <a16:creationId xmlns:a16="http://schemas.microsoft.com/office/drawing/2014/main" id="{20E0532F-A1CA-4D11-85ED-98569F22BC6C}"/>
+                    <a16:creationId xmlns:a16="http://schemas.microsoft.com/office/drawing/2014/main" xmlns="" id="{20E0532F-A1CA-4D11-85ED-98569F22BC6C}"/>
                   </a:ext>
                 </a:extLst>
               </p:cNvPr>
@@ -17703,7 +17707,7 @@
                         <m:sSubPr>
                           <m:ctrlPr>
                             <a:rPr lang="en-US" altLang="ko-KR" i="1" smtClean="0">
-                              <a:latin typeface="Cambria Math" panose="02040503050406030204" pitchFamily="18" charset="0"/>
+                              <a:latin typeface="Cambria Math" charset="0"/>
                             </a:rPr>
                           </m:ctrlPr>
                         </m:sSubPr>
@@ -17713,7 +17717,7 @@
                               <m:chr m:val="̂"/>
                               <m:ctrlPr>
                                 <a:rPr lang="en-US" altLang="ko-KR" i="1" smtClean="0">
-                                  <a:latin typeface="Cambria Math" panose="02040503050406030204" pitchFamily="18" charset="0"/>
+                                  <a:latin typeface="Cambria Math" charset="0"/>
                                 </a:rPr>
                               </m:ctrlPr>
                             </m:accPr>
@@ -17796,7 +17800,7 @@
               <p:cNvPr id="58" name="TextBox 57">
                 <a:extLst>
                   <a:ext uri="{FF2B5EF4-FFF2-40B4-BE49-F238E27FC236}">
-                    <a16:creationId xmlns:a16="http://schemas.microsoft.com/office/drawing/2014/main" id="{BB4072BD-4BD0-4145-A29C-DBC0590749EA}"/>
+                    <a16:creationId xmlns:a16="http://schemas.microsoft.com/office/drawing/2014/main" xmlns="" id="{BB4072BD-4BD0-4145-A29C-DBC0590749EA}"/>
                   </a:ext>
                 </a:extLst>
               </p:cNvPr>
@@ -17830,7 +17834,7 @@
                         <m:sSubPr>
                           <m:ctrlPr>
                             <a:rPr lang="en-US" altLang="ko-KR" i="1" smtClean="0">
-                              <a:latin typeface="Cambria Math" panose="02040503050406030204" pitchFamily="18" charset="0"/>
+                              <a:latin typeface="Cambria Math" charset="0"/>
                             </a:rPr>
                           </m:ctrlPr>
                         </m:sSubPr>
@@ -17840,7 +17844,7 @@
                               <m:chr m:val="̂"/>
                               <m:ctrlPr>
                                 <a:rPr lang="en-US" altLang="ko-KR" i="1" smtClean="0">
-                                  <a:latin typeface="Cambria Math" panose="02040503050406030204" pitchFamily="18" charset="0"/>
+                                  <a:latin typeface="Cambria Math" charset="0"/>
                                 </a:rPr>
                               </m:ctrlPr>
                             </m:accPr>
@@ -17921,7 +17925,7 @@
           <p:cNvPr id="59" name="직선 화살표 연결선 58">
             <a:extLst>
               <a:ext uri="{FF2B5EF4-FFF2-40B4-BE49-F238E27FC236}">
-                <a16:creationId xmlns:a16="http://schemas.microsoft.com/office/drawing/2014/main" id="{8FD6C182-3273-43AE-AF9B-88D62A891900}"/>
+                <a16:creationId xmlns:a16="http://schemas.microsoft.com/office/drawing/2014/main" xmlns="" id="{8FD6C182-3273-43AE-AF9B-88D62A891900}"/>
               </a:ext>
             </a:extLst>
           </p:cNvPr>
@@ -17964,7 +17968,7 @@
           <p:cNvPr id="62" name="직선 화살표 연결선 61">
             <a:extLst>
               <a:ext uri="{FF2B5EF4-FFF2-40B4-BE49-F238E27FC236}">
-                <a16:creationId xmlns:a16="http://schemas.microsoft.com/office/drawing/2014/main" id="{84687B28-D3CF-4CC4-BB5A-CC64A664AE74}"/>
+                <a16:creationId xmlns:a16="http://schemas.microsoft.com/office/drawing/2014/main" xmlns="" id="{84687B28-D3CF-4CC4-BB5A-CC64A664AE74}"/>
               </a:ext>
             </a:extLst>
           </p:cNvPr>
@@ -18007,7 +18011,7 @@
           <p:cNvPr id="65" name="직선 화살표 연결선 64">
             <a:extLst>
               <a:ext uri="{FF2B5EF4-FFF2-40B4-BE49-F238E27FC236}">
-                <a16:creationId xmlns:a16="http://schemas.microsoft.com/office/drawing/2014/main" id="{5B0C86E3-E2D2-4A73-8DA8-9D61E38B3683}"/>
+                <a16:creationId xmlns:a16="http://schemas.microsoft.com/office/drawing/2014/main" xmlns="" id="{5B0C86E3-E2D2-4A73-8DA8-9D61E38B3683}"/>
               </a:ext>
             </a:extLst>
           </p:cNvPr>
@@ -18050,7 +18054,7 @@
           <p:cNvPr id="69" name="직선 화살표 연결선 68">
             <a:extLst>
               <a:ext uri="{FF2B5EF4-FFF2-40B4-BE49-F238E27FC236}">
-                <a16:creationId xmlns:a16="http://schemas.microsoft.com/office/drawing/2014/main" id="{E9DDA7B8-E402-4260-BD91-6BF2C76E596D}"/>
+                <a16:creationId xmlns:a16="http://schemas.microsoft.com/office/drawing/2014/main" xmlns="" id="{E9DDA7B8-E402-4260-BD91-6BF2C76E596D}"/>
               </a:ext>
             </a:extLst>
           </p:cNvPr>
@@ -18093,7 +18097,7 @@
           <p:cNvPr id="72" name="직선 화살표 연결선 71">
             <a:extLst>
               <a:ext uri="{FF2B5EF4-FFF2-40B4-BE49-F238E27FC236}">
-                <a16:creationId xmlns:a16="http://schemas.microsoft.com/office/drawing/2014/main" id="{3A38D4EC-BFCE-47EF-9CC9-5F3059C57B9A}"/>
+                <a16:creationId xmlns:a16="http://schemas.microsoft.com/office/drawing/2014/main" xmlns="" id="{3A38D4EC-BFCE-47EF-9CC9-5F3059C57B9A}"/>
               </a:ext>
             </a:extLst>
           </p:cNvPr>
@@ -18136,7 +18140,7 @@
           <p:cNvPr id="75" name="직선 화살표 연결선 74">
             <a:extLst>
               <a:ext uri="{FF2B5EF4-FFF2-40B4-BE49-F238E27FC236}">
-                <a16:creationId xmlns:a16="http://schemas.microsoft.com/office/drawing/2014/main" id="{F0A56918-BB78-4512-9AE4-4595F71A0374}"/>
+                <a16:creationId xmlns:a16="http://schemas.microsoft.com/office/drawing/2014/main" xmlns="" id="{F0A56918-BB78-4512-9AE4-4595F71A0374}"/>
               </a:ext>
             </a:extLst>
           </p:cNvPr>
@@ -18179,7 +18183,7 @@
           <p:cNvPr id="78" name="직선 화살표 연결선 77">
             <a:extLst>
               <a:ext uri="{FF2B5EF4-FFF2-40B4-BE49-F238E27FC236}">
-                <a16:creationId xmlns:a16="http://schemas.microsoft.com/office/drawing/2014/main" id="{6BE0089D-C53D-4CB5-81DB-317FD6773065}"/>
+                <a16:creationId xmlns:a16="http://schemas.microsoft.com/office/drawing/2014/main" xmlns="" id="{6BE0089D-C53D-4CB5-81DB-317FD6773065}"/>
               </a:ext>
             </a:extLst>
           </p:cNvPr>
@@ -18222,7 +18226,7 @@
           <p:cNvPr id="81" name="직선 화살표 연결선 80">
             <a:extLst>
               <a:ext uri="{FF2B5EF4-FFF2-40B4-BE49-F238E27FC236}">
-                <a16:creationId xmlns:a16="http://schemas.microsoft.com/office/drawing/2014/main" id="{1FE67D45-F341-48D8-A5DA-5CABD0220D40}"/>
+                <a16:creationId xmlns:a16="http://schemas.microsoft.com/office/drawing/2014/main" xmlns="" id="{1FE67D45-F341-48D8-A5DA-5CABD0220D40}"/>
               </a:ext>
             </a:extLst>
           </p:cNvPr>
@@ -18265,7 +18269,7 @@
           <p:cNvPr id="87" name="직선 화살표 연결선 86">
             <a:extLst>
               <a:ext uri="{FF2B5EF4-FFF2-40B4-BE49-F238E27FC236}">
-                <a16:creationId xmlns:a16="http://schemas.microsoft.com/office/drawing/2014/main" id="{2F9DA316-AF50-4F26-873D-18769FF362BC}"/>
+                <a16:creationId xmlns:a16="http://schemas.microsoft.com/office/drawing/2014/main" xmlns="" id="{2F9DA316-AF50-4F26-873D-18769FF362BC}"/>
               </a:ext>
             </a:extLst>
           </p:cNvPr>
@@ -18308,7 +18312,7 @@
           <p:cNvPr id="90" name="직선 화살표 연결선 89">
             <a:extLst>
               <a:ext uri="{FF2B5EF4-FFF2-40B4-BE49-F238E27FC236}">
-                <a16:creationId xmlns:a16="http://schemas.microsoft.com/office/drawing/2014/main" id="{20099984-F671-4110-A508-825AF03AF97E}"/>
+                <a16:creationId xmlns:a16="http://schemas.microsoft.com/office/drawing/2014/main" xmlns="" id="{20099984-F671-4110-A508-825AF03AF97E}"/>
               </a:ext>
             </a:extLst>
           </p:cNvPr>
@@ -18351,7 +18355,7 @@
           <p:cNvPr id="93" name="직선 화살표 연결선 92">
             <a:extLst>
               <a:ext uri="{FF2B5EF4-FFF2-40B4-BE49-F238E27FC236}">
-                <a16:creationId xmlns:a16="http://schemas.microsoft.com/office/drawing/2014/main" id="{3FD2772A-63B2-432A-874D-81B5EAE253B6}"/>
+                <a16:creationId xmlns:a16="http://schemas.microsoft.com/office/drawing/2014/main" xmlns="" id="{3FD2772A-63B2-432A-874D-81B5EAE253B6}"/>
               </a:ext>
             </a:extLst>
           </p:cNvPr>
@@ -18394,7 +18398,7 @@
           <p:cNvPr id="96" name="직선 화살표 연결선 95">
             <a:extLst>
               <a:ext uri="{FF2B5EF4-FFF2-40B4-BE49-F238E27FC236}">
-                <a16:creationId xmlns:a16="http://schemas.microsoft.com/office/drawing/2014/main" id="{0950EDDA-92F2-40B3-8E33-04EEEE15DEBD}"/>
+                <a16:creationId xmlns:a16="http://schemas.microsoft.com/office/drawing/2014/main" xmlns="" id="{0950EDDA-92F2-40B3-8E33-04EEEE15DEBD}"/>
               </a:ext>
             </a:extLst>
           </p:cNvPr>
@@ -18437,7 +18441,7 @@
           <p:cNvPr id="99" name="직선 화살표 연결선 98">
             <a:extLst>
               <a:ext uri="{FF2B5EF4-FFF2-40B4-BE49-F238E27FC236}">
-                <a16:creationId xmlns:a16="http://schemas.microsoft.com/office/drawing/2014/main" id="{3CDFBDFE-CBAD-41E3-ACEA-06CCB2C6FDBD}"/>
+                <a16:creationId xmlns:a16="http://schemas.microsoft.com/office/drawing/2014/main" xmlns="" id="{3CDFBDFE-CBAD-41E3-ACEA-06CCB2C6FDBD}"/>
               </a:ext>
             </a:extLst>
           </p:cNvPr>
@@ -18480,7 +18484,7 @@
           <p:cNvPr id="102" name="직선 화살표 연결선 101">
             <a:extLst>
               <a:ext uri="{FF2B5EF4-FFF2-40B4-BE49-F238E27FC236}">
-                <a16:creationId xmlns:a16="http://schemas.microsoft.com/office/drawing/2014/main" id="{77648F5A-E6F6-4F01-90F1-AAEF9A30738A}"/>
+                <a16:creationId xmlns:a16="http://schemas.microsoft.com/office/drawing/2014/main" xmlns="" id="{77648F5A-E6F6-4F01-90F1-AAEF9A30738A}"/>
               </a:ext>
             </a:extLst>
           </p:cNvPr>
@@ -18523,7 +18527,7 @@
           <p:cNvPr id="108" name="직선 화살표 연결선 107">
             <a:extLst>
               <a:ext uri="{FF2B5EF4-FFF2-40B4-BE49-F238E27FC236}">
-                <a16:creationId xmlns:a16="http://schemas.microsoft.com/office/drawing/2014/main" id="{F0620903-B98B-482B-BCE6-DBFF005A7721}"/>
+                <a16:creationId xmlns:a16="http://schemas.microsoft.com/office/drawing/2014/main" xmlns="" id="{F0620903-B98B-482B-BCE6-DBFF005A7721}"/>
               </a:ext>
             </a:extLst>
           </p:cNvPr>
@@ -18566,7 +18570,7 @@
           <p:cNvPr id="111" name="직선 화살표 연결선 110">
             <a:extLst>
               <a:ext uri="{FF2B5EF4-FFF2-40B4-BE49-F238E27FC236}">
-                <a16:creationId xmlns:a16="http://schemas.microsoft.com/office/drawing/2014/main" id="{12217889-4726-4C88-9325-F533E0E9F9D0}"/>
+                <a16:creationId xmlns:a16="http://schemas.microsoft.com/office/drawing/2014/main" xmlns="" id="{12217889-4726-4C88-9325-F533E0E9F9D0}"/>
               </a:ext>
             </a:extLst>
           </p:cNvPr>
@@ -18609,7 +18613,7 @@
           <p:cNvPr id="114" name="직선 화살표 연결선 113">
             <a:extLst>
               <a:ext uri="{FF2B5EF4-FFF2-40B4-BE49-F238E27FC236}">
-                <a16:creationId xmlns:a16="http://schemas.microsoft.com/office/drawing/2014/main" id="{A3466522-BCD2-4C8B-BB34-E826DC8BF883}"/>
+                <a16:creationId xmlns:a16="http://schemas.microsoft.com/office/drawing/2014/main" xmlns="" id="{A3466522-BCD2-4C8B-BB34-E826DC8BF883}"/>
               </a:ext>
             </a:extLst>
           </p:cNvPr>
@@ -18652,7 +18656,7 @@
           <p:cNvPr id="123" name="직선 화살표 연결선 122">
             <a:extLst>
               <a:ext uri="{FF2B5EF4-FFF2-40B4-BE49-F238E27FC236}">
-                <a16:creationId xmlns:a16="http://schemas.microsoft.com/office/drawing/2014/main" id="{5216A147-C924-4C72-8D6E-7331E2D22CFB}"/>
+                <a16:creationId xmlns:a16="http://schemas.microsoft.com/office/drawing/2014/main" xmlns="" id="{5216A147-C924-4C72-8D6E-7331E2D22CFB}"/>
               </a:ext>
             </a:extLst>
           </p:cNvPr>
@@ -18695,7 +18699,7 @@
           <p:cNvPr id="126" name="직선 화살표 연결선 125">
             <a:extLst>
               <a:ext uri="{FF2B5EF4-FFF2-40B4-BE49-F238E27FC236}">
-                <a16:creationId xmlns:a16="http://schemas.microsoft.com/office/drawing/2014/main" id="{45637B03-E8B6-4719-B049-0FDE04904AE4}"/>
+                <a16:creationId xmlns:a16="http://schemas.microsoft.com/office/drawing/2014/main" xmlns="" id="{45637B03-E8B6-4719-B049-0FDE04904AE4}"/>
               </a:ext>
             </a:extLst>
           </p:cNvPr>
@@ -18738,7 +18742,7 @@
           <p:cNvPr id="129" name="직선 화살표 연결선 128">
             <a:extLst>
               <a:ext uri="{FF2B5EF4-FFF2-40B4-BE49-F238E27FC236}">
-                <a16:creationId xmlns:a16="http://schemas.microsoft.com/office/drawing/2014/main" id="{1CA74644-B225-4181-9249-93F1981D9149}"/>
+                <a16:creationId xmlns:a16="http://schemas.microsoft.com/office/drawing/2014/main" xmlns="" id="{1CA74644-B225-4181-9249-93F1981D9149}"/>
               </a:ext>
             </a:extLst>
           </p:cNvPr>
@@ -18781,7 +18785,7 @@
           <p:cNvPr id="133" name="연결선: 구부러짐 132">
             <a:extLst>
               <a:ext uri="{FF2B5EF4-FFF2-40B4-BE49-F238E27FC236}">
-                <a16:creationId xmlns:a16="http://schemas.microsoft.com/office/drawing/2014/main" id="{B0692204-9491-4446-8992-669D8CADF515}"/>
+                <a16:creationId xmlns:a16="http://schemas.microsoft.com/office/drawing/2014/main" xmlns="" id="{B0692204-9491-4446-8992-669D8CADF515}"/>
               </a:ext>
             </a:extLst>
           </p:cNvPr>
@@ -18827,7 +18831,7 @@
           <p:cNvPr id="134" name="연결선: 구부러짐 133">
             <a:extLst>
               <a:ext uri="{FF2B5EF4-FFF2-40B4-BE49-F238E27FC236}">
-                <a16:creationId xmlns:a16="http://schemas.microsoft.com/office/drawing/2014/main" id="{FC427459-E021-48A1-B314-49541E7D501D}"/>
+                <a16:creationId xmlns:a16="http://schemas.microsoft.com/office/drawing/2014/main" xmlns="" id="{FC427459-E021-48A1-B314-49541E7D501D}"/>
               </a:ext>
             </a:extLst>
           </p:cNvPr>
@@ -18874,7 +18878,7 @@
           <p:cNvPr id="137" name="연결선: 구부러짐 136">
             <a:extLst>
               <a:ext uri="{FF2B5EF4-FFF2-40B4-BE49-F238E27FC236}">
-                <a16:creationId xmlns:a16="http://schemas.microsoft.com/office/drawing/2014/main" id="{9164BF98-76B5-402C-970C-7B7B851DD7BB}"/>
+                <a16:creationId xmlns:a16="http://schemas.microsoft.com/office/drawing/2014/main" xmlns="" id="{9164BF98-76B5-402C-970C-7B7B851DD7BB}"/>
               </a:ext>
             </a:extLst>
           </p:cNvPr>
@@ -18920,7 +18924,7 @@
           <p:cNvPr id="3" name="타원 2">
             <a:extLst>
               <a:ext uri="{FF2B5EF4-FFF2-40B4-BE49-F238E27FC236}">
-                <a16:creationId xmlns:a16="http://schemas.microsoft.com/office/drawing/2014/main" id="{AF6E7165-BEC3-46A1-B5E9-3E1C10B5D465}"/>
+                <a16:creationId xmlns:a16="http://schemas.microsoft.com/office/drawing/2014/main" xmlns="" id="{AF6E7165-BEC3-46A1-B5E9-3E1C10B5D465}"/>
               </a:ext>
             </a:extLst>
           </p:cNvPr>
@@ -18968,7 +18972,7 @@
           <p:cNvPr id="73" name="직선 화살표 연결선 72">
             <a:extLst>
               <a:ext uri="{FF2B5EF4-FFF2-40B4-BE49-F238E27FC236}">
-                <a16:creationId xmlns:a16="http://schemas.microsoft.com/office/drawing/2014/main" id="{EA947EBF-81B0-450D-BAB0-52AEB123A9B8}"/>
+                <a16:creationId xmlns:a16="http://schemas.microsoft.com/office/drawing/2014/main" xmlns="" id="{EA947EBF-81B0-450D-BAB0-52AEB123A9B8}"/>
               </a:ext>
             </a:extLst>
           </p:cNvPr>
@@ -19011,7 +19015,7 @@
           <p:cNvPr id="79" name="타원 78">
             <a:extLst>
               <a:ext uri="{FF2B5EF4-FFF2-40B4-BE49-F238E27FC236}">
-                <a16:creationId xmlns:a16="http://schemas.microsoft.com/office/drawing/2014/main" id="{4B164CE0-4FB7-49A8-816E-F04A2549B43A}"/>
+                <a16:creationId xmlns:a16="http://schemas.microsoft.com/office/drawing/2014/main" xmlns="" id="{4B164CE0-4FB7-49A8-816E-F04A2549B43A}"/>
               </a:ext>
             </a:extLst>
           </p:cNvPr>
@@ -19059,7 +19063,7 @@
           <p:cNvPr id="82" name="직선 화살표 연결선 81">
             <a:extLst>
               <a:ext uri="{FF2B5EF4-FFF2-40B4-BE49-F238E27FC236}">
-                <a16:creationId xmlns:a16="http://schemas.microsoft.com/office/drawing/2014/main" id="{EB8DBC75-AF38-4296-AC89-9C611C0A13A9}"/>
+                <a16:creationId xmlns:a16="http://schemas.microsoft.com/office/drawing/2014/main" xmlns="" id="{EB8DBC75-AF38-4296-AC89-9C611C0A13A9}"/>
               </a:ext>
             </a:extLst>
           </p:cNvPr>
@@ -19102,7 +19106,7 @@
           <p:cNvPr id="56" name="연결선: 꺾임 55">
             <a:extLst>
               <a:ext uri="{FF2B5EF4-FFF2-40B4-BE49-F238E27FC236}">
-                <a16:creationId xmlns:a16="http://schemas.microsoft.com/office/drawing/2014/main" id="{F7FC8E41-21B9-460D-91D4-F783E770627D}"/>
+                <a16:creationId xmlns:a16="http://schemas.microsoft.com/office/drawing/2014/main" xmlns="" id="{F7FC8E41-21B9-460D-91D4-F783E770627D}"/>
               </a:ext>
             </a:extLst>
           </p:cNvPr>
@@ -19148,7 +19152,7 @@
           <p:cNvPr id="94" name="연결선: 꺾임 93">
             <a:extLst>
               <a:ext uri="{FF2B5EF4-FFF2-40B4-BE49-F238E27FC236}">
-                <a16:creationId xmlns:a16="http://schemas.microsoft.com/office/drawing/2014/main" id="{946599C8-EB79-4223-9881-7B569270A918}"/>
+                <a16:creationId xmlns:a16="http://schemas.microsoft.com/office/drawing/2014/main" xmlns="" id="{946599C8-EB79-4223-9881-7B569270A918}"/>
               </a:ext>
             </a:extLst>
           </p:cNvPr>
@@ -19194,7 +19198,7 @@
           <p:cNvPr id="97" name="연결선: 꺾임 96">
             <a:extLst>
               <a:ext uri="{FF2B5EF4-FFF2-40B4-BE49-F238E27FC236}">
-                <a16:creationId xmlns:a16="http://schemas.microsoft.com/office/drawing/2014/main" id="{9726D98B-2AC5-4799-BF74-076BA2B0C7E6}"/>
+                <a16:creationId xmlns:a16="http://schemas.microsoft.com/office/drawing/2014/main" xmlns="" id="{9726D98B-2AC5-4799-BF74-076BA2B0C7E6}"/>
               </a:ext>
             </a:extLst>
           </p:cNvPr>
@@ -19239,7 +19243,7 @@
           <p:cNvPr id="2" name="TextBox 1">
             <a:extLst>
               <a:ext uri="{FF2B5EF4-FFF2-40B4-BE49-F238E27FC236}">
-                <a16:creationId xmlns:a16="http://schemas.microsoft.com/office/drawing/2014/main" id="{5BE483D8-9C3E-447C-8143-99A9EC2A2579}"/>
+                <a16:creationId xmlns:a16="http://schemas.microsoft.com/office/drawing/2014/main" xmlns="" id="{5BE483D8-9C3E-447C-8143-99A9EC2A2579}"/>
               </a:ext>
             </a:extLst>
           </p:cNvPr>
@@ -19274,7 +19278,7 @@
           <p:cNvPr id="83" name="직사각형 82">
             <a:extLst>
               <a:ext uri="{FF2B5EF4-FFF2-40B4-BE49-F238E27FC236}">
-                <a16:creationId xmlns:a16="http://schemas.microsoft.com/office/drawing/2014/main" id="{2948F307-9ACE-4C08-8F16-03C8050895CE}"/>
+                <a16:creationId xmlns:a16="http://schemas.microsoft.com/office/drawing/2014/main" xmlns="" id="{2948F307-9ACE-4C08-8F16-03C8050895CE}"/>
               </a:ext>
             </a:extLst>
           </p:cNvPr>
@@ -19322,7 +19326,7 @@
           <p:cNvPr id="85" name="직사각형 84">
             <a:extLst>
               <a:ext uri="{FF2B5EF4-FFF2-40B4-BE49-F238E27FC236}">
-                <a16:creationId xmlns:a16="http://schemas.microsoft.com/office/drawing/2014/main" id="{AD05C797-757F-4159-96A1-19715AE82730}"/>
+                <a16:creationId xmlns:a16="http://schemas.microsoft.com/office/drawing/2014/main" xmlns="" id="{AD05C797-757F-4159-96A1-19715AE82730}"/>
               </a:ext>
             </a:extLst>
           </p:cNvPr>
@@ -19370,7 +19374,7 @@
           <p:cNvPr id="88" name="직사각형 87">
             <a:extLst>
               <a:ext uri="{FF2B5EF4-FFF2-40B4-BE49-F238E27FC236}">
-                <a16:creationId xmlns:a16="http://schemas.microsoft.com/office/drawing/2014/main" id="{793390FF-9BC8-4462-B44B-E2522AE268A2}"/>
+                <a16:creationId xmlns:a16="http://schemas.microsoft.com/office/drawing/2014/main" xmlns="" id="{793390FF-9BC8-4462-B44B-E2522AE268A2}"/>
               </a:ext>
             </a:extLst>
           </p:cNvPr>
@@ -19418,7 +19422,7 @@
           <p:cNvPr id="89" name="직선 화살표 연결선 88">
             <a:extLst>
               <a:ext uri="{FF2B5EF4-FFF2-40B4-BE49-F238E27FC236}">
-                <a16:creationId xmlns:a16="http://schemas.microsoft.com/office/drawing/2014/main" id="{9D394CDA-584A-47B6-A84A-CAA6A958D4E7}"/>
+                <a16:creationId xmlns:a16="http://schemas.microsoft.com/office/drawing/2014/main" xmlns="" id="{9D394CDA-584A-47B6-A84A-CAA6A958D4E7}"/>
               </a:ext>
             </a:extLst>
           </p:cNvPr>
@@ -19461,7 +19465,7 @@
           <p:cNvPr id="91" name="직선 화살표 연결선 90">
             <a:extLst>
               <a:ext uri="{FF2B5EF4-FFF2-40B4-BE49-F238E27FC236}">
-                <a16:creationId xmlns:a16="http://schemas.microsoft.com/office/drawing/2014/main" id="{3F127DC0-10A6-48B3-AEEF-DF18014518E6}"/>
+                <a16:creationId xmlns:a16="http://schemas.microsoft.com/office/drawing/2014/main" xmlns="" id="{3F127DC0-10A6-48B3-AEEF-DF18014518E6}"/>
               </a:ext>
             </a:extLst>
           </p:cNvPr>
@@ -19504,7 +19508,7 @@
           <p:cNvPr id="92" name="직선 화살표 연결선 91">
             <a:extLst>
               <a:ext uri="{FF2B5EF4-FFF2-40B4-BE49-F238E27FC236}">
-                <a16:creationId xmlns:a16="http://schemas.microsoft.com/office/drawing/2014/main" id="{B5862385-648F-4714-A465-B17191AAA72E}"/>
+                <a16:creationId xmlns:a16="http://schemas.microsoft.com/office/drawing/2014/main" xmlns="" id="{B5862385-648F-4714-A465-B17191AAA72E}"/>
               </a:ext>
             </a:extLst>
           </p:cNvPr>
@@ -19547,7 +19551,7 @@
           <p:cNvPr id="95" name="직사각형 94">
             <a:extLst>
               <a:ext uri="{FF2B5EF4-FFF2-40B4-BE49-F238E27FC236}">
-                <a16:creationId xmlns:a16="http://schemas.microsoft.com/office/drawing/2014/main" id="{1CC4E19F-E4A6-49E8-9881-0DDE93EA037B}"/>
+                <a16:creationId xmlns:a16="http://schemas.microsoft.com/office/drawing/2014/main" xmlns="" id="{1CC4E19F-E4A6-49E8-9881-0DDE93EA037B}"/>
               </a:ext>
             </a:extLst>
           </p:cNvPr>
@@ -19595,7 +19599,7 @@
           <p:cNvPr id="101" name="직선 화살표 연결선 100">
             <a:extLst>
               <a:ext uri="{FF2B5EF4-FFF2-40B4-BE49-F238E27FC236}">
-                <a16:creationId xmlns:a16="http://schemas.microsoft.com/office/drawing/2014/main" id="{C5996DDA-80A3-4535-9BE6-593EC08FF94A}"/>
+                <a16:creationId xmlns:a16="http://schemas.microsoft.com/office/drawing/2014/main" xmlns="" id="{C5996DDA-80A3-4535-9BE6-593EC08FF94A}"/>
               </a:ext>
             </a:extLst>
           </p:cNvPr>
@@ -19638,7 +19642,7 @@
           <p:cNvPr id="104" name="직사각형 103">
             <a:extLst>
               <a:ext uri="{FF2B5EF4-FFF2-40B4-BE49-F238E27FC236}">
-                <a16:creationId xmlns:a16="http://schemas.microsoft.com/office/drawing/2014/main" id="{9DA796BD-C081-4228-943D-3E30A207219E}"/>
+                <a16:creationId xmlns:a16="http://schemas.microsoft.com/office/drawing/2014/main" xmlns="" id="{9DA796BD-C081-4228-943D-3E30A207219E}"/>
               </a:ext>
             </a:extLst>
           </p:cNvPr>
@@ -19686,7 +19690,7 @@
           <p:cNvPr id="106" name="직선 화살표 연결선 105">
             <a:extLst>
               <a:ext uri="{FF2B5EF4-FFF2-40B4-BE49-F238E27FC236}">
-                <a16:creationId xmlns:a16="http://schemas.microsoft.com/office/drawing/2014/main" id="{900E69D7-2E24-412E-8820-964486ECB073}"/>
+                <a16:creationId xmlns:a16="http://schemas.microsoft.com/office/drawing/2014/main" xmlns="" id="{900E69D7-2E24-412E-8820-964486ECB073}"/>
               </a:ext>
             </a:extLst>
           </p:cNvPr>
@@ -19729,7 +19733,7 @@
           <p:cNvPr id="109" name="직선 화살표 연결선 108">
             <a:extLst>
               <a:ext uri="{FF2B5EF4-FFF2-40B4-BE49-F238E27FC236}">
-                <a16:creationId xmlns:a16="http://schemas.microsoft.com/office/drawing/2014/main" id="{D00C95C6-3B79-43DD-B4C3-B5EA9C2DD3B6}"/>
+                <a16:creationId xmlns:a16="http://schemas.microsoft.com/office/drawing/2014/main" xmlns="" id="{D00C95C6-3B79-43DD-B4C3-B5EA9C2DD3B6}"/>
               </a:ext>
             </a:extLst>
           </p:cNvPr>
@@ -19772,7 +19776,7 @@
           <p:cNvPr id="112" name="직선 화살표 연결선 111">
             <a:extLst>
               <a:ext uri="{FF2B5EF4-FFF2-40B4-BE49-F238E27FC236}">
-                <a16:creationId xmlns:a16="http://schemas.microsoft.com/office/drawing/2014/main" id="{D1108934-0DE2-4896-A974-04EAF3B496D9}"/>
+                <a16:creationId xmlns:a16="http://schemas.microsoft.com/office/drawing/2014/main" xmlns="" id="{D1108934-0DE2-4896-A974-04EAF3B496D9}"/>
               </a:ext>
             </a:extLst>
           </p:cNvPr>
@@ -19815,7 +19819,7 @@
           <p:cNvPr id="115" name="직선 화살표 연결선 114">
             <a:extLst>
               <a:ext uri="{FF2B5EF4-FFF2-40B4-BE49-F238E27FC236}">
-                <a16:creationId xmlns:a16="http://schemas.microsoft.com/office/drawing/2014/main" id="{51041D92-7B33-4517-85B7-1C098B164AEA}"/>
+                <a16:creationId xmlns:a16="http://schemas.microsoft.com/office/drawing/2014/main" xmlns="" id="{51041D92-7B33-4517-85B7-1C098B164AEA}"/>
               </a:ext>
             </a:extLst>
           </p:cNvPr>
@@ -19858,7 +19862,7 @@
           <p:cNvPr id="130" name="직선 화살표 연결선 129">
             <a:extLst>
               <a:ext uri="{FF2B5EF4-FFF2-40B4-BE49-F238E27FC236}">
-                <a16:creationId xmlns:a16="http://schemas.microsoft.com/office/drawing/2014/main" id="{27B692DA-05DB-42E6-A6C7-3BB9F213155D}"/>
+                <a16:creationId xmlns:a16="http://schemas.microsoft.com/office/drawing/2014/main" xmlns="" id="{27B692DA-05DB-42E6-A6C7-3BB9F213155D}"/>
               </a:ext>
             </a:extLst>
           </p:cNvPr>
@@ -19901,7 +19905,7 @@
           <p:cNvPr id="132" name="직선 화살표 연결선 131">
             <a:extLst>
               <a:ext uri="{FF2B5EF4-FFF2-40B4-BE49-F238E27FC236}">
-                <a16:creationId xmlns:a16="http://schemas.microsoft.com/office/drawing/2014/main" id="{5CBCBEA7-517C-4701-BBE5-C406CA35CEB8}"/>
+                <a16:creationId xmlns:a16="http://schemas.microsoft.com/office/drawing/2014/main" xmlns="" id="{5CBCBEA7-517C-4701-BBE5-C406CA35CEB8}"/>
               </a:ext>
             </a:extLst>
           </p:cNvPr>
@@ -19944,7 +19948,7 @@
           <p:cNvPr id="136" name="직선 화살표 연결선 135">
             <a:extLst>
               <a:ext uri="{FF2B5EF4-FFF2-40B4-BE49-F238E27FC236}">
-                <a16:creationId xmlns:a16="http://schemas.microsoft.com/office/drawing/2014/main" id="{466C4A4C-A11E-4B4C-9700-6BA3A94EB168}"/>
+                <a16:creationId xmlns:a16="http://schemas.microsoft.com/office/drawing/2014/main" xmlns="" id="{466C4A4C-A11E-4B4C-9700-6BA3A94EB168}"/>
               </a:ext>
             </a:extLst>
           </p:cNvPr>
@@ -19987,7 +19991,7 @@
           <p:cNvPr id="139" name="직선 화살표 연결선 138">
             <a:extLst>
               <a:ext uri="{FF2B5EF4-FFF2-40B4-BE49-F238E27FC236}">
-                <a16:creationId xmlns:a16="http://schemas.microsoft.com/office/drawing/2014/main" id="{208D04FD-1AFF-4620-90B1-91E5BF97DE38}"/>
+                <a16:creationId xmlns:a16="http://schemas.microsoft.com/office/drawing/2014/main" xmlns="" id="{208D04FD-1AFF-4620-90B1-91E5BF97DE38}"/>
               </a:ext>
             </a:extLst>
           </p:cNvPr>
@@ -20030,7 +20034,7 @@
           <p:cNvPr id="143" name="타원 142">
             <a:extLst>
               <a:ext uri="{FF2B5EF4-FFF2-40B4-BE49-F238E27FC236}">
-                <a16:creationId xmlns:a16="http://schemas.microsoft.com/office/drawing/2014/main" id="{1C036760-D394-47F6-9B58-6E3788CFFF1A}"/>
+                <a16:creationId xmlns:a16="http://schemas.microsoft.com/office/drawing/2014/main" xmlns="" id="{1C036760-D394-47F6-9B58-6E3788CFFF1A}"/>
               </a:ext>
             </a:extLst>
           </p:cNvPr>
@@ -20074,7 +20078,7 @@
           <p:cNvPr id="156" name="타원 155">
             <a:extLst>
               <a:ext uri="{FF2B5EF4-FFF2-40B4-BE49-F238E27FC236}">
-                <a16:creationId xmlns:a16="http://schemas.microsoft.com/office/drawing/2014/main" id="{D4378C55-6EEE-4377-8042-E3307512418D}"/>
+                <a16:creationId xmlns:a16="http://schemas.microsoft.com/office/drawing/2014/main" xmlns="" id="{D4378C55-6EEE-4377-8042-E3307512418D}"/>
               </a:ext>
             </a:extLst>
           </p:cNvPr>
@@ -20118,7 +20122,7 @@
           <p:cNvPr id="173" name="연결선: 꺾임 172">
             <a:extLst>
               <a:ext uri="{FF2B5EF4-FFF2-40B4-BE49-F238E27FC236}">
-                <a16:creationId xmlns:a16="http://schemas.microsoft.com/office/drawing/2014/main" id="{4390C1A3-33FA-421B-9542-EECFDAFFCC6C}"/>
+                <a16:creationId xmlns:a16="http://schemas.microsoft.com/office/drawing/2014/main" xmlns="" id="{4390C1A3-33FA-421B-9542-EECFDAFFCC6C}"/>
               </a:ext>
             </a:extLst>
           </p:cNvPr>
@@ -20165,7 +20169,7 @@
           <p:cNvPr id="178" name="TextBox 177">
             <a:extLst>
               <a:ext uri="{FF2B5EF4-FFF2-40B4-BE49-F238E27FC236}">
-                <a16:creationId xmlns:a16="http://schemas.microsoft.com/office/drawing/2014/main" id="{336FD456-A232-40FA-883E-09694C618B63}"/>
+                <a16:creationId xmlns:a16="http://schemas.microsoft.com/office/drawing/2014/main" xmlns="" id="{336FD456-A232-40FA-883E-09694C618B63}"/>
               </a:ext>
             </a:extLst>
           </p:cNvPr>
@@ -20201,7 +20205,7 @@
           <p:cNvPr id="179" name="TextBox 178">
             <a:extLst>
               <a:ext uri="{FF2B5EF4-FFF2-40B4-BE49-F238E27FC236}">
-                <a16:creationId xmlns:a16="http://schemas.microsoft.com/office/drawing/2014/main" id="{D85F1C4F-7968-4139-947B-FD8FABC19B38}"/>
+                <a16:creationId xmlns:a16="http://schemas.microsoft.com/office/drawing/2014/main" xmlns="" id="{D85F1C4F-7968-4139-947B-FD8FABC19B38}"/>
               </a:ext>
             </a:extLst>
           </p:cNvPr>
@@ -20267,7 +20271,7 @@
           <p:cNvPr id="4" name="표 3">
             <a:extLst>
               <a:ext uri="{FF2B5EF4-FFF2-40B4-BE49-F238E27FC236}">
-                <a16:creationId xmlns:a16="http://schemas.microsoft.com/office/drawing/2014/main" id="{713F89FF-6ED5-4C51-8B84-A8DB1F419E19}"/>
+                <a16:creationId xmlns:a16="http://schemas.microsoft.com/office/drawing/2014/main" xmlns="" id="{713F89FF-6ED5-4C51-8B84-A8DB1F419E19}"/>
               </a:ext>
             </a:extLst>
           </p:cNvPr>
@@ -20296,49 +20300,49 @@
                 <a:gridCol w="734555">
                   <a:extLst>
                     <a:ext uri="{9D8B030D-6E8A-4147-A177-3AD203B41FA5}">
-                      <a16:colId xmlns:a16="http://schemas.microsoft.com/office/drawing/2014/main" val="3945835650"/>
+                      <a16:colId xmlns:a16="http://schemas.microsoft.com/office/drawing/2014/main" xmlns="" val="3945835650"/>
                     </a:ext>
                   </a:extLst>
                 </a:gridCol>
                 <a:gridCol w="734555">
                   <a:extLst>
                     <a:ext uri="{9D8B030D-6E8A-4147-A177-3AD203B41FA5}">
-                      <a16:colId xmlns:a16="http://schemas.microsoft.com/office/drawing/2014/main" val="2575170332"/>
+                      <a16:colId xmlns:a16="http://schemas.microsoft.com/office/drawing/2014/main" xmlns="" val="2575170332"/>
                     </a:ext>
                   </a:extLst>
                 </a:gridCol>
                 <a:gridCol w="734555">
                   <a:extLst>
                     <a:ext uri="{9D8B030D-6E8A-4147-A177-3AD203B41FA5}">
-                      <a16:colId xmlns:a16="http://schemas.microsoft.com/office/drawing/2014/main" val="1734583873"/>
+                      <a16:colId xmlns:a16="http://schemas.microsoft.com/office/drawing/2014/main" xmlns="" val="1734583873"/>
                     </a:ext>
                   </a:extLst>
                 </a:gridCol>
                 <a:gridCol w="734555">
                   <a:extLst>
                     <a:ext uri="{9D8B030D-6E8A-4147-A177-3AD203B41FA5}">
-                      <a16:colId xmlns:a16="http://schemas.microsoft.com/office/drawing/2014/main" val="1587511665"/>
+                      <a16:colId xmlns:a16="http://schemas.microsoft.com/office/drawing/2014/main" xmlns="" val="1587511665"/>
                     </a:ext>
                   </a:extLst>
                 </a:gridCol>
                 <a:gridCol w="734555">
                   <a:extLst>
                     <a:ext uri="{9D8B030D-6E8A-4147-A177-3AD203B41FA5}">
-                      <a16:colId xmlns:a16="http://schemas.microsoft.com/office/drawing/2014/main" val="3016036210"/>
+                      <a16:colId xmlns:a16="http://schemas.microsoft.com/office/drawing/2014/main" xmlns="" val="3016036210"/>
                     </a:ext>
                   </a:extLst>
                 </a:gridCol>
                 <a:gridCol w="734555">
                   <a:extLst>
                     <a:ext uri="{9D8B030D-6E8A-4147-A177-3AD203B41FA5}">
-                      <a16:colId xmlns:a16="http://schemas.microsoft.com/office/drawing/2014/main" val="1807036605"/>
+                      <a16:colId xmlns:a16="http://schemas.microsoft.com/office/drawing/2014/main" xmlns="" val="1807036605"/>
                     </a:ext>
                   </a:extLst>
                 </a:gridCol>
                 <a:gridCol w="734555">
                   <a:extLst>
                     <a:ext uri="{9D8B030D-6E8A-4147-A177-3AD203B41FA5}">
-                      <a16:colId xmlns:a16="http://schemas.microsoft.com/office/drawing/2014/main" val="3670928212"/>
+                      <a16:colId xmlns:a16="http://schemas.microsoft.com/office/drawing/2014/main" xmlns="" val="3670928212"/>
                     </a:ext>
                   </a:extLst>
                 </a:gridCol>
@@ -20451,7 +20455,7 @@
                 </a:tc>
                 <a:extLst>
                   <a:ext uri="{0D108BD9-81ED-4DB2-BD59-A6C34878D82A}">
-                    <a16:rowId xmlns:a16="http://schemas.microsoft.com/office/drawing/2014/main" val="4245261966"/>
+                    <a16:rowId xmlns:a16="http://schemas.microsoft.com/office/drawing/2014/main" xmlns="" val="4245261966"/>
                   </a:ext>
                 </a:extLst>
               </a:tr>
@@ -20464,7 +20468,7 @@
           <p:cNvPr id="5" name="표 4">
             <a:extLst>
               <a:ext uri="{FF2B5EF4-FFF2-40B4-BE49-F238E27FC236}">
-                <a16:creationId xmlns:a16="http://schemas.microsoft.com/office/drawing/2014/main" id="{3F6B840D-08E7-47F4-96C3-A1C3DE047B20}"/>
+                <a16:creationId xmlns:a16="http://schemas.microsoft.com/office/drawing/2014/main" xmlns="" id="{3F6B840D-08E7-47F4-96C3-A1C3DE047B20}"/>
               </a:ext>
             </a:extLst>
           </p:cNvPr>
@@ -20493,49 +20497,49 @@
                 <a:gridCol w="734555">
                   <a:extLst>
                     <a:ext uri="{9D8B030D-6E8A-4147-A177-3AD203B41FA5}">
-                      <a16:colId xmlns:a16="http://schemas.microsoft.com/office/drawing/2014/main" val="3945835650"/>
+                      <a16:colId xmlns:a16="http://schemas.microsoft.com/office/drawing/2014/main" xmlns="" val="3945835650"/>
                     </a:ext>
                   </a:extLst>
                 </a:gridCol>
                 <a:gridCol w="734555">
                   <a:extLst>
                     <a:ext uri="{9D8B030D-6E8A-4147-A177-3AD203B41FA5}">
-                      <a16:colId xmlns:a16="http://schemas.microsoft.com/office/drawing/2014/main" val="2575170332"/>
+                      <a16:colId xmlns:a16="http://schemas.microsoft.com/office/drawing/2014/main" xmlns="" val="2575170332"/>
                     </a:ext>
                   </a:extLst>
                 </a:gridCol>
                 <a:gridCol w="734555">
                   <a:extLst>
                     <a:ext uri="{9D8B030D-6E8A-4147-A177-3AD203B41FA5}">
-                      <a16:colId xmlns:a16="http://schemas.microsoft.com/office/drawing/2014/main" val="1734583873"/>
+                      <a16:colId xmlns:a16="http://schemas.microsoft.com/office/drawing/2014/main" xmlns="" val="1734583873"/>
                     </a:ext>
                   </a:extLst>
                 </a:gridCol>
                 <a:gridCol w="734555">
                   <a:extLst>
                     <a:ext uri="{9D8B030D-6E8A-4147-A177-3AD203B41FA5}">
-                      <a16:colId xmlns:a16="http://schemas.microsoft.com/office/drawing/2014/main" val="1587511665"/>
+                      <a16:colId xmlns:a16="http://schemas.microsoft.com/office/drawing/2014/main" xmlns="" val="1587511665"/>
                     </a:ext>
                   </a:extLst>
                 </a:gridCol>
                 <a:gridCol w="734555">
                   <a:extLst>
                     <a:ext uri="{9D8B030D-6E8A-4147-A177-3AD203B41FA5}">
-                      <a16:colId xmlns:a16="http://schemas.microsoft.com/office/drawing/2014/main" val="3016036210"/>
+                      <a16:colId xmlns:a16="http://schemas.microsoft.com/office/drawing/2014/main" xmlns="" val="3016036210"/>
                     </a:ext>
                   </a:extLst>
                 </a:gridCol>
                 <a:gridCol w="734555">
                   <a:extLst>
                     <a:ext uri="{9D8B030D-6E8A-4147-A177-3AD203B41FA5}">
-                      <a16:colId xmlns:a16="http://schemas.microsoft.com/office/drawing/2014/main" val="1807036605"/>
+                      <a16:colId xmlns:a16="http://schemas.microsoft.com/office/drawing/2014/main" xmlns="" val="1807036605"/>
                     </a:ext>
                   </a:extLst>
                 </a:gridCol>
                 <a:gridCol w="734555">
                   <a:extLst>
                     <a:ext uri="{9D8B030D-6E8A-4147-A177-3AD203B41FA5}">
-                      <a16:colId xmlns:a16="http://schemas.microsoft.com/office/drawing/2014/main" val="3670928212"/>
+                      <a16:colId xmlns:a16="http://schemas.microsoft.com/office/drawing/2014/main" xmlns="" val="3670928212"/>
                     </a:ext>
                   </a:extLst>
                 </a:gridCol>
@@ -20623,7 +20627,7 @@
                 </a:tc>
                 <a:extLst>
                   <a:ext uri="{0D108BD9-81ED-4DB2-BD59-A6C34878D82A}">
-                    <a16:rowId xmlns:a16="http://schemas.microsoft.com/office/drawing/2014/main" val="4245261966"/>
+                    <a16:rowId xmlns:a16="http://schemas.microsoft.com/office/drawing/2014/main" xmlns="" val="4245261966"/>
                   </a:ext>
                 </a:extLst>
               </a:tr>
@@ -20636,7 +20640,7 @@
           <p:cNvPr id="7" name="직선 화살표 연결선 6">
             <a:extLst>
               <a:ext uri="{FF2B5EF4-FFF2-40B4-BE49-F238E27FC236}">
-                <a16:creationId xmlns:a16="http://schemas.microsoft.com/office/drawing/2014/main" id="{A92051A5-AA44-49A5-B839-4E7E45340429}"/>
+                <a16:creationId xmlns:a16="http://schemas.microsoft.com/office/drawing/2014/main" xmlns="" id="{A92051A5-AA44-49A5-B839-4E7E45340429}"/>
               </a:ext>
             </a:extLst>
           </p:cNvPr>
@@ -20660,17 +20664,17 @@
           </a:ln>
         </p:spPr>
         <p:style>
-          <a:lnRef idx="1">
-            <a:schemeClr val="accent1"/>
+          <a:lnRef idx="2">
+            <a:schemeClr val="dk1"/>
           </a:lnRef>
-          <a:fillRef idx="0">
-            <a:schemeClr val="accent1"/>
+          <a:fillRef idx="1">
+            <a:schemeClr val="lt1"/>
           </a:fillRef>
           <a:effectRef idx="0">
-            <a:schemeClr val="accent1"/>
+            <a:schemeClr val="dk1"/>
           </a:effectRef>
           <a:fontRef idx="minor">
-            <a:schemeClr val="tx1"/>
+            <a:schemeClr val="dk1"/>
           </a:fontRef>
         </p:style>
       </p:cxnSp>
@@ -20679,7 +20683,7 @@
           <p:cNvPr id="9" name="직사각형 8">
             <a:extLst>
               <a:ext uri="{FF2B5EF4-FFF2-40B4-BE49-F238E27FC236}">
-                <a16:creationId xmlns:a16="http://schemas.microsoft.com/office/drawing/2014/main" id="{22097D4C-5518-4C69-A165-AFA7E3E6B2AD}"/>
+                <a16:creationId xmlns:a16="http://schemas.microsoft.com/office/drawing/2014/main" xmlns="" id="{22097D4C-5518-4C69-A165-AFA7E3E6B2AD}"/>
               </a:ext>
             </a:extLst>
           </p:cNvPr>
@@ -20697,18 +20701,16 @@
         </p:spPr>
         <p:style>
           <a:lnRef idx="2">
-            <a:schemeClr val="accent1">
-              <a:shade val="50000"/>
-            </a:schemeClr>
+            <a:schemeClr val="dk1"/>
           </a:lnRef>
           <a:fillRef idx="1">
-            <a:schemeClr val="accent1"/>
+            <a:schemeClr val="lt1"/>
           </a:fillRef>
           <a:effectRef idx="0">
-            <a:schemeClr val="accent1"/>
+            <a:schemeClr val="dk1"/>
           </a:effectRef>
           <a:fontRef idx="minor">
-            <a:schemeClr val="lt1"/>
+            <a:schemeClr val="dk1"/>
           </a:fontRef>
         </p:style>
         <p:txBody>
@@ -20729,7 +20731,7 @@
           <p:cNvPr id="11" name="직선 화살표 연결선 10">
             <a:extLst>
               <a:ext uri="{FF2B5EF4-FFF2-40B4-BE49-F238E27FC236}">
-                <a16:creationId xmlns:a16="http://schemas.microsoft.com/office/drawing/2014/main" id="{993FD817-7B6A-488C-8CBC-6C3BF690CD6C}"/>
+                <a16:creationId xmlns:a16="http://schemas.microsoft.com/office/drawing/2014/main" xmlns="" id="{993FD817-7B6A-488C-8CBC-6C3BF690CD6C}"/>
               </a:ext>
             </a:extLst>
           </p:cNvPr>
@@ -20752,17 +20754,17 @@
           </a:ln>
         </p:spPr>
         <p:style>
-          <a:lnRef idx="1">
-            <a:schemeClr val="accent1"/>
+          <a:lnRef idx="2">
+            <a:schemeClr val="dk1"/>
           </a:lnRef>
-          <a:fillRef idx="0">
-            <a:schemeClr val="accent1"/>
+          <a:fillRef idx="1">
+            <a:schemeClr val="lt1"/>
           </a:fillRef>
           <a:effectRef idx="0">
-            <a:schemeClr val="accent1"/>
+            <a:schemeClr val="dk1"/>
           </a:effectRef>
           <a:fontRef idx="minor">
-            <a:schemeClr val="tx1"/>
+            <a:schemeClr val="dk1"/>
           </a:fontRef>
         </p:style>
       </p:cxnSp>
@@ -20771,7 +20773,7 @@
           <p:cNvPr id="14" name="직선 화살표 연결선 13">
             <a:extLst>
               <a:ext uri="{FF2B5EF4-FFF2-40B4-BE49-F238E27FC236}">
-                <a16:creationId xmlns:a16="http://schemas.microsoft.com/office/drawing/2014/main" id="{833B5D72-C0FE-4361-B931-54AA6ECAFE69}"/>
+                <a16:creationId xmlns:a16="http://schemas.microsoft.com/office/drawing/2014/main" xmlns="" id="{833B5D72-C0FE-4361-B931-54AA6ECAFE69}"/>
               </a:ext>
             </a:extLst>
           </p:cNvPr>
@@ -20794,17 +20796,17 @@
           </a:ln>
         </p:spPr>
         <p:style>
-          <a:lnRef idx="1">
-            <a:schemeClr val="accent1"/>
+          <a:lnRef idx="2">
+            <a:schemeClr val="dk1"/>
           </a:lnRef>
-          <a:fillRef idx="0">
-            <a:schemeClr val="accent1"/>
+          <a:fillRef idx="1">
+            <a:schemeClr val="lt1"/>
           </a:fillRef>
           <a:effectRef idx="0">
-            <a:schemeClr val="accent1"/>
+            <a:schemeClr val="dk1"/>
           </a:effectRef>
           <a:fontRef idx="minor">
-            <a:schemeClr val="tx1"/>
+            <a:schemeClr val="dk1"/>
           </a:fontRef>
         </p:style>
       </p:cxnSp>
@@ -20813,7 +20815,7 @@
           <p:cNvPr id="16" name="직사각형 15">
             <a:extLst>
               <a:ext uri="{FF2B5EF4-FFF2-40B4-BE49-F238E27FC236}">
-                <a16:creationId xmlns:a16="http://schemas.microsoft.com/office/drawing/2014/main" id="{D250C7A4-AD73-4F1C-B127-5926FCD3E892}"/>
+                <a16:creationId xmlns:a16="http://schemas.microsoft.com/office/drawing/2014/main" xmlns="" id="{D250C7A4-AD73-4F1C-B127-5926FCD3E892}"/>
               </a:ext>
             </a:extLst>
           </p:cNvPr>
@@ -20831,18 +20833,16 @@
         </p:spPr>
         <p:style>
           <a:lnRef idx="2">
-            <a:schemeClr val="accent1">
-              <a:shade val="50000"/>
-            </a:schemeClr>
+            <a:schemeClr val="dk1"/>
           </a:lnRef>
           <a:fillRef idx="1">
-            <a:schemeClr val="accent1"/>
+            <a:schemeClr val="lt1"/>
           </a:fillRef>
           <a:effectRef idx="0">
-            <a:schemeClr val="accent1"/>
+            <a:schemeClr val="dk1"/>
           </a:effectRef>
           <a:fontRef idx="minor">
-            <a:schemeClr val="lt1"/>
+            <a:schemeClr val="dk1"/>
           </a:fontRef>
         </p:style>
         <p:txBody>
@@ -20870,7 +20870,7 @@
           <p:cNvPr id="19" name="직선 화살표 연결선 18">
             <a:extLst>
               <a:ext uri="{FF2B5EF4-FFF2-40B4-BE49-F238E27FC236}">
-                <a16:creationId xmlns:a16="http://schemas.microsoft.com/office/drawing/2014/main" id="{30797A38-676D-4AC8-B9FE-FB3E2433174F}"/>
+                <a16:creationId xmlns:a16="http://schemas.microsoft.com/office/drawing/2014/main" xmlns="" id="{30797A38-676D-4AC8-B9FE-FB3E2433174F}"/>
               </a:ext>
             </a:extLst>
           </p:cNvPr>
@@ -20893,17 +20893,17 @@
           </a:ln>
         </p:spPr>
         <p:style>
-          <a:lnRef idx="1">
-            <a:schemeClr val="accent1"/>
+          <a:lnRef idx="2">
+            <a:schemeClr val="dk1"/>
           </a:lnRef>
-          <a:fillRef idx="0">
-            <a:schemeClr val="accent1"/>
+          <a:fillRef idx="1">
+            <a:schemeClr val="lt1"/>
           </a:fillRef>
           <a:effectRef idx="0">
-            <a:schemeClr val="accent1"/>
+            <a:schemeClr val="dk1"/>
           </a:effectRef>
           <a:fontRef idx="minor">
-            <a:schemeClr val="tx1"/>
+            <a:schemeClr val="dk1"/>
           </a:fontRef>
         </p:style>
       </p:cxnSp>
@@ -20912,7 +20912,7 @@
           <p:cNvPr id="22" name="직선 화살표 연결선 21">
             <a:extLst>
               <a:ext uri="{FF2B5EF4-FFF2-40B4-BE49-F238E27FC236}">
-                <a16:creationId xmlns:a16="http://schemas.microsoft.com/office/drawing/2014/main" id="{C1889E77-320C-45AA-8DED-47D8CCDC3727}"/>
+                <a16:creationId xmlns:a16="http://schemas.microsoft.com/office/drawing/2014/main" xmlns="" id="{C1889E77-320C-45AA-8DED-47D8CCDC3727}"/>
               </a:ext>
             </a:extLst>
           </p:cNvPr>
@@ -20936,17 +20936,17 @@
           </a:ln>
         </p:spPr>
         <p:style>
-          <a:lnRef idx="1">
-            <a:schemeClr val="accent1"/>
+          <a:lnRef idx="2">
+            <a:schemeClr val="dk1"/>
           </a:lnRef>
-          <a:fillRef idx="0">
-            <a:schemeClr val="accent1"/>
+          <a:fillRef idx="1">
+            <a:schemeClr val="lt1"/>
           </a:fillRef>
           <a:effectRef idx="0">
-            <a:schemeClr val="accent1"/>
+            <a:schemeClr val="dk1"/>
           </a:effectRef>
           <a:fontRef idx="minor">
-            <a:schemeClr val="tx1"/>
+            <a:schemeClr val="dk1"/>
           </a:fontRef>
         </p:style>
       </p:cxnSp>
@@ -20955,7 +20955,7 @@
           <p:cNvPr id="27" name="TextBox 26">
             <a:extLst>
               <a:ext uri="{FF2B5EF4-FFF2-40B4-BE49-F238E27FC236}">
-                <a16:creationId xmlns:a16="http://schemas.microsoft.com/office/drawing/2014/main" id="{3C78C545-6C07-457A-97DF-67A9E2290DDD}"/>
+                <a16:creationId xmlns:a16="http://schemas.microsoft.com/office/drawing/2014/main" xmlns="" id="{3C78C545-6C07-457A-97DF-67A9E2290DDD}"/>
               </a:ext>
             </a:extLst>
           </p:cNvPr>
@@ -20991,7 +20991,7 @@
           <p:cNvPr id="28" name="TextBox 27">
             <a:extLst>
               <a:ext uri="{FF2B5EF4-FFF2-40B4-BE49-F238E27FC236}">
-                <a16:creationId xmlns:a16="http://schemas.microsoft.com/office/drawing/2014/main" id="{C4D5B7D3-6188-424E-BB7C-8B272F438DF1}"/>
+                <a16:creationId xmlns:a16="http://schemas.microsoft.com/office/drawing/2014/main" xmlns="" id="{C4D5B7D3-6188-424E-BB7C-8B272F438DF1}"/>
               </a:ext>
             </a:extLst>
           </p:cNvPr>
@@ -21027,7 +21027,7 @@
           <p:cNvPr id="29" name="TextBox 28">
             <a:extLst>
               <a:ext uri="{FF2B5EF4-FFF2-40B4-BE49-F238E27FC236}">
-                <a16:creationId xmlns:a16="http://schemas.microsoft.com/office/drawing/2014/main" id="{2412A45E-A7BB-4937-B641-6923AC946888}"/>
+                <a16:creationId xmlns:a16="http://schemas.microsoft.com/office/drawing/2014/main" xmlns="" id="{2412A45E-A7BB-4937-B641-6923AC946888}"/>
               </a:ext>
             </a:extLst>
           </p:cNvPr>
@@ -21062,7 +21062,7 @@
           <p:cNvPr id="30" name="직선 화살표 연결선 29">
             <a:extLst>
               <a:ext uri="{FF2B5EF4-FFF2-40B4-BE49-F238E27FC236}">
-                <a16:creationId xmlns:a16="http://schemas.microsoft.com/office/drawing/2014/main" id="{19165317-FC1C-448B-86FF-C9FCD2A5DE62}"/>
+                <a16:creationId xmlns:a16="http://schemas.microsoft.com/office/drawing/2014/main" xmlns="" id="{19165317-FC1C-448B-86FF-C9FCD2A5DE62}"/>
               </a:ext>
             </a:extLst>
           </p:cNvPr>
@@ -21086,17 +21086,17 @@
           </a:ln>
         </p:spPr>
         <p:style>
-          <a:lnRef idx="1">
-            <a:schemeClr val="accent1"/>
+          <a:lnRef idx="2">
+            <a:schemeClr val="dk1"/>
           </a:lnRef>
-          <a:fillRef idx="0">
-            <a:schemeClr val="accent1"/>
+          <a:fillRef idx="1">
+            <a:schemeClr val="lt1"/>
           </a:fillRef>
           <a:effectRef idx="0">
-            <a:schemeClr val="accent1"/>
+            <a:schemeClr val="dk1"/>
           </a:effectRef>
           <a:fontRef idx="minor">
-            <a:schemeClr val="tx1"/>
+            <a:schemeClr val="dk1"/>
           </a:fontRef>
         </p:style>
       </p:cxnSp>
@@ -21105,7 +21105,7 @@
           <p:cNvPr id="33" name="TextBox 32">
             <a:extLst>
               <a:ext uri="{FF2B5EF4-FFF2-40B4-BE49-F238E27FC236}">
-                <a16:creationId xmlns:a16="http://schemas.microsoft.com/office/drawing/2014/main" id="{0C722613-01E5-4817-81CD-2650E058E956}"/>
+                <a16:creationId xmlns:a16="http://schemas.microsoft.com/office/drawing/2014/main" xmlns="" id="{0C722613-01E5-4817-81CD-2650E058E956}"/>
               </a:ext>
             </a:extLst>
           </p:cNvPr>
@@ -21176,7 +21176,7 @@
           <p:cNvPr id="42" name="TextBox 41">
             <a:extLst>
               <a:ext uri="{FF2B5EF4-FFF2-40B4-BE49-F238E27FC236}">
-                <a16:creationId xmlns:a16="http://schemas.microsoft.com/office/drawing/2014/main" id="{92A71E72-706F-43F2-B78A-642D2E8384E5}"/>
+                <a16:creationId xmlns:a16="http://schemas.microsoft.com/office/drawing/2014/main" xmlns="" id="{92A71E72-706F-43F2-B78A-642D2E8384E5}"/>
               </a:ext>
             </a:extLst>
           </p:cNvPr>
@@ -21212,7 +21212,7 @@
           <p:cNvPr id="43" name="그룹 42">
             <a:extLst>
               <a:ext uri="{FF2B5EF4-FFF2-40B4-BE49-F238E27FC236}">
-                <a16:creationId xmlns:a16="http://schemas.microsoft.com/office/drawing/2014/main" id="{DB9B8A62-69E1-42BE-B826-901A84EA176C}"/>
+                <a16:creationId xmlns:a16="http://schemas.microsoft.com/office/drawing/2014/main" xmlns="" id="{DB9B8A62-69E1-42BE-B826-901A84EA176C}"/>
               </a:ext>
             </a:extLst>
           </p:cNvPr>
@@ -21222,17 +21222,193 @@
         <p:grpSpPr>
           <a:xfrm>
             <a:off x="979706" y="199500"/>
-            <a:ext cx="638316" cy="6589231"/>
+            <a:ext cx="638316" cy="5964389"/>
             <a:chOff x="979706" y="199500"/>
-            <a:chExt cx="638316" cy="6589231"/>
+            <a:chExt cx="638316" cy="5964389"/>
           </a:xfrm>
         </p:grpSpPr>
+        <p:sp>
+          <p:nvSpPr>
+            <p:cNvPr id="26" name="타원 25">
+              <a:extLst>
+                <a:ext uri="{FF2B5EF4-FFF2-40B4-BE49-F238E27FC236}">
+                  <a16:creationId xmlns:a16="http://schemas.microsoft.com/office/drawing/2014/main" xmlns="" id="{6646E2A2-D7A2-4970-86B2-26AED0D12339}"/>
+                </a:ext>
+              </a:extLst>
+            </p:cNvPr>
+            <p:cNvSpPr/>
+            <p:nvPr/>
+          </p:nvSpPr>
+          <p:spPr>
+            <a:xfrm>
+              <a:off x="1097280" y="1529539"/>
+              <a:ext cx="403168" cy="403168"/>
+            </a:xfrm>
+            <a:prstGeom prst="ellipse">
+              <a:avLst/>
+            </a:prstGeom>
+          </p:spPr>
+          <p:style>
+            <a:lnRef idx="2">
+              <a:schemeClr val="dk1"/>
+            </a:lnRef>
+            <a:fillRef idx="1">
+              <a:schemeClr val="lt1"/>
+            </a:fillRef>
+            <a:effectRef idx="0">
+              <a:schemeClr val="dk1"/>
+            </a:effectRef>
+            <a:fontRef idx="minor">
+              <a:schemeClr val="dk1"/>
+            </a:fontRef>
+          </p:style>
+          <p:txBody>
+            <a:bodyPr rtlCol="0" anchor="ctr"/>
+            <a:lstStyle/>
+            <a:p>
+              <a:pPr algn="ctr"/>
+              <a:endParaRPr lang="ko-KR" altLang="en-US" sz="800" dirty="0"/>
+            </a:p>
+          </p:txBody>
+        </p:sp>
+        <p:sp>
+          <p:nvSpPr>
+            <p:cNvPr id="29" name="타원 28">
+              <a:extLst>
+                <a:ext uri="{FF2B5EF4-FFF2-40B4-BE49-F238E27FC236}">
+                  <a16:creationId xmlns:a16="http://schemas.microsoft.com/office/drawing/2014/main" xmlns="" id="{55125D5F-35B4-49A1-88E0-112A03803CF8}"/>
+                </a:ext>
+              </a:extLst>
+            </p:cNvPr>
+            <p:cNvSpPr/>
+            <p:nvPr/>
+          </p:nvSpPr>
+          <p:spPr>
+            <a:xfrm>
+              <a:off x="1097280" y="3645130"/>
+              <a:ext cx="403168" cy="403168"/>
+            </a:xfrm>
+            <a:prstGeom prst="ellipse">
+              <a:avLst/>
+            </a:prstGeom>
+          </p:spPr>
+          <p:style>
+            <a:lnRef idx="2">
+              <a:schemeClr val="dk1"/>
+            </a:lnRef>
+            <a:fillRef idx="1">
+              <a:schemeClr val="lt1"/>
+            </a:fillRef>
+            <a:effectRef idx="0">
+              <a:schemeClr val="dk1"/>
+            </a:effectRef>
+            <a:fontRef idx="minor">
+              <a:schemeClr val="dk1"/>
+            </a:fontRef>
+          </p:style>
+          <p:txBody>
+            <a:bodyPr rtlCol="0" anchor="ctr"/>
+            <a:lstStyle/>
+            <a:p>
+              <a:pPr algn="ctr"/>
+              <a:endParaRPr lang="ko-KR" altLang="en-US" sz="800" dirty="0"/>
+            </a:p>
+          </p:txBody>
+        </p:sp>
+        <p:sp>
+          <p:nvSpPr>
+            <p:cNvPr id="27" name="타원 26">
+              <a:extLst>
+                <a:ext uri="{FF2B5EF4-FFF2-40B4-BE49-F238E27FC236}">
+                  <a16:creationId xmlns:a16="http://schemas.microsoft.com/office/drawing/2014/main" xmlns="" id="{4649862C-50BB-43FE-AC5C-F36B64048C13}"/>
+                </a:ext>
+              </a:extLst>
+            </p:cNvPr>
+            <p:cNvSpPr/>
+            <p:nvPr/>
+          </p:nvSpPr>
+          <p:spPr>
+            <a:xfrm>
+              <a:off x="1097280" y="2234736"/>
+              <a:ext cx="403168" cy="403168"/>
+            </a:xfrm>
+            <a:prstGeom prst="ellipse">
+              <a:avLst/>
+            </a:prstGeom>
+          </p:spPr>
+          <p:style>
+            <a:lnRef idx="2">
+              <a:schemeClr val="dk1"/>
+            </a:lnRef>
+            <a:fillRef idx="1">
+              <a:schemeClr val="lt1"/>
+            </a:fillRef>
+            <a:effectRef idx="0">
+              <a:schemeClr val="dk1"/>
+            </a:effectRef>
+            <a:fontRef idx="minor">
+              <a:schemeClr val="dk1"/>
+            </a:fontRef>
+          </p:style>
+          <p:txBody>
+            <a:bodyPr rtlCol="0" anchor="ctr"/>
+            <a:lstStyle/>
+            <a:p>
+              <a:pPr algn="ctr"/>
+              <a:endParaRPr lang="ko-KR" altLang="en-US" sz="800" dirty="0"/>
+            </a:p>
+          </p:txBody>
+        </p:sp>
+        <p:sp>
+          <p:nvSpPr>
+            <p:cNvPr id="28" name="타원 27">
+              <a:extLst>
+                <a:ext uri="{FF2B5EF4-FFF2-40B4-BE49-F238E27FC236}">
+                  <a16:creationId xmlns:a16="http://schemas.microsoft.com/office/drawing/2014/main" xmlns="" id="{411038F8-1D68-43D1-854D-7590B6AEF246}"/>
+                </a:ext>
+              </a:extLst>
+            </p:cNvPr>
+            <p:cNvSpPr/>
+            <p:nvPr/>
+          </p:nvSpPr>
+          <p:spPr>
+            <a:xfrm>
+              <a:off x="1105593" y="2939933"/>
+              <a:ext cx="403168" cy="403168"/>
+            </a:xfrm>
+            <a:prstGeom prst="ellipse">
+              <a:avLst/>
+            </a:prstGeom>
+          </p:spPr>
+          <p:style>
+            <a:lnRef idx="2">
+              <a:schemeClr val="dk1"/>
+            </a:lnRef>
+            <a:fillRef idx="1">
+              <a:schemeClr val="lt1"/>
+            </a:fillRef>
+            <a:effectRef idx="0">
+              <a:schemeClr val="dk1"/>
+            </a:effectRef>
+            <a:fontRef idx="minor">
+              <a:schemeClr val="dk1"/>
+            </a:fontRef>
+          </p:style>
+          <p:txBody>
+            <a:bodyPr rtlCol="0" anchor="ctr"/>
+            <a:lstStyle/>
+            <a:p>
+              <a:pPr algn="ctr"/>
+              <a:endParaRPr lang="ko-KR" altLang="en-US" sz="800" dirty="0"/>
+            </a:p>
+          </p:txBody>
+        </p:sp>
         <p:grpSp>
           <p:nvGrpSpPr>
             <p:cNvPr id="16" name="그룹 15">
               <a:extLst>
                 <a:ext uri="{FF2B5EF4-FFF2-40B4-BE49-F238E27FC236}">
-                  <a16:creationId xmlns:a16="http://schemas.microsoft.com/office/drawing/2014/main" id="{D7163FBE-AF7D-44C6-B5F4-0BBF7DB56904}"/>
+                  <a16:creationId xmlns:a16="http://schemas.microsoft.com/office/drawing/2014/main" xmlns="" id="{D7163FBE-AF7D-44C6-B5F4-0BBF7DB56904}"/>
                 </a:ext>
               </a:extLst>
             </p:cNvPr>
@@ -21252,7 +21428,7 @@
               <p:cNvPr id="13" name="타원 12">
                 <a:extLst>
                   <a:ext uri="{FF2B5EF4-FFF2-40B4-BE49-F238E27FC236}">
-                    <a16:creationId xmlns:a16="http://schemas.microsoft.com/office/drawing/2014/main" id="{E419943F-6075-46CA-9AC9-CC9B2F30AA76}"/>
+                    <a16:creationId xmlns:a16="http://schemas.microsoft.com/office/drawing/2014/main" xmlns="" id="{E419943F-6075-46CA-9AC9-CC9B2F30AA76}"/>
                   </a:ext>
                 </a:extLst>
               </p:cNvPr>
@@ -21296,7 +21472,7 @@
               <p:cNvPr id="14" name="타원 13">
                 <a:extLst>
                   <a:ext uri="{FF2B5EF4-FFF2-40B4-BE49-F238E27FC236}">
-                    <a16:creationId xmlns:a16="http://schemas.microsoft.com/office/drawing/2014/main" id="{5573F3BB-7708-43BF-9A13-83B1FA25A975}"/>
+                    <a16:creationId xmlns:a16="http://schemas.microsoft.com/office/drawing/2014/main" xmlns="" id="{5573F3BB-7708-43BF-9A13-83B1FA25A975}"/>
                   </a:ext>
                 </a:extLst>
               </p:cNvPr>
@@ -21340,160 +21516,7 @@
               <p:cNvPr id="15" name="타원 14">
                 <a:extLst>
                   <a:ext uri="{FF2B5EF4-FFF2-40B4-BE49-F238E27FC236}">
-                    <a16:creationId xmlns:a16="http://schemas.microsoft.com/office/drawing/2014/main" id="{0E78523E-EE8D-4C1C-AD3B-1F74BDA65D51}"/>
-                  </a:ext>
-                </a:extLst>
-              </p:cNvPr>
-              <p:cNvSpPr/>
-              <p:nvPr/>
-            </p:nvSpPr>
-            <p:spPr>
-              <a:xfrm>
-                <a:off x="2227811" y="1152696"/>
-                <a:ext cx="74814" cy="74814"/>
-              </a:xfrm>
-              <a:prstGeom prst="ellipse">
-                <a:avLst/>
-              </a:prstGeom>
-            </p:spPr>
-            <p:style>
-              <a:lnRef idx="2">
-                <a:schemeClr val="dk1"/>
-              </a:lnRef>
-              <a:fillRef idx="1">
-                <a:schemeClr val="lt1"/>
-              </a:fillRef>
-              <a:effectRef idx="0">
-                <a:schemeClr val="dk1"/>
-              </a:effectRef>
-              <a:fontRef idx="minor">
-                <a:schemeClr val="dk1"/>
-              </a:fontRef>
-            </p:style>
-            <p:txBody>
-              <a:bodyPr rtlCol="0" anchor="ctr"/>
-              <a:lstStyle/>
-              <a:p>
-                <a:pPr algn="ctr"/>
-                <a:endParaRPr lang="ko-KR" altLang="en-US" sz="800"/>
-              </a:p>
-            </p:txBody>
-          </p:sp>
-        </p:grpSp>
-        <p:grpSp>
-          <p:nvGrpSpPr>
-            <p:cNvPr id="17" name="그룹 16">
-              <a:extLst>
-                <a:ext uri="{FF2B5EF4-FFF2-40B4-BE49-F238E27FC236}">
-                  <a16:creationId xmlns:a16="http://schemas.microsoft.com/office/drawing/2014/main" id="{A967D5C1-97B4-42C1-B302-21F732F0CF11}"/>
-                </a:ext>
-              </a:extLst>
-            </p:cNvPr>
-            <p:cNvGrpSpPr/>
-            <p:nvPr/>
-          </p:nvGrpSpPr>
-          <p:grpSpPr>
-            <a:xfrm>
-              <a:off x="1261457" y="6465918"/>
-              <a:ext cx="74814" cy="322813"/>
-              <a:chOff x="2227811" y="1152696"/>
-              <a:chExt cx="74814" cy="322813"/>
-            </a:xfrm>
-          </p:grpSpPr>
-          <p:sp>
-            <p:nvSpPr>
-              <p:cNvPr id="18" name="타원 17">
-                <a:extLst>
-                  <a:ext uri="{FF2B5EF4-FFF2-40B4-BE49-F238E27FC236}">
-                    <a16:creationId xmlns:a16="http://schemas.microsoft.com/office/drawing/2014/main" id="{B2912652-21A7-4CCE-8045-24F9E1BABCFF}"/>
-                  </a:ext>
-                </a:extLst>
-              </p:cNvPr>
-              <p:cNvSpPr/>
-              <p:nvPr/>
-            </p:nvSpPr>
-            <p:spPr>
-              <a:xfrm>
-                <a:off x="2227811" y="1400695"/>
-                <a:ext cx="74814" cy="74814"/>
-              </a:xfrm>
-              <a:prstGeom prst="ellipse">
-                <a:avLst/>
-              </a:prstGeom>
-            </p:spPr>
-            <p:style>
-              <a:lnRef idx="2">
-                <a:schemeClr val="dk1"/>
-              </a:lnRef>
-              <a:fillRef idx="1">
-                <a:schemeClr val="lt1"/>
-              </a:fillRef>
-              <a:effectRef idx="0">
-                <a:schemeClr val="dk1"/>
-              </a:effectRef>
-              <a:fontRef idx="minor">
-                <a:schemeClr val="dk1"/>
-              </a:fontRef>
-            </p:style>
-            <p:txBody>
-              <a:bodyPr rtlCol="0" anchor="ctr"/>
-              <a:lstStyle/>
-              <a:p>
-                <a:pPr algn="ctr"/>
-                <a:endParaRPr lang="ko-KR" altLang="en-US" sz="800"/>
-              </a:p>
-            </p:txBody>
-          </p:sp>
-          <p:sp>
-            <p:nvSpPr>
-              <p:cNvPr id="19" name="타원 18">
-                <a:extLst>
-                  <a:ext uri="{FF2B5EF4-FFF2-40B4-BE49-F238E27FC236}">
-                    <a16:creationId xmlns:a16="http://schemas.microsoft.com/office/drawing/2014/main" id="{9423CE6D-75FC-401F-A3DD-342C997058AB}"/>
-                  </a:ext>
-                </a:extLst>
-              </p:cNvPr>
-              <p:cNvSpPr/>
-              <p:nvPr/>
-            </p:nvSpPr>
-            <p:spPr>
-              <a:xfrm>
-                <a:off x="2227811" y="1278776"/>
-                <a:ext cx="74814" cy="74814"/>
-              </a:xfrm>
-              <a:prstGeom prst="ellipse">
-                <a:avLst/>
-              </a:prstGeom>
-            </p:spPr>
-            <p:style>
-              <a:lnRef idx="2">
-                <a:schemeClr val="dk1"/>
-              </a:lnRef>
-              <a:fillRef idx="1">
-                <a:schemeClr val="lt1"/>
-              </a:fillRef>
-              <a:effectRef idx="0">
-                <a:schemeClr val="dk1"/>
-              </a:effectRef>
-              <a:fontRef idx="minor">
-                <a:schemeClr val="dk1"/>
-              </a:fontRef>
-            </p:style>
-            <p:txBody>
-              <a:bodyPr rtlCol="0" anchor="ctr"/>
-              <a:lstStyle/>
-              <a:p>
-                <a:pPr algn="ctr"/>
-                <a:endParaRPr lang="ko-KR" altLang="en-US" sz="800"/>
-              </a:p>
-            </p:txBody>
-          </p:sp>
-          <p:sp>
-            <p:nvSpPr>
-              <p:cNvPr id="20" name="타원 19">
-                <a:extLst>
-                  <a:ext uri="{FF2B5EF4-FFF2-40B4-BE49-F238E27FC236}">
-                    <a16:creationId xmlns:a16="http://schemas.microsoft.com/office/drawing/2014/main" id="{86D8B2C8-0253-4C9C-8162-EAAF76F499A9}"/>
+                    <a16:creationId xmlns:a16="http://schemas.microsoft.com/office/drawing/2014/main" xmlns="" id="{0E78523E-EE8D-4C1C-AD3B-1F74BDA65D51}"/>
                   </a:ext>
                 </a:extLst>
               </p:cNvPr>
@@ -21538,7 +21561,7 @@
             <p:cNvPr id="7" name="타원 6">
               <a:extLst>
                 <a:ext uri="{FF2B5EF4-FFF2-40B4-BE49-F238E27FC236}">
-                  <a16:creationId xmlns:a16="http://schemas.microsoft.com/office/drawing/2014/main" id="{0DE023DB-3A5F-494E-B296-AB3B05071721}"/>
+                  <a16:creationId xmlns:a16="http://schemas.microsoft.com/office/drawing/2014/main" xmlns="" id="{0DE023DB-3A5F-494E-B296-AB3B05071721}"/>
                 </a:ext>
               </a:extLst>
             </p:cNvPr>
@@ -21582,7 +21605,7 @@
             <p:cNvPr id="21" name="TextBox 20">
               <a:extLst>
                 <a:ext uri="{FF2B5EF4-FFF2-40B4-BE49-F238E27FC236}">
-                  <a16:creationId xmlns:a16="http://schemas.microsoft.com/office/drawing/2014/main" id="{BC5ED1E0-F3E7-4769-A247-942F742967D9}"/>
+                  <a16:creationId xmlns:a16="http://schemas.microsoft.com/office/drawing/2014/main" xmlns="" id="{BC5ED1E0-F3E7-4769-A247-942F742967D9}"/>
                 </a:ext>
               </a:extLst>
             </p:cNvPr>
@@ -21615,98 +21638,10 @@
         </p:sp>
         <p:sp>
           <p:nvSpPr>
-            <p:cNvPr id="26" name="타원 25">
-              <a:extLst>
-                <a:ext uri="{FF2B5EF4-FFF2-40B4-BE49-F238E27FC236}">
-                  <a16:creationId xmlns:a16="http://schemas.microsoft.com/office/drawing/2014/main" id="{6646E2A2-D7A2-4970-86B2-26AED0D12339}"/>
-                </a:ext>
-              </a:extLst>
-            </p:cNvPr>
-            <p:cNvSpPr/>
-            <p:nvPr/>
-          </p:nvSpPr>
-          <p:spPr>
-            <a:xfrm>
-              <a:off x="1097280" y="1529539"/>
-              <a:ext cx="403168" cy="403168"/>
-            </a:xfrm>
-            <a:prstGeom prst="ellipse">
-              <a:avLst/>
-            </a:prstGeom>
-          </p:spPr>
-          <p:style>
-            <a:lnRef idx="2">
-              <a:schemeClr val="dk1"/>
-            </a:lnRef>
-            <a:fillRef idx="1">
-              <a:schemeClr val="lt1"/>
-            </a:fillRef>
-            <a:effectRef idx="0">
-              <a:schemeClr val="dk1"/>
-            </a:effectRef>
-            <a:fontRef idx="minor">
-              <a:schemeClr val="dk1"/>
-            </a:fontRef>
-          </p:style>
-          <p:txBody>
-            <a:bodyPr rtlCol="0" anchor="ctr"/>
-            <a:lstStyle/>
-            <a:p>
-              <a:pPr algn="ctr"/>
-              <a:endParaRPr lang="ko-KR" altLang="en-US" sz="800" dirty="0"/>
-            </a:p>
-          </p:txBody>
-        </p:sp>
-        <p:sp>
-          <p:nvSpPr>
-            <p:cNvPr id="29" name="타원 28">
-              <a:extLst>
-                <a:ext uri="{FF2B5EF4-FFF2-40B4-BE49-F238E27FC236}">
-                  <a16:creationId xmlns:a16="http://schemas.microsoft.com/office/drawing/2014/main" id="{55125D5F-35B4-49A1-88E0-112A03803CF8}"/>
-                </a:ext>
-              </a:extLst>
-            </p:cNvPr>
-            <p:cNvSpPr/>
-            <p:nvPr/>
-          </p:nvSpPr>
-          <p:spPr>
-            <a:xfrm>
-              <a:off x="1097280" y="3645130"/>
-              <a:ext cx="403168" cy="403168"/>
-            </a:xfrm>
-            <a:prstGeom prst="ellipse">
-              <a:avLst/>
-            </a:prstGeom>
-          </p:spPr>
-          <p:style>
-            <a:lnRef idx="2">
-              <a:schemeClr val="dk1"/>
-            </a:lnRef>
-            <a:fillRef idx="1">
-              <a:schemeClr val="lt1"/>
-            </a:fillRef>
-            <a:effectRef idx="0">
-              <a:schemeClr val="dk1"/>
-            </a:effectRef>
-            <a:fontRef idx="minor">
-              <a:schemeClr val="dk1"/>
-            </a:fontRef>
-          </p:style>
-          <p:txBody>
-            <a:bodyPr rtlCol="0" anchor="ctr"/>
-            <a:lstStyle/>
-            <a:p>
-              <a:pPr algn="ctr"/>
-              <a:endParaRPr lang="ko-KR" altLang="en-US" sz="800" dirty="0"/>
-            </a:p>
-          </p:txBody>
-        </p:sp>
-        <p:sp>
-          <p:nvSpPr>
             <p:cNvPr id="30" name="타원 29">
               <a:extLst>
                 <a:ext uri="{FF2B5EF4-FFF2-40B4-BE49-F238E27FC236}">
-                  <a16:creationId xmlns:a16="http://schemas.microsoft.com/office/drawing/2014/main" id="{D393BE61-2D27-4576-AA86-52803094BB7B}"/>
+                  <a16:creationId xmlns:a16="http://schemas.microsoft.com/office/drawing/2014/main" xmlns="" id="{D393BE61-2D27-4576-AA86-52803094BB7B}"/>
                 </a:ext>
               </a:extLst>
             </p:cNvPr>
@@ -21750,7 +21685,7 @@
             <p:cNvPr id="31" name="타원 30">
               <a:extLst>
                 <a:ext uri="{FF2B5EF4-FFF2-40B4-BE49-F238E27FC236}">
-                  <a16:creationId xmlns:a16="http://schemas.microsoft.com/office/drawing/2014/main" id="{D2F2DDBE-7BF8-46D2-B2DB-78E232E04AF7}"/>
+                  <a16:creationId xmlns:a16="http://schemas.microsoft.com/office/drawing/2014/main" xmlns="" id="{D2F2DDBE-7BF8-46D2-B2DB-78E232E04AF7}"/>
                 </a:ext>
               </a:extLst>
             </p:cNvPr>
@@ -21794,7 +21729,7 @@
             <p:cNvPr id="32" name="타원 31">
               <a:extLst>
                 <a:ext uri="{FF2B5EF4-FFF2-40B4-BE49-F238E27FC236}">
-                  <a16:creationId xmlns:a16="http://schemas.microsoft.com/office/drawing/2014/main" id="{46407309-4396-4AF5-ABD2-C220F3FDD718}"/>
+                  <a16:creationId xmlns:a16="http://schemas.microsoft.com/office/drawing/2014/main" xmlns="" id="{46407309-4396-4AF5-ABD2-C220F3FDD718}"/>
                 </a:ext>
               </a:extLst>
             </p:cNvPr>
@@ -21838,7 +21773,7 @@
             <p:cNvPr id="33" name="TextBox 32">
               <a:extLst>
                 <a:ext uri="{FF2B5EF4-FFF2-40B4-BE49-F238E27FC236}">
-                  <a16:creationId xmlns:a16="http://schemas.microsoft.com/office/drawing/2014/main" id="{37E62AA6-DF5E-445A-AD7C-6C6B17F0BAD9}"/>
+                  <a16:creationId xmlns:a16="http://schemas.microsoft.com/office/drawing/2014/main" xmlns="" id="{37E62AA6-DF5E-445A-AD7C-6C6B17F0BAD9}"/>
                 </a:ext>
               </a:extLst>
             </p:cNvPr>
@@ -21874,7 +21809,7 @@
             <p:cNvPr id="34" name="TextBox 33">
               <a:extLst>
                 <a:ext uri="{FF2B5EF4-FFF2-40B4-BE49-F238E27FC236}">
-                  <a16:creationId xmlns:a16="http://schemas.microsoft.com/office/drawing/2014/main" id="{C200B9F8-840E-4D62-A04C-A75F9533BDD1}"/>
+                  <a16:creationId xmlns:a16="http://schemas.microsoft.com/office/drawing/2014/main" xmlns="" id="{C200B9F8-840E-4D62-A04C-A75F9533BDD1}"/>
                 </a:ext>
               </a:extLst>
             </p:cNvPr>
@@ -21910,7 +21845,7 @@
             <p:cNvPr id="35" name="TextBox 34">
               <a:extLst>
                 <a:ext uri="{FF2B5EF4-FFF2-40B4-BE49-F238E27FC236}">
-                  <a16:creationId xmlns:a16="http://schemas.microsoft.com/office/drawing/2014/main" id="{37D4C68E-8E24-49E4-9C01-515AAC2F401A}"/>
+                  <a16:creationId xmlns:a16="http://schemas.microsoft.com/office/drawing/2014/main" xmlns="" id="{37D4C68E-8E24-49E4-9C01-515AAC2F401A}"/>
                 </a:ext>
               </a:extLst>
             </p:cNvPr>
@@ -21946,7 +21881,7 @@
             <p:cNvPr id="36" name="TextBox 35">
               <a:extLst>
                 <a:ext uri="{FF2B5EF4-FFF2-40B4-BE49-F238E27FC236}">
-                  <a16:creationId xmlns:a16="http://schemas.microsoft.com/office/drawing/2014/main" id="{749CE5CE-5FB2-42E8-99CE-B358DD895EB5}"/>
+                  <a16:creationId xmlns:a16="http://schemas.microsoft.com/office/drawing/2014/main" xmlns="" id="{749CE5CE-5FB2-42E8-99CE-B358DD895EB5}"/>
                 </a:ext>
               </a:extLst>
             </p:cNvPr>
@@ -21982,7 +21917,7 @@
             <p:cNvPr id="37" name="TextBox 36">
               <a:extLst>
                 <a:ext uri="{FF2B5EF4-FFF2-40B4-BE49-F238E27FC236}">
-                  <a16:creationId xmlns:a16="http://schemas.microsoft.com/office/drawing/2014/main" id="{F2EF07B2-7A70-4C93-853A-CD4970F1096E}"/>
+                  <a16:creationId xmlns:a16="http://schemas.microsoft.com/office/drawing/2014/main" xmlns="" id="{F2EF07B2-7A70-4C93-853A-CD4970F1096E}"/>
                 </a:ext>
               </a:extLst>
             </p:cNvPr>
@@ -22018,7 +21953,7 @@
             <p:cNvPr id="38" name="TextBox 37">
               <a:extLst>
                 <a:ext uri="{FF2B5EF4-FFF2-40B4-BE49-F238E27FC236}">
-                  <a16:creationId xmlns:a16="http://schemas.microsoft.com/office/drawing/2014/main" id="{0562E53D-D7A6-4299-ABC7-1401A6757BDF}"/>
+                  <a16:creationId xmlns:a16="http://schemas.microsoft.com/office/drawing/2014/main" xmlns="" id="{0562E53D-D7A6-4299-ABC7-1401A6757BDF}"/>
                 </a:ext>
               </a:extLst>
             </p:cNvPr>
@@ -22054,7 +21989,7 @@
             <p:cNvPr id="39" name="TextBox 38">
               <a:extLst>
                 <a:ext uri="{FF2B5EF4-FFF2-40B4-BE49-F238E27FC236}">
-                  <a16:creationId xmlns:a16="http://schemas.microsoft.com/office/drawing/2014/main" id="{6DE82D36-7A24-4002-B728-356B40E46FA0}"/>
+                  <a16:creationId xmlns:a16="http://schemas.microsoft.com/office/drawing/2014/main" xmlns="" id="{6DE82D36-7A24-4002-B728-356B40E46FA0}"/>
                 </a:ext>
               </a:extLst>
             </p:cNvPr>
@@ -22085,12 +22020,78 @@
             </a:p>
           </p:txBody>
         </p:sp>
+      </p:grpSp>
+      <p:sp>
+        <p:nvSpPr>
+          <p:cNvPr id="41" name="타원 40">
+            <a:extLst>
+              <a:ext uri="{FF2B5EF4-FFF2-40B4-BE49-F238E27FC236}">
+                <a16:creationId xmlns:a16="http://schemas.microsoft.com/office/drawing/2014/main" xmlns="" id="{1E99BFA2-C56B-43DA-9D2A-CB3FD55B2F28}"/>
+              </a:ext>
+            </a:extLst>
+          </p:cNvPr>
+          <p:cNvSpPr/>
+          <p:nvPr/>
+        </p:nvSpPr>
+        <p:spPr>
+          <a:xfrm>
+            <a:off x="123306" y="3289764"/>
+            <a:ext cx="403168" cy="403168"/>
+          </a:xfrm>
+          <a:prstGeom prst="ellipse">
+            <a:avLst/>
+          </a:prstGeom>
+          <a:noFill/>
+        </p:spPr>
+        <p:style>
+          <a:lnRef idx="2">
+            <a:schemeClr val="dk1"/>
+          </a:lnRef>
+          <a:fillRef idx="1">
+            <a:schemeClr val="lt1"/>
+          </a:fillRef>
+          <a:effectRef idx="0">
+            <a:schemeClr val="dk1"/>
+          </a:effectRef>
+          <a:fontRef idx="minor">
+            <a:schemeClr val="dk1"/>
+          </a:fontRef>
+        </p:style>
+        <p:txBody>
+          <a:bodyPr rtlCol="0" anchor="ctr"/>
+          <a:lstStyle/>
+          <a:p>
+            <a:pPr algn="ctr"/>
+            <a:endParaRPr lang="ko-KR" altLang="en-US" sz="800" dirty="0"/>
+          </a:p>
+        </p:txBody>
+      </p:sp>
+      <p:grpSp>
+        <p:nvGrpSpPr>
+          <p:cNvPr id="45" name="그룹 44">
+            <a:extLst>
+              <a:ext uri="{FF2B5EF4-FFF2-40B4-BE49-F238E27FC236}">
+                <a16:creationId xmlns:a16="http://schemas.microsoft.com/office/drawing/2014/main" xmlns="" id="{1BF90388-6B3B-4D50-8FE9-1B5B88842B3F}"/>
+              </a:ext>
+            </a:extLst>
+          </p:cNvPr>
+          <p:cNvGrpSpPr/>
+          <p:nvPr/>
+        </p:nvGrpSpPr>
+        <p:grpSpPr>
+          <a:xfrm>
+            <a:off x="2232533" y="196732"/>
+            <a:ext cx="646629" cy="5964389"/>
+            <a:chOff x="979706" y="199500"/>
+            <a:chExt cx="646629" cy="5964389"/>
+          </a:xfrm>
+        </p:grpSpPr>
         <p:sp>
           <p:nvSpPr>
-            <p:cNvPr id="27" name="타원 26">
+            <p:cNvPr id="53" name="타원 52">
               <a:extLst>
                 <a:ext uri="{FF2B5EF4-FFF2-40B4-BE49-F238E27FC236}">
-                  <a16:creationId xmlns:a16="http://schemas.microsoft.com/office/drawing/2014/main" id="{4649862C-50BB-43FE-AC5C-F36B64048C13}"/>
+                  <a16:creationId xmlns:a16="http://schemas.microsoft.com/office/drawing/2014/main" xmlns="" id="{FA866973-3611-4576-9926-7C872B693EBB}"/>
                 </a:ext>
               </a:extLst>
             </p:cNvPr>
@@ -22099,13 +22100,12 @@
           </p:nvSpPr>
           <p:spPr>
             <a:xfrm>
-              <a:off x="1097280" y="2234736"/>
+              <a:off x="1097280" y="3645130"/>
               <a:ext cx="403168" cy="403168"/>
             </a:xfrm>
             <a:prstGeom prst="ellipse">
               <a:avLst/>
             </a:prstGeom>
-            <a:noFill/>
           </p:spPr>
           <p:style>
             <a:lnRef idx="2">
@@ -22132,10 +22132,10 @@
         </p:sp>
         <p:sp>
           <p:nvSpPr>
-            <p:cNvPr id="28" name="타원 27">
+            <p:cNvPr id="51" name="타원 50">
               <a:extLst>
                 <a:ext uri="{FF2B5EF4-FFF2-40B4-BE49-F238E27FC236}">
-                  <a16:creationId xmlns:a16="http://schemas.microsoft.com/office/drawing/2014/main" id="{411038F8-1D68-43D1-854D-7590B6AEF246}"/>
+                  <a16:creationId xmlns:a16="http://schemas.microsoft.com/office/drawing/2014/main" xmlns="" id="{612A8969-FAA0-4DD1-864B-00FFE76B83B2}"/>
                 </a:ext>
               </a:extLst>
             </p:cNvPr>
@@ -22144,13 +22144,12 @@
           </p:nvSpPr>
           <p:spPr>
             <a:xfrm>
-              <a:off x="1105593" y="2939933"/>
+              <a:off x="1097280" y="2234736"/>
               <a:ext cx="403168" cy="403168"/>
             </a:xfrm>
             <a:prstGeom prst="ellipse">
               <a:avLst/>
             </a:prstGeom>
-            <a:noFill/>
           </p:spPr>
           <p:style>
             <a:lnRef idx="2">
@@ -22175,78 +22174,56 @@
             </a:p>
           </p:txBody>
         </p:sp>
-      </p:grpSp>
-      <p:sp>
-        <p:nvSpPr>
-          <p:cNvPr id="41" name="타원 40">
-            <a:extLst>
-              <a:ext uri="{FF2B5EF4-FFF2-40B4-BE49-F238E27FC236}">
-                <a16:creationId xmlns:a16="http://schemas.microsoft.com/office/drawing/2014/main" id="{1E99BFA2-C56B-43DA-9D2A-CB3FD55B2F28}"/>
-              </a:ext>
-            </a:extLst>
-          </p:cNvPr>
-          <p:cNvSpPr/>
-          <p:nvPr/>
-        </p:nvSpPr>
-        <p:spPr>
-          <a:xfrm>
-            <a:off x="123306" y="3289764"/>
-            <a:ext cx="403168" cy="403168"/>
-          </a:xfrm>
-          <a:prstGeom prst="ellipse">
-            <a:avLst/>
-          </a:prstGeom>
-          <a:noFill/>
-        </p:spPr>
-        <p:style>
-          <a:lnRef idx="2">
-            <a:schemeClr val="dk1"/>
-          </a:lnRef>
-          <a:fillRef idx="1">
-            <a:schemeClr val="lt1"/>
-          </a:fillRef>
-          <a:effectRef idx="0">
-            <a:schemeClr val="dk1"/>
-          </a:effectRef>
-          <a:fontRef idx="minor">
-            <a:schemeClr val="dk1"/>
-          </a:fontRef>
-        </p:style>
-        <p:txBody>
-          <a:bodyPr rtlCol="0" anchor="ctr"/>
-          <a:lstStyle/>
-          <a:p>
-            <a:pPr algn="ctr"/>
-            <a:endParaRPr lang="ko-KR" altLang="en-US" sz="800" dirty="0"/>
-          </a:p>
-        </p:txBody>
-      </p:sp>
-      <p:grpSp>
-        <p:nvGrpSpPr>
-          <p:cNvPr id="45" name="그룹 44">
-            <a:extLst>
-              <a:ext uri="{FF2B5EF4-FFF2-40B4-BE49-F238E27FC236}">
-                <a16:creationId xmlns:a16="http://schemas.microsoft.com/office/drawing/2014/main" id="{1BF90388-6B3B-4D50-8FE9-1B5B88842B3F}"/>
-              </a:ext>
-            </a:extLst>
-          </p:cNvPr>
-          <p:cNvGrpSpPr/>
-          <p:nvPr/>
-        </p:nvGrpSpPr>
-        <p:grpSpPr>
-          <a:xfrm>
-            <a:off x="2232533" y="196732"/>
-            <a:ext cx="646629" cy="6589231"/>
-            <a:chOff x="979706" y="199500"/>
-            <a:chExt cx="646629" cy="6589231"/>
-          </a:xfrm>
-        </p:grpSpPr>
+        <p:sp>
+          <p:nvSpPr>
+            <p:cNvPr id="54" name="타원 53">
+              <a:extLst>
+                <a:ext uri="{FF2B5EF4-FFF2-40B4-BE49-F238E27FC236}">
+                  <a16:creationId xmlns:a16="http://schemas.microsoft.com/office/drawing/2014/main" xmlns="" id="{C7CF24D0-E55D-448C-A43E-18F786762800}"/>
+                </a:ext>
+              </a:extLst>
+            </p:cNvPr>
+            <p:cNvSpPr/>
+            <p:nvPr/>
+          </p:nvSpPr>
+          <p:spPr>
+            <a:xfrm>
+              <a:off x="1105593" y="4350327"/>
+              <a:ext cx="403168" cy="403168"/>
+            </a:xfrm>
+            <a:prstGeom prst="ellipse">
+              <a:avLst/>
+            </a:prstGeom>
+          </p:spPr>
+          <p:style>
+            <a:lnRef idx="2">
+              <a:schemeClr val="dk1"/>
+            </a:lnRef>
+            <a:fillRef idx="1">
+              <a:schemeClr val="lt1"/>
+            </a:fillRef>
+            <a:effectRef idx="0">
+              <a:schemeClr val="dk1"/>
+            </a:effectRef>
+            <a:fontRef idx="minor">
+              <a:schemeClr val="dk1"/>
+            </a:fontRef>
+          </p:style>
+          <p:txBody>
+            <a:bodyPr rtlCol="0" anchor="ctr"/>
+            <a:lstStyle/>
+            <a:p>
+              <a:pPr algn="ctr"/>
+              <a:endParaRPr lang="ko-KR" altLang="en-US" sz="800" dirty="0"/>
+            </a:p>
+          </p:txBody>
+        </p:sp>
         <p:grpSp>
           <p:nvGrpSpPr>
             <p:cNvPr id="46" name="그룹 45">
               <a:extLst>
                 <a:ext uri="{FF2B5EF4-FFF2-40B4-BE49-F238E27FC236}">
-                  <a16:creationId xmlns:a16="http://schemas.microsoft.com/office/drawing/2014/main" id="{273D2D9E-B515-4B3B-9379-92822F656011}"/>
+                  <a16:creationId xmlns:a16="http://schemas.microsoft.com/office/drawing/2014/main" xmlns="" id="{273D2D9E-B515-4B3B-9379-92822F656011}"/>
                 </a:ext>
               </a:extLst>
             </p:cNvPr>
@@ -22266,7 +22243,7 @@
               <p:cNvPr id="67" name="타원 66">
                 <a:extLst>
                   <a:ext uri="{FF2B5EF4-FFF2-40B4-BE49-F238E27FC236}">
-                    <a16:creationId xmlns:a16="http://schemas.microsoft.com/office/drawing/2014/main" id="{26996971-C9FA-463A-AB54-297BB62B5D98}"/>
+                    <a16:creationId xmlns:a16="http://schemas.microsoft.com/office/drawing/2014/main" xmlns="" id="{26996971-C9FA-463A-AB54-297BB62B5D98}"/>
                   </a:ext>
                 </a:extLst>
               </p:cNvPr>
@@ -22310,7 +22287,7 @@
               <p:cNvPr id="68" name="타원 67">
                 <a:extLst>
                   <a:ext uri="{FF2B5EF4-FFF2-40B4-BE49-F238E27FC236}">
-                    <a16:creationId xmlns:a16="http://schemas.microsoft.com/office/drawing/2014/main" id="{B8592888-D896-40F3-95F6-D9A7A1E24FDF}"/>
+                    <a16:creationId xmlns:a16="http://schemas.microsoft.com/office/drawing/2014/main" xmlns="" id="{B8592888-D896-40F3-95F6-D9A7A1E24FDF}"/>
                   </a:ext>
                 </a:extLst>
               </p:cNvPr>
@@ -22354,160 +22331,7 @@
               <p:cNvPr id="69" name="타원 68">
                 <a:extLst>
                   <a:ext uri="{FF2B5EF4-FFF2-40B4-BE49-F238E27FC236}">
-                    <a16:creationId xmlns:a16="http://schemas.microsoft.com/office/drawing/2014/main" id="{9AD9142D-D921-42CD-95EA-7B1D316F1B44}"/>
-                  </a:ext>
-                </a:extLst>
-              </p:cNvPr>
-              <p:cNvSpPr/>
-              <p:nvPr/>
-            </p:nvSpPr>
-            <p:spPr>
-              <a:xfrm>
-                <a:off x="2227811" y="1152696"/>
-                <a:ext cx="74814" cy="74814"/>
-              </a:xfrm>
-              <a:prstGeom prst="ellipse">
-                <a:avLst/>
-              </a:prstGeom>
-            </p:spPr>
-            <p:style>
-              <a:lnRef idx="2">
-                <a:schemeClr val="dk1"/>
-              </a:lnRef>
-              <a:fillRef idx="1">
-                <a:schemeClr val="lt1"/>
-              </a:fillRef>
-              <a:effectRef idx="0">
-                <a:schemeClr val="dk1"/>
-              </a:effectRef>
-              <a:fontRef idx="minor">
-                <a:schemeClr val="dk1"/>
-              </a:fontRef>
-            </p:style>
-            <p:txBody>
-              <a:bodyPr rtlCol="0" anchor="ctr"/>
-              <a:lstStyle/>
-              <a:p>
-                <a:pPr algn="ctr"/>
-                <a:endParaRPr lang="ko-KR" altLang="en-US" sz="800"/>
-              </a:p>
-            </p:txBody>
-          </p:sp>
-        </p:grpSp>
-        <p:grpSp>
-          <p:nvGrpSpPr>
-            <p:cNvPr id="47" name="그룹 46">
-              <a:extLst>
-                <a:ext uri="{FF2B5EF4-FFF2-40B4-BE49-F238E27FC236}">
-                  <a16:creationId xmlns:a16="http://schemas.microsoft.com/office/drawing/2014/main" id="{1B6BE97F-F9A5-4DC5-A989-01BD41FB6777}"/>
-                </a:ext>
-              </a:extLst>
-            </p:cNvPr>
-            <p:cNvGrpSpPr/>
-            <p:nvPr/>
-          </p:nvGrpSpPr>
-          <p:grpSpPr>
-            <a:xfrm>
-              <a:off x="1261457" y="6465918"/>
-              <a:ext cx="74814" cy="322813"/>
-              <a:chOff x="2227811" y="1152696"/>
-              <a:chExt cx="74814" cy="322813"/>
-            </a:xfrm>
-          </p:grpSpPr>
-          <p:sp>
-            <p:nvSpPr>
-              <p:cNvPr id="64" name="타원 63">
-                <a:extLst>
-                  <a:ext uri="{FF2B5EF4-FFF2-40B4-BE49-F238E27FC236}">
-                    <a16:creationId xmlns:a16="http://schemas.microsoft.com/office/drawing/2014/main" id="{D42768ED-D711-43A0-9236-829D2CFBC3CD}"/>
-                  </a:ext>
-                </a:extLst>
-              </p:cNvPr>
-              <p:cNvSpPr/>
-              <p:nvPr/>
-            </p:nvSpPr>
-            <p:spPr>
-              <a:xfrm>
-                <a:off x="2227811" y="1400695"/>
-                <a:ext cx="74814" cy="74814"/>
-              </a:xfrm>
-              <a:prstGeom prst="ellipse">
-                <a:avLst/>
-              </a:prstGeom>
-            </p:spPr>
-            <p:style>
-              <a:lnRef idx="2">
-                <a:schemeClr val="dk1"/>
-              </a:lnRef>
-              <a:fillRef idx="1">
-                <a:schemeClr val="lt1"/>
-              </a:fillRef>
-              <a:effectRef idx="0">
-                <a:schemeClr val="dk1"/>
-              </a:effectRef>
-              <a:fontRef idx="minor">
-                <a:schemeClr val="dk1"/>
-              </a:fontRef>
-            </p:style>
-            <p:txBody>
-              <a:bodyPr rtlCol="0" anchor="ctr"/>
-              <a:lstStyle/>
-              <a:p>
-                <a:pPr algn="ctr"/>
-                <a:endParaRPr lang="ko-KR" altLang="en-US" sz="800"/>
-              </a:p>
-            </p:txBody>
-          </p:sp>
-          <p:sp>
-            <p:nvSpPr>
-              <p:cNvPr id="65" name="타원 64">
-                <a:extLst>
-                  <a:ext uri="{FF2B5EF4-FFF2-40B4-BE49-F238E27FC236}">
-                    <a16:creationId xmlns:a16="http://schemas.microsoft.com/office/drawing/2014/main" id="{7BCD26B8-0812-4A24-ABE8-C016169A138C}"/>
-                  </a:ext>
-                </a:extLst>
-              </p:cNvPr>
-              <p:cNvSpPr/>
-              <p:nvPr/>
-            </p:nvSpPr>
-            <p:spPr>
-              <a:xfrm>
-                <a:off x="2227811" y="1278776"/>
-                <a:ext cx="74814" cy="74814"/>
-              </a:xfrm>
-              <a:prstGeom prst="ellipse">
-                <a:avLst/>
-              </a:prstGeom>
-            </p:spPr>
-            <p:style>
-              <a:lnRef idx="2">
-                <a:schemeClr val="dk1"/>
-              </a:lnRef>
-              <a:fillRef idx="1">
-                <a:schemeClr val="lt1"/>
-              </a:fillRef>
-              <a:effectRef idx="0">
-                <a:schemeClr val="dk1"/>
-              </a:effectRef>
-              <a:fontRef idx="minor">
-                <a:schemeClr val="dk1"/>
-              </a:fontRef>
-            </p:style>
-            <p:txBody>
-              <a:bodyPr rtlCol="0" anchor="ctr"/>
-              <a:lstStyle/>
-              <a:p>
-                <a:pPr algn="ctr"/>
-                <a:endParaRPr lang="ko-KR" altLang="en-US" sz="800"/>
-              </a:p>
-            </p:txBody>
-          </p:sp>
-          <p:sp>
-            <p:nvSpPr>
-              <p:cNvPr id="66" name="타원 65">
-                <a:extLst>
-                  <a:ext uri="{FF2B5EF4-FFF2-40B4-BE49-F238E27FC236}">
-                    <a16:creationId xmlns:a16="http://schemas.microsoft.com/office/drawing/2014/main" id="{3E49A39B-9A92-4217-A1B8-B31FAF7CF6FA}"/>
+                    <a16:creationId xmlns:a16="http://schemas.microsoft.com/office/drawing/2014/main" xmlns="" id="{9AD9142D-D921-42CD-95EA-7B1D316F1B44}"/>
                   </a:ext>
                 </a:extLst>
               </p:cNvPr>
@@ -22552,7 +22376,7 @@
             <p:cNvPr id="48" name="타원 47">
               <a:extLst>
                 <a:ext uri="{FF2B5EF4-FFF2-40B4-BE49-F238E27FC236}">
-                  <a16:creationId xmlns:a16="http://schemas.microsoft.com/office/drawing/2014/main" id="{913C10E5-E2A6-4E7E-9B40-75B72A3ED087}"/>
+                  <a16:creationId xmlns:a16="http://schemas.microsoft.com/office/drawing/2014/main" xmlns="" id="{913C10E5-E2A6-4E7E-9B40-75B72A3ED087}"/>
                 </a:ext>
               </a:extLst>
             </p:cNvPr>
@@ -22596,7 +22420,7 @@
             <p:cNvPr id="49" name="TextBox 48">
               <a:extLst>
                 <a:ext uri="{FF2B5EF4-FFF2-40B4-BE49-F238E27FC236}">
-                  <a16:creationId xmlns:a16="http://schemas.microsoft.com/office/drawing/2014/main" id="{41A8D3EB-4424-4E96-858F-635BFB0FC3F1}"/>
+                  <a16:creationId xmlns:a16="http://schemas.microsoft.com/office/drawing/2014/main" xmlns="" id="{41A8D3EB-4424-4E96-858F-635BFB0FC3F1}"/>
                 </a:ext>
               </a:extLst>
             </p:cNvPr>
@@ -22632,7 +22456,7 @@
             <p:cNvPr id="50" name="타원 49">
               <a:extLst>
                 <a:ext uri="{FF2B5EF4-FFF2-40B4-BE49-F238E27FC236}">
-                  <a16:creationId xmlns:a16="http://schemas.microsoft.com/office/drawing/2014/main" id="{A62BDDBB-AA91-4D53-B6B3-BEA20803F2A6}"/>
+                  <a16:creationId xmlns:a16="http://schemas.microsoft.com/office/drawing/2014/main" xmlns="" id="{A62BDDBB-AA91-4D53-B6B3-BEA20803F2A6}"/>
                 </a:ext>
               </a:extLst>
             </p:cNvPr>
@@ -22676,7 +22500,7 @@
             <p:cNvPr id="52" name="타원 51">
               <a:extLst>
                 <a:ext uri="{FF2B5EF4-FFF2-40B4-BE49-F238E27FC236}">
-                  <a16:creationId xmlns:a16="http://schemas.microsoft.com/office/drawing/2014/main" id="{7498BF9E-9E49-4A21-A52A-6B3D82F10B11}"/>
+                  <a16:creationId xmlns:a16="http://schemas.microsoft.com/office/drawing/2014/main" xmlns="" id="{7498BF9E-9E49-4A21-A52A-6B3D82F10B11}"/>
                 </a:ext>
               </a:extLst>
             </p:cNvPr>
@@ -22717,54 +22541,10 @@
         </p:sp>
         <p:sp>
           <p:nvSpPr>
-            <p:cNvPr id="53" name="타원 52">
-              <a:extLst>
-                <a:ext uri="{FF2B5EF4-FFF2-40B4-BE49-F238E27FC236}">
-                  <a16:creationId xmlns:a16="http://schemas.microsoft.com/office/drawing/2014/main" id="{FA866973-3611-4576-9926-7C872B693EBB}"/>
-                </a:ext>
-              </a:extLst>
-            </p:cNvPr>
-            <p:cNvSpPr/>
-            <p:nvPr/>
-          </p:nvSpPr>
-          <p:spPr>
-            <a:xfrm>
-              <a:off x="1097280" y="3645130"/>
-              <a:ext cx="403168" cy="403168"/>
-            </a:xfrm>
-            <a:prstGeom prst="ellipse">
-              <a:avLst/>
-            </a:prstGeom>
-          </p:spPr>
-          <p:style>
-            <a:lnRef idx="2">
-              <a:schemeClr val="dk1"/>
-            </a:lnRef>
-            <a:fillRef idx="1">
-              <a:schemeClr val="lt1"/>
-            </a:fillRef>
-            <a:effectRef idx="0">
-              <a:schemeClr val="dk1"/>
-            </a:effectRef>
-            <a:fontRef idx="minor">
-              <a:schemeClr val="dk1"/>
-            </a:fontRef>
-          </p:style>
-          <p:txBody>
-            <a:bodyPr rtlCol="0" anchor="ctr"/>
-            <a:lstStyle/>
-            <a:p>
-              <a:pPr algn="ctr"/>
-              <a:endParaRPr lang="ko-KR" altLang="en-US" sz="800" dirty="0"/>
-            </a:p>
-          </p:txBody>
-        </p:sp>
-        <p:sp>
-          <p:nvSpPr>
             <p:cNvPr id="55" name="타원 54">
               <a:extLst>
                 <a:ext uri="{FF2B5EF4-FFF2-40B4-BE49-F238E27FC236}">
-                  <a16:creationId xmlns:a16="http://schemas.microsoft.com/office/drawing/2014/main" id="{712352AB-C7C4-4985-B4C5-08BE4180BFAB}"/>
+                  <a16:creationId xmlns:a16="http://schemas.microsoft.com/office/drawing/2014/main" xmlns="" id="{712352AB-C7C4-4985-B4C5-08BE4180BFAB}"/>
                 </a:ext>
               </a:extLst>
             </p:cNvPr>
@@ -22808,7 +22588,7 @@
             <p:cNvPr id="56" name="타원 55">
               <a:extLst>
                 <a:ext uri="{FF2B5EF4-FFF2-40B4-BE49-F238E27FC236}">
-                  <a16:creationId xmlns:a16="http://schemas.microsoft.com/office/drawing/2014/main" id="{CB6DDC14-EFF2-48A8-8F1F-277FE3EAE546}"/>
+                  <a16:creationId xmlns:a16="http://schemas.microsoft.com/office/drawing/2014/main" xmlns="" id="{CB6DDC14-EFF2-48A8-8F1F-277FE3EAE546}"/>
                 </a:ext>
               </a:extLst>
             </p:cNvPr>
@@ -22852,7 +22632,7 @@
             <p:cNvPr id="57" name="TextBox 56">
               <a:extLst>
                 <a:ext uri="{FF2B5EF4-FFF2-40B4-BE49-F238E27FC236}">
-                  <a16:creationId xmlns:a16="http://schemas.microsoft.com/office/drawing/2014/main" id="{1AE752D8-5688-49A0-ADFB-CE53B122EE24}"/>
+                  <a16:creationId xmlns:a16="http://schemas.microsoft.com/office/drawing/2014/main" xmlns="" id="{1AE752D8-5688-49A0-ADFB-CE53B122EE24}"/>
                 </a:ext>
               </a:extLst>
             </p:cNvPr>
@@ -22888,7 +22668,7 @@
             <p:cNvPr id="58" name="TextBox 57">
               <a:extLst>
                 <a:ext uri="{FF2B5EF4-FFF2-40B4-BE49-F238E27FC236}">
-                  <a16:creationId xmlns:a16="http://schemas.microsoft.com/office/drawing/2014/main" id="{51F65960-C7EF-4018-B33E-C69DDD3F7653}"/>
+                  <a16:creationId xmlns:a16="http://schemas.microsoft.com/office/drawing/2014/main" xmlns="" id="{51F65960-C7EF-4018-B33E-C69DDD3F7653}"/>
                 </a:ext>
               </a:extLst>
             </p:cNvPr>
@@ -22925,7 +22705,7 @@
             <p:cNvPr id="59" name="TextBox 58">
               <a:extLst>
                 <a:ext uri="{FF2B5EF4-FFF2-40B4-BE49-F238E27FC236}">
-                  <a16:creationId xmlns:a16="http://schemas.microsoft.com/office/drawing/2014/main" id="{641F922E-2DA0-4F6C-A98D-F12C899EC82B}"/>
+                  <a16:creationId xmlns:a16="http://schemas.microsoft.com/office/drawing/2014/main" xmlns="" id="{641F922E-2DA0-4F6C-A98D-F12C899EC82B}"/>
                 </a:ext>
               </a:extLst>
             </p:cNvPr>
@@ -22961,7 +22741,7 @@
             <p:cNvPr id="60" name="TextBox 59">
               <a:extLst>
                 <a:ext uri="{FF2B5EF4-FFF2-40B4-BE49-F238E27FC236}">
-                  <a16:creationId xmlns:a16="http://schemas.microsoft.com/office/drawing/2014/main" id="{595330F7-7E6C-4C86-AA59-E6AD3C3FA525}"/>
+                  <a16:creationId xmlns:a16="http://schemas.microsoft.com/office/drawing/2014/main" xmlns="" id="{595330F7-7E6C-4C86-AA59-E6AD3C3FA525}"/>
                 </a:ext>
               </a:extLst>
             </p:cNvPr>
@@ -22997,7 +22777,7 @@
             <p:cNvPr id="61" name="TextBox 60">
               <a:extLst>
                 <a:ext uri="{FF2B5EF4-FFF2-40B4-BE49-F238E27FC236}">
-                  <a16:creationId xmlns:a16="http://schemas.microsoft.com/office/drawing/2014/main" id="{4A02E220-6184-4B6C-B6D4-F95F43A5E5D7}"/>
+                  <a16:creationId xmlns:a16="http://schemas.microsoft.com/office/drawing/2014/main" xmlns="" id="{4A02E220-6184-4B6C-B6D4-F95F43A5E5D7}"/>
                 </a:ext>
               </a:extLst>
             </p:cNvPr>
@@ -23033,7 +22813,7 @@
             <p:cNvPr id="62" name="TextBox 61">
               <a:extLst>
                 <a:ext uri="{FF2B5EF4-FFF2-40B4-BE49-F238E27FC236}">
-                  <a16:creationId xmlns:a16="http://schemas.microsoft.com/office/drawing/2014/main" id="{0CCB46DA-8E77-4839-B872-5FB2B3926A13}"/>
+                  <a16:creationId xmlns:a16="http://schemas.microsoft.com/office/drawing/2014/main" xmlns="" id="{0CCB46DA-8E77-4839-B872-5FB2B3926A13}"/>
                 </a:ext>
               </a:extLst>
             </p:cNvPr>
@@ -23069,7 +22849,7 @@
             <p:cNvPr id="63" name="TextBox 62">
               <a:extLst>
                 <a:ext uri="{FF2B5EF4-FFF2-40B4-BE49-F238E27FC236}">
-                  <a16:creationId xmlns:a16="http://schemas.microsoft.com/office/drawing/2014/main" id="{D74F499E-E291-4FFF-983D-7B208693C636}"/>
+                  <a16:creationId xmlns:a16="http://schemas.microsoft.com/office/drawing/2014/main" xmlns="" id="{D74F499E-E291-4FFF-983D-7B208693C636}"/>
                 </a:ext>
               </a:extLst>
             </p:cNvPr>
@@ -23100,12 +22880,33 @@
             </a:p>
           </p:txBody>
         </p:sp>
+      </p:grpSp>
+      <p:grpSp>
+        <p:nvGrpSpPr>
+          <p:cNvPr id="70" name="그룹 69">
+            <a:extLst>
+              <a:ext uri="{FF2B5EF4-FFF2-40B4-BE49-F238E27FC236}">
+                <a16:creationId xmlns:a16="http://schemas.microsoft.com/office/drawing/2014/main" xmlns="" id="{8C5EFA26-1D77-48F8-98FD-825108361E55}"/>
+              </a:ext>
+            </a:extLst>
+          </p:cNvPr>
+          <p:cNvGrpSpPr/>
+          <p:nvPr/>
+        </p:nvGrpSpPr>
+        <p:grpSpPr>
+          <a:xfrm>
+            <a:off x="3504733" y="196731"/>
+            <a:ext cx="638316" cy="5964389"/>
+            <a:chOff x="979706" y="199500"/>
+            <a:chExt cx="638316" cy="5964389"/>
+          </a:xfrm>
+        </p:grpSpPr>
         <p:sp>
           <p:nvSpPr>
-            <p:cNvPr id="51" name="타원 50">
+            <p:cNvPr id="79" name="타원 78">
               <a:extLst>
                 <a:ext uri="{FF2B5EF4-FFF2-40B4-BE49-F238E27FC236}">
-                  <a16:creationId xmlns:a16="http://schemas.microsoft.com/office/drawing/2014/main" id="{612A8969-FAA0-4DD1-864B-00FFE76B83B2}"/>
+                  <a16:creationId xmlns:a16="http://schemas.microsoft.com/office/drawing/2014/main" xmlns="" id="{6D83D817-F180-4CE4-A300-EF9E43D55997}"/>
                 </a:ext>
               </a:extLst>
             </p:cNvPr>
@@ -23114,13 +22915,12 @@
           </p:nvSpPr>
           <p:spPr>
             <a:xfrm>
-              <a:off x="1097280" y="2234736"/>
+              <a:off x="1105593" y="4350327"/>
               <a:ext cx="403168" cy="403168"/>
             </a:xfrm>
             <a:prstGeom prst="ellipse">
               <a:avLst/>
             </a:prstGeom>
-            <a:noFill/>
           </p:spPr>
           <p:style>
             <a:lnRef idx="2">
@@ -23145,78 +22945,12 @@
             </a:p>
           </p:txBody>
         </p:sp>
-        <p:sp>
-          <p:nvSpPr>
-            <p:cNvPr id="54" name="타원 53">
-              <a:extLst>
-                <a:ext uri="{FF2B5EF4-FFF2-40B4-BE49-F238E27FC236}">
-                  <a16:creationId xmlns:a16="http://schemas.microsoft.com/office/drawing/2014/main" id="{C7CF24D0-E55D-448C-A43E-18F786762800}"/>
-                </a:ext>
-              </a:extLst>
-            </p:cNvPr>
-            <p:cNvSpPr/>
-            <p:nvPr/>
-          </p:nvSpPr>
-          <p:spPr>
-            <a:xfrm>
-              <a:off x="1105593" y="4350327"/>
-              <a:ext cx="403168" cy="403168"/>
-            </a:xfrm>
-            <a:prstGeom prst="ellipse">
-              <a:avLst/>
-            </a:prstGeom>
-            <a:noFill/>
-          </p:spPr>
-          <p:style>
-            <a:lnRef idx="2">
-              <a:schemeClr val="dk1"/>
-            </a:lnRef>
-            <a:fillRef idx="1">
-              <a:schemeClr val="lt1"/>
-            </a:fillRef>
-            <a:effectRef idx="0">
-              <a:schemeClr val="dk1"/>
-            </a:effectRef>
-            <a:fontRef idx="minor">
-              <a:schemeClr val="dk1"/>
-            </a:fontRef>
-          </p:style>
-          <p:txBody>
-            <a:bodyPr rtlCol="0" anchor="ctr"/>
-            <a:lstStyle/>
-            <a:p>
-              <a:pPr algn="ctr"/>
-              <a:endParaRPr lang="ko-KR" altLang="en-US" sz="800" dirty="0"/>
-            </a:p>
-          </p:txBody>
-        </p:sp>
-      </p:grpSp>
-      <p:grpSp>
-        <p:nvGrpSpPr>
-          <p:cNvPr id="70" name="그룹 69">
-            <a:extLst>
-              <a:ext uri="{FF2B5EF4-FFF2-40B4-BE49-F238E27FC236}">
-                <a16:creationId xmlns:a16="http://schemas.microsoft.com/office/drawing/2014/main" id="{8C5EFA26-1D77-48F8-98FD-825108361E55}"/>
-              </a:ext>
-            </a:extLst>
-          </p:cNvPr>
-          <p:cNvGrpSpPr/>
-          <p:nvPr/>
-        </p:nvGrpSpPr>
-        <p:grpSpPr>
-          <a:xfrm>
-            <a:off x="3504733" y="196731"/>
-            <a:ext cx="638316" cy="6589231"/>
-            <a:chOff x="979706" y="199500"/>
-            <a:chExt cx="638316" cy="6589231"/>
-          </a:xfrm>
-        </p:grpSpPr>
         <p:grpSp>
           <p:nvGrpSpPr>
             <p:cNvPr id="71" name="그룹 70">
               <a:extLst>
                 <a:ext uri="{FF2B5EF4-FFF2-40B4-BE49-F238E27FC236}">
-                  <a16:creationId xmlns:a16="http://schemas.microsoft.com/office/drawing/2014/main" id="{0AC93528-6A42-4A0F-A79D-4EA36B5CDBF1}"/>
+                  <a16:creationId xmlns:a16="http://schemas.microsoft.com/office/drawing/2014/main" xmlns="" id="{0AC93528-6A42-4A0F-A79D-4EA36B5CDBF1}"/>
                 </a:ext>
               </a:extLst>
             </p:cNvPr>
@@ -23236,7 +22970,7 @@
               <p:cNvPr id="92" name="타원 91">
                 <a:extLst>
                   <a:ext uri="{FF2B5EF4-FFF2-40B4-BE49-F238E27FC236}">
-                    <a16:creationId xmlns:a16="http://schemas.microsoft.com/office/drawing/2014/main" id="{5CF0A9C5-05C1-4311-8509-79B4B6BC8218}"/>
+                    <a16:creationId xmlns:a16="http://schemas.microsoft.com/office/drawing/2014/main" xmlns="" id="{5CF0A9C5-05C1-4311-8509-79B4B6BC8218}"/>
                   </a:ext>
                 </a:extLst>
               </p:cNvPr>
@@ -23280,7 +23014,7 @@
               <p:cNvPr id="93" name="타원 92">
                 <a:extLst>
                   <a:ext uri="{FF2B5EF4-FFF2-40B4-BE49-F238E27FC236}">
-                    <a16:creationId xmlns:a16="http://schemas.microsoft.com/office/drawing/2014/main" id="{91F4EE75-173B-4EB6-A023-1789ED9997F4}"/>
+                    <a16:creationId xmlns:a16="http://schemas.microsoft.com/office/drawing/2014/main" xmlns="" id="{91F4EE75-173B-4EB6-A023-1789ED9997F4}"/>
                   </a:ext>
                 </a:extLst>
               </p:cNvPr>
@@ -23324,160 +23058,7 @@
               <p:cNvPr id="94" name="타원 93">
                 <a:extLst>
                   <a:ext uri="{FF2B5EF4-FFF2-40B4-BE49-F238E27FC236}">
-                    <a16:creationId xmlns:a16="http://schemas.microsoft.com/office/drawing/2014/main" id="{C861186A-AD47-413A-9904-16FDE45B534E}"/>
-                  </a:ext>
-                </a:extLst>
-              </p:cNvPr>
-              <p:cNvSpPr/>
-              <p:nvPr/>
-            </p:nvSpPr>
-            <p:spPr>
-              <a:xfrm>
-                <a:off x="2227811" y="1152696"/>
-                <a:ext cx="74814" cy="74814"/>
-              </a:xfrm>
-              <a:prstGeom prst="ellipse">
-                <a:avLst/>
-              </a:prstGeom>
-            </p:spPr>
-            <p:style>
-              <a:lnRef idx="2">
-                <a:schemeClr val="dk1"/>
-              </a:lnRef>
-              <a:fillRef idx="1">
-                <a:schemeClr val="lt1"/>
-              </a:fillRef>
-              <a:effectRef idx="0">
-                <a:schemeClr val="dk1"/>
-              </a:effectRef>
-              <a:fontRef idx="minor">
-                <a:schemeClr val="dk1"/>
-              </a:fontRef>
-            </p:style>
-            <p:txBody>
-              <a:bodyPr rtlCol="0" anchor="ctr"/>
-              <a:lstStyle/>
-              <a:p>
-                <a:pPr algn="ctr"/>
-                <a:endParaRPr lang="ko-KR" altLang="en-US" sz="800"/>
-              </a:p>
-            </p:txBody>
-          </p:sp>
-        </p:grpSp>
-        <p:grpSp>
-          <p:nvGrpSpPr>
-            <p:cNvPr id="72" name="그룹 71">
-              <a:extLst>
-                <a:ext uri="{FF2B5EF4-FFF2-40B4-BE49-F238E27FC236}">
-                  <a16:creationId xmlns:a16="http://schemas.microsoft.com/office/drawing/2014/main" id="{B256E6EF-B8C5-4748-8A14-6F6CD16895D9}"/>
-                </a:ext>
-              </a:extLst>
-            </p:cNvPr>
-            <p:cNvGrpSpPr/>
-            <p:nvPr/>
-          </p:nvGrpSpPr>
-          <p:grpSpPr>
-            <a:xfrm>
-              <a:off x="1261457" y="6465918"/>
-              <a:ext cx="74814" cy="322813"/>
-              <a:chOff x="2227811" y="1152696"/>
-              <a:chExt cx="74814" cy="322813"/>
-            </a:xfrm>
-          </p:grpSpPr>
-          <p:sp>
-            <p:nvSpPr>
-              <p:cNvPr id="89" name="타원 88">
-                <a:extLst>
-                  <a:ext uri="{FF2B5EF4-FFF2-40B4-BE49-F238E27FC236}">
-                    <a16:creationId xmlns:a16="http://schemas.microsoft.com/office/drawing/2014/main" id="{36750552-75FC-435D-B527-E8CD1A0F3EF0}"/>
-                  </a:ext>
-                </a:extLst>
-              </p:cNvPr>
-              <p:cNvSpPr/>
-              <p:nvPr/>
-            </p:nvSpPr>
-            <p:spPr>
-              <a:xfrm>
-                <a:off x="2227811" y="1400695"/>
-                <a:ext cx="74814" cy="74814"/>
-              </a:xfrm>
-              <a:prstGeom prst="ellipse">
-                <a:avLst/>
-              </a:prstGeom>
-            </p:spPr>
-            <p:style>
-              <a:lnRef idx="2">
-                <a:schemeClr val="dk1"/>
-              </a:lnRef>
-              <a:fillRef idx="1">
-                <a:schemeClr val="lt1"/>
-              </a:fillRef>
-              <a:effectRef idx="0">
-                <a:schemeClr val="dk1"/>
-              </a:effectRef>
-              <a:fontRef idx="minor">
-                <a:schemeClr val="dk1"/>
-              </a:fontRef>
-            </p:style>
-            <p:txBody>
-              <a:bodyPr rtlCol="0" anchor="ctr"/>
-              <a:lstStyle/>
-              <a:p>
-                <a:pPr algn="ctr"/>
-                <a:endParaRPr lang="ko-KR" altLang="en-US" sz="800"/>
-              </a:p>
-            </p:txBody>
-          </p:sp>
-          <p:sp>
-            <p:nvSpPr>
-              <p:cNvPr id="90" name="타원 89">
-                <a:extLst>
-                  <a:ext uri="{FF2B5EF4-FFF2-40B4-BE49-F238E27FC236}">
-                    <a16:creationId xmlns:a16="http://schemas.microsoft.com/office/drawing/2014/main" id="{475CCAC3-7283-424A-BF35-F777E06EB5C6}"/>
-                  </a:ext>
-                </a:extLst>
-              </p:cNvPr>
-              <p:cNvSpPr/>
-              <p:nvPr/>
-            </p:nvSpPr>
-            <p:spPr>
-              <a:xfrm>
-                <a:off x="2227811" y="1278776"/>
-                <a:ext cx="74814" cy="74814"/>
-              </a:xfrm>
-              <a:prstGeom prst="ellipse">
-                <a:avLst/>
-              </a:prstGeom>
-            </p:spPr>
-            <p:style>
-              <a:lnRef idx="2">
-                <a:schemeClr val="dk1"/>
-              </a:lnRef>
-              <a:fillRef idx="1">
-                <a:schemeClr val="lt1"/>
-              </a:fillRef>
-              <a:effectRef idx="0">
-                <a:schemeClr val="dk1"/>
-              </a:effectRef>
-              <a:fontRef idx="minor">
-                <a:schemeClr val="dk1"/>
-              </a:fontRef>
-            </p:style>
-            <p:txBody>
-              <a:bodyPr rtlCol="0" anchor="ctr"/>
-              <a:lstStyle/>
-              <a:p>
-                <a:pPr algn="ctr"/>
-                <a:endParaRPr lang="ko-KR" altLang="en-US" sz="800"/>
-              </a:p>
-            </p:txBody>
-          </p:sp>
-          <p:sp>
-            <p:nvSpPr>
-              <p:cNvPr id="91" name="타원 90">
-                <a:extLst>
-                  <a:ext uri="{FF2B5EF4-FFF2-40B4-BE49-F238E27FC236}">
-                    <a16:creationId xmlns:a16="http://schemas.microsoft.com/office/drawing/2014/main" id="{5B8B463E-E598-4E7E-ABB1-3B803CD7556C}"/>
+                    <a16:creationId xmlns:a16="http://schemas.microsoft.com/office/drawing/2014/main" xmlns="" id="{C861186A-AD47-413A-9904-16FDE45B534E}"/>
                   </a:ext>
                 </a:extLst>
               </p:cNvPr>
@@ -23522,7 +23103,7 @@
             <p:cNvPr id="73" name="타원 72">
               <a:extLst>
                 <a:ext uri="{FF2B5EF4-FFF2-40B4-BE49-F238E27FC236}">
-                  <a16:creationId xmlns:a16="http://schemas.microsoft.com/office/drawing/2014/main" id="{4BCE2555-4810-4FCF-B396-8B802CF1E0E8}"/>
+                  <a16:creationId xmlns:a16="http://schemas.microsoft.com/office/drawing/2014/main" xmlns="" id="{4BCE2555-4810-4FCF-B396-8B802CF1E0E8}"/>
                 </a:ext>
               </a:extLst>
             </p:cNvPr>
@@ -23566,7 +23147,7 @@
             <p:cNvPr id="74" name="TextBox 73">
               <a:extLst>
                 <a:ext uri="{FF2B5EF4-FFF2-40B4-BE49-F238E27FC236}">
-                  <a16:creationId xmlns:a16="http://schemas.microsoft.com/office/drawing/2014/main" id="{2704E98A-8DD6-4F8A-91AE-7F20E94A83EE}"/>
+                  <a16:creationId xmlns:a16="http://schemas.microsoft.com/office/drawing/2014/main" xmlns="" id="{2704E98A-8DD6-4F8A-91AE-7F20E94A83EE}"/>
                 </a:ext>
               </a:extLst>
             </p:cNvPr>
@@ -23602,7 +23183,7 @@
             <p:cNvPr id="75" name="타원 74">
               <a:extLst>
                 <a:ext uri="{FF2B5EF4-FFF2-40B4-BE49-F238E27FC236}">
-                  <a16:creationId xmlns:a16="http://schemas.microsoft.com/office/drawing/2014/main" id="{06D3D0BA-B1A9-4811-9432-B4DA364FCD7E}"/>
+                  <a16:creationId xmlns:a16="http://schemas.microsoft.com/office/drawing/2014/main" xmlns="" id="{06D3D0BA-B1A9-4811-9432-B4DA364FCD7E}"/>
                 </a:ext>
               </a:extLst>
             </p:cNvPr>
@@ -23646,7 +23227,7 @@
             <p:cNvPr id="76" name="타원 75">
               <a:extLst>
                 <a:ext uri="{FF2B5EF4-FFF2-40B4-BE49-F238E27FC236}">
-                  <a16:creationId xmlns:a16="http://schemas.microsoft.com/office/drawing/2014/main" id="{EB35E957-9247-44DE-9C49-1144B7DA67B9}"/>
+                  <a16:creationId xmlns:a16="http://schemas.microsoft.com/office/drawing/2014/main" xmlns="" id="{EB35E957-9247-44DE-9C49-1144B7DA67B9}"/>
                 </a:ext>
               </a:extLst>
             </p:cNvPr>
@@ -23690,7 +23271,7 @@
             <p:cNvPr id="77" name="타원 76">
               <a:extLst>
                 <a:ext uri="{FF2B5EF4-FFF2-40B4-BE49-F238E27FC236}">
-                  <a16:creationId xmlns:a16="http://schemas.microsoft.com/office/drawing/2014/main" id="{97B99111-F7AC-4C84-9ECC-A88CB5316E7B}"/>
+                  <a16:creationId xmlns:a16="http://schemas.microsoft.com/office/drawing/2014/main" xmlns="" id="{97B99111-F7AC-4C84-9ECC-A88CB5316E7B}"/>
                 </a:ext>
               </a:extLst>
             </p:cNvPr>
@@ -23734,7 +23315,7 @@
             <p:cNvPr id="78" name="타원 77">
               <a:extLst>
                 <a:ext uri="{FF2B5EF4-FFF2-40B4-BE49-F238E27FC236}">
-                  <a16:creationId xmlns:a16="http://schemas.microsoft.com/office/drawing/2014/main" id="{8FB07BFC-3B3A-41DE-A4E2-718BE03CA764}"/>
+                  <a16:creationId xmlns:a16="http://schemas.microsoft.com/office/drawing/2014/main" xmlns="" id="{8FB07BFC-3B3A-41DE-A4E2-718BE03CA764}"/>
                 </a:ext>
               </a:extLst>
             </p:cNvPr>
@@ -23778,7 +23359,7 @@
             <p:cNvPr id="80" name="타원 79">
               <a:extLst>
                 <a:ext uri="{FF2B5EF4-FFF2-40B4-BE49-F238E27FC236}">
-                  <a16:creationId xmlns:a16="http://schemas.microsoft.com/office/drawing/2014/main" id="{51BEA9C3-DCEC-451D-9788-A821E883A651}"/>
+                  <a16:creationId xmlns:a16="http://schemas.microsoft.com/office/drawing/2014/main" xmlns="" id="{51BEA9C3-DCEC-451D-9788-A821E883A651}"/>
                 </a:ext>
               </a:extLst>
             </p:cNvPr>
@@ -23822,7 +23403,7 @@
             <p:cNvPr id="81" name="타원 80">
               <a:extLst>
                 <a:ext uri="{FF2B5EF4-FFF2-40B4-BE49-F238E27FC236}">
-                  <a16:creationId xmlns:a16="http://schemas.microsoft.com/office/drawing/2014/main" id="{55B7E414-25BF-4907-934D-FECF10D7155A}"/>
+                  <a16:creationId xmlns:a16="http://schemas.microsoft.com/office/drawing/2014/main" xmlns="" id="{55B7E414-25BF-4907-934D-FECF10D7155A}"/>
                 </a:ext>
               </a:extLst>
             </p:cNvPr>
@@ -23866,7 +23447,7 @@
             <p:cNvPr id="82" name="TextBox 81">
               <a:extLst>
                 <a:ext uri="{FF2B5EF4-FFF2-40B4-BE49-F238E27FC236}">
-                  <a16:creationId xmlns:a16="http://schemas.microsoft.com/office/drawing/2014/main" id="{B0C489D6-9E38-4271-A356-504383C61BEA}"/>
+                  <a16:creationId xmlns:a16="http://schemas.microsoft.com/office/drawing/2014/main" xmlns="" id="{B0C489D6-9E38-4271-A356-504383C61BEA}"/>
                 </a:ext>
               </a:extLst>
             </p:cNvPr>
@@ -23902,7 +23483,7 @@
             <p:cNvPr id="83" name="TextBox 82">
               <a:extLst>
                 <a:ext uri="{FF2B5EF4-FFF2-40B4-BE49-F238E27FC236}">
-                  <a16:creationId xmlns:a16="http://schemas.microsoft.com/office/drawing/2014/main" id="{A3225A67-505E-4094-B255-2B97A7F9B35C}"/>
+                  <a16:creationId xmlns:a16="http://schemas.microsoft.com/office/drawing/2014/main" xmlns="" id="{A3225A67-505E-4094-B255-2B97A7F9B35C}"/>
                 </a:ext>
               </a:extLst>
             </p:cNvPr>
@@ -23938,7 +23519,7 @@
             <p:cNvPr id="84" name="TextBox 83">
               <a:extLst>
                 <a:ext uri="{FF2B5EF4-FFF2-40B4-BE49-F238E27FC236}">
-                  <a16:creationId xmlns:a16="http://schemas.microsoft.com/office/drawing/2014/main" id="{8DDFEA0F-4EEB-49D3-99F0-16DA6686DE13}"/>
+                  <a16:creationId xmlns:a16="http://schemas.microsoft.com/office/drawing/2014/main" xmlns="" id="{8DDFEA0F-4EEB-49D3-99F0-16DA6686DE13}"/>
                 </a:ext>
               </a:extLst>
             </p:cNvPr>
@@ -23974,7 +23555,7 @@
             <p:cNvPr id="85" name="TextBox 84">
               <a:extLst>
                 <a:ext uri="{FF2B5EF4-FFF2-40B4-BE49-F238E27FC236}">
-                  <a16:creationId xmlns:a16="http://schemas.microsoft.com/office/drawing/2014/main" id="{F665F1A7-40E8-43BF-B807-D69942D0514B}"/>
+                  <a16:creationId xmlns:a16="http://schemas.microsoft.com/office/drawing/2014/main" xmlns="" id="{F665F1A7-40E8-43BF-B807-D69942D0514B}"/>
                 </a:ext>
               </a:extLst>
             </p:cNvPr>
@@ -24010,7 +23591,7 @@
             <p:cNvPr id="86" name="TextBox 85">
               <a:extLst>
                 <a:ext uri="{FF2B5EF4-FFF2-40B4-BE49-F238E27FC236}">
-                  <a16:creationId xmlns:a16="http://schemas.microsoft.com/office/drawing/2014/main" id="{E3874CBD-4936-4F08-89E0-5D114013E2AC}"/>
+                  <a16:creationId xmlns:a16="http://schemas.microsoft.com/office/drawing/2014/main" xmlns="" id="{E3874CBD-4936-4F08-89E0-5D114013E2AC}"/>
                 </a:ext>
               </a:extLst>
             </p:cNvPr>
@@ -24046,7 +23627,7 @@
             <p:cNvPr id="87" name="TextBox 86">
               <a:extLst>
                 <a:ext uri="{FF2B5EF4-FFF2-40B4-BE49-F238E27FC236}">
-                  <a16:creationId xmlns:a16="http://schemas.microsoft.com/office/drawing/2014/main" id="{016FB3FD-70F0-43EA-BAF4-B4F8225E61E5}"/>
+                  <a16:creationId xmlns:a16="http://schemas.microsoft.com/office/drawing/2014/main" xmlns="" id="{016FB3FD-70F0-43EA-BAF4-B4F8225E61E5}"/>
                 </a:ext>
               </a:extLst>
             </p:cNvPr>
@@ -24082,7 +23663,7 @@
             <p:cNvPr id="88" name="TextBox 87">
               <a:extLst>
                 <a:ext uri="{FF2B5EF4-FFF2-40B4-BE49-F238E27FC236}">
-                  <a16:creationId xmlns:a16="http://schemas.microsoft.com/office/drawing/2014/main" id="{6A2E1A5C-BBEA-4727-8D35-6DA4DCB13CBD}"/>
+                  <a16:creationId xmlns:a16="http://schemas.microsoft.com/office/drawing/2014/main" xmlns="" id="{6A2E1A5C-BBEA-4727-8D35-6DA4DCB13CBD}"/>
                 </a:ext>
               </a:extLst>
             </p:cNvPr>
@@ -24113,12 +23694,33 @@
             </a:p>
           </p:txBody>
         </p:sp>
+      </p:grpSp>
+      <p:grpSp>
+        <p:nvGrpSpPr>
+          <p:cNvPr id="95" name="그룹 94">
+            <a:extLst>
+              <a:ext uri="{FF2B5EF4-FFF2-40B4-BE49-F238E27FC236}">
+                <a16:creationId xmlns:a16="http://schemas.microsoft.com/office/drawing/2014/main" xmlns="" id="{D34D4DBF-F869-4571-804A-8132599BE8E8}"/>
+              </a:ext>
+            </a:extLst>
+          </p:cNvPr>
+          <p:cNvGrpSpPr/>
+          <p:nvPr/>
+        </p:nvGrpSpPr>
+        <p:grpSpPr>
+          <a:xfrm>
+            <a:off x="4811471" y="205000"/>
+            <a:ext cx="638316" cy="5964389"/>
+            <a:chOff x="979706" y="199500"/>
+            <a:chExt cx="638316" cy="5964389"/>
+          </a:xfrm>
+        </p:grpSpPr>
         <p:sp>
           <p:nvSpPr>
-            <p:cNvPr id="79" name="타원 78">
+            <p:cNvPr id="100" name="타원 99">
               <a:extLst>
                 <a:ext uri="{FF2B5EF4-FFF2-40B4-BE49-F238E27FC236}">
-                  <a16:creationId xmlns:a16="http://schemas.microsoft.com/office/drawing/2014/main" id="{6D83D817-F180-4CE4-A300-EF9E43D55997}"/>
+                  <a16:creationId xmlns:a16="http://schemas.microsoft.com/office/drawing/2014/main" xmlns="" id="{0D3957C0-4A61-49F0-A405-37554C98C5CB}"/>
                 </a:ext>
               </a:extLst>
             </p:cNvPr>
@@ -24127,13 +23729,12 @@
           </p:nvSpPr>
           <p:spPr>
             <a:xfrm>
-              <a:off x="1105593" y="4350327"/>
+              <a:off x="1097280" y="1529539"/>
               <a:ext cx="403168" cy="403168"/>
             </a:xfrm>
             <a:prstGeom prst="ellipse">
               <a:avLst/>
             </a:prstGeom>
-            <a:noFill/>
           </p:spPr>
           <p:style>
             <a:lnRef idx="2">
@@ -24158,33 +23759,144 @@
             </a:p>
           </p:txBody>
         </p:sp>
-      </p:grpSp>
-      <p:grpSp>
-        <p:nvGrpSpPr>
-          <p:cNvPr id="95" name="그룹 94">
-            <a:extLst>
-              <a:ext uri="{FF2B5EF4-FFF2-40B4-BE49-F238E27FC236}">
-                <a16:creationId xmlns:a16="http://schemas.microsoft.com/office/drawing/2014/main" id="{D34D4DBF-F869-4571-804A-8132599BE8E8}"/>
-              </a:ext>
-            </a:extLst>
-          </p:cNvPr>
-          <p:cNvGrpSpPr/>
-          <p:nvPr/>
-        </p:nvGrpSpPr>
-        <p:grpSpPr>
-          <a:xfrm>
-            <a:off x="4811471" y="205000"/>
-            <a:ext cx="638316" cy="6589231"/>
-            <a:chOff x="979706" y="199500"/>
-            <a:chExt cx="638316" cy="6589231"/>
-          </a:xfrm>
-        </p:grpSpPr>
+        <p:sp>
+          <p:nvSpPr>
+            <p:cNvPr id="103" name="타원 102">
+              <a:extLst>
+                <a:ext uri="{FF2B5EF4-FFF2-40B4-BE49-F238E27FC236}">
+                  <a16:creationId xmlns:a16="http://schemas.microsoft.com/office/drawing/2014/main" xmlns="" id="{E5141A98-2FC6-4540-AC15-871F610E87DC}"/>
+                </a:ext>
+              </a:extLst>
+            </p:cNvPr>
+            <p:cNvSpPr/>
+            <p:nvPr/>
+          </p:nvSpPr>
+          <p:spPr>
+            <a:xfrm>
+              <a:off x="1097280" y="3645130"/>
+              <a:ext cx="403168" cy="403168"/>
+            </a:xfrm>
+            <a:prstGeom prst="ellipse">
+              <a:avLst/>
+            </a:prstGeom>
+          </p:spPr>
+          <p:style>
+            <a:lnRef idx="2">
+              <a:schemeClr val="dk1"/>
+            </a:lnRef>
+            <a:fillRef idx="1">
+              <a:schemeClr val="lt1"/>
+            </a:fillRef>
+            <a:effectRef idx="0">
+              <a:schemeClr val="dk1"/>
+            </a:effectRef>
+            <a:fontRef idx="minor">
+              <a:schemeClr val="dk1"/>
+            </a:fontRef>
+          </p:style>
+          <p:txBody>
+            <a:bodyPr rtlCol="0" anchor="ctr"/>
+            <a:lstStyle/>
+            <a:p>
+              <a:pPr algn="ctr"/>
+              <a:endParaRPr lang="ko-KR" altLang="en-US" sz="800" dirty="0"/>
+            </a:p>
+          </p:txBody>
+        </p:sp>
+        <p:sp>
+          <p:nvSpPr>
+            <p:cNvPr id="104" name="타원 103">
+              <a:extLst>
+                <a:ext uri="{FF2B5EF4-FFF2-40B4-BE49-F238E27FC236}">
+                  <a16:creationId xmlns:a16="http://schemas.microsoft.com/office/drawing/2014/main" xmlns="" id="{19D70CB0-76E0-481D-B6D0-C2BC49E32950}"/>
+                </a:ext>
+              </a:extLst>
+            </p:cNvPr>
+            <p:cNvSpPr/>
+            <p:nvPr/>
+          </p:nvSpPr>
+          <p:spPr>
+            <a:xfrm>
+              <a:off x="1105593" y="4350327"/>
+              <a:ext cx="403168" cy="403168"/>
+            </a:xfrm>
+            <a:prstGeom prst="ellipse">
+              <a:avLst/>
+            </a:prstGeom>
+          </p:spPr>
+          <p:style>
+            <a:lnRef idx="2">
+              <a:schemeClr val="dk1"/>
+            </a:lnRef>
+            <a:fillRef idx="1">
+              <a:schemeClr val="lt1"/>
+            </a:fillRef>
+            <a:effectRef idx="0">
+              <a:schemeClr val="dk1"/>
+            </a:effectRef>
+            <a:fontRef idx="minor">
+              <a:schemeClr val="dk1"/>
+            </a:fontRef>
+          </p:style>
+          <p:txBody>
+            <a:bodyPr rtlCol="0" anchor="ctr"/>
+            <a:lstStyle/>
+            <a:p>
+              <a:pPr algn="ctr"/>
+              <a:endParaRPr lang="ko-KR" altLang="en-US" sz="800" dirty="0"/>
+            </a:p>
+          </p:txBody>
+        </p:sp>
+        <p:sp>
+          <p:nvSpPr>
+            <p:cNvPr id="101" name="타원 100">
+              <a:extLst>
+                <a:ext uri="{FF2B5EF4-FFF2-40B4-BE49-F238E27FC236}">
+                  <a16:creationId xmlns:a16="http://schemas.microsoft.com/office/drawing/2014/main" xmlns="" id="{AA0BA701-D17F-4F7D-AD30-BD57275B0257}"/>
+                </a:ext>
+              </a:extLst>
+            </p:cNvPr>
+            <p:cNvSpPr/>
+            <p:nvPr/>
+          </p:nvSpPr>
+          <p:spPr>
+            <a:xfrm>
+              <a:off x="1097280" y="2234736"/>
+              <a:ext cx="403168" cy="403168"/>
+            </a:xfrm>
+            <a:prstGeom prst="ellipse">
+              <a:avLst/>
+            </a:prstGeom>
+          </p:spPr>
+          <p:style>
+            <a:lnRef idx="2">
+              <a:schemeClr val="dk1"/>
+            </a:lnRef>
+            <a:fillRef idx="1">
+              <a:schemeClr val="lt1"/>
+            </a:fillRef>
+            <a:effectRef idx="0">
+              <a:schemeClr val="dk1"/>
+            </a:effectRef>
+            <a:fontRef idx="minor">
+              <a:schemeClr val="dk1"/>
+            </a:fontRef>
+          </p:style>
+          <p:txBody>
+            <a:bodyPr rtlCol="0" anchor="ctr"/>
+            <a:lstStyle/>
+            <a:p>
+              <a:pPr algn="ctr"/>
+              <a:endParaRPr lang="ko-KR" altLang="en-US" sz="800" dirty="0"/>
+            </a:p>
+          </p:txBody>
+        </p:sp>
         <p:grpSp>
           <p:nvGrpSpPr>
             <p:cNvPr id="96" name="그룹 95">
               <a:extLst>
                 <a:ext uri="{FF2B5EF4-FFF2-40B4-BE49-F238E27FC236}">
-                  <a16:creationId xmlns:a16="http://schemas.microsoft.com/office/drawing/2014/main" id="{142165FA-2AD7-4131-B4D0-FA924C076926}"/>
+                  <a16:creationId xmlns:a16="http://schemas.microsoft.com/office/drawing/2014/main" xmlns="" id="{142165FA-2AD7-4131-B4D0-FA924C076926}"/>
                 </a:ext>
               </a:extLst>
             </p:cNvPr>
@@ -24204,7 +23916,7 @@
               <p:cNvPr id="117" name="타원 116">
                 <a:extLst>
                   <a:ext uri="{FF2B5EF4-FFF2-40B4-BE49-F238E27FC236}">
-                    <a16:creationId xmlns:a16="http://schemas.microsoft.com/office/drawing/2014/main" id="{11B06962-A633-4371-ADB0-E8F10BBB6B64}"/>
+                    <a16:creationId xmlns:a16="http://schemas.microsoft.com/office/drawing/2014/main" xmlns="" id="{11B06962-A633-4371-ADB0-E8F10BBB6B64}"/>
                   </a:ext>
                 </a:extLst>
               </p:cNvPr>
@@ -24248,7 +23960,7 @@
               <p:cNvPr id="118" name="타원 117">
                 <a:extLst>
                   <a:ext uri="{FF2B5EF4-FFF2-40B4-BE49-F238E27FC236}">
-                    <a16:creationId xmlns:a16="http://schemas.microsoft.com/office/drawing/2014/main" id="{BFB283EF-236B-48F0-BE10-2B2656C909E1}"/>
+                    <a16:creationId xmlns:a16="http://schemas.microsoft.com/office/drawing/2014/main" xmlns="" id="{BFB283EF-236B-48F0-BE10-2B2656C909E1}"/>
                   </a:ext>
                 </a:extLst>
               </p:cNvPr>
@@ -24292,160 +24004,7 @@
               <p:cNvPr id="119" name="타원 118">
                 <a:extLst>
                   <a:ext uri="{FF2B5EF4-FFF2-40B4-BE49-F238E27FC236}">
-                    <a16:creationId xmlns:a16="http://schemas.microsoft.com/office/drawing/2014/main" id="{66CA4A0B-A54B-4206-A737-41C125B7A4C2}"/>
-                  </a:ext>
-                </a:extLst>
-              </p:cNvPr>
-              <p:cNvSpPr/>
-              <p:nvPr/>
-            </p:nvSpPr>
-            <p:spPr>
-              <a:xfrm>
-                <a:off x="2227811" y="1152696"/>
-                <a:ext cx="74814" cy="74814"/>
-              </a:xfrm>
-              <a:prstGeom prst="ellipse">
-                <a:avLst/>
-              </a:prstGeom>
-            </p:spPr>
-            <p:style>
-              <a:lnRef idx="2">
-                <a:schemeClr val="dk1"/>
-              </a:lnRef>
-              <a:fillRef idx="1">
-                <a:schemeClr val="lt1"/>
-              </a:fillRef>
-              <a:effectRef idx="0">
-                <a:schemeClr val="dk1"/>
-              </a:effectRef>
-              <a:fontRef idx="minor">
-                <a:schemeClr val="dk1"/>
-              </a:fontRef>
-            </p:style>
-            <p:txBody>
-              <a:bodyPr rtlCol="0" anchor="ctr"/>
-              <a:lstStyle/>
-              <a:p>
-                <a:pPr algn="ctr"/>
-                <a:endParaRPr lang="ko-KR" altLang="en-US" sz="800"/>
-              </a:p>
-            </p:txBody>
-          </p:sp>
-        </p:grpSp>
-        <p:grpSp>
-          <p:nvGrpSpPr>
-            <p:cNvPr id="97" name="그룹 96">
-              <a:extLst>
-                <a:ext uri="{FF2B5EF4-FFF2-40B4-BE49-F238E27FC236}">
-                  <a16:creationId xmlns:a16="http://schemas.microsoft.com/office/drawing/2014/main" id="{BBBA1062-30EF-4211-8548-08463E19996A}"/>
-                </a:ext>
-              </a:extLst>
-            </p:cNvPr>
-            <p:cNvGrpSpPr/>
-            <p:nvPr/>
-          </p:nvGrpSpPr>
-          <p:grpSpPr>
-            <a:xfrm>
-              <a:off x="1261457" y="6465918"/>
-              <a:ext cx="74814" cy="322813"/>
-              <a:chOff x="2227811" y="1152696"/>
-              <a:chExt cx="74814" cy="322813"/>
-            </a:xfrm>
-          </p:grpSpPr>
-          <p:sp>
-            <p:nvSpPr>
-              <p:cNvPr id="114" name="타원 113">
-                <a:extLst>
-                  <a:ext uri="{FF2B5EF4-FFF2-40B4-BE49-F238E27FC236}">
-                    <a16:creationId xmlns:a16="http://schemas.microsoft.com/office/drawing/2014/main" id="{E40E98E7-F34E-49D9-80F1-5EAD6FD040D9}"/>
-                  </a:ext>
-                </a:extLst>
-              </p:cNvPr>
-              <p:cNvSpPr/>
-              <p:nvPr/>
-            </p:nvSpPr>
-            <p:spPr>
-              <a:xfrm>
-                <a:off x="2227811" y="1400695"/>
-                <a:ext cx="74814" cy="74814"/>
-              </a:xfrm>
-              <a:prstGeom prst="ellipse">
-                <a:avLst/>
-              </a:prstGeom>
-            </p:spPr>
-            <p:style>
-              <a:lnRef idx="2">
-                <a:schemeClr val="dk1"/>
-              </a:lnRef>
-              <a:fillRef idx="1">
-                <a:schemeClr val="lt1"/>
-              </a:fillRef>
-              <a:effectRef idx="0">
-                <a:schemeClr val="dk1"/>
-              </a:effectRef>
-              <a:fontRef idx="minor">
-                <a:schemeClr val="dk1"/>
-              </a:fontRef>
-            </p:style>
-            <p:txBody>
-              <a:bodyPr rtlCol="0" anchor="ctr"/>
-              <a:lstStyle/>
-              <a:p>
-                <a:pPr algn="ctr"/>
-                <a:endParaRPr lang="ko-KR" altLang="en-US" sz="800"/>
-              </a:p>
-            </p:txBody>
-          </p:sp>
-          <p:sp>
-            <p:nvSpPr>
-              <p:cNvPr id="115" name="타원 114">
-                <a:extLst>
-                  <a:ext uri="{FF2B5EF4-FFF2-40B4-BE49-F238E27FC236}">
-                    <a16:creationId xmlns:a16="http://schemas.microsoft.com/office/drawing/2014/main" id="{3ABD8664-D80B-4758-8198-E144E4D9B1A0}"/>
-                  </a:ext>
-                </a:extLst>
-              </p:cNvPr>
-              <p:cNvSpPr/>
-              <p:nvPr/>
-            </p:nvSpPr>
-            <p:spPr>
-              <a:xfrm>
-                <a:off x="2227811" y="1278776"/>
-                <a:ext cx="74814" cy="74814"/>
-              </a:xfrm>
-              <a:prstGeom prst="ellipse">
-                <a:avLst/>
-              </a:prstGeom>
-            </p:spPr>
-            <p:style>
-              <a:lnRef idx="2">
-                <a:schemeClr val="dk1"/>
-              </a:lnRef>
-              <a:fillRef idx="1">
-                <a:schemeClr val="lt1"/>
-              </a:fillRef>
-              <a:effectRef idx="0">
-                <a:schemeClr val="dk1"/>
-              </a:effectRef>
-              <a:fontRef idx="minor">
-                <a:schemeClr val="dk1"/>
-              </a:fontRef>
-            </p:style>
-            <p:txBody>
-              <a:bodyPr rtlCol="0" anchor="ctr"/>
-              <a:lstStyle/>
-              <a:p>
-                <a:pPr algn="ctr"/>
-                <a:endParaRPr lang="ko-KR" altLang="en-US" sz="800"/>
-              </a:p>
-            </p:txBody>
-          </p:sp>
-          <p:sp>
-            <p:nvSpPr>
-              <p:cNvPr id="116" name="타원 115">
-                <a:extLst>
-                  <a:ext uri="{FF2B5EF4-FFF2-40B4-BE49-F238E27FC236}">
-                    <a16:creationId xmlns:a16="http://schemas.microsoft.com/office/drawing/2014/main" id="{EC0ABF6F-0DA8-46DC-A804-8C2B60847B9F}"/>
+                    <a16:creationId xmlns:a16="http://schemas.microsoft.com/office/drawing/2014/main" xmlns="" id="{66CA4A0B-A54B-4206-A737-41C125B7A4C2}"/>
                   </a:ext>
                 </a:extLst>
               </p:cNvPr>
@@ -24490,7 +24049,7 @@
             <p:cNvPr id="99" name="TextBox 98">
               <a:extLst>
                 <a:ext uri="{FF2B5EF4-FFF2-40B4-BE49-F238E27FC236}">
-                  <a16:creationId xmlns:a16="http://schemas.microsoft.com/office/drawing/2014/main" id="{F97B74A7-5F59-49A9-B157-62AD2E439AEB}"/>
+                  <a16:creationId xmlns:a16="http://schemas.microsoft.com/office/drawing/2014/main" xmlns="" id="{F97B74A7-5F59-49A9-B157-62AD2E439AEB}"/>
                 </a:ext>
               </a:extLst>
             </p:cNvPr>
@@ -24523,54 +24082,10 @@
         </p:sp>
         <p:sp>
           <p:nvSpPr>
-            <p:cNvPr id="100" name="타원 99">
-              <a:extLst>
-                <a:ext uri="{FF2B5EF4-FFF2-40B4-BE49-F238E27FC236}">
-                  <a16:creationId xmlns:a16="http://schemas.microsoft.com/office/drawing/2014/main" id="{0D3957C0-4A61-49F0-A405-37554C98C5CB}"/>
-                </a:ext>
-              </a:extLst>
-            </p:cNvPr>
-            <p:cNvSpPr/>
-            <p:nvPr/>
-          </p:nvSpPr>
-          <p:spPr>
-            <a:xfrm>
-              <a:off x="1097280" y="1529539"/>
-              <a:ext cx="403168" cy="403168"/>
-            </a:xfrm>
-            <a:prstGeom prst="ellipse">
-              <a:avLst/>
-            </a:prstGeom>
-          </p:spPr>
-          <p:style>
-            <a:lnRef idx="2">
-              <a:schemeClr val="dk1"/>
-            </a:lnRef>
-            <a:fillRef idx="1">
-              <a:schemeClr val="lt1"/>
-            </a:fillRef>
-            <a:effectRef idx="0">
-              <a:schemeClr val="dk1"/>
-            </a:effectRef>
-            <a:fontRef idx="minor">
-              <a:schemeClr val="dk1"/>
-            </a:fontRef>
-          </p:style>
-          <p:txBody>
-            <a:bodyPr rtlCol="0" anchor="ctr"/>
-            <a:lstStyle/>
-            <a:p>
-              <a:pPr algn="ctr"/>
-              <a:endParaRPr lang="ko-KR" altLang="en-US" sz="800" dirty="0"/>
-            </a:p>
-          </p:txBody>
-        </p:sp>
-        <p:sp>
-          <p:nvSpPr>
             <p:cNvPr id="102" name="타원 101">
               <a:extLst>
                 <a:ext uri="{FF2B5EF4-FFF2-40B4-BE49-F238E27FC236}">
-                  <a16:creationId xmlns:a16="http://schemas.microsoft.com/office/drawing/2014/main" id="{D04568FB-9D3A-4479-A71C-E62AD02787DF}"/>
+                  <a16:creationId xmlns:a16="http://schemas.microsoft.com/office/drawing/2014/main" xmlns="" id="{D04568FB-9D3A-4479-A71C-E62AD02787DF}"/>
                 </a:ext>
               </a:extLst>
             </p:cNvPr>
@@ -24611,54 +24126,10 @@
         </p:sp>
         <p:sp>
           <p:nvSpPr>
-            <p:cNvPr id="103" name="타원 102">
-              <a:extLst>
-                <a:ext uri="{FF2B5EF4-FFF2-40B4-BE49-F238E27FC236}">
-                  <a16:creationId xmlns:a16="http://schemas.microsoft.com/office/drawing/2014/main" id="{E5141A98-2FC6-4540-AC15-871F610E87DC}"/>
-                </a:ext>
-              </a:extLst>
-            </p:cNvPr>
-            <p:cNvSpPr/>
-            <p:nvPr/>
-          </p:nvSpPr>
-          <p:spPr>
-            <a:xfrm>
-              <a:off x="1097280" y="3645130"/>
-              <a:ext cx="403168" cy="403168"/>
-            </a:xfrm>
-            <a:prstGeom prst="ellipse">
-              <a:avLst/>
-            </a:prstGeom>
-          </p:spPr>
-          <p:style>
-            <a:lnRef idx="2">
-              <a:schemeClr val="dk1"/>
-            </a:lnRef>
-            <a:fillRef idx="1">
-              <a:schemeClr val="lt1"/>
-            </a:fillRef>
-            <a:effectRef idx="0">
-              <a:schemeClr val="dk1"/>
-            </a:effectRef>
-            <a:fontRef idx="minor">
-              <a:schemeClr val="dk1"/>
-            </a:fontRef>
-          </p:style>
-          <p:txBody>
-            <a:bodyPr rtlCol="0" anchor="ctr"/>
-            <a:lstStyle/>
-            <a:p>
-              <a:pPr algn="ctr"/>
-              <a:endParaRPr lang="ko-KR" altLang="en-US" sz="800" dirty="0"/>
-            </a:p>
-          </p:txBody>
-        </p:sp>
-        <p:sp>
-          <p:nvSpPr>
             <p:cNvPr id="105" name="타원 104">
               <a:extLst>
                 <a:ext uri="{FF2B5EF4-FFF2-40B4-BE49-F238E27FC236}">
-                  <a16:creationId xmlns:a16="http://schemas.microsoft.com/office/drawing/2014/main" id="{24B57AD9-F58D-4053-9DA7-930D433C1B0D}"/>
+                  <a16:creationId xmlns:a16="http://schemas.microsoft.com/office/drawing/2014/main" xmlns="" id="{24B57AD9-F58D-4053-9DA7-930D433C1B0D}"/>
                 </a:ext>
               </a:extLst>
             </p:cNvPr>
@@ -24702,7 +24173,7 @@
             <p:cNvPr id="106" name="타원 105">
               <a:extLst>
                 <a:ext uri="{FF2B5EF4-FFF2-40B4-BE49-F238E27FC236}">
-                  <a16:creationId xmlns:a16="http://schemas.microsoft.com/office/drawing/2014/main" id="{1EBDBDFE-BDCE-4006-A781-F777734483A2}"/>
+                  <a16:creationId xmlns:a16="http://schemas.microsoft.com/office/drawing/2014/main" xmlns="" id="{1EBDBDFE-BDCE-4006-A781-F777734483A2}"/>
                 </a:ext>
               </a:extLst>
             </p:cNvPr>
@@ -24746,7 +24217,7 @@
             <p:cNvPr id="107" name="TextBox 106">
               <a:extLst>
                 <a:ext uri="{FF2B5EF4-FFF2-40B4-BE49-F238E27FC236}">
-                  <a16:creationId xmlns:a16="http://schemas.microsoft.com/office/drawing/2014/main" id="{06617342-F23A-4F42-87BD-C23089ABB60C}"/>
+                  <a16:creationId xmlns:a16="http://schemas.microsoft.com/office/drawing/2014/main" xmlns="" id="{06617342-F23A-4F42-87BD-C23089ABB60C}"/>
                 </a:ext>
               </a:extLst>
             </p:cNvPr>
@@ -24782,7 +24253,7 @@
             <p:cNvPr id="108" name="TextBox 107">
               <a:extLst>
                 <a:ext uri="{FF2B5EF4-FFF2-40B4-BE49-F238E27FC236}">
-                  <a16:creationId xmlns:a16="http://schemas.microsoft.com/office/drawing/2014/main" id="{FEE9F105-A93D-420E-833B-5E6D06A4CBAA}"/>
+                  <a16:creationId xmlns:a16="http://schemas.microsoft.com/office/drawing/2014/main" xmlns="" id="{FEE9F105-A93D-420E-833B-5E6D06A4CBAA}"/>
                 </a:ext>
               </a:extLst>
             </p:cNvPr>
@@ -24818,7 +24289,7 @@
             <p:cNvPr id="109" name="TextBox 108">
               <a:extLst>
                 <a:ext uri="{FF2B5EF4-FFF2-40B4-BE49-F238E27FC236}">
-                  <a16:creationId xmlns:a16="http://schemas.microsoft.com/office/drawing/2014/main" id="{511AB202-6722-46A7-BB9B-6D75101B528F}"/>
+                  <a16:creationId xmlns:a16="http://schemas.microsoft.com/office/drawing/2014/main" xmlns="" id="{511AB202-6722-46A7-BB9B-6D75101B528F}"/>
                 </a:ext>
               </a:extLst>
             </p:cNvPr>
@@ -24854,7 +24325,7 @@
             <p:cNvPr id="110" name="TextBox 109">
               <a:extLst>
                 <a:ext uri="{FF2B5EF4-FFF2-40B4-BE49-F238E27FC236}">
-                  <a16:creationId xmlns:a16="http://schemas.microsoft.com/office/drawing/2014/main" id="{7413C98C-3F77-4D0E-AA32-D5808979769E}"/>
+                  <a16:creationId xmlns:a16="http://schemas.microsoft.com/office/drawing/2014/main" xmlns="" id="{7413C98C-3F77-4D0E-AA32-D5808979769E}"/>
                 </a:ext>
               </a:extLst>
             </p:cNvPr>
@@ -24890,7 +24361,7 @@
             <p:cNvPr id="111" name="TextBox 110">
               <a:extLst>
                 <a:ext uri="{FF2B5EF4-FFF2-40B4-BE49-F238E27FC236}">
-                  <a16:creationId xmlns:a16="http://schemas.microsoft.com/office/drawing/2014/main" id="{8CB121B7-AB50-43D7-BD40-49105A5822C2}"/>
+                  <a16:creationId xmlns:a16="http://schemas.microsoft.com/office/drawing/2014/main" xmlns="" id="{8CB121B7-AB50-43D7-BD40-49105A5822C2}"/>
                 </a:ext>
               </a:extLst>
             </p:cNvPr>
@@ -24926,7 +24397,7 @@
             <p:cNvPr id="112" name="TextBox 111">
               <a:extLst>
                 <a:ext uri="{FF2B5EF4-FFF2-40B4-BE49-F238E27FC236}">
-                  <a16:creationId xmlns:a16="http://schemas.microsoft.com/office/drawing/2014/main" id="{793B80C8-4DAE-4ABE-852D-A162A475D8C2}"/>
+                  <a16:creationId xmlns:a16="http://schemas.microsoft.com/office/drawing/2014/main" xmlns="" id="{793B80C8-4DAE-4ABE-852D-A162A475D8C2}"/>
                 </a:ext>
               </a:extLst>
             </p:cNvPr>
@@ -24962,7 +24433,7 @@
             <p:cNvPr id="113" name="TextBox 112">
               <a:extLst>
                 <a:ext uri="{FF2B5EF4-FFF2-40B4-BE49-F238E27FC236}">
-                  <a16:creationId xmlns:a16="http://schemas.microsoft.com/office/drawing/2014/main" id="{682FAD97-866B-498B-A96C-1DAD08F68D77}"/>
+                  <a16:creationId xmlns:a16="http://schemas.microsoft.com/office/drawing/2014/main" xmlns="" id="{682FAD97-866B-498B-A96C-1DAD08F68D77}"/>
                 </a:ext>
               </a:extLst>
             </p:cNvPr>
@@ -24995,100 +24466,10 @@
         </p:sp>
         <p:sp>
           <p:nvSpPr>
-            <p:cNvPr id="104" name="타원 103">
-              <a:extLst>
-                <a:ext uri="{FF2B5EF4-FFF2-40B4-BE49-F238E27FC236}">
-                  <a16:creationId xmlns:a16="http://schemas.microsoft.com/office/drawing/2014/main" id="{19D70CB0-76E0-481D-B6D0-C2BC49E32950}"/>
-                </a:ext>
-              </a:extLst>
-            </p:cNvPr>
-            <p:cNvSpPr/>
-            <p:nvPr/>
-          </p:nvSpPr>
-          <p:spPr>
-            <a:xfrm>
-              <a:off x="1105593" y="4350327"/>
-              <a:ext cx="403168" cy="403168"/>
-            </a:xfrm>
-            <a:prstGeom prst="ellipse">
-              <a:avLst/>
-            </a:prstGeom>
-            <a:noFill/>
-          </p:spPr>
-          <p:style>
-            <a:lnRef idx="2">
-              <a:schemeClr val="dk1"/>
-            </a:lnRef>
-            <a:fillRef idx="1">
-              <a:schemeClr val="lt1"/>
-            </a:fillRef>
-            <a:effectRef idx="0">
-              <a:schemeClr val="dk1"/>
-            </a:effectRef>
-            <a:fontRef idx="minor">
-              <a:schemeClr val="dk1"/>
-            </a:fontRef>
-          </p:style>
-          <p:txBody>
-            <a:bodyPr rtlCol="0" anchor="ctr"/>
-            <a:lstStyle/>
-            <a:p>
-              <a:pPr algn="ctr"/>
-              <a:endParaRPr lang="ko-KR" altLang="en-US" sz="800" dirty="0"/>
-            </a:p>
-          </p:txBody>
-        </p:sp>
-        <p:sp>
-          <p:nvSpPr>
-            <p:cNvPr id="101" name="타원 100">
-              <a:extLst>
-                <a:ext uri="{FF2B5EF4-FFF2-40B4-BE49-F238E27FC236}">
-                  <a16:creationId xmlns:a16="http://schemas.microsoft.com/office/drawing/2014/main" id="{AA0BA701-D17F-4F7D-AD30-BD57275B0257}"/>
-                </a:ext>
-              </a:extLst>
-            </p:cNvPr>
-            <p:cNvSpPr/>
-            <p:nvPr/>
-          </p:nvSpPr>
-          <p:spPr>
-            <a:xfrm>
-              <a:off x="1097280" y="2234736"/>
-              <a:ext cx="403168" cy="403168"/>
-            </a:xfrm>
-            <a:prstGeom prst="ellipse">
-              <a:avLst/>
-            </a:prstGeom>
-            <a:noFill/>
-          </p:spPr>
-          <p:style>
-            <a:lnRef idx="2">
-              <a:schemeClr val="dk1"/>
-            </a:lnRef>
-            <a:fillRef idx="1">
-              <a:schemeClr val="lt1"/>
-            </a:fillRef>
-            <a:effectRef idx="0">
-              <a:schemeClr val="dk1"/>
-            </a:effectRef>
-            <a:fontRef idx="minor">
-              <a:schemeClr val="dk1"/>
-            </a:fontRef>
-          </p:style>
-          <p:txBody>
-            <a:bodyPr rtlCol="0" anchor="ctr"/>
-            <a:lstStyle/>
-            <a:p>
-              <a:pPr algn="ctr"/>
-              <a:endParaRPr lang="ko-KR" altLang="en-US" sz="800" dirty="0"/>
-            </a:p>
-          </p:txBody>
-        </p:sp>
-        <p:sp>
-          <p:nvSpPr>
             <p:cNvPr id="98" name="타원 97">
               <a:extLst>
                 <a:ext uri="{FF2B5EF4-FFF2-40B4-BE49-F238E27FC236}">
-                  <a16:creationId xmlns:a16="http://schemas.microsoft.com/office/drawing/2014/main" id="{3118B10A-9040-4DD6-8DF3-7938437EB0A7}"/>
+                  <a16:creationId xmlns:a16="http://schemas.microsoft.com/office/drawing/2014/main" xmlns="" id="{3118B10A-9040-4DD6-8DF3-7938437EB0A7}"/>
                 </a:ext>
               </a:extLst>
             </p:cNvPr>
@@ -25134,7 +24515,7 @@
           <p:cNvPr id="120" name="그룹 119">
             <a:extLst>
               <a:ext uri="{FF2B5EF4-FFF2-40B4-BE49-F238E27FC236}">
-                <a16:creationId xmlns:a16="http://schemas.microsoft.com/office/drawing/2014/main" id="{FF974209-5693-4364-8DFC-0581E95CE61D}"/>
+                <a16:creationId xmlns:a16="http://schemas.microsoft.com/office/drawing/2014/main" xmlns="" id="{FF974209-5693-4364-8DFC-0581E95CE61D}"/>
               </a:ext>
             </a:extLst>
           </p:cNvPr>
@@ -25144,17 +24525,149 @@
         <p:grpSpPr>
           <a:xfrm>
             <a:off x="6158971" y="209111"/>
-            <a:ext cx="638316" cy="6589231"/>
+            <a:ext cx="638316" cy="5964389"/>
             <a:chOff x="979706" y="199500"/>
-            <a:chExt cx="638316" cy="6589231"/>
+            <a:chExt cx="638316" cy="5964389"/>
           </a:xfrm>
         </p:grpSpPr>
+        <p:sp>
+          <p:nvSpPr>
+            <p:cNvPr id="125" name="타원 124">
+              <a:extLst>
+                <a:ext uri="{FF2B5EF4-FFF2-40B4-BE49-F238E27FC236}">
+                  <a16:creationId xmlns:a16="http://schemas.microsoft.com/office/drawing/2014/main" xmlns="" id="{0A098E62-C039-4126-BACC-C3549528AB49}"/>
+                </a:ext>
+              </a:extLst>
+            </p:cNvPr>
+            <p:cNvSpPr/>
+            <p:nvPr/>
+          </p:nvSpPr>
+          <p:spPr>
+            <a:xfrm>
+              <a:off x="1097280" y="1529539"/>
+              <a:ext cx="403168" cy="403168"/>
+            </a:xfrm>
+            <a:prstGeom prst="ellipse">
+              <a:avLst/>
+            </a:prstGeom>
+          </p:spPr>
+          <p:style>
+            <a:lnRef idx="2">
+              <a:schemeClr val="dk1"/>
+            </a:lnRef>
+            <a:fillRef idx="1">
+              <a:schemeClr val="lt1"/>
+            </a:fillRef>
+            <a:effectRef idx="0">
+              <a:schemeClr val="dk1"/>
+            </a:effectRef>
+            <a:fontRef idx="minor">
+              <a:schemeClr val="dk1"/>
+            </a:fontRef>
+          </p:style>
+          <p:txBody>
+            <a:bodyPr rtlCol="0" anchor="ctr"/>
+            <a:lstStyle/>
+            <a:p>
+              <a:pPr algn="ctr"/>
+              <a:endParaRPr lang="ko-KR" altLang="en-US" sz="800" dirty="0"/>
+            </a:p>
+          </p:txBody>
+        </p:sp>
+        <p:sp>
+          <p:nvSpPr>
+            <p:cNvPr id="128" name="타원 127">
+              <a:extLst>
+                <a:ext uri="{FF2B5EF4-FFF2-40B4-BE49-F238E27FC236}">
+                  <a16:creationId xmlns:a16="http://schemas.microsoft.com/office/drawing/2014/main" xmlns="" id="{7F2276AA-2264-4F30-966F-6B288AFF1FD3}"/>
+                </a:ext>
+              </a:extLst>
+            </p:cNvPr>
+            <p:cNvSpPr/>
+            <p:nvPr/>
+          </p:nvSpPr>
+          <p:spPr>
+            <a:xfrm>
+              <a:off x="1097280" y="3645130"/>
+              <a:ext cx="403168" cy="403168"/>
+            </a:xfrm>
+            <a:prstGeom prst="ellipse">
+              <a:avLst/>
+            </a:prstGeom>
+          </p:spPr>
+          <p:style>
+            <a:lnRef idx="2">
+              <a:schemeClr val="dk1"/>
+            </a:lnRef>
+            <a:fillRef idx="1">
+              <a:schemeClr val="lt1"/>
+            </a:fillRef>
+            <a:effectRef idx="0">
+              <a:schemeClr val="dk1"/>
+            </a:effectRef>
+            <a:fontRef idx="minor">
+              <a:schemeClr val="dk1"/>
+            </a:fontRef>
+          </p:style>
+          <p:txBody>
+            <a:bodyPr rtlCol="0" anchor="ctr"/>
+            <a:lstStyle/>
+            <a:p>
+              <a:pPr algn="ctr"/>
+              <a:endParaRPr lang="ko-KR" altLang="en-US" sz="800" dirty="0"/>
+            </a:p>
+          </p:txBody>
+        </p:sp>
+        <p:sp>
+          <p:nvSpPr>
+            <p:cNvPr id="123" name="타원 122">
+              <a:extLst>
+                <a:ext uri="{FF2B5EF4-FFF2-40B4-BE49-F238E27FC236}">
+                  <a16:creationId xmlns:a16="http://schemas.microsoft.com/office/drawing/2014/main" xmlns="" id="{7CB5A74F-FEAE-48D2-A4CB-D80C6D1E75E3}"/>
+                </a:ext>
+              </a:extLst>
+            </p:cNvPr>
+            <p:cNvSpPr/>
+            <p:nvPr/>
+          </p:nvSpPr>
+          <p:spPr>
+            <a:xfrm>
+              <a:off x="1097280" y="824342"/>
+              <a:ext cx="403168" cy="403168"/>
+            </a:xfrm>
+            <a:prstGeom prst="ellipse">
+              <a:avLst/>
+            </a:prstGeom>
+          </p:spPr>
+          <p:style>
+            <a:lnRef idx="2">
+              <a:schemeClr val="dk1"/>
+            </a:lnRef>
+            <a:fillRef idx="1">
+              <a:schemeClr val="lt1"/>
+            </a:fillRef>
+            <a:effectRef idx="0">
+              <a:schemeClr val="dk1"/>
+            </a:effectRef>
+            <a:fontRef idx="minor">
+              <a:schemeClr val="dk1"/>
+            </a:fontRef>
+          </p:style>
+          <p:txBody>
+            <a:bodyPr rtlCol="0" anchor="ctr"/>
+            <a:lstStyle/>
+            <a:p>
+              <a:pPr algn="ctr"/>
+              <a:endParaRPr lang="ko-KR" altLang="en-US" sz="800" dirty="0"/>
+            </a:p>
+          </p:txBody>
+        </p:sp>
         <p:grpSp>
           <p:nvGrpSpPr>
             <p:cNvPr id="121" name="그룹 120">
               <a:extLst>
                 <a:ext uri="{FF2B5EF4-FFF2-40B4-BE49-F238E27FC236}">
-                  <a16:creationId xmlns:a16="http://schemas.microsoft.com/office/drawing/2014/main" id="{F417D9CD-E972-4F69-8919-C0B967E2460E}"/>
+                  <a16:creationId xmlns:a16="http://schemas.microsoft.com/office/drawing/2014/main" xmlns="" id="{F417D9CD-E972-4F69-8919-C0B967E2460E}"/>
                 </a:ext>
               </a:extLst>
             </p:cNvPr>
@@ -25174,7 +24687,7 @@
               <p:cNvPr id="142" name="타원 141">
                 <a:extLst>
                   <a:ext uri="{FF2B5EF4-FFF2-40B4-BE49-F238E27FC236}">
-                    <a16:creationId xmlns:a16="http://schemas.microsoft.com/office/drawing/2014/main" id="{E4BE78AE-9CA3-4A4A-B7DC-774C3BDC0AA6}"/>
+                    <a16:creationId xmlns:a16="http://schemas.microsoft.com/office/drawing/2014/main" xmlns="" id="{E4BE78AE-9CA3-4A4A-B7DC-774C3BDC0AA6}"/>
                   </a:ext>
                 </a:extLst>
               </p:cNvPr>
@@ -25218,7 +24731,7 @@
               <p:cNvPr id="143" name="타원 142">
                 <a:extLst>
                   <a:ext uri="{FF2B5EF4-FFF2-40B4-BE49-F238E27FC236}">
-                    <a16:creationId xmlns:a16="http://schemas.microsoft.com/office/drawing/2014/main" id="{BC135A45-42B2-4B23-A2B4-A52C4C6E6913}"/>
+                    <a16:creationId xmlns:a16="http://schemas.microsoft.com/office/drawing/2014/main" xmlns="" id="{BC135A45-42B2-4B23-A2B4-A52C4C6E6913}"/>
                   </a:ext>
                 </a:extLst>
               </p:cNvPr>
@@ -25262,160 +24775,7 @@
               <p:cNvPr id="144" name="타원 143">
                 <a:extLst>
                   <a:ext uri="{FF2B5EF4-FFF2-40B4-BE49-F238E27FC236}">
-                    <a16:creationId xmlns:a16="http://schemas.microsoft.com/office/drawing/2014/main" id="{D7151287-AF07-47AC-84D1-F90143D5C2C0}"/>
-                  </a:ext>
-                </a:extLst>
-              </p:cNvPr>
-              <p:cNvSpPr/>
-              <p:nvPr/>
-            </p:nvSpPr>
-            <p:spPr>
-              <a:xfrm>
-                <a:off x="2227811" y="1152696"/>
-                <a:ext cx="74814" cy="74814"/>
-              </a:xfrm>
-              <a:prstGeom prst="ellipse">
-                <a:avLst/>
-              </a:prstGeom>
-            </p:spPr>
-            <p:style>
-              <a:lnRef idx="2">
-                <a:schemeClr val="dk1"/>
-              </a:lnRef>
-              <a:fillRef idx="1">
-                <a:schemeClr val="lt1"/>
-              </a:fillRef>
-              <a:effectRef idx="0">
-                <a:schemeClr val="dk1"/>
-              </a:effectRef>
-              <a:fontRef idx="minor">
-                <a:schemeClr val="dk1"/>
-              </a:fontRef>
-            </p:style>
-            <p:txBody>
-              <a:bodyPr rtlCol="0" anchor="ctr"/>
-              <a:lstStyle/>
-              <a:p>
-                <a:pPr algn="ctr"/>
-                <a:endParaRPr lang="ko-KR" altLang="en-US" sz="800"/>
-              </a:p>
-            </p:txBody>
-          </p:sp>
-        </p:grpSp>
-        <p:grpSp>
-          <p:nvGrpSpPr>
-            <p:cNvPr id="122" name="그룹 121">
-              <a:extLst>
-                <a:ext uri="{FF2B5EF4-FFF2-40B4-BE49-F238E27FC236}">
-                  <a16:creationId xmlns:a16="http://schemas.microsoft.com/office/drawing/2014/main" id="{EDF2AA50-CEA1-4EC6-9655-DA821C18015B}"/>
-                </a:ext>
-              </a:extLst>
-            </p:cNvPr>
-            <p:cNvGrpSpPr/>
-            <p:nvPr/>
-          </p:nvGrpSpPr>
-          <p:grpSpPr>
-            <a:xfrm>
-              <a:off x="1261457" y="6465918"/>
-              <a:ext cx="74814" cy="322813"/>
-              <a:chOff x="2227811" y="1152696"/>
-              <a:chExt cx="74814" cy="322813"/>
-            </a:xfrm>
-          </p:grpSpPr>
-          <p:sp>
-            <p:nvSpPr>
-              <p:cNvPr id="139" name="타원 138">
-                <a:extLst>
-                  <a:ext uri="{FF2B5EF4-FFF2-40B4-BE49-F238E27FC236}">
-                    <a16:creationId xmlns:a16="http://schemas.microsoft.com/office/drawing/2014/main" id="{E12964FA-07DA-49F3-B9AD-C8A9806EE749}"/>
-                  </a:ext>
-                </a:extLst>
-              </p:cNvPr>
-              <p:cNvSpPr/>
-              <p:nvPr/>
-            </p:nvSpPr>
-            <p:spPr>
-              <a:xfrm>
-                <a:off x="2227811" y="1400695"/>
-                <a:ext cx="74814" cy="74814"/>
-              </a:xfrm>
-              <a:prstGeom prst="ellipse">
-                <a:avLst/>
-              </a:prstGeom>
-            </p:spPr>
-            <p:style>
-              <a:lnRef idx="2">
-                <a:schemeClr val="dk1"/>
-              </a:lnRef>
-              <a:fillRef idx="1">
-                <a:schemeClr val="lt1"/>
-              </a:fillRef>
-              <a:effectRef idx="0">
-                <a:schemeClr val="dk1"/>
-              </a:effectRef>
-              <a:fontRef idx="minor">
-                <a:schemeClr val="dk1"/>
-              </a:fontRef>
-            </p:style>
-            <p:txBody>
-              <a:bodyPr rtlCol="0" anchor="ctr"/>
-              <a:lstStyle/>
-              <a:p>
-                <a:pPr algn="ctr"/>
-                <a:endParaRPr lang="ko-KR" altLang="en-US" sz="800"/>
-              </a:p>
-            </p:txBody>
-          </p:sp>
-          <p:sp>
-            <p:nvSpPr>
-              <p:cNvPr id="140" name="타원 139">
-                <a:extLst>
-                  <a:ext uri="{FF2B5EF4-FFF2-40B4-BE49-F238E27FC236}">
-                    <a16:creationId xmlns:a16="http://schemas.microsoft.com/office/drawing/2014/main" id="{F7535D4A-22A6-480E-975A-F34819D431DD}"/>
-                  </a:ext>
-                </a:extLst>
-              </p:cNvPr>
-              <p:cNvSpPr/>
-              <p:nvPr/>
-            </p:nvSpPr>
-            <p:spPr>
-              <a:xfrm>
-                <a:off x="2227811" y="1278776"/>
-                <a:ext cx="74814" cy="74814"/>
-              </a:xfrm>
-              <a:prstGeom prst="ellipse">
-                <a:avLst/>
-              </a:prstGeom>
-            </p:spPr>
-            <p:style>
-              <a:lnRef idx="2">
-                <a:schemeClr val="dk1"/>
-              </a:lnRef>
-              <a:fillRef idx="1">
-                <a:schemeClr val="lt1"/>
-              </a:fillRef>
-              <a:effectRef idx="0">
-                <a:schemeClr val="dk1"/>
-              </a:effectRef>
-              <a:fontRef idx="minor">
-                <a:schemeClr val="dk1"/>
-              </a:fontRef>
-            </p:style>
-            <p:txBody>
-              <a:bodyPr rtlCol="0" anchor="ctr"/>
-              <a:lstStyle/>
-              <a:p>
-                <a:pPr algn="ctr"/>
-                <a:endParaRPr lang="ko-KR" altLang="en-US" sz="800"/>
-              </a:p>
-            </p:txBody>
-          </p:sp>
-          <p:sp>
-            <p:nvSpPr>
-              <p:cNvPr id="141" name="타원 140">
-                <a:extLst>
-                  <a:ext uri="{FF2B5EF4-FFF2-40B4-BE49-F238E27FC236}">
-                    <a16:creationId xmlns:a16="http://schemas.microsoft.com/office/drawing/2014/main" id="{698EDF51-D3C2-46D6-AB96-0345545CE983}"/>
+                    <a16:creationId xmlns:a16="http://schemas.microsoft.com/office/drawing/2014/main" xmlns="" id="{D7151287-AF07-47AC-84D1-F90143D5C2C0}"/>
                   </a:ext>
                 </a:extLst>
               </p:cNvPr>
@@ -25460,7 +24820,7 @@
             <p:cNvPr id="124" name="TextBox 123">
               <a:extLst>
                 <a:ext uri="{FF2B5EF4-FFF2-40B4-BE49-F238E27FC236}">
-                  <a16:creationId xmlns:a16="http://schemas.microsoft.com/office/drawing/2014/main" id="{DBE34909-40DC-4F33-8E93-5CC0BDC36AAE}"/>
+                  <a16:creationId xmlns:a16="http://schemas.microsoft.com/office/drawing/2014/main" xmlns="" id="{DBE34909-40DC-4F33-8E93-5CC0BDC36AAE}"/>
                 </a:ext>
               </a:extLst>
             </p:cNvPr>
@@ -25493,54 +24853,10 @@
         </p:sp>
         <p:sp>
           <p:nvSpPr>
-            <p:cNvPr id="125" name="타원 124">
-              <a:extLst>
-                <a:ext uri="{FF2B5EF4-FFF2-40B4-BE49-F238E27FC236}">
-                  <a16:creationId xmlns:a16="http://schemas.microsoft.com/office/drawing/2014/main" id="{0A098E62-C039-4126-BACC-C3549528AB49}"/>
-                </a:ext>
-              </a:extLst>
-            </p:cNvPr>
-            <p:cNvSpPr/>
-            <p:nvPr/>
-          </p:nvSpPr>
-          <p:spPr>
-            <a:xfrm>
-              <a:off x="1097280" y="1529539"/>
-              <a:ext cx="403168" cy="403168"/>
-            </a:xfrm>
-            <a:prstGeom prst="ellipse">
-              <a:avLst/>
-            </a:prstGeom>
-          </p:spPr>
-          <p:style>
-            <a:lnRef idx="2">
-              <a:schemeClr val="dk1"/>
-            </a:lnRef>
-            <a:fillRef idx="1">
-              <a:schemeClr val="lt1"/>
-            </a:fillRef>
-            <a:effectRef idx="0">
-              <a:schemeClr val="dk1"/>
-            </a:effectRef>
-            <a:fontRef idx="minor">
-              <a:schemeClr val="dk1"/>
-            </a:fontRef>
-          </p:style>
-          <p:txBody>
-            <a:bodyPr rtlCol="0" anchor="ctr"/>
-            <a:lstStyle/>
-            <a:p>
-              <a:pPr algn="ctr"/>
-              <a:endParaRPr lang="ko-KR" altLang="en-US" sz="800" dirty="0"/>
-            </a:p>
-          </p:txBody>
-        </p:sp>
-        <p:sp>
-          <p:nvSpPr>
             <p:cNvPr id="126" name="타원 125">
               <a:extLst>
                 <a:ext uri="{FF2B5EF4-FFF2-40B4-BE49-F238E27FC236}">
-                  <a16:creationId xmlns:a16="http://schemas.microsoft.com/office/drawing/2014/main" id="{DA6B00D3-2E8B-4DFF-B131-B2E4C3D2C078}"/>
+                  <a16:creationId xmlns:a16="http://schemas.microsoft.com/office/drawing/2014/main" xmlns="" id="{DA6B00D3-2E8B-4DFF-B131-B2E4C3D2C078}"/>
                 </a:ext>
               </a:extLst>
             </p:cNvPr>
@@ -25584,7 +24900,7 @@
             <p:cNvPr id="127" name="타원 126">
               <a:extLst>
                 <a:ext uri="{FF2B5EF4-FFF2-40B4-BE49-F238E27FC236}">
-                  <a16:creationId xmlns:a16="http://schemas.microsoft.com/office/drawing/2014/main" id="{E20A52AE-729E-43F7-95FA-27294F55297D}"/>
+                  <a16:creationId xmlns:a16="http://schemas.microsoft.com/office/drawing/2014/main" xmlns="" id="{E20A52AE-729E-43F7-95FA-27294F55297D}"/>
                 </a:ext>
               </a:extLst>
             </p:cNvPr>
@@ -25625,54 +24941,10 @@
         </p:sp>
         <p:sp>
           <p:nvSpPr>
-            <p:cNvPr id="128" name="타원 127">
-              <a:extLst>
-                <a:ext uri="{FF2B5EF4-FFF2-40B4-BE49-F238E27FC236}">
-                  <a16:creationId xmlns:a16="http://schemas.microsoft.com/office/drawing/2014/main" id="{7F2276AA-2264-4F30-966F-6B288AFF1FD3}"/>
-                </a:ext>
-              </a:extLst>
-            </p:cNvPr>
-            <p:cNvSpPr/>
-            <p:nvPr/>
-          </p:nvSpPr>
-          <p:spPr>
-            <a:xfrm>
-              <a:off x="1097280" y="3645130"/>
-              <a:ext cx="403168" cy="403168"/>
-            </a:xfrm>
-            <a:prstGeom prst="ellipse">
-              <a:avLst/>
-            </a:prstGeom>
-          </p:spPr>
-          <p:style>
-            <a:lnRef idx="2">
-              <a:schemeClr val="dk1"/>
-            </a:lnRef>
-            <a:fillRef idx="1">
-              <a:schemeClr val="lt1"/>
-            </a:fillRef>
-            <a:effectRef idx="0">
-              <a:schemeClr val="dk1"/>
-            </a:effectRef>
-            <a:fontRef idx="minor">
-              <a:schemeClr val="dk1"/>
-            </a:fontRef>
-          </p:style>
-          <p:txBody>
-            <a:bodyPr rtlCol="0" anchor="ctr"/>
-            <a:lstStyle/>
-            <a:p>
-              <a:pPr algn="ctr"/>
-              <a:endParaRPr lang="ko-KR" altLang="en-US" sz="800" dirty="0"/>
-            </a:p>
-          </p:txBody>
-        </p:sp>
-        <p:sp>
-          <p:nvSpPr>
             <p:cNvPr id="129" name="타원 128">
               <a:extLst>
                 <a:ext uri="{FF2B5EF4-FFF2-40B4-BE49-F238E27FC236}">
-                  <a16:creationId xmlns:a16="http://schemas.microsoft.com/office/drawing/2014/main" id="{1C446DF5-D690-43DF-BCEE-AFB63EB9669E}"/>
+                  <a16:creationId xmlns:a16="http://schemas.microsoft.com/office/drawing/2014/main" xmlns="" id="{1C446DF5-D690-43DF-BCEE-AFB63EB9669E}"/>
                 </a:ext>
               </a:extLst>
             </p:cNvPr>
@@ -25716,7 +24988,7 @@
             <p:cNvPr id="130" name="타원 129">
               <a:extLst>
                 <a:ext uri="{FF2B5EF4-FFF2-40B4-BE49-F238E27FC236}">
-                  <a16:creationId xmlns:a16="http://schemas.microsoft.com/office/drawing/2014/main" id="{E5D4F4EB-FFD4-41AA-9EF9-546CB4F144F4}"/>
+                  <a16:creationId xmlns:a16="http://schemas.microsoft.com/office/drawing/2014/main" xmlns="" id="{E5D4F4EB-FFD4-41AA-9EF9-546CB4F144F4}"/>
                 </a:ext>
               </a:extLst>
             </p:cNvPr>
@@ -25760,7 +25032,7 @@
             <p:cNvPr id="131" name="타원 130">
               <a:extLst>
                 <a:ext uri="{FF2B5EF4-FFF2-40B4-BE49-F238E27FC236}">
-                  <a16:creationId xmlns:a16="http://schemas.microsoft.com/office/drawing/2014/main" id="{F6DDF86F-BEED-4911-82F1-562A108ABA58}"/>
+                  <a16:creationId xmlns:a16="http://schemas.microsoft.com/office/drawing/2014/main" xmlns="" id="{F6DDF86F-BEED-4911-82F1-562A108ABA58}"/>
                 </a:ext>
               </a:extLst>
             </p:cNvPr>
@@ -25804,7 +25076,7 @@
             <p:cNvPr id="132" name="TextBox 131">
               <a:extLst>
                 <a:ext uri="{FF2B5EF4-FFF2-40B4-BE49-F238E27FC236}">
-                  <a16:creationId xmlns:a16="http://schemas.microsoft.com/office/drawing/2014/main" id="{4E40D3C9-676A-4BD9-9F61-E63E1FA1CE15}"/>
+                  <a16:creationId xmlns:a16="http://schemas.microsoft.com/office/drawing/2014/main" xmlns="" id="{4E40D3C9-676A-4BD9-9F61-E63E1FA1CE15}"/>
                 </a:ext>
               </a:extLst>
             </p:cNvPr>
@@ -25840,7 +25112,7 @@
             <p:cNvPr id="133" name="TextBox 132">
               <a:extLst>
                 <a:ext uri="{FF2B5EF4-FFF2-40B4-BE49-F238E27FC236}">
-                  <a16:creationId xmlns:a16="http://schemas.microsoft.com/office/drawing/2014/main" id="{13FC74AB-51F7-4DAF-BCFF-4AFACC4BA8F0}"/>
+                  <a16:creationId xmlns:a16="http://schemas.microsoft.com/office/drawing/2014/main" xmlns="" id="{13FC74AB-51F7-4DAF-BCFF-4AFACC4BA8F0}"/>
                 </a:ext>
               </a:extLst>
             </p:cNvPr>
@@ -25876,7 +25148,7 @@
             <p:cNvPr id="134" name="TextBox 133">
               <a:extLst>
                 <a:ext uri="{FF2B5EF4-FFF2-40B4-BE49-F238E27FC236}">
-                  <a16:creationId xmlns:a16="http://schemas.microsoft.com/office/drawing/2014/main" id="{B476F539-6B3B-4A2C-8CB7-598750F6B533}"/>
+                  <a16:creationId xmlns:a16="http://schemas.microsoft.com/office/drawing/2014/main" xmlns="" id="{B476F539-6B3B-4A2C-8CB7-598750F6B533}"/>
                 </a:ext>
               </a:extLst>
             </p:cNvPr>
@@ -25912,7 +25184,7 @@
             <p:cNvPr id="135" name="TextBox 134">
               <a:extLst>
                 <a:ext uri="{FF2B5EF4-FFF2-40B4-BE49-F238E27FC236}">
-                  <a16:creationId xmlns:a16="http://schemas.microsoft.com/office/drawing/2014/main" id="{7E7DD482-9C19-4507-B0E7-9D95B0858809}"/>
+                  <a16:creationId xmlns:a16="http://schemas.microsoft.com/office/drawing/2014/main" xmlns="" id="{7E7DD482-9C19-4507-B0E7-9D95B0858809}"/>
                 </a:ext>
               </a:extLst>
             </p:cNvPr>
@@ -25948,7 +25220,7 @@
             <p:cNvPr id="136" name="TextBox 135">
               <a:extLst>
                 <a:ext uri="{FF2B5EF4-FFF2-40B4-BE49-F238E27FC236}">
-                  <a16:creationId xmlns:a16="http://schemas.microsoft.com/office/drawing/2014/main" id="{7396806D-F552-4082-B5F0-FDE61A89A138}"/>
+                  <a16:creationId xmlns:a16="http://schemas.microsoft.com/office/drawing/2014/main" xmlns="" id="{7396806D-F552-4082-B5F0-FDE61A89A138}"/>
                 </a:ext>
               </a:extLst>
             </p:cNvPr>
@@ -25984,7 +25256,7 @@
             <p:cNvPr id="137" name="TextBox 136">
               <a:extLst>
                 <a:ext uri="{FF2B5EF4-FFF2-40B4-BE49-F238E27FC236}">
-                  <a16:creationId xmlns:a16="http://schemas.microsoft.com/office/drawing/2014/main" id="{A0AD32FB-8AD3-4788-903A-173920BAEC67}"/>
+                  <a16:creationId xmlns:a16="http://schemas.microsoft.com/office/drawing/2014/main" xmlns="" id="{A0AD32FB-8AD3-4788-903A-173920BAEC67}"/>
                 </a:ext>
               </a:extLst>
             </p:cNvPr>
@@ -26020,7 +25292,7 @@
             <p:cNvPr id="138" name="TextBox 137">
               <a:extLst>
                 <a:ext uri="{FF2B5EF4-FFF2-40B4-BE49-F238E27FC236}">
-                  <a16:creationId xmlns:a16="http://schemas.microsoft.com/office/drawing/2014/main" id="{0C4E5867-2A30-4CC2-8147-3BC0C4C8427B}"/>
+                  <a16:creationId xmlns:a16="http://schemas.microsoft.com/office/drawing/2014/main" xmlns="" id="{0C4E5867-2A30-4CC2-8147-3BC0C4C8427B}"/>
                 </a:ext>
               </a:extLst>
             </p:cNvPr>
@@ -26051,12 +25323,33 @@
             </a:p>
           </p:txBody>
         </p:sp>
+      </p:grpSp>
+      <p:grpSp>
+        <p:nvGrpSpPr>
+          <p:cNvPr id="145" name="그룹 144">
+            <a:extLst>
+              <a:ext uri="{FF2B5EF4-FFF2-40B4-BE49-F238E27FC236}">
+                <a16:creationId xmlns:a16="http://schemas.microsoft.com/office/drawing/2014/main" xmlns="" id="{A751D420-7DEE-47F2-BCDE-5C607B399BC8}"/>
+              </a:ext>
+            </a:extLst>
+          </p:cNvPr>
+          <p:cNvGrpSpPr/>
+          <p:nvPr/>
+        </p:nvGrpSpPr>
+        <p:grpSpPr>
+          <a:xfrm>
+            <a:off x="7381565" y="196731"/>
+            <a:ext cx="869032" cy="5964389"/>
+            <a:chOff x="872661" y="199500"/>
+            <a:chExt cx="869032" cy="5964389"/>
+          </a:xfrm>
+        </p:grpSpPr>
         <p:sp>
           <p:nvSpPr>
-            <p:cNvPr id="123" name="타원 122">
+            <p:cNvPr id="150" name="타원 149">
               <a:extLst>
                 <a:ext uri="{FF2B5EF4-FFF2-40B4-BE49-F238E27FC236}">
-                  <a16:creationId xmlns:a16="http://schemas.microsoft.com/office/drawing/2014/main" id="{7CB5A74F-FEAE-48D2-A4CB-D80C6D1E75E3}"/>
+                  <a16:creationId xmlns:a16="http://schemas.microsoft.com/office/drawing/2014/main" xmlns="" id="{B90E3C5A-6A05-41C2-AC02-406E5170DFCF}"/>
                 </a:ext>
               </a:extLst>
             </p:cNvPr>
@@ -26065,13 +25358,12 @@
           </p:nvSpPr>
           <p:spPr>
             <a:xfrm>
-              <a:off x="1097280" y="824342"/>
+              <a:off x="1097280" y="1529539"/>
               <a:ext cx="403168" cy="403168"/>
             </a:xfrm>
             <a:prstGeom prst="ellipse">
               <a:avLst/>
             </a:prstGeom>
-            <a:noFill/>
           </p:spPr>
           <p:style>
             <a:lnRef idx="2">
@@ -26096,33 +25388,144 @@
             </a:p>
           </p:txBody>
         </p:sp>
-      </p:grpSp>
-      <p:grpSp>
-        <p:nvGrpSpPr>
-          <p:cNvPr id="145" name="그룹 144">
-            <a:extLst>
-              <a:ext uri="{FF2B5EF4-FFF2-40B4-BE49-F238E27FC236}">
-                <a16:creationId xmlns:a16="http://schemas.microsoft.com/office/drawing/2014/main" id="{A751D420-7DEE-47F2-BCDE-5C607B399BC8}"/>
-              </a:ext>
-            </a:extLst>
-          </p:cNvPr>
-          <p:cNvGrpSpPr/>
-          <p:nvPr/>
-        </p:nvGrpSpPr>
-        <p:grpSpPr>
-          <a:xfrm>
-            <a:off x="7381565" y="196731"/>
-            <a:ext cx="869032" cy="6589231"/>
-            <a:chOff x="872661" y="199500"/>
-            <a:chExt cx="869032" cy="6589231"/>
-          </a:xfrm>
-        </p:grpSpPr>
+        <p:sp>
+          <p:nvSpPr>
+            <p:cNvPr id="148" name="타원 147">
+              <a:extLst>
+                <a:ext uri="{FF2B5EF4-FFF2-40B4-BE49-F238E27FC236}">
+                  <a16:creationId xmlns:a16="http://schemas.microsoft.com/office/drawing/2014/main" xmlns="" id="{1EAF832E-FEDE-4B8B-89B0-27F67FF0BC29}"/>
+                </a:ext>
+              </a:extLst>
+            </p:cNvPr>
+            <p:cNvSpPr/>
+            <p:nvPr/>
+          </p:nvSpPr>
+          <p:spPr>
+            <a:xfrm>
+              <a:off x="1097280" y="824342"/>
+              <a:ext cx="403168" cy="403168"/>
+            </a:xfrm>
+            <a:prstGeom prst="ellipse">
+              <a:avLst/>
+            </a:prstGeom>
+          </p:spPr>
+          <p:style>
+            <a:lnRef idx="2">
+              <a:schemeClr val="dk1"/>
+            </a:lnRef>
+            <a:fillRef idx="1">
+              <a:schemeClr val="lt1"/>
+            </a:fillRef>
+            <a:effectRef idx="0">
+              <a:schemeClr val="dk1"/>
+            </a:effectRef>
+            <a:fontRef idx="minor">
+              <a:schemeClr val="dk1"/>
+            </a:fontRef>
+          </p:style>
+          <p:txBody>
+            <a:bodyPr rtlCol="0" anchor="ctr"/>
+            <a:lstStyle/>
+            <a:p>
+              <a:pPr algn="ctr"/>
+              <a:endParaRPr lang="ko-KR" altLang="en-US" sz="800" dirty="0"/>
+            </a:p>
+          </p:txBody>
+        </p:sp>
+        <p:sp>
+          <p:nvSpPr>
+            <p:cNvPr id="156" name="타원 155">
+              <a:extLst>
+                <a:ext uri="{FF2B5EF4-FFF2-40B4-BE49-F238E27FC236}">
+                  <a16:creationId xmlns:a16="http://schemas.microsoft.com/office/drawing/2014/main" xmlns="" id="{22ECCEEF-5257-4F46-915C-F023B2C75C66}"/>
+                </a:ext>
+              </a:extLst>
+            </p:cNvPr>
+            <p:cNvSpPr/>
+            <p:nvPr/>
+          </p:nvSpPr>
+          <p:spPr>
+            <a:xfrm>
+              <a:off x="1105593" y="5760721"/>
+              <a:ext cx="403168" cy="403168"/>
+            </a:xfrm>
+            <a:prstGeom prst="ellipse">
+              <a:avLst/>
+            </a:prstGeom>
+          </p:spPr>
+          <p:style>
+            <a:lnRef idx="2">
+              <a:schemeClr val="dk1"/>
+            </a:lnRef>
+            <a:fillRef idx="1">
+              <a:schemeClr val="lt1"/>
+            </a:fillRef>
+            <a:effectRef idx="0">
+              <a:schemeClr val="dk1"/>
+            </a:effectRef>
+            <a:fontRef idx="minor">
+              <a:schemeClr val="dk1"/>
+            </a:fontRef>
+          </p:style>
+          <p:txBody>
+            <a:bodyPr rtlCol="0" anchor="ctr"/>
+            <a:lstStyle/>
+            <a:p>
+              <a:pPr algn="ctr"/>
+              <a:endParaRPr lang="ko-KR" altLang="en-US" sz="800" dirty="0"/>
+            </a:p>
+          </p:txBody>
+        </p:sp>
+        <p:sp>
+          <p:nvSpPr>
+            <p:cNvPr id="151" name="타원 150">
+              <a:extLst>
+                <a:ext uri="{FF2B5EF4-FFF2-40B4-BE49-F238E27FC236}">
+                  <a16:creationId xmlns:a16="http://schemas.microsoft.com/office/drawing/2014/main" xmlns="" id="{41A18765-F20A-4CCA-BA51-B2B3137BA87D}"/>
+                </a:ext>
+              </a:extLst>
+            </p:cNvPr>
+            <p:cNvSpPr/>
+            <p:nvPr/>
+          </p:nvSpPr>
+          <p:spPr>
+            <a:xfrm>
+              <a:off x="1097280" y="2234736"/>
+              <a:ext cx="403168" cy="403168"/>
+            </a:xfrm>
+            <a:prstGeom prst="ellipse">
+              <a:avLst/>
+            </a:prstGeom>
+          </p:spPr>
+          <p:style>
+            <a:lnRef idx="2">
+              <a:schemeClr val="dk1"/>
+            </a:lnRef>
+            <a:fillRef idx="1">
+              <a:schemeClr val="lt1"/>
+            </a:fillRef>
+            <a:effectRef idx="0">
+              <a:schemeClr val="dk1"/>
+            </a:effectRef>
+            <a:fontRef idx="minor">
+              <a:schemeClr val="dk1"/>
+            </a:fontRef>
+          </p:style>
+          <p:txBody>
+            <a:bodyPr rtlCol="0" anchor="ctr"/>
+            <a:lstStyle/>
+            <a:p>
+              <a:pPr algn="ctr"/>
+              <a:endParaRPr lang="ko-KR" altLang="en-US" sz="800" dirty="0"/>
+            </a:p>
+          </p:txBody>
+        </p:sp>
         <p:grpSp>
           <p:nvGrpSpPr>
             <p:cNvPr id="146" name="그룹 145">
               <a:extLst>
                 <a:ext uri="{FF2B5EF4-FFF2-40B4-BE49-F238E27FC236}">
-                  <a16:creationId xmlns:a16="http://schemas.microsoft.com/office/drawing/2014/main" id="{03A5B219-2977-4F80-BB24-AB6D4DF5CF6A}"/>
+                  <a16:creationId xmlns:a16="http://schemas.microsoft.com/office/drawing/2014/main" xmlns="" id="{03A5B219-2977-4F80-BB24-AB6D4DF5CF6A}"/>
                 </a:ext>
               </a:extLst>
             </p:cNvPr>
@@ -26142,7 +25545,7 @@
               <p:cNvPr id="167" name="타원 166">
                 <a:extLst>
                   <a:ext uri="{FF2B5EF4-FFF2-40B4-BE49-F238E27FC236}">
-                    <a16:creationId xmlns:a16="http://schemas.microsoft.com/office/drawing/2014/main" id="{90E484C7-5A8D-4A5F-9C94-C68278AF96B3}"/>
+                    <a16:creationId xmlns:a16="http://schemas.microsoft.com/office/drawing/2014/main" xmlns="" id="{90E484C7-5A8D-4A5F-9C94-C68278AF96B3}"/>
                   </a:ext>
                 </a:extLst>
               </p:cNvPr>
@@ -26186,7 +25589,7 @@
               <p:cNvPr id="168" name="타원 167">
                 <a:extLst>
                   <a:ext uri="{FF2B5EF4-FFF2-40B4-BE49-F238E27FC236}">
-                    <a16:creationId xmlns:a16="http://schemas.microsoft.com/office/drawing/2014/main" id="{ACD88536-6696-4433-B171-EB8BACFDE7D0}"/>
+                    <a16:creationId xmlns:a16="http://schemas.microsoft.com/office/drawing/2014/main" xmlns="" id="{ACD88536-6696-4433-B171-EB8BACFDE7D0}"/>
                   </a:ext>
                 </a:extLst>
               </p:cNvPr>
@@ -26230,160 +25633,7 @@
               <p:cNvPr id="169" name="타원 168">
                 <a:extLst>
                   <a:ext uri="{FF2B5EF4-FFF2-40B4-BE49-F238E27FC236}">
-                    <a16:creationId xmlns:a16="http://schemas.microsoft.com/office/drawing/2014/main" id="{BE8E97A0-7149-4006-BEDD-D0E368C981FB}"/>
-                  </a:ext>
-                </a:extLst>
-              </p:cNvPr>
-              <p:cNvSpPr/>
-              <p:nvPr/>
-            </p:nvSpPr>
-            <p:spPr>
-              <a:xfrm>
-                <a:off x="2227811" y="1152696"/>
-                <a:ext cx="74814" cy="74814"/>
-              </a:xfrm>
-              <a:prstGeom prst="ellipse">
-                <a:avLst/>
-              </a:prstGeom>
-            </p:spPr>
-            <p:style>
-              <a:lnRef idx="2">
-                <a:schemeClr val="dk1"/>
-              </a:lnRef>
-              <a:fillRef idx="1">
-                <a:schemeClr val="lt1"/>
-              </a:fillRef>
-              <a:effectRef idx="0">
-                <a:schemeClr val="dk1"/>
-              </a:effectRef>
-              <a:fontRef idx="minor">
-                <a:schemeClr val="dk1"/>
-              </a:fontRef>
-            </p:style>
-            <p:txBody>
-              <a:bodyPr rtlCol="0" anchor="ctr"/>
-              <a:lstStyle/>
-              <a:p>
-                <a:pPr algn="ctr"/>
-                <a:endParaRPr lang="ko-KR" altLang="en-US" sz="800"/>
-              </a:p>
-            </p:txBody>
-          </p:sp>
-        </p:grpSp>
-        <p:grpSp>
-          <p:nvGrpSpPr>
-            <p:cNvPr id="147" name="그룹 146">
-              <a:extLst>
-                <a:ext uri="{FF2B5EF4-FFF2-40B4-BE49-F238E27FC236}">
-                  <a16:creationId xmlns:a16="http://schemas.microsoft.com/office/drawing/2014/main" id="{78BFC582-37AD-48E0-9ADE-9446C5D5AC4E}"/>
-                </a:ext>
-              </a:extLst>
-            </p:cNvPr>
-            <p:cNvGrpSpPr/>
-            <p:nvPr/>
-          </p:nvGrpSpPr>
-          <p:grpSpPr>
-            <a:xfrm>
-              <a:off x="1261457" y="6465918"/>
-              <a:ext cx="74814" cy="322813"/>
-              <a:chOff x="2227811" y="1152696"/>
-              <a:chExt cx="74814" cy="322813"/>
-            </a:xfrm>
-          </p:grpSpPr>
-          <p:sp>
-            <p:nvSpPr>
-              <p:cNvPr id="164" name="타원 163">
-                <a:extLst>
-                  <a:ext uri="{FF2B5EF4-FFF2-40B4-BE49-F238E27FC236}">
-                    <a16:creationId xmlns:a16="http://schemas.microsoft.com/office/drawing/2014/main" id="{B8C812FC-67C2-46A8-8B95-E0A2EC929A0D}"/>
-                  </a:ext>
-                </a:extLst>
-              </p:cNvPr>
-              <p:cNvSpPr/>
-              <p:nvPr/>
-            </p:nvSpPr>
-            <p:spPr>
-              <a:xfrm>
-                <a:off x="2227811" y="1400695"/>
-                <a:ext cx="74814" cy="74814"/>
-              </a:xfrm>
-              <a:prstGeom prst="ellipse">
-                <a:avLst/>
-              </a:prstGeom>
-            </p:spPr>
-            <p:style>
-              <a:lnRef idx="2">
-                <a:schemeClr val="dk1"/>
-              </a:lnRef>
-              <a:fillRef idx="1">
-                <a:schemeClr val="lt1"/>
-              </a:fillRef>
-              <a:effectRef idx="0">
-                <a:schemeClr val="dk1"/>
-              </a:effectRef>
-              <a:fontRef idx="minor">
-                <a:schemeClr val="dk1"/>
-              </a:fontRef>
-            </p:style>
-            <p:txBody>
-              <a:bodyPr rtlCol="0" anchor="ctr"/>
-              <a:lstStyle/>
-              <a:p>
-                <a:pPr algn="ctr"/>
-                <a:endParaRPr lang="ko-KR" altLang="en-US" sz="800"/>
-              </a:p>
-            </p:txBody>
-          </p:sp>
-          <p:sp>
-            <p:nvSpPr>
-              <p:cNvPr id="165" name="타원 164">
-                <a:extLst>
-                  <a:ext uri="{FF2B5EF4-FFF2-40B4-BE49-F238E27FC236}">
-                    <a16:creationId xmlns:a16="http://schemas.microsoft.com/office/drawing/2014/main" id="{51557DFD-FF65-4E75-8A3C-0A2EBAA5BC19}"/>
-                  </a:ext>
-                </a:extLst>
-              </p:cNvPr>
-              <p:cNvSpPr/>
-              <p:nvPr/>
-            </p:nvSpPr>
-            <p:spPr>
-              <a:xfrm>
-                <a:off x="2227811" y="1278776"/>
-                <a:ext cx="74814" cy="74814"/>
-              </a:xfrm>
-              <a:prstGeom prst="ellipse">
-                <a:avLst/>
-              </a:prstGeom>
-            </p:spPr>
-            <p:style>
-              <a:lnRef idx="2">
-                <a:schemeClr val="dk1"/>
-              </a:lnRef>
-              <a:fillRef idx="1">
-                <a:schemeClr val="lt1"/>
-              </a:fillRef>
-              <a:effectRef idx="0">
-                <a:schemeClr val="dk1"/>
-              </a:effectRef>
-              <a:fontRef idx="minor">
-                <a:schemeClr val="dk1"/>
-              </a:fontRef>
-            </p:style>
-            <p:txBody>
-              <a:bodyPr rtlCol="0" anchor="ctr"/>
-              <a:lstStyle/>
-              <a:p>
-                <a:pPr algn="ctr"/>
-                <a:endParaRPr lang="ko-KR" altLang="en-US" sz="800"/>
-              </a:p>
-            </p:txBody>
-          </p:sp>
-          <p:sp>
-            <p:nvSpPr>
-              <p:cNvPr id="166" name="타원 165">
-                <a:extLst>
-                  <a:ext uri="{FF2B5EF4-FFF2-40B4-BE49-F238E27FC236}">
-                    <a16:creationId xmlns:a16="http://schemas.microsoft.com/office/drawing/2014/main" id="{A3787997-749C-42F4-AFD2-D2B0ED0CC5F2}"/>
+                    <a16:creationId xmlns:a16="http://schemas.microsoft.com/office/drawing/2014/main" xmlns="" id="{BE8E97A0-7149-4006-BEDD-D0E368C981FB}"/>
                   </a:ext>
                 </a:extLst>
               </p:cNvPr>
@@ -26428,7 +25678,7 @@
             <p:cNvPr id="149" name="TextBox 148">
               <a:extLst>
                 <a:ext uri="{FF2B5EF4-FFF2-40B4-BE49-F238E27FC236}">
-                  <a16:creationId xmlns:a16="http://schemas.microsoft.com/office/drawing/2014/main" id="{632E0D45-B693-46DE-AFDE-43A51626D2A2}"/>
+                  <a16:creationId xmlns:a16="http://schemas.microsoft.com/office/drawing/2014/main" xmlns="" id="{632E0D45-B693-46DE-AFDE-43A51626D2A2}"/>
                 </a:ext>
               </a:extLst>
             </p:cNvPr>
@@ -26462,54 +25712,10 @@
         </p:sp>
         <p:sp>
           <p:nvSpPr>
-            <p:cNvPr id="150" name="타원 149">
-              <a:extLst>
-                <a:ext uri="{FF2B5EF4-FFF2-40B4-BE49-F238E27FC236}">
-                  <a16:creationId xmlns:a16="http://schemas.microsoft.com/office/drawing/2014/main" id="{B90E3C5A-6A05-41C2-AC02-406E5170DFCF}"/>
-                </a:ext>
-              </a:extLst>
-            </p:cNvPr>
-            <p:cNvSpPr/>
-            <p:nvPr/>
-          </p:nvSpPr>
-          <p:spPr>
-            <a:xfrm>
-              <a:off x="1097280" y="1529539"/>
-              <a:ext cx="403168" cy="403168"/>
-            </a:xfrm>
-            <a:prstGeom prst="ellipse">
-              <a:avLst/>
-            </a:prstGeom>
-          </p:spPr>
-          <p:style>
-            <a:lnRef idx="2">
-              <a:schemeClr val="dk1"/>
-            </a:lnRef>
-            <a:fillRef idx="1">
-              <a:schemeClr val="lt1"/>
-            </a:fillRef>
-            <a:effectRef idx="0">
-              <a:schemeClr val="dk1"/>
-            </a:effectRef>
-            <a:fontRef idx="minor">
-              <a:schemeClr val="dk1"/>
-            </a:fontRef>
-          </p:style>
-          <p:txBody>
-            <a:bodyPr rtlCol="0" anchor="ctr"/>
-            <a:lstStyle/>
-            <a:p>
-              <a:pPr algn="ctr"/>
-              <a:endParaRPr lang="ko-KR" altLang="en-US" sz="800" dirty="0"/>
-            </a:p>
-          </p:txBody>
-        </p:sp>
-        <p:sp>
-          <p:nvSpPr>
             <p:cNvPr id="152" name="타원 151">
               <a:extLst>
                 <a:ext uri="{FF2B5EF4-FFF2-40B4-BE49-F238E27FC236}">
-                  <a16:creationId xmlns:a16="http://schemas.microsoft.com/office/drawing/2014/main" id="{BE861C2B-FD59-42BE-B97A-9EF1040A8A5F}"/>
+                  <a16:creationId xmlns:a16="http://schemas.microsoft.com/office/drawing/2014/main" xmlns="" id="{BE861C2B-FD59-42BE-B97A-9EF1040A8A5F}"/>
                 </a:ext>
               </a:extLst>
             </p:cNvPr>
@@ -26553,7 +25759,7 @@
             <p:cNvPr id="153" name="타원 152">
               <a:extLst>
                 <a:ext uri="{FF2B5EF4-FFF2-40B4-BE49-F238E27FC236}">
-                  <a16:creationId xmlns:a16="http://schemas.microsoft.com/office/drawing/2014/main" id="{315C9E35-B504-42AF-BF65-99A46DD6AF94}"/>
+                  <a16:creationId xmlns:a16="http://schemas.microsoft.com/office/drawing/2014/main" xmlns="" id="{315C9E35-B504-42AF-BF65-99A46DD6AF94}"/>
                 </a:ext>
               </a:extLst>
             </p:cNvPr>
@@ -26597,7 +25803,7 @@
             <p:cNvPr id="154" name="타원 153">
               <a:extLst>
                 <a:ext uri="{FF2B5EF4-FFF2-40B4-BE49-F238E27FC236}">
-                  <a16:creationId xmlns:a16="http://schemas.microsoft.com/office/drawing/2014/main" id="{0B8B9879-447D-4927-9328-5E6165C845B9}"/>
+                  <a16:creationId xmlns:a16="http://schemas.microsoft.com/office/drawing/2014/main" xmlns="" id="{0B8B9879-447D-4927-9328-5E6165C845B9}"/>
                 </a:ext>
               </a:extLst>
             </p:cNvPr>
@@ -26641,7 +25847,7 @@
             <p:cNvPr id="155" name="타원 154">
               <a:extLst>
                 <a:ext uri="{FF2B5EF4-FFF2-40B4-BE49-F238E27FC236}">
-                  <a16:creationId xmlns:a16="http://schemas.microsoft.com/office/drawing/2014/main" id="{A71AB1E8-3B90-4391-8DAE-8E6891E59345}"/>
+                  <a16:creationId xmlns:a16="http://schemas.microsoft.com/office/drawing/2014/main" xmlns="" id="{A71AB1E8-3B90-4391-8DAE-8E6891E59345}"/>
                 </a:ext>
               </a:extLst>
             </p:cNvPr>
@@ -26685,7 +25891,7 @@
             <p:cNvPr id="157" name="TextBox 156">
               <a:extLst>
                 <a:ext uri="{FF2B5EF4-FFF2-40B4-BE49-F238E27FC236}">
-                  <a16:creationId xmlns:a16="http://schemas.microsoft.com/office/drawing/2014/main" id="{B606452E-416C-4F1F-86E5-91F477E1578A}"/>
+                  <a16:creationId xmlns:a16="http://schemas.microsoft.com/office/drawing/2014/main" xmlns="" id="{B606452E-416C-4F1F-86E5-91F477E1578A}"/>
                 </a:ext>
               </a:extLst>
             </p:cNvPr>
@@ -26721,7 +25927,7 @@
             <p:cNvPr id="158" name="TextBox 157">
               <a:extLst>
                 <a:ext uri="{FF2B5EF4-FFF2-40B4-BE49-F238E27FC236}">
-                  <a16:creationId xmlns:a16="http://schemas.microsoft.com/office/drawing/2014/main" id="{431CB47E-E94E-4FD4-A3C1-3C336C9063E1}"/>
+                  <a16:creationId xmlns:a16="http://schemas.microsoft.com/office/drawing/2014/main" xmlns="" id="{431CB47E-E94E-4FD4-A3C1-3C336C9063E1}"/>
                 </a:ext>
               </a:extLst>
             </p:cNvPr>
@@ -26757,7 +25963,7 @@
             <p:cNvPr id="159" name="TextBox 158">
               <a:extLst>
                 <a:ext uri="{FF2B5EF4-FFF2-40B4-BE49-F238E27FC236}">
-                  <a16:creationId xmlns:a16="http://schemas.microsoft.com/office/drawing/2014/main" id="{C45BA087-06DE-477C-8F23-B0A6A6BBECB5}"/>
+                  <a16:creationId xmlns:a16="http://schemas.microsoft.com/office/drawing/2014/main" xmlns="" id="{C45BA087-06DE-477C-8F23-B0A6A6BBECB5}"/>
                 </a:ext>
               </a:extLst>
             </p:cNvPr>
@@ -26793,7 +25999,7 @@
             <p:cNvPr id="160" name="TextBox 159">
               <a:extLst>
                 <a:ext uri="{FF2B5EF4-FFF2-40B4-BE49-F238E27FC236}">
-                  <a16:creationId xmlns:a16="http://schemas.microsoft.com/office/drawing/2014/main" id="{437ACB36-D084-490A-8A0D-97C603D4621D}"/>
+                  <a16:creationId xmlns:a16="http://schemas.microsoft.com/office/drawing/2014/main" xmlns="" id="{437ACB36-D084-490A-8A0D-97C603D4621D}"/>
                 </a:ext>
               </a:extLst>
             </p:cNvPr>
@@ -26829,7 +26035,7 @@
             <p:cNvPr id="161" name="TextBox 160">
               <a:extLst>
                 <a:ext uri="{FF2B5EF4-FFF2-40B4-BE49-F238E27FC236}">
-                  <a16:creationId xmlns:a16="http://schemas.microsoft.com/office/drawing/2014/main" id="{0C3FFC35-0D4B-4C5D-8D4C-D149C125C0FB}"/>
+                  <a16:creationId xmlns:a16="http://schemas.microsoft.com/office/drawing/2014/main" xmlns="" id="{0C3FFC35-0D4B-4C5D-8D4C-D149C125C0FB}"/>
                 </a:ext>
               </a:extLst>
             </p:cNvPr>
@@ -26865,7 +26071,7 @@
             <p:cNvPr id="162" name="TextBox 161">
               <a:extLst>
                 <a:ext uri="{FF2B5EF4-FFF2-40B4-BE49-F238E27FC236}">
-                  <a16:creationId xmlns:a16="http://schemas.microsoft.com/office/drawing/2014/main" id="{50F9DF5E-57DD-48E4-AD9E-E7E6BAE18022}"/>
+                  <a16:creationId xmlns:a16="http://schemas.microsoft.com/office/drawing/2014/main" xmlns="" id="{50F9DF5E-57DD-48E4-AD9E-E7E6BAE18022}"/>
                 </a:ext>
               </a:extLst>
             </p:cNvPr>
@@ -26901,7 +26107,7 @@
             <p:cNvPr id="163" name="TextBox 162">
               <a:extLst>
                 <a:ext uri="{FF2B5EF4-FFF2-40B4-BE49-F238E27FC236}">
-                  <a16:creationId xmlns:a16="http://schemas.microsoft.com/office/drawing/2014/main" id="{679B79ED-DE06-4E3A-8F0D-8FAA4D92FE76}"/>
+                  <a16:creationId xmlns:a16="http://schemas.microsoft.com/office/drawing/2014/main" xmlns="" id="{679B79ED-DE06-4E3A-8F0D-8FAA4D92FE76}"/>
                 </a:ext>
               </a:extLst>
             </p:cNvPr>
@@ -26932,12 +26138,33 @@
             </a:p>
           </p:txBody>
         </p:sp>
+      </p:grpSp>
+      <p:grpSp>
+        <p:nvGrpSpPr>
+          <p:cNvPr id="170" name="그룹 169">
+            <a:extLst>
+              <a:ext uri="{FF2B5EF4-FFF2-40B4-BE49-F238E27FC236}">
+                <a16:creationId xmlns:a16="http://schemas.microsoft.com/office/drawing/2014/main" xmlns="" id="{6C9BD9DA-B51B-40DA-BFB1-89B6E4F67675}"/>
+              </a:ext>
+            </a:extLst>
+          </p:cNvPr>
+          <p:cNvGrpSpPr/>
+          <p:nvPr/>
+        </p:nvGrpSpPr>
+        <p:grpSpPr>
+          <a:xfrm>
+            <a:off x="8843133" y="196731"/>
+            <a:ext cx="638316" cy="5964389"/>
+            <a:chOff x="979706" y="199500"/>
+            <a:chExt cx="638316" cy="5964389"/>
+          </a:xfrm>
+        </p:grpSpPr>
         <p:sp>
           <p:nvSpPr>
-            <p:cNvPr id="148" name="타원 147">
+            <p:cNvPr id="178" name="타원 177">
               <a:extLst>
                 <a:ext uri="{FF2B5EF4-FFF2-40B4-BE49-F238E27FC236}">
-                  <a16:creationId xmlns:a16="http://schemas.microsoft.com/office/drawing/2014/main" id="{1EAF832E-FEDE-4B8B-89B0-27F67FF0BC29}"/>
+                  <a16:creationId xmlns:a16="http://schemas.microsoft.com/office/drawing/2014/main" xmlns="" id="{A438B08C-B0C5-4E8E-9868-E171DD511DC6}"/>
                 </a:ext>
               </a:extLst>
             </p:cNvPr>
@@ -26946,13 +26173,12 @@
           </p:nvSpPr>
           <p:spPr>
             <a:xfrm>
-              <a:off x="1097280" y="824342"/>
+              <a:off x="1097280" y="3645130"/>
               <a:ext cx="403168" cy="403168"/>
             </a:xfrm>
             <a:prstGeom prst="ellipse">
               <a:avLst/>
             </a:prstGeom>
-            <a:noFill/>
           </p:spPr>
           <p:style>
             <a:lnRef idx="2">
@@ -26979,10 +26205,10 @@
         </p:sp>
         <p:sp>
           <p:nvSpPr>
-            <p:cNvPr id="156" name="타원 155">
+            <p:cNvPr id="181" name="타원 180">
               <a:extLst>
                 <a:ext uri="{FF2B5EF4-FFF2-40B4-BE49-F238E27FC236}">
-                  <a16:creationId xmlns:a16="http://schemas.microsoft.com/office/drawing/2014/main" id="{22ECCEEF-5257-4F46-915C-F023B2C75C66}"/>
+                  <a16:creationId xmlns:a16="http://schemas.microsoft.com/office/drawing/2014/main" xmlns="" id="{D1AE4630-B7F0-4AB2-A1AF-96B4B0105D9A}"/>
                 </a:ext>
               </a:extLst>
             </p:cNvPr>
@@ -26997,7 +26223,6 @@
             <a:prstGeom prst="ellipse">
               <a:avLst/>
             </a:prstGeom>
-            <a:noFill/>
           </p:spPr>
           <p:style>
             <a:lnRef idx="2">
@@ -27022,78 +26247,12 @@
             </a:p>
           </p:txBody>
         </p:sp>
-        <p:sp>
-          <p:nvSpPr>
-            <p:cNvPr id="151" name="타원 150">
-              <a:extLst>
-                <a:ext uri="{FF2B5EF4-FFF2-40B4-BE49-F238E27FC236}">
-                  <a16:creationId xmlns:a16="http://schemas.microsoft.com/office/drawing/2014/main" id="{41A18765-F20A-4CCA-BA51-B2B3137BA87D}"/>
-                </a:ext>
-              </a:extLst>
-            </p:cNvPr>
-            <p:cNvSpPr/>
-            <p:nvPr/>
-          </p:nvSpPr>
-          <p:spPr>
-            <a:xfrm>
-              <a:off x="1097280" y="2234736"/>
-              <a:ext cx="403168" cy="403168"/>
-            </a:xfrm>
-            <a:prstGeom prst="ellipse">
-              <a:avLst/>
-            </a:prstGeom>
-            <a:noFill/>
-          </p:spPr>
-          <p:style>
-            <a:lnRef idx="2">
-              <a:schemeClr val="dk1"/>
-            </a:lnRef>
-            <a:fillRef idx="1">
-              <a:schemeClr val="lt1"/>
-            </a:fillRef>
-            <a:effectRef idx="0">
-              <a:schemeClr val="dk1"/>
-            </a:effectRef>
-            <a:fontRef idx="minor">
-              <a:schemeClr val="dk1"/>
-            </a:fontRef>
-          </p:style>
-          <p:txBody>
-            <a:bodyPr rtlCol="0" anchor="ctr"/>
-            <a:lstStyle/>
-            <a:p>
-              <a:pPr algn="ctr"/>
-              <a:endParaRPr lang="ko-KR" altLang="en-US" sz="800" dirty="0"/>
-            </a:p>
-          </p:txBody>
-        </p:sp>
-      </p:grpSp>
-      <p:grpSp>
-        <p:nvGrpSpPr>
-          <p:cNvPr id="170" name="그룹 169">
-            <a:extLst>
-              <a:ext uri="{FF2B5EF4-FFF2-40B4-BE49-F238E27FC236}">
-                <a16:creationId xmlns:a16="http://schemas.microsoft.com/office/drawing/2014/main" id="{6C9BD9DA-B51B-40DA-BFB1-89B6E4F67675}"/>
-              </a:ext>
-            </a:extLst>
-          </p:cNvPr>
-          <p:cNvGrpSpPr/>
-          <p:nvPr/>
-        </p:nvGrpSpPr>
-        <p:grpSpPr>
-          <a:xfrm>
-            <a:off x="8843133" y="196731"/>
-            <a:ext cx="638316" cy="6589231"/>
-            <a:chOff x="979706" y="199500"/>
-            <a:chExt cx="638316" cy="6589231"/>
-          </a:xfrm>
-        </p:grpSpPr>
         <p:grpSp>
           <p:nvGrpSpPr>
             <p:cNvPr id="171" name="그룹 170">
               <a:extLst>
                 <a:ext uri="{FF2B5EF4-FFF2-40B4-BE49-F238E27FC236}">
-                  <a16:creationId xmlns:a16="http://schemas.microsoft.com/office/drawing/2014/main" id="{0B600C14-F626-430D-AEA8-91AD36663CC2}"/>
+                  <a16:creationId xmlns:a16="http://schemas.microsoft.com/office/drawing/2014/main" xmlns="" id="{0B600C14-F626-430D-AEA8-91AD36663CC2}"/>
                 </a:ext>
               </a:extLst>
             </p:cNvPr>
@@ -27113,7 +26272,7 @@
               <p:cNvPr id="192" name="타원 191">
                 <a:extLst>
                   <a:ext uri="{FF2B5EF4-FFF2-40B4-BE49-F238E27FC236}">
-                    <a16:creationId xmlns:a16="http://schemas.microsoft.com/office/drawing/2014/main" id="{56FE7DB7-FB78-4C3D-BEF7-25B485E399BE}"/>
+                    <a16:creationId xmlns:a16="http://schemas.microsoft.com/office/drawing/2014/main" xmlns="" id="{56FE7DB7-FB78-4C3D-BEF7-25B485E399BE}"/>
                   </a:ext>
                 </a:extLst>
               </p:cNvPr>
@@ -27157,7 +26316,7 @@
               <p:cNvPr id="193" name="타원 192">
                 <a:extLst>
                   <a:ext uri="{FF2B5EF4-FFF2-40B4-BE49-F238E27FC236}">
-                    <a16:creationId xmlns:a16="http://schemas.microsoft.com/office/drawing/2014/main" id="{B14195DC-BDE7-4118-AA8D-6BA42D0A04CC}"/>
+                    <a16:creationId xmlns:a16="http://schemas.microsoft.com/office/drawing/2014/main" xmlns="" id="{B14195DC-BDE7-4118-AA8D-6BA42D0A04CC}"/>
                   </a:ext>
                 </a:extLst>
               </p:cNvPr>
@@ -27201,160 +26360,7 @@
               <p:cNvPr id="194" name="타원 193">
                 <a:extLst>
                   <a:ext uri="{FF2B5EF4-FFF2-40B4-BE49-F238E27FC236}">
-                    <a16:creationId xmlns:a16="http://schemas.microsoft.com/office/drawing/2014/main" id="{87E1E068-7395-477D-A02C-DEE5423ABC92}"/>
-                  </a:ext>
-                </a:extLst>
-              </p:cNvPr>
-              <p:cNvSpPr/>
-              <p:nvPr/>
-            </p:nvSpPr>
-            <p:spPr>
-              <a:xfrm>
-                <a:off x="2227811" y="1152696"/>
-                <a:ext cx="74814" cy="74814"/>
-              </a:xfrm>
-              <a:prstGeom prst="ellipse">
-                <a:avLst/>
-              </a:prstGeom>
-            </p:spPr>
-            <p:style>
-              <a:lnRef idx="2">
-                <a:schemeClr val="dk1"/>
-              </a:lnRef>
-              <a:fillRef idx="1">
-                <a:schemeClr val="lt1"/>
-              </a:fillRef>
-              <a:effectRef idx="0">
-                <a:schemeClr val="dk1"/>
-              </a:effectRef>
-              <a:fontRef idx="minor">
-                <a:schemeClr val="dk1"/>
-              </a:fontRef>
-            </p:style>
-            <p:txBody>
-              <a:bodyPr rtlCol="0" anchor="ctr"/>
-              <a:lstStyle/>
-              <a:p>
-                <a:pPr algn="ctr"/>
-                <a:endParaRPr lang="ko-KR" altLang="en-US" sz="800"/>
-              </a:p>
-            </p:txBody>
-          </p:sp>
-        </p:grpSp>
-        <p:grpSp>
-          <p:nvGrpSpPr>
-            <p:cNvPr id="172" name="그룹 171">
-              <a:extLst>
-                <a:ext uri="{FF2B5EF4-FFF2-40B4-BE49-F238E27FC236}">
-                  <a16:creationId xmlns:a16="http://schemas.microsoft.com/office/drawing/2014/main" id="{EA18412C-1F51-4489-B382-E313D9F581A6}"/>
-                </a:ext>
-              </a:extLst>
-            </p:cNvPr>
-            <p:cNvGrpSpPr/>
-            <p:nvPr/>
-          </p:nvGrpSpPr>
-          <p:grpSpPr>
-            <a:xfrm>
-              <a:off x="1261457" y="6465918"/>
-              <a:ext cx="74814" cy="322813"/>
-              <a:chOff x="2227811" y="1152696"/>
-              <a:chExt cx="74814" cy="322813"/>
-            </a:xfrm>
-          </p:grpSpPr>
-          <p:sp>
-            <p:nvSpPr>
-              <p:cNvPr id="189" name="타원 188">
-                <a:extLst>
-                  <a:ext uri="{FF2B5EF4-FFF2-40B4-BE49-F238E27FC236}">
-                    <a16:creationId xmlns:a16="http://schemas.microsoft.com/office/drawing/2014/main" id="{083C1FEC-A82C-40C5-B8F3-BAA0A94E7F9E}"/>
-                  </a:ext>
-                </a:extLst>
-              </p:cNvPr>
-              <p:cNvSpPr/>
-              <p:nvPr/>
-            </p:nvSpPr>
-            <p:spPr>
-              <a:xfrm>
-                <a:off x="2227811" y="1400695"/>
-                <a:ext cx="74814" cy="74814"/>
-              </a:xfrm>
-              <a:prstGeom prst="ellipse">
-                <a:avLst/>
-              </a:prstGeom>
-            </p:spPr>
-            <p:style>
-              <a:lnRef idx="2">
-                <a:schemeClr val="dk1"/>
-              </a:lnRef>
-              <a:fillRef idx="1">
-                <a:schemeClr val="lt1"/>
-              </a:fillRef>
-              <a:effectRef idx="0">
-                <a:schemeClr val="dk1"/>
-              </a:effectRef>
-              <a:fontRef idx="minor">
-                <a:schemeClr val="dk1"/>
-              </a:fontRef>
-            </p:style>
-            <p:txBody>
-              <a:bodyPr rtlCol="0" anchor="ctr"/>
-              <a:lstStyle/>
-              <a:p>
-                <a:pPr algn="ctr"/>
-                <a:endParaRPr lang="ko-KR" altLang="en-US" sz="800"/>
-              </a:p>
-            </p:txBody>
-          </p:sp>
-          <p:sp>
-            <p:nvSpPr>
-              <p:cNvPr id="190" name="타원 189">
-                <a:extLst>
-                  <a:ext uri="{FF2B5EF4-FFF2-40B4-BE49-F238E27FC236}">
-                    <a16:creationId xmlns:a16="http://schemas.microsoft.com/office/drawing/2014/main" id="{249361BE-599E-417F-AA59-BDC36CA21F6C}"/>
-                  </a:ext>
-                </a:extLst>
-              </p:cNvPr>
-              <p:cNvSpPr/>
-              <p:nvPr/>
-            </p:nvSpPr>
-            <p:spPr>
-              <a:xfrm>
-                <a:off x="2227811" y="1278776"/>
-                <a:ext cx="74814" cy="74814"/>
-              </a:xfrm>
-              <a:prstGeom prst="ellipse">
-                <a:avLst/>
-              </a:prstGeom>
-            </p:spPr>
-            <p:style>
-              <a:lnRef idx="2">
-                <a:schemeClr val="dk1"/>
-              </a:lnRef>
-              <a:fillRef idx="1">
-                <a:schemeClr val="lt1"/>
-              </a:fillRef>
-              <a:effectRef idx="0">
-                <a:schemeClr val="dk1"/>
-              </a:effectRef>
-              <a:fontRef idx="minor">
-                <a:schemeClr val="dk1"/>
-              </a:fontRef>
-            </p:style>
-            <p:txBody>
-              <a:bodyPr rtlCol="0" anchor="ctr"/>
-              <a:lstStyle/>
-              <a:p>
-                <a:pPr algn="ctr"/>
-                <a:endParaRPr lang="ko-KR" altLang="en-US" sz="800"/>
-              </a:p>
-            </p:txBody>
-          </p:sp>
-          <p:sp>
-            <p:nvSpPr>
-              <p:cNvPr id="191" name="타원 190">
-                <a:extLst>
-                  <a:ext uri="{FF2B5EF4-FFF2-40B4-BE49-F238E27FC236}">
-                    <a16:creationId xmlns:a16="http://schemas.microsoft.com/office/drawing/2014/main" id="{27A291B2-9660-47EA-BA30-7F77D18249EC}"/>
+                    <a16:creationId xmlns:a16="http://schemas.microsoft.com/office/drawing/2014/main" xmlns="" id="{87E1E068-7395-477D-A02C-DEE5423ABC92}"/>
                   </a:ext>
                 </a:extLst>
               </p:cNvPr>
@@ -27399,7 +26405,7 @@
             <p:cNvPr id="173" name="타원 172">
               <a:extLst>
                 <a:ext uri="{FF2B5EF4-FFF2-40B4-BE49-F238E27FC236}">
-                  <a16:creationId xmlns:a16="http://schemas.microsoft.com/office/drawing/2014/main" id="{C0640EB6-69A1-4138-B39B-47CA789430DE}"/>
+                  <a16:creationId xmlns:a16="http://schemas.microsoft.com/office/drawing/2014/main" xmlns="" id="{C0640EB6-69A1-4138-B39B-47CA789430DE}"/>
                 </a:ext>
               </a:extLst>
             </p:cNvPr>
@@ -27443,7 +26449,7 @@
             <p:cNvPr id="174" name="TextBox 173">
               <a:extLst>
                 <a:ext uri="{FF2B5EF4-FFF2-40B4-BE49-F238E27FC236}">
-                  <a16:creationId xmlns:a16="http://schemas.microsoft.com/office/drawing/2014/main" id="{A3DAE0FE-C8B1-4957-AF4D-77348EA56FF1}"/>
+                  <a16:creationId xmlns:a16="http://schemas.microsoft.com/office/drawing/2014/main" xmlns="" id="{A3DAE0FE-C8B1-4957-AF4D-77348EA56FF1}"/>
                 </a:ext>
               </a:extLst>
             </p:cNvPr>
@@ -27479,7 +26485,7 @@
             <p:cNvPr id="175" name="타원 174">
               <a:extLst>
                 <a:ext uri="{FF2B5EF4-FFF2-40B4-BE49-F238E27FC236}">
-                  <a16:creationId xmlns:a16="http://schemas.microsoft.com/office/drawing/2014/main" id="{DEC17566-3ECD-4889-AADE-61F2E4C31F2B}"/>
+                  <a16:creationId xmlns:a16="http://schemas.microsoft.com/office/drawing/2014/main" xmlns="" id="{DEC17566-3ECD-4889-AADE-61F2E4C31F2B}"/>
                 </a:ext>
               </a:extLst>
             </p:cNvPr>
@@ -27523,7 +26529,7 @@
             <p:cNvPr id="176" name="타원 175">
               <a:extLst>
                 <a:ext uri="{FF2B5EF4-FFF2-40B4-BE49-F238E27FC236}">
-                  <a16:creationId xmlns:a16="http://schemas.microsoft.com/office/drawing/2014/main" id="{4BA6E39B-D995-4E5E-A5AB-FC3547A3051E}"/>
+                  <a16:creationId xmlns:a16="http://schemas.microsoft.com/office/drawing/2014/main" xmlns="" id="{4BA6E39B-D995-4E5E-A5AB-FC3547A3051E}"/>
                 </a:ext>
               </a:extLst>
             </p:cNvPr>
@@ -27567,7 +26573,7 @@
             <p:cNvPr id="177" name="타원 176">
               <a:extLst>
                 <a:ext uri="{FF2B5EF4-FFF2-40B4-BE49-F238E27FC236}">
-                  <a16:creationId xmlns:a16="http://schemas.microsoft.com/office/drawing/2014/main" id="{DF9A87E0-5C6A-4E24-8E07-5FC4C62AC0FD}"/>
+                  <a16:creationId xmlns:a16="http://schemas.microsoft.com/office/drawing/2014/main" xmlns="" id="{DF9A87E0-5C6A-4E24-8E07-5FC4C62AC0FD}"/>
                 </a:ext>
               </a:extLst>
             </p:cNvPr>
@@ -27608,54 +26614,10 @@
         </p:sp>
         <p:sp>
           <p:nvSpPr>
-            <p:cNvPr id="178" name="타원 177">
-              <a:extLst>
-                <a:ext uri="{FF2B5EF4-FFF2-40B4-BE49-F238E27FC236}">
-                  <a16:creationId xmlns:a16="http://schemas.microsoft.com/office/drawing/2014/main" id="{A438B08C-B0C5-4E8E-9868-E171DD511DC6}"/>
-                </a:ext>
-              </a:extLst>
-            </p:cNvPr>
-            <p:cNvSpPr/>
-            <p:nvPr/>
-          </p:nvSpPr>
-          <p:spPr>
-            <a:xfrm>
-              <a:off x="1097280" y="3645130"/>
-              <a:ext cx="403168" cy="403168"/>
-            </a:xfrm>
-            <a:prstGeom prst="ellipse">
-              <a:avLst/>
-            </a:prstGeom>
-          </p:spPr>
-          <p:style>
-            <a:lnRef idx="2">
-              <a:schemeClr val="dk1"/>
-            </a:lnRef>
-            <a:fillRef idx="1">
-              <a:schemeClr val="lt1"/>
-            </a:fillRef>
-            <a:effectRef idx="0">
-              <a:schemeClr val="dk1"/>
-            </a:effectRef>
-            <a:fontRef idx="minor">
-              <a:schemeClr val="dk1"/>
-            </a:fontRef>
-          </p:style>
-          <p:txBody>
-            <a:bodyPr rtlCol="0" anchor="ctr"/>
-            <a:lstStyle/>
-            <a:p>
-              <a:pPr algn="ctr"/>
-              <a:endParaRPr lang="ko-KR" altLang="en-US" sz="800" dirty="0"/>
-            </a:p>
-          </p:txBody>
-        </p:sp>
-        <p:sp>
-          <p:nvSpPr>
             <p:cNvPr id="179" name="타원 178">
               <a:extLst>
                 <a:ext uri="{FF2B5EF4-FFF2-40B4-BE49-F238E27FC236}">
-                  <a16:creationId xmlns:a16="http://schemas.microsoft.com/office/drawing/2014/main" id="{40D03462-E6E6-4BBD-BDC5-72D7A975BA3E}"/>
+                  <a16:creationId xmlns:a16="http://schemas.microsoft.com/office/drawing/2014/main" xmlns="" id="{40D03462-E6E6-4BBD-BDC5-72D7A975BA3E}"/>
                 </a:ext>
               </a:extLst>
             </p:cNvPr>
@@ -27699,7 +26661,7 @@
             <p:cNvPr id="180" name="타원 179">
               <a:extLst>
                 <a:ext uri="{FF2B5EF4-FFF2-40B4-BE49-F238E27FC236}">
-                  <a16:creationId xmlns:a16="http://schemas.microsoft.com/office/drawing/2014/main" id="{48B027A3-A207-4738-B1BD-B69A9E6B38DF}"/>
+                  <a16:creationId xmlns:a16="http://schemas.microsoft.com/office/drawing/2014/main" xmlns="" id="{48B027A3-A207-4738-B1BD-B69A9E6B38DF}"/>
                 </a:ext>
               </a:extLst>
             </p:cNvPr>
@@ -27743,7 +26705,7 @@
             <p:cNvPr id="182" name="TextBox 181">
               <a:extLst>
                 <a:ext uri="{FF2B5EF4-FFF2-40B4-BE49-F238E27FC236}">
-                  <a16:creationId xmlns:a16="http://schemas.microsoft.com/office/drawing/2014/main" id="{FF484107-2D2C-48AC-8291-FE9705D27A9D}"/>
+                  <a16:creationId xmlns:a16="http://schemas.microsoft.com/office/drawing/2014/main" xmlns="" id="{FF484107-2D2C-48AC-8291-FE9705D27A9D}"/>
                 </a:ext>
               </a:extLst>
             </p:cNvPr>
@@ -27779,7 +26741,7 @@
             <p:cNvPr id="183" name="TextBox 182">
               <a:extLst>
                 <a:ext uri="{FF2B5EF4-FFF2-40B4-BE49-F238E27FC236}">
-                  <a16:creationId xmlns:a16="http://schemas.microsoft.com/office/drawing/2014/main" id="{C652FBFE-2ECA-4E93-B11D-5205E089111B}"/>
+                  <a16:creationId xmlns:a16="http://schemas.microsoft.com/office/drawing/2014/main" xmlns="" id="{C652FBFE-2ECA-4E93-B11D-5205E089111B}"/>
                 </a:ext>
               </a:extLst>
             </p:cNvPr>
@@ -27815,7 +26777,7 @@
             <p:cNvPr id="184" name="TextBox 183">
               <a:extLst>
                 <a:ext uri="{FF2B5EF4-FFF2-40B4-BE49-F238E27FC236}">
-                  <a16:creationId xmlns:a16="http://schemas.microsoft.com/office/drawing/2014/main" id="{6354E50E-8D7C-4382-924B-DA455555EFD9}"/>
+                  <a16:creationId xmlns:a16="http://schemas.microsoft.com/office/drawing/2014/main" xmlns="" id="{6354E50E-8D7C-4382-924B-DA455555EFD9}"/>
                 </a:ext>
               </a:extLst>
             </p:cNvPr>
@@ -27851,7 +26813,7 @@
             <p:cNvPr id="185" name="TextBox 184">
               <a:extLst>
                 <a:ext uri="{FF2B5EF4-FFF2-40B4-BE49-F238E27FC236}">
-                  <a16:creationId xmlns:a16="http://schemas.microsoft.com/office/drawing/2014/main" id="{C6BA7AB2-81FF-4A47-9616-74D8EFB17C45}"/>
+                  <a16:creationId xmlns:a16="http://schemas.microsoft.com/office/drawing/2014/main" xmlns="" id="{C6BA7AB2-81FF-4A47-9616-74D8EFB17C45}"/>
                 </a:ext>
               </a:extLst>
             </p:cNvPr>
@@ -27887,7 +26849,7 @@
             <p:cNvPr id="186" name="TextBox 185">
               <a:extLst>
                 <a:ext uri="{FF2B5EF4-FFF2-40B4-BE49-F238E27FC236}">
-                  <a16:creationId xmlns:a16="http://schemas.microsoft.com/office/drawing/2014/main" id="{80AA4D85-09B8-43B7-9BC4-80D1F177A6F7}"/>
+                  <a16:creationId xmlns:a16="http://schemas.microsoft.com/office/drawing/2014/main" xmlns="" id="{80AA4D85-09B8-43B7-9BC4-80D1F177A6F7}"/>
                 </a:ext>
               </a:extLst>
             </p:cNvPr>
@@ -27923,7 +26885,7 @@
             <p:cNvPr id="187" name="TextBox 186">
               <a:extLst>
                 <a:ext uri="{FF2B5EF4-FFF2-40B4-BE49-F238E27FC236}">
-                  <a16:creationId xmlns:a16="http://schemas.microsoft.com/office/drawing/2014/main" id="{510C5236-4C1A-4153-A525-6BC600AEC120}"/>
+                  <a16:creationId xmlns:a16="http://schemas.microsoft.com/office/drawing/2014/main" xmlns="" id="{510C5236-4C1A-4153-A525-6BC600AEC120}"/>
                 </a:ext>
               </a:extLst>
             </p:cNvPr>
@@ -27959,7 +26921,7 @@
             <p:cNvPr id="188" name="TextBox 187">
               <a:extLst>
                 <a:ext uri="{FF2B5EF4-FFF2-40B4-BE49-F238E27FC236}">
-                  <a16:creationId xmlns:a16="http://schemas.microsoft.com/office/drawing/2014/main" id="{1668DD41-72F4-46F0-A620-5B256116070A}"/>
+                  <a16:creationId xmlns:a16="http://schemas.microsoft.com/office/drawing/2014/main" xmlns="" id="{1668DD41-72F4-46F0-A620-5B256116070A}"/>
                 </a:ext>
               </a:extLst>
             </p:cNvPr>
@@ -27990,12 +26952,33 @@
             </a:p>
           </p:txBody>
         </p:sp>
+      </p:grpSp>
+      <p:grpSp>
+        <p:nvGrpSpPr>
+          <p:cNvPr id="195" name="그룹 194">
+            <a:extLst>
+              <a:ext uri="{FF2B5EF4-FFF2-40B4-BE49-F238E27FC236}">
+                <a16:creationId xmlns:a16="http://schemas.microsoft.com/office/drawing/2014/main" xmlns="" id="{F4CAE773-1AE4-4EE2-B9D7-AFD29B0C777C}"/>
+              </a:ext>
+            </a:extLst>
+          </p:cNvPr>
+          <p:cNvGrpSpPr/>
+          <p:nvPr/>
+        </p:nvGrpSpPr>
+        <p:grpSpPr>
+          <a:xfrm>
+            <a:off x="10217029" y="196731"/>
+            <a:ext cx="638316" cy="5964389"/>
+            <a:chOff x="979706" y="199500"/>
+            <a:chExt cx="638316" cy="5964389"/>
+          </a:xfrm>
+        </p:grpSpPr>
         <p:sp>
           <p:nvSpPr>
-            <p:cNvPr id="181" name="타원 180">
+            <p:cNvPr id="206" name="타원 205">
               <a:extLst>
                 <a:ext uri="{FF2B5EF4-FFF2-40B4-BE49-F238E27FC236}">
-                  <a16:creationId xmlns:a16="http://schemas.microsoft.com/office/drawing/2014/main" id="{D1AE4630-B7F0-4AB2-A1AF-96B4B0105D9A}"/>
+                  <a16:creationId xmlns:a16="http://schemas.microsoft.com/office/drawing/2014/main" xmlns="" id="{E2FA0D6F-FA42-4C9B-9F76-4C70AC9DA920}"/>
                 </a:ext>
               </a:extLst>
             </p:cNvPr>
@@ -28010,7 +26993,6 @@
             <a:prstGeom prst="ellipse">
               <a:avLst/>
             </a:prstGeom>
-            <a:noFill/>
           </p:spPr>
           <p:style>
             <a:lnRef idx="2">
@@ -28035,33 +27017,12 @@
             </a:p>
           </p:txBody>
         </p:sp>
-      </p:grpSp>
-      <p:grpSp>
-        <p:nvGrpSpPr>
-          <p:cNvPr id="195" name="그룹 194">
-            <a:extLst>
-              <a:ext uri="{FF2B5EF4-FFF2-40B4-BE49-F238E27FC236}">
-                <a16:creationId xmlns:a16="http://schemas.microsoft.com/office/drawing/2014/main" id="{F4CAE773-1AE4-4EE2-B9D7-AFD29B0C777C}"/>
-              </a:ext>
-            </a:extLst>
-          </p:cNvPr>
-          <p:cNvGrpSpPr/>
-          <p:nvPr/>
-        </p:nvGrpSpPr>
-        <p:grpSpPr>
-          <a:xfrm>
-            <a:off x="10217029" y="196731"/>
-            <a:ext cx="638316" cy="6589231"/>
-            <a:chOff x="979706" y="199500"/>
-            <a:chExt cx="638316" cy="6589231"/>
-          </a:xfrm>
-        </p:grpSpPr>
         <p:grpSp>
           <p:nvGrpSpPr>
             <p:cNvPr id="196" name="그룹 195">
               <a:extLst>
                 <a:ext uri="{FF2B5EF4-FFF2-40B4-BE49-F238E27FC236}">
-                  <a16:creationId xmlns:a16="http://schemas.microsoft.com/office/drawing/2014/main" id="{5AE4F81A-D2EA-43BD-AB40-C98B675205BC}"/>
+                  <a16:creationId xmlns:a16="http://schemas.microsoft.com/office/drawing/2014/main" xmlns="" id="{5AE4F81A-D2EA-43BD-AB40-C98B675205BC}"/>
                 </a:ext>
               </a:extLst>
             </p:cNvPr>
@@ -28081,7 +27042,7 @@
               <p:cNvPr id="217" name="타원 216">
                 <a:extLst>
                   <a:ext uri="{FF2B5EF4-FFF2-40B4-BE49-F238E27FC236}">
-                    <a16:creationId xmlns:a16="http://schemas.microsoft.com/office/drawing/2014/main" id="{54D1C286-C42F-46F0-ACE8-8B80FAAD331F}"/>
+                    <a16:creationId xmlns:a16="http://schemas.microsoft.com/office/drawing/2014/main" xmlns="" id="{54D1C286-C42F-46F0-ACE8-8B80FAAD331F}"/>
                   </a:ext>
                 </a:extLst>
               </p:cNvPr>
@@ -28125,7 +27086,7 @@
               <p:cNvPr id="218" name="타원 217">
                 <a:extLst>
                   <a:ext uri="{FF2B5EF4-FFF2-40B4-BE49-F238E27FC236}">
-                    <a16:creationId xmlns:a16="http://schemas.microsoft.com/office/drawing/2014/main" id="{4D4267E0-A6EF-418C-921F-DE6E0B3CA6CE}"/>
+                    <a16:creationId xmlns:a16="http://schemas.microsoft.com/office/drawing/2014/main" xmlns="" id="{4D4267E0-A6EF-418C-921F-DE6E0B3CA6CE}"/>
                   </a:ext>
                 </a:extLst>
               </p:cNvPr>
@@ -28169,160 +27130,7 @@
               <p:cNvPr id="219" name="타원 218">
                 <a:extLst>
                   <a:ext uri="{FF2B5EF4-FFF2-40B4-BE49-F238E27FC236}">
-                    <a16:creationId xmlns:a16="http://schemas.microsoft.com/office/drawing/2014/main" id="{ECB9A5A1-F529-4FF7-AE61-707C599162FA}"/>
-                  </a:ext>
-                </a:extLst>
-              </p:cNvPr>
-              <p:cNvSpPr/>
-              <p:nvPr/>
-            </p:nvSpPr>
-            <p:spPr>
-              <a:xfrm>
-                <a:off x="2227811" y="1152696"/>
-                <a:ext cx="74814" cy="74814"/>
-              </a:xfrm>
-              <a:prstGeom prst="ellipse">
-                <a:avLst/>
-              </a:prstGeom>
-            </p:spPr>
-            <p:style>
-              <a:lnRef idx="2">
-                <a:schemeClr val="dk1"/>
-              </a:lnRef>
-              <a:fillRef idx="1">
-                <a:schemeClr val="lt1"/>
-              </a:fillRef>
-              <a:effectRef idx="0">
-                <a:schemeClr val="dk1"/>
-              </a:effectRef>
-              <a:fontRef idx="minor">
-                <a:schemeClr val="dk1"/>
-              </a:fontRef>
-            </p:style>
-            <p:txBody>
-              <a:bodyPr rtlCol="0" anchor="ctr"/>
-              <a:lstStyle/>
-              <a:p>
-                <a:pPr algn="ctr"/>
-                <a:endParaRPr lang="ko-KR" altLang="en-US" sz="800"/>
-              </a:p>
-            </p:txBody>
-          </p:sp>
-        </p:grpSp>
-        <p:grpSp>
-          <p:nvGrpSpPr>
-            <p:cNvPr id="197" name="그룹 196">
-              <a:extLst>
-                <a:ext uri="{FF2B5EF4-FFF2-40B4-BE49-F238E27FC236}">
-                  <a16:creationId xmlns:a16="http://schemas.microsoft.com/office/drawing/2014/main" id="{5458AF31-FDCF-4201-AD24-4B2D7D60D1EA}"/>
-                </a:ext>
-              </a:extLst>
-            </p:cNvPr>
-            <p:cNvGrpSpPr/>
-            <p:nvPr/>
-          </p:nvGrpSpPr>
-          <p:grpSpPr>
-            <a:xfrm>
-              <a:off x="1261457" y="6465918"/>
-              <a:ext cx="74814" cy="322813"/>
-              <a:chOff x="2227811" y="1152696"/>
-              <a:chExt cx="74814" cy="322813"/>
-            </a:xfrm>
-          </p:grpSpPr>
-          <p:sp>
-            <p:nvSpPr>
-              <p:cNvPr id="214" name="타원 213">
-                <a:extLst>
-                  <a:ext uri="{FF2B5EF4-FFF2-40B4-BE49-F238E27FC236}">
-                    <a16:creationId xmlns:a16="http://schemas.microsoft.com/office/drawing/2014/main" id="{E339FA54-CF74-4981-9DF9-24250F823A84}"/>
-                  </a:ext>
-                </a:extLst>
-              </p:cNvPr>
-              <p:cNvSpPr/>
-              <p:nvPr/>
-            </p:nvSpPr>
-            <p:spPr>
-              <a:xfrm>
-                <a:off x="2227811" y="1400695"/>
-                <a:ext cx="74814" cy="74814"/>
-              </a:xfrm>
-              <a:prstGeom prst="ellipse">
-                <a:avLst/>
-              </a:prstGeom>
-            </p:spPr>
-            <p:style>
-              <a:lnRef idx="2">
-                <a:schemeClr val="dk1"/>
-              </a:lnRef>
-              <a:fillRef idx="1">
-                <a:schemeClr val="lt1"/>
-              </a:fillRef>
-              <a:effectRef idx="0">
-                <a:schemeClr val="dk1"/>
-              </a:effectRef>
-              <a:fontRef idx="minor">
-                <a:schemeClr val="dk1"/>
-              </a:fontRef>
-            </p:style>
-            <p:txBody>
-              <a:bodyPr rtlCol="0" anchor="ctr"/>
-              <a:lstStyle/>
-              <a:p>
-                <a:pPr algn="ctr"/>
-                <a:endParaRPr lang="ko-KR" altLang="en-US" sz="800"/>
-              </a:p>
-            </p:txBody>
-          </p:sp>
-          <p:sp>
-            <p:nvSpPr>
-              <p:cNvPr id="215" name="타원 214">
-                <a:extLst>
-                  <a:ext uri="{FF2B5EF4-FFF2-40B4-BE49-F238E27FC236}">
-                    <a16:creationId xmlns:a16="http://schemas.microsoft.com/office/drawing/2014/main" id="{1C8A0747-D191-4A55-B111-68F056472785}"/>
-                  </a:ext>
-                </a:extLst>
-              </p:cNvPr>
-              <p:cNvSpPr/>
-              <p:nvPr/>
-            </p:nvSpPr>
-            <p:spPr>
-              <a:xfrm>
-                <a:off x="2227811" y="1278776"/>
-                <a:ext cx="74814" cy="74814"/>
-              </a:xfrm>
-              <a:prstGeom prst="ellipse">
-                <a:avLst/>
-              </a:prstGeom>
-            </p:spPr>
-            <p:style>
-              <a:lnRef idx="2">
-                <a:schemeClr val="dk1"/>
-              </a:lnRef>
-              <a:fillRef idx="1">
-                <a:schemeClr val="lt1"/>
-              </a:fillRef>
-              <a:effectRef idx="0">
-                <a:schemeClr val="dk1"/>
-              </a:effectRef>
-              <a:fontRef idx="minor">
-                <a:schemeClr val="dk1"/>
-              </a:fontRef>
-            </p:style>
-            <p:txBody>
-              <a:bodyPr rtlCol="0" anchor="ctr"/>
-              <a:lstStyle/>
-              <a:p>
-                <a:pPr algn="ctr"/>
-                <a:endParaRPr lang="ko-KR" altLang="en-US" sz="800"/>
-              </a:p>
-            </p:txBody>
-          </p:sp>
-          <p:sp>
-            <p:nvSpPr>
-              <p:cNvPr id="216" name="타원 215">
-                <a:extLst>
-                  <a:ext uri="{FF2B5EF4-FFF2-40B4-BE49-F238E27FC236}">
-                    <a16:creationId xmlns:a16="http://schemas.microsoft.com/office/drawing/2014/main" id="{388EFD3D-815F-43D8-9371-EF200248531D}"/>
+                    <a16:creationId xmlns:a16="http://schemas.microsoft.com/office/drawing/2014/main" xmlns="" id="{ECB9A5A1-F529-4FF7-AE61-707C599162FA}"/>
                   </a:ext>
                 </a:extLst>
               </p:cNvPr>
@@ -28367,7 +27175,7 @@
             <p:cNvPr id="198" name="타원 197">
               <a:extLst>
                 <a:ext uri="{FF2B5EF4-FFF2-40B4-BE49-F238E27FC236}">
-                  <a16:creationId xmlns:a16="http://schemas.microsoft.com/office/drawing/2014/main" id="{580E6430-9330-4383-B47B-C06EBE0D666C}"/>
+                  <a16:creationId xmlns:a16="http://schemas.microsoft.com/office/drawing/2014/main" xmlns="" id="{580E6430-9330-4383-B47B-C06EBE0D666C}"/>
                 </a:ext>
               </a:extLst>
             </p:cNvPr>
@@ -28411,7 +27219,7 @@
             <p:cNvPr id="199" name="TextBox 198">
               <a:extLst>
                 <a:ext uri="{FF2B5EF4-FFF2-40B4-BE49-F238E27FC236}">
-                  <a16:creationId xmlns:a16="http://schemas.microsoft.com/office/drawing/2014/main" id="{67623C7E-9D43-4403-B65F-5EC6AA0FDA71}"/>
+                  <a16:creationId xmlns:a16="http://schemas.microsoft.com/office/drawing/2014/main" xmlns="" id="{67623C7E-9D43-4403-B65F-5EC6AA0FDA71}"/>
                 </a:ext>
               </a:extLst>
             </p:cNvPr>
@@ -28447,7 +27255,7 @@
             <p:cNvPr id="200" name="타원 199">
               <a:extLst>
                 <a:ext uri="{FF2B5EF4-FFF2-40B4-BE49-F238E27FC236}">
-                  <a16:creationId xmlns:a16="http://schemas.microsoft.com/office/drawing/2014/main" id="{D7E521C8-2765-48D1-9336-73E027DFAD95}"/>
+                  <a16:creationId xmlns:a16="http://schemas.microsoft.com/office/drawing/2014/main" xmlns="" id="{D7E521C8-2765-48D1-9336-73E027DFAD95}"/>
                 </a:ext>
               </a:extLst>
             </p:cNvPr>
@@ -28491,7 +27299,7 @@
             <p:cNvPr id="201" name="타원 200">
               <a:extLst>
                 <a:ext uri="{FF2B5EF4-FFF2-40B4-BE49-F238E27FC236}">
-                  <a16:creationId xmlns:a16="http://schemas.microsoft.com/office/drawing/2014/main" id="{1403C9FB-16DF-470E-AF80-E81B3EC10FEE}"/>
+                  <a16:creationId xmlns:a16="http://schemas.microsoft.com/office/drawing/2014/main" xmlns="" id="{1403C9FB-16DF-470E-AF80-E81B3EC10FEE}"/>
                 </a:ext>
               </a:extLst>
             </p:cNvPr>
@@ -28535,7 +27343,7 @@
             <p:cNvPr id="202" name="타원 201">
               <a:extLst>
                 <a:ext uri="{FF2B5EF4-FFF2-40B4-BE49-F238E27FC236}">
-                  <a16:creationId xmlns:a16="http://schemas.microsoft.com/office/drawing/2014/main" id="{3ACF794B-0D2D-4D5F-99AA-D912E622E217}"/>
+                  <a16:creationId xmlns:a16="http://schemas.microsoft.com/office/drawing/2014/main" xmlns="" id="{3ACF794B-0D2D-4D5F-99AA-D912E622E217}"/>
                 </a:ext>
               </a:extLst>
             </p:cNvPr>
@@ -28579,7 +27387,7 @@
             <p:cNvPr id="203" name="타원 202">
               <a:extLst>
                 <a:ext uri="{FF2B5EF4-FFF2-40B4-BE49-F238E27FC236}">
-                  <a16:creationId xmlns:a16="http://schemas.microsoft.com/office/drawing/2014/main" id="{BC35BAC8-EE19-43AE-A2A9-953B4AB51802}"/>
+                  <a16:creationId xmlns:a16="http://schemas.microsoft.com/office/drawing/2014/main" xmlns="" id="{BC35BAC8-EE19-43AE-A2A9-953B4AB51802}"/>
                 </a:ext>
               </a:extLst>
             </p:cNvPr>
@@ -28623,7 +27431,7 @@
             <p:cNvPr id="204" name="타원 203">
               <a:extLst>
                 <a:ext uri="{FF2B5EF4-FFF2-40B4-BE49-F238E27FC236}">
-                  <a16:creationId xmlns:a16="http://schemas.microsoft.com/office/drawing/2014/main" id="{CCC36730-8A41-454D-B11E-B71C2DF4694D}"/>
+                  <a16:creationId xmlns:a16="http://schemas.microsoft.com/office/drawing/2014/main" xmlns="" id="{CCC36730-8A41-454D-B11E-B71C2DF4694D}"/>
                 </a:ext>
               </a:extLst>
             </p:cNvPr>
@@ -28667,7 +27475,7 @@
             <p:cNvPr id="205" name="타원 204">
               <a:extLst>
                 <a:ext uri="{FF2B5EF4-FFF2-40B4-BE49-F238E27FC236}">
-                  <a16:creationId xmlns:a16="http://schemas.microsoft.com/office/drawing/2014/main" id="{C77ADC1A-3EBE-4FD1-ACB0-FDFD529E6148}"/>
+                  <a16:creationId xmlns:a16="http://schemas.microsoft.com/office/drawing/2014/main" xmlns="" id="{C77ADC1A-3EBE-4FD1-ACB0-FDFD529E6148}"/>
                 </a:ext>
               </a:extLst>
             </p:cNvPr>
@@ -28711,7 +27519,7 @@
             <p:cNvPr id="207" name="TextBox 206">
               <a:extLst>
                 <a:ext uri="{FF2B5EF4-FFF2-40B4-BE49-F238E27FC236}">
-                  <a16:creationId xmlns:a16="http://schemas.microsoft.com/office/drawing/2014/main" id="{400642B6-B2CA-46CA-9FA0-30CE0C865D7C}"/>
+                  <a16:creationId xmlns:a16="http://schemas.microsoft.com/office/drawing/2014/main" xmlns="" id="{400642B6-B2CA-46CA-9FA0-30CE0C865D7C}"/>
                 </a:ext>
               </a:extLst>
             </p:cNvPr>
@@ -28747,7 +27555,7 @@
             <p:cNvPr id="208" name="TextBox 207">
               <a:extLst>
                 <a:ext uri="{FF2B5EF4-FFF2-40B4-BE49-F238E27FC236}">
-                  <a16:creationId xmlns:a16="http://schemas.microsoft.com/office/drawing/2014/main" id="{2CA7F244-D9AF-400C-81DA-C5BFB1DA5CB1}"/>
+                  <a16:creationId xmlns:a16="http://schemas.microsoft.com/office/drawing/2014/main" xmlns="" id="{2CA7F244-D9AF-400C-81DA-C5BFB1DA5CB1}"/>
                 </a:ext>
               </a:extLst>
             </p:cNvPr>
@@ -28783,7 +27591,7 @@
             <p:cNvPr id="209" name="TextBox 208">
               <a:extLst>
                 <a:ext uri="{FF2B5EF4-FFF2-40B4-BE49-F238E27FC236}">
-                  <a16:creationId xmlns:a16="http://schemas.microsoft.com/office/drawing/2014/main" id="{E170E539-7976-4B37-AF61-D0FBCCFD234B}"/>
+                  <a16:creationId xmlns:a16="http://schemas.microsoft.com/office/drawing/2014/main" xmlns="" id="{E170E539-7976-4B37-AF61-D0FBCCFD234B}"/>
                 </a:ext>
               </a:extLst>
             </p:cNvPr>
@@ -28819,7 +27627,7 @@
             <p:cNvPr id="210" name="TextBox 209">
               <a:extLst>
                 <a:ext uri="{FF2B5EF4-FFF2-40B4-BE49-F238E27FC236}">
-                  <a16:creationId xmlns:a16="http://schemas.microsoft.com/office/drawing/2014/main" id="{09B3B9EA-08D4-4A3F-8F04-94007EC6CBB3}"/>
+                  <a16:creationId xmlns:a16="http://schemas.microsoft.com/office/drawing/2014/main" xmlns="" id="{09B3B9EA-08D4-4A3F-8F04-94007EC6CBB3}"/>
                 </a:ext>
               </a:extLst>
             </p:cNvPr>
@@ -28855,7 +27663,7 @@
             <p:cNvPr id="211" name="TextBox 210">
               <a:extLst>
                 <a:ext uri="{FF2B5EF4-FFF2-40B4-BE49-F238E27FC236}">
-                  <a16:creationId xmlns:a16="http://schemas.microsoft.com/office/drawing/2014/main" id="{DA78AA9F-EEF6-4A80-BA87-FE177429A7D2}"/>
+                  <a16:creationId xmlns:a16="http://schemas.microsoft.com/office/drawing/2014/main" xmlns="" id="{DA78AA9F-EEF6-4A80-BA87-FE177429A7D2}"/>
                 </a:ext>
               </a:extLst>
             </p:cNvPr>
@@ -28891,7 +27699,7 @@
             <p:cNvPr id="212" name="TextBox 211">
               <a:extLst>
                 <a:ext uri="{FF2B5EF4-FFF2-40B4-BE49-F238E27FC236}">
-                  <a16:creationId xmlns:a16="http://schemas.microsoft.com/office/drawing/2014/main" id="{2D4B8781-F619-4FEE-97FF-F2807523F537}"/>
+                  <a16:creationId xmlns:a16="http://schemas.microsoft.com/office/drawing/2014/main" xmlns="" id="{2D4B8781-F619-4FEE-97FF-F2807523F537}"/>
                 </a:ext>
               </a:extLst>
             </p:cNvPr>
@@ -28927,7 +27735,7 @@
             <p:cNvPr id="213" name="TextBox 212">
               <a:extLst>
                 <a:ext uri="{FF2B5EF4-FFF2-40B4-BE49-F238E27FC236}">
-                  <a16:creationId xmlns:a16="http://schemas.microsoft.com/office/drawing/2014/main" id="{1FC75927-F5E3-40A9-8112-B1FB48DB6E70}"/>
+                  <a16:creationId xmlns:a16="http://schemas.microsoft.com/office/drawing/2014/main" xmlns="" id="{1FC75927-F5E3-40A9-8112-B1FB48DB6E70}"/>
                 </a:ext>
               </a:extLst>
             </p:cNvPr>
@@ -28958,58 +27766,13 @@
             </a:p>
           </p:txBody>
         </p:sp>
-        <p:sp>
-          <p:nvSpPr>
-            <p:cNvPr id="206" name="타원 205">
-              <a:extLst>
-                <a:ext uri="{FF2B5EF4-FFF2-40B4-BE49-F238E27FC236}">
-                  <a16:creationId xmlns:a16="http://schemas.microsoft.com/office/drawing/2014/main" id="{E2FA0D6F-FA42-4C9B-9F76-4C70AC9DA920}"/>
-                </a:ext>
-              </a:extLst>
-            </p:cNvPr>
-            <p:cNvSpPr/>
-            <p:nvPr/>
-          </p:nvSpPr>
-          <p:spPr>
-            <a:xfrm>
-              <a:off x="1105593" y="5760721"/>
-              <a:ext cx="403168" cy="403168"/>
-            </a:xfrm>
-            <a:prstGeom prst="ellipse">
-              <a:avLst/>
-            </a:prstGeom>
-            <a:noFill/>
-          </p:spPr>
-          <p:style>
-            <a:lnRef idx="2">
-              <a:schemeClr val="dk1"/>
-            </a:lnRef>
-            <a:fillRef idx="1">
-              <a:schemeClr val="lt1"/>
-            </a:fillRef>
-            <a:effectRef idx="0">
-              <a:schemeClr val="dk1"/>
-            </a:effectRef>
-            <a:fontRef idx="minor">
-              <a:schemeClr val="dk1"/>
-            </a:fontRef>
-          </p:style>
-          <p:txBody>
-            <a:bodyPr rtlCol="0" anchor="ctr"/>
-            <a:lstStyle/>
-            <a:p>
-              <a:pPr algn="ctr"/>
-              <a:endParaRPr lang="ko-KR" altLang="en-US" sz="800" dirty="0"/>
-            </a:p>
-          </p:txBody>
-        </p:sp>
       </p:grpSp>
       <p:cxnSp>
         <p:nvCxnSpPr>
           <p:cNvPr id="221" name="직선 화살표 연결선 220">
             <a:extLst>
               <a:ext uri="{FF2B5EF4-FFF2-40B4-BE49-F238E27FC236}">
-                <a16:creationId xmlns:a16="http://schemas.microsoft.com/office/drawing/2014/main" id="{8A5E0A72-F6E0-41BC-8718-4CD0D52FB092}"/>
+                <a16:creationId xmlns:a16="http://schemas.microsoft.com/office/drawing/2014/main" xmlns="" id="{8A5E0A72-F6E0-41BC-8718-4CD0D52FB092}"/>
               </a:ext>
             </a:extLst>
           </p:cNvPr>
@@ -29052,7 +27815,7 @@
           <p:cNvPr id="225" name="직선 화살표 연결선 224">
             <a:extLst>
               <a:ext uri="{FF2B5EF4-FFF2-40B4-BE49-F238E27FC236}">
-                <a16:creationId xmlns:a16="http://schemas.microsoft.com/office/drawing/2014/main" id="{9031589E-2E2B-4C84-8E5C-8E8BC978F216}"/>
+                <a16:creationId xmlns:a16="http://schemas.microsoft.com/office/drawing/2014/main" xmlns="" id="{9031589E-2E2B-4C84-8E5C-8E8BC978F216}"/>
               </a:ext>
             </a:extLst>
           </p:cNvPr>
@@ -29095,7 +27858,7 @@
           <p:cNvPr id="237" name="직선 화살표 연결선 236">
             <a:extLst>
               <a:ext uri="{FF2B5EF4-FFF2-40B4-BE49-F238E27FC236}">
-                <a16:creationId xmlns:a16="http://schemas.microsoft.com/office/drawing/2014/main" id="{C0576CD6-9236-43C7-A4B4-504BE403231E}"/>
+                <a16:creationId xmlns:a16="http://schemas.microsoft.com/office/drawing/2014/main" xmlns="" id="{C0576CD6-9236-43C7-A4B4-504BE403231E}"/>
               </a:ext>
             </a:extLst>
           </p:cNvPr>
@@ -29138,7 +27901,7 @@
           <p:cNvPr id="240" name="직선 화살표 연결선 239">
             <a:extLst>
               <a:ext uri="{FF2B5EF4-FFF2-40B4-BE49-F238E27FC236}">
-                <a16:creationId xmlns:a16="http://schemas.microsoft.com/office/drawing/2014/main" id="{82552419-05F5-4F66-A19C-81CC4FD96A60}"/>
+                <a16:creationId xmlns:a16="http://schemas.microsoft.com/office/drawing/2014/main" xmlns="" id="{82552419-05F5-4F66-A19C-81CC4FD96A60}"/>
               </a:ext>
             </a:extLst>
           </p:cNvPr>
@@ -29181,7 +27944,7 @@
           <p:cNvPr id="244" name="직선 화살표 연결선 243">
             <a:extLst>
               <a:ext uri="{FF2B5EF4-FFF2-40B4-BE49-F238E27FC236}">
-                <a16:creationId xmlns:a16="http://schemas.microsoft.com/office/drawing/2014/main" id="{3B96E093-9EFE-4481-BCFB-7E2933BE9F0D}"/>
+                <a16:creationId xmlns:a16="http://schemas.microsoft.com/office/drawing/2014/main" xmlns="" id="{3B96E093-9EFE-4481-BCFB-7E2933BE9F0D}"/>
               </a:ext>
             </a:extLst>
           </p:cNvPr>
@@ -29224,7 +27987,7 @@
           <p:cNvPr id="247" name="직선 화살표 연결선 246">
             <a:extLst>
               <a:ext uri="{FF2B5EF4-FFF2-40B4-BE49-F238E27FC236}">
-                <a16:creationId xmlns:a16="http://schemas.microsoft.com/office/drawing/2014/main" id="{7CA8A70C-CFCA-4DB7-8504-E1D8E9A2FC42}"/>
+                <a16:creationId xmlns:a16="http://schemas.microsoft.com/office/drawing/2014/main" xmlns="" id="{7CA8A70C-CFCA-4DB7-8504-E1D8E9A2FC42}"/>
               </a:ext>
             </a:extLst>
           </p:cNvPr>
@@ -29267,7 +28030,7 @@
           <p:cNvPr id="253" name="직선 화살표 연결선 252">
             <a:extLst>
               <a:ext uri="{FF2B5EF4-FFF2-40B4-BE49-F238E27FC236}">
-                <a16:creationId xmlns:a16="http://schemas.microsoft.com/office/drawing/2014/main" id="{B930FC5E-7B50-4807-BDA5-D891F44816C9}"/>
+                <a16:creationId xmlns:a16="http://schemas.microsoft.com/office/drawing/2014/main" xmlns="" id="{B930FC5E-7B50-4807-BDA5-D891F44816C9}"/>
               </a:ext>
             </a:extLst>
           </p:cNvPr>
@@ -29310,7 +28073,7 @@
           <p:cNvPr id="258" name="직선 화살표 연결선 257">
             <a:extLst>
               <a:ext uri="{FF2B5EF4-FFF2-40B4-BE49-F238E27FC236}">
-                <a16:creationId xmlns:a16="http://schemas.microsoft.com/office/drawing/2014/main" id="{8C212A71-6B20-4ADF-A624-892814FBC956}"/>
+                <a16:creationId xmlns:a16="http://schemas.microsoft.com/office/drawing/2014/main" xmlns="" id="{8C212A71-6B20-4ADF-A624-892814FBC956}"/>
               </a:ext>
             </a:extLst>
           </p:cNvPr>
@@ -29353,7 +28116,7 @@
           <p:cNvPr id="263" name="직선 화살표 연결선 262">
             <a:extLst>
               <a:ext uri="{FF2B5EF4-FFF2-40B4-BE49-F238E27FC236}">
-                <a16:creationId xmlns:a16="http://schemas.microsoft.com/office/drawing/2014/main" id="{41B444B3-E7C8-4131-ACC0-69320F3AFC68}"/>
+                <a16:creationId xmlns:a16="http://schemas.microsoft.com/office/drawing/2014/main" xmlns="" id="{41B444B3-E7C8-4131-ACC0-69320F3AFC68}"/>
               </a:ext>
             </a:extLst>
           </p:cNvPr>
@@ -29396,7 +28159,7 @@
           <p:cNvPr id="266" name="직선 화살표 연결선 265">
             <a:extLst>
               <a:ext uri="{FF2B5EF4-FFF2-40B4-BE49-F238E27FC236}">
-                <a16:creationId xmlns:a16="http://schemas.microsoft.com/office/drawing/2014/main" id="{4DF0FAD6-18D1-4058-A166-EFEC8D738909}"/>
+                <a16:creationId xmlns:a16="http://schemas.microsoft.com/office/drawing/2014/main" xmlns="" id="{4DF0FAD6-18D1-4058-A166-EFEC8D738909}"/>
               </a:ext>
             </a:extLst>
           </p:cNvPr>
@@ -29439,7 +28202,7 @@
           <p:cNvPr id="270" name="직선 화살표 연결선 269">
             <a:extLst>
               <a:ext uri="{FF2B5EF4-FFF2-40B4-BE49-F238E27FC236}">
-                <a16:creationId xmlns:a16="http://schemas.microsoft.com/office/drawing/2014/main" id="{1DF9C285-A626-4169-82E7-EFD5A15B76CA}"/>
+                <a16:creationId xmlns:a16="http://schemas.microsoft.com/office/drawing/2014/main" xmlns="" id="{1DF9C285-A626-4169-82E7-EFD5A15B76CA}"/>
               </a:ext>
             </a:extLst>
           </p:cNvPr>
@@ -29482,7 +28245,7 @@
           <p:cNvPr id="273" name="직선 화살표 연결선 272">
             <a:extLst>
               <a:ext uri="{FF2B5EF4-FFF2-40B4-BE49-F238E27FC236}">
-                <a16:creationId xmlns:a16="http://schemas.microsoft.com/office/drawing/2014/main" id="{2224C2EB-F355-4067-8200-2D2152C83277}"/>
+                <a16:creationId xmlns:a16="http://schemas.microsoft.com/office/drawing/2014/main" xmlns="" id="{2224C2EB-F355-4067-8200-2D2152C83277}"/>
               </a:ext>
             </a:extLst>
           </p:cNvPr>
@@ -29525,7 +28288,7 @@
           <p:cNvPr id="277" name="직선 화살표 연결선 276">
             <a:extLst>
               <a:ext uri="{FF2B5EF4-FFF2-40B4-BE49-F238E27FC236}">
-                <a16:creationId xmlns:a16="http://schemas.microsoft.com/office/drawing/2014/main" id="{B1F04600-A700-4F1B-B102-FDFD22A9BEB0}"/>
+                <a16:creationId xmlns:a16="http://schemas.microsoft.com/office/drawing/2014/main" xmlns="" id="{B1F04600-A700-4F1B-B102-FDFD22A9BEB0}"/>
               </a:ext>
             </a:extLst>
           </p:cNvPr>
@@ -29568,7 +28331,7 @@
           <p:cNvPr id="282" name="직선 화살표 연결선 281">
             <a:extLst>
               <a:ext uri="{FF2B5EF4-FFF2-40B4-BE49-F238E27FC236}">
-                <a16:creationId xmlns:a16="http://schemas.microsoft.com/office/drawing/2014/main" id="{C28C7654-DAEF-4563-A680-C1C5E54417BD}"/>
+                <a16:creationId xmlns:a16="http://schemas.microsoft.com/office/drawing/2014/main" xmlns="" id="{C28C7654-DAEF-4563-A680-C1C5E54417BD}"/>
               </a:ext>
             </a:extLst>
           </p:cNvPr>
@@ -29611,7 +28374,7 @@
           <p:cNvPr id="285" name="직선 화살표 연결선 284">
             <a:extLst>
               <a:ext uri="{FF2B5EF4-FFF2-40B4-BE49-F238E27FC236}">
-                <a16:creationId xmlns:a16="http://schemas.microsoft.com/office/drawing/2014/main" id="{6CF0E8E6-CFA6-4B62-B4C7-684AC225B1E4}"/>
+                <a16:creationId xmlns:a16="http://schemas.microsoft.com/office/drawing/2014/main" xmlns="" id="{6CF0E8E6-CFA6-4B62-B4C7-684AC225B1E4}"/>
               </a:ext>
             </a:extLst>
           </p:cNvPr>
@@ -29654,7 +28417,7 @@
           <p:cNvPr id="289" name="직선 화살표 연결선 288">
             <a:extLst>
               <a:ext uri="{FF2B5EF4-FFF2-40B4-BE49-F238E27FC236}">
-                <a16:creationId xmlns:a16="http://schemas.microsoft.com/office/drawing/2014/main" id="{5A54F879-3B43-4A42-AB66-8EA13E4E5991}"/>
+                <a16:creationId xmlns:a16="http://schemas.microsoft.com/office/drawing/2014/main" xmlns="" id="{5A54F879-3B43-4A42-AB66-8EA13E4E5991}"/>
               </a:ext>
             </a:extLst>
           </p:cNvPr>
@@ -29697,7 +28460,7 @@
           <p:cNvPr id="292" name="직선 화살표 연결선 291">
             <a:extLst>
               <a:ext uri="{FF2B5EF4-FFF2-40B4-BE49-F238E27FC236}">
-                <a16:creationId xmlns:a16="http://schemas.microsoft.com/office/drawing/2014/main" id="{323E5D09-BB94-4CDE-9979-E6B0655A0413}"/>
+                <a16:creationId xmlns:a16="http://schemas.microsoft.com/office/drawing/2014/main" xmlns="" id="{323E5D09-BB94-4CDE-9979-E6B0655A0413}"/>
               </a:ext>
             </a:extLst>
           </p:cNvPr>
@@ -29740,7 +28503,7 @@
           <p:cNvPr id="296" name="직선 화살표 연결선 295">
             <a:extLst>
               <a:ext uri="{FF2B5EF4-FFF2-40B4-BE49-F238E27FC236}">
-                <a16:creationId xmlns:a16="http://schemas.microsoft.com/office/drawing/2014/main" id="{ABAADC6D-C2EF-4BA7-BCF6-E701D46B8120}"/>
+                <a16:creationId xmlns:a16="http://schemas.microsoft.com/office/drawing/2014/main" xmlns="" id="{ABAADC6D-C2EF-4BA7-BCF6-E701D46B8120}"/>
               </a:ext>
             </a:extLst>
           </p:cNvPr>
@@ -29783,7 +28546,7 @@
           <p:cNvPr id="300" name="직선 화살표 연결선 299">
             <a:extLst>
               <a:ext uri="{FF2B5EF4-FFF2-40B4-BE49-F238E27FC236}">
-                <a16:creationId xmlns:a16="http://schemas.microsoft.com/office/drawing/2014/main" id="{7E7D36A6-EA29-4D97-901D-8618BCC26766}"/>
+                <a16:creationId xmlns:a16="http://schemas.microsoft.com/office/drawing/2014/main" xmlns="" id="{7E7D36A6-EA29-4D97-901D-8618BCC26766}"/>
               </a:ext>
             </a:extLst>
           </p:cNvPr>
@@ -29826,7 +28589,7 @@
           <p:cNvPr id="303" name="직선 화살표 연결선 302">
             <a:extLst>
               <a:ext uri="{FF2B5EF4-FFF2-40B4-BE49-F238E27FC236}">
-                <a16:creationId xmlns:a16="http://schemas.microsoft.com/office/drawing/2014/main" id="{962AE838-B8B3-41AF-BC82-AFCD5B71C23E}"/>
+                <a16:creationId xmlns:a16="http://schemas.microsoft.com/office/drawing/2014/main" xmlns="" id="{962AE838-B8B3-41AF-BC82-AFCD5B71C23E}"/>
               </a:ext>
             </a:extLst>
           </p:cNvPr>
@@ -29869,7 +28632,7 @@
           <p:cNvPr id="306" name="직선 화살표 연결선 305">
             <a:extLst>
               <a:ext uri="{FF2B5EF4-FFF2-40B4-BE49-F238E27FC236}">
-                <a16:creationId xmlns:a16="http://schemas.microsoft.com/office/drawing/2014/main" id="{08F808D9-EF1F-4CCD-A7F6-3FFB84DD1001}"/>
+                <a16:creationId xmlns:a16="http://schemas.microsoft.com/office/drawing/2014/main" xmlns="" id="{08F808D9-EF1F-4CCD-A7F6-3FFB84DD1001}"/>
               </a:ext>
             </a:extLst>
           </p:cNvPr>
@@ -29912,7 +28675,7 @@
           <p:cNvPr id="309" name="직선 화살표 연결선 308">
             <a:extLst>
               <a:ext uri="{FF2B5EF4-FFF2-40B4-BE49-F238E27FC236}">
-                <a16:creationId xmlns:a16="http://schemas.microsoft.com/office/drawing/2014/main" id="{C9768F03-49B2-402D-BA68-6F4562DAEE9F}"/>
+                <a16:creationId xmlns:a16="http://schemas.microsoft.com/office/drawing/2014/main" xmlns="" id="{C9768F03-49B2-402D-BA68-6F4562DAEE9F}"/>
               </a:ext>
             </a:extLst>
           </p:cNvPr>
@@ -29955,7 +28718,7 @@
           <p:cNvPr id="312" name="직선 화살표 연결선 311">
             <a:extLst>
               <a:ext uri="{FF2B5EF4-FFF2-40B4-BE49-F238E27FC236}">
-                <a16:creationId xmlns:a16="http://schemas.microsoft.com/office/drawing/2014/main" id="{60BAFDC0-3BAC-43C5-B727-A65358876CCE}"/>
+                <a16:creationId xmlns:a16="http://schemas.microsoft.com/office/drawing/2014/main" xmlns="" id="{60BAFDC0-3BAC-43C5-B727-A65358876CCE}"/>
               </a:ext>
             </a:extLst>
           </p:cNvPr>
@@ -29998,7 +28761,7 @@
           <p:cNvPr id="315" name="직선 화살표 연결선 314">
             <a:extLst>
               <a:ext uri="{FF2B5EF4-FFF2-40B4-BE49-F238E27FC236}">
-                <a16:creationId xmlns:a16="http://schemas.microsoft.com/office/drawing/2014/main" id="{0608AB37-7C56-4CC8-B47C-0EA164CA2004}"/>
+                <a16:creationId xmlns:a16="http://schemas.microsoft.com/office/drawing/2014/main" xmlns="" id="{0608AB37-7C56-4CC8-B47C-0EA164CA2004}"/>
               </a:ext>
             </a:extLst>
           </p:cNvPr>
@@ -30041,7 +28804,7 @@
           <p:cNvPr id="319" name="직선 화살표 연결선 318">
             <a:extLst>
               <a:ext uri="{FF2B5EF4-FFF2-40B4-BE49-F238E27FC236}">
-                <a16:creationId xmlns:a16="http://schemas.microsoft.com/office/drawing/2014/main" id="{859BCF62-7B3A-4DEE-97E7-2DDA44A38DDF}"/>
+                <a16:creationId xmlns:a16="http://schemas.microsoft.com/office/drawing/2014/main" xmlns="" id="{859BCF62-7B3A-4DEE-97E7-2DDA44A38DDF}"/>
               </a:ext>
             </a:extLst>
           </p:cNvPr>
@@ -30084,7 +28847,7 @@
           <p:cNvPr id="328" name="직선 화살표 연결선 327">
             <a:extLst>
               <a:ext uri="{FF2B5EF4-FFF2-40B4-BE49-F238E27FC236}">
-                <a16:creationId xmlns:a16="http://schemas.microsoft.com/office/drawing/2014/main" id="{38C8C8B5-0F6C-4198-841A-78AA70E89738}"/>
+                <a16:creationId xmlns:a16="http://schemas.microsoft.com/office/drawing/2014/main" xmlns="" id="{38C8C8B5-0F6C-4198-841A-78AA70E89738}"/>
               </a:ext>
             </a:extLst>
           </p:cNvPr>
@@ -30127,7 +28890,7 @@
           <p:cNvPr id="334" name="직선 화살표 연결선 333">
             <a:extLst>
               <a:ext uri="{FF2B5EF4-FFF2-40B4-BE49-F238E27FC236}">
-                <a16:creationId xmlns:a16="http://schemas.microsoft.com/office/drawing/2014/main" id="{98ED010C-1E20-47C3-86DE-F627B4F4B179}"/>
+                <a16:creationId xmlns:a16="http://schemas.microsoft.com/office/drawing/2014/main" xmlns="" id="{98ED010C-1E20-47C3-86DE-F627B4F4B179}"/>
               </a:ext>
             </a:extLst>
           </p:cNvPr>
@@ -30170,7 +28933,7 @@
           <p:cNvPr id="337" name="직선 화살표 연결선 336">
             <a:extLst>
               <a:ext uri="{FF2B5EF4-FFF2-40B4-BE49-F238E27FC236}">
-                <a16:creationId xmlns:a16="http://schemas.microsoft.com/office/drawing/2014/main" id="{7043F77E-2215-45DE-A67D-1D6F49418E59}"/>
+                <a16:creationId xmlns:a16="http://schemas.microsoft.com/office/drawing/2014/main" xmlns="" id="{7043F77E-2215-45DE-A67D-1D6F49418E59}"/>
               </a:ext>
             </a:extLst>
           </p:cNvPr>
@@ -30213,7 +28976,7 @@
           <p:cNvPr id="342" name="직선 연결선 341">
             <a:extLst>
               <a:ext uri="{FF2B5EF4-FFF2-40B4-BE49-F238E27FC236}">
-                <a16:creationId xmlns:a16="http://schemas.microsoft.com/office/drawing/2014/main" id="{DF8D0FA1-E26F-4006-BC03-3B4DEDEE672C}"/>
+                <a16:creationId xmlns:a16="http://schemas.microsoft.com/office/drawing/2014/main" xmlns="" id="{DF8D0FA1-E26F-4006-BC03-3B4DEDEE672C}"/>
               </a:ext>
             </a:extLst>
           </p:cNvPr>

--- a/architecture.pptx
+++ b/architecture.pptx
@@ -21185,7 +21185,7 @@
         </p:nvSpPr>
         <p:spPr>
           <a:xfrm>
-            <a:off x="94699" y="3361117"/>
+            <a:off x="323306" y="3692201"/>
             <a:ext cx="470000" cy="276999"/>
           </a:xfrm>
           <a:prstGeom prst="rect">
@@ -21221,7 +21221,7 @@
         </p:nvGrpSpPr>
         <p:grpSpPr>
           <a:xfrm>
-            <a:off x="979706" y="199500"/>
+            <a:off x="1208313" y="530584"/>
             <a:ext cx="638316" cy="5964389"/>
             <a:chOff x="979706" y="199500"/>
             <a:chExt cx="638316" cy="5964389"/>
@@ -22035,7 +22035,7 @@
         </p:nvSpPr>
         <p:spPr>
           <a:xfrm>
-            <a:off x="123306" y="3289764"/>
+            <a:off x="351913" y="3620848"/>
             <a:ext cx="403168" cy="403168"/>
           </a:xfrm>
           <a:prstGeom prst="ellipse">
@@ -22080,7 +22080,7 @@
         </p:nvGrpSpPr>
         <p:grpSpPr>
           <a:xfrm>
-            <a:off x="2232533" y="196732"/>
+            <a:off x="2461140" y="527816"/>
             <a:ext cx="646629" cy="5964389"/>
             <a:chOff x="979706" y="199500"/>
             <a:chExt cx="646629" cy="5964389"/>
@@ -22895,7 +22895,7 @@
         </p:nvGrpSpPr>
         <p:grpSpPr>
           <a:xfrm>
-            <a:off x="3504733" y="196731"/>
+            <a:off x="3733340" y="527815"/>
             <a:ext cx="638316" cy="5964389"/>
             <a:chOff x="979706" y="199500"/>
             <a:chExt cx="638316" cy="5964389"/>
@@ -23709,7 +23709,7 @@
         </p:nvGrpSpPr>
         <p:grpSpPr>
           <a:xfrm>
-            <a:off x="4811471" y="205000"/>
+            <a:off x="5040078" y="536084"/>
             <a:ext cx="638316" cy="5964389"/>
             <a:chOff x="979706" y="199500"/>
             <a:chExt cx="638316" cy="5964389"/>
@@ -24524,7 +24524,7 @@
         </p:nvGrpSpPr>
         <p:grpSpPr>
           <a:xfrm>
-            <a:off x="6158971" y="209111"/>
+            <a:off x="6387578" y="540195"/>
             <a:ext cx="638316" cy="5964389"/>
             <a:chOff x="979706" y="199500"/>
             <a:chExt cx="638316" cy="5964389"/>
@@ -25338,7 +25338,7 @@
         </p:nvGrpSpPr>
         <p:grpSpPr>
           <a:xfrm>
-            <a:off x="7381565" y="196731"/>
+            <a:off x="7610172" y="527815"/>
             <a:ext cx="869032" cy="5964389"/>
             <a:chOff x="872661" y="199500"/>
             <a:chExt cx="869032" cy="5964389"/>
@@ -26153,7 +26153,7 @@
         </p:nvGrpSpPr>
         <p:grpSpPr>
           <a:xfrm>
-            <a:off x="8843133" y="196731"/>
+            <a:off x="9071740" y="527815"/>
             <a:ext cx="638316" cy="5964389"/>
             <a:chOff x="979706" y="199500"/>
             <a:chExt cx="638316" cy="5964389"/>
@@ -26967,7 +26967,7 @@
         </p:nvGrpSpPr>
         <p:grpSpPr>
           <a:xfrm>
-            <a:off x="10217029" y="196731"/>
+            <a:off x="10445636" y="527815"/>
             <a:ext cx="638316" cy="5964389"/>
             <a:chOff x="979706" y="199500"/>
             <a:chExt cx="638316" cy="5964389"/>
@@ -27785,7 +27785,7 @@
         </p:nvCxnSpPr>
         <p:spPr>
           <a:xfrm flipV="1">
-            <a:off x="526474" y="1731123"/>
+            <a:off x="755081" y="2062207"/>
             <a:ext cx="570806" cy="1760225"/>
           </a:xfrm>
           <a:prstGeom prst="straightConnector1">
@@ -27828,7 +27828,7 @@
         </p:nvCxnSpPr>
         <p:spPr>
           <a:xfrm>
-            <a:off x="1500448" y="1731123"/>
+            <a:off x="1729055" y="2062207"/>
             <a:ext cx="849659" cy="702429"/>
           </a:xfrm>
           <a:prstGeom prst="straightConnector1">
@@ -27871,7 +27871,7 @@
         </p:nvCxnSpPr>
         <p:spPr>
           <a:xfrm>
-            <a:off x="2753275" y="2433552"/>
+            <a:off x="2981882" y="2764636"/>
             <a:ext cx="869032" cy="1410393"/>
           </a:xfrm>
           <a:prstGeom prst="straightConnector1">
@@ -27914,7 +27914,7 @@
         </p:nvCxnSpPr>
         <p:spPr>
           <a:xfrm>
-            <a:off x="4025475" y="3843945"/>
+            <a:off x="4254082" y="4175029"/>
             <a:ext cx="911883" cy="713466"/>
           </a:xfrm>
           <a:prstGeom prst="straightConnector1">
@@ -27957,7 +27957,7 @@
         </p:nvCxnSpPr>
         <p:spPr>
           <a:xfrm flipV="1">
-            <a:off x="5340526" y="3856325"/>
+            <a:off x="5569133" y="4187409"/>
             <a:ext cx="936019" cy="701086"/>
           </a:xfrm>
           <a:prstGeom prst="straightConnector1">
@@ -28000,7 +28000,7 @@
         </p:nvCxnSpPr>
         <p:spPr>
           <a:xfrm flipV="1">
-            <a:off x="6679713" y="1023157"/>
+            <a:off x="6908320" y="1354241"/>
             <a:ext cx="926471" cy="2833168"/>
           </a:xfrm>
           <a:prstGeom prst="straightConnector1">
@@ -28043,7 +28043,7 @@
         </p:nvCxnSpPr>
         <p:spPr>
           <a:xfrm>
-            <a:off x="8009352" y="1023157"/>
+            <a:off x="8237959" y="1354241"/>
             <a:ext cx="959668" cy="4936379"/>
           </a:xfrm>
           <a:prstGeom prst="straightConnector1">
@@ -28086,7 +28086,7 @@
         </p:nvCxnSpPr>
         <p:spPr>
           <a:xfrm flipV="1">
-            <a:off x="526474" y="2436320"/>
+            <a:off x="755081" y="2767404"/>
             <a:ext cx="570806" cy="1055028"/>
           </a:xfrm>
           <a:prstGeom prst="straightConnector1">
@@ -28129,7 +28129,7 @@
         </p:nvCxnSpPr>
         <p:spPr>
           <a:xfrm>
-            <a:off x="1500448" y="2436320"/>
+            <a:off x="1729055" y="2767404"/>
             <a:ext cx="849659" cy="1407626"/>
           </a:xfrm>
           <a:prstGeom prst="straightConnector1">
@@ -28172,7 +28172,7 @@
         </p:nvCxnSpPr>
         <p:spPr>
           <a:xfrm>
-            <a:off x="2753275" y="3843946"/>
+            <a:off x="2981882" y="4175030"/>
             <a:ext cx="877345" cy="705196"/>
           </a:xfrm>
           <a:prstGeom prst="straightConnector1">
@@ -28215,7 +28215,7 @@
         </p:nvCxnSpPr>
         <p:spPr>
           <a:xfrm flipV="1">
-            <a:off x="4033788" y="3852214"/>
+            <a:off x="4262395" y="4183298"/>
             <a:ext cx="895257" cy="696928"/>
           </a:xfrm>
           <a:prstGeom prst="straightConnector1">
@@ -28258,7 +28258,7 @@
         </p:nvCxnSpPr>
         <p:spPr>
           <a:xfrm flipV="1">
-            <a:off x="5332213" y="1035537"/>
+            <a:off x="5560820" y="1366621"/>
             <a:ext cx="944332" cy="2816677"/>
           </a:xfrm>
           <a:prstGeom prst="straightConnector1">
@@ -28301,7 +28301,7 @@
         </p:nvCxnSpPr>
         <p:spPr>
           <a:xfrm>
-            <a:off x="1500448" y="1731123"/>
+            <a:off x="1729055" y="2062207"/>
             <a:ext cx="857972" cy="2818020"/>
           </a:xfrm>
           <a:prstGeom prst="straightConnector1">
@@ -28344,7 +28344,7 @@
         </p:nvCxnSpPr>
         <p:spPr>
           <a:xfrm flipV="1">
-            <a:off x="2761588" y="3843945"/>
+            <a:off x="2990195" y="4175029"/>
             <a:ext cx="860719" cy="705198"/>
           </a:xfrm>
           <a:prstGeom prst="straightConnector1">
@@ -28387,7 +28387,7 @@
         </p:nvCxnSpPr>
         <p:spPr>
           <a:xfrm flipV="1">
-            <a:off x="4025475" y="2441820"/>
+            <a:off x="4254082" y="2772904"/>
             <a:ext cx="903570" cy="1402125"/>
           </a:xfrm>
           <a:prstGeom prst="straightConnector1">
@@ -28430,7 +28430,7 @@
         </p:nvCxnSpPr>
         <p:spPr>
           <a:xfrm flipV="1">
-            <a:off x="5332213" y="1035537"/>
+            <a:off x="5560820" y="1366621"/>
             <a:ext cx="944332" cy="1406283"/>
           </a:xfrm>
           <a:prstGeom prst="straightConnector1">
@@ -28473,7 +28473,7 @@
         </p:nvCxnSpPr>
         <p:spPr>
           <a:xfrm>
-            <a:off x="6679713" y="1035537"/>
+            <a:off x="6908320" y="1366621"/>
             <a:ext cx="934784" cy="4923999"/>
           </a:xfrm>
           <a:prstGeom prst="straightConnector1">
@@ -28516,7 +28516,7 @@
         </p:nvCxnSpPr>
         <p:spPr>
           <a:xfrm flipV="1">
-            <a:off x="526474" y="3141517"/>
+            <a:off x="755081" y="3472601"/>
             <a:ext cx="579119" cy="349831"/>
           </a:xfrm>
           <a:prstGeom prst="straightConnector1">
@@ -28559,7 +28559,7 @@
         </p:nvCxnSpPr>
         <p:spPr>
           <a:xfrm>
-            <a:off x="526474" y="3491348"/>
+            <a:off x="755081" y="3822432"/>
             <a:ext cx="570806" cy="355366"/>
           </a:xfrm>
           <a:prstGeom prst="straightConnector1">
@@ -28602,7 +28602,7 @@
         </p:nvCxnSpPr>
         <p:spPr>
           <a:xfrm>
-            <a:off x="1500448" y="3846714"/>
+            <a:off x="1729055" y="4177798"/>
             <a:ext cx="857972" cy="702429"/>
           </a:xfrm>
           <a:prstGeom prst="straightConnector1">
@@ -28645,7 +28645,7 @@
         </p:nvCxnSpPr>
         <p:spPr>
           <a:xfrm flipV="1">
-            <a:off x="2702545" y="3986486"/>
+            <a:off x="2931152" y="4317570"/>
             <a:ext cx="978805" cy="420116"/>
           </a:xfrm>
           <a:prstGeom prst="straightConnector1">
@@ -28688,7 +28688,7 @@
         </p:nvCxnSpPr>
         <p:spPr>
           <a:xfrm flipV="1">
-            <a:off x="4025475" y="1031426"/>
+            <a:off x="4254082" y="1362510"/>
             <a:ext cx="903570" cy="2812519"/>
           </a:xfrm>
           <a:prstGeom prst="straightConnector1">
@@ -28731,7 +28731,7 @@
         </p:nvCxnSpPr>
         <p:spPr>
           <a:xfrm>
-            <a:off x="5332213" y="1031426"/>
+            <a:off x="5560820" y="1362510"/>
             <a:ext cx="944332" cy="709308"/>
           </a:xfrm>
           <a:prstGeom prst="straightConnector1">
@@ -28774,7 +28774,7 @@
         </p:nvCxnSpPr>
         <p:spPr>
           <a:xfrm>
-            <a:off x="6679713" y="1740734"/>
+            <a:off x="6908320" y="2071818"/>
             <a:ext cx="926471" cy="692817"/>
           </a:xfrm>
           <a:prstGeom prst="straightConnector1">
@@ -28817,7 +28817,7 @@
         </p:nvCxnSpPr>
         <p:spPr>
           <a:xfrm>
-            <a:off x="8009352" y="2433551"/>
+            <a:off x="8237959" y="2764635"/>
             <a:ext cx="959668" cy="3525985"/>
           </a:xfrm>
           <a:prstGeom prst="straightConnector1">
@@ -28860,7 +28860,7 @@
         </p:nvCxnSpPr>
         <p:spPr>
           <a:xfrm>
-            <a:off x="6679713" y="1035537"/>
+            <a:off x="6908320" y="1366621"/>
             <a:ext cx="926471" cy="692817"/>
           </a:xfrm>
           <a:prstGeom prst="straightConnector1">
@@ -28903,7 +28903,7 @@
         </p:nvCxnSpPr>
         <p:spPr>
           <a:xfrm>
-            <a:off x="8009352" y="2433551"/>
+            <a:off x="8237959" y="2764635"/>
             <a:ext cx="951355" cy="1410394"/>
           </a:xfrm>
           <a:prstGeom prst="straightConnector1">
@@ -28946,7 +28946,7 @@
         </p:nvCxnSpPr>
         <p:spPr>
           <a:xfrm>
-            <a:off x="9363875" y="3843945"/>
+            <a:off x="9592482" y="4175029"/>
             <a:ext cx="979041" cy="2115591"/>
           </a:xfrm>
           <a:prstGeom prst="straightConnector1">
@@ -28987,7 +28987,7 @@
         </p:nvCxnSpPr>
         <p:spPr>
           <a:xfrm>
-            <a:off x="220347" y="5605464"/>
+            <a:off x="448954" y="5936548"/>
             <a:ext cx="11168063" cy="0"/>
           </a:xfrm>
           <a:prstGeom prst="line">

--- a/architecture.pptx
+++ b/architecture.pptx
@@ -7,7 +7,7 @@
   <p:sldIdLst>
     <p:sldId id="256" r:id="rId2"/>
     <p:sldId id="257" r:id="rId3"/>
-    <p:sldId id="258" r:id="rId4"/>
+    <p:sldId id="263" r:id="rId4"/>
     <p:sldId id="259" r:id="rId5"/>
     <p:sldId id="260" r:id="rId6"/>
     <p:sldId id="261" r:id="rId7"/>
@@ -7280,7 +7280,7 @@
         </p:nvSpPr>
         <p:spPr>
           <a:xfrm>
-            <a:off x="1105593" y="2335875"/>
+            <a:off x="1105593" y="2406822"/>
             <a:ext cx="777240" cy="2651759"/>
           </a:xfrm>
           <a:prstGeom prst="rect">
@@ -7340,7 +7340,7 @@
         </p:nvSpPr>
         <p:spPr>
           <a:xfrm>
-            <a:off x="2364278" y="2335874"/>
+            <a:off x="2364278" y="2406821"/>
             <a:ext cx="777240" cy="2651759"/>
           </a:xfrm>
           <a:prstGeom prst="rect">
@@ -7400,7 +7400,7 @@
         </p:nvSpPr>
         <p:spPr>
           <a:xfrm>
-            <a:off x="3622964" y="2335874"/>
+            <a:off x="3622964" y="2406821"/>
             <a:ext cx="777240" cy="2651759"/>
           </a:xfrm>
           <a:prstGeom prst="rect">
@@ -7460,7 +7460,7 @@
         </p:nvSpPr>
         <p:spPr>
           <a:xfrm>
-            <a:off x="4881650" y="2335874"/>
+            <a:off x="4881650" y="2406821"/>
             <a:ext cx="777240" cy="2651759"/>
           </a:xfrm>
           <a:prstGeom prst="rect">
@@ -7520,7 +7520,7 @@
         </p:nvSpPr>
         <p:spPr>
           <a:xfrm>
-            <a:off x="6590608" y="2335874"/>
+            <a:off x="6590608" y="2406821"/>
             <a:ext cx="777240" cy="2651759"/>
           </a:xfrm>
           <a:prstGeom prst="rect">
@@ -7575,7 +7575,7 @@
         </p:nvSpPr>
         <p:spPr>
           <a:xfrm>
-            <a:off x="7849293" y="2335873"/>
+            <a:off x="7849293" y="2406820"/>
             <a:ext cx="777240" cy="2651759"/>
           </a:xfrm>
           <a:prstGeom prst="rect">
@@ -7630,7 +7630,7 @@
         </p:nvSpPr>
         <p:spPr>
           <a:xfrm>
-            <a:off x="9107979" y="2335873"/>
+            <a:off x="9107979" y="2406820"/>
             <a:ext cx="777240" cy="2651759"/>
           </a:xfrm>
           <a:prstGeom prst="rect">
@@ -7685,7 +7685,7 @@
         </p:nvSpPr>
         <p:spPr>
           <a:xfrm>
-            <a:off x="10366665" y="2335873"/>
+            <a:off x="10366665" y="2406820"/>
             <a:ext cx="777240" cy="2651759"/>
           </a:xfrm>
           <a:prstGeom prst="rect">
@@ -7743,7 +7743,7 @@
         </p:nvCxnSpPr>
         <p:spPr>
           <a:xfrm flipV="1">
-            <a:off x="1882833" y="3661754"/>
+            <a:off x="1882833" y="3732701"/>
             <a:ext cx="481445" cy="1"/>
           </a:xfrm>
           <a:prstGeom prst="straightConnector1">
@@ -7786,7 +7786,7 @@
         </p:nvCxnSpPr>
         <p:spPr>
           <a:xfrm>
-            <a:off x="3141518" y="3661754"/>
+            <a:off x="3141518" y="3732701"/>
             <a:ext cx="481446" cy="0"/>
           </a:xfrm>
           <a:prstGeom prst="straightConnector1">
@@ -7829,7 +7829,7 @@
         </p:nvCxnSpPr>
         <p:spPr>
           <a:xfrm>
-            <a:off x="4400204" y="3661754"/>
+            <a:off x="4400204" y="3732701"/>
             <a:ext cx="481446" cy="0"/>
           </a:xfrm>
           <a:prstGeom prst="straightConnector1">
@@ -7872,7 +7872,7 @@
         </p:nvCxnSpPr>
         <p:spPr>
           <a:xfrm>
-            <a:off x="5658890" y="3661754"/>
+            <a:off x="5658890" y="3732701"/>
             <a:ext cx="931718" cy="0"/>
           </a:xfrm>
           <a:prstGeom prst="straightConnector1">
@@ -7915,7 +7915,7 @@
         </p:nvCxnSpPr>
         <p:spPr>
           <a:xfrm flipV="1">
-            <a:off x="7367848" y="3661753"/>
+            <a:off x="7367848" y="3732700"/>
             <a:ext cx="481445" cy="1"/>
           </a:xfrm>
           <a:prstGeom prst="straightConnector1">
@@ -7958,7 +7958,7 @@
         </p:nvCxnSpPr>
         <p:spPr>
           <a:xfrm>
-            <a:off x="8626533" y="3661753"/>
+            <a:off x="8626533" y="3732700"/>
             <a:ext cx="481446" cy="0"/>
           </a:xfrm>
           <a:prstGeom prst="straightConnector1">
@@ -8001,7 +8001,7 @@
         </p:nvCxnSpPr>
         <p:spPr>
           <a:xfrm>
-            <a:off x="9885219" y="3661753"/>
+            <a:off x="9885219" y="3732700"/>
             <a:ext cx="481446" cy="0"/>
           </a:xfrm>
           <a:prstGeom prst="straightConnector1">
@@ -8026,8 +8026,8 @@
           </a:fontRef>
         </p:style>
       </p:cxnSp>
-      <mc:AlternateContent xmlns:mc="http://schemas.openxmlformats.org/markup-compatibility/2006" xmlns:a14="http://schemas.microsoft.com/office/drawing/2010/main">
-        <mc:Choice Requires="a14">
+      <mc:AlternateContent xmlns:mc="http://schemas.openxmlformats.org/markup-compatibility/2006">
+        <mc:Choice xmlns:a14="http://schemas.microsoft.com/office/drawing/2010/main" Requires="a14">
           <p:sp>
             <p:nvSpPr>
               <p:cNvPr id="32" name="TextBox 31">
@@ -8042,7 +8042,7 @@
             </p:nvSpPr>
             <p:spPr>
               <a:xfrm>
-                <a:off x="1246741" y="5860442"/>
+                <a:off x="1246741" y="6183638"/>
                 <a:ext cx="494943" cy="369332"/>
               </a:xfrm>
               <a:prstGeom prst="rect">
@@ -8096,13 +8096,13 @@
             </p:txBody>
           </p:sp>
         </mc:Choice>
-        <mc:Fallback xmlns="">
+        <mc:Fallback>
           <p:sp>
             <p:nvSpPr>
               <p:cNvPr id="32" name="TextBox 31">
                 <a:extLst>
                   <a:ext uri="{FF2B5EF4-FFF2-40B4-BE49-F238E27FC236}">
-                    <a16:creationId xmlns:a16="http://schemas.microsoft.com/office/drawing/2014/main" id="{B762AC4C-43D2-4F68-9F3B-5B6960C79FD5}"/>
+                    <a16:creationId xmlns:a16="http://schemas.microsoft.com/office/drawing/2014/main" xmlns:a14="http://schemas.microsoft.com/office/drawing/2010/main" xmlns="" id="{B762AC4C-43D2-4F68-9F3B-5B6960C79FD5}"/>
                   </a:ext>
                 </a:extLst>
               </p:cNvPr>
@@ -8113,13 +8113,13 @@
             </p:nvSpPr>
             <p:spPr>
               <a:xfrm>
-                <a:off x="1246741" y="5860442"/>
+                <a:off x="1246741" y="6183638"/>
                 <a:ext cx="494943" cy="369332"/>
               </a:xfrm>
               <a:prstGeom prst="rect">
                 <a:avLst/>
               </a:prstGeom>
-              <a:blipFill>
+              <a:blipFill rotWithShape="0">
                 <a:blip r:embed="rId2"/>
                 <a:stretch>
                   <a:fillRect b="-1639"/>
@@ -8141,8 +8141,8 @@
           </p:sp>
         </mc:Fallback>
       </mc:AlternateContent>
-      <mc:AlternateContent xmlns:mc="http://schemas.openxmlformats.org/markup-compatibility/2006" xmlns:a14="http://schemas.microsoft.com/office/drawing/2010/main">
-        <mc:Choice Requires="a14">
+      <mc:AlternateContent xmlns:mc="http://schemas.openxmlformats.org/markup-compatibility/2006">
+        <mc:Choice xmlns:a14="http://schemas.microsoft.com/office/drawing/2010/main" Requires="a14">
           <p:sp>
             <p:nvSpPr>
               <p:cNvPr id="33" name="TextBox 32">
@@ -8157,7 +8157,7 @@
             </p:nvSpPr>
             <p:spPr>
               <a:xfrm>
-                <a:off x="2505426" y="5860730"/>
+                <a:off x="2505426" y="6183926"/>
                 <a:ext cx="489621" cy="369332"/>
               </a:xfrm>
               <a:prstGeom prst="rect">
@@ -8211,13 +8211,13 @@
             </p:txBody>
           </p:sp>
         </mc:Choice>
-        <mc:Fallback xmlns="">
+        <mc:Fallback>
           <p:sp>
             <p:nvSpPr>
               <p:cNvPr id="33" name="TextBox 32">
                 <a:extLst>
                   <a:ext uri="{FF2B5EF4-FFF2-40B4-BE49-F238E27FC236}">
-                    <a16:creationId xmlns:a16="http://schemas.microsoft.com/office/drawing/2014/main" id="{17AFDE06-C487-486D-B7B1-76971B04CC45}"/>
+                    <a16:creationId xmlns:a16="http://schemas.microsoft.com/office/drawing/2014/main" xmlns:a14="http://schemas.microsoft.com/office/drawing/2010/main" xmlns="" id="{17AFDE06-C487-486D-B7B1-76971B04CC45}"/>
                   </a:ext>
                 </a:extLst>
               </p:cNvPr>
@@ -8228,13 +8228,13 @@
             </p:nvSpPr>
             <p:spPr>
               <a:xfrm>
-                <a:off x="2505426" y="5860730"/>
+                <a:off x="2505426" y="6183926"/>
                 <a:ext cx="489621" cy="369332"/>
               </a:xfrm>
               <a:prstGeom prst="rect">
                 <a:avLst/>
               </a:prstGeom>
-              <a:blipFill>
+              <a:blipFill rotWithShape="0">
                 <a:blip r:embed="rId3"/>
                 <a:stretch>
                   <a:fillRect b="-1639"/>
@@ -8256,8 +8256,8 @@
           </p:sp>
         </mc:Fallback>
       </mc:AlternateContent>
-      <mc:AlternateContent xmlns:mc="http://schemas.openxmlformats.org/markup-compatibility/2006" xmlns:a14="http://schemas.microsoft.com/office/drawing/2010/main">
-        <mc:Choice Requires="a14">
+      <mc:AlternateContent xmlns:mc="http://schemas.openxmlformats.org/markup-compatibility/2006">
+        <mc:Choice xmlns:a14="http://schemas.microsoft.com/office/drawing/2010/main" Requires="a14">
           <p:sp>
             <p:nvSpPr>
               <p:cNvPr id="34" name="TextBox 33">
@@ -8272,7 +8272,7 @@
             </p:nvSpPr>
             <p:spPr>
               <a:xfrm>
-                <a:off x="3764111" y="5860442"/>
+                <a:off x="3764111" y="6183638"/>
                 <a:ext cx="494943" cy="369332"/>
               </a:xfrm>
               <a:prstGeom prst="rect">
@@ -8326,13 +8326,13 @@
             </p:txBody>
           </p:sp>
         </mc:Choice>
-        <mc:Fallback xmlns="">
+        <mc:Fallback>
           <p:sp>
             <p:nvSpPr>
               <p:cNvPr id="34" name="TextBox 33">
                 <a:extLst>
                   <a:ext uri="{FF2B5EF4-FFF2-40B4-BE49-F238E27FC236}">
-                    <a16:creationId xmlns:a16="http://schemas.microsoft.com/office/drawing/2014/main" id="{3176E3DE-1A33-48CE-8889-27F07BED33E0}"/>
+                    <a16:creationId xmlns:a16="http://schemas.microsoft.com/office/drawing/2014/main" xmlns:a14="http://schemas.microsoft.com/office/drawing/2010/main" xmlns="" id="{3176E3DE-1A33-48CE-8889-27F07BED33E0}"/>
                   </a:ext>
                 </a:extLst>
               </p:cNvPr>
@@ -8343,13 +8343,13 @@
             </p:nvSpPr>
             <p:spPr>
               <a:xfrm>
-                <a:off x="3764111" y="5860442"/>
+                <a:off x="3764111" y="6183638"/>
                 <a:ext cx="494943" cy="369332"/>
               </a:xfrm>
               <a:prstGeom prst="rect">
                 <a:avLst/>
               </a:prstGeom>
-              <a:blipFill>
+              <a:blipFill rotWithShape="0">
                 <a:blip r:embed="rId4"/>
                 <a:stretch>
                   <a:fillRect b="-1639"/>
@@ -8371,8 +8371,8 @@
           </p:sp>
         </mc:Fallback>
       </mc:AlternateContent>
-      <mc:AlternateContent xmlns:mc="http://schemas.openxmlformats.org/markup-compatibility/2006" xmlns:a14="http://schemas.microsoft.com/office/drawing/2010/main">
-        <mc:Choice Requires="a14">
+      <mc:AlternateContent xmlns:mc="http://schemas.openxmlformats.org/markup-compatibility/2006">
+        <mc:Choice xmlns:a14="http://schemas.microsoft.com/office/drawing/2010/main" Requires="a14">
           <p:sp>
             <p:nvSpPr>
               <p:cNvPr id="35" name="TextBox 34">
@@ -8387,7 +8387,7 @@
             </p:nvSpPr>
             <p:spPr>
               <a:xfrm>
-                <a:off x="5022796" y="5860442"/>
+                <a:off x="5022796" y="6183638"/>
                 <a:ext cx="494943" cy="369332"/>
               </a:xfrm>
               <a:prstGeom prst="rect">
@@ -8441,13 +8441,13 @@
             </p:txBody>
           </p:sp>
         </mc:Choice>
-        <mc:Fallback xmlns="">
+        <mc:Fallback>
           <p:sp>
             <p:nvSpPr>
               <p:cNvPr id="35" name="TextBox 34">
                 <a:extLst>
                   <a:ext uri="{FF2B5EF4-FFF2-40B4-BE49-F238E27FC236}">
-                    <a16:creationId xmlns:a16="http://schemas.microsoft.com/office/drawing/2014/main" id="{3E6BEBE2-E434-4579-9BEF-7F057088C6A4}"/>
+                    <a16:creationId xmlns:a16="http://schemas.microsoft.com/office/drawing/2014/main" xmlns:a14="http://schemas.microsoft.com/office/drawing/2010/main" xmlns="" id="{3E6BEBE2-E434-4579-9BEF-7F057088C6A4}"/>
                   </a:ext>
                 </a:extLst>
               </p:cNvPr>
@@ -8458,13 +8458,13 @@
             </p:nvSpPr>
             <p:spPr>
               <a:xfrm>
-                <a:off x="5022796" y="5860442"/>
+                <a:off x="5022796" y="6183638"/>
                 <a:ext cx="494943" cy="369332"/>
               </a:xfrm>
               <a:prstGeom prst="rect">
                 <a:avLst/>
               </a:prstGeom>
-              <a:blipFill>
+              <a:blipFill rotWithShape="0">
                 <a:blip r:embed="rId5"/>
                 <a:stretch>
                   <a:fillRect b="-1639"/>
@@ -8486,8 +8486,8 @@
           </p:sp>
         </mc:Fallback>
       </mc:AlternateContent>
-      <mc:AlternateContent xmlns:mc="http://schemas.openxmlformats.org/markup-compatibility/2006" xmlns:a14="http://schemas.microsoft.com/office/drawing/2010/main">
-        <mc:Choice Requires="a14">
+      <mc:AlternateContent xmlns:mc="http://schemas.openxmlformats.org/markup-compatibility/2006">
+        <mc:Choice xmlns:a14="http://schemas.microsoft.com/office/drawing/2010/main" Requires="a14">
           <p:sp>
             <p:nvSpPr>
               <p:cNvPr id="36" name="TextBox 35">
@@ -8502,7 +8502,7 @@
             </p:nvSpPr>
             <p:spPr>
               <a:xfrm>
-                <a:off x="7989608" y="5860442"/>
+                <a:off x="7989608" y="6183638"/>
                 <a:ext cx="496610" cy="369332"/>
               </a:xfrm>
               <a:prstGeom prst="rect">
@@ -8556,13 +8556,13 @@
             </p:txBody>
           </p:sp>
         </mc:Choice>
-        <mc:Fallback xmlns="">
+        <mc:Fallback>
           <p:sp>
             <p:nvSpPr>
               <p:cNvPr id="36" name="TextBox 35">
                 <a:extLst>
                   <a:ext uri="{FF2B5EF4-FFF2-40B4-BE49-F238E27FC236}">
-                    <a16:creationId xmlns:a16="http://schemas.microsoft.com/office/drawing/2014/main" id="{14E0069C-C3BE-41C2-B653-A18BA212F52D}"/>
+                    <a16:creationId xmlns:a16="http://schemas.microsoft.com/office/drawing/2014/main" xmlns:a14="http://schemas.microsoft.com/office/drawing/2010/main" xmlns="" id="{14E0069C-C3BE-41C2-B653-A18BA212F52D}"/>
                   </a:ext>
                 </a:extLst>
               </p:cNvPr>
@@ -8573,16 +8573,16 @@
             </p:nvSpPr>
             <p:spPr>
               <a:xfrm>
-                <a:off x="7989608" y="5860442"/>
+                <a:off x="7989608" y="6183638"/>
                 <a:ext cx="496610" cy="369332"/>
               </a:xfrm>
               <a:prstGeom prst="rect">
                 <a:avLst/>
               </a:prstGeom>
-              <a:blipFill>
+              <a:blipFill rotWithShape="0">
                 <a:blip r:embed="rId6"/>
                 <a:stretch>
-                  <a:fillRect b="-9836"/>
+                  <a:fillRect b="-8197"/>
                 </a:stretch>
               </a:blipFill>
             </p:spPr>
@@ -8601,8 +8601,8 @@
           </p:sp>
         </mc:Fallback>
       </mc:AlternateContent>
-      <mc:AlternateContent xmlns:mc="http://schemas.openxmlformats.org/markup-compatibility/2006" xmlns:a14="http://schemas.microsoft.com/office/drawing/2010/main">
-        <mc:Choice Requires="a14">
+      <mc:AlternateContent xmlns:mc="http://schemas.openxmlformats.org/markup-compatibility/2006">
+        <mc:Choice xmlns:a14="http://schemas.microsoft.com/office/drawing/2010/main" Requires="a14">
           <p:sp>
             <p:nvSpPr>
               <p:cNvPr id="37" name="TextBox 36">
@@ -8617,7 +8617,7 @@
             </p:nvSpPr>
             <p:spPr>
               <a:xfrm>
-                <a:off x="9248294" y="5860442"/>
+                <a:off x="9248294" y="6183638"/>
                 <a:ext cx="491288" cy="369332"/>
               </a:xfrm>
               <a:prstGeom prst="rect">
@@ -8671,13 +8671,13 @@
             </p:txBody>
           </p:sp>
         </mc:Choice>
-        <mc:Fallback xmlns="">
+        <mc:Fallback>
           <p:sp>
             <p:nvSpPr>
               <p:cNvPr id="37" name="TextBox 36">
                 <a:extLst>
                   <a:ext uri="{FF2B5EF4-FFF2-40B4-BE49-F238E27FC236}">
-                    <a16:creationId xmlns:a16="http://schemas.microsoft.com/office/drawing/2014/main" id="{6448FB8C-D9A1-4602-BD58-DE946A793132}"/>
+                    <a16:creationId xmlns:a16="http://schemas.microsoft.com/office/drawing/2014/main" xmlns:a14="http://schemas.microsoft.com/office/drawing/2010/main" xmlns="" id="{6448FB8C-D9A1-4602-BD58-DE946A793132}"/>
                   </a:ext>
                 </a:extLst>
               </p:cNvPr>
@@ -8688,16 +8688,16 @@
             </p:nvSpPr>
             <p:spPr>
               <a:xfrm>
-                <a:off x="9248294" y="5860442"/>
+                <a:off x="9248294" y="6183638"/>
                 <a:ext cx="491288" cy="369332"/>
               </a:xfrm>
               <a:prstGeom prst="rect">
                 <a:avLst/>
               </a:prstGeom>
-              <a:blipFill>
+              <a:blipFill rotWithShape="0">
                 <a:blip r:embed="rId7"/>
                 <a:stretch>
-                  <a:fillRect b="-9836"/>
+                  <a:fillRect b="-8197"/>
                 </a:stretch>
               </a:blipFill>
             </p:spPr>
@@ -8716,8 +8716,8 @@
           </p:sp>
         </mc:Fallback>
       </mc:AlternateContent>
-      <mc:AlternateContent xmlns:mc="http://schemas.openxmlformats.org/markup-compatibility/2006" xmlns:a14="http://schemas.microsoft.com/office/drawing/2010/main">
-        <mc:Choice Requires="a14">
+      <mc:AlternateContent xmlns:mc="http://schemas.openxmlformats.org/markup-compatibility/2006">
+        <mc:Choice xmlns:a14="http://schemas.microsoft.com/office/drawing/2010/main" Requires="a14">
           <p:sp>
             <p:nvSpPr>
               <p:cNvPr id="38" name="TextBox 37">
@@ -8732,7 +8732,7 @@
             </p:nvSpPr>
             <p:spPr>
               <a:xfrm>
-                <a:off x="10506980" y="5860442"/>
+                <a:off x="10506980" y="6183638"/>
                 <a:ext cx="496611" cy="369332"/>
               </a:xfrm>
               <a:prstGeom prst="rect">
@@ -8786,13 +8786,13 @@
             </p:txBody>
           </p:sp>
         </mc:Choice>
-        <mc:Fallback xmlns="">
+        <mc:Fallback>
           <p:sp>
             <p:nvSpPr>
               <p:cNvPr id="38" name="TextBox 37">
                 <a:extLst>
                   <a:ext uri="{FF2B5EF4-FFF2-40B4-BE49-F238E27FC236}">
-                    <a16:creationId xmlns:a16="http://schemas.microsoft.com/office/drawing/2014/main" id="{7027025A-1A40-43C7-B377-B6E5B83B42C9}"/>
+                    <a16:creationId xmlns:a16="http://schemas.microsoft.com/office/drawing/2014/main" xmlns:a14="http://schemas.microsoft.com/office/drawing/2010/main" xmlns="" id="{7027025A-1A40-43C7-B377-B6E5B83B42C9}"/>
                   </a:ext>
                 </a:extLst>
               </p:cNvPr>
@@ -8803,16 +8803,16 @@
             </p:nvSpPr>
             <p:spPr>
               <a:xfrm>
-                <a:off x="10506980" y="5860442"/>
+                <a:off x="10506980" y="6183638"/>
                 <a:ext cx="496611" cy="369332"/>
               </a:xfrm>
               <a:prstGeom prst="rect">
                 <a:avLst/>
               </a:prstGeom>
-              <a:blipFill>
+              <a:blipFill rotWithShape="0">
                 <a:blip r:embed="rId8"/>
                 <a:stretch>
-                  <a:fillRect b="-9836"/>
+                  <a:fillRect b="-8197"/>
                 </a:stretch>
               </a:blipFill>
             </p:spPr>
@@ -8831,8 +8831,8 @@
           </p:sp>
         </mc:Fallback>
       </mc:AlternateContent>
-      <mc:AlternateContent xmlns:mc="http://schemas.openxmlformats.org/markup-compatibility/2006" xmlns:a14="http://schemas.microsoft.com/office/drawing/2010/main">
-        <mc:Choice Requires="a14">
+      <mc:AlternateContent xmlns:mc="http://schemas.openxmlformats.org/markup-compatibility/2006">
+        <mc:Choice xmlns:a14="http://schemas.microsoft.com/office/drawing/2010/main" Requires="a14">
           <p:sp>
             <p:nvSpPr>
               <p:cNvPr id="39" name="TextBox 38">
@@ -8847,7 +8847,7 @@
             </p:nvSpPr>
             <p:spPr>
               <a:xfrm>
-                <a:off x="6628971" y="5885344"/>
+                <a:off x="6628971" y="6208540"/>
                 <a:ext cx="700513" cy="369332"/>
               </a:xfrm>
               <a:prstGeom prst="rect">
@@ -8882,13 +8882,13 @@
             </p:txBody>
           </p:sp>
         </mc:Choice>
-        <mc:Fallback xmlns="">
+        <mc:Fallback>
           <p:sp>
             <p:nvSpPr>
               <p:cNvPr id="39" name="TextBox 38">
                 <a:extLst>
                   <a:ext uri="{FF2B5EF4-FFF2-40B4-BE49-F238E27FC236}">
-                    <a16:creationId xmlns:a16="http://schemas.microsoft.com/office/drawing/2014/main" id="{34ED70D7-EC33-49DC-96FA-7BE986853032}"/>
+                    <a16:creationId xmlns:a16="http://schemas.microsoft.com/office/drawing/2014/main" xmlns:a14="http://schemas.microsoft.com/office/drawing/2010/main" xmlns="" id="{34ED70D7-EC33-49DC-96FA-7BE986853032}"/>
                   </a:ext>
                 </a:extLst>
               </p:cNvPr>
@@ -8899,13 +8899,13 @@
             </p:nvSpPr>
             <p:spPr>
               <a:xfrm>
-                <a:off x="6628971" y="5885344"/>
+                <a:off x="6628971" y="6208540"/>
                 <a:ext cx="700513" cy="369332"/>
               </a:xfrm>
               <a:prstGeom prst="rect">
                 <a:avLst/>
               </a:prstGeom>
-              <a:blipFill>
+              <a:blipFill rotWithShape="0">
                 <a:blip r:embed="rId9"/>
                 <a:stretch>
                   <a:fillRect/>
@@ -8927,8 +8927,8 @@
           </p:sp>
         </mc:Fallback>
       </mc:AlternateContent>
-      <mc:AlternateContent xmlns:mc="http://schemas.openxmlformats.org/markup-compatibility/2006" xmlns:a14="http://schemas.microsoft.com/office/drawing/2010/main">
-        <mc:Choice Requires="a14">
+      <mc:AlternateContent xmlns:mc="http://schemas.openxmlformats.org/markup-compatibility/2006">
+        <mc:Choice xmlns:a14="http://schemas.microsoft.com/office/drawing/2010/main" Requires="a14">
           <p:sp>
             <p:nvSpPr>
               <p:cNvPr id="40" name="TextBox 39">
@@ -8943,7 +8943,7 @@
             </p:nvSpPr>
             <p:spPr>
               <a:xfrm>
-                <a:off x="10405027" y="1158172"/>
+                <a:off x="10405027" y="677322"/>
                 <a:ext cx="692497" cy="369332"/>
               </a:xfrm>
               <a:prstGeom prst="rect">
@@ -8978,13 +8978,13 @@
             </p:txBody>
           </p:sp>
         </mc:Choice>
-        <mc:Fallback xmlns="">
+        <mc:Fallback>
           <p:sp>
             <p:nvSpPr>
               <p:cNvPr id="40" name="TextBox 39">
                 <a:extLst>
                   <a:ext uri="{FF2B5EF4-FFF2-40B4-BE49-F238E27FC236}">
-                    <a16:creationId xmlns:a16="http://schemas.microsoft.com/office/drawing/2014/main" id="{3C190F04-1C31-4664-AD00-75B456B22FFA}"/>
+                    <a16:creationId xmlns:a16="http://schemas.microsoft.com/office/drawing/2014/main" xmlns:a14="http://schemas.microsoft.com/office/drawing/2010/main" xmlns="" id="{3C190F04-1C31-4664-AD00-75B456B22FFA}"/>
                   </a:ext>
                 </a:extLst>
               </p:cNvPr>
@@ -8995,13 +8995,13 @@
             </p:nvSpPr>
             <p:spPr>
               <a:xfrm>
-                <a:off x="10405027" y="1158172"/>
+                <a:off x="10405027" y="677322"/>
                 <a:ext cx="692497" cy="369332"/>
               </a:xfrm>
               <a:prstGeom prst="rect">
                 <a:avLst/>
               </a:prstGeom>
-              <a:blipFill>
+              <a:blipFill rotWithShape="0">
                 <a:blip r:embed="rId10"/>
                 <a:stretch>
                   <a:fillRect/>
@@ -9037,7 +9037,7 @@
         </p:nvSpPr>
         <p:spPr>
           <a:xfrm>
-            <a:off x="1105593" y="5261883"/>
+            <a:off x="1105593" y="5585079"/>
             <a:ext cx="777240" cy="282706"/>
           </a:xfrm>
           <a:prstGeom prst="rect">
@@ -9090,7 +9090,7 @@
         </p:nvSpPr>
         <p:spPr>
           <a:xfrm>
-            <a:off x="2364278" y="5261883"/>
+            <a:off x="2364278" y="5585079"/>
             <a:ext cx="777240" cy="282706"/>
           </a:xfrm>
           <a:prstGeom prst="rect">
@@ -9143,7 +9143,7 @@
         </p:nvSpPr>
         <p:spPr>
           <a:xfrm>
-            <a:off x="3622964" y="5261883"/>
+            <a:off x="3622964" y="5585079"/>
             <a:ext cx="777240" cy="282706"/>
           </a:xfrm>
           <a:prstGeom prst="rect">
@@ -9196,7 +9196,7 @@
         </p:nvSpPr>
         <p:spPr>
           <a:xfrm>
-            <a:off x="4881647" y="5261883"/>
+            <a:off x="4881647" y="5585079"/>
             <a:ext cx="777240" cy="282706"/>
           </a:xfrm>
           <a:prstGeom prst="rect">
@@ -9249,7 +9249,7 @@
         </p:nvSpPr>
         <p:spPr>
           <a:xfrm>
-            <a:off x="6590607" y="1778919"/>
+            <a:off x="6590607" y="1298069"/>
             <a:ext cx="777240" cy="282706"/>
           </a:xfrm>
           <a:prstGeom prst="rect">
@@ -9297,7 +9297,7 @@
         </p:nvSpPr>
         <p:spPr>
           <a:xfrm>
-            <a:off x="7849293" y="1778919"/>
+            <a:off x="7849293" y="1298069"/>
             <a:ext cx="777240" cy="282706"/>
           </a:xfrm>
           <a:prstGeom prst="rect">
@@ -9345,7 +9345,7 @@
         </p:nvSpPr>
         <p:spPr>
           <a:xfrm>
-            <a:off x="9107979" y="1778919"/>
+            <a:off x="9107979" y="1298069"/>
             <a:ext cx="777240" cy="282706"/>
           </a:xfrm>
           <a:prstGeom prst="rect">
@@ -9393,7 +9393,7 @@
         </p:nvSpPr>
         <p:spPr>
           <a:xfrm>
-            <a:off x="10366664" y="1778919"/>
+            <a:off x="10366664" y="1298069"/>
             <a:ext cx="777240" cy="282706"/>
           </a:xfrm>
           <a:prstGeom prst="rect">
@@ -9441,7 +9441,7 @@
         </p:nvSpPr>
         <p:spPr>
           <a:xfrm>
-            <a:off x="6590607" y="5261883"/>
+            <a:off x="6590607" y="5585079"/>
             <a:ext cx="777240" cy="282706"/>
           </a:xfrm>
           <a:prstGeom prst="rect">
@@ -9489,7 +9489,7 @@
         </p:nvSpPr>
         <p:spPr>
           <a:xfrm>
-            <a:off x="7849293" y="5261880"/>
+            <a:off x="7849293" y="5585076"/>
             <a:ext cx="777240" cy="282706"/>
           </a:xfrm>
           <a:prstGeom prst="rect">
@@ -9537,7 +9537,7 @@
         </p:nvSpPr>
         <p:spPr>
           <a:xfrm>
-            <a:off x="9107979" y="5261880"/>
+            <a:off x="9107979" y="5585076"/>
             <a:ext cx="777240" cy="282706"/>
           </a:xfrm>
           <a:prstGeom prst="rect">
@@ -9585,7 +9585,7 @@
         </p:nvSpPr>
         <p:spPr>
           <a:xfrm>
-            <a:off x="10366664" y="5261880"/>
+            <a:off x="10366664" y="5585076"/>
             <a:ext cx="777240" cy="282706"/>
           </a:xfrm>
           <a:prstGeom prst="rect">
@@ -9619,8 +9619,8 @@
           </a:p>
         </p:txBody>
       </p:sp>
-      <mc:AlternateContent xmlns:mc="http://schemas.openxmlformats.org/markup-compatibility/2006" xmlns:a14="http://schemas.microsoft.com/office/drawing/2010/main">
-        <mc:Choice Requires="a14">
+      <mc:AlternateContent xmlns:mc="http://schemas.openxmlformats.org/markup-compatibility/2006">
+        <mc:Choice xmlns:a14="http://schemas.microsoft.com/office/drawing/2010/main" Requires="a14">
           <p:sp>
             <p:nvSpPr>
               <p:cNvPr id="55" name="TextBox 54">
@@ -9635,7 +9635,7 @@
             </p:nvSpPr>
             <p:spPr>
               <a:xfrm>
-                <a:off x="6730921" y="1158172"/>
+                <a:off x="6730921" y="677322"/>
                 <a:ext cx="496611" cy="369332"/>
               </a:xfrm>
               <a:prstGeom prst="rect">
@@ -9701,13 +9701,13 @@
             </p:txBody>
           </p:sp>
         </mc:Choice>
-        <mc:Fallback xmlns="">
+        <mc:Fallback>
           <p:sp>
             <p:nvSpPr>
               <p:cNvPr id="55" name="TextBox 54">
                 <a:extLst>
                   <a:ext uri="{FF2B5EF4-FFF2-40B4-BE49-F238E27FC236}">
-                    <a16:creationId xmlns:a16="http://schemas.microsoft.com/office/drawing/2014/main" id="{72B80003-A461-40D8-85C7-6F6665F27485}"/>
+                    <a16:creationId xmlns:a16="http://schemas.microsoft.com/office/drawing/2014/main" xmlns:a14="http://schemas.microsoft.com/office/drawing/2010/main" xmlns="" id="{72B80003-A461-40D8-85C7-6F6665F27485}"/>
                   </a:ext>
                 </a:extLst>
               </p:cNvPr>
@@ -9718,16 +9718,16 @@
             </p:nvSpPr>
             <p:spPr>
               <a:xfrm>
-                <a:off x="6730921" y="1158172"/>
+                <a:off x="6730921" y="677322"/>
                 <a:ext cx="496611" cy="369332"/>
               </a:xfrm>
               <a:prstGeom prst="rect">
                 <a:avLst/>
               </a:prstGeom>
-              <a:blipFill>
+              <a:blipFill rotWithShape="0">
                 <a:blip r:embed="rId11"/>
                 <a:stretch>
-                  <a:fillRect t="-3279" r="-14634" b="-8197"/>
+                  <a:fillRect r="-14634" b="-8197"/>
                 </a:stretch>
               </a:blipFill>
             </p:spPr>
@@ -9746,8 +9746,8 @@
           </p:sp>
         </mc:Fallback>
       </mc:AlternateContent>
-      <mc:AlternateContent xmlns:mc="http://schemas.openxmlformats.org/markup-compatibility/2006" xmlns:a14="http://schemas.microsoft.com/office/drawing/2010/main">
-        <mc:Choice Requires="a14">
+      <mc:AlternateContent xmlns:mc="http://schemas.openxmlformats.org/markup-compatibility/2006">
+        <mc:Choice xmlns:a14="http://schemas.microsoft.com/office/drawing/2010/main" Requires="a14">
           <p:sp>
             <p:nvSpPr>
               <p:cNvPr id="57" name="TextBox 56">
@@ -9762,7 +9762,7 @@
             </p:nvSpPr>
             <p:spPr>
               <a:xfrm>
-                <a:off x="7989607" y="1162654"/>
+                <a:off x="7989607" y="681804"/>
                 <a:ext cx="491288" cy="369332"/>
               </a:xfrm>
               <a:prstGeom prst="rect">
@@ -9828,13 +9828,13 @@
             </p:txBody>
           </p:sp>
         </mc:Choice>
-        <mc:Fallback xmlns="">
+        <mc:Fallback>
           <p:sp>
             <p:nvSpPr>
               <p:cNvPr id="57" name="TextBox 56">
                 <a:extLst>
                   <a:ext uri="{FF2B5EF4-FFF2-40B4-BE49-F238E27FC236}">
-                    <a16:creationId xmlns:a16="http://schemas.microsoft.com/office/drawing/2014/main" id="{20E0532F-A1CA-4D11-85ED-98569F22BC6C}"/>
+                    <a16:creationId xmlns:a16="http://schemas.microsoft.com/office/drawing/2014/main" xmlns:a14="http://schemas.microsoft.com/office/drawing/2010/main" xmlns="" id="{20E0532F-A1CA-4D11-85ED-98569F22BC6C}"/>
                   </a:ext>
                 </a:extLst>
               </p:cNvPr>
@@ -9845,16 +9845,16 @@
             </p:nvSpPr>
             <p:spPr>
               <a:xfrm>
-                <a:off x="7989607" y="1162654"/>
+                <a:off x="7989607" y="681804"/>
                 <a:ext cx="491288" cy="369332"/>
               </a:xfrm>
               <a:prstGeom prst="rect">
                 <a:avLst/>
               </a:prstGeom>
-              <a:blipFill>
+              <a:blipFill rotWithShape="0">
                 <a:blip r:embed="rId12"/>
                 <a:stretch>
-                  <a:fillRect t="-3333" r="-16250" b="-10000"/>
+                  <a:fillRect r="-16250" b="-10000"/>
                 </a:stretch>
               </a:blipFill>
             </p:spPr>
@@ -9873,8 +9873,8 @@
           </p:sp>
         </mc:Fallback>
       </mc:AlternateContent>
-      <mc:AlternateContent xmlns:mc="http://schemas.openxmlformats.org/markup-compatibility/2006" xmlns:a14="http://schemas.microsoft.com/office/drawing/2010/main">
-        <mc:Choice Requires="a14">
+      <mc:AlternateContent xmlns:mc="http://schemas.openxmlformats.org/markup-compatibility/2006">
+        <mc:Choice xmlns:a14="http://schemas.microsoft.com/office/drawing/2010/main" Requires="a14">
           <p:sp>
             <p:nvSpPr>
               <p:cNvPr id="58" name="TextBox 57">
@@ -9889,7 +9889,7 @@
             </p:nvSpPr>
             <p:spPr>
               <a:xfrm>
-                <a:off x="9242971" y="1158172"/>
+                <a:off x="9242971" y="677322"/>
                 <a:ext cx="496611" cy="369332"/>
               </a:xfrm>
               <a:prstGeom prst="rect">
@@ -9955,13 +9955,13 @@
             </p:txBody>
           </p:sp>
         </mc:Choice>
-        <mc:Fallback xmlns="">
+        <mc:Fallback>
           <p:sp>
             <p:nvSpPr>
               <p:cNvPr id="58" name="TextBox 57">
                 <a:extLst>
                   <a:ext uri="{FF2B5EF4-FFF2-40B4-BE49-F238E27FC236}">
-                    <a16:creationId xmlns:a16="http://schemas.microsoft.com/office/drawing/2014/main" id="{BB4072BD-4BD0-4145-A29C-DBC0590749EA}"/>
+                    <a16:creationId xmlns:a16="http://schemas.microsoft.com/office/drawing/2014/main" xmlns:a14="http://schemas.microsoft.com/office/drawing/2010/main" xmlns="" id="{BB4072BD-4BD0-4145-A29C-DBC0590749EA}"/>
                   </a:ext>
                 </a:extLst>
               </p:cNvPr>
@@ -9972,16 +9972,16 @@
             </p:nvSpPr>
             <p:spPr>
               <a:xfrm>
-                <a:off x="9242971" y="1158172"/>
+                <a:off x="9242971" y="677322"/>
                 <a:ext cx="496611" cy="369332"/>
               </a:xfrm>
               <a:prstGeom prst="rect">
                 <a:avLst/>
               </a:prstGeom>
-              <a:blipFill>
+              <a:blipFill rotWithShape="0">
                 <a:blip r:embed="rId13"/>
                 <a:stretch>
-                  <a:fillRect t="-3279" r="-14634" b="-8197"/>
+                  <a:fillRect r="-14634" b="-8197"/>
                 </a:stretch>
               </a:blipFill>
             </p:spPr>
@@ -10018,8 +10018,8 @@
         </p:nvCxnSpPr>
         <p:spPr>
           <a:xfrm flipV="1">
-            <a:off x="1494213" y="4987634"/>
-            <a:ext cx="0" cy="274249"/>
+            <a:off x="1494213" y="5058581"/>
+            <a:ext cx="0" cy="526498"/>
           </a:xfrm>
           <a:prstGeom prst="straightConnector1">
             <a:avLst/>
@@ -10061,7 +10061,7 @@
         </p:nvCxnSpPr>
         <p:spPr>
           <a:xfrm flipV="1">
-            <a:off x="1494213" y="5544589"/>
+            <a:off x="1494213" y="5867785"/>
             <a:ext cx="0" cy="315853"/>
           </a:xfrm>
           <a:prstGeom prst="straightConnector1">
@@ -10104,7 +10104,7 @@
         </p:nvCxnSpPr>
         <p:spPr>
           <a:xfrm flipV="1">
-            <a:off x="2750237" y="5544589"/>
+            <a:off x="2750237" y="5867785"/>
             <a:ext cx="2661" cy="316141"/>
           </a:xfrm>
           <a:prstGeom prst="straightConnector1">
@@ -10147,7 +10147,7 @@
         </p:nvCxnSpPr>
         <p:spPr>
           <a:xfrm flipV="1">
-            <a:off x="4011583" y="5544589"/>
+            <a:off x="4011583" y="5867785"/>
             <a:ext cx="1" cy="315853"/>
           </a:xfrm>
           <a:prstGeom prst="straightConnector1">
@@ -10190,7 +10190,7 @@
         </p:nvCxnSpPr>
         <p:spPr>
           <a:xfrm flipH="1" flipV="1">
-            <a:off x="5270267" y="5544589"/>
+            <a:off x="5270267" y="5867785"/>
             <a:ext cx="1" cy="315853"/>
           </a:xfrm>
           <a:prstGeom prst="straightConnector1">
@@ -10233,7 +10233,7 @@
         </p:nvCxnSpPr>
         <p:spPr>
           <a:xfrm flipH="1" flipV="1">
-            <a:off x="6979227" y="5544589"/>
+            <a:off x="6979227" y="5867785"/>
             <a:ext cx="1" cy="340755"/>
           </a:xfrm>
           <a:prstGeom prst="straightConnector1">
@@ -10276,7 +10276,7 @@
         </p:nvCxnSpPr>
         <p:spPr>
           <a:xfrm flipV="1">
-            <a:off x="8237913" y="5544586"/>
+            <a:off x="8237913" y="5867782"/>
             <a:ext cx="0" cy="315856"/>
           </a:xfrm>
           <a:prstGeom prst="straightConnector1">
@@ -10319,7 +10319,7 @@
         </p:nvCxnSpPr>
         <p:spPr>
           <a:xfrm flipV="1">
-            <a:off x="9493938" y="5544586"/>
+            <a:off x="9493938" y="5867782"/>
             <a:ext cx="2661" cy="315856"/>
           </a:xfrm>
           <a:prstGeom prst="straightConnector1">
@@ -10362,7 +10362,7 @@
         </p:nvCxnSpPr>
         <p:spPr>
           <a:xfrm flipH="1" flipV="1">
-            <a:off x="10755284" y="5544586"/>
+            <a:off x="10755284" y="5867782"/>
             <a:ext cx="2" cy="315856"/>
           </a:xfrm>
           <a:prstGeom prst="straightConnector1">
@@ -10405,8 +10405,8 @@
         </p:nvCxnSpPr>
         <p:spPr>
           <a:xfrm flipV="1">
-            <a:off x="2752898" y="4987633"/>
-            <a:ext cx="0" cy="274250"/>
+            <a:off x="2752898" y="5058580"/>
+            <a:ext cx="0" cy="526499"/>
           </a:xfrm>
           <a:prstGeom prst="straightConnector1">
             <a:avLst/>
@@ -10448,8 +10448,8 @@
         </p:nvCxnSpPr>
         <p:spPr>
           <a:xfrm flipV="1">
-            <a:off x="4011584" y="4987633"/>
-            <a:ext cx="0" cy="274250"/>
+            <a:off x="4011584" y="5058580"/>
+            <a:ext cx="0" cy="526499"/>
           </a:xfrm>
           <a:prstGeom prst="straightConnector1">
             <a:avLst/>
@@ -10491,8 +10491,8 @@
         </p:nvCxnSpPr>
         <p:spPr>
           <a:xfrm flipV="1">
-            <a:off x="5270267" y="4987633"/>
-            <a:ext cx="3" cy="274250"/>
+            <a:off x="5270267" y="5058580"/>
+            <a:ext cx="3" cy="526499"/>
           </a:xfrm>
           <a:prstGeom prst="straightConnector1">
             <a:avLst/>
@@ -10534,8 +10534,8 @@
         </p:nvCxnSpPr>
         <p:spPr>
           <a:xfrm flipV="1">
-            <a:off x="6979227" y="4987633"/>
-            <a:ext cx="1" cy="274250"/>
+            <a:off x="6979227" y="5058580"/>
+            <a:ext cx="1" cy="526499"/>
           </a:xfrm>
           <a:prstGeom prst="straightConnector1">
             <a:avLst/>
@@ -10577,8 +10577,8 @@
         </p:nvCxnSpPr>
         <p:spPr>
           <a:xfrm flipV="1">
-            <a:off x="8237913" y="4987632"/>
-            <a:ext cx="0" cy="274248"/>
+            <a:off x="8237913" y="5058579"/>
+            <a:ext cx="0" cy="526497"/>
           </a:xfrm>
           <a:prstGeom prst="straightConnector1">
             <a:avLst/>
@@ -10620,8 +10620,8 @@
         </p:nvCxnSpPr>
         <p:spPr>
           <a:xfrm flipV="1">
-            <a:off x="9496599" y="4987632"/>
-            <a:ext cx="0" cy="274248"/>
+            <a:off x="9496599" y="5058579"/>
+            <a:ext cx="0" cy="526497"/>
           </a:xfrm>
           <a:prstGeom prst="straightConnector1">
             <a:avLst/>
@@ -10663,8 +10663,8 @@
         </p:nvCxnSpPr>
         <p:spPr>
           <a:xfrm flipV="1">
-            <a:off x="10755284" y="4987632"/>
-            <a:ext cx="1" cy="274248"/>
+            <a:off x="10755284" y="5058579"/>
+            <a:ext cx="1" cy="526497"/>
           </a:xfrm>
           <a:prstGeom prst="straightConnector1">
             <a:avLst/>
@@ -10706,7 +10706,7 @@
         </p:nvCxnSpPr>
         <p:spPr>
           <a:xfrm flipV="1">
-            <a:off x="6979227" y="1527504"/>
+            <a:off x="6979227" y="1046654"/>
             <a:ext cx="0" cy="251415"/>
           </a:xfrm>
           <a:prstGeom prst="straightConnector1">
@@ -10749,7 +10749,7 @@
         </p:nvCxnSpPr>
         <p:spPr>
           <a:xfrm flipH="1" flipV="1">
-            <a:off x="8235251" y="1531986"/>
+            <a:off x="8235251" y="1051136"/>
             <a:ext cx="2662" cy="246933"/>
           </a:xfrm>
           <a:prstGeom prst="straightConnector1">
@@ -10792,7 +10792,7 @@
         </p:nvCxnSpPr>
         <p:spPr>
           <a:xfrm flipH="1" flipV="1">
-            <a:off x="9491277" y="1527504"/>
+            <a:off x="9491277" y="1046654"/>
             <a:ext cx="5322" cy="251415"/>
           </a:xfrm>
           <a:prstGeom prst="straightConnector1">
@@ -10835,7 +10835,7 @@
         </p:nvCxnSpPr>
         <p:spPr>
           <a:xfrm flipH="1" flipV="1">
-            <a:off x="10751276" y="1527504"/>
+            <a:off x="10751276" y="1046654"/>
             <a:ext cx="4008" cy="251415"/>
           </a:xfrm>
           <a:prstGeom prst="straightConnector1">
@@ -10878,8 +10878,8 @@
         </p:nvCxnSpPr>
         <p:spPr>
           <a:xfrm flipH="1" flipV="1">
-            <a:off x="10755284" y="2061625"/>
-            <a:ext cx="1" cy="274248"/>
+            <a:off x="10755284" y="1580775"/>
+            <a:ext cx="1" cy="826045"/>
           </a:xfrm>
           <a:prstGeom prst="straightConnector1">
             <a:avLst/>
@@ -10921,8 +10921,8 @@
         </p:nvCxnSpPr>
         <p:spPr>
           <a:xfrm flipV="1">
-            <a:off x="9496599" y="2061625"/>
-            <a:ext cx="0" cy="274248"/>
+            <a:off x="9496599" y="1580775"/>
+            <a:ext cx="0" cy="826045"/>
           </a:xfrm>
           <a:prstGeom prst="straightConnector1">
             <a:avLst/>
@@ -10964,8 +10964,8 @@
         </p:nvCxnSpPr>
         <p:spPr>
           <a:xfrm flipV="1">
-            <a:off x="8237913" y="2061625"/>
-            <a:ext cx="0" cy="274248"/>
+            <a:off x="8237913" y="1580775"/>
+            <a:ext cx="0" cy="826045"/>
           </a:xfrm>
           <a:prstGeom prst="straightConnector1">
             <a:avLst/>
@@ -11007,8 +11007,8 @@
         </p:nvCxnSpPr>
         <p:spPr>
           <a:xfrm flipH="1" flipV="1">
-            <a:off x="6979227" y="2061625"/>
-            <a:ext cx="1" cy="274249"/>
+            <a:off x="6979227" y="1580775"/>
+            <a:ext cx="1" cy="826046"/>
           </a:xfrm>
           <a:prstGeom prst="straightConnector1">
             <a:avLst/>
@@ -11049,14 +11049,14 @@
         </p:nvCxnSpPr>
         <p:spPr>
           <a:xfrm rot="16200000" flipH="1">
-            <a:off x="5725736" y="3032409"/>
-            <a:ext cx="3765667" cy="1258686"/>
+            <a:off x="5323713" y="2953582"/>
+            <a:ext cx="4569713" cy="1258686"/>
           </a:xfrm>
           <a:prstGeom prst="curvedConnector5">
             <a:avLst>
-              <a:gd name="adj1" fmla="val -6071"/>
+              <a:gd name="adj1" fmla="val -5003"/>
               <a:gd name="adj2" fmla="val 50000"/>
-              <a:gd name="adj3" fmla="val 106071"/>
+              <a:gd name="adj3" fmla="val 105003"/>
             </a:avLst>
           </a:prstGeom>
           <a:ln>
@@ -11096,14 +11096,14 @@
         </p:nvCxnSpPr>
         <p:spPr>
           <a:xfrm rot="16200000" flipH="1">
-            <a:off x="6984422" y="3032409"/>
-            <a:ext cx="3765667" cy="1258686"/>
+            <a:off x="6582399" y="2953582"/>
+            <a:ext cx="4569713" cy="1258686"/>
           </a:xfrm>
           <a:prstGeom prst="curvedConnector5">
             <a:avLst>
-              <a:gd name="adj1" fmla="val -6071"/>
+              <a:gd name="adj1" fmla="val -5003"/>
               <a:gd name="adj2" fmla="val 50000"/>
-              <a:gd name="adj3" fmla="val 106071"/>
+              <a:gd name="adj3" fmla="val 105003"/>
             </a:avLst>
           </a:prstGeom>
           <a:ln>
@@ -11143,14 +11143,14 @@
         </p:nvCxnSpPr>
         <p:spPr>
           <a:xfrm rot="16200000" flipH="1">
-            <a:off x="8243107" y="3032410"/>
-            <a:ext cx="3765667" cy="1258685"/>
+            <a:off x="7841084" y="2953583"/>
+            <a:ext cx="4569713" cy="1258685"/>
           </a:xfrm>
           <a:prstGeom prst="curvedConnector5">
             <a:avLst>
-              <a:gd name="adj1" fmla="val -6071"/>
+              <a:gd name="adj1" fmla="val -5003"/>
               <a:gd name="adj2" fmla="val 50000"/>
-              <a:gd name="adj3" fmla="val 106071"/>
+              <a:gd name="adj3" fmla="val 105003"/>
             </a:avLst>
           </a:prstGeom>
           <a:ln>
@@ -11172,10 +11172,226 @@
           </a:fontRef>
         </p:style>
       </p:cxnSp>
+      <p:sp>
+        <p:nvSpPr>
+          <p:cNvPr id="3" name="모서리가 둥근 직사각형 2"/>
+          <p:cNvSpPr/>
+          <p:nvPr/>
+        </p:nvSpPr>
+        <p:spPr>
+          <a:xfrm>
+            <a:off x="875074" y="1883981"/>
+            <a:ext cx="5014333" cy="3436883"/>
+          </a:xfrm>
+          <a:prstGeom prst="roundRect">
+            <a:avLst/>
+          </a:prstGeom>
+          <a:noFill/>
+          <a:ln>
+            <a:prstDash val="dash"/>
+          </a:ln>
+        </p:spPr>
+        <p:style>
+          <a:lnRef idx="2">
+            <a:schemeClr val="dk1"/>
+          </a:lnRef>
+          <a:fillRef idx="1">
+            <a:schemeClr val="lt1"/>
+          </a:fillRef>
+          <a:effectRef idx="0">
+            <a:schemeClr val="dk1"/>
+          </a:effectRef>
+          <a:fontRef idx="minor">
+            <a:schemeClr val="dk1"/>
+          </a:fontRef>
+        </p:style>
+        <p:txBody>
+          <a:bodyPr rtlCol="0" anchor="ctr"/>
+          <a:lstStyle/>
+          <a:p>
+            <a:pPr algn="ctr"/>
+            <a:endParaRPr kumimoji="1" lang="ko-KR" altLang="en-US"/>
+          </a:p>
+        </p:txBody>
+      </p:sp>
+      <p:sp>
+        <p:nvSpPr>
+          <p:cNvPr id="70" name="모서리가 둥근 직사각형 69"/>
+          <p:cNvSpPr/>
+          <p:nvPr/>
+        </p:nvSpPr>
+        <p:spPr>
+          <a:xfrm>
+            <a:off x="6360089" y="1887129"/>
+            <a:ext cx="5014333" cy="3436883"/>
+          </a:xfrm>
+          <a:prstGeom prst="roundRect">
+            <a:avLst/>
+          </a:prstGeom>
+          <a:noFill/>
+          <a:ln>
+            <a:prstDash val="dash"/>
+          </a:ln>
+        </p:spPr>
+        <p:style>
+          <a:lnRef idx="2">
+            <a:schemeClr val="dk1"/>
+          </a:lnRef>
+          <a:fillRef idx="1">
+            <a:schemeClr val="lt1"/>
+          </a:fillRef>
+          <a:effectRef idx="0">
+            <a:schemeClr val="dk1"/>
+          </a:effectRef>
+          <a:fontRef idx="minor">
+            <a:schemeClr val="dk1"/>
+          </a:fontRef>
+        </p:style>
+        <p:txBody>
+          <a:bodyPr rtlCol="0" anchor="ctr"/>
+          <a:lstStyle/>
+          <a:p>
+            <a:pPr algn="ctr"/>
+            <a:endParaRPr kumimoji="1" lang="ko-KR" altLang="en-US"/>
+          </a:p>
+        </p:txBody>
+      </p:sp>
+      <p:sp>
+        <p:nvSpPr>
+          <p:cNvPr id="12" name="TextBox 11"/>
+          <p:cNvSpPr txBox="1"/>
+          <p:nvPr/>
+        </p:nvSpPr>
+        <p:spPr>
+          <a:xfrm>
+            <a:off x="2944692" y="1941890"/>
+            <a:ext cx="870751" cy="307777"/>
+          </a:xfrm>
+          <a:prstGeom prst="rect">
+            <a:avLst/>
+          </a:prstGeom>
+          <a:noFill/>
+        </p:spPr>
+        <p:txBody>
+          <a:bodyPr wrap="none" rtlCol="0">
+            <a:spAutoFit/>
+          </a:bodyPr>
+          <a:lstStyle/>
+          <a:p>
+            <a:r>
+              <a:rPr kumimoji="1" lang="en-US" altLang="ko-KR" sz="1400" b="1" dirty="0" smtClean="0"/>
+              <a:t>Encoder</a:t>
+            </a:r>
+            <a:endParaRPr kumimoji="1" lang="ko-KR" altLang="en-US" sz="1400" b="1" dirty="0"/>
+          </a:p>
+        </p:txBody>
+      </p:sp>
+      <p:sp>
+        <p:nvSpPr>
+          <p:cNvPr id="73" name="TextBox 72"/>
+          <p:cNvSpPr txBox="1"/>
+          <p:nvPr/>
+        </p:nvSpPr>
+        <p:spPr>
+          <a:xfrm>
+            <a:off x="8417452" y="1941890"/>
+            <a:ext cx="899605" cy="307777"/>
+          </a:xfrm>
+          <a:prstGeom prst="rect">
+            <a:avLst/>
+          </a:prstGeom>
+          <a:noFill/>
+        </p:spPr>
+        <p:txBody>
+          <a:bodyPr wrap="none" rtlCol="0">
+            <a:spAutoFit/>
+          </a:bodyPr>
+          <a:lstStyle/>
+          <a:p>
+            <a:r>
+              <a:rPr kumimoji="1" lang="en-US" altLang="ko-KR" sz="1400" b="1" dirty="0" smtClean="0"/>
+              <a:t>Decoder</a:t>
+            </a:r>
+            <a:endParaRPr kumimoji="1" lang="ko-KR" altLang="en-US" sz="1400" b="1" dirty="0"/>
+          </a:p>
+        </p:txBody>
+      </p:sp>
+      <p:sp>
+        <p:nvSpPr>
+          <p:cNvPr id="74" name="모서리가 둥근 직사각형 73"/>
+          <p:cNvSpPr/>
+          <p:nvPr/>
+        </p:nvSpPr>
+        <p:spPr>
+          <a:xfrm>
+            <a:off x="6360089" y="350579"/>
+            <a:ext cx="5014333" cy="1400853"/>
+          </a:xfrm>
+          <a:prstGeom prst="roundRect">
+            <a:avLst/>
+          </a:prstGeom>
+          <a:noFill/>
+          <a:ln>
+            <a:prstDash val="dash"/>
+          </a:ln>
+        </p:spPr>
+        <p:style>
+          <a:lnRef idx="2">
+            <a:schemeClr val="dk1"/>
+          </a:lnRef>
+          <a:fillRef idx="1">
+            <a:schemeClr val="lt1"/>
+          </a:fillRef>
+          <a:effectRef idx="0">
+            <a:schemeClr val="dk1"/>
+          </a:effectRef>
+          <a:fontRef idx="minor">
+            <a:schemeClr val="dk1"/>
+          </a:fontRef>
+        </p:style>
+        <p:txBody>
+          <a:bodyPr rtlCol="0" anchor="ctr"/>
+          <a:lstStyle/>
+          <a:p>
+            <a:pPr algn="ctr"/>
+            <a:endParaRPr kumimoji="1" lang="ko-KR" altLang="en-US"/>
+          </a:p>
+        </p:txBody>
+      </p:sp>
+      <p:sp>
+        <p:nvSpPr>
+          <p:cNvPr id="76" name="TextBox 75"/>
+          <p:cNvSpPr txBox="1"/>
+          <p:nvPr/>
+        </p:nvSpPr>
+        <p:spPr>
+          <a:xfrm>
+            <a:off x="8347271" y="414646"/>
+            <a:ext cx="1039965" cy="307777"/>
+          </a:xfrm>
+          <a:prstGeom prst="rect">
+            <a:avLst/>
+          </a:prstGeom>
+          <a:noFill/>
+        </p:spPr>
+        <p:txBody>
+          <a:bodyPr wrap="none" rtlCol="0">
+            <a:spAutoFit/>
+          </a:bodyPr>
+          <a:lstStyle/>
+          <a:p>
+            <a:r>
+              <a:rPr kumimoji="1" lang="en-US" altLang="ko-KR" sz="1400" b="1" dirty="0" smtClean="0"/>
+              <a:t>Generator</a:t>
+            </a:r>
+            <a:endParaRPr kumimoji="1" lang="ko-KR" altLang="en-US" sz="1400" b="1" dirty="0"/>
+          </a:p>
+        </p:txBody>
+      </p:sp>
     </p:spTree>
     <p:extLst>
       <p:ext uri="{BB962C8B-B14F-4D97-AF65-F5344CB8AC3E}">
-        <p14:creationId xmlns:p14="http://schemas.microsoft.com/office/powerpoint/2010/main" val="571939443"/>
+        <p14:creationId xmlns:p14="http://schemas.microsoft.com/office/powerpoint/2010/main" val="1927057316"/>
       </p:ext>
     </p:extLst>
   </p:cSld>

--- a/architecture.pptx
+++ b/architecture.pptx
@@ -144,7 +144,7 @@
           <p:cNvPr id="2" name="제목 1">
             <a:extLst>
               <a:ext uri="{FF2B5EF4-FFF2-40B4-BE49-F238E27FC236}">
-                <a16:creationId xmlns:a16="http://schemas.microsoft.com/office/drawing/2014/main" xmlns="" id="{1EC66453-60C9-4ED7-968A-F4426E82A607}"/>
+                <a16:creationId xmlns="" xmlns:a16="http://schemas.microsoft.com/office/drawing/2014/main" id="{1EC66453-60C9-4ED7-968A-F4426E82A607}"/>
               </a:ext>
             </a:extLst>
           </p:cNvPr>
@@ -181,7 +181,7 @@
           <p:cNvPr id="3" name="부제목 2">
             <a:extLst>
               <a:ext uri="{FF2B5EF4-FFF2-40B4-BE49-F238E27FC236}">
-                <a16:creationId xmlns:a16="http://schemas.microsoft.com/office/drawing/2014/main" xmlns="" id="{0D8DA213-6525-4FBD-815D-6276D67770ED}"/>
+                <a16:creationId xmlns="" xmlns:a16="http://schemas.microsoft.com/office/drawing/2014/main" id="{0D8DA213-6525-4FBD-815D-6276D67770ED}"/>
               </a:ext>
             </a:extLst>
           </p:cNvPr>
@@ -251,7 +251,7 @@
           <p:cNvPr id="4" name="날짜 개체 틀 3">
             <a:extLst>
               <a:ext uri="{FF2B5EF4-FFF2-40B4-BE49-F238E27FC236}">
-                <a16:creationId xmlns:a16="http://schemas.microsoft.com/office/drawing/2014/main" xmlns="" id="{EF28861C-1B63-4EEF-95AA-AD90D336099C}"/>
+                <a16:creationId xmlns="" xmlns:a16="http://schemas.microsoft.com/office/drawing/2014/main" id="{EF28861C-1B63-4EEF-95AA-AD90D336099C}"/>
               </a:ext>
             </a:extLst>
           </p:cNvPr>
@@ -280,7 +280,7 @@
           <p:cNvPr id="5" name="바닥글 개체 틀 4">
             <a:extLst>
               <a:ext uri="{FF2B5EF4-FFF2-40B4-BE49-F238E27FC236}">
-                <a16:creationId xmlns:a16="http://schemas.microsoft.com/office/drawing/2014/main" xmlns="" id="{D8D34950-A4A6-46DC-BF27-49A8D3B28BFE}"/>
+                <a16:creationId xmlns="" xmlns:a16="http://schemas.microsoft.com/office/drawing/2014/main" id="{D8D34950-A4A6-46DC-BF27-49A8D3B28BFE}"/>
               </a:ext>
             </a:extLst>
           </p:cNvPr>
@@ -305,7 +305,7 @@
           <p:cNvPr id="6" name="슬라이드 번호 개체 틀 5">
             <a:extLst>
               <a:ext uri="{FF2B5EF4-FFF2-40B4-BE49-F238E27FC236}">
-                <a16:creationId xmlns:a16="http://schemas.microsoft.com/office/drawing/2014/main" xmlns="" id="{FE7BA875-958E-4CDC-8951-7D77E578AE47}"/>
+                <a16:creationId xmlns="" xmlns:a16="http://schemas.microsoft.com/office/drawing/2014/main" id="{FE7BA875-958E-4CDC-8951-7D77E578AE47}"/>
               </a:ext>
             </a:extLst>
           </p:cNvPr>
@@ -364,7 +364,7 @@
           <p:cNvPr id="2" name="제목 1">
             <a:extLst>
               <a:ext uri="{FF2B5EF4-FFF2-40B4-BE49-F238E27FC236}">
-                <a16:creationId xmlns:a16="http://schemas.microsoft.com/office/drawing/2014/main" xmlns="" id="{20F2CFDE-5B64-4331-9064-55D78B306859}"/>
+                <a16:creationId xmlns="" xmlns:a16="http://schemas.microsoft.com/office/drawing/2014/main" id="{20F2CFDE-5B64-4331-9064-55D78B306859}"/>
               </a:ext>
             </a:extLst>
           </p:cNvPr>
@@ -392,7 +392,7 @@
           <p:cNvPr id="3" name="세로 텍스트 개체 틀 2">
             <a:extLst>
               <a:ext uri="{FF2B5EF4-FFF2-40B4-BE49-F238E27FC236}">
-                <a16:creationId xmlns:a16="http://schemas.microsoft.com/office/drawing/2014/main" xmlns="" id="{271A643F-ED43-48AC-BEC5-4C56CE04275E}"/>
+                <a16:creationId xmlns="" xmlns:a16="http://schemas.microsoft.com/office/drawing/2014/main" id="{271A643F-ED43-48AC-BEC5-4C56CE04275E}"/>
               </a:ext>
             </a:extLst>
           </p:cNvPr>
@@ -449,7 +449,7 @@
           <p:cNvPr id="4" name="날짜 개체 틀 3">
             <a:extLst>
               <a:ext uri="{FF2B5EF4-FFF2-40B4-BE49-F238E27FC236}">
-                <a16:creationId xmlns:a16="http://schemas.microsoft.com/office/drawing/2014/main" xmlns="" id="{04792886-3460-4FF4-A292-CD3BE16E7162}"/>
+                <a16:creationId xmlns="" xmlns:a16="http://schemas.microsoft.com/office/drawing/2014/main" id="{04792886-3460-4FF4-A292-CD3BE16E7162}"/>
               </a:ext>
             </a:extLst>
           </p:cNvPr>
@@ -478,7 +478,7 @@
           <p:cNvPr id="5" name="바닥글 개체 틀 4">
             <a:extLst>
               <a:ext uri="{FF2B5EF4-FFF2-40B4-BE49-F238E27FC236}">
-                <a16:creationId xmlns:a16="http://schemas.microsoft.com/office/drawing/2014/main" xmlns="" id="{0CD5B91E-8C71-4A46-9E5F-24DAB80A26B3}"/>
+                <a16:creationId xmlns="" xmlns:a16="http://schemas.microsoft.com/office/drawing/2014/main" id="{0CD5B91E-8C71-4A46-9E5F-24DAB80A26B3}"/>
               </a:ext>
             </a:extLst>
           </p:cNvPr>
@@ -503,7 +503,7 @@
           <p:cNvPr id="6" name="슬라이드 번호 개체 틀 5">
             <a:extLst>
               <a:ext uri="{FF2B5EF4-FFF2-40B4-BE49-F238E27FC236}">
-                <a16:creationId xmlns:a16="http://schemas.microsoft.com/office/drawing/2014/main" xmlns="" id="{5B076C15-53A7-4E75-A6BF-A1CC04868147}"/>
+                <a16:creationId xmlns="" xmlns:a16="http://schemas.microsoft.com/office/drawing/2014/main" id="{5B076C15-53A7-4E75-A6BF-A1CC04868147}"/>
               </a:ext>
             </a:extLst>
           </p:cNvPr>
@@ -562,7 +562,7 @@
           <p:cNvPr id="2" name="세로 제목 1">
             <a:extLst>
               <a:ext uri="{FF2B5EF4-FFF2-40B4-BE49-F238E27FC236}">
-                <a16:creationId xmlns:a16="http://schemas.microsoft.com/office/drawing/2014/main" xmlns="" id="{CC17FE23-4882-42CD-91DC-D469872EE690}"/>
+                <a16:creationId xmlns="" xmlns:a16="http://schemas.microsoft.com/office/drawing/2014/main" id="{CC17FE23-4882-42CD-91DC-D469872EE690}"/>
               </a:ext>
             </a:extLst>
           </p:cNvPr>
@@ -595,7 +595,7 @@
           <p:cNvPr id="3" name="세로 텍스트 개체 틀 2">
             <a:extLst>
               <a:ext uri="{FF2B5EF4-FFF2-40B4-BE49-F238E27FC236}">
-                <a16:creationId xmlns:a16="http://schemas.microsoft.com/office/drawing/2014/main" xmlns="" id="{6C2409F9-32E3-4DEC-BE1F-66E8462ED368}"/>
+                <a16:creationId xmlns="" xmlns:a16="http://schemas.microsoft.com/office/drawing/2014/main" id="{6C2409F9-32E3-4DEC-BE1F-66E8462ED368}"/>
               </a:ext>
             </a:extLst>
           </p:cNvPr>
@@ -657,7 +657,7 @@
           <p:cNvPr id="4" name="날짜 개체 틀 3">
             <a:extLst>
               <a:ext uri="{FF2B5EF4-FFF2-40B4-BE49-F238E27FC236}">
-                <a16:creationId xmlns:a16="http://schemas.microsoft.com/office/drawing/2014/main" xmlns="" id="{62A04EE0-3AA5-40C5-A9CA-D74DD062ACBC}"/>
+                <a16:creationId xmlns="" xmlns:a16="http://schemas.microsoft.com/office/drawing/2014/main" id="{62A04EE0-3AA5-40C5-A9CA-D74DD062ACBC}"/>
               </a:ext>
             </a:extLst>
           </p:cNvPr>
@@ -686,7 +686,7 @@
           <p:cNvPr id="5" name="바닥글 개체 틀 4">
             <a:extLst>
               <a:ext uri="{FF2B5EF4-FFF2-40B4-BE49-F238E27FC236}">
-                <a16:creationId xmlns:a16="http://schemas.microsoft.com/office/drawing/2014/main" xmlns="" id="{F90BCFA4-9A00-4E65-B564-6CDAC597355D}"/>
+                <a16:creationId xmlns="" xmlns:a16="http://schemas.microsoft.com/office/drawing/2014/main" id="{F90BCFA4-9A00-4E65-B564-6CDAC597355D}"/>
               </a:ext>
             </a:extLst>
           </p:cNvPr>
@@ -711,7 +711,7 @@
           <p:cNvPr id="6" name="슬라이드 번호 개체 틀 5">
             <a:extLst>
               <a:ext uri="{FF2B5EF4-FFF2-40B4-BE49-F238E27FC236}">
-                <a16:creationId xmlns:a16="http://schemas.microsoft.com/office/drawing/2014/main" xmlns="" id="{80227C42-E8A6-487C-8A50-1D55A750A472}"/>
+                <a16:creationId xmlns="" xmlns:a16="http://schemas.microsoft.com/office/drawing/2014/main" id="{80227C42-E8A6-487C-8A50-1D55A750A472}"/>
               </a:ext>
             </a:extLst>
           </p:cNvPr>
@@ -770,7 +770,7 @@
           <p:cNvPr id="2" name="제목 1">
             <a:extLst>
               <a:ext uri="{FF2B5EF4-FFF2-40B4-BE49-F238E27FC236}">
-                <a16:creationId xmlns:a16="http://schemas.microsoft.com/office/drawing/2014/main" xmlns="" id="{E032DE45-AF66-4C7B-BEAF-46DFB2571E91}"/>
+                <a16:creationId xmlns="" xmlns:a16="http://schemas.microsoft.com/office/drawing/2014/main" id="{E032DE45-AF66-4C7B-BEAF-46DFB2571E91}"/>
               </a:ext>
             </a:extLst>
           </p:cNvPr>
@@ -798,7 +798,7 @@
           <p:cNvPr id="3" name="내용 개체 틀 2">
             <a:extLst>
               <a:ext uri="{FF2B5EF4-FFF2-40B4-BE49-F238E27FC236}">
-                <a16:creationId xmlns:a16="http://schemas.microsoft.com/office/drawing/2014/main" xmlns="" id="{E5243751-ACC3-432E-8665-C0A27EA2660F}"/>
+                <a16:creationId xmlns="" xmlns:a16="http://schemas.microsoft.com/office/drawing/2014/main" id="{E5243751-ACC3-432E-8665-C0A27EA2660F}"/>
               </a:ext>
             </a:extLst>
           </p:cNvPr>
@@ -855,7 +855,7 @@
           <p:cNvPr id="4" name="날짜 개체 틀 3">
             <a:extLst>
               <a:ext uri="{FF2B5EF4-FFF2-40B4-BE49-F238E27FC236}">
-                <a16:creationId xmlns:a16="http://schemas.microsoft.com/office/drawing/2014/main" xmlns="" id="{4706C580-C0E0-4C2F-B573-7196B7C1425B}"/>
+                <a16:creationId xmlns="" xmlns:a16="http://schemas.microsoft.com/office/drawing/2014/main" id="{4706C580-C0E0-4C2F-B573-7196B7C1425B}"/>
               </a:ext>
             </a:extLst>
           </p:cNvPr>
@@ -884,7 +884,7 @@
           <p:cNvPr id="5" name="바닥글 개체 틀 4">
             <a:extLst>
               <a:ext uri="{FF2B5EF4-FFF2-40B4-BE49-F238E27FC236}">
-                <a16:creationId xmlns:a16="http://schemas.microsoft.com/office/drawing/2014/main" xmlns="" id="{7BE2F8BF-CDCB-4C36-B444-35B39FF9A0D6}"/>
+                <a16:creationId xmlns="" xmlns:a16="http://schemas.microsoft.com/office/drawing/2014/main" id="{7BE2F8BF-CDCB-4C36-B444-35B39FF9A0D6}"/>
               </a:ext>
             </a:extLst>
           </p:cNvPr>
@@ -909,7 +909,7 @@
           <p:cNvPr id="6" name="슬라이드 번호 개체 틀 5">
             <a:extLst>
               <a:ext uri="{FF2B5EF4-FFF2-40B4-BE49-F238E27FC236}">
-                <a16:creationId xmlns:a16="http://schemas.microsoft.com/office/drawing/2014/main" xmlns="" id="{2017F23A-3C4E-4195-A145-3FD189665BC1}"/>
+                <a16:creationId xmlns="" xmlns:a16="http://schemas.microsoft.com/office/drawing/2014/main" id="{2017F23A-3C4E-4195-A145-3FD189665BC1}"/>
               </a:ext>
             </a:extLst>
           </p:cNvPr>
@@ -968,7 +968,7 @@
           <p:cNvPr id="2" name="제목 1">
             <a:extLst>
               <a:ext uri="{FF2B5EF4-FFF2-40B4-BE49-F238E27FC236}">
-                <a16:creationId xmlns:a16="http://schemas.microsoft.com/office/drawing/2014/main" xmlns="" id="{3B803B91-BAB3-4079-8372-367C7B356692}"/>
+                <a16:creationId xmlns="" xmlns:a16="http://schemas.microsoft.com/office/drawing/2014/main" id="{3B803B91-BAB3-4079-8372-367C7B356692}"/>
               </a:ext>
             </a:extLst>
           </p:cNvPr>
@@ -1005,7 +1005,7 @@
           <p:cNvPr id="3" name="텍스트 개체 틀 2">
             <a:extLst>
               <a:ext uri="{FF2B5EF4-FFF2-40B4-BE49-F238E27FC236}">
-                <a16:creationId xmlns:a16="http://schemas.microsoft.com/office/drawing/2014/main" xmlns="" id="{DC5A0F58-3A9F-4B06-81BD-A1FC401F93B3}"/>
+                <a16:creationId xmlns="" xmlns:a16="http://schemas.microsoft.com/office/drawing/2014/main" id="{DC5A0F58-3A9F-4B06-81BD-A1FC401F93B3}"/>
               </a:ext>
             </a:extLst>
           </p:cNvPr>
@@ -1130,7 +1130,7 @@
           <p:cNvPr id="4" name="날짜 개체 틀 3">
             <a:extLst>
               <a:ext uri="{FF2B5EF4-FFF2-40B4-BE49-F238E27FC236}">
-                <a16:creationId xmlns:a16="http://schemas.microsoft.com/office/drawing/2014/main" xmlns="" id="{4F526B74-71AC-4708-B4A3-B18A8CA63E45}"/>
+                <a16:creationId xmlns="" xmlns:a16="http://schemas.microsoft.com/office/drawing/2014/main" id="{4F526B74-71AC-4708-B4A3-B18A8CA63E45}"/>
               </a:ext>
             </a:extLst>
           </p:cNvPr>
@@ -1159,7 +1159,7 @@
           <p:cNvPr id="5" name="바닥글 개체 틀 4">
             <a:extLst>
               <a:ext uri="{FF2B5EF4-FFF2-40B4-BE49-F238E27FC236}">
-                <a16:creationId xmlns:a16="http://schemas.microsoft.com/office/drawing/2014/main" xmlns="" id="{6FC82D21-3BEC-42B5-B60C-754C6866A566}"/>
+                <a16:creationId xmlns="" xmlns:a16="http://schemas.microsoft.com/office/drawing/2014/main" id="{6FC82D21-3BEC-42B5-B60C-754C6866A566}"/>
               </a:ext>
             </a:extLst>
           </p:cNvPr>
@@ -1184,7 +1184,7 @@
           <p:cNvPr id="6" name="슬라이드 번호 개체 틀 5">
             <a:extLst>
               <a:ext uri="{FF2B5EF4-FFF2-40B4-BE49-F238E27FC236}">
-                <a16:creationId xmlns:a16="http://schemas.microsoft.com/office/drawing/2014/main" xmlns="" id="{25A85564-689F-41E0-B6E6-39D539A72D0C}"/>
+                <a16:creationId xmlns="" xmlns:a16="http://schemas.microsoft.com/office/drawing/2014/main" id="{25A85564-689F-41E0-B6E6-39D539A72D0C}"/>
               </a:ext>
             </a:extLst>
           </p:cNvPr>
@@ -1243,7 +1243,7 @@
           <p:cNvPr id="2" name="제목 1">
             <a:extLst>
               <a:ext uri="{FF2B5EF4-FFF2-40B4-BE49-F238E27FC236}">
-                <a16:creationId xmlns:a16="http://schemas.microsoft.com/office/drawing/2014/main" xmlns="" id="{10A550DA-8689-46AE-9DBA-20CFEB49EBA0}"/>
+                <a16:creationId xmlns="" xmlns:a16="http://schemas.microsoft.com/office/drawing/2014/main" id="{10A550DA-8689-46AE-9DBA-20CFEB49EBA0}"/>
               </a:ext>
             </a:extLst>
           </p:cNvPr>
@@ -1271,7 +1271,7 @@
           <p:cNvPr id="3" name="내용 개체 틀 2">
             <a:extLst>
               <a:ext uri="{FF2B5EF4-FFF2-40B4-BE49-F238E27FC236}">
-                <a16:creationId xmlns:a16="http://schemas.microsoft.com/office/drawing/2014/main" xmlns="" id="{881D31B2-963F-42A0-A91B-195049F6E125}"/>
+                <a16:creationId xmlns="" xmlns:a16="http://schemas.microsoft.com/office/drawing/2014/main" id="{881D31B2-963F-42A0-A91B-195049F6E125}"/>
               </a:ext>
             </a:extLst>
           </p:cNvPr>
@@ -1333,7 +1333,7 @@
           <p:cNvPr id="4" name="내용 개체 틀 3">
             <a:extLst>
               <a:ext uri="{FF2B5EF4-FFF2-40B4-BE49-F238E27FC236}">
-                <a16:creationId xmlns:a16="http://schemas.microsoft.com/office/drawing/2014/main" xmlns="" id="{914F5F3E-3BD8-47D5-95C5-2212B1B1923C}"/>
+                <a16:creationId xmlns="" xmlns:a16="http://schemas.microsoft.com/office/drawing/2014/main" id="{914F5F3E-3BD8-47D5-95C5-2212B1B1923C}"/>
               </a:ext>
             </a:extLst>
           </p:cNvPr>
@@ -1395,7 +1395,7 @@
           <p:cNvPr id="5" name="날짜 개체 틀 4">
             <a:extLst>
               <a:ext uri="{FF2B5EF4-FFF2-40B4-BE49-F238E27FC236}">
-                <a16:creationId xmlns:a16="http://schemas.microsoft.com/office/drawing/2014/main" xmlns="" id="{0DB24C94-2596-46E1-878F-C1E628A07FE9}"/>
+                <a16:creationId xmlns="" xmlns:a16="http://schemas.microsoft.com/office/drawing/2014/main" id="{0DB24C94-2596-46E1-878F-C1E628A07FE9}"/>
               </a:ext>
             </a:extLst>
           </p:cNvPr>
@@ -1424,7 +1424,7 @@
           <p:cNvPr id="6" name="바닥글 개체 틀 5">
             <a:extLst>
               <a:ext uri="{FF2B5EF4-FFF2-40B4-BE49-F238E27FC236}">
-                <a16:creationId xmlns:a16="http://schemas.microsoft.com/office/drawing/2014/main" xmlns="" id="{F3BA8821-2943-4FF0-B5C7-BD31402AFA56}"/>
+                <a16:creationId xmlns="" xmlns:a16="http://schemas.microsoft.com/office/drawing/2014/main" id="{F3BA8821-2943-4FF0-B5C7-BD31402AFA56}"/>
               </a:ext>
             </a:extLst>
           </p:cNvPr>
@@ -1449,7 +1449,7 @@
           <p:cNvPr id="7" name="슬라이드 번호 개체 틀 6">
             <a:extLst>
               <a:ext uri="{FF2B5EF4-FFF2-40B4-BE49-F238E27FC236}">
-                <a16:creationId xmlns:a16="http://schemas.microsoft.com/office/drawing/2014/main" xmlns="" id="{A8E7DF0E-5420-4F80-A581-19C2B1234A64}"/>
+                <a16:creationId xmlns="" xmlns:a16="http://schemas.microsoft.com/office/drawing/2014/main" id="{A8E7DF0E-5420-4F80-A581-19C2B1234A64}"/>
               </a:ext>
             </a:extLst>
           </p:cNvPr>
@@ -1508,7 +1508,7 @@
           <p:cNvPr id="2" name="제목 1">
             <a:extLst>
               <a:ext uri="{FF2B5EF4-FFF2-40B4-BE49-F238E27FC236}">
-                <a16:creationId xmlns:a16="http://schemas.microsoft.com/office/drawing/2014/main" xmlns="" id="{ADED5E36-C788-4074-8AF4-0B805514D12F}"/>
+                <a16:creationId xmlns="" xmlns:a16="http://schemas.microsoft.com/office/drawing/2014/main" id="{ADED5E36-C788-4074-8AF4-0B805514D12F}"/>
               </a:ext>
             </a:extLst>
           </p:cNvPr>
@@ -1541,7 +1541,7 @@
           <p:cNvPr id="3" name="텍스트 개체 틀 2">
             <a:extLst>
               <a:ext uri="{FF2B5EF4-FFF2-40B4-BE49-F238E27FC236}">
-                <a16:creationId xmlns:a16="http://schemas.microsoft.com/office/drawing/2014/main" xmlns="" id="{6C75DCDC-17BE-4FF3-9EDA-73C537D00793}"/>
+                <a16:creationId xmlns="" xmlns:a16="http://schemas.microsoft.com/office/drawing/2014/main" id="{6C75DCDC-17BE-4FF3-9EDA-73C537D00793}"/>
               </a:ext>
             </a:extLst>
           </p:cNvPr>
@@ -1612,7 +1612,7 @@
           <p:cNvPr id="4" name="내용 개체 틀 3">
             <a:extLst>
               <a:ext uri="{FF2B5EF4-FFF2-40B4-BE49-F238E27FC236}">
-                <a16:creationId xmlns:a16="http://schemas.microsoft.com/office/drawing/2014/main" xmlns="" id="{2538FF3C-3E5B-4928-9B0B-35E7865F9F7C}"/>
+                <a16:creationId xmlns="" xmlns:a16="http://schemas.microsoft.com/office/drawing/2014/main" id="{2538FF3C-3E5B-4928-9B0B-35E7865F9F7C}"/>
               </a:ext>
             </a:extLst>
           </p:cNvPr>
@@ -1674,7 +1674,7 @@
           <p:cNvPr id="5" name="텍스트 개체 틀 4">
             <a:extLst>
               <a:ext uri="{FF2B5EF4-FFF2-40B4-BE49-F238E27FC236}">
-                <a16:creationId xmlns:a16="http://schemas.microsoft.com/office/drawing/2014/main" xmlns="" id="{42ABB21C-C05C-4081-89D1-52E8ED21A9CC}"/>
+                <a16:creationId xmlns="" xmlns:a16="http://schemas.microsoft.com/office/drawing/2014/main" id="{42ABB21C-C05C-4081-89D1-52E8ED21A9CC}"/>
               </a:ext>
             </a:extLst>
           </p:cNvPr>
@@ -1745,7 +1745,7 @@
           <p:cNvPr id="6" name="내용 개체 틀 5">
             <a:extLst>
               <a:ext uri="{FF2B5EF4-FFF2-40B4-BE49-F238E27FC236}">
-                <a16:creationId xmlns:a16="http://schemas.microsoft.com/office/drawing/2014/main" xmlns="" id="{1821BC8B-3CB6-4174-A42B-989FFF4C01AF}"/>
+                <a16:creationId xmlns="" xmlns:a16="http://schemas.microsoft.com/office/drawing/2014/main" id="{1821BC8B-3CB6-4174-A42B-989FFF4C01AF}"/>
               </a:ext>
             </a:extLst>
           </p:cNvPr>
@@ -1807,7 +1807,7 @@
           <p:cNvPr id="7" name="날짜 개체 틀 6">
             <a:extLst>
               <a:ext uri="{FF2B5EF4-FFF2-40B4-BE49-F238E27FC236}">
-                <a16:creationId xmlns:a16="http://schemas.microsoft.com/office/drawing/2014/main" xmlns="" id="{E5212EA8-B43E-4E67-80A4-652C2A8140AA}"/>
+                <a16:creationId xmlns="" xmlns:a16="http://schemas.microsoft.com/office/drawing/2014/main" id="{E5212EA8-B43E-4E67-80A4-652C2A8140AA}"/>
               </a:ext>
             </a:extLst>
           </p:cNvPr>
@@ -1836,7 +1836,7 @@
           <p:cNvPr id="8" name="바닥글 개체 틀 7">
             <a:extLst>
               <a:ext uri="{FF2B5EF4-FFF2-40B4-BE49-F238E27FC236}">
-                <a16:creationId xmlns:a16="http://schemas.microsoft.com/office/drawing/2014/main" xmlns="" id="{2B21F934-3421-4B44-B164-ADDBFA6E5B2A}"/>
+                <a16:creationId xmlns="" xmlns:a16="http://schemas.microsoft.com/office/drawing/2014/main" id="{2B21F934-3421-4B44-B164-ADDBFA6E5B2A}"/>
               </a:ext>
             </a:extLst>
           </p:cNvPr>
@@ -1861,7 +1861,7 @@
           <p:cNvPr id="9" name="슬라이드 번호 개체 틀 8">
             <a:extLst>
               <a:ext uri="{FF2B5EF4-FFF2-40B4-BE49-F238E27FC236}">
-                <a16:creationId xmlns:a16="http://schemas.microsoft.com/office/drawing/2014/main" xmlns="" id="{A8054188-8A83-45CB-9679-3BF2F5EA14A5}"/>
+                <a16:creationId xmlns="" xmlns:a16="http://schemas.microsoft.com/office/drawing/2014/main" id="{A8054188-8A83-45CB-9679-3BF2F5EA14A5}"/>
               </a:ext>
             </a:extLst>
           </p:cNvPr>
@@ -1920,7 +1920,7 @@
           <p:cNvPr id="2" name="제목 1">
             <a:extLst>
               <a:ext uri="{FF2B5EF4-FFF2-40B4-BE49-F238E27FC236}">
-                <a16:creationId xmlns:a16="http://schemas.microsoft.com/office/drawing/2014/main" xmlns="" id="{424F49C4-0844-4FBE-9DB0-C5A694D8EEA3}"/>
+                <a16:creationId xmlns="" xmlns:a16="http://schemas.microsoft.com/office/drawing/2014/main" id="{424F49C4-0844-4FBE-9DB0-C5A694D8EEA3}"/>
               </a:ext>
             </a:extLst>
           </p:cNvPr>
@@ -1948,7 +1948,7 @@
           <p:cNvPr id="3" name="날짜 개체 틀 2">
             <a:extLst>
               <a:ext uri="{FF2B5EF4-FFF2-40B4-BE49-F238E27FC236}">
-                <a16:creationId xmlns:a16="http://schemas.microsoft.com/office/drawing/2014/main" xmlns="" id="{351FD821-9857-481F-9990-C02FBEDB8D6D}"/>
+                <a16:creationId xmlns="" xmlns:a16="http://schemas.microsoft.com/office/drawing/2014/main" id="{351FD821-9857-481F-9990-C02FBEDB8D6D}"/>
               </a:ext>
             </a:extLst>
           </p:cNvPr>
@@ -1977,7 +1977,7 @@
           <p:cNvPr id="4" name="바닥글 개체 틀 3">
             <a:extLst>
               <a:ext uri="{FF2B5EF4-FFF2-40B4-BE49-F238E27FC236}">
-                <a16:creationId xmlns:a16="http://schemas.microsoft.com/office/drawing/2014/main" xmlns="" id="{F008DA34-2203-443F-9675-BF1353FB71F1}"/>
+                <a16:creationId xmlns="" xmlns:a16="http://schemas.microsoft.com/office/drawing/2014/main" id="{F008DA34-2203-443F-9675-BF1353FB71F1}"/>
               </a:ext>
             </a:extLst>
           </p:cNvPr>
@@ -2002,7 +2002,7 @@
           <p:cNvPr id="5" name="슬라이드 번호 개체 틀 4">
             <a:extLst>
               <a:ext uri="{FF2B5EF4-FFF2-40B4-BE49-F238E27FC236}">
-                <a16:creationId xmlns:a16="http://schemas.microsoft.com/office/drawing/2014/main" xmlns="" id="{3B6F7BD8-8DB8-4AAE-9746-47026072E2FC}"/>
+                <a16:creationId xmlns="" xmlns:a16="http://schemas.microsoft.com/office/drawing/2014/main" id="{3B6F7BD8-8DB8-4AAE-9746-47026072E2FC}"/>
               </a:ext>
             </a:extLst>
           </p:cNvPr>
@@ -2061,7 +2061,7 @@
           <p:cNvPr id="2" name="날짜 개체 틀 1">
             <a:extLst>
               <a:ext uri="{FF2B5EF4-FFF2-40B4-BE49-F238E27FC236}">
-                <a16:creationId xmlns:a16="http://schemas.microsoft.com/office/drawing/2014/main" xmlns="" id="{AA660F70-9F7C-483A-9BBC-F328BE2E3ABF}"/>
+                <a16:creationId xmlns="" xmlns:a16="http://schemas.microsoft.com/office/drawing/2014/main" id="{AA660F70-9F7C-483A-9BBC-F328BE2E3ABF}"/>
               </a:ext>
             </a:extLst>
           </p:cNvPr>
@@ -2090,7 +2090,7 @@
           <p:cNvPr id="3" name="바닥글 개체 틀 2">
             <a:extLst>
               <a:ext uri="{FF2B5EF4-FFF2-40B4-BE49-F238E27FC236}">
-                <a16:creationId xmlns:a16="http://schemas.microsoft.com/office/drawing/2014/main" xmlns="" id="{1D348F4F-2F56-4874-858D-ACB411FA8306}"/>
+                <a16:creationId xmlns="" xmlns:a16="http://schemas.microsoft.com/office/drawing/2014/main" id="{1D348F4F-2F56-4874-858D-ACB411FA8306}"/>
               </a:ext>
             </a:extLst>
           </p:cNvPr>
@@ -2115,7 +2115,7 @@
           <p:cNvPr id="4" name="슬라이드 번호 개체 틀 3">
             <a:extLst>
               <a:ext uri="{FF2B5EF4-FFF2-40B4-BE49-F238E27FC236}">
-                <a16:creationId xmlns:a16="http://schemas.microsoft.com/office/drawing/2014/main" xmlns="" id="{6227AA4E-6B3D-4208-A390-0AF0993D1532}"/>
+                <a16:creationId xmlns="" xmlns:a16="http://schemas.microsoft.com/office/drawing/2014/main" id="{6227AA4E-6B3D-4208-A390-0AF0993D1532}"/>
               </a:ext>
             </a:extLst>
           </p:cNvPr>
@@ -2174,7 +2174,7 @@
           <p:cNvPr id="2" name="제목 1">
             <a:extLst>
               <a:ext uri="{FF2B5EF4-FFF2-40B4-BE49-F238E27FC236}">
-                <a16:creationId xmlns:a16="http://schemas.microsoft.com/office/drawing/2014/main" xmlns="" id="{16D1B7BB-23D7-44C4-8E2B-762A6D67EFF4}"/>
+                <a16:creationId xmlns="" xmlns:a16="http://schemas.microsoft.com/office/drawing/2014/main" id="{16D1B7BB-23D7-44C4-8E2B-762A6D67EFF4}"/>
               </a:ext>
             </a:extLst>
           </p:cNvPr>
@@ -2211,7 +2211,7 @@
           <p:cNvPr id="3" name="내용 개체 틀 2">
             <a:extLst>
               <a:ext uri="{FF2B5EF4-FFF2-40B4-BE49-F238E27FC236}">
-                <a16:creationId xmlns:a16="http://schemas.microsoft.com/office/drawing/2014/main" xmlns="" id="{A555AF0A-C39F-45B6-8E5A-594CE8F87C9B}"/>
+                <a16:creationId xmlns="" xmlns:a16="http://schemas.microsoft.com/office/drawing/2014/main" id="{A555AF0A-C39F-45B6-8E5A-594CE8F87C9B}"/>
               </a:ext>
             </a:extLst>
           </p:cNvPr>
@@ -2301,7 +2301,7 @@
           <p:cNvPr id="4" name="텍스트 개체 틀 3">
             <a:extLst>
               <a:ext uri="{FF2B5EF4-FFF2-40B4-BE49-F238E27FC236}">
-                <a16:creationId xmlns:a16="http://schemas.microsoft.com/office/drawing/2014/main" xmlns="" id="{EF64C627-BAC3-4EFA-98BD-BAD2888EB2E6}"/>
+                <a16:creationId xmlns="" xmlns:a16="http://schemas.microsoft.com/office/drawing/2014/main" id="{EF64C627-BAC3-4EFA-98BD-BAD2888EB2E6}"/>
               </a:ext>
             </a:extLst>
           </p:cNvPr>
@@ -2372,7 +2372,7 @@
           <p:cNvPr id="5" name="날짜 개체 틀 4">
             <a:extLst>
               <a:ext uri="{FF2B5EF4-FFF2-40B4-BE49-F238E27FC236}">
-                <a16:creationId xmlns:a16="http://schemas.microsoft.com/office/drawing/2014/main" xmlns="" id="{E5D9CCC6-0D66-4C42-B47B-D9072C0DF007}"/>
+                <a16:creationId xmlns="" xmlns:a16="http://schemas.microsoft.com/office/drawing/2014/main" id="{E5D9CCC6-0D66-4C42-B47B-D9072C0DF007}"/>
               </a:ext>
             </a:extLst>
           </p:cNvPr>
@@ -2401,7 +2401,7 @@
           <p:cNvPr id="6" name="바닥글 개체 틀 5">
             <a:extLst>
               <a:ext uri="{FF2B5EF4-FFF2-40B4-BE49-F238E27FC236}">
-                <a16:creationId xmlns:a16="http://schemas.microsoft.com/office/drawing/2014/main" xmlns="" id="{E48BEE6C-BF4C-43A4-BF91-9B2E870960DF}"/>
+                <a16:creationId xmlns="" xmlns:a16="http://schemas.microsoft.com/office/drawing/2014/main" id="{E48BEE6C-BF4C-43A4-BF91-9B2E870960DF}"/>
               </a:ext>
             </a:extLst>
           </p:cNvPr>
@@ -2426,7 +2426,7 @@
           <p:cNvPr id="7" name="슬라이드 번호 개체 틀 6">
             <a:extLst>
               <a:ext uri="{FF2B5EF4-FFF2-40B4-BE49-F238E27FC236}">
-                <a16:creationId xmlns:a16="http://schemas.microsoft.com/office/drawing/2014/main" xmlns="" id="{73D4F206-C35F-420C-B212-804937AB9171}"/>
+                <a16:creationId xmlns="" xmlns:a16="http://schemas.microsoft.com/office/drawing/2014/main" id="{73D4F206-C35F-420C-B212-804937AB9171}"/>
               </a:ext>
             </a:extLst>
           </p:cNvPr>
@@ -2485,7 +2485,7 @@
           <p:cNvPr id="2" name="제목 1">
             <a:extLst>
               <a:ext uri="{FF2B5EF4-FFF2-40B4-BE49-F238E27FC236}">
-                <a16:creationId xmlns:a16="http://schemas.microsoft.com/office/drawing/2014/main" xmlns="" id="{B206D9C5-C55A-49CE-9A70-6B1FC9A32925}"/>
+                <a16:creationId xmlns="" xmlns:a16="http://schemas.microsoft.com/office/drawing/2014/main" id="{B206D9C5-C55A-49CE-9A70-6B1FC9A32925}"/>
               </a:ext>
             </a:extLst>
           </p:cNvPr>
@@ -2522,7 +2522,7 @@
           <p:cNvPr id="3" name="그림 개체 틀 2">
             <a:extLst>
               <a:ext uri="{FF2B5EF4-FFF2-40B4-BE49-F238E27FC236}">
-                <a16:creationId xmlns:a16="http://schemas.microsoft.com/office/drawing/2014/main" xmlns="" id="{EC008B7F-2C14-4AA2-A095-D7881676FBD8}"/>
+                <a16:creationId xmlns="" xmlns:a16="http://schemas.microsoft.com/office/drawing/2014/main" id="{EC008B7F-2C14-4AA2-A095-D7881676FBD8}"/>
               </a:ext>
             </a:extLst>
           </p:cNvPr>
@@ -2589,7 +2589,7 @@
           <p:cNvPr id="4" name="텍스트 개체 틀 3">
             <a:extLst>
               <a:ext uri="{FF2B5EF4-FFF2-40B4-BE49-F238E27FC236}">
-                <a16:creationId xmlns:a16="http://schemas.microsoft.com/office/drawing/2014/main" xmlns="" id="{0952461F-A27C-4904-92A7-F456AE7708CA}"/>
+                <a16:creationId xmlns="" xmlns:a16="http://schemas.microsoft.com/office/drawing/2014/main" id="{0952461F-A27C-4904-92A7-F456AE7708CA}"/>
               </a:ext>
             </a:extLst>
           </p:cNvPr>
@@ -2660,7 +2660,7 @@
           <p:cNvPr id="5" name="날짜 개체 틀 4">
             <a:extLst>
               <a:ext uri="{FF2B5EF4-FFF2-40B4-BE49-F238E27FC236}">
-                <a16:creationId xmlns:a16="http://schemas.microsoft.com/office/drawing/2014/main" xmlns="" id="{8A716508-C4CB-44B0-B432-352826C80A4D}"/>
+                <a16:creationId xmlns="" xmlns:a16="http://schemas.microsoft.com/office/drawing/2014/main" id="{8A716508-C4CB-44B0-B432-352826C80A4D}"/>
               </a:ext>
             </a:extLst>
           </p:cNvPr>
@@ -2689,7 +2689,7 @@
           <p:cNvPr id="6" name="바닥글 개체 틀 5">
             <a:extLst>
               <a:ext uri="{FF2B5EF4-FFF2-40B4-BE49-F238E27FC236}">
-                <a16:creationId xmlns:a16="http://schemas.microsoft.com/office/drawing/2014/main" xmlns="" id="{16043BFB-2666-4D94-AF1C-41A9BE57E8EE}"/>
+                <a16:creationId xmlns="" xmlns:a16="http://schemas.microsoft.com/office/drawing/2014/main" id="{16043BFB-2666-4D94-AF1C-41A9BE57E8EE}"/>
               </a:ext>
             </a:extLst>
           </p:cNvPr>
@@ -2714,7 +2714,7 @@
           <p:cNvPr id="7" name="슬라이드 번호 개체 틀 6">
             <a:extLst>
               <a:ext uri="{FF2B5EF4-FFF2-40B4-BE49-F238E27FC236}">
-                <a16:creationId xmlns:a16="http://schemas.microsoft.com/office/drawing/2014/main" xmlns="" id="{F95A6810-B07B-42DF-B06C-8CB019FE4928}"/>
+                <a16:creationId xmlns="" xmlns:a16="http://schemas.microsoft.com/office/drawing/2014/main" id="{F95A6810-B07B-42DF-B06C-8CB019FE4928}"/>
               </a:ext>
             </a:extLst>
           </p:cNvPr>
@@ -2778,7 +2778,7 @@
           <p:cNvPr id="2" name="제목 개체 틀 1">
             <a:extLst>
               <a:ext uri="{FF2B5EF4-FFF2-40B4-BE49-F238E27FC236}">
-                <a16:creationId xmlns:a16="http://schemas.microsoft.com/office/drawing/2014/main" xmlns="" id="{741A9DAE-0541-4E06-9956-8DC465D3008C}"/>
+                <a16:creationId xmlns="" xmlns:a16="http://schemas.microsoft.com/office/drawing/2014/main" id="{741A9DAE-0541-4E06-9956-8DC465D3008C}"/>
               </a:ext>
             </a:extLst>
           </p:cNvPr>
@@ -2816,7 +2816,7 @@
           <p:cNvPr id="3" name="텍스트 개체 틀 2">
             <a:extLst>
               <a:ext uri="{FF2B5EF4-FFF2-40B4-BE49-F238E27FC236}">
-                <a16:creationId xmlns:a16="http://schemas.microsoft.com/office/drawing/2014/main" xmlns="" id="{51BD9895-A7E6-4A97-A3C2-C4B0B2C2CE7D}"/>
+                <a16:creationId xmlns="" xmlns:a16="http://schemas.microsoft.com/office/drawing/2014/main" id="{51BD9895-A7E6-4A97-A3C2-C4B0B2C2CE7D}"/>
               </a:ext>
             </a:extLst>
           </p:cNvPr>
@@ -2883,7 +2883,7 @@
           <p:cNvPr id="4" name="날짜 개체 틀 3">
             <a:extLst>
               <a:ext uri="{FF2B5EF4-FFF2-40B4-BE49-F238E27FC236}">
-                <a16:creationId xmlns:a16="http://schemas.microsoft.com/office/drawing/2014/main" xmlns="" id="{2BCB3EC6-3E6E-4554-A7D5-AF7C093219E9}"/>
+                <a16:creationId xmlns="" xmlns:a16="http://schemas.microsoft.com/office/drawing/2014/main" id="{2BCB3EC6-3E6E-4554-A7D5-AF7C093219E9}"/>
               </a:ext>
             </a:extLst>
           </p:cNvPr>
@@ -2930,7 +2930,7 @@
           <p:cNvPr id="5" name="바닥글 개체 틀 4">
             <a:extLst>
               <a:ext uri="{FF2B5EF4-FFF2-40B4-BE49-F238E27FC236}">
-                <a16:creationId xmlns:a16="http://schemas.microsoft.com/office/drawing/2014/main" xmlns="" id="{C7FEE00E-B1E7-4385-A61A-289C996ACF62}"/>
+                <a16:creationId xmlns="" xmlns:a16="http://schemas.microsoft.com/office/drawing/2014/main" id="{C7FEE00E-B1E7-4385-A61A-289C996ACF62}"/>
               </a:ext>
             </a:extLst>
           </p:cNvPr>
@@ -2973,7 +2973,7 @@
           <p:cNvPr id="6" name="슬라이드 번호 개체 틀 5">
             <a:extLst>
               <a:ext uri="{FF2B5EF4-FFF2-40B4-BE49-F238E27FC236}">
-                <a16:creationId xmlns:a16="http://schemas.microsoft.com/office/drawing/2014/main" xmlns="" id="{5EBD7F7B-2CBD-4B93-9B23-328E3865EC82}"/>
+                <a16:creationId xmlns="" xmlns:a16="http://schemas.microsoft.com/office/drawing/2014/main" id="{5EBD7F7B-2CBD-4B93-9B23-328E3865EC82}"/>
               </a:ext>
             </a:extLst>
           </p:cNvPr>
@@ -3341,7 +3341,7 @@
           <p:cNvPr id="2" name="제목 1">
             <a:extLst>
               <a:ext uri="{FF2B5EF4-FFF2-40B4-BE49-F238E27FC236}">
-                <a16:creationId xmlns:a16="http://schemas.microsoft.com/office/drawing/2014/main" xmlns="" id="{0E4B51D0-4F4B-47E2-9560-DD04BF6DDF36}"/>
+                <a16:creationId xmlns="" xmlns:a16="http://schemas.microsoft.com/office/drawing/2014/main" id="{0E4B51D0-4F4B-47E2-9560-DD04BF6DDF36}"/>
               </a:ext>
             </a:extLst>
           </p:cNvPr>
@@ -3387,7 +3387,7 @@
           <p:cNvPr id="3" name="부제목 2">
             <a:extLst>
               <a:ext uri="{FF2B5EF4-FFF2-40B4-BE49-F238E27FC236}">
-                <a16:creationId xmlns:a16="http://schemas.microsoft.com/office/drawing/2014/main" xmlns="" id="{71F9364D-70EA-498E-9474-DA63055C8ACB}"/>
+                <a16:creationId xmlns="" xmlns:a16="http://schemas.microsoft.com/office/drawing/2014/main" id="{71F9364D-70EA-498E-9474-DA63055C8ACB}"/>
               </a:ext>
             </a:extLst>
           </p:cNvPr>
@@ -3446,7 +3446,7 @@
           <p:cNvPr id="4" name="직사각형 3">
             <a:extLst>
               <a:ext uri="{FF2B5EF4-FFF2-40B4-BE49-F238E27FC236}">
-                <a16:creationId xmlns:a16="http://schemas.microsoft.com/office/drawing/2014/main" xmlns="" id="{0E06A838-FED4-4913-B61A-5FE1D6941F48}"/>
+                <a16:creationId xmlns="" xmlns:a16="http://schemas.microsoft.com/office/drawing/2014/main" id="{0E06A838-FED4-4913-B61A-5FE1D6941F48}"/>
               </a:ext>
             </a:extLst>
           </p:cNvPr>
@@ -3494,7 +3494,7 @@
           <p:cNvPr id="5" name="직사각형 4">
             <a:extLst>
               <a:ext uri="{FF2B5EF4-FFF2-40B4-BE49-F238E27FC236}">
-                <a16:creationId xmlns:a16="http://schemas.microsoft.com/office/drawing/2014/main" xmlns="" id="{4B17B335-4D1A-446D-9E29-B51388F1B92B}"/>
+                <a16:creationId xmlns="" xmlns:a16="http://schemas.microsoft.com/office/drawing/2014/main" id="{4B17B335-4D1A-446D-9E29-B51388F1B92B}"/>
               </a:ext>
             </a:extLst>
           </p:cNvPr>
@@ -3546,7 +3546,7 @@
           <p:cNvPr id="6" name="직사각형 5">
             <a:extLst>
               <a:ext uri="{FF2B5EF4-FFF2-40B4-BE49-F238E27FC236}">
-                <a16:creationId xmlns:a16="http://schemas.microsoft.com/office/drawing/2014/main" xmlns="" id="{8E7904AF-3116-4A57-887D-1131464010D8}"/>
+                <a16:creationId xmlns="" xmlns:a16="http://schemas.microsoft.com/office/drawing/2014/main" id="{8E7904AF-3116-4A57-887D-1131464010D8}"/>
               </a:ext>
             </a:extLst>
           </p:cNvPr>
@@ -3594,7 +3594,7 @@
           <p:cNvPr id="7" name="직사각형 6">
             <a:extLst>
               <a:ext uri="{FF2B5EF4-FFF2-40B4-BE49-F238E27FC236}">
-                <a16:creationId xmlns:a16="http://schemas.microsoft.com/office/drawing/2014/main" xmlns="" id="{603421FD-DC8C-4906-932D-3DF702A0C3AC}"/>
+                <a16:creationId xmlns="" xmlns:a16="http://schemas.microsoft.com/office/drawing/2014/main" id="{603421FD-DC8C-4906-932D-3DF702A0C3AC}"/>
               </a:ext>
             </a:extLst>
           </p:cNvPr>
@@ -3642,7 +3642,7 @@
           <p:cNvPr id="25" name="직선 화살표 연결선 24">
             <a:extLst>
               <a:ext uri="{FF2B5EF4-FFF2-40B4-BE49-F238E27FC236}">
-                <a16:creationId xmlns:a16="http://schemas.microsoft.com/office/drawing/2014/main" xmlns="" id="{D4B10239-C0C4-4D3D-8DBF-EB3D693F3AFF}"/>
+                <a16:creationId xmlns="" xmlns:a16="http://schemas.microsoft.com/office/drawing/2014/main" id="{D4B10239-C0C4-4D3D-8DBF-EB3D693F3AFF}"/>
               </a:ext>
             </a:extLst>
           </p:cNvPr>
@@ -3684,7 +3684,7 @@
           <p:cNvPr id="26" name="직선 화살표 연결선 25">
             <a:extLst>
               <a:ext uri="{FF2B5EF4-FFF2-40B4-BE49-F238E27FC236}">
-                <a16:creationId xmlns:a16="http://schemas.microsoft.com/office/drawing/2014/main" xmlns="" id="{190F1A5A-B419-4ACA-BE07-7FF89366A406}"/>
+                <a16:creationId xmlns="" xmlns:a16="http://schemas.microsoft.com/office/drawing/2014/main" id="{190F1A5A-B419-4ACA-BE07-7FF89366A406}"/>
               </a:ext>
             </a:extLst>
           </p:cNvPr>
@@ -3727,7 +3727,7 @@
           <p:cNvPr id="29" name="직선 화살표 연결선 28">
             <a:extLst>
               <a:ext uri="{FF2B5EF4-FFF2-40B4-BE49-F238E27FC236}">
-                <a16:creationId xmlns:a16="http://schemas.microsoft.com/office/drawing/2014/main" xmlns="" id="{45347D3D-F2C9-4686-8148-99A489FCCD1A}"/>
+                <a16:creationId xmlns="" xmlns:a16="http://schemas.microsoft.com/office/drawing/2014/main" id="{45347D3D-F2C9-4686-8148-99A489FCCD1A}"/>
               </a:ext>
             </a:extLst>
           </p:cNvPr>
@@ -3770,7 +3770,7 @@
           <p:cNvPr id="32" name="직선 화살표 연결선 31">
             <a:extLst>
               <a:ext uri="{FF2B5EF4-FFF2-40B4-BE49-F238E27FC236}">
-                <a16:creationId xmlns:a16="http://schemas.microsoft.com/office/drawing/2014/main" xmlns="" id="{357B943C-D597-4C4A-9B0F-DE53BAF4DBC7}"/>
+                <a16:creationId xmlns="" xmlns:a16="http://schemas.microsoft.com/office/drawing/2014/main" id="{357B943C-D597-4C4A-9B0F-DE53BAF4DBC7}"/>
               </a:ext>
             </a:extLst>
           </p:cNvPr>
@@ -3815,7 +3815,7 @@
               <p:cNvPr id="35" name="TextBox 34">
                 <a:extLst>
                   <a:ext uri="{FF2B5EF4-FFF2-40B4-BE49-F238E27FC236}">
-                    <a16:creationId xmlns:a16="http://schemas.microsoft.com/office/drawing/2014/main" xmlns="" id="{E630FDCB-2C47-4F81-A03C-9CE4993D1547}"/>
+                    <a16:creationId xmlns="" xmlns:a16="http://schemas.microsoft.com/office/drawing/2014/main" id="{E630FDCB-2C47-4F81-A03C-9CE4993D1547}"/>
                   </a:ext>
                 </a:extLst>
               </p:cNvPr>
@@ -3930,7 +3930,7 @@
               <p:cNvPr id="37" name="TextBox 36">
                 <a:extLst>
                   <a:ext uri="{FF2B5EF4-FFF2-40B4-BE49-F238E27FC236}">
-                    <a16:creationId xmlns:a16="http://schemas.microsoft.com/office/drawing/2014/main" xmlns="" id="{D50DEA0E-AC37-4740-9570-DABDAE8CD3A2}"/>
+                    <a16:creationId xmlns="" xmlns:a16="http://schemas.microsoft.com/office/drawing/2014/main" id="{D50DEA0E-AC37-4740-9570-DABDAE8CD3A2}"/>
                   </a:ext>
                 </a:extLst>
               </p:cNvPr>
@@ -4055,7 +4055,7 @@
           <p:cNvPr id="38" name="직선 화살표 연결선 37">
             <a:extLst>
               <a:ext uri="{FF2B5EF4-FFF2-40B4-BE49-F238E27FC236}">
-                <a16:creationId xmlns:a16="http://schemas.microsoft.com/office/drawing/2014/main" xmlns="" id="{D1F03281-25AB-4AF2-8FCE-57AB26AFF181}"/>
+                <a16:creationId xmlns="" xmlns:a16="http://schemas.microsoft.com/office/drawing/2014/main" id="{D1F03281-25AB-4AF2-8FCE-57AB26AFF181}"/>
               </a:ext>
             </a:extLst>
           </p:cNvPr>
@@ -4098,7 +4098,7 @@
           <p:cNvPr id="41" name="직사각형 40">
             <a:extLst>
               <a:ext uri="{FF2B5EF4-FFF2-40B4-BE49-F238E27FC236}">
-                <a16:creationId xmlns:a16="http://schemas.microsoft.com/office/drawing/2014/main" xmlns="" id="{0BC60C19-494F-4C1C-8B37-CF15C1916AF5}"/>
+                <a16:creationId xmlns="" xmlns:a16="http://schemas.microsoft.com/office/drawing/2014/main" id="{0BC60C19-494F-4C1C-8B37-CF15C1916AF5}"/>
               </a:ext>
             </a:extLst>
           </p:cNvPr>
@@ -4146,7 +4146,7 @@
           <p:cNvPr id="42" name="직사각형 41">
             <a:extLst>
               <a:ext uri="{FF2B5EF4-FFF2-40B4-BE49-F238E27FC236}">
-                <a16:creationId xmlns:a16="http://schemas.microsoft.com/office/drawing/2014/main" xmlns="" id="{2A58C1EC-C73F-4EA4-8F9E-AB728843443D}"/>
+                <a16:creationId xmlns="" xmlns:a16="http://schemas.microsoft.com/office/drawing/2014/main" id="{2A58C1EC-C73F-4EA4-8F9E-AB728843443D}"/>
               </a:ext>
             </a:extLst>
           </p:cNvPr>
@@ -4198,7 +4198,7 @@
           <p:cNvPr id="43" name="직사각형 42">
             <a:extLst>
               <a:ext uri="{FF2B5EF4-FFF2-40B4-BE49-F238E27FC236}">
-                <a16:creationId xmlns:a16="http://schemas.microsoft.com/office/drawing/2014/main" xmlns="" id="{2819E65A-4EA9-478B-96EC-06886016E82F}"/>
+                <a16:creationId xmlns="" xmlns:a16="http://schemas.microsoft.com/office/drawing/2014/main" id="{2819E65A-4EA9-478B-96EC-06886016E82F}"/>
               </a:ext>
             </a:extLst>
           </p:cNvPr>
@@ -4246,7 +4246,7 @@
           <p:cNvPr id="44" name="직사각형 43">
             <a:extLst>
               <a:ext uri="{FF2B5EF4-FFF2-40B4-BE49-F238E27FC236}">
-                <a16:creationId xmlns:a16="http://schemas.microsoft.com/office/drawing/2014/main" xmlns="" id="{55E8DD3F-6CCD-45AF-9AFE-4005CB93ACD1}"/>
+                <a16:creationId xmlns="" xmlns:a16="http://schemas.microsoft.com/office/drawing/2014/main" id="{55E8DD3F-6CCD-45AF-9AFE-4005CB93ACD1}"/>
               </a:ext>
             </a:extLst>
           </p:cNvPr>
@@ -4294,7 +4294,7 @@
           <p:cNvPr id="45" name="직선 화살표 연결선 44">
             <a:extLst>
               <a:ext uri="{FF2B5EF4-FFF2-40B4-BE49-F238E27FC236}">
-                <a16:creationId xmlns:a16="http://schemas.microsoft.com/office/drawing/2014/main" xmlns="" id="{0C853062-BECE-49D2-975E-204DA9EC4CE6}"/>
+                <a16:creationId xmlns="" xmlns:a16="http://schemas.microsoft.com/office/drawing/2014/main" id="{0C853062-BECE-49D2-975E-204DA9EC4CE6}"/>
               </a:ext>
             </a:extLst>
           </p:cNvPr>
@@ -4336,7 +4336,7 @@
           <p:cNvPr id="46" name="직선 화살표 연결선 45">
             <a:extLst>
               <a:ext uri="{FF2B5EF4-FFF2-40B4-BE49-F238E27FC236}">
-                <a16:creationId xmlns:a16="http://schemas.microsoft.com/office/drawing/2014/main" xmlns="" id="{5B958F5D-DD71-4D75-A0F9-1006CFD6B533}"/>
+                <a16:creationId xmlns="" xmlns:a16="http://schemas.microsoft.com/office/drawing/2014/main" id="{5B958F5D-DD71-4D75-A0F9-1006CFD6B533}"/>
               </a:ext>
             </a:extLst>
           </p:cNvPr>
@@ -4379,7 +4379,7 @@
           <p:cNvPr id="47" name="직선 화살표 연결선 46">
             <a:extLst>
               <a:ext uri="{FF2B5EF4-FFF2-40B4-BE49-F238E27FC236}">
-                <a16:creationId xmlns:a16="http://schemas.microsoft.com/office/drawing/2014/main" xmlns="" id="{D1B160E3-26AA-4F15-B05C-5BE923A1BC03}"/>
+                <a16:creationId xmlns="" xmlns:a16="http://schemas.microsoft.com/office/drawing/2014/main" id="{D1B160E3-26AA-4F15-B05C-5BE923A1BC03}"/>
               </a:ext>
             </a:extLst>
           </p:cNvPr>
@@ -4422,7 +4422,7 @@
           <p:cNvPr id="48" name="직선 화살표 연결선 47">
             <a:extLst>
               <a:ext uri="{FF2B5EF4-FFF2-40B4-BE49-F238E27FC236}">
-                <a16:creationId xmlns:a16="http://schemas.microsoft.com/office/drawing/2014/main" xmlns="" id="{F912C9A2-1DA6-4125-8858-05EA12FB73C1}"/>
+                <a16:creationId xmlns="" xmlns:a16="http://schemas.microsoft.com/office/drawing/2014/main" id="{F912C9A2-1DA6-4125-8858-05EA12FB73C1}"/>
               </a:ext>
             </a:extLst>
           </p:cNvPr>
@@ -4467,7 +4467,7 @@
               <p:cNvPr id="49" name="TextBox 48">
                 <a:extLst>
                   <a:ext uri="{FF2B5EF4-FFF2-40B4-BE49-F238E27FC236}">
-                    <a16:creationId xmlns:a16="http://schemas.microsoft.com/office/drawing/2014/main" xmlns="" id="{0B3C9687-0FDD-4D92-BE4F-47D281BC71F9}"/>
+                    <a16:creationId xmlns="" xmlns:a16="http://schemas.microsoft.com/office/drawing/2014/main" id="{0B3C9687-0FDD-4D92-BE4F-47D281BC71F9}"/>
                   </a:ext>
                 </a:extLst>
               </p:cNvPr>
@@ -4582,7 +4582,7 @@
               <p:cNvPr id="50" name="TextBox 49">
                 <a:extLst>
                   <a:ext uri="{FF2B5EF4-FFF2-40B4-BE49-F238E27FC236}">
-                    <a16:creationId xmlns:a16="http://schemas.microsoft.com/office/drawing/2014/main" xmlns="" id="{D58B2475-B731-440C-AEBF-D6D02668C86B}"/>
+                    <a16:creationId xmlns="" xmlns:a16="http://schemas.microsoft.com/office/drawing/2014/main" id="{D58B2475-B731-440C-AEBF-D6D02668C86B}"/>
                   </a:ext>
                 </a:extLst>
               </p:cNvPr>
@@ -4707,7 +4707,7 @@
           <p:cNvPr id="51" name="직선 화살표 연결선 50">
             <a:extLst>
               <a:ext uri="{FF2B5EF4-FFF2-40B4-BE49-F238E27FC236}">
-                <a16:creationId xmlns:a16="http://schemas.microsoft.com/office/drawing/2014/main" xmlns="" id="{9F0FCDFB-1F78-4A73-9BA1-385BB2F3CA64}"/>
+                <a16:creationId xmlns="" xmlns:a16="http://schemas.microsoft.com/office/drawing/2014/main" id="{9F0FCDFB-1F78-4A73-9BA1-385BB2F3CA64}"/>
               </a:ext>
             </a:extLst>
           </p:cNvPr>
@@ -4750,7 +4750,7 @@
           <p:cNvPr id="52" name="직사각형 51">
             <a:extLst>
               <a:ext uri="{FF2B5EF4-FFF2-40B4-BE49-F238E27FC236}">
-                <a16:creationId xmlns:a16="http://schemas.microsoft.com/office/drawing/2014/main" xmlns="" id="{521345B2-00EA-4FD4-A331-8EB17A28DE0C}"/>
+                <a16:creationId xmlns="" xmlns:a16="http://schemas.microsoft.com/office/drawing/2014/main" id="{521345B2-00EA-4FD4-A331-8EB17A28DE0C}"/>
               </a:ext>
             </a:extLst>
           </p:cNvPr>
@@ -4798,7 +4798,7 @@
           <p:cNvPr id="53" name="직사각형 52">
             <a:extLst>
               <a:ext uri="{FF2B5EF4-FFF2-40B4-BE49-F238E27FC236}">
-                <a16:creationId xmlns:a16="http://schemas.microsoft.com/office/drawing/2014/main" xmlns="" id="{93E71527-60A0-41BC-A00D-9C4D90F42BEC}"/>
+                <a16:creationId xmlns="" xmlns:a16="http://schemas.microsoft.com/office/drawing/2014/main" id="{93E71527-60A0-41BC-A00D-9C4D90F42BEC}"/>
               </a:ext>
             </a:extLst>
           </p:cNvPr>
@@ -4850,7 +4850,7 @@
           <p:cNvPr id="54" name="직사각형 53">
             <a:extLst>
               <a:ext uri="{FF2B5EF4-FFF2-40B4-BE49-F238E27FC236}">
-                <a16:creationId xmlns:a16="http://schemas.microsoft.com/office/drawing/2014/main" xmlns="" id="{9B1AE270-7D44-4AF1-8646-AA2F6F0CF3A3}"/>
+                <a16:creationId xmlns="" xmlns:a16="http://schemas.microsoft.com/office/drawing/2014/main" id="{9B1AE270-7D44-4AF1-8646-AA2F6F0CF3A3}"/>
               </a:ext>
             </a:extLst>
           </p:cNvPr>
@@ -4898,7 +4898,7 @@
           <p:cNvPr id="55" name="직사각형 54">
             <a:extLst>
               <a:ext uri="{FF2B5EF4-FFF2-40B4-BE49-F238E27FC236}">
-                <a16:creationId xmlns:a16="http://schemas.microsoft.com/office/drawing/2014/main" xmlns="" id="{45734B14-436C-47C7-9687-58304E8617D1}"/>
+                <a16:creationId xmlns="" xmlns:a16="http://schemas.microsoft.com/office/drawing/2014/main" id="{45734B14-436C-47C7-9687-58304E8617D1}"/>
               </a:ext>
             </a:extLst>
           </p:cNvPr>
@@ -4946,7 +4946,7 @@
           <p:cNvPr id="56" name="직선 화살표 연결선 55">
             <a:extLst>
               <a:ext uri="{FF2B5EF4-FFF2-40B4-BE49-F238E27FC236}">
-                <a16:creationId xmlns:a16="http://schemas.microsoft.com/office/drawing/2014/main" xmlns="" id="{F145FA49-CD39-4A97-87A1-74A33C4F30BF}"/>
+                <a16:creationId xmlns="" xmlns:a16="http://schemas.microsoft.com/office/drawing/2014/main" id="{F145FA49-CD39-4A97-87A1-74A33C4F30BF}"/>
               </a:ext>
             </a:extLst>
           </p:cNvPr>
@@ -4988,7 +4988,7 @@
           <p:cNvPr id="57" name="직선 화살표 연결선 56">
             <a:extLst>
               <a:ext uri="{FF2B5EF4-FFF2-40B4-BE49-F238E27FC236}">
-                <a16:creationId xmlns:a16="http://schemas.microsoft.com/office/drawing/2014/main" xmlns="" id="{DAE01F3F-CF81-4CE4-BC13-D6B43E5BFF5B}"/>
+                <a16:creationId xmlns="" xmlns:a16="http://schemas.microsoft.com/office/drawing/2014/main" id="{DAE01F3F-CF81-4CE4-BC13-D6B43E5BFF5B}"/>
               </a:ext>
             </a:extLst>
           </p:cNvPr>
@@ -5031,7 +5031,7 @@
           <p:cNvPr id="58" name="직선 화살표 연결선 57">
             <a:extLst>
               <a:ext uri="{FF2B5EF4-FFF2-40B4-BE49-F238E27FC236}">
-                <a16:creationId xmlns:a16="http://schemas.microsoft.com/office/drawing/2014/main" xmlns="" id="{375B0486-21D7-43C4-AF75-91F328A98605}"/>
+                <a16:creationId xmlns="" xmlns:a16="http://schemas.microsoft.com/office/drawing/2014/main" id="{375B0486-21D7-43C4-AF75-91F328A98605}"/>
               </a:ext>
             </a:extLst>
           </p:cNvPr>
@@ -5074,7 +5074,7 @@
           <p:cNvPr id="59" name="직선 화살표 연결선 58">
             <a:extLst>
               <a:ext uri="{FF2B5EF4-FFF2-40B4-BE49-F238E27FC236}">
-                <a16:creationId xmlns:a16="http://schemas.microsoft.com/office/drawing/2014/main" xmlns="" id="{2BC46B70-F32F-4346-831E-1F87C0F860EB}"/>
+                <a16:creationId xmlns="" xmlns:a16="http://schemas.microsoft.com/office/drawing/2014/main" id="{2BC46B70-F32F-4346-831E-1F87C0F860EB}"/>
               </a:ext>
             </a:extLst>
           </p:cNvPr>
@@ -5119,7 +5119,7 @@
               <p:cNvPr id="60" name="TextBox 59">
                 <a:extLst>
                   <a:ext uri="{FF2B5EF4-FFF2-40B4-BE49-F238E27FC236}">
-                    <a16:creationId xmlns:a16="http://schemas.microsoft.com/office/drawing/2014/main" xmlns="" id="{EA9AC0B1-A97C-4E8C-828A-86E4E70B2543}"/>
+                    <a16:creationId xmlns="" xmlns:a16="http://schemas.microsoft.com/office/drawing/2014/main" id="{EA9AC0B1-A97C-4E8C-828A-86E4E70B2543}"/>
                   </a:ext>
                 </a:extLst>
               </p:cNvPr>
@@ -5234,7 +5234,7 @@
               <p:cNvPr id="61" name="TextBox 60">
                 <a:extLst>
                   <a:ext uri="{FF2B5EF4-FFF2-40B4-BE49-F238E27FC236}">
-                    <a16:creationId xmlns:a16="http://schemas.microsoft.com/office/drawing/2014/main" xmlns="" id="{D9396E0A-ECCE-4220-B28F-030A8191D168}"/>
+                    <a16:creationId xmlns="" xmlns:a16="http://schemas.microsoft.com/office/drawing/2014/main" id="{D9396E0A-ECCE-4220-B28F-030A8191D168}"/>
                   </a:ext>
                 </a:extLst>
               </p:cNvPr>
@@ -5359,7 +5359,7 @@
           <p:cNvPr id="62" name="직선 화살표 연결선 61">
             <a:extLst>
               <a:ext uri="{FF2B5EF4-FFF2-40B4-BE49-F238E27FC236}">
-                <a16:creationId xmlns:a16="http://schemas.microsoft.com/office/drawing/2014/main" xmlns="" id="{68762E48-EEF4-45E1-8BAA-FE017CC90266}"/>
+                <a16:creationId xmlns="" xmlns:a16="http://schemas.microsoft.com/office/drawing/2014/main" id="{68762E48-EEF4-45E1-8BAA-FE017CC90266}"/>
               </a:ext>
             </a:extLst>
           </p:cNvPr>
@@ -5402,7 +5402,7 @@
           <p:cNvPr id="63" name="직사각형 62">
             <a:extLst>
               <a:ext uri="{FF2B5EF4-FFF2-40B4-BE49-F238E27FC236}">
-                <a16:creationId xmlns:a16="http://schemas.microsoft.com/office/drawing/2014/main" xmlns="" id="{0BE1403E-130A-46E4-ADB4-CAE5BD3B675A}"/>
+                <a16:creationId xmlns="" xmlns:a16="http://schemas.microsoft.com/office/drawing/2014/main" id="{0BE1403E-130A-46E4-ADB4-CAE5BD3B675A}"/>
               </a:ext>
             </a:extLst>
           </p:cNvPr>
@@ -5450,7 +5450,7 @@
           <p:cNvPr id="64" name="직사각형 63">
             <a:extLst>
               <a:ext uri="{FF2B5EF4-FFF2-40B4-BE49-F238E27FC236}">
-                <a16:creationId xmlns:a16="http://schemas.microsoft.com/office/drawing/2014/main" xmlns="" id="{C759F013-57C3-4BE7-A358-BE89DB95B12F}"/>
+                <a16:creationId xmlns="" xmlns:a16="http://schemas.microsoft.com/office/drawing/2014/main" id="{C759F013-57C3-4BE7-A358-BE89DB95B12F}"/>
               </a:ext>
             </a:extLst>
           </p:cNvPr>
@@ -5502,7 +5502,7 @@
           <p:cNvPr id="65" name="직사각형 64">
             <a:extLst>
               <a:ext uri="{FF2B5EF4-FFF2-40B4-BE49-F238E27FC236}">
-                <a16:creationId xmlns:a16="http://schemas.microsoft.com/office/drawing/2014/main" xmlns="" id="{1A6635F9-7041-4CFB-9DC3-50506B3D4C47}"/>
+                <a16:creationId xmlns="" xmlns:a16="http://schemas.microsoft.com/office/drawing/2014/main" id="{1A6635F9-7041-4CFB-9DC3-50506B3D4C47}"/>
               </a:ext>
             </a:extLst>
           </p:cNvPr>
@@ -5550,7 +5550,7 @@
           <p:cNvPr id="66" name="직사각형 65">
             <a:extLst>
               <a:ext uri="{FF2B5EF4-FFF2-40B4-BE49-F238E27FC236}">
-                <a16:creationId xmlns:a16="http://schemas.microsoft.com/office/drawing/2014/main" xmlns="" id="{A31DED44-B728-4C24-8199-2AC9E40EF17A}"/>
+                <a16:creationId xmlns="" xmlns:a16="http://schemas.microsoft.com/office/drawing/2014/main" id="{A31DED44-B728-4C24-8199-2AC9E40EF17A}"/>
               </a:ext>
             </a:extLst>
           </p:cNvPr>
@@ -5598,7 +5598,7 @@
           <p:cNvPr id="67" name="직선 화살표 연결선 66">
             <a:extLst>
               <a:ext uri="{FF2B5EF4-FFF2-40B4-BE49-F238E27FC236}">
-                <a16:creationId xmlns:a16="http://schemas.microsoft.com/office/drawing/2014/main" xmlns="" id="{891AADFE-0883-4089-8AB9-267149A7E3D8}"/>
+                <a16:creationId xmlns="" xmlns:a16="http://schemas.microsoft.com/office/drawing/2014/main" id="{891AADFE-0883-4089-8AB9-267149A7E3D8}"/>
               </a:ext>
             </a:extLst>
           </p:cNvPr>
@@ -5640,7 +5640,7 @@
           <p:cNvPr id="68" name="직선 화살표 연결선 67">
             <a:extLst>
               <a:ext uri="{FF2B5EF4-FFF2-40B4-BE49-F238E27FC236}">
-                <a16:creationId xmlns:a16="http://schemas.microsoft.com/office/drawing/2014/main" xmlns="" id="{69E3E16B-3F0F-471F-A8DB-0FEF2FE2419A}"/>
+                <a16:creationId xmlns="" xmlns:a16="http://schemas.microsoft.com/office/drawing/2014/main" id="{69E3E16B-3F0F-471F-A8DB-0FEF2FE2419A}"/>
               </a:ext>
             </a:extLst>
           </p:cNvPr>
@@ -5683,7 +5683,7 @@
           <p:cNvPr id="69" name="직선 화살표 연결선 68">
             <a:extLst>
               <a:ext uri="{FF2B5EF4-FFF2-40B4-BE49-F238E27FC236}">
-                <a16:creationId xmlns:a16="http://schemas.microsoft.com/office/drawing/2014/main" xmlns="" id="{B6EC31CE-6194-47F2-BA5A-4BFC5CBD7C4A}"/>
+                <a16:creationId xmlns="" xmlns:a16="http://schemas.microsoft.com/office/drawing/2014/main" id="{B6EC31CE-6194-47F2-BA5A-4BFC5CBD7C4A}"/>
               </a:ext>
             </a:extLst>
           </p:cNvPr>
@@ -5726,7 +5726,7 @@
           <p:cNvPr id="70" name="직선 화살표 연결선 69">
             <a:extLst>
               <a:ext uri="{FF2B5EF4-FFF2-40B4-BE49-F238E27FC236}">
-                <a16:creationId xmlns:a16="http://schemas.microsoft.com/office/drawing/2014/main" xmlns="" id="{5C9CF6E8-BC52-4246-96EA-204ADC083BB0}"/>
+                <a16:creationId xmlns="" xmlns:a16="http://schemas.microsoft.com/office/drawing/2014/main" id="{5C9CF6E8-BC52-4246-96EA-204ADC083BB0}"/>
               </a:ext>
             </a:extLst>
           </p:cNvPr>
@@ -5771,7 +5771,7 @@
               <p:cNvPr id="71" name="TextBox 70">
                 <a:extLst>
                   <a:ext uri="{FF2B5EF4-FFF2-40B4-BE49-F238E27FC236}">
-                    <a16:creationId xmlns:a16="http://schemas.microsoft.com/office/drawing/2014/main" xmlns="" id="{2484552F-1BD5-4D19-9F40-9E273BB6EC49}"/>
+                    <a16:creationId xmlns="" xmlns:a16="http://schemas.microsoft.com/office/drawing/2014/main" id="{2484552F-1BD5-4D19-9F40-9E273BB6EC49}"/>
                   </a:ext>
                 </a:extLst>
               </p:cNvPr>
@@ -5886,7 +5886,7 @@
               <p:cNvPr id="72" name="TextBox 71">
                 <a:extLst>
                   <a:ext uri="{FF2B5EF4-FFF2-40B4-BE49-F238E27FC236}">
-                    <a16:creationId xmlns:a16="http://schemas.microsoft.com/office/drawing/2014/main" xmlns="" id="{3AEED8C7-9C0F-43FB-B869-3B3F190169C4}"/>
+                    <a16:creationId xmlns="" xmlns:a16="http://schemas.microsoft.com/office/drawing/2014/main" id="{3AEED8C7-9C0F-43FB-B869-3B3F190169C4}"/>
                   </a:ext>
                 </a:extLst>
               </p:cNvPr>
@@ -6011,7 +6011,7 @@
           <p:cNvPr id="73" name="직선 화살표 연결선 72">
             <a:extLst>
               <a:ext uri="{FF2B5EF4-FFF2-40B4-BE49-F238E27FC236}">
-                <a16:creationId xmlns:a16="http://schemas.microsoft.com/office/drawing/2014/main" xmlns="" id="{1D07BEB5-CC12-4374-B141-2883C46F0D31}"/>
+                <a16:creationId xmlns="" xmlns:a16="http://schemas.microsoft.com/office/drawing/2014/main" id="{1D07BEB5-CC12-4374-B141-2883C46F0D31}"/>
               </a:ext>
             </a:extLst>
           </p:cNvPr>
@@ -6054,7 +6054,7 @@
           <p:cNvPr id="74" name="직사각형 73">
             <a:extLst>
               <a:ext uri="{FF2B5EF4-FFF2-40B4-BE49-F238E27FC236}">
-                <a16:creationId xmlns:a16="http://schemas.microsoft.com/office/drawing/2014/main" xmlns="" id="{1FFADF56-EE84-46B8-BBE0-94A19DDF6E46}"/>
+                <a16:creationId xmlns="" xmlns:a16="http://schemas.microsoft.com/office/drawing/2014/main" id="{1FFADF56-EE84-46B8-BBE0-94A19DDF6E46}"/>
               </a:ext>
             </a:extLst>
           </p:cNvPr>
@@ -6102,7 +6102,7 @@
           <p:cNvPr id="75" name="직사각형 74">
             <a:extLst>
               <a:ext uri="{FF2B5EF4-FFF2-40B4-BE49-F238E27FC236}">
-                <a16:creationId xmlns:a16="http://schemas.microsoft.com/office/drawing/2014/main" xmlns="" id="{552D2A52-F3FF-41F3-A62E-C512BACEEF86}"/>
+                <a16:creationId xmlns="" xmlns:a16="http://schemas.microsoft.com/office/drawing/2014/main" id="{552D2A52-F3FF-41F3-A62E-C512BACEEF86}"/>
               </a:ext>
             </a:extLst>
           </p:cNvPr>
@@ -6154,7 +6154,7 @@
           <p:cNvPr id="76" name="직사각형 75">
             <a:extLst>
               <a:ext uri="{FF2B5EF4-FFF2-40B4-BE49-F238E27FC236}">
-                <a16:creationId xmlns:a16="http://schemas.microsoft.com/office/drawing/2014/main" xmlns="" id="{68DCAE8C-C0CC-4FF6-840E-5137C7726B0F}"/>
+                <a16:creationId xmlns="" xmlns:a16="http://schemas.microsoft.com/office/drawing/2014/main" id="{68DCAE8C-C0CC-4FF6-840E-5137C7726B0F}"/>
               </a:ext>
             </a:extLst>
           </p:cNvPr>
@@ -6206,7 +6206,7 @@
           <p:cNvPr id="77" name="직사각형 76">
             <a:extLst>
               <a:ext uri="{FF2B5EF4-FFF2-40B4-BE49-F238E27FC236}">
-                <a16:creationId xmlns:a16="http://schemas.microsoft.com/office/drawing/2014/main" xmlns="" id="{39D48891-5979-462A-9E6F-DF436D67435B}"/>
+                <a16:creationId xmlns="" xmlns:a16="http://schemas.microsoft.com/office/drawing/2014/main" id="{39D48891-5979-462A-9E6F-DF436D67435B}"/>
               </a:ext>
             </a:extLst>
           </p:cNvPr>
@@ -6254,7 +6254,7 @@
           <p:cNvPr id="78" name="직선 화살표 연결선 77">
             <a:extLst>
               <a:ext uri="{FF2B5EF4-FFF2-40B4-BE49-F238E27FC236}">
-                <a16:creationId xmlns:a16="http://schemas.microsoft.com/office/drawing/2014/main" xmlns="" id="{44259613-4666-4808-81BE-AF79241707FD}"/>
+                <a16:creationId xmlns="" xmlns:a16="http://schemas.microsoft.com/office/drawing/2014/main" id="{44259613-4666-4808-81BE-AF79241707FD}"/>
               </a:ext>
             </a:extLst>
           </p:cNvPr>
@@ -6296,7 +6296,7 @@
           <p:cNvPr id="79" name="직선 화살표 연결선 78">
             <a:extLst>
               <a:ext uri="{FF2B5EF4-FFF2-40B4-BE49-F238E27FC236}">
-                <a16:creationId xmlns:a16="http://schemas.microsoft.com/office/drawing/2014/main" xmlns="" id="{48E5987F-0185-4602-8583-E14C15AE7D5F}"/>
+                <a16:creationId xmlns="" xmlns:a16="http://schemas.microsoft.com/office/drawing/2014/main" id="{48E5987F-0185-4602-8583-E14C15AE7D5F}"/>
               </a:ext>
             </a:extLst>
           </p:cNvPr>
@@ -6339,7 +6339,7 @@
           <p:cNvPr id="80" name="직선 화살표 연결선 79">
             <a:extLst>
               <a:ext uri="{FF2B5EF4-FFF2-40B4-BE49-F238E27FC236}">
-                <a16:creationId xmlns:a16="http://schemas.microsoft.com/office/drawing/2014/main" xmlns="" id="{5EB52318-A9BD-4B62-9C9C-569115EF1E85}"/>
+                <a16:creationId xmlns="" xmlns:a16="http://schemas.microsoft.com/office/drawing/2014/main" id="{5EB52318-A9BD-4B62-9C9C-569115EF1E85}"/>
               </a:ext>
             </a:extLst>
           </p:cNvPr>
@@ -6382,7 +6382,7 @@
           <p:cNvPr id="81" name="직선 화살표 연결선 80">
             <a:extLst>
               <a:ext uri="{FF2B5EF4-FFF2-40B4-BE49-F238E27FC236}">
-                <a16:creationId xmlns:a16="http://schemas.microsoft.com/office/drawing/2014/main" xmlns="" id="{0B24DE26-CFF1-4C8E-9F17-76D65E18FE9E}"/>
+                <a16:creationId xmlns="" xmlns:a16="http://schemas.microsoft.com/office/drawing/2014/main" id="{0B24DE26-CFF1-4C8E-9F17-76D65E18FE9E}"/>
               </a:ext>
             </a:extLst>
           </p:cNvPr>
@@ -6427,7 +6427,7 @@
               <p:cNvPr id="82" name="TextBox 81">
                 <a:extLst>
                   <a:ext uri="{FF2B5EF4-FFF2-40B4-BE49-F238E27FC236}">
-                    <a16:creationId xmlns:a16="http://schemas.microsoft.com/office/drawing/2014/main" xmlns="" id="{E799825B-3727-4F39-BEAD-2E2ACE9A90BE}"/>
+                    <a16:creationId xmlns="" xmlns:a16="http://schemas.microsoft.com/office/drawing/2014/main" id="{E799825B-3727-4F39-BEAD-2E2ACE9A90BE}"/>
                   </a:ext>
                 </a:extLst>
               </p:cNvPr>
@@ -6542,7 +6542,7 @@
               <p:cNvPr id="83" name="TextBox 82">
                 <a:extLst>
                   <a:ext uri="{FF2B5EF4-FFF2-40B4-BE49-F238E27FC236}">
-                    <a16:creationId xmlns:a16="http://schemas.microsoft.com/office/drawing/2014/main" xmlns="" id="{DBF48FFA-1D5D-4577-9AE3-29EAE247472C}"/>
+                    <a16:creationId xmlns="" xmlns:a16="http://schemas.microsoft.com/office/drawing/2014/main" id="{DBF48FFA-1D5D-4577-9AE3-29EAE247472C}"/>
                   </a:ext>
                 </a:extLst>
               </p:cNvPr>
@@ -6667,7 +6667,7 @@
           <p:cNvPr id="84" name="직선 화살표 연결선 83">
             <a:extLst>
               <a:ext uri="{FF2B5EF4-FFF2-40B4-BE49-F238E27FC236}">
-                <a16:creationId xmlns:a16="http://schemas.microsoft.com/office/drawing/2014/main" xmlns="" id="{A629E2DD-AF5D-4C9D-A4F6-09DB868A4783}"/>
+                <a16:creationId xmlns="" xmlns:a16="http://schemas.microsoft.com/office/drawing/2014/main" id="{A629E2DD-AF5D-4C9D-A4F6-09DB868A4783}"/>
               </a:ext>
             </a:extLst>
           </p:cNvPr>
@@ -6710,7 +6710,7 @@
           <p:cNvPr id="86" name="연결선: 구부러짐 85">
             <a:extLst>
               <a:ext uri="{FF2B5EF4-FFF2-40B4-BE49-F238E27FC236}">
-                <a16:creationId xmlns:a16="http://schemas.microsoft.com/office/drawing/2014/main" xmlns="" id="{4815E4C6-6DA5-4D42-91ED-3F66369B1AD1}"/>
+                <a16:creationId xmlns="" xmlns:a16="http://schemas.microsoft.com/office/drawing/2014/main" id="{4815E4C6-6DA5-4D42-91ED-3F66369B1AD1}"/>
               </a:ext>
             </a:extLst>
           </p:cNvPr>
@@ -6756,7 +6756,7 @@
           <p:cNvPr id="87" name="연결선: 구부러짐 86">
             <a:extLst>
               <a:ext uri="{FF2B5EF4-FFF2-40B4-BE49-F238E27FC236}">
-                <a16:creationId xmlns:a16="http://schemas.microsoft.com/office/drawing/2014/main" xmlns="" id="{CE3D1875-2CB4-436C-AE05-90119209B77C}"/>
+                <a16:creationId xmlns="" xmlns:a16="http://schemas.microsoft.com/office/drawing/2014/main" id="{CE3D1875-2CB4-436C-AE05-90119209B77C}"/>
               </a:ext>
             </a:extLst>
           </p:cNvPr>
@@ -6803,7 +6803,7 @@
           <p:cNvPr id="90" name="연결선: 구부러짐 89">
             <a:extLst>
               <a:ext uri="{FF2B5EF4-FFF2-40B4-BE49-F238E27FC236}">
-                <a16:creationId xmlns:a16="http://schemas.microsoft.com/office/drawing/2014/main" xmlns="" id="{F6B08CAB-8D3D-465C-8842-62587DF50E0F}"/>
+                <a16:creationId xmlns="" xmlns:a16="http://schemas.microsoft.com/office/drawing/2014/main" id="{F6B08CAB-8D3D-465C-8842-62587DF50E0F}"/>
               </a:ext>
             </a:extLst>
           </p:cNvPr>
@@ -6850,7 +6850,7 @@
           <p:cNvPr id="93" name="연결선: 구부러짐 92">
             <a:extLst>
               <a:ext uri="{FF2B5EF4-FFF2-40B4-BE49-F238E27FC236}">
-                <a16:creationId xmlns:a16="http://schemas.microsoft.com/office/drawing/2014/main" xmlns="" id="{38E42217-28B5-48AF-BBDD-02F0226A727A}"/>
+                <a16:creationId xmlns="" xmlns:a16="http://schemas.microsoft.com/office/drawing/2014/main" id="{38E42217-28B5-48AF-BBDD-02F0226A727A}"/>
               </a:ext>
             </a:extLst>
           </p:cNvPr>
@@ -6897,7 +6897,7 @@
           <p:cNvPr id="96" name="직선 화살표 연결선 95">
             <a:extLst>
               <a:ext uri="{FF2B5EF4-FFF2-40B4-BE49-F238E27FC236}">
-                <a16:creationId xmlns:a16="http://schemas.microsoft.com/office/drawing/2014/main" xmlns="" id="{7BCDDC87-6FC0-465C-A987-8E00153B2E47}"/>
+                <a16:creationId xmlns="" xmlns:a16="http://schemas.microsoft.com/office/drawing/2014/main" id="{7BCDDC87-6FC0-465C-A987-8E00153B2E47}"/>
               </a:ext>
             </a:extLst>
           </p:cNvPr>
@@ -6940,7 +6940,7 @@
           <p:cNvPr id="99" name="직선 화살표 연결선 98">
             <a:extLst>
               <a:ext uri="{FF2B5EF4-FFF2-40B4-BE49-F238E27FC236}">
-                <a16:creationId xmlns:a16="http://schemas.microsoft.com/office/drawing/2014/main" xmlns="" id="{1F81F101-A183-46A3-88B6-42493D690A2B}"/>
+                <a16:creationId xmlns="" xmlns:a16="http://schemas.microsoft.com/office/drawing/2014/main" id="{1F81F101-A183-46A3-88B6-42493D690A2B}"/>
               </a:ext>
             </a:extLst>
           </p:cNvPr>
@@ -6983,7 +6983,7 @@
           <p:cNvPr id="102" name="직선 화살표 연결선 101">
             <a:extLst>
               <a:ext uri="{FF2B5EF4-FFF2-40B4-BE49-F238E27FC236}">
-                <a16:creationId xmlns:a16="http://schemas.microsoft.com/office/drawing/2014/main" xmlns="" id="{8A36012A-E62C-46EE-971E-6FB0724552F0}"/>
+                <a16:creationId xmlns="" xmlns:a16="http://schemas.microsoft.com/office/drawing/2014/main" id="{8A36012A-E62C-46EE-971E-6FB0724552F0}"/>
               </a:ext>
             </a:extLst>
           </p:cNvPr>
@@ -7026,7 +7026,7 @@
           <p:cNvPr id="105" name="직선 화살표 연결선 104">
             <a:extLst>
               <a:ext uri="{FF2B5EF4-FFF2-40B4-BE49-F238E27FC236}">
-                <a16:creationId xmlns:a16="http://schemas.microsoft.com/office/drawing/2014/main" xmlns="" id="{1BABE5DD-8F79-4747-B2F0-F5519D8CDC3E}"/>
+                <a16:creationId xmlns="" xmlns:a16="http://schemas.microsoft.com/office/drawing/2014/main" id="{1BABE5DD-8F79-4747-B2F0-F5519D8CDC3E}"/>
               </a:ext>
             </a:extLst>
           </p:cNvPr>
@@ -7069,7 +7069,7 @@
           <p:cNvPr id="108" name="직선 화살표 연결선 107">
             <a:extLst>
               <a:ext uri="{FF2B5EF4-FFF2-40B4-BE49-F238E27FC236}">
-                <a16:creationId xmlns:a16="http://schemas.microsoft.com/office/drawing/2014/main" xmlns="" id="{0269C3CE-52C8-4A5E-AF46-56124F7DD475}"/>
+                <a16:creationId xmlns="" xmlns:a16="http://schemas.microsoft.com/office/drawing/2014/main" id="{0269C3CE-52C8-4A5E-AF46-56124F7DD475}"/>
               </a:ext>
             </a:extLst>
           </p:cNvPr>
@@ -7112,7 +7112,7 @@
           <p:cNvPr id="111" name="직선 화살표 연결선 110">
             <a:extLst>
               <a:ext uri="{FF2B5EF4-FFF2-40B4-BE49-F238E27FC236}">
-                <a16:creationId xmlns:a16="http://schemas.microsoft.com/office/drawing/2014/main" xmlns="" id="{60AB85E1-F5BB-4558-8E22-AD271FFAC678}"/>
+                <a16:creationId xmlns="" xmlns:a16="http://schemas.microsoft.com/office/drawing/2014/main" id="{60AB85E1-F5BB-4558-8E22-AD271FFAC678}"/>
               </a:ext>
             </a:extLst>
           </p:cNvPr>
@@ -7155,7 +7155,7 @@
           <p:cNvPr id="114" name="직선 화살표 연결선 113">
             <a:extLst>
               <a:ext uri="{FF2B5EF4-FFF2-40B4-BE49-F238E27FC236}">
-                <a16:creationId xmlns:a16="http://schemas.microsoft.com/office/drawing/2014/main" xmlns="" id="{2E3DEDAC-A642-4C80-8333-346C55212DB7}"/>
+                <a16:creationId xmlns="" xmlns:a16="http://schemas.microsoft.com/office/drawing/2014/main" id="{2E3DEDAC-A642-4C80-8333-346C55212DB7}"/>
               </a:ext>
             </a:extLst>
           </p:cNvPr>
@@ -7198,7 +7198,7 @@
           <p:cNvPr id="117" name="직선 화살표 연결선 116">
             <a:extLst>
               <a:ext uri="{FF2B5EF4-FFF2-40B4-BE49-F238E27FC236}">
-                <a16:creationId xmlns:a16="http://schemas.microsoft.com/office/drawing/2014/main" xmlns="" id="{F624C6F9-A976-4D50-A3BB-57F332891908}"/>
+                <a16:creationId xmlns="" xmlns:a16="http://schemas.microsoft.com/office/drawing/2014/main" id="{F624C6F9-A976-4D50-A3BB-57F332891908}"/>
               </a:ext>
             </a:extLst>
           </p:cNvPr>
@@ -7271,7 +7271,7 @@
           <p:cNvPr id="4" name="직사각형 3">
             <a:extLst>
               <a:ext uri="{FF2B5EF4-FFF2-40B4-BE49-F238E27FC236}">
-                <a16:creationId xmlns:a16="http://schemas.microsoft.com/office/drawing/2014/main" xmlns="" id="{E4469EA3-BD2F-4388-B225-972DBD285F7E}"/>
+                <a16:creationId xmlns="" xmlns:a16="http://schemas.microsoft.com/office/drawing/2014/main" id="{E4469EA3-BD2F-4388-B225-972DBD285F7E}"/>
               </a:ext>
             </a:extLst>
           </p:cNvPr>
@@ -7331,7 +7331,7 @@
           <p:cNvPr id="5" name="직사각형 4">
             <a:extLst>
               <a:ext uri="{FF2B5EF4-FFF2-40B4-BE49-F238E27FC236}">
-                <a16:creationId xmlns:a16="http://schemas.microsoft.com/office/drawing/2014/main" xmlns="" id="{4CA84653-010D-4065-B853-79CB25E1864C}"/>
+                <a16:creationId xmlns="" xmlns:a16="http://schemas.microsoft.com/office/drawing/2014/main" id="{4CA84653-010D-4065-B853-79CB25E1864C}"/>
               </a:ext>
             </a:extLst>
           </p:cNvPr>
@@ -7391,7 +7391,7 @@
           <p:cNvPr id="6" name="직사각형 5">
             <a:extLst>
               <a:ext uri="{FF2B5EF4-FFF2-40B4-BE49-F238E27FC236}">
-                <a16:creationId xmlns:a16="http://schemas.microsoft.com/office/drawing/2014/main" xmlns="" id="{E1E73367-4DDC-4825-B313-715B65F5DD9C}"/>
+                <a16:creationId xmlns="" xmlns:a16="http://schemas.microsoft.com/office/drawing/2014/main" id="{E1E73367-4DDC-4825-B313-715B65F5DD9C}"/>
               </a:ext>
             </a:extLst>
           </p:cNvPr>
@@ -7451,7 +7451,7 @@
           <p:cNvPr id="7" name="직사각형 6">
             <a:extLst>
               <a:ext uri="{FF2B5EF4-FFF2-40B4-BE49-F238E27FC236}">
-                <a16:creationId xmlns:a16="http://schemas.microsoft.com/office/drawing/2014/main" xmlns="" id="{A2951B4C-0F6E-4678-A4C8-8FB7EEAA5CE6}"/>
+                <a16:creationId xmlns="" xmlns:a16="http://schemas.microsoft.com/office/drawing/2014/main" id="{A2951B4C-0F6E-4678-A4C8-8FB7EEAA5CE6}"/>
               </a:ext>
             </a:extLst>
           </p:cNvPr>
@@ -7511,7 +7511,7 @@
           <p:cNvPr id="8" name="직사각형 7">
             <a:extLst>
               <a:ext uri="{FF2B5EF4-FFF2-40B4-BE49-F238E27FC236}">
-                <a16:creationId xmlns:a16="http://schemas.microsoft.com/office/drawing/2014/main" xmlns="" id="{BAE89BCE-919E-44F2-8819-A305D3A70CDA}"/>
+                <a16:creationId xmlns="" xmlns:a16="http://schemas.microsoft.com/office/drawing/2014/main" id="{BAE89BCE-919E-44F2-8819-A305D3A70CDA}"/>
               </a:ext>
             </a:extLst>
           </p:cNvPr>
@@ -7566,7 +7566,7 @@
           <p:cNvPr id="9" name="직사각형 8">
             <a:extLst>
               <a:ext uri="{FF2B5EF4-FFF2-40B4-BE49-F238E27FC236}">
-                <a16:creationId xmlns:a16="http://schemas.microsoft.com/office/drawing/2014/main" xmlns="" id="{349238DB-B9E3-48FA-BACD-382CC9E85FC1}"/>
+                <a16:creationId xmlns="" xmlns:a16="http://schemas.microsoft.com/office/drawing/2014/main" id="{349238DB-B9E3-48FA-BACD-382CC9E85FC1}"/>
               </a:ext>
             </a:extLst>
           </p:cNvPr>
@@ -7621,7 +7621,7 @@
           <p:cNvPr id="10" name="직사각형 9">
             <a:extLst>
               <a:ext uri="{FF2B5EF4-FFF2-40B4-BE49-F238E27FC236}">
-                <a16:creationId xmlns:a16="http://schemas.microsoft.com/office/drawing/2014/main" xmlns="" id="{85397621-465B-4ADE-A227-3701C385464F}"/>
+                <a16:creationId xmlns="" xmlns:a16="http://schemas.microsoft.com/office/drawing/2014/main" id="{85397621-465B-4ADE-A227-3701C385464F}"/>
               </a:ext>
             </a:extLst>
           </p:cNvPr>
@@ -7676,7 +7676,7 @@
           <p:cNvPr id="11" name="직사각형 10">
             <a:extLst>
               <a:ext uri="{FF2B5EF4-FFF2-40B4-BE49-F238E27FC236}">
-                <a16:creationId xmlns:a16="http://schemas.microsoft.com/office/drawing/2014/main" xmlns="" id="{99196F47-6546-4414-8692-8B1D6EB7861E}"/>
+                <a16:creationId xmlns="" xmlns:a16="http://schemas.microsoft.com/office/drawing/2014/main" id="{99196F47-6546-4414-8692-8B1D6EB7861E}"/>
               </a:ext>
             </a:extLst>
           </p:cNvPr>
@@ -7731,7 +7731,7 @@
           <p:cNvPr id="13" name="직선 화살표 연결선 12">
             <a:extLst>
               <a:ext uri="{FF2B5EF4-FFF2-40B4-BE49-F238E27FC236}">
-                <a16:creationId xmlns:a16="http://schemas.microsoft.com/office/drawing/2014/main" xmlns="" id="{147C09B1-E5F5-4D82-94F1-78DDF76CEDA4}"/>
+                <a16:creationId xmlns="" xmlns:a16="http://schemas.microsoft.com/office/drawing/2014/main" id="{147C09B1-E5F5-4D82-94F1-78DDF76CEDA4}"/>
               </a:ext>
             </a:extLst>
           </p:cNvPr>
@@ -7773,7 +7773,7 @@
           <p:cNvPr id="14" name="직선 화살표 연결선 13">
             <a:extLst>
               <a:ext uri="{FF2B5EF4-FFF2-40B4-BE49-F238E27FC236}">
-                <a16:creationId xmlns:a16="http://schemas.microsoft.com/office/drawing/2014/main" xmlns="" id="{8C04CFDC-9131-4F45-9FE4-55EF3F4FEBBF}"/>
+                <a16:creationId xmlns="" xmlns:a16="http://schemas.microsoft.com/office/drawing/2014/main" id="{8C04CFDC-9131-4F45-9FE4-55EF3F4FEBBF}"/>
               </a:ext>
             </a:extLst>
           </p:cNvPr>
@@ -7816,7 +7816,7 @@
           <p:cNvPr id="17" name="직선 화살표 연결선 16">
             <a:extLst>
               <a:ext uri="{FF2B5EF4-FFF2-40B4-BE49-F238E27FC236}">
-                <a16:creationId xmlns:a16="http://schemas.microsoft.com/office/drawing/2014/main" xmlns="" id="{49D920B6-9F30-4FE3-98BD-24435542E509}"/>
+                <a16:creationId xmlns="" xmlns:a16="http://schemas.microsoft.com/office/drawing/2014/main" id="{49D920B6-9F30-4FE3-98BD-24435542E509}"/>
               </a:ext>
             </a:extLst>
           </p:cNvPr>
@@ -7859,7 +7859,7 @@
           <p:cNvPr id="20" name="직선 화살표 연결선 19">
             <a:extLst>
               <a:ext uri="{FF2B5EF4-FFF2-40B4-BE49-F238E27FC236}">
-                <a16:creationId xmlns:a16="http://schemas.microsoft.com/office/drawing/2014/main" xmlns="" id="{9C78436C-633A-4ED7-9243-B162D8131872}"/>
+                <a16:creationId xmlns="" xmlns:a16="http://schemas.microsoft.com/office/drawing/2014/main" id="{9C78436C-633A-4ED7-9243-B162D8131872}"/>
               </a:ext>
             </a:extLst>
           </p:cNvPr>
@@ -7902,7 +7902,7 @@
           <p:cNvPr id="23" name="직선 화살표 연결선 22">
             <a:extLst>
               <a:ext uri="{FF2B5EF4-FFF2-40B4-BE49-F238E27FC236}">
-                <a16:creationId xmlns:a16="http://schemas.microsoft.com/office/drawing/2014/main" xmlns="" id="{A2C36C91-CB11-4877-A9AB-7077C45F91B3}"/>
+                <a16:creationId xmlns="" xmlns:a16="http://schemas.microsoft.com/office/drawing/2014/main" id="{A2C36C91-CB11-4877-A9AB-7077C45F91B3}"/>
               </a:ext>
             </a:extLst>
           </p:cNvPr>
@@ -7945,7 +7945,7 @@
           <p:cNvPr id="26" name="직선 화살표 연결선 25">
             <a:extLst>
               <a:ext uri="{FF2B5EF4-FFF2-40B4-BE49-F238E27FC236}">
-                <a16:creationId xmlns:a16="http://schemas.microsoft.com/office/drawing/2014/main" xmlns="" id="{4EBBCF9C-83D0-464C-96CC-25511ECF7979}"/>
+                <a16:creationId xmlns="" xmlns:a16="http://schemas.microsoft.com/office/drawing/2014/main" id="{4EBBCF9C-83D0-464C-96CC-25511ECF7979}"/>
               </a:ext>
             </a:extLst>
           </p:cNvPr>
@@ -7988,7 +7988,7 @@
           <p:cNvPr id="29" name="직선 화살표 연결선 28">
             <a:extLst>
               <a:ext uri="{FF2B5EF4-FFF2-40B4-BE49-F238E27FC236}">
-                <a16:creationId xmlns:a16="http://schemas.microsoft.com/office/drawing/2014/main" xmlns="" id="{9BEA08D9-5003-4EBA-B771-84E318E77859}"/>
+                <a16:creationId xmlns="" xmlns:a16="http://schemas.microsoft.com/office/drawing/2014/main" id="{9BEA08D9-5003-4EBA-B771-84E318E77859}"/>
               </a:ext>
             </a:extLst>
           </p:cNvPr>
@@ -8026,14 +8026,14 @@
           </a:fontRef>
         </p:style>
       </p:cxnSp>
-      <mc:AlternateContent xmlns:mc="http://schemas.openxmlformats.org/markup-compatibility/2006">
-        <mc:Choice xmlns:a14="http://schemas.microsoft.com/office/drawing/2010/main" Requires="a14">
+      <mc:AlternateContent xmlns:mc="http://schemas.openxmlformats.org/markup-compatibility/2006" xmlns:a14="http://schemas.microsoft.com/office/drawing/2010/main">
+        <mc:Choice Requires="a14">
           <p:sp>
             <p:nvSpPr>
               <p:cNvPr id="32" name="TextBox 31">
                 <a:extLst>
                   <a:ext uri="{FF2B5EF4-FFF2-40B4-BE49-F238E27FC236}">
-                    <a16:creationId xmlns:a16="http://schemas.microsoft.com/office/drawing/2014/main" xmlns="" id="{B762AC4C-43D2-4F68-9F3B-5B6960C79FD5}"/>
+                    <a16:creationId xmlns="" xmlns:a16="http://schemas.microsoft.com/office/drawing/2014/main" id="{B762AC4C-43D2-4F68-9F3B-5B6960C79FD5}"/>
                   </a:ext>
                 </a:extLst>
               </p:cNvPr>
@@ -8096,7 +8096,7 @@
             </p:txBody>
           </p:sp>
         </mc:Choice>
-        <mc:Fallback>
+        <mc:Fallback xmlns="">
           <p:sp>
             <p:nvSpPr>
               <p:cNvPr id="32" name="TextBox 31">
@@ -8141,14 +8141,14 @@
           </p:sp>
         </mc:Fallback>
       </mc:AlternateContent>
-      <mc:AlternateContent xmlns:mc="http://schemas.openxmlformats.org/markup-compatibility/2006">
-        <mc:Choice xmlns:a14="http://schemas.microsoft.com/office/drawing/2010/main" Requires="a14">
+      <mc:AlternateContent xmlns:mc="http://schemas.openxmlformats.org/markup-compatibility/2006" xmlns:a14="http://schemas.microsoft.com/office/drawing/2010/main">
+        <mc:Choice Requires="a14">
           <p:sp>
             <p:nvSpPr>
               <p:cNvPr id="33" name="TextBox 32">
                 <a:extLst>
                   <a:ext uri="{FF2B5EF4-FFF2-40B4-BE49-F238E27FC236}">
-                    <a16:creationId xmlns:a16="http://schemas.microsoft.com/office/drawing/2014/main" xmlns="" id="{17AFDE06-C487-486D-B7B1-76971B04CC45}"/>
+                    <a16:creationId xmlns="" xmlns:a16="http://schemas.microsoft.com/office/drawing/2014/main" id="{17AFDE06-C487-486D-B7B1-76971B04CC45}"/>
                   </a:ext>
                 </a:extLst>
               </p:cNvPr>
@@ -8211,7 +8211,7 @@
             </p:txBody>
           </p:sp>
         </mc:Choice>
-        <mc:Fallback>
+        <mc:Fallback xmlns="">
           <p:sp>
             <p:nvSpPr>
               <p:cNvPr id="33" name="TextBox 32">
@@ -8256,14 +8256,14 @@
           </p:sp>
         </mc:Fallback>
       </mc:AlternateContent>
-      <mc:AlternateContent xmlns:mc="http://schemas.openxmlformats.org/markup-compatibility/2006">
-        <mc:Choice xmlns:a14="http://schemas.microsoft.com/office/drawing/2010/main" Requires="a14">
+      <mc:AlternateContent xmlns:mc="http://schemas.openxmlformats.org/markup-compatibility/2006" xmlns:a14="http://schemas.microsoft.com/office/drawing/2010/main">
+        <mc:Choice Requires="a14">
           <p:sp>
             <p:nvSpPr>
               <p:cNvPr id="34" name="TextBox 33">
                 <a:extLst>
                   <a:ext uri="{FF2B5EF4-FFF2-40B4-BE49-F238E27FC236}">
-                    <a16:creationId xmlns:a16="http://schemas.microsoft.com/office/drawing/2014/main" xmlns="" id="{3176E3DE-1A33-48CE-8889-27F07BED33E0}"/>
+                    <a16:creationId xmlns="" xmlns:a16="http://schemas.microsoft.com/office/drawing/2014/main" id="{3176E3DE-1A33-48CE-8889-27F07BED33E0}"/>
                   </a:ext>
                 </a:extLst>
               </p:cNvPr>
@@ -8326,7 +8326,7 @@
             </p:txBody>
           </p:sp>
         </mc:Choice>
-        <mc:Fallback>
+        <mc:Fallback xmlns="">
           <p:sp>
             <p:nvSpPr>
               <p:cNvPr id="34" name="TextBox 33">
@@ -8371,14 +8371,14 @@
           </p:sp>
         </mc:Fallback>
       </mc:AlternateContent>
-      <mc:AlternateContent xmlns:mc="http://schemas.openxmlformats.org/markup-compatibility/2006">
-        <mc:Choice xmlns:a14="http://schemas.microsoft.com/office/drawing/2010/main" Requires="a14">
+      <mc:AlternateContent xmlns:mc="http://schemas.openxmlformats.org/markup-compatibility/2006" xmlns:a14="http://schemas.microsoft.com/office/drawing/2010/main">
+        <mc:Choice Requires="a14">
           <p:sp>
             <p:nvSpPr>
               <p:cNvPr id="35" name="TextBox 34">
                 <a:extLst>
                   <a:ext uri="{FF2B5EF4-FFF2-40B4-BE49-F238E27FC236}">
-                    <a16:creationId xmlns:a16="http://schemas.microsoft.com/office/drawing/2014/main" xmlns="" id="{3E6BEBE2-E434-4579-9BEF-7F057088C6A4}"/>
+                    <a16:creationId xmlns="" xmlns:a16="http://schemas.microsoft.com/office/drawing/2014/main" id="{3E6BEBE2-E434-4579-9BEF-7F057088C6A4}"/>
                   </a:ext>
                 </a:extLst>
               </p:cNvPr>
@@ -8441,7 +8441,7 @@
             </p:txBody>
           </p:sp>
         </mc:Choice>
-        <mc:Fallback>
+        <mc:Fallback xmlns="">
           <p:sp>
             <p:nvSpPr>
               <p:cNvPr id="35" name="TextBox 34">
@@ -8486,14 +8486,14 @@
           </p:sp>
         </mc:Fallback>
       </mc:AlternateContent>
-      <mc:AlternateContent xmlns:mc="http://schemas.openxmlformats.org/markup-compatibility/2006">
-        <mc:Choice xmlns:a14="http://schemas.microsoft.com/office/drawing/2010/main" Requires="a14">
+      <mc:AlternateContent xmlns:mc="http://schemas.openxmlformats.org/markup-compatibility/2006" xmlns:a14="http://schemas.microsoft.com/office/drawing/2010/main">
+        <mc:Choice Requires="a14">
           <p:sp>
             <p:nvSpPr>
               <p:cNvPr id="36" name="TextBox 35">
                 <a:extLst>
                   <a:ext uri="{FF2B5EF4-FFF2-40B4-BE49-F238E27FC236}">
-                    <a16:creationId xmlns:a16="http://schemas.microsoft.com/office/drawing/2014/main" xmlns="" id="{14E0069C-C3BE-41C2-B653-A18BA212F52D}"/>
+                    <a16:creationId xmlns="" xmlns:a16="http://schemas.microsoft.com/office/drawing/2014/main" id="{14E0069C-C3BE-41C2-B653-A18BA212F52D}"/>
                   </a:ext>
                 </a:extLst>
               </p:cNvPr>
@@ -8556,7 +8556,7 @@
             </p:txBody>
           </p:sp>
         </mc:Choice>
-        <mc:Fallback>
+        <mc:Fallback xmlns="">
           <p:sp>
             <p:nvSpPr>
               <p:cNvPr id="36" name="TextBox 35">
@@ -8601,14 +8601,14 @@
           </p:sp>
         </mc:Fallback>
       </mc:AlternateContent>
-      <mc:AlternateContent xmlns:mc="http://schemas.openxmlformats.org/markup-compatibility/2006">
-        <mc:Choice xmlns:a14="http://schemas.microsoft.com/office/drawing/2010/main" Requires="a14">
+      <mc:AlternateContent xmlns:mc="http://schemas.openxmlformats.org/markup-compatibility/2006" xmlns:a14="http://schemas.microsoft.com/office/drawing/2010/main">
+        <mc:Choice Requires="a14">
           <p:sp>
             <p:nvSpPr>
               <p:cNvPr id="37" name="TextBox 36">
                 <a:extLst>
                   <a:ext uri="{FF2B5EF4-FFF2-40B4-BE49-F238E27FC236}">
-                    <a16:creationId xmlns:a16="http://schemas.microsoft.com/office/drawing/2014/main" xmlns="" id="{6448FB8C-D9A1-4602-BD58-DE946A793132}"/>
+                    <a16:creationId xmlns="" xmlns:a16="http://schemas.microsoft.com/office/drawing/2014/main" id="{6448FB8C-D9A1-4602-BD58-DE946A793132}"/>
                   </a:ext>
                 </a:extLst>
               </p:cNvPr>
@@ -8671,7 +8671,7 @@
             </p:txBody>
           </p:sp>
         </mc:Choice>
-        <mc:Fallback>
+        <mc:Fallback xmlns="">
           <p:sp>
             <p:nvSpPr>
               <p:cNvPr id="37" name="TextBox 36">
@@ -8716,14 +8716,14 @@
           </p:sp>
         </mc:Fallback>
       </mc:AlternateContent>
-      <mc:AlternateContent xmlns:mc="http://schemas.openxmlformats.org/markup-compatibility/2006">
-        <mc:Choice xmlns:a14="http://schemas.microsoft.com/office/drawing/2010/main" Requires="a14">
+      <mc:AlternateContent xmlns:mc="http://schemas.openxmlformats.org/markup-compatibility/2006" xmlns:a14="http://schemas.microsoft.com/office/drawing/2010/main">
+        <mc:Choice Requires="a14">
           <p:sp>
             <p:nvSpPr>
               <p:cNvPr id="38" name="TextBox 37">
                 <a:extLst>
                   <a:ext uri="{FF2B5EF4-FFF2-40B4-BE49-F238E27FC236}">
-                    <a16:creationId xmlns:a16="http://schemas.microsoft.com/office/drawing/2014/main" xmlns="" id="{7027025A-1A40-43C7-B377-B6E5B83B42C9}"/>
+                    <a16:creationId xmlns="" xmlns:a16="http://schemas.microsoft.com/office/drawing/2014/main" id="{7027025A-1A40-43C7-B377-B6E5B83B42C9}"/>
                   </a:ext>
                 </a:extLst>
               </p:cNvPr>
@@ -8786,7 +8786,7 @@
             </p:txBody>
           </p:sp>
         </mc:Choice>
-        <mc:Fallback>
+        <mc:Fallback xmlns="">
           <p:sp>
             <p:nvSpPr>
               <p:cNvPr id="38" name="TextBox 37">
@@ -8831,14 +8831,14 @@
           </p:sp>
         </mc:Fallback>
       </mc:AlternateContent>
-      <mc:AlternateContent xmlns:mc="http://schemas.openxmlformats.org/markup-compatibility/2006">
-        <mc:Choice xmlns:a14="http://schemas.microsoft.com/office/drawing/2010/main" Requires="a14">
+      <mc:AlternateContent xmlns:mc="http://schemas.openxmlformats.org/markup-compatibility/2006" xmlns:a14="http://schemas.microsoft.com/office/drawing/2010/main">
+        <mc:Choice Requires="a14">
           <p:sp>
             <p:nvSpPr>
               <p:cNvPr id="39" name="TextBox 38">
                 <a:extLst>
                   <a:ext uri="{FF2B5EF4-FFF2-40B4-BE49-F238E27FC236}">
-                    <a16:creationId xmlns:a16="http://schemas.microsoft.com/office/drawing/2014/main" xmlns="" id="{34ED70D7-EC33-49DC-96FA-7BE986853032}"/>
+                    <a16:creationId xmlns="" xmlns:a16="http://schemas.microsoft.com/office/drawing/2014/main" id="{34ED70D7-EC33-49DC-96FA-7BE986853032}"/>
                   </a:ext>
                 </a:extLst>
               </p:cNvPr>
@@ -8882,7 +8882,7 @@
             </p:txBody>
           </p:sp>
         </mc:Choice>
-        <mc:Fallback>
+        <mc:Fallback xmlns="">
           <p:sp>
             <p:nvSpPr>
               <p:cNvPr id="39" name="TextBox 38">
@@ -8927,14 +8927,14 @@
           </p:sp>
         </mc:Fallback>
       </mc:AlternateContent>
-      <mc:AlternateContent xmlns:mc="http://schemas.openxmlformats.org/markup-compatibility/2006">
-        <mc:Choice xmlns:a14="http://schemas.microsoft.com/office/drawing/2010/main" Requires="a14">
+      <mc:AlternateContent xmlns:mc="http://schemas.openxmlformats.org/markup-compatibility/2006" xmlns:a14="http://schemas.microsoft.com/office/drawing/2010/main">
+        <mc:Choice Requires="a14">
           <p:sp>
             <p:nvSpPr>
               <p:cNvPr id="40" name="TextBox 39">
                 <a:extLst>
                   <a:ext uri="{FF2B5EF4-FFF2-40B4-BE49-F238E27FC236}">
-                    <a16:creationId xmlns:a16="http://schemas.microsoft.com/office/drawing/2014/main" xmlns="" id="{3C190F04-1C31-4664-AD00-75B456B22FFA}"/>
+                    <a16:creationId xmlns="" xmlns:a16="http://schemas.microsoft.com/office/drawing/2014/main" id="{3C190F04-1C31-4664-AD00-75B456B22FFA}"/>
                   </a:ext>
                 </a:extLst>
               </p:cNvPr>
@@ -8978,7 +8978,7 @@
             </p:txBody>
           </p:sp>
         </mc:Choice>
-        <mc:Fallback>
+        <mc:Fallback xmlns="">
           <p:sp>
             <p:nvSpPr>
               <p:cNvPr id="40" name="TextBox 39">
@@ -9028,7 +9028,7 @@
           <p:cNvPr id="41" name="직사각형 40">
             <a:extLst>
               <a:ext uri="{FF2B5EF4-FFF2-40B4-BE49-F238E27FC236}">
-                <a16:creationId xmlns:a16="http://schemas.microsoft.com/office/drawing/2014/main" xmlns="" id="{2408790D-3D66-431C-849B-99668B932886}"/>
+                <a16:creationId xmlns="" xmlns:a16="http://schemas.microsoft.com/office/drawing/2014/main" id="{2408790D-3D66-431C-849B-99668B932886}"/>
               </a:ext>
             </a:extLst>
           </p:cNvPr>
@@ -9081,7 +9081,7 @@
           <p:cNvPr id="42" name="직사각형 41">
             <a:extLst>
               <a:ext uri="{FF2B5EF4-FFF2-40B4-BE49-F238E27FC236}">
-                <a16:creationId xmlns:a16="http://schemas.microsoft.com/office/drawing/2014/main" xmlns="" id="{D3CFBC4C-F45D-48C0-A8AA-F68207C535F1}"/>
+                <a16:creationId xmlns="" xmlns:a16="http://schemas.microsoft.com/office/drawing/2014/main" id="{D3CFBC4C-F45D-48C0-A8AA-F68207C535F1}"/>
               </a:ext>
             </a:extLst>
           </p:cNvPr>
@@ -9134,7 +9134,7 @@
           <p:cNvPr id="43" name="직사각형 42">
             <a:extLst>
               <a:ext uri="{FF2B5EF4-FFF2-40B4-BE49-F238E27FC236}">
-                <a16:creationId xmlns:a16="http://schemas.microsoft.com/office/drawing/2014/main" xmlns="" id="{1CCBC64F-3065-4A07-BBD2-C6D6AFF1B01A}"/>
+                <a16:creationId xmlns="" xmlns:a16="http://schemas.microsoft.com/office/drawing/2014/main" id="{1CCBC64F-3065-4A07-BBD2-C6D6AFF1B01A}"/>
               </a:ext>
             </a:extLst>
           </p:cNvPr>
@@ -9187,7 +9187,7 @@
           <p:cNvPr id="44" name="직사각형 43">
             <a:extLst>
               <a:ext uri="{FF2B5EF4-FFF2-40B4-BE49-F238E27FC236}">
-                <a16:creationId xmlns:a16="http://schemas.microsoft.com/office/drawing/2014/main" xmlns="" id="{8335E1E8-EE72-4026-805B-961A5AA502D5}"/>
+                <a16:creationId xmlns="" xmlns:a16="http://schemas.microsoft.com/office/drawing/2014/main" id="{8335E1E8-EE72-4026-805B-961A5AA502D5}"/>
               </a:ext>
             </a:extLst>
           </p:cNvPr>
@@ -9240,7 +9240,7 @@
           <p:cNvPr id="45" name="직사각형 44">
             <a:extLst>
               <a:ext uri="{FF2B5EF4-FFF2-40B4-BE49-F238E27FC236}">
-                <a16:creationId xmlns:a16="http://schemas.microsoft.com/office/drawing/2014/main" xmlns="" id="{111AA82D-9B7D-4823-98CA-1E4E96C1FA21}"/>
+                <a16:creationId xmlns="" xmlns:a16="http://schemas.microsoft.com/office/drawing/2014/main" id="{111AA82D-9B7D-4823-98CA-1E4E96C1FA21}"/>
               </a:ext>
             </a:extLst>
           </p:cNvPr>
@@ -9288,7 +9288,7 @@
           <p:cNvPr id="46" name="직사각형 45">
             <a:extLst>
               <a:ext uri="{FF2B5EF4-FFF2-40B4-BE49-F238E27FC236}">
-                <a16:creationId xmlns:a16="http://schemas.microsoft.com/office/drawing/2014/main" xmlns="" id="{314F8EF3-3359-49FA-87AB-213C9D682DB7}"/>
+                <a16:creationId xmlns="" xmlns:a16="http://schemas.microsoft.com/office/drawing/2014/main" id="{314F8EF3-3359-49FA-87AB-213C9D682DB7}"/>
               </a:ext>
             </a:extLst>
           </p:cNvPr>
@@ -9336,7 +9336,7 @@
           <p:cNvPr id="47" name="직사각형 46">
             <a:extLst>
               <a:ext uri="{FF2B5EF4-FFF2-40B4-BE49-F238E27FC236}">
-                <a16:creationId xmlns:a16="http://schemas.microsoft.com/office/drawing/2014/main" xmlns="" id="{69994DCF-107E-4F14-840B-FCA36463D13F}"/>
+                <a16:creationId xmlns="" xmlns:a16="http://schemas.microsoft.com/office/drawing/2014/main" id="{69994DCF-107E-4F14-840B-FCA36463D13F}"/>
               </a:ext>
             </a:extLst>
           </p:cNvPr>
@@ -9384,7 +9384,7 @@
           <p:cNvPr id="48" name="직사각형 47">
             <a:extLst>
               <a:ext uri="{FF2B5EF4-FFF2-40B4-BE49-F238E27FC236}">
-                <a16:creationId xmlns:a16="http://schemas.microsoft.com/office/drawing/2014/main" xmlns="" id="{D9A3B689-E809-4687-A3A1-60131B70068B}"/>
+                <a16:creationId xmlns="" xmlns:a16="http://schemas.microsoft.com/office/drawing/2014/main" id="{D9A3B689-E809-4687-A3A1-60131B70068B}"/>
               </a:ext>
             </a:extLst>
           </p:cNvPr>
@@ -9432,7 +9432,7 @@
           <p:cNvPr id="49" name="직사각형 48">
             <a:extLst>
               <a:ext uri="{FF2B5EF4-FFF2-40B4-BE49-F238E27FC236}">
-                <a16:creationId xmlns:a16="http://schemas.microsoft.com/office/drawing/2014/main" xmlns="" id="{D24437A5-5A5B-42EA-AA28-A1F819EFE17B}"/>
+                <a16:creationId xmlns="" xmlns:a16="http://schemas.microsoft.com/office/drawing/2014/main" id="{D24437A5-5A5B-42EA-AA28-A1F819EFE17B}"/>
               </a:ext>
             </a:extLst>
           </p:cNvPr>
@@ -9480,7 +9480,7 @@
           <p:cNvPr id="50" name="직사각형 49">
             <a:extLst>
               <a:ext uri="{FF2B5EF4-FFF2-40B4-BE49-F238E27FC236}">
-                <a16:creationId xmlns:a16="http://schemas.microsoft.com/office/drawing/2014/main" xmlns="" id="{454F7536-28CC-4E35-8830-958C9CA919D0}"/>
+                <a16:creationId xmlns="" xmlns:a16="http://schemas.microsoft.com/office/drawing/2014/main" id="{454F7536-28CC-4E35-8830-958C9CA919D0}"/>
               </a:ext>
             </a:extLst>
           </p:cNvPr>
@@ -9528,7 +9528,7 @@
           <p:cNvPr id="51" name="직사각형 50">
             <a:extLst>
               <a:ext uri="{FF2B5EF4-FFF2-40B4-BE49-F238E27FC236}">
-                <a16:creationId xmlns:a16="http://schemas.microsoft.com/office/drawing/2014/main" xmlns="" id="{4350E3CD-9519-4828-A563-8BDC2F1EBAB9}"/>
+                <a16:creationId xmlns="" xmlns:a16="http://schemas.microsoft.com/office/drawing/2014/main" id="{4350E3CD-9519-4828-A563-8BDC2F1EBAB9}"/>
               </a:ext>
             </a:extLst>
           </p:cNvPr>
@@ -9576,7 +9576,7 @@
           <p:cNvPr id="52" name="직사각형 51">
             <a:extLst>
               <a:ext uri="{FF2B5EF4-FFF2-40B4-BE49-F238E27FC236}">
-                <a16:creationId xmlns:a16="http://schemas.microsoft.com/office/drawing/2014/main" xmlns="" id="{0F8602AC-A3B9-4C77-AFBD-26C68C5C4470}"/>
+                <a16:creationId xmlns="" xmlns:a16="http://schemas.microsoft.com/office/drawing/2014/main" id="{0F8602AC-A3B9-4C77-AFBD-26C68C5C4470}"/>
               </a:ext>
             </a:extLst>
           </p:cNvPr>
@@ -9619,14 +9619,14 @@
           </a:p>
         </p:txBody>
       </p:sp>
-      <mc:AlternateContent xmlns:mc="http://schemas.openxmlformats.org/markup-compatibility/2006">
-        <mc:Choice xmlns:a14="http://schemas.microsoft.com/office/drawing/2010/main" Requires="a14">
+      <mc:AlternateContent xmlns:mc="http://schemas.openxmlformats.org/markup-compatibility/2006" xmlns:a14="http://schemas.microsoft.com/office/drawing/2010/main">
+        <mc:Choice Requires="a14">
           <p:sp>
             <p:nvSpPr>
               <p:cNvPr id="55" name="TextBox 54">
                 <a:extLst>
                   <a:ext uri="{FF2B5EF4-FFF2-40B4-BE49-F238E27FC236}">
-                    <a16:creationId xmlns:a16="http://schemas.microsoft.com/office/drawing/2014/main" xmlns="" id="{72B80003-A461-40D8-85C7-6F6665F27485}"/>
+                    <a16:creationId xmlns="" xmlns:a16="http://schemas.microsoft.com/office/drawing/2014/main" id="{72B80003-A461-40D8-85C7-6F6665F27485}"/>
                   </a:ext>
                 </a:extLst>
               </p:cNvPr>
@@ -9701,7 +9701,7 @@
             </p:txBody>
           </p:sp>
         </mc:Choice>
-        <mc:Fallback>
+        <mc:Fallback xmlns="">
           <p:sp>
             <p:nvSpPr>
               <p:cNvPr id="55" name="TextBox 54">
@@ -9746,14 +9746,14 @@
           </p:sp>
         </mc:Fallback>
       </mc:AlternateContent>
-      <mc:AlternateContent xmlns:mc="http://schemas.openxmlformats.org/markup-compatibility/2006">
-        <mc:Choice xmlns:a14="http://schemas.microsoft.com/office/drawing/2010/main" Requires="a14">
+      <mc:AlternateContent xmlns:mc="http://schemas.openxmlformats.org/markup-compatibility/2006" xmlns:a14="http://schemas.microsoft.com/office/drawing/2010/main">
+        <mc:Choice Requires="a14">
           <p:sp>
             <p:nvSpPr>
               <p:cNvPr id="57" name="TextBox 56">
                 <a:extLst>
                   <a:ext uri="{FF2B5EF4-FFF2-40B4-BE49-F238E27FC236}">
-                    <a16:creationId xmlns:a16="http://schemas.microsoft.com/office/drawing/2014/main" xmlns="" id="{20E0532F-A1CA-4D11-85ED-98569F22BC6C}"/>
+                    <a16:creationId xmlns="" xmlns:a16="http://schemas.microsoft.com/office/drawing/2014/main" id="{20E0532F-A1CA-4D11-85ED-98569F22BC6C}"/>
                   </a:ext>
                 </a:extLst>
               </p:cNvPr>
@@ -9828,7 +9828,7 @@
             </p:txBody>
           </p:sp>
         </mc:Choice>
-        <mc:Fallback>
+        <mc:Fallback xmlns="">
           <p:sp>
             <p:nvSpPr>
               <p:cNvPr id="57" name="TextBox 56">
@@ -9873,14 +9873,14 @@
           </p:sp>
         </mc:Fallback>
       </mc:AlternateContent>
-      <mc:AlternateContent xmlns:mc="http://schemas.openxmlformats.org/markup-compatibility/2006">
-        <mc:Choice xmlns:a14="http://schemas.microsoft.com/office/drawing/2010/main" Requires="a14">
+      <mc:AlternateContent xmlns:mc="http://schemas.openxmlformats.org/markup-compatibility/2006" xmlns:a14="http://schemas.microsoft.com/office/drawing/2010/main">
+        <mc:Choice Requires="a14">
           <p:sp>
             <p:nvSpPr>
               <p:cNvPr id="58" name="TextBox 57">
                 <a:extLst>
                   <a:ext uri="{FF2B5EF4-FFF2-40B4-BE49-F238E27FC236}">
-                    <a16:creationId xmlns:a16="http://schemas.microsoft.com/office/drawing/2014/main" xmlns="" id="{BB4072BD-4BD0-4145-A29C-DBC0590749EA}"/>
+                    <a16:creationId xmlns="" xmlns:a16="http://schemas.microsoft.com/office/drawing/2014/main" id="{BB4072BD-4BD0-4145-A29C-DBC0590749EA}"/>
                   </a:ext>
                 </a:extLst>
               </p:cNvPr>
@@ -9955,7 +9955,7 @@
             </p:txBody>
           </p:sp>
         </mc:Choice>
-        <mc:Fallback>
+        <mc:Fallback xmlns="">
           <p:sp>
             <p:nvSpPr>
               <p:cNvPr id="58" name="TextBox 57">
@@ -10005,7 +10005,7 @@
           <p:cNvPr id="59" name="직선 화살표 연결선 58">
             <a:extLst>
               <a:ext uri="{FF2B5EF4-FFF2-40B4-BE49-F238E27FC236}">
-                <a16:creationId xmlns:a16="http://schemas.microsoft.com/office/drawing/2014/main" xmlns="" id="{8FD6C182-3273-43AE-AF9B-88D62A891900}"/>
+                <a16:creationId xmlns="" xmlns:a16="http://schemas.microsoft.com/office/drawing/2014/main" id="{8FD6C182-3273-43AE-AF9B-88D62A891900}"/>
               </a:ext>
             </a:extLst>
           </p:cNvPr>
@@ -10048,7 +10048,7 @@
           <p:cNvPr id="62" name="직선 화살표 연결선 61">
             <a:extLst>
               <a:ext uri="{FF2B5EF4-FFF2-40B4-BE49-F238E27FC236}">
-                <a16:creationId xmlns:a16="http://schemas.microsoft.com/office/drawing/2014/main" xmlns="" id="{84687B28-D3CF-4CC4-BB5A-CC64A664AE74}"/>
+                <a16:creationId xmlns="" xmlns:a16="http://schemas.microsoft.com/office/drawing/2014/main" id="{84687B28-D3CF-4CC4-BB5A-CC64A664AE74}"/>
               </a:ext>
             </a:extLst>
           </p:cNvPr>
@@ -10091,7 +10091,7 @@
           <p:cNvPr id="65" name="직선 화살표 연결선 64">
             <a:extLst>
               <a:ext uri="{FF2B5EF4-FFF2-40B4-BE49-F238E27FC236}">
-                <a16:creationId xmlns:a16="http://schemas.microsoft.com/office/drawing/2014/main" xmlns="" id="{5B0C86E3-E2D2-4A73-8DA8-9D61E38B3683}"/>
+                <a16:creationId xmlns="" xmlns:a16="http://schemas.microsoft.com/office/drawing/2014/main" id="{5B0C86E3-E2D2-4A73-8DA8-9D61E38B3683}"/>
               </a:ext>
             </a:extLst>
           </p:cNvPr>
@@ -10134,7 +10134,7 @@
           <p:cNvPr id="69" name="직선 화살표 연결선 68">
             <a:extLst>
               <a:ext uri="{FF2B5EF4-FFF2-40B4-BE49-F238E27FC236}">
-                <a16:creationId xmlns:a16="http://schemas.microsoft.com/office/drawing/2014/main" xmlns="" id="{E9DDA7B8-E402-4260-BD91-6BF2C76E596D}"/>
+                <a16:creationId xmlns="" xmlns:a16="http://schemas.microsoft.com/office/drawing/2014/main" id="{E9DDA7B8-E402-4260-BD91-6BF2C76E596D}"/>
               </a:ext>
             </a:extLst>
           </p:cNvPr>
@@ -10177,7 +10177,7 @@
           <p:cNvPr id="72" name="직선 화살표 연결선 71">
             <a:extLst>
               <a:ext uri="{FF2B5EF4-FFF2-40B4-BE49-F238E27FC236}">
-                <a16:creationId xmlns:a16="http://schemas.microsoft.com/office/drawing/2014/main" xmlns="" id="{3A38D4EC-BFCE-47EF-9CC9-5F3059C57B9A}"/>
+                <a16:creationId xmlns="" xmlns:a16="http://schemas.microsoft.com/office/drawing/2014/main" id="{3A38D4EC-BFCE-47EF-9CC9-5F3059C57B9A}"/>
               </a:ext>
             </a:extLst>
           </p:cNvPr>
@@ -10220,7 +10220,7 @@
           <p:cNvPr id="75" name="직선 화살표 연결선 74">
             <a:extLst>
               <a:ext uri="{FF2B5EF4-FFF2-40B4-BE49-F238E27FC236}">
-                <a16:creationId xmlns:a16="http://schemas.microsoft.com/office/drawing/2014/main" xmlns="" id="{F0A56918-BB78-4512-9AE4-4595F71A0374}"/>
+                <a16:creationId xmlns="" xmlns:a16="http://schemas.microsoft.com/office/drawing/2014/main" id="{F0A56918-BB78-4512-9AE4-4595F71A0374}"/>
               </a:ext>
             </a:extLst>
           </p:cNvPr>
@@ -10263,7 +10263,7 @@
           <p:cNvPr id="78" name="직선 화살표 연결선 77">
             <a:extLst>
               <a:ext uri="{FF2B5EF4-FFF2-40B4-BE49-F238E27FC236}">
-                <a16:creationId xmlns:a16="http://schemas.microsoft.com/office/drawing/2014/main" xmlns="" id="{6BE0089D-C53D-4CB5-81DB-317FD6773065}"/>
+                <a16:creationId xmlns="" xmlns:a16="http://schemas.microsoft.com/office/drawing/2014/main" id="{6BE0089D-C53D-4CB5-81DB-317FD6773065}"/>
               </a:ext>
             </a:extLst>
           </p:cNvPr>
@@ -10306,7 +10306,7 @@
           <p:cNvPr id="81" name="직선 화살표 연결선 80">
             <a:extLst>
               <a:ext uri="{FF2B5EF4-FFF2-40B4-BE49-F238E27FC236}">
-                <a16:creationId xmlns:a16="http://schemas.microsoft.com/office/drawing/2014/main" xmlns="" id="{1FE67D45-F341-48D8-A5DA-5CABD0220D40}"/>
+                <a16:creationId xmlns="" xmlns:a16="http://schemas.microsoft.com/office/drawing/2014/main" id="{1FE67D45-F341-48D8-A5DA-5CABD0220D40}"/>
               </a:ext>
             </a:extLst>
           </p:cNvPr>
@@ -10349,7 +10349,7 @@
           <p:cNvPr id="84" name="직선 화살표 연결선 83">
             <a:extLst>
               <a:ext uri="{FF2B5EF4-FFF2-40B4-BE49-F238E27FC236}">
-                <a16:creationId xmlns:a16="http://schemas.microsoft.com/office/drawing/2014/main" xmlns="" id="{EA268775-CEB7-4436-8C2C-742779150F3A}"/>
+                <a16:creationId xmlns="" xmlns:a16="http://schemas.microsoft.com/office/drawing/2014/main" id="{EA268775-CEB7-4436-8C2C-742779150F3A}"/>
               </a:ext>
             </a:extLst>
           </p:cNvPr>
@@ -10392,7 +10392,7 @@
           <p:cNvPr id="87" name="직선 화살표 연결선 86">
             <a:extLst>
               <a:ext uri="{FF2B5EF4-FFF2-40B4-BE49-F238E27FC236}">
-                <a16:creationId xmlns:a16="http://schemas.microsoft.com/office/drawing/2014/main" xmlns="" id="{2F9DA316-AF50-4F26-873D-18769FF362BC}"/>
+                <a16:creationId xmlns="" xmlns:a16="http://schemas.microsoft.com/office/drawing/2014/main" id="{2F9DA316-AF50-4F26-873D-18769FF362BC}"/>
               </a:ext>
             </a:extLst>
           </p:cNvPr>
@@ -10435,7 +10435,7 @@
           <p:cNvPr id="90" name="직선 화살표 연결선 89">
             <a:extLst>
               <a:ext uri="{FF2B5EF4-FFF2-40B4-BE49-F238E27FC236}">
-                <a16:creationId xmlns:a16="http://schemas.microsoft.com/office/drawing/2014/main" xmlns="" id="{20099984-F671-4110-A508-825AF03AF97E}"/>
+                <a16:creationId xmlns="" xmlns:a16="http://schemas.microsoft.com/office/drawing/2014/main" id="{20099984-F671-4110-A508-825AF03AF97E}"/>
               </a:ext>
             </a:extLst>
           </p:cNvPr>
@@ -10478,7 +10478,7 @@
           <p:cNvPr id="93" name="직선 화살표 연결선 92">
             <a:extLst>
               <a:ext uri="{FF2B5EF4-FFF2-40B4-BE49-F238E27FC236}">
-                <a16:creationId xmlns:a16="http://schemas.microsoft.com/office/drawing/2014/main" xmlns="" id="{3FD2772A-63B2-432A-874D-81B5EAE253B6}"/>
+                <a16:creationId xmlns="" xmlns:a16="http://schemas.microsoft.com/office/drawing/2014/main" id="{3FD2772A-63B2-432A-874D-81B5EAE253B6}"/>
               </a:ext>
             </a:extLst>
           </p:cNvPr>
@@ -10521,7 +10521,7 @@
           <p:cNvPr id="96" name="직선 화살표 연결선 95">
             <a:extLst>
               <a:ext uri="{FF2B5EF4-FFF2-40B4-BE49-F238E27FC236}">
-                <a16:creationId xmlns:a16="http://schemas.microsoft.com/office/drawing/2014/main" xmlns="" id="{0950EDDA-92F2-40B3-8E33-04EEEE15DEBD}"/>
+                <a16:creationId xmlns="" xmlns:a16="http://schemas.microsoft.com/office/drawing/2014/main" id="{0950EDDA-92F2-40B3-8E33-04EEEE15DEBD}"/>
               </a:ext>
             </a:extLst>
           </p:cNvPr>
@@ -10564,7 +10564,7 @@
           <p:cNvPr id="99" name="직선 화살표 연결선 98">
             <a:extLst>
               <a:ext uri="{FF2B5EF4-FFF2-40B4-BE49-F238E27FC236}">
-                <a16:creationId xmlns:a16="http://schemas.microsoft.com/office/drawing/2014/main" xmlns="" id="{3CDFBDFE-CBAD-41E3-ACEA-06CCB2C6FDBD}"/>
+                <a16:creationId xmlns="" xmlns:a16="http://schemas.microsoft.com/office/drawing/2014/main" id="{3CDFBDFE-CBAD-41E3-ACEA-06CCB2C6FDBD}"/>
               </a:ext>
             </a:extLst>
           </p:cNvPr>
@@ -10607,7 +10607,7 @@
           <p:cNvPr id="102" name="직선 화살표 연결선 101">
             <a:extLst>
               <a:ext uri="{FF2B5EF4-FFF2-40B4-BE49-F238E27FC236}">
-                <a16:creationId xmlns:a16="http://schemas.microsoft.com/office/drawing/2014/main" xmlns="" id="{77648F5A-E6F6-4F01-90F1-AAEF9A30738A}"/>
+                <a16:creationId xmlns="" xmlns:a16="http://schemas.microsoft.com/office/drawing/2014/main" id="{77648F5A-E6F6-4F01-90F1-AAEF9A30738A}"/>
               </a:ext>
             </a:extLst>
           </p:cNvPr>
@@ -10650,7 +10650,7 @@
           <p:cNvPr id="105" name="직선 화살표 연결선 104">
             <a:extLst>
               <a:ext uri="{FF2B5EF4-FFF2-40B4-BE49-F238E27FC236}">
-                <a16:creationId xmlns:a16="http://schemas.microsoft.com/office/drawing/2014/main" xmlns="" id="{512F180C-E62B-4C3D-8DEE-7BE74F91E5AF}"/>
+                <a16:creationId xmlns="" xmlns:a16="http://schemas.microsoft.com/office/drawing/2014/main" id="{512F180C-E62B-4C3D-8DEE-7BE74F91E5AF}"/>
               </a:ext>
             </a:extLst>
           </p:cNvPr>
@@ -10693,7 +10693,7 @@
           <p:cNvPr id="108" name="직선 화살표 연결선 107">
             <a:extLst>
               <a:ext uri="{FF2B5EF4-FFF2-40B4-BE49-F238E27FC236}">
-                <a16:creationId xmlns:a16="http://schemas.microsoft.com/office/drawing/2014/main" xmlns="" id="{F0620903-B98B-482B-BCE6-DBFF005A7721}"/>
+                <a16:creationId xmlns="" xmlns:a16="http://schemas.microsoft.com/office/drawing/2014/main" id="{F0620903-B98B-482B-BCE6-DBFF005A7721}"/>
               </a:ext>
             </a:extLst>
           </p:cNvPr>
@@ -10736,7 +10736,7 @@
           <p:cNvPr id="111" name="직선 화살표 연결선 110">
             <a:extLst>
               <a:ext uri="{FF2B5EF4-FFF2-40B4-BE49-F238E27FC236}">
-                <a16:creationId xmlns:a16="http://schemas.microsoft.com/office/drawing/2014/main" xmlns="" id="{12217889-4726-4C88-9325-F533E0E9F9D0}"/>
+                <a16:creationId xmlns="" xmlns:a16="http://schemas.microsoft.com/office/drawing/2014/main" id="{12217889-4726-4C88-9325-F533E0E9F9D0}"/>
               </a:ext>
             </a:extLst>
           </p:cNvPr>
@@ -10779,7 +10779,7 @@
           <p:cNvPr id="114" name="직선 화살표 연결선 113">
             <a:extLst>
               <a:ext uri="{FF2B5EF4-FFF2-40B4-BE49-F238E27FC236}">
-                <a16:creationId xmlns:a16="http://schemas.microsoft.com/office/drawing/2014/main" xmlns="" id="{A3466522-BCD2-4C8B-BB34-E826DC8BF883}"/>
+                <a16:creationId xmlns="" xmlns:a16="http://schemas.microsoft.com/office/drawing/2014/main" id="{A3466522-BCD2-4C8B-BB34-E826DC8BF883}"/>
               </a:ext>
             </a:extLst>
           </p:cNvPr>
@@ -10822,7 +10822,7 @@
           <p:cNvPr id="117" name="직선 화살표 연결선 116">
             <a:extLst>
               <a:ext uri="{FF2B5EF4-FFF2-40B4-BE49-F238E27FC236}">
-                <a16:creationId xmlns:a16="http://schemas.microsoft.com/office/drawing/2014/main" xmlns="" id="{284E8DD9-CAEE-4148-AE3B-F554719E5F25}"/>
+                <a16:creationId xmlns="" xmlns:a16="http://schemas.microsoft.com/office/drawing/2014/main" id="{284E8DD9-CAEE-4148-AE3B-F554719E5F25}"/>
               </a:ext>
             </a:extLst>
           </p:cNvPr>
@@ -10865,7 +10865,7 @@
           <p:cNvPr id="120" name="직선 화살표 연결선 119">
             <a:extLst>
               <a:ext uri="{FF2B5EF4-FFF2-40B4-BE49-F238E27FC236}">
-                <a16:creationId xmlns:a16="http://schemas.microsoft.com/office/drawing/2014/main" xmlns="" id="{0AD7DF6E-BA1D-4779-88C3-09DD71D6E2FF}"/>
+                <a16:creationId xmlns="" xmlns:a16="http://schemas.microsoft.com/office/drawing/2014/main" id="{0AD7DF6E-BA1D-4779-88C3-09DD71D6E2FF}"/>
               </a:ext>
             </a:extLst>
           </p:cNvPr>
@@ -10908,7 +10908,7 @@
           <p:cNvPr id="123" name="직선 화살표 연결선 122">
             <a:extLst>
               <a:ext uri="{FF2B5EF4-FFF2-40B4-BE49-F238E27FC236}">
-                <a16:creationId xmlns:a16="http://schemas.microsoft.com/office/drawing/2014/main" xmlns="" id="{5216A147-C924-4C72-8D6E-7331E2D22CFB}"/>
+                <a16:creationId xmlns="" xmlns:a16="http://schemas.microsoft.com/office/drawing/2014/main" id="{5216A147-C924-4C72-8D6E-7331E2D22CFB}"/>
               </a:ext>
             </a:extLst>
           </p:cNvPr>
@@ -10951,7 +10951,7 @@
           <p:cNvPr id="126" name="직선 화살표 연결선 125">
             <a:extLst>
               <a:ext uri="{FF2B5EF4-FFF2-40B4-BE49-F238E27FC236}">
-                <a16:creationId xmlns:a16="http://schemas.microsoft.com/office/drawing/2014/main" xmlns="" id="{45637B03-E8B6-4719-B049-0FDE04904AE4}"/>
+                <a16:creationId xmlns="" xmlns:a16="http://schemas.microsoft.com/office/drawing/2014/main" id="{45637B03-E8B6-4719-B049-0FDE04904AE4}"/>
               </a:ext>
             </a:extLst>
           </p:cNvPr>
@@ -10994,7 +10994,7 @@
           <p:cNvPr id="129" name="직선 화살표 연결선 128">
             <a:extLst>
               <a:ext uri="{FF2B5EF4-FFF2-40B4-BE49-F238E27FC236}">
-                <a16:creationId xmlns:a16="http://schemas.microsoft.com/office/drawing/2014/main" xmlns="" id="{1CA74644-B225-4181-9249-93F1981D9149}"/>
+                <a16:creationId xmlns="" xmlns:a16="http://schemas.microsoft.com/office/drawing/2014/main" id="{1CA74644-B225-4181-9249-93F1981D9149}"/>
               </a:ext>
             </a:extLst>
           </p:cNvPr>
@@ -11037,7 +11037,7 @@
           <p:cNvPr id="133" name="연결선: 구부러짐 132">
             <a:extLst>
               <a:ext uri="{FF2B5EF4-FFF2-40B4-BE49-F238E27FC236}">
-                <a16:creationId xmlns:a16="http://schemas.microsoft.com/office/drawing/2014/main" xmlns="" id="{B0692204-9491-4446-8992-669D8CADF515}"/>
+                <a16:creationId xmlns="" xmlns:a16="http://schemas.microsoft.com/office/drawing/2014/main" id="{B0692204-9491-4446-8992-669D8CADF515}"/>
               </a:ext>
             </a:extLst>
           </p:cNvPr>
@@ -11083,7 +11083,7 @@
           <p:cNvPr id="134" name="연결선: 구부러짐 133">
             <a:extLst>
               <a:ext uri="{FF2B5EF4-FFF2-40B4-BE49-F238E27FC236}">
-                <a16:creationId xmlns:a16="http://schemas.microsoft.com/office/drawing/2014/main" xmlns="" id="{FC427459-E021-48A1-B314-49541E7D501D}"/>
+                <a16:creationId xmlns="" xmlns:a16="http://schemas.microsoft.com/office/drawing/2014/main" id="{FC427459-E021-48A1-B314-49541E7D501D}"/>
               </a:ext>
             </a:extLst>
           </p:cNvPr>
@@ -11130,7 +11130,7 @@
           <p:cNvPr id="137" name="연결선: 구부러짐 136">
             <a:extLst>
               <a:ext uri="{FF2B5EF4-FFF2-40B4-BE49-F238E27FC236}">
-                <a16:creationId xmlns:a16="http://schemas.microsoft.com/office/drawing/2014/main" xmlns="" id="{9164BF98-76B5-402C-970C-7B7B851DD7BB}"/>
+                <a16:creationId xmlns="" xmlns:a16="http://schemas.microsoft.com/office/drawing/2014/main" id="{9164BF98-76B5-402C-970C-7B7B851DD7BB}"/>
               </a:ext>
             </a:extLst>
           </p:cNvPr>
@@ -11423,7 +11423,7 @@
           <p:cNvPr id="4" name="직사각형 3">
             <a:extLst>
               <a:ext uri="{FF2B5EF4-FFF2-40B4-BE49-F238E27FC236}">
-                <a16:creationId xmlns:a16="http://schemas.microsoft.com/office/drawing/2014/main" xmlns="" id="{E4469EA3-BD2F-4388-B225-972DBD285F7E}"/>
+                <a16:creationId xmlns="" xmlns:a16="http://schemas.microsoft.com/office/drawing/2014/main" id="{E4469EA3-BD2F-4388-B225-972DBD285F7E}"/>
               </a:ext>
             </a:extLst>
           </p:cNvPr>
@@ -11483,7 +11483,7 @@
           <p:cNvPr id="5" name="직사각형 4">
             <a:extLst>
               <a:ext uri="{FF2B5EF4-FFF2-40B4-BE49-F238E27FC236}">
-                <a16:creationId xmlns:a16="http://schemas.microsoft.com/office/drawing/2014/main" xmlns="" id="{4CA84653-010D-4065-B853-79CB25E1864C}"/>
+                <a16:creationId xmlns="" xmlns:a16="http://schemas.microsoft.com/office/drawing/2014/main" id="{4CA84653-010D-4065-B853-79CB25E1864C}"/>
               </a:ext>
             </a:extLst>
           </p:cNvPr>
@@ -11543,7 +11543,7 @@
           <p:cNvPr id="6" name="직사각형 5">
             <a:extLst>
               <a:ext uri="{FF2B5EF4-FFF2-40B4-BE49-F238E27FC236}">
-                <a16:creationId xmlns:a16="http://schemas.microsoft.com/office/drawing/2014/main" xmlns="" id="{E1E73367-4DDC-4825-B313-715B65F5DD9C}"/>
+                <a16:creationId xmlns="" xmlns:a16="http://schemas.microsoft.com/office/drawing/2014/main" id="{E1E73367-4DDC-4825-B313-715B65F5DD9C}"/>
               </a:ext>
             </a:extLst>
           </p:cNvPr>
@@ -11603,7 +11603,7 @@
           <p:cNvPr id="7" name="직사각형 6">
             <a:extLst>
               <a:ext uri="{FF2B5EF4-FFF2-40B4-BE49-F238E27FC236}">
-                <a16:creationId xmlns:a16="http://schemas.microsoft.com/office/drawing/2014/main" xmlns="" id="{A2951B4C-0F6E-4678-A4C8-8FB7EEAA5CE6}"/>
+                <a16:creationId xmlns="" xmlns:a16="http://schemas.microsoft.com/office/drawing/2014/main" id="{A2951B4C-0F6E-4678-A4C8-8FB7EEAA5CE6}"/>
               </a:ext>
             </a:extLst>
           </p:cNvPr>
@@ -11663,7 +11663,7 @@
           <p:cNvPr id="8" name="직사각형 7">
             <a:extLst>
               <a:ext uri="{FF2B5EF4-FFF2-40B4-BE49-F238E27FC236}">
-                <a16:creationId xmlns:a16="http://schemas.microsoft.com/office/drawing/2014/main" xmlns="" id="{BAE89BCE-919E-44F2-8819-A305D3A70CDA}"/>
+                <a16:creationId xmlns="" xmlns:a16="http://schemas.microsoft.com/office/drawing/2014/main" id="{BAE89BCE-919E-44F2-8819-A305D3A70CDA}"/>
               </a:ext>
             </a:extLst>
           </p:cNvPr>
@@ -11718,7 +11718,7 @@
           <p:cNvPr id="9" name="직사각형 8">
             <a:extLst>
               <a:ext uri="{FF2B5EF4-FFF2-40B4-BE49-F238E27FC236}">
-                <a16:creationId xmlns:a16="http://schemas.microsoft.com/office/drawing/2014/main" xmlns="" id="{349238DB-B9E3-48FA-BACD-382CC9E85FC1}"/>
+                <a16:creationId xmlns="" xmlns:a16="http://schemas.microsoft.com/office/drawing/2014/main" id="{349238DB-B9E3-48FA-BACD-382CC9E85FC1}"/>
               </a:ext>
             </a:extLst>
           </p:cNvPr>
@@ -11773,7 +11773,7 @@
           <p:cNvPr id="10" name="직사각형 9">
             <a:extLst>
               <a:ext uri="{FF2B5EF4-FFF2-40B4-BE49-F238E27FC236}">
-                <a16:creationId xmlns:a16="http://schemas.microsoft.com/office/drawing/2014/main" xmlns="" id="{85397621-465B-4ADE-A227-3701C385464F}"/>
+                <a16:creationId xmlns="" xmlns:a16="http://schemas.microsoft.com/office/drawing/2014/main" id="{85397621-465B-4ADE-A227-3701C385464F}"/>
               </a:ext>
             </a:extLst>
           </p:cNvPr>
@@ -11828,7 +11828,7 @@
           <p:cNvPr id="11" name="직사각형 10">
             <a:extLst>
               <a:ext uri="{FF2B5EF4-FFF2-40B4-BE49-F238E27FC236}">
-                <a16:creationId xmlns:a16="http://schemas.microsoft.com/office/drawing/2014/main" xmlns="" id="{99196F47-6546-4414-8692-8B1D6EB7861E}"/>
+                <a16:creationId xmlns="" xmlns:a16="http://schemas.microsoft.com/office/drawing/2014/main" id="{99196F47-6546-4414-8692-8B1D6EB7861E}"/>
               </a:ext>
             </a:extLst>
           </p:cNvPr>
@@ -11883,7 +11883,7 @@
           <p:cNvPr id="13" name="직선 화살표 연결선 12">
             <a:extLst>
               <a:ext uri="{FF2B5EF4-FFF2-40B4-BE49-F238E27FC236}">
-                <a16:creationId xmlns:a16="http://schemas.microsoft.com/office/drawing/2014/main" xmlns="" id="{147C09B1-E5F5-4D82-94F1-78DDF76CEDA4}"/>
+                <a16:creationId xmlns="" xmlns:a16="http://schemas.microsoft.com/office/drawing/2014/main" id="{147C09B1-E5F5-4D82-94F1-78DDF76CEDA4}"/>
               </a:ext>
             </a:extLst>
           </p:cNvPr>
@@ -11925,7 +11925,7 @@
           <p:cNvPr id="14" name="직선 화살표 연결선 13">
             <a:extLst>
               <a:ext uri="{FF2B5EF4-FFF2-40B4-BE49-F238E27FC236}">
-                <a16:creationId xmlns:a16="http://schemas.microsoft.com/office/drawing/2014/main" xmlns="" id="{8C04CFDC-9131-4F45-9FE4-55EF3F4FEBBF}"/>
+                <a16:creationId xmlns="" xmlns:a16="http://schemas.microsoft.com/office/drawing/2014/main" id="{8C04CFDC-9131-4F45-9FE4-55EF3F4FEBBF}"/>
               </a:ext>
             </a:extLst>
           </p:cNvPr>
@@ -11968,7 +11968,7 @@
           <p:cNvPr id="17" name="직선 화살표 연결선 16">
             <a:extLst>
               <a:ext uri="{FF2B5EF4-FFF2-40B4-BE49-F238E27FC236}">
-                <a16:creationId xmlns:a16="http://schemas.microsoft.com/office/drawing/2014/main" xmlns="" id="{49D920B6-9F30-4FE3-98BD-24435542E509}"/>
+                <a16:creationId xmlns="" xmlns:a16="http://schemas.microsoft.com/office/drawing/2014/main" id="{49D920B6-9F30-4FE3-98BD-24435542E509}"/>
               </a:ext>
             </a:extLst>
           </p:cNvPr>
@@ -12011,7 +12011,7 @@
           <p:cNvPr id="20" name="직선 화살표 연결선 19">
             <a:extLst>
               <a:ext uri="{FF2B5EF4-FFF2-40B4-BE49-F238E27FC236}">
-                <a16:creationId xmlns:a16="http://schemas.microsoft.com/office/drawing/2014/main" xmlns="" id="{9C78436C-633A-4ED7-9243-B162D8131872}"/>
+                <a16:creationId xmlns="" xmlns:a16="http://schemas.microsoft.com/office/drawing/2014/main" id="{9C78436C-633A-4ED7-9243-B162D8131872}"/>
               </a:ext>
             </a:extLst>
           </p:cNvPr>
@@ -12054,7 +12054,7 @@
           <p:cNvPr id="23" name="직선 화살표 연결선 22">
             <a:extLst>
               <a:ext uri="{FF2B5EF4-FFF2-40B4-BE49-F238E27FC236}">
-                <a16:creationId xmlns:a16="http://schemas.microsoft.com/office/drawing/2014/main" xmlns="" id="{A2C36C91-CB11-4877-A9AB-7077C45F91B3}"/>
+                <a16:creationId xmlns="" xmlns:a16="http://schemas.microsoft.com/office/drawing/2014/main" id="{A2C36C91-CB11-4877-A9AB-7077C45F91B3}"/>
               </a:ext>
             </a:extLst>
           </p:cNvPr>
@@ -12097,7 +12097,7 @@
           <p:cNvPr id="26" name="직선 화살표 연결선 25">
             <a:extLst>
               <a:ext uri="{FF2B5EF4-FFF2-40B4-BE49-F238E27FC236}">
-                <a16:creationId xmlns:a16="http://schemas.microsoft.com/office/drawing/2014/main" xmlns="" id="{4EBBCF9C-83D0-464C-96CC-25511ECF7979}"/>
+                <a16:creationId xmlns="" xmlns:a16="http://schemas.microsoft.com/office/drawing/2014/main" id="{4EBBCF9C-83D0-464C-96CC-25511ECF7979}"/>
               </a:ext>
             </a:extLst>
           </p:cNvPr>
@@ -12140,7 +12140,7 @@
           <p:cNvPr id="29" name="직선 화살표 연결선 28">
             <a:extLst>
               <a:ext uri="{FF2B5EF4-FFF2-40B4-BE49-F238E27FC236}">
-                <a16:creationId xmlns:a16="http://schemas.microsoft.com/office/drawing/2014/main" xmlns="" id="{9BEA08D9-5003-4EBA-B771-84E318E77859}"/>
+                <a16:creationId xmlns="" xmlns:a16="http://schemas.microsoft.com/office/drawing/2014/main" id="{9BEA08D9-5003-4EBA-B771-84E318E77859}"/>
               </a:ext>
             </a:extLst>
           </p:cNvPr>
@@ -12185,7 +12185,7 @@
               <p:cNvPr id="32" name="TextBox 31">
                 <a:extLst>
                   <a:ext uri="{FF2B5EF4-FFF2-40B4-BE49-F238E27FC236}">
-                    <a16:creationId xmlns:a16="http://schemas.microsoft.com/office/drawing/2014/main" xmlns="" id="{B762AC4C-43D2-4F68-9F3B-5B6960C79FD5}"/>
+                    <a16:creationId xmlns="" xmlns:a16="http://schemas.microsoft.com/office/drawing/2014/main" id="{B762AC4C-43D2-4F68-9F3B-5B6960C79FD5}"/>
                   </a:ext>
                 </a:extLst>
               </p:cNvPr>
@@ -12300,7 +12300,7 @@
               <p:cNvPr id="33" name="TextBox 32">
                 <a:extLst>
                   <a:ext uri="{FF2B5EF4-FFF2-40B4-BE49-F238E27FC236}">
-                    <a16:creationId xmlns:a16="http://schemas.microsoft.com/office/drawing/2014/main" xmlns="" id="{17AFDE06-C487-486D-B7B1-76971B04CC45}"/>
+                    <a16:creationId xmlns="" xmlns:a16="http://schemas.microsoft.com/office/drawing/2014/main" id="{17AFDE06-C487-486D-B7B1-76971B04CC45}"/>
                   </a:ext>
                 </a:extLst>
               </p:cNvPr>
@@ -12415,7 +12415,7 @@
               <p:cNvPr id="34" name="TextBox 33">
                 <a:extLst>
                   <a:ext uri="{FF2B5EF4-FFF2-40B4-BE49-F238E27FC236}">
-                    <a16:creationId xmlns:a16="http://schemas.microsoft.com/office/drawing/2014/main" xmlns="" id="{3176E3DE-1A33-48CE-8889-27F07BED33E0}"/>
+                    <a16:creationId xmlns="" xmlns:a16="http://schemas.microsoft.com/office/drawing/2014/main" id="{3176E3DE-1A33-48CE-8889-27F07BED33E0}"/>
                   </a:ext>
                 </a:extLst>
               </p:cNvPr>
@@ -12530,7 +12530,7 @@
               <p:cNvPr id="35" name="TextBox 34">
                 <a:extLst>
                   <a:ext uri="{FF2B5EF4-FFF2-40B4-BE49-F238E27FC236}">
-                    <a16:creationId xmlns:a16="http://schemas.microsoft.com/office/drawing/2014/main" xmlns="" id="{3E6BEBE2-E434-4579-9BEF-7F057088C6A4}"/>
+                    <a16:creationId xmlns="" xmlns:a16="http://schemas.microsoft.com/office/drawing/2014/main" id="{3E6BEBE2-E434-4579-9BEF-7F057088C6A4}"/>
                   </a:ext>
                 </a:extLst>
               </p:cNvPr>
@@ -12645,7 +12645,7 @@
               <p:cNvPr id="36" name="TextBox 35">
                 <a:extLst>
                   <a:ext uri="{FF2B5EF4-FFF2-40B4-BE49-F238E27FC236}">
-                    <a16:creationId xmlns:a16="http://schemas.microsoft.com/office/drawing/2014/main" xmlns="" id="{14E0069C-C3BE-41C2-B653-A18BA212F52D}"/>
+                    <a16:creationId xmlns="" xmlns:a16="http://schemas.microsoft.com/office/drawing/2014/main" id="{14E0069C-C3BE-41C2-B653-A18BA212F52D}"/>
                   </a:ext>
                 </a:extLst>
               </p:cNvPr>
@@ -12760,7 +12760,7 @@
               <p:cNvPr id="37" name="TextBox 36">
                 <a:extLst>
                   <a:ext uri="{FF2B5EF4-FFF2-40B4-BE49-F238E27FC236}">
-                    <a16:creationId xmlns:a16="http://schemas.microsoft.com/office/drawing/2014/main" xmlns="" id="{6448FB8C-D9A1-4602-BD58-DE946A793132}"/>
+                    <a16:creationId xmlns="" xmlns:a16="http://schemas.microsoft.com/office/drawing/2014/main" id="{6448FB8C-D9A1-4602-BD58-DE946A793132}"/>
                   </a:ext>
                 </a:extLst>
               </p:cNvPr>
@@ -12875,7 +12875,7 @@
               <p:cNvPr id="38" name="TextBox 37">
                 <a:extLst>
                   <a:ext uri="{FF2B5EF4-FFF2-40B4-BE49-F238E27FC236}">
-                    <a16:creationId xmlns:a16="http://schemas.microsoft.com/office/drawing/2014/main" xmlns="" id="{7027025A-1A40-43C7-B377-B6E5B83B42C9}"/>
+                    <a16:creationId xmlns="" xmlns:a16="http://schemas.microsoft.com/office/drawing/2014/main" id="{7027025A-1A40-43C7-B377-B6E5B83B42C9}"/>
                   </a:ext>
                 </a:extLst>
               </p:cNvPr>
@@ -12990,7 +12990,7 @@
               <p:cNvPr id="39" name="TextBox 38">
                 <a:extLst>
                   <a:ext uri="{FF2B5EF4-FFF2-40B4-BE49-F238E27FC236}">
-                    <a16:creationId xmlns:a16="http://schemas.microsoft.com/office/drawing/2014/main" xmlns="" id="{34ED70D7-EC33-49DC-96FA-7BE986853032}"/>
+                    <a16:creationId xmlns="" xmlns:a16="http://schemas.microsoft.com/office/drawing/2014/main" id="{34ED70D7-EC33-49DC-96FA-7BE986853032}"/>
                   </a:ext>
                 </a:extLst>
               </p:cNvPr>
@@ -13086,7 +13086,7 @@
               <p:cNvPr id="40" name="TextBox 39">
                 <a:extLst>
                   <a:ext uri="{FF2B5EF4-FFF2-40B4-BE49-F238E27FC236}">
-                    <a16:creationId xmlns:a16="http://schemas.microsoft.com/office/drawing/2014/main" xmlns="" id="{3C190F04-1C31-4664-AD00-75B456B22FFA}"/>
+                    <a16:creationId xmlns="" xmlns:a16="http://schemas.microsoft.com/office/drawing/2014/main" id="{3C190F04-1C31-4664-AD00-75B456B22FFA}"/>
                   </a:ext>
                 </a:extLst>
               </p:cNvPr>
@@ -13180,7 +13180,7 @@
           <p:cNvPr id="41" name="직사각형 40">
             <a:extLst>
               <a:ext uri="{FF2B5EF4-FFF2-40B4-BE49-F238E27FC236}">
-                <a16:creationId xmlns:a16="http://schemas.microsoft.com/office/drawing/2014/main" xmlns="" id="{2408790D-3D66-431C-849B-99668B932886}"/>
+                <a16:creationId xmlns="" xmlns:a16="http://schemas.microsoft.com/office/drawing/2014/main" id="{2408790D-3D66-431C-849B-99668B932886}"/>
               </a:ext>
             </a:extLst>
           </p:cNvPr>
@@ -13233,7 +13233,7 @@
           <p:cNvPr id="42" name="직사각형 41">
             <a:extLst>
               <a:ext uri="{FF2B5EF4-FFF2-40B4-BE49-F238E27FC236}">
-                <a16:creationId xmlns:a16="http://schemas.microsoft.com/office/drawing/2014/main" xmlns="" id="{D3CFBC4C-F45D-48C0-A8AA-F68207C535F1}"/>
+                <a16:creationId xmlns="" xmlns:a16="http://schemas.microsoft.com/office/drawing/2014/main" id="{D3CFBC4C-F45D-48C0-A8AA-F68207C535F1}"/>
               </a:ext>
             </a:extLst>
           </p:cNvPr>
@@ -13286,7 +13286,7 @@
           <p:cNvPr id="43" name="직사각형 42">
             <a:extLst>
               <a:ext uri="{FF2B5EF4-FFF2-40B4-BE49-F238E27FC236}">
-                <a16:creationId xmlns:a16="http://schemas.microsoft.com/office/drawing/2014/main" xmlns="" id="{1CCBC64F-3065-4A07-BBD2-C6D6AFF1B01A}"/>
+                <a16:creationId xmlns="" xmlns:a16="http://schemas.microsoft.com/office/drawing/2014/main" id="{1CCBC64F-3065-4A07-BBD2-C6D6AFF1B01A}"/>
               </a:ext>
             </a:extLst>
           </p:cNvPr>
@@ -13339,7 +13339,7 @@
           <p:cNvPr id="44" name="직사각형 43">
             <a:extLst>
               <a:ext uri="{FF2B5EF4-FFF2-40B4-BE49-F238E27FC236}">
-                <a16:creationId xmlns:a16="http://schemas.microsoft.com/office/drawing/2014/main" xmlns="" id="{8335E1E8-EE72-4026-805B-961A5AA502D5}"/>
+                <a16:creationId xmlns="" xmlns:a16="http://schemas.microsoft.com/office/drawing/2014/main" id="{8335E1E8-EE72-4026-805B-961A5AA502D5}"/>
               </a:ext>
             </a:extLst>
           </p:cNvPr>
@@ -13392,7 +13392,7 @@
           <p:cNvPr id="45" name="직사각형 44">
             <a:extLst>
               <a:ext uri="{FF2B5EF4-FFF2-40B4-BE49-F238E27FC236}">
-                <a16:creationId xmlns:a16="http://schemas.microsoft.com/office/drawing/2014/main" xmlns="" id="{111AA82D-9B7D-4823-98CA-1E4E96C1FA21}"/>
+                <a16:creationId xmlns="" xmlns:a16="http://schemas.microsoft.com/office/drawing/2014/main" id="{111AA82D-9B7D-4823-98CA-1E4E96C1FA21}"/>
               </a:ext>
             </a:extLst>
           </p:cNvPr>
@@ -13440,7 +13440,7 @@
           <p:cNvPr id="46" name="직사각형 45">
             <a:extLst>
               <a:ext uri="{FF2B5EF4-FFF2-40B4-BE49-F238E27FC236}">
-                <a16:creationId xmlns:a16="http://schemas.microsoft.com/office/drawing/2014/main" xmlns="" id="{314F8EF3-3359-49FA-87AB-213C9D682DB7}"/>
+                <a16:creationId xmlns="" xmlns:a16="http://schemas.microsoft.com/office/drawing/2014/main" id="{314F8EF3-3359-49FA-87AB-213C9D682DB7}"/>
               </a:ext>
             </a:extLst>
           </p:cNvPr>
@@ -13488,7 +13488,7 @@
           <p:cNvPr id="47" name="직사각형 46">
             <a:extLst>
               <a:ext uri="{FF2B5EF4-FFF2-40B4-BE49-F238E27FC236}">
-                <a16:creationId xmlns:a16="http://schemas.microsoft.com/office/drawing/2014/main" xmlns="" id="{69994DCF-107E-4F14-840B-FCA36463D13F}"/>
+                <a16:creationId xmlns="" xmlns:a16="http://schemas.microsoft.com/office/drawing/2014/main" id="{69994DCF-107E-4F14-840B-FCA36463D13F}"/>
               </a:ext>
             </a:extLst>
           </p:cNvPr>
@@ -13536,7 +13536,7 @@
           <p:cNvPr id="48" name="직사각형 47">
             <a:extLst>
               <a:ext uri="{FF2B5EF4-FFF2-40B4-BE49-F238E27FC236}">
-                <a16:creationId xmlns:a16="http://schemas.microsoft.com/office/drawing/2014/main" xmlns="" id="{D9A3B689-E809-4687-A3A1-60131B70068B}"/>
+                <a16:creationId xmlns="" xmlns:a16="http://schemas.microsoft.com/office/drawing/2014/main" id="{D9A3B689-E809-4687-A3A1-60131B70068B}"/>
               </a:ext>
             </a:extLst>
           </p:cNvPr>
@@ -13584,7 +13584,7 @@
           <p:cNvPr id="49" name="직사각형 48">
             <a:extLst>
               <a:ext uri="{FF2B5EF4-FFF2-40B4-BE49-F238E27FC236}">
-                <a16:creationId xmlns:a16="http://schemas.microsoft.com/office/drawing/2014/main" xmlns="" id="{D24437A5-5A5B-42EA-AA28-A1F819EFE17B}"/>
+                <a16:creationId xmlns="" xmlns:a16="http://schemas.microsoft.com/office/drawing/2014/main" id="{D24437A5-5A5B-42EA-AA28-A1F819EFE17B}"/>
               </a:ext>
             </a:extLst>
           </p:cNvPr>
@@ -13632,7 +13632,7 @@
           <p:cNvPr id="50" name="직사각형 49">
             <a:extLst>
               <a:ext uri="{FF2B5EF4-FFF2-40B4-BE49-F238E27FC236}">
-                <a16:creationId xmlns:a16="http://schemas.microsoft.com/office/drawing/2014/main" xmlns="" id="{454F7536-28CC-4E35-8830-958C9CA919D0}"/>
+                <a16:creationId xmlns="" xmlns:a16="http://schemas.microsoft.com/office/drawing/2014/main" id="{454F7536-28CC-4E35-8830-958C9CA919D0}"/>
               </a:ext>
             </a:extLst>
           </p:cNvPr>
@@ -13680,7 +13680,7 @@
           <p:cNvPr id="51" name="직사각형 50">
             <a:extLst>
               <a:ext uri="{FF2B5EF4-FFF2-40B4-BE49-F238E27FC236}">
-                <a16:creationId xmlns:a16="http://schemas.microsoft.com/office/drawing/2014/main" xmlns="" id="{4350E3CD-9519-4828-A563-8BDC2F1EBAB9}"/>
+                <a16:creationId xmlns="" xmlns:a16="http://schemas.microsoft.com/office/drawing/2014/main" id="{4350E3CD-9519-4828-A563-8BDC2F1EBAB9}"/>
               </a:ext>
             </a:extLst>
           </p:cNvPr>
@@ -13728,7 +13728,7 @@
           <p:cNvPr id="52" name="직사각형 51">
             <a:extLst>
               <a:ext uri="{FF2B5EF4-FFF2-40B4-BE49-F238E27FC236}">
-                <a16:creationId xmlns:a16="http://schemas.microsoft.com/office/drawing/2014/main" xmlns="" id="{0F8602AC-A3B9-4C77-AFBD-26C68C5C4470}"/>
+                <a16:creationId xmlns="" xmlns:a16="http://schemas.microsoft.com/office/drawing/2014/main" id="{0F8602AC-A3B9-4C77-AFBD-26C68C5C4470}"/>
               </a:ext>
             </a:extLst>
           </p:cNvPr>
@@ -13778,7 +13778,7 @@
               <p:cNvPr id="55" name="TextBox 54">
                 <a:extLst>
                   <a:ext uri="{FF2B5EF4-FFF2-40B4-BE49-F238E27FC236}">
-                    <a16:creationId xmlns:a16="http://schemas.microsoft.com/office/drawing/2014/main" xmlns="" id="{72B80003-A461-40D8-85C7-6F6665F27485}"/>
+                    <a16:creationId xmlns="" xmlns:a16="http://schemas.microsoft.com/office/drawing/2014/main" id="{72B80003-A461-40D8-85C7-6F6665F27485}"/>
                   </a:ext>
                 </a:extLst>
               </p:cNvPr>
@@ -13905,7 +13905,7 @@
               <p:cNvPr id="57" name="TextBox 56">
                 <a:extLst>
                   <a:ext uri="{FF2B5EF4-FFF2-40B4-BE49-F238E27FC236}">
-                    <a16:creationId xmlns:a16="http://schemas.microsoft.com/office/drawing/2014/main" xmlns="" id="{20E0532F-A1CA-4D11-85ED-98569F22BC6C}"/>
+                    <a16:creationId xmlns="" xmlns:a16="http://schemas.microsoft.com/office/drawing/2014/main" id="{20E0532F-A1CA-4D11-85ED-98569F22BC6C}"/>
                   </a:ext>
                 </a:extLst>
               </p:cNvPr>
@@ -14032,7 +14032,7 @@
               <p:cNvPr id="58" name="TextBox 57">
                 <a:extLst>
                   <a:ext uri="{FF2B5EF4-FFF2-40B4-BE49-F238E27FC236}">
-                    <a16:creationId xmlns:a16="http://schemas.microsoft.com/office/drawing/2014/main" xmlns="" id="{BB4072BD-4BD0-4145-A29C-DBC0590749EA}"/>
+                    <a16:creationId xmlns="" xmlns:a16="http://schemas.microsoft.com/office/drawing/2014/main" id="{BB4072BD-4BD0-4145-A29C-DBC0590749EA}"/>
                   </a:ext>
                 </a:extLst>
               </p:cNvPr>
@@ -14157,7 +14157,7 @@
           <p:cNvPr id="59" name="직선 화살표 연결선 58">
             <a:extLst>
               <a:ext uri="{FF2B5EF4-FFF2-40B4-BE49-F238E27FC236}">
-                <a16:creationId xmlns:a16="http://schemas.microsoft.com/office/drawing/2014/main" xmlns="" id="{8FD6C182-3273-43AE-AF9B-88D62A891900}"/>
+                <a16:creationId xmlns="" xmlns:a16="http://schemas.microsoft.com/office/drawing/2014/main" id="{8FD6C182-3273-43AE-AF9B-88D62A891900}"/>
               </a:ext>
             </a:extLst>
           </p:cNvPr>
@@ -14200,7 +14200,7 @@
           <p:cNvPr id="62" name="직선 화살표 연결선 61">
             <a:extLst>
               <a:ext uri="{FF2B5EF4-FFF2-40B4-BE49-F238E27FC236}">
-                <a16:creationId xmlns:a16="http://schemas.microsoft.com/office/drawing/2014/main" xmlns="" id="{84687B28-D3CF-4CC4-BB5A-CC64A664AE74}"/>
+                <a16:creationId xmlns="" xmlns:a16="http://schemas.microsoft.com/office/drawing/2014/main" id="{84687B28-D3CF-4CC4-BB5A-CC64A664AE74}"/>
               </a:ext>
             </a:extLst>
           </p:cNvPr>
@@ -14243,7 +14243,7 @@
           <p:cNvPr id="65" name="직선 화살표 연결선 64">
             <a:extLst>
               <a:ext uri="{FF2B5EF4-FFF2-40B4-BE49-F238E27FC236}">
-                <a16:creationId xmlns:a16="http://schemas.microsoft.com/office/drawing/2014/main" xmlns="" id="{5B0C86E3-E2D2-4A73-8DA8-9D61E38B3683}"/>
+                <a16:creationId xmlns="" xmlns:a16="http://schemas.microsoft.com/office/drawing/2014/main" id="{5B0C86E3-E2D2-4A73-8DA8-9D61E38B3683}"/>
               </a:ext>
             </a:extLst>
           </p:cNvPr>
@@ -14286,7 +14286,7 @@
           <p:cNvPr id="69" name="직선 화살표 연결선 68">
             <a:extLst>
               <a:ext uri="{FF2B5EF4-FFF2-40B4-BE49-F238E27FC236}">
-                <a16:creationId xmlns:a16="http://schemas.microsoft.com/office/drawing/2014/main" xmlns="" id="{E9DDA7B8-E402-4260-BD91-6BF2C76E596D}"/>
+                <a16:creationId xmlns="" xmlns:a16="http://schemas.microsoft.com/office/drawing/2014/main" id="{E9DDA7B8-E402-4260-BD91-6BF2C76E596D}"/>
               </a:ext>
             </a:extLst>
           </p:cNvPr>
@@ -14329,7 +14329,7 @@
           <p:cNvPr id="72" name="직선 화살표 연결선 71">
             <a:extLst>
               <a:ext uri="{FF2B5EF4-FFF2-40B4-BE49-F238E27FC236}">
-                <a16:creationId xmlns:a16="http://schemas.microsoft.com/office/drawing/2014/main" xmlns="" id="{3A38D4EC-BFCE-47EF-9CC9-5F3059C57B9A}"/>
+                <a16:creationId xmlns="" xmlns:a16="http://schemas.microsoft.com/office/drawing/2014/main" id="{3A38D4EC-BFCE-47EF-9CC9-5F3059C57B9A}"/>
               </a:ext>
             </a:extLst>
           </p:cNvPr>
@@ -14372,7 +14372,7 @@
           <p:cNvPr id="75" name="직선 화살표 연결선 74">
             <a:extLst>
               <a:ext uri="{FF2B5EF4-FFF2-40B4-BE49-F238E27FC236}">
-                <a16:creationId xmlns:a16="http://schemas.microsoft.com/office/drawing/2014/main" xmlns="" id="{F0A56918-BB78-4512-9AE4-4595F71A0374}"/>
+                <a16:creationId xmlns="" xmlns:a16="http://schemas.microsoft.com/office/drawing/2014/main" id="{F0A56918-BB78-4512-9AE4-4595F71A0374}"/>
               </a:ext>
             </a:extLst>
           </p:cNvPr>
@@ -14415,7 +14415,7 @@
           <p:cNvPr id="78" name="직선 화살표 연결선 77">
             <a:extLst>
               <a:ext uri="{FF2B5EF4-FFF2-40B4-BE49-F238E27FC236}">
-                <a16:creationId xmlns:a16="http://schemas.microsoft.com/office/drawing/2014/main" xmlns="" id="{6BE0089D-C53D-4CB5-81DB-317FD6773065}"/>
+                <a16:creationId xmlns="" xmlns:a16="http://schemas.microsoft.com/office/drawing/2014/main" id="{6BE0089D-C53D-4CB5-81DB-317FD6773065}"/>
               </a:ext>
             </a:extLst>
           </p:cNvPr>
@@ -14458,7 +14458,7 @@
           <p:cNvPr id="81" name="직선 화살표 연결선 80">
             <a:extLst>
               <a:ext uri="{FF2B5EF4-FFF2-40B4-BE49-F238E27FC236}">
-                <a16:creationId xmlns:a16="http://schemas.microsoft.com/office/drawing/2014/main" xmlns="" id="{1FE67D45-F341-48D8-A5DA-5CABD0220D40}"/>
+                <a16:creationId xmlns="" xmlns:a16="http://schemas.microsoft.com/office/drawing/2014/main" id="{1FE67D45-F341-48D8-A5DA-5CABD0220D40}"/>
               </a:ext>
             </a:extLst>
           </p:cNvPr>
@@ -14501,7 +14501,7 @@
           <p:cNvPr id="84" name="직선 화살표 연결선 83">
             <a:extLst>
               <a:ext uri="{FF2B5EF4-FFF2-40B4-BE49-F238E27FC236}">
-                <a16:creationId xmlns:a16="http://schemas.microsoft.com/office/drawing/2014/main" xmlns="" id="{EA268775-CEB7-4436-8C2C-742779150F3A}"/>
+                <a16:creationId xmlns="" xmlns:a16="http://schemas.microsoft.com/office/drawing/2014/main" id="{EA268775-CEB7-4436-8C2C-742779150F3A}"/>
               </a:ext>
             </a:extLst>
           </p:cNvPr>
@@ -14544,7 +14544,7 @@
           <p:cNvPr id="87" name="직선 화살표 연결선 86">
             <a:extLst>
               <a:ext uri="{FF2B5EF4-FFF2-40B4-BE49-F238E27FC236}">
-                <a16:creationId xmlns:a16="http://schemas.microsoft.com/office/drawing/2014/main" xmlns="" id="{2F9DA316-AF50-4F26-873D-18769FF362BC}"/>
+                <a16:creationId xmlns="" xmlns:a16="http://schemas.microsoft.com/office/drawing/2014/main" id="{2F9DA316-AF50-4F26-873D-18769FF362BC}"/>
               </a:ext>
             </a:extLst>
           </p:cNvPr>
@@ -14587,7 +14587,7 @@
           <p:cNvPr id="90" name="직선 화살표 연결선 89">
             <a:extLst>
               <a:ext uri="{FF2B5EF4-FFF2-40B4-BE49-F238E27FC236}">
-                <a16:creationId xmlns:a16="http://schemas.microsoft.com/office/drawing/2014/main" xmlns="" id="{20099984-F671-4110-A508-825AF03AF97E}"/>
+                <a16:creationId xmlns="" xmlns:a16="http://schemas.microsoft.com/office/drawing/2014/main" id="{20099984-F671-4110-A508-825AF03AF97E}"/>
               </a:ext>
             </a:extLst>
           </p:cNvPr>
@@ -14630,7 +14630,7 @@
           <p:cNvPr id="93" name="직선 화살표 연결선 92">
             <a:extLst>
               <a:ext uri="{FF2B5EF4-FFF2-40B4-BE49-F238E27FC236}">
-                <a16:creationId xmlns:a16="http://schemas.microsoft.com/office/drawing/2014/main" xmlns="" id="{3FD2772A-63B2-432A-874D-81B5EAE253B6}"/>
+                <a16:creationId xmlns="" xmlns:a16="http://schemas.microsoft.com/office/drawing/2014/main" id="{3FD2772A-63B2-432A-874D-81B5EAE253B6}"/>
               </a:ext>
             </a:extLst>
           </p:cNvPr>
@@ -14673,7 +14673,7 @@
           <p:cNvPr id="96" name="직선 화살표 연결선 95">
             <a:extLst>
               <a:ext uri="{FF2B5EF4-FFF2-40B4-BE49-F238E27FC236}">
-                <a16:creationId xmlns:a16="http://schemas.microsoft.com/office/drawing/2014/main" xmlns="" id="{0950EDDA-92F2-40B3-8E33-04EEEE15DEBD}"/>
+                <a16:creationId xmlns="" xmlns:a16="http://schemas.microsoft.com/office/drawing/2014/main" id="{0950EDDA-92F2-40B3-8E33-04EEEE15DEBD}"/>
               </a:ext>
             </a:extLst>
           </p:cNvPr>
@@ -14716,7 +14716,7 @@
           <p:cNvPr id="99" name="직선 화살표 연결선 98">
             <a:extLst>
               <a:ext uri="{FF2B5EF4-FFF2-40B4-BE49-F238E27FC236}">
-                <a16:creationId xmlns:a16="http://schemas.microsoft.com/office/drawing/2014/main" xmlns="" id="{3CDFBDFE-CBAD-41E3-ACEA-06CCB2C6FDBD}"/>
+                <a16:creationId xmlns="" xmlns:a16="http://schemas.microsoft.com/office/drawing/2014/main" id="{3CDFBDFE-CBAD-41E3-ACEA-06CCB2C6FDBD}"/>
               </a:ext>
             </a:extLst>
           </p:cNvPr>
@@ -14759,7 +14759,7 @@
           <p:cNvPr id="102" name="직선 화살표 연결선 101">
             <a:extLst>
               <a:ext uri="{FF2B5EF4-FFF2-40B4-BE49-F238E27FC236}">
-                <a16:creationId xmlns:a16="http://schemas.microsoft.com/office/drawing/2014/main" xmlns="" id="{77648F5A-E6F6-4F01-90F1-AAEF9A30738A}"/>
+                <a16:creationId xmlns="" xmlns:a16="http://schemas.microsoft.com/office/drawing/2014/main" id="{77648F5A-E6F6-4F01-90F1-AAEF9A30738A}"/>
               </a:ext>
             </a:extLst>
           </p:cNvPr>
@@ -14802,7 +14802,7 @@
           <p:cNvPr id="105" name="직선 화살표 연결선 104">
             <a:extLst>
               <a:ext uri="{FF2B5EF4-FFF2-40B4-BE49-F238E27FC236}">
-                <a16:creationId xmlns:a16="http://schemas.microsoft.com/office/drawing/2014/main" xmlns="" id="{512F180C-E62B-4C3D-8DEE-7BE74F91E5AF}"/>
+                <a16:creationId xmlns="" xmlns:a16="http://schemas.microsoft.com/office/drawing/2014/main" id="{512F180C-E62B-4C3D-8DEE-7BE74F91E5AF}"/>
               </a:ext>
             </a:extLst>
           </p:cNvPr>
@@ -14845,7 +14845,7 @@
           <p:cNvPr id="108" name="직선 화살표 연결선 107">
             <a:extLst>
               <a:ext uri="{FF2B5EF4-FFF2-40B4-BE49-F238E27FC236}">
-                <a16:creationId xmlns:a16="http://schemas.microsoft.com/office/drawing/2014/main" xmlns="" id="{F0620903-B98B-482B-BCE6-DBFF005A7721}"/>
+                <a16:creationId xmlns="" xmlns:a16="http://schemas.microsoft.com/office/drawing/2014/main" id="{F0620903-B98B-482B-BCE6-DBFF005A7721}"/>
               </a:ext>
             </a:extLst>
           </p:cNvPr>
@@ -14888,7 +14888,7 @@
           <p:cNvPr id="111" name="직선 화살표 연결선 110">
             <a:extLst>
               <a:ext uri="{FF2B5EF4-FFF2-40B4-BE49-F238E27FC236}">
-                <a16:creationId xmlns:a16="http://schemas.microsoft.com/office/drawing/2014/main" xmlns="" id="{12217889-4726-4C88-9325-F533E0E9F9D0}"/>
+                <a16:creationId xmlns="" xmlns:a16="http://schemas.microsoft.com/office/drawing/2014/main" id="{12217889-4726-4C88-9325-F533E0E9F9D0}"/>
               </a:ext>
             </a:extLst>
           </p:cNvPr>
@@ -14931,7 +14931,7 @@
           <p:cNvPr id="114" name="직선 화살표 연결선 113">
             <a:extLst>
               <a:ext uri="{FF2B5EF4-FFF2-40B4-BE49-F238E27FC236}">
-                <a16:creationId xmlns:a16="http://schemas.microsoft.com/office/drawing/2014/main" xmlns="" id="{A3466522-BCD2-4C8B-BB34-E826DC8BF883}"/>
+                <a16:creationId xmlns="" xmlns:a16="http://schemas.microsoft.com/office/drawing/2014/main" id="{A3466522-BCD2-4C8B-BB34-E826DC8BF883}"/>
               </a:ext>
             </a:extLst>
           </p:cNvPr>
@@ -14974,7 +14974,7 @@
           <p:cNvPr id="117" name="직선 화살표 연결선 116">
             <a:extLst>
               <a:ext uri="{FF2B5EF4-FFF2-40B4-BE49-F238E27FC236}">
-                <a16:creationId xmlns:a16="http://schemas.microsoft.com/office/drawing/2014/main" xmlns="" id="{284E8DD9-CAEE-4148-AE3B-F554719E5F25}"/>
+                <a16:creationId xmlns="" xmlns:a16="http://schemas.microsoft.com/office/drawing/2014/main" id="{284E8DD9-CAEE-4148-AE3B-F554719E5F25}"/>
               </a:ext>
             </a:extLst>
           </p:cNvPr>
@@ -15017,7 +15017,7 @@
           <p:cNvPr id="120" name="직선 화살표 연결선 119">
             <a:extLst>
               <a:ext uri="{FF2B5EF4-FFF2-40B4-BE49-F238E27FC236}">
-                <a16:creationId xmlns:a16="http://schemas.microsoft.com/office/drawing/2014/main" xmlns="" id="{0AD7DF6E-BA1D-4779-88C3-09DD71D6E2FF}"/>
+                <a16:creationId xmlns="" xmlns:a16="http://schemas.microsoft.com/office/drawing/2014/main" id="{0AD7DF6E-BA1D-4779-88C3-09DD71D6E2FF}"/>
               </a:ext>
             </a:extLst>
           </p:cNvPr>
@@ -15060,7 +15060,7 @@
           <p:cNvPr id="123" name="직선 화살표 연결선 122">
             <a:extLst>
               <a:ext uri="{FF2B5EF4-FFF2-40B4-BE49-F238E27FC236}">
-                <a16:creationId xmlns:a16="http://schemas.microsoft.com/office/drawing/2014/main" xmlns="" id="{5216A147-C924-4C72-8D6E-7331E2D22CFB}"/>
+                <a16:creationId xmlns="" xmlns:a16="http://schemas.microsoft.com/office/drawing/2014/main" id="{5216A147-C924-4C72-8D6E-7331E2D22CFB}"/>
               </a:ext>
             </a:extLst>
           </p:cNvPr>
@@ -15103,7 +15103,7 @@
           <p:cNvPr id="126" name="직선 화살표 연결선 125">
             <a:extLst>
               <a:ext uri="{FF2B5EF4-FFF2-40B4-BE49-F238E27FC236}">
-                <a16:creationId xmlns:a16="http://schemas.microsoft.com/office/drawing/2014/main" xmlns="" id="{45637B03-E8B6-4719-B049-0FDE04904AE4}"/>
+                <a16:creationId xmlns="" xmlns:a16="http://schemas.microsoft.com/office/drawing/2014/main" id="{45637B03-E8B6-4719-B049-0FDE04904AE4}"/>
               </a:ext>
             </a:extLst>
           </p:cNvPr>
@@ -15146,7 +15146,7 @@
           <p:cNvPr id="129" name="직선 화살표 연결선 128">
             <a:extLst>
               <a:ext uri="{FF2B5EF4-FFF2-40B4-BE49-F238E27FC236}">
-                <a16:creationId xmlns:a16="http://schemas.microsoft.com/office/drawing/2014/main" xmlns="" id="{1CA74644-B225-4181-9249-93F1981D9149}"/>
+                <a16:creationId xmlns="" xmlns:a16="http://schemas.microsoft.com/office/drawing/2014/main" id="{1CA74644-B225-4181-9249-93F1981D9149}"/>
               </a:ext>
             </a:extLst>
           </p:cNvPr>
@@ -15189,7 +15189,7 @@
           <p:cNvPr id="133" name="연결선: 구부러짐 132">
             <a:extLst>
               <a:ext uri="{FF2B5EF4-FFF2-40B4-BE49-F238E27FC236}">
-                <a16:creationId xmlns:a16="http://schemas.microsoft.com/office/drawing/2014/main" xmlns="" id="{B0692204-9491-4446-8992-669D8CADF515}"/>
+                <a16:creationId xmlns="" xmlns:a16="http://schemas.microsoft.com/office/drawing/2014/main" id="{B0692204-9491-4446-8992-669D8CADF515}"/>
               </a:ext>
             </a:extLst>
           </p:cNvPr>
@@ -15235,7 +15235,7 @@
           <p:cNvPr id="134" name="연결선: 구부러짐 133">
             <a:extLst>
               <a:ext uri="{FF2B5EF4-FFF2-40B4-BE49-F238E27FC236}">
-                <a16:creationId xmlns:a16="http://schemas.microsoft.com/office/drawing/2014/main" xmlns="" id="{FC427459-E021-48A1-B314-49541E7D501D}"/>
+                <a16:creationId xmlns="" xmlns:a16="http://schemas.microsoft.com/office/drawing/2014/main" id="{FC427459-E021-48A1-B314-49541E7D501D}"/>
               </a:ext>
             </a:extLst>
           </p:cNvPr>
@@ -15282,7 +15282,7 @@
           <p:cNvPr id="137" name="연결선: 구부러짐 136">
             <a:extLst>
               <a:ext uri="{FF2B5EF4-FFF2-40B4-BE49-F238E27FC236}">
-                <a16:creationId xmlns:a16="http://schemas.microsoft.com/office/drawing/2014/main" xmlns="" id="{9164BF98-76B5-402C-970C-7B7B851DD7BB}"/>
+                <a16:creationId xmlns="" xmlns:a16="http://schemas.microsoft.com/office/drawing/2014/main" id="{9164BF98-76B5-402C-970C-7B7B851DD7BB}"/>
               </a:ext>
             </a:extLst>
           </p:cNvPr>
@@ -15329,7 +15329,7 @@
           <p:cNvPr id="3" name="타원 2">
             <a:extLst>
               <a:ext uri="{FF2B5EF4-FFF2-40B4-BE49-F238E27FC236}">
-                <a16:creationId xmlns:a16="http://schemas.microsoft.com/office/drawing/2014/main" xmlns="" id="{AF6E7165-BEC3-46A1-B5E9-3E1C10B5D465}"/>
+                <a16:creationId xmlns="" xmlns:a16="http://schemas.microsoft.com/office/drawing/2014/main" id="{AF6E7165-BEC3-46A1-B5E9-3E1C10B5D465}"/>
               </a:ext>
             </a:extLst>
           </p:cNvPr>
@@ -15377,7 +15377,7 @@
           <p:cNvPr id="73" name="직선 화살표 연결선 72">
             <a:extLst>
               <a:ext uri="{FF2B5EF4-FFF2-40B4-BE49-F238E27FC236}">
-                <a16:creationId xmlns:a16="http://schemas.microsoft.com/office/drawing/2014/main" xmlns="" id="{EA947EBF-81B0-450D-BAB0-52AEB123A9B8}"/>
+                <a16:creationId xmlns="" xmlns:a16="http://schemas.microsoft.com/office/drawing/2014/main" id="{EA947EBF-81B0-450D-BAB0-52AEB123A9B8}"/>
               </a:ext>
             </a:extLst>
           </p:cNvPr>
@@ -15420,7 +15420,7 @@
           <p:cNvPr id="79" name="타원 78">
             <a:extLst>
               <a:ext uri="{FF2B5EF4-FFF2-40B4-BE49-F238E27FC236}">
-                <a16:creationId xmlns:a16="http://schemas.microsoft.com/office/drawing/2014/main" xmlns="" id="{4B164CE0-4FB7-49A8-816E-F04A2549B43A}"/>
+                <a16:creationId xmlns="" xmlns:a16="http://schemas.microsoft.com/office/drawing/2014/main" id="{4B164CE0-4FB7-49A8-816E-F04A2549B43A}"/>
               </a:ext>
             </a:extLst>
           </p:cNvPr>
@@ -15468,7 +15468,7 @@
           <p:cNvPr id="80" name="타원 79">
             <a:extLst>
               <a:ext uri="{FF2B5EF4-FFF2-40B4-BE49-F238E27FC236}">
-                <a16:creationId xmlns:a16="http://schemas.microsoft.com/office/drawing/2014/main" xmlns="" id="{F4291A23-E10B-46A8-B78E-E3FD4A40E9E5}"/>
+                <a16:creationId xmlns="" xmlns:a16="http://schemas.microsoft.com/office/drawing/2014/main" id="{F4291A23-E10B-46A8-B78E-E3FD4A40E9E5}"/>
               </a:ext>
             </a:extLst>
           </p:cNvPr>
@@ -15516,7 +15516,7 @@
           <p:cNvPr id="82" name="직선 화살표 연결선 81">
             <a:extLst>
               <a:ext uri="{FF2B5EF4-FFF2-40B4-BE49-F238E27FC236}">
-                <a16:creationId xmlns:a16="http://schemas.microsoft.com/office/drawing/2014/main" xmlns="" id="{EB8DBC75-AF38-4296-AC89-9C611C0A13A9}"/>
+                <a16:creationId xmlns="" xmlns:a16="http://schemas.microsoft.com/office/drawing/2014/main" id="{EB8DBC75-AF38-4296-AC89-9C611C0A13A9}"/>
               </a:ext>
             </a:extLst>
           </p:cNvPr>
@@ -15559,7 +15559,7 @@
           <p:cNvPr id="86" name="직선 화살표 연결선 85">
             <a:extLst>
               <a:ext uri="{FF2B5EF4-FFF2-40B4-BE49-F238E27FC236}">
-                <a16:creationId xmlns:a16="http://schemas.microsoft.com/office/drawing/2014/main" xmlns="" id="{9B4393D4-E6FB-415F-AD48-147F50C8F854}"/>
+                <a16:creationId xmlns="" xmlns:a16="http://schemas.microsoft.com/office/drawing/2014/main" id="{9B4393D4-E6FB-415F-AD48-147F50C8F854}"/>
               </a:ext>
             </a:extLst>
           </p:cNvPr>
@@ -15602,7 +15602,7 @@
           <p:cNvPr id="56" name="연결선: 꺾임 55">
             <a:extLst>
               <a:ext uri="{FF2B5EF4-FFF2-40B4-BE49-F238E27FC236}">
-                <a16:creationId xmlns:a16="http://schemas.microsoft.com/office/drawing/2014/main" xmlns="" id="{F7FC8E41-21B9-460D-91D4-F783E770627D}"/>
+                <a16:creationId xmlns="" xmlns:a16="http://schemas.microsoft.com/office/drawing/2014/main" id="{F7FC8E41-21B9-460D-91D4-F783E770627D}"/>
               </a:ext>
             </a:extLst>
           </p:cNvPr>
@@ -15648,7 +15648,7 @@
           <p:cNvPr id="94" name="연결선: 꺾임 93">
             <a:extLst>
               <a:ext uri="{FF2B5EF4-FFF2-40B4-BE49-F238E27FC236}">
-                <a16:creationId xmlns:a16="http://schemas.microsoft.com/office/drawing/2014/main" xmlns="" id="{946599C8-EB79-4223-9881-7B569270A918}"/>
+                <a16:creationId xmlns="" xmlns:a16="http://schemas.microsoft.com/office/drawing/2014/main" id="{946599C8-EB79-4223-9881-7B569270A918}"/>
               </a:ext>
             </a:extLst>
           </p:cNvPr>
@@ -15694,7 +15694,7 @@
           <p:cNvPr id="97" name="연결선: 꺾임 96">
             <a:extLst>
               <a:ext uri="{FF2B5EF4-FFF2-40B4-BE49-F238E27FC236}">
-                <a16:creationId xmlns:a16="http://schemas.microsoft.com/office/drawing/2014/main" xmlns="" id="{9726D98B-2AC5-4799-BF74-076BA2B0C7E6}"/>
+                <a16:creationId xmlns="" xmlns:a16="http://schemas.microsoft.com/office/drawing/2014/main" id="{9726D98B-2AC5-4799-BF74-076BA2B0C7E6}"/>
               </a:ext>
             </a:extLst>
           </p:cNvPr>
@@ -15770,7 +15770,7 @@
           <p:cNvPr id="4" name="직사각형 3">
             <a:extLst>
               <a:ext uri="{FF2B5EF4-FFF2-40B4-BE49-F238E27FC236}">
-                <a16:creationId xmlns:a16="http://schemas.microsoft.com/office/drawing/2014/main" xmlns="" id="{E4469EA3-BD2F-4388-B225-972DBD285F7E}"/>
+                <a16:creationId xmlns="" xmlns:a16="http://schemas.microsoft.com/office/drawing/2014/main" id="{E4469EA3-BD2F-4388-B225-972DBD285F7E}"/>
               </a:ext>
             </a:extLst>
           </p:cNvPr>
@@ -15830,7 +15830,7 @@
           <p:cNvPr id="5" name="직사각형 4">
             <a:extLst>
               <a:ext uri="{FF2B5EF4-FFF2-40B4-BE49-F238E27FC236}">
-                <a16:creationId xmlns:a16="http://schemas.microsoft.com/office/drawing/2014/main" xmlns="" id="{4CA84653-010D-4065-B853-79CB25E1864C}"/>
+                <a16:creationId xmlns="" xmlns:a16="http://schemas.microsoft.com/office/drawing/2014/main" id="{4CA84653-010D-4065-B853-79CB25E1864C}"/>
               </a:ext>
             </a:extLst>
           </p:cNvPr>
@@ -15890,7 +15890,7 @@
           <p:cNvPr id="6" name="직사각형 5">
             <a:extLst>
               <a:ext uri="{FF2B5EF4-FFF2-40B4-BE49-F238E27FC236}">
-                <a16:creationId xmlns:a16="http://schemas.microsoft.com/office/drawing/2014/main" xmlns="" id="{E1E73367-4DDC-4825-B313-715B65F5DD9C}"/>
+                <a16:creationId xmlns="" xmlns:a16="http://schemas.microsoft.com/office/drawing/2014/main" id="{E1E73367-4DDC-4825-B313-715B65F5DD9C}"/>
               </a:ext>
             </a:extLst>
           </p:cNvPr>
@@ -15950,7 +15950,7 @@
           <p:cNvPr id="7" name="직사각형 6">
             <a:extLst>
               <a:ext uri="{FF2B5EF4-FFF2-40B4-BE49-F238E27FC236}">
-                <a16:creationId xmlns:a16="http://schemas.microsoft.com/office/drawing/2014/main" xmlns="" id="{A2951B4C-0F6E-4678-A4C8-8FB7EEAA5CE6}"/>
+                <a16:creationId xmlns="" xmlns:a16="http://schemas.microsoft.com/office/drawing/2014/main" id="{A2951B4C-0F6E-4678-A4C8-8FB7EEAA5CE6}"/>
               </a:ext>
             </a:extLst>
           </p:cNvPr>
@@ -16010,7 +16010,7 @@
           <p:cNvPr id="8" name="직사각형 7">
             <a:extLst>
               <a:ext uri="{FF2B5EF4-FFF2-40B4-BE49-F238E27FC236}">
-                <a16:creationId xmlns:a16="http://schemas.microsoft.com/office/drawing/2014/main" xmlns="" id="{BAE89BCE-919E-44F2-8819-A305D3A70CDA}"/>
+                <a16:creationId xmlns="" xmlns:a16="http://schemas.microsoft.com/office/drawing/2014/main" id="{BAE89BCE-919E-44F2-8819-A305D3A70CDA}"/>
               </a:ext>
             </a:extLst>
           </p:cNvPr>
@@ -16065,7 +16065,7 @@
           <p:cNvPr id="9" name="직사각형 8">
             <a:extLst>
               <a:ext uri="{FF2B5EF4-FFF2-40B4-BE49-F238E27FC236}">
-                <a16:creationId xmlns:a16="http://schemas.microsoft.com/office/drawing/2014/main" xmlns="" id="{349238DB-B9E3-48FA-BACD-382CC9E85FC1}"/>
+                <a16:creationId xmlns="" xmlns:a16="http://schemas.microsoft.com/office/drawing/2014/main" id="{349238DB-B9E3-48FA-BACD-382CC9E85FC1}"/>
               </a:ext>
             </a:extLst>
           </p:cNvPr>
@@ -16120,7 +16120,7 @@
           <p:cNvPr id="10" name="직사각형 9">
             <a:extLst>
               <a:ext uri="{FF2B5EF4-FFF2-40B4-BE49-F238E27FC236}">
-                <a16:creationId xmlns:a16="http://schemas.microsoft.com/office/drawing/2014/main" xmlns="" id="{85397621-465B-4ADE-A227-3701C385464F}"/>
+                <a16:creationId xmlns="" xmlns:a16="http://schemas.microsoft.com/office/drawing/2014/main" id="{85397621-465B-4ADE-A227-3701C385464F}"/>
               </a:ext>
             </a:extLst>
           </p:cNvPr>
@@ -16175,7 +16175,7 @@
           <p:cNvPr id="13" name="직선 화살표 연결선 12">
             <a:extLst>
               <a:ext uri="{FF2B5EF4-FFF2-40B4-BE49-F238E27FC236}">
-                <a16:creationId xmlns:a16="http://schemas.microsoft.com/office/drawing/2014/main" xmlns="" id="{147C09B1-E5F5-4D82-94F1-78DDF76CEDA4}"/>
+                <a16:creationId xmlns="" xmlns:a16="http://schemas.microsoft.com/office/drawing/2014/main" id="{147C09B1-E5F5-4D82-94F1-78DDF76CEDA4}"/>
               </a:ext>
             </a:extLst>
           </p:cNvPr>
@@ -16217,7 +16217,7 @@
           <p:cNvPr id="14" name="직선 화살표 연결선 13">
             <a:extLst>
               <a:ext uri="{FF2B5EF4-FFF2-40B4-BE49-F238E27FC236}">
-                <a16:creationId xmlns:a16="http://schemas.microsoft.com/office/drawing/2014/main" xmlns="" id="{8C04CFDC-9131-4F45-9FE4-55EF3F4FEBBF}"/>
+                <a16:creationId xmlns="" xmlns:a16="http://schemas.microsoft.com/office/drawing/2014/main" id="{8C04CFDC-9131-4F45-9FE4-55EF3F4FEBBF}"/>
               </a:ext>
             </a:extLst>
           </p:cNvPr>
@@ -16260,7 +16260,7 @@
           <p:cNvPr id="17" name="직선 화살표 연결선 16">
             <a:extLst>
               <a:ext uri="{FF2B5EF4-FFF2-40B4-BE49-F238E27FC236}">
-                <a16:creationId xmlns:a16="http://schemas.microsoft.com/office/drawing/2014/main" xmlns="" id="{49D920B6-9F30-4FE3-98BD-24435542E509}"/>
+                <a16:creationId xmlns="" xmlns:a16="http://schemas.microsoft.com/office/drawing/2014/main" id="{49D920B6-9F30-4FE3-98BD-24435542E509}"/>
               </a:ext>
             </a:extLst>
           </p:cNvPr>
@@ -16303,7 +16303,7 @@
           <p:cNvPr id="20" name="직선 화살표 연결선 19">
             <a:extLst>
               <a:ext uri="{FF2B5EF4-FFF2-40B4-BE49-F238E27FC236}">
-                <a16:creationId xmlns:a16="http://schemas.microsoft.com/office/drawing/2014/main" xmlns="" id="{9C78436C-633A-4ED7-9243-B162D8131872}"/>
+                <a16:creationId xmlns="" xmlns:a16="http://schemas.microsoft.com/office/drawing/2014/main" id="{9C78436C-633A-4ED7-9243-B162D8131872}"/>
               </a:ext>
             </a:extLst>
           </p:cNvPr>
@@ -16346,7 +16346,7 @@
           <p:cNvPr id="23" name="직선 화살표 연결선 22">
             <a:extLst>
               <a:ext uri="{FF2B5EF4-FFF2-40B4-BE49-F238E27FC236}">
-                <a16:creationId xmlns:a16="http://schemas.microsoft.com/office/drawing/2014/main" xmlns="" id="{A2C36C91-CB11-4877-A9AB-7077C45F91B3}"/>
+                <a16:creationId xmlns="" xmlns:a16="http://schemas.microsoft.com/office/drawing/2014/main" id="{A2C36C91-CB11-4877-A9AB-7077C45F91B3}"/>
               </a:ext>
             </a:extLst>
           </p:cNvPr>
@@ -16389,7 +16389,7 @@
           <p:cNvPr id="26" name="직선 화살표 연결선 25">
             <a:extLst>
               <a:ext uri="{FF2B5EF4-FFF2-40B4-BE49-F238E27FC236}">
-                <a16:creationId xmlns:a16="http://schemas.microsoft.com/office/drawing/2014/main" xmlns="" id="{4EBBCF9C-83D0-464C-96CC-25511ECF7979}"/>
+                <a16:creationId xmlns="" xmlns:a16="http://schemas.microsoft.com/office/drawing/2014/main" id="{4EBBCF9C-83D0-464C-96CC-25511ECF7979}"/>
               </a:ext>
             </a:extLst>
           </p:cNvPr>
@@ -16432,7 +16432,7 @@
           <p:cNvPr id="29" name="직선 화살표 연결선 28">
             <a:extLst>
               <a:ext uri="{FF2B5EF4-FFF2-40B4-BE49-F238E27FC236}">
-                <a16:creationId xmlns:a16="http://schemas.microsoft.com/office/drawing/2014/main" xmlns="" id="{9BEA08D9-5003-4EBA-B771-84E318E77859}"/>
+                <a16:creationId xmlns="" xmlns:a16="http://schemas.microsoft.com/office/drawing/2014/main" id="{9BEA08D9-5003-4EBA-B771-84E318E77859}"/>
               </a:ext>
             </a:extLst>
           </p:cNvPr>
@@ -16476,7 +16476,7 @@
               <p:cNvPr id="32" name="TextBox 31">
                 <a:extLst>
                   <a:ext uri="{FF2B5EF4-FFF2-40B4-BE49-F238E27FC236}">
-                    <a16:creationId xmlns:a16="http://schemas.microsoft.com/office/drawing/2014/main" xmlns="" id="{B762AC4C-43D2-4F68-9F3B-5B6960C79FD5}"/>
+                    <a16:creationId xmlns="" xmlns:a16="http://schemas.microsoft.com/office/drawing/2014/main" id="{B762AC4C-43D2-4F68-9F3B-5B6960C79FD5}"/>
                   </a:ext>
                 </a:extLst>
               </p:cNvPr>
@@ -16591,7 +16591,7 @@
               <p:cNvPr id="33" name="TextBox 32">
                 <a:extLst>
                   <a:ext uri="{FF2B5EF4-FFF2-40B4-BE49-F238E27FC236}">
-                    <a16:creationId xmlns:a16="http://schemas.microsoft.com/office/drawing/2014/main" xmlns="" id="{17AFDE06-C487-486D-B7B1-76971B04CC45}"/>
+                    <a16:creationId xmlns="" xmlns:a16="http://schemas.microsoft.com/office/drawing/2014/main" id="{17AFDE06-C487-486D-B7B1-76971B04CC45}"/>
                   </a:ext>
                 </a:extLst>
               </p:cNvPr>
@@ -16706,7 +16706,7 @@
               <p:cNvPr id="34" name="TextBox 33">
                 <a:extLst>
                   <a:ext uri="{FF2B5EF4-FFF2-40B4-BE49-F238E27FC236}">
-                    <a16:creationId xmlns:a16="http://schemas.microsoft.com/office/drawing/2014/main" xmlns="" id="{3176E3DE-1A33-48CE-8889-27F07BED33E0}"/>
+                    <a16:creationId xmlns="" xmlns:a16="http://schemas.microsoft.com/office/drawing/2014/main" id="{3176E3DE-1A33-48CE-8889-27F07BED33E0}"/>
                   </a:ext>
                 </a:extLst>
               </p:cNvPr>
@@ -16821,7 +16821,7 @@
               <p:cNvPr id="35" name="TextBox 34">
                 <a:extLst>
                   <a:ext uri="{FF2B5EF4-FFF2-40B4-BE49-F238E27FC236}">
-                    <a16:creationId xmlns:a16="http://schemas.microsoft.com/office/drawing/2014/main" xmlns="" id="{3E6BEBE2-E434-4579-9BEF-7F057088C6A4}"/>
+                    <a16:creationId xmlns="" xmlns:a16="http://schemas.microsoft.com/office/drawing/2014/main" id="{3E6BEBE2-E434-4579-9BEF-7F057088C6A4}"/>
                   </a:ext>
                 </a:extLst>
               </p:cNvPr>
@@ -16936,7 +16936,7 @@
               <p:cNvPr id="36" name="TextBox 35">
                 <a:extLst>
                   <a:ext uri="{FF2B5EF4-FFF2-40B4-BE49-F238E27FC236}">
-                    <a16:creationId xmlns:a16="http://schemas.microsoft.com/office/drawing/2014/main" xmlns="" id="{14E0069C-C3BE-41C2-B653-A18BA212F52D}"/>
+                    <a16:creationId xmlns="" xmlns:a16="http://schemas.microsoft.com/office/drawing/2014/main" id="{14E0069C-C3BE-41C2-B653-A18BA212F52D}"/>
                   </a:ext>
                 </a:extLst>
               </p:cNvPr>
@@ -17051,7 +17051,7 @@
               <p:cNvPr id="37" name="TextBox 36">
                 <a:extLst>
                   <a:ext uri="{FF2B5EF4-FFF2-40B4-BE49-F238E27FC236}">
-                    <a16:creationId xmlns:a16="http://schemas.microsoft.com/office/drawing/2014/main" xmlns="" id="{6448FB8C-D9A1-4602-BD58-DE946A793132}"/>
+                    <a16:creationId xmlns="" xmlns:a16="http://schemas.microsoft.com/office/drawing/2014/main" id="{6448FB8C-D9A1-4602-BD58-DE946A793132}"/>
                   </a:ext>
                 </a:extLst>
               </p:cNvPr>
@@ -17166,7 +17166,7 @@
               <p:cNvPr id="39" name="TextBox 38">
                 <a:extLst>
                   <a:ext uri="{FF2B5EF4-FFF2-40B4-BE49-F238E27FC236}">
-                    <a16:creationId xmlns:a16="http://schemas.microsoft.com/office/drawing/2014/main" xmlns="" id="{34ED70D7-EC33-49DC-96FA-7BE986853032}"/>
+                    <a16:creationId xmlns="" xmlns:a16="http://schemas.microsoft.com/office/drawing/2014/main" id="{34ED70D7-EC33-49DC-96FA-7BE986853032}"/>
                   </a:ext>
                 </a:extLst>
               </p:cNvPr>
@@ -17260,7 +17260,7 @@
           <p:cNvPr id="41" name="직사각형 40">
             <a:extLst>
               <a:ext uri="{FF2B5EF4-FFF2-40B4-BE49-F238E27FC236}">
-                <a16:creationId xmlns:a16="http://schemas.microsoft.com/office/drawing/2014/main" xmlns="" id="{2408790D-3D66-431C-849B-99668B932886}"/>
+                <a16:creationId xmlns="" xmlns:a16="http://schemas.microsoft.com/office/drawing/2014/main" id="{2408790D-3D66-431C-849B-99668B932886}"/>
               </a:ext>
             </a:extLst>
           </p:cNvPr>
@@ -17313,7 +17313,7 @@
           <p:cNvPr id="42" name="직사각형 41">
             <a:extLst>
               <a:ext uri="{FF2B5EF4-FFF2-40B4-BE49-F238E27FC236}">
-                <a16:creationId xmlns:a16="http://schemas.microsoft.com/office/drawing/2014/main" xmlns="" id="{D3CFBC4C-F45D-48C0-A8AA-F68207C535F1}"/>
+                <a16:creationId xmlns="" xmlns:a16="http://schemas.microsoft.com/office/drawing/2014/main" id="{D3CFBC4C-F45D-48C0-A8AA-F68207C535F1}"/>
               </a:ext>
             </a:extLst>
           </p:cNvPr>
@@ -17366,7 +17366,7 @@
           <p:cNvPr id="43" name="직사각형 42">
             <a:extLst>
               <a:ext uri="{FF2B5EF4-FFF2-40B4-BE49-F238E27FC236}">
-                <a16:creationId xmlns:a16="http://schemas.microsoft.com/office/drawing/2014/main" xmlns="" id="{1CCBC64F-3065-4A07-BBD2-C6D6AFF1B01A}"/>
+                <a16:creationId xmlns="" xmlns:a16="http://schemas.microsoft.com/office/drawing/2014/main" id="{1CCBC64F-3065-4A07-BBD2-C6D6AFF1B01A}"/>
               </a:ext>
             </a:extLst>
           </p:cNvPr>
@@ -17419,7 +17419,7 @@
           <p:cNvPr id="44" name="직사각형 43">
             <a:extLst>
               <a:ext uri="{FF2B5EF4-FFF2-40B4-BE49-F238E27FC236}">
-                <a16:creationId xmlns:a16="http://schemas.microsoft.com/office/drawing/2014/main" xmlns="" id="{8335E1E8-EE72-4026-805B-961A5AA502D5}"/>
+                <a16:creationId xmlns="" xmlns:a16="http://schemas.microsoft.com/office/drawing/2014/main" id="{8335E1E8-EE72-4026-805B-961A5AA502D5}"/>
               </a:ext>
             </a:extLst>
           </p:cNvPr>
@@ -17472,7 +17472,7 @@
           <p:cNvPr id="45" name="직사각형 44">
             <a:extLst>
               <a:ext uri="{FF2B5EF4-FFF2-40B4-BE49-F238E27FC236}">
-                <a16:creationId xmlns:a16="http://schemas.microsoft.com/office/drawing/2014/main" xmlns="" id="{111AA82D-9B7D-4823-98CA-1E4E96C1FA21}"/>
+                <a16:creationId xmlns="" xmlns:a16="http://schemas.microsoft.com/office/drawing/2014/main" id="{111AA82D-9B7D-4823-98CA-1E4E96C1FA21}"/>
               </a:ext>
             </a:extLst>
           </p:cNvPr>
@@ -17520,7 +17520,7 @@
           <p:cNvPr id="46" name="직사각형 45">
             <a:extLst>
               <a:ext uri="{FF2B5EF4-FFF2-40B4-BE49-F238E27FC236}">
-                <a16:creationId xmlns:a16="http://schemas.microsoft.com/office/drawing/2014/main" xmlns="" id="{314F8EF3-3359-49FA-87AB-213C9D682DB7}"/>
+                <a16:creationId xmlns="" xmlns:a16="http://schemas.microsoft.com/office/drawing/2014/main" id="{314F8EF3-3359-49FA-87AB-213C9D682DB7}"/>
               </a:ext>
             </a:extLst>
           </p:cNvPr>
@@ -17568,7 +17568,7 @@
           <p:cNvPr id="47" name="직사각형 46">
             <a:extLst>
               <a:ext uri="{FF2B5EF4-FFF2-40B4-BE49-F238E27FC236}">
-                <a16:creationId xmlns:a16="http://schemas.microsoft.com/office/drawing/2014/main" xmlns="" id="{69994DCF-107E-4F14-840B-FCA36463D13F}"/>
+                <a16:creationId xmlns="" xmlns:a16="http://schemas.microsoft.com/office/drawing/2014/main" id="{69994DCF-107E-4F14-840B-FCA36463D13F}"/>
               </a:ext>
             </a:extLst>
           </p:cNvPr>
@@ -17616,7 +17616,7 @@
           <p:cNvPr id="49" name="직사각형 48">
             <a:extLst>
               <a:ext uri="{FF2B5EF4-FFF2-40B4-BE49-F238E27FC236}">
-                <a16:creationId xmlns:a16="http://schemas.microsoft.com/office/drawing/2014/main" xmlns="" id="{D24437A5-5A5B-42EA-AA28-A1F819EFE17B}"/>
+                <a16:creationId xmlns="" xmlns:a16="http://schemas.microsoft.com/office/drawing/2014/main" id="{D24437A5-5A5B-42EA-AA28-A1F819EFE17B}"/>
               </a:ext>
             </a:extLst>
           </p:cNvPr>
@@ -17664,7 +17664,7 @@
           <p:cNvPr id="50" name="직사각형 49">
             <a:extLst>
               <a:ext uri="{FF2B5EF4-FFF2-40B4-BE49-F238E27FC236}">
-                <a16:creationId xmlns:a16="http://schemas.microsoft.com/office/drawing/2014/main" xmlns="" id="{454F7536-28CC-4E35-8830-958C9CA919D0}"/>
+                <a16:creationId xmlns="" xmlns:a16="http://schemas.microsoft.com/office/drawing/2014/main" id="{454F7536-28CC-4E35-8830-958C9CA919D0}"/>
               </a:ext>
             </a:extLst>
           </p:cNvPr>
@@ -17712,7 +17712,7 @@
           <p:cNvPr id="51" name="직사각형 50">
             <a:extLst>
               <a:ext uri="{FF2B5EF4-FFF2-40B4-BE49-F238E27FC236}">
-                <a16:creationId xmlns:a16="http://schemas.microsoft.com/office/drawing/2014/main" xmlns="" id="{4350E3CD-9519-4828-A563-8BDC2F1EBAB9}"/>
+                <a16:creationId xmlns="" xmlns:a16="http://schemas.microsoft.com/office/drawing/2014/main" id="{4350E3CD-9519-4828-A563-8BDC2F1EBAB9}"/>
               </a:ext>
             </a:extLst>
           </p:cNvPr>
@@ -17762,7 +17762,7 @@
               <p:cNvPr id="55" name="TextBox 54">
                 <a:extLst>
                   <a:ext uri="{FF2B5EF4-FFF2-40B4-BE49-F238E27FC236}">
-                    <a16:creationId xmlns:a16="http://schemas.microsoft.com/office/drawing/2014/main" xmlns="" id="{72B80003-A461-40D8-85C7-6F6665F27485}"/>
+                    <a16:creationId xmlns="" xmlns:a16="http://schemas.microsoft.com/office/drawing/2014/main" id="{72B80003-A461-40D8-85C7-6F6665F27485}"/>
                   </a:ext>
                 </a:extLst>
               </p:cNvPr>
@@ -17889,7 +17889,7 @@
               <p:cNvPr id="57" name="TextBox 56">
                 <a:extLst>
                   <a:ext uri="{FF2B5EF4-FFF2-40B4-BE49-F238E27FC236}">
-                    <a16:creationId xmlns:a16="http://schemas.microsoft.com/office/drawing/2014/main" xmlns="" id="{20E0532F-A1CA-4D11-85ED-98569F22BC6C}"/>
+                    <a16:creationId xmlns="" xmlns:a16="http://schemas.microsoft.com/office/drawing/2014/main" id="{20E0532F-A1CA-4D11-85ED-98569F22BC6C}"/>
                   </a:ext>
                 </a:extLst>
               </p:cNvPr>
@@ -18016,7 +18016,7 @@
               <p:cNvPr id="58" name="TextBox 57">
                 <a:extLst>
                   <a:ext uri="{FF2B5EF4-FFF2-40B4-BE49-F238E27FC236}">
-                    <a16:creationId xmlns:a16="http://schemas.microsoft.com/office/drawing/2014/main" xmlns="" id="{BB4072BD-4BD0-4145-A29C-DBC0590749EA}"/>
+                    <a16:creationId xmlns="" xmlns:a16="http://schemas.microsoft.com/office/drawing/2014/main" id="{BB4072BD-4BD0-4145-A29C-DBC0590749EA}"/>
                   </a:ext>
                 </a:extLst>
               </p:cNvPr>
@@ -18141,7 +18141,7 @@
           <p:cNvPr id="59" name="직선 화살표 연결선 58">
             <a:extLst>
               <a:ext uri="{FF2B5EF4-FFF2-40B4-BE49-F238E27FC236}">
-                <a16:creationId xmlns:a16="http://schemas.microsoft.com/office/drawing/2014/main" xmlns="" id="{8FD6C182-3273-43AE-AF9B-88D62A891900}"/>
+                <a16:creationId xmlns="" xmlns:a16="http://schemas.microsoft.com/office/drawing/2014/main" id="{8FD6C182-3273-43AE-AF9B-88D62A891900}"/>
               </a:ext>
             </a:extLst>
           </p:cNvPr>
@@ -18184,7 +18184,7 @@
           <p:cNvPr id="62" name="직선 화살표 연결선 61">
             <a:extLst>
               <a:ext uri="{FF2B5EF4-FFF2-40B4-BE49-F238E27FC236}">
-                <a16:creationId xmlns:a16="http://schemas.microsoft.com/office/drawing/2014/main" xmlns="" id="{84687B28-D3CF-4CC4-BB5A-CC64A664AE74}"/>
+                <a16:creationId xmlns="" xmlns:a16="http://schemas.microsoft.com/office/drawing/2014/main" id="{84687B28-D3CF-4CC4-BB5A-CC64A664AE74}"/>
               </a:ext>
             </a:extLst>
           </p:cNvPr>
@@ -18227,7 +18227,7 @@
           <p:cNvPr id="65" name="직선 화살표 연결선 64">
             <a:extLst>
               <a:ext uri="{FF2B5EF4-FFF2-40B4-BE49-F238E27FC236}">
-                <a16:creationId xmlns:a16="http://schemas.microsoft.com/office/drawing/2014/main" xmlns="" id="{5B0C86E3-E2D2-4A73-8DA8-9D61E38B3683}"/>
+                <a16:creationId xmlns="" xmlns:a16="http://schemas.microsoft.com/office/drawing/2014/main" id="{5B0C86E3-E2D2-4A73-8DA8-9D61E38B3683}"/>
               </a:ext>
             </a:extLst>
           </p:cNvPr>
@@ -18270,7 +18270,7 @@
           <p:cNvPr id="69" name="직선 화살표 연결선 68">
             <a:extLst>
               <a:ext uri="{FF2B5EF4-FFF2-40B4-BE49-F238E27FC236}">
-                <a16:creationId xmlns:a16="http://schemas.microsoft.com/office/drawing/2014/main" xmlns="" id="{E9DDA7B8-E402-4260-BD91-6BF2C76E596D}"/>
+                <a16:creationId xmlns="" xmlns:a16="http://schemas.microsoft.com/office/drawing/2014/main" id="{E9DDA7B8-E402-4260-BD91-6BF2C76E596D}"/>
               </a:ext>
             </a:extLst>
           </p:cNvPr>
@@ -18313,7 +18313,7 @@
           <p:cNvPr id="72" name="직선 화살표 연결선 71">
             <a:extLst>
               <a:ext uri="{FF2B5EF4-FFF2-40B4-BE49-F238E27FC236}">
-                <a16:creationId xmlns:a16="http://schemas.microsoft.com/office/drawing/2014/main" xmlns="" id="{3A38D4EC-BFCE-47EF-9CC9-5F3059C57B9A}"/>
+                <a16:creationId xmlns="" xmlns:a16="http://schemas.microsoft.com/office/drawing/2014/main" id="{3A38D4EC-BFCE-47EF-9CC9-5F3059C57B9A}"/>
               </a:ext>
             </a:extLst>
           </p:cNvPr>
@@ -18356,7 +18356,7 @@
           <p:cNvPr id="75" name="직선 화살표 연결선 74">
             <a:extLst>
               <a:ext uri="{FF2B5EF4-FFF2-40B4-BE49-F238E27FC236}">
-                <a16:creationId xmlns:a16="http://schemas.microsoft.com/office/drawing/2014/main" xmlns="" id="{F0A56918-BB78-4512-9AE4-4595F71A0374}"/>
+                <a16:creationId xmlns="" xmlns:a16="http://schemas.microsoft.com/office/drawing/2014/main" id="{F0A56918-BB78-4512-9AE4-4595F71A0374}"/>
               </a:ext>
             </a:extLst>
           </p:cNvPr>
@@ -18399,7 +18399,7 @@
           <p:cNvPr id="78" name="직선 화살표 연결선 77">
             <a:extLst>
               <a:ext uri="{FF2B5EF4-FFF2-40B4-BE49-F238E27FC236}">
-                <a16:creationId xmlns:a16="http://schemas.microsoft.com/office/drawing/2014/main" xmlns="" id="{6BE0089D-C53D-4CB5-81DB-317FD6773065}"/>
+                <a16:creationId xmlns="" xmlns:a16="http://schemas.microsoft.com/office/drawing/2014/main" id="{6BE0089D-C53D-4CB5-81DB-317FD6773065}"/>
               </a:ext>
             </a:extLst>
           </p:cNvPr>
@@ -18442,7 +18442,7 @@
           <p:cNvPr id="81" name="직선 화살표 연결선 80">
             <a:extLst>
               <a:ext uri="{FF2B5EF4-FFF2-40B4-BE49-F238E27FC236}">
-                <a16:creationId xmlns:a16="http://schemas.microsoft.com/office/drawing/2014/main" xmlns="" id="{1FE67D45-F341-48D8-A5DA-5CABD0220D40}"/>
+                <a16:creationId xmlns="" xmlns:a16="http://schemas.microsoft.com/office/drawing/2014/main" id="{1FE67D45-F341-48D8-A5DA-5CABD0220D40}"/>
               </a:ext>
             </a:extLst>
           </p:cNvPr>
@@ -18485,7 +18485,7 @@
           <p:cNvPr id="87" name="직선 화살표 연결선 86">
             <a:extLst>
               <a:ext uri="{FF2B5EF4-FFF2-40B4-BE49-F238E27FC236}">
-                <a16:creationId xmlns:a16="http://schemas.microsoft.com/office/drawing/2014/main" xmlns="" id="{2F9DA316-AF50-4F26-873D-18769FF362BC}"/>
+                <a16:creationId xmlns="" xmlns:a16="http://schemas.microsoft.com/office/drawing/2014/main" id="{2F9DA316-AF50-4F26-873D-18769FF362BC}"/>
               </a:ext>
             </a:extLst>
           </p:cNvPr>
@@ -18528,7 +18528,7 @@
           <p:cNvPr id="90" name="직선 화살표 연결선 89">
             <a:extLst>
               <a:ext uri="{FF2B5EF4-FFF2-40B4-BE49-F238E27FC236}">
-                <a16:creationId xmlns:a16="http://schemas.microsoft.com/office/drawing/2014/main" xmlns="" id="{20099984-F671-4110-A508-825AF03AF97E}"/>
+                <a16:creationId xmlns="" xmlns:a16="http://schemas.microsoft.com/office/drawing/2014/main" id="{20099984-F671-4110-A508-825AF03AF97E}"/>
               </a:ext>
             </a:extLst>
           </p:cNvPr>
@@ -18571,7 +18571,7 @@
           <p:cNvPr id="93" name="직선 화살표 연결선 92">
             <a:extLst>
               <a:ext uri="{FF2B5EF4-FFF2-40B4-BE49-F238E27FC236}">
-                <a16:creationId xmlns:a16="http://schemas.microsoft.com/office/drawing/2014/main" xmlns="" id="{3FD2772A-63B2-432A-874D-81B5EAE253B6}"/>
+                <a16:creationId xmlns="" xmlns:a16="http://schemas.microsoft.com/office/drawing/2014/main" id="{3FD2772A-63B2-432A-874D-81B5EAE253B6}"/>
               </a:ext>
             </a:extLst>
           </p:cNvPr>
@@ -18614,7 +18614,7 @@
           <p:cNvPr id="96" name="직선 화살표 연결선 95">
             <a:extLst>
               <a:ext uri="{FF2B5EF4-FFF2-40B4-BE49-F238E27FC236}">
-                <a16:creationId xmlns:a16="http://schemas.microsoft.com/office/drawing/2014/main" xmlns="" id="{0950EDDA-92F2-40B3-8E33-04EEEE15DEBD}"/>
+                <a16:creationId xmlns="" xmlns:a16="http://schemas.microsoft.com/office/drawing/2014/main" id="{0950EDDA-92F2-40B3-8E33-04EEEE15DEBD}"/>
               </a:ext>
             </a:extLst>
           </p:cNvPr>
@@ -18657,7 +18657,7 @@
           <p:cNvPr id="99" name="직선 화살표 연결선 98">
             <a:extLst>
               <a:ext uri="{FF2B5EF4-FFF2-40B4-BE49-F238E27FC236}">
-                <a16:creationId xmlns:a16="http://schemas.microsoft.com/office/drawing/2014/main" xmlns="" id="{3CDFBDFE-CBAD-41E3-ACEA-06CCB2C6FDBD}"/>
+                <a16:creationId xmlns="" xmlns:a16="http://schemas.microsoft.com/office/drawing/2014/main" id="{3CDFBDFE-CBAD-41E3-ACEA-06CCB2C6FDBD}"/>
               </a:ext>
             </a:extLst>
           </p:cNvPr>
@@ -18700,7 +18700,7 @@
           <p:cNvPr id="102" name="직선 화살표 연결선 101">
             <a:extLst>
               <a:ext uri="{FF2B5EF4-FFF2-40B4-BE49-F238E27FC236}">
-                <a16:creationId xmlns:a16="http://schemas.microsoft.com/office/drawing/2014/main" xmlns="" id="{77648F5A-E6F6-4F01-90F1-AAEF9A30738A}"/>
+                <a16:creationId xmlns="" xmlns:a16="http://schemas.microsoft.com/office/drawing/2014/main" id="{77648F5A-E6F6-4F01-90F1-AAEF9A30738A}"/>
               </a:ext>
             </a:extLst>
           </p:cNvPr>
@@ -18743,7 +18743,7 @@
           <p:cNvPr id="108" name="직선 화살표 연결선 107">
             <a:extLst>
               <a:ext uri="{FF2B5EF4-FFF2-40B4-BE49-F238E27FC236}">
-                <a16:creationId xmlns:a16="http://schemas.microsoft.com/office/drawing/2014/main" xmlns="" id="{F0620903-B98B-482B-BCE6-DBFF005A7721}"/>
+                <a16:creationId xmlns="" xmlns:a16="http://schemas.microsoft.com/office/drawing/2014/main" id="{F0620903-B98B-482B-BCE6-DBFF005A7721}"/>
               </a:ext>
             </a:extLst>
           </p:cNvPr>
@@ -18786,7 +18786,7 @@
           <p:cNvPr id="111" name="직선 화살표 연결선 110">
             <a:extLst>
               <a:ext uri="{FF2B5EF4-FFF2-40B4-BE49-F238E27FC236}">
-                <a16:creationId xmlns:a16="http://schemas.microsoft.com/office/drawing/2014/main" xmlns="" id="{12217889-4726-4C88-9325-F533E0E9F9D0}"/>
+                <a16:creationId xmlns="" xmlns:a16="http://schemas.microsoft.com/office/drawing/2014/main" id="{12217889-4726-4C88-9325-F533E0E9F9D0}"/>
               </a:ext>
             </a:extLst>
           </p:cNvPr>
@@ -18829,7 +18829,7 @@
           <p:cNvPr id="114" name="직선 화살표 연결선 113">
             <a:extLst>
               <a:ext uri="{FF2B5EF4-FFF2-40B4-BE49-F238E27FC236}">
-                <a16:creationId xmlns:a16="http://schemas.microsoft.com/office/drawing/2014/main" xmlns="" id="{A3466522-BCD2-4C8B-BB34-E826DC8BF883}"/>
+                <a16:creationId xmlns="" xmlns:a16="http://schemas.microsoft.com/office/drawing/2014/main" id="{A3466522-BCD2-4C8B-BB34-E826DC8BF883}"/>
               </a:ext>
             </a:extLst>
           </p:cNvPr>
@@ -18872,7 +18872,7 @@
           <p:cNvPr id="123" name="직선 화살표 연결선 122">
             <a:extLst>
               <a:ext uri="{FF2B5EF4-FFF2-40B4-BE49-F238E27FC236}">
-                <a16:creationId xmlns:a16="http://schemas.microsoft.com/office/drawing/2014/main" xmlns="" id="{5216A147-C924-4C72-8D6E-7331E2D22CFB}"/>
+                <a16:creationId xmlns="" xmlns:a16="http://schemas.microsoft.com/office/drawing/2014/main" id="{5216A147-C924-4C72-8D6E-7331E2D22CFB}"/>
               </a:ext>
             </a:extLst>
           </p:cNvPr>
@@ -18915,7 +18915,7 @@
           <p:cNvPr id="126" name="직선 화살표 연결선 125">
             <a:extLst>
               <a:ext uri="{FF2B5EF4-FFF2-40B4-BE49-F238E27FC236}">
-                <a16:creationId xmlns:a16="http://schemas.microsoft.com/office/drawing/2014/main" xmlns="" id="{45637B03-E8B6-4719-B049-0FDE04904AE4}"/>
+                <a16:creationId xmlns="" xmlns:a16="http://schemas.microsoft.com/office/drawing/2014/main" id="{45637B03-E8B6-4719-B049-0FDE04904AE4}"/>
               </a:ext>
             </a:extLst>
           </p:cNvPr>
@@ -18958,7 +18958,7 @@
           <p:cNvPr id="129" name="직선 화살표 연결선 128">
             <a:extLst>
               <a:ext uri="{FF2B5EF4-FFF2-40B4-BE49-F238E27FC236}">
-                <a16:creationId xmlns:a16="http://schemas.microsoft.com/office/drawing/2014/main" xmlns="" id="{1CA74644-B225-4181-9249-93F1981D9149}"/>
+                <a16:creationId xmlns="" xmlns:a16="http://schemas.microsoft.com/office/drawing/2014/main" id="{1CA74644-B225-4181-9249-93F1981D9149}"/>
               </a:ext>
             </a:extLst>
           </p:cNvPr>
@@ -19001,7 +19001,7 @@
           <p:cNvPr id="133" name="연결선: 구부러짐 132">
             <a:extLst>
               <a:ext uri="{FF2B5EF4-FFF2-40B4-BE49-F238E27FC236}">
-                <a16:creationId xmlns:a16="http://schemas.microsoft.com/office/drawing/2014/main" xmlns="" id="{B0692204-9491-4446-8992-669D8CADF515}"/>
+                <a16:creationId xmlns="" xmlns:a16="http://schemas.microsoft.com/office/drawing/2014/main" id="{B0692204-9491-4446-8992-669D8CADF515}"/>
               </a:ext>
             </a:extLst>
           </p:cNvPr>
@@ -19047,7 +19047,7 @@
           <p:cNvPr id="134" name="연결선: 구부러짐 133">
             <a:extLst>
               <a:ext uri="{FF2B5EF4-FFF2-40B4-BE49-F238E27FC236}">
-                <a16:creationId xmlns:a16="http://schemas.microsoft.com/office/drawing/2014/main" xmlns="" id="{FC427459-E021-48A1-B314-49541E7D501D}"/>
+                <a16:creationId xmlns="" xmlns:a16="http://schemas.microsoft.com/office/drawing/2014/main" id="{FC427459-E021-48A1-B314-49541E7D501D}"/>
               </a:ext>
             </a:extLst>
           </p:cNvPr>
@@ -19094,7 +19094,7 @@
           <p:cNvPr id="137" name="연결선: 구부러짐 136">
             <a:extLst>
               <a:ext uri="{FF2B5EF4-FFF2-40B4-BE49-F238E27FC236}">
-                <a16:creationId xmlns:a16="http://schemas.microsoft.com/office/drawing/2014/main" xmlns="" id="{9164BF98-76B5-402C-970C-7B7B851DD7BB}"/>
+                <a16:creationId xmlns="" xmlns:a16="http://schemas.microsoft.com/office/drawing/2014/main" id="{9164BF98-76B5-402C-970C-7B7B851DD7BB}"/>
               </a:ext>
             </a:extLst>
           </p:cNvPr>
@@ -19140,7 +19140,7 @@
           <p:cNvPr id="3" name="타원 2">
             <a:extLst>
               <a:ext uri="{FF2B5EF4-FFF2-40B4-BE49-F238E27FC236}">
-                <a16:creationId xmlns:a16="http://schemas.microsoft.com/office/drawing/2014/main" xmlns="" id="{AF6E7165-BEC3-46A1-B5E9-3E1C10B5D465}"/>
+                <a16:creationId xmlns="" xmlns:a16="http://schemas.microsoft.com/office/drawing/2014/main" id="{AF6E7165-BEC3-46A1-B5E9-3E1C10B5D465}"/>
               </a:ext>
             </a:extLst>
           </p:cNvPr>
@@ -19188,7 +19188,7 @@
           <p:cNvPr id="73" name="직선 화살표 연결선 72">
             <a:extLst>
               <a:ext uri="{FF2B5EF4-FFF2-40B4-BE49-F238E27FC236}">
-                <a16:creationId xmlns:a16="http://schemas.microsoft.com/office/drawing/2014/main" xmlns="" id="{EA947EBF-81B0-450D-BAB0-52AEB123A9B8}"/>
+                <a16:creationId xmlns="" xmlns:a16="http://schemas.microsoft.com/office/drawing/2014/main" id="{EA947EBF-81B0-450D-BAB0-52AEB123A9B8}"/>
               </a:ext>
             </a:extLst>
           </p:cNvPr>
@@ -19231,7 +19231,7 @@
           <p:cNvPr id="79" name="타원 78">
             <a:extLst>
               <a:ext uri="{FF2B5EF4-FFF2-40B4-BE49-F238E27FC236}">
-                <a16:creationId xmlns:a16="http://schemas.microsoft.com/office/drawing/2014/main" xmlns="" id="{4B164CE0-4FB7-49A8-816E-F04A2549B43A}"/>
+                <a16:creationId xmlns="" xmlns:a16="http://schemas.microsoft.com/office/drawing/2014/main" id="{4B164CE0-4FB7-49A8-816E-F04A2549B43A}"/>
               </a:ext>
             </a:extLst>
           </p:cNvPr>
@@ -19279,7 +19279,7 @@
           <p:cNvPr id="82" name="직선 화살표 연결선 81">
             <a:extLst>
               <a:ext uri="{FF2B5EF4-FFF2-40B4-BE49-F238E27FC236}">
-                <a16:creationId xmlns:a16="http://schemas.microsoft.com/office/drawing/2014/main" xmlns="" id="{EB8DBC75-AF38-4296-AC89-9C611C0A13A9}"/>
+                <a16:creationId xmlns="" xmlns:a16="http://schemas.microsoft.com/office/drawing/2014/main" id="{EB8DBC75-AF38-4296-AC89-9C611C0A13A9}"/>
               </a:ext>
             </a:extLst>
           </p:cNvPr>
@@ -19322,7 +19322,7 @@
           <p:cNvPr id="56" name="연결선: 꺾임 55">
             <a:extLst>
               <a:ext uri="{FF2B5EF4-FFF2-40B4-BE49-F238E27FC236}">
-                <a16:creationId xmlns:a16="http://schemas.microsoft.com/office/drawing/2014/main" xmlns="" id="{F7FC8E41-21B9-460D-91D4-F783E770627D}"/>
+                <a16:creationId xmlns="" xmlns:a16="http://schemas.microsoft.com/office/drawing/2014/main" id="{F7FC8E41-21B9-460D-91D4-F783E770627D}"/>
               </a:ext>
             </a:extLst>
           </p:cNvPr>
@@ -19368,7 +19368,7 @@
           <p:cNvPr id="94" name="연결선: 꺾임 93">
             <a:extLst>
               <a:ext uri="{FF2B5EF4-FFF2-40B4-BE49-F238E27FC236}">
-                <a16:creationId xmlns:a16="http://schemas.microsoft.com/office/drawing/2014/main" xmlns="" id="{946599C8-EB79-4223-9881-7B569270A918}"/>
+                <a16:creationId xmlns="" xmlns:a16="http://schemas.microsoft.com/office/drawing/2014/main" id="{946599C8-EB79-4223-9881-7B569270A918}"/>
               </a:ext>
             </a:extLst>
           </p:cNvPr>
@@ -19414,7 +19414,7 @@
           <p:cNvPr id="97" name="연결선: 꺾임 96">
             <a:extLst>
               <a:ext uri="{FF2B5EF4-FFF2-40B4-BE49-F238E27FC236}">
-                <a16:creationId xmlns:a16="http://schemas.microsoft.com/office/drawing/2014/main" xmlns="" id="{9726D98B-2AC5-4799-BF74-076BA2B0C7E6}"/>
+                <a16:creationId xmlns="" xmlns:a16="http://schemas.microsoft.com/office/drawing/2014/main" id="{9726D98B-2AC5-4799-BF74-076BA2B0C7E6}"/>
               </a:ext>
             </a:extLst>
           </p:cNvPr>
@@ -19459,7 +19459,7 @@
           <p:cNvPr id="2" name="TextBox 1">
             <a:extLst>
               <a:ext uri="{FF2B5EF4-FFF2-40B4-BE49-F238E27FC236}">
-                <a16:creationId xmlns:a16="http://schemas.microsoft.com/office/drawing/2014/main" xmlns="" id="{5BE483D8-9C3E-447C-8143-99A9EC2A2579}"/>
+                <a16:creationId xmlns="" xmlns:a16="http://schemas.microsoft.com/office/drawing/2014/main" id="{5BE483D8-9C3E-447C-8143-99A9EC2A2579}"/>
               </a:ext>
             </a:extLst>
           </p:cNvPr>
@@ -19494,7 +19494,7 @@
           <p:cNvPr id="83" name="직사각형 82">
             <a:extLst>
               <a:ext uri="{FF2B5EF4-FFF2-40B4-BE49-F238E27FC236}">
-                <a16:creationId xmlns:a16="http://schemas.microsoft.com/office/drawing/2014/main" xmlns="" id="{2948F307-9ACE-4C08-8F16-03C8050895CE}"/>
+                <a16:creationId xmlns="" xmlns:a16="http://schemas.microsoft.com/office/drawing/2014/main" id="{2948F307-9ACE-4C08-8F16-03C8050895CE}"/>
               </a:ext>
             </a:extLst>
           </p:cNvPr>
@@ -19542,7 +19542,7 @@
           <p:cNvPr id="85" name="직사각형 84">
             <a:extLst>
               <a:ext uri="{FF2B5EF4-FFF2-40B4-BE49-F238E27FC236}">
-                <a16:creationId xmlns:a16="http://schemas.microsoft.com/office/drawing/2014/main" xmlns="" id="{AD05C797-757F-4159-96A1-19715AE82730}"/>
+                <a16:creationId xmlns="" xmlns:a16="http://schemas.microsoft.com/office/drawing/2014/main" id="{AD05C797-757F-4159-96A1-19715AE82730}"/>
               </a:ext>
             </a:extLst>
           </p:cNvPr>
@@ -19590,7 +19590,7 @@
           <p:cNvPr id="88" name="직사각형 87">
             <a:extLst>
               <a:ext uri="{FF2B5EF4-FFF2-40B4-BE49-F238E27FC236}">
-                <a16:creationId xmlns:a16="http://schemas.microsoft.com/office/drawing/2014/main" xmlns="" id="{793390FF-9BC8-4462-B44B-E2522AE268A2}"/>
+                <a16:creationId xmlns="" xmlns:a16="http://schemas.microsoft.com/office/drawing/2014/main" id="{793390FF-9BC8-4462-B44B-E2522AE268A2}"/>
               </a:ext>
             </a:extLst>
           </p:cNvPr>
@@ -19638,7 +19638,7 @@
           <p:cNvPr id="89" name="직선 화살표 연결선 88">
             <a:extLst>
               <a:ext uri="{FF2B5EF4-FFF2-40B4-BE49-F238E27FC236}">
-                <a16:creationId xmlns:a16="http://schemas.microsoft.com/office/drawing/2014/main" xmlns="" id="{9D394CDA-584A-47B6-A84A-CAA6A958D4E7}"/>
+                <a16:creationId xmlns="" xmlns:a16="http://schemas.microsoft.com/office/drawing/2014/main" id="{9D394CDA-584A-47B6-A84A-CAA6A958D4E7}"/>
               </a:ext>
             </a:extLst>
           </p:cNvPr>
@@ -19681,7 +19681,7 @@
           <p:cNvPr id="91" name="직선 화살표 연결선 90">
             <a:extLst>
               <a:ext uri="{FF2B5EF4-FFF2-40B4-BE49-F238E27FC236}">
-                <a16:creationId xmlns:a16="http://schemas.microsoft.com/office/drawing/2014/main" xmlns="" id="{3F127DC0-10A6-48B3-AEEF-DF18014518E6}"/>
+                <a16:creationId xmlns="" xmlns:a16="http://schemas.microsoft.com/office/drawing/2014/main" id="{3F127DC0-10A6-48B3-AEEF-DF18014518E6}"/>
               </a:ext>
             </a:extLst>
           </p:cNvPr>
@@ -19724,7 +19724,7 @@
           <p:cNvPr id="92" name="직선 화살표 연결선 91">
             <a:extLst>
               <a:ext uri="{FF2B5EF4-FFF2-40B4-BE49-F238E27FC236}">
-                <a16:creationId xmlns:a16="http://schemas.microsoft.com/office/drawing/2014/main" xmlns="" id="{B5862385-648F-4714-A465-B17191AAA72E}"/>
+                <a16:creationId xmlns="" xmlns:a16="http://schemas.microsoft.com/office/drawing/2014/main" id="{B5862385-648F-4714-A465-B17191AAA72E}"/>
               </a:ext>
             </a:extLst>
           </p:cNvPr>
@@ -19767,7 +19767,7 @@
           <p:cNvPr id="95" name="직사각형 94">
             <a:extLst>
               <a:ext uri="{FF2B5EF4-FFF2-40B4-BE49-F238E27FC236}">
-                <a16:creationId xmlns:a16="http://schemas.microsoft.com/office/drawing/2014/main" xmlns="" id="{1CC4E19F-E4A6-49E8-9881-0DDE93EA037B}"/>
+                <a16:creationId xmlns="" xmlns:a16="http://schemas.microsoft.com/office/drawing/2014/main" id="{1CC4E19F-E4A6-49E8-9881-0DDE93EA037B}"/>
               </a:ext>
             </a:extLst>
           </p:cNvPr>
@@ -19815,7 +19815,7 @@
           <p:cNvPr id="101" name="직선 화살표 연결선 100">
             <a:extLst>
               <a:ext uri="{FF2B5EF4-FFF2-40B4-BE49-F238E27FC236}">
-                <a16:creationId xmlns:a16="http://schemas.microsoft.com/office/drawing/2014/main" xmlns="" id="{C5996DDA-80A3-4535-9BE6-593EC08FF94A}"/>
+                <a16:creationId xmlns="" xmlns:a16="http://schemas.microsoft.com/office/drawing/2014/main" id="{C5996DDA-80A3-4535-9BE6-593EC08FF94A}"/>
               </a:ext>
             </a:extLst>
           </p:cNvPr>
@@ -19858,7 +19858,7 @@
           <p:cNvPr id="104" name="직사각형 103">
             <a:extLst>
               <a:ext uri="{FF2B5EF4-FFF2-40B4-BE49-F238E27FC236}">
-                <a16:creationId xmlns:a16="http://schemas.microsoft.com/office/drawing/2014/main" xmlns="" id="{9DA796BD-C081-4228-943D-3E30A207219E}"/>
+                <a16:creationId xmlns="" xmlns:a16="http://schemas.microsoft.com/office/drawing/2014/main" id="{9DA796BD-C081-4228-943D-3E30A207219E}"/>
               </a:ext>
             </a:extLst>
           </p:cNvPr>
@@ -19906,7 +19906,7 @@
           <p:cNvPr id="106" name="직선 화살표 연결선 105">
             <a:extLst>
               <a:ext uri="{FF2B5EF4-FFF2-40B4-BE49-F238E27FC236}">
-                <a16:creationId xmlns:a16="http://schemas.microsoft.com/office/drawing/2014/main" xmlns="" id="{900E69D7-2E24-412E-8820-964486ECB073}"/>
+                <a16:creationId xmlns="" xmlns:a16="http://schemas.microsoft.com/office/drawing/2014/main" id="{900E69D7-2E24-412E-8820-964486ECB073}"/>
               </a:ext>
             </a:extLst>
           </p:cNvPr>
@@ -19949,7 +19949,7 @@
           <p:cNvPr id="109" name="직선 화살표 연결선 108">
             <a:extLst>
               <a:ext uri="{FF2B5EF4-FFF2-40B4-BE49-F238E27FC236}">
-                <a16:creationId xmlns:a16="http://schemas.microsoft.com/office/drawing/2014/main" xmlns="" id="{D00C95C6-3B79-43DD-B4C3-B5EA9C2DD3B6}"/>
+                <a16:creationId xmlns="" xmlns:a16="http://schemas.microsoft.com/office/drawing/2014/main" id="{D00C95C6-3B79-43DD-B4C3-B5EA9C2DD3B6}"/>
               </a:ext>
             </a:extLst>
           </p:cNvPr>
@@ -19992,7 +19992,7 @@
           <p:cNvPr id="112" name="직선 화살표 연결선 111">
             <a:extLst>
               <a:ext uri="{FF2B5EF4-FFF2-40B4-BE49-F238E27FC236}">
-                <a16:creationId xmlns:a16="http://schemas.microsoft.com/office/drawing/2014/main" xmlns="" id="{D1108934-0DE2-4896-A974-04EAF3B496D9}"/>
+                <a16:creationId xmlns="" xmlns:a16="http://schemas.microsoft.com/office/drawing/2014/main" id="{D1108934-0DE2-4896-A974-04EAF3B496D9}"/>
               </a:ext>
             </a:extLst>
           </p:cNvPr>
@@ -20035,7 +20035,7 @@
           <p:cNvPr id="115" name="직선 화살표 연결선 114">
             <a:extLst>
               <a:ext uri="{FF2B5EF4-FFF2-40B4-BE49-F238E27FC236}">
-                <a16:creationId xmlns:a16="http://schemas.microsoft.com/office/drawing/2014/main" xmlns="" id="{51041D92-7B33-4517-85B7-1C098B164AEA}"/>
+                <a16:creationId xmlns="" xmlns:a16="http://schemas.microsoft.com/office/drawing/2014/main" id="{51041D92-7B33-4517-85B7-1C098B164AEA}"/>
               </a:ext>
             </a:extLst>
           </p:cNvPr>
@@ -20078,7 +20078,7 @@
           <p:cNvPr id="130" name="직선 화살표 연결선 129">
             <a:extLst>
               <a:ext uri="{FF2B5EF4-FFF2-40B4-BE49-F238E27FC236}">
-                <a16:creationId xmlns:a16="http://schemas.microsoft.com/office/drawing/2014/main" xmlns="" id="{27B692DA-05DB-42E6-A6C7-3BB9F213155D}"/>
+                <a16:creationId xmlns="" xmlns:a16="http://schemas.microsoft.com/office/drawing/2014/main" id="{27B692DA-05DB-42E6-A6C7-3BB9F213155D}"/>
               </a:ext>
             </a:extLst>
           </p:cNvPr>
@@ -20121,7 +20121,7 @@
           <p:cNvPr id="132" name="직선 화살표 연결선 131">
             <a:extLst>
               <a:ext uri="{FF2B5EF4-FFF2-40B4-BE49-F238E27FC236}">
-                <a16:creationId xmlns:a16="http://schemas.microsoft.com/office/drawing/2014/main" xmlns="" id="{5CBCBEA7-517C-4701-BBE5-C406CA35CEB8}"/>
+                <a16:creationId xmlns="" xmlns:a16="http://schemas.microsoft.com/office/drawing/2014/main" id="{5CBCBEA7-517C-4701-BBE5-C406CA35CEB8}"/>
               </a:ext>
             </a:extLst>
           </p:cNvPr>
@@ -20164,7 +20164,7 @@
           <p:cNvPr id="136" name="직선 화살표 연결선 135">
             <a:extLst>
               <a:ext uri="{FF2B5EF4-FFF2-40B4-BE49-F238E27FC236}">
-                <a16:creationId xmlns:a16="http://schemas.microsoft.com/office/drawing/2014/main" xmlns="" id="{466C4A4C-A11E-4B4C-9700-6BA3A94EB168}"/>
+                <a16:creationId xmlns="" xmlns:a16="http://schemas.microsoft.com/office/drawing/2014/main" id="{466C4A4C-A11E-4B4C-9700-6BA3A94EB168}"/>
               </a:ext>
             </a:extLst>
           </p:cNvPr>
@@ -20207,7 +20207,7 @@
           <p:cNvPr id="139" name="직선 화살표 연결선 138">
             <a:extLst>
               <a:ext uri="{FF2B5EF4-FFF2-40B4-BE49-F238E27FC236}">
-                <a16:creationId xmlns:a16="http://schemas.microsoft.com/office/drawing/2014/main" xmlns="" id="{208D04FD-1AFF-4620-90B1-91E5BF97DE38}"/>
+                <a16:creationId xmlns="" xmlns:a16="http://schemas.microsoft.com/office/drawing/2014/main" id="{208D04FD-1AFF-4620-90B1-91E5BF97DE38}"/>
               </a:ext>
             </a:extLst>
           </p:cNvPr>
@@ -20250,7 +20250,7 @@
           <p:cNvPr id="143" name="타원 142">
             <a:extLst>
               <a:ext uri="{FF2B5EF4-FFF2-40B4-BE49-F238E27FC236}">
-                <a16:creationId xmlns:a16="http://schemas.microsoft.com/office/drawing/2014/main" xmlns="" id="{1C036760-D394-47F6-9B58-6E3788CFFF1A}"/>
+                <a16:creationId xmlns="" xmlns:a16="http://schemas.microsoft.com/office/drawing/2014/main" id="{1C036760-D394-47F6-9B58-6E3788CFFF1A}"/>
               </a:ext>
             </a:extLst>
           </p:cNvPr>
@@ -20294,7 +20294,7 @@
           <p:cNvPr id="156" name="타원 155">
             <a:extLst>
               <a:ext uri="{FF2B5EF4-FFF2-40B4-BE49-F238E27FC236}">
-                <a16:creationId xmlns:a16="http://schemas.microsoft.com/office/drawing/2014/main" xmlns="" id="{D4378C55-6EEE-4377-8042-E3307512418D}"/>
+                <a16:creationId xmlns="" xmlns:a16="http://schemas.microsoft.com/office/drawing/2014/main" id="{D4378C55-6EEE-4377-8042-E3307512418D}"/>
               </a:ext>
             </a:extLst>
           </p:cNvPr>
@@ -20338,7 +20338,7 @@
           <p:cNvPr id="173" name="연결선: 꺾임 172">
             <a:extLst>
               <a:ext uri="{FF2B5EF4-FFF2-40B4-BE49-F238E27FC236}">
-                <a16:creationId xmlns:a16="http://schemas.microsoft.com/office/drawing/2014/main" xmlns="" id="{4390C1A3-33FA-421B-9542-EECFDAFFCC6C}"/>
+                <a16:creationId xmlns="" xmlns:a16="http://schemas.microsoft.com/office/drawing/2014/main" id="{4390C1A3-33FA-421B-9542-EECFDAFFCC6C}"/>
               </a:ext>
             </a:extLst>
           </p:cNvPr>
@@ -20385,7 +20385,7 @@
           <p:cNvPr id="178" name="TextBox 177">
             <a:extLst>
               <a:ext uri="{FF2B5EF4-FFF2-40B4-BE49-F238E27FC236}">
-                <a16:creationId xmlns:a16="http://schemas.microsoft.com/office/drawing/2014/main" xmlns="" id="{336FD456-A232-40FA-883E-09694C618B63}"/>
+                <a16:creationId xmlns="" xmlns:a16="http://schemas.microsoft.com/office/drawing/2014/main" id="{336FD456-A232-40FA-883E-09694C618B63}"/>
               </a:ext>
             </a:extLst>
           </p:cNvPr>
@@ -20421,7 +20421,7 @@
           <p:cNvPr id="179" name="TextBox 178">
             <a:extLst>
               <a:ext uri="{FF2B5EF4-FFF2-40B4-BE49-F238E27FC236}">
-                <a16:creationId xmlns:a16="http://schemas.microsoft.com/office/drawing/2014/main" xmlns="" id="{D85F1C4F-7968-4139-947B-FD8FABC19B38}"/>
+                <a16:creationId xmlns="" xmlns:a16="http://schemas.microsoft.com/office/drawing/2014/main" id="{D85F1C4F-7968-4139-947B-FD8FABC19B38}"/>
               </a:ext>
             </a:extLst>
           </p:cNvPr>
@@ -20487,7 +20487,7 @@
           <p:cNvPr id="4" name="표 3">
             <a:extLst>
               <a:ext uri="{FF2B5EF4-FFF2-40B4-BE49-F238E27FC236}">
-                <a16:creationId xmlns:a16="http://schemas.microsoft.com/office/drawing/2014/main" xmlns="" id="{713F89FF-6ED5-4C51-8B84-A8DB1F419E19}"/>
+                <a16:creationId xmlns="" xmlns:a16="http://schemas.microsoft.com/office/drawing/2014/main" id="{713F89FF-6ED5-4C51-8B84-A8DB1F419E19}"/>
               </a:ext>
             </a:extLst>
           </p:cNvPr>
@@ -20516,49 +20516,49 @@
                 <a:gridCol w="734555">
                   <a:extLst>
                     <a:ext uri="{9D8B030D-6E8A-4147-A177-3AD203B41FA5}">
-                      <a16:colId xmlns:a16="http://schemas.microsoft.com/office/drawing/2014/main" xmlns="" val="3945835650"/>
+                      <a16:colId xmlns="" xmlns:a16="http://schemas.microsoft.com/office/drawing/2014/main" val="3945835650"/>
                     </a:ext>
                   </a:extLst>
                 </a:gridCol>
                 <a:gridCol w="734555">
                   <a:extLst>
                     <a:ext uri="{9D8B030D-6E8A-4147-A177-3AD203B41FA5}">
-                      <a16:colId xmlns:a16="http://schemas.microsoft.com/office/drawing/2014/main" xmlns="" val="2575170332"/>
+                      <a16:colId xmlns="" xmlns:a16="http://schemas.microsoft.com/office/drawing/2014/main" val="2575170332"/>
                     </a:ext>
                   </a:extLst>
                 </a:gridCol>
                 <a:gridCol w="734555">
                   <a:extLst>
                     <a:ext uri="{9D8B030D-6E8A-4147-A177-3AD203B41FA5}">
-                      <a16:colId xmlns:a16="http://schemas.microsoft.com/office/drawing/2014/main" xmlns="" val="1734583873"/>
+                      <a16:colId xmlns="" xmlns:a16="http://schemas.microsoft.com/office/drawing/2014/main" val="1734583873"/>
                     </a:ext>
                   </a:extLst>
                 </a:gridCol>
                 <a:gridCol w="734555">
                   <a:extLst>
                     <a:ext uri="{9D8B030D-6E8A-4147-A177-3AD203B41FA5}">
-                      <a16:colId xmlns:a16="http://schemas.microsoft.com/office/drawing/2014/main" xmlns="" val="1587511665"/>
+                      <a16:colId xmlns="" xmlns:a16="http://schemas.microsoft.com/office/drawing/2014/main" val="1587511665"/>
                     </a:ext>
                   </a:extLst>
                 </a:gridCol>
                 <a:gridCol w="734555">
                   <a:extLst>
                     <a:ext uri="{9D8B030D-6E8A-4147-A177-3AD203B41FA5}">
-                      <a16:colId xmlns:a16="http://schemas.microsoft.com/office/drawing/2014/main" xmlns="" val="3016036210"/>
+                      <a16:colId xmlns="" xmlns:a16="http://schemas.microsoft.com/office/drawing/2014/main" val="3016036210"/>
                     </a:ext>
                   </a:extLst>
                 </a:gridCol>
                 <a:gridCol w="734555">
                   <a:extLst>
                     <a:ext uri="{9D8B030D-6E8A-4147-A177-3AD203B41FA5}">
-                      <a16:colId xmlns:a16="http://schemas.microsoft.com/office/drawing/2014/main" xmlns="" val="1807036605"/>
+                      <a16:colId xmlns="" xmlns:a16="http://schemas.microsoft.com/office/drawing/2014/main" val="1807036605"/>
                     </a:ext>
                   </a:extLst>
                 </a:gridCol>
                 <a:gridCol w="734555">
                   <a:extLst>
                     <a:ext uri="{9D8B030D-6E8A-4147-A177-3AD203B41FA5}">
-                      <a16:colId xmlns:a16="http://schemas.microsoft.com/office/drawing/2014/main" xmlns="" val="3670928212"/>
+                      <a16:colId xmlns="" xmlns:a16="http://schemas.microsoft.com/office/drawing/2014/main" val="3670928212"/>
                     </a:ext>
                   </a:extLst>
                 </a:gridCol>
@@ -20671,7 +20671,7 @@
                 </a:tc>
                 <a:extLst>
                   <a:ext uri="{0D108BD9-81ED-4DB2-BD59-A6C34878D82A}">
-                    <a16:rowId xmlns:a16="http://schemas.microsoft.com/office/drawing/2014/main" xmlns="" val="4245261966"/>
+                    <a16:rowId xmlns="" xmlns:a16="http://schemas.microsoft.com/office/drawing/2014/main" val="4245261966"/>
                   </a:ext>
                 </a:extLst>
               </a:tr>
@@ -20684,7 +20684,7 @@
           <p:cNvPr id="5" name="표 4">
             <a:extLst>
               <a:ext uri="{FF2B5EF4-FFF2-40B4-BE49-F238E27FC236}">
-                <a16:creationId xmlns:a16="http://schemas.microsoft.com/office/drawing/2014/main" xmlns="" id="{3F6B840D-08E7-47F4-96C3-A1C3DE047B20}"/>
+                <a16:creationId xmlns="" xmlns:a16="http://schemas.microsoft.com/office/drawing/2014/main" id="{3F6B840D-08E7-47F4-96C3-A1C3DE047B20}"/>
               </a:ext>
             </a:extLst>
           </p:cNvPr>
@@ -20713,49 +20713,49 @@
                 <a:gridCol w="734555">
                   <a:extLst>
                     <a:ext uri="{9D8B030D-6E8A-4147-A177-3AD203B41FA5}">
-                      <a16:colId xmlns:a16="http://schemas.microsoft.com/office/drawing/2014/main" xmlns="" val="3945835650"/>
+                      <a16:colId xmlns="" xmlns:a16="http://schemas.microsoft.com/office/drawing/2014/main" val="3945835650"/>
                     </a:ext>
                   </a:extLst>
                 </a:gridCol>
                 <a:gridCol w="734555">
                   <a:extLst>
                     <a:ext uri="{9D8B030D-6E8A-4147-A177-3AD203B41FA5}">
-                      <a16:colId xmlns:a16="http://schemas.microsoft.com/office/drawing/2014/main" xmlns="" val="2575170332"/>
+                      <a16:colId xmlns="" xmlns:a16="http://schemas.microsoft.com/office/drawing/2014/main" val="2575170332"/>
                     </a:ext>
                   </a:extLst>
                 </a:gridCol>
                 <a:gridCol w="734555">
                   <a:extLst>
                     <a:ext uri="{9D8B030D-6E8A-4147-A177-3AD203B41FA5}">
-                      <a16:colId xmlns:a16="http://schemas.microsoft.com/office/drawing/2014/main" xmlns="" val="1734583873"/>
+                      <a16:colId xmlns="" xmlns:a16="http://schemas.microsoft.com/office/drawing/2014/main" val="1734583873"/>
                     </a:ext>
                   </a:extLst>
                 </a:gridCol>
                 <a:gridCol w="734555">
                   <a:extLst>
                     <a:ext uri="{9D8B030D-6E8A-4147-A177-3AD203B41FA5}">
-                      <a16:colId xmlns:a16="http://schemas.microsoft.com/office/drawing/2014/main" xmlns="" val="1587511665"/>
+                      <a16:colId xmlns="" xmlns:a16="http://schemas.microsoft.com/office/drawing/2014/main" val="1587511665"/>
                     </a:ext>
                   </a:extLst>
                 </a:gridCol>
                 <a:gridCol w="734555">
                   <a:extLst>
                     <a:ext uri="{9D8B030D-6E8A-4147-A177-3AD203B41FA5}">
-                      <a16:colId xmlns:a16="http://schemas.microsoft.com/office/drawing/2014/main" xmlns="" val="3016036210"/>
+                      <a16:colId xmlns="" xmlns:a16="http://schemas.microsoft.com/office/drawing/2014/main" val="3016036210"/>
                     </a:ext>
                   </a:extLst>
                 </a:gridCol>
                 <a:gridCol w="734555">
                   <a:extLst>
                     <a:ext uri="{9D8B030D-6E8A-4147-A177-3AD203B41FA5}">
-                      <a16:colId xmlns:a16="http://schemas.microsoft.com/office/drawing/2014/main" xmlns="" val="1807036605"/>
+                      <a16:colId xmlns="" xmlns:a16="http://schemas.microsoft.com/office/drawing/2014/main" val="1807036605"/>
                     </a:ext>
                   </a:extLst>
                 </a:gridCol>
                 <a:gridCol w="734555">
                   <a:extLst>
                     <a:ext uri="{9D8B030D-6E8A-4147-A177-3AD203B41FA5}">
-                      <a16:colId xmlns:a16="http://schemas.microsoft.com/office/drawing/2014/main" xmlns="" val="3670928212"/>
+                      <a16:colId xmlns="" xmlns:a16="http://schemas.microsoft.com/office/drawing/2014/main" val="3670928212"/>
                     </a:ext>
                   </a:extLst>
                 </a:gridCol>
@@ -20843,7 +20843,7 @@
                 </a:tc>
                 <a:extLst>
                   <a:ext uri="{0D108BD9-81ED-4DB2-BD59-A6C34878D82A}">
-                    <a16:rowId xmlns:a16="http://schemas.microsoft.com/office/drawing/2014/main" xmlns="" val="4245261966"/>
+                    <a16:rowId xmlns="" xmlns:a16="http://schemas.microsoft.com/office/drawing/2014/main" val="4245261966"/>
                   </a:ext>
                 </a:extLst>
               </a:tr>
@@ -20856,7 +20856,7 @@
           <p:cNvPr id="7" name="직선 화살표 연결선 6">
             <a:extLst>
               <a:ext uri="{FF2B5EF4-FFF2-40B4-BE49-F238E27FC236}">
-                <a16:creationId xmlns:a16="http://schemas.microsoft.com/office/drawing/2014/main" xmlns="" id="{A92051A5-AA44-49A5-B839-4E7E45340429}"/>
+                <a16:creationId xmlns="" xmlns:a16="http://schemas.microsoft.com/office/drawing/2014/main" id="{A92051A5-AA44-49A5-B839-4E7E45340429}"/>
               </a:ext>
             </a:extLst>
           </p:cNvPr>
@@ -20899,7 +20899,7 @@
           <p:cNvPr id="9" name="직사각형 8">
             <a:extLst>
               <a:ext uri="{FF2B5EF4-FFF2-40B4-BE49-F238E27FC236}">
-                <a16:creationId xmlns:a16="http://schemas.microsoft.com/office/drawing/2014/main" xmlns="" id="{22097D4C-5518-4C69-A165-AFA7E3E6B2AD}"/>
+                <a16:creationId xmlns="" xmlns:a16="http://schemas.microsoft.com/office/drawing/2014/main" id="{22097D4C-5518-4C69-A165-AFA7E3E6B2AD}"/>
               </a:ext>
             </a:extLst>
           </p:cNvPr>
@@ -20947,7 +20947,7 @@
           <p:cNvPr id="11" name="직선 화살표 연결선 10">
             <a:extLst>
               <a:ext uri="{FF2B5EF4-FFF2-40B4-BE49-F238E27FC236}">
-                <a16:creationId xmlns:a16="http://schemas.microsoft.com/office/drawing/2014/main" xmlns="" id="{993FD817-7B6A-488C-8CBC-6C3BF690CD6C}"/>
+                <a16:creationId xmlns="" xmlns:a16="http://schemas.microsoft.com/office/drawing/2014/main" id="{993FD817-7B6A-488C-8CBC-6C3BF690CD6C}"/>
               </a:ext>
             </a:extLst>
           </p:cNvPr>
@@ -20989,7 +20989,7 @@
           <p:cNvPr id="14" name="직선 화살표 연결선 13">
             <a:extLst>
               <a:ext uri="{FF2B5EF4-FFF2-40B4-BE49-F238E27FC236}">
-                <a16:creationId xmlns:a16="http://schemas.microsoft.com/office/drawing/2014/main" xmlns="" id="{833B5D72-C0FE-4361-B931-54AA6ECAFE69}"/>
+                <a16:creationId xmlns="" xmlns:a16="http://schemas.microsoft.com/office/drawing/2014/main" id="{833B5D72-C0FE-4361-B931-54AA6ECAFE69}"/>
               </a:ext>
             </a:extLst>
           </p:cNvPr>
@@ -21031,7 +21031,7 @@
           <p:cNvPr id="16" name="직사각형 15">
             <a:extLst>
               <a:ext uri="{FF2B5EF4-FFF2-40B4-BE49-F238E27FC236}">
-                <a16:creationId xmlns:a16="http://schemas.microsoft.com/office/drawing/2014/main" xmlns="" id="{D250C7A4-AD73-4F1C-B127-5926FCD3E892}"/>
+                <a16:creationId xmlns="" xmlns:a16="http://schemas.microsoft.com/office/drawing/2014/main" id="{D250C7A4-AD73-4F1C-B127-5926FCD3E892}"/>
               </a:ext>
             </a:extLst>
           </p:cNvPr>
@@ -21086,7 +21086,7 @@
           <p:cNvPr id="19" name="직선 화살표 연결선 18">
             <a:extLst>
               <a:ext uri="{FF2B5EF4-FFF2-40B4-BE49-F238E27FC236}">
-                <a16:creationId xmlns:a16="http://schemas.microsoft.com/office/drawing/2014/main" xmlns="" id="{30797A38-676D-4AC8-B9FE-FB3E2433174F}"/>
+                <a16:creationId xmlns="" xmlns:a16="http://schemas.microsoft.com/office/drawing/2014/main" id="{30797A38-676D-4AC8-B9FE-FB3E2433174F}"/>
               </a:ext>
             </a:extLst>
           </p:cNvPr>
@@ -21128,7 +21128,7 @@
           <p:cNvPr id="22" name="직선 화살표 연결선 21">
             <a:extLst>
               <a:ext uri="{FF2B5EF4-FFF2-40B4-BE49-F238E27FC236}">
-                <a16:creationId xmlns:a16="http://schemas.microsoft.com/office/drawing/2014/main" xmlns="" id="{C1889E77-320C-45AA-8DED-47D8CCDC3727}"/>
+                <a16:creationId xmlns="" xmlns:a16="http://schemas.microsoft.com/office/drawing/2014/main" id="{C1889E77-320C-45AA-8DED-47D8CCDC3727}"/>
               </a:ext>
             </a:extLst>
           </p:cNvPr>
@@ -21171,7 +21171,7 @@
           <p:cNvPr id="27" name="TextBox 26">
             <a:extLst>
               <a:ext uri="{FF2B5EF4-FFF2-40B4-BE49-F238E27FC236}">
-                <a16:creationId xmlns:a16="http://schemas.microsoft.com/office/drawing/2014/main" xmlns="" id="{3C78C545-6C07-457A-97DF-67A9E2290DDD}"/>
+                <a16:creationId xmlns="" xmlns:a16="http://schemas.microsoft.com/office/drawing/2014/main" id="{3C78C545-6C07-457A-97DF-67A9E2290DDD}"/>
               </a:ext>
             </a:extLst>
           </p:cNvPr>
@@ -21207,7 +21207,7 @@
           <p:cNvPr id="28" name="TextBox 27">
             <a:extLst>
               <a:ext uri="{FF2B5EF4-FFF2-40B4-BE49-F238E27FC236}">
-                <a16:creationId xmlns:a16="http://schemas.microsoft.com/office/drawing/2014/main" xmlns="" id="{C4D5B7D3-6188-424E-BB7C-8B272F438DF1}"/>
+                <a16:creationId xmlns="" xmlns:a16="http://schemas.microsoft.com/office/drawing/2014/main" id="{C4D5B7D3-6188-424E-BB7C-8B272F438DF1}"/>
               </a:ext>
             </a:extLst>
           </p:cNvPr>
@@ -21243,7 +21243,7 @@
           <p:cNvPr id="29" name="TextBox 28">
             <a:extLst>
               <a:ext uri="{FF2B5EF4-FFF2-40B4-BE49-F238E27FC236}">
-                <a16:creationId xmlns:a16="http://schemas.microsoft.com/office/drawing/2014/main" xmlns="" id="{2412A45E-A7BB-4937-B641-6923AC946888}"/>
+                <a16:creationId xmlns="" xmlns:a16="http://schemas.microsoft.com/office/drawing/2014/main" id="{2412A45E-A7BB-4937-B641-6923AC946888}"/>
               </a:ext>
             </a:extLst>
           </p:cNvPr>
@@ -21278,7 +21278,7 @@
           <p:cNvPr id="30" name="직선 화살표 연결선 29">
             <a:extLst>
               <a:ext uri="{FF2B5EF4-FFF2-40B4-BE49-F238E27FC236}">
-                <a16:creationId xmlns:a16="http://schemas.microsoft.com/office/drawing/2014/main" xmlns="" id="{19165317-FC1C-448B-86FF-C9FCD2A5DE62}"/>
+                <a16:creationId xmlns="" xmlns:a16="http://schemas.microsoft.com/office/drawing/2014/main" id="{19165317-FC1C-448B-86FF-C9FCD2A5DE62}"/>
               </a:ext>
             </a:extLst>
           </p:cNvPr>
@@ -21321,7 +21321,7 @@
           <p:cNvPr id="33" name="TextBox 32">
             <a:extLst>
               <a:ext uri="{FF2B5EF4-FFF2-40B4-BE49-F238E27FC236}">
-                <a16:creationId xmlns:a16="http://schemas.microsoft.com/office/drawing/2014/main" xmlns="" id="{0C722613-01E5-4817-81CD-2650E058E956}"/>
+                <a16:creationId xmlns="" xmlns:a16="http://schemas.microsoft.com/office/drawing/2014/main" id="{0C722613-01E5-4817-81CD-2650E058E956}"/>
               </a:ext>
             </a:extLst>
           </p:cNvPr>
@@ -21389,10 +21389,57 @@
       </p:grpSpPr>
       <p:sp>
         <p:nvSpPr>
+          <p:cNvPr id="41" name="타원 40">
+            <a:extLst>
+              <a:ext uri="{FF2B5EF4-FFF2-40B4-BE49-F238E27FC236}">
+                <a16:creationId xmlns="" xmlns:a16="http://schemas.microsoft.com/office/drawing/2014/main" id="{1E99BFA2-C56B-43DA-9D2A-CB3FD55B2F28}"/>
+              </a:ext>
+            </a:extLst>
+          </p:cNvPr>
+          <p:cNvSpPr/>
+          <p:nvPr/>
+        </p:nvSpPr>
+        <p:spPr>
+          <a:xfrm>
+            <a:off x="351913" y="3620848"/>
+            <a:ext cx="403168" cy="403168"/>
+          </a:xfrm>
+          <a:prstGeom prst="ellipse">
+            <a:avLst/>
+          </a:prstGeom>
+          <a:solidFill>
+            <a:schemeClr val="bg1"/>
+          </a:solidFill>
+        </p:spPr>
+        <p:style>
+          <a:lnRef idx="2">
+            <a:schemeClr val="dk1"/>
+          </a:lnRef>
+          <a:fillRef idx="1">
+            <a:schemeClr val="lt1"/>
+          </a:fillRef>
+          <a:effectRef idx="0">
+            <a:schemeClr val="dk1"/>
+          </a:effectRef>
+          <a:fontRef idx="minor">
+            <a:schemeClr val="dk1"/>
+          </a:fontRef>
+        </p:style>
+        <p:txBody>
+          <a:bodyPr rtlCol="0" anchor="ctr"/>
+          <a:lstStyle/>
+          <a:p>
+            <a:pPr algn="ctr"/>
+            <a:endParaRPr lang="ko-KR" altLang="en-US" sz="800" dirty="0"/>
+          </a:p>
+        </p:txBody>
+      </p:sp>
+      <p:sp>
+        <p:nvSpPr>
           <p:cNvPr id="42" name="TextBox 41">
             <a:extLst>
               <a:ext uri="{FF2B5EF4-FFF2-40B4-BE49-F238E27FC236}">
-                <a16:creationId xmlns:a16="http://schemas.microsoft.com/office/drawing/2014/main" xmlns="" id="{92A71E72-706F-43F2-B78A-642D2E8384E5}"/>
+                <a16:creationId xmlns="" xmlns:a16="http://schemas.microsoft.com/office/drawing/2014/main" id="{92A71E72-706F-43F2-B78A-642D2E8384E5}"/>
               </a:ext>
             </a:extLst>
           </p:cNvPr>
@@ -21428,7 +21475,7 @@
           <p:cNvPr id="43" name="그룹 42">
             <a:extLst>
               <a:ext uri="{FF2B5EF4-FFF2-40B4-BE49-F238E27FC236}">
-                <a16:creationId xmlns:a16="http://schemas.microsoft.com/office/drawing/2014/main" xmlns="" id="{DB9B8A62-69E1-42BE-B826-901A84EA176C}"/>
+                <a16:creationId xmlns="" xmlns:a16="http://schemas.microsoft.com/office/drawing/2014/main" id="{DB9B8A62-69E1-42BE-B826-901A84EA176C}"/>
               </a:ext>
             </a:extLst>
           </p:cNvPr>
@@ -21448,7 +21495,7 @@
             <p:cNvPr id="26" name="타원 25">
               <a:extLst>
                 <a:ext uri="{FF2B5EF4-FFF2-40B4-BE49-F238E27FC236}">
-                  <a16:creationId xmlns:a16="http://schemas.microsoft.com/office/drawing/2014/main" xmlns="" id="{6646E2A2-D7A2-4970-86B2-26AED0D12339}"/>
+                  <a16:creationId xmlns="" xmlns:a16="http://schemas.microsoft.com/office/drawing/2014/main" id="{6646E2A2-D7A2-4970-86B2-26AED0D12339}"/>
                 </a:ext>
               </a:extLst>
             </p:cNvPr>
@@ -21492,7 +21539,7 @@
             <p:cNvPr id="29" name="타원 28">
               <a:extLst>
                 <a:ext uri="{FF2B5EF4-FFF2-40B4-BE49-F238E27FC236}">
-                  <a16:creationId xmlns:a16="http://schemas.microsoft.com/office/drawing/2014/main" xmlns="" id="{55125D5F-35B4-49A1-88E0-112A03803CF8}"/>
+                  <a16:creationId xmlns="" xmlns:a16="http://schemas.microsoft.com/office/drawing/2014/main" id="{55125D5F-35B4-49A1-88E0-112A03803CF8}"/>
                 </a:ext>
               </a:extLst>
             </p:cNvPr>
@@ -21536,7 +21583,7 @@
             <p:cNvPr id="27" name="타원 26">
               <a:extLst>
                 <a:ext uri="{FF2B5EF4-FFF2-40B4-BE49-F238E27FC236}">
-                  <a16:creationId xmlns:a16="http://schemas.microsoft.com/office/drawing/2014/main" xmlns="" id="{4649862C-50BB-43FE-AC5C-F36B64048C13}"/>
+                  <a16:creationId xmlns="" xmlns:a16="http://schemas.microsoft.com/office/drawing/2014/main" id="{4649862C-50BB-43FE-AC5C-F36B64048C13}"/>
                 </a:ext>
               </a:extLst>
             </p:cNvPr>
@@ -21580,7 +21627,7 @@
             <p:cNvPr id="28" name="타원 27">
               <a:extLst>
                 <a:ext uri="{FF2B5EF4-FFF2-40B4-BE49-F238E27FC236}">
-                  <a16:creationId xmlns:a16="http://schemas.microsoft.com/office/drawing/2014/main" xmlns="" id="{411038F8-1D68-43D1-854D-7590B6AEF246}"/>
+                  <a16:creationId xmlns="" xmlns:a16="http://schemas.microsoft.com/office/drawing/2014/main" id="{411038F8-1D68-43D1-854D-7590B6AEF246}"/>
                 </a:ext>
               </a:extLst>
             </p:cNvPr>
@@ -21624,7 +21671,7 @@
             <p:cNvPr id="16" name="그룹 15">
               <a:extLst>
                 <a:ext uri="{FF2B5EF4-FFF2-40B4-BE49-F238E27FC236}">
-                  <a16:creationId xmlns:a16="http://schemas.microsoft.com/office/drawing/2014/main" xmlns="" id="{D7163FBE-AF7D-44C6-B5F4-0BBF7DB56904}"/>
+                  <a16:creationId xmlns="" xmlns:a16="http://schemas.microsoft.com/office/drawing/2014/main" id="{D7163FBE-AF7D-44C6-B5F4-0BBF7DB56904}"/>
                 </a:ext>
               </a:extLst>
             </p:cNvPr>
@@ -21644,7 +21691,7 @@
               <p:cNvPr id="13" name="타원 12">
                 <a:extLst>
                   <a:ext uri="{FF2B5EF4-FFF2-40B4-BE49-F238E27FC236}">
-                    <a16:creationId xmlns:a16="http://schemas.microsoft.com/office/drawing/2014/main" xmlns="" id="{E419943F-6075-46CA-9AC9-CC9B2F30AA76}"/>
+                    <a16:creationId xmlns="" xmlns:a16="http://schemas.microsoft.com/office/drawing/2014/main" id="{E419943F-6075-46CA-9AC9-CC9B2F30AA76}"/>
                   </a:ext>
                 </a:extLst>
               </p:cNvPr>
@@ -21688,7 +21735,7 @@
               <p:cNvPr id="14" name="타원 13">
                 <a:extLst>
                   <a:ext uri="{FF2B5EF4-FFF2-40B4-BE49-F238E27FC236}">
-                    <a16:creationId xmlns:a16="http://schemas.microsoft.com/office/drawing/2014/main" xmlns="" id="{5573F3BB-7708-43BF-9A13-83B1FA25A975}"/>
+                    <a16:creationId xmlns="" xmlns:a16="http://schemas.microsoft.com/office/drawing/2014/main" id="{5573F3BB-7708-43BF-9A13-83B1FA25A975}"/>
                   </a:ext>
                 </a:extLst>
               </p:cNvPr>
@@ -21732,7 +21779,7 @@
               <p:cNvPr id="15" name="타원 14">
                 <a:extLst>
                   <a:ext uri="{FF2B5EF4-FFF2-40B4-BE49-F238E27FC236}">
-                    <a16:creationId xmlns:a16="http://schemas.microsoft.com/office/drawing/2014/main" xmlns="" id="{0E78523E-EE8D-4C1C-AD3B-1F74BDA65D51}"/>
+                    <a16:creationId xmlns="" xmlns:a16="http://schemas.microsoft.com/office/drawing/2014/main" id="{0E78523E-EE8D-4C1C-AD3B-1F74BDA65D51}"/>
                   </a:ext>
                 </a:extLst>
               </p:cNvPr>
@@ -21777,7 +21824,7 @@
             <p:cNvPr id="7" name="타원 6">
               <a:extLst>
                 <a:ext uri="{FF2B5EF4-FFF2-40B4-BE49-F238E27FC236}">
-                  <a16:creationId xmlns:a16="http://schemas.microsoft.com/office/drawing/2014/main" xmlns="" id="{0DE023DB-3A5F-494E-B296-AB3B05071721}"/>
+                  <a16:creationId xmlns="" xmlns:a16="http://schemas.microsoft.com/office/drawing/2014/main" id="{0DE023DB-3A5F-494E-B296-AB3B05071721}"/>
                 </a:ext>
               </a:extLst>
             </p:cNvPr>
@@ -21821,7 +21868,7 @@
             <p:cNvPr id="21" name="TextBox 20">
               <a:extLst>
                 <a:ext uri="{FF2B5EF4-FFF2-40B4-BE49-F238E27FC236}">
-                  <a16:creationId xmlns:a16="http://schemas.microsoft.com/office/drawing/2014/main" xmlns="" id="{BC5ED1E0-F3E7-4769-A247-942F742967D9}"/>
+                  <a16:creationId xmlns="" xmlns:a16="http://schemas.microsoft.com/office/drawing/2014/main" id="{BC5ED1E0-F3E7-4769-A247-942F742967D9}"/>
                 </a:ext>
               </a:extLst>
             </p:cNvPr>
@@ -21857,7 +21904,7 @@
             <p:cNvPr id="30" name="타원 29">
               <a:extLst>
                 <a:ext uri="{FF2B5EF4-FFF2-40B4-BE49-F238E27FC236}">
-                  <a16:creationId xmlns:a16="http://schemas.microsoft.com/office/drawing/2014/main" xmlns="" id="{D393BE61-2D27-4576-AA86-52803094BB7B}"/>
+                  <a16:creationId xmlns="" xmlns:a16="http://schemas.microsoft.com/office/drawing/2014/main" id="{D393BE61-2D27-4576-AA86-52803094BB7B}"/>
                 </a:ext>
               </a:extLst>
             </p:cNvPr>
@@ -21901,7 +21948,7 @@
             <p:cNvPr id="31" name="타원 30">
               <a:extLst>
                 <a:ext uri="{FF2B5EF4-FFF2-40B4-BE49-F238E27FC236}">
-                  <a16:creationId xmlns:a16="http://schemas.microsoft.com/office/drawing/2014/main" xmlns="" id="{D2F2DDBE-7BF8-46D2-B2DB-78E232E04AF7}"/>
+                  <a16:creationId xmlns="" xmlns:a16="http://schemas.microsoft.com/office/drawing/2014/main" id="{D2F2DDBE-7BF8-46D2-B2DB-78E232E04AF7}"/>
                 </a:ext>
               </a:extLst>
             </p:cNvPr>
@@ -21945,7 +21992,7 @@
             <p:cNvPr id="32" name="타원 31">
               <a:extLst>
                 <a:ext uri="{FF2B5EF4-FFF2-40B4-BE49-F238E27FC236}">
-                  <a16:creationId xmlns:a16="http://schemas.microsoft.com/office/drawing/2014/main" xmlns="" id="{46407309-4396-4AF5-ABD2-C220F3FDD718}"/>
+                  <a16:creationId xmlns="" xmlns:a16="http://schemas.microsoft.com/office/drawing/2014/main" id="{46407309-4396-4AF5-ABD2-C220F3FDD718}"/>
                 </a:ext>
               </a:extLst>
             </p:cNvPr>
@@ -21989,7 +22036,7 @@
             <p:cNvPr id="33" name="TextBox 32">
               <a:extLst>
                 <a:ext uri="{FF2B5EF4-FFF2-40B4-BE49-F238E27FC236}">
-                  <a16:creationId xmlns:a16="http://schemas.microsoft.com/office/drawing/2014/main" xmlns="" id="{37E62AA6-DF5E-445A-AD7C-6C6B17F0BAD9}"/>
+                  <a16:creationId xmlns="" xmlns:a16="http://schemas.microsoft.com/office/drawing/2014/main" id="{37E62AA6-DF5E-445A-AD7C-6C6B17F0BAD9}"/>
                 </a:ext>
               </a:extLst>
             </p:cNvPr>
@@ -22025,7 +22072,7 @@
             <p:cNvPr id="34" name="TextBox 33">
               <a:extLst>
                 <a:ext uri="{FF2B5EF4-FFF2-40B4-BE49-F238E27FC236}">
-                  <a16:creationId xmlns:a16="http://schemas.microsoft.com/office/drawing/2014/main" xmlns="" id="{C200B9F8-840E-4D62-A04C-A75F9533BDD1}"/>
+                  <a16:creationId xmlns="" xmlns:a16="http://schemas.microsoft.com/office/drawing/2014/main" id="{C200B9F8-840E-4D62-A04C-A75F9533BDD1}"/>
                 </a:ext>
               </a:extLst>
             </p:cNvPr>
@@ -22061,7 +22108,7 @@
             <p:cNvPr id="35" name="TextBox 34">
               <a:extLst>
                 <a:ext uri="{FF2B5EF4-FFF2-40B4-BE49-F238E27FC236}">
-                  <a16:creationId xmlns:a16="http://schemas.microsoft.com/office/drawing/2014/main" xmlns="" id="{37D4C68E-8E24-49E4-9C01-515AAC2F401A}"/>
+                  <a16:creationId xmlns="" xmlns:a16="http://schemas.microsoft.com/office/drawing/2014/main" id="{37D4C68E-8E24-49E4-9C01-515AAC2F401A}"/>
                 </a:ext>
               </a:extLst>
             </p:cNvPr>
@@ -22097,7 +22144,7 @@
             <p:cNvPr id="36" name="TextBox 35">
               <a:extLst>
                 <a:ext uri="{FF2B5EF4-FFF2-40B4-BE49-F238E27FC236}">
-                  <a16:creationId xmlns:a16="http://schemas.microsoft.com/office/drawing/2014/main" xmlns="" id="{749CE5CE-5FB2-42E8-99CE-B358DD895EB5}"/>
+                  <a16:creationId xmlns="" xmlns:a16="http://schemas.microsoft.com/office/drawing/2014/main" id="{749CE5CE-5FB2-42E8-99CE-B358DD895EB5}"/>
                 </a:ext>
               </a:extLst>
             </p:cNvPr>
@@ -22133,7 +22180,7 @@
             <p:cNvPr id="37" name="TextBox 36">
               <a:extLst>
                 <a:ext uri="{FF2B5EF4-FFF2-40B4-BE49-F238E27FC236}">
-                  <a16:creationId xmlns:a16="http://schemas.microsoft.com/office/drawing/2014/main" xmlns="" id="{F2EF07B2-7A70-4C93-853A-CD4970F1096E}"/>
+                  <a16:creationId xmlns="" xmlns:a16="http://schemas.microsoft.com/office/drawing/2014/main" id="{F2EF07B2-7A70-4C93-853A-CD4970F1096E}"/>
                 </a:ext>
               </a:extLst>
             </p:cNvPr>
@@ -22169,7 +22216,7 @@
             <p:cNvPr id="38" name="TextBox 37">
               <a:extLst>
                 <a:ext uri="{FF2B5EF4-FFF2-40B4-BE49-F238E27FC236}">
-                  <a16:creationId xmlns:a16="http://schemas.microsoft.com/office/drawing/2014/main" xmlns="" id="{0562E53D-D7A6-4299-ABC7-1401A6757BDF}"/>
+                  <a16:creationId xmlns="" xmlns:a16="http://schemas.microsoft.com/office/drawing/2014/main" id="{0562E53D-D7A6-4299-ABC7-1401A6757BDF}"/>
                 </a:ext>
               </a:extLst>
             </p:cNvPr>
@@ -22205,7 +22252,7 @@
             <p:cNvPr id="39" name="TextBox 38">
               <a:extLst>
                 <a:ext uri="{FF2B5EF4-FFF2-40B4-BE49-F238E27FC236}">
-                  <a16:creationId xmlns:a16="http://schemas.microsoft.com/office/drawing/2014/main" xmlns="" id="{6DE82D36-7A24-4002-B728-356B40E46FA0}"/>
+                  <a16:creationId xmlns="" xmlns:a16="http://schemas.microsoft.com/office/drawing/2014/main" id="{6DE82D36-7A24-4002-B728-356B40E46FA0}"/>
                 </a:ext>
               </a:extLst>
             </p:cNvPr>
@@ -22237,57 +22284,12 @@
           </p:txBody>
         </p:sp>
       </p:grpSp>
-      <p:sp>
-        <p:nvSpPr>
-          <p:cNvPr id="41" name="타원 40">
-            <a:extLst>
-              <a:ext uri="{FF2B5EF4-FFF2-40B4-BE49-F238E27FC236}">
-                <a16:creationId xmlns:a16="http://schemas.microsoft.com/office/drawing/2014/main" xmlns="" id="{1E99BFA2-C56B-43DA-9D2A-CB3FD55B2F28}"/>
-              </a:ext>
-            </a:extLst>
-          </p:cNvPr>
-          <p:cNvSpPr/>
-          <p:nvPr/>
-        </p:nvSpPr>
-        <p:spPr>
-          <a:xfrm>
-            <a:off x="351913" y="3620848"/>
-            <a:ext cx="403168" cy="403168"/>
-          </a:xfrm>
-          <a:prstGeom prst="ellipse">
-            <a:avLst/>
-          </a:prstGeom>
-          <a:noFill/>
-        </p:spPr>
-        <p:style>
-          <a:lnRef idx="2">
-            <a:schemeClr val="dk1"/>
-          </a:lnRef>
-          <a:fillRef idx="1">
-            <a:schemeClr val="lt1"/>
-          </a:fillRef>
-          <a:effectRef idx="0">
-            <a:schemeClr val="dk1"/>
-          </a:effectRef>
-          <a:fontRef idx="minor">
-            <a:schemeClr val="dk1"/>
-          </a:fontRef>
-        </p:style>
-        <p:txBody>
-          <a:bodyPr rtlCol="0" anchor="ctr"/>
-          <a:lstStyle/>
-          <a:p>
-            <a:pPr algn="ctr"/>
-            <a:endParaRPr lang="ko-KR" altLang="en-US" sz="800" dirty="0"/>
-          </a:p>
-        </p:txBody>
-      </p:sp>
       <p:grpSp>
         <p:nvGrpSpPr>
           <p:cNvPr id="45" name="그룹 44">
             <a:extLst>
               <a:ext uri="{FF2B5EF4-FFF2-40B4-BE49-F238E27FC236}">
-                <a16:creationId xmlns:a16="http://schemas.microsoft.com/office/drawing/2014/main" xmlns="" id="{1BF90388-6B3B-4D50-8FE9-1B5B88842B3F}"/>
+                <a16:creationId xmlns="" xmlns:a16="http://schemas.microsoft.com/office/drawing/2014/main" id="{1BF90388-6B3B-4D50-8FE9-1B5B88842B3F}"/>
               </a:ext>
             </a:extLst>
           </p:cNvPr>
@@ -22307,7 +22309,7 @@
             <p:cNvPr id="53" name="타원 52">
               <a:extLst>
                 <a:ext uri="{FF2B5EF4-FFF2-40B4-BE49-F238E27FC236}">
-                  <a16:creationId xmlns:a16="http://schemas.microsoft.com/office/drawing/2014/main" xmlns="" id="{FA866973-3611-4576-9926-7C872B693EBB}"/>
+                  <a16:creationId xmlns="" xmlns:a16="http://schemas.microsoft.com/office/drawing/2014/main" id="{FA866973-3611-4576-9926-7C872B693EBB}"/>
                 </a:ext>
               </a:extLst>
             </p:cNvPr>
@@ -22351,7 +22353,7 @@
             <p:cNvPr id="51" name="타원 50">
               <a:extLst>
                 <a:ext uri="{FF2B5EF4-FFF2-40B4-BE49-F238E27FC236}">
-                  <a16:creationId xmlns:a16="http://schemas.microsoft.com/office/drawing/2014/main" xmlns="" id="{612A8969-FAA0-4DD1-864B-00FFE76B83B2}"/>
+                  <a16:creationId xmlns="" xmlns:a16="http://schemas.microsoft.com/office/drawing/2014/main" id="{612A8969-FAA0-4DD1-864B-00FFE76B83B2}"/>
                 </a:ext>
               </a:extLst>
             </p:cNvPr>
@@ -22395,7 +22397,7 @@
             <p:cNvPr id="54" name="타원 53">
               <a:extLst>
                 <a:ext uri="{FF2B5EF4-FFF2-40B4-BE49-F238E27FC236}">
-                  <a16:creationId xmlns:a16="http://schemas.microsoft.com/office/drawing/2014/main" xmlns="" id="{C7CF24D0-E55D-448C-A43E-18F786762800}"/>
+                  <a16:creationId xmlns="" xmlns:a16="http://schemas.microsoft.com/office/drawing/2014/main" id="{C7CF24D0-E55D-448C-A43E-18F786762800}"/>
                 </a:ext>
               </a:extLst>
             </p:cNvPr>
@@ -22439,7 +22441,7 @@
             <p:cNvPr id="46" name="그룹 45">
               <a:extLst>
                 <a:ext uri="{FF2B5EF4-FFF2-40B4-BE49-F238E27FC236}">
-                  <a16:creationId xmlns:a16="http://schemas.microsoft.com/office/drawing/2014/main" xmlns="" id="{273D2D9E-B515-4B3B-9379-92822F656011}"/>
+                  <a16:creationId xmlns="" xmlns:a16="http://schemas.microsoft.com/office/drawing/2014/main" id="{273D2D9E-B515-4B3B-9379-92822F656011}"/>
                 </a:ext>
               </a:extLst>
             </p:cNvPr>
@@ -22459,7 +22461,7 @@
               <p:cNvPr id="67" name="타원 66">
                 <a:extLst>
                   <a:ext uri="{FF2B5EF4-FFF2-40B4-BE49-F238E27FC236}">
-                    <a16:creationId xmlns:a16="http://schemas.microsoft.com/office/drawing/2014/main" xmlns="" id="{26996971-C9FA-463A-AB54-297BB62B5D98}"/>
+                    <a16:creationId xmlns="" xmlns:a16="http://schemas.microsoft.com/office/drawing/2014/main" id="{26996971-C9FA-463A-AB54-297BB62B5D98}"/>
                   </a:ext>
                 </a:extLst>
               </p:cNvPr>
@@ -22503,7 +22505,7 @@
               <p:cNvPr id="68" name="타원 67">
                 <a:extLst>
                   <a:ext uri="{FF2B5EF4-FFF2-40B4-BE49-F238E27FC236}">
-                    <a16:creationId xmlns:a16="http://schemas.microsoft.com/office/drawing/2014/main" xmlns="" id="{B8592888-D896-40F3-95F6-D9A7A1E24FDF}"/>
+                    <a16:creationId xmlns="" xmlns:a16="http://schemas.microsoft.com/office/drawing/2014/main" id="{B8592888-D896-40F3-95F6-D9A7A1E24FDF}"/>
                   </a:ext>
                 </a:extLst>
               </p:cNvPr>
@@ -22547,7 +22549,7 @@
               <p:cNvPr id="69" name="타원 68">
                 <a:extLst>
                   <a:ext uri="{FF2B5EF4-FFF2-40B4-BE49-F238E27FC236}">
-                    <a16:creationId xmlns:a16="http://schemas.microsoft.com/office/drawing/2014/main" xmlns="" id="{9AD9142D-D921-42CD-95EA-7B1D316F1B44}"/>
+                    <a16:creationId xmlns="" xmlns:a16="http://schemas.microsoft.com/office/drawing/2014/main" id="{9AD9142D-D921-42CD-95EA-7B1D316F1B44}"/>
                   </a:ext>
                 </a:extLst>
               </p:cNvPr>
@@ -22592,7 +22594,7 @@
             <p:cNvPr id="48" name="타원 47">
               <a:extLst>
                 <a:ext uri="{FF2B5EF4-FFF2-40B4-BE49-F238E27FC236}">
-                  <a16:creationId xmlns:a16="http://schemas.microsoft.com/office/drawing/2014/main" xmlns="" id="{913C10E5-E2A6-4E7E-9B40-75B72A3ED087}"/>
+                  <a16:creationId xmlns="" xmlns:a16="http://schemas.microsoft.com/office/drawing/2014/main" id="{913C10E5-E2A6-4E7E-9B40-75B72A3ED087}"/>
                 </a:ext>
               </a:extLst>
             </p:cNvPr>
@@ -22636,7 +22638,7 @@
             <p:cNvPr id="49" name="TextBox 48">
               <a:extLst>
                 <a:ext uri="{FF2B5EF4-FFF2-40B4-BE49-F238E27FC236}">
-                  <a16:creationId xmlns:a16="http://schemas.microsoft.com/office/drawing/2014/main" xmlns="" id="{41A8D3EB-4424-4E96-858F-635BFB0FC3F1}"/>
+                  <a16:creationId xmlns="" xmlns:a16="http://schemas.microsoft.com/office/drawing/2014/main" id="{41A8D3EB-4424-4E96-858F-635BFB0FC3F1}"/>
                 </a:ext>
               </a:extLst>
             </p:cNvPr>
@@ -22672,7 +22674,7 @@
             <p:cNvPr id="50" name="타원 49">
               <a:extLst>
                 <a:ext uri="{FF2B5EF4-FFF2-40B4-BE49-F238E27FC236}">
-                  <a16:creationId xmlns:a16="http://schemas.microsoft.com/office/drawing/2014/main" xmlns="" id="{A62BDDBB-AA91-4D53-B6B3-BEA20803F2A6}"/>
+                  <a16:creationId xmlns="" xmlns:a16="http://schemas.microsoft.com/office/drawing/2014/main" id="{A62BDDBB-AA91-4D53-B6B3-BEA20803F2A6}"/>
                 </a:ext>
               </a:extLst>
             </p:cNvPr>
@@ -22716,7 +22718,7 @@
             <p:cNvPr id="52" name="타원 51">
               <a:extLst>
                 <a:ext uri="{FF2B5EF4-FFF2-40B4-BE49-F238E27FC236}">
-                  <a16:creationId xmlns:a16="http://schemas.microsoft.com/office/drawing/2014/main" xmlns="" id="{7498BF9E-9E49-4A21-A52A-6B3D82F10B11}"/>
+                  <a16:creationId xmlns="" xmlns:a16="http://schemas.microsoft.com/office/drawing/2014/main" id="{7498BF9E-9E49-4A21-A52A-6B3D82F10B11}"/>
                 </a:ext>
               </a:extLst>
             </p:cNvPr>
@@ -22760,7 +22762,7 @@
             <p:cNvPr id="55" name="타원 54">
               <a:extLst>
                 <a:ext uri="{FF2B5EF4-FFF2-40B4-BE49-F238E27FC236}">
-                  <a16:creationId xmlns:a16="http://schemas.microsoft.com/office/drawing/2014/main" xmlns="" id="{712352AB-C7C4-4985-B4C5-08BE4180BFAB}"/>
+                  <a16:creationId xmlns="" xmlns:a16="http://schemas.microsoft.com/office/drawing/2014/main" id="{712352AB-C7C4-4985-B4C5-08BE4180BFAB}"/>
                 </a:ext>
               </a:extLst>
             </p:cNvPr>
@@ -22804,7 +22806,7 @@
             <p:cNvPr id="56" name="타원 55">
               <a:extLst>
                 <a:ext uri="{FF2B5EF4-FFF2-40B4-BE49-F238E27FC236}">
-                  <a16:creationId xmlns:a16="http://schemas.microsoft.com/office/drawing/2014/main" xmlns="" id="{CB6DDC14-EFF2-48A8-8F1F-277FE3EAE546}"/>
+                  <a16:creationId xmlns="" xmlns:a16="http://schemas.microsoft.com/office/drawing/2014/main" id="{CB6DDC14-EFF2-48A8-8F1F-277FE3EAE546}"/>
                 </a:ext>
               </a:extLst>
             </p:cNvPr>
@@ -22848,7 +22850,7 @@
             <p:cNvPr id="57" name="TextBox 56">
               <a:extLst>
                 <a:ext uri="{FF2B5EF4-FFF2-40B4-BE49-F238E27FC236}">
-                  <a16:creationId xmlns:a16="http://schemas.microsoft.com/office/drawing/2014/main" xmlns="" id="{1AE752D8-5688-49A0-ADFB-CE53B122EE24}"/>
+                  <a16:creationId xmlns="" xmlns:a16="http://schemas.microsoft.com/office/drawing/2014/main" id="{1AE752D8-5688-49A0-ADFB-CE53B122EE24}"/>
                 </a:ext>
               </a:extLst>
             </p:cNvPr>
@@ -22884,7 +22886,7 @@
             <p:cNvPr id="58" name="TextBox 57">
               <a:extLst>
                 <a:ext uri="{FF2B5EF4-FFF2-40B4-BE49-F238E27FC236}">
-                  <a16:creationId xmlns:a16="http://schemas.microsoft.com/office/drawing/2014/main" xmlns="" id="{51F65960-C7EF-4018-B33E-C69DDD3F7653}"/>
+                  <a16:creationId xmlns="" xmlns:a16="http://schemas.microsoft.com/office/drawing/2014/main" id="{51F65960-C7EF-4018-B33E-C69DDD3F7653}"/>
                 </a:ext>
               </a:extLst>
             </p:cNvPr>
@@ -22921,7 +22923,7 @@
             <p:cNvPr id="59" name="TextBox 58">
               <a:extLst>
                 <a:ext uri="{FF2B5EF4-FFF2-40B4-BE49-F238E27FC236}">
-                  <a16:creationId xmlns:a16="http://schemas.microsoft.com/office/drawing/2014/main" xmlns="" id="{641F922E-2DA0-4F6C-A98D-F12C899EC82B}"/>
+                  <a16:creationId xmlns="" xmlns:a16="http://schemas.microsoft.com/office/drawing/2014/main" id="{641F922E-2DA0-4F6C-A98D-F12C899EC82B}"/>
                 </a:ext>
               </a:extLst>
             </p:cNvPr>
@@ -22957,7 +22959,7 @@
             <p:cNvPr id="60" name="TextBox 59">
               <a:extLst>
                 <a:ext uri="{FF2B5EF4-FFF2-40B4-BE49-F238E27FC236}">
-                  <a16:creationId xmlns:a16="http://schemas.microsoft.com/office/drawing/2014/main" xmlns="" id="{595330F7-7E6C-4C86-AA59-E6AD3C3FA525}"/>
+                  <a16:creationId xmlns="" xmlns:a16="http://schemas.microsoft.com/office/drawing/2014/main" id="{595330F7-7E6C-4C86-AA59-E6AD3C3FA525}"/>
                 </a:ext>
               </a:extLst>
             </p:cNvPr>
@@ -22993,7 +22995,7 @@
             <p:cNvPr id="61" name="TextBox 60">
               <a:extLst>
                 <a:ext uri="{FF2B5EF4-FFF2-40B4-BE49-F238E27FC236}">
-                  <a16:creationId xmlns:a16="http://schemas.microsoft.com/office/drawing/2014/main" xmlns="" id="{4A02E220-6184-4B6C-B6D4-F95F43A5E5D7}"/>
+                  <a16:creationId xmlns="" xmlns:a16="http://schemas.microsoft.com/office/drawing/2014/main" id="{4A02E220-6184-4B6C-B6D4-F95F43A5E5D7}"/>
                 </a:ext>
               </a:extLst>
             </p:cNvPr>
@@ -23029,7 +23031,7 @@
             <p:cNvPr id="62" name="TextBox 61">
               <a:extLst>
                 <a:ext uri="{FF2B5EF4-FFF2-40B4-BE49-F238E27FC236}">
-                  <a16:creationId xmlns:a16="http://schemas.microsoft.com/office/drawing/2014/main" xmlns="" id="{0CCB46DA-8E77-4839-B872-5FB2B3926A13}"/>
+                  <a16:creationId xmlns="" xmlns:a16="http://schemas.microsoft.com/office/drawing/2014/main" id="{0CCB46DA-8E77-4839-B872-5FB2B3926A13}"/>
                 </a:ext>
               </a:extLst>
             </p:cNvPr>
@@ -23065,7 +23067,7 @@
             <p:cNvPr id="63" name="TextBox 62">
               <a:extLst>
                 <a:ext uri="{FF2B5EF4-FFF2-40B4-BE49-F238E27FC236}">
-                  <a16:creationId xmlns:a16="http://schemas.microsoft.com/office/drawing/2014/main" xmlns="" id="{D74F499E-E291-4FFF-983D-7B208693C636}"/>
+                  <a16:creationId xmlns="" xmlns:a16="http://schemas.microsoft.com/office/drawing/2014/main" id="{D74F499E-E291-4FFF-983D-7B208693C636}"/>
                 </a:ext>
               </a:extLst>
             </p:cNvPr>
@@ -23102,7 +23104,7 @@
           <p:cNvPr id="70" name="그룹 69">
             <a:extLst>
               <a:ext uri="{FF2B5EF4-FFF2-40B4-BE49-F238E27FC236}">
-                <a16:creationId xmlns:a16="http://schemas.microsoft.com/office/drawing/2014/main" xmlns="" id="{8C5EFA26-1D77-48F8-98FD-825108361E55}"/>
+                <a16:creationId xmlns="" xmlns:a16="http://schemas.microsoft.com/office/drawing/2014/main" id="{8C5EFA26-1D77-48F8-98FD-825108361E55}"/>
               </a:ext>
             </a:extLst>
           </p:cNvPr>
@@ -23122,7 +23124,7 @@
             <p:cNvPr id="79" name="타원 78">
               <a:extLst>
                 <a:ext uri="{FF2B5EF4-FFF2-40B4-BE49-F238E27FC236}">
-                  <a16:creationId xmlns:a16="http://schemas.microsoft.com/office/drawing/2014/main" xmlns="" id="{6D83D817-F180-4CE4-A300-EF9E43D55997}"/>
+                  <a16:creationId xmlns="" xmlns:a16="http://schemas.microsoft.com/office/drawing/2014/main" id="{6D83D817-F180-4CE4-A300-EF9E43D55997}"/>
                 </a:ext>
               </a:extLst>
             </p:cNvPr>
@@ -23166,7 +23168,7 @@
             <p:cNvPr id="71" name="그룹 70">
               <a:extLst>
                 <a:ext uri="{FF2B5EF4-FFF2-40B4-BE49-F238E27FC236}">
-                  <a16:creationId xmlns:a16="http://schemas.microsoft.com/office/drawing/2014/main" xmlns="" id="{0AC93528-6A42-4A0F-A79D-4EA36B5CDBF1}"/>
+                  <a16:creationId xmlns="" xmlns:a16="http://schemas.microsoft.com/office/drawing/2014/main" id="{0AC93528-6A42-4A0F-A79D-4EA36B5CDBF1}"/>
                 </a:ext>
               </a:extLst>
             </p:cNvPr>
@@ -23186,7 +23188,7 @@
               <p:cNvPr id="92" name="타원 91">
                 <a:extLst>
                   <a:ext uri="{FF2B5EF4-FFF2-40B4-BE49-F238E27FC236}">
-                    <a16:creationId xmlns:a16="http://schemas.microsoft.com/office/drawing/2014/main" xmlns="" id="{5CF0A9C5-05C1-4311-8509-79B4B6BC8218}"/>
+                    <a16:creationId xmlns="" xmlns:a16="http://schemas.microsoft.com/office/drawing/2014/main" id="{5CF0A9C5-05C1-4311-8509-79B4B6BC8218}"/>
                   </a:ext>
                 </a:extLst>
               </p:cNvPr>
@@ -23230,7 +23232,7 @@
               <p:cNvPr id="93" name="타원 92">
                 <a:extLst>
                   <a:ext uri="{FF2B5EF4-FFF2-40B4-BE49-F238E27FC236}">
-                    <a16:creationId xmlns:a16="http://schemas.microsoft.com/office/drawing/2014/main" xmlns="" id="{91F4EE75-173B-4EB6-A023-1789ED9997F4}"/>
+                    <a16:creationId xmlns="" xmlns:a16="http://schemas.microsoft.com/office/drawing/2014/main" id="{91F4EE75-173B-4EB6-A023-1789ED9997F4}"/>
                   </a:ext>
                 </a:extLst>
               </p:cNvPr>
@@ -23274,7 +23276,7 @@
               <p:cNvPr id="94" name="타원 93">
                 <a:extLst>
                   <a:ext uri="{FF2B5EF4-FFF2-40B4-BE49-F238E27FC236}">
-                    <a16:creationId xmlns:a16="http://schemas.microsoft.com/office/drawing/2014/main" xmlns="" id="{C861186A-AD47-413A-9904-16FDE45B534E}"/>
+                    <a16:creationId xmlns="" xmlns:a16="http://schemas.microsoft.com/office/drawing/2014/main" id="{C861186A-AD47-413A-9904-16FDE45B534E}"/>
                   </a:ext>
                 </a:extLst>
               </p:cNvPr>
@@ -23319,7 +23321,7 @@
             <p:cNvPr id="73" name="타원 72">
               <a:extLst>
                 <a:ext uri="{FF2B5EF4-FFF2-40B4-BE49-F238E27FC236}">
-                  <a16:creationId xmlns:a16="http://schemas.microsoft.com/office/drawing/2014/main" xmlns="" id="{4BCE2555-4810-4FCF-B396-8B802CF1E0E8}"/>
+                  <a16:creationId xmlns="" xmlns:a16="http://schemas.microsoft.com/office/drawing/2014/main" id="{4BCE2555-4810-4FCF-B396-8B802CF1E0E8}"/>
                 </a:ext>
               </a:extLst>
             </p:cNvPr>
@@ -23363,7 +23365,7 @@
             <p:cNvPr id="74" name="TextBox 73">
               <a:extLst>
                 <a:ext uri="{FF2B5EF4-FFF2-40B4-BE49-F238E27FC236}">
-                  <a16:creationId xmlns:a16="http://schemas.microsoft.com/office/drawing/2014/main" xmlns="" id="{2704E98A-8DD6-4F8A-91AE-7F20E94A83EE}"/>
+                  <a16:creationId xmlns="" xmlns:a16="http://schemas.microsoft.com/office/drawing/2014/main" id="{2704E98A-8DD6-4F8A-91AE-7F20E94A83EE}"/>
                 </a:ext>
               </a:extLst>
             </p:cNvPr>
@@ -23399,7 +23401,7 @@
             <p:cNvPr id="75" name="타원 74">
               <a:extLst>
                 <a:ext uri="{FF2B5EF4-FFF2-40B4-BE49-F238E27FC236}">
-                  <a16:creationId xmlns:a16="http://schemas.microsoft.com/office/drawing/2014/main" xmlns="" id="{06D3D0BA-B1A9-4811-9432-B4DA364FCD7E}"/>
+                  <a16:creationId xmlns="" xmlns:a16="http://schemas.microsoft.com/office/drawing/2014/main" id="{06D3D0BA-B1A9-4811-9432-B4DA364FCD7E}"/>
                 </a:ext>
               </a:extLst>
             </p:cNvPr>
@@ -23443,7 +23445,7 @@
             <p:cNvPr id="76" name="타원 75">
               <a:extLst>
                 <a:ext uri="{FF2B5EF4-FFF2-40B4-BE49-F238E27FC236}">
-                  <a16:creationId xmlns:a16="http://schemas.microsoft.com/office/drawing/2014/main" xmlns="" id="{EB35E957-9247-44DE-9C49-1144B7DA67B9}"/>
+                  <a16:creationId xmlns="" xmlns:a16="http://schemas.microsoft.com/office/drawing/2014/main" id="{EB35E957-9247-44DE-9C49-1144B7DA67B9}"/>
                 </a:ext>
               </a:extLst>
             </p:cNvPr>
@@ -23487,7 +23489,7 @@
             <p:cNvPr id="77" name="타원 76">
               <a:extLst>
                 <a:ext uri="{FF2B5EF4-FFF2-40B4-BE49-F238E27FC236}">
-                  <a16:creationId xmlns:a16="http://schemas.microsoft.com/office/drawing/2014/main" xmlns="" id="{97B99111-F7AC-4C84-9ECC-A88CB5316E7B}"/>
+                  <a16:creationId xmlns="" xmlns:a16="http://schemas.microsoft.com/office/drawing/2014/main" id="{97B99111-F7AC-4C84-9ECC-A88CB5316E7B}"/>
                 </a:ext>
               </a:extLst>
             </p:cNvPr>
@@ -23531,7 +23533,7 @@
             <p:cNvPr id="78" name="타원 77">
               <a:extLst>
                 <a:ext uri="{FF2B5EF4-FFF2-40B4-BE49-F238E27FC236}">
-                  <a16:creationId xmlns:a16="http://schemas.microsoft.com/office/drawing/2014/main" xmlns="" id="{8FB07BFC-3B3A-41DE-A4E2-718BE03CA764}"/>
+                  <a16:creationId xmlns="" xmlns:a16="http://schemas.microsoft.com/office/drawing/2014/main" id="{8FB07BFC-3B3A-41DE-A4E2-718BE03CA764}"/>
                 </a:ext>
               </a:extLst>
             </p:cNvPr>
@@ -23575,7 +23577,7 @@
             <p:cNvPr id="80" name="타원 79">
               <a:extLst>
                 <a:ext uri="{FF2B5EF4-FFF2-40B4-BE49-F238E27FC236}">
-                  <a16:creationId xmlns:a16="http://schemas.microsoft.com/office/drawing/2014/main" xmlns="" id="{51BEA9C3-DCEC-451D-9788-A821E883A651}"/>
+                  <a16:creationId xmlns="" xmlns:a16="http://schemas.microsoft.com/office/drawing/2014/main" id="{51BEA9C3-DCEC-451D-9788-A821E883A651}"/>
                 </a:ext>
               </a:extLst>
             </p:cNvPr>
@@ -23619,7 +23621,7 @@
             <p:cNvPr id="81" name="타원 80">
               <a:extLst>
                 <a:ext uri="{FF2B5EF4-FFF2-40B4-BE49-F238E27FC236}">
-                  <a16:creationId xmlns:a16="http://schemas.microsoft.com/office/drawing/2014/main" xmlns="" id="{55B7E414-25BF-4907-934D-FECF10D7155A}"/>
+                  <a16:creationId xmlns="" xmlns:a16="http://schemas.microsoft.com/office/drawing/2014/main" id="{55B7E414-25BF-4907-934D-FECF10D7155A}"/>
                 </a:ext>
               </a:extLst>
             </p:cNvPr>
@@ -23663,7 +23665,7 @@
             <p:cNvPr id="82" name="TextBox 81">
               <a:extLst>
                 <a:ext uri="{FF2B5EF4-FFF2-40B4-BE49-F238E27FC236}">
-                  <a16:creationId xmlns:a16="http://schemas.microsoft.com/office/drawing/2014/main" xmlns="" id="{B0C489D6-9E38-4271-A356-504383C61BEA}"/>
+                  <a16:creationId xmlns="" xmlns:a16="http://schemas.microsoft.com/office/drawing/2014/main" id="{B0C489D6-9E38-4271-A356-504383C61BEA}"/>
                 </a:ext>
               </a:extLst>
             </p:cNvPr>
@@ -23699,7 +23701,7 @@
             <p:cNvPr id="83" name="TextBox 82">
               <a:extLst>
                 <a:ext uri="{FF2B5EF4-FFF2-40B4-BE49-F238E27FC236}">
-                  <a16:creationId xmlns:a16="http://schemas.microsoft.com/office/drawing/2014/main" xmlns="" id="{A3225A67-505E-4094-B255-2B97A7F9B35C}"/>
+                  <a16:creationId xmlns="" xmlns:a16="http://schemas.microsoft.com/office/drawing/2014/main" id="{A3225A67-505E-4094-B255-2B97A7F9B35C}"/>
                 </a:ext>
               </a:extLst>
             </p:cNvPr>
@@ -23735,7 +23737,7 @@
             <p:cNvPr id="84" name="TextBox 83">
               <a:extLst>
                 <a:ext uri="{FF2B5EF4-FFF2-40B4-BE49-F238E27FC236}">
-                  <a16:creationId xmlns:a16="http://schemas.microsoft.com/office/drawing/2014/main" xmlns="" id="{8DDFEA0F-4EEB-49D3-99F0-16DA6686DE13}"/>
+                  <a16:creationId xmlns="" xmlns:a16="http://schemas.microsoft.com/office/drawing/2014/main" id="{8DDFEA0F-4EEB-49D3-99F0-16DA6686DE13}"/>
                 </a:ext>
               </a:extLst>
             </p:cNvPr>
@@ -23771,7 +23773,7 @@
             <p:cNvPr id="85" name="TextBox 84">
               <a:extLst>
                 <a:ext uri="{FF2B5EF4-FFF2-40B4-BE49-F238E27FC236}">
-                  <a16:creationId xmlns:a16="http://schemas.microsoft.com/office/drawing/2014/main" xmlns="" id="{F665F1A7-40E8-43BF-B807-D69942D0514B}"/>
+                  <a16:creationId xmlns="" xmlns:a16="http://schemas.microsoft.com/office/drawing/2014/main" id="{F665F1A7-40E8-43BF-B807-D69942D0514B}"/>
                 </a:ext>
               </a:extLst>
             </p:cNvPr>
@@ -23807,7 +23809,7 @@
             <p:cNvPr id="86" name="TextBox 85">
               <a:extLst>
                 <a:ext uri="{FF2B5EF4-FFF2-40B4-BE49-F238E27FC236}">
-                  <a16:creationId xmlns:a16="http://schemas.microsoft.com/office/drawing/2014/main" xmlns="" id="{E3874CBD-4936-4F08-89E0-5D114013E2AC}"/>
+                  <a16:creationId xmlns="" xmlns:a16="http://schemas.microsoft.com/office/drawing/2014/main" id="{E3874CBD-4936-4F08-89E0-5D114013E2AC}"/>
                 </a:ext>
               </a:extLst>
             </p:cNvPr>
@@ -23843,7 +23845,7 @@
             <p:cNvPr id="87" name="TextBox 86">
               <a:extLst>
                 <a:ext uri="{FF2B5EF4-FFF2-40B4-BE49-F238E27FC236}">
-                  <a16:creationId xmlns:a16="http://schemas.microsoft.com/office/drawing/2014/main" xmlns="" id="{016FB3FD-70F0-43EA-BAF4-B4F8225E61E5}"/>
+                  <a16:creationId xmlns="" xmlns:a16="http://schemas.microsoft.com/office/drawing/2014/main" id="{016FB3FD-70F0-43EA-BAF4-B4F8225E61E5}"/>
                 </a:ext>
               </a:extLst>
             </p:cNvPr>
@@ -23879,7 +23881,7 @@
             <p:cNvPr id="88" name="TextBox 87">
               <a:extLst>
                 <a:ext uri="{FF2B5EF4-FFF2-40B4-BE49-F238E27FC236}">
-                  <a16:creationId xmlns:a16="http://schemas.microsoft.com/office/drawing/2014/main" xmlns="" id="{6A2E1A5C-BBEA-4727-8D35-6DA4DCB13CBD}"/>
+                  <a16:creationId xmlns="" xmlns:a16="http://schemas.microsoft.com/office/drawing/2014/main" id="{6A2E1A5C-BBEA-4727-8D35-6DA4DCB13CBD}"/>
                 </a:ext>
               </a:extLst>
             </p:cNvPr>
@@ -23916,7 +23918,7 @@
           <p:cNvPr id="95" name="그룹 94">
             <a:extLst>
               <a:ext uri="{FF2B5EF4-FFF2-40B4-BE49-F238E27FC236}">
-                <a16:creationId xmlns:a16="http://schemas.microsoft.com/office/drawing/2014/main" xmlns="" id="{D34D4DBF-F869-4571-804A-8132599BE8E8}"/>
+                <a16:creationId xmlns="" xmlns:a16="http://schemas.microsoft.com/office/drawing/2014/main" id="{D34D4DBF-F869-4571-804A-8132599BE8E8}"/>
               </a:ext>
             </a:extLst>
           </p:cNvPr>
@@ -23933,10 +23935,57 @@
         </p:grpSpPr>
         <p:sp>
           <p:nvSpPr>
+            <p:cNvPr id="98" name="타원 97">
+              <a:extLst>
+                <a:ext uri="{FF2B5EF4-FFF2-40B4-BE49-F238E27FC236}">
+                  <a16:creationId xmlns="" xmlns:a16="http://schemas.microsoft.com/office/drawing/2014/main" id="{3118B10A-9040-4DD6-8DF3-7938437EB0A7}"/>
+                </a:ext>
+              </a:extLst>
+            </p:cNvPr>
+            <p:cNvSpPr/>
+            <p:nvPr/>
+          </p:nvSpPr>
+          <p:spPr>
+            <a:xfrm>
+              <a:off x="1097280" y="824342"/>
+              <a:ext cx="403168" cy="403168"/>
+            </a:xfrm>
+            <a:prstGeom prst="ellipse">
+              <a:avLst/>
+            </a:prstGeom>
+            <a:solidFill>
+              <a:schemeClr val="bg1"/>
+            </a:solidFill>
+          </p:spPr>
+          <p:style>
+            <a:lnRef idx="2">
+              <a:schemeClr val="dk1"/>
+            </a:lnRef>
+            <a:fillRef idx="1">
+              <a:schemeClr val="lt1"/>
+            </a:fillRef>
+            <a:effectRef idx="0">
+              <a:schemeClr val="dk1"/>
+            </a:effectRef>
+            <a:fontRef idx="minor">
+              <a:schemeClr val="dk1"/>
+            </a:fontRef>
+          </p:style>
+          <p:txBody>
+            <a:bodyPr rtlCol="0" anchor="ctr"/>
+            <a:lstStyle/>
+            <a:p>
+              <a:pPr algn="ctr"/>
+              <a:endParaRPr lang="ko-KR" altLang="en-US" sz="800" dirty="0"/>
+            </a:p>
+          </p:txBody>
+        </p:sp>
+        <p:sp>
+          <p:nvSpPr>
             <p:cNvPr id="100" name="타원 99">
               <a:extLst>
                 <a:ext uri="{FF2B5EF4-FFF2-40B4-BE49-F238E27FC236}">
-                  <a16:creationId xmlns:a16="http://schemas.microsoft.com/office/drawing/2014/main" xmlns="" id="{0D3957C0-4A61-49F0-A405-37554C98C5CB}"/>
+                  <a16:creationId xmlns="" xmlns:a16="http://schemas.microsoft.com/office/drawing/2014/main" id="{0D3957C0-4A61-49F0-A405-37554C98C5CB}"/>
                 </a:ext>
               </a:extLst>
             </p:cNvPr>
@@ -23980,7 +24029,7 @@
             <p:cNvPr id="103" name="타원 102">
               <a:extLst>
                 <a:ext uri="{FF2B5EF4-FFF2-40B4-BE49-F238E27FC236}">
-                  <a16:creationId xmlns:a16="http://schemas.microsoft.com/office/drawing/2014/main" xmlns="" id="{E5141A98-2FC6-4540-AC15-871F610E87DC}"/>
+                  <a16:creationId xmlns="" xmlns:a16="http://schemas.microsoft.com/office/drawing/2014/main" id="{E5141A98-2FC6-4540-AC15-871F610E87DC}"/>
                 </a:ext>
               </a:extLst>
             </p:cNvPr>
@@ -24024,7 +24073,7 @@
             <p:cNvPr id="104" name="타원 103">
               <a:extLst>
                 <a:ext uri="{FF2B5EF4-FFF2-40B4-BE49-F238E27FC236}">
-                  <a16:creationId xmlns:a16="http://schemas.microsoft.com/office/drawing/2014/main" xmlns="" id="{19D70CB0-76E0-481D-B6D0-C2BC49E32950}"/>
+                  <a16:creationId xmlns="" xmlns:a16="http://schemas.microsoft.com/office/drawing/2014/main" id="{19D70CB0-76E0-481D-B6D0-C2BC49E32950}"/>
                 </a:ext>
               </a:extLst>
             </p:cNvPr>
@@ -24068,7 +24117,7 @@
             <p:cNvPr id="101" name="타원 100">
               <a:extLst>
                 <a:ext uri="{FF2B5EF4-FFF2-40B4-BE49-F238E27FC236}">
-                  <a16:creationId xmlns:a16="http://schemas.microsoft.com/office/drawing/2014/main" xmlns="" id="{AA0BA701-D17F-4F7D-AD30-BD57275B0257}"/>
+                  <a16:creationId xmlns="" xmlns:a16="http://schemas.microsoft.com/office/drawing/2014/main" id="{AA0BA701-D17F-4F7D-AD30-BD57275B0257}"/>
                 </a:ext>
               </a:extLst>
             </p:cNvPr>
@@ -24112,7 +24161,7 @@
             <p:cNvPr id="96" name="그룹 95">
               <a:extLst>
                 <a:ext uri="{FF2B5EF4-FFF2-40B4-BE49-F238E27FC236}">
-                  <a16:creationId xmlns:a16="http://schemas.microsoft.com/office/drawing/2014/main" xmlns="" id="{142165FA-2AD7-4131-B4D0-FA924C076926}"/>
+                  <a16:creationId xmlns="" xmlns:a16="http://schemas.microsoft.com/office/drawing/2014/main" id="{142165FA-2AD7-4131-B4D0-FA924C076926}"/>
                 </a:ext>
               </a:extLst>
             </p:cNvPr>
@@ -24132,7 +24181,7 @@
               <p:cNvPr id="117" name="타원 116">
                 <a:extLst>
                   <a:ext uri="{FF2B5EF4-FFF2-40B4-BE49-F238E27FC236}">
-                    <a16:creationId xmlns:a16="http://schemas.microsoft.com/office/drawing/2014/main" xmlns="" id="{11B06962-A633-4371-ADB0-E8F10BBB6B64}"/>
+                    <a16:creationId xmlns="" xmlns:a16="http://schemas.microsoft.com/office/drawing/2014/main" id="{11B06962-A633-4371-ADB0-E8F10BBB6B64}"/>
                   </a:ext>
                 </a:extLst>
               </p:cNvPr>
@@ -24176,7 +24225,7 @@
               <p:cNvPr id="118" name="타원 117">
                 <a:extLst>
                   <a:ext uri="{FF2B5EF4-FFF2-40B4-BE49-F238E27FC236}">
-                    <a16:creationId xmlns:a16="http://schemas.microsoft.com/office/drawing/2014/main" xmlns="" id="{BFB283EF-236B-48F0-BE10-2B2656C909E1}"/>
+                    <a16:creationId xmlns="" xmlns:a16="http://schemas.microsoft.com/office/drawing/2014/main" id="{BFB283EF-236B-48F0-BE10-2B2656C909E1}"/>
                   </a:ext>
                 </a:extLst>
               </p:cNvPr>
@@ -24220,7 +24269,7 @@
               <p:cNvPr id="119" name="타원 118">
                 <a:extLst>
                   <a:ext uri="{FF2B5EF4-FFF2-40B4-BE49-F238E27FC236}">
-                    <a16:creationId xmlns:a16="http://schemas.microsoft.com/office/drawing/2014/main" xmlns="" id="{66CA4A0B-A54B-4206-A737-41C125B7A4C2}"/>
+                    <a16:creationId xmlns="" xmlns:a16="http://schemas.microsoft.com/office/drawing/2014/main" id="{66CA4A0B-A54B-4206-A737-41C125B7A4C2}"/>
                   </a:ext>
                 </a:extLst>
               </p:cNvPr>
@@ -24265,7 +24314,7 @@
             <p:cNvPr id="99" name="TextBox 98">
               <a:extLst>
                 <a:ext uri="{FF2B5EF4-FFF2-40B4-BE49-F238E27FC236}">
-                  <a16:creationId xmlns:a16="http://schemas.microsoft.com/office/drawing/2014/main" xmlns="" id="{F97B74A7-5F59-49A9-B157-62AD2E439AEB}"/>
+                  <a16:creationId xmlns="" xmlns:a16="http://schemas.microsoft.com/office/drawing/2014/main" id="{F97B74A7-5F59-49A9-B157-62AD2E439AEB}"/>
                 </a:ext>
               </a:extLst>
             </p:cNvPr>
@@ -24301,7 +24350,7 @@
             <p:cNvPr id="102" name="타원 101">
               <a:extLst>
                 <a:ext uri="{FF2B5EF4-FFF2-40B4-BE49-F238E27FC236}">
-                  <a16:creationId xmlns:a16="http://schemas.microsoft.com/office/drawing/2014/main" xmlns="" id="{D04568FB-9D3A-4479-A71C-E62AD02787DF}"/>
+                  <a16:creationId xmlns="" xmlns:a16="http://schemas.microsoft.com/office/drawing/2014/main" id="{D04568FB-9D3A-4479-A71C-E62AD02787DF}"/>
                 </a:ext>
               </a:extLst>
             </p:cNvPr>
@@ -24345,7 +24394,7 @@
             <p:cNvPr id="105" name="타원 104">
               <a:extLst>
                 <a:ext uri="{FF2B5EF4-FFF2-40B4-BE49-F238E27FC236}">
-                  <a16:creationId xmlns:a16="http://schemas.microsoft.com/office/drawing/2014/main" xmlns="" id="{24B57AD9-F58D-4053-9DA7-930D433C1B0D}"/>
+                  <a16:creationId xmlns="" xmlns:a16="http://schemas.microsoft.com/office/drawing/2014/main" id="{24B57AD9-F58D-4053-9DA7-930D433C1B0D}"/>
                 </a:ext>
               </a:extLst>
             </p:cNvPr>
@@ -24389,7 +24438,7 @@
             <p:cNvPr id="106" name="타원 105">
               <a:extLst>
                 <a:ext uri="{FF2B5EF4-FFF2-40B4-BE49-F238E27FC236}">
-                  <a16:creationId xmlns:a16="http://schemas.microsoft.com/office/drawing/2014/main" xmlns="" id="{1EBDBDFE-BDCE-4006-A781-F777734483A2}"/>
+                  <a16:creationId xmlns="" xmlns:a16="http://schemas.microsoft.com/office/drawing/2014/main" id="{1EBDBDFE-BDCE-4006-A781-F777734483A2}"/>
                 </a:ext>
               </a:extLst>
             </p:cNvPr>
@@ -24433,7 +24482,7 @@
             <p:cNvPr id="107" name="TextBox 106">
               <a:extLst>
                 <a:ext uri="{FF2B5EF4-FFF2-40B4-BE49-F238E27FC236}">
-                  <a16:creationId xmlns:a16="http://schemas.microsoft.com/office/drawing/2014/main" xmlns="" id="{06617342-F23A-4F42-87BD-C23089ABB60C}"/>
+                  <a16:creationId xmlns="" xmlns:a16="http://schemas.microsoft.com/office/drawing/2014/main" id="{06617342-F23A-4F42-87BD-C23089ABB60C}"/>
                 </a:ext>
               </a:extLst>
             </p:cNvPr>
@@ -24469,7 +24518,7 @@
             <p:cNvPr id="108" name="TextBox 107">
               <a:extLst>
                 <a:ext uri="{FF2B5EF4-FFF2-40B4-BE49-F238E27FC236}">
-                  <a16:creationId xmlns:a16="http://schemas.microsoft.com/office/drawing/2014/main" xmlns="" id="{FEE9F105-A93D-420E-833B-5E6D06A4CBAA}"/>
+                  <a16:creationId xmlns="" xmlns:a16="http://schemas.microsoft.com/office/drawing/2014/main" id="{FEE9F105-A93D-420E-833B-5E6D06A4CBAA}"/>
                 </a:ext>
               </a:extLst>
             </p:cNvPr>
@@ -24505,7 +24554,7 @@
             <p:cNvPr id="109" name="TextBox 108">
               <a:extLst>
                 <a:ext uri="{FF2B5EF4-FFF2-40B4-BE49-F238E27FC236}">
-                  <a16:creationId xmlns:a16="http://schemas.microsoft.com/office/drawing/2014/main" xmlns="" id="{511AB202-6722-46A7-BB9B-6D75101B528F}"/>
+                  <a16:creationId xmlns="" xmlns:a16="http://schemas.microsoft.com/office/drawing/2014/main" id="{511AB202-6722-46A7-BB9B-6D75101B528F}"/>
                 </a:ext>
               </a:extLst>
             </p:cNvPr>
@@ -24541,7 +24590,7 @@
             <p:cNvPr id="110" name="TextBox 109">
               <a:extLst>
                 <a:ext uri="{FF2B5EF4-FFF2-40B4-BE49-F238E27FC236}">
-                  <a16:creationId xmlns:a16="http://schemas.microsoft.com/office/drawing/2014/main" xmlns="" id="{7413C98C-3F77-4D0E-AA32-D5808979769E}"/>
+                  <a16:creationId xmlns="" xmlns:a16="http://schemas.microsoft.com/office/drawing/2014/main" id="{7413C98C-3F77-4D0E-AA32-D5808979769E}"/>
                 </a:ext>
               </a:extLst>
             </p:cNvPr>
@@ -24577,7 +24626,7 @@
             <p:cNvPr id="111" name="TextBox 110">
               <a:extLst>
                 <a:ext uri="{FF2B5EF4-FFF2-40B4-BE49-F238E27FC236}">
-                  <a16:creationId xmlns:a16="http://schemas.microsoft.com/office/drawing/2014/main" xmlns="" id="{8CB121B7-AB50-43D7-BD40-49105A5822C2}"/>
+                  <a16:creationId xmlns="" xmlns:a16="http://schemas.microsoft.com/office/drawing/2014/main" id="{8CB121B7-AB50-43D7-BD40-49105A5822C2}"/>
                 </a:ext>
               </a:extLst>
             </p:cNvPr>
@@ -24613,7 +24662,7 @@
             <p:cNvPr id="112" name="TextBox 111">
               <a:extLst>
                 <a:ext uri="{FF2B5EF4-FFF2-40B4-BE49-F238E27FC236}">
-                  <a16:creationId xmlns:a16="http://schemas.microsoft.com/office/drawing/2014/main" xmlns="" id="{793B80C8-4DAE-4ABE-852D-A162A475D8C2}"/>
+                  <a16:creationId xmlns="" xmlns:a16="http://schemas.microsoft.com/office/drawing/2014/main" id="{793B80C8-4DAE-4ABE-852D-A162A475D8C2}"/>
                 </a:ext>
               </a:extLst>
             </p:cNvPr>
@@ -24649,7 +24698,7 @@
             <p:cNvPr id="113" name="TextBox 112">
               <a:extLst>
                 <a:ext uri="{FF2B5EF4-FFF2-40B4-BE49-F238E27FC236}">
-                  <a16:creationId xmlns:a16="http://schemas.microsoft.com/office/drawing/2014/main" xmlns="" id="{682FAD97-866B-498B-A96C-1DAD08F68D77}"/>
+                  <a16:creationId xmlns="" xmlns:a16="http://schemas.microsoft.com/office/drawing/2014/main" id="{682FAD97-866B-498B-A96C-1DAD08F68D77}"/>
                 </a:ext>
               </a:extLst>
             </p:cNvPr>
@@ -24680,58 +24729,13 @@
             </a:p>
           </p:txBody>
         </p:sp>
-        <p:sp>
-          <p:nvSpPr>
-            <p:cNvPr id="98" name="타원 97">
-              <a:extLst>
-                <a:ext uri="{FF2B5EF4-FFF2-40B4-BE49-F238E27FC236}">
-                  <a16:creationId xmlns:a16="http://schemas.microsoft.com/office/drawing/2014/main" xmlns="" id="{3118B10A-9040-4DD6-8DF3-7938437EB0A7}"/>
-                </a:ext>
-              </a:extLst>
-            </p:cNvPr>
-            <p:cNvSpPr/>
-            <p:nvPr/>
-          </p:nvSpPr>
-          <p:spPr>
-            <a:xfrm>
-              <a:off x="1097280" y="824342"/>
-              <a:ext cx="403168" cy="403168"/>
-            </a:xfrm>
-            <a:prstGeom prst="ellipse">
-              <a:avLst/>
-            </a:prstGeom>
-            <a:noFill/>
-          </p:spPr>
-          <p:style>
-            <a:lnRef idx="2">
-              <a:schemeClr val="dk1"/>
-            </a:lnRef>
-            <a:fillRef idx="1">
-              <a:schemeClr val="lt1"/>
-            </a:fillRef>
-            <a:effectRef idx="0">
-              <a:schemeClr val="dk1"/>
-            </a:effectRef>
-            <a:fontRef idx="minor">
-              <a:schemeClr val="dk1"/>
-            </a:fontRef>
-          </p:style>
-          <p:txBody>
-            <a:bodyPr rtlCol="0" anchor="ctr"/>
-            <a:lstStyle/>
-            <a:p>
-              <a:pPr algn="ctr"/>
-              <a:endParaRPr lang="ko-KR" altLang="en-US" sz="800" dirty="0"/>
-            </a:p>
-          </p:txBody>
-        </p:sp>
       </p:grpSp>
       <p:grpSp>
         <p:nvGrpSpPr>
           <p:cNvPr id="120" name="그룹 119">
             <a:extLst>
               <a:ext uri="{FF2B5EF4-FFF2-40B4-BE49-F238E27FC236}">
-                <a16:creationId xmlns:a16="http://schemas.microsoft.com/office/drawing/2014/main" xmlns="" id="{FF974209-5693-4364-8DFC-0581E95CE61D}"/>
+                <a16:creationId xmlns="" xmlns:a16="http://schemas.microsoft.com/office/drawing/2014/main" id="{FF974209-5693-4364-8DFC-0581E95CE61D}"/>
               </a:ext>
             </a:extLst>
           </p:cNvPr>
@@ -24751,7 +24755,7 @@
             <p:cNvPr id="125" name="타원 124">
               <a:extLst>
                 <a:ext uri="{FF2B5EF4-FFF2-40B4-BE49-F238E27FC236}">
-                  <a16:creationId xmlns:a16="http://schemas.microsoft.com/office/drawing/2014/main" xmlns="" id="{0A098E62-C039-4126-BACC-C3549528AB49}"/>
+                  <a16:creationId xmlns="" xmlns:a16="http://schemas.microsoft.com/office/drawing/2014/main" id="{0A098E62-C039-4126-BACC-C3549528AB49}"/>
                 </a:ext>
               </a:extLst>
             </p:cNvPr>
@@ -24795,7 +24799,7 @@
             <p:cNvPr id="128" name="타원 127">
               <a:extLst>
                 <a:ext uri="{FF2B5EF4-FFF2-40B4-BE49-F238E27FC236}">
-                  <a16:creationId xmlns:a16="http://schemas.microsoft.com/office/drawing/2014/main" xmlns="" id="{7F2276AA-2264-4F30-966F-6B288AFF1FD3}"/>
+                  <a16:creationId xmlns="" xmlns:a16="http://schemas.microsoft.com/office/drawing/2014/main" id="{7F2276AA-2264-4F30-966F-6B288AFF1FD3}"/>
                 </a:ext>
               </a:extLst>
             </p:cNvPr>
@@ -24839,7 +24843,7 @@
             <p:cNvPr id="123" name="타원 122">
               <a:extLst>
                 <a:ext uri="{FF2B5EF4-FFF2-40B4-BE49-F238E27FC236}">
-                  <a16:creationId xmlns:a16="http://schemas.microsoft.com/office/drawing/2014/main" xmlns="" id="{7CB5A74F-FEAE-48D2-A4CB-D80C6D1E75E3}"/>
+                  <a16:creationId xmlns="" xmlns:a16="http://schemas.microsoft.com/office/drawing/2014/main" id="{7CB5A74F-FEAE-48D2-A4CB-D80C6D1E75E3}"/>
                 </a:ext>
               </a:extLst>
             </p:cNvPr>
@@ -24883,7 +24887,7 @@
             <p:cNvPr id="121" name="그룹 120">
               <a:extLst>
                 <a:ext uri="{FF2B5EF4-FFF2-40B4-BE49-F238E27FC236}">
-                  <a16:creationId xmlns:a16="http://schemas.microsoft.com/office/drawing/2014/main" xmlns="" id="{F417D9CD-E972-4F69-8919-C0B967E2460E}"/>
+                  <a16:creationId xmlns="" xmlns:a16="http://schemas.microsoft.com/office/drawing/2014/main" id="{F417D9CD-E972-4F69-8919-C0B967E2460E}"/>
                 </a:ext>
               </a:extLst>
             </p:cNvPr>
@@ -24903,7 +24907,7 @@
               <p:cNvPr id="142" name="타원 141">
                 <a:extLst>
                   <a:ext uri="{FF2B5EF4-FFF2-40B4-BE49-F238E27FC236}">
-                    <a16:creationId xmlns:a16="http://schemas.microsoft.com/office/drawing/2014/main" xmlns="" id="{E4BE78AE-9CA3-4A4A-B7DC-774C3BDC0AA6}"/>
+                    <a16:creationId xmlns="" xmlns:a16="http://schemas.microsoft.com/office/drawing/2014/main" id="{E4BE78AE-9CA3-4A4A-B7DC-774C3BDC0AA6}"/>
                   </a:ext>
                 </a:extLst>
               </p:cNvPr>
@@ -24947,7 +24951,7 @@
               <p:cNvPr id="143" name="타원 142">
                 <a:extLst>
                   <a:ext uri="{FF2B5EF4-FFF2-40B4-BE49-F238E27FC236}">
-                    <a16:creationId xmlns:a16="http://schemas.microsoft.com/office/drawing/2014/main" xmlns="" id="{BC135A45-42B2-4B23-A2B4-A52C4C6E6913}"/>
+                    <a16:creationId xmlns="" xmlns:a16="http://schemas.microsoft.com/office/drawing/2014/main" id="{BC135A45-42B2-4B23-A2B4-A52C4C6E6913}"/>
                   </a:ext>
                 </a:extLst>
               </p:cNvPr>
@@ -24991,7 +24995,7 @@
               <p:cNvPr id="144" name="타원 143">
                 <a:extLst>
                   <a:ext uri="{FF2B5EF4-FFF2-40B4-BE49-F238E27FC236}">
-                    <a16:creationId xmlns:a16="http://schemas.microsoft.com/office/drawing/2014/main" xmlns="" id="{D7151287-AF07-47AC-84D1-F90143D5C2C0}"/>
+                    <a16:creationId xmlns="" xmlns:a16="http://schemas.microsoft.com/office/drawing/2014/main" id="{D7151287-AF07-47AC-84D1-F90143D5C2C0}"/>
                   </a:ext>
                 </a:extLst>
               </p:cNvPr>
@@ -25036,7 +25040,7 @@
             <p:cNvPr id="124" name="TextBox 123">
               <a:extLst>
                 <a:ext uri="{FF2B5EF4-FFF2-40B4-BE49-F238E27FC236}">
-                  <a16:creationId xmlns:a16="http://schemas.microsoft.com/office/drawing/2014/main" xmlns="" id="{DBE34909-40DC-4F33-8E93-5CC0BDC36AAE}"/>
+                  <a16:creationId xmlns="" xmlns:a16="http://schemas.microsoft.com/office/drawing/2014/main" id="{DBE34909-40DC-4F33-8E93-5CC0BDC36AAE}"/>
                 </a:ext>
               </a:extLst>
             </p:cNvPr>
@@ -25072,7 +25076,7 @@
             <p:cNvPr id="126" name="타원 125">
               <a:extLst>
                 <a:ext uri="{FF2B5EF4-FFF2-40B4-BE49-F238E27FC236}">
-                  <a16:creationId xmlns:a16="http://schemas.microsoft.com/office/drawing/2014/main" xmlns="" id="{DA6B00D3-2E8B-4DFF-B131-B2E4C3D2C078}"/>
+                  <a16:creationId xmlns="" xmlns:a16="http://schemas.microsoft.com/office/drawing/2014/main" id="{DA6B00D3-2E8B-4DFF-B131-B2E4C3D2C078}"/>
                 </a:ext>
               </a:extLst>
             </p:cNvPr>
@@ -25116,7 +25120,7 @@
             <p:cNvPr id="127" name="타원 126">
               <a:extLst>
                 <a:ext uri="{FF2B5EF4-FFF2-40B4-BE49-F238E27FC236}">
-                  <a16:creationId xmlns:a16="http://schemas.microsoft.com/office/drawing/2014/main" xmlns="" id="{E20A52AE-729E-43F7-95FA-27294F55297D}"/>
+                  <a16:creationId xmlns="" xmlns:a16="http://schemas.microsoft.com/office/drawing/2014/main" id="{E20A52AE-729E-43F7-95FA-27294F55297D}"/>
                 </a:ext>
               </a:extLst>
             </p:cNvPr>
@@ -25160,7 +25164,7 @@
             <p:cNvPr id="129" name="타원 128">
               <a:extLst>
                 <a:ext uri="{FF2B5EF4-FFF2-40B4-BE49-F238E27FC236}">
-                  <a16:creationId xmlns:a16="http://schemas.microsoft.com/office/drawing/2014/main" xmlns="" id="{1C446DF5-D690-43DF-BCEE-AFB63EB9669E}"/>
+                  <a16:creationId xmlns="" xmlns:a16="http://schemas.microsoft.com/office/drawing/2014/main" id="{1C446DF5-D690-43DF-BCEE-AFB63EB9669E}"/>
                 </a:ext>
               </a:extLst>
             </p:cNvPr>
@@ -25204,7 +25208,7 @@
             <p:cNvPr id="130" name="타원 129">
               <a:extLst>
                 <a:ext uri="{FF2B5EF4-FFF2-40B4-BE49-F238E27FC236}">
-                  <a16:creationId xmlns:a16="http://schemas.microsoft.com/office/drawing/2014/main" xmlns="" id="{E5D4F4EB-FFD4-41AA-9EF9-546CB4F144F4}"/>
+                  <a16:creationId xmlns="" xmlns:a16="http://schemas.microsoft.com/office/drawing/2014/main" id="{E5D4F4EB-FFD4-41AA-9EF9-546CB4F144F4}"/>
                 </a:ext>
               </a:extLst>
             </p:cNvPr>
@@ -25248,7 +25252,7 @@
             <p:cNvPr id="131" name="타원 130">
               <a:extLst>
                 <a:ext uri="{FF2B5EF4-FFF2-40B4-BE49-F238E27FC236}">
-                  <a16:creationId xmlns:a16="http://schemas.microsoft.com/office/drawing/2014/main" xmlns="" id="{F6DDF86F-BEED-4911-82F1-562A108ABA58}"/>
+                  <a16:creationId xmlns="" xmlns:a16="http://schemas.microsoft.com/office/drawing/2014/main" id="{F6DDF86F-BEED-4911-82F1-562A108ABA58}"/>
                 </a:ext>
               </a:extLst>
             </p:cNvPr>
@@ -25292,7 +25296,7 @@
             <p:cNvPr id="132" name="TextBox 131">
               <a:extLst>
                 <a:ext uri="{FF2B5EF4-FFF2-40B4-BE49-F238E27FC236}">
-                  <a16:creationId xmlns:a16="http://schemas.microsoft.com/office/drawing/2014/main" xmlns="" id="{4E40D3C9-676A-4BD9-9F61-E63E1FA1CE15}"/>
+                  <a16:creationId xmlns="" xmlns:a16="http://schemas.microsoft.com/office/drawing/2014/main" id="{4E40D3C9-676A-4BD9-9F61-E63E1FA1CE15}"/>
                 </a:ext>
               </a:extLst>
             </p:cNvPr>
@@ -25328,7 +25332,7 @@
             <p:cNvPr id="133" name="TextBox 132">
               <a:extLst>
                 <a:ext uri="{FF2B5EF4-FFF2-40B4-BE49-F238E27FC236}">
-                  <a16:creationId xmlns:a16="http://schemas.microsoft.com/office/drawing/2014/main" xmlns="" id="{13FC74AB-51F7-4DAF-BCFF-4AFACC4BA8F0}"/>
+                  <a16:creationId xmlns="" xmlns:a16="http://schemas.microsoft.com/office/drawing/2014/main" id="{13FC74AB-51F7-4DAF-BCFF-4AFACC4BA8F0}"/>
                 </a:ext>
               </a:extLst>
             </p:cNvPr>
@@ -25364,7 +25368,7 @@
             <p:cNvPr id="134" name="TextBox 133">
               <a:extLst>
                 <a:ext uri="{FF2B5EF4-FFF2-40B4-BE49-F238E27FC236}">
-                  <a16:creationId xmlns:a16="http://schemas.microsoft.com/office/drawing/2014/main" xmlns="" id="{B476F539-6B3B-4A2C-8CB7-598750F6B533}"/>
+                  <a16:creationId xmlns="" xmlns:a16="http://schemas.microsoft.com/office/drawing/2014/main" id="{B476F539-6B3B-4A2C-8CB7-598750F6B533}"/>
                 </a:ext>
               </a:extLst>
             </p:cNvPr>
@@ -25400,7 +25404,7 @@
             <p:cNvPr id="135" name="TextBox 134">
               <a:extLst>
                 <a:ext uri="{FF2B5EF4-FFF2-40B4-BE49-F238E27FC236}">
-                  <a16:creationId xmlns:a16="http://schemas.microsoft.com/office/drawing/2014/main" xmlns="" id="{7E7DD482-9C19-4507-B0E7-9D95B0858809}"/>
+                  <a16:creationId xmlns="" xmlns:a16="http://schemas.microsoft.com/office/drawing/2014/main" id="{7E7DD482-9C19-4507-B0E7-9D95B0858809}"/>
                 </a:ext>
               </a:extLst>
             </p:cNvPr>
@@ -25436,7 +25440,7 @@
             <p:cNvPr id="136" name="TextBox 135">
               <a:extLst>
                 <a:ext uri="{FF2B5EF4-FFF2-40B4-BE49-F238E27FC236}">
-                  <a16:creationId xmlns:a16="http://schemas.microsoft.com/office/drawing/2014/main" xmlns="" id="{7396806D-F552-4082-B5F0-FDE61A89A138}"/>
+                  <a16:creationId xmlns="" xmlns:a16="http://schemas.microsoft.com/office/drawing/2014/main" id="{7396806D-F552-4082-B5F0-FDE61A89A138}"/>
                 </a:ext>
               </a:extLst>
             </p:cNvPr>
@@ -25472,7 +25476,7 @@
             <p:cNvPr id="137" name="TextBox 136">
               <a:extLst>
                 <a:ext uri="{FF2B5EF4-FFF2-40B4-BE49-F238E27FC236}">
-                  <a16:creationId xmlns:a16="http://schemas.microsoft.com/office/drawing/2014/main" xmlns="" id="{A0AD32FB-8AD3-4788-903A-173920BAEC67}"/>
+                  <a16:creationId xmlns="" xmlns:a16="http://schemas.microsoft.com/office/drawing/2014/main" id="{A0AD32FB-8AD3-4788-903A-173920BAEC67}"/>
                 </a:ext>
               </a:extLst>
             </p:cNvPr>
@@ -25508,7 +25512,7 @@
             <p:cNvPr id="138" name="TextBox 137">
               <a:extLst>
                 <a:ext uri="{FF2B5EF4-FFF2-40B4-BE49-F238E27FC236}">
-                  <a16:creationId xmlns:a16="http://schemas.microsoft.com/office/drawing/2014/main" xmlns="" id="{0C4E5867-2A30-4CC2-8147-3BC0C4C8427B}"/>
+                  <a16:creationId xmlns="" xmlns:a16="http://schemas.microsoft.com/office/drawing/2014/main" id="{0C4E5867-2A30-4CC2-8147-3BC0C4C8427B}"/>
                 </a:ext>
               </a:extLst>
             </p:cNvPr>
@@ -25545,7 +25549,7 @@
           <p:cNvPr id="145" name="그룹 144">
             <a:extLst>
               <a:ext uri="{FF2B5EF4-FFF2-40B4-BE49-F238E27FC236}">
-                <a16:creationId xmlns:a16="http://schemas.microsoft.com/office/drawing/2014/main" xmlns="" id="{A751D420-7DEE-47F2-BCDE-5C607B399BC8}"/>
+                <a16:creationId xmlns="" xmlns:a16="http://schemas.microsoft.com/office/drawing/2014/main" id="{A751D420-7DEE-47F2-BCDE-5C607B399BC8}"/>
               </a:ext>
             </a:extLst>
           </p:cNvPr>
@@ -25565,7 +25569,7 @@
             <p:cNvPr id="150" name="타원 149">
               <a:extLst>
                 <a:ext uri="{FF2B5EF4-FFF2-40B4-BE49-F238E27FC236}">
-                  <a16:creationId xmlns:a16="http://schemas.microsoft.com/office/drawing/2014/main" xmlns="" id="{B90E3C5A-6A05-41C2-AC02-406E5170DFCF}"/>
+                  <a16:creationId xmlns="" xmlns:a16="http://schemas.microsoft.com/office/drawing/2014/main" id="{B90E3C5A-6A05-41C2-AC02-406E5170DFCF}"/>
                 </a:ext>
               </a:extLst>
             </p:cNvPr>
@@ -25609,7 +25613,7 @@
             <p:cNvPr id="148" name="타원 147">
               <a:extLst>
                 <a:ext uri="{FF2B5EF4-FFF2-40B4-BE49-F238E27FC236}">
-                  <a16:creationId xmlns:a16="http://schemas.microsoft.com/office/drawing/2014/main" xmlns="" id="{1EAF832E-FEDE-4B8B-89B0-27F67FF0BC29}"/>
+                  <a16:creationId xmlns="" xmlns:a16="http://schemas.microsoft.com/office/drawing/2014/main" id="{1EAF832E-FEDE-4B8B-89B0-27F67FF0BC29}"/>
                 </a:ext>
               </a:extLst>
             </p:cNvPr>
@@ -25653,7 +25657,7 @@
             <p:cNvPr id="156" name="타원 155">
               <a:extLst>
                 <a:ext uri="{FF2B5EF4-FFF2-40B4-BE49-F238E27FC236}">
-                  <a16:creationId xmlns:a16="http://schemas.microsoft.com/office/drawing/2014/main" xmlns="" id="{22ECCEEF-5257-4F46-915C-F023B2C75C66}"/>
+                  <a16:creationId xmlns="" xmlns:a16="http://schemas.microsoft.com/office/drawing/2014/main" id="{22ECCEEF-5257-4F46-915C-F023B2C75C66}"/>
                 </a:ext>
               </a:extLst>
             </p:cNvPr>
@@ -25697,7 +25701,7 @@
             <p:cNvPr id="151" name="타원 150">
               <a:extLst>
                 <a:ext uri="{FF2B5EF4-FFF2-40B4-BE49-F238E27FC236}">
-                  <a16:creationId xmlns:a16="http://schemas.microsoft.com/office/drawing/2014/main" xmlns="" id="{41A18765-F20A-4CCA-BA51-B2B3137BA87D}"/>
+                  <a16:creationId xmlns="" xmlns:a16="http://schemas.microsoft.com/office/drawing/2014/main" id="{41A18765-F20A-4CCA-BA51-B2B3137BA87D}"/>
                 </a:ext>
               </a:extLst>
             </p:cNvPr>
@@ -25741,7 +25745,7 @@
             <p:cNvPr id="146" name="그룹 145">
               <a:extLst>
                 <a:ext uri="{FF2B5EF4-FFF2-40B4-BE49-F238E27FC236}">
-                  <a16:creationId xmlns:a16="http://schemas.microsoft.com/office/drawing/2014/main" xmlns="" id="{03A5B219-2977-4F80-BB24-AB6D4DF5CF6A}"/>
+                  <a16:creationId xmlns="" xmlns:a16="http://schemas.microsoft.com/office/drawing/2014/main" id="{03A5B219-2977-4F80-BB24-AB6D4DF5CF6A}"/>
                 </a:ext>
               </a:extLst>
             </p:cNvPr>
@@ -25761,7 +25765,7 @@
               <p:cNvPr id="167" name="타원 166">
                 <a:extLst>
                   <a:ext uri="{FF2B5EF4-FFF2-40B4-BE49-F238E27FC236}">
-                    <a16:creationId xmlns:a16="http://schemas.microsoft.com/office/drawing/2014/main" xmlns="" id="{90E484C7-5A8D-4A5F-9C94-C68278AF96B3}"/>
+                    <a16:creationId xmlns="" xmlns:a16="http://schemas.microsoft.com/office/drawing/2014/main" id="{90E484C7-5A8D-4A5F-9C94-C68278AF96B3}"/>
                   </a:ext>
                 </a:extLst>
               </p:cNvPr>
@@ -25805,7 +25809,7 @@
               <p:cNvPr id="168" name="타원 167">
                 <a:extLst>
                   <a:ext uri="{FF2B5EF4-FFF2-40B4-BE49-F238E27FC236}">
-                    <a16:creationId xmlns:a16="http://schemas.microsoft.com/office/drawing/2014/main" xmlns="" id="{ACD88536-6696-4433-B171-EB8BACFDE7D0}"/>
+                    <a16:creationId xmlns="" xmlns:a16="http://schemas.microsoft.com/office/drawing/2014/main" id="{ACD88536-6696-4433-B171-EB8BACFDE7D0}"/>
                   </a:ext>
                 </a:extLst>
               </p:cNvPr>
@@ -25849,7 +25853,7 @@
               <p:cNvPr id="169" name="타원 168">
                 <a:extLst>
                   <a:ext uri="{FF2B5EF4-FFF2-40B4-BE49-F238E27FC236}">
-                    <a16:creationId xmlns:a16="http://schemas.microsoft.com/office/drawing/2014/main" xmlns="" id="{BE8E97A0-7149-4006-BEDD-D0E368C981FB}"/>
+                    <a16:creationId xmlns="" xmlns:a16="http://schemas.microsoft.com/office/drawing/2014/main" id="{BE8E97A0-7149-4006-BEDD-D0E368C981FB}"/>
                   </a:ext>
                 </a:extLst>
               </p:cNvPr>
@@ -25894,7 +25898,7 @@
             <p:cNvPr id="149" name="TextBox 148">
               <a:extLst>
                 <a:ext uri="{FF2B5EF4-FFF2-40B4-BE49-F238E27FC236}">
-                  <a16:creationId xmlns:a16="http://schemas.microsoft.com/office/drawing/2014/main" xmlns="" id="{632E0D45-B693-46DE-AFDE-43A51626D2A2}"/>
+                  <a16:creationId xmlns="" xmlns:a16="http://schemas.microsoft.com/office/drawing/2014/main" id="{632E0D45-B693-46DE-AFDE-43A51626D2A2}"/>
                 </a:ext>
               </a:extLst>
             </p:cNvPr>
@@ -25931,7 +25935,7 @@
             <p:cNvPr id="152" name="타원 151">
               <a:extLst>
                 <a:ext uri="{FF2B5EF4-FFF2-40B4-BE49-F238E27FC236}">
-                  <a16:creationId xmlns:a16="http://schemas.microsoft.com/office/drawing/2014/main" xmlns="" id="{BE861C2B-FD59-42BE-B97A-9EF1040A8A5F}"/>
+                  <a16:creationId xmlns="" xmlns:a16="http://schemas.microsoft.com/office/drawing/2014/main" id="{BE861C2B-FD59-42BE-B97A-9EF1040A8A5F}"/>
                 </a:ext>
               </a:extLst>
             </p:cNvPr>
@@ -25975,7 +25979,7 @@
             <p:cNvPr id="153" name="타원 152">
               <a:extLst>
                 <a:ext uri="{FF2B5EF4-FFF2-40B4-BE49-F238E27FC236}">
-                  <a16:creationId xmlns:a16="http://schemas.microsoft.com/office/drawing/2014/main" xmlns="" id="{315C9E35-B504-42AF-BF65-99A46DD6AF94}"/>
+                  <a16:creationId xmlns="" xmlns:a16="http://schemas.microsoft.com/office/drawing/2014/main" id="{315C9E35-B504-42AF-BF65-99A46DD6AF94}"/>
                 </a:ext>
               </a:extLst>
             </p:cNvPr>
@@ -26019,7 +26023,7 @@
             <p:cNvPr id="154" name="타원 153">
               <a:extLst>
                 <a:ext uri="{FF2B5EF4-FFF2-40B4-BE49-F238E27FC236}">
-                  <a16:creationId xmlns:a16="http://schemas.microsoft.com/office/drawing/2014/main" xmlns="" id="{0B8B9879-447D-4927-9328-5E6165C845B9}"/>
+                  <a16:creationId xmlns="" xmlns:a16="http://schemas.microsoft.com/office/drawing/2014/main" id="{0B8B9879-447D-4927-9328-5E6165C845B9}"/>
                 </a:ext>
               </a:extLst>
             </p:cNvPr>
@@ -26063,7 +26067,7 @@
             <p:cNvPr id="155" name="타원 154">
               <a:extLst>
                 <a:ext uri="{FF2B5EF4-FFF2-40B4-BE49-F238E27FC236}">
-                  <a16:creationId xmlns:a16="http://schemas.microsoft.com/office/drawing/2014/main" xmlns="" id="{A71AB1E8-3B90-4391-8DAE-8E6891E59345}"/>
+                  <a16:creationId xmlns="" xmlns:a16="http://schemas.microsoft.com/office/drawing/2014/main" id="{A71AB1E8-3B90-4391-8DAE-8E6891E59345}"/>
                 </a:ext>
               </a:extLst>
             </p:cNvPr>
@@ -26107,7 +26111,7 @@
             <p:cNvPr id="157" name="TextBox 156">
               <a:extLst>
                 <a:ext uri="{FF2B5EF4-FFF2-40B4-BE49-F238E27FC236}">
-                  <a16:creationId xmlns:a16="http://schemas.microsoft.com/office/drawing/2014/main" xmlns="" id="{B606452E-416C-4F1F-86E5-91F477E1578A}"/>
+                  <a16:creationId xmlns="" xmlns:a16="http://schemas.microsoft.com/office/drawing/2014/main" id="{B606452E-416C-4F1F-86E5-91F477E1578A}"/>
                 </a:ext>
               </a:extLst>
             </p:cNvPr>
@@ -26143,7 +26147,7 @@
             <p:cNvPr id="158" name="TextBox 157">
               <a:extLst>
                 <a:ext uri="{FF2B5EF4-FFF2-40B4-BE49-F238E27FC236}">
-                  <a16:creationId xmlns:a16="http://schemas.microsoft.com/office/drawing/2014/main" xmlns="" id="{431CB47E-E94E-4FD4-A3C1-3C336C9063E1}"/>
+                  <a16:creationId xmlns="" xmlns:a16="http://schemas.microsoft.com/office/drawing/2014/main" id="{431CB47E-E94E-4FD4-A3C1-3C336C9063E1}"/>
                 </a:ext>
               </a:extLst>
             </p:cNvPr>
@@ -26179,7 +26183,7 @@
             <p:cNvPr id="159" name="TextBox 158">
               <a:extLst>
                 <a:ext uri="{FF2B5EF4-FFF2-40B4-BE49-F238E27FC236}">
-                  <a16:creationId xmlns:a16="http://schemas.microsoft.com/office/drawing/2014/main" xmlns="" id="{C45BA087-06DE-477C-8F23-B0A6A6BBECB5}"/>
+                  <a16:creationId xmlns="" xmlns:a16="http://schemas.microsoft.com/office/drawing/2014/main" id="{C45BA087-06DE-477C-8F23-B0A6A6BBECB5}"/>
                 </a:ext>
               </a:extLst>
             </p:cNvPr>
@@ -26215,7 +26219,7 @@
             <p:cNvPr id="160" name="TextBox 159">
               <a:extLst>
                 <a:ext uri="{FF2B5EF4-FFF2-40B4-BE49-F238E27FC236}">
-                  <a16:creationId xmlns:a16="http://schemas.microsoft.com/office/drawing/2014/main" xmlns="" id="{437ACB36-D084-490A-8A0D-97C603D4621D}"/>
+                  <a16:creationId xmlns="" xmlns:a16="http://schemas.microsoft.com/office/drawing/2014/main" id="{437ACB36-D084-490A-8A0D-97C603D4621D}"/>
                 </a:ext>
               </a:extLst>
             </p:cNvPr>
@@ -26251,7 +26255,7 @@
             <p:cNvPr id="161" name="TextBox 160">
               <a:extLst>
                 <a:ext uri="{FF2B5EF4-FFF2-40B4-BE49-F238E27FC236}">
-                  <a16:creationId xmlns:a16="http://schemas.microsoft.com/office/drawing/2014/main" xmlns="" id="{0C3FFC35-0D4B-4C5D-8D4C-D149C125C0FB}"/>
+                  <a16:creationId xmlns="" xmlns:a16="http://schemas.microsoft.com/office/drawing/2014/main" id="{0C3FFC35-0D4B-4C5D-8D4C-D149C125C0FB}"/>
                 </a:ext>
               </a:extLst>
             </p:cNvPr>
@@ -26287,7 +26291,7 @@
             <p:cNvPr id="162" name="TextBox 161">
               <a:extLst>
                 <a:ext uri="{FF2B5EF4-FFF2-40B4-BE49-F238E27FC236}">
-                  <a16:creationId xmlns:a16="http://schemas.microsoft.com/office/drawing/2014/main" xmlns="" id="{50F9DF5E-57DD-48E4-AD9E-E7E6BAE18022}"/>
+                  <a16:creationId xmlns="" xmlns:a16="http://schemas.microsoft.com/office/drawing/2014/main" id="{50F9DF5E-57DD-48E4-AD9E-E7E6BAE18022}"/>
                 </a:ext>
               </a:extLst>
             </p:cNvPr>
@@ -26323,7 +26327,7 @@
             <p:cNvPr id="163" name="TextBox 162">
               <a:extLst>
                 <a:ext uri="{FF2B5EF4-FFF2-40B4-BE49-F238E27FC236}">
-                  <a16:creationId xmlns:a16="http://schemas.microsoft.com/office/drawing/2014/main" xmlns="" id="{679B79ED-DE06-4E3A-8F0D-8FAA4D92FE76}"/>
+                  <a16:creationId xmlns="" xmlns:a16="http://schemas.microsoft.com/office/drawing/2014/main" id="{679B79ED-DE06-4E3A-8F0D-8FAA4D92FE76}"/>
                 </a:ext>
               </a:extLst>
             </p:cNvPr>
@@ -26360,7 +26364,7 @@
           <p:cNvPr id="170" name="그룹 169">
             <a:extLst>
               <a:ext uri="{FF2B5EF4-FFF2-40B4-BE49-F238E27FC236}">
-                <a16:creationId xmlns:a16="http://schemas.microsoft.com/office/drawing/2014/main" xmlns="" id="{6C9BD9DA-B51B-40DA-BFB1-89B6E4F67675}"/>
+                <a16:creationId xmlns="" xmlns:a16="http://schemas.microsoft.com/office/drawing/2014/main" id="{6C9BD9DA-B51B-40DA-BFB1-89B6E4F67675}"/>
               </a:ext>
             </a:extLst>
           </p:cNvPr>
@@ -26380,7 +26384,7 @@
             <p:cNvPr id="178" name="타원 177">
               <a:extLst>
                 <a:ext uri="{FF2B5EF4-FFF2-40B4-BE49-F238E27FC236}">
-                  <a16:creationId xmlns:a16="http://schemas.microsoft.com/office/drawing/2014/main" xmlns="" id="{A438B08C-B0C5-4E8E-9868-E171DD511DC6}"/>
+                  <a16:creationId xmlns="" xmlns:a16="http://schemas.microsoft.com/office/drawing/2014/main" id="{A438B08C-B0C5-4E8E-9868-E171DD511DC6}"/>
                 </a:ext>
               </a:extLst>
             </p:cNvPr>
@@ -26424,7 +26428,7 @@
             <p:cNvPr id="181" name="타원 180">
               <a:extLst>
                 <a:ext uri="{FF2B5EF4-FFF2-40B4-BE49-F238E27FC236}">
-                  <a16:creationId xmlns:a16="http://schemas.microsoft.com/office/drawing/2014/main" xmlns="" id="{D1AE4630-B7F0-4AB2-A1AF-96B4B0105D9A}"/>
+                  <a16:creationId xmlns="" xmlns:a16="http://schemas.microsoft.com/office/drawing/2014/main" id="{D1AE4630-B7F0-4AB2-A1AF-96B4B0105D9A}"/>
                 </a:ext>
               </a:extLst>
             </p:cNvPr>
@@ -26468,7 +26472,7 @@
             <p:cNvPr id="171" name="그룹 170">
               <a:extLst>
                 <a:ext uri="{FF2B5EF4-FFF2-40B4-BE49-F238E27FC236}">
-                  <a16:creationId xmlns:a16="http://schemas.microsoft.com/office/drawing/2014/main" xmlns="" id="{0B600C14-F626-430D-AEA8-91AD36663CC2}"/>
+                  <a16:creationId xmlns="" xmlns:a16="http://schemas.microsoft.com/office/drawing/2014/main" id="{0B600C14-F626-430D-AEA8-91AD36663CC2}"/>
                 </a:ext>
               </a:extLst>
             </p:cNvPr>
@@ -26488,7 +26492,7 @@
               <p:cNvPr id="192" name="타원 191">
                 <a:extLst>
                   <a:ext uri="{FF2B5EF4-FFF2-40B4-BE49-F238E27FC236}">
-                    <a16:creationId xmlns:a16="http://schemas.microsoft.com/office/drawing/2014/main" xmlns="" id="{56FE7DB7-FB78-4C3D-BEF7-25B485E399BE}"/>
+                    <a16:creationId xmlns="" xmlns:a16="http://schemas.microsoft.com/office/drawing/2014/main" id="{56FE7DB7-FB78-4C3D-BEF7-25B485E399BE}"/>
                   </a:ext>
                 </a:extLst>
               </p:cNvPr>
@@ -26532,7 +26536,7 @@
               <p:cNvPr id="193" name="타원 192">
                 <a:extLst>
                   <a:ext uri="{FF2B5EF4-FFF2-40B4-BE49-F238E27FC236}">
-                    <a16:creationId xmlns:a16="http://schemas.microsoft.com/office/drawing/2014/main" xmlns="" id="{B14195DC-BDE7-4118-AA8D-6BA42D0A04CC}"/>
+                    <a16:creationId xmlns="" xmlns:a16="http://schemas.microsoft.com/office/drawing/2014/main" id="{B14195DC-BDE7-4118-AA8D-6BA42D0A04CC}"/>
                   </a:ext>
                 </a:extLst>
               </p:cNvPr>
@@ -26576,7 +26580,7 @@
               <p:cNvPr id="194" name="타원 193">
                 <a:extLst>
                   <a:ext uri="{FF2B5EF4-FFF2-40B4-BE49-F238E27FC236}">
-                    <a16:creationId xmlns:a16="http://schemas.microsoft.com/office/drawing/2014/main" xmlns="" id="{87E1E068-7395-477D-A02C-DEE5423ABC92}"/>
+                    <a16:creationId xmlns="" xmlns:a16="http://schemas.microsoft.com/office/drawing/2014/main" id="{87E1E068-7395-477D-A02C-DEE5423ABC92}"/>
                   </a:ext>
                 </a:extLst>
               </p:cNvPr>
@@ -26621,7 +26625,7 @@
             <p:cNvPr id="173" name="타원 172">
               <a:extLst>
                 <a:ext uri="{FF2B5EF4-FFF2-40B4-BE49-F238E27FC236}">
-                  <a16:creationId xmlns:a16="http://schemas.microsoft.com/office/drawing/2014/main" xmlns="" id="{C0640EB6-69A1-4138-B39B-47CA789430DE}"/>
+                  <a16:creationId xmlns="" xmlns:a16="http://schemas.microsoft.com/office/drawing/2014/main" id="{C0640EB6-69A1-4138-B39B-47CA789430DE}"/>
                 </a:ext>
               </a:extLst>
             </p:cNvPr>
@@ -26665,7 +26669,7 @@
             <p:cNvPr id="174" name="TextBox 173">
               <a:extLst>
                 <a:ext uri="{FF2B5EF4-FFF2-40B4-BE49-F238E27FC236}">
-                  <a16:creationId xmlns:a16="http://schemas.microsoft.com/office/drawing/2014/main" xmlns="" id="{A3DAE0FE-C8B1-4957-AF4D-77348EA56FF1}"/>
+                  <a16:creationId xmlns="" xmlns:a16="http://schemas.microsoft.com/office/drawing/2014/main" id="{A3DAE0FE-C8B1-4957-AF4D-77348EA56FF1}"/>
                 </a:ext>
               </a:extLst>
             </p:cNvPr>
@@ -26701,7 +26705,7 @@
             <p:cNvPr id="175" name="타원 174">
               <a:extLst>
                 <a:ext uri="{FF2B5EF4-FFF2-40B4-BE49-F238E27FC236}">
-                  <a16:creationId xmlns:a16="http://schemas.microsoft.com/office/drawing/2014/main" xmlns="" id="{DEC17566-3ECD-4889-AADE-61F2E4C31F2B}"/>
+                  <a16:creationId xmlns="" xmlns:a16="http://schemas.microsoft.com/office/drawing/2014/main" id="{DEC17566-3ECD-4889-AADE-61F2E4C31F2B}"/>
                 </a:ext>
               </a:extLst>
             </p:cNvPr>
@@ -26745,7 +26749,7 @@
             <p:cNvPr id="176" name="타원 175">
               <a:extLst>
                 <a:ext uri="{FF2B5EF4-FFF2-40B4-BE49-F238E27FC236}">
-                  <a16:creationId xmlns:a16="http://schemas.microsoft.com/office/drawing/2014/main" xmlns="" id="{4BA6E39B-D995-4E5E-A5AB-FC3547A3051E}"/>
+                  <a16:creationId xmlns="" xmlns:a16="http://schemas.microsoft.com/office/drawing/2014/main" id="{4BA6E39B-D995-4E5E-A5AB-FC3547A3051E}"/>
                 </a:ext>
               </a:extLst>
             </p:cNvPr>
@@ -26789,7 +26793,7 @@
             <p:cNvPr id="177" name="타원 176">
               <a:extLst>
                 <a:ext uri="{FF2B5EF4-FFF2-40B4-BE49-F238E27FC236}">
-                  <a16:creationId xmlns:a16="http://schemas.microsoft.com/office/drawing/2014/main" xmlns="" id="{DF9A87E0-5C6A-4E24-8E07-5FC4C62AC0FD}"/>
+                  <a16:creationId xmlns="" xmlns:a16="http://schemas.microsoft.com/office/drawing/2014/main" id="{DF9A87E0-5C6A-4E24-8E07-5FC4C62AC0FD}"/>
                 </a:ext>
               </a:extLst>
             </p:cNvPr>
@@ -26833,7 +26837,7 @@
             <p:cNvPr id="179" name="타원 178">
               <a:extLst>
                 <a:ext uri="{FF2B5EF4-FFF2-40B4-BE49-F238E27FC236}">
-                  <a16:creationId xmlns:a16="http://schemas.microsoft.com/office/drawing/2014/main" xmlns="" id="{40D03462-E6E6-4BBD-BDC5-72D7A975BA3E}"/>
+                  <a16:creationId xmlns="" xmlns:a16="http://schemas.microsoft.com/office/drawing/2014/main" id="{40D03462-E6E6-4BBD-BDC5-72D7A975BA3E}"/>
                 </a:ext>
               </a:extLst>
             </p:cNvPr>
@@ -26877,7 +26881,7 @@
             <p:cNvPr id="180" name="타원 179">
               <a:extLst>
                 <a:ext uri="{FF2B5EF4-FFF2-40B4-BE49-F238E27FC236}">
-                  <a16:creationId xmlns:a16="http://schemas.microsoft.com/office/drawing/2014/main" xmlns="" id="{48B027A3-A207-4738-B1BD-B69A9E6B38DF}"/>
+                  <a16:creationId xmlns="" xmlns:a16="http://schemas.microsoft.com/office/drawing/2014/main" id="{48B027A3-A207-4738-B1BD-B69A9E6B38DF}"/>
                 </a:ext>
               </a:extLst>
             </p:cNvPr>
@@ -26921,7 +26925,7 @@
             <p:cNvPr id="182" name="TextBox 181">
               <a:extLst>
                 <a:ext uri="{FF2B5EF4-FFF2-40B4-BE49-F238E27FC236}">
-                  <a16:creationId xmlns:a16="http://schemas.microsoft.com/office/drawing/2014/main" xmlns="" id="{FF484107-2D2C-48AC-8291-FE9705D27A9D}"/>
+                  <a16:creationId xmlns="" xmlns:a16="http://schemas.microsoft.com/office/drawing/2014/main" id="{FF484107-2D2C-48AC-8291-FE9705D27A9D}"/>
                 </a:ext>
               </a:extLst>
             </p:cNvPr>
@@ -26957,7 +26961,7 @@
             <p:cNvPr id="183" name="TextBox 182">
               <a:extLst>
                 <a:ext uri="{FF2B5EF4-FFF2-40B4-BE49-F238E27FC236}">
-                  <a16:creationId xmlns:a16="http://schemas.microsoft.com/office/drawing/2014/main" xmlns="" id="{C652FBFE-2ECA-4E93-B11D-5205E089111B}"/>
+                  <a16:creationId xmlns="" xmlns:a16="http://schemas.microsoft.com/office/drawing/2014/main" id="{C652FBFE-2ECA-4E93-B11D-5205E089111B}"/>
                 </a:ext>
               </a:extLst>
             </p:cNvPr>
@@ -26993,7 +26997,7 @@
             <p:cNvPr id="184" name="TextBox 183">
               <a:extLst>
                 <a:ext uri="{FF2B5EF4-FFF2-40B4-BE49-F238E27FC236}">
-                  <a16:creationId xmlns:a16="http://schemas.microsoft.com/office/drawing/2014/main" xmlns="" id="{6354E50E-8D7C-4382-924B-DA455555EFD9}"/>
+                  <a16:creationId xmlns="" xmlns:a16="http://schemas.microsoft.com/office/drawing/2014/main" id="{6354E50E-8D7C-4382-924B-DA455555EFD9}"/>
                 </a:ext>
               </a:extLst>
             </p:cNvPr>
@@ -27029,7 +27033,7 @@
             <p:cNvPr id="185" name="TextBox 184">
               <a:extLst>
                 <a:ext uri="{FF2B5EF4-FFF2-40B4-BE49-F238E27FC236}">
-                  <a16:creationId xmlns:a16="http://schemas.microsoft.com/office/drawing/2014/main" xmlns="" id="{C6BA7AB2-81FF-4A47-9616-74D8EFB17C45}"/>
+                  <a16:creationId xmlns="" xmlns:a16="http://schemas.microsoft.com/office/drawing/2014/main" id="{C6BA7AB2-81FF-4A47-9616-74D8EFB17C45}"/>
                 </a:ext>
               </a:extLst>
             </p:cNvPr>
@@ -27065,7 +27069,7 @@
             <p:cNvPr id="186" name="TextBox 185">
               <a:extLst>
                 <a:ext uri="{FF2B5EF4-FFF2-40B4-BE49-F238E27FC236}">
-                  <a16:creationId xmlns:a16="http://schemas.microsoft.com/office/drawing/2014/main" xmlns="" id="{80AA4D85-09B8-43B7-9BC4-80D1F177A6F7}"/>
+                  <a16:creationId xmlns="" xmlns:a16="http://schemas.microsoft.com/office/drawing/2014/main" id="{80AA4D85-09B8-43B7-9BC4-80D1F177A6F7}"/>
                 </a:ext>
               </a:extLst>
             </p:cNvPr>
@@ -27101,7 +27105,7 @@
             <p:cNvPr id="187" name="TextBox 186">
               <a:extLst>
                 <a:ext uri="{FF2B5EF4-FFF2-40B4-BE49-F238E27FC236}">
-                  <a16:creationId xmlns:a16="http://schemas.microsoft.com/office/drawing/2014/main" xmlns="" id="{510C5236-4C1A-4153-A525-6BC600AEC120}"/>
+                  <a16:creationId xmlns="" xmlns:a16="http://schemas.microsoft.com/office/drawing/2014/main" id="{510C5236-4C1A-4153-A525-6BC600AEC120}"/>
                 </a:ext>
               </a:extLst>
             </p:cNvPr>
@@ -27137,7 +27141,7 @@
             <p:cNvPr id="188" name="TextBox 187">
               <a:extLst>
                 <a:ext uri="{FF2B5EF4-FFF2-40B4-BE49-F238E27FC236}">
-                  <a16:creationId xmlns:a16="http://schemas.microsoft.com/office/drawing/2014/main" xmlns="" id="{1668DD41-72F4-46F0-A620-5B256116070A}"/>
+                  <a16:creationId xmlns="" xmlns:a16="http://schemas.microsoft.com/office/drawing/2014/main" id="{1668DD41-72F4-46F0-A620-5B256116070A}"/>
                 </a:ext>
               </a:extLst>
             </p:cNvPr>
@@ -27174,7 +27178,7 @@
           <p:cNvPr id="195" name="그룹 194">
             <a:extLst>
               <a:ext uri="{FF2B5EF4-FFF2-40B4-BE49-F238E27FC236}">
-                <a16:creationId xmlns:a16="http://schemas.microsoft.com/office/drawing/2014/main" xmlns="" id="{F4CAE773-1AE4-4EE2-B9D7-AFD29B0C777C}"/>
+                <a16:creationId xmlns="" xmlns:a16="http://schemas.microsoft.com/office/drawing/2014/main" id="{F4CAE773-1AE4-4EE2-B9D7-AFD29B0C777C}"/>
               </a:ext>
             </a:extLst>
           </p:cNvPr>
@@ -27194,7 +27198,7 @@
             <p:cNvPr id="206" name="타원 205">
               <a:extLst>
                 <a:ext uri="{FF2B5EF4-FFF2-40B4-BE49-F238E27FC236}">
-                  <a16:creationId xmlns:a16="http://schemas.microsoft.com/office/drawing/2014/main" xmlns="" id="{E2FA0D6F-FA42-4C9B-9F76-4C70AC9DA920}"/>
+                  <a16:creationId xmlns="" xmlns:a16="http://schemas.microsoft.com/office/drawing/2014/main" id="{E2FA0D6F-FA42-4C9B-9F76-4C70AC9DA920}"/>
                 </a:ext>
               </a:extLst>
             </p:cNvPr>
@@ -27238,7 +27242,7 @@
             <p:cNvPr id="196" name="그룹 195">
               <a:extLst>
                 <a:ext uri="{FF2B5EF4-FFF2-40B4-BE49-F238E27FC236}">
-                  <a16:creationId xmlns:a16="http://schemas.microsoft.com/office/drawing/2014/main" xmlns="" id="{5AE4F81A-D2EA-43BD-AB40-C98B675205BC}"/>
+                  <a16:creationId xmlns="" xmlns:a16="http://schemas.microsoft.com/office/drawing/2014/main" id="{5AE4F81A-D2EA-43BD-AB40-C98B675205BC}"/>
                 </a:ext>
               </a:extLst>
             </p:cNvPr>
@@ -27258,7 +27262,7 @@
               <p:cNvPr id="217" name="타원 216">
                 <a:extLst>
                   <a:ext uri="{FF2B5EF4-FFF2-40B4-BE49-F238E27FC236}">
-                    <a16:creationId xmlns:a16="http://schemas.microsoft.com/office/drawing/2014/main" xmlns="" id="{54D1C286-C42F-46F0-ACE8-8B80FAAD331F}"/>
+                    <a16:creationId xmlns="" xmlns:a16="http://schemas.microsoft.com/office/drawing/2014/main" id="{54D1C286-C42F-46F0-ACE8-8B80FAAD331F}"/>
                   </a:ext>
                 </a:extLst>
               </p:cNvPr>
@@ -27302,7 +27306,7 @@
               <p:cNvPr id="218" name="타원 217">
                 <a:extLst>
                   <a:ext uri="{FF2B5EF4-FFF2-40B4-BE49-F238E27FC236}">
-                    <a16:creationId xmlns:a16="http://schemas.microsoft.com/office/drawing/2014/main" xmlns="" id="{4D4267E0-A6EF-418C-921F-DE6E0B3CA6CE}"/>
+                    <a16:creationId xmlns="" xmlns:a16="http://schemas.microsoft.com/office/drawing/2014/main" id="{4D4267E0-A6EF-418C-921F-DE6E0B3CA6CE}"/>
                   </a:ext>
                 </a:extLst>
               </p:cNvPr>
@@ -27346,7 +27350,7 @@
               <p:cNvPr id="219" name="타원 218">
                 <a:extLst>
                   <a:ext uri="{FF2B5EF4-FFF2-40B4-BE49-F238E27FC236}">
-                    <a16:creationId xmlns:a16="http://schemas.microsoft.com/office/drawing/2014/main" xmlns="" id="{ECB9A5A1-F529-4FF7-AE61-707C599162FA}"/>
+                    <a16:creationId xmlns="" xmlns:a16="http://schemas.microsoft.com/office/drawing/2014/main" id="{ECB9A5A1-F529-4FF7-AE61-707C599162FA}"/>
                   </a:ext>
                 </a:extLst>
               </p:cNvPr>
@@ -27391,7 +27395,7 @@
             <p:cNvPr id="198" name="타원 197">
               <a:extLst>
                 <a:ext uri="{FF2B5EF4-FFF2-40B4-BE49-F238E27FC236}">
-                  <a16:creationId xmlns:a16="http://schemas.microsoft.com/office/drawing/2014/main" xmlns="" id="{580E6430-9330-4383-B47B-C06EBE0D666C}"/>
+                  <a16:creationId xmlns="" xmlns:a16="http://schemas.microsoft.com/office/drawing/2014/main" id="{580E6430-9330-4383-B47B-C06EBE0D666C}"/>
                 </a:ext>
               </a:extLst>
             </p:cNvPr>
@@ -27435,7 +27439,7 @@
             <p:cNvPr id="199" name="TextBox 198">
               <a:extLst>
                 <a:ext uri="{FF2B5EF4-FFF2-40B4-BE49-F238E27FC236}">
-                  <a16:creationId xmlns:a16="http://schemas.microsoft.com/office/drawing/2014/main" xmlns="" id="{67623C7E-9D43-4403-B65F-5EC6AA0FDA71}"/>
+                  <a16:creationId xmlns="" xmlns:a16="http://schemas.microsoft.com/office/drawing/2014/main" id="{67623C7E-9D43-4403-B65F-5EC6AA0FDA71}"/>
                 </a:ext>
               </a:extLst>
             </p:cNvPr>
@@ -27471,7 +27475,7 @@
             <p:cNvPr id="200" name="타원 199">
               <a:extLst>
                 <a:ext uri="{FF2B5EF4-FFF2-40B4-BE49-F238E27FC236}">
-                  <a16:creationId xmlns:a16="http://schemas.microsoft.com/office/drawing/2014/main" xmlns="" id="{D7E521C8-2765-48D1-9336-73E027DFAD95}"/>
+                  <a16:creationId xmlns="" xmlns:a16="http://schemas.microsoft.com/office/drawing/2014/main" id="{D7E521C8-2765-48D1-9336-73E027DFAD95}"/>
                 </a:ext>
               </a:extLst>
             </p:cNvPr>
@@ -27515,7 +27519,7 @@
             <p:cNvPr id="201" name="타원 200">
               <a:extLst>
                 <a:ext uri="{FF2B5EF4-FFF2-40B4-BE49-F238E27FC236}">
-                  <a16:creationId xmlns:a16="http://schemas.microsoft.com/office/drawing/2014/main" xmlns="" id="{1403C9FB-16DF-470E-AF80-E81B3EC10FEE}"/>
+                  <a16:creationId xmlns="" xmlns:a16="http://schemas.microsoft.com/office/drawing/2014/main" id="{1403C9FB-16DF-470E-AF80-E81B3EC10FEE}"/>
                 </a:ext>
               </a:extLst>
             </p:cNvPr>
@@ -27559,7 +27563,7 @@
             <p:cNvPr id="202" name="타원 201">
               <a:extLst>
                 <a:ext uri="{FF2B5EF4-FFF2-40B4-BE49-F238E27FC236}">
-                  <a16:creationId xmlns:a16="http://schemas.microsoft.com/office/drawing/2014/main" xmlns="" id="{3ACF794B-0D2D-4D5F-99AA-D912E622E217}"/>
+                  <a16:creationId xmlns="" xmlns:a16="http://schemas.microsoft.com/office/drawing/2014/main" id="{3ACF794B-0D2D-4D5F-99AA-D912E622E217}"/>
                 </a:ext>
               </a:extLst>
             </p:cNvPr>
@@ -27603,7 +27607,7 @@
             <p:cNvPr id="203" name="타원 202">
               <a:extLst>
                 <a:ext uri="{FF2B5EF4-FFF2-40B4-BE49-F238E27FC236}">
-                  <a16:creationId xmlns:a16="http://schemas.microsoft.com/office/drawing/2014/main" xmlns="" id="{BC35BAC8-EE19-43AE-A2A9-953B4AB51802}"/>
+                  <a16:creationId xmlns="" xmlns:a16="http://schemas.microsoft.com/office/drawing/2014/main" id="{BC35BAC8-EE19-43AE-A2A9-953B4AB51802}"/>
                 </a:ext>
               </a:extLst>
             </p:cNvPr>
@@ -27647,7 +27651,7 @@
             <p:cNvPr id="204" name="타원 203">
               <a:extLst>
                 <a:ext uri="{FF2B5EF4-FFF2-40B4-BE49-F238E27FC236}">
-                  <a16:creationId xmlns:a16="http://schemas.microsoft.com/office/drawing/2014/main" xmlns="" id="{CCC36730-8A41-454D-B11E-B71C2DF4694D}"/>
+                  <a16:creationId xmlns="" xmlns:a16="http://schemas.microsoft.com/office/drawing/2014/main" id="{CCC36730-8A41-454D-B11E-B71C2DF4694D}"/>
                 </a:ext>
               </a:extLst>
             </p:cNvPr>
@@ -27691,7 +27695,7 @@
             <p:cNvPr id="205" name="타원 204">
               <a:extLst>
                 <a:ext uri="{FF2B5EF4-FFF2-40B4-BE49-F238E27FC236}">
-                  <a16:creationId xmlns:a16="http://schemas.microsoft.com/office/drawing/2014/main" xmlns="" id="{C77ADC1A-3EBE-4FD1-ACB0-FDFD529E6148}"/>
+                  <a16:creationId xmlns="" xmlns:a16="http://schemas.microsoft.com/office/drawing/2014/main" id="{C77ADC1A-3EBE-4FD1-ACB0-FDFD529E6148}"/>
                 </a:ext>
               </a:extLst>
             </p:cNvPr>
@@ -27735,7 +27739,7 @@
             <p:cNvPr id="207" name="TextBox 206">
               <a:extLst>
                 <a:ext uri="{FF2B5EF4-FFF2-40B4-BE49-F238E27FC236}">
-                  <a16:creationId xmlns:a16="http://schemas.microsoft.com/office/drawing/2014/main" xmlns="" id="{400642B6-B2CA-46CA-9FA0-30CE0C865D7C}"/>
+                  <a16:creationId xmlns="" xmlns:a16="http://schemas.microsoft.com/office/drawing/2014/main" id="{400642B6-B2CA-46CA-9FA0-30CE0C865D7C}"/>
                 </a:ext>
               </a:extLst>
             </p:cNvPr>
@@ -27771,7 +27775,7 @@
             <p:cNvPr id="208" name="TextBox 207">
               <a:extLst>
                 <a:ext uri="{FF2B5EF4-FFF2-40B4-BE49-F238E27FC236}">
-                  <a16:creationId xmlns:a16="http://schemas.microsoft.com/office/drawing/2014/main" xmlns="" id="{2CA7F244-D9AF-400C-81DA-C5BFB1DA5CB1}"/>
+                  <a16:creationId xmlns="" xmlns:a16="http://schemas.microsoft.com/office/drawing/2014/main" id="{2CA7F244-D9AF-400C-81DA-C5BFB1DA5CB1}"/>
                 </a:ext>
               </a:extLst>
             </p:cNvPr>
@@ -27807,7 +27811,7 @@
             <p:cNvPr id="209" name="TextBox 208">
               <a:extLst>
                 <a:ext uri="{FF2B5EF4-FFF2-40B4-BE49-F238E27FC236}">
-                  <a16:creationId xmlns:a16="http://schemas.microsoft.com/office/drawing/2014/main" xmlns="" id="{E170E539-7976-4B37-AF61-D0FBCCFD234B}"/>
+                  <a16:creationId xmlns="" xmlns:a16="http://schemas.microsoft.com/office/drawing/2014/main" id="{E170E539-7976-4B37-AF61-D0FBCCFD234B}"/>
                 </a:ext>
               </a:extLst>
             </p:cNvPr>
@@ -27843,7 +27847,7 @@
             <p:cNvPr id="210" name="TextBox 209">
               <a:extLst>
                 <a:ext uri="{FF2B5EF4-FFF2-40B4-BE49-F238E27FC236}">
-                  <a16:creationId xmlns:a16="http://schemas.microsoft.com/office/drawing/2014/main" xmlns="" id="{09B3B9EA-08D4-4A3F-8F04-94007EC6CBB3}"/>
+                  <a16:creationId xmlns="" xmlns:a16="http://schemas.microsoft.com/office/drawing/2014/main" id="{09B3B9EA-08D4-4A3F-8F04-94007EC6CBB3}"/>
                 </a:ext>
               </a:extLst>
             </p:cNvPr>
@@ -27879,7 +27883,7 @@
             <p:cNvPr id="211" name="TextBox 210">
               <a:extLst>
                 <a:ext uri="{FF2B5EF4-FFF2-40B4-BE49-F238E27FC236}">
-                  <a16:creationId xmlns:a16="http://schemas.microsoft.com/office/drawing/2014/main" xmlns="" id="{DA78AA9F-EEF6-4A80-BA87-FE177429A7D2}"/>
+                  <a16:creationId xmlns="" xmlns:a16="http://schemas.microsoft.com/office/drawing/2014/main" id="{DA78AA9F-EEF6-4A80-BA87-FE177429A7D2}"/>
                 </a:ext>
               </a:extLst>
             </p:cNvPr>
@@ -27915,7 +27919,7 @@
             <p:cNvPr id="212" name="TextBox 211">
               <a:extLst>
                 <a:ext uri="{FF2B5EF4-FFF2-40B4-BE49-F238E27FC236}">
-                  <a16:creationId xmlns:a16="http://schemas.microsoft.com/office/drawing/2014/main" xmlns="" id="{2D4B8781-F619-4FEE-97FF-F2807523F537}"/>
+                  <a16:creationId xmlns="" xmlns:a16="http://schemas.microsoft.com/office/drawing/2014/main" id="{2D4B8781-F619-4FEE-97FF-F2807523F537}"/>
                 </a:ext>
               </a:extLst>
             </p:cNvPr>
@@ -27951,7 +27955,7 @@
             <p:cNvPr id="213" name="TextBox 212">
               <a:extLst>
                 <a:ext uri="{FF2B5EF4-FFF2-40B4-BE49-F238E27FC236}">
-                  <a16:creationId xmlns:a16="http://schemas.microsoft.com/office/drawing/2014/main" xmlns="" id="{1FC75927-F5E3-40A9-8112-B1FB48DB6E70}"/>
+                  <a16:creationId xmlns="" xmlns:a16="http://schemas.microsoft.com/office/drawing/2014/main" id="{1FC75927-F5E3-40A9-8112-B1FB48DB6E70}"/>
                 </a:ext>
               </a:extLst>
             </p:cNvPr>
@@ -27988,7 +27992,7 @@
           <p:cNvPr id="221" name="직선 화살표 연결선 220">
             <a:extLst>
               <a:ext uri="{FF2B5EF4-FFF2-40B4-BE49-F238E27FC236}">
-                <a16:creationId xmlns:a16="http://schemas.microsoft.com/office/drawing/2014/main" xmlns="" id="{8A5E0A72-F6E0-41BC-8718-4CD0D52FB092}"/>
+                <a16:creationId xmlns="" xmlns:a16="http://schemas.microsoft.com/office/drawing/2014/main" id="{8A5E0A72-F6E0-41BC-8718-4CD0D52FB092}"/>
               </a:ext>
             </a:extLst>
           </p:cNvPr>
@@ -28031,7 +28035,7 @@
           <p:cNvPr id="225" name="직선 화살표 연결선 224">
             <a:extLst>
               <a:ext uri="{FF2B5EF4-FFF2-40B4-BE49-F238E27FC236}">
-                <a16:creationId xmlns:a16="http://schemas.microsoft.com/office/drawing/2014/main" xmlns="" id="{9031589E-2E2B-4C84-8E5C-8E8BC978F216}"/>
+                <a16:creationId xmlns="" xmlns:a16="http://schemas.microsoft.com/office/drawing/2014/main" id="{9031589E-2E2B-4C84-8E5C-8E8BC978F216}"/>
               </a:ext>
             </a:extLst>
           </p:cNvPr>
@@ -28074,7 +28078,7 @@
           <p:cNvPr id="237" name="직선 화살표 연결선 236">
             <a:extLst>
               <a:ext uri="{FF2B5EF4-FFF2-40B4-BE49-F238E27FC236}">
-                <a16:creationId xmlns:a16="http://schemas.microsoft.com/office/drawing/2014/main" xmlns="" id="{C0576CD6-9236-43C7-A4B4-504BE403231E}"/>
+                <a16:creationId xmlns="" xmlns:a16="http://schemas.microsoft.com/office/drawing/2014/main" id="{C0576CD6-9236-43C7-A4B4-504BE403231E}"/>
               </a:ext>
             </a:extLst>
           </p:cNvPr>
@@ -28117,7 +28121,7 @@
           <p:cNvPr id="240" name="직선 화살표 연결선 239">
             <a:extLst>
               <a:ext uri="{FF2B5EF4-FFF2-40B4-BE49-F238E27FC236}">
-                <a16:creationId xmlns:a16="http://schemas.microsoft.com/office/drawing/2014/main" xmlns="" id="{82552419-05F5-4F66-A19C-81CC4FD96A60}"/>
+                <a16:creationId xmlns="" xmlns:a16="http://schemas.microsoft.com/office/drawing/2014/main" id="{82552419-05F5-4F66-A19C-81CC4FD96A60}"/>
               </a:ext>
             </a:extLst>
           </p:cNvPr>
@@ -28160,7 +28164,7 @@
           <p:cNvPr id="244" name="직선 화살표 연결선 243">
             <a:extLst>
               <a:ext uri="{FF2B5EF4-FFF2-40B4-BE49-F238E27FC236}">
-                <a16:creationId xmlns:a16="http://schemas.microsoft.com/office/drawing/2014/main" xmlns="" id="{3B96E093-9EFE-4481-BCFB-7E2933BE9F0D}"/>
+                <a16:creationId xmlns="" xmlns:a16="http://schemas.microsoft.com/office/drawing/2014/main" id="{3B96E093-9EFE-4481-BCFB-7E2933BE9F0D}"/>
               </a:ext>
             </a:extLst>
           </p:cNvPr>
@@ -28203,7 +28207,7 @@
           <p:cNvPr id="247" name="직선 화살표 연결선 246">
             <a:extLst>
               <a:ext uri="{FF2B5EF4-FFF2-40B4-BE49-F238E27FC236}">
-                <a16:creationId xmlns:a16="http://schemas.microsoft.com/office/drawing/2014/main" xmlns="" id="{7CA8A70C-CFCA-4DB7-8504-E1D8E9A2FC42}"/>
+                <a16:creationId xmlns="" xmlns:a16="http://schemas.microsoft.com/office/drawing/2014/main" id="{7CA8A70C-CFCA-4DB7-8504-E1D8E9A2FC42}"/>
               </a:ext>
             </a:extLst>
           </p:cNvPr>
@@ -28246,7 +28250,7 @@
           <p:cNvPr id="253" name="직선 화살표 연결선 252">
             <a:extLst>
               <a:ext uri="{FF2B5EF4-FFF2-40B4-BE49-F238E27FC236}">
-                <a16:creationId xmlns:a16="http://schemas.microsoft.com/office/drawing/2014/main" xmlns="" id="{B930FC5E-7B50-4807-BDA5-D891F44816C9}"/>
+                <a16:creationId xmlns="" xmlns:a16="http://schemas.microsoft.com/office/drawing/2014/main" id="{B930FC5E-7B50-4807-BDA5-D891F44816C9}"/>
               </a:ext>
             </a:extLst>
           </p:cNvPr>
@@ -28289,7 +28293,7 @@
           <p:cNvPr id="258" name="직선 화살표 연결선 257">
             <a:extLst>
               <a:ext uri="{FF2B5EF4-FFF2-40B4-BE49-F238E27FC236}">
-                <a16:creationId xmlns:a16="http://schemas.microsoft.com/office/drawing/2014/main" xmlns="" id="{8C212A71-6B20-4ADF-A624-892814FBC956}"/>
+                <a16:creationId xmlns="" xmlns:a16="http://schemas.microsoft.com/office/drawing/2014/main" id="{8C212A71-6B20-4ADF-A624-892814FBC956}"/>
               </a:ext>
             </a:extLst>
           </p:cNvPr>
@@ -28332,7 +28336,7 @@
           <p:cNvPr id="263" name="직선 화살표 연결선 262">
             <a:extLst>
               <a:ext uri="{FF2B5EF4-FFF2-40B4-BE49-F238E27FC236}">
-                <a16:creationId xmlns:a16="http://schemas.microsoft.com/office/drawing/2014/main" xmlns="" id="{41B444B3-E7C8-4131-ACC0-69320F3AFC68}"/>
+                <a16:creationId xmlns="" xmlns:a16="http://schemas.microsoft.com/office/drawing/2014/main" id="{41B444B3-E7C8-4131-ACC0-69320F3AFC68}"/>
               </a:ext>
             </a:extLst>
           </p:cNvPr>
@@ -28375,7 +28379,7 @@
           <p:cNvPr id="266" name="직선 화살표 연결선 265">
             <a:extLst>
               <a:ext uri="{FF2B5EF4-FFF2-40B4-BE49-F238E27FC236}">
-                <a16:creationId xmlns:a16="http://schemas.microsoft.com/office/drawing/2014/main" xmlns="" id="{4DF0FAD6-18D1-4058-A166-EFEC8D738909}"/>
+                <a16:creationId xmlns="" xmlns:a16="http://schemas.microsoft.com/office/drawing/2014/main" id="{4DF0FAD6-18D1-4058-A166-EFEC8D738909}"/>
               </a:ext>
             </a:extLst>
           </p:cNvPr>
@@ -28418,7 +28422,7 @@
           <p:cNvPr id="270" name="직선 화살표 연결선 269">
             <a:extLst>
               <a:ext uri="{FF2B5EF4-FFF2-40B4-BE49-F238E27FC236}">
-                <a16:creationId xmlns:a16="http://schemas.microsoft.com/office/drawing/2014/main" xmlns="" id="{1DF9C285-A626-4169-82E7-EFD5A15B76CA}"/>
+                <a16:creationId xmlns="" xmlns:a16="http://schemas.microsoft.com/office/drawing/2014/main" id="{1DF9C285-A626-4169-82E7-EFD5A15B76CA}"/>
               </a:ext>
             </a:extLst>
           </p:cNvPr>
@@ -28461,7 +28465,7 @@
           <p:cNvPr id="273" name="직선 화살표 연결선 272">
             <a:extLst>
               <a:ext uri="{FF2B5EF4-FFF2-40B4-BE49-F238E27FC236}">
-                <a16:creationId xmlns:a16="http://schemas.microsoft.com/office/drawing/2014/main" xmlns="" id="{2224C2EB-F355-4067-8200-2D2152C83277}"/>
+                <a16:creationId xmlns="" xmlns:a16="http://schemas.microsoft.com/office/drawing/2014/main" id="{2224C2EB-F355-4067-8200-2D2152C83277}"/>
               </a:ext>
             </a:extLst>
           </p:cNvPr>
@@ -28504,7 +28508,7 @@
           <p:cNvPr id="277" name="직선 화살표 연결선 276">
             <a:extLst>
               <a:ext uri="{FF2B5EF4-FFF2-40B4-BE49-F238E27FC236}">
-                <a16:creationId xmlns:a16="http://schemas.microsoft.com/office/drawing/2014/main" xmlns="" id="{B1F04600-A700-4F1B-B102-FDFD22A9BEB0}"/>
+                <a16:creationId xmlns="" xmlns:a16="http://schemas.microsoft.com/office/drawing/2014/main" id="{B1F04600-A700-4F1B-B102-FDFD22A9BEB0}"/>
               </a:ext>
             </a:extLst>
           </p:cNvPr>
@@ -28547,7 +28551,7 @@
           <p:cNvPr id="282" name="직선 화살표 연결선 281">
             <a:extLst>
               <a:ext uri="{FF2B5EF4-FFF2-40B4-BE49-F238E27FC236}">
-                <a16:creationId xmlns:a16="http://schemas.microsoft.com/office/drawing/2014/main" xmlns="" id="{C28C7654-DAEF-4563-A680-C1C5E54417BD}"/>
+                <a16:creationId xmlns="" xmlns:a16="http://schemas.microsoft.com/office/drawing/2014/main" id="{C28C7654-DAEF-4563-A680-C1C5E54417BD}"/>
               </a:ext>
             </a:extLst>
           </p:cNvPr>
@@ -28590,7 +28594,7 @@
           <p:cNvPr id="285" name="직선 화살표 연결선 284">
             <a:extLst>
               <a:ext uri="{FF2B5EF4-FFF2-40B4-BE49-F238E27FC236}">
-                <a16:creationId xmlns:a16="http://schemas.microsoft.com/office/drawing/2014/main" xmlns="" id="{6CF0E8E6-CFA6-4B62-B4C7-684AC225B1E4}"/>
+                <a16:creationId xmlns="" xmlns:a16="http://schemas.microsoft.com/office/drawing/2014/main" id="{6CF0E8E6-CFA6-4B62-B4C7-684AC225B1E4}"/>
               </a:ext>
             </a:extLst>
           </p:cNvPr>
@@ -28633,7 +28637,7 @@
           <p:cNvPr id="289" name="직선 화살표 연결선 288">
             <a:extLst>
               <a:ext uri="{FF2B5EF4-FFF2-40B4-BE49-F238E27FC236}">
-                <a16:creationId xmlns:a16="http://schemas.microsoft.com/office/drawing/2014/main" xmlns="" id="{5A54F879-3B43-4A42-AB66-8EA13E4E5991}"/>
+                <a16:creationId xmlns="" xmlns:a16="http://schemas.microsoft.com/office/drawing/2014/main" id="{5A54F879-3B43-4A42-AB66-8EA13E4E5991}"/>
               </a:ext>
             </a:extLst>
           </p:cNvPr>
@@ -28676,7 +28680,7 @@
           <p:cNvPr id="292" name="직선 화살표 연결선 291">
             <a:extLst>
               <a:ext uri="{FF2B5EF4-FFF2-40B4-BE49-F238E27FC236}">
-                <a16:creationId xmlns:a16="http://schemas.microsoft.com/office/drawing/2014/main" xmlns="" id="{323E5D09-BB94-4CDE-9979-E6B0655A0413}"/>
+                <a16:creationId xmlns="" xmlns:a16="http://schemas.microsoft.com/office/drawing/2014/main" id="{323E5D09-BB94-4CDE-9979-E6B0655A0413}"/>
               </a:ext>
             </a:extLst>
           </p:cNvPr>
@@ -28719,7 +28723,7 @@
           <p:cNvPr id="296" name="직선 화살표 연결선 295">
             <a:extLst>
               <a:ext uri="{FF2B5EF4-FFF2-40B4-BE49-F238E27FC236}">
-                <a16:creationId xmlns:a16="http://schemas.microsoft.com/office/drawing/2014/main" xmlns="" id="{ABAADC6D-C2EF-4BA7-BCF6-E701D46B8120}"/>
+                <a16:creationId xmlns="" xmlns:a16="http://schemas.microsoft.com/office/drawing/2014/main" id="{ABAADC6D-C2EF-4BA7-BCF6-E701D46B8120}"/>
               </a:ext>
             </a:extLst>
           </p:cNvPr>
@@ -28762,7 +28766,7 @@
           <p:cNvPr id="300" name="직선 화살표 연결선 299">
             <a:extLst>
               <a:ext uri="{FF2B5EF4-FFF2-40B4-BE49-F238E27FC236}">
-                <a16:creationId xmlns:a16="http://schemas.microsoft.com/office/drawing/2014/main" xmlns="" id="{7E7D36A6-EA29-4D97-901D-8618BCC26766}"/>
+                <a16:creationId xmlns="" xmlns:a16="http://schemas.microsoft.com/office/drawing/2014/main" id="{7E7D36A6-EA29-4D97-901D-8618BCC26766}"/>
               </a:ext>
             </a:extLst>
           </p:cNvPr>
@@ -28805,7 +28809,7 @@
           <p:cNvPr id="303" name="직선 화살표 연결선 302">
             <a:extLst>
               <a:ext uri="{FF2B5EF4-FFF2-40B4-BE49-F238E27FC236}">
-                <a16:creationId xmlns:a16="http://schemas.microsoft.com/office/drawing/2014/main" xmlns="" id="{962AE838-B8B3-41AF-BC82-AFCD5B71C23E}"/>
+                <a16:creationId xmlns="" xmlns:a16="http://schemas.microsoft.com/office/drawing/2014/main" id="{962AE838-B8B3-41AF-BC82-AFCD5B71C23E}"/>
               </a:ext>
             </a:extLst>
           </p:cNvPr>
@@ -28848,7 +28852,7 @@
           <p:cNvPr id="306" name="직선 화살표 연결선 305">
             <a:extLst>
               <a:ext uri="{FF2B5EF4-FFF2-40B4-BE49-F238E27FC236}">
-                <a16:creationId xmlns:a16="http://schemas.microsoft.com/office/drawing/2014/main" xmlns="" id="{08F808D9-EF1F-4CCD-A7F6-3FFB84DD1001}"/>
+                <a16:creationId xmlns="" xmlns:a16="http://schemas.microsoft.com/office/drawing/2014/main" id="{08F808D9-EF1F-4CCD-A7F6-3FFB84DD1001}"/>
               </a:ext>
             </a:extLst>
           </p:cNvPr>
@@ -28891,7 +28895,7 @@
           <p:cNvPr id="309" name="직선 화살표 연결선 308">
             <a:extLst>
               <a:ext uri="{FF2B5EF4-FFF2-40B4-BE49-F238E27FC236}">
-                <a16:creationId xmlns:a16="http://schemas.microsoft.com/office/drawing/2014/main" xmlns="" id="{C9768F03-49B2-402D-BA68-6F4562DAEE9F}"/>
+                <a16:creationId xmlns="" xmlns:a16="http://schemas.microsoft.com/office/drawing/2014/main" id="{C9768F03-49B2-402D-BA68-6F4562DAEE9F}"/>
               </a:ext>
             </a:extLst>
           </p:cNvPr>
@@ -28934,7 +28938,7 @@
           <p:cNvPr id="312" name="직선 화살표 연결선 311">
             <a:extLst>
               <a:ext uri="{FF2B5EF4-FFF2-40B4-BE49-F238E27FC236}">
-                <a16:creationId xmlns:a16="http://schemas.microsoft.com/office/drawing/2014/main" xmlns="" id="{60BAFDC0-3BAC-43C5-B727-A65358876CCE}"/>
+                <a16:creationId xmlns="" xmlns:a16="http://schemas.microsoft.com/office/drawing/2014/main" id="{60BAFDC0-3BAC-43C5-B727-A65358876CCE}"/>
               </a:ext>
             </a:extLst>
           </p:cNvPr>
@@ -28977,7 +28981,7 @@
           <p:cNvPr id="315" name="직선 화살표 연결선 314">
             <a:extLst>
               <a:ext uri="{FF2B5EF4-FFF2-40B4-BE49-F238E27FC236}">
-                <a16:creationId xmlns:a16="http://schemas.microsoft.com/office/drawing/2014/main" xmlns="" id="{0608AB37-7C56-4CC8-B47C-0EA164CA2004}"/>
+                <a16:creationId xmlns="" xmlns:a16="http://schemas.microsoft.com/office/drawing/2014/main" id="{0608AB37-7C56-4CC8-B47C-0EA164CA2004}"/>
               </a:ext>
             </a:extLst>
           </p:cNvPr>
@@ -29020,7 +29024,7 @@
           <p:cNvPr id="319" name="직선 화살표 연결선 318">
             <a:extLst>
               <a:ext uri="{FF2B5EF4-FFF2-40B4-BE49-F238E27FC236}">
-                <a16:creationId xmlns:a16="http://schemas.microsoft.com/office/drawing/2014/main" xmlns="" id="{859BCF62-7B3A-4DEE-97E7-2DDA44A38DDF}"/>
+                <a16:creationId xmlns="" xmlns:a16="http://schemas.microsoft.com/office/drawing/2014/main" id="{859BCF62-7B3A-4DEE-97E7-2DDA44A38DDF}"/>
               </a:ext>
             </a:extLst>
           </p:cNvPr>
@@ -29063,7 +29067,7 @@
           <p:cNvPr id="328" name="직선 화살표 연결선 327">
             <a:extLst>
               <a:ext uri="{FF2B5EF4-FFF2-40B4-BE49-F238E27FC236}">
-                <a16:creationId xmlns:a16="http://schemas.microsoft.com/office/drawing/2014/main" xmlns="" id="{38C8C8B5-0F6C-4198-841A-78AA70E89738}"/>
+                <a16:creationId xmlns="" xmlns:a16="http://schemas.microsoft.com/office/drawing/2014/main" id="{38C8C8B5-0F6C-4198-841A-78AA70E89738}"/>
               </a:ext>
             </a:extLst>
           </p:cNvPr>
@@ -29106,7 +29110,7 @@
           <p:cNvPr id="334" name="직선 화살표 연결선 333">
             <a:extLst>
               <a:ext uri="{FF2B5EF4-FFF2-40B4-BE49-F238E27FC236}">
-                <a16:creationId xmlns:a16="http://schemas.microsoft.com/office/drawing/2014/main" xmlns="" id="{98ED010C-1E20-47C3-86DE-F627B4F4B179}"/>
+                <a16:creationId xmlns="" xmlns:a16="http://schemas.microsoft.com/office/drawing/2014/main" id="{98ED010C-1E20-47C3-86DE-F627B4F4B179}"/>
               </a:ext>
             </a:extLst>
           </p:cNvPr>
@@ -29149,7 +29153,7 @@
           <p:cNvPr id="337" name="직선 화살표 연결선 336">
             <a:extLst>
               <a:ext uri="{FF2B5EF4-FFF2-40B4-BE49-F238E27FC236}">
-                <a16:creationId xmlns:a16="http://schemas.microsoft.com/office/drawing/2014/main" xmlns="" id="{7043F77E-2215-45DE-A67D-1D6F49418E59}"/>
+                <a16:creationId xmlns="" xmlns:a16="http://schemas.microsoft.com/office/drawing/2014/main" id="{7043F77E-2215-45DE-A67D-1D6F49418E59}"/>
               </a:ext>
             </a:extLst>
           </p:cNvPr>
@@ -29192,7 +29196,7 @@
           <p:cNvPr id="342" name="직선 연결선 341">
             <a:extLst>
               <a:ext uri="{FF2B5EF4-FFF2-40B4-BE49-F238E27FC236}">
-                <a16:creationId xmlns:a16="http://schemas.microsoft.com/office/drawing/2014/main" xmlns="" id="{DF8D0FA1-E26F-4006-BC03-3B4DEDEE672C}"/>
+                <a16:creationId xmlns="" xmlns:a16="http://schemas.microsoft.com/office/drawing/2014/main" id="{DF8D0FA1-E26F-4006-BC03-3B4DEDEE672C}"/>
               </a:ext>
             </a:extLst>
           </p:cNvPr>

--- a/architecture.pptx
+++ b/architecture.pptx
@@ -12,6 +12,7 @@
     <p:sldId id="260" r:id="rId6"/>
     <p:sldId id="261" r:id="rId7"/>
     <p:sldId id="262" r:id="rId8"/>
+    <p:sldId id="264" r:id="rId9"/>
   </p:sldIdLst>
   <p:sldSz cx="12192000" cy="6858000"/>
   <p:notesSz cx="6858000" cy="9144000"/>
@@ -144,7 +145,7 @@
           <p:cNvPr id="2" name="제목 1">
             <a:extLst>
               <a:ext uri="{FF2B5EF4-FFF2-40B4-BE49-F238E27FC236}">
-                <a16:creationId xmlns="" xmlns:a16="http://schemas.microsoft.com/office/drawing/2014/main" id="{1EC66453-60C9-4ED7-968A-F4426E82A607}"/>
+                <a16:creationId xmlns:a16="http://schemas.microsoft.com/office/drawing/2014/main" xmlns="" id="{1EC66453-60C9-4ED7-968A-F4426E82A607}"/>
               </a:ext>
             </a:extLst>
           </p:cNvPr>
@@ -181,7 +182,7 @@
           <p:cNvPr id="3" name="부제목 2">
             <a:extLst>
               <a:ext uri="{FF2B5EF4-FFF2-40B4-BE49-F238E27FC236}">
-                <a16:creationId xmlns="" xmlns:a16="http://schemas.microsoft.com/office/drawing/2014/main" id="{0D8DA213-6525-4FBD-815D-6276D67770ED}"/>
+                <a16:creationId xmlns:a16="http://schemas.microsoft.com/office/drawing/2014/main" xmlns="" id="{0D8DA213-6525-4FBD-815D-6276D67770ED}"/>
               </a:ext>
             </a:extLst>
           </p:cNvPr>
@@ -251,7 +252,7 @@
           <p:cNvPr id="4" name="날짜 개체 틀 3">
             <a:extLst>
               <a:ext uri="{FF2B5EF4-FFF2-40B4-BE49-F238E27FC236}">
-                <a16:creationId xmlns="" xmlns:a16="http://schemas.microsoft.com/office/drawing/2014/main" id="{EF28861C-1B63-4EEF-95AA-AD90D336099C}"/>
+                <a16:creationId xmlns:a16="http://schemas.microsoft.com/office/drawing/2014/main" xmlns="" id="{EF28861C-1B63-4EEF-95AA-AD90D336099C}"/>
               </a:ext>
             </a:extLst>
           </p:cNvPr>
@@ -280,7 +281,7 @@
           <p:cNvPr id="5" name="바닥글 개체 틀 4">
             <a:extLst>
               <a:ext uri="{FF2B5EF4-FFF2-40B4-BE49-F238E27FC236}">
-                <a16:creationId xmlns="" xmlns:a16="http://schemas.microsoft.com/office/drawing/2014/main" id="{D8D34950-A4A6-46DC-BF27-49A8D3B28BFE}"/>
+                <a16:creationId xmlns:a16="http://schemas.microsoft.com/office/drawing/2014/main" xmlns="" id="{D8D34950-A4A6-46DC-BF27-49A8D3B28BFE}"/>
               </a:ext>
             </a:extLst>
           </p:cNvPr>
@@ -305,7 +306,7 @@
           <p:cNvPr id="6" name="슬라이드 번호 개체 틀 5">
             <a:extLst>
               <a:ext uri="{FF2B5EF4-FFF2-40B4-BE49-F238E27FC236}">
-                <a16:creationId xmlns="" xmlns:a16="http://schemas.microsoft.com/office/drawing/2014/main" id="{FE7BA875-958E-4CDC-8951-7D77E578AE47}"/>
+                <a16:creationId xmlns:a16="http://schemas.microsoft.com/office/drawing/2014/main" xmlns="" id="{FE7BA875-958E-4CDC-8951-7D77E578AE47}"/>
               </a:ext>
             </a:extLst>
           </p:cNvPr>
@@ -364,7 +365,7 @@
           <p:cNvPr id="2" name="제목 1">
             <a:extLst>
               <a:ext uri="{FF2B5EF4-FFF2-40B4-BE49-F238E27FC236}">
-                <a16:creationId xmlns="" xmlns:a16="http://schemas.microsoft.com/office/drawing/2014/main" id="{20F2CFDE-5B64-4331-9064-55D78B306859}"/>
+                <a16:creationId xmlns:a16="http://schemas.microsoft.com/office/drawing/2014/main" xmlns="" id="{20F2CFDE-5B64-4331-9064-55D78B306859}"/>
               </a:ext>
             </a:extLst>
           </p:cNvPr>
@@ -392,7 +393,7 @@
           <p:cNvPr id="3" name="세로 텍스트 개체 틀 2">
             <a:extLst>
               <a:ext uri="{FF2B5EF4-FFF2-40B4-BE49-F238E27FC236}">
-                <a16:creationId xmlns="" xmlns:a16="http://schemas.microsoft.com/office/drawing/2014/main" id="{271A643F-ED43-48AC-BEC5-4C56CE04275E}"/>
+                <a16:creationId xmlns:a16="http://schemas.microsoft.com/office/drawing/2014/main" xmlns="" id="{271A643F-ED43-48AC-BEC5-4C56CE04275E}"/>
               </a:ext>
             </a:extLst>
           </p:cNvPr>
@@ -449,7 +450,7 @@
           <p:cNvPr id="4" name="날짜 개체 틀 3">
             <a:extLst>
               <a:ext uri="{FF2B5EF4-FFF2-40B4-BE49-F238E27FC236}">
-                <a16:creationId xmlns="" xmlns:a16="http://schemas.microsoft.com/office/drawing/2014/main" id="{04792886-3460-4FF4-A292-CD3BE16E7162}"/>
+                <a16:creationId xmlns:a16="http://schemas.microsoft.com/office/drawing/2014/main" xmlns="" id="{04792886-3460-4FF4-A292-CD3BE16E7162}"/>
               </a:ext>
             </a:extLst>
           </p:cNvPr>
@@ -478,7 +479,7 @@
           <p:cNvPr id="5" name="바닥글 개체 틀 4">
             <a:extLst>
               <a:ext uri="{FF2B5EF4-FFF2-40B4-BE49-F238E27FC236}">
-                <a16:creationId xmlns="" xmlns:a16="http://schemas.microsoft.com/office/drawing/2014/main" id="{0CD5B91E-8C71-4A46-9E5F-24DAB80A26B3}"/>
+                <a16:creationId xmlns:a16="http://schemas.microsoft.com/office/drawing/2014/main" xmlns="" id="{0CD5B91E-8C71-4A46-9E5F-24DAB80A26B3}"/>
               </a:ext>
             </a:extLst>
           </p:cNvPr>
@@ -503,7 +504,7 @@
           <p:cNvPr id="6" name="슬라이드 번호 개체 틀 5">
             <a:extLst>
               <a:ext uri="{FF2B5EF4-FFF2-40B4-BE49-F238E27FC236}">
-                <a16:creationId xmlns="" xmlns:a16="http://schemas.microsoft.com/office/drawing/2014/main" id="{5B076C15-53A7-4E75-A6BF-A1CC04868147}"/>
+                <a16:creationId xmlns:a16="http://schemas.microsoft.com/office/drawing/2014/main" xmlns="" id="{5B076C15-53A7-4E75-A6BF-A1CC04868147}"/>
               </a:ext>
             </a:extLst>
           </p:cNvPr>
@@ -562,7 +563,7 @@
           <p:cNvPr id="2" name="세로 제목 1">
             <a:extLst>
               <a:ext uri="{FF2B5EF4-FFF2-40B4-BE49-F238E27FC236}">
-                <a16:creationId xmlns="" xmlns:a16="http://schemas.microsoft.com/office/drawing/2014/main" id="{CC17FE23-4882-42CD-91DC-D469872EE690}"/>
+                <a16:creationId xmlns:a16="http://schemas.microsoft.com/office/drawing/2014/main" xmlns="" id="{CC17FE23-4882-42CD-91DC-D469872EE690}"/>
               </a:ext>
             </a:extLst>
           </p:cNvPr>
@@ -595,7 +596,7 @@
           <p:cNvPr id="3" name="세로 텍스트 개체 틀 2">
             <a:extLst>
               <a:ext uri="{FF2B5EF4-FFF2-40B4-BE49-F238E27FC236}">
-                <a16:creationId xmlns="" xmlns:a16="http://schemas.microsoft.com/office/drawing/2014/main" id="{6C2409F9-32E3-4DEC-BE1F-66E8462ED368}"/>
+                <a16:creationId xmlns:a16="http://schemas.microsoft.com/office/drawing/2014/main" xmlns="" id="{6C2409F9-32E3-4DEC-BE1F-66E8462ED368}"/>
               </a:ext>
             </a:extLst>
           </p:cNvPr>
@@ -657,7 +658,7 @@
           <p:cNvPr id="4" name="날짜 개체 틀 3">
             <a:extLst>
               <a:ext uri="{FF2B5EF4-FFF2-40B4-BE49-F238E27FC236}">
-                <a16:creationId xmlns="" xmlns:a16="http://schemas.microsoft.com/office/drawing/2014/main" id="{62A04EE0-3AA5-40C5-A9CA-D74DD062ACBC}"/>
+                <a16:creationId xmlns:a16="http://schemas.microsoft.com/office/drawing/2014/main" xmlns="" id="{62A04EE0-3AA5-40C5-A9CA-D74DD062ACBC}"/>
               </a:ext>
             </a:extLst>
           </p:cNvPr>
@@ -686,7 +687,7 @@
           <p:cNvPr id="5" name="바닥글 개체 틀 4">
             <a:extLst>
               <a:ext uri="{FF2B5EF4-FFF2-40B4-BE49-F238E27FC236}">
-                <a16:creationId xmlns="" xmlns:a16="http://schemas.microsoft.com/office/drawing/2014/main" id="{F90BCFA4-9A00-4E65-B564-6CDAC597355D}"/>
+                <a16:creationId xmlns:a16="http://schemas.microsoft.com/office/drawing/2014/main" xmlns="" id="{F90BCFA4-9A00-4E65-B564-6CDAC597355D}"/>
               </a:ext>
             </a:extLst>
           </p:cNvPr>
@@ -711,7 +712,7 @@
           <p:cNvPr id="6" name="슬라이드 번호 개체 틀 5">
             <a:extLst>
               <a:ext uri="{FF2B5EF4-FFF2-40B4-BE49-F238E27FC236}">
-                <a16:creationId xmlns="" xmlns:a16="http://schemas.microsoft.com/office/drawing/2014/main" id="{80227C42-E8A6-487C-8A50-1D55A750A472}"/>
+                <a16:creationId xmlns:a16="http://schemas.microsoft.com/office/drawing/2014/main" xmlns="" id="{80227C42-E8A6-487C-8A50-1D55A750A472}"/>
               </a:ext>
             </a:extLst>
           </p:cNvPr>
@@ -770,7 +771,7 @@
           <p:cNvPr id="2" name="제목 1">
             <a:extLst>
               <a:ext uri="{FF2B5EF4-FFF2-40B4-BE49-F238E27FC236}">
-                <a16:creationId xmlns="" xmlns:a16="http://schemas.microsoft.com/office/drawing/2014/main" id="{E032DE45-AF66-4C7B-BEAF-46DFB2571E91}"/>
+                <a16:creationId xmlns:a16="http://schemas.microsoft.com/office/drawing/2014/main" xmlns="" id="{E032DE45-AF66-4C7B-BEAF-46DFB2571E91}"/>
               </a:ext>
             </a:extLst>
           </p:cNvPr>
@@ -798,7 +799,7 @@
           <p:cNvPr id="3" name="내용 개체 틀 2">
             <a:extLst>
               <a:ext uri="{FF2B5EF4-FFF2-40B4-BE49-F238E27FC236}">
-                <a16:creationId xmlns="" xmlns:a16="http://schemas.microsoft.com/office/drawing/2014/main" id="{E5243751-ACC3-432E-8665-C0A27EA2660F}"/>
+                <a16:creationId xmlns:a16="http://schemas.microsoft.com/office/drawing/2014/main" xmlns="" id="{E5243751-ACC3-432E-8665-C0A27EA2660F}"/>
               </a:ext>
             </a:extLst>
           </p:cNvPr>
@@ -855,7 +856,7 @@
           <p:cNvPr id="4" name="날짜 개체 틀 3">
             <a:extLst>
               <a:ext uri="{FF2B5EF4-FFF2-40B4-BE49-F238E27FC236}">
-                <a16:creationId xmlns="" xmlns:a16="http://schemas.microsoft.com/office/drawing/2014/main" id="{4706C580-C0E0-4C2F-B573-7196B7C1425B}"/>
+                <a16:creationId xmlns:a16="http://schemas.microsoft.com/office/drawing/2014/main" xmlns="" id="{4706C580-C0E0-4C2F-B573-7196B7C1425B}"/>
               </a:ext>
             </a:extLst>
           </p:cNvPr>
@@ -884,7 +885,7 @@
           <p:cNvPr id="5" name="바닥글 개체 틀 4">
             <a:extLst>
               <a:ext uri="{FF2B5EF4-FFF2-40B4-BE49-F238E27FC236}">
-                <a16:creationId xmlns="" xmlns:a16="http://schemas.microsoft.com/office/drawing/2014/main" id="{7BE2F8BF-CDCB-4C36-B444-35B39FF9A0D6}"/>
+                <a16:creationId xmlns:a16="http://schemas.microsoft.com/office/drawing/2014/main" xmlns="" id="{7BE2F8BF-CDCB-4C36-B444-35B39FF9A0D6}"/>
               </a:ext>
             </a:extLst>
           </p:cNvPr>
@@ -909,7 +910,7 @@
           <p:cNvPr id="6" name="슬라이드 번호 개체 틀 5">
             <a:extLst>
               <a:ext uri="{FF2B5EF4-FFF2-40B4-BE49-F238E27FC236}">
-                <a16:creationId xmlns="" xmlns:a16="http://schemas.microsoft.com/office/drawing/2014/main" id="{2017F23A-3C4E-4195-A145-3FD189665BC1}"/>
+                <a16:creationId xmlns:a16="http://schemas.microsoft.com/office/drawing/2014/main" xmlns="" id="{2017F23A-3C4E-4195-A145-3FD189665BC1}"/>
               </a:ext>
             </a:extLst>
           </p:cNvPr>
@@ -968,7 +969,7 @@
           <p:cNvPr id="2" name="제목 1">
             <a:extLst>
               <a:ext uri="{FF2B5EF4-FFF2-40B4-BE49-F238E27FC236}">
-                <a16:creationId xmlns="" xmlns:a16="http://schemas.microsoft.com/office/drawing/2014/main" id="{3B803B91-BAB3-4079-8372-367C7B356692}"/>
+                <a16:creationId xmlns:a16="http://schemas.microsoft.com/office/drawing/2014/main" xmlns="" id="{3B803B91-BAB3-4079-8372-367C7B356692}"/>
               </a:ext>
             </a:extLst>
           </p:cNvPr>
@@ -1005,7 +1006,7 @@
           <p:cNvPr id="3" name="텍스트 개체 틀 2">
             <a:extLst>
               <a:ext uri="{FF2B5EF4-FFF2-40B4-BE49-F238E27FC236}">
-                <a16:creationId xmlns="" xmlns:a16="http://schemas.microsoft.com/office/drawing/2014/main" id="{DC5A0F58-3A9F-4B06-81BD-A1FC401F93B3}"/>
+                <a16:creationId xmlns:a16="http://schemas.microsoft.com/office/drawing/2014/main" xmlns="" id="{DC5A0F58-3A9F-4B06-81BD-A1FC401F93B3}"/>
               </a:ext>
             </a:extLst>
           </p:cNvPr>
@@ -1130,7 +1131,7 @@
           <p:cNvPr id="4" name="날짜 개체 틀 3">
             <a:extLst>
               <a:ext uri="{FF2B5EF4-FFF2-40B4-BE49-F238E27FC236}">
-                <a16:creationId xmlns="" xmlns:a16="http://schemas.microsoft.com/office/drawing/2014/main" id="{4F526B74-71AC-4708-B4A3-B18A8CA63E45}"/>
+                <a16:creationId xmlns:a16="http://schemas.microsoft.com/office/drawing/2014/main" xmlns="" id="{4F526B74-71AC-4708-B4A3-B18A8CA63E45}"/>
               </a:ext>
             </a:extLst>
           </p:cNvPr>
@@ -1159,7 +1160,7 @@
           <p:cNvPr id="5" name="바닥글 개체 틀 4">
             <a:extLst>
               <a:ext uri="{FF2B5EF4-FFF2-40B4-BE49-F238E27FC236}">
-                <a16:creationId xmlns="" xmlns:a16="http://schemas.microsoft.com/office/drawing/2014/main" id="{6FC82D21-3BEC-42B5-B60C-754C6866A566}"/>
+                <a16:creationId xmlns:a16="http://schemas.microsoft.com/office/drawing/2014/main" xmlns="" id="{6FC82D21-3BEC-42B5-B60C-754C6866A566}"/>
               </a:ext>
             </a:extLst>
           </p:cNvPr>
@@ -1184,7 +1185,7 @@
           <p:cNvPr id="6" name="슬라이드 번호 개체 틀 5">
             <a:extLst>
               <a:ext uri="{FF2B5EF4-FFF2-40B4-BE49-F238E27FC236}">
-                <a16:creationId xmlns="" xmlns:a16="http://schemas.microsoft.com/office/drawing/2014/main" id="{25A85564-689F-41E0-B6E6-39D539A72D0C}"/>
+                <a16:creationId xmlns:a16="http://schemas.microsoft.com/office/drawing/2014/main" xmlns="" id="{25A85564-689F-41E0-B6E6-39D539A72D0C}"/>
               </a:ext>
             </a:extLst>
           </p:cNvPr>
@@ -1243,7 +1244,7 @@
           <p:cNvPr id="2" name="제목 1">
             <a:extLst>
               <a:ext uri="{FF2B5EF4-FFF2-40B4-BE49-F238E27FC236}">
-                <a16:creationId xmlns="" xmlns:a16="http://schemas.microsoft.com/office/drawing/2014/main" id="{10A550DA-8689-46AE-9DBA-20CFEB49EBA0}"/>
+                <a16:creationId xmlns:a16="http://schemas.microsoft.com/office/drawing/2014/main" xmlns="" id="{10A550DA-8689-46AE-9DBA-20CFEB49EBA0}"/>
               </a:ext>
             </a:extLst>
           </p:cNvPr>
@@ -1271,7 +1272,7 @@
           <p:cNvPr id="3" name="내용 개체 틀 2">
             <a:extLst>
               <a:ext uri="{FF2B5EF4-FFF2-40B4-BE49-F238E27FC236}">
-                <a16:creationId xmlns="" xmlns:a16="http://schemas.microsoft.com/office/drawing/2014/main" id="{881D31B2-963F-42A0-A91B-195049F6E125}"/>
+                <a16:creationId xmlns:a16="http://schemas.microsoft.com/office/drawing/2014/main" xmlns="" id="{881D31B2-963F-42A0-A91B-195049F6E125}"/>
               </a:ext>
             </a:extLst>
           </p:cNvPr>
@@ -1333,7 +1334,7 @@
           <p:cNvPr id="4" name="내용 개체 틀 3">
             <a:extLst>
               <a:ext uri="{FF2B5EF4-FFF2-40B4-BE49-F238E27FC236}">
-                <a16:creationId xmlns="" xmlns:a16="http://schemas.microsoft.com/office/drawing/2014/main" id="{914F5F3E-3BD8-47D5-95C5-2212B1B1923C}"/>
+                <a16:creationId xmlns:a16="http://schemas.microsoft.com/office/drawing/2014/main" xmlns="" id="{914F5F3E-3BD8-47D5-95C5-2212B1B1923C}"/>
               </a:ext>
             </a:extLst>
           </p:cNvPr>
@@ -1395,7 +1396,7 @@
           <p:cNvPr id="5" name="날짜 개체 틀 4">
             <a:extLst>
               <a:ext uri="{FF2B5EF4-FFF2-40B4-BE49-F238E27FC236}">
-                <a16:creationId xmlns="" xmlns:a16="http://schemas.microsoft.com/office/drawing/2014/main" id="{0DB24C94-2596-46E1-878F-C1E628A07FE9}"/>
+                <a16:creationId xmlns:a16="http://schemas.microsoft.com/office/drawing/2014/main" xmlns="" id="{0DB24C94-2596-46E1-878F-C1E628A07FE9}"/>
               </a:ext>
             </a:extLst>
           </p:cNvPr>
@@ -1424,7 +1425,7 @@
           <p:cNvPr id="6" name="바닥글 개체 틀 5">
             <a:extLst>
               <a:ext uri="{FF2B5EF4-FFF2-40B4-BE49-F238E27FC236}">
-                <a16:creationId xmlns="" xmlns:a16="http://schemas.microsoft.com/office/drawing/2014/main" id="{F3BA8821-2943-4FF0-B5C7-BD31402AFA56}"/>
+                <a16:creationId xmlns:a16="http://schemas.microsoft.com/office/drawing/2014/main" xmlns="" id="{F3BA8821-2943-4FF0-B5C7-BD31402AFA56}"/>
               </a:ext>
             </a:extLst>
           </p:cNvPr>
@@ -1449,7 +1450,7 @@
           <p:cNvPr id="7" name="슬라이드 번호 개체 틀 6">
             <a:extLst>
               <a:ext uri="{FF2B5EF4-FFF2-40B4-BE49-F238E27FC236}">
-                <a16:creationId xmlns="" xmlns:a16="http://schemas.microsoft.com/office/drawing/2014/main" id="{A8E7DF0E-5420-4F80-A581-19C2B1234A64}"/>
+                <a16:creationId xmlns:a16="http://schemas.microsoft.com/office/drawing/2014/main" xmlns="" id="{A8E7DF0E-5420-4F80-A581-19C2B1234A64}"/>
               </a:ext>
             </a:extLst>
           </p:cNvPr>
@@ -1508,7 +1509,7 @@
           <p:cNvPr id="2" name="제목 1">
             <a:extLst>
               <a:ext uri="{FF2B5EF4-FFF2-40B4-BE49-F238E27FC236}">
-                <a16:creationId xmlns="" xmlns:a16="http://schemas.microsoft.com/office/drawing/2014/main" id="{ADED5E36-C788-4074-8AF4-0B805514D12F}"/>
+                <a16:creationId xmlns:a16="http://schemas.microsoft.com/office/drawing/2014/main" xmlns="" id="{ADED5E36-C788-4074-8AF4-0B805514D12F}"/>
               </a:ext>
             </a:extLst>
           </p:cNvPr>
@@ -1541,7 +1542,7 @@
           <p:cNvPr id="3" name="텍스트 개체 틀 2">
             <a:extLst>
               <a:ext uri="{FF2B5EF4-FFF2-40B4-BE49-F238E27FC236}">
-                <a16:creationId xmlns="" xmlns:a16="http://schemas.microsoft.com/office/drawing/2014/main" id="{6C75DCDC-17BE-4FF3-9EDA-73C537D00793}"/>
+                <a16:creationId xmlns:a16="http://schemas.microsoft.com/office/drawing/2014/main" xmlns="" id="{6C75DCDC-17BE-4FF3-9EDA-73C537D00793}"/>
               </a:ext>
             </a:extLst>
           </p:cNvPr>
@@ -1612,7 +1613,7 @@
           <p:cNvPr id="4" name="내용 개체 틀 3">
             <a:extLst>
               <a:ext uri="{FF2B5EF4-FFF2-40B4-BE49-F238E27FC236}">
-                <a16:creationId xmlns="" xmlns:a16="http://schemas.microsoft.com/office/drawing/2014/main" id="{2538FF3C-3E5B-4928-9B0B-35E7865F9F7C}"/>
+                <a16:creationId xmlns:a16="http://schemas.microsoft.com/office/drawing/2014/main" xmlns="" id="{2538FF3C-3E5B-4928-9B0B-35E7865F9F7C}"/>
               </a:ext>
             </a:extLst>
           </p:cNvPr>
@@ -1674,7 +1675,7 @@
           <p:cNvPr id="5" name="텍스트 개체 틀 4">
             <a:extLst>
               <a:ext uri="{FF2B5EF4-FFF2-40B4-BE49-F238E27FC236}">
-                <a16:creationId xmlns="" xmlns:a16="http://schemas.microsoft.com/office/drawing/2014/main" id="{42ABB21C-C05C-4081-89D1-52E8ED21A9CC}"/>
+                <a16:creationId xmlns:a16="http://schemas.microsoft.com/office/drawing/2014/main" xmlns="" id="{42ABB21C-C05C-4081-89D1-52E8ED21A9CC}"/>
               </a:ext>
             </a:extLst>
           </p:cNvPr>
@@ -1745,7 +1746,7 @@
           <p:cNvPr id="6" name="내용 개체 틀 5">
             <a:extLst>
               <a:ext uri="{FF2B5EF4-FFF2-40B4-BE49-F238E27FC236}">
-                <a16:creationId xmlns="" xmlns:a16="http://schemas.microsoft.com/office/drawing/2014/main" id="{1821BC8B-3CB6-4174-A42B-989FFF4C01AF}"/>
+                <a16:creationId xmlns:a16="http://schemas.microsoft.com/office/drawing/2014/main" xmlns="" id="{1821BC8B-3CB6-4174-A42B-989FFF4C01AF}"/>
               </a:ext>
             </a:extLst>
           </p:cNvPr>
@@ -1807,7 +1808,7 @@
           <p:cNvPr id="7" name="날짜 개체 틀 6">
             <a:extLst>
               <a:ext uri="{FF2B5EF4-FFF2-40B4-BE49-F238E27FC236}">
-                <a16:creationId xmlns="" xmlns:a16="http://schemas.microsoft.com/office/drawing/2014/main" id="{E5212EA8-B43E-4E67-80A4-652C2A8140AA}"/>
+                <a16:creationId xmlns:a16="http://schemas.microsoft.com/office/drawing/2014/main" xmlns="" id="{E5212EA8-B43E-4E67-80A4-652C2A8140AA}"/>
               </a:ext>
             </a:extLst>
           </p:cNvPr>
@@ -1836,7 +1837,7 @@
           <p:cNvPr id="8" name="바닥글 개체 틀 7">
             <a:extLst>
               <a:ext uri="{FF2B5EF4-FFF2-40B4-BE49-F238E27FC236}">
-                <a16:creationId xmlns="" xmlns:a16="http://schemas.microsoft.com/office/drawing/2014/main" id="{2B21F934-3421-4B44-B164-ADDBFA6E5B2A}"/>
+                <a16:creationId xmlns:a16="http://schemas.microsoft.com/office/drawing/2014/main" xmlns="" id="{2B21F934-3421-4B44-B164-ADDBFA6E5B2A}"/>
               </a:ext>
             </a:extLst>
           </p:cNvPr>
@@ -1861,7 +1862,7 @@
           <p:cNvPr id="9" name="슬라이드 번호 개체 틀 8">
             <a:extLst>
               <a:ext uri="{FF2B5EF4-FFF2-40B4-BE49-F238E27FC236}">
-                <a16:creationId xmlns="" xmlns:a16="http://schemas.microsoft.com/office/drawing/2014/main" id="{A8054188-8A83-45CB-9679-3BF2F5EA14A5}"/>
+                <a16:creationId xmlns:a16="http://schemas.microsoft.com/office/drawing/2014/main" xmlns="" id="{A8054188-8A83-45CB-9679-3BF2F5EA14A5}"/>
               </a:ext>
             </a:extLst>
           </p:cNvPr>
@@ -1920,7 +1921,7 @@
           <p:cNvPr id="2" name="제목 1">
             <a:extLst>
               <a:ext uri="{FF2B5EF4-FFF2-40B4-BE49-F238E27FC236}">
-                <a16:creationId xmlns="" xmlns:a16="http://schemas.microsoft.com/office/drawing/2014/main" id="{424F49C4-0844-4FBE-9DB0-C5A694D8EEA3}"/>
+                <a16:creationId xmlns:a16="http://schemas.microsoft.com/office/drawing/2014/main" xmlns="" id="{424F49C4-0844-4FBE-9DB0-C5A694D8EEA3}"/>
               </a:ext>
             </a:extLst>
           </p:cNvPr>
@@ -1948,7 +1949,7 @@
           <p:cNvPr id="3" name="날짜 개체 틀 2">
             <a:extLst>
               <a:ext uri="{FF2B5EF4-FFF2-40B4-BE49-F238E27FC236}">
-                <a16:creationId xmlns="" xmlns:a16="http://schemas.microsoft.com/office/drawing/2014/main" id="{351FD821-9857-481F-9990-C02FBEDB8D6D}"/>
+                <a16:creationId xmlns:a16="http://schemas.microsoft.com/office/drawing/2014/main" xmlns="" id="{351FD821-9857-481F-9990-C02FBEDB8D6D}"/>
               </a:ext>
             </a:extLst>
           </p:cNvPr>
@@ -1977,7 +1978,7 @@
           <p:cNvPr id="4" name="바닥글 개체 틀 3">
             <a:extLst>
               <a:ext uri="{FF2B5EF4-FFF2-40B4-BE49-F238E27FC236}">
-                <a16:creationId xmlns="" xmlns:a16="http://schemas.microsoft.com/office/drawing/2014/main" id="{F008DA34-2203-443F-9675-BF1353FB71F1}"/>
+                <a16:creationId xmlns:a16="http://schemas.microsoft.com/office/drawing/2014/main" xmlns="" id="{F008DA34-2203-443F-9675-BF1353FB71F1}"/>
               </a:ext>
             </a:extLst>
           </p:cNvPr>
@@ -2002,7 +2003,7 @@
           <p:cNvPr id="5" name="슬라이드 번호 개체 틀 4">
             <a:extLst>
               <a:ext uri="{FF2B5EF4-FFF2-40B4-BE49-F238E27FC236}">
-                <a16:creationId xmlns="" xmlns:a16="http://schemas.microsoft.com/office/drawing/2014/main" id="{3B6F7BD8-8DB8-4AAE-9746-47026072E2FC}"/>
+                <a16:creationId xmlns:a16="http://schemas.microsoft.com/office/drawing/2014/main" xmlns="" id="{3B6F7BD8-8DB8-4AAE-9746-47026072E2FC}"/>
               </a:ext>
             </a:extLst>
           </p:cNvPr>
@@ -2061,7 +2062,7 @@
           <p:cNvPr id="2" name="날짜 개체 틀 1">
             <a:extLst>
               <a:ext uri="{FF2B5EF4-FFF2-40B4-BE49-F238E27FC236}">
-                <a16:creationId xmlns="" xmlns:a16="http://schemas.microsoft.com/office/drawing/2014/main" id="{AA660F70-9F7C-483A-9BBC-F328BE2E3ABF}"/>
+                <a16:creationId xmlns:a16="http://schemas.microsoft.com/office/drawing/2014/main" xmlns="" id="{AA660F70-9F7C-483A-9BBC-F328BE2E3ABF}"/>
               </a:ext>
             </a:extLst>
           </p:cNvPr>
@@ -2090,7 +2091,7 @@
           <p:cNvPr id="3" name="바닥글 개체 틀 2">
             <a:extLst>
               <a:ext uri="{FF2B5EF4-FFF2-40B4-BE49-F238E27FC236}">
-                <a16:creationId xmlns="" xmlns:a16="http://schemas.microsoft.com/office/drawing/2014/main" id="{1D348F4F-2F56-4874-858D-ACB411FA8306}"/>
+                <a16:creationId xmlns:a16="http://schemas.microsoft.com/office/drawing/2014/main" xmlns="" id="{1D348F4F-2F56-4874-858D-ACB411FA8306}"/>
               </a:ext>
             </a:extLst>
           </p:cNvPr>
@@ -2115,7 +2116,7 @@
           <p:cNvPr id="4" name="슬라이드 번호 개체 틀 3">
             <a:extLst>
               <a:ext uri="{FF2B5EF4-FFF2-40B4-BE49-F238E27FC236}">
-                <a16:creationId xmlns="" xmlns:a16="http://schemas.microsoft.com/office/drawing/2014/main" id="{6227AA4E-6B3D-4208-A390-0AF0993D1532}"/>
+                <a16:creationId xmlns:a16="http://schemas.microsoft.com/office/drawing/2014/main" xmlns="" id="{6227AA4E-6B3D-4208-A390-0AF0993D1532}"/>
               </a:ext>
             </a:extLst>
           </p:cNvPr>
@@ -2174,7 +2175,7 @@
           <p:cNvPr id="2" name="제목 1">
             <a:extLst>
               <a:ext uri="{FF2B5EF4-FFF2-40B4-BE49-F238E27FC236}">
-                <a16:creationId xmlns="" xmlns:a16="http://schemas.microsoft.com/office/drawing/2014/main" id="{16D1B7BB-23D7-44C4-8E2B-762A6D67EFF4}"/>
+                <a16:creationId xmlns:a16="http://schemas.microsoft.com/office/drawing/2014/main" xmlns="" id="{16D1B7BB-23D7-44C4-8E2B-762A6D67EFF4}"/>
               </a:ext>
             </a:extLst>
           </p:cNvPr>
@@ -2211,7 +2212,7 @@
           <p:cNvPr id="3" name="내용 개체 틀 2">
             <a:extLst>
               <a:ext uri="{FF2B5EF4-FFF2-40B4-BE49-F238E27FC236}">
-                <a16:creationId xmlns="" xmlns:a16="http://schemas.microsoft.com/office/drawing/2014/main" id="{A555AF0A-C39F-45B6-8E5A-594CE8F87C9B}"/>
+                <a16:creationId xmlns:a16="http://schemas.microsoft.com/office/drawing/2014/main" xmlns="" id="{A555AF0A-C39F-45B6-8E5A-594CE8F87C9B}"/>
               </a:ext>
             </a:extLst>
           </p:cNvPr>
@@ -2301,7 +2302,7 @@
           <p:cNvPr id="4" name="텍스트 개체 틀 3">
             <a:extLst>
               <a:ext uri="{FF2B5EF4-FFF2-40B4-BE49-F238E27FC236}">
-                <a16:creationId xmlns="" xmlns:a16="http://schemas.microsoft.com/office/drawing/2014/main" id="{EF64C627-BAC3-4EFA-98BD-BAD2888EB2E6}"/>
+                <a16:creationId xmlns:a16="http://schemas.microsoft.com/office/drawing/2014/main" xmlns="" id="{EF64C627-BAC3-4EFA-98BD-BAD2888EB2E6}"/>
               </a:ext>
             </a:extLst>
           </p:cNvPr>
@@ -2372,7 +2373,7 @@
           <p:cNvPr id="5" name="날짜 개체 틀 4">
             <a:extLst>
               <a:ext uri="{FF2B5EF4-FFF2-40B4-BE49-F238E27FC236}">
-                <a16:creationId xmlns="" xmlns:a16="http://schemas.microsoft.com/office/drawing/2014/main" id="{E5D9CCC6-0D66-4C42-B47B-D9072C0DF007}"/>
+                <a16:creationId xmlns:a16="http://schemas.microsoft.com/office/drawing/2014/main" xmlns="" id="{E5D9CCC6-0D66-4C42-B47B-D9072C0DF007}"/>
               </a:ext>
             </a:extLst>
           </p:cNvPr>
@@ -2401,7 +2402,7 @@
           <p:cNvPr id="6" name="바닥글 개체 틀 5">
             <a:extLst>
               <a:ext uri="{FF2B5EF4-FFF2-40B4-BE49-F238E27FC236}">
-                <a16:creationId xmlns="" xmlns:a16="http://schemas.microsoft.com/office/drawing/2014/main" id="{E48BEE6C-BF4C-43A4-BF91-9B2E870960DF}"/>
+                <a16:creationId xmlns:a16="http://schemas.microsoft.com/office/drawing/2014/main" xmlns="" id="{E48BEE6C-BF4C-43A4-BF91-9B2E870960DF}"/>
               </a:ext>
             </a:extLst>
           </p:cNvPr>
@@ -2426,7 +2427,7 @@
           <p:cNvPr id="7" name="슬라이드 번호 개체 틀 6">
             <a:extLst>
               <a:ext uri="{FF2B5EF4-FFF2-40B4-BE49-F238E27FC236}">
-                <a16:creationId xmlns="" xmlns:a16="http://schemas.microsoft.com/office/drawing/2014/main" id="{73D4F206-C35F-420C-B212-804937AB9171}"/>
+                <a16:creationId xmlns:a16="http://schemas.microsoft.com/office/drawing/2014/main" xmlns="" id="{73D4F206-C35F-420C-B212-804937AB9171}"/>
               </a:ext>
             </a:extLst>
           </p:cNvPr>
@@ -2485,7 +2486,7 @@
           <p:cNvPr id="2" name="제목 1">
             <a:extLst>
               <a:ext uri="{FF2B5EF4-FFF2-40B4-BE49-F238E27FC236}">
-                <a16:creationId xmlns="" xmlns:a16="http://schemas.microsoft.com/office/drawing/2014/main" id="{B206D9C5-C55A-49CE-9A70-6B1FC9A32925}"/>
+                <a16:creationId xmlns:a16="http://schemas.microsoft.com/office/drawing/2014/main" xmlns="" id="{B206D9C5-C55A-49CE-9A70-6B1FC9A32925}"/>
               </a:ext>
             </a:extLst>
           </p:cNvPr>
@@ -2522,7 +2523,7 @@
           <p:cNvPr id="3" name="그림 개체 틀 2">
             <a:extLst>
               <a:ext uri="{FF2B5EF4-FFF2-40B4-BE49-F238E27FC236}">
-                <a16:creationId xmlns="" xmlns:a16="http://schemas.microsoft.com/office/drawing/2014/main" id="{EC008B7F-2C14-4AA2-A095-D7881676FBD8}"/>
+                <a16:creationId xmlns:a16="http://schemas.microsoft.com/office/drawing/2014/main" xmlns="" id="{EC008B7F-2C14-4AA2-A095-D7881676FBD8}"/>
               </a:ext>
             </a:extLst>
           </p:cNvPr>
@@ -2589,7 +2590,7 @@
           <p:cNvPr id="4" name="텍스트 개체 틀 3">
             <a:extLst>
               <a:ext uri="{FF2B5EF4-FFF2-40B4-BE49-F238E27FC236}">
-                <a16:creationId xmlns="" xmlns:a16="http://schemas.microsoft.com/office/drawing/2014/main" id="{0952461F-A27C-4904-92A7-F456AE7708CA}"/>
+                <a16:creationId xmlns:a16="http://schemas.microsoft.com/office/drawing/2014/main" xmlns="" id="{0952461F-A27C-4904-92A7-F456AE7708CA}"/>
               </a:ext>
             </a:extLst>
           </p:cNvPr>
@@ -2660,7 +2661,7 @@
           <p:cNvPr id="5" name="날짜 개체 틀 4">
             <a:extLst>
               <a:ext uri="{FF2B5EF4-FFF2-40B4-BE49-F238E27FC236}">
-                <a16:creationId xmlns="" xmlns:a16="http://schemas.microsoft.com/office/drawing/2014/main" id="{8A716508-C4CB-44B0-B432-352826C80A4D}"/>
+                <a16:creationId xmlns:a16="http://schemas.microsoft.com/office/drawing/2014/main" xmlns="" id="{8A716508-C4CB-44B0-B432-352826C80A4D}"/>
               </a:ext>
             </a:extLst>
           </p:cNvPr>
@@ -2689,7 +2690,7 @@
           <p:cNvPr id="6" name="바닥글 개체 틀 5">
             <a:extLst>
               <a:ext uri="{FF2B5EF4-FFF2-40B4-BE49-F238E27FC236}">
-                <a16:creationId xmlns="" xmlns:a16="http://schemas.microsoft.com/office/drawing/2014/main" id="{16043BFB-2666-4D94-AF1C-41A9BE57E8EE}"/>
+                <a16:creationId xmlns:a16="http://schemas.microsoft.com/office/drawing/2014/main" xmlns="" id="{16043BFB-2666-4D94-AF1C-41A9BE57E8EE}"/>
               </a:ext>
             </a:extLst>
           </p:cNvPr>
@@ -2714,7 +2715,7 @@
           <p:cNvPr id="7" name="슬라이드 번호 개체 틀 6">
             <a:extLst>
               <a:ext uri="{FF2B5EF4-FFF2-40B4-BE49-F238E27FC236}">
-                <a16:creationId xmlns="" xmlns:a16="http://schemas.microsoft.com/office/drawing/2014/main" id="{F95A6810-B07B-42DF-B06C-8CB019FE4928}"/>
+                <a16:creationId xmlns:a16="http://schemas.microsoft.com/office/drawing/2014/main" xmlns="" id="{F95A6810-B07B-42DF-B06C-8CB019FE4928}"/>
               </a:ext>
             </a:extLst>
           </p:cNvPr>
@@ -2778,7 +2779,7 @@
           <p:cNvPr id="2" name="제목 개체 틀 1">
             <a:extLst>
               <a:ext uri="{FF2B5EF4-FFF2-40B4-BE49-F238E27FC236}">
-                <a16:creationId xmlns="" xmlns:a16="http://schemas.microsoft.com/office/drawing/2014/main" id="{741A9DAE-0541-4E06-9956-8DC465D3008C}"/>
+                <a16:creationId xmlns:a16="http://schemas.microsoft.com/office/drawing/2014/main" xmlns="" id="{741A9DAE-0541-4E06-9956-8DC465D3008C}"/>
               </a:ext>
             </a:extLst>
           </p:cNvPr>
@@ -2816,7 +2817,7 @@
           <p:cNvPr id="3" name="텍스트 개체 틀 2">
             <a:extLst>
               <a:ext uri="{FF2B5EF4-FFF2-40B4-BE49-F238E27FC236}">
-                <a16:creationId xmlns="" xmlns:a16="http://schemas.microsoft.com/office/drawing/2014/main" id="{51BD9895-A7E6-4A97-A3C2-C4B0B2C2CE7D}"/>
+                <a16:creationId xmlns:a16="http://schemas.microsoft.com/office/drawing/2014/main" xmlns="" id="{51BD9895-A7E6-4A97-A3C2-C4B0B2C2CE7D}"/>
               </a:ext>
             </a:extLst>
           </p:cNvPr>
@@ -2883,7 +2884,7 @@
           <p:cNvPr id="4" name="날짜 개체 틀 3">
             <a:extLst>
               <a:ext uri="{FF2B5EF4-FFF2-40B4-BE49-F238E27FC236}">
-                <a16:creationId xmlns="" xmlns:a16="http://schemas.microsoft.com/office/drawing/2014/main" id="{2BCB3EC6-3E6E-4554-A7D5-AF7C093219E9}"/>
+                <a16:creationId xmlns:a16="http://schemas.microsoft.com/office/drawing/2014/main" xmlns="" id="{2BCB3EC6-3E6E-4554-A7D5-AF7C093219E9}"/>
               </a:ext>
             </a:extLst>
           </p:cNvPr>
@@ -2930,7 +2931,7 @@
           <p:cNvPr id="5" name="바닥글 개체 틀 4">
             <a:extLst>
               <a:ext uri="{FF2B5EF4-FFF2-40B4-BE49-F238E27FC236}">
-                <a16:creationId xmlns="" xmlns:a16="http://schemas.microsoft.com/office/drawing/2014/main" id="{C7FEE00E-B1E7-4385-A61A-289C996ACF62}"/>
+                <a16:creationId xmlns:a16="http://schemas.microsoft.com/office/drawing/2014/main" xmlns="" id="{C7FEE00E-B1E7-4385-A61A-289C996ACF62}"/>
               </a:ext>
             </a:extLst>
           </p:cNvPr>
@@ -2973,7 +2974,7 @@
           <p:cNvPr id="6" name="슬라이드 번호 개체 틀 5">
             <a:extLst>
               <a:ext uri="{FF2B5EF4-FFF2-40B4-BE49-F238E27FC236}">
-                <a16:creationId xmlns="" xmlns:a16="http://schemas.microsoft.com/office/drawing/2014/main" id="{5EBD7F7B-2CBD-4B93-9B23-328E3865EC82}"/>
+                <a16:creationId xmlns:a16="http://schemas.microsoft.com/office/drawing/2014/main" xmlns="" id="{5EBD7F7B-2CBD-4B93-9B23-328E3865EC82}"/>
               </a:ext>
             </a:extLst>
           </p:cNvPr>
@@ -3341,7 +3342,7 @@
           <p:cNvPr id="2" name="제목 1">
             <a:extLst>
               <a:ext uri="{FF2B5EF4-FFF2-40B4-BE49-F238E27FC236}">
-                <a16:creationId xmlns="" xmlns:a16="http://schemas.microsoft.com/office/drawing/2014/main" id="{0E4B51D0-4F4B-47E2-9560-DD04BF6DDF36}"/>
+                <a16:creationId xmlns:a16="http://schemas.microsoft.com/office/drawing/2014/main" xmlns="" id="{0E4B51D0-4F4B-47E2-9560-DD04BF6DDF36}"/>
               </a:ext>
             </a:extLst>
           </p:cNvPr>
@@ -3387,7 +3388,7 @@
           <p:cNvPr id="3" name="부제목 2">
             <a:extLst>
               <a:ext uri="{FF2B5EF4-FFF2-40B4-BE49-F238E27FC236}">
-                <a16:creationId xmlns="" xmlns:a16="http://schemas.microsoft.com/office/drawing/2014/main" id="{71F9364D-70EA-498E-9474-DA63055C8ACB}"/>
+                <a16:creationId xmlns:a16="http://schemas.microsoft.com/office/drawing/2014/main" xmlns="" id="{71F9364D-70EA-498E-9474-DA63055C8ACB}"/>
               </a:ext>
             </a:extLst>
           </p:cNvPr>
@@ -3446,7 +3447,7 @@
           <p:cNvPr id="4" name="직사각형 3">
             <a:extLst>
               <a:ext uri="{FF2B5EF4-FFF2-40B4-BE49-F238E27FC236}">
-                <a16:creationId xmlns="" xmlns:a16="http://schemas.microsoft.com/office/drawing/2014/main" id="{0E06A838-FED4-4913-B61A-5FE1D6941F48}"/>
+                <a16:creationId xmlns:a16="http://schemas.microsoft.com/office/drawing/2014/main" xmlns="" id="{0E06A838-FED4-4913-B61A-5FE1D6941F48}"/>
               </a:ext>
             </a:extLst>
           </p:cNvPr>
@@ -3494,7 +3495,7 @@
           <p:cNvPr id="5" name="직사각형 4">
             <a:extLst>
               <a:ext uri="{FF2B5EF4-FFF2-40B4-BE49-F238E27FC236}">
-                <a16:creationId xmlns="" xmlns:a16="http://schemas.microsoft.com/office/drawing/2014/main" id="{4B17B335-4D1A-446D-9E29-B51388F1B92B}"/>
+                <a16:creationId xmlns:a16="http://schemas.microsoft.com/office/drawing/2014/main" xmlns="" id="{4B17B335-4D1A-446D-9E29-B51388F1B92B}"/>
               </a:ext>
             </a:extLst>
           </p:cNvPr>
@@ -3546,7 +3547,7 @@
           <p:cNvPr id="6" name="직사각형 5">
             <a:extLst>
               <a:ext uri="{FF2B5EF4-FFF2-40B4-BE49-F238E27FC236}">
-                <a16:creationId xmlns="" xmlns:a16="http://schemas.microsoft.com/office/drawing/2014/main" id="{8E7904AF-3116-4A57-887D-1131464010D8}"/>
+                <a16:creationId xmlns:a16="http://schemas.microsoft.com/office/drawing/2014/main" xmlns="" id="{8E7904AF-3116-4A57-887D-1131464010D8}"/>
               </a:ext>
             </a:extLst>
           </p:cNvPr>
@@ -3594,7 +3595,7 @@
           <p:cNvPr id="7" name="직사각형 6">
             <a:extLst>
               <a:ext uri="{FF2B5EF4-FFF2-40B4-BE49-F238E27FC236}">
-                <a16:creationId xmlns="" xmlns:a16="http://schemas.microsoft.com/office/drawing/2014/main" id="{603421FD-DC8C-4906-932D-3DF702A0C3AC}"/>
+                <a16:creationId xmlns:a16="http://schemas.microsoft.com/office/drawing/2014/main" xmlns="" id="{603421FD-DC8C-4906-932D-3DF702A0C3AC}"/>
               </a:ext>
             </a:extLst>
           </p:cNvPr>
@@ -3642,7 +3643,7 @@
           <p:cNvPr id="25" name="직선 화살표 연결선 24">
             <a:extLst>
               <a:ext uri="{FF2B5EF4-FFF2-40B4-BE49-F238E27FC236}">
-                <a16:creationId xmlns="" xmlns:a16="http://schemas.microsoft.com/office/drawing/2014/main" id="{D4B10239-C0C4-4D3D-8DBF-EB3D693F3AFF}"/>
+                <a16:creationId xmlns:a16="http://schemas.microsoft.com/office/drawing/2014/main" xmlns="" id="{D4B10239-C0C4-4D3D-8DBF-EB3D693F3AFF}"/>
               </a:ext>
             </a:extLst>
           </p:cNvPr>
@@ -3684,7 +3685,7 @@
           <p:cNvPr id="26" name="직선 화살표 연결선 25">
             <a:extLst>
               <a:ext uri="{FF2B5EF4-FFF2-40B4-BE49-F238E27FC236}">
-                <a16:creationId xmlns="" xmlns:a16="http://schemas.microsoft.com/office/drawing/2014/main" id="{190F1A5A-B419-4ACA-BE07-7FF89366A406}"/>
+                <a16:creationId xmlns:a16="http://schemas.microsoft.com/office/drawing/2014/main" xmlns="" id="{190F1A5A-B419-4ACA-BE07-7FF89366A406}"/>
               </a:ext>
             </a:extLst>
           </p:cNvPr>
@@ -3727,7 +3728,7 @@
           <p:cNvPr id="29" name="직선 화살표 연결선 28">
             <a:extLst>
               <a:ext uri="{FF2B5EF4-FFF2-40B4-BE49-F238E27FC236}">
-                <a16:creationId xmlns="" xmlns:a16="http://schemas.microsoft.com/office/drawing/2014/main" id="{45347D3D-F2C9-4686-8148-99A489FCCD1A}"/>
+                <a16:creationId xmlns:a16="http://schemas.microsoft.com/office/drawing/2014/main" xmlns="" id="{45347D3D-F2C9-4686-8148-99A489FCCD1A}"/>
               </a:ext>
             </a:extLst>
           </p:cNvPr>
@@ -3770,7 +3771,7 @@
           <p:cNvPr id="32" name="직선 화살표 연결선 31">
             <a:extLst>
               <a:ext uri="{FF2B5EF4-FFF2-40B4-BE49-F238E27FC236}">
-                <a16:creationId xmlns="" xmlns:a16="http://schemas.microsoft.com/office/drawing/2014/main" id="{357B943C-D597-4C4A-9B0F-DE53BAF4DBC7}"/>
+                <a16:creationId xmlns:a16="http://schemas.microsoft.com/office/drawing/2014/main" xmlns="" id="{357B943C-D597-4C4A-9B0F-DE53BAF4DBC7}"/>
               </a:ext>
             </a:extLst>
           </p:cNvPr>
@@ -3815,7 +3816,7 @@
               <p:cNvPr id="35" name="TextBox 34">
                 <a:extLst>
                   <a:ext uri="{FF2B5EF4-FFF2-40B4-BE49-F238E27FC236}">
-                    <a16:creationId xmlns="" xmlns:a16="http://schemas.microsoft.com/office/drawing/2014/main" id="{E630FDCB-2C47-4F81-A03C-9CE4993D1547}"/>
+                    <a16:creationId xmlns:a16="http://schemas.microsoft.com/office/drawing/2014/main" xmlns="" id="{E630FDCB-2C47-4F81-A03C-9CE4993D1547}"/>
                   </a:ext>
                 </a:extLst>
               </p:cNvPr>
@@ -3930,7 +3931,7 @@
               <p:cNvPr id="37" name="TextBox 36">
                 <a:extLst>
                   <a:ext uri="{FF2B5EF4-FFF2-40B4-BE49-F238E27FC236}">
-                    <a16:creationId xmlns="" xmlns:a16="http://schemas.microsoft.com/office/drawing/2014/main" id="{D50DEA0E-AC37-4740-9570-DABDAE8CD3A2}"/>
+                    <a16:creationId xmlns:a16="http://schemas.microsoft.com/office/drawing/2014/main" xmlns="" id="{D50DEA0E-AC37-4740-9570-DABDAE8CD3A2}"/>
                   </a:ext>
                 </a:extLst>
               </p:cNvPr>
@@ -4055,7 +4056,7 @@
           <p:cNvPr id="38" name="직선 화살표 연결선 37">
             <a:extLst>
               <a:ext uri="{FF2B5EF4-FFF2-40B4-BE49-F238E27FC236}">
-                <a16:creationId xmlns="" xmlns:a16="http://schemas.microsoft.com/office/drawing/2014/main" id="{D1F03281-25AB-4AF2-8FCE-57AB26AFF181}"/>
+                <a16:creationId xmlns:a16="http://schemas.microsoft.com/office/drawing/2014/main" xmlns="" id="{D1F03281-25AB-4AF2-8FCE-57AB26AFF181}"/>
               </a:ext>
             </a:extLst>
           </p:cNvPr>
@@ -4098,7 +4099,7 @@
           <p:cNvPr id="41" name="직사각형 40">
             <a:extLst>
               <a:ext uri="{FF2B5EF4-FFF2-40B4-BE49-F238E27FC236}">
-                <a16:creationId xmlns="" xmlns:a16="http://schemas.microsoft.com/office/drawing/2014/main" id="{0BC60C19-494F-4C1C-8B37-CF15C1916AF5}"/>
+                <a16:creationId xmlns:a16="http://schemas.microsoft.com/office/drawing/2014/main" xmlns="" id="{0BC60C19-494F-4C1C-8B37-CF15C1916AF5}"/>
               </a:ext>
             </a:extLst>
           </p:cNvPr>
@@ -4146,7 +4147,7 @@
           <p:cNvPr id="42" name="직사각형 41">
             <a:extLst>
               <a:ext uri="{FF2B5EF4-FFF2-40B4-BE49-F238E27FC236}">
-                <a16:creationId xmlns="" xmlns:a16="http://schemas.microsoft.com/office/drawing/2014/main" id="{2A58C1EC-C73F-4EA4-8F9E-AB728843443D}"/>
+                <a16:creationId xmlns:a16="http://schemas.microsoft.com/office/drawing/2014/main" xmlns="" id="{2A58C1EC-C73F-4EA4-8F9E-AB728843443D}"/>
               </a:ext>
             </a:extLst>
           </p:cNvPr>
@@ -4198,7 +4199,7 @@
           <p:cNvPr id="43" name="직사각형 42">
             <a:extLst>
               <a:ext uri="{FF2B5EF4-FFF2-40B4-BE49-F238E27FC236}">
-                <a16:creationId xmlns="" xmlns:a16="http://schemas.microsoft.com/office/drawing/2014/main" id="{2819E65A-4EA9-478B-96EC-06886016E82F}"/>
+                <a16:creationId xmlns:a16="http://schemas.microsoft.com/office/drawing/2014/main" xmlns="" id="{2819E65A-4EA9-478B-96EC-06886016E82F}"/>
               </a:ext>
             </a:extLst>
           </p:cNvPr>
@@ -4246,7 +4247,7 @@
           <p:cNvPr id="44" name="직사각형 43">
             <a:extLst>
               <a:ext uri="{FF2B5EF4-FFF2-40B4-BE49-F238E27FC236}">
-                <a16:creationId xmlns="" xmlns:a16="http://schemas.microsoft.com/office/drawing/2014/main" id="{55E8DD3F-6CCD-45AF-9AFE-4005CB93ACD1}"/>
+                <a16:creationId xmlns:a16="http://schemas.microsoft.com/office/drawing/2014/main" xmlns="" id="{55E8DD3F-6CCD-45AF-9AFE-4005CB93ACD1}"/>
               </a:ext>
             </a:extLst>
           </p:cNvPr>
@@ -4294,7 +4295,7 @@
           <p:cNvPr id="45" name="직선 화살표 연결선 44">
             <a:extLst>
               <a:ext uri="{FF2B5EF4-FFF2-40B4-BE49-F238E27FC236}">
-                <a16:creationId xmlns="" xmlns:a16="http://schemas.microsoft.com/office/drawing/2014/main" id="{0C853062-BECE-49D2-975E-204DA9EC4CE6}"/>
+                <a16:creationId xmlns:a16="http://schemas.microsoft.com/office/drawing/2014/main" xmlns="" id="{0C853062-BECE-49D2-975E-204DA9EC4CE6}"/>
               </a:ext>
             </a:extLst>
           </p:cNvPr>
@@ -4336,7 +4337,7 @@
           <p:cNvPr id="46" name="직선 화살표 연결선 45">
             <a:extLst>
               <a:ext uri="{FF2B5EF4-FFF2-40B4-BE49-F238E27FC236}">
-                <a16:creationId xmlns="" xmlns:a16="http://schemas.microsoft.com/office/drawing/2014/main" id="{5B958F5D-DD71-4D75-A0F9-1006CFD6B533}"/>
+                <a16:creationId xmlns:a16="http://schemas.microsoft.com/office/drawing/2014/main" xmlns="" id="{5B958F5D-DD71-4D75-A0F9-1006CFD6B533}"/>
               </a:ext>
             </a:extLst>
           </p:cNvPr>
@@ -4379,7 +4380,7 @@
           <p:cNvPr id="47" name="직선 화살표 연결선 46">
             <a:extLst>
               <a:ext uri="{FF2B5EF4-FFF2-40B4-BE49-F238E27FC236}">
-                <a16:creationId xmlns="" xmlns:a16="http://schemas.microsoft.com/office/drawing/2014/main" id="{D1B160E3-26AA-4F15-B05C-5BE923A1BC03}"/>
+                <a16:creationId xmlns:a16="http://schemas.microsoft.com/office/drawing/2014/main" xmlns="" id="{D1B160E3-26AA-4F15-B05C-5BE923A1BC03}"/>
               </a:ext>
             </a:extLst>
           </p:cNvPr>
@@ -4422,7 +4423,7 @@
           <p:cNvPr id="48" name="직선 화살표 연결선 47">
             <a:extLst>
               <a:ext uri="{FF2B5EF4-FFF2-40B4-BE49-F238E27FC236}">
-                <a16:creationId xmlns="" xmlns:a16="http://schemas.microsoft.com/office/drawing/2014/main" id="{F912C9A2-1DA6-4125-8858-05EA12FB73C1}"/>
+                <a16:creationId xmlns:a16="http://schemas.microsoft.com/office/drawing/2014/main" xmlns="" id="{F912C9A2-1DA6-4125-8858-05EA12FB73C1}"/>
               </a:ext>
             </a:extLst>
           </p:cNvPr>
@@ -4467,7 +4468,7 @@
               <p:cNvPr id="49" name="TextBox 48">
                 <a:extLst>
                   <a:ext uri="{FF2B5EF4-FFF2-40B4-BE49-F238E27FC236}">
-                    <a16:creationId xmlns="" xmlns:a16="http://schemas.microsoft.com/office/drawing/2014/main" id="{0B3C9687-0FDD-4D92-BE4F-47D281BC71F9}"/>
+                    <a16:creationId xmlns:a16="http://schemas.microsoft.com/office/drawing/2014/main" xmlns="" id="{0B3C9687-0FDD-4D92-BE4F-47D281BC71F9}"/>
                   </a:ext>
                 </a:extLst>
               </p:cNvPr>
@@ -4582,7 +4583,7 @@
               <p:cNvPr id="50" name="TextBox 49">
                 <a:extLst>
                   <a:ext uri="{FF2B5EF4-FFF2-40B4-BE49-F238E27FC236}">
-                    <a16:creationId xmlns="" xmlns:a16="http://schemas.microsoft.com/office/drawing/2014/main" id="{D58B2475-B731-440C-AEBF-D6D02668C86B}"/>
+                    <a16:creationId xmlns:a16="http://schemas.microsoft.com/office/drawing/2014/main" xmlns="" id="{D58B2475-B731-440C-AEBF-D6D02668C86B}"/>
                   </a:ext>
                 </a:extLst>
               </p:cNvPr>
@@ -4707,7 +4708,7 @@
           <p:cNvPr id="51" name="직선 화살표 연결선 50">
             <a:extLst>
               <a:ext uri="{FF2B5EF4-FFF2-40B4-BE49-F238E27FC236}">
-                <a16:creationId xmlns="" xmlns:a16="http://schemas.microsoft.com/office/drawing/2014/main" id="{9F0FCDFB-1F78-4A73-9BA1-385BB2F3CA64}"/>
+                <a16:creationId xmlns:a16="http://schemas.microsoft.com/office/drawing/2014/main" xmlns="" id="{9F0FCDFB-1F78-4A73-9BA1-385BB2F3CA64}"/>
               </a:ext>
             </a:extLst>
           </p:cNvPr>
@@ -4750,7 +4751,7 @@
           <p:cNvPr id="52" name="직사각형 51">
             <a:extLst>
               <a:ext uri="{FF2B5EF4-FFF2-40B4-BE49-F238E27FC236}">
-                <a16:creationId xmlns="" xmlns:a16="http://schemas.microsoft.com/office/drawing/2014/main" id="{521345B2-00EA-4FD4-A331-8EB17A28DE0C}"/>
+                <a16:creationId xmlns:a16="http://schemas.microsoft.com/office/drawing/2014/main" xmlns="" id="{521345B2-00EA-4FD4-A331-8EB17A28DE0C}"/>
               </a:ext>
             </a:extLst>
           </p:cNvPr>
@@ -4798,7 +4799,7 @@
           <p:cNvPr id="53" name="직사각형 52">
             <a:extLst>
               <a:ext uri="{FF2B5EF4-FFF2-40B4-BE49-F238E27FC236}">
-                <a16:creationId xmlns="" xmlns:a16="http://schemas.microsoft.com/office/drawing/2014/main" id="{93E71527-60A0-41BC-A00D-9C4D90F42BEC}"/>
+                <a16:creationId xmlns:a16="http://schemas.microsoft.com/office/drawing/2014/main" xmlns="" id="{93E71527-60A0-41BC-A00D-9C4D90F42BEC}"/>
               </a:ext>
             </a:extLst>
           </p:cNvPr>
@@ -4850,7 +4851,7 @@
           <p:cNvPr id="54" name="직사각형 53">
             <a:extLst>
               <a:ext uri="{FF2B5EF4-FFF2-40B4-BE49-F238E27FC236}">
-                <a16:creationId xmlns="" xmlns:a16="http://schemas.microsoft.com/office/drawing/2014/main" id="{9B1AE270-7D44-4AF1-8646-AA2F6F0CF3A3}"/>
+                <a16:creationId xmlns:a16="http://schemas.microsoft.com/office/drawing/2014/main" xmlns="" id="{9B1AE270-7D44-4AF1-8646-AA2F6F0CF3A3}"/>
               </a:ext>
             </a:extLst>
           </p:cNvPr>
@@ -4898,7 +4899,7 @@
           <p:cNvPr id="55" name="직사각형 54">
             <a:extLst>
               <a:ext uri="{FF2B5EF4-FFF2-40B4-BE49-F238E27FC236}">
-                <a16:creationId xmlns="" xmlns:a16="http://schemas.microsoft.com/office/drawing/2014/main" id="{45734B14-436C-47C7-9687-58304E8617D1}"/>
+                <a16:creationId xmlns:a16="http://schemas.microsoft.com/office/drawing/2014/main" xmlns="" id="{45734B14-436C-47C7-9687-58304E8617D1}"/>
               </a:ext>
             </a:extLst>
           </p:cNvPr>
@@ -4946,7 +4947,7 @@
           <p:cNvPr id="56" name="직선 화살표 연결선 55">
             <a:extLst>
               <a:ext uri="{FF2B5EF4-FFF2-40B4-BE49-F238E27FC236}">
-                <a16:creationId xmlns="" xmlns:a16="http://schemas.microsoft.com/office/drawing/2014/main" id="{F145FA49-CD39-4A97-87A1-74A33C4F30BF}"/>
+                <a16:creationId xmlns:a16="http://schemas.microsoft.com/office/drawing/2014/main" xmlns="" id="{F145FA49-CD39-4A97-87A1-74A33C4F30BF}"/>
               </a:ext>
             </a:extLst>
           </p:cNvPr>
@@ -4988,7 +4989,7 @@
           <p:cNvPr id="57" name="직선 화살표 연결선 56">
             <a:extLst>
               <a:ext uri="{FF2B5EF4-FFF2-40B4-BE49-F238E27FC236}">
-                <a16:creationId xmlns="" xmlns:a16="http://schemas.microsoft.com/office/drawing/2014/main" id="{DAE01F3F-CF81-4CE4-BC13-D6B43E5BFF5B}"/>
+                <a16:creationId xmlns:a16="http://schemas.microsoft.com/office/drawing/2014/main" xmlns="" id="{DAE01F3F-CF81-4CE4-BC13-D6B43E5BFF5B}"/>
               </a:ext>
             </a:extLst>
           </p:cNvPr>
@@ -5031,7 +5032,7 @@
           <p:cNvPr id="58" name="직선 화살표 연결선 57">
             <a:extLst>
               <a:ext uri="{FF2B5EF4-FFF2-40B4-BE49-F238E27FC236}">
-                <a16:creationId xmlns="" xmlns:a16="http://schemas.microsoft.com/office/drawing/2014/main" id="{375B0486-21D7-43C4-AF75-91F328A98605}"/>
+                <a16:creationId xmlns:a16="http://schemas.microsoft.com/office/drawing/2014/main" xmlns="" id="{375B0486-21D7-43C4-AF75-91F328A98605}"/>
               </a:ext>
             </a:extLst>
           </p:cNvPr>
@@ -5074,7 +5075,7 @@
           <p:cNvPr id="59" name="직선 화살표 연결선 58">
             <a:extLst>
               <a:ext uri="{FF2B5EF4-FFF2-40B4-BE49-F238E27FC236}">
-                <a16:creationId xmlns="" xmlns:a16="http://schemas.microsoft.com/office/drawing/2014/main" id="{2BC46B70-F32F-4346-831E-1F87C0F860EB}"/>
+                <a16:creationId xmlns:a16="http://schemas.microsoft.com/office/drawing/2014/main" xmlns="" id="{2BC46B70-F32F-4346-831E-1F87C0F860EB}"/>
               </a:ext>
             </a:extLst>
           </p:cNvPr>
@@ -5119,7 +5120,7 @@
               <p:cNvPr id="60" name="TextBox 59">
                 <a:extLst>
                   <a:ext uri="{FF2B5EF4-FFF2-40B4-BE49-F238E27FC236}">
-                    <a16:creationId xmlns="" xmlns:a16="http://schemas.microsoft.com/office/drawing/2014/main" id="{EA9AC0B1-A97C-4E8C-828A-86E4E70B2543}"/>
+                    <a16:creationId xmlns:a16="http://schemas.microsoft.com/office/drawing/2014/main" xmlns="" id="{EA9AC0B1-A97C-4E8C-828A-86E4E70B2543}"/>
                   </a:ext>
                 </a:extLst>
               </p:cNvPr>
@@ -5234,7 +5235,7 @@
               <p:cNvPr id="61" name="TextBox 60">
                 <a:extLst>
                   <a:ext uri="{FF2B5EF4-FFF2-40B4-BE49-F238E27FC236}">
-                    <a16:creationId xmlns="" xmlns:a16="http://schemas.microsoft.com/office/drawing/2014/main" id="{D9396E0A-ECCE-4220-B28F-030A8191D168}"/>
+                    <a16:creationId xmlns:a16="http://schemas.microsoft.com/office/drawing/2014/main" xmlns="" id="{D9396E0A-ECCE-4220-B28F-030A8191D168}"/>
                   </a:ext>
                 </a:extLst>
               </p:cNvPr>
@@ -5359,7 +5360,7 @@
           <p:cNvPr id="62" name="직선 화살표 연결선 61">
             <a:extLst>
               <a:ext uri="{FF2B5EF4-FFF2-40B4-BE49-F238E27FC236}">
-                <a16:creationId xmlns="" xmlns:a16="http://schemas.microsoft.com/office/drawing/2014/main" id="{68762E48-EEF4-45E1-8BAA-FE017CC90266}"/>
+                <a16:creationId xmlns:a16="http://schemas.microsoft.com/office/drawing/2014/main" xmlns="" id="{68762E48-EEF4-45E1-8BAA-FE017CC90266}"/>
               </a:ext>
             </a:extLst>
           </p:cNvPr>
@@ -5402,7 +5403,7 @@
           <p:cNvPr id="63" name="직사각형 62">
             <a:extLst>
               <a:ext uri="{FF2B5EF4-FFF2-40B4-BE49-F238E27FC236}">
-                <a16:creationId xmlns="" xmlns:a16="http://schemas.microsoft.com/office/drawing/2014/main" id="{0BE1403E-130A-46E4-ADB4-CAE5BD3B675A}"/>
+                <a16:creationId xmlns:a16="http://schemas.microsoft.com/office/drawing/2014/main" xmlns="" id="{0BE1403E-130A-46E4-ADB4-CAE5BD3B675A}"/>
               </a:ext>
             </a:extLst>
           </p:cNvPr>
@@ -5450,7 +5451,7 @@
           <p:cNvPr id="64" name="직사각형 63">
             <a:extLst>
               <a:ext uri="{FF2B5EF4-FFF2-40B4-BE49-F238E27FC236}">
-                <a16:creationId xmlns="" xmlns:a16="http://schemas.microsoft.com/office/drawing/2014/main" id="{C759F013-57C3-4BE7-A358-BE89DB95B12F}"/>
+                <a16:creationId xmlns:a16="http://schemas.microsoft.com/office/drawing/2014/main" xmlns="" id="{C759F013-57C3-4BE7-A358-BE89DB95B12F}"/>
               </a:ext>
             </a:extLst>
           </p:cNvPr>
@@ -5502,7 +5503,7 @@
           <p:cNvPr id="65" name="직사각형 64">
             <a:extLst>
               <a:ext uri="{FF2B5EF4-FFF2-40B4-BE49-F238E27FC236}">
-                <a16:creationId xmlns="" xmlns:a16="http://schemas.microsoft.com/office/drawing/2014/main" id="{1A6635F9-7041-4CFB-9DC3-50506B3D4C47}"/>
+                <a16:creationId xmlns:a16="http://schemas.microsoft.com/office/drawing/2014/main" xmlns="" id="{1A6635F9-7041-4CFB-9DC3-50506B3D4C47}"/>
               </a:ext>
             </a:extLst>
           </p:cNvPr>
@@ -5550,7 +5551,7 @@
           <p:cNvPr id="66" name="직사각형 65">
             <a:extLst>
               <a:ext uri="{FF2B5EF4-FFF2-40B4-BE49-F238E27FC236}">
-                <a16:creationId xmlns="" xmlns:a16="http://schemas.microsoft.com/office/drawing/2014/main" id="{A31DED44-B728-4C24-8199-2AC9E40EF17A}"/>
+                <a16:creationId xmlns:a16="http://schemas.microsoft.com/office/drawing/2014/main" xmlns="" id="{A31DED44-B728-4C24-8199-2AC9E40EF17A}"/>
               </a:ext>
             </a:extLst>
           </p:cNvPr>
@@ -5598,7 +5599,7 @@
           <p:cNvPr id="67" name="직선 화살표 연결선 66">
             <a:extLst>
               <a:ext uri="{FF2B5EF4-FFF2-40B4-BE49-F238E27FC236}">
-                <a16:creationId xmlns="" xmlns:a16="http://schemas.microsoft.com/office/drawing/2014/main" id="{891AADFE-0883-4089-8AB9-267149A7E3D8}"/>
+                <a16:creationId xmlns:a16="http://schemas.microsoft.com/office/drawing/2014/main" xmlns="" id="{891AADFE-0883-4089-8AB9-267149A7E3D8}"/>
               </a:ext>
             </a:extLst>
           </p:cNvPr>
@@ -5640,7 +5641,7 @@
           <p:cNvPr id="68" name="직선 화살표 연결선 67">
             <a:extLst>
               <a:ext uri="{FF2B5EF4-FFF2-40B4-BE49-F238E27FC236}">
-                <a16:creationId xmlns="" xmlns:a16="http://schemas.microsoft.com/office/drawing/2014/main" id="{69E3E16B-3F0F-471F-A8DB-0FEF2FE2419A}"/>
+                <a16:creationId xmlns:a16="http://schemas.microsoft.com/office/drawing/2014/main" xmlns="" id="{69E3E16B-3F0F-471F-A8DB-0FEF2FE2419A}"/>
               </a:ext>
             </a:extLst>
           </p:cNvPr>
@@ -5683,7 +5684,7 @@
           <p:cNvPr id="69" name="직선 화살표 연결선 68">
             <a:extLst>
               <a:ext uri="{FF2B5EF4-FFF2-40B4-BE49-F238E27FC236}">
-                <a16:creationId xmlns="" xmlns:a16="http://schemas.microsoft.com/office/drawing/2014/main" id="{B6EC31CE-6194-47F2-BA5A-4BFC5CBD7C4A}"/>
+                <a16:creationId xmlns:a16="http://schemas.microsoft.com/office/drawing/2014/main" xmlns="" id="{B6EC31CE-6194-47F2-BA5A-4BFC5CBD7C4A}"/>
               </a:ext>
             </a:extLst>
           </p:cNvPr>
@@ -5726,7 +5727,7 @@
           <p:cNvPr id="70" name="직선 화살표 연결선 69">
             <a:extLst>
               <a:ext uri="{FF2B5EF4-FFF2-40B4-BE49-F238E27FC236}">
-                <a16:creationId xmlns="" xmlns:a16="http://schemas.microsoft.com/office/drawing/2014/main" id="{5C9CF6E8-BC52-4246-96EA-204ADC083BB0}"/>
+                <a16:creationId xmlns:a16="http://schemas.microsoft.com/office/drawing/2014/main" xmlns="" id="{5C9CF6E8-BC52-4246-96EA-204ADC083BB0}"/>
               </a:ext>
             </a:extLst>
           </p:cNvPr>
@@ -5771,7 +5772,7 @@
               <p:cNvPr id="71" name="TextBox 70">
                 <a:extLst>
                   <a:ext uri="{FF2B5EF4-FFF2-40B4-BE49-F238E27FC236}">
-                    <a16:creationId xmlns="" xmlns:a16="http://schemas.microsoft.com/office/drawing/2014/main" id="{2484552F-1BD5-4D19-9F40-9E273BB6EC49}"/>
+                    <a16:creationId xmlns:a16="http://schemas.microsoft.com/office/drawing/2014/main" xmlns="" id="{2484552F-1BD5-4D19-9F40-9E273BB6EC49}"/>
                   </a:ext>
                 </a:extLst>
               </p:cNvPr>
@@ -5886,7 +5887,7 @@
               <p:cNvPr id="72" name="TextBox 71">
                 <a:extLst>
                   <a:ext uri="{FF2B5EF4-FFF2-40B4-BE49-F238E27FC236}">
-                    <a16:creationId xmlns="" xmlns:a16="http://schemas.microsoft.com/office/drawing/2014/main" id="{3AEED8C7-9C0F-43FB-B869-3B3F190169C4}"/>
+                    <a16:creationId xmlns:a16="http://schemas.microsoft.com/office/drawing/2014/main" xmlns="" id="{3AEED8C7-9C0F-43FB-B869-3B3F190169C4}"/>
                   </a:ext>
                 </a:extLst>
               </p:cNvPr>
@@ -6011,7 +6012,7 @@
           <p:cNvPr id="73" name="직선 화살표 연결선 72">
             <a:extLst>
               <a:ext uri="{FF2B5EF4-FFF2-40B4-BE49-F238E27FC236}">
-                <a16:creationId xmlns="" xmlns:a16="http://schemas.microsoft.com/office/drawing/2014/main" id="{1D07BEB5-CC12-4374-B141-2883C46F0D31}"/>
+                <a16:creationId xmlns:a16="http://schemas.microsoft.com/office/drawing/2014/main" xmlns="" id="{1D07BEB5-CC12-4374-B141-2883C46F0D31}"/>
               </a:ext>
             </a:extLst>
           </p:cNvPr>
@@ -6054,7 +6055,7 @@
           <p:cNvPr id="74" name="직사각형 73">
             <a:extLst>
               <a:ext uri="{FF2B5EF4-FFF2-40B4-BE49-F238E27FC236}">
-                <a16:creationId xmlns="" xmlns:a16="http://schemas.microsoft.com/office/drawing/2014/main" id="{1FFADF56-EE84-46B8-BBE0-94A19DDF6E46}"/>
+                <a16:creationId xmlns:a16="http://schemas.microsoft.com/office/drawing/2014/main" xmlns="" id="{1FFADF56-EE84-46B8-BBE0-94A19DDF6E46}"/>
               </a:ext>
             </a:extLst>
           </p:cNvPr>
@@ -6102,7 +6103,7 @@
           <p:cNvPr id="75" name="직사각형 74">
             <a:extLst>
               <a:ext uri="{FF2B5EF4-FFF2-40B4-BE49-F238E27FC236}">
-                <a16:creationId xmlns="" xmlns:a16="http://schemas.microsoft.com/office/drawing/2014/main" id="{552D2A52-F3FF-41F3-A62E-C512BACEEF86}"/>
+                <a16:creationId xmlns:a16="http://schemas.microsoft.com/office/drawing/2014/main" xmlns="" id="{552D2A52-F3FF-41F3-A62E-C512BACEEF86}"/>
               </a:ext>
             </a:extLst>
           </p:cNvPr>
@@ -6154,7 +6155,7 @@
           <p:cNvPr id="76" name="직사각형 75">
             <a:extLst>
               <a:ext uri="{FF2B5EF4-FFF2-40B4-BE49-F238E27FC236}">
-                <a16:creationId xmlns="" xmlns:a16="http://schemas.microsoft.com/office/drawing/2014/main" id="{68DCAE8C-C0CC-4FF6-840E-5137C7726B0F}"/>
+                <a16:creationId xmlns:a16="http://schemas.microsoft.com/office/drawing/2014/main" xmlns="" id="{68DCAE8C-C0CC-4FF6-840E-5137C7726B0F}"/>
               </a:ext>
             </a:extLst>
           </p:cNvPr>
@@ -6206,7 +6207,7 @@
           <p:cNvPr id="77" name="직사각형 76">
             <a:extLst>
               <a:ext uri="{FF2B5EF4-FFF2-40B4-BE49-F238E27FC236}">
-                <a16:creationId xmlns="" xmlns:a16="http://schemas.microsoft.com/office/drawing/2014/main" id="{39D48891-5979-462A-9E6F-DF436D67435B}"/>
+                <a16:creationId xmlns:a16="http://schemas.microsoft.com/office/drawing/2014/main" xmlns="" id="{39D48891-5979-462A-9E6F-DF436D67435B}"/>
               </a:ext>
             </a:extLst>
           </p:cNvPr>
@@ -6254,7 +6255,7 @@
           <p:cNvPr id="78" name="직선 화살표 연결선 77">
             <a:extLst>
               <a:ext uri="{FF2B5EF4-FFF2-40B4-BE49-F238E27FC236}">
-                <a16:creationId xmlns="" xmlns:a16="http://schemas.microsoft.com/office/drawing/2014/main" id="{44259613-4666-4808-81BE-AF79241707FD}"/>
+                <a16:creationId xmlns:a16="http://schemas.microsoft.com/office/drawing/2014/main" xmlns="" id="{44259613-4666-4808-81BE-AF79241707FD}"/>
               </a:ext>
             </a:extLst>
           </p:cNvPr>
@@ -6296,7 +6297,7 @@
           <p:cNvPr id="79" name="직선 화살표 연결선 78">
             <a:extLst>
               <a:ext uri="{FF2B5EF4-FFF2-40B4-BE49-F238E27FC236}">
-                <a16:creationId xmlns="" xmlns:a16="http://schemas.microsoft.com/office/drawing/2014/main" id="{48E5987F-0185-4602-8583-E14C15AE7D5F}"/>
+                <a16:creationId xmlns:a16="http://schemas.microsoft.com/office/drawing/2014/main" xmlns="" id="{48E5987F-0185-4602-8583-E14C15AE7D5F}"/>
               </a:ext>
             </a:extLst>
           </p:cNvPr>
@@ -6339,7 +6340,7 @@
           <p:cNvPr id="80" name="직선 화살표 연결선 79">
             <a:extLst>
               <a:ext uri="{FF2B5EF4-FFF2-40B4-BE49-F238E27FC236}">
-                <a16:creationId xmlns="" xmlns:a16="http://schemas.microsoft.com/office/drawing/2014/main" id="{5EB52318-A9BD-4B62-9C9C-569115EF1E85}"/>
+                <a16:creationId xmlns:a16="http://schemas.microsoft.com/office/drawing/2014/main" xmlns="" id="{5EB52318-A9BD-4B62-9C9C-569115EF1E85}"/>
               </a:ext>
             </a:extLst>
           </p:cNvPr>
@@ -6382,7 +6383,7 @@
           <p:cNvPr id="81" name="직선 화살표 연결선 80">
             <a:extLst>
               <a:ext uri="{FF2B5EF4-FFF2-40B4-BE49-F238E27FC236}">
-                <a16:creationId xmlns="" xmlns:a16="http://schemas.microsoft.com/office/drawing/2014/main" id="{0B24DE26-CFF1-4C8E-9F17-76D65E18FE9E}"/>
+                <a16:creationId xmlns:a16="http://schemas.microsoft.com/office/drawing/2014/main" xmlns="" id="{0B24DE26-CFF1-4C8E-9F17-76D65E18FE9E}"/>
               </a:ext>
             </a:extLst>
           </p:cNvPr>
@@ -6427,7 +6428,7 @@
               <p:cNvPr id="82" name="TextBox 81">
                 <a:extLst>
                   <a:ext uri="{FF2B5EF4-FFF2-40B4-BE49-F238E27FC236}">
-                    <a16:creationId xmlns="" xmlns:a16="http://schemas.microsoft.com/office/drawing/2014/main" id="{E799825B-3727-4F39-BEAD-2E2ACE9A90BE}"/>
+                    <a16:creationId xmlns:a16="http://schemas.microsoft.com/office/drawing/2014/main" xmlns="" id="{E799825B-3727-4F39-BEAD-2E2ACE9A90BE}"/>
                   </a:ext>
                 </a:extLst>
               </p:cNvPr>
@@ -6542,7 +6543,7 @@
               <p:cNvPr id="83" name="TextBox 82">
                 <a:extLst>
                   <a:ext uri="{FF2B5EF4-FFF2-40B4-BE49-F238E27FC236}">
-                    <a16:creationId xmlns="" xmlns:a16="http://schemas.microsoft.com/office/drawing/2014/main" id="{DBF48FFA-1D5D-4577-9AE3-29EAE247472C}"/>
+                    <a16:creationId xmlns:a16="http://schemas.microsoft.com/office/drawing/2014/main" xmlns="" id="{DBF48FFA-1D5D-4577-9AE3-29EAE247472C}"/>
                   </a:ext>
                 </a:extLst>
               </p:cNvPr>
@@ -6667,7 +6668,7 @@
           <p:cNvPr id="84" name="직선 화살표 연결선 83">
             <a:extLst>
               <a:ext uri="{FF2B5EF4-FFF2-40B4-BE49-F238E27FC236}">
-                <a16:creationId xmlns="" xmlns:a16="http://schemas.microsoft.com/office/drawing/2014/main" id="{A629E2DD-AF5D-4C9D-A4F6-09DB868A4783}"/>
+                <a16:creationId xmlns:a16="http://schemas.microsoft.com/office/drawing/2014/main" xmlns="" id="{A629E2DD-AF5D-4C9D-A4F6-09DB868A4783}"/>
               </a:ext>
             </a:extLst>
           </p:cNvPr>
@@ -6710,7 +6711,7 @@
           <p:cNvPr id="86" name="연결선: 구부러짐 85">
             <a:extLst>
               <a:ext uri="{FF2B5EF4-FFF2-40B4-BE49-F238E27FC236}">
-                <a16:creationId xmlns="" xmlns:a16="http://schemas.microsoft.com/office/drawing/2014/main" id="{4815E4C6-6DA5-4D42-91ED-3F66369B1AD1}"/>
+                <a16:creationId xmlns:a16="http://schemas.microsoft.com/office/drawing/2014/main" xmlns="" id="{4815E4C6-6DA5-4D42-91ED-3F66369B1AD1}"/>
               </a:ext>
             </a:extLst>
           </p:cNvPr>
@@ -6756,7 +6757,7 @@
           <p:cNvPr id="87" name="연결선: 구부러짐 86">
             <a:extLst>
               <a:ext uri="{FF2B5EF4-FFF2-40B4-BE49-F238E27FC236}">
-                <a16:creationId xmlns="" xmlns:a16="http://schemas.microsoft.com/office/drawing/2014/main" id="{CE3D1875-2CB4-436C-AE05-90119209B77C}"/>
+                <a16:creationId xmlns:a16="http://schemas.microsoft.com/office/drawing/2014/main" xmlns="" id="{CE3D1875-2CB4-436C-AE05-90119209B77C}"/>
               </a:ext>
             </a:extLst>
           </p:cNvPr>
@@ -6803,7 +6804,7 @@
           <p:cNvPr id="90" name="연결선: 구부러짐 89">
             <a:extLst>
               <a:ext uri="{FF2B5EF4-FFF2-40B4-BE49-F238E27FC236}">
-                <a16:creationId xmlns="" xmlns:a16="http://schemas.microsoft.com/office/drawing/2014/main" id="{F6B08CAB-8D3D-465C-8842-62587DF50E0F}"/>
+                <a16:creationId xmlns:a16="http://schemas.microsoft.com/office/drawing/2014/main" xmlns="" id="{F6B08CAB-8D3D-465C-8842-62587DF50E0F}"/>
               </a:ext>
             </a:extLst>
           </p:cNvPr>
@@ -6850,7 +6851,7 @@
           <p:cNvPr id="93" name="연결선: 구부러짐 92">
             <a:extLst>
               <a:ext uri="{FF2B5EF4-FFF2-40B4-BE49-F238E27FC236}">
-                <a16:creationId xmlns="" xmlns:a16="http://schemas.microsoft.com/office/drawing/2014/main" id="{38E42217-28B5-48AF-BBDD-02F0226A727A}"/>
+                <a16:creationId xmlns:a16="http://schemas.microsoft.com/office/drawing/2014/main" xmlns="" id="{38E42217-28B5-48AF-BBDD-02F0226A727A}"/>
               </a:ext>
             </a:extLst>
           </p:cNvPr>
@@ -6897,7 +6898,7 @@
           <p:cNvPr id="96" name="직선 화살표 연결선 95">
             <a:extLst>
               <a:ext uri="{FF2B5EF4-FFF2-40B4-BE49-F238E27FC236}">
-                <a16:creationId xmlns="" xmlns:a16="http://schemas.microsoft.com/office/drawing/2014/main" id="{7BCDDC87-6FC0-465C-A987-8E00153B2E47}"/>
+                <a16:creationId xmlns:a16="http://schemas.microsoft.com/office/drawing/2014/main" xmlns="" id="{7BCDDC87-6FC0-465C-A987-8E00153B2E47}"/>
               </a:ext>
             </a:extLst>
           </p:cNvPr>
@@ -6940,7 +6941,7 @@
           <p:cNvPr id="99" name="직선 화살표 연결선 98">
             <a:extLst>
               <a:ext uri="{FF2B5EF4-FFF2-40B4-BE49-F238E27FC236}">
-                <a16:creationId xmlns="" xmlns:a16="http://schemas.microsoft.com/office/drawing/2014/main" id="{1F81F101-A183-46A3-88B6-42493D690A2B}"/>
+                <a16:creationId xmlns:a16="http://schemas.microsoft.com/office/drawing/2014/main" xmlns="" id="{1F81F101-A183-46A3-88B6-42493D690A2B}"/>
               </a:ext>
             </a:extLst>
           </p:cNvPr>
@@ -6983,7 +6984,7 @@
           <p:cNvPr id="102" name="직선 화살표 연결선 101">
             <a:extLst>
               <a:ext uri="{FF2B5EF4-FFF2-40B4-BE49-F238E27FC236}">
-                <a16:creationId xmlns="" xmlns:a16="http://schemas.microsoft.com/office/drawing/2014/main" id="{8A36012A-E62C-46EE-971E-6FB0724552F0}"/>
+                <a16:creationId xmlns:a16="http://schemas.microsoft.com/office/drawing/2014/main" xmlns="" id="{8A36012A-E62C-46EE-971E-6FB0724552F0}"/>
               </a:ext>
             </a:extLst>
           </p:cNvPr>
@@ -7026,7 +7027,7 @@
           <p:cNvPr id="105" name="직선 화살표 연결선 104">
             <a:extLst>
               <a:ext uri="{FF2B5EF4-FFF2-40B4-BE49-F238E27FC236}">
-                <a16:creationId xmlns="" xmlns:a16="http://schemas.microsoft.com/office/drawing/2014/main" id="{1BABE5DD-8F79-4747-B2F0-F5519D8CDC3E}"/>
+                <a16:creationId xmlns:a16="http://schemas.microsoft.com/office/drawing/2014/main" xmlns="" id="{1BABE5DD-8F79-4747-B2F0-F5519D8CDC3E}"/>
               </a:ext>
             </a:extLst>
           </p:cNvPr>
@@ -7069,7 +7070,7 @@
           <p:cNvPr id="108" name="직선 화살표 연결선 107">
             <a:extLst>
               <a:ext uri="{FF2B5EF4-FFF2-40B4-BE49-F238E27FC236}">
-                <a16:creationId xmlns="" xmlns:a16="http://schemas.microsoft.com/office/drawing/2014/main" id="{0269C3CE-52C8-4A5E-AF46-56124F7DD475}"/>
+                <a16:creationId xmlns:a16="http://schemas.microsoft.com/office/drawing/2014/main" xmlns="" id="{0269C3CE-52C8-4A5E-AF46-56124F7DD475}"/>
               </a:ext>
             </a:extLst>
           </p:cNvPr>
@@ -7112,7 +7113,7 @@
           <p:cNvPr id="111" name="직선 화살표 연결선 110">
             <a:extLst>
               <a:ext uri="{FF2B5EF4-FFF2-40B4-BE49-F238E27FC236}">
-                <a16:creationId xmlns="" xmlns:a16="http://schemas.microsoft.com/office/drawing/2014/main" id="{60AB85E1-F5BB-4558-8E22-AD271FFAC678}"/>
+                <a16:creationId xmlns:a16="http://schemas.microsoft.com/office/drawing/2014/main" xmlns="" id="{60AB85E1-F5BB-4558-8E22-AD271FFAC678}"/>
               </a:ext>
             </a:extLst>
           </p:cNvPr>
@@ -7155,7 +7156,7 @@
           <p:cNvPr id="114" name="직선 화살표 연결선 113">
             <a:extLst>
               <a:ext uri="{FF2B5EF4-FFF2-40B4-BE49-F238E27FC236}">
-                <a16:creationId xmlns="" xmlns:a16="http://schemas.microsoft.com/office/drawing/2014/main" id="{2E3DEDAC-A642-4C80-8333-346C55212DB7}"/>
+                <a16:creationId xmlns:a16="http://schemas.microsoft.com/office/drawing/2014/main" xmlns="" id="{2E3DEDAC-A642-4C80-8333-346C55212DB7}"/>
               </a:ext>
             </a:extLst>
           </p:cNvPr>
@@ -7198,7 +7199,7 @@
           <p:cNvPr id="117" name="직선 화살표 연결선 116">
             <a:extLst>
               <a:ext uri="{FF2B5EF4-FFF2-40B4-BE49-F238E27FC236}">
-                <a16:creationId xmlns="" xmlns:a16="http://schemas.microsoft.com/office/drawing/2014/main" id="{F624C6F9-A976-4D50-A3BB-57F332891908}"/>
+                <a16:creationId xmlns:a16="http://schemas.microsoft.com/office/drawing/2014/main" xmlns="" id="{F624C6F9-A976-4D50-A3BB-57F332891908}"/>
               </a:ext>
             </a:extLst>
           </p:cNvPr>
@@ -7271,7 +7272,7 @@
           <p:cNvPr id="4" name="직사각형 3">
             <a:extLst>
               <a:ext uri="{FF2B5EF4-FFF2-40B4-BE49-F238E27FC236}">
-                <a16:creationId xmlns="" xmlns:a16="http://schemas.microsoft.com/office/drawing/2014/main" id="{E4469EA3-BD2F-4388-B225-972DBD285F7E}"/>
+                <a16:creationId xmlns:a16="http://schemas.microsoft.com/office/drawing/2014/main" xmlns="" id="{E4469EA3-BD2F-4388-B225-972DBD285F7E}"/>
               </a:ext>
             </a:extLst>
           </p:cNvPr>
@@ -7331,7 +7332,7 @@
           <p:cNvPr id="5" name="직사각형 4">
             <a:extLst>
               <a:ext uri="{FF2B5EF4-FFF2-40B4-BE49-F238E27FC236}">
-                <a16:creationId xmlns="" xmlns:a16="http://schemas.microsoft.com/office/drawing/2014/main" id="{4CA84653-010D-4065-B853-79CB25E1864C}"/>
+                <a16:creationId xmlns:a16="http://schemas.microsoft.com/office/drawing/2014/main" xmlns="" id="{4CA84653-010D-4065-B853-79CB25E1864C}"/>
               </a:ext>
             </a:extLst>
           </p:cNvPr>
@@ -7391,7 +7392,7 @@
           <p:cNvPr id="6" name="직사각형 5">
             <a:extLst>
               <a:ext uri="{FF2B5EF4-FFF2-40B4-BE49-F238E27FC236}">
-                <a16:creationId xmlns="" xmlns:a16="http://schemas.microsoft.com/office/drawing/2014/main" id="{E1E73367-4DDC-4825-B313-715B65F5DD9C}"/>
+                <a16:creationId xmlns:a16="http://schemas.microsoft.com/office/drawing/2014/main" xmlns="" id="{E1E73367-4DDC-4825-B313-715B65F5DD9C}"/>
               </a:ext>
             </a:extLst>
           </p:cNvPr>
@@ -7451,7 +7452,7 @@
           <p:cNvPr id="7" name="직사각형 6">
             <a:extLst>
               <a:ext uri="{FF2B5EF4-FFF2-40B4-BE49-F238E27FC236}">
-                <a16:creationId xmlns="" xmlns:a16="http://schemas.microsoft.com/office/drawing/2014/main" id="{A2951B4C-0F6E-4678-A4C8-8FB7EEAA5CE6}"/>
+                <a16:creationId xmlns:a16="http://schemas.microsoft.com/office/drawing/2014/main" xmlns="" id="{A2951B4C-0F6E-4678-A4C8-8FB7EEAA5CE6}"/>
               </a:ext>
             </a:extLst>
           </p:cNvPr>
@@ -7511,7 +7512,7 @@
           <p:cNvPr id="8" name="직사각형 7">
             <a:extLst>
               <a:ext uri="{FF2B5EF4-FFF2-40B4-BE49-F238E27FC236}">
-                <a16:creationId xmlns="" xmlns:a16="http://schemas.microsoft.com/office/drawing/2014/main" id="{BAE89BCE-919E-44F2-8819-A305D3A70CDA}"/>
+                <a16:creationId xmlns:a16="http://schemas.microsoft.com/office/drawing/2014/main" xmlns="" id="{BAE89BCE-919E-44F2-8819-A305D3A70CDA}"/>
               </a:ext>
             </a:extLst>
           </p:cNvPr>
@@ -7566,7 +7567,7 @@
           <p:cNvPr id="9" name="직사각형 8">
             <a:extLst>
               <a:ext uri="{FF2B5EF4-FFF2-40B4-BE49-F238E27FC236}">
-                <a16:creationId xmlns="" xmlns:a16="http://schemas.microsoft.com/office/drawing/2014/main" id="{349238DB-B9E3-48FA-BACD-382CC9E85FC1}"/>
+                <a16:creationId xmlns:a16="http://schemas.microsoft.com/office/drawing/2014/main" xmlns="" id="{349238DB-B9E3-48FA-BACD-382CC9E85FC1}"/>
               </a:ext>
             </a:extLst>
           </p:cNvPr>
@@ -7621,7 +7622,7 @@
           <p:cNvPr id="10" name="직사각형 9">
             <a:extLst>
               <a:ext uri="{FF2B5EF4-FFF2-40B4-BE49-F238E27FC236}">
-                <a16:creationId xmlns="" xmlns:a16="http://schemas.microsoft.com/office/drawing/2014/main" id="{85397621-465B-4ADE-A227-3701C385464F}"/>
+                <a16:creationId xmlns:a16="http://schemas.microsoft.com/office/drawing/2014/main" xmlns="" id="{85397621-465B-4ADE-A227-3701C385464F}"/>
               </a:ext>
             </a:extLst>
           </p:cNvPr>
@@ -7676,7 +7677,7 @@
           <p:cNvPr id="11" name="직사각형 10">
             <a:extLst>
               <a:ext uri="{FF2B5EF4-FFF2-40B4-BE49-F238E27FC236}">
-                <a16:creationId xmlns="" xmlns:a16="http://schemas.microsoft.com/office/drawing/2014/main" id="{99196F47-6546-4414-8692-8B1D6EB7861E}"/>
+                <a16:creationId xmlns:a16="http://schemas.microsoft.com/office/drawing/2014/main" xmlns="" id="{99196F47-6546-4414-8692-8B1D6EB7861E}"/>
               </a:ext>
             </a:extLst>
           </p:cNvPr>
@@ -7731,7 +7732,7 @@
           <p:cNvPr id="13" name="직선 화살표 연결선 12">
             <a:extLst>
               <a:ext uri="{FF2B5EF4-FFF2-40B4-BE49-F238E27FC236}">
-                <a16:creationId xmlns="" xmlns:a16="http://schemas.microsoft.com/office/drawing/2014/main" id="{147C09B1-E5F5-4D82-94F1-78DDF76CEDA4}"/>
+                <a16:creationId xmlns:a16="http://schemas.microsoft.com/office/drawing/2014/main" xmlns="" id="{147C09B1-E5F5-4D82-94F1-78DDF76CEDA4}"/>
               </a:ext>
             </a:extLst>
           </p:cNvPr>
@@ -7773,7 +7774,7 @@
           <p:cNvPr id="14" name="직선 화살표 연결선 13">
             <a:extLst>
               <a:ext uri="{FF2B5EF4-FFF2-40B4-BE49-F238E27FC236}">
-                <a16:creationId xmlns="" xmlns:a16="http://schemas.microsoft.com/office/drawing/2014/main" id="{8C04CFDC-9131-4F45-9FE4-55EF3F4FEBBF}"/>
+                <a16:creationId xmlns:a16="http://schemas.microsoft.com/office/drawing/2014/main" xmlns="" id="{8C04CFDC-9131-4F45-9FE4-55EF3F4FEBBF}"/>
               </a:ext>
             </a:extLst>
           </p:cNvPr>
@@ -7816,7 +7817,7 @@
           <p:cNvPr id="17" name="직선 화살표 연결선 16">
             <a:extLst>
               <a:ext uri="{FF2B5EF4-FFF2-40B4-BE49-F238E27FC236}">
-                <a16:creationId xmlns="" xmlns:a16="http://schemas.microsoft.com/office/drawing/2014/main" id="{49D920B6-9F30-4FE3-98BD-24435542E509}"/>
+                <a16:creationId xmlns:a16="http://schemas.microsoft.com/office/drawing/2014/main" xmlns="" id="{49D920B6-9F30-4FE3-98BD-24435542E509}"/>
               </a:ext>
             </a:extLst>
           </p:cNvPr>
@@ -7859,7 +7860,7 @@
           <p:cNvPr id="20" name="직선 화살표 연결선 19">
             <a:extLst>
               <a:ext uri="{FF2B5EF4-FFF2-40B4-BE49-F238E27FC236}">
-                <a16:creationId xmlns="" xmlns:a16="http://schemas.microsoft.com/office/drawing/2014/main" id="{9C78436C-633A-4ED7-9243-B162D8131872}"/>
+                <a16:creationId xmlns:a16="http://schemas.microsoft.com/office/drawing/2014/main" xmlns="" id="{9C78436C-633A-4ED7-9243-B162D8131872}"/>
               </a:ext>
             </a:extLst>
           </p:cNvPr>
@@ -7902,7 +7903,7 @@
           <p:cNvPr id="23" name="직선 화살표 연결선 22">
             <a:extLst>
               <a:ext uri="{FF2B5EF4-FFF2-40B4-BE49-F238E27FC236}">
-                <a16:creationId xmlns="" xmlns:a16="http://schemas.microsoft.com/office/drawing/2014/main" id="{A2C36C91-CB11-4877-A9AB-7077C45F91B3}"/>
+                <a16:creationId xmlns:a16="http://schemas.microsoft.com/office/drawing/2014/main" xmlns="" id="{A2C36C91-CB11-4877-A9AB-7077C45F91B3}"/>
               </a:ext>
             </a:extLst>
           </p:cNvPr>
@@ -7945,7 +7946,7 @@
           <p:cNvPr id="26" name="직선 화살표 연결선 25">
             <a:extLst>
               <a:ext uri="{FF2B5EF4-FFF2-40B4-BE49-F238E27FC236}">
-                <a16:creationId xmlns="" xmlns:a16="http://schemas.microsoft.com/office/drawing/2014/main" id="{4EBBCF9C-83D0-464C-96CC-25511ECF7979}"/>
+                <a16:creationId xmlns:a16="http://schemas.microsoft.com/office/drawing/2014/main" xmlns="" id="{4EBBCF9C-83D0-464C-96CC-25511ECF7979}"/>
               </a:ext>
             </a:extLst>
           </p:cNvPr>
@@ -7988,7 +7989,7 @@
           <p:cNvPr id="29" name="직선 화살표 연결선 28">
             <a:extLst>
               <a:ext uri="{FF2B5EF4-FFF2-40B4-BE49-F238E27FC236}">
-                <a16:creationId xmlns="" xmlns:a16="http://schemas.microsoft.com/office/drawing/2014/main" id="{9BEA08D9-5003-4EBA-B771-84E318E77859}"/>
+                <a16:creationId xmlns:a16="http://schemas.microsoft.com/office/drawing/2014/main" xmlns="" id="{9BEA08D9-5003-4EBA-B771-84E318E77859}"/>
               </a:ext>
             </a:extLst>
           </p:cNvPr>
@@ -8033,7 +8034,7 @@
               <p:cNvPr id="32" name="TextBox 31">
                 <a:extLst>
                   <a:ext uri="{FF2B5EF4-FFF2-40B4-BE49-F238E27FC236}">
-                    <a16:creationId xmlns="" xmlns:a16="http://schemas.microsoft.com/office/drawing/2014/main" id="{B762AC4C-43D2-4F68-9F3B-5B6960C79FD5}"/>
+                    <a16:creationId xmlns:a16="http://schemas.microsoft.com/office/drawing/2014/main" xmlns="" id="{B762AC4C-43D2-4F68-9F3B-5B6960C79FD5}"/>
                   </a:ext>
                 </a:extLst>
               </p:cNvPr>
@@ -8148,7 +8149,7 @@
               <p:cNvPr id="33" name="TextBox 32">
                 <a:extLst>
                   <a:ext uri="{FF2B5EF4-FFF2-40B4-BE49-F238E27FC236}">
-                    <a16:creationId xmlns="" xmlns:a16="http://schemas.microsoft.com/office/drawing/2014/main" id="{17AFDE06-C487-486D-B7B1-76971B04CC45}"/>
+                    <a16:creationId xmlns:a16="http://schemas.microsoft.com/office/drawing/2014/main" xmlns="" id="{17AFDE06-C487-486D-B7B1-76971B04CC45}"/>
                   </a:ext>
                 </a:extLst>
               </p:cNvPr>
@@ -8263,7 +8264,7 @@
               <p:cNvPr id="34" name="TextBox 33">
                 <a:extLst>
                   <a:ext uri="{FF2B5EF4-FFF2-40B4-BE49-F238E27FC236}">
-                    <a16:creationId xmlns="" xmlns:a16="http://schemas.microsoft.com/office/drawing/2014/main" id="{3176E3DE-1A33-48CE-8889-27F07BED33E0}"/>
+                    <a16:creationId xmlns:a16="http://schemas.microsoft.com/office/drawing/2014/main" xmlns="" id="{3176E3DE-1A33-48CE-8889-27F07BED33E0}"/>
                   </a:ext>
                 </a:extLst>
               </p:cNvPr>
@@ -8378,7 +8379,7 @@
               <p:cNvPr id="35" name="TextBox 34">
                 <a:extLst>
                   <a:ext uri="{FF2B5EF4-FFF2-40B4-BE49-F238E27FC236}">
-                    <a16:creationId xmlns="" xmlns:a16="http://schemas.microsoft.com/office/drawing/2014/main" id="{3E6BEBE2-E434-4579-9BEF-7F057088C6A4}"/>
+                    <a16:creationId xmlns:a16="http://schemas.microsoft.com/office/drawing/2014/main" xmlns="" id="{3E6BEBE2-E434-4579-9BEF-7F057088C6A4}"/>
                   </a:ext>
                 </a:extLst>
               </p:cNvPr>
@@ -8493,7 +8494,7 @@
               <p:cNvPr id="36" name="TextBox 35">
                 <a:extLst>
                   <a:ext uri="{FF2B5EF4-FFF2-40B4-BE49-F238E27FC236}">
-                    <a16:creationId xmlns="" xmlns:a16="http://schemas.microsoft.com/office/drawing/2014/main" id="{14E0069C-C3BE-41C2-B653-A18BA212F52D}"/>
+                    <a16:creationId xmlns:a16="http://schemas.microsoft.com/office/drawing/2014/main" xmlns="" id="{14E0069C-C3BE-41C2-B653-A18BA212F52D}"/>
                   </a:ext>
                 </a:extLst>
               </p:cNvPr>
@@ -8608,7 +8609,7 @@
               <p:cNvPr id="37" name="TextBox 36">
                 <a:extLst>
                   <a:ext uri="{FF2B5EF4-FFF2-40B4-BE49-F238E27FC236}">
-                    <a16:creationId xmlns="" xmlns:a16="http://schemas.microsoft.com/office/drawing/2014/main" id="{6448FB8C-D9A1-4602-BD58-DE946A793132}"/>
+                    <a16:creationId xmlns:a16="http://schemas.microsoft.com/office/drawing/2014/main" xmlns="" id="{6448FB8C-D9A1-4602-BD58-DE946A793132}"/>
                   </a:ext>
                 </a:extLst>
               </p:cNvPr>
@@ -8723,7 +8724,7 @@
               <p:cNvPr id="38" name="TextBox 37">
                 <a:extLst>
                   <a:ext uri="{FF2B5EF4-FFF2-40B4-BE49-F238E27FC236}">
-                    <a16:creationId xmlns="" xmlns:a16="http://schemas.microsoft.com/office/drawing/2014/main" id="{7027025A-1A40-43C7-B377-B6E5B83B42C9}"/>
+                    <a16:creationId xmlns:a16="http://schemas.microsoft.com/office/drawing/2014/main" xmlns="" id="{7027025A-1A40-43C7-B377-B6E5B83B42C9}"/>
                   </a:ext>
                 </a:extLst>
               </p:cNvPr>
@@ -8838,7 +8839,7 @@
               <p:cNvPr id="39" name="TextBox 38">
                 <a:extLst>
                   <a:ext uri="{FF2B5EF4-FFF2-40B4-BE49-F238E27FC236}">
-                    <a16:creationId xmlns="" xmlns:a16="http://schemas.microsoft.com/office/drawing/2014/main" id="{34ED70D7-EC33-49DC-96FA-7BE986853032}"/>
+                    <a16:creationId xmlns:a16="http://schemas.microsoft.com/office/drawing/2014/main" xmlns="" id="{34ED70D7-EC33-49DC-96FA-7BE986853032}"/>
                   </a:ext>
                 </a:extLst>
               </p:cNvPr>
@@ -8934,7 +8935,7 @@
               <p:cNvPr id="40" name="TextBox 39">
                 <a:extLst>
                   <a:ext uri="{FF2B5EF4-FFF2-40B4-BE49-F238E27FC236}">
-                    <a16:creationId xmlns="" xmlns:a16="http://schemas.microsoft.com/office/drawing/2014/main" id="{3C190F04-1C31-4664-AD00-75B456B22FFA}"/>
+                    <a16:creationId xmlns:a16="http://schemas.microsoft.com/office/drawing/2014/main" xmlns="" id="{3C190F04-1C31-4664-AD00-75B456B22FFA}"/>
                   </a:ext>
                 </a:extLst>
               </p:cNvPr>
@@ -9028,7 +9029,7 @@
           <p:cNvPr id="41" name="직사각형 40">
             <a:extLst>
               <a:ext uri="{FF2B5EF4-FFF2-40B4-BE49-F238E27FC236}">
-                <a16:creationId xmlns="" xmlns:a16="http://schemas.microsoft.com/office/drawing/2014/main" id="{2408790D-3D66-431C-849B-99668B932886}"/>
+                <a16:creationId xmlns:a16="http://schemas.microsoft.com/office/drawing/2014/main" xmlns="" id="{2408790D-3D66-431C-849B-99668B932886}"/>
               </a:ext>
             </a:extLst>
           </p:cNvPr>
@@ -9081,7 +9082,7 @@
           <p:cNvPr id="42" name="직사각형 41">
             <a:extLst>
               <a:ext uri="{FF2B5EF4-FFF2-40B4-BE49-F238E27FC236}">
-                <a16:creationId xmlns="" xmlns:a16="http://schemas.microsoft.com/office/drawing/2014/main" id="{D3CFBC4C-F45D-48C0-A8AA-F68207C535F1}"/>
+                <a16:creationId xmlns:a16="http://schemas.microsoft.com/office/drawing/2014/main" xmlns="" id="{D3CFBC4C-F45D-48C0-A8AA-F68207C535F1}"/>
               </a:ext>
             </a:extLst>
           </p:cNvPr>
@@ -9134,7 +9135,7 @@
           <p:cNvPr id="43" name="직사각형 42">
             <a:extLst>
               <a:ext uri="{FF2B5EF4-FFF2-40B4-BE49-F238E27FC236}">
-                <a16:creationId xmlns="" xmlns:a16="http://schemas.microsoft.com/office/drawing/2014/main" id="{1CCBC64F-3065-4A07-BBD2-C6D6AFF1B01A}"/>
+                <a16:creationId xmlns:a16="http://schemas.microsoft.com/office/drawing/2014/main" xmlns="" id="{1CCBC64F-3065-4A07-BBD2-C6D6AFF1B01A}"/>
               </a:ext>
             </a:extLst>
           </p:cNvPr>
@@ -9187,7 +9188,7 @@
           <p:cNvPr id="44" name="직사각형 43">
             <a:extLst>
               <a:ext uri="{FF2B5EF4-FFF2-40B4-BE49-F238E27FC236}">
-                <a16:creationId xmlns="" xmlns:a16="http://schemas.microsoft.com/office/drawing/2014/main" id="{8335E1E8-EE72-4026-805B-961A5AA502D5}"/>
+                <a16:creationId xmlns:a16="http://schemas.microsoft.com/office/drawing/2014/main" xmlns="" id="{8335E1E8-EE72-4026-805B-961A5AA502D5}"/>
               </a:ext>
             </a:extLst>
           </p:cNvPr>
@@ -9240,7 +9241,7 @@
           <p:cNvPr id="45" name="직사각형 44">
             <a:extLst>
               <a:ext uri="{FF2B5EF4-FFF2-40B4-BE49-F238E27FC236}">
-                <a16:creationId xmlns="" xmlns:a16="http://schemas.microsoft.com/office/drawing/2014/main" id="{111AA82D-9B7D-4823-98CA-1E4E96C1FA21}"/>
+                <a16:creationId xmlns:a16="http://schemas.microsoft.com/office/drawing/2014/main" xmlns="" id="{111AA82D-9B7D-4823-98CA-1E4E96C1FA21}"/>
               </a:ext>
             </a:extLst>
           </p:cNvPr>
@@ -9288,7 +9289,7 @@
           <p:cNvPr id="46" name="직사각형 45">
             <a:extLst>
               <a:ext uri="{FF2B5EF4-FFF2-40B4-BE49-F238E27FC236}">
-                <a16:creationId xmlns="" xmlns:a16="http://schemas.microsoft.com/office/drawing/2014/main" id="{314F8EF3-3359-49FA-87AB-213C9D682DB7}"/>
+                <a16:creationId xmlns:a16="http://schemas.microsoft.com/office/drawing/2014/main" xmlns="" id="{314F8EF3-3359-49FA-87AB-213C9D682DB7}"/>
               </a:ext>
             </a:extLst>
           </p:cNvPr>
@@ -9336,7 +9337,7 @@
           <p:cNvPr id="47" name="직사각형 46">
             <a:extLst>
               <a:ext uri="{FF2B5EF4-FFF2-40B4-BE49-F238E27FC236}">
-                <a16:creationId xmlns="" xmlns:a16="http://schemas.microsoft.com/office/drawing/2014/main" id="{69994DCF-107E-4F14-840B-FCA36463D13F}"/>
+                <a16:creationId xmlns:a16="http://schemas.microsoft.com/office/drawing/2014/main" xmlns="" id="{69994DCF-107E-4F14-840B-FCA36463D13F}"/>
               </a:ext>
             </a:extLst>
           </p:cNvPr>
@@ -9384,7 +9385,7 @@
           <p:cNvPr id="48" name="직사각형 47">
             <a:extLst>
               <a:ext uri="{FF2B5EF4-FFF2-40B4-BE49-F238E27FC236}">
-                <a16:creationId xmlns="" xmlns:a16="http://schemas.microsoft.com/office/drawing/2014/main" id="{D9A3B689-E809-4687-A3A1-60131B70068B}"/>
+                <a16:creationId xmlns:a16="http://schemas.microsoft.com/office/drawing/2014/main" xmlns="" id="{D9A3B689-E809-4687-A3A1-60131B70068B}"/>
               </a:ext>
             </a:extLst>
           </p:cNvPr>
@@ -9432,7 +9433,7 @@
           <p:cNvPr id="49" name="직사각형 48">
             <a:extLst>
               <a:ext uri="{FF2B5EF4-FFF2-40B4-BE49-F238E27FC236}">
-                <a16:creationId xmlns="" xmlns:a16="http://schemas.microsoft.com/office/drawing/2014/main" id="{D24437A5-5A5B-42EA-AA28-A1F819EFE17B}"/>
+                <a16:creationId xmlns:a16="http://schemas.microsoft.com/office/drawing/2014/main" xmlns="" id="{D24437A5-5A5B-42EA-AA28-A1F819EFE17B}"/>
               </a:ext>
             </a:extLst>
           </p:cNvPr>
@@ -9480,7 +9481,7 @@
           <p:cNvPr id="50" name="직사각형 49">
             <a:extLst>
               <a:ext uri="{FF2B5EF4-FFF2-40B4-BE49-F238E27FC236}">
-                <a16:creationId xmlns="" xmlns:a16="http://schemas.microsoft.com/office/drawing/2014/main" id="{454F7536-28CC-4E35-8830-958C9CA919D0}"/>
+                <a16:creationId xmlns:a16="http://schemas.microsoft.com/office/drawing/2014/main" xmlns="" id="{454F7536-28CC-4E35-8830-958C9CA919D0}"/>
               </a:ext>
             </a:extLst>
           </p:cNvPr>
@@ -9528,7 +9529,7 @@
           <p:cNvPr id="51" name="직사각형 50">
             <a:extLst>
               <a:ext uri="{FF2B5EF4-FFF2-40B4-BE49-F238E27FC236}">
-                <a16:creationId xmlns="" xmlns:a16="http://schemas.microsoft.com/office/drawing/2014/main" id="{4350E3CD-9519-4828-A563-8BDC2F1EBAB9}"/>
+                <a16:creationId xmlns:a16="http://schemas.microsoft.com/office/drawing/2014/main" xmlns="" id="{4350E3CD-9519-4828-A563-8BDC2F1EBAB9}"/>
               </a:ext>
             </a:extLst>
           </p:cNvPr>
@@ -9576,7 +9577,7 @@
           <p:cNvPr id="52" name="직사각형 51">
             <a:extLst>
               <a:ext uri="{FF2B5EF4-FFF2-40B4-BE49-F238E27FC236}">
-                <a16:creationId xmlns="" xmlns:a16="http://schemas.microsoft.com/office/drawing/2014/main" id="{0F8602AC-A3B9-4C77-AFBD-26C68C5C4470}"/>
+                <a16:creationId xmlns:a16="http://schemas.microsoft.com/office/drawing/2014/main" xmlns="" id="{0F8602AC-A3B9-4C77-AFBD-26C68C5C4470}"/>
               </a:ext>
             </a:extLst>
           </p:cNvPr>
@@ -9626,7 +9627,7 @@
               <p:cNvPr id="55" name="TextBox 54">
                 <a:extLst>
                   <a:ext uri="{FF2B5EF4-FFF2-40B4-BE49-F238E27FC236}">
-                    <a16:creationId xmlns="" xmlns:a16="http://schemas.microsoft.com/office/drawing/2014/main" id="{72B80003-A461-40D8-85C7-6F6665F27485}"/>
+                    <a16:creationId xmlns:a16="http://schemas.microsoft.com/office/drawing/2014/main" xmlns="" id="{72B80003-A461-40D8-85C7-6F6665F27485}"/>
                   </a:ext>
                 </a:extLst>
               </p:cNvPr>
@@ -9753,7 +9754,7 @@
               <p:cNvPr id="57" name="TextBox 56">
                 <a:extLst>
                   <a:ext uri="{FF2B5EF4-FFF2-40B4-BE49-F238E27FC236}">
-                    <a16:creationId xmlns="" xmlns:a16="http://schemas.microsoft.com/office/drawing/2014/main" id="{20E0532F-A1CA-4D11-85ED-98569F22BC6C}"/>
+                    <a16:creationId xmlns:a16="http://schemas.microsoft.com/office/drawing/2014/main" xmlns="" id="{20E0532F-A1CA-4D11-85ED-98569F22BC6C}"/>
                   </a:ext>
                 </a:extLst>
               </p:cNvPr>
@@ -9880,7 +9881,7 @@
               <p:cNvPr id="58" name="TextBox 57">
                 <a:extLst>
                   <a:ext uri="{FF2B5EF4-FFF2-40B4-BE49-F238E27FC236}">
-                    <a16:creationId xmlns="" xmlns:a16="http://schemas.microsoft.com/office/drawing/2014/main" id="{BB4072BD-4BD0-4145-A29C-DBC0590749EA}"/>
+                    <a16:creationId xmlns:a16="http://schemas.microsoft.com/office/drawing/2014/main" xmlns="" id="{BB4072BD-4BD0-4145-A29C-DBC0590749EA}"/>
                   </a:ext>
                 </a:extLst>
               </p:cNvPr>
@@ -10005,7 +10006,7 @@
           <p:cNvPr id="59" name="직선 화살표 연결선 58">
             <a:extLst>
               <a:ext uri="{FF2B5EF4-FFF2-40B4-BE49-F238E27FC236}">
-                <a16:creationId xmlns="" xmlns:a16="http://schemas.microsoft.com/office/drawing/2014/main" id="{8FD6C182-3273-43AE-AF9B-88D62A891900}"/>
+                <a16:creationId xmlns:a16="http://schemas.microsoft.com/office/drawing/2014/main" xmlns="" id="{8FD6C182-3273-43AE-AF9B-88D62A891900}"/>
               </a:ext>
             </a:extLst>
           </p:cNvPr>
@@ -10048,7 +10049,7 @@
           <p:cNvPr id="62" name="직선 화살표 연결선 61">
             <a:extLst>
               <a:ext uri="{FF2B5EF4-FFF2-40B4-BE49-F238E27FC236}">
-                <a16:creationId xmlns="" xmlns:a16="http://schemas.microsoft.com/office/drawing/2014/main" id="{84687B28-D3CF-4CC4-BB5A-CC64A664AE74}"/>
+                <a16:creationId xmlns:a16="http://schemas.microsoft.com/office/drawing/2014/main" xmlns="" id="{84687B28-D3CF-4CC4-BB5A-CC64A664AE74}"/>
               </a:ext>
             </a:extLst>
           </p:cNvPr>
@@ -10091,7 +10092,7 @@
           <p:cNvPr id="65" name="직선 화살표 연결선 64">
             <a:extLst>
               <a:ext uri="{FF2B5EF4-FFF2-40B4-BE49-F238E27FC236}">
-                <a16:creationId xmlns="" xmlns:a16="http://schemas.microsoft.com/office/drawing/2014/main" id="{5B0C86E3-E2D2-4A73-8DA8-9D61E38B3683}"/>
+                <a16:creationId xmlns:a16="http://schemas.microsoft.com/office/drawing/2014/main" xmlns="" id="{5B0C86E3-E2D2-4A73-8DA8-9D61E38B3683}"/>
               </a:ext>
             </a:extLst>
           </p:cNvPr>
@@ -10134,7 +10135,7 @@
           <p:cNvPr id="69" name="직선 화살표 연결선 68">
             <a:extLst>
               <a:ext uri="{FF2B5EF4-FFF2-40B4-BE49-F238E27FC236}">
-                <a16:creationId xmlns="" xmlns:a16="http://schemas.microsoft.com/office/drawing/2014/main" id="{E9DDA7B8-E402-4260-BD91-6BF2C76E596D}"/>
+                <a16:creationId xmlns:a16="http://schemas.microsoft.com/office/drawing/2014/main" xmlns="" id="{E9DDA7B8-E402-4260-BD91-6BF2C76E596D}"/>
               </a:ext>
             </a:extLst>
           </p:cNvPr>
@@ -10177,7 +10178,7 @@
           <p:cNvPr id="72" name="직선 화살표 연결선 71">
             <a:extLst>
               <a:ext uri="{FF2B5EF4-FFF2-40B4-BE49-F238E27FC236}">
-                <a16:creationId xmlns="" xmlns:a16="http://schemas.microsoft.com/office/drawing/2014/main" id="{3A38D4EC-BFCE-47EF-9CC9-5F3059C57B9A}"/>
+                <a16:creationId xmlns:a16="http://schemas.microsoft.com/office/drawing/2014/main" xmlns="" id="{3A38D4EC-BFCE-47EF-9CC9-5F3059C57B9A}"/>
               </a:ext>
             </a:extLst>
           </p:cNvPr>
@@ -10220,7 +10221,7 @@
           <p:cNvPr id="75" name="직선 화살표 연결선 74">
             <a:extLst>
               <a:ext uri="{FF2B5EF4-FFF2-40B4-BE49-F238E27FC236}">
-                <a16:creationId xmlns="" xmlns:a16="http://schemas.microsoft.com/office/drawing/2014/main" id="{F0A56918-BB78-4512-9AE4-4595F71A0374}"/>
+                <a16:creationId xmlns:a16="http://schemas.microsoft.com/office/drawing/2014/main" xmlns="" id="{F0A56918-BB78-4512-9AE4-4595F71A0374}"/>
               </a:ext>
             </a:extLst>
           </p:cNvPr>
@@ -10263,7 +10264,7 @@
           <p:cNvPr id="78" name="직선 화살표 연결선 77">
             <a:extLst>
               <a:ext uri="{FF2B5EF4-FFF2-40B4-BE49-F238E27FC236}">
-                <a16:creationId xmlns="" xmlns:a16="http://schemas.microsoft.com/office/drawing/2014/main" id="{6BE0089D-C53D-4CB5-81DB-317FD6773065}"/>
+                <a16:creationId xmlns:a16="http://schemas.microsoft.com/office/drawing/2014/main" xmlns="" id="{6BE0089D-C53D-4CB5-81DB-317FD6773065}"/>
               </a:ext>
             </a:extLst>
           </p:cNvPr>
@@ -10306,7 +10307,7 @@
           <p:cNvPr id="81" name="직선 화살표 연결선 80">
             <a:extLst>
               <a:ext uri="{FF2B5EF4-FFF2-40B4-BE49-F238E27FC236}">
-                <a16:creationId xmlns="" xmlns:a16="http://schemas.microsoft.com/office/drawing/2014/main" id="{1FE67D45-F341-48D8-A5DA-5CABD0220D40}"/>
+                <a16:creationId xmlns:a16="http://schemas.microsoft.com/office/drawing/2014/main" xmlns="" id="{1FE67D45-F341-48D8-A5DA-5CABD0220D40}"/>
               </a:ext>
             </a:extLst>
           </p:cNvPr>
@@ -10349,7 +10350,7 @@
           <p:cNvPr id="84" name="직선 화살표 연결선 83">
             <a:extLst>
               <a:ext uri="{FF2B5EF4-FFF2-40B4-BE49-F238E27FC236}">
-                <a16:creationId xmlns="" xmlns:a16="http://schemas.microsoft.com/office/drawing/2014/main" id="{EA268775-CEB7-4436-8C2C-742779150F3A}"/>
+                <a16:creationId xmlns:a16="http://schemas.microsoft.com/office/drawing/2014/main" xmlns="" id="{EA268775-CEB7-4436-8C2C-742779150F3A}"/>
               </a:ext>
             </a:extLst>
           </p:cNvPr>
@@ -10392,7 +10393,7 @@
           <p:cNvPr id="87" name="직선 화살표 연결선 86">
             <a:extLst>
               <a:ext uri="{FF2B5EF4-FFF2-40B4-BE49-F238E27FC236}">
-                <a16:creationId xmlns="" xmlns:a16="http://schemas.microsoft.com/office/drawing/2014/main" id="{2F9DA316-AF50-4F26-873D-18769FF362BC}"/>
+                <a16:creationId xmlns:a16="http://schemas.microsoft.com/office/drawing/2014/main" xmlns="" id="{2F9DA316-AF50-4F26-873D-18769FF362BC}"/>
               </a:ext>
             </a:extLst>
           </p:cNvPr>
@@ -10435,7 +10436,7 @@
           <p:cNvPr id="90" name="직선 화살표 연결선 89">
             <a:extLst>
               <a:ext uri="{FF2B5EF4-FFF2-40B4-BE49-F238E27FC236}">
-                <a16:creationId xmlns="" xmlns:a16="http://schemas.microsoft.com/office/drawing/2014/main" id="{20099984-F671-4110-A508-825AF03AF97E}"/>
+                <a16:creationId xmlns:a16="http://schemas.microsoft.com/office/drawing/2014/main" xmlns="" id="{20099984-F671-4110-A508-825AF03AF97E}"/>
               </a:ext>
             </a:extLst>
           </p:cNvPr>
@@ -10478,7 +10479,7 @@
           <p:cNvPr id="93" name="직선 화살표 연결선 92">
             <a:extLst>
               <a:ext uri="{FF2B5EF4-FFF2-40B4-BE49-F238E27FC236}">
-                <a16:creationId xmlns="" xmlns:a16="http://schemas.microsoft.com/office/drawing/2014/main" id="{3FD2772A-63B2-432A-874D-81B5EAE253B6}"/>
+                <a16:creationId xmlns:a16="http://schemas.microsoft.com/office/drawing/2014/main" xmlns="" id="{3FD2772A-63B2-432A-874D-81B5EAE253B6}"/>
               </a:ext>
             </a:extLst>
           </p:cNvPr>
@@ -10521,7 +10522,7 @@
           <p:cNvPr id="96" name="직선 화살표 연결선 95">
             <a:extLst>
               <a:ext uri="{FF2B5EF4-FFF2-40B4-BE49-F238E27FC236}">
-                <a16:creationId xmlns="" xmlns:a16="http://schemas.microsoft.com/office/drawing/2014/main" id="{0950EDDA-92F2-40B3-8E33-04EEEE15DEBD}"/>
+                <a16:creationId xmlns:a16="http://schemas.microsoft.com/office/drawing/2014/main" xmlns="" id="{0950EDDA-92F2-40B3-8E33-04EEEE15DEBD}"/>
               </a:ext>
             </a:extLst>
           </p:cNvPr>
@@ -10564,7 +10565,7 @@
           <p:cNvPr id="99" name="직선 화살표 연결선 98">
             <a:extLst>
               <a:ext uri="{FF2B5EF4-FFF2-40B4-BE49-F238E27FC236}">
-                <a16:creationId xmlns="" xmlns:a16="http://schemas.microsoft.com/office/drawing/2014/main" id="{3CDFBDFE-CBAD-41E3-ACEA-06CCB2C6FDBD}"/>
+                <a16:creationId xmlns:a16="http://schemas.microsoft.com/office/drawing/2014/main" xmlns="" id="{3CDFBDFE-CBAD-41E3-ACEA-06CCB2C6FDBD}"/>
               </a:ext>
             </a:extLst>
           </p:cNvPr>
@@ -10607,7 +10608,7 @@
           <p:cNvPr id="102" name="직선 화살표 연결선 101">
             <a:extLst>
               <a:ext uri="{FF2B5EF4-FFF2-40B4-BE49-F238E27FC236}">
-                <a16:creationId xmlns="" xmlns:a16="http://schemas.microsoft.com/office/drawing/2014/main" id="{77648F5A-E6F6-4F01-90F1-AAEF9A30738A}"/>
+                <a16:creationId xmlns:a16="http://schemas.microsoft.com/office/drawing/2014/main" xmlns="" id="{77648F5A-E6F6-4F01-90F1-AAEF9A30738A}"/>
               </a:ext>
             </a:extLst>
           </p:cNvPr>
@@ -10650,7 +10651,7 @@
           <p:cNvPr id="105" name="직선 화살표 연결선 104">
             <a:extLst>
               <a:ext uri="{FF2B5EF4-FFF2-40B4-BE49-F238E27FC236}">
-                <a16:creationId xmlns="" xmlns:a16="http://schemas.microsoft.com/office/drawing/2014/main" id="{512F180C-E62B-4C3D-8DEE-7BE74F91E5AF}"/>
+                <a16:creationId xmlns:a16="http://schemas.microsoft.com/office/drawing/2014/main" xmlns="" id="{512F180C-E62B-4C3D-8DEE-7BE74F91E5AF}"/>
               </a:ext>
             </a:extLst>
           </p:cNvPr>
@@ -10693,7 +10694,7 @@
           <p:cNvPr id="108" name="직선 화살표 연결선 107">
             <a:extLst>
               <a:ext uri="{FF2B5EF4-FFF2-40B4-BE49-F238E27FC236}">
-                <a16:creationId xmlns="" xmlns:a16="http://schemas.microsoft.com/office/drawing/2014/main" id="{F0620903-B98B-482B-BCE6-DBFF005A7721}"/>
+                <a16:creationId xmlns:a16="http://schemas.microsoft.com/office/drawing/2014/main" xmlns="" id="{F0620903-B98B-482B-BCE6-DBFF005A7721}"/>
               </a:ext>
             </a:extLst>
           </p:cNvPr>
@@ -10736,7 +10737,7 @@
           <p:cNvPr id="111" name="직선 화살표 연결선 110">
             <a:extLst>
               <a:ext uri="{FF2B5EF4-FFF2-40B4-BE49-F238E27FC236}">
-                <a16:creationId xmlns="" xmlns:a16="http://schemas.microsoft.com/office/drawing/2014/main" id="{12217889-4726-4C88-9325-F533E0E9F9D0}"/>
+                <a16:creationId xmlns:a16="http://schemas.microsoft.com/office/drawing/2014/main" xmlns="" id="{12217889-4726-4C88-9325-F533E0E9F9D0}"/>
               </a:ext>
             </a:extLst>
           </p:cNvPr>
@@ -10779,7 +10780,7 @@
           <p:cNvPr id="114" name="직선 화살표 연결선 113">
             <a:extLst>
               <a:ext uri="{FF2B5EF4-FFF2-40B4-BE49-F238E27FC236}">
-                <a16:creationId xmlns="" xmlns:a16="http://schemas.microsoft.com/office/drawing/2014/main" id="{A3466522-BCD2-4C8B-BB34-E826DC8BF883}"/>
+                <a16:creationId xmlns:a16="http://schemas.microsoft.com/office/drawing/2014/main" xmlns="" id="{A3466522-BCD2-4C8B-BB34-E826DC8BF883}"/>
               </a:ext>
             </a:extLst>
           </p:cNvPr>
@@ -10822,7 +10823,7 @@
           <p:cNvPr id="117" name="직선 화살표 연결선 116">
             <a:extLst>
               <a:ext uri="{FF2B5EF4-FFF2-40B4-BE49-F238E27FC236}">
-                <a16:creationId xmlns="" xmlns:a16="http://schemas.microsoft.com/office/drawing/2014/main" id="{284E8DD9-CAEE-4148-AE3B-F554719E5F25}"/>
+                <a16:creationId xmlns:a16="http://schemas.microsoft.com/office/drawing/2014/main" xmlns="" id="{284E8DD9-CAEE-4148-AE3B-F554719E5F25}"/>
               </a:ext>
             </a:extLst>
           </p:cNvPr>
@@ -10865,7 +10866,7 @@
           <p:cNvPr id="120" name="직선 화살표 연결선 119">
             <a:extLst>
               <a:ext uri="{FF2B5EF4-FFF2-40B4-BE49-F238E27FC236}">
-                <a16:creationId xmlns="" xmlns:a16="http://schemas.microsoft.com/office/drawing/2014/main" id="{0AD7DF6E-BA1D-4779-88C3-09DD71D6E2FF}"/>
+                <a16:creationId xmlns:a16="http://schemas.microsoft.com/office/drawing/2014/main" xmlns="" id="{0AD7DF6E-BA1D-4779-88C3-09DD71D6E2FF}"/>
               </a:ext>
             </a:extLst>
           </p:cNvPr>
@@ -10908,7 +10909,7 @@
           <p:cNvPr id="123" name="직선 화살표 연결선 122">
             <a:extLst>
               <a:ext uri="{FF2B5EF4-FFF2-40B4-BE49-F238E27FC236}">
-                <a16:creationId xmlns="" xmlns:a16="http://schemas.microsoft.com/office/drawing/2014/main" id="{5216A147-C924-4C72-8D6E-7331E2D22CFB}"/>
+                <a16:creationId xmlns:a16="http://schemas.microsoft.com/office/drawing/2014/main" xmlns="" id="{5216A147-C924-4C72-8D6E-7331E2D22CFB}"/>
               </a:ext>
             </a:extLst>
           </p:cNvPr>
@@ -10951,7 +10952,7 @@
           <p:cNvPr id="126" name="직선 화살표 연결선 125">
             <a:extLst>
               <a:ext uri="{FF2B5EF4-FFF2-40B4-BE49-F238E27FC236}">
-                <a16:creationId xmlns="" xmlns:a16="http://schemas.microsoft.com/office/drawing/2014/main" id="{45637B03-E8B6-4719-B049-0FDE04904AE4}"/>
+                <a16:creationId xmlns:a16="http://schemas.microsoft.com/office/drawing/2014/main" xmlns="" id="{45637B03-E8B6-4719-B049-0FDE04904AE4}"/>
               </a:ext>
             </a:extLst>
           </p:cNvPr>
@@ -10994,7 +10995,7 @@
           <p:cNvPr id="129" name="직선 화살표 연결선 128">
             <a:extLst>
               <a:ext uri="{FF2B5EF4-FFF2-40B4-BE49-F238E27FC236}">
-                <a16:creationId xmlns="" xmlns:a16="http://schemas.microsoft.com/office/drawing/2014/main" id="{1CA74644-B225-4181-9249-93F1981D9149}"/>
+                <a16:creationId xmlns:a16="http://schemas.microsoft.com/office/drawing/2014/main" xmlns="" id="{1CA74644-B225-4181-9249-93F1981D9149}"/>
               </a:ext>
             </a:extLst>
           </p:cNvPr>
@@ -11037,7 +11038,7 @@
           <p:cNvPr id="133" name="연결선: 구부러짐 132">
             <a:extLst>
               <a:ext uri="{FF2B5EF4-FFF2-40B4-BE49-F238E27FC236}">
-                <a16:creationId xmlns="" xmlns:a16="http://schemas.microsoft.com/office/drawing/2014/main" id="{B0692204-9491-4446-8992-669D8CADF515}"/>
+                <a16:creationId xmlns:a16="http://schemas.microsoft.com/office/drawing/2014/main" xmlns="" id="{B0692204-9491-4446-8992-669D8CADF515}"/>
               </a:ext>
             </a:extLst>
           </p:cNvPr>
@@ -11083,7 +11084,7 @@
           <p:cNvPr id="134" name="연결선: 구부러짐 133">
             <a:extLst>
               <a:ext uri="{FF2B5EF4-FFF2-40B4-BE49-F238E27FC236}">
-                <a16:creationId xmlns="" xmlns:a16="http://schemas.microsoft.com/office/drawing/2014/main" id="{FC427459-E021-48A1-B314-49541E7D501D}"/>
+                <a16:creationId xmlns:a16="http://schemas.microsoft.com/office/drawing/2014/main" xmlns="" id="{FC427459-E021-48A1-B314-49541E7D501D}"/>
               </a:ext>
             </a:extLst>
           </p:cNvPr>
@@ -11130,7 +11131,7 @@
           <p:cNvPr id="137" name="연결선: 구부러짐 136">
             <a:extLst>
               <a:ext uri="{FF2B5EF4-FFF2-40B4-BE49-F238E27FC236}">
-                <a16:creationId xmlns="" xmlns:a16="http://schemas.microsoft.com/office/drawing/2014/main" id="{9164BF98-76B5-402C-970C-7B7B851DD7BB}"/>
+                <a16:creationId xmlns:a16="http://schemas.microsoft.com/office/drawing/2014/main" xmlns="" id="{9164BF98-76B5-402C-970C-7B7B851DD7BB}"/>
               </a:ext>
             </a:extLst>
           </p:cNvPr>
@@ -11423,7 +11424,7 @@
           <p:cNvPr id="4" name="직사각형 3">
             <a:extLst>
               <a:ext uri="{FF2B5EF4-FFF2-40B4-BE49-F238E27FC236}">
-                <a16:creationId xmlns="" xmlns:a16="http://schemas.microsoft.com/office/drawing/2014/main" id="{E4469EA3-BD2F-4388-B225-972DBD285F7E}"/>
+                <a16:creationId xmlns:a16="http://schemas.microsoft.com/office/drawing/2014/main" xmlns="" id="{E4469EA3-BD2F-4388-B225-972DBD285F7E}"/>
               </a:ext>
             </a:extLst>
           </p:cNvPr>
@@ -11483,7 +11484,7 @@
           <p:cNvPr id="5" name="직사각형 4">
             <a:extLst>
               <a:ext uri="{FF2B5EF4-FFF2-40B4-BE49-F238E27FC236}">
-                <a16:creationId xmlns="" xmlns:a16="http://schemas.microsoft.com/office/drawing/2014/main" id="{4CA84653-010D-4065-B853-79CB25E1864C}"/>
+                <a16:creationId xmlns:a16="http://schemas.microsoft.com/office/drawing/2014/main" xmlns="" id="{4CA84653-010D-4065-B853-79CB25E1864C}"/>
               </a:ext>
             </a:extLst>
           </p:cNvPr>
@@ -11543,7 +11544,7 @@
           <p:cNvPr id="6" name="직사각형 5">
             <a:extLst>
               <a:ext uri="{FF2B5EF4-FFF2-40B4-BE49-F238E27FC236}">
-                <a16:creationId xmlns="" xmlns:a16="http://schemas.microsoft.com/office/drawing/2014/main" id="{E1E73367-4DDC-4825-B313-715B65F5DD9C}"/>
+                <a16:creationId xmlns:a16="http://schemas.microsoft.com/office/drawing/2014/main" xmlns="" id="{E1E73367-4DDC-4825-B313-715B65F5DD9C}"/>
               </a:ext>
             </a:extLst>
           </p:cNvPr>
@@ -11603,7 +11604,7 @@
           <p:cNvPr id="7" name="직사각형 6">
             <a:extLst>
               <a:ext uri="{FF2B5EF4-FFF2-40B4-BE49-F238E27FC236}">
-                <a16:creationId xmlns="" xmlns:a16="http://schemas.microsoft.com/office/drawing/2014/main" id="{A2951B4C-0F6E-4678-A4C8-8FB7EEAA5CE6}"/>
+                <a16:creationId xmlns:a16="http://schemas.microsoft.com/office/drawing/2014/main" xmlns="" id="{A2951B4C-0F6E-4678-A4C8-8FB7EEAA5CE6}"/>
               </a:ext>
             </a:extLst>
           </p:cNvPr>
@@ -11663,7 +11664,7 @@
           <p:cNvPr id="8" name="직사각형 7">
             <a:extLst>
               <a:ext uri="{FF2B5EF4-FFF2-40B4-BE49-F238E27FC236}">
-                <a16:creationId xmlns="" xmlns:a16="http://schemas.microsoft.com/office/drawing/2014/main" id="{BAE89BCE-919E-44F2-8819-A305D3A70CDA}"/>
+                <a16:creationId xmlns:a16="http://schemas.microsoft.com/office/drawing/2014/main" xmlns="" id="{BAE89BCE-919E-44F2-8819-A305D3A70CDA}"/>
               </a:ext>
             </a:extLst>
           </p:cNvPr>
@@ -11718,7 +11719,7 @@
           <p:cNvPr id="9" name="직사각형 8">
             <a:extLst>
               <a:ext uri="{FF2B5EF4-FFF2-40B4-BE49-F238E27FC236}">
-                <a16:creationId xmlns="" xmlns:a16="http://schemas.microsoft.com/office/drawing/2014/main" id="{349238DB-B9E3-48FA-BACD-382CC9E85FC1}"/>
+                <a16:creationId xmlns:a16="http://schemas.microsoft.com/office/drawing/2014/main" xmlns="" id="{349238DB-B9E3-48FA-BACD-382CC9E85FC1}"/>
               </a:ext>
             </a:extLst>
           </p:cNvPr>
@@ -11773,7 +11774,7 @@
           <p:cNvPr id="10" name="직사각형 9">
             <a:extLst>
               <a:ext uri="{FF2B5EF4-FFF2-40B4-BE49-F238E27FC236}">
-                <a16:creationId xmlns="" xmlns:a16="http://schemas.microsoft.com/office/drawing/2014/main" id="{85397621-465B-4ADE-A227-3701C385464F}"/>
+                <a16:creationId xmlns:a16="http://schemas.microsoft.com/office/drawing/2014/main" xmlns="" id="{85397621-465B-4ADE-A227-3701C385464F}"/>
               </a:ext>
             </a:extLst>
           </p:cNvPr>
@@ -11828,7 +11829,7 @@
           <p:cNvPr id="11" name="직사각형 10">
             <a:extLst>
               <a:ext uri="{FF2B5EF4-FFF2-40B4-BE49-F238E27FC236}">
-                <a16:creationId xmlns="" xmlns:a16="http://schemas.microsoft.com/office/drawing/2014/main" id="{99196F47-6546-4414-8692-8B1D6EB7861E}"/>
+                <a16:creationId xmlns:a16="http://schemas.microsoft.com/office/drawing/2014/main" xmlns="" id="{99196F47-6546-4414-8692-8B1D6EB7861E}"/>
               </a:ext>
             </a:extLst>
           </p:cNvPr>
@@ -11883,7 +11884,7 @@
           <p:cNvPr id="13" name="직선 화살표 연결선 12">
             <a:extLst>
               <a:ext uri="{FF2B5EF4-FFF2-40B4-BE49-F238E27FC236}">
-                <a16:creationId xmlns="" xmlns:a16="http://schemas.microsoft.com/office/drawing/2014/main" id="{147C09B1-E5F5-4D82-94F1-78DDF76CEDA4}"/>
+                <a16:creationId xmlns:a16="http://schemas.microsoft.com/office/drawing/2014/main" xmlns="" id="{147C09B1-E5F5-4D82-94F1-78DDF76CEDA4}"/>
               </a:ext>
             </a:extLst>
           </p:cNvPr>
@@ -11925,7 +11926,7 @@
           <p:cNvPr id="14" name="직선 화살표 연결선 13">
             <a:extLst>
               <a:ext uri="{FF2B5EF4-FFF2-40B4-BE49-F238E27FC236}">
-                <a16:creationId xmlns="" xmlns:a16="http://schemas.microsoft.com/office/drawing/2014/main" id="{8C04CFDC-9131-4F45-9FE4-55EF3F4FEBBF}"/>
+                <a16:creationId xmlns:a16="http://schemas.microsoft.com/office/drawing/2014/main" xmlns="" id="{8C04CFDC-9131-4F45-9FE4-55EF3F4FEBBF}"/>
               </a:ext>
             </a:extLst>
           </p:cNvPr>
@@ -11968,7 +11969,7 @@
           <p:cNvPr id="17" name="직선 화살표 연결선 16">
             <a:extLst>
               <a:ext uri="{FF2B5EF4-FFF2-40B4-BE49-F238E27FC236}">
-                <a16:creationId xmlns="" xmlns:a16="http://schemas.microsoft.com/office/drawing/2014/main" id="{49D920B6-9F30-4FE3-98BD-24435542E509}"/>
+                <a16:creationId xmlns:a16="http://schemas.microsoft.com/office/drawing/2014/main" xmlns="" id="{49D920B6-9F30-4FE3-98BD-24435542E509}"/>
               </a:ext>
             </a:extLst>
           </p:cNvPr>
@@ -12011,7 +12012,7 @@
           <p:cNvPr id="20" name="직선 화살표 연결선 19">
             <a:extLst>
               <a:ext uri="{FF2B5EF4-FFF2-40B4-BE49-F238E27FC236}">
-                <a16:creationId xmlns="" xmlns:a16="http://schemas.microsoft.com/office/drawing/2014/main" id="{9C78436C-633A-4ED7-9243-B162D8131872}"/>
+                <a16:creationId xmlns:a16="http://schemas.microsoft.com/office/drawing/2014/main" xmlns="" id="{9C78436C-633A-4ED7-9243-B162D8131872}"/>
               </a:ext>
             </a:extLst>
           </p:cNvPr>
@@ -12054,7 +12055,7 @@
           <p:cNvPr id="23" name="직선 화살표 연결선 22">
             <a:extLst>
               <a:ext uri="{FF2B5EF4-FFF2-40B4-BE49-F238E27FC236}">
-                <a16:creationId xmlns="" xmlns:a16="http://schemas.microsoft.com/office/drawing/2014/main" id="{A2C36C91-CB11-4877-A9AB-7077C45F91B3}"/>
+                <a16:creationId xmlns:a16="http://schemas.microsoft.com/office/drawing/2014/main" xmlns="" id="{A2C36C91-CB11-4877-A9AB-7077C45F91B3}"/>
               </a:ext>
             </a:extLst>
           </p:cNvPr>
@@ -12097,7 +12098,7 @@
           <p:cNvPr id="26" name="직선 화살표 연결선 25">
             <a:extLst>
               <a:ext uri="{FF2B5EF4-FFF2-40B4-BE49-F238E27FC236}">
-                <a16:creationId xmlns="" xmlns:a16="http://schemas.microsoft.com/office/drawing/2014/main" id="{4EBBCF9C-83D0-464C-96CC-25511ECF7979}"/>
+                <a16:creationId xmlns:a16="http://schemas.microsoft.com/office/drawing/2014/main" xmlns="" id="{4EBBCF9C-83D0-464C-96CC-25511ECF7979}"/>
               </a:ext>
             </a:extLst>
           </p:cNvPr>
@@ -12140,7 +12141,7 @@
           <p:cNvPr id="29" name="직선 화살표 연결선 28">
             <a:extLst>
               <a:ext uri="{FF2B5EF4-FFF2-40B4-BE49-F238E27FC236}">
-                <a16:creationId xmlns="" xmlns:a16="http://schemas.microsoft.com/office/drawing/2014/main" id="{9BEA08D9-5003-4EBA-B771-84E318E77859}"/>
+                <a16:creationId xmlns:a16="http://schemas.microsoft.com/office/drawing/2014/main" xmlns="" id="{9BEA08D9-5003-4EBA-B771-84E318E77859}"/>
               </a:ext>
             </a:extLst>
           </p:cNvPr>
@@ -12185,7 +12186,7 @@
               <p:cNvPr id="32" name="TextBox 31">
                 <a:extLst>
                   <a:ext uri="{FF2B5EF4-FFF2-40B4-BE49-F238E27FC236}">
-                    <a16:creationId xmlns="" xmlns:a16="http://schemas.microsoft.com/office/drawing/2014/main" id="{B762AC4C-43D2-4F68-9F3B-5B6960C79FD5}"/>
+                    <a16:creationId xmlns:a16="http://schemas.microsoft.com/office/drawing/2014/main" xmlns="" id="{B762AC4C-43D2-4F68-9F3B-5B6960C79FD5}"/>
                   </a:ext>
                 </a:extLst>
               </p:cNvPr>
@@ -12300,7 +12301,7 @@
               <p:cNvPr id="33" name="TextBox 32">
                 <a:extLst>
                   <a:ext uri="{FF2B5EF4-FFF2-40B4-BE49-F238E27FC236}">
-                    <a16:creationId xmlns="" xmlns:a16="http://schemas.microsoft.com/office/drawing/2014/main" id="{17AFDE06-C487-486D-B7B1-76971B04CC45}"/>
+                    <a16:creationId xmlns:a16="http://schemas.microsoft.com/office/drawing/2014/main" xmlns="" id="{17AFDE06-C487-486D-B7B1-76971B04CC45}"/>
                   </a:ext>
                 </a:extLst>
               </p:cNvPr>
@@ -12415,7 +12416,7 @@
               <p:cNvPr id="34" name="TextBox 33">
                 <a:extLst>
                   <a:ext uri="{FF2B5EF4-FFF2-40B4-BE49-F238E27FC236}">
-                    <a16:creationId xmlns="" xmlns:a16="http://schemas.microsoft.com/office/drawing/2014/main" id="{3176E3DE-1A33-48CE-8889-27F07BED33E0}"/>
+                    <a16:creationId xmlns:a16="http://schemas.microsoft.com/office/drawing/2014/main" xmlns="" id="{3176E3DE-1A33-48CE-8889-27F07BED33E0}"/>
                   </a:ext>
                 </a:extLst>
               </p:cNvPr>
@@ -12530,7 +12531,7 @@
               <p:cNvPr id="35" name="TextBox 34">
                 <a:extLst>
                   <a:ext uri="{FF2B5EF4-FFF2-40B4-BE49-F238E27FC236}">
-                    <a16:creationId xmlns="" xmlns:a16="http://schemas.microsoft.com/office/drawing/2014/main" id="{3E6BEBE2-E434-4579-9BEF-7F057088C6A4}"/>
+                    <a16:creationId xmlns:a16="http://schemas.microsoft.com/office/drawing/2014/main" xmlns="" id="{3E6BEBE2-E434-4579-9BEF-7F057088C6A4}"/>
                   </a:ext>
                 </a:extLst>
               </p:cNvPr>
@@ -12645,7 +12646,7 @@
               <p:cNvPr id="36" name="TextBox 35">
                 <a:extLst>
                   <a:ext uri="{FF2B5EF4-FFF2-40B4-BE49-F238E27FC236}">
-                    <a16:creationId xmlns="" xmlns:a16="http://schemas.microsoft.com/office/drawing/2014/main" id="{14E0069C-C3BE-41C2-B653-A18BA212F52D}"/>
+                    <a16:creationId xmlns:a16="http://schemas.microsoft.com/office/drawing/2014/main" xmlns="" id="{14E0069C-C3BE-41C2-B653-A18BA212F52D}"/>
                   </a:ext>
                 </a:extLst>
               </p:cNvPr>
@@ -12760,7 +12761,7 @@
               <p:cNvPr id="37" name="TextBox 36">
                 <a:extLst>
                   <a:ext uri="{FF2B5EF4-FFF2-40B4-BE49-F238E27FC236}">
-                    <a16:creationId xmlns="" xmlns:a16="http://schemas.microsoft.com/office/drawing/2014/main" id="{6448FB8C-D9A1-4602-BD58-DE946A793132}"/>
+                    <a16:creationId xmlns:a16="http://schemas.microsoft.com/office/drawing/2014/main" xmlns="" id="{6448FB8C-D9A1-4602-BD58-DE946A793132}"/>
                   </a:ext>
                 </a:extLst>
               </p:cNvPr>
@@ -12875,7 +12876,7 @@
               <p:cNvPr id="38" name="TextBox 37">
                 <a:extLst>
                   <a:ext uri="{FF2B5EF4-FFF2-40B4-BE49-F238E27FC236}">
-                    <a16:creationId xmlns="" xmlns:a16="http://schemas.microsoft.com/office/drawing/2014/main" id="{7027025A-1A40-43C7-B377-B6E5B83B42C9}"/>
+                    <a16:creationId xmlns:a16="http://schemas.microsoft.com/office/drawing/2014/main" xmlns="" id="{7027025A-1A40-43C7-B377-B6E5B83B42C9}"/>
                   </a:ext>
                 </a:extLst>
               </p:cNvPr>
@@ -12990,7 +12991,7 @@
               <p:cNvPr id="39" name="TextBox 38">
                 <a:extLst>
                   <a:ext uri="{FF2B5EF4-FFF2-40B4-BE49-F238E27FC236}">
-                    <a16:creationId xmlns="" xmlns:a16="http://schemas.microsoft.com/office/drawing/2014/main" id="{34ED70D7-EC33-49DC-96FA-7BE986853032}"/>
+                    <a16:creationId xmlns:a16="http://schemas.microsoft.com/office/drawing/2014/main" xmlns="" id="{34ED70D7-EC33-49DC-96FA-7BE986853032}"/>
                   </a:ext>
                 </a:extLst>
               </p:cNvPr>
@@ -13086,7 +13087,7 @@
               <p:cNvPr id="40" name="TextBox 39">
                 <a:extLst>
                   <a:ext uri="{FF2B5EF4-FFF2-40B4-BE49-F238E27FC236}">
-                    <a16:creationId xmlns="" xmlns:a16="http://schemas.microsoft.com/office/drawing/2014/main" id="{3C190F04-1C31-4664-AD00-75B456B22FFA}"/>
+                    <a16:creationId xmlns:a16="http://schemas.microsoft.com/office/drawing/2014/main" xmlns="" id="{3C190F04-1C31-4664-AD00-75B456B22FFA}"/>
                   </a:ext>
                 </a:extLst>
               </p:cNvPr>
@@ -13180,7 +13181,7 @@
           <p:cNvPr id="41" name="직사각형 40">
             <a:extLst>
               <a:ext uri="{FF2B5EF4-FFF2-40B4-BE49-F238E27FC236}">
-                <a16:creationId xmlns="" xmlns:a16="http://schemas.microsoft.com/office/drawing/2014/main" id="{2408790D-3D66-431C-849B-99668B932886}"/>
+                <a16:creationId xmlns:a16="http://schemas.microsoft.com/office/drawing/2014/main" xmlns="" id="{2408790D-3D66-431C-849B-99668B932886}"/>
               </a:ext>
             </a:extLst>
           </p:cNvPr>
@@ -13233,7 +13234,7 @@
           <p:cNvPr id="42" name="직사각형 41">
             <a:extLst>
               <a:ext uri="{FF2B5EF4-FFF2-40B4-BE49-F238E27FC236}">
-                <a16:creationId xmlns="" xmlns:a16="http://schemas.microsoft.com/office/drawing/2014/main" id="{D3CFBC4C-F45D-48C0-A8AA-F68207C535F1}"/>
+                <a16:creationId xmlns:a16="http://schemas.microsoft.com/office/drawing/2014/main" xmlns="" id="{D3CFBC4C-F45D-48C0-A8AA-F68207C535F1}"/>
               </a:ext>
             </a:extLst>
           </p:cNvPr>
@@ -13286,7 +13287,7 @@
           <p:cNvPr id="43" name="직사각형 42">
             <a:extLst>
               <a:ext uri="{FF2B5EF4-FFF2-40B4-BE49-F238E27FC236}">
-                <a16:creationId xmlns="" xmlns:a16="http://schemas.microsoft.com/office/drawing/2014/main" id="{1CCBC64F-3065-4A07-BBD2-C6D6AFF1B01A}"/>
+                <a16:creationId xmlns:a16="http://schemas.microsoft.com/office/drawing/2014/main" xmlns="" id="{1CCBC64F-3065-4A07-BBD2-C6D6AFF1B01A}"/>
               </a:ext>
             </a:extLst>
           </p:cNvPr>
@@ -13339,7 +13340,7 @@
           <p:cNvPr id="44" name="직사각형 43">
             <a:extLst>
               <a:ext uri="{FF2B5EF4-FFF2-40B4-BE49-F238E27FC236}">
-                <a16:creationId xmlns="" xmlns:a16="http://schemas.microsoft.com/office/drawing/2014/main" id="{8335E1E8-EE72-4026-805B-961A5AA502D5}"/>
+                <a16:creationId xmlns:a16="http://schemas.microsoft.com/office/drawing/2014/main" xmlns="" id="{8335E1E8-EE72-4026-805B-961A5AA502D5}"/>
               </a:ext>
             </a:extLst>
           </p:cNvPr>
@@ -13392,7 +13393,7 @@
           <p:cNvPr id="45" name="직사각형 44">
             <a:extLst>
               <a:ext uri="{FF2B5EF4-FFF2-40B4-BE49-F238E27FC236}">
-                <a16:creationId xmlns="" xmlns:a16="http://schemas.microsoft.com/office/drawing/2014/main" id="{111AA82D-9B7D-4823-98CA-1E4E96C1FA21}"/>
+                <a16:creationId xmlns:a16="http://schemas.microsoft.com/office/drawing/2014/main" xmlns="" id="{111AA82D-9B7D-4823-98CA-1E4E96C1FA21}"/>
               </a:ext>
             </a:extLst>
           </p:cNvPr>
@@ -13440,7 +13441,7 @@
           <p:cNvPr id="46" name="직사각형 45">
             <a:extLst>
               <a:ext uri="{FF2B5EF4-FFF2-40B4-BE49-F238E27FC236}">
-                <a16:creationId xmlns="" xmlns:a16="http://schemas.microsoft.com/office/drawing/2014/main" id="{314F8EF3-3359-49FA-87AB-213C9D682DB7}"/>
+                <a16:creationId xmlns:a16="http://schemas.microsoft.com/office/drawing/2014/main" xmlns="" id="{314F8EF3-3359-49FA-87AB-213C9D682DB7}"/>
               </a:ext>
             </a:extLst>
           </p:cNvPr>
@@ -13488,7 +13489,7 @@
           <p:cNvPr id="47" name="직사각형 46">
             <a:extLst>
               <a:ext uri="{FF2B5EF4-FFF2-40B4-BE49-F238E27FC236}">
-                <a16:creationId xmlns="" xmlns:a16="http://schemas.microsoft.com/office/drawing/2014/main" id="{69994DCF-107E-4F14-840B-FCA36463D13F}"/>
+                <a16:creationId xmlns:a16="http://schemas.microsoft.com/office/drawing/2014/main" xmlns="" id="{69994DCF-107E-4F14-840B-FCA36463D13F}"/>
               </a:ext>
             </a:extLst>
           </p:cNvPr>
@@ -13536,7 +13537,7 @@
           <p:cNvPr id="48" name="직사각형 47">
             <a:extLst>
               <a:ext uri="{FF2B5EF4-FFF2-40B4-BE49-F238E27FC236}">
-                <a16:creationId xmlns="" xmlns:a16="http://schemas.microsoft.com/office/drawing/2014/main" id="{D9A3B689-E809-4687-A3A1-60131B70068B}"/>
+                <a16:creationId xmlns:a16="http://schemas.microsoft.com/office/drawing/2014/main" xmlns="" id="{D9A3B689-E809-4687-A3A1-60131B70068B}"/>
               </a:ext>
             </a:extLst>
           </p:cNvPr>
@@ -13584,7 +13585,7 @@
           <p:cNvPr id="49" name="직사각형 48">
             <a:extLst>
               <a:ext uri="{FF2B5EF4-FFF2-40B4-BE49-F238E27FC236}">
-                <a16:creationId xmlns="" xmlns:a16="http://schemas.microsoft.com/office/drawing/2014/main" id="{D24437A5-5A5B-42EA-AA28-A1F819EFE17B}"/>
+                <a16:creationId xmlns:a16="http://schemas.microsoft.com/office/drawing/2014/main" xmlns="" id="{D24437A5-5A5B-42EA-AA28-A1F819EFE17B}"/>
               </a:ext>
             </a:extLst>
           </p:cNvPr>
@@ -13632,7 +13633,7 @@
           <p:cNvPr id="50" name="직사각형 49">
             <a:extLst>
               <a:ext uri="{FF2B5EF4-FFF2-40B4-BE49-F238E27FC236}">
-                <a16:creationId xmlns="" xmlns:a16="http://schemas.microsoft.com/office/drawing/2014/main" id="{454F7536-28CC-4E35-8830-958C9CA919D0}"/>
+                <a16:creationId xmlns:a16="http://schemas.microsoft.com/office/drawing/2014/main" xmlns="" id="{454F7536-28CC-4E35-8830-958C9CA919D0}"/>
               </a:ext>
             </a:extLst>
           </p:cNvPr>
@@ -13680,7 +13681,7 @@
           <p:cNvPr id="51" name="직사각형 50">
             <a:extLst>
               <a:ext uri="{FF2B5EF4-FFF2-40B4-BE49-F238E27FC236}">
-                <a16:creationId xmlns="" xmlns:a16="http://schemas.microsoft.com/office/drawing/2014/main" id="{4350E3CD-9519-4828-A563-8BDC2F1EBAB9}"/>
+                <a16:creationId xmlns:a16="http://schemas.microsoft.com/office/drawing/2014/main" xmlns="" id="{4350E3CD-9519-4828-A563-8BDC2F1EBAB9}"/>
               </a:ext>
             </a:extLst>
           </p:cNvPr>
@@ -13728,7 +13729,7 @@
           <p:cNvPr id="52" name="직사각형 51">
             <a:extLst>
               <a:ext uri="{FF2B5EF4-FFF2-40B4-BE49-F238E27FC236}">
-                <a16:creationId xmlns="" xmlns:a16="http://schemas.microsoft.com/office/drawing/2014/main" id="{0F8602AC-A3B9-4C77-AFBD-26C68C5C4470}"/>
+                <a16:creationId xmlns:a16="http://schemas.microsoft.com/office/drawing/2014/main" xmlns="" id="{0F8602AC-A3B9-4C77-AFBD-26C68C5C4470}"/>
               </a:ext>
             </a:extLst>
           </p:cNvPr>
@@ -13778,7 +13779,7 @@
               <p:cNvPr id="55" name="TextBox 54">
                 <a:extLst>
                   <a:ext uri="{FF2B5EF4-FFF2-40B4-BE49-F238E27FC236}">
-                    <a16:creationId xmlns="" xmlns:a16="http://schemas.microsoft.com/office/drawing/2014/main" id="{72B80003-A461-40D8-85C7-6F6665F27485}"/>
+                    <a16:creationId xmlns:a16="http://schemas.microsoft.com/office/drawing/2014/main" xmlns="" id="{72B80003-A461-40D8-85C7-6F6665F27485}"/>
                   </a:ext>
                 </a:extLst>
               </p:cNvPr>
@@ -13905,7 +13906,7 @@
               <p:cNvPr id="57" name="TextBox 56">
                 <a:extLst>
                   <a:ext uri="{FF2B5EF4-FFF2-40B4-BE49-F238E27FC236}">
-                    <a16:creationId xmlns="" xmlns:a16="http://schemas.microsoft.com/office/drawing/2014/main" id="{20E0532F-A1CA-4D11-85ED-98569F22BC6C}"/>
+                    <a16:creationId xmlns:a16="http://schemas.microsoft.com/office/drawing/2014/main" xmlns="" id="{20E0532F-A1CA-4D11-85ED-98569F22BC6C}"/>
                   </a:ext>
                 </a:extLst>
               </p:cNvPr>
@@ -14032,7 +14033,7 @@
               <p:cNvPr id="58" name="TextBox 57">
                 <a:extLst>
                   <a:ext uri="{FF2B5EF4-FFF2-40B4-BE49-F238E27FC236}">
-                    <a16:creationId xmlns="" xmlns:a16="http://schemas.microsoft.com/office/drawing/2014/main" id="{BB4072BD-4BD0-4145-A29C-DBC0590749EA}"/>
+                    <a16:creationId xmlns:a16="http://schemas.microsoft.com/office/drawing/2014/main" xmlns="" id="{BB4072BD-4BD0-4145-A29C-DBC0590749EA}"/>
                   </a:ext>
                 </a:extLst>
               </p:cNvPr>
@@ -14157,7 +14158,7 @@
           <p:cNvPr id="59" name="직선 화살표 연결선 58">
             <a:extLst>
               <a:ext uri="{FF2B5EF4-FFF2-40B4-BE49-F238E27FC236}">
-                <a16:creationId xmlns="" xmlns:a16="http://schemas.microsoft.com/office/drawing/2014/main" id="{8FD6C182-3273-43AE-AF9B-88D62A891900}"/>
+                <a16:creationId xmlns:a16="http://schemas.microsoft.com/office/drawing/2014/main" xmlns="" id="{8FD6C182-3273-43AE-AF9B-88D62A891900}"/>
               </a:ext>
             </a:extLst>
           </p:cNvPr>
@@ -14200,7 +14201,7 @@
           <p:cNvPr id="62" name="직선 화살표 연결선 61">
             <a:extLst>
               <a:ext uri="{FF2B5EF4-FFF2-40B4-BE49-F238E27FC236}">
-                <a16:creationId xmlns="" xmlns:a16="http://schemas.microsoft.com/office/drawing/2014/main" id="{84687B28-D3CF-4CC4-BB5A-CC64A664AE74}"/>
+                <a16:creationId xmlns:a16="http://schemas.microsoft.com/office/drawing/2014/main" xmlns="" id="{84687B28-D3CF-4CC4-BB5A-CC64A664AE74}"/>
               </a:ext>
             </a:extLst>
           </p:cNvPr>
@@ -14243,7 +14244,7 @@
           <p:cNvPr id="65" name="직선 화살표 연결선 64">
             <a:extLst>
               <a:ext uri="{FF2B5EF4-FFF2-40B4-BE49-F238E27FC236}">
-                <a16:creationId xmlns="" xmlns:a16="http://schemas.microsoft.com/office/drawing/2014/main" id="{5B0C86E3-E2D2-4A73-8DA8-9D61E38B3683}"/>
+                <a16:creationId xmlns:a16="http://schemas.microsoft.com/office/drawing/2014/main" xmlns="" id="{5B0C86E3-E2D2-4A73-8DA8-9D61E38B3683}"/>
               </a:ext>
             </a:extLst>
           </p:cNvPr>
@@ -14286,7 +14287,7 @@
           <p:cNvPr id="69" name="직선 화살표 연결선 68">
             <a:extLst>
               <a:ext uri="{FF2B5EF4-FFF2-40B4-BE49-F238E27FC236}">
-                <a16:creationId xmlns="" xmlns:a16="http://schemas.microsoft.com/office/drawing/2014/main" id="{E9DDA7B8-E402-4260-BD91-6BF2C76E596D}"/>
+                <a16:creationId xmlns:a16="http://schemas.microsoft.com/office/drawing/2014/main" xmlns="" id="{E9DDA7B8-E402-4260-BD91-6BF2C76E596D}"/>
               </a:ext>
             </a:extLst>
           </p:cNvPr>
@@ -14329,7 +14330,7 @@
           <p:cNvPr id="72" name="직선 화살표 연결선 71">
             <a:extLst>
               <a:ext uri="{FF2B5EF4-FFF2-40B4-BE49-F238E27FC236}">
-                <a16:creationId xmlns="" xmlns:a16="http://schemas.microsoft.com/office/drawing/2014/main" id="{3A38D4EC-BFCE-47EF-9CC9-5F3059C57B9A}"/>
+                <a16:creationId xmlns:a16="http://schemas.microsoft.com/office/drawing/2014/main" xmlns="" id="{3A38D4EC-BFCE-47EF-9CC9-5F3059C57B9A}"/>
               </a:ext>
             </a:extLst>
           </p:cNvPr>
@@ -14372,7 +14373,7 @@
           <p:cNvPr id="75" name="직선 화살표 연결선 74">
             <a:extLst>
               <a:ext uri="{FF2B5EF4-FFF2-40B4-BE49-F238E27FC236}">
-                <a16:creationId xmlns="" xmlns:a16="http://schemas.microsoft.com/office/drawing/2014/main" id="{F0A56918-BB78-4512-9AE4-4595F71A0374}"/>
+                <a16:creationId xmlns:a16="http://schemas.microsoft.com/office/drawing/2014/main" xmlns="" id="{F0A56918-BB78-4512-9AE4-4595F71A0374}"/>
               </a:ext>
             </a:extLst>
           </p:cNvPr>
@@ -14415,7 +14416,7 @@
           <p:cNvPr id="78" name="직선 화살표 연결선 77">
             <a:extLst>
               <a:ext uri="{FF2B5EF4-FFF2-40B4-BE49-F238E27FC236}">
-                <a16:creationId xmlns="" xmlns:a16="http://schemas.microsoft.com/office/drawing/2014/main" id="{6BE0089D-C53D-4CB5-81DB-317FD6773065}"/>
+                <a16:creationId xmlns:a16="http://schemas.microsoft.com/office/drawing/2014/main" xmlns="" id="{6BE0089D-C53D-4CB5-81DB-317FD6773065}"/>
               </a:ext>
             </a:extLst>
           </p:cNvPr>
@@ -14458,7 +14459,7 @@
           <p:cNvPr id="81" name="직선 화살표 연결선 80">
             <a:extLst>
               <a:ext uri="{FF2B5EF4-FFF2-40B4-BE49-F238E27FC236}">
-                <a16:creationId xmlns="" xmlns:a16="http://schemas.microsoft.com/office/drawing/2014/main" id="{1FE67D45-F341-48D8-A5DA-5CABD0220D40}"/>
+                <a16:creationId xmlns:a16="http://schemas.microsoft.com/office/drawing/2014/main" xmlns="" id="{1FE67D45-F341-48D8-A5DA-5CABD0220D40}"/>
               </a:ext>
             </a:extLst>
           </p:cNvPr>
@@ -14501,7 +14502,7 @@
           <p:cNvPr id="84" name="직선 화살표 연결선 83">
             <a:extLst>
               <a:ext uri="{FF2B5EF4-FFF2-40B4-BE49-F238E27FC236}">
-                <a16:creationId xmlns="" xmlns:a16="http://schemas.microsoft.com/office/drawing/2014/main" id="{EA268775-CEB7-4436-8C2C-742779150F3A}"/>
+                <a16:creationId xmlns:a16="http://schemas.microsoft.com/office/drawing/2014/main" xmlns="" id="{EA268775-CEB7-4436-8C2C-742779150F3A}"/>
               </a:ext>
             </a:extLst>
           </p:cNvPr>
@@ -14544,7 +14545,7 @@
           <p:cNvPr id="87" name="직선 화살표 연결선 86">
             <a:extLst>
               <a:ext uri="{FF2B5EF4-FFF2-40B4-BE49-F238E27FC236}">
-                <a16:creationId xmlns="" xmlns:a16="http://schemas.microsoft.com/office/drawing/2014/main" id="{2F9DA316-AF50-4F26-873D-18769FF362BC}"/>
+                <a16:creationId xmlns:a16="http://schemas.microsoft.com/office/drawing/2014/main" xmlns="" id="{2F9DA316-AF50-4F26-873D-18769FF362BC}"/>
               </a:ext>
             </a:extLst>
           </p:cNvPr>
@@ -14587,7 +14588,7 @@
           <p:cNvPr id="90" name="직선 화살표 연결선 89">
             <a:extLst>
               <a:ext uri="{FF2B5EF4-FFF2-40B4-BE49-F238E27FC236}">
-                <a16:creationId xmlns="" xmlns:a16="http://schemas.microsoft.com/office/drawing/2014/main" id="{20099984-F671-4110-A508-825AF03AF97E}"/>
+                <a16:creationId xmlns:a16="http://schemas.microsoft.com/office/drawing/2014/main" xmlns="" id="{20099984-F671-4110-A508-825AF03AF97E}"/>
               </a:ext>
             </a:extLst>
           </p:cNvPr>
@@ -14630,7 +14631,7 @@
           <p:cNvPr id="93" name="직선 화살표 연결선 92">
             <a:extLst>
               <a:ext uri="{FF2B5EF4-FFF2-40B4-BE49-F238E27FC236}">
-                <a16:creationId xmlns="" xmlns:a16="http://schemas.microsoft.com/office/drawing/2014/main" id="{3FD2772A-63B2-432A-874D-81B5EAE253B6}"/>
+                <a16:creationId xmlns:a16="http://schemas.microsoft.com/office/drawing/2014/main" xmlns="" id="{3FD2772A-63B2-432A-874D-81B5EAE253B6}"/>
               </a:ext>
             </a:extLst>
           </p:cNvPr>
@@ -14673,7 +14674,7 @@
           <p:cNvPr id="96" name="직선 화살표 연결선 95">
             <a:extLst>
               <a:ext uri="{FF2B5EF4-FFF2-40B4-BE49-F238E27FC236}">
-                <a16:creationId xmlns="" xmlns:a16="http://schemas.microsoft.com/office/drawing/2014/main" id="{0950EDDA-92F2-40B3-8E33-04EEEE15DEBD}"/>
+                <a16:creationId xmlns:a16="http://schemas.microsoft.com/office/drawing/2014/main" xmlns="" id="{0950EDDA-92F2-40B3-8E33-04EEEE15DEBD}"/>
               </a:ext>
             </a:extLst>
           </p:cNvPr>
@@ -14716,7 +14717,7 @@
           <p:cNvPr id="99" name="직선 화살표 연결선 98">
             <a:extLst>
               <a:ext uri="{FF2B5EF4-FFF2-40B4-BE49-F238E27FC236}">
-                <a16:creationId xmlns="" xmlns:a16="http://schemas.microsoft.com/office/drawing/2014/main" id="{3CDFBDFE-CBAD-41E3-ACEA-06CCB2C6FDBD}"/>
+                <a16:creationId xmlns:a16="http://schemas.microsoft.com/office/drawing/2014/main" xmlns="" id="{3CDFBDFE-CBAD-41E3-ACEA-06CCB2C6FDBD}"/>
               </a:ext>
             </a:extLst>
           </p:cNvPr>
@@ -14759,7 +14760,7 @@
           <p:cNvPr id="102" name="직선 화살표 연결선 101">
             <a:extLst>
               <a:ext uri="{FF2B5EF4-FFF2-40B4-BE49-F238E27FC236}">
-                <a16:creationId xmlns="" xmlns:a16="http://schemas.microsoft.com/office/drawing/2014/main" id="{77648F5A-E6F6-4F01-90F1-AAEF9A30738A}"/>
+                <a16:creationId xmlns:a16="http://schemas.microsoft.com/office/drawing/2014/main" xmlns="" id="{77648F5A-E6F6-4F01-90F1-AAEF9A30738A}"/>
               </a:ext>
             </a:extLst>
           </p:cNvPr>
@@ -14802,7 +14803,7 @@
           <p:cNvPr id="105" name="직선 화살표 연결선 104">
             <a:extLst>
               <a:ext uri="{FF2B5EF4-FFF2-40B4-BE49-F238E27FC236}">
-                <a16:creationId xmlns="" xmlns:a16="http://schemas.microsoft.com/office/drawing/2014/main" id="{512F180C-E62B-4C3D-8DEE-7BE74F91E5AF}"/>
+                <a16:creationId xmlns:a16="http://schemas.microsoft.com/office/drawing/2014/main" xmlns="" id="{512F180C-E62B-4C3D-8DEE-7BE74F91E5AF}"/>
               </a:ext>
             </a:extLst>
           </p:cNvPr>
@@ -14845,7 +14846,7 @@
           <p:cNvPr id="108" name="직선 화살표 연결선 107">
             <a:extLst>
               <a:ext uri="{FF2B5EF4-FFF2-40B4-BE49-F238E27FC236}">
-                <a16:creationId xmlns="" xmlns:a16="http://schemas.microsoft.com/office/drawing/2014/main" id="{F0620903-B98B-482B-BCE6-DBFF005A7721}"/>
+                <a16:creationId xmlns:a16="http://schemas.microsoft.com/office/drawing/2014/main" xmlns="" id="{F0620903-B98B-482B-BCE6-DBFF005A7721}"/>
               </a:ext>
             </a:extLst>
           </p:cNvPr>
@@ -14888,7 +14889,7 @@
           <p:cNvPr id="111" name="직선 화살표 연결선 110">
             <a:extLst>
               <a:ext uri="{FF2B5EF4-FFF2-40B4-BE49-F238E27FC236}">
-                <a16:creationId xmlns="" xmlns:a16="http://schemas.microsoft.com/office/drawing/2014/main" id="{12217889-4726-4C88-9325-F533E0E9F9D0}"/>
+                <a16:creationId xmlns:a16="http://schemas.microsoft.com/office/drawing/2014/main" xmlns="" id="{12217889-4726-4C88-9325-F533E0E9F9D0}"/>
               </a:ext>
             </a:extLst>
           </p:cNvPr>
@@ -14931,7 +14932,7 @@
           <p:cNvPr id="114" name="직선 화살표 연결선 113">
             <a:extLst>
               <a:ext uri="{FF2B5EF4-FFF2-40B4-BE49-F238E27FC236}">
-                <a16:creationId xmlns="" xmlns:a16="http://schemas.microsoft.com/office/drawing/2014/main" id="{A3466522-BCD2-4C8B-BB34-E826DC8BF883}"/>
+                <a16:creationId xmlns:a16="http://schemas.microsoft.com/office/drawing/2014/main" xmlns="" id="{A3466522-BCD2-4C8B-BB34-E826DC8BF883}"/>
               </a:ext>
             </a:extLst>
           </p:cNvPr>
@@ -14974,7 +14975,7 @@
           <p:cNvPr id="117" name="직선 화살표 연결선 116">
             <a:extLst>
               <a:ext uri="{FF2B5EF4-FFF2-40B4-BE49-F238E27FC236}">
-                <a16:creationId xmlns="" xmlns:a16="http://schemas.microsoft.com/office/drawing/2014/main" id="{284E8DD9-CAEE-4148-AE3B-F554719E5F25}"/>
+                <a16:creationId xmlns:a16="http://schemas.microsoft.com/office/drawing/2014/main" xmlns="" id="{284E8DD9-CAEE-4148-AE3B-F554719E5F25}"/>
               </a:ext>
             </a:extLst>
           </p:cNvPr>
@@ -15017,7 +15018,7 @@
           <p:cNvPr id="120" name="직선 화살표 연결선 119">
             <a:extLst>
               <a:ext uri="{FF2B5EF4-FFF2-40B4-BE49-F238E27FC236}">
-                <a16:creationId xmlns="" xmlns:a16="http://schemas.microsoft.com/office/drawing/2014/main" id="{0AD7DF6E-BA1D-4779-88C3-09DD71D6E2FF}"/>
+                <a16:creationId xmlns:a16="http://schemas.microsoft.com/office/drawing/2014/main" xmlns="" id="{0AD7DF6E-BA1D-4779-88C3-09DD71D6E2FF}"/>
               </a:ext>
             </a:extLst>
           </p:cNvPr>
@@ -15060,7 +15061,7 @@
           <p:cNvPr id="123" name="직선 화살표 연결선 122">
             <a:extLst>
               <a:ext uri="{FF2B5EF4-FFF2-40B4-BE49-F238E27FC236}">
-                <a16:creationId xmlns="" xmlns:a16="http://schemas.microsoft.com/office/drawing/2014/main" id="{5216A147-C924-4C72-8D6E-7331E2D22CFB}"/>
+                <a16:creationId xmlns:a16="http://schemas.microsoft.com/office/drawing/2014/main" xmlns="" id="{5216A147-C924-4C72-8D6E-7331E2D22CFB}"/>
               </a:ext>
             </a:extLst>
           </p:cNvPr>
@@ -15103,7 +15104,7 @@
           <p:cNvPr id="126" name="직선 화살표 연결선 125">
             <a:extLst>
               <a:ext uri="{FF2B5EF4-FFF2-40B4-BE49-F238E27FC236}">
-                <a16:creationId xmlns="" xmlns:a16="http://schemas.microsoft.com/office/drawing/2014/main" id="{45637B03-E8B6-4719-B049-0FDE04904AE4}"/>
+                <a16:creationId xmlns:a16="http://schemas.microsoft.com/office/drawing/2014/main" xmlns="" id="{45637B03-E8B6-4719-B049-0FDE04904AE4}"/>
               </a:ext>
             </a:extLst>
           </p:cNvPr>
@@ -15146,7 +15147,7 @@
           <p:cNvPr id="129" name="직선 화살표 연결선 128">
             <a:extLst>
               <a:ext uri="{FF2B5EF4-FFF2-40B4-BE49-F238E27FC236}">
-                <a16:creationId xmlns="" xmlns:a16="http://schemas.microsoft.com/office/drawing/2014/main" id="{1CA74644-B225-4181-9249-93F1981D9149}"/>
+                <a16:creationId xmlns:a16="http://schemas.microsoft.com/office/drawing/2014/main" xmlns="" id="{1CA74644-B225-4181-9249-93F1981D9149}"/>
               </a:ext>
             </a:extLst>
           </p:cNvPr>
@@ -15189,7 +15190,7 @@
           <p:cNvPr id="133" name="연결선: 구부러짐 132">
             <a:extLst>
               <a:ext uri="{FF2B5EF4-FFF2-40B4-BE49-F238E27FC236}">
-                <a16:creationId xmlns="" xmlns:a16="http://schemas.microsoft.com/office/drawing/2014/main" id="{B0692204-9491-4446-8992-669D8CADF515}"/>
+                <a16:creationId xmlns:a16="http://schemas.microsoft.com/office/drawing/2014/main" xmlns="" id="{B0692204-9491-4446-8992-669D8CADF515}"/>
               </a:ext>
             </a:extLst>
           </p:cNvPr>
@@ -15235,7 +15236,7 @@
           <p:cNvPr id="134" name="연결선: 구부러짐 133">
             <a:extLst>
               <a:ext uri="{FF2B5EF4-FFF2-40B4-BE49-F238E27FC236}">
-                <a16:creationId xmlns="" xmlns:a16="http://schemas.microsoft.com/office/drawing/2014/main" id="{FC427459-E021-48A1-B314-49541E7D501D}"/>
+                <a16:creationId xmlns:a16="http://schemas.microsoft.com/office/drawing/2014/main" xmlns="" id="{FC427459-E021-48A1-B314-49541E7D501D}"/>
               </a:ext>
             </a:extLst>
           </p:cNvPr>
@@ -15282,7 +15283,7 @@
           <p:cNvPr id="137" name="연결선: 구부러짐 136">
             <a:extLst>
               <a:ext uri="{FF2B5EF4-FFF2-40B4-BE49-F238E27FC236}">
-                <a16:creationId xmlns="" xmlns:a16="http://schemas.microsoft.com/office/drawing/2014/main" id="{9164BF98-76B5-402C-970C-7B7B851DD7BB}"/>
+                <a16:creationId xmlns:a16="http://schemas.microsoft.com/office/drawing/2014/main" xmlns="" id="{9164BF98-76B5-402C-970C-7B7B851DD7BB}"/>
               </a:ext>
             </a:extLst>
           </p:cNvPr>
@@ -15329,7 +15330,7 @@
           <p:cNvPr id="3" name="타원 2">
             <a:extLst>
               <a:ext uri="{FF2B5EF4-FFF2-40B4-BE49-F238E27FC236}">
-                <a16:creationId xmlns="" xmlns:a16="http://schemas.microsoft.com/office/drawing/2014/main" id="{AF6E7165-BEC3-46A1-B5E9-3E1C10B5D465}"/>
+                <a16:creationId xmlns:a16="http://schemas.microsoft.com/office/drawing/2014/main" xmlns="" id="{AF6E7165-BEC3-46A1-B5E9-3E1C10B5D465}"/>
               </a:ext>
             </a:extLst>
           </p:cNvPr>
@@ -15377,7 +15378,7 @@
           <p:cNvPr id="73" name="직선 화살표 연결선 72">
             <a:extLst>
               <a:ext uri="{FF2B5EF4-FFF2-40B4-BE49-F238E27FC236}">
-                <a16:creationId xmlns="" xmlns:a16="http://schemas.microsoft.com/office/drawing/2014/main" id="{EA947EBF-81B0-450D-BAB0-52AEB123A9B8}"/>
+                <a16:creationId xmlns:a16="http://schemas.microsoft.com/office/drawing/2014/main" xmlns="" id="{EA947EBF-81B0-450D-BAB0-52AEB123A9B8}"/>
               </a:ext>
             </a:extLst>
           </p:cNvPr>
@@ -15420,7 +15421,7 @@
           <p:cNvPr id="79" name="타원 78">
             <a:extLst>
               <a:ext uri="{FF2B5EF4-FFF2-40B4-BE49-F238E27FC236}">
-                <a16:creationId xmlns="" xmlns:a16="http://schemas.microsoft.com/office/drawing/2014/main" id="{4B164CE0-4FB7-49A8-816E-F04A2549B43A}"/>
+                <a16:creationId xmlns:a16="http://schemas.microsoft.com/office/drawing/2014/main" xmlns="" id="{4B164CE0-4FB7-49A8-816E-F04A2549B43A}"/>
               </a:ext>
             </a:extLst>
           </p:cNvPr>
@@ -15468,7 +15469,7 @@
           <p:cNvPr id="80" name="타원 79">
             <a:extLst>
               <a:ext uri="{FF2B5EF4-FFF2-40B4-BE49-F238E27FC236}">
-                <a16:creationId xmlns="" xmlns:a16="http://schemas.microsoft.com/office/drawing/2014/main" id="{F4291A23-E10B-46A8-B78E-E3FD4A40E9E5}"/>
+                <a16:creationId xmlns:a16="http://schemas.microsoft.com/office/drawing/2014/main" xmlns="" id="{F4291A23-E10B-46A8-B78E-E3FD4A40E9E5}"/>
               </a:ext>
             </a:extLst>
           </p:cNvPr>
@@ -15516,7 +15517,7 @@
           <p:cNvPr id="82" name="직선 화살표 연결선 81">
             <a:extLst>
               <a:ext uri="{FF2B5EF4-FFF2-40B4-BE49-F238E27FC236}">
-                <a16:creationId xmlns="" xmlns:a16="http://schemas.microsoft.com/office/drawing/2014/main" id="{EB8DBC75-AF38-4296-AC89-9C611C0A13A9}"/>
+                <a16:creationId xmlns:a16="http://schemas.microsoft.com/office/drawing/2014/main" xmlns="" id="{EB8DBC75-AF38-4296-AC89-9C611C0A13A9}"/>
               </a:ext>
             </a:extLst>
           </p:cNvPr>
@@ -15559,7 +15560,7 @@
           <p:cNvPr id="86" name="직선 화살표 연결선 85">
             <a:extLst>
               <a:ext uri="{FF2B5EF4-FFF2-40B4-BE49-F238E27FC236}">
-                <a16:creationId xmlns="" xmlns:a16="http://schemas.microsoft.com/office/drawing/2014/main" id="{9B4393D4-E6FB-415F-AD48-147F50C8F854}"/>
+                <a16:creationId xmlns:a16="http://schemas.microsoft.com/office/drawing/2014/main" xmlns="" id="{9B4393D4-E6FB-415F-AD48-147F50C8F854}"/>
               </a:ext>
             </a:extLst>
           </p:cNvPr>
@@ -15602,7 +15603,7 @@
           <p:cNvPr id="56" name="연결선: 꺾임 55">
             <a:extLst>
               <a:ext uri="{FF2B5EF4-FFF2-40B4-BE49-F238E27FC236}">
-                <a16:creationId xmlns="" xmlns:a16="http://schemas.microsoft.com/office/drawing/2014/main" id="{F7FC8E41-21B9-460D-91D4-F783E770627D}"/>
+                <a16:creationId xmlns:a16="http://schemas.microsoft.com/office/drawing/2014/main" xmlns="" id="{F7FC8E41-21B9-460D-91D4-F783E770627D}"/>
               </a:ext>
             </a:extLst>
           </p:cNvPr>
@@ -15648,7 +15649,7 @@
           <p:cNvPr id="94" name="연결선: 꺾임 93">
             <a:extLst>
               <a:ext uri="{FF2B5EF4-FFF2-40B4-BE49-F238E27FC236}">
-                <a16:creationId xmlns="" xmlns:a16="http://schemas.microsoft.com/office/drawing/2014/main" id="{946599C8-EB79-4223-9881-7B569270A918}"/>
+                <a16:creationId xmlns:a16="http://schemas.microsoft.com/office/drawing/2014/main" xmlns="" id="{946599C8-EB79-4223-9881-7B569270A918}"/>
               </a:ext>
             </a:extLst>
           </p:cNvPr>
@@ -15694,7 +15695,7 @@
           <p:cNvPr id="97" name="연결선: 꺾임 96">
             <a:extLst>
               <a:ext uri="{FF2B5EF4-FFF2-40B4-BE49-F238E27FC236}">
-                <a16:creationId xmlns="" xmlns:a16="http://schemas.microsoft.com/office/drawing/2014/main" id="{9726D98B-2AC5-4799-BF74-076BA2B0C7E6}"/>
+                <a16:creationId xmlns:a16="http://schemas.microsoft.com/office/drawing/2014/main" xmlns="" id="{9726D98B-2AC5-4799-BF74-076BA2B0C7E6}"/>
               </a:ext>
             </a:extLst>
           </p:cNvPr>
@@ -15770,7 +15771,7 @@
           <p:cNvPr id="4" name="직사각형 3">
             <a:extLst>
               <a:ext uri="{FF2B5EF4-FFF2-40B4-BE49-F238E27FC236}">
-                <a16:creationId xmlns="" xmlns:a16="http://schemas.microsoft.com/office/drawing/2014/main" id="{E4469EA3-BD2F-4388-B225-972DBD285F7E}"/>
+                <a16:creationId xmlns:a16="http://schemas.microsoft.com/office/drawing/2014/main" xmlns="" id="{E4469EA3-BD2F-4388-B225-972DBD285F7E}"/>
               </a:ext>
             </a:extLst>
           </p:cNvPr>
@@ -15830,7 +15831,7 @@
           <p:cNvPr id="5" name="직사각형 4">
             <a:extLst>
               <a:ext uri="{FF2B5EF4-FFF2-40B4-BE49-F238E27FC236}">
-                <a16:creationId xmlns="" xmlns:a16="http://schemas.microsoft.com/office/drawing/2014/main" id="{4CA84653-010D-4065-B853-79CB25E1864C}"/>
+                <a16:creationId xmlns:a16="http://schemas.microsoft.com/office/drawing/2014/main" xmlns="" id="{4CA84653-010D-4065-B853-79CB25E1864C}"/>
               </a:ext>
             </a:extLst>
           </p:cNvPr>
@@ -15890,7 +15891,7 @@
           <p:cNvPr id="6" name="직사각형 5">
             <a:extLst>
               <a:ext uri="{FF2B5EF4-FFF2-40B4-BE49-F238E27FC236}">
-                <a16:creationId xmlns="" xmlns:a16="http://schemas.microsoft.com/office/drawing/2014/main" id="{E1E73367-4DDC-4825-B313-715B65F5DD9C}"/>
+                <a16:creationId xmlns:a16="http://schemas.microsoft.com/office/drawing/2014/main" xmlns="" id="{E1E73367-4DDC-4825-B313-715B65F5DD9C}"/>
               </a:ext>
             </a:extLst>
           </p:cNvPr>
@@ -15950,7 +15951,7 @@
           <p:cNvPr id="7" name="직사각형 6">
             <a:extLst>
               <a:ext uri="{FF2B5EF4-FFF2-40B4-BE49-F238E27FC236}">
-                <a16:creationId xmlns="" xmlns:a16="http://schemas.microsoft.com/office/drawing/2014/main" id="{A2951B4C-0F6E-4678-A4C8-8FB7EEAA5CE6}"/>
+                <a16:creationId xmlns:a16="http://schemas.microsoft.com/office/drawing/2014/main" xmlns="" id="{A2951B4C-0F6E-4678-A4C8-8FB7EEAA5CE6}"/>
               </a:ext>
             </a:extLst>
           </p:cNvPr>
@@ -16010,7 +16011,7 @@
           <p:cNvPr id="8" name="직사각형 7">
             <a:extLst>
               <a:ext uri="{FF2B5EF4-FFF2-40B4-BE49-F238E27FC236}">
-                <a16:creationId xmlns="" xmlns:a16="http://schemas.microsoft.com/office/drawing/2014/main" id="{BAE89BCE-919E-44F2-8819-A305D3A70CDA}"/>
+                <a16:creationId xmlns:a16="http://schemas.microsoft.com/office/drawing/2014/main" xmlns="" id="{BAE89BCE-919E-44F2-8819-A305D3A70CDA}"/>
               </a:ext>
             </a:extLst>
           </p:cNvPr>
@@ -16065,7 +16066,7 @@
           <p:cNvPr id="9" name="직사각형 8">
             <a:extLst>
               <a:ext uri="{FF2B5EF4-FFF2-40B4-BE49-F238E27FC236}">
-                <a16:creationId xmlns="" xmlns:a16="http://schemas.microsoft.com/office/drawing/2014/main" id="{349238DB-B9E3-48FA-BACD-382CC9E85FC1}"/>
+                <a16:creationId xmlns:a16="http://schemas.microsoft.com/office/drawing/2014/main" xmlns="" id="{349238DB-B9E3-48FA-BACD-382CC9E85FC1}"/>
               </a:ext>
             </a:extLst>
           </p:cNvPr>
@@ -16120,7 +16121,7 @@
           <p:cNvPr id="10" name="직사각형 9">
             <a:extLst>
               <a:ext uri="{FF2B5EF4-FFF2-40B4-BE49-F238E27FC236}">
-                <a16:creationId xmlns="" xmlns:a16="http://schemas.microsoft.com/office/drawing/2014/main" id="{85397621-465B-4ADE-A227-3701C385464F}"/>
+                <a16:creationId xmlns:a16="http://schemas.microsoft.com/office/drawing/2014/main" xmlns="" id="{85397621-465B-4ADE-A227-3701C385464F}"/>
               </a:ext>
             </a:extLst>
           </p:cNvPr>
@@ -16175,7 +16176,7 @@
           <p:cNvPr id="13" name="직선 화살표 연결선 12">
             <a:extLst>
               <a:ext uri="{FF2B5EF4-FFF2-40B4-BE49-F238E27FC236}">
-                <a16:creationId xmlns="" xmlns:a16="http://schemas.microsoft.com/office/drawing/2014/main" id="{147C09B1-E5F5-4D82-94F1-78DDF76CEDA4}"/>
+                <a16:creationId xmlns:a16="http://schemas.microsoft.com/office/drawing/2014/main" xmlns="" id="{147C09B1-E5F5-4D82-94F1-78DDF76CEDA4}"/>
               </a:ext>
             </a:extLst>
           </p:cNvPr>
@@ -16217,7 +16218,7 @@
           <p:cNvPr id="14" name="직선 화살표 연결선 13">
             <a:extLst>
               <a:ext uri="{FF2B5EF4-FFF2-40B4-BE49-F238E27FC236}">
-                <a16:creationId xmlns="" xmlns:a16="http://schemas.microsoft.com/office/drawing/2014/main" id="{8C04CFDC-9131-4F45-9FE4-55EF3F4FEBBF}"/>
+                <a16:creationId xmlns:a16="http://schemas.microsoft.com/office/drawing/2014/main" xmlns="" id="{8C04CFDC-9131-4F45-9FE4-55EF3F4FEBBF}"/>
               </a:ext>
             </a:extLst>
           </p:cNvPr>
@@ -16260,7 +16261,7 @@
           <p:cNvPr id="17" name="직선 화살표 연결선 16">
             <a:extLst>
               <a:ext uri="{FF2B5EF4-FFF2-40B4-BE49-F238E27FC236}">
-                <a16:creationId xmlns="" xmlns:a16="http://schemas.microsoft.com/office/drawing/2014/main" id="{49D920B6-9F30-4FE3-98BD-24435542E509}"/>
+                <a16:creationId xmlns:a16="http://schemas.microsoft.com/office/drawing/2014/main" xmlns="" id="{49D920B6-9F30-4FE3-98BD-24435542E509}"/>
               </a:ext>
             </a:extLst>
           </p:cNvPr>
@@ -16303,7 +16304,7 @@
           <p:cNvPr id="20" name="직선 화살표 연결선 19">
             <a:extLst>
               <a:ext uri="{FF2B5EF4-FFF2-40B4-BE49-F238E27FC236}">
-                <a16:creationId xmlns="" xmlns:a16="http://schemas.microsoft.com/office/drawing/2014/main" id="{9C78436C-633A-4ED7-9243-B162D8131872}"/>
+                <a16:creationId xmlns:a16="http://schemas.microsoft.com/office/drawing/2014/main" xmlns="" id="{9C78436C-633A-4ED7-9243-B162D8131872}"/>
               </a:ext>
             </a:extLst>
           </p:cNvPr>
@@ -16346,7 +16347,7 @@
           <p:cNvPr id="23" name="직선 화살표 연결선 22">
             <a:extLst>
               <a:ext uri="{FF2B5EF4-FFF2-40B4-BE49-F238E27FC236}">
-                <a16:creationId xmlns="" xmlns:a16="http://schemas.microsoft.com/office/drawing/2014/main" id="{A2C36C91-CB11-4877-A9AB-7077C45F91B3}"/>
+                <a16:creationId xmlns:a16="http://schemas.microsoft.com/office/drawing/2014/main" xmlns="" id="{A2C36C91-CB11-4877-A9AB-7077C45F91B3}"/>
               </a:ext>
             </a:extLst>
           </p:cNvPr>
@@ -16389,7 +16390,7 @@
           <p:cNvPr id="26" name="직선 화살표 연결선 25">
             <a:extLst>
               <a:ext uri="{FF2B5EF4-FFF2-40B4-BE49-F238E27FC236}">
-                <a16:creationId xmlns="" xmlns:a16="http://schemas.microsoft.com/office/drawing/2014/main" id="{4EBBCF9C-83D0-464C-96CC-25511ECF7979}"/>
+                <a16:creationId xmlns:a16="http://schemas.microsoft.com/office/drawing/2014/main" xmlns="" id="{4EBBCF9C-83D0-464C-96CC-25511ECF7979}"/>
               </a:ext>
             </a:extLst>
           </p:cNvPr>
@@ -16432,7 +16433,7 @@
           <p:cNvPr id="29" name="직선 화살표 연결선 28">
             <a:extLst>
               <a:ext uri="{FF2B5EF4-FFF2-40B4-BE49-F238E27FC236}">
-                <a16:creationId xmlns="" xmlns:a16="http://schemas.microsoft.com/office/drawing/2014/main" id="{9BEA08D9-5003-4EBA-B771-84E318E77859}"/>
+                <a16:creationId xmlns:a16="http://schemas.microsoft.com/office/drawing/2014/main" xmlns="" id="{9BEA08D9-5003-4EBA-B771-84E318E77859}"/>
               </a:ext>
             </a:extLst>
           </p:cNvPr>
@@ -16476,7 +16477,7 @@
               <p:cNvPr id="32" name="TextBox 31">
                 <a:extLst>
                   <a:ext uri="{FF2B5EF4-FFF2-40B4-BE49-F238E27FC236}">
-                    <a16:creationId xmlns="" xmlns:a16="http://schemas.microsoft.com/office/drawing/2014/main" id="{B762AC4C-43D2-4F68-9F3B-5B6960C79FD5}"/>
+                    <a16:creationId xmlns:a16="http://schemas.microsoft.com/office/drawing/2014/main" xmlns="" id="{B762AC4C-43D2-4F68-9F3B-5B6960C79FD5}"/>
                   </a:ext>
                 </a:extLst>
               </p:cNvPr>
@@ -16591,7 +16592,7 @@
               <p:cNvPr id="33" name="TextBox 32">
                 <a:extLst>
                   <a:ext uri="{FF2B5EF4-FFF2-40B4-BE49-F238E27FC236}">
-                    <a16:creationId xmlns="" xmlns:a16="http://schemas.microsoft.com/office/drawing/2014/main" id="{17AFDE06-C487-486D-B7B1-76971B04CC45}"/>
+                    <a16:creationId xmlns:a16="http://schemas.microsoft.com/office/drawing/2014/main" xmlns="" id="{17AFDE06-C487-486D-B7B1-76971B04CC45}"/>
                   </a:ext>
                 </a:extLst>
               </p:cNvPr>
@@ -16706,7 +16707,7 @@
               <p:cNvPr id="34" name="TextBox 33">
                 <a:extLst>
                   <a:ext uri="{FF2B5EF4-FFF2-40B4-BE49-F238E27FC236}">
-                    <a16:creationId xmlns="" xmlns:a16="http://schemas.microsoft.com/office/drawing/2014/main" id="{3176E3DE-1A33-48CE-8889-27F07BED33E0}"/>
+                    <a16:creationId xmlns:a16="http://schemas.microsoft.com/office/drawing/2014/main" xmlns="" id="{3176E3DE-1A33-48CE-8889-27F07BED33E0}"/>
                   </a:ext>
                 </a:extLst>
               </p:cNvPr>
@@ -16821,7 +16822,7 @@
               <p:cNvPr id="35" name="TextBox 34">
                 <a:extLst>
                   <a:ext uri="{FF2B5EF4-FFF2-40B4-BE49-F238E27FC236}">
-                    <a16:creationId xmlns="" xmlns:a16="http://schemas.microsoft.com/office/drawing/2014/main" id="{3E6BEBE2-E434-4579-9BEF-7F057088C6A4}"/>
+                    <a16:creationId xmlns:a16="http://schemas.microsoft.com/office/drawing/2014/main" xmlns="" id="{3E6BEBE2-E434-4579-9BEF-7F057088C6A4}"/>
                   </a:ext>
                 </a:extLst>
               </p:cNvPr>
@@ -16936,7 +16937,7 @@
               <p:cNvPr id="36" name="TextBox 35">
                 <a:extLst>
                   <a:ext uri="{FF2B5EF4-FFF2-40B4-BE49-F238E27FC236}">
-                    <a16:creationId xmlns="" xmlns:a16="http://schemas.microsoft.com/office/drawing/2014/main" id="{14E0069C-C3BE-41C2-B653-A18BA212F52D}"/>
+                    <a16:creationId xmlns:a16="http://schemas.microsoft.com/office/drawing/2014/main" xmlns="" id="{14E0069C-C3BE-41C2-B653-A18BA212F52D}"/>
                   </a:ext>
                 </a:extLst>
               </p:cNvPr>
@@ -17051,7 +17052,7 @@
               <p:cNvPr id="37" name="TextBox 36">
                 <a:extLst>
                   <a:ext uri="{FF2B5EF4-FFF2-40B4-BE49-F238E27FC236}">
-                    <a16:creationId xmlns="" xmlns:a16="http://schemas.microsoft.com/office/drawing/2014/main" id="{6448FB8C-D9A1-4602-BD58-DE946A793132}"/>
+                    <a16:creationId xmlns:a16="http://schemas.microsoft.com/office/drawing/2014/main" xmlns="" id="{6448FB8C-D9A1-4602-BD58-DE946A793132}"/>
                   </a:ext>
                 </a:extLst>
               </p:cNvPr>
@@ -17166,7 +17167,7 @@
               <p:cNvPr id="39" name="TextBox 38">
                 <a:extLst>
                   <a:ext uri="{FF2B5EF4-FFF2-40B4-BE49-F238E27FC236}">
-                    <a16:creationId xmlns="" xmlns:a16="http://schemas.microsoft.com/office/drawing/2014/main" id="{34ED70D7-EC33-49DC-96FA-7BE986853032}"/>
+                    <a16:creationId xmlns:a16="http://schemas.microsoft.com/office/drawing/2014/main" xmlns="" id="{34ED70D7-EC33-49DC-96FA-7BE986853032}"/>
                   </a:ext>
                 </a:extLst>
               </p:cNvPr>
@@ -17260,7 +17261,7 @@
           <p:cNvPr id="41" name="직사각형 40">
             <a:extLst>
               <a:ext uri="{FF2B5EF4-FFF2-40B4-BE49-F238E27FC236}">
-                <a16:creationId xmlns="" xmlns:a16="http://schemas.microsoft.com/office/drawing/2014/main" id="{2408790D-3D66-431C-849B-99668B932886}"/>
+                <a16:creationId xmlns:a16="http://schemas.microsoft.com/office/drawing/2014/main" xmlns="" id="{2408790D-3D66-431C-849B-99668B932886}"/>
               </a:ext>
             </a:extLst>
           </p:cNvPr>
@@ -17313,7 +17314,7 @@
           <p:cNvPr id="42" name="직사각형 41">
             <a:extLst>
               <a:ext uri="{FF2B5EF4-FFF2-40B4-BE49-F238E27FC236}">
-                <a16:creationId xmlns="" xmlns:a16="http://schemas.microsoft.com/office/drawing/2014/main" id="{D3CFBC4C-F45D-48C0-A8AA-F68207C535F1}"/>
+                <a16:creationId xmlns:a16="http://schemas.microsoft.com/office/drawing/2014/main" xmlns="" id="{D3CFBC4C-F45D-48C0-A8AA-F68207C535F1}"/>
               </a:ext>
             </a:extLst>
           </p:cNvPr>
@@ -17366,7 +17367,7 @@
           <p:cNvPr id="43" name="직사각형 42">
             <a:extLst>
               <a:ext uri="{FF2B5EF4-FFF2-40B4-BE49-F238E27FC236}">
-                <a16:creationId xmlns="" xmlns:a16="http://schemas.microsoft.com/office/drawing/2014/main" id="{1CCBC64F-3065-4A07-BBD2-C6D6AFF1B01A}"/>
+                <a16:creationId xmlns:a16="http://schemas.microsoft.com/office/drawing/2014/main" xmlns="" id="{1CCBC64F-3065-4A07-BBD2-C6D6AFF1B01A}"/>
               </a:ext>
             </a:extLst>
           </p:cNvPr>
@@ -17419,7 +17420,7 @@
           <p:cNvPr id="44" name="직사각형 43">
             <a:extLst>
               <a:ext uri="{FF2B5EF4-FFF2-40B4-BE49-F238E27FC236}">
-                <a16:creationId xmlns="" xmlns:a16="http://schemas.microsoft.com/office/drawing/2014/main" id="{8335E1E8-EE72-4026-805B-961A5AA502D5}"/>
+                <a16:creationId xmlns:a16="http://schemas.microsoft.com/office/drawing/2014/main" xmlns="" id="{8335E1E8-EE72-4026-805B-961A5AA502D5}"/>
               </a:ext>
             </a:extLst>
           </p:cNvPr>
@@ -17472,7 +17473,7 @@
           <p:cNvPr id="45" name="직사각형 44">
             <a:extLst>
               <a:ext uri="{FF2B5EF4-FFF2-40B4-BE49-F238E27FC236}">
-                <a16:creationId xmlns="" xmlns:a16="http://schemas.microsoft.com/office/drawing/2014/main" id="{111AA82D-9B7D-4823-98CA-1E4E96C1FA21}"/>
+                <a16:creationId xmlns:a16="http://schemas.microsoft.com/office/drawing/2014/main" xmlns="" id="{111AA82D-9B7D-4823-98CA-1E4E96C1FA21}"/>
               </a:ext>
             </a:extLst>
           </p:cNvPr>
@@ -17520,7 +17521,7 @@
           <p:cNvPr id="46" name="직사각형 45">
             <a:extLst>
               <a:ext uri="{FF2B5EF4-FFF2-40B4-BE49-F238E27FC236}">
-                <a16:creationId xmlns="" xmlns:a16="http://schemas.microsoft.com/office/drawing/2014/main" id="{314F8EF3-3359-49FA-87AB-213C9D682DB7}"/>
+                <a16:creationId xmlns:a16="http://schemas.microsoft.com/office/drawing/2014/main" xmlns="" id="{314F8EF3-3359-49FA-87AB-213C9D682DB7}"/>
               </a:ext>
             </a:extLst>
           </p:cNvPr>
@@ -17568,7 +17569,7 @@
           <p:cNvPr id="47" name="직사각형 46">
             <a:extLst>
               <a:ext uri="{FF2B5EF4-FFF2-40B4-BE49-F238E27FC236}">
-                <a16:creationId xmlns="" xmlns:a16="http://schemas.microsoft.com/office/drawing/2014/main" id="{69994DCF-107E-4F14-840B-FCA36463D13F}"/>
+                <a16:creationId xmlns:a16="http://schemas.microsoft.com/office/drawing/2014/main" xmlns="" id="{69994DCF-107E-4F14-840B-FCA36463D13F}"/>
               </a:ext>
             </a:extLst>
           </p:cNvPr>
@@ -17616,7 +17617,7 @@
           <p:cNvPr id="49" name="직사각형 48">
             <a:extLst>
               <a:ext uri="{FF2B5EF4-FFF2-40B4-BE49-F238E27FC236}">
-                <a16:creationId xmlns="" xmlns:a16="http://schemas.microsoft.com/office/drawing/2014/main" id="{D24437A5-5A5B-42EA-AA28-A1F819EFE17B}"/>
+                <a16:creationId xmlns:a16="http://schemas.microsoft.com/office/drawing/2014/main" xmlns="" id="{D24437A5-5A5B-42EA-AA28-A1F819EFE17B}"/>
               </a:ext>
             </a:extLst>
           </p:cNvPr>
@@ -17664,7 +17665,7 @@
           <p:cNvPr id="50" name="직사각형 49">
             <a:extLst>
               <a:ext uri="{FF2B5EF4-FFF2-40B4-BE49-F238E27FC236}">
-                <a16:creationId xmlns="" xmlns:a16="http://schemas.microsoft.com/office/drawing/2014/main" id="{454F7536-28CC-4E35-8830-958C9CA919D0}"/>
+                <a16:creationId xmlns:a16="http://schemas.microsoft.com/office/drawing/2014/main" xmlns="" id="{454F7536-28CC-4E35-8830-958C9CA919D0}"/>
               </a:ext>
             </a:extLst>
           </p:cNvPr>
@@ -17712,7 +17713,7 @@
           <p:cNvPr id="51" name="직사각형 50">
             <a:extLst>
               <a:ext uri="{FF2B5EF4-FFF2-40B4-BE49-F238E27FC236}">
-                <a16:creationId xmlns="" xmlns:a16="http://schemas.microsoft.com/office/drawing/2014/main" id="{4350E3CD-9519-4828-A563-8BDC2F1EBAB9}"/>
+                <a16:creationId xmlns:a16="http://schemas.microsoft.com/office/drawing/2014/main" xmlns="" id="{4350E3CD-9519-4828-A563-8BDC2F1EBAB9}"/>
               </a:ext>
             </a:extLst>
           </p:cNvPr>
@@ -17762,7 +17763,7 @@
               <p:cNvPr id="55" name="TextBox 54">
                 <a:extLst>
                   <a:ext uri="{FF2B5EF4-FFF2-40B4-BE49-F238E27FC236}">
-                    <a16:creationId xmlns="" xmlns:a16="http://schemas.microsoft.com/office/drawing/2014/main" id="{72B80003-A461-40D8-85C7-6F6665F27485}"/>
+                    <a16:creationId xmlns:a16="http://schemas.microsoft.com/office/drawing/2014/main" xmlns="" id="{72B80003-A461-40D8-85C7-6F6665F27485}"/>
                   </a:ext>
                 </a:extLst>
               </p:cNvPr>
@@ -17889,7 +17890,7 @@
               <p:cNvPr id="57" name="TextBox 56">
                 <a:extLst>
                   <a:ext uri="{FF2B5EF4-FFF2-40B4-BE49-F238E27FC236}">
-                    <a16:creationId xmlns="" xmlns:a16="http://schemas.microsoft.com/office/drawing/2014/main" id="{20E0532F-A1CA-4D11-85ED-98569F22BC6C}"/>
+                    <a16:creationId xmlns:a16="http://schemas.microsoft.com/office/drawing/2014/main" xmlns="" id="{20E0532F-A1CA-4D11-85ED-98569F22BC6C}"/>
                   </a:ext>
                 </a:extLst>
               </p:cNvPr>
@@ -18016,7 +18017,7 @@
               <p:cNvPr id="58" name="TextBox 57">
                 <a:extLst>
                   <a:ext uri="{FF2B5EF4-FFF2-40B4-BE49-F238E27FC236}">
-                    <a16:creationId xmlns="" xmlns:a16="http://schemas.microsoft.com/office/drawing/2014/main" id="{BB4072BD-4BD0-4145-A29C-DBC0590749EA}"/>
+                    <a16:creationId xmlns:a16="http://schemas.microsoft.com/office/drawing/2014/main" xmlns="" id="{BB4072BD-4BD0-4145-A29C-DBC0590749EA}"/>
                   </a:ext>
                 </a:extLst>
               </p:cNvPr>
@@ -18141,7 +18142,7 @@
           <p:cNvPr id="59" name="직선 화살표 연결선 58">
             <a:extLst>
               <a:ext uri="{FF2B5EF4-FFF2-40B4-BE49-F238E27FC236}">
-                <a16:creationId xmlns="" xmlns:a16="http://schemas.microsoft.com/office/drawing/2014/main" id="{8FD6C182-3273-43AE-AF9B-88D62A891900}"/>
+                <a16:creationId xmlns:a16="http://schemas.microsoft.com/office/drawing/2014/main" xmlns="" id="{8FD6C182-3273-43AE-AF9B-88D62A891900}"/>
               </a:ext>
             </a:extLst>
           </p:cNvPr>
@@ -18184,7 +18185,7 @@
           <p:cNvPr id="62" name="직선 화살표 연결선 61">
             <a:extLst>
               <a:ext uri="{FF2B5EF4-FFF2-40B4-BE49-F238E27FC236}">
-                <a16:creationId xmlns="" xmlns:a16="http://schemas.microsoft.com/office/drawing/2014/main" id="{84687B28-D3CF-4CC4-BB5A-CC64A664AE74}"/>
+                <a16:creationId xmlns:a16="http://schemas.microsoft.com/office/drawing/2014/main" xmlns="" id="{84687B28-D3CF-4CC4-BB5A-CC64A664AE74}"/>
               </a:ext>
             </a:extLst>
           </p:cNvPr>
@@ -18227,7 +18228,7 @@
           <p:cNvPr id="65" name="직선 화살표 연결선 64">
             <a:extLst>
               <a:ext uri="{FF2B5EF4-FFF2-40B4-BE49-F238E27FC236}">
-                <a16:creationId xmlns="" xmlns:a16="http://schemas.microsoft.com/office/drawing/2014/main" id="{5B0C86E3-E2D2-4A73-8DA8-9D61E38B3683}"/>
+                <a16:creationId xmlns:a16="http://schemas.microsoft.com/office/drawing/2014/main" xmlns="" id="{5B0C86E3-E2D2-4A73-8DA8-9D61E38B3683}"/>
               </a:ext>
             </a:extLst>
           </p:cNvPr>
@@ -18270,7 +18271,7 @@
           <p:cNvPr id="69" name="직선 화살표 연결선 68">
             <a:extLst>
               <a:ext uri="{FF2B5EF4-FFF2-40B4-BE49-F238E27FC236}">
-                <a16:creationId xmlns="" xmlns:a16="http://schemas.microsoft.com/office/drawing/2014/main" id="{E9DDA7B8-E402-4260-BD91-6BF2C76E596D}"/>
+                <a16:creationId xmlns:a16="http://schemas.microsoft.com/office/drawing/2014/main" xmlns="" id="{E9DDA7B8-E402-4260-BD91-6BF2C76E596D}"/>
               </a:ext>
             </a:extLst>
           </p:cNvPr>
@@ -18313,7 +18314,7 @@
           <p:cNvPr id="72" name="직선 화살표 연결선 71">
             <a:extLst>
               <a:ext uri="{FF2B5EF4-FFF2-40B4-BE49-F238E27FC236}">
-                <a16:creationId xmlns="" xmlns:a16="http://schemas.microsoft.com/office/drawing/2014/main" id="{3A38D4EC-BFCE-47EF-9CC9-5F3059C57B9A}"/>
+                <a16:creationId xmlns:a16="http://schemas.microsoft.com/office/drawing/2014/main" xmlns="" id="{3A38D4EC-BFCE-47EF-9CC9-5F3059C57B9A}"/>
               </a:ext>
             </a:extLst>
           </p:cNvPr>
@@ -18356,7 +18357,7 @@
           <p:cNvPr id="75" name="직선 화살표 연결선 74">
             <a:extLst>
               <a:ext uri="{FF2B5EF4-FFF2-40B4-BE49-F238E27FC236}">
-                <a16:creationId xmlns="" xmlns:a16="http://schemas.microsoft.com/office/drawing/2014/main" id="{F0A56918-BB78-4512-9AE4-4595F71A0374}"/>
+                <a16:creationId xmlns:a16="http://schemas.microsoft.com/office/drawing/2014/main" xmlns="" id="{F0A56918-BB78-4512-9AE4-4595F71A0374}"/>
               </a:ext>
             </a:extLst>
           </p:cNvPr>
@@ -18399,7 +18400,7 @@
           <p:cNvPr id="78" name="직선 화살표 연결선 77">
             <a:extLst>
               <a:ext uri="{FF2B5EF4-FFF2-40B4-BE49-F238E27FC236}">
-                <a16:creationId xmlns="" xmlns:a16="http://schemas.microsoft.com/office/drawing/2014/main" id="{6BE0089D-C53D-4CB5-81DB-317FD6773065}"/>
+                <a16:creationId xmlns:a16="http://schemas.microsoft.com/office/drawing/2014/main" xmlns="" id="{6BE0089D-C53D-4CB5-81DB-317FD6773065}"/>
               </a:ext>
             </a:extLst>
           </p:cNvPr>
@@ -18442,7 +18443,7 @@
           <p:cNvPr id="81" name="직선 화살표 연결선 80">
             <a:extLst>
               <a:ext uri="{FF2B5EF4-FFF2-40B4-BE49-F238E27FC236}">
-                <a16:creationId xmlns="" xmlns:a16="http://schemas.microsoft.com/office/drawing/2014/main" id="{1FE67D45-F341-48D8-A5DA-5CABD0220D40}"/>
+                <a16:creationId xmlns:a16="http://schemas.microsoft.com/office/drawing/2014/main" xmlns="" id="{1FE67D45-F341-48D8-A5DA-5CABD0220D40}"/>
               </a:ext>
             </a:extLst>
           </p:cNvPr>
@@ -18485,7 +18486,7 @@
           <p:cNvPr id="87" name="직선 화살표 연결선 86">
             <a:extLst>
               <a:ext uri="{FF2B5EF4-FFF2-40B4-BE49-F238E27FC236}">
-                <a16:creationId xmlns="" xmlns:a16="http://schemas.microsoft.com/office/drawing/2014/main" id="{2F9DA316-AF50-4F26-873D-18769FF362BC}"/>
+                <a16:creationId xmlns:a16="http://schemas.microsoft.com/office/drawing/2014/main" xmlns="" id="{2F9DA316-AF50-4F26-873D-18769FF362BC}"/>
               </a:ext>
             </a:extLst>
           </p:cNvPr>
@@ -18528,7 +18529,7 @@
           <p:cNvPr id="90" name="직선 화살표 연결선 89">
             <a:extLst>
               <a:ext uri="{FF2B5EF4-FFF2-40B4-BE49-F238E27FC236}">
-                <a16:creationId xmlns="" xmlns:a16="http://schemas.microsoft.com/office/drawing/2014/main" id="{20099984-F671-4110-A508-825AF03AF97E}"/>
+                <a16:creationId xmlns:a16="http://schemas.microsoft.com/office/drawing/2014/main" xmlns="" id="{20099984-F671-4110-A508-825AF03AF97E}"/>
               </a:ext>
             </a:extLst>
           </p:cNvPr>
@@ -18571,7 +18572,7 @@
           <p:cNvPr id="93" name="직선 화살표 연결선 92">
             <a:extLst>
               <a:ext uri="{FF2B5EF4-FFF2-40B4-BE49-F238E27FC236}">
-                <a16:creationId xmlns="" xmlns:a16="http://schemas.microsoft.com/office/drawing/2014/main" id="{3FD2772A-63B2-432A-874D-81B5EAE253B6}"/>
+                <a16:creationId xmlns:a16="http://schemas.microsoft.com/office/drawing/2014/main" xmlns="" id="{3FD2772A-63B2-432A-874D-81B5EAE253B6}"/>
               </a:ext>
             </a:extLst>
           </p:cNvPr>
@@ -18614,7 +18615,7 @@
           <p:cNvPr id="96" name="직선 화살표 연결선 95">
             <a:extLst>
               <a:ext uri="{FF2B5EF4-FFF2-40B4-BE49-F238E27FC236}">
-                <a16:creationId xmlns="" xmlns:a16="http://schemas.microsoft.com/office/drawing/2014/main" id="{0950EDDA-92F2-40B3-8E33-04EEEE15DEBD}"/>
+                <a16:creationId xmlns:a16="http://schemas.microsoft.com/office/drawing/2014/main" xmlns="" id="{0950EDDA-92F2-40B3-8E33-04EEEE15DEBD}"/>
               </a:ext>
             </a:extLst>
           </p:cNvPr>
@@ -18657,7 +18658,7 @@
           <p:cNvPr id="99" name="직선 화살표 연결선 98">
             <a:extLst>
               <a:ext uri="{FF2B5EF4-FFF2-40B4-BE49-F238E27FC236}">
-                <a16:creationId xmlns="" xmlns:a16="http://schemas.microsoft.com/office/drawing/2014/main" id="{3CDFBDFE-CBAD-41E3-ACEA-06CCB2C6FDBD}"/>
+                <a16:creationId xmlns:a16="http://schemas.microsoft.com/office/drawing/2014/main" xmlns="" id="{3CDFBDFE-CBAD-41E3-ACEA-06CCB2C6FDBD}"/>
               </a:ext>
             </a:extLst>
           </p:cNvPr>
@@ -18700,7 +18701,7 @@
           <p:cNvPr id="102" name="직선 화살표 연결선 101">
             <a:extLst>
               <a:ext uri="{FF2B5EF4-FFF2-40B4-BE49-F238E27FC236}">
-                <a16:creationId xmlns="" xmlns:a16="http://schemas.microsoft.com/office/drawing/2014/main" id="{77648F5A-E6F6-4F01-90F1-AAEF9A30738A}"/>
+                <a16:creationId xmlns:a16="http://schemas.microsoft.com/office/drawing/2014/main" xmlns="" id="{77648F5A-E6F6-4F01-90F1-AAEF9A30738A}"/>
               </a:ext>
             </a:extLst>
           </p:cNvPr>
@@ -18743,7 +18744,7 @@
           <p:cNvPr id="108" name="직선 화살표 연결선 107">
             <a:extLst>
               <a:ext uri="{FF2B5EF4-FFF2-40B4-BE49-F238E27FC236}">
-                <a16:creationId xmlns="" xmlns:a16="http://schemas.microsoft.com/office/drawing/2014/main" id="{F0620903-B98B-482B-BCE6-DBFF005A7721}"/>
+                <a16:creationId xmlns:a16="http://schemas.microsoft.com/office/drawing/2014/main" xmlns="" id="{F0620903-B98B-482B-BCE6-DBFF005A7721}"/>
               </a:ext>
             </a:extLst>
           </p:cNvPr>
@@ -18786,7 +18787,7 @@
           <p:cNvPr id="111" name="직선 화살표 연결선 110">
             <a:extLst>
               <a:ext uri="{FF2B5EF4-FFF2-40B4-BE49-F238E27FC236}">
-                <a16:creationId xmlns="" xmlns:a16="http://schemas.microsoft.com/office/drawing/2014/main" id="{12217889-4726-4C88-9325-F533E0E9F9D0}"/>
+                <a16:creationId xmlns:a16="http://schemas.microsoft.com/office/drawing/2014/main" xmlns="" id="{12217889-4726-4C88-9325-F533E0E9F9D0}"/>
               </a:ext>
             </a:extLst>
           </p:cNvPr>
@@ -18829,7 +18830,7 @@
           <p:cNvPr id="114" name="직선 화살표 연결선 113">
             <a:extLst>
               <a:ext uri="{FF2B5EF4-FFF2-40B4-BE49-F238E27FC236}">
-                <a16:creationId xmlns="" xmlns:a16="http://schemas.microsoft.com/office/drawing/2014/main" id="{A3466522-BCD2-4C8B-BB34-E826DC8BF883}"/>
+                <a16:creationId xmlns:a16="http://schemas.microsoft.com/office/drawing/2014/main" xmlns="" id="{A3466522-BCD2-4C8B-BB34-E826DC8BF883}"/>
               </a:ext>
             </a:extLst>
           </p:cNvPr>
@@ -18872,7 +18873,7 @@
           <p:cNvPr id="123" name="직선 화살표 연결선 122">
             <a:extLst>
               <a:ext uri="{FF2B5EF4-FFF2-40B4-BE49-F238E27FC236}">
-                <a16:creationId xmlns="" xmlns:a16="http://schemas.microsoft.com/office/drawing/2014/main" id="{5216A147-C924-4C72-8D6E-7331E2D22CFB}"/>
+                <a16:creationId xmlns:a16="http://schemas.microsoft.com/office/drawing/2014/main" xmlns="" id="{5216A147-C924-4C72-8D6E-7331E2D22CFB}"/>
               </a:ext>
             </a:extLst>
           </p:cNvPr>
@@ -18915,7 +18916,7 @@
           <p:cNvPr id="126" name="직선 화살표 연결선 125">
             <a:extLst>
               <a:ext uri="{FF2B5EF4-FFF2-40B4-BE49-F238E27FC236}">
-                <a16:creationId xmlns="" xmlns:a16="http://schemas.microsoft.com/office/drawing/2014/main" id="{45637B03-E8B6-4719-B049-0FDE04904AE4}"/>
+                <a16:creationId xmlns:a16="http://schemas.microsoft.com/office/drawing/2014/main" xmlns="" id="{45637B03-E8B6-4719-B049-0FDE04904AE4}"/>
               </a:ext>
             </a:extLst>
           </p:cNvPr>
@@ -18958,7 +18959,7 @@
           <p:cNvPr id="129" name="직선 화살표 연결선 128">
             <a:extLst>
               <a:ext uri="{FF2B5EF4-FFF2-40B4-BE49-F238E27FC236}">
-                <a16:creationId xmlns="" xmlns:a16="http://schemas.microsoft.com/office/drawing/2014/main" id="{1CA74644-B225-4181-9249-93F1981D9149}"/>
+                <a16:creationId xmlns:a16="http://schemas.microsoft.com/office/drawing/2014/main" xmlns="" id="{1CA74644-B225-4181-9249-93F1981D9149}"/>
               </a:ext>
             </a:extLst>
           </p:cNvPr>
@@ -19001,7 +19002,7 @@
           <p:cNvPr id="133" name="연결선: 구부러짐 132">
             <a:extLst>
               <a:ext uri="{FF2B5EF4-FFF2-40B4-BE49-F238E27FC236}">
-                <a16:creationId xmlns="" xmlns:a16="http://schemas.microsoft.com/office/drawing/2014/main" id="{B0692204-9491-4446-8992-669D8CADF515}"/>
+                <a16:creationId xmlns:a16="http://schemas.microsoft.com/office/drawing/2014/main" xmlns="" id="{B0692204-9491-4446-8992-669D8CADF515}"/>
               </a:ext>
             </a:extLst>
           </p:cNvPr>
@@ -19047,7 +19048,7 @@
           <p:cNvPr id="134" name="연결선: 구부러짐 133">
             <a:extLst>
               <a:ext uri="{FF2B5EF4-FFF2-40B4-BE49-F238E27FC236}">
-                <a16:creationId xmlns="" xmlns:a16="http://schemas.microsoft.com/office/drawing/2014/main" id="{FC427459-E021-48A1-B314-49541E7D501D}"/>
+                <a16:creationId xmlns:a16="http://schemas.microsoft.com/office/drawing/2014/main" xmlns="" id="{FC427459-E021-48A1-B314-49541E7D501D}"/>
               </a:ext>
             </a:extLst>
           </p:cNvPr>
@@ -19094,7 +19095,7 @@
           <p:cNvPr id="137" name="연결선: 구부러짐 136">
             <a:extLst>
               <a:ext uri="{FF2B5EF4-FFF2-40B4-BE49-F238E27FC236}">
-                <a16:creationId xmlns="" xmlns:a16="http://schemas.microsoft.com/office/drawing/2014/main" id="{9164BF98-76B5-402C-970C-7B7B851DD7BB}"/>
+                <a16:creationId xmlns:a16="http://schemas.microsoft.com/office/drawing/2014/main" xmlns="" id="{9164BF98-76B5-402C-970C-7B7B851DD7BB}"/>
               </a:ext>
             </a:extLst>
           </p:cNvPr>
@@ -19140,7 +19141,7 @@
           <p:cNvPr id="3" name="타원 2">
             <a:extLst>
               <a:ext uri="{FF2B5EF4-FFF2-40B4-BE49-F238E27FC236}">
-                <a16:creationId xmlns="" xmlns:a16="http://schemas.microsoft.com/office/drawing/2014/main" id="{AF6E7165-BEC3-46A1-B5E9-3E1C10B5D465}"/>
+                <a16:creationId xmlns:a16="http://schemas.microsoft.com/office/drawing/2014/main" xmlns="" id="{AF6E7165-BEC3-46A1-B5E9-3E1C10B5D465}"/>
               </a:ext>
             </a:extLst>
           </p:cNvPr>
@@ -19188,7 +19189,7 @@
           <p:cNvPr id="73" name="직선 화살표 연결선 72">
             <a:extLst>
               <a:ext uri="{FF2B5EF4-FFF2-40B4-BE49-F238E27FC236}">
-                <a16:creationId xmlns="" xmlns:a16="http://schemas.microsoft.com/office/drawing/2014/main" id="{EA947EBF-81B0-450D-BAB0-52AEB123A9B8}"/>
+                <a16:creationId xmlns:a16="http://schemas.microsoft.com/office/drawing/2014/main" xmlns="" id="{EA947EBF-81B0-450D-BAB0-52AEB123A9B8}"/>
               </a:ext>
             </a:extLst>
           </p:cNvPr>
@@ -19231,7 +19232,7 @@
           <p:cNvPr id="79" name="타원 78">
             <a:extLst>
               <a:ext uri="{FF2B5EF4-FFF2-40B4-BE49-F238E27FC236}">
-                <a16:creationId xmlns="" xmlns:a16="http://schemas.microsoft.com/office/drawing/2014/main" id="{4B164CE0-4FB7-49A8-816E-F04A2549B43A}"/>
+                <a16:creationId xmlns:a16="http://schemas.microsoft.com/office/drawing/2014/main" xmlns="" id="{4B164CE0-4FB7-49A8-816E-F04A2549B43A}"/>
               </a:ext>
             </a:extLst>
           </p:cNvPr>
@@ -19279,7 +19280,7 @@
           <p:cNvPr id="82" name="직선 화살표 연결선 81">
             <a:extLst>
               <a:ext uri="{FF2B5EF4-FFF2-40B4-BE49-F238E27FC236}">
-                <a16:creationId xmlns="" xmlns:a16="http://schemas.microsoft.com/office/drawing/2014/main" id="{EB8DBC75-AF38-4296-AC89-9C611C0A13A9}"/>
+                <a16:creationId xmlns:a16="http://schemas.microsoft.com/office/drawing/2014/main" xmlns="" id="{EB8DBC75-AF38-4296-AC89-9C611C0A13A9}"/>
               </a:ext>
             </a:extLst>
           </p:cNvPr>
@@ -19322,7 +19323,7 @@
           <p:cNvPr id="56" name="연결선: 꺾임 55">
             <a:extLst>
               <a:ext uri="{FF2B5EF4-FFF2-40B4-BE49-F238E27FC236}">
-                <a16:creationId xmlns="" xmlns:a16="http://schemas.microsoft.com/office/drawing/2014/main" id="{F7FC8E41-21B9-460D-91D4-F783E770627D}"/>
+                <a16:creationId xmlns:a16="http://schemas.microsoft.com/office/drawing/2014/main" xmlns="" id="{F7FC8E41-21B9-460D-91D4-F783E770627D}"/>
               </a:ext>
             </a:extLst>
           </p:cNvPr>
@@ -19368,7 +19369,7 @@
           <p:cNvPr id="94" name="연결선: 꺾임 93">
             <a:extLst>
               <a:ext uri="{FF2B5EF4-FFF2-40B4-BE49-F238E27FC236}">
-                <a16:creationId xmlns="" xmlns:a16="http://schemas.microsoft.com/office/drawing/2014/main" id="{946599C8-EB79-4223-9881-7B569270A918}"/>
+                <a16:creationId xmlns:a16="http://schemas.microsoft.com/office/drawing/2014/main" xmlns="" id="{946599C8-EB79-4223-9881-7B569270A918}"/>
               </a:ext>
             </a:extLst>
           </p:cNvPr>
@@ -19414,7 +19415,7 @@
           <p:cNvPr id="97" name="연결선: 꺾임 96">
             <a:extLst>
               <a:ext uri="{FF2B5EF4-FFF2-40B4-BE49-F238E27FC236}">
-                <a16:creationId xmlns="" xmlns:a16="http://schemas.microsoft.com/office/drawing/2014/main" id="{9726D98B-2AC5-4799-BF74-076BA2B0C7E6}"/>
+                <a16:creationId xmlns:a16="http://schemas.microsoft.com/office/drawing/2014/main" xmlns="" id="{9726D98B-2AC5-4799-BF74-076BA2B0C7E6}"/>
               </a:ext>
             </a:extLst>
           </p:cNvPr>
@@ -19459,7 +19460,7 @@
           <p:cNvPr id="2" name="TextBox 1">
             <a:extLst>
               <a:ext uri="{FF2B5EF4-FFF2-40B4-BE49-F238E27FC236}">
-                <a16:creationId xmlns="" xmlns:a16="http://schemas.microsoft.com/office/drawing/2014/main" id="{5BE483D8-9C3E-447C-8143-99A9EC2A2579}"/>
+                <a16:creationId xmlns:a16="http://schemas.microsoft.com/office/drawing/2014/main" xmlns="" id="{5BE483D8-9C3E-447C-8143-99A9EC2A2579}"/>
               </a:ext>
             </a:extLst>
           </p:cNvPr>
@@ -19494,7 +19495,7 @@
           <p:cNvPr id="83" name="직사각형 82">
             <a:extLst>
               <a:ext uri="{FF2B5EF4-FFF2-40B4-BE49-F238E27FC236}">
-                <a16:creationId xmlns="" xmlns:a16="http://schemas.microsoft.com/office/drawing/2014/main" id="{2948F307-9ACE-4C08-8F16-03C8050895CE}"/>
+                <a16:creationId xmlns:a16="http://schemas.microsoft.com/office/drawing/2014/main" xmlns="" id="{2948F307-9ACE-4C08-8F16-03C8050895CE}"/>
               </a:ext>
             </a:extLst>
           </p:cNvPr>
@@ -19542,7 +19543,7 @@
           <p:cNvPr id="85" name="직사각형 84">
             <a:extLst>
               <a:ext uri="{FF2B5EF4-FFF2-40B4-BE49-F238E27FC236}">
-                <a16:creationId xmlns="" xmlns:a16="http://schemas.microsoft.com/office/drawing/2014/main" id="{AD05C797-757F-4159-96A1-19715AE82730}"/>
+                <a16:creationId xmlns:a16="http://schemas.microsoft.com/office/drawing/2014/main" xmlns="" id="{AD05C797-757F-4159-96A1-19715AE82730}"/>
               </a:ext>
             </a:extLst>
           </p:cNvPr>
@@ -19590,7 +19591,7 @@
           <p:cNvPr id="88" name="직사각형 87">
             <a:extLst>
               <a:ext uri="{FF2B5EF4-FFF2-40B4-BE49-F238E27FC236}">
-                <a16:creationId xmlns="" xmlns:a16="http://schemas.microsoft.com/office/drawing/2014/main" id="{793390FF-9BC8-4462-B44B-E2522AE268A2}"/>
+                <a16:creationId xmlns:a16="http://schemas.microsoft.com/office/drawing/2014/main" xmlns="" id="{793390FF-9BC8-4462-B44B-E2522AE268A2}"/>
               </a:ext>
             </a:extLst>
           </p:cNvPr>
@@ -19638,7 +19639,7 @@
           <p:cNvPr id="89" name="직선 화살표 연결선 88">
             <a:extLst>
               <a:ext uri="{FF2B5EF4-FFF2-40B4-BE49-F238E27FC236}">
-                <a16:creationId xmlns="" xmlns:a16="http://schemas.microsoft.com/office/drawing/2014/main" id="{9D394CDA-584A-47B6-A84A-CAA6A958D4E7}"/>
+                <a16:creationId xmlns:a16="http://schemas.microsoft.com/office/drawing/2014/main" xmlns="" id="{9D394CDA-584A-47B6-A84A-CAA6A958D4E7}"/>
               </a:ext>
             </a:extLst>
           </p:cNvPr>
@@ -19681,7 +19682,7 @@
           <p:cNvPr id="91" name="직선 화살표 연결선 90">
             <a:extLst>
               <a:ext uri="{FF2B5EF4-FFF2-40B4-BE49-F238E27FC236}">
-                <a16:creationId xmlns="" xmlns:a16="http://schemas.microsoft.com/office/drawing/2014/main" id="{3F127DC0-10A6-48B3-AEEF-DF18014518E6}"/>
+                <a16:creationId xmlns:a16="http://schemas.microsoft.com/office/drawing/2014/main" xmlns="" id="{3F127DC0-10A6-48B3-AEEF-DF18014518E6}"/>
               </a:ext>
             </a:extLst>
           </p:cNvPr>
@@ -19724,7 +19725,7 @@
           <p:cNvPr id="92" name="직선 화살표 연결선 91">
             <a:extLst>
               <a:ext uri="{FF2B5EF4-FFF2-40B4-BE49-F238E27FC236}">
-                <a16:creationId xmlns="" xmlns:a16="http://schemas.microsoft.com/office/drawing/2014/main" id="{B5862385-648F-4714-A465-B17191AAA72E}"/>
+                <a16:creationId xmlns:a16="http://schemas.microsoft.com/office/drawing/2014/main" xmlns="" id="{B5862385-648F-4714-A465-B17191AAA72E}"/>
               </a:ext>
             </a:extLst>
           </p:cNvPr>
@@ -19767,7 +19768,7 @@
           <p:cNvPr id="95" name="직사각형 94">
             <a:extLst>
               <a:ext uri="{FF2B5EF4-FFF2-40B4-BE49-F238E27FC236}">
-                <a16:creationId xmlns="" xmlns:a16="http://schemas.microsoft.com/office/drawing/2014/main" id="{1CC4E19F-E4A6-49E8-9881-0DDE93EA037B}"/>
+                <a16:creationId xmlns:a16="http://schemas.microsoft.com/office/drawing/2014/main" xmlns="" id="{1CC4E19F-E4A6-49E8-9881-0DDE93EA037B}"/>
               </a:ext>
             </a:extLst>
           </p:cNvPr>
@@ -19815,7 +19816,7 @@
           <p:cNvPr id="101" name="직선 화살표 연결선 100">
             <a:extLst>
               <a:ext uri="{FF2B5EF4-FFF2-40B4-BE49-F238E27FC236}">
-                <a16:creationId xmlns="" xmlns:a16="http://schemas.microsoft.com/office/drawing/2014/main" id="{C5996DDA-80A3-4535-9BE6-593EC08FF94A}"/>
+                <a16:creationId xmlns:a16="http://schemas.microsoft.com/office/drawing/2014/main" xmlns="" id="{C5996DDA-80A3-4535-9BE6-593EC08FF94A}"/>
               </a:ext>
             </a:extLst>
           </p:cNvPr>
@@ -19858,7 +19859,7 @@
           <p:cNvPr id="104" name="직사각형 103">
             <a:extLst>
               <a:ext uri="{FF2B5EF4-FFF2-40B4-BE49-F238E27FC236}">
-                <a16:creationId xmlns="" xmlns:a16="http://schemas.microsoft.com/office/drawing/2014/main" id="{9DA796BD-C081-4228-943D-3E30A207219E}"/>
+                <a16:creationId xmlns:a16="http://schemas.microsoft.com/office/drawing/2014/main" xmlns="" id="{9DA796BD-C081-4228-943D-3E30A207219E}"/>
               </a:ext>
             </a:extLst>
           </p:cNvPr>
@@ -19906,7 +19907,7 @@
           <p:cNvPr id="106" name="직선 화살표 연결선 105">
             <a:extLst>
               <a:ext uri="{FF2B5EF4-FFF2-40B4-BE49-F238E27FC236}">
-                <a16:creationId xmlns="" xmlns:a16="http://schemas.microsoft.com/office/drawing/2014/main" id="{900E69D7-2E24-412E-8820-964486ECB073}"/>
+                <a16:creationId xmlns:a16="http://schemas.microsoft.com/office/drawing/2014/main" xmlns="" id="{900E69D7-2E24-412E-8820-964486ECB073}"/>
               </a:ext>
             </a:extLst>
           </p:cNvPr>
@@ -19949,7 +19950,7 @@
           <p:cNvPr id="109" name="직선 화살표 연결선 108">
             <a:extLst>
               <a:ext uri="{FF2B5EF4-FFF2-40B4-BE49-F238E27FC236}">
-                <a16:creationId xmlns="" xmlns:a16="http://schemas.microsoft.com/office/drawing/2014/main" id="{D00C95C6-3B79-43DD-B4C3-B5EA9C2DD3B6}"/>
+                <a16:creationId xmlns:a16="http://schemas.microsoft.com/office/drawing/2014/main" xmlns="" id="{D00C95C6-3B79-43DD-B4C3-B5EA9C2DD3B6}"/>
               </a:ext>
             </a:extLst>
           </p:cNvPr>
@@ -19992,7 +19993,7 @@
           <p:cNvPr id="112" name="직선 화살표 연결선 111">
             <a:extLst>
               <a:ext uri="{FF2B5EF4-FFF2-40B4-BE49-F238E27FC236}">
-                <a16:creationId xmlns="" xmlns:a16="http://schemas.microsoft.com/office/drawing/2014/main" id="{D1108934-0DE2-4896-A974-04EAF3B496D9}"/>
+                <a16:creationId xmlns:a16="http://schemas.microsoft.com/office/drawing/2014/main" xmlns="" id="{D1108934-0DE2-4896-A974-04EAF3B496D9}"/>
               </a:ext>
             </a:extLst>
           </p:cNvPr>
@@ -20035,7 +20036,7 @@
           <p:cNvPr id="115" name="직선 화살표 연결선 114">
             <a:extLst>
               <a:ext uri="{FF2B5EF4-FFF2-40B4-BE49-F238E27FC236}">
-                <a16:creationId xmlns="" xmlns:a16="http://schemas.microsoft.com/office/drawing/2014/main" id="{51041D92-7B33-4517-85B7-1C098B164AEA}"/>
+                <a16:creationId xmlns:a16="http://schemas.microsoft.com/office/drawing/2014/main" xmlns="" id="{51041D92-7B33-4517-85B7-1C098B164AEA}"/>
               </a:ext>
             </a:extLst>
           </p:cNvPr>
@@ -20078,7 +20079,7 @@
           <p:cNvPr id="130" name="직선 화살표 연결선 129">
             <a:extLst>
               <a:ext uri="{FF2B5EF4-FFF2-40B4-BE49-F238E27FC236}">
-                <a16:creationId xmlns="" xmlns:a16="http://schemas.microsoft.com/office/drawing/2014/main" id="{27B692DA-05DB-42E6-A6C7-3BB9F213155D}"/>
+                <a16:creationId xmlns:a16="http://schemas.microsoft.com/office/drawing/2014/main" xmlns="" id="{27B692DA-05DB-42E6-A6C7-3BB9F213155D}"/>
               </a:ext>
             </a:extLst>
           </p:cNvPr>
@@ -20121,7 +20122,7 @@
           <p:cNvPr id="132" name="직선 화살표 연결선 131">
             <a:extLst>
               <a:ext uri="{FF2B5EF4-FFF2-40B4-BE49-F238E27FC236}">
-                <a16:creationId xmlns="" xmlns:a16="http://schemas.microsoft.com/office/drawing/2014/main" id="{5CBCBEA7-517C-4701-BBE5-C406CA35CEB8}"/>
+                <a16:creationId xmlns:a16="http://schemas.microsoft.com/office/drawing/2014/main" xmlns="" id="{5CBCBEA7-517C-4701-BBE5-C406CA35CEB8}"/>
               </a:ext>
             </a:extLst>
           </p:cNvPr>
@@ -20164,7 +20165,7 @@
           <p:cNvPr id="136" name="직선 화살표 연결선 135">
             <a:extLst>
               <a:ext uri="{FF2B5EF4-FFF2-40B4-BE49-F238E27FC236}">
-                <a16:creationId xmlns="" xmlns:a16="http://schemas.microsoft.com/office/drawing/2014/main" id="{466C4A4C-A11E-4B4C-9700-6BA3A94EB168}"/>
+                <a16:creationId xmlns:a16="http://schemas.microsoft.com/office/drawing/2014/main" xmlns="" id="{466C4A4C-A11E-4B4C-9700-6BA3A94EB168}"/>
               </a:ext>
             </a:extLst>
           </p:cNvPr>
@@ -20207,7 +20208,7 @@
           <p:cNvPr id="139" name="직선 화살표 연결선 138">
             <a:extLst>
               <a:ext uri="{FF2B5EF4-FFF2-40B4-BE49-F238E27FC236}">
-                <a16:creationId xmlns="" xmlns:a16="http://schemas.microsoft.com/office/drawing/2014/main" id="{208D04FD-1AFF-4620-90B1-91E5BF97DE38}"/>
+                <a16:creationId xmlns:a16="http://schemas.microsoft.com/office/drawing/2014/main" xmlns="" id="{208D04FD-1AFF-4620-90B1-91E5BF97DE38}"/>
               </a:ext>
             </a:extLst>
           </p:cNvPr>
@@ -20250,7 +20251,7 @@
           <p:cNvPr id="143" name="타원 142">
             <a:extLst>
               <a:ext uri="{FF2B5EF4-FFF2-40B4-BE49-F238E27FC236}">
-                <a16:creationId xmlns="" xmlns:a16="http://schemas.microsoft.com/office/drawing/2014/main" id="{1C036760-D394-47F6-9B58-6E3788CFFF1A}"/>
+                <a16:creationId xmlns:a16="http://schemas.microsoft.com/office/drawing/2014/main" xmlns="" id="{1C036760-D394-47F6-9B58-6E3788CFFF1A}"/>
               </a:ext>
             </a:extLst>
           </p:cNvPr>
@@ -20294,7 +20295,7 @@
           <p:cNvPr id="156" name="타원 155">
             <a:extLst>
               <a:ext uri="{FF2B5EF4-FFF2-40B4-BE49-F238E27FC236}">
-                <a16:creationId xmlns="" xmlns:a16="http://schemas.microsoft.com/office/drawing/2014/main" id="{D4378C55-6EEE-4377-8042-E3307512418D}"/>
+                <a16:creationId xmlns:a16="http://schemas.microsoft.com/office/drawing/2014/main" xmlns="" id="{D4378C55-6EEE-4377-8042-E3307512418D}"/>
               </a:ext>
             </a:extLst>
           </p:cNvPr>
@@ -20338,7 +20339,7 @@
           <p:cNvPr id="173" name="연결선: 꺾임 172">
             <a:extLst>
               <a:ext uri="{FF2B5EF4-FFF2-40B4-BE49-F238E27FC236}">
-                <a16:creationId xmlns="" xmlns:a16="http://schemas.microsoft.com/office/drawing/2014/main" id="{4390C1A3-33FA-421B-9542-EECFDAFFCC6C}"/>
+                <a16:creationId xmlns:a16="http://schemas.microsoft.com/office/drawing/2014/main" xmlns="" id="{4390C1A3-33FA-421B-9542-EECFDAFFCC6C}"/>
               </a:ext>
             </a:extLst>
           </p:cNvPr>
@@ -20385,7 +20386,7 @@
           <p:cNvPr id="178" name="TextBox 177">
             <a:extLst>
               <a:ext uri="{FF2B5EF4-FFF2-40B4-BE49-F238E27FC236}">
-                <a16:creationId xmlns="" xmlns:a16="http://schemas.microsoft.com/office/drawing/2014/main" id="{336FD456-A232-40FA-883E-09694C618B63}"/>
+                <a16:creationId xmlns:a16="http://schemas.microsoft.com/office/drawing/2014/main" xmlns="" id="{336FD456-A232-40FA-883E-09694C618B63}"/>
               </a:ext>
             </a:extLst>
           </p:cNvPr>
@@ -20421,7 +20422,7 @@
           <p:cNvPr id="179" name="TextBox 178">
             <a:extLst>
               <a:ext uri="{FF2B5EF4-FFF2-40B4-BE49-F238E27FC236}">
-                <a16:creationId xmlns="" xmlns:a16="http://schemas.microsoft.com/office/drawing/2014/main" id="{D85F1C4F-7968-4139-947B-FD8FABC19B38}"/>
+                <a16:creationId xmlns:a16="http://schemas.microsoft.com/office/drawing/2014/main" xmlns="" id="{D85F1C4F-7968-4139-947B-FD8FABC19B38}"/>
               </a:ext>
             </a:extLst>
           </p:cNvPr>
@@ -20487,7 +20488,7 @@
           <p:cNvPr id="4" name="표 3">
             <a:extLst>
               <a:ext uri="{FF2B5EF4-FFF2-40B4-BE49-F238E27FC236}">
-                <a16:creationId xmlns="" xmlns:a16="http://schemas.microsoft.com/office/drawing/2014/main" id="{713F89FF-6ED5-4C51-8B84-A8DB1F419E19}"/>
+                <a16:creationId xmlns:a16="http://schemas.microsoft.com/office/drawing/2014/main" xmlns="" id="{713F89FF-6ED5-4C51-8B84-A8DB1F419E19}"/>
               </a:ext>
             </a:extLst>
           </p:cNvPr>
@@ -20516,49 +20517,49 @@
                 <a:gridCol w="734555">
                   <a:extLst>
                     <a:ext uri="{9D8B030D-6E8A-4147-A177-3AD203B41FA5}">
-                      <a16:colId xmlns="" xmlns:a16="http://schemas.microsoft.com/office/drawing/2014/main" val="3945835650"/>
+                      <a16:colId xmlns:a16="http://schemas.microsoft.com/office/drawing/2014/main" xmlns="" val="3945835650"/>
                     </a:ext>
                   </a:extLst>
                 </a:gridCol>
                 <a:gridCol w="734555">
                   <a:extLst>
                     <a:ext uri="{9D8B030D-6E8A-4147-A177-3AD203B41FA5}">
-                      <a16:colId xmlns="" xmlns:a16="http://schemas.microsoft.com/office/drawing/2014/main" val="2575170332"/>
+                      <a16:colId xmlns:a16="http://schemas.microsoft.com/office/drawing/2014/main" xmlns="" val="2575170332"/>
                     </a:ext>
                   </a:extLst>
                 </a:gridCol>
                 <a:gridCol w="734555">
                   <a:extLst>
                     <a:ext uri="{9D8B030D-6E8A-4147-A177-3AD203B41FA5}">
-                      <a16:colId xmlns="" xmlns:a16="http://schemas.microsoft.com/office/drawing/2014/main" val="1734583873"/>
+                      <a16:colId xmlns:a16="http://schemas.microsoft.com/office/drawing/2014/main" xmlns="" val="1734583873"/>
                     </a:ext>
                   </a:extLst>
                 </a:gridCol>
                 <a:gridCol w="734555">
                   <a:extLst>
                     <a:ext uri="{9D8B030D-6E8A-4147-A177-3AD203B41FA5}">
-                      <a16:colId xmlns="" xmlns:a16="http://schemas.microsoft.com/office/drawing/2014/main" val="1587511665"/>
+                      <a16:colId xmlns:a16="http://schemas.microsoft.com/office/drawing/2014/main" xmlns="" val="1587511665"/>
                     </a:ext>
                   </a:extLst>
                 </a:gridCol>
                 <a:gridCol w="734555">
                   <a:extLst>
                     <a:ext uri="{9D8B030D-6E8A-4147-A177-3AD203B41FA5}">
-                      <a16:colId xmlns="" xmlns:a16="http://schemas.microsoft.com/office/drawing/2014/main" val="3016036210"/>
+                      <a16:colId xmlns:a16="http://schemas.microsoft.com/office/drawing/2014/main" xmlns="" val="3016036210"/>
                     </a:ext>
                   </a:extLst>
                 </a:gridCol>
                 <a:gridCol w="734555">
                   <a:extLst>
                     <a:ext uri="{9D8B030D-6E8A-4147-A177-3AD203B41FA5}">
-                      <a16:colId xmlns="" xmlns:a16="http://schemas.microsoft.com/office/drawing/2014/main" val="1807036605"/>
+                      <a16:colId xmlns:a16="http://schemas.microsoft.com/office/drawing/2014/main" xmlns="" val="1807036605"/>
                     </a:ext>
                   </a:extLst>
                 </a:gridCol>
                 <a:gridCol w="734555">
                   <a:extLst>
                     <a:ext uri="{9D8B030D-6E8A-4147-A177-3AD203B41FA5}">
-                      <a16:colId xmlns="" xmlns:a16="http://schemas.microsoft.com/office/drawing/2014/main" val="3670928212"/>
+                      <a16:colId xmlns:a16="http://schemas.microsoft.com/office/drawing/2014/main" xmlns="" val="3670928212"/>
                     </a:ext>
                   </a:extLst>
                 </a:gridCol>
@@ -20671,7 +20672,7 @@
                 </a:tc>
                 <a:extLst>
                   <a:ext uri="{0D108BD9-81ED-4DB2-BD59-A6C34878D82A}">
-                    <a16:rowId xmlns="" xmlns:a16="http://schemas.microsoft.com/office/drawing/2014/main" val="4245261966"/>
+                    <a16:rowId xmlns:a16="http://schemas.microsoft.com/office/drawing/2014/main" xmlns="" val="4245261966"/>
                   </a:ext>
                 </a:extLst>
               </a:tr>
@@ -20684,7 +20685,7 @@
           <p:cNvPr id="5" name="표 4">
             <a:extLst>
               <a:ext uri="{FF2B5EF4-FFF2-40B4-BE49-F238E27FC236}">
-                <a16:creationId xmlns="" xmlns:a16="http://schemas.microsoft.com/office/drawing/2014/main" id="{3F6B840D-08E7-47F4-96C3-A1C3DE047B20}"/>
+                <a16:creationId xmlns:a16="http://schemas.microsoft.com/office/drawing/2014/main" xmlns="" id="{3F6B840D-08E7-47F4-96C3-A1C3DE047B20}"/>
               </a:ext>
             </a:extLst>
           </p:cNvPr>
@@ -20713,49 +20714,49 @@
                 <a:gridCol w="734555">
                   <a:extLst>
                     <a:ext uri="{9D8B030D-6E8A-4147-A177-3AD203B41FA5}">
-                      <a16:colId xmlns="" xmlns:a16="http://schemas.microsoft.com/office/drawing/2014/main" val="3945835650"/>
+                      <a16:colId xmlns:a16="http://schemas.microsoft.com/office/drawing/2014/main" xmlns="" val="3945835650"/>
                     </a:ext>
                   </a:extLst>
                 </a:gridCol>
                 <a:gridCol w="734555">
                   <a:extLst>
                     <a:ext uri="{9D8B030D-6E8A-4147-A177-3AD203B41FA5}">
-                      <a16:colId xmlns="" xmlns:a16="http://schemas.microsoft.com/office/drawing/2014/main" val="2575170332"/>
+                      <a16:colId xmlns:a16="http://schemas.microsoft.com/office/drawing/2014/main" xmlns="" val="2575170332"/>
                     </a:ext>
                   </a:extLst>
                 </a:gridCol>
                 <a:gridCol w="734555">
                   <a:extLst>
                     <a:ext uri="{9D8B030D-6E8A-4147-A177-3AD203B41FA5}">
-                      <a16:colId xmlns="" xmlns:a16="http://schemas.microsoft.com/office/drawing/2014/main" val="1734583873"/>
+                      <a16:colId xmlns:a16="http://schemas.microsoft.com/office/drawing/2014/main" xmlns="" val="1734583873"/>
                     </a:ext>
                   </a:extLst>
                 </a:gridCol>
                 <a:gridCol w="734555">
                   <a:extLst>
                     <a:ext uri="{9D8B030D-6E8A-4147-A177-3AD203B41FA5}">
-                      <a16:colId xmlns="" xmlns:a16="http://schemas.microsoft.com/office/drawing/2014/main" val="1587511665"/>
+                      <a16:colId xmlns:a16="http://schemas.microsoft.com/office/drawing/2014/main" xmlns="" val="1587511665"/>
                     </a:ext>
                   </a:extLst>
                 </a:gridCol>
                 <a:gridCol w="734555">
                   <a:extLst>
                     <a:ext uri="{9D8B030D-6E8A-4147-A177-3AD203B41FA5}">
-                      <a16:colId xmlns="" xmlns:a16="http://schemas.microsoft.com/office/drawing/2014/main" val="3016036210"/>
+                      <a16:colId xmlns:a16="http://schemas.microsoft.com/office/drawing/2014/main" xmlns="" val="3016036210"/>
                     </a:ext>
                   </a:extLst>
                 </a:gridCol>
                 <a:gridCol w="734555">
                   <a:extLst>
                     <a:ext uri="{9D8B030D-6E8A-4147-A177-3AD203B41FA5}">
-                      <a16:colId xmlns="" xmlns:a16="http://schemas.microsoft.com/office/drawing/2014/main" val="1807036605"/>
+                      <a16:colId xmlns:a16="http://schemas.microsoft.com/office/drawing/2014/main" xmlns="" val="1807036605"/>
                     </a:ext>
                   </a:extLst>
                 </a:gridCol>
                 <a:gridCol w="734555">
                   <a:extLst>
                     <a:ext uri="{9D8B030D-6E8A-4147-A177-3AD203B41FA5}">
-                      <a16:colId xmlns="" xmlns:a16="http://schemas.microsoft.com/office/drawing/2014/main" val="3670928212"/>
+                      <a16:colId xmlns:a16="http://schemas.microsoft.com/office/drawing/2014/main" xmlns="" val="3670928212"/>
                     </a:ext>
                